--- a/MANUAL.pptx
+++ b/MANUAL.pptx
@@ -6341,11 +6341,7 @@
             </a:r>
             <a:r>
               <a:rPr kumimoji="1" lang="en-US" altLang="ja-JP" smtClean="0"/>
-              <a:t>: Happy Hacking </a:t>
-            </a:r>
-            <a:r>
-              <a:rPr kumimoji="1" lang="en-US" altLang="ja-JP" smtClean="0"/>
-              <a:t>Keyboard</a:t>
+              <a:t>: Happy Hacking Keyboard</a:t>
             </a:r>
             <a:endParaRPr kumimoji="1" lang="ja-JP" altLang="en-US" dirty="0"/>
           </a:p>
@@ -11086,17 +11082,7 @@
                   </a:schemeClr>
                 </a:solidFill>
               </a:rPr>
-              <a:t>  </a:t>
-            </a:r>
-            <a:r>
-              <a:rPr lang="en-US" altLang="ja-JP" smtClean="0">
-                <a:solidFill>
-                  <a:schemeClr val="accent6">
-                    <a:lumMod val="75000"/>
-                  </a:schemeClr>
-                </a:solidFill>
-              </a:rPr>
-              <a:t>RCMD</a:t>
+              <a:t>  RCMD</a:t>
             </a:r>
             <a:endParaRPr lang="en-US" altLang="ja-JP" dirty="0" smtClean="0">
               <a:solidFill>
@@ -13285,17 +13271,7 @@
                   </a:schemeClr>
                 </a:solidFill>
               </a:rPr>
-              <a:t>SPACE </a:t>
-            </a:r>
-            <a:r>
-              <a:rPr kumimoji="1" lang="en-US" altLang="ja-JP" smtClean="0">
-                <a:solidFill>
-                  <a:schemeClr val="accent6">
-                    <a:lumMod val="75000"/>
-                  </a:schemeClr>
-                </a:solidFill>
-              </a:rPr>
-              <a:t>= </a:t>
+              <a:t>SPACE = </a:t>
             </a:r>
             <a:r>
               <a:rPr kumimoji="1" lang="en-US" altLang="ja-JP" dirty="0" smtClean="0">
@@ -22536,14 +22512,14 @@
           <a:p>
             <a:pPr algn="ctr"/>
             <a:r>
-              <a:rPr kumimoji="1" lang="en-US" altLang="ja-JP" sz="1400" smtClean="0">
+              <a:rPr kumimoji="1" lang="ja-JP" altLang="en-US" sz="1400" smtClean="0">
                 <a:solidFill>
                   <a:srgbClr val="C00000"/>
                 </a:solidFill>
                 <a:latin typeface="+mj-ea"/>
                 <a:ea typeface="+mj-ea"/>
               </a:rPr>
-              <a:t>???</a:t>
+              <a:t>未定</a:t>
             </a:r>
             <a:endParaRPr kumimoji="1" lang="ja-JP" altLang="en-US" sz="1400">
               <a:solidFill>
@@ -23580,14 +23556,14 @@
           <a:p>
             <a:pPr algn="ctr"/>
             <a:r>
-              <a:rPr kumimoji="1" lang="en-US" altLang="ja-JP" sz="1400" dirty="0" smtClean="0">
+              <a:rPr kumimoji="1" lang="ja-JP" altLang="en-US" sz="1400" smtClean="0">
                 <a:solidFill>
                   <a:srgbClr val="C00000"/>
                 </a:solidFill>
                 <a:latin typeface="+mj-ea"/>
                 <a:ea typeface="+mj-ea"/>
               </a:rPr>
-              <a:t>???</a:t>
+              <a:t>未定</a:t>
             </a:r>
             <a:endParaRPr kumimoji="1" lang="ja-JP" altLang="en-US" sz="1400" dirty="0">
               <a:solidFill>
@@ -23675,14 +23651,14 @@
           <a:p>
             <a:pPr algn="ctr"/>
             <a:r>
-              <a:rPr kumimoji="1" lang="en-US" altLang="ja-JP" sz="1400" smtClean="0">
+              <a:rPr kumimoji="1" lang="ja-JP" altLang="en-US" sz="1400" smtClean="0">
                 <a:solidFill>
                   <a:srgbClr val="C00000"/>
                 </a:solidFill>
                 <a:latin typeface="+mj-ea"/>
                 <a:ea typeface="+mj-ea"/>
               </a:rPr>
-              <a:t>???</a:t>
+              <a:t>未定</a:t>
             </a:r>
             <a:endParaRPr kumimoji="1" lang="ja-JP" altLang="en-US" sz="1400" dirty="0">
               <a:solidFill>

--- a/MANUAL.pptx
+++ b/MANUAL.pptx
@@ -17,9 +17,8 @@
     <p:sldId id="299" r:id="rId11"/>
     <p:sldId id="296" r:id="rId12"/>
     <p:sldId id="291" r:id="rId13"/>
-    <p:sldId id="298" r:id="rId14"/>
-    <p:sldId id="301" r:id="rId15"/>
-    <p:sldId id="295" r:id="rId16"/>
+    <p:sldId id="295" r:id="rId14"/>
+    <p:sldId id="298" r:id="rId15"/>
   </p:sldIdLst>
   <p:sldSz cx="9144000" cy="6858000" type="screen4x3"/>
   <p:notesSz cx="6858000" cy="9144000"/>
@@ -143,9 +142,8 @@
             <p14:sldId id="299"/>
             <p14:sldId id="296"/>
             <p14:sldId id="291"/>
+            <p14:sldId id="295"/>
             <p14:sldId id="298"/>
-            <p14:sldId id="301"/>
-            <p14:sldId id="295"/>
           </p14:sldIdLst>
         </p14:section>
       </p14:sectionLst>
@@ -10794,2301 +10792,130 @@
           <a:lstStyle/>
           <a:p>
             <a:r>
-              <a:rPr kumimoji="1" lang="en-US" altLang="ja-JP" dirty="0" smtClean="0"/>
-              <a:t>KB </a:t>
-            </a:r>
-            <a:r>
-              <a:rPr kumimoji="1" lang="en-US" altLang="ja-JP" smtClean="0"/>
-              <a:t>: Happy Hacking Keyboard</a:t>
-            </a:r>
-            <a:endParaRPr kumimoji="1" lang="ja-JP" altLang="en-US" dirty="0"/>
-          </a:p>
-        </p:txBody>
-      </p:sp>
-      <p:sp>
-        <p:nvSpPr>
-          <p:cNvPr id="6" name="角丸四角形 5"/>
-          <p:cNvSpPr/>
-          <p:nvPr/>
-        </p:nvSpPr>
-        <p:spPr>
-          <a:xfrm>
-            <a:off x="575542" y="3369914"/>
-            <a:ext cx="464588" cy="465380"/>
-          </a:xfrm>
-          <a:prstGeom prst="roundRect">
-            <a:avLst/>
-          </a:prstGeom>
-        </p:spPr>
-        <p:style>
-          <a:lnRef idx="2">
-            <a:schemeClr val="accent6"/>
-          </a:lnRef>
-          <a:fillRef idx="1">
-            <a:schemeClr val="lt1"/>
-          </a:fillRef>
-          <a:effectRef idx="0">
-            <a:schemeClr val="accent6"/>
-          </a:effectRef>
-          <a:fontRef idx="minor">
-            <a:schemeClr val="dk1"/>
-          </a:fontRef>
-        </p:style>
-        <p:txBody>
-          <a:bodyPr rtlCol="0" anchor="ctr"/>
-          <a:lstStyle/>
-          <a:p>
-            <a:pPr algn="ctr"/>
-            <a:endParaRPr kumimoji="1" lang="ja-JP" altLang="en-US" sz="1400" dirty="0"/>
-          </a:p>
-        </p:txBody>
-      </p:sp>
-      <p:sp>
-        <p:nvSpPr>
-          <p:cNvPr id="7" name="角丸四角形 6"/>
-          <p:cNvSpPr/>
-          <p:nvPr/>
-        </p:nvSpPr>
-        <p:spPr>
-          <a:xfrm>
-            <a:off x="1112123" y="3369914"/>
-            <a:ext cx="464588" cy="465380"/>
-          </a:xfrm>
-          <a:prstGeom prst="roundRect">
-            <a:avLst/>
-          </a:prstGeom>
-        </p:spPr>
-        <p:style>
-          <a:lnRef idx="2">
-            <a:schemeClr val="accent6"/>
-          </a:lnRef>
-          <a:fillRef idx="1">
-            <a:schemeClr val="lt1"/>
-          </a:fillRef>
-          <a:effectRef idx="0">
-            <a:schemeClr val="accent6"/>
-          </a:effectRef>
-          <a:fontRef idx="minor">
-            <a:schemeClr val="dk1"/>
-          </a:fontRef>
-        </p:style>
-        <p:txBody>
-          <a:bodyPr rtlCol="0" anchor="ctr"/>
-          <a:lstStyle/>
-          <a:p>
-            <a:pPr algn="ctr"/>
-            <a:endParaRPr kumimoji="1" lang="ja-JP" altLang="en-US" sz="1400" dirty="0"/>
-          </a:p>
-        </p:txBody>
-      </p:sp>
-      <p:sp>
-        <p:nvSpPr>
-          <p:cNvPr id="8" name="角丸四角形 7"/>
-          <p:cNvSpPr/>
-          <p:nvPr/>
-        </p:nvSpPr>
-        <p:spPr>
-          <a:xfrm>
-            <a:off x="1648704" y="3369914"/>
-            <a:ext cx="464588" cy="465380"/>
-          </a:xfrm>
-          <a:prstGeom prst="roundRect">
-            <a:avLst/>
-          </a:prstGeom>
-        </p:spPr>
-        <p:style>
-          <a:lnRef idx="2">
-            <a:schemeClr val="accent6"/>
-          </a:lnRef>
-          <a:fillRef idx="1">
-            <a:schemeClr val="lt1"/>
-          </a:fillRef>
-          <a:effectRef idx="0">
-            <a:schemeClr val="accent6"/>
-          </a:effectRef>
-          <a:fontRef idx="minor">
-            <a:schemeClr val="dk1"/>
-          </a:fontRef>
-        </p:style>
-        <p:txBody>
-          <a:bodyPr rtlCol="0" anchor="ctr"/>
-          <a:lstStyle/>
-          <a:p>
-            <a:pPr algn="ctr"/>
-            <a:endParaRPr kumimoji="1" lang="ja-JP" altLang="en-US" sz="1400" dirty="0"/>
-          </a:p>
-        </p:txBody>
-      </p:sp>
-      <p:sp>
-        <p:nvSpPr>
-          <p:cNvPr id="9" name="角丸四角形 8"/>
-          <p:cNvSpPr/>
-          <p:nvPr/>
-        </p:nvSpPr>
-        <p:spPr>
-          <a:xfrm>
-            <a:off x="2185285" y="3369914"/>
-            <a:ext cx="464588" cy="465380"/>
-          </a:xfrm>
-          <a:prstGeom prst="roundRect">
-            <a:avLst/>
-          </a:prstGeom>
-        </p:spPr>
-        <p:style>
-          <a:lnRef idx="2">
-            <a:schemeClr val="accent6"/>
-          </a:lnRef>
-          <a:fillRef idx="1">
-            <a:schemeClr val="lt1"/>
-          </a:fillRef>
-          <a:effectRef idx="0">
-            <a:schemeClr val="accent6"/>
-          </a:effectRef>
-          <a:fontRef idx="minor">
-            <a:schemeClr val="dk1"/>
-          </a:fontRef>
-        </p:style>
-        <p:txBody>
-          <a:bodyPr rtlCol="0" anchor="ctr"/>
-          <a:lstStyle/>
-          <a:p>
-            <a:pPr algn="ctr"/>
-            <a:endParaRPr kumimoji="1" lang="ja-JP" altLang="en-US" sz="1400" dirty="0"/>
-          </a:p>
-        </p:txBody>
-      </p:sp>
-      <p:sp>
-        <p:nvSpPr>
-          <p:cNvPr id="10" name="角丸四角形 9"/>
-          <p:cNvSpPr/>
-          <p:nvPr/>
-        </p:nvSpPr>
-        <p:spPr>
-          <a:xfrm>
-            <a:off x="2721866" y="3369914"/>
-            <a:ext cx="464588" cy="465380"/>
-          </a:xfrm>
-          <a:prstGeom prst="roundRect">
-            <a:avLst/>
-          </a:prstGeom>
-        </p:spPr>
-        <p:style>
-          <a:lnRef idx="2">
-            <a:schemeClr val="accent6"/>
-          </a:lnRef>
-          <a:fillRef idx="1">
-            <a:schemeClr val="lt1"/>
-          </a:fillRef>
-          <a:effectRef idx="0">
-            <a:schemeClr val="accent6"/>
-          </a:effectRef>
-          <a:fontRef idx="minor">
-            <a:schemeClr val="dk1"/>
-          </a:fontRef>
-        </p:style>
-        <p:txBody>
-          <a:bodyPr rtlCol="0" anchor="ctr"/>
-          <a:lstStyle/>
-          <a:p>
-            <a:pPr algn="ctr"/>
-            <a:endParaRPr kumimoji="1" lang="ja-JP" altLang="en-US" sz="1400" dirty="0"/>
-          </a:p>
-        </p:txBody>
-      </p:sp>
-      <p:sp>
-        <p:nvSpPr>
-          <p:cNvPr id="11" name="角丸四角形 10"/>
-          <p:cNvSpPr/>
-          <p:nvPr/>
-        </p:nvSpPr>
-        <p:spPr>
-          <a:xfrm>
-            <a:off x="3258447" y="3369914"/>
-            <a:ext cx="464588" cy="465380"/>
-          </a:xfrm>
-          <a:prstGeom prst="roundRect">
-            <a:avLst/>
-          </a:prstGeom>
-        </p:spPr>
-        <p:style>
-          <a:lnRef idx="2">
-            <a:schemeClr val="accent6"/>
-          </a:lnRef>
-          <a:fillRef idx="1">
-            <a:schemeClr val="lt1"/>
-          </a:fillRef>
-          <a:effectRef idx="0">
-            <a:schemeClr val="accent6"/>
-          </a:effectRef>
-          <a:fontRef idx="minor">
-            <a:schemeClr val="dk1"/>
-          </a:fontRef>
-        </p:style>
-        <p:txBody>
-          <a:bodyPr rtlCol="0" anchor="ctr"/>
-          <a:lstStyle/>
-          <a:p>
-            <a:pPr algn="ctr"/>
-            <a:endParaRPr kumimoji="1" lang="ja-JP" altLang="en-US" sz="1400" dirty="0"/>
-          </a:p>
-        </p:txBody>
-      </p:sp>
-      <p:sp>
-        <p:nvSpPr>
-          <p:cNvPr id="12" name="角丸四角形 11"/>
-          <p:cNvSpPr/>
-          <p:nvPr/>
-        </p:nvSpPr>
-        <p:spPr>
-          <a:xfrm>
-            <a:off x="3795028" y="3369914"/>
-            <a:ext cx="464588" cy="465380"/>
-          </a:xfrm>
-          <a:prstGeom prst="roundRect">
-            <a:avLst/>
-          </a:prstGeom>
-        </p:spPr>
-        <p:style>
-          <a:lnRef idx="2">
-            <a:schemeClr val="accent6"/>
-          </a:lnRef>
-          <a:fillRef idx="1">
-            <a:schemeClr val="lt1"/>
-          </a:fillRef>
-          <a:effectRef idx="0">
-            <a:schemeClr val="accent6"/>
-          </a:effectRef>
-          <a:fontRef idx="minor">
-            <a:schemeClr val="dk1"/>
-          </a:fontRef>
-        </p:style>
-        <p:txBody>
-          <a:bodyPr rtlCol="0" anchor="ctr"/>
-          <a:lstStyle/>
-          <a:p>
-            <a:pPr algn="ctr"/>
-            <a:endParaRPr kumimoji="1" lang="ja-JP" altLang="en-US" sz="1400" dirty="0"/>
-          </a:p>
-        </p:txBody>
-      </p:sp>
-      <p:sp>
-        <p:nvSpPr>
-          <p:cNvPr id="13" name="角丸四角形 12"/>
-          <p:cNvSpPr/>
-          <p:nvPr/>
-        </p:nvSpPr>
-        <p:spPr>
-          <a:xfrm>
-            <a:off x="4331609" y="3369914"/>
-            <a:ext cx="464588" cy="465380"/>
-          </a:xfrm>
-          <a:prstGeom prst="roundRect">
-            <a:avLst/>
-          </a:prstGeom>
-        </p:spPr>
-        <p:style>
-          <a:lnRef idx="2">
-            <a:schemeClr val="accent6"/>
-          </a:lnRef>
-          <a:fillRef idx="1">
-            <a:schemeClr val="lt1"/>
-          </a:fillRef>
-          <a:effectRef idx="0">
-            <a:schemeClr val="accent6"/>
-          </a:effectRef>
-          <a:fontRef idx="minor">
-            <a:schemeClr val="dk1"/>
-          </a:fontRef>
-        </p:style>
-        <p:txBody>
-          <a:bodyPr rtlCol="0" anchor="ctr"/>
-          <a:lstStyle/>
-          <a:p>
-            <a:pPr algn="ctr"/>
-            <a:endParaRPr kumimoji="1" lang="ja-JP" altLang="en-US" sz="1400" dirty="0"/>
-          </a:p>
-        </p:txBody>
-      </p:sp>
-      <p:sp>
-        <p:nvSpPr>
-          <p:cNvPr id="14" name="角丸四角形 13"/>
-          <p:cNvSpPr/>
-          <p:nvPr/>
-        </p:nvSpPr>
-        <p:spPr>
-          <a:xfrm>
-            <a:off x="4868190" y="3369914"/>
-            <a:ext cx="464588" cy="465380"/>
-          </a:xfrm>
-          <a:prstGeom prst="roundRect">
-            <a:avLst/>
-          </a:prstGeom>
-        </p:spPr>
-        <p:style>
-          <a:lnRef idx="2">
-            <a:schemeClr val="accent6"/>
-          </a:lnRef>
-          <a:fillRef idx="1">
-            <a:schemeClr val="lt1"/>
-          </a:fillRef>
-          <a:effectRef idx="0">
-            <a:schemeClr val="accent6"/>
-          </a:effectRef>
-          <a:fontRef idx="minor">
-            <a:schemeClr val="dk1"/>
-          </a:fontRef>
-        </p:style>
-        <p:txBody>
-          <a:bodyPr rtlCol="0" anchor="ctr"/>
-          <a:lstStyle/>
-          <a:p>
-            <a:pPr algn="ctr"/>
-            <a:endParaRPr kumimoji="1" lang="ja-JP" altLang="en-US" sz="1400" dirty="0"/>
-          </a:p>
-        </p:txBody>
-      </p:sp>
-      <p:sp>
-        <p:nvSpPr>
-          <p:cNvPr id="15" name="角丸四角形 14"/>
-          <p:cNvSpPr/>
-          <p:nvPr/>
-        </p:nvSpPr>
-        <p:spPr>
-          <a:xfrm>
-            <a:off x="5404771" y="3369914"/>
-            <a:ext cx="464588" cy="465380"/>
-          </a:xfrm>
-          <a:prstGeom prst="roundRect">
-            <a:avLst/>
-          </a:prstGeom>
-        </p:spPr>
-        <p:style>
-          <a:lnRef idx="2">
-            <a:schemeClr val="accent6"/>
-          </a:lnRef>
-          <a:fillRef idx="1">
-            <a:schemeClr val="lt1"/>
-          </a:fillRef>
-          <a:effectRef idx="0">
-            <a:schemeClr val="accent6"/>
-          </a:effectRef>
-          <a:fontRef idx="minor">
-            <a:schemeClr val="dk1"/>
-          </a:fontRef>
-        </p:style>
-        <p:txBody>
-          <a:bodyPr rtlCol="0" anchor="ctr"/>
-          <a:lstStyle/>
-          <a:p>
-            <a:pPr algn="ctr"/>
-            <a:endParaRPr kumimoji="1" lang="ja-JP" altLang="en-US" sz="1400" dirty="0"/>
-          </a:p>
-        </p:txBody>
-      </p:sp>
-      <p:sp>
-        <p:nvSpPr>
-          <p:cNvPr id="16" name="角丸四角形 15"/>
-          <p:cNvSpPr/>
-          <p:nvPr/>
-        </p:nvSpPr>
-        <p:spPr>
-          <a:xfrm>
-            <a:off x="5941352" y="3369914"/>
-            <a:ext cx="464588" cy="465380"/>
-          </a:xfrm>
-          <a:prstGeom prst="roundRect">
-            <a:avLst/>
-          </a:prstGeom>
-        </p:spPr>
-        <p:style>
-          <a:lnRef idx="2">
-            <a:schemeClr val="accent6"/>
-          </a:lnRef>
-          <a:fillRef idx="1">
-            <a:schemeClr val="lt1"/>
-          </a:fillRef>
-          <a:effectRef idx="0">
-            <a:schemeClr val="accent6"/>
-          </a:effectRef>
-          <a:fontRef idx="minor">
-            <a:schemeClr val="dk1"/>
-          </a:fontRef>
-        </p:style>
-        <p:txBody>
-          <a:bodyPr rtlCol="0" anchor="ctr"/>
-          <a:lstStyle/>
-          <a:p>
-            <a:pPr algn="ctr"/>
-            <a:endParaRPr kumimoji="1" lang="ja-JP" altLang="en-US" sz="1400" dirty="0"/>
-          </a:p>
-        </p:txBody>
-      </p:sp>
-      <p:sp>
-        <p:nvSpPr>
-          <p:cNvPr id="17" name="角丸四角形 16"/>
-          <p:cNvSpPr/>
-          <p:nvPr/>
-        </p:nvSpPr>
-        <p:spPr>
-          <a:xfrm>
-            <a:off x="6477933" y="3369914"/>
-            <a:ext cx="464588" cy="465380"/>
-          </a:xfrm>
-          <a:prstGeom prst="roundRect">
-            <a:avLst/>
-          </a:prstGeom>
-        </p:spPr>
-        <p:style>
-          <a:lnRef idx="2">
-            <a:schemeClr val="accent6"/>
-          </a:lnRef>
-          <a:fillRef idx="1">
-            <a:schemeClr val="lt1"/>
-          </a:fillRef>
-          <a:effectRef idx="0">
-            <a:schemeClr val="accent6"/>
-          </a:effectRef>
-          <a:fontRef idx="minor">
-            <a:schemeClr val="dk1"/>
-          </a:fontRef>
-        </p:style>
-        <p:txBody>
-          <a:bodyPr rtlCol="0" anchor="ctr"/>
-          <a:lstStyle/>
-          <a:p>
-            <a:pPr algn="ctr"/>
-            <a:endParaRPr kumimoji="1" lang="ja-JP" altLang="en-US" sz="1400" dirty="0"/>
-          </a:p>
-        </p:txBody>
-      </p:sp>
-      <p:sp>
-        <p:nvSpPr>
-          <p:cNvPr id="18" name="角丸四角形 17"/>
-          <p:cNvSpPr/>
-          <p:nvPr/>
-        </p:nvSpPr>
-        <p:spPr>
-          <a:xfrm>
-            <a:off x="7014514" y="3369914"/>
-            <a:ext cx="464588" cy="465380"/>
-          </a:xfrm>
-          <a:prstGeom prst="roundRect">
-            <a:avLst/>
-          </a:prstGeom>
-        </p:spPr>
-        <p:style>
-          <a:lnRef idx="2">
-            <a:schemeClr val="accent6"/>
-          </a:lnRef>
-          <a:fillRef idx="1">
-            <a:schemeClr val="lt1"/>
-          </a:fillRef>
-          <a:effectRef idx="0">
-            <a:schemeClr val="accent6"/>
-          </a:effectRef>
-          <a:fontRef idx="minor">
-            <a:schemeClr val="dk1"/>
-          </a:fontRef>
-        </p:style>
-        <p:txBody>
-          <a:bodyPr rtlCol="0" anchor="ctr"/>
-          <a:lstStyle/>
-          <a:p>
-            <a:pPr algn="ctr"/>
-            <a:endParaRPr kumimoji="1" lang="ja-JP" altLang="en-US" sz="1400" dirty="0"/>
-          </a:p>
-        </p:txBody>
-      </p:sp>
-      <p:sp>
-        <p:nvSpPr>
-          <p:cNvPr id="19" name="角丸四角形 18"/>
-          <p:cNvSpPr/>
-          <p:nvPr/>
-        </p:nvSpPr>
-        <p:spPr>
-          <a:xfrm>
-            <a:off x="7551095" y="3369914"/>
-            <a:ext cx="464588" cy="465380"/>
-          </a:xfrm>
-          <a:prstGeom prst="roundRect">
-            <a:avLst/>
-          </a:prstGeom>
-        </p:spPr>
-        <p:style>
-          <a:lnRef idx="2">
-            <a:schemeClr val="accent6"/>
-          </a:lnRef>
-          <a:fillRef idx="1">
-            <a:schemeClr val="lt1"/>
-          </a:fillRef>
-          <a:effectRef idx="0">
-            <a:schemeClr val="accent6"/>
-          </a:effectRef>
-          <a:fontRef idx="minor">
-            <a:schemeClr val="dk1"/>
-          </a:fontRef>
-        </p:style>
-        <p:txBody>
-          <a:bodyPr rtlCol="0" anchor="ctr"/>
-          <a:lstStyle/>
-          <a:p>
-            <a:pPr algn="ctr"/>
-            <a:endParaRPr kumimoji="1" lang="ja-JP" altLang="en-US" sz="1400" dirty="0"/>
-          </a:p>
-        </p:txBody>
-      </p:sp>
-      <p:sp>
-        <p:nvSpPr>
-          <p:cNvPr id="20" name="角丸四角形 19"/>
-          <p:cNvSpPr/>
-          <p:nvPr/>
-        </p:nvSpPr>
-        <p:spPr>
-          <a:xfrm>
-            <a:off x="8087682" y="3369914"/>
-            <a:ext cx="464588" cy="465380"/>
-          </a:xfrm>
-          <a:prstGeom prst="roundRect">
-            <a:avLst/>
-          </a:prstGeom>
-        </p:spPr>
-        <p:style>
-          <a:lnRef idx="2">
-            <a:schemeClr val="accent6"/>
-          </a:lnRef>
-          <a:fillRef idx="1">
-            <a:schemeClr val="lt1"/>
-          </a:fillRef>
-          <a:effectRef idx="0">
-            <a:schemeClr val="accent6"/>
-          </a:effectRef>
-          <a:fontRef idx="minor">
-            <a:schemeClr val="dk1"/>
-          </a:fontRef>
-        </p:style>
-        <p:txBody>
-          <a:bodyPr rtlCol="0" anchor="ctr"/>
-          <a:lstStyle/>
-          <a:p>
-            <a:pPr algn="ctr"/>
-            <a:endParaRPr kumimoji="1" lang="ja-JP" altLang="en-US" sz="1400" dirty="0"/>
-          </a:p>
-        </p:txBody>
-      </p:sp>
-      <p:sp>
-        <p:nvSpPr>
-          <p:cNvPr id="22" name="角丸四角形 21"/>
-          <p:cNvSpPr/>
-          <p:nvPr/>
-        </p:nvSpPr>
-        <p:spPr>
-          <a:xfrm>
-            <a:off x="1364212" y="3895694"/>
-            <a:ext cx="464588" cy="465380"/>
-          </a:xfrm>
-          <a:prstGeom prst="roundRect">
-            <a:avLst/>
-          </a:prstGeom>
-        </p:spPr>
-        <p:style>
-          <a:lnRef idx="2">
-            <a:schemeClr val="accent6"/>
-          </a:lnRef>
-          <a:fillRef idx="1">
-            <a:schemeClr val="lt1"/>
-          </a:fillRef>
-          <a:effectRef idx="0">
-            <a:schemeClr val="accent6"/>
-          </a:effectRef>
-          <a:fontRef idx="minor">
-            <a:schemeClr val="dk1"/>
-          </a:fontRef>
-        </p:style>
-        <p:txBody>
-          <a:bodyPr rtlCol="0" anchor="ctr"/>
-          <a:lstStyle/>
-          <a:p>
-            <a:pPr algn="ctr"/>
-            <a:endParaRPr kumimoji="1" lang="ja-JP" altLang="en-US" sz="1400" dirty="0"/>
-          </a:p>
-        </p:txBody>
-      </p:sp>
-      <p:sp>
-        <p:nvSpPr>
-          <p:cNvPr id="23" name="角丸四角形 22"/>
-          <p:cNvSpPr/>
-          <p:nvPr/>
-        </p:nvSpPr>
-        <p:spPr>
-          <a:xfrm>
-            <a:off x="1900793" y="3895694"/>
-            <a:ext cx="464588" cy="465380"/>
-          </a:xfrm>
-          <a:prstGeom prst="roundRect">
-            <a:avLst/>
-          </a:prstGeom>
-        </p:spPr>
-        <p:style>
-          <a:lnRef idx="2">
-            <a:schemeClr val="accent6"/>
-          </a:lnRef>
-          <a:fillRef idx="1">
-            <a:schemeClr val="lt1"/>
-          </a:fillRef>
-          <a:effectRef idx="0">
-            <a:schemeClr val="accent6"/>
-          </a:effectRef>
-          <a:fontRef idx="minor">
-            <a:schemeClr val="dk1"/>
-          </a:fontRef>
-        </p:style>
-        <p:txBody>
-          <a:bodyPr rtlCol="0" anchor="ctr"/>
-          <a:lstStyle/>
-          <a:p>
-            <a:pPr algn="ctr"/>
-            <a:endParaRPr kumimoji="1" lang="ja-JP" altLang="en-US" sz="1400" dirty="0"/>
-          </a:p>
-        </p:txBody>
-      </p:sp>
-      <p:sp>
-        <p:nvSpPr>
-          <p:cNvPr id="24" name="角丸四角形 23"/>
-          <p:cNvSpPr/>
-          <p:nvPr/>
-        </p:nvSpPr>
-        <p:spPr>
-          <a:xfrm>
-            <a:off x="2437374" y="3895694"/>
-            <a:ext cx="464588" cy="465380"/>
-          </a:xfrm>
-          <a:prstGeom prst="roundRect">
-            <a:avLst/>
-          </a:prstGeom>
-        </p:spPr>
-        <p:style>
-          <a:lnRef idx="2">
-            <a:schemeClr val="accent6"/>
-          </a:lnRef>
-          <a:fillRef idx="1">
-            <a:schemeClr val="lt1"/>
-          </a:fillRef>
-          <a:effectRef idx="0">
-            <a:schemeClr val="accent6"/>
-          </a:effectRef>
-          <a:fontRef idx="minor">
-            <a:schemeClr val="dk1"/>
-          </a:fontRef>
-        </p:style>
-        <p:txBody>
-          <a:bodyPr rtlCol="0" anchor="ctr"/>
-          <a:lstStyle/>
-          <a:p>
-            <a:pPr algn="ctr"/>
-            <a:endParaRPr kumimoji="1" lang="ja-JP" altLang="en-US" sz="1400" dirty="0"/>
-          </a:p>
-        </p:txBody>
-      </p:sp>
-      <p:sp>
-        <p:nvSpPr>
-          <p:cNvPr id="25" name="角丸四角形 24"/>
-          <p:cNvSpPr/>
-          <p:nvPr/>
-        </p:nvSpPr>
-        <p:spPr>
-          <a:xfrm>
-            <a:off x="2973955" y="3895694"/>
-            <a:ext cx="464588" cy="465380"/>
-          </a:xfrm>
-          <a:prstGeom prst="roundRect">
-            <a:avLst/>
-          </a:prstGeom>
-        </p:spPr>
-        <p:style>
-          <a:lnRef idx="2">
-            <a:schemeClr val="accent6"/>
-          </a:lnRef>
-          <a:fillRef idx="1">
-            <a:schemeClr val="lt1"/>
-          </a:fillRef>
-          <a:effectRef idx="0">
-            <a:schemeClr val="accent6"/>
-          </a:effectRef>
-          <a:fontRef idx="minor">
-            <a:schemeClr val="dk1"/>
-          </a:fontRef>
-        </p:style>
-        <p:txBody>
-          <a:bodyPr rtlCol="0" anchor="ctr"/>
-          <a:lstStyle/>
-          <a:p>
-            <a:pPr algn="ctr"/>
-            <a:endParaRPr kumimoji="1" lang="ja-JP" altLang="en-US" sz="1400" dirty="0"/>
-          </a:p>
-        </p:txBody>
-      </p:sp>
-      <p:sp>
-        <p:nvSpPr>
-          <p:cNvPr id="26" name="角丸四角形 25"/>
-          <p:cNvSpPr/>
-          <p:nvPr/>
-        </p:nvSpPr>
-        <p:spPr>
-          <a:xfrm>
-            <a:off x="3510536" y="3895694"/>
-            <a:ext cx="464588" cy="465380"/>
-          </a:xfrm>
-          <a:prstGeom prst="roundRect">
-            <a:avLst/>
-          </a:prstGeom>
-        </p:spPr>
-        <p:style>
-          <a:lnRef idx="2">
-            <a:schemeClr val="accent6"/>
-          </a:lnRef>
-          <a:fillRef idx="1">
-            <a:schemeClr val="lt1"/>
-          </a:fillRef>
-          <a:effectRef idx="0">
-            <a:schemeClr val="accent6"/>
-          </a:effectRef>
-          <a:fontRef idx="minor">
-            <a:schemeClr val="dk1"/>
-          </a:fontRef>
-        </p:style>
-        <p:txBody>
-          <a:bodyPr rtlCol="0" anchor="ctr"/>
-          <a:lstStyle/>
-          <a:p>
-            <a:pPr algn="ctr"/>
-            <a:endParaRPr kumimoji="1" lang="ja-JP" altLang="en-US" sz="1400" dirty="0"/>
-          </a:p>
-        </p:txBody>
-      </p:sp>
-      <p:sp>
-        <p:nvSpPr>
-          <p:cNvPr id="27" name="角丸四角形 26"/>
-          <p:cNvSpPr/>
-          <p:nvPr/>
-        </p:nvSpPr>
-        <p:spPr>
-          <a:xfrm>
-            <a:off x="4047117" y="3895694"/>
-            <a:ext cx="464588" cy="465380"/>
-          </a:xfrm>
-          <a:prstGeom prst="roundRect">
-            <a:avLst/>
-          </a:prstGeom>
-        </p:spPr>
-        <p:style>
-          <a:lnRef idx="2">
-            <a:schemeClr val="accent6"/>
-          </a:lnRef>
-          <a:fillRef idx="1">
-            <a:schemeClr val="lt1"/>
-          </a:fillRef>
-          <a:effectRef idx="0">
-            <a:schemeClr val="accent6"/>
-          </a:effectRef>
-          <a:fontRef idx="minor">
-            <a:schemeClr val="dk1"/>
-          </a:fontRef>
-        </p:style>
-        <p:txBody>
-          <a:bodyPr rtlCol="0" anchor="ctr"/>
-          <a:lstStyle/>
-          <a:p>
-            <a:pPr algn="ctr"/>
-            <a:endParaRPr kumimoji="1" lang="ja-JP" altLang="en-US" sz="1400" dirty="0"/>
-          </a:p>
-        </p:txBody>
-      </p:sp>
-      <p:sp>
-        <p:nvSpPr>
-          <p:cNvPr id="28" name="角丸四角形 27"/>
-          <p:cNvSpPr/>
-          <p:nvPr/>
-        </p:nvSpPr>
-        <p:spPr>
-          <a:xfrm>
-            <a:off x="4583698" y="3895694"/>
-            <a:ext cx="464588" cy="465380"/>
-          </a:xfrm>
-          <a:prstGeom prst="roundRect">
-            <a:avLst/>
-          </a:prstGeom>
-        </p:spPr>
-        <p:style>
-          <a:lnRef idx="2">
-            <a:schemeClr val="accent6"/>
-          </a:lnRef>
-          <a:fillRef idx="1">
-            <a:schemeClr val="lt1"/>
-          </a:fillRef>
-          <a:effectRef idx="0">
-            <a:schemeClr val="accent6"/>
-          </a:effectRef>
-          <a:fontRef idx="minor">
-            <a:schemeClr val="dk1"/>
-          </a:fontRef>
-        </p:style>
-        <p:txBody>
-          <a:bodyPr rtlCol="0" anchor="ctr"/>
-          <a:lstStyle/>
-          <a:p>
-            <a:pPr algn="ctr"/>
-            <a:endParaRPr kumimoji="1" lang="ja-JP" altLang="en-US" sz="1400" dirty="0"/>
-          </a:p>
-        </p:txBody>
-      </p:sp>
-      <p:sp>
-        <p:nvSpPr>
-          <p:cNvPr id="29" name="角丸四角形 28"/>
-          <p:cNvSpPr/>
-          <p:nvPr/>
-        </p:nvSpPr>
-        <p:spPr>
-          <a:xfrm>
-            <a:off x="5120279" y="3895694"/>
-            <a:ext cx="464588" cy="465380"/>
-          </a:xfrm>
-          <a:prstGeom prst="roundRect">
-            <a:avLst/>
-          </a:prstGeom>
-        </p:spPr>
-        <p:style>
-          <a:lnRef idx="2">
-            <a:schemeClr val="accent6"/>
-          </a:lnRef>
-          <a:fillRef idx="1">
-            <a:schemeClr val="lt1"/>
-          </a:fillRef>
-          <a:effectRef idx="0">
-            <a:schemeClr val="accent6"/>
-          </a:effectRef>
-          <a:fontRef idx="minor">
-            <a:schemeClr val="dk1"/>
-          </a:fontRef>
-        </p:style>
-        <p:txBody>
-          <a:bodyPr rtlCol="0" anchor="ctr"/>
-          <a:lstStyle/>
-          <a:p>
-            <a:pPr algn="ctr"/>
-            <a:endParaRPr kumimoji="1" lang="ja-JP" altLang="en-US" sz="1400" dirty="0"/>
-          </a:p>
-        </p:txBody>
-      </p:sp>
-      <p:sp>
-        <p:nvSpPr>
-          <p:cNvPr id="30" name="角丸四角形 29"/>
-          <p:cNvSpPr/>
-          <p:nvPr/>
-        </p:nvSpPr>
-        <p:spPr>
-          <a:xfrm>
-            <a:off x="5656860" y="3895694"/>
-            <a:ext cx="464588" cy="465380"/>
-          </a:xfrm>
-          <a:prstGeom prst="roundRect">
-            <a:avLst/>
-          </a:prstGeom>
-        </p:spPr>
-        <p:style>
-          <a:lnRef idx="2">
-            <a:schemeClr val="accent6"/>
-          </a:lnRef>
-          <a:fillRef idx="1">
-            <a:schemeClr val="lt1"/>
-          </a:fillRef>
-          <a:effectRef idx="0">
-            <a:schemeClr val="accent6"/>
-          </a:effectRef>
-          <a:fontRef idx="minor">
-            <a:schemeClr val="dk1"/>
-          </a:fontRef>
-        </p:style>
-        <p:txBody>
-          <a:bodyPr rtlCol="0" anchor="ctr"/>
-          <a:lstStyle/>
-          <a:p>
-            <a:pPr algn="ctr"/>
-            <a:endParaRPr kumimoji="1" lang="ja-JP" altLang="en-US" sz="1400" dirty="0"/>
-          </a:p>
-        </p:txBody>
-      </p:sp>
-      <p:sp>
-        <p:nvSpPr>
-          <p:cNvPr id="31" name="角丸四角形 30"/>
-          <p:cNvSpPr/>
-          <p:nvPr/>
-        </p:nvSpPr>
-        <p:spPr>
-          <a:xfrm>
-            <a:off x="6193441" y="3895694"/>
-            <a:ext cx="464588" cy="465380"/>
-          </a:xfrm>
-          <a:prstGeom prst="roundRect">
-            <a:avLst/>
-          </a:prstGeom>
-        </p:spPr>
-        <p:style>
-          <a:lnRef idx="2">
-            <a:schemeClr val="accent6"/>
-          </a:lnRef>
-          <a:fillRef idx="1">
-            <a:schemeClr val="lt1"/>
-          </a:fillRef>
-          <a:effectRef idx="0">
-            <a:schemeClr val="accent6"/>
-          </a:effectRef>
-          <a:fontRef idx="minor">
-            <a:schemeClr val="dk1"/>
-          </a:fontRef>
-        </p:style>
-        <p:txBody>
-          <a:bodyPr rtlCol="0" anchor="ctr"/>
-          <a:lstStyle/>
-          <a:p>
-            <a:pPr algn="ctr"/>
-            <a:endParaRPr kumimoji="1" lang="ja-JP" altLang="en-US" sz="1400" dirty="0"/>
-          </a:p>
-        </p:txBody>
-      </p:sp>
-      <p:sp>
-        <p:nvSpPr>
-          <p:cNvPr id="32" name="角丸四角形 31"/>
-          <p:cNvSpPr/>
-          <p:nvPr/>
-        </p:nvSpPr>
-        <p:spPr>
-          <a:xfrm>
-            <a:off x="6730022" y="3895694"/>
-            <a:ext cx="464588" cy="465380"/>
-          </a:xfrm>
-          <a:prstGeom prst="roundRect">
-            <a:avLst/>
-          </a:prstGeom>
-        </p:spPr>
-        <p:style>
-          <a:lnRef idx="2">
-            <a:schemeClr val="accent6"/>
-          </a:lnRef>
-          <a:fillRef idx="1">
-            <a:schemeClr val="lt1"/>
-          </a:fillRef>
-          <a:effectRef idx="0">
-            <a:schemeClr val="accent6"/>
-          </a:effectRef>
-          <a:fontRef idx="minor">
-            <a:schemeClr val="dk1"/>
-          </a:fontRef>
-        </p:style>
-        <p:txBody>
-          <a:bodyPr rtlCol="0" anchor="ctr"/>
-          <a:lstStyle/>
-          <a:p>
-            <a:pPr algn="ctr"/>
-            <a:endParaRPr kumimoji="1" lang="ja-JP" altLang="en-US" sz="1400" dirty="0"/>
-          </a:p>
-        </p:txBody>
-      </p:sp>
-      <p:sp>
-        <p:nvSpPr>
-          <p:cNvPr id="33" name="角丸四角形 32"/>
-          <p:cNvSpPr/>
-          <p:nvPr/>
-        </p:nvSpPr>
-        <p:spPr>
-          <a:xfrm>
-            <a:off x="7266603" y="3895694"/>
-            <a:ext cx="464588" cy="465380"/>
-          </a:xfrm>
-          <a:prstGeom prst="roundRect">
-            <a:avLst/>
-          </a:prstGeom>
-        </p:spPr>
-        <p:style>
-          <a:lnRef idx="2">
-            <a:schemeClr val="accent6"/>
-          </a:lnRef>
-          <a:fillRef idx="1">
-            <a:schemeClr val="lt1"/>
-          </a:fillRef>
-          <a:effectRef idx="0">
-            <a:schemeClr val="accent6"/>
-          </a:effectRef>
-          <a:fontRef idx="minor">
-            <a:schemeClr val="dk1"/>
-          </a:fontRef>
-        </p:style>
-        <p:txBody>
-          <a:bodyPr rtlCol="0" anchor="ctr"/>
-          <a:lstStyle/>
-          <a:p>
-            <a:pPr algn="ctr"/>
-            <a:endParaRPr kumimoji="1" lang="ja-JP" altLang="en-US" sz="1400" dirty="0"/>
-          </a:p>
-        </p:txBody>
-      </p:sp>
-      <p:sp>
-        <p:nvSpPr>
-          <p:cNvPr id="34" name="角丸四角形 33"/>
-          <p:cNvSpPr/>
-          <p:nvPr/>
-        </p:nvSpPr>
-        <p:spPr>
-          <a:xfrm>
-            <a:off x="7803183" y="3895694"/>
-            <a:ext cx="749085" cy="465380"/>
-          </a:xfrm>
-          <a:prstGeom prst="roundRect">
-            <a:avLst/>
-          </a:prstGeom>
-        </p:spPr>
-        <p:style>
-          <a:lnRef idx="2">
-            <a:schemeClr val="accent6"/>
-          </a:lnRef>
-          <a:fillRef idx="1">
-            <a:schemeClr val="lt1"/>
-          </a:fillRef>
-          <a:effectRef idx="0">
-            <a:schemeClr val="accent6"/>
-          </a:effectRef>
-          <a:fontRef idx="minor">
-            <a:schemeClr val="dk1"/>
-          </a:fontRef>
-        </p:style>
-        <p:txBody>
-          <a:bodyPr rtlCol="0" anchor="ctr"/>
-          <a:lstStyle/>
-          <a:p>
-            <a:pPr algn="ctr"/>
-            <a:endParaRPr kumimoji="1" lang="ja-JP" altLang="en-US" sz="1400" dirty="0"/>
-          </a:p>
-        </p:txBody>
-      </p:sp>
-      <p:sp>
-        <p:nvSpPr>
-          <p:cNvPr id="35" name="角丸四角形 34"/>
-          <p:cNvSpPr/>
-          <p:nvPr/>
-        </p:nvSpPr>
-        <p:spPr>
-          <a:xfrm>
-            <a:off x="569441" y="3895694"/>
-            <a:ext cx="722778" cy="465380"/>
-          </a:xfrm>
-          <a:prstGeom prst="roundRect">
-            <a:avLst/>
-          </a:prstGeom>
-        </p:spPr>
-        <p:style>
-          <a:lnRef idx="2">
-            <a:schemeClr val="accent6"/>
-          </a:lnRef>
-          <a:fillRef idx="1">
-            <a:schemeClr val="lt1"/>
-          </a:fillRef>
-          <a:effectRef idx="0">
-            <a:schemeClr val="accent6"/>
-          </a:effectRef>
-          <a:fontRef idx="minor">
-            <a:schemeClr val="dk1"/>
-          </a:fontRef>
-        </p:style>
-        <p:txBody>
-          <a:bodyPr rtlCol="0" anchor="ctr"/>
-          <a:lstStyle/>
-          <a:p>
-            <a:pPr algn="ctr"/>
-            <a:endParaRPr kumimoji="1" lang="ja-JP" altLang="en-US" sz="1400" dirty="0"/>
-          </a:p>
-        </p:txBody>
-      </p:sp>
-      <p:sp>
-        <p:nvSpPr>
-          <p:cNvPr id="36" name="角丸四角形 35"/>
-          <p:cNvSpPr/>
-          <p:nvPr/>
-        </p:nvSpPr>
-        <p:spPr>
-          <a:xfrm>
-            <a:off x="1547092" y="4421474"/>
-            <a:ext cx="464588" cy="465380"/>
-          </a:xfrm>
-          <a:prstGeom prst="roundRect">
-            <a:avLst/>
-          </a:prstGeom>
-        </p:spPr>
-        <p:style>
-          <a:lnRef idx="2">
-            <a:schemeClr val="accent6"/>
-          </a:lnRef>
-          <a:fillRef idx="1">
-            <a:schemeClr val="lt1"/>
-          </a:fillRef>
-          <a:effectRef idx="0">
-            <a:schemeClr val="accent6"/>
-          </a:effectRef>
-          <a:fontRef idx="minor">
-            <a:schemeClr val="dk1"/>
-          </a:fontRef>
-        </p:style>
-        <p:txBody>
-          <a:bodyPr rtlCol="0" anchor="ctr"/>
-          <a:lstStyle/>
-          <a:p>
-            <a:pPr algn="ctr"/>
-            <a:endParaRPr kumimoji="1" lang="ja-JP" altLang="en-US" sz="1400" dirty="0"/>
-          </a:p>
-        </p:txBody>
-      </p:sp>
-      <p:sp>
-        <p:nvSpPr>
-          <p:cNvPr id="37" name="角丸四角形 36"/>
-          <p:cNvSpPr/>
-          <p:nvPr/>
-        </p:nvSpPr>
-        <p:spPr>
-          <a:xfrm>
-            <a:off x="2083673" y="4421474"/>
-            <a:ext cx="464588" cy="465380"/>
-          </a:xfrm>
-          <a:prstGeom prst="roundRect">
-            <a:avLst/>
-          </a:prstGeom>
-        </p:spPr>
-        <p:style>
-          <a:lnRef idx="2">
-            <a:schemeClr val="accent6"/>
-          </a:lnRef>
-          <a:fillRef idx="1">
-            <a:schemeClr val="lt1"/>
-          </a:fillRef>
-          <a:effectRef idx="0">
-            <a:schemeClr val="accent6"/>
-          </a:effectRef>
-          <a:fontRef idx="minor">
-            <a:schemeClr val="dk1"/>
-          </a:fontRef>
-        </p:style>
-        <p:txBody>
-          <a:bodyPr rtlCol="0" anchor="ctr"/>
-          <a:lstStyle/>
-          <a:p>
-            <a:pPr algn="ctr"/>
-            <a:endParaRPr kumimoji="1" lang="ja-JP" altLang="en-US" sz="1400" dirty="0"/>
-          </a:p>
-        </p:txBody>
-      </p:sp>
-      <p:sp>
-        <p:nvSpPr>
-          <p:cNvPr id="38" name="角丸四角形 37"/>
-          <p:cNvSpPr/>
-          <p:nvPr/>
-        </p:nvSpPr>
-        <p:spPr>
-          <a:xfrm>
-            <a:off x="2620254" y="4421474"/>
-            <a:ext cx="464588" cy="465380"/>
-          </a:xfrm>
-          <a:prstGeom prst="roundRect">
-            <a:avLst/>
-          </a:prstGeom>
-        </p:spPr>
-        <p:style>
-          <a:lnRef idx="2">
-            <a:schemeClr val="accent6"/>
-          </a:lnRef>
-          <a:fillRef idx="1">
-            <a:schemeClr val="lt1"/>
-          </a:fillRef>
-          <a:effectRef idx="0">
-            <a:schemeClr val="accent6"/>
-          </a:effectRef>
-          <a:fontRef idx="minor">
-            <a:schemeClr val="dk1"/>
-          </a:fontRef>
-        </p:style>
-        <p:txBody>
-          <a:bodyPr rtlCol="0" anchor="ctr"/>
-          <a:lstStyle/>
-          <a:p>
-            <a:pPr algn="ctr"/>
-            <a:endParaRPr kumimoji="1" lang="ja-JP" altLang="en-US" sz="1400" dirty="0"/>
-          </a:p>
-        </p:txBody>
-      </p:sp>
-      <p:sp>
-        <p:nvSpPr>
-          <p:cNvPr id="39" name="角丸四角形 38"/>
-          <p:cNvSpPr/>
-          <p:nvPr/>
-        </p:nvSpPr>
-        <p:spPr>
-          <a:xfrm>
-            <a:off x="3156835" y="4421474"/>
-            <a:ext cx="464588" cy="465380"/>
-          </a:xfrm>
-          <a:prstGeom prst="roundRect">
-            <a:avLst/>
-          </a:prstGeom>
-        </p:spPr>
-        <p:style>
-          <a:lnRef idx="2">
-            <a:schemeClr val="accent6"/>
-          </a:lnRef>
-          <a:fillRef idx="1">
-            <a:schemeClr val="lt1"/>
-          </a:fillRef>
-          <a:effectRef idx="0">
-            <a:schemeClr val="accent6"/>
-          </a:effectRef>
-          <a:fontRef idx="minor">
-            <a:schemeClr val="dk1"/>
-          </a:fontRef>
-        </p:style>
-        <p:txBody>
-          <a:bodyPr rtlCol="0" anchor="ctr"/>
-          <a:lstStyle/>
-          <a:p>
-            <a:pPr algn="ctr"/>
-            <a:endParaRPr kumimoji="1" lang="ja-JP" altLang="en-US" sz="1400" dirty="0"/>
-          </a:p>
-        </p:txBody>
-      </p:sp>
-      <p:sp>
-        <p:nvSpPr>
-          <p:cNvPr id="40" name="角丸四角形 39"/>
-          <p:cNvSpPr/>
-          <p:nvPr/>
-        </p:nvSpPr>
-        <p:spPr>
-          <a:xfrm>
-            <a:off x="3693416" y="4421474"/>
-            <a:ext cx="464588" cy="465380"/>
-          </a:xfrm>
-          <a:prstGeom prst="roundRect">
-            <a:avLst/>
-          </a:prstGeom>
-        </p:spPr>
-        <p:style>
-          <a:lnRef idx="2">
-            <a:schemeClr val="accent6"/>
-          </a:lnRef>
-          <a:fillRef idx="1">
-            <a:schemeClr val="lt1"/>
-          </a:fillRef>
-          <a:effectRef idx="0">
-            <a:schemeClr val="accent6"/>
-          </a:effectRef>
-          <a:fontRef idx="minor">
-            <a:schemeClr val="dk1"/>
-          </a:fontRef>
-        </p:style>
-        <p:txBody>
-          <a:bodyPr rtlCol="0" anchor="ctr"/>
-          <a:lstStyle/>
-          <a:p>
-            <a:pPr algn="ctr"/>
-            <a:endParaRPr kumimoji="1" lang="ja-JP" altLang="en-US" sz="1400" dirty="0"/>
-          </a:p>
-        </p:txBody>
-      </p:sp>
-      <p:sp>
-        <p:nvSpPr>
-          <p:cNvPr id="41" name="角丸四角形 40"/>
-          <p:cNvSpPr/>
-          <p:nvPr/>
-        </p:nvSpPr>
-        <p:spPr>
-          <a:xfrm>
-            <a:off x="4229997" y="4421474"/>
-            <a:ext cx="464588" cy="465380"/>
-          </a:xfrm>
-          <a:prstGeom prst="roundRect">
-            <a:avLst/>
-          </a:prstGeom>
-        </p:spPr>
-        <p:style>
-          <a:lnRef idx="2">
-            <a:schemeClr val="accent6"/>
-          </a:lnRef>
-          <a:fillRef idx="1">
-            <a:schemeClr val="lt1"/>
-          </a:fillRef>
-          <a:effectRef idx="0">
-            <a:schemeClr val="accent6"/>
-          </a:effectRef>
-          <a:fontRef idx="minor">
-            <a:schemeClr val="dk1"/>
-          </a:fontRef>
-        </p:style>
-        <p:txBody>
-          <a:bodyPr rtlCol="0" anchor="ctr"/>
-          <a:lstStyle/>
-          <a:p>
-            <a:pPr algn="ctr"/>
-            <a:endParaRPr kumimoji="1" lang="ja-JP" altLang="en-US" sz="1400" dirty="0"/>
-          </a:p>
-        </p:txBody>
-      </p:sp>
-      <p:sp>
-        <p:nvSpPr>
-          <p:cNvPr id="42" name="角丸四角形 41"/>
-          <p:cNvSpPr/>
-          <p:nvPr/>
-        </p:nvSpPr>
-        <p:spPr>
-          <a:xfrm>
-            <a:off x="4766578" y="4421474"/>
-            <a:ext cx="464588" cy="465380"/>
-          </a:xfrm>
-          <a:prstGeom prst="roundRect">
-            <a:avLst/>
-          </a:prstGeom>
-        </p:spPr>
-        <p:style>
-          <a:lnRef idx="2">
-            <a:schemeClr val="accent6"/>
-          </a:lnRef>
-          <a:fillRef idx="1">
-            <a:schemeClr val="lt1"/>
-          </a:fillRef>
-          <a:effectRef idx="0">
-            <a:schemeClr val="accent6"/>
-          </a:effectRef>
-          <a:fontRef idx="minor">
-            <a:schemeClr val="dk1"/>
-          </a:fontRef>
-        </p:style>
-        <p:txBody>
-          <a:bodyPr rtlCol="0" anchor="ctr"/>
-          <a:lstStyle/>
-          <a:p>
-            <a:pPr algn="ctr"/>
-            <a:endParaRPr kumimoji="1" lang="ja-JP" altLang="en-US" sz="1400" dirty="0"/>
-          </a:p>
-        </p:txBody>
-      </p:sp>
-      <p:sp>
-        <p:nvSpPr>
-          <p:cNvPr id="43" name="角丸四角形 42"/>
-          <p:cNvSpPr/>
-          <p:nvPr/>
-        </p:nvSpPr>
-        <p:spPr>
-          <a:xfrm>
-            <a:off x="5303159" y="4421474"/>
-            <a:ext cx="464588" cy="465380"/>
-          </a:xfrm>
-          <a:prstGeom prst="roundRect">
-            <a:avLst/>
-          </a:prstGeom>
-        </p:spPr>
-        <p:style>
-          <a:lnRef idx="2">
-            <a:schemeClr val="accent6"/>
-          </a:lnRef>
-          <a:fillRef idx="1">
-            <a:schemeClr val="lt1"/>
-          </a:fillRef>
-          <a:effectRef idx="0">
-            <a:schemeClr val="accent6"/>
-          </a:effectRef>
-          <a:fontRef idx="minor">
-            <a:schemeClr val="dk1"/>
-          </a:fontRef>
-        </p:style>
-        <p:txBody>
-          <a:bodyPr rtlCol="0" anchor="ctr"/>
-          <a:lstStyle/>
-          <a:p>
-            <a:pPr algn="ctr"/>
-            <a:endParaRPr kumimoji="1" lang="ja-JP" altLang="en-US" sz="1400" dirty="0"/>
-          </a:p>
-        </p:txBody>
-      </p:sp>
-      <p:sp>
-        <p:nvSpPr>
-          <p:cNvPr id="44" name="角丸四角形 43"/>
-          <p:cNvSpPr/>
-          <p:nvPr/>
-        </p:nvSpPr>
-        <p:spPr>
-          <a:xfrm>
-            <a:off x="5839740" y="4421474"/>
-            <a:ext cx="464588" cy="465380"/>
-          </a:xfrm>
-          <a:prstGeom prst="roundRect">
-            <a:avLst/>
-          </a:prstGeom>
-        </p:spPr>
-        <p:style>
-          <a:lnRef idx="2">
-            <a:schemeClr val="accent6"/>
-          </a:lnRef>
-          <a:fillRef idx="1">
-            <a:schemeClr val="lt1"/>
-          </a:fillRef>
-          <a:effectRef idx="0">
-            <a:schemeClr val="accent6"/>
-          </a:effectRef>
-          <a:fontRef idx="minor">
-            <a:schemeClr val="dk1"/>
-          </a:fontRef>
-        </p:style>
-        <p:txBody>
-          <a:bodyPr rtlCol="0" anchor="ctr"/>
-          <a:lstStyle/>
-          <a:p>
-            <a:pPr algn="ctr"/>
-            <a:endParaRPr kumimoji="1" lang="ja-JP" altLang="en-US" sz="1400" dirty="0"/>
-          </a:p>
-        </p:txBody>
-      </p:sp>
-      <p:sp>
-        <p:nvSpPr>
-          <p:cNvPr id="45" name="角丸四角形 44"/>
-          <p:cNvSpPr/>
-          <p:nvPr/>
-        </p:nvSpPr>
-        <p:spPr>
-          <a:xfrm>
-            <a:off x="6376321" y="4421474"/>
-            <a:ext cx="464588" cy="465380"/>
-          </a:xfrm>
-          <a:prstGeom prst="roundRect">
-            <a:avLst/>
-          </a:prstGeom>
-        </p:spPr>
-        <p:style>
-          <a:lnRef idx="2">
-            <a:schemeClr val="accent6"/>
-          </a:lnRef>
-          <a:fillRef idx="1">
-            <a:schemeClr val="lt1"/>
-          </a:fillRef>
-          <a:effectRef idx="0">
-            <a:schemeClr val="accent6"/>
-          </a:effectRef>
-          <a:fontRef idx="minor">
-            <a:schemeClr val="dk1"/>
-          </a:fontRef>
-        </p:style>
-        <p:txBody>
-          <a:bodyPr rtlCol="0" anchor="ctr"/>
-          <a:lstStyle/>
-          <a:p>
-            <a:pPr algn="ctr"/>
-            <a:endParaRPr kumimoji="1" lang="ja-JP" altLang="en-US" sz="1400" dirty="0"/>
-          </a:p>
-        </p:txBody>
-      </p:sp>
-      <p:sp>
-        <p:nvSpPr>
-          <p:cNvPr id="46" name="角丸四角形 45"/>
-          <p:cNvSpPr/>
-          <p:nvPr/>
-        </p:nvSpPr>
-        <p:spPr>
-          <a:xfrm>
-            <a:off x="6912902" y="4421474"/>
-            <a:ext cx="464588" cy="465380"/>
-          </a:xfrm>
-          <a:prstGeom prst="roundRect">
-            <a:avLst/>
-          </a:prstGeom>
-        </p:spPr>
-        <p:style>
-          <a:lnRef idx="2">
-            <a:schemeClr val="accent6"/>
-          </a:lnRef>
-          <a:fillRef idx="1">
-            <a:schemeClr val="lt1"/>
-          </a:fillRef>
-          <a:effectRef idx="0">
-            <a:schemeClr val="accent6"/>
-          </a:effectRef>
-          <a:fontRef idx="minor">
-            <a:schemeClr val="dk1"/>
-          </a:fontRef>
-        </p:style>
-        <p:txBody>
-          <a:bodyPr rtlCol="0" anchor="ctr"/>
-          <a:lstStyle/>
-          <a:p>
-            <a:pPr algn="ctr"/>
-            <a:endParaRPr kumimoji="1" lang="ja-JP" altLang="en-US" sz="1400" dirty="0"/>
-          </a:p>
-        </p:txBody>
-      </p:sp>
-      <p:sp>
-        <p:nvSpPr>
-          <p:cNvPr id="47" name="角丸四角形 46"/>
-          <p:cNvSpPr/>
-          <p:nvPr/>
-        </p:nvSpPr>
-        <p:spPr>
-          <a:xfrm>
-            <a:off x="7449483" y="4421474"/>
-            <a:ext cx="1102786" cy="465380"/>
-          </a:xfrm>
-          <a:prstGeom prst="roundRect">
-            <a:avLst/>
-          </a:prstGeom>
-        </p:spPr>
-        <p:style>
-          <a:lnRef idx="2">
-            <a:schemeClr val="accent6"/>
-          </a:lnRef>
-          <a:fillRef idx="1">
-            <a:schemeClr val="lt1"/>
-          </a:fillRef>
-          <a:effectRef idx="0">
-            <a:schemeClr val="accent6"/>
-          </a:effectRef>
-          <a:fontRef idx="minor">
-            <a:schemeClr val="dk1"/>
-          </a:fontRef>
-        </p:style>
-        <p:txBody>
-          <a:bodyPr rtlCol="0" anchor="ctr"/>
-          <a:lstStyle/>
-          <a:p>
-            <a:pPr algn="ctr"/>
-            <a:endParaRPr kumimoji="1" lang="ja-JP" altLang="en-US" sz="1400" dirty="0"/>
-          </a:p>
-        </p:txBody>
-      </p:sp>
-      <p:sp>
-        <p:nvSpPr>
-          <p:cNvPr id="49" name="角丸四角形 48"/>
-          <p:cNvSpPr/>
-          <p:nvPr/>
-        </p:nvSpPr>
-        <p:spPr>
-          <a:xfrm>
-            <a:off x="569441" y="4421474"/>
-            <a:ext cx="905658" cy="465380"/>
-          </a:xfrm>
-          <a:prstGeom prst="roundRect">
-            <a:avLst/>
-          </a:prstGeom>
-        </p:spPr>
-        <p:style>
-          <a:lnRef idx="2">
-            <a:schemeClr val="accent6"/>
-          </a:lnRef>
-          <a:fillRef idx="1">
-            <a:schemeClr val="lt1"/>
-          </a:fillRef>
-          <a:effectRef idx="0">
-            <a:schemeClr val="accent6"/>
-          </a:effectRef>
-          <a:fontRef idx="minor">
-            <a:schemeClr val="dk1"/>
-          </a:fontRef>
-        </p:style>
-        <p:txBody>
-          <a:bodyPr rtlCol="0" anchor="ctr"/>
-          <a:lstStyle/>
-          <a:p>
-            <a:pPr algn="ctr"/>
-            <a:endParaRPr kumimoji="1" lang="ja-JP" altLang="en-US" sz="1400" dirty="0"/>
-          </a:p>
-        </p:txBody>
-      </p:sp>
-      <p:sp>
-        <p:nvSpPr>
-          <p:cNvPr id="50" name="角丸四角形 49"/>
-          <p:cNvSpPr/>
-          <p:nvPr/>
-        </p:nvSpPr>
-        <p:spPr>
-          <a:xfrm>
-            <a:off x="1794537" y="4947254"/>
-            <a:ext cx="464588" cy="465380"/>
-          </a:xfrm>
-          <a:prstGeom prst="roundRect">
-            <a:avLst/>
-          </a:prstGeom>
-        </p:spPr>
-        <p:style>
-          <a:lnRef idx="2">
-            <a:schemeClr val="accent6"/>
-          </a:lnRef>
-          <a:fillRef idx="1">
-            <a:schemeClr val="lt1"/>
-          </a:fillRef>
-          <a:effectRef idx="0">
-            <a:schemeClr val="accent6"/>
-          </a:effectRef>
-          <a:fontRef idx="minor">
-            <a:schemeClr val="dk1"/>
-          </a:fontRef>
-        </p:style>
-        <p:txBody>
-          <a:bodyPr rtlCol="0" anchor="ctr"/>
-          <a:lstStyle/>
-          <a:p>
-            <a:pPr algn="ctr"/>
-            <a:endParaRPr kumimoji="1" lang="ja-JP" altLang="en-US" sz="1400" dirty="0"/>
-          </a:p>
-        </p:txBody>
-      </p:sp>
-      <p:sp>
-        <p:nvSpPr>
-          <p:cNvPr id="51" name="角丸四角形 50"/>
-          <p:cNvSpPr/>
-          <p:nvPr/>
-        </p:nvSpPr>
-        <p:spPr>
-          <a:xfrm>
-            <a:off x="2331118" y="4947254"/>
-            <a:ext cx="464588" cy="465380"/>
-          </a:xfrm>
-          <a:prstGeom prst="roundRect">
-            <a:avLst/>
-          </a:prstGeom>
-        </p:spPr>
-        <p:style>
-          <a:lnRef idx="2">
-            <a:schemeClr val="accent6"/>
-          </a:lnRef>
-          <a:fillRef idx="1">
-            <a:schemeClr val="lt1"/>
-          </a:fillRef>
-          <a:effectRef idx="0">
-            <a:schemeClr val="accent6"/>
-          </a:effectRef>
-          <a:fontRef idx="minor">
-            <a:schemeClr val="dk1"/>
-          </a:fontRef>
-        </p:style>
-        <p:txBody>
-          <a:bodyPr rtlCol="0" anchor="ctr"/>
-          <a:lstStyle/>
-          <a:p>
-            <a:pPr algn="ctr"/>
-            <a:endParaRPr kumimoji="1" lang="ja-JP" altLang="en-US" sz="1400" dirty="0"/>
-          </a:p>
-        </p:txBody>
-      </p:sp>
-      <p:sp>
-        <p:nvSpPr>
-          <p:cNvPr id="52" name="角丸四角形 51"/>
-          <p:cNvSpPr/>
-          <p:nvPr/>
-        </p:nvSpPr>
-        <p:spPr>
-          <a:xfrm>
-            <a:off x="2867699" y="4947254"/>
-            <a:ext cx="464588" cy="465380"/>
-          </a:xfrm>
-          <a:prstGeom prst="roundRect">
-            <a:avLst/>
-          </a:prstGeom>
-        </p:spPr>
-        <p:style>
-          <a:lnRef idx="2">
-            <a:schemeClr val="accent6"/>
-          </a:lnRef>
-          <a:fillRef idx="1">
-            <a:schemeClr val="lt1"/>
-          </a:fillRef>
-          <a:effectRef idx="0">
-            <a:schemeClr val="accent6"/>
-          </a:effectRef>
-          <a:fontRef idx="minor">
-            <a:schemeClr val="dk1"/>
-          </a:fontRef>
-        </p:style>
-        <p:txBody>
-          <a:bodyPr rtlCol="0" anchor="ctr"/>
-          <a:lstStyle/>
-          <a:p>
-            <a:pPr algn="ctr"/>
-            <a:endParaRPr kumimoji="1" lang="ja-JP" altLang="en-US" sz="1400" dirty="0"/>
-          </a:p>
-        </p:txBody>
-      </p:sp>
-      <p:sp>
-        <p:nvSpPr>
-          <p:cNvPr id="53" name="角丸四角形 52"/>
-          <p:cNvSpPr/>
-          <p:nvPr/>
-        </p:nvSpPr>
-        <p:spPr>
-          <a:xfrm>
-            <a:off x="3404280" y="4947254"/>
-            <a:ext cx="464588" cy="465380"/>
-          </a:xfrm>
-          <a:prstGeom prst="roundRect">
-            <a:avLst/>
-          </a:prstGeom>
-        </p:spPr>
-        <p:style>
-          <a:lnRef idx="2">
-            <a:schemeClr val="accent6"/>
-          </a:lnRef>
-          <a:fillRef idx="1">
-            <a:schemeClr val="lt1"/>
-          </a:fillRef>
-          <a:effectRef idx="0">
-            <a:schemeClr val="accent6"/>
-          </a:effectRef>
-          <a:fontRef idx="minor">
-            <a:schemeClr val="dk1"/>
-          </a:fontRef>
-        </p:style>
-        <p:txBody>
-          <a:bodyPr rtlCol="0" anchor="ctr"/>
-          <a:lstStyle/>
-          <a:p>
-            <a:pPr algn="ctr"/>
-            <a:endParaRPr kumimoji="1" lang="ja-JP" altLang="en-US" sz="1400" dirty="0"/>
-          </a:p>
-        </p:txBody>
-      </p:sp>
-      <p:sp>
-        <p:nvSpPr>
-          <p:cNvPr id="54" name="角丸四角形 53"/>
-          <p:cNvSpPr/>
-          <p:nvPr/>
-        </p:nvSpPr>
-        <p:spPr>
-          <a:xfrm>
-            <a:off x="3940861" y="4947254"/>
-            <a:ext cx="464588" cy="465380"/>
-          </a:xfrm>
-          <a:prstGeom prst="roundRect">
-            <a:avLst/>
-          </a:prstGeom>
-        </p:spPr>
-        <p:style>
-          <a:lnRef idx="2">
-            <a:schemeClr val="accent6"/>
-          </a:lnRef>
-          <a:fillRef idx="1">
-            <a:schemeClr val="lt1"/>
-          </a:fillRef>
-          <a:effectRef idx="0">
-            <a:schemeClr val="accent6"/>
-          </a:effectRef>
-          <a:fontRef idx="minor">
-            <a:schemeClr val="dk1"/>
-          </a:fontRef>
-        </p:style>
-        <p:txBody>
-          <a:bodyPr rtlCol="0" anchor="ctr"/>
-          <a:lstStyle/>
-          <a:p>
-            <a:pPr algn="ctr"/>
-            <a:endParaRPr kumimoji="1" lang="ja-JP" altLang="en-US" sz="1400" dirty="0"/>
-          </a:p>
-        </p:txBody>
-      </p:sp>
-      <p:sp>
-        <p:nvSpPr>
-          <p:cNvPr id="55" name="角丸四角形 54"/>
-          <p:cNvSpPr/>
-          <p:nvPr/>
-        </p:nvSpPr>
-        <p:spPr>
-          <a:xfrm>
-            <a:off x="4477442" y="4947254"/>
-            <a:ext cx="464588" cy="465380"/>
-          </a:xfrm>
-          <a:prstGeom prst="roundRect">
-            <a:avLst/>
-          </a:prstGeom>
-        </p:spPr>
-        <p:style>
-          <a:lnRef idx="2">
-            <a:schemeClr val="accent6"/>
-          </a:lnRef>
-          <a:fillRef idx="1">
-            <a:schemeClr val="lt1"/>
-          </a:fillRef>
-          <a:effectRef idx="0">
-            <a:schemeClr val="accent6"/>
-          </a:effectRef>
-          <a:fontRef idx="minor">
-            <a:schemeClr val="dk1"/>
-          </a:fontRef>
-        </p:style>
-        <p:txBody>
-          <a:bodyPr rtlCol="0" anchor="ctr"/>
-          <a:lstStyle/>
-          <a:p>
-            <a:pPr algn="ctr"/>
-            <a:endParaRPr kumimoji="1" lang="ja-JP" altLang="en-US" sz="1400" dirty="0"/>
-          </a:p>
-        </p:txBody>
-      </p:sp>
-      <p:sp>
-        <p:nvSpPr>
-          <p:cNvPr id="56" name="角丸四角形 55"/>
-          <p:cNvSpPr/>
-          <p:nvPr/>
-        </p:nvSpPr>
-        <p:spPr>
-          <a:xfrm>
-            <a:off x="5014023" y="4947254"/>
-            <a:ext cx="464588" cy="465380"/>
-          </a:xfrm>
-          <a:prstGeom prst="roundRect">
-            <a:avLst/>
-          </a:prstGeom>
-        </p:spPr>
-        <p:style>
-          <a:lnRef idx="2">
-            <a:schemeClr val="accent6"/>
-          </a:lnRef>
-          <a:fillRef idx="1">
-            <a:schemeClr val="lt1"/>
-          </a:fillRef>
-          <a:effectRef idx="0">
-            <a:schemeClr val="accent6"/>
-          </a:effectRef>
-          <a:fontRef idx="minor">
-            <a:schemeClr val="dk1"/>
-          </a:fontRef>
-        </p:style>
-        <p:txBody>
-          <a:bodyPr rtlCol="0" anchor="ctr"/>
-          <a:lstStyle/>
-          <a:p>
-            <a:pPr algn="ctr"/>
-            <a:endParaRPr kumimoji="1" lang="ja-JP" altLang="en-US" sz="1400" dirty="0"/>
-          </a:p>
-        </p:txBody>
-      </p:sp>
-      <p:sp>
-        <p:nvSpPr>
-          <p:cNvPr id="57" name="角丸四角形 56"/>
-          <p:cNvSpPr/>
-          <p:nvPr/>
-        </p:nvSpPr>
-        <p:spPr>
-          <a:xfrm>
-            <a:off x="5550604" y="4947254"/>
-            <a:ext cx="464588" cy="465380"/>
-          </a:xfrm>
-          <a:prstGeom prst="roundRect">
-            <a:avLst/>
-          </a:prstGeom>
-        </p:spPr>
-        <p:style>
-          <a:lnRef idx="2">
-            <a:schemeClr val="accent6"/>
-          </a:lnRef>
-          <a:fillRef idx="1">
-            <a:schemeClr val="lt1"/>
-          </a:fillRef>
-          <a:effectRef idx="0">
-            <a:schemeClr val="accent6"/>
-          </a:effectRef>
-          <a:fontRef idx="minor">
-            <a:schemeClr val="dk1"/>
-          </a:fontRef>
-        </p:style>
-        <p:txBody>
-          <a:bodyPr rtlCol="0" anchor="ctr"/>
-          <a:lstStyle/>
-          <a:p>
-            <a:pPr algn="ctr"/>
-            <a:endParaRPr kumimoji="1" lang="ja-JP" altLang="en-US" sz="1400" dirty="0"/>
-          </a:p>
-        </p:txBody>
-      </p:sp>
-      <p:sp>
-        <p:nvSpPr>
-          <p:cNvPr id="58" name="角丸四角形 57"/>
-          <p:cNvSpPr/>
-          <p:nvPr/>
-        </p:nvSpPr>
-        <p:spPr>
-          <a:xfrm>
-            <a:off x="6087185" y="4947254"/>
-            <a:ext cx="464588" cy="465380"/>
-          </a:xfrm>
-          <a:prstGeom prst="roundRect">
-            <a:avLst/>
-          </a:prstGeom>
-        </p:spPr>
-        <p:style>
-          <a:lnRef idx="2">
-            <a:schemeClr val="accent6"/>
-          </a:lnRef>
-          <a:fillRef idx="1">
-            <a:schemeClr val="lt1"/>
-          </a:fillRef>
-          <a:effectRef idx="0">
-            <a:schemeClr val="accent6"/>
-          </a:effectRef>
-          <a:fontRef idx="minor">
-            <a:schemeClr val="dk1"/>
-          </a:fontRef>
-        </p:style>
-        <p:txBody>
-          <a:bodyPr rtlCol="0" anchor="ctr"/>
-          <a:lstStyle/>
-          <a:p>
-            <a:pPr algn="ctr"/>
-            <a:endParaRPr kumimoji="1" lang="ja-JP" altLang="en-US" sz="1400" dirty="0"/>
-          </a:p>
-        </p:txBody>
-      </p:sp>
-      <p:sp>
-        <p:nvSpPr>
-          <p:cNvPr id="59" name="角丸四角形 58"/>
-          <p:cNvSpPr/>
-          <p:nvPr/>
-        </p:nvSpPr>
-        <p:spPr>
-          <a:xfrm>
-            <a:off x="6623766" y="4947254"/>
-            <a:ext cx="464588" cy="465380"/>
-          </a:xfrm>
-          <a:prstGeom prst="roundRect">
-            <a:avLst/>
-          </a:prstGeom>
-        </p:spPr>
-        <p:style>
-          <a:lnRef idx="2">
-            <a:schemeClr val="accent6"/>
-          </a:lnRef>
-          <a:fillRef idx="1">
-            <a:schemeClr val="lt1"/>
-          </a:fillRef>
-          <a:effectRef idx="0">
-            <a:schemeClr val="accent6"/>
-          </a:effectRef>
-          <a:fontRef idx="minor">
-            <a:schemeClr val="dk1"/>
-          </a:fontRef>
-        </p:style>
-        <p:txBody>
-          <a:bodyPr rtlCol="0" anchor="ctr"/>
-          <a:lstStyle/>
-          <a:p>
-            <a:pPr algn="ctr"/>
-            <a:endParaRPr kumimoji="1" lang="ja-JP" altLang="en-US" sz="1400" dirty="0"/>
-          </a:p>
-        </p:txBody>
-      </p:sp>
-      <p:sp>
-        <p:nvSpPr>
-          <p:cNvPr id="60" name="角丸四角形 59"/>
-          <p:cNvSpPr/>
-          <p:nvPr/>
-        </p:nvSpPr>
-        <p:spPr>
-          <a:xfrm>
-            <a:off x="7160346" y="4947254"/>
-            <a:ext cx="855337" cy="465380"/>
-          </a:xfrm>
-          <a:prstGeom prst="roundRect">
-            <a:avLst/>
-          </a:prstGeom>
-        </p:spPr>
-        <p:style>
-          <a:lnRef idx="2">
-            <a:schemeClr val="accent6"/>
-          </a:lnRef>
-          <a:fillRef idx="1">
-            <a:schemeClr val="lt1"/>
-          </a:fillRef>
-          <a:effectRef idx="0">
-            <a:schemeClr val="accent6"/>
-          </a:effectRef>
-          <a:fontRef idx="minor">
-            <a:schemeClr val="dk1"/>
-          </a:fontRef>
-        </p:style>
-        <p:txBody>
-          <a:bodyPr rtlCol="0" anchor="ctr"/>
-          <a:lstStyle/>
-          <a:p>
-            <a:pPr algn="ctr"/>
-            <a:endParaRPr kumimoji="1" lang="ja-JP" altLang="en-US" sz="1400" dirty="0"/>
-          </a:p>
-        </p:txBody>
-      </p:sp>
-      <p:sp>
-        <p:nvSpPr>
-          <p:cNvPr id="61" name="角丸四角形 60"/>
-          <p:cNvSpPr/>
-          <p:nvPr/>
-        </p:nvSpPr>
-        <p:spPr>
-          <a:xfrm>
-            <a:off x="569441" y="4947254"/>
-            <a:ext cx="1153098" cy="465380"/>
-          </a:xfrm>
-          <a:prstGeom prst="roundRect">
-            <a:avLst/>
-          </a:prstGeom>
-        </p:spPr>
-        <p:style>
-          <a:lnRef idx="2">
-            <a:schemeClr val="accent6"/>
-          </a:lnRef>
-          <a:fillRef idx="1">
-            <a:schemeClr val="lt1"/>
-          </a:fillRef>
-          <a:effectRef idx="0">
-            <a:schemeClr val="accent6"/>
-          </a:effectRef>
-          <a:fontRef idx="minor">
-            <a:schemeClr val="dk1"/>
-          </a:fontRef>
-        </p:style>
-        <p:txBody>
-          <a:bodyPr rtlCol="0" anchor="ctr"/>
-          <a:lstStyle/>
-          <a:p>
-            <a:pPr algn="ctr"/>
-            <a:endParaRPr kumimoji="1" lang="ja-JP" altLang="en-US" sz="1400" dirty="0"/>
-          </a:p>
-        </p:txBody>
-      </p:sp>
-      <p:sp>
-        <p:nvSpPr>
-          <p:cNvPr id="62" name="角丸四角形 61"/>
-          <p:cNvSpPr/>
-          <p:nvPr/>
-        </p:nvSpPr>
-        <p:spPr>
-          <a:xfrm>
-            <a:off x="8087681" y="4947254"/>
-            <a:ext cx="464588" cy="465380"/>
-          </a:xfrm>
-          <a:prstGeom prst="roundRect">
-            <a:avLst/>
-          </a:prstGeom>
-        </p:spPr>
-        <p:style>
-          <a:lnRef idx="2">
-            <a:schemeClr val="accent6"/>
-          </a:lnRef>
-          <a:fillRef idx="1">
-            <a:schemeClr val="lt1"/>
-          </a:fillRef>
-          <a:effectRef idx="0">
-            <a:schemeClr val="accent6"/>
-          </a:effectRef>
-          <a:fontRef idx="minor">
-            <a:schemeClr val="dk1"/>
-          </a:fontRef>
-        </p:style>
-        <p:txBody>
-          <a:bodyPr rtlCol="0" anchor="ctr"/>
-          <a:lstStyle/>
-          <a:p>
-            <a:pPr algn="ctr"/>
-            <a:endParaRPr kumimoji="1" lang="ja-JP" altLang="en-US" sz="1400" dirty="0"/>
-          </a:p>
-        </p:txBody>
-      </p:sp>
-      <p:sp>
-        <p:nvSpPr>
-          <p:cNvPr id="63" name="角丸四角形 62"/>
-          <p:cNvSpPr/>
-          <p:nvPr/>
-        </p:nvSpPr>
-        <p:spPr>
-          <a:xfrm>
-            <a:off x="1366996" y="5473034"/>
-            <a:ext cx="464588" cy="465380"/>
-          </a:xfrm>
-          <a:prstGeom prst="roundRect">
-            <a:avLst/>
-          </a:prstGeom>
-        </p:spPr>
-        <p:style>
-          <a:lnRef idx="2">
-            <a:schemeClr val="accent6"/>
-          </a:lnRef>
-          <a:fillRef idx="1">
-            <a:schemeClr val="lt1"/>
-          </a:fillRef>
-          <a:effectRef idx="0">
-            <a:schemeClr val="accent6"/>
-          </a:effectRef>
-          <a:fontRef idx="minor">
-            <a:schemeClr val="dk1"/>
-          </a:fontRef>
-        </p:style>
-        <p:txBody>
-          <a:bodyPr rtlCol="0" anchor="ctr"/>
-          <a:lstStyle/>
-          <a:p>
-            <a:pPr algn="ctr"/>
-            <a:endParaRPr kumimoji="1" lang="ja-JP" altLang="en-US" sz="1400" dirty="0"/>
-          </a:p>
-        </p:txBody>
-      </p:sp>
-      <p:sp>
-        <p:nvSpPr>
-          <p:cNvPr id="67" name="角丸四角形 66"/>
-          <p:cNvSpPr/>
-          <p:nvPr/>
-        </p:nvSpPr>
-        <p:spPr>
-          <a:xfrm>
-            <a:off x="6730022" y="5473034"/>
-            <a:ext cx="464588" cy="465380"/>
-          </a:xfrm>
-          <a:prstGeom prst="roundRect">
-            <a:avLst/>
-          </a:prstGeom>
-        </p:spPr>
-        <p:style>
-          <a:lnRef idx="2">
-            <a:schemeClr val="accent6"/>
-          </a:lnRef>
-          <a:fillRef idx="1">
-            <a:schemeClr val="lt1"/>
-          </a:fillRef>
-          <a:effectRef idx="0">
-            <a:schemeClr val="accent6"/>
-          </a:effectRef>
-          <a:fontRef idx="minor">
-            <a:schemeClr val="dk1"/>
-          </a:fontRef>
-        </p:style>
-        <p:txBody>
-          <a:bodyPr rtlCol="0" anchor="ctr"/>
-          <a:lstStyle/>
-          <a:p>
-            <a:pPr algn="ctr"/>
-            <a:endParaRPr kumimoji="1" lang="ja-JP" altLang="en-US" sz="1400" dirty="0"/>
-          </a:p>
-        </p:txBody>
-      </p:sp>
-      <p:sp>
-        <p:nvSpPr>
-          <p:cNvPr id="68" name="角丸四角形 67"/>
-          <p:cNvSpPr/>
-          <p:nvPr/>
-        </p:nvSpPr>
-        <p:spPr>
-          <a:xfrm>
-            <a:off x="1900793" y="5473034"/>
-            <a:ext cx="749080" cy="465380"/>
-          </a:xfrm>
-          <a:prstGeom prst="roundRect">
-            <a:avLst/>
-          </a:prstGeom>
-        </p:spPr>
-        <p:style>
-          <a:lnRef idx="2">
-            <a:schemeClr val="accent6"/>
-          </a:lnRef>
-          <a:fillRef idx="1">
-            <a:schemeClr val="lt1"/>
-          </a:fillRef>
-          <a:effectRef idx="0">
-            <a:schemeClr val="accent6"/>
-          </a:effectRef>
-          <a:fontRef idx="minor">
-            <a:schemeClr val="dk1"/>
-          </a:fontRef>
-        </p:style>
-        <p:txBody>
-          <a:bodyPr rtlCol="0" anchor="ctr"/>
-          <a:lstStyle/>
-          <a:p>
-            <a:pPr algn="ctr"/>
-            <a:endParaRPr kumimoji="1" lang="ja-JP" altLang="en-US" sz="1400" dirty="0"/>
-          </a:p>
-        </p:txBody>
-      </p:sp>
-      <p:sp>
-        <p:nvSpPr>
-          <p:cNvPr id="69" name="角丸四角形 68"/>
-          <p:cNvSpPr/>
-          <p:nvPr/>
-        </p:nvSpPr>
-        <p:spPr>
-          <a:xfrm>
-            <a:off x="2727793" y="5473034"/>
-            <a:ext cx="3135639" cy="465380"/>
-          </a:xfrm>
-          <a:prstGeom prst="roundRect">
-            <a:avLst/>
-          </a:prstGeom>
-        </p:spPr>
-        <p:style>
-          <a:lnRef idx="2">
-            <a:schemeClr val="accent6"/>
-          </a:lnRef>
-          <a:fillRef idx="1">
-            <a:schemeClr val="lt1"/>
-          </a:fillRef>
-          <a:effectRef idx="0">
-            <a:schemeClr val="accent6"/>
-          </a:effectRef>
-          <a:fontRef idx="minor">
-            <a:schemeClr val="dk1"/>
-          </a:fontRef>
-        </p:style>
-        <p:txBody>
-          <a:bodyPr rtlCol="0" anchor="ctr"/>
-          <a:lstStyle/>
-          <a:p>
-            <a:pPr algn="ctr"/>
-            <a:endParaRPr kumimoji="1" lang="ja-JP" altLang="en-US" sz="1400" dirty="0"/>
-          </a:p>
-        </p:txBody>
-      </p:sp>
-      <p:sp>
-        <p:nvSpPr>
-          <p:cNvPr id="70" name="角丸四角形 69"/>
-          <p:cNvSpPr/>
-          <p:nvPr/>
-        </p:nvSpPr>
-        <p:spPr>
-          <a:xfrm>
-            <a:off x="5941352" y="5473034"/>
-            <a:ext cx="710750" cy="465380"/>
-          </a:xfrm>
-          <a:prstGeom prst="roundRect">
-            <a:avLst/>
-          </a:prstGeom>
-        </p:spPr>
-        <p:style>
-          <a:lnRef idx="2">
-            <a:schemeClr val="accent6"/>
-          </a:lnRef>
-          <a:fillRef idx="1">
-            <a:schemeClr val="lt1"/>
-          </a:fillRef>
-          <a:effectRef idx="0">
-            <a:schemeClr val="accent6"/>
-          </a:effectRef>
-          <a:fontRef idx="minor">
-            <a:schemeClr val="dk1"/>
-          </a:fontRef>
-        </p:style>
-        <p:txBody>
-          <a:bodyPr rtlCol="0" anchor="ctr"/>
-          <a:lstStyle/>
-          <a:p>
-            <a:pPr algn="ctr"/>
-            <a:endParaRPr kumimoji="1" lang="ja-JP" altLang="en-US" sz="1400" dirty="0"/>
+              <a:rPr lang="en-US" altLang="ja-JP"/>
+              <a:t>KB : Happy Hacking Keyboard</a:t>
+            </a:r>
+            <a:endParaRPr kumimoji="1" lang="ja-JP" altLang="en-US"/>
+          </a:p>
+        </p:txBody>
+      </p:sp>
+      <p:sp>
+        <p:nvSpPr>
+          <p:cNvPr id="3" name="コンテンツ プレースホルダー 2"/>
+          <p:cNvSpPr>
+            <a:spLocks noGrp="1"/>
+          </p:cNvSpPr>
+          <p:nvPr>
+            <p:ph idx="1"/>
+          </p:nvPr>
+        </p:nvSpPr>
+        <p:spPr/>
+        <p:txBody>
+          <a:bodyPr/>
+          <a:lstStyle/>
+          <a:p>
+            <a:pPr marL="0" indent="0">
+              <a:buNone/>
+            </a:pPr>
+            <a:r>
+              <a:rPr lang="ja-JP" altLang="en-US" smtClean="0"/>
+              <a:t>その他</a:t>
+            </a:r>
+            <a:endParaRPr lang="en-US" altLang="ja-JP" smtClean="0"/>
+          </a:p>
+          <a:p>
+            <a:pPr marL="0" indent="0">
+              <a:buNone/>
+            </a:pPr>
+            <a:endParaRPr kumimoji="1" lang="en-US" altLang="ja-JP"/>
+          </a:p>
+          <a:p>
+            <a:r>
+              <a:rPr lang="en-US" altLang="ja-JP" smtClean="0"/>
+              <a:t>LCMD</a:t>
+            </a:r>
+            <a:r>
+              <a:rPr lang="ja-JP" altLang="en-US" smtClean="0"/>
+              <a:t> </a:t>
+            </a:r>
+            <a:r>
+              <a:rPr lang="en-US" altLang="ja-JP" smtClean="0"/>
+              <a:t>AND Q</a:t>
+            </a:r>
+            <a:r>
+              <a:rPr lang="ja-JP" altLang="en-US" smtClean="0"/>
+              <a:t>：</a:t>
+            </a:r>
+            <a:r>
+              <a:rPr lang="en-US" altLang="ja-JP" b="1" smtClean="0"/>
+              <a:t>Quit</a:t>
+            </a:r>
+            <a:r>
+              <a:rPr lang="ja-JP" altLang="en-US" b="1" smtClean="0"/>
+              <a:t> </a:t>
+            </a:r>
+            <a:r>
+              <a:rPr lang="en-US" altLang="ja-JP" b="1" smtClean="0"/>
+              <a:t>APP</a:t>
+            </a:r>
+          </a:p>
+          <a:p>
+            <a:r>
+              <a:rPr lang="en-US" altLang="ja-JP" smtClean="0"/>
+              <a:t>CAPS AND LCMD AND F : </a:t>
+            </a:r>
+            <a:r>
+              <a:rPr lang="en-US" altLang="ja-JP" b="1" smtClean="0"/>
+              <a:t>previous tab (APP</a:t>
+            </a:r>
+            <a:r>
+              <a:rPr lang="ja-JP" altLang="en-US" b="1" smtClean="0"/>
+              <a:t>固有</a:t>
+            </a:r>
+            <a:r>
+              <a:rPr lang="en-US" altLang="ja-JP" b="1" smtClean="0"/>
+              <a:t>)</a:t>
+            </a:r>
+          </a:p>
+          <a:p>
+            <a:r>
+              <a:rPr lang="en-US" altLang="ja-JP" smtClean="0"/>
+              <a:t>CAPS </a:t>
+            </a:r>
+            <a:r>
+              <a:rPr lang="en-US" altLang="ja-JP"/>
+              <a:t>AND LCMD AND F : </a:t>
+            </a:r>
+            <a:r>
+              <a:rPr lang="en-US" altLang="ja-JP" b="1" smtClean="0"/>
+              <a:t>next tab</a:t>
+            </a:r>
+            <a:r>
+              <a:rPr lang="ja-JP" altLang="en-US" b="1"/>
+              <a:t> </a:t>
+            </a:r>
+            <a:r>
+              <a:rPr lang="en-US" altLang="ja-JP" b="1" smtClean="0"/>
+              <a:t>(APP</a:t>
+            </a:r>
+            <a:r>
+              <a:rPr lang="ja-JP" altLang="en-US" b="1" smtClean="0"/>
+              <a:t>固有</a:t>
+            </a:r>
+            <a:r>
+              <a:rPr lang="en-US" altLang="ja-JP" b="1" smtClean="0"/>
+              <a:t>)</a:t>
+            </a:r>
+          </a:p>
+          <a:p>
+            <a:endParaRPr lang="en-US" altLang="ja-JP" b="1"/>
           </a:p>
         </p:txBody>
       </p:sp>
     </p:spTree>
     <p:extLst>
       <p:ext uri="{BB962C8B-B14F-4D97-AF65-F5344CB8AC3E}">
-        <p14:creationId xmlns:p14="http://schemas.microsoft.com/office/powerpoint/2010/main" val="2173051432"/>
+        <p14:creationId xmlns:p14="http://schemas.microsoft.com/office/powerpoint/2010/main" val="3675204236"/>
       </p:ext>
     </p:extLst>
   </p:cSld>
@@ -15432,7 +13259,7 @@
     </p:spTree>
     <p:extLst>
       <p:ext uri="{BB962C8B-B14F-4D97-AF65-F5344CB8AC3E}">
-        <p14:creationId xmlns:p14="http://schemas.microsoft.com/office/powerpoint/2010/main" val="3765225722"/>
+        <p14:creationId xmlns:p14="http://schemas.microsoft.com/office/powerpoint/2010/main" val="2173051432"/>
       </p:ext>
     </p:extLst>
   </p:cSld>
@@ -15447,187 +13274,6 @@
       <p:transition spd="slow"/>
     </mc:Fallback>
   </mc:AlternateContent>
-  <p:timing>
-    <p:tnLst>
-      <p:par>
-        <p:cTn id="1" dur="indefinite" restart="never" nodeType="tmRoot"/>
-      </p:par>
-    </p:tnLst>
-  </p:timing>
-</p:sld>
-</file>
-
-<file path=ppt/slides/slide15.xml><?xml version="1.0" encoding="utf-8"?>
-<p:sld xmlns:a="http://schemas.openxmlformats.org/drawingml/2006/main" xmlns:r="http://schemas.openxmlformats.org/officeDocument/2006/relationships" xmlns:p="http://schemas.openxmlformats.org/presentationml/2006/main">
-  <p:cSld>
-    <p:spTree>
-      <p:nvGrpSpPr>
-        <p:cNvPr id="1" name=""/>
-        <p:cNvGrpSpPr/>
-        <p:nvPr/>
-      </p:nvGrpSpPr>
-      <p:grpSpPr>
-        <a:xfrm>
-          <a:off x="0" y="0"/>
-          <a:ext cx="0" cy="0"/>
-          <a:chOff x="0" y="0"/>
-          <a:chExt cx="0" cy="0"/>
-        </a:xfrm>
-      </p:grpSpPr>
-      <p:sp>
-        <p:nvSpPr>
-          <p:cNvPr id="2" name="タイトル 1"/>
-          <p:cNvSpPr>
-            <a:spLocks noGrp="1"/>
-          </p:cNvSpPr>
-          <p:nvPr>
-            <p:ph type="title"/>
-          </p:nvPr>
-        </p:nvSpPr>
-        <p:spPr/>
-        <p:txBody>
-          <a:bodyPr/>
-          <a:lstStyle/>
-          <a:p>
-            <a:r>
-              <a:rPr lang="en-US" altLang="ja-JP"/>
-              <a:t>KB : Happy Hacking Keyboard</a:t>
-            </a:r>
-            <a:endParaRPr kumimoji="1" lang="ja-JP" altLang="en-US"/>
-          </a:p>
-        </p:txBody>
-      </p:sp>
-      <p:sp>
-        <p:nvSpPr>
-          <p:cNvPr id="3" name="コンテンツ プレースホルダー 2"/>
-          <p:cNvSpPr>
-            <a:spLocks noGrp="1"/>
-          </p:cNvSpPr>
-          <p:nvPr>
-            <p:ph idx="1"/>
-          </p:nvPr>
-        </p:nvSpPr>
-        <p:spPr/>
-        <p:txBody>
-          <a:bodyPr/>
-          <a:lstStyle/>
-          <a:p>
-            <a:pPr marL="0" indent="0">
-              <a:buNone/>
-            </a:pPr>
-            <a:r>
-              <a:rPr lang="ja-JP" altLang="en-US" smtClean="0"/>
-              <a:t>その他</a:t>
-            </a:r>
-            <a:endParaRPr lang="en-US" altLang="ja-JP" smtClean="0"/>
-          </a:p>
-          <a:p>
-            <a:pPr marL="0" indent="0">
-              <a:buNone/>
-            </a:pPr>
-            <a:endParaRPr kumimoji="1" lang="en-US" altLang="ja-JP"/>
-          </a:p>
-          <a:p>
-            <a:r>
-              <a:rPr lang="en-US" altLang="ja-JP" smtClean="0"/>
-              <a:t>LCMD</a:t>
-            </a:r>
-            <a:r>
-              <a:rPr lang="ja-JP" altLang="en-US" smtClean="0"/>
-              <a:t> </a:t>
-            </a:r>
-            <a:r>
-              <a:rPr lang="en-US" altLang="ja-JP" smtClean="0"/>
-              <a:t>AND </a:t>
-            </a:r>
-            <a:r>
-              <a:rPr lang="en-US" altLang="ja-JP" smtClean="0"/>
-              <a:t>Q</a:t>
-            </a:r>
-            <a:r>
-              <a:rPr lang="ja-JP" altLang="en-US" smtClean="0"/>
-              <a:t>：</a:t>
-            </a:r>
-            <a:r>
-              <a:rPr lang="en-US" altLang="ja-JP" b="1" smtClean="0"/>
-              <a:t>Quit</a:t>
-            </a:r>
-            <a:r>
-              <a:rPr lang="ja-JP" altLang="en-US" b="1" smtClean="0"/>
-              <a:t> </a:t>
-            </a:r>
-            <a:r>
-              <a:rPr lang="en-US" altLang="ja-JP" b="1" smtClean="0"/>
-              <a:t>APP</a:t>
-            </a:r>
-          </a:p>
-          <a:p>
-            <a:r>
-              <a:rPr lang="en-US" altLang="ja-JP" smtClean="0"/>
-              <a:t>CAPS AND LCMD AND F : </a:t>
-            </a:r>
-            <a:r>
-              <a:rPr lang="en-US" altLang="ja-JP" b="1" smtClean="0"/>
-              <a:t>previous tab (APP</a:t>
-            </a:r>
-            <a:r>
-              <a:rPr lang="ja-JP" altLang="en-US" b="1" smtClean="0"/>
-              <a:t>固有</a:t>
-            </a:r>
-            <a:r>
-              <a:rPr lang="en-US" altLang="ja-JP" b="1" smtClean="0"/>
-              <a:t>)</a:t>
-            </a:r>
-          </a:p>
-          <a:p>
-            <a:r>
-              <a:rPr lang="en-US" altLang="ja-JP" smtClean="0"/>
-              <a:t>CAPS </a:t>
-            </a:r>
-            <a:r>
-              <a:rPr lang="en-US" altLang="ja-JP"/>
-              <a:t>AND LCMD AND F </a:t>
-            </a:r>
-            <a:r>
-              <a:rPr lang="en-US" altLang="ja-JP"/>
-              <a:t>: </a:t>
-            </a:r>
-            <a:r>
-              <a:rPr lang="en-US" altLang="ja-JP" b="1" smtClean="0"/>
-              <a:t>next tab</a:t>
-            </a:r>
-            <a:r>
-              <a:rPr lang="ja-JP" altLang="en-US" b="1"/>
-              <a:t> </a:t>
-            </a:r>
-            <a:r>
-              <a:rPr lang="en-US" altLang="ja-JP" b="1" smtClean="0"/>
-              <a:t>(APP</a:t>
-            </a:r>
-            <a:r>
-              <a:rPr lang="ja-JP" altLang="en-US" b="1" smtClean="0"/>
-              <a:t>固有</a:t>
-            </a:r>
-            <a:r>
-              <a:rPr lang="en-US" altLang="ja-JP" b="1" smtClean="0"/>
-              <a:t>)</a:t>
-            </a:r>
-          </a:p>
-          <a:p>
-            <a:endParaRPr lang="en-US" altLang="ja-JP" b="1"/>
-          </a:p>
-        </p:txBody>
-      </p:sp>
-    </p:spTree>
-    <p:extLst>
-      <p:ext uri="{BB962C8B-B14F-4D97-AF65-F5344CB8AC3E}">
-        <p14:creationId xmlns:p14="http://schemas.microsoft.com/office/powerpoint/2010/main" val="3675204236"/>
-      </p:ext>
-    </p:extLst>
-  </p:cSld>
-  <p:clrMapOvr>
-    <a:masterClrMapping/>
-  </p:clrMapOvr>
   <p:timing>
     <p:tnLst>
       <p:par>
@@ -21759,6 +19405,12 @@
           <a:lstStyle/>
           <a:p>
             <a:pPr algn="ctr"/>
+            <a:r>
+              <a:rPr lang="en-US" altLang="ja-JP" smtClean="0">
+                <a:latin typeface="+mj-lt"/>
+              </a:rPr>
+              <a:t>CAPS</a:t>
+            </a:r>
             <a:endParaRPr kumimoji="1" lang="ja-JP" altLang="en-US" dirty="0">
               <a:latin typeface="+mj-lt"/>
             </a:endParaRPr>
@@ -22262,6 +19914,12 @@
           <a:lstStyle/>
           <a:p>
             <a:pPr algn="ctr"/>
+            <a:r>
+              <a:rPr kumimoji="1" lang="en-US" altLang="ja-JP" smtClean="0">
+                <a:latin typeface="+mj-lt"/>
+              </a:rPr>
+              <a:t>Shift</a:t>
+            </a:r>
             <a:endParaRPr kumimoji="1" lang="ja-JP" altLang="en-US" dirty="0">
               <a:latin typeface="+mj-lt"/>
             </a:endParaRPr>
@@ -22305,6 +19963,12 @@
           <a:lstStyle/>
           <a:p>
             <a:pPr algn="ctr"/>
+            <a:r>
+              <a:rPr kumimoji="1" lang="en-US" altLang="ja-JP" smtClean="0">
+                <a:latin typeface="+mj-lt"/>
+              </a:rPr>
+              <a:t>Shift</a:t>
+            </a:r>
             <a:endParaRPr kumimoji="1" lang="ja-JP" altLang="en-US" dirty="0">
               <a:latin typeface="+mj-lt"/>
             </a:endParaRPr>
@@ -22397,6 +20061,12 @@
           <a:lstStyle/>
           <a:p>
             <a:pPr algn="ctr"/>
+            <a:r>
+              <a:rPr kumimoji="1" lang="en-US" altLang="ja-JP" smtClean="0">
+                <a:latin typeface="+mj-lt"/>
+              </a:rPr>
+              <a:t>Alt</a:t>
+            </a:r>
             <a:endParaRPr kumimoji="1" lang="ja-JP" altLang="en-US" dirty="0">
               <a:latin typeface="+mj-lt"/>
             </a:endParaRPr>
@@ -22440,6 +20110,12 @@
           <a:lstStyle/>
           <a:p>
             <a:pPr algn="ctr"/>
+            <a:r>
+              <a:rPr kumimoji="1" lang="en-US" altLang="ja-JP" smtClean="0">
+                <a:latin typeface="+mj-lt"/>
+              </a:rPr>
+              <a:t>#</a:t>
+            </a:r>
             <a:endParaRPr kumimoji="1" lang="ja-JP" altLang="en-US" dirty="0">
               <a:latin typeface="+mj-lt"/>
             </a:endParaRPr>
@@ -22483,6 +20159,12 @@
           <a:lstStyle/>
           <a:p>
             <a:pPr algn="ctr"/>
+            <a:r>
+              <a:rPr kumimoji="1" lang="en-US" altLang="ja-JP" smtClean="0">
+                <a:latin typeface="+mj-lt"/>
+              </a:rPr>
+              <a:t>LCmd</a:t>
+            </a:r>
             <a:endParaRPr kumimoji="1" lang="ja-JP" altLang="en-US" dirty="0">
               <a:latin typeface="+mj-lt"/>
             </a:endParaRPr>
@@ -22578,6 +20260,12 @@
           <a:lstStyle/>
           <a:p>
             <a:pPr algn="ctr"/>
+            <a:r>
+              <a:rPr lang="en-US" altLang="ja-JP" smtClean="0">
+                <a:latin typeface="+mj-lt"/>
+              </a:rPr>
+              <a:t>RCmd</a:t>
+            </a:r>
             <a:endParaRPr kumimoji="1" lang="ja-JP" altLang="en-US" dirty="0">
               <a:latin typeface="+mj-lt"/>
             </a:endParaRPr>

--- a/MANUAL.pptx
+++ b/MANUAL.pptx
@@ -4,6 +4,9 @@
   <p:sldMasterIdLst>
     <p:sldMasterId id="2147483684" r:id="rId1"/>
   </p:sldMasterIdLst>
+  <p:notesMasterIdLst>
+    <p:notesMasterId r:id="rId16"/>
+  </p:notesMasterIdLst>
   <p:sldIdLst>
     <p:sldId id="256" r:id="rId2"/>
     <p:sldId id="289" r:id="rId3"/>
@@ -155,6 +158,483 @@
 </p:presentation>
 </file>
 
+<file path=ppt/notesMasters/notesMaster1.xml><?xml version="1.0" encoding="utf-8"?>
+<p:notesMaster xmlns:a="http://schemas.openxmlformats.org/drawingml/2006/main" xmlns:r="http://schemas.openxmlformats.org/officeDocument/2006/relationships" xmlns:p="http://schemas.openxmlformats.org/presentationml/2006/main">
+  <p:cSld>
+    <p:bg>
+      <p:bgRef idx="1001">
+        <a:schemeClr val="bg1"/>
+      </p:bgRef>
+    </p:bg>
+    <p:spTree>
+      <p:nvGrpSpPr>
+        <p:cNvPr id="1" name=""/>
+        <p:cNvGrpSpPr/>
+        <p:nvPr/>
+      </p:nvGrpSpPr>
+      <p:grpSpPr>
+        <a:xfrm>
+          <a:off x="0" y="0"/>
+          <a:ext cx="0" cy="0"/>
+          <a:chOff x="0" y="0"/>
+          <a:chExt cx="0" cy="0"/>
+        </a:xfrm>
+      </p:grpSpPr>
+      <p:sp>
+        <p:nvSpPr>
+          <p:cNvPr id="2" name="ヘッダー プレースホルダー 1"/>
+          <p:cNvSpPr>
+            <a:spLocks noGrp="1"/>
+          </p:cNvSpPr>
+          <p:nvPr>
+            <p:ph type="hdr" sz="quarter"/>
+          </p:nvPr>
+        </p:nvSpPr>
+        <p:spPr>
+          <a:xfrm>
+            <a:off x="0" y="0"/>
+            <a:ext cx="2971800" cy="458788"/>
+          </a:xfrm>
+          <a:prstGeom prst="rect">
+            <a:avLst/>
+          </a:prstGeom>
+        </p:spPr>
+        <p:txBody>
+          <a:bodyPr vert="horz" lIns="91440" tIns="45720" rIns="91440" bIns="45720" rtlCol="0"/>
+          <a:lstStyle>
+            <a:lvl1pPr algn="l">
+              <a:defRPr sz="1200"/>
+            </a:lvl1pPr>
+          </a:lstStyle>
+          <a:p>
+            <a:endParaRPr kumimoji="1" lang="ja-JP" altLang="en-US"/>
+          </a:p>
+        </p:txBody>
+      </p:sp>
+      <p:sp>
+        <p:nvSpPr>
+          <p:cNvPr id="3" name="日付プレースホルダー 2"/>
+          <p:cNvSpPr>
+            <a:spLocks noGrp="1"/>
+          </p:cNvSpPr>
+          <p:nvPr>
+            <p:ph type="dt" idx="1"/>
+          </p:nvPr>
+        </p:nvSpPr>
+        <p:spPr>
+          <a:xfrm>
+            <a:off x="3884613" y="0"/>
+            <a:ext cx="2971800" cy="458788"/>
+          </a:xfrm>
+          <a:prstGeom prst="rect">
+            <a:avLst/>
+          </a:prstGeom>
+        </p:spPr>
+        <p:txBody>
+          <a:bodyPr vert="horz" lIns="91440" tIns="45720" rIns="91440" bIns="45720" rtlCol="0"/>
+          <a:lstStyle>
+            <a:lvl1pPr algn="r">
+              <a:defRPr sz="1200"/>
+            </a:lvl1pPr>
+          </a:lstStyle>
+          <a:p>
+            <a:fld id="{98B15ECE-60C4-45D4-8ABC-DDA7D4F33EF9}" type="datetimeFigureOut">
+              <a:rPr kumimoji="1" lang="ja-JP" altLang="en-US" smtClean="0"/>
+              <a:t>2015/10/14</a:t>
+            </a:fld>
+            <a:endParaRPr kumimoji="1" lang="ja-JP" altLang="en-US"/>
+          </a:p>
+        </p:txBody>
+      </p:sp>
+      <p:sp>
+        <p:nvSpPr>
+          <p:cNvPr id="4" name="スライド イメージ プレースホルダー 3"/>
+          <p:cNvSpPr>
+            <a:spLocks noGrp="1" noRot="1" noChangeAspect="1"/>
+          </p:cNvSpPr>
+          <p:nvPr>
+            <p:ph type="sldImg" idx="2"/>
+          </p:nvPr>
+        </p:nvSpPr>
+        <p:spPr>
+          <a:xfrm>
+            <a:off x="1371600" y="1143000"/>
+            <a:ext cx="4114800" cy="3086100"/>
+          </a:xfrm>
+          <a:prstGeom prst="rect">
+            <a:avLst/>
+          </a:prstGeom>
+          <a:noFill/>
+          <a:ln w="12700">
+            <a:solidFill>
+              <a:prstClr val="black"/>
+            </a:solidFill>
+          </a:ln>
+        </p:spPr>
+        <p:txBody>
+          <a:bodyPr vert="horz" lIns="91440" tIns="45720" rIns="91440" bIns="45720" rtlCol="0" anchor="ctr"/>
+          <a:lstStyle/>
+          <a:p>
+            <a:endParaRPr lang="ja-JP" altLang="en-US"/>
+          </a:p>
+        </p:txBody>
+      </p:sp>
+      <p:sp>
+        <p:nvSpPr>
+          <p:cNvPr id="5" name="ノート プレースホルダー 4"/>
+          <p:cNvSpPr>
+            <a:spLocks noGrp="1"/>
+          </p:cNvSpPr>
+          <p:nvPr>
+            <p:ph type="body" sz="quarter" idx="3"/>
+          </p:nvPr>
+        </p:nvSpPr>
+        <p:spPr>
+          <a:xfrm>
+            <a:off x="685800" y="4400550"/>
+            <a:ext cx="5486400" cy="3600450"/>
+          </a:xfrm>
+          <a:prstGeom prst="rect">
+            <a:avLst/>
+          </a:prstGeom>
+        </p:spPr>
+        <p:txBody>
+          <a:bodyPr vert="horz" lIns="91440" tIns="45720" rIns="91440" bIns="45720" rtlCol="0"/>
+          <a:lstStyle/>
+          <a:p>
+            <a:pPr lvl="0"/>
+            <a:r>
+              <a:rPr kumimoji="1" lang="ja-JP" altLang="en-US" smtClean="0"/>
+              <a:t>マスター テキストの書式設定</a:t>
+            </a:r>
+          </a:p>
+          <a:p>
+            <a:pPr lvl="1"/>
+            <a:r>
+              <a:rPr kumimoji="1" lang="ja-JP" altLang="en-US" smtClean="0"/>
+              <a:t>第 </a:t>
+            </a:r>
+            <a:r>
+              <a:rPr kumimoji="1" lang="en-US" altLang="ja-JP" smtClean="0"/>
+              <a:t>2 </a:t>
+            </a:r>
+            <a:r>
+              <a:rPr kumimoji="1" lang="ja-JP" altLang="en-US" smtClean="0"/>
+              <a:t>レベル</a:t>
+            </a:r>
+          </a:p>
+          <a:p>
+            <a:pPr lvl="2"/>
+            <a:r>
+              <a:rPr kumimoji="1" lang="ja-JP" altLang="en-US" smtClean="0"/>
+              <a:t>第 </a:t>
+            </a:r>
+            <a:r>
+              <a:rPr kumimoji="1" lang="en-US" altLang="ja-JP" smtClean="0"/>
+              <a:t>3 </a:t>
+            </a:r>
+            <a:r>
+              <a:rPr kumimoji="1" lang="ja-JP" altLang="en-US" smtClean="0"/>
+              <a:t>レベル</a:t>
+            </a:r>
+          </a:p>
+          <a:p>
+            <a:pPr lvl="3"/>
+            <a:r>
+              <a:rPr kumimoji="1" lang="ja-JP" altLang="en-US" smtClean="0"/>
+              <a:t>第 </a:t>
+            </a:r>
+            <a:r>
+              <a:rPr kumimoji="1" lang="en-US" altLang="ja-JP" smtClean="0"/>
+              <a:t>4 </a:t>
+            </a:r>
+            <a:r>
+              <a:rPr kumimoji="1" lang="ja-JP" altLang="en-US" smtClean="0"/>
+              <a:t>レベル</a:t>
+            </a:r>
+          </a:p>
+          <a:p>
+            <a:pPr lvl="4"/>
+            <a:r>
+              <a:rPr kumimoji="1" lang="ja-JP" altLang="en-US" smtClean="0"/>
+              <a:t>第 </a:t>
+            </a:r>
+            <a:r>
+              <a:rPr kumimoji="1" lang="en-US" altLang="ja-JP" smtClean="0"/>
+              <a:t>5 </a:t>
+            </a:r>
+            <a:r>
+              <a:rPr kumimoji="1" lang="ja-JP" altLang="en-US" smtClean="0"/>
+              <a:t>レベル</a:t>
+            </a:r>
+            <a:endParaRPr kumimoji="1" lang="ja-JP" altLang="en-US"/>
+          </a:p>
+        </p:txBody>
+      </p:sp>
+      <p:sp>
+        <p:nvSpPr>
+          <p:cNvPr id="6" name="フッター プレースホルダー 5"/>
+          <p:cNvSpPr>
+            <a:spLocks noGrp="1"/>
+          </p:cNvSpPr>
+          <p:nvPr>
+            <p:ph type="ftr" sz="quarter" idx="4"/>
+          </p:nvPr>
+        </p:nvSpPr>
+        <p:spPr>
+          <a:xfrm>
+            <a:off x="0" y="8685213"/>
+            <a:ext cx="2971800" cy="458787"/>
+          </a:xfrm>
+          <a:prstGeom prst="rect">
+            <a:avLst/>
+          </a:prstGeom>
+        </p:spPr>
+        <p:txBody>
+          <a:bodyPr vert="horz" lIns="91440" tIns="45720" rIns="91440" bIns="45720" rtlCol="0" anchor="b"/>
+          <a:lstStyle>
+            <a:lvl1pPr algn="l">
+              <a:defRPr sz="1200"/>
+            </a:lvl1pPr>
+          </a:lstStyle>
+          <a:p>
+            <a:endParaRPr kumimoji="1" lang="ja-JP" altLang="en-US"/>
+          </a:p>
+        </p:txBody>
+      </p:sp>
+      <p:sp>
+        <p:nvSpPr>
+          <p:cNvPr id="7" name="スライド番号プレースホルダー 6"/>
+          <p:cNvSpPr>
+            <a:spLocks noGrp="1"/>
+          </p:cNvSpPr>
+          <p:nvPr>
+            <p:ph type="sldNum" sz="quarter" idx="5"/>
+          </p:nvPr>
+        </p:nvSpPr>
+        <p:spPr>
+          <a:xfrm>
+            <a:off x="3884613" y="8685213"/>
+            <a:ext cx="2971800" cy="458787"/>
+          </a:xfrm>
+          <a:prstGeom prst="rect">
+            <a:avLst/>
+          </a:prstGeom>
+        </p:spPr>
+        <p:txBody>
+          <a:bodyPr vert="horz" lIns="91440" tIns="45720" rIns="91440" bIns="45720" rtlCol="0" anchor="b"/>
+          <a:lstStyle>
+            <a:lvl1pPr algn="r">
+              <a:defRPr sz="1200"/>
+            </a:lvl1pPr>
+          </a:lstStyle>
+          <a:p>
+            <a:fld id="{B7FB55F5-4E42-4572-805F-119E805B59B2}" type="slidenum">
+              <a:rPr kumimoji="1" lang="ja-JP" altLang="en-US" smtClean="0"/>
+              <a:t>‹#›</a:t>
+            </a:fld>
+            <a:endParaRPr kumimoji="1" lang="ja-JP" altLang="en-US"/>
+          </a:p>
+        </p:txBody>
+      </p:sp>
+    </p:spTree>
+    <p:extLst>
+      <p:ext uri="{BB962C8B-B14F-4D97-AF65-F5344CB8AC3E}">
+        <p14:creationId xmlns:p14="http://schemas.microsoft.com/office/powerpoint/2010/main" val="492960785"/>
+      </p:ext>
+    </p:extLst>
+  </p:cSld>
+  <p:clrMap bg1="lt1" tx1="dk1" bg2="lt2" tx2="dk2" accent1="accent1" accent2="accent2" accent3="accent3" accent4="accent4" accent5="accent5" accent6="accent6" hlink="hlink" folHlink="folHlink"/>
+  <p:notesStyle>
+    <a:lvl1pPr marL="0" algn="l" defTabSz="914400" rtl="0" eaLnBrk="1" latinLnBrk="0" hangingPunct="1">
+      <a:defRPr kumimoji="1" sz="1200" kern="1200">
+        <a:solidFill>
+          <a:schemeClr val="tx1"/>
+        </a:solidFill>
+        <a:latin typeface="+mn-lt"/>
+        <a:ea typeface="+mn-ea"/>
+        <a:cs typeface="+mn-cs"/>
+      </a:defRPr>
+    </a:lvl1pPr>
+    <a:lvl2pPr marL="457200" algn="l" defTabSz="914400" rtl="0" eaLnBrk="1" latinLnBrk="0" hangingPunct="1">
+      <a:defRPr kumimoji="1" sz="1200" kern="1200">
+        <a:solidFill>
+          <a:schemeClr val="tx1"/>
+        </a:solidFill>
+        <a:latin typeface="+mn-lt"/>
+        <a:ea typeface="+mn-ea"/>
+        <a:cs typeface="+mn-cs"/>
+      </a:defRPr>
+    </a:lvl2pPr>
+    <a:lvl3pPr marL="914400" algn="l" defTabSz="914400" rtl="0" eaLnBrk="1" latinLnBrk="0" hangingPunct="1">
+      <a:defRPr kumimoji="1" sz="1200" kern="1200">
+        <a:solidFill>
+          <a:schemeClr val="tx1"/>
+        </a:solidFill>
+        <a:latin typeface="+mn-lt"/>
+        <a:ea typeface="+mn-ea"/>
+        <a:cs typeface="+mn-cs"/>
+      </a:defRPr>
+    </a:lvl3pPr>
+    <a:lvl4pPr marL="1371600" algn="l" defTabSz="914400" rtl="0" eaLnBrk="1" latinLnBrk="0" hangingPunct="1">
+      <a:defRPr kumimoji="1" sz="1200" kern="1200">
+        <a:solidFill>
+          <a:schemeClr val="tx1"/>
+        </a:solidFill>
+        <a:latin typeface="+mn-lt"/>
+        <a:ea typeface="+mn-ea"/>
+        <a:cs typeface="+mn-cs"/>
+      </a:defRPr>
+    </a:lvl4pPr>
+    <a:lvl5pPr marL="1828800" algn="l" defTabSz="914400" rtl="0" eaLnBrk="1" latinLnBrk="0" hangingPunct="1">
+      <a:defRPr kumimoji="1" sz="1200" kern="1200">
+        <a:solidFill>
+          <a:schemeClr val="tx1"/>
+        </a:solidFill>
+        <a:latin typeface="+mn-lt"/>
+        <a:ea typeface="+mn-ea"/>
+        <a:cs typeface="+mn-cs"/>
+      </a:defRPr>
+    </a:lvl5pPr>
+    <a:lvl6pPr marL="2286000" algn="l" defTabSz="914400" rtl="0" eaLnBrk="1" latinLnBrk="0" hangingPunct="1">
+      <a:defRPr kumimoji="1" sz="1200" kern="1200">
+        <a:solidFill>
+          <a:schemeClr val="tx1"/>
+        </a:solidFill>
+        <a:latin typeface="+mn-lt"/>
+        <a:ea typeface="+mn-ea"/>
+        <a:cs typeface="+mn-cs"/>
+      </a:defRPr>
+    </a:lvl6pPr>
+    <a:lvl7pPr marL="2743200" algn="l" defTabSz="914400" rtl="0" eaLnBrk="1" latinLnBrk="0" hangingPunct="1">
+      <a:defRPr kumimoji="1" sz="1200" kern="1200">
+        <a:solidFill>
+          <a:schemeClr val="tx1"/>
+        </a:solidFill>
+        <a:latin typeface="+mn-lt"/>
+        <a:ea typeface="+mn-ea"/>
+        <a:cs typeface="+mn-cs"/>
+      </a:defRPr>
+    </a:lvl7pPr>
+    <a:lvl8pPr marL="3200400" algn="l" defTabSz="914400" rtl="0" eaLnBrk="1" latinLnBrk="0" hangingPunct="1">
+      <a:defRPr kumimoji="1" sz="1200" kern="1200">
+        <a:solidFill>
+          <a:schemeClr val="tx1"/>
+        </a:solidFill>
+        <a:latin typeface="+mn-lt"/>
+        <a:ea typeface="+mn-ea"/>
+        <a:cs typeface="+mn-cs"/>
+      </a:defRPr>
+    </a:lvl8pPr>
+    <a:lvl9pPr marL="3657600" algn="l" defTabSz="914400" rtl="0" eaLnBrk="1" latinLnBrk="0" hangingPunct="1">
+      <a:defRPr kumimoji="1" sz="1200" kern="1200">
+        <a:solidFill>
+          <a:schemeClr val="tx1"/>
+        </a:solidFill>
+        <a:latin typeface="+mn-lt"/>
+        <a:ea typeface="+mn-ea"/>
+        <a:cs typeface="+mn-cs"/>
+      </a:defRPr>
+    </a:lvl9pPr>
+  </p:notesStyle>
+</p:notesMaster>
+</file>
+
+<file path=ppt/notesSlides/notesSlide1.xml><?xml version="1.0" encoding="utf-8"?>
+<p:notes xmlns:a="http://schemas.openxmlformats.org/drawingml/2006/main" xmlns:r="http://schemas.openxmlformats.org/officeDocument/2006/relationships" xmlns:p="http://schemas.openxmlformats.org/presentationml/2006/main">
+  <p:cSld>
+    <p:spTree>
+      <p:nvGrpSpPr>
+        <p:cNvPr id="1" name=""/>
+        <p:cNvGrpSpPr/>
+        <p:nvPr/>
+      </p:nvGrpSpPr>
+      <p:grpSpPr>
+        <a:xfrm>
+          <a:off x="0" y="0"/>
+          <a:ext cx="0" cy="0"/>
+          <a:chOff x="0" y="0"/>
+          <a:chExt cx="0" cy="0"/>
+        </a:xfrm>
+      </p:grpSpPr>
+      <p:sp>
+        <p:nvSpPr>
+          <p:cNvPr id="2" name="スライド イメージ プレースホルダー 1"/>
+          <p:cNvSpPr>
+            <a:spLocks noGrp="1" noRot="1" noChangeAspect="1"/>
+          </p:cNvSpPr>
+          <p:nvPr>
+            <p:ph type="sldImg"/>
+          </p:nvPr>
+        </p:nvSpPr>
+        <p:spPr/>
+      </p:sp>
+      <p:sp>
+        <p:nvSpPr>
+          <p:cNvPr id="3" name="ノート プレースホルダー 2"/>
+          <p:cNvSpPr>
+            <a:spLocks noGrp="1"/>
+          </p:cNvSpPr>
+          <p:nvPr>
+            <p:ph type="body" idx="1"/>
+          </p:nvPr>
+        </p:nvSpPr>
+        <p:spPr/>
+        <p:txBody>
+          <a:bodyPr/>
+          <a:lstStyle/>
+          <a:p>
+            <a:r>
+              <a:rPr kumimoji="1" lang="en-US" altLang="ja-JP" smtClean="0"/>
+              <a:t>IME</a:t>
+            </a:r>
+            <a:r>
+              <a:rPr kumimoji="1" lang="ja-JP" altLang="en-US" smtClean="0"/>
+              <a:t>切り替えがちょっと欲しいかも（ひらがな・英語）</a:t>
+            </a:r>
+            <a:endParaRPr kumimoji="1" lang="en-US" altLang="ja-JP" smtClean="0"/>
+          </a:p>
+          <a:p>
+            <a:endParaRPr kumimoji="1" lang="ja-JP" altLang="en-US"/>
+          </a:p>
+        </p:txBody>
+      </p:sp>
+      <p:sp>
+        <p:nvSpPr>
+          <p:cNvPr id="4" name="スライド番号プレースホルダー 3"/>
+          <p:cNvSpPr>
+            <a:spLocks noGrp="1"/>
+          </p:cNvSpPr>
+          <p:nvPr>
+            <p:ph type="sldNum" sz="quarter" idx="10"/>
+          </p:nvPr>
+        </p:nvSpPr>
+        <p:spPr/>
+        <p:txBody>
+          <a:bodyPr/>
+          <a:lstStyle/>
+          <a:p>
+            <a:fld id="{B7FB55F5-4E42-4572-805F-119E805B59B2}" type="slidenum">
+              <a:rPr kumimoji="1" lang="ja-JP" altLang="en-US" smtClean="0"/>
+              <a:t>5</a:t>
+            </a:fld>
+            <a:endParaRPr kumimoji="1" lang="ja-JP" altLang="en-US"/>
+          </a:p>
+        </p:txBody>
+      </p:sp>
+    </p:spTree>
+    <p:extLst>
+      <p:ext uri="{BB962C8B-B14F-4D97-AF65-F5344CB8AC3E}">
+        <p14:creationId xmlns:p14="http://schemas.microsoft.com/office/powerpoint/2010/main" val="2371876614"/>
+      </p:ext>
+    </p:extLst>
+  </p:cSld>
+  <p:clrMapOvr>
+    <a:masterClrMapping/>
+  </p:clrMapOvr>
+</p:notes>
+</file>
+
 <file path=ppt/slideLayouts/slideLayout1.xml><?xml version="1.0" encoding="utf-8"?>
 <p:sldLayout xmlns:a="http://schemas.openxmlformats.org/drawingml/2006/main" xmlns:r="http://schemas.openxmlformats.org/officeDocument/2006/relationships" xmlns:p="http://schemas.openxmlformats.org/presentationml/2006/main" type="title" preserve="1">
   <p:cSld name="タイトル スライド">
@@ -286,7 +766,7 @@
           <a:p>
             <a:fld id="{8FB4C7EE-3C5D-4F47-A8DE-21B759CA57C5}" type="datetimeFigureOut">
               <a:rPr kumimoji="1" lang="ja-JP" altLang="en-US" smtClean="0"/>
-              <a:t>2015/10/11</a:t>
+              <a:t>2015/10/14</a:t>
             </a:fld>
             <a:endParaRPr kumimoji="1" lang="ja-JP" altLang="en-US"/>
           </a:p>
@@ -488,7 +968,7 @@
           <a:p>
             <a:fld id="{8FB4C7EE-3C5D-4F47-A8DE-21B759CA57C5}" type="datetimeFigureOut">
               <a:rPr kumimoji="1" lang="ja-JP" altLang="en-US" smtClean="0"/>
-              <a:t>2015/10/11</a:t>
+              <a:t>2015/10/14</a:t>
             </a:fld>
             <a:endParaRPr kumimoji="1" lang="ja-JP" altLang="en-US"/>
           </a:p>
@@ -700,7 +1180,7 @@
           <a:p>
             <a:fld id="{8FB4C7EE-3C5D-4F47-A8DE-21B759CA57C5}" type="datetimeFigureOut">
               <a:rPr kumimoji="1" lang="ja-JP" altLang="en-US" smtClean="0"/>
-              <a:t>2015/10/11</a:t>
+              <a:t>2015/10/14</a:t>
             </a:fld>
             <a:endParaRPr kumimoji="1" lang="ja-JP" altLang="en-US"/>
           </a:p>
@@ -902,7 +1382,7 @@
           <a:p>
             <a:fld id="{8FB4C7EE-3C5D-4F47-A8DE-21B759CA57C5}" type="datetimeFigureOut">
               <a:rPr kumimoji="1" lang="ja-JP" altLang="en-US" smtClean="0"/>
-              <a:t>2015/10/11</a:t>
+              <a:t>2015/10/14</a:t>
             </a:fld>
             <a:endParaRPr kumimoji="1" lang="ja-JP" altLang="en-US"/>
           </a:p>
@@ -1146,7 +1626,7 @@
           <a:p>
             <a:fld id="{8FB4C7EE-3C5D-4F47-A8DE-21B759CA57C5}" type="datetimeFigureOut">
               <a:rPr kumimoji="1" lang="ja-JP" altLang="en-US" smtClean="0"/>
-              <a:t>2015/10/11</a:t>
+              <a:t>2015/10/14</a:t>
             </a:fld>
             <a:endParaRPr kumimoji="1" lang="ja-JP" altLang="en-US"/>
           </a:p>
@@ -1442,7 +1922,7 @@
           <a:p>
             <a:fld id="{8FB4C7EE-3C5D-4F47-A8DE-21B759CA57C5}" type="datetimeFigureOut">
               <a:rPr kumimoji="1" lang="ja-JP" altLang="en-US" smtClean="0"/>
-              <a:t>2015/10/11</a:t>
+              <a:t>2015/10/14</a:t>
             </a:fld>
             <a:endParaRPr kumimoji="1" lang="ja-JP" altLang="en-US"/>
           </a:p>
@@ -1873,7 +2353,7 @@
           <a:p>
             <a:fld id="{8FB4C7EE-3C5D-4F47-A8DE-21B759CA57C5}" type="datetimeFigureOut">
               <a:rPr kumimoji="1" lang="ja-JP" altLang="en-US" smtClean="0"/>
-              <a:t>2015/10/11</a:t>
+              <a:t>2015/10/14</a:t>
             </a:fld>
             <a:endParaRPr kumimoji="1" lang="ja-JP" altLang="en-US"/>
           </a:p>
@@ -1991,7 +2471,7 @@
           <a:p>
             <a:fld id="{8FB4C7EE-3C5D-4F47-A8DE-21B759CA57C5}" type="datetimeFigureOut">
               <a:rPr kumimoji="1" lang="ja-JP" altLang="en-US" smtClean="0"/>
-              <a:t>2015/10/11</a:t>
+              <a:t>2015/10/14</a:t>
             </a:fld>
             <a:endParaRPr kumimoji="1" lang="ja-JP" altLang="en-US"/>
           </a:p>
@@ -2086,7 +2566,7 @@
           <a:p>
             <a:fld id="{8FB4C7EE-3C5D-4F47-A8DE-21B759CA57C5}" type="datetimeFigureOut">
               <a:rPr kumimoji="1" lang="ja-JP" altLang="en-US" smtClean="0"/>
-              <a:t>2015/10/11</a:t>
+              <a:t>2015/10/14</a:t>
             </a:fld>
             <a:endParaRPr kumimoji="1" lang="ja-JP" altLang="en-US"/>
           </a:p>
@@ -2395,7 +2875,7 @@
           <a:p>
             <a:fld id="{8FB4C7EE-3C5D-4F47-A8DE-21B759CA57C5}" type="datetimeFigureOut">
               <a:rPr kumimoji="1" lang="ja-JP" altLang="en-US" smtClean="0"/>
-              <a:t>2015/10/11</a:t>
+              <a:t>2015/10/14</a:t>
             </a:fld>
             <a:endParaRPr kumimoji="1" lang="ja-JP" altLang="en-US"/>
           </a:p>
@@ -2652,7 +3132,7 @@
           <a:p>
             <a:fld id="{8FB4C7EE-3C5D-4F47-A8DE-21B759CA57C5}" type="datetimeFigureOut">
               <a:rPr kumimoji="1" lang="ja-JP" altLang="en-US" smtClean="0"/>
-              <a:t>2015/10/11</a:t>
+              <a:t>2015/10/14</a:t>
             </a:fld>
             <a:endParaRPr kumimoji="1" lang="ja-JP" altLang="en-US"/>
           </a:p>
@@ -2897,7 +3377,7 @@
           <a:p>
             <a:fld id="{8FB4C7EE-3C5D-4F47-A8DE-21B759CA57C5}" type="datetimeFigureOut">
               <a:rPr kumimoji="1" lang="ja-JP" altLang="en-US" smtClean="0"/>
-              <a:t>2015/10/11</a:t>
+              <a:t>2015/10/14</a:t>
             </a:fld>
             <a:endParaRPr kumimoji="1" lang="ja-JP" altLang="en-US"/>
           </a:p>
@@ -3382,17 +3862,7 @@
                   </a:schemeClr>
                 </a:solidFill>
               </a:rPr>
-              <a:t>by </a:t>
-            </a:r>
-            <a:r>
-              <a:rPr lang="en-US" altLang="ja-JP" smtClean="0">
-                <a:solidFill>
-                  <a:schemeClr val="bg1">
-                    <a:lumMod val="65000"/>
-                  </a:schemeClr>
-                </a:solidFill>
-              </a:rPr>
-              <a:t>AHK</a:t>
+              <a:t>by AHK</a:t>
             </a:r>
             <a:endParaRPr kumimoji="1" lang="ja-JP" altLang="en-US" dirty="0">
               <a:solidFill>
@@ -9861,11 +10331,7 @@
           <a:p>
             <a:r>
               <a:rPr kumimoji="1" lang="en-US" altLang="ja-JP" smtClean="0"/>
-              <a:t>Key </a:t>
-            </a:r>
-            <a:r>
-              <a:rPr kumimoji="1" lang="en-US" altLang="ja-JP" smtClean="0"/>
-              <a:t>: Happy Hacking Keyboard</a:t>
+              <a:t>Key : Happy Hacking Keyboard</a:t>
             </a:r>
             <a:endParaRPr kumimoji="1" lang="ja-JP" altLang="en-US" dirty="0"/>
           </a:p>
@@ -19260,6 +19726,17 @@
           <a:lstStyle/>
           <a:p>
             <a:pPr algn="ctr"/>
+            <a:r>
+              <a:rPr lang="en-US" altLang="ja-JP" sz="900" smtClean="0"/>
+              <a:t>Git</a:t>
+            </a:r>
+            <a:br>
+              <a:rPr lang="en-US" altLang="ja-JP" sz="900" smtClean="0"/>
+            </a:br>
+            <a:r>
+              <a:rPr lang="en-US" altLang="ja-JP" sz="900" smtClean="0"/>
+              <a:t>Hub</a:t>
+            </a:r>
             <a:endParaRPr kumimoji="1" lang="ja-JP" altLang="en-US" sz="900" dirty="0"/>
           </a:p>
         </p:txBody>
@@ -25469,4 +25946,265 @@
     </a:ext>
   </a:extLst>
 </a:theme>
+</file>
+
+<file path=ppt/theme/theme2.xml><?xml version="1.0" encoding="utf-8"?>
+<a:theme xmlns:a="http://schemas.openxmlformats.org/drawingml/2006/main" name="Office テーマ">
+  <a:themeElements>
+    <a:clrScheme name="Office">
+      <a:dk1>
+        <a:sysClr val="windowText" lastClr="000000"/>
+      </a:dk1>
+      <a:lt1>
+        <a:sysClr val="window" lastClr="FFFFFF"/>
+      </a:lt1>
+      <a:dk2>
+        <a:srgbClr val="44546A"/>
+      </a:dk2>
+      <a:lt2>
+        <a:srgbClr val="E7E6E6"/>
+      </a:lt2>
+      <a:accent1>
+        <a:srgbClr val="5B9BD5"/>
+      </a:accent1>
+      <a:accent2>
+        <a:srgbClr val="ED7D31"/>
+      </a:accent2>
+      <a:accent3>
+        <a:srgbClr val="A5A5A5"/>
+      </a:accent3>
+      <a:accent4>
+        <a:srgbClr val="FFC000"/>
+      </a:accent4>
+      <a:accent5>
+        <a:srgbClr val="4472C4"/>
+      </a:accent5>
+      <a:accent6>
+        <a:srgbClr val="70AD47"/>
+      </a:accent6>
+      <a:hlink>
+        <a:srgbClr val="0563C1"/>
+      </a:hlink>
+      <a:folHlink>
+        <a:srgbClr val="954F72"/>
+      </a:folHlink>
+    </a:clrScheme>
+    <a:fontScheme name="Office">
+      <a:majorFont>
+        <a:latin typeface="Calibri Light" panose="020F0302020204030204"/>
+        <a:ea typeface=""/>
+        <a:cs typeface=""/>
+        <a:font script="Jpan" typeface="ＭＳ Ｐゴシック"/>
+        <a:font script="Hang" typeface="맑은 고딕"/>
+        <a:font script="Hans" typeface="宋体"/>
+        <a:font script="Hant" typeface="新細明體"/>
+        <a:font script="Arab" typeface="Times New Roman"/>
+        <a:font script="Hebr" typeface="Times New Roman"/>
+        <a:font script="Thai" typeface="Angsana New"/>
+        <a:font script="Ethi" typeface="Nyala"/>
+        <a:font script="Beng" typeface="Vrinda"/>
+        <a:font script="Gujr" typeface="Shruti"/>
+        <a:font script="Khmr" typeface="MoolBoran"/>
+        <a:font script="Knda" typeface="Tunga"/>
+        <a:font script="Guru" typeface="Raavi"/>
+        <a:font script="Cans" typeface="Euphemia"/>
+        <a:font script="Cher" typeface="Plantagenet Cherokee"/>
+        <a:font script="Yiii" typeface="Microsoft Yi Baiti"/>
+        <a:font script="Tibt" typeface="Microsoft Himalaya"/>
+        <a:font script="Thaa" typeface="MV Boli"/>
+        <a:font script="Deva" typeface="Mangal"/>
+        <a:font script="Telu" typeface="Gautami"/>
+        <a:font script="Taml" typeface="Latha"/>
+        <a:font script="Syrc" typeface="Estrangelo Edessa"/>
+        <a:font script="Orya" typeface="Kalinga"/>
+        <a:font script="Mlym" typeface="Kartika"/>
+        <a:font script="Laoo" typeface="DokChampa"/>
+        <a:font script="Sinh" typeface="Iskoola Pota"/>
+        <a:font script="Mong" typeface="Mongolian Baiti"/>
+        <a:font script="Viet" typeface="Times New Roman"/>
+        <a:font script="Uigh" typeface="Microsoft Uighur"/>
+        <a:font script="Geor" typeface="Sylfaen"/>
+      </a:majorFont>
+      <a:minorFont>
+        <a:latin typeface="Calibri" panose="020F0502020204030204"/>
+        <a:ea typeface=""/>
+        <a:cs typeface=""/>
+        <a:font script="Jpan" typeface="ＭＳ Ｐゴシック"/>
+        <a:font script="Hang" typeface="맑은 고딕"/>
+        <a:font script="Hans" typeface="宋体"/>
+        <a:font script="Hant" typeface="新細明體"/>
+        <a:font script="Arab" typeface="Arial"/>
+        <a:font script="Hebr" typeface="Arial"/>
+        <a:font script="Thai" typeface="Cordia New"/>
+        <a:font script="Ethi" typeface="Nyala"/>
+        <a:font script="Beng" typeface="Vrinda"/>
+        <a:font script="Gujr" typeface="Shruti"/>
+        <a:font script="Khmr" typeface="DaunPenh"/>
+        <a:font script="Knda" typeface="Tunga"/>
+        <a:font script="Guru" typeface="Raavi"/>
+        <a:font script="Cans" typeface="Euphemia"/>
+        <a:font script="Cher" typeface="Plantagenet Cherokee"/>
+        <a:font script="Yiii" typeface="Microsoft Yi Baiti"/>
+        <a:font script="Tibt" typeface="Microsoft Himalaya"/>
+        <a:font script="Thaa" typeface="MV Boli"/>
+        <a:font script="Deva" typeface="Mangal"/>
+        <a:font script="Telu" typeface="Gautami"/>
+        <a:font script="Taml" typeface="Latha"/>
+        <a:font script="Syrc" typeface="Estrangelo Edessa"/>
+        <a:font script="Orya" typeface="Kalinga"/>
+        <a:font script="Mlym" typeface="Kartika"/>
+        <a:font script="Laoo" typeface="DokChampa"/>
+        <a:font script="Sinh" typeface="Iskoola Pota"/>
+        <a:font script="Mong" typeface="Mongolian Baiti"/>
+        <a:font script="Viet" typeface="Arial"/>
+        <a:font script="Uigh" typeface="Microsoft Uighur"/>
+        <a:font script="Geor" typeface="Sylfaen"/>
+      </a:minorFont>
+    </a:fontScheme>
+    <a:fmtScheme name="Office">
+      <a:fillStyleLst>
+        <a:solidFill>
+          <a:schemeClr val="phClr"/>
+        </a:solidFill>
+        <a:gradFill rotWithShape="1">
+          <a:gsLst>
+            <a:gs pos="0">
+              <a:schemeClr val="phClr">
+                <a:lumMod val="110000"/>
+                <a:satMod val="105000"/>
+                <a:tint val="67000"/>
+              </a:schemeClr>
+            </a:gs>
+            <a:gs pos="50000">
+              <a:schemeClr val="phClr">
+                <a:lumMod val="105000"/>
+                <a:satMod val="103000"/>
+                <a:tint val="73000"/>
+              </a:schemeClr>
+            </a:gs>
+            <a:gs pos="100000">
+              <a:schemeClr val="phClr">
+                <a:lumMod val="105000"/>
+                <a:satMod val="109000"/>
+                <a:tint val="81000"/>
+              </a:schemeClr>
+            </a:gs>
+          </a:gsLst>
+          <a:lin ang="5400000" scaled="0"/>
+        </a:gradFill>
+        <a:gradFill rotWithShape="1">
+          <a:gsLst>
+            <a:gs pos="0">
+              <a:schemeClr val="phClr">
+                <a:satMod val="103000"/>
+                <a:lumMod val="102000"/>
+                <a:tint val="94000"/>
+              </a:schemeClr>
+            </a:gs>
+            <a:gs pos="50000">
+              <a:schemeClr val="phClr">
+                <a:satMod val="110000"/>
+                <a:lumMod val="100000"/>
+                <a:shade val="100000"/>
+              </a:schemeClr>
+            </a:gs>
+            <a:gs pos="100000">
+              <a:schemeClr val="phClr">
+                <a:lumMod val="99000"/>
+                <a:satMod val="120000"/>
+                <a:shade val="78000"/>
+              </a:schemeClr>
+            </a:gs>
+          </a:gsLst>
+          <a:lin ang="5400000" scaled="0"/>
+        </a:gradFill>
+      </a:fillStyleLst>
+      <a:lnStyleLst>
+        <a:ln w="6350" cap="flat" cmpd="sng" algn="ctr">
+          <a:solidFill>
+            <a:schemeClr val="phClr"/>
+          </a:solidFill>
+          <a:prstDash val="solid"/>
+          <a:miter lim="800000"/>
+        </a:ln>
+        <a:ln w="12700" cap="flat" cmpd="sng" algn="ctr">
+          <a:solidFill>
+            <a:schemeClr val="phClr"/>
+          </a:solidFill>
+          <a:prstDash val="solid"/>
+          <a:miter lim="800000"/>
+        </a:ln>
+        <a:ln w="19050" cap="flat" cmpd="sng" algn="ctr">
+          <a:solidFill>
+            <a:schemeClr val="phClr"/>
+          </a:solidFill>
+          <a:prstDash val="solid"/>
+          <a:miter lim="800000"/>
+        </a:ln>
+      </a:lnStyleLst>
+      <a:effectStyleLst>
+        <a:effectStyle>
+          <a:effectLst/>
+        </a:effectStyle>
+        <a:effectStyle>
+          <a:effectLst/>
+        </a:effectStyle>
+        <a:effectStyle>
+          <a:effectLst>
+            <a:outerShdw blurRad="57150" dist="19050" dir="5400000" algn="ctr" rotWithShape="0">
+              <a:srgbClr val="000000">
+                <a:alpha val="63000"/>
+              </a:srgbClr>
+            </a:outerShdw>
+          </a:effectLst>
+        </a:effectStyle>
+      </a:effectStyleLst>
+      <a:bgFillStyleLst>
+        <a:solidFill>
+          <a:schemeClr val="phClr"/>
+        </a:solidFill>
+        <a:solidFill>
+          <a:schemeClr val="phClr">
+            <a:tint val="95000"/>
+            <a:satMod val="170000"/>
+          </a:schemeClr>
+        </a:solidFill>
+        <a:gradFill rotWithShape="1">
+          <a:gsLst>
+            <a:gs pos="0">
+              <a:schemeClr val="phClr">
+                <a:tint val="93000"/>
+                <a:satMod val="150000"/>
+                <a:shade val="98000"/>
+                <a:lumMod val="102000"/>
+              </a:schemeClr>
+            </a:gs>
+            <a:gs pos="50000">
+              <a:schemeClr val="phClr">
+                <a:tint val="98000"/>
+                <a:satMod val="130000"/>
+                <a:shade val="90000"/>
+                <a:lumMod val="103000"/>
+              </a:schemeClr>
+            </a:gs>
+            <a:gs pos="100000">
+              <a:schemeClr val="phClr">
+                <a:shade val="63000"/>
+                <a:satMod val="120000"/>
+              </a:schemeClr>
+            </a:gs>
+          </a:gsLst>
+          <a:lin ang="5400000" scaled="0"/>
+        </a:gradFill>
+      </a:bgFillStyleLst>
+    </a:fmtScheme>
+  </a:themeElements>
+  <a:objectDefaults/>
+  <a:extraClrSchemeLst/>
+  <a:extLst>
+    <a:ext uri="{05A4C25C-085E-4340-85A3-A5531E510DB2}">
+      <thm15:themeFamily xmlns:thm15="http://schemas.microsoft.com/office/thememl/2012/main" name="Office Theme" id="{62F939B6-93AF-4DB8-9C6B-D6C7DFDC589F}" vid="{4A3C46E8-61CC-4603-A589-7422A47A8E4A}"/>
+    </a:ext>
+  </a:extLst>
+</a:theme>
 </file>
--- a/MANUAL.pptx
+++ b/MANUAL.pptx
@@ -240,7 +240,7 @@
           <a:p>
             <a:fld id="{98B15ECE-60C4-45D4-8ABC-DDA7D4F33EF9}" type="datetimeFigureOut">
               <a:rPr kumimoji="1" lang="ja-JP" altLang="en-US" smtClean="0"/>
-              <a:t>2015/10/14</a:t>
+              <a:t>2015/10/16</a:t>
             </a:fld>
             <a:endParaRPr kumimoji="1" lang="ja-JP" altLang="en-US"/>
           </a:p>
@@ -766,7 +766,7 @@
           <a:p>
             <a:fld id="{8FB4C7EE-3C5D-4F47-A8DE-21B759CA57C5}" type="datetimeFigureOut">
               <a:rPr kumimoji="1" lang="ja-JP" altLang="en-US" smtClean="0"/>
-              <a:t>2015/10/14</a:t>
+              <a:t>2015/10/16</a:t>
             </a:fld>
             <a:endParaRPr kumimoji="1" lang="ja-JP" altLang="en-US"/>
           </a:p>
@@ -968,7 +968,7 @@
           <a:p>
             <a:fld id="{8FB4C7EE-3C5D-4F47-A8DE-21B759CA57C5}" type="datetimeFigureOut">
               <a:rPr kumimoji="1" lang="ja-JP" altLang="en-US" smtClean="0"/>
-              <a:t>2015/10/14</a:t>
+              <a:t>2015/10/16</a:t>
             </a:fld>
             <a:endParaRPr kumimoji="1" lang="ja-JP" altLang="en-US"/>
           </a:p>
@@ -1180,7 +1180,7 @@
           <a:p>
             <a:fld id="{8FB4C7EE-3C5D-4F47-A8DE-21B759CA57C5}" type="datetimeFigureOut">
               <a:rPr kumimoji="1" lang="ja-JP" altLang="en-US" smtClean="0"/>
-              <a:t>2015/10/14</a:t>
+              <a:t>2015/10/16</a:t>
             </a:fld>
             <a:endParaRPr kumimoji="1" lang="ja-JP" altLang="en-US"/>
           </a:p>
@@ -1382,7 +1382,7 @@
           <a:p>
             <a:fld id="{8FB4C7EE-3C5D-4F47-A8DE-21B759CA57C5}" type="datetimeFigureOut">
               <a:rPr kumimoji="1" lang="ja-JP" altLang="en-US" smtClean="0"/>
-              <a:t>2015/10/14</a:t>
+              <a:t>2015/10/16</a:t>
             </a:fld>
             <a:endParaRPr kumimoji="1" lang="ja-JP" altLang="en-US"/>
           </a:p>
@@ -1626,7 +1626,7 @@
           <a:p>
             <a:fld id="{8FB4C7EE-3C5D-4F47-A8DE-21B759CA57C5}" type="datetimeFigureOut">
               <a:rPr kumimoji="1" lang="ja-JP" altLang="en-US" smtClean="0"/>
-              <a:t>2015/10/14</a:t>
+              <a:t>2015/10/16</a:t>
             </a:fld>
             <a:endParaRPr kumimoji="1" lang="ja-JP" altLang="en-US"/>
           </a:p>
@@ -1922,7 +1922,7 @@
           <a:p>
             <a:fld id="{8FB4C7EE-3C5D-4F47-A8DE-21B759CA57C5}" type="datetimeFigureOut">
               <a:rPr kumimoji="1" lang="ja-JP" altLang="en-US" smtClean="0"/>
-              <a:t>2015/10/14</a:t>
+              <a:t>2015/10/16</a:t>
             </a:fld>
             <a:endParaRPr kumimoji="1" lang="ja-JP" altLang="en-US"/>
           </a:p>
@@ -2353,7 +2353,7 @@
           <a:p>
             <a:fld id="{8FB4C7EE-3C5D-4F47-A8DE-21B759CA57C5}" type="datetimeFigureOut">
               <a:rPr kumimoji="1" lang="ja-JP" altLang="en-US" smtClean="0"/>
-              <a:t>2015/10/14</a:t>
+              <a:t>2015/10/16</a:t>
             </a:fld>
             <a:endParaRPr kumimoji="1" lang="ja-JP" altLang="en-US"/>
           </a:p>
@@ -2471,7 +2471,7 @@
           <a:p>
             <a:fld id="{8FB4C7EE-3C5D-4F47-A8DE-21B759CA57C5}" type="datetimeFigureOut">
               <a:rPr kumimoji="1" lang="ja-JP" altLang="en-US" smtClean="0"/>
-              <a:t>2015/10/14</a:t>
+              <a:t>2015/10/16</a:t>
             </a:fld>
             <a:endParaRPr kumimoji="1" lang="ja-JP" altLang="en-US"/>
           </a:p>
@@ -2566,7 +2566,7 @@
           <a:p>
             <a:fld id="{8FB4C7EE-3C5D-4F47-A8DE-21B759CA57C5}" type="datetimeFigureOut">
               <a:rPr kumimoji="1" lang="ja-JP" altLang="en-US" smtClean="0"/>
-              <a:t>2015/10/14</a:t>
+              <a:t>2015/10/16</a:t>
             </a:fld>
             <a:endParaRPr kumimoji="1" lang="ja-JP" altLang="en-US"/>
           </a:p>
@@ -2875,7 +2875,7 @@
           <a:p>
             <a:fld id="{8FB4C7EE-3C5D-4F47-A8DE-21B759CA57C5}" type="datetimeFigureOut">
               <a:rPr kumimoji="1" lang="ja-JP" altLang="en-US" smtClean="0"/>
-              <a:t>2015/10/14</a:t>
+              <a:t>2015/10/16</a:t>
             </a:fld>
             <a:endParaRPr kumimoji="1" lang="ja-JP" altLang="en-US"/>
           </a:p>
@@ -3132,7 +3132,7 @@
           <a:p>
             <a:fld id="{8FB4C7EE-3C5D-4F47-A8DE-21B759CA57C5}" type="datetimeFigureOut">
               <a:rPr kumimoji="1" lang="ja-JP" altLang="en-US" smtClean="0"/>
-              <a:t>2015/10/14</a:t>
+              <a:t>2015/10/16</a:t>
             </a:fld>
             <a:endParaRPr kumimoji="1" lang="ja-JP" altLang="en-US"/>
           </a:p>
@@ -3377,7 +3377,7 @@
           <a:p>
             <a:fld id="{8FB4C7EE-3C5D-4F47-A8DE-21B759CA57C5}" type="datetimeFigureOut">
               <a:rPr kumimoji="1" lang="ja-JP" altLang="en-US" smtClean="0"/>
-              <a:t>2015/10/14</a:t>
+              <a:t>2015/10/16</a:t>
             </a:fld>
             <a:endParaRPr kumimoji="1" lang="ja-JP" altLang="en-US"/>
           </a:p>
@@ -9327,7 +9327,7 @@
                 <a:latin typeface="+mj-ea"/>
                 <a:ea typeface="+mj-ea"/>
               </a:rPr>
-              <a:t>別？</a:t>
+              <a:t>別</a:t>
             </a:r>
             <a:r>
               <a:rPr kumimoji="1" lang="en-US" altLang="ja-JP" sz="2000" smtClean="0">

--- a/MANUAL.pptx
+++ b/MANUAL.pptx
@@ -240,7 +240,7 @@
           <a:p>
             <a:fld id="{98B15ECE-60C4-45D4-8ABC-DDA7D4F33EF9}" type="datetimeFigureOut">
               <a:rPr kumimoji="1" lang="ja-JP" altLang="en-US" smtClean="0"/>
-              <a:t>2015/10/16</a:t>
+              <a:t>2015/10/17</a:t>
             </a:fld>
             <a:endParaRPr kumimoji="1" lang="ja-JP" altLang="en-US"/>
           </a:p>
@@ -766,7 +766,7 @@
           <a:p>
             <a:fld id="{8FB4C7EE-3C5D-4F47-A8DE-21B759CA57C5}" type="datetimeFigureOut">
               <a:rPr kumimoji="1" lang="ja-JP" altLang="en-US" smtClean="0"/>
-              <a:t>2015/10/16</a:t>
+              <a:t>2015/10/17</a:t>
             </a:fld>
             <a:endParaRPr kumimoji="1" lang="ja-JP" altLang="en-US"/>
           </a:p>
@@ -968,7 +968,7 @@
           <a:p>
             <a:fld id="{8FB4C7EE-3C5D-4F47-A8DE-21B759CA57C5}" type="datetimeFigureOut">
               <a:rPr kumimoji="1" lang="ja-JP" altLang="en-US" smtClean="0"/>
-              <a:t>2015/10/16</a:t>
+              <a:t>2015/10/17</a:t>
             </a:fld>
             <a:endParaRPr kumimoji="1" lang="ja-JP" altLang="en-US"/>
           </a:p>
@@ -1180,7 +1180,7 @@
           <a:p>
             <a:fld id="{8FB4C7EE-3C5D-4F47-A8DE-21B759CA57C5}" type="datetimeFigureOut">
               <a:rPr kumimoji="1" lang="ja-JP" altLang="en-US" smtClean="0"/>
-              <a:t>2015/10/16</a:t>
+              <a:t>2015/10/17</a:t>
             </a:fld>
             <a:endParaRPr kumimoji="1" lang="ja-JP" altLang="en-US"/>
           </a:p>
@@ -1382,7 +1382,7 @@
           <a:p>
             <a:fld id="{8FB4C7EE-3C5D-4F47-A8DE-21B759CA57C5}" type="datetimeFigureOut">
               <a:rPr kumimoji="1" lang="ja-JP" altLang="en-US" smtClean="0"/>
-              <a:t>2015/10/16</a:t>
+              <a:t>2015/10/17</a:t>
             </a:fld>
             <a:endParaRPr kumimoji="1" lang="ja-JP" altLang="en-US"/>
           </a:p>
@@ -1626,7 +1626,7 @@
           <a:p>
             <a:fld id="{8FB4C7EE-3C5D-4F47-A8DE-21B759CA57C5}" type="datetimeFigureOut">
               <a:rPr kumimoji="1" lang="ja-JP" altLang="en-US" smtClean="0"/>
-              <a:t>2015/10/16</a:t>
+              <a:t>2015/10/17</a:t>
             </a:fld>
             <a:endParaRPr kumimoji="1" lang="ja-JP" altLang="en-US"/>
           </a:p>
@@ -1922,7 +1922,7 @@
           <a:p>
             <a:fld id="{8FB4C7EE-3C5D-4F47-A8DE-21B759CA57C5}" type="datetimeFigureOut">
               <a:rPr kumimoji="1" lang="ja-JP" altLang="en-US" smtClean="0"/>
-              <a:t>2015/10/16</a:t>
+              <a:t>2015/10/17</a:t>
             </a:fld>
             <a:endParaRPr kumimoji="1" lang="ja-JP" altLang="en-US"/>
           </a:p>
@@ -2353,7 +2353,7 @@
           <a:p>
             <a:fld id="{8FB4C7EE-3C5D-4F47-A8DE-21B759CA57C5}" type="datetimeFigureOut">
               <a:rPr kumimoji="1" lang="ja-JP" altLang="en-US" smtClean="0"/>
-              <a:t>2015/10/16</a:t>
+              <a:t>2015/10/17</a:t>
             </a:fld>
             <a:endParaRPr kumimoji="1" lang="ja-JP" altLang="en-US"/>
           </a:p>
@@ -2471,7 +2471,7 @@
           <a:p>
             <a:fld id="{8FB4C7EE-3C5D-4F47-A8DE-21B759CA57C5}" type="datetimeFigureOut">
               <a:rPr kumimoji="1" lang="ja-JP" altLang="en-US" smtClean="0"/>
-              <a:t>2015/10/16</a:t>
+              <a:t>2015/10/17</a:t>
             </a:fld>
             <a:endParaRPr kumimoji="1" lang="ja-JP" altLang="en-US"/>
           </a:p>
@@ -2566,7 +2566,7 @@
           <a:p>
             <a:fld id="{8FB4C7EE-3C5D-4F47-A8DE-21B759CA57C5}" type="datetimeFigureOut">
               <a:rPr kumimoji="1" lang="ja-JP" altLang="en-US" smtClean="0"/>
-              <a:t>2015/10/16</a:t>
+              <a:t>2015/10/17</a:t>
             </a:fld>
             <a:endParaRPr kumimoji="1" lang="ja-JP" altLang="en-US"/>
           </a:p>
@@ -2875,7 +2875,7 @@
           <a:p>
             <a:fld id="{8FB4C7EE-3C5D-4F47-A8DE-21B759CA57C5}" type="datetimeFigureOut">
               <a:rPr kumimoji="1" lang="ja-JP" altLang="en-US" smtClean="0"/>
-              <a:t>2015/10/16</a:t>
+              <a:t>2015/10/17</a:t>
             </a:fld>
             <a:endParaRPr kumimoji="1" lang="ja-JP" altLang="en-US"/>
           </a:p>
@@ -3132,7 +3132,7 @@
           <a:p>
             <a:fld id="{8FB4C7EE-3C5D-4F47-A8DE-21B759CA57C5}" type="datetimeFigureOut">
               <a:rPr kumimoji="1" lang="ja-JP" altLang="en-US" smtClean="0"/>
-              <a:t>2015/10/16</a:t>
+              <a:t>2015/10/17</a:t>
             </a:fld>
             <a:endParaRPr kumimoji="1" lang="ja-JP" altLang="en-US"/>
           </a:p>
@@ -3377,7 +3377,7 @@
           <a:p>
             <a:fld id="{8FB4C7EE-3C5D-4F47-A8DE-21B759CA57C5}" type="datetimeFigureOut">
               <a:rPr kumimoji="1" lang="ja-JP" altLang="en-US" smtClean="0"/>
-              <a:t>2015/10/16</a:t>
+              <a:t>2015/10/17</a:t>
             </a:fld>
             <a:endParaRPr kumimoji="1" lang="ja-JP" altLang="en-US"/>
           </a:p>

--- a/MANUAL.pptx
+++ b/MANUAL.pptx
@@ -678,15 +678,12 @@
           <a:p>
             <a:r>
               <a:rPr kumimoji="1" lang="en-US" altLang="ja-JP" smtClean="0"/>
-              <a:t>IME</a:t>
+              <a:t>PgUp,PgDn</a:t>
             </a:r>
             <a:r>
               <a:rPr kumimoji="1" lang="ja-JP" altLang="en-US" smtClean="0"/>
-              <a:t>切り替えがちょっと欲しいかも（ひらがな・英語）</a:t>
-            </a:r>
-            <a:endParaRPr kumimoji="1" lang="en-US" altLang="ja-JP" smtClean="0"/>
-          </a:p>
-          <a:p>
+              <a:t>なんだかんだほしい</a:t>
+            </a:r>
             <a:endParaRPr kumimoji="1" lang="ja-JP" altLang="en-US"/>
           </a:p>
         </p:txBody>

--- a/MANUAL.pptx
+++ b/MANUAL.pptx
@@ -592,6 +592,23 @@
           <a:bodyPr/>
           <a:lstStyle/>
           <a:p>
+            <a:pPr marL="0" marR="0" indent="0" algn="l" defTabSz="914400" rtl="0" eaLnBrk="1" fontAlgn="auto" latinLnBrk="0" hangingPunct="1">
+              <a:lnSpc>
+                <a:spcPct val="100000"/>
+              </a:lnSpc>
+              <a:spcBef>
+                <a:spcPts val="0"/>
+              </a:spcBef>
+              <a:spcAft>
+                <a:spcPts val="0"/>
+              </a:spcAft>
+              <a:buClrTx/>
+              <a:buSzTx/>
+              <a:buFontTx/>
+              <a:buNone/>
+              <a:tabLst/>
+              <a:defRPr/>
+            </a:pPr>
             <a:endParaRPr kumimoji="1" lang="en-US" altLang="ja-JP" smtClean="0"/>
           </a:p>
         </p:txBody>
@@ -799,6 +816,90 @@
     <p:extLst>
       <p:ext uri="{BB962C8B-B14F-4D97-AF65-F5344CB8AC3E}">
         <p14:creationId xmlns:p14="http://schemas.microsoft.com/office/powerpoint/2010/main" val="2138553919"/>
+      </p:ext>
+    </p:extLst>
+  </p:cSld>
+  <p:clrMapOvr>
+    <a:masterClrMapping/>
+  </p:clrMapOvr>
+</p:notes>
+</file>
+
+<file path=ppt/notesSlides/notesSlide4.xml><?xml version="1.0" encoding="utf-8"?>
+<p:notes xmlns:a="http://schemas.openxmlformats.org/drawingml/2006/main" xmlns:r="http://schemas.openxmlformats.org/officeDocument/2006/relationships" xmlns:p="http://schemas.openxmlformats.org/presentationml/2006/main">
+  <p:cSld>
+    <p:spTree>
+      <p:nvGrpSpPr>
+        <p:cNvPr id="1" name=""/>
+        <p:cNvGrpSpPr/>
+        <p:nvPr/>
+      </p:nvGrpSpPr>
+      <p:grpSpPr>
+        <a:xfrm>
+          <a:off x="0" y="0"/>
+          <a:ext cx="0" cy="0"/>
+          <a:chOff x="0" y="0"/>
+          <a:chExt cx="0" cy="0"/>
+        </a:xfrm>
+      </p:grpSpPr>
+      <p:sp>
+        <p:nvSpPr>
+          <p:cNvPr id="2" name="スライド イメージ プレースホルダー 1"/>
+          <p:cNvSpPr>
+            <a:spLocks noGrp="1" noRot="1" noChangeAspect="1"/>
+          </p:cNvSpPr>
+          <p:nvPr>
+            <p:ph type="sldImg"/>
+          </p:nvPr>
+        </p:nvSpPr>
+        <p:spPr/>
+      </p:sp>
+      <p:sp>
+        <p:nvSpPr>
+          <p:cNvPr id="3" name="ノート プレースホルダー 2"/>
+          <p:cNvSpPr>
+            <a:spLocks noGrp="1"/>
+          </p:cNvSpPr>
+          <p:nvPr>
+            <p:ph type="body" idx="1"/>
+          </p:nvPr>
+        </p:nvSpPr>
+        <p:spPr/>
+        <p:txBody>
+          <a:bodyPr/>
+          <a:lstStyle/>
+          <a:p>
+            <a:endParaRPr kumimoji="1" lang="ja-JP" altLang="en-US"/>
+          </a:p>
+        </p:txBody>
+      </p:sp>
+      <p:sp>
+        <p:nvSpPr>
+          <p:cNvPr id="4" name="スライド番号プレースホルダー 3"/>
+          <p:cNvSpPr>
+            <a:spLocks noGrp="1"/>
+          </p:cNvSpPr>
+          <p:nvPr>
+            <p:ph type="sldNum" sz="quarter" idx="10"/>
+          </p:nvPr>
+        </p:nvSpPr>
+        <p:spPr/>
+        <p:txBody>
+          <a:bodyPr/>
+          <a:lstStyle/>
+          <a:p>
+            <a:fld id="{B7FB55F5-4E42-4572-805F-119E805B59B2}" type="slidenum">
+              <a:rPr kumimoji="1" lang="ja-JP" altLang="en-US" smtClean="0"/>
+              <a:t>7</a:t>
+            </a:fld>
+            <a:endParaRPr kumimoji="1" lang="ja-JP" altLang="en-US"/>
+          </a:p>
+        </p:txBody>
+      </p:sp>
+    </p:spTree>
+    <p:extLst>
+      <p:ext uri="{BB962C8B-B14F-4D97-AF65-F5344CB8AC3E}">
+        <p14:creationId xmlns:p14="http://schemas.microsoft.com/office/powerpoint/2010/main" val="3622503315"/>
       </p:ext>
     </p:extLst>
   </p:cSld>
@@ -21991,7 +22092,6 @@
               <a:rPr lang="en-US" altLang="ja-JP" sz="1200" smtClean="0"/>
               <a:t>IME</a:t>
             </a:r>
-            <a:endParaRPr lang="en-US" altLang="ja-JP" sz="1200" smtClean="0"/>
           </a:p>
         </p:txBody>
       </p:sp>
@@ -28494,6 +28594,10 @@
           <a:lstStyle/>
           <a:p>
             <a:pPr algn="ctr"/>
+            <a:r>
+              <a:rPr kumimoji="1" lang="en-US" altLang="ja-JP" sz="900" smtClean="0"/>
+              <a:t>LoL</a:t>
+            </a:r>
             <a:endParaRPr kumimoji="1" lang="ja-JP" altLang="en-US" sz="900" dirty="0"/>
           </a:p>
         </p:txBody>

--- a/MANUAL.pptx
+++ b/MANUAL.pptx
@@ -246,7 +246,7 @@
           <a:p>
             <a:fld id="{98B15ECE-60C4-45D4-8ABC-DDA7D4F33EF9}" type="datetimeFigureOut">
               <a:rPr kumimoji="1" lang="ja-JP" altLang="en-US" smtClean="0"/>
-              <a:t>2015/10/25</a:t>
+              <a:t>2015/10/26</a:t>
             </a:fld>
             <a:endParaRPr kumimoji="1" lang="ja-JP" altLang="en-US"/>
           </a:p>
@@ -1189,7 +1189,7 @@
           <a:p>
             <a:fld id="{8FB4C7EE-3C5D-4F47-A8DE-21B759CA57C5}" type="datetimeFigureOut">
               <a:rPr kumimoji="1" lang="ja-JP" altLang="en-US" smtClean="0"/>
-              <a:t>2015/10/25</a:t>
+              <a:t>2015/10/26</a:t>
             </a:fld>
             <a:endParaRPr kumimoji="1" lang="ja-JP" altLang="en-US"/>
           </a:p>
@@ -1391,7 +1391,7 @@
           <a:p>
             <a:fld id="{8FB4C7EE-3C5D-4F47-A8DE-21B759CA57C5}" type="datetimeFigureOut">
               <a:rPr kumimoji="1" lang="ja-JP" altLang="en-US" smtClean="0"/>
-              <a:t>2015/10/25</a:t>
+              <a:t>2015/10/26</a:t>
             </a:fld>
             <a:endParaRPr kumimoji="1" lang="ja-JP" altLang="en-US"/>
           </a:p>
@@ -1603,7 +1603,7 @@
           <a:p>
             <a:fld id="{8FB4C7EE-3C5D-4F47-A8DE-21B759CA57C5}" type="datetimeFigureOut">
               <a:rPr kumimoji="1" lang="ja-JP" altLang="en-US" smtClean="0"/>
-              <a:t>2015/10/25</a:t>
+              <a:t>2015/10/26</a:t>
             </a:fld>
             <a:endParaRPr kumimoji="1" lang="ja-JP" altLang="en-US"/>
           </a:p>
@@ -1805,7 +1805,7 @@
           <a:p>
             <a:fld id="{8FB4C7EE-3C5D-4F47-A8DE-21B759CA57C5}" type="datetimeFigureOut">
               <a:rPr kumimoji="1" lang="ja-JP" altLang="en-US" smtClean="0"/>
-              <a:t>2015/10/25</a:t>
+              <a:t>2015/10/26</a:t>
             </a:fld>
             <a:endParaRPr kumimoji="1" lang="ja-JP" altLang="en-US"/>
           </a:p>
@@ -2049,7 +2049,7 @@
           <a:p>
             <a:fld id="{8FB4C7EE-3C5D-4F47-A8DE-21B759CA57C5}" type="datetimeFigureOut">
               <a:rPr kumimoji="1" lang="ja-JP" altLang="en-US" smtClean="0"/>
-              <a:t>2015/10/25</a:t>
+              <a:t>2015/10/26</a:t>
             </a:fld>
             <a:endParaRPr kumimoji="1" lang="ja-JP" altLang="en-US"/>
           </a:p>
@@ -2345,7 +2345,7 @@
           <a:p>
             <a:fld id="{8FB4C7EE-3C5D-4F47-A8DE-21B759CA57C5}" type="datetimeFigureOut">
               <a:rPr kumimoji="1" lang="ja-JP" altLang="en-US" smtClean="0"/>
-              <a:t>2015/10/25</a:t>
+              <a:t>2015/10/26</a:t>
             </a:fld>
             <a:endParaRPr kumimoji="1" lang="ja-JP" altLang="en-US"/>
           </a:p>
@@ -2776,7 +2776,7 @@
           <a:p>
             <a:fld id="{8FB4C7EE-3C5D-4F47-A8DE-21B759CA57C5}" type="datetimeFigureOut">
               <a:rPr kumimoji="1" lang="ja-JP" altLang="en-US" smtClean="0"/>
-              <a:t>2015/10/25</a:t>
+              <a:t>2015/10/26</a:t>
             </a:fld>
             <a:endParaRPr kumimoji="1" lang="ja-JP" altLang="en-US"/>
           </a:p>
@@ -2894,7 +2894,7 @@
           <a:p>
             <a:fld id="{8FB4C7EE-3C5D-4F47-A8DE-21B759CA57C5}" type="datetimeFigureOut">
               <a:rPr kumimoji="1" lang="ja-JP" altLang="en-US" smtClean="0"/>
-              <a:t>2015/10/25</a:t>
+              <a:t>2015/10/26</a:t>
             </a:fld>
             <a:endParaRPr kumimoji="1" lang="ja-JP" altLang="en-US"/>
           </a:p>
@@ -2989,7 +2989,7 @@
           <a:p>
             <a:fld id="{8FB4C7EE-3C5D-4F47-A8DE-21B759CA57C5}" type="datetimeFigureOut">
               <a:rPr kumimoji="1" lang="ja-JP" altLang="en-US" smtClean="0"/>
-              <a:t>2015/10/25</a:t>
+              <a:t>2015/10/26</a:t>
             </a:fld>
             <a:endParaRPr kumimoji="1" lang="ja-JP" altLang="en-US"/>
           </a:p>
@@ -3298,7 +3298,7 @@
           <a:p>
             <a:fld id="{8FB4C7EE-3C5D-4F47-A8DE-21B759CA57C5}" type="datetimeFigureOut">
               <a:rPr kumimoji="1" lang="ja-JP" altLang="en-US" smtClean="0"/>
-              <a:t>2015/10/25</a:t>
+              <a:t>2015/10/26</a:t>
             </a:fld>
             <a:endParaRPr kumimoji="1" lang="ja-JP" altLang="en-US"/>
           </a:p>
@@ -3555,7 +3555,7 @@
           <a:p>
             <a:fld id="{8FB4C7EE-3C5D-4F47-A8DE-21B759CA57C5}" type="datetimeFigureOut">
               <a:rPr kumimoji="1" lang="ja-JP" altLang="en-US" smtClean="0"/>
-              <a:t>2015/10/25</a:t>
+              <a:t>2015/10/26</a:t>
             </a:fld>
             <a:endParaRPr kumimoji="1" lang="ja-JP" altLang="en-US"/>
           </a:p>
@@ -3800,7 +3800,7 @@
           <a:p>
             <a:fld id="{8FB4C7EE-3C5D-4F47-A8DE-21B759CA57C5}" type="datetimeFigureOut">
               <a:rPr kumimoji="1" lang="ja-JP" altLang="en-US" smtClean="0"/>
-              <a:t>2015/10/25</a:t>
+              <a:t>2015/10/26</a:t>
             </a:fld>
             <a:endParaRPr kumimoji="1" lang="ja-JP" altLang="en-US"/>
           </a:p>
@@ -16280,20 +16280,7 @@
                 <a:latin typeface="+mj-lt"/>
                 <a:ea typeface="+mj-ea"/>
               </a:rPr>
-              <a:t>(+Oneshot</a:t>
-            </a:r>
-            <a:r>
-              <a:rPr lang="en-US" altLang="ja-JP" sz="3200" smtClean="0">
-                <a:solidFill>
-                  <a:schemeClr val="accent6">
-                    <a:lumMod val="60000"/>
-                    <a:lumOff val="40000"/>
-                  </a:schemeClr>
-                </a:solidFill>
-                <a:latin typeface="+mj-lt"/>
-                <a:ea typeface="+mj-ea"/>
-              </a:rPr>
-              <a:t>)</a:t>
+              <a:t>(+Oneshot)</a:t>
             </a:r>
           </a:p>
           <a:p>
@@ -27167,7 +27154,7 @@
           </a:fontRef>
         </p:style>
         <p:txBody>
-          <a:bodyPr rtlCol="0" anchor="ctr"/>
+          <a:bodyPr wrap="none" rtlCol="0" anchor="ctr"/>
           <a:lstStyle/>
           <a:p>
             <a:pPr algn="ctr"/>
@@ -27205,7 +27192,7 @@
           </a:fontRef>
         </p:style>
         <p:txBody>
-          <a:bodyPr rtlCol="0" anchor="ctr"/>
+          <a:bodyPr wrap="none" rtlCol="0" anchor="ctr"/>
           <a:lstStyle/>
           <a:p>
             <a:pPr algn="ctr"/>
@@ -27243,7 +27230,7 @@
           </a:fontRef>
         </p:style>
         <p:txBody>
-          <a:bodyPr rtlCol="0" anchor="ctr"/>
+          <a:bodyPr wrap="none" rtlCol="0" anchor="ctr"/>
           <a:lstStyle/>
           <a:p>
             <a:pPr algn="ctr"/>
@@ -27281,7 +27268,7 @@
           </a:fontRef>
         </p:style>
         <p:txBody>
-          <a:bodyPr rtlCol="0" anchor="ctr"/>
+          <a:bodyPr wrap="none" rtlCol="0" anchor="ctr"/>
           <a:lstStyle/>
           <a:p>
             <a:pPr algn="ctr"/>
@@ -27319,7 +27306,7 @@
           </a:fontRef>
         </p:style>
         <p:txBody>
-          <a:bodyPr rtlCol="0" anchor="ctr"/>
+          <a:bodyPr wrap="none" rtlCol="0" anchor="ctr"/>
           <a:lstStyle/>
           <a:p>
             <a:pPr algn="ctr"/>
@@ -27357,7 +27344,7 @@
           </a:fontRef>
         </p:style>
         <p:txBody>
-          <a:bodyPr rtlCol="0" anchor="ctr"/>
+          <a:bodyPr wrap="none" rtlCol="0" anchor="ctr"/>
           <a:lstStyle/>
           <a:p>
             <a:pPr algn="ctr"/>
@@ -27395,7 +27382,7 @@
           </a:fontRef>
         </p:style>
         <p:txBody>
-          <a:bodyPr rtlCol="0" anchor="ctr"/>
+          <a:bodyPr wrap="none" rtlCol="0" anchor="ctr"/>
           <a:lstStyle/>
           <a:p>
             <a:pPr algn="ctr"/>
@@ -27433,7 +27420,7 @@
           </a:fontRef>
         </p:style>
         <p:txBody>
-          <a:bodyPr rtlCol="0" anchor="ctr"/>
+          <a:bodyPr wrap="none" rtlCol="0" anchor="ctr"/>
           <a:lstStyle/>
           <a:p>
             <a:pPr algn="ctr"/>
@@ -27471,7 +27458,7 @@
           </a:fontRef>
         </p:style>
         <p:txBody>
-          <a:bodyPr rtlCol="0" anchor="ctr"/>
+          <a:bodyPr wrap="none" rtlCol="0" anchor="ctr"/>
           <a:lstStyle/>
           <a:p>
             <a:pPr algn="ctr"/>
@@ -27509,7 +27496,7 @@
           </a:fontRef>
         </p:style>
         <p:txBody>
-          <a:bodyPr rtlCol="0" anchor="ctr"/>
+          <a:bodyPr wrap="none" rtlCol="0" anchor="ctr"/>
           <a:lstStyle/>
           <a:p>
             <a:pPr algn="ctr"/>
@@ -27547,7 +27534,7 @@
           </a:fontRef>
         </p:style>
         <p:txBody>
-          <a:bodyPr rtlCol="0" anchor="ctr"/>
+          <a:bodyPr wrap="none" rtlCol="0" anchor="ctr"/>
           <a:lstStyle/>
           <a:p>
             <a:pPr algn="ctr"/>
@@ -27585,7 +27572,7 @@
           </a:fontRef>
         </p:style>
         <p:txBody>
-          <a:bodyPr rtlCol="0" anchor="ctr"/>
+          <a:bodyPr wrap="none" rtlCol="0" anchor="ctr"/>
           <a:lstStyle/>
           <a:p>
             <a:pPr algn="ctr"/>
@@ -27623,7 +27610,7 @@
           </a:fontRef>
         </p:style>
         <p:txBody>
-          <a:bodyPr rtlCol="0" anchor="ctr"/>
+          <a:bodyPr wrap="none" rtlCol="0" anchor="ctr"/>
           <a:lstStyle/>
           <a:p>
             <a:pPr algn="ctr"/>
@@ -27661,7 +27648,7 @@
           </a:fontRef>
         </p:style>
         <p:txBody>
-          <a:bodyPr rtlCol="0" anchor="ctr"/>
+          <a:bodyPr wrap="none" rtlCol="0" anchor="ctr"/>
           <a:lstStyle/>
           <a:p>
             <a:pPr algn="ctr"/>
@@ -27699,7 +27686,7 @@
           </a:fontRef>
         </p:style>
         <p:txBody>
-          <a:bodyPr rtlCol="0" anchor="ctr"/>
+          <a:bodyPr wrap="none" rtlCol="0" anchor="ctr"/>
           <a:lstStyle/>
           <a:p>
             <a:pPr algn="ctr"/>
@@ -27737,7 +27724,7 @@
           </a:fontRef>
         </p:style>
         <p:txBody>
-          <a:bodyPr rtlCol="0" anchor="ctr"/>
+          <a:bodyPr wrap="none" rtlCol="0" anchor="ctr"/>
           <a:lstStyle/>
           <a:p>
             <a:pPr algn="ctr"/>
@@ -27775,7 +27762,7 @@
           </a:fontRef>
         </p:style>
         <p:txBody>
-          <a:bodyPr rtlCol="0" anchor="ctr"/>
+          <a:bodyPr wrap="none" rtlCol="0" anchor="ctr"/>
           <a:lstStyle/>
           <a:p>
             <a:pPr algn="ctr"/>
@@ -27813,7 +27800,56 @@
           </a:fontRef>
         </p:style>
         <p:txBody>
-          <a:bodyPr rtlCol="0" anchor="ctr"/>
+          <a:bodyPr wrap="none" rtlCol="0" anchor="ctr"/>
+          <a:lstStyle/>
+          <a:p>
+            <a:pPr algn="ctr"/>
+            <a:r>
+              <a:rPr kumimoji="1" lang="en-US" altLang="ja-JP" sz="1100" dirty="0" smtClean="0"/>
+              <a:t>App</a:t>
+            </a:r>
+          </a:p>
+          <a:p>
+            <a:pPr algn="ctr"/>
+            <a:r>
+              <a:rPr lang="ja-JP" altLang="en-US" sz="1100" dirty="0"/>
+              <a:t>選択</a:t>
+            </a:r>
+            <a:endParaRPr kumimoji="1" lang="ja-JP" altLang="en-US" sz="1100" dirty="0"/>
+          </a:p>
+        </p:txBody>
+      </p:sp>
+      <p:sp>
+        <p:nvSpPr>
+          <p:cNvPr id="25" name="角丸四角形 24"/>
+          <p:cNvSpPr/>
+          <p:nvPr/>
+        </p:nvSpPr>
+        <p:spPr>
+          <a:xfrm>
+            <a:off x="2973955" y="3895694"/>
+            <a:ext cx="464588" cy="465380"/>
+          </a:xfrm>
+          <a:prstGeom prst="roundRect">
+            <a:avLst/>
+          </a:prstGeom>
+        </p:spPr>
+        <p:style>
+          <a:lnRef idx="2">
+            <a:schemeClr val="accent6"/>
+          </a:lnRef>
+          <a:fillRef idx="1">
+            <a:schemeClr val="lt1"/>
+          </a:fillRef>
+          <a:effectRef idx="0">
+            <a:schemeClr val="accent6"/>
+          </a:effectRef>
+          <a:fontRef idx="minor">
+            <a:schemeClr val="dk1"/>
+          </a:fontRef>
+        </p:style>
+        <p:txBody>
+          <a:bodyPr wrap="none" rtlCol="0" anchor="ctr"/>
           <a:lstStyle/>
           <a:p>
             <a:pPr algn="ctr"/>
@@ -27823,35 +27859,35 @@
       </p:sp>
       <p:sp>
         <p:nvSpPr>
-          <p:cNvPr id="25" name="角丸四角形 24"/>
-          <p:cNvSpPr/>
-          <p:nvPr/>
-        </p:nvSpPr>
-        <p:spPr>
-          <a:xfrm>
-            <a:off x="2973955" y="3895694"/>
-            <a:ext cx="464588" cy="465380"/>
-          </a:xfrm>
-          <a:prstGeom prst="roundRect">
-            <a:avLst/>
-          </a:prstGeom>
-        </p:spPr>
-        <p:style>
-          <a:lnRef idx="2">
-            <a:schemeClr val="accent6"/>
-          </a:lnRef>
-          <a:fillRef idx="1">
-            <a:schemeClr val="lt1"/>
-          </a:fillRef>
-          <a:effectRef idx="0">
-            <a:schemeClr val="accent6"/>
-          </a:effectRef>
-          <a:fontRef idx="minor">
-            <a:schemeClr val="dk1"/>
-          </a:fontRef>
-        </p:style>
-        <p:txBody>
-          <a:bodyPr rtlCol="0" anchor="ctr"/>
+          <p:cNvPr id="26" name="角丸四角形 25"/>
+          <p:cNvSpPr/>
+          <p:nvPr/>
+        </p:nvSpPr>
+        <p:spPr>
+          <a:xfrm>
+            <a:off x="3510536" y="3895694"/>
+            <a:ext cx="464588" cy="465380"/>
+          </a:xfrm>
+          <a:prstGeom prst="roundRect">
+            <a:avLst/>
+          </a:prstGeom>
+        </p:spPr>
+        <p:style>
+          <a:lnRef idx="2">
+            <a:schemeClr val="accent6"/>
+          </a:lnRef>
+          <a:fillRef idx="1">
+            <a:schemeClr val="lt1"/>
+          </a:fillRef>
+          <a:effectRef idx="0">
+            <a:schemeClr val="accent6"/>
+          </a:effectRef>
+          <a:fontRef idx="minor">
+            <a:schemeClr val="dk1"/>
+          </a:fontRef>
+        </p:style>
+        <p:txBody>
+          <a:bodyPr wrap="none" rtlCol="0" anchor="ctr"/>
           <a:lstStyle/>
           <a:p>
             <a:pPr algn="ctr"/>
@@ -27861,35 +27897,35 @@
       </p:sp>
       <p:sp>
         <p:nvSpPr>
-          <p:cNvPr id="26" name="角丸四角形 25"/>
-          <p:cNvSpPr/>
-          <p:nvPr/>
-        </p:nvSpPr>
-        <p:spPr>
-          <a:xfrm>
-            <a:off x="3510536" y="3895694"/>
-            <a:ext cx="464588" cy="465380"/>
-          </a:xfrm>
-          <a:prstGeom prst="roundRect">
-            <a:avLst/>
-          </a:prstGeom>
-        </p:spPr>
-        <p:style>
-          <a:lnRef idx="2">
-            <a:schemeClr val="accent6"/>
-          </a:lnRef>
-          <a:fillRef idx="1">
-            <a:schemeClr val="lt1"/>
-          </a:fillRef>
-          <a:effectRef idx="0">
-            <a:schemeClr val="accent6"/>
-          </a:effectRef>
-          <a:fontRef idx="minor">
-            <a:schemeClr val="dk1"/>
-          </a:fontRef>
-        </p:style>
-        <p:txBody>
-          <a:bodyPr rtlCol="0" anchor="ctr"/>
+          <p:cNvPr id="27" name="角丸四角形 26"/>
+          <p:cNvSpPr/>
+          <p:nvPr/>
+        </p:nvSpPr>
+        <p:spPr>
+          <a:xfrm>
+            <a:off x="4047117" y="3895694"/>
+            <a:ext cx="464588" cy="465380"/>
+          </a:xfrm>
+          <a:prstGeom prst="roundRect">
+            <a:avLst/>
+          </a:prstGeom>
+        </p:spPr>
+        <p:style>
+          <a:lnRef idx="2">
+            <a:schemeClr val="accent6"/>
+          </a:lnRef>
+          <a:fillRef idx="1">
+            <a:schemeClr val="lt1"/>
+          </a:fillRef>
+          <a:effectRef idx="0">
+            <a:schemeClr val="accent6"/>
+          </a:effectRef>
+          <a:fontRef idx="minor">
+            <a:schemeClr val="dk1"/>
+          </a:fontRef>
+        </p:style>
+        <p:txBody>
+          <a:bodyPr wrap="none" rtlCol="0" anchor="ctr"/>
           <a:lstStyle/>
           <a:p>
             <a:pPr algn="ctr"/>
@@ -27899,35 +27935,35 @@
       </p:sp>
       <p:sp>
         <p:nvSpPr>
-          <p:cNvPr id="27" name="角丸四角形 26"/>
-          <p:cNvSpPr/>
-          <p:nvPr/>
-        </p:nvSpPr>
-        <p:spPr>
-          <a:xfrm>
-            <a:off x="4047117" y="3895694"/>
-            <a:ext cx="464588" cy="465380"/>
-          </a:xfrm>
-          <a:prstGeom prst="roundRect">
-            <a:avLst/>
-          </a:prstGeom>
-        </p:spPr>
-        <p:style>
-          <a:lnRef idx="2">
-            <a:schemeClr val="accent6"/>
-          </a:lnRef>
-          <a:fillRef idx="1">
-            <a:schemeClr val="lt1"/>
-          </a:fillRef>
-          <a:effectRef idx="0">
-            <a:schemeClr val="accent6"/>
-          </a:effectRef>
-          <a:fontRef idx="minor">
-            <a:schemeClr val="dk1"/>
-          </a:fontRef>
-        </p:style>
-        <p:txBody>
-          <a:bodyPr rtlCol="0" anchor="ctr"/>
+          <p:cNvPr id="28" name="角丸四角形 27"/>
+          <p:cNvSpPr/>
+          <p:nvPr/>
+        </p:nvSpPr>
+        <p:spPr>
+          <a:xfrm>
+            <a:off x="4583698" y="3895694"/>
+            <a:ext cx="464588" cy="465380"/>
+          </a:xfrm>
+          <a:prstGeom prst="roundRect">
+            <a:avLst/>
+          </a:prstGeom>
+        </p:spPr>
+        <p:style>
+          <a:lnRef idx="2">
+            <a:schemeClr val="accent6"/>
+          </a:lnRef>
+          <a:fillRef idx="1">
+            <a:schemeClr val="lt1"/>
+          </a:fillRef>
+          <a:effectRef idx="0">
+            <a:schemeClr val="accent6"/>
+          </a:effectRef>
+          <a:fontRef idx="minor">
+            <a:schemeClr val="dk1"/>
+          </a:fontRef>
+        </p:style>
+        <p:txBody>
+          <a:bodyPr wrap="none" rtlCol="0" anchor="ctr"/>
           <a:lstStyle/>
           <a:p>
             <a:pPr algn="ctr"/>
@@ -27937,35 +27973,35 @@
       </p:sp>
       <p:sp>
         <p:nvSpPr>
-          <p:cNvPr id="28" name="角丸四角形 27"/>
-          <p:cNvSpPr/>
-          <p:nvPr/>
-        </p:nvSpPr>
-        <p:spPr>
-          <a:xfrm>
-            <a:off x="4583698" y="3895694"/>
-            <a:ext cx="464588" cy="465380"/>
-          </a:xfrm>
-          <a:prstGeom prst="roundRect">
-            <a:avLst/>
-          </a:prstGeom>
-        </p:spPr>
-        <p:style>
-          <a:lnRef idx="2">
-            <a:schemeClr val="accent6"/>
-          </a:lnRef>
-          <a:fillRef idx="1">
-            <a:schemeClr val="lt1"/>
-          </a:fillRef>
-          <a:effectRef idx="0">
-            <a:schemeClr val="accent6"/>
-          </a:effectRef>
-          <a:fontRef idx="minor">
-            <a:schemeClr val="dk1"/>
-          </a:fontRef>
-        </p:style>
-        <p:txBody>
-          <a:bodyPr rtlCol="0" anchor="ctr"/>
+          <p:cNvPr id="29" name="角丸四角形 28"/>
+          <p:cNvSpPr/>
+          <p:nvPr/>
+        </p:nvSpPr>
+        <p:spPr>
+          <a:xfrm>
+            <a:off x="5120279" y="3895694"/>
+            <a:ext cx="464588" cy="465380"/>
+          </a:xfrm>
+          <a:prstGeom prst="roundRect">
+            <a:avLst/>
+          </a:prstGeom>
+        </p:spPr>
+        <p:style>
+          <a:lnRef idx="2">
+            <a:schemeClr val="accent6"/>
+          </a:lnRef>
+          <a:fillRef idx="1">
+            <a:schemeClr val="lt1"/>
+          </a:fillRef>
+          <a:effectRef idx="0">
+            <a:schemeClr val="accent6"/>
+          </a:effectRef>
+          <a:fontRef idx="minor">
+            <a:schemeClr val="dk1"/>
+          </a:fontRef>
+        </p:style>
+        <p:txBody>
+          <a:bodyPr wrap="none" rtlCol="0" anchor="ctr"/>
           <a:lstStyle/>
           <a:p>
             <a:pPr algn="ctr"/>
@@ -27975,35 +28011,35 @@
       </p:sp>
       <p:sp>
         <p:nvSpPr>
-          <p:cNvPr id="29" name="角丸四角形 28"/>
-          <p:cNvSpPr/>
-          <p:nvPr/>
-        </p:nvSpPr>
-        <p:spPr>
-          <a:xfrm>
-            <a:off x="5120279" y="3895694"/>
-            <a:ext cx="464588" cy="465380"/>
-          </a:xfrm>
-          <a:prstGeom prst="roundRect">
-            <a:avLst/>
-          </a:prstGeom>
-        </p:spPr>
-        <p:style>
-          <a:lnRef idx="2">
-            <a:schemeClr val="accent6"/>
-          </a:lnRef>
-          <a:fillRef idx="1">
-            <a:schemeClr val="lt1"/>
-          </a:fillRef>
-          <a:effectRef idx="0">
-            <a:schemeClr val="accent6"/>
-          </a:effectRef>
-          <a:fontRef idx="minor">
-            <a:schemeClr val="dk1"/>
-          </a:fontRef>
-        </p:style>
-        <p:txBody>
-          <a:bodyPr rtlCol="0" anchor="ctr"/>
+          <p:cNvPr id="30" name="角丸四角形 29"/>
+          <p:cNvSpPr/>
+          <p:nvPr/>
+        </p:nvSpPr>
+        <p:spPr>
+          <a:xfrm>
+            <a:off x="5656860" y="3895694"/>
+            <a:ext cx="464588" cy="465380"/>
+          </a:xfrm>
+          <a:prstGeom prst="roundRect">
+            <a:avLst/>
+          </a:prstGeom>
+        </p:spPr>
+        <p:style>
+          <a:lnRef idx="2">
+            <a:schemeClr val="accent6"/>
+          </a:lnRef>
+          <a:fillRef idx="1">
+            <a:schemeClr val="lt1"/>
+          </a:fillRef>
+          <a:effectRef idx="0">
+            <a:schemeClr val="accent6"/>
+          </a:effectRef>
+          <a:fontRef idx="minor">
+            <a:schemeClr val="dk1"/>
+          </a:fontRef>
+        </p:style>
+        <p:txBody>
+          <a:bodyPr wrap="none" rtlCol="0" anchor="ctr"/>
           <a:lstStyle/>
           <a:p>
             <a:pPr algn="ctr"/>
@@ -28013,35 +28049,35 @@
       </p:sp>
       <p:sp>
         <p:nvSpPr>
-          <p:cNvPr id="30" name="角丸四角形 29"/>
-          <p:cNvSpPr/>
-          <p:nvPr/>
-        </p:nvSpPr>
-        <p:spPr>
-          <a:xfrm>
-            <a:off x="5656860" y="3895694"/>
-            <a:ext cx="464588" cy="465380"/>
-          </a:xfrm>
-          <a:prstGeom prst="roundRect">
-            <a:avLst/>
-          </a:prstGeom>
-        </p:spPr>
-        <p:style>
-          <a:lnRef idx="2">
-            <a:schemeClr val="accent6"/>
-          </a:lnRef>
-          <a:fillRef idx="1">
-            <a:schemeClr val="lt1"/>
-          </a:fillRef>
-          <a:effectRef idx="0">
-            <a:schemeClr val="accent6"/>
-          </a:effectRef>
-          <a:fontRef idx="minor">
-            <a:schemeClr val="dk1"/>
-          </a:fontRef>
-        </p:style>
-        <p:txBody>
-          <a:bodyPr rtlCol="0" anchor="ctr"/>
+          <p:cNvPr id="31" name="角丸四角形 30"/>
+          <p:cNvSpPr/>
+          <p:nvPr/>
+        </p:nvSpPr>
+        <p:spPr>
+          <a:xfrm>
+            <a:off x="6193441" y="3895694"/>
+            <a:ext cx="464588" cy="465380"/>
+          </a:xfrm>
+          <a:prstGeom prst="roundRect">
+            <a:avLst/>
+          </a:prstGeom>
+        </p:spPr>
+        <p:style>
+          <a:lnRef idx="2">
+            <a:schemeClr val="accent6"/>
+          </a:lnRef>
+          <a:fillRef idx="1">
+            <a:schemeClr val="lt1"/>
+          </a:fillRef>
+          <a:effectRef idx="0">
+            <a:schemeClr val="accent6"/>
+          </a:effectRef>
+          <a:fontRef idx="minor">
+            <a:schemeClr val="dk1"/>
+          </a:fontRef>
+        </p:style>
+        <p:txBody>
+          <a:bodyPr wrap="none" rtlCol="0" anchor="ctr"/>
           <a:lstStyle/>
           <a:p>
             <a:pPr algn="ctr"/>
@@ -28051,35 +28087,35 @@
       </p:sp>
       <p:sp>
         <p:nvSpPr>
-          <p:cNvPr id="31" name="角丸四角形 30"/>
-          <p:cNvSpPr/>
-          <p:nvPr/>
-        </p:nvSpPr>
-        <p:spPr>
-          <a:xfrm>
-            <a:off x="6193441" y="3895694"/>
-            <a:ext cx="464588" cy="465380"/>
-          </a:xfrm>
-          <a:prstGeom prst="roundRect">
-            <a:avLst/>
-          </a:prstGeom>
-        </p:spPr>
-        <p:style>
-          <a:lnRef idx="2">
-            <a:schemeClr val="accent6"/>
-          </a:lnRef>
-          <a:fillRef idx="1">
-            <a:schemeClr val="lt1"/>
-          </a:fillRef>
-          <a:effectRef idx="0">
-            <a:schemeClr val="accent6"/>
-          </a:effectRef>
-          <a:fontRef idx="minor">
-            <a:schemeClr val="dk1"/>
-          </a:fontRef>
-        </p:style>
-        <p:txBody>
-          <a:bodyPr rtlCol="0" anchor="ctr"/>
+          <p:cNvPr id="32" name="角丸四角形 31"/>
+          <p:cNvSpPr/>
+          <p:nvPr/>
+        </p:nvSpPr>
+        <p:spPr>
+          <a:xfrm>
+            <a:off x="6730022" y="3895694"/>
+            <a:ext cx="464588" cy="465380"/>
+          </a:xfrm>
+          <a:prstGeom prst="roundRect">
+            <a:avLst/>
+          </a:prstGeom>
+        </p:spPr>
+        <p:style>
+          <a:lnRef idx="2">
+            <a:schemeClr val="accent6"/>
+          </a:lnRef>
+          <a:fillRef idx="1">
+            <a:schemeClr val="lt1"/>
+          </a:fillRef>
+          <a:effectRef idx="0">
+            <a:schemeClr val="accent6"/>
+          </a:effectRef>
+          <a:fontRef idx="minor">
+            <a:schemeClr val="dk1"/>
+          </a:fontRef>
+        </p:style>
+        <p:txBody>
+          <a:bodyPr wrap="none" rtlCol="0" anchor="ctr"/>
           <a:lstStyle/>
           <a:p>
             <a:pPr algn="ctr"/>
@@ -28089,44 +28125,6 @@
       </p:sp>
       <p:sp>
         <p:nvSpPr>
-          <p:cNvPr id="32" name="角丸四角形 31"/>
-          <p:cNvSpPr/>
-          <p:nvPr/>
-        </p:nvSpPr>
-        <p:spPr>
-          <a:xfrm>
-            <a:off x="6730022" y="3895694"/>
-            <a:ext cx="464588" cy="465380"/>
-          </a:xfrm>
-          <a:prstGeom prst="roundRect">
-            <a:avLst/>
-          </a:prstGeom>
-        </p:spPr>
-        <p:style>
-          <a:lnRef idx="2">
-            <a:schemeClr val="accent6"/>
-          </a:lnRef>
-          <a:fillRef idx="1">
-            <a:schemeClr val="lt1"/>
-          </a:fillRef>
-          <a:effectRef idx="0">
-            <a:schemeClr val="accent6"/>
-          </a:effectRef>
-          <a:fontRef idx="minor">
-            <a:schemeClr val="dk1"/>
-          </a:fontRef>
-        </p:style>
-        <p:txBody>
-          <a:bodyPr rtlCol="0" anchor="ctr"/>
-          <a:lstStyle/>
-          <a:p>
-            <a:pPr algn="ctr"/>
-            <a:endParaRPr kumimoji="1" lang="ja-JP" altLang="en-US" sz="1400" dirty="0"/>
-          </a:p>
-        </p:txBody>
-      </p:sp>
-      <p:sp>
-        <p:nvSpPr>
           <p:cNvPr id="33" name="角丸四角形 32"/>
           <p:cNvSpPr/>
           <p:nvPr/>
@@ -28155,7 +28153,7 @@
           </a:fontRef>
         </p:style>
         <p:txBody>
-          <a:bodyPr rtlCol="0" anchor="ctr"/>
+          <a:bodyPr wrap="none" rtlCol="0" anchor="ctr"/>
           <a:lstStyle/>
           <a:p>
             <a:pPr algn="ctr"/>
@@ -28193,7 +28191,7 @@
           </a:fontRef>
         </p:style>
         <p:txBody>
-          <a:bodyPr rtlCol="0" anchor="ctr"/>
+          <a:bodyPr wrap="none" rtlCol="0" anchor="ctr"/>
           <a:lstStyle/>
           <a:p>
             <a:pPr algn="ctr"/>
@@ -28231,7 +28229,7 @@
           </a:fontRef>
         </p:style>
         <p:txBody>
-          <a:bodyPr rtlCol="0" anchor="ctr"/>
+          <a:bodyPr wrap="none" rtlCol="0" anchor="ctr"/>
           <a:lstStyle/>
           <a:p>
             <a:pPr algn="ctr"/>
@@ -28269,7 +28267,7 @@
           </a:fontRef>
         </p:style>
         <p:txBody>
-          <a:bodyPr rtlCol="0" anchor="ctr"/>
+          <a:bodyPr wrap="none" rtlCol="0" anchor="ctr"/>
           <a:lstStyle/>
           <a:p>
             <a:pPr algn="ctr"/>
@@ -28307,45 +28305,206 @@
           </a:fontRef>
         </p:style>
         <p:txBody>
-          <a:bodyPr rtlCol="0" anchor="ctr"/>
-          <a:lstStyle/>
-          <a:p>
-            <a:pPr algn="ctr"/>
+          <a:bodyPr wrap="none" rtlCol="0" anchor="ctr"/>
+          <a:lstStyle/>
+          <a:p>
+            <a:pPr algn="ctr"/>
+            <a:r>
+              <a:rPr kumimoji="1" lang="ja-JP" altLang="en-US" sz="900" dirty="0" smtClean="0"/>
+              <a:t>前の</a:t>
+            </a:r>
+            <a:endParaRPr kumimoji="1" lang="en-US" altLang="ja-JP" sz="900" dirty="0" smtClean="0"/>
+          </a:p>
+          <a:p>
+            <a:pPr algn="ctr"/>
+            <a:r>
+              <a:rPr lang="en-US" altLang="ja-JP" sz="900" dirty="0" smtClean="0"/>
+              <a:t>Window</a:t>
+            </a:r>
+            <a:endParaRPr kumimoji="1" lang="ja-JP" altLang="en-US" sz="900" dirty="0"/>
+          </a:p>
+        </p:txBody>
+      </p:sp>
+      <p:sp>
+        <p:nvSpPr>
+          <p:cNvPr id="38" name="角丸四角形 37"/>
+          <p:cNvSpPr/>
+          <p:nvPr/>
+        </p:nvSpPr>
+        <p:spPr>
+          <a:xfrm>
+            <a:off x="2620254" y="4421474"/>
+            <a:ext cx="464588" cy="465380"/>
+          </a:xfrm>
+          <a:prstGeom prst="roundRect">
+            <a:avLst/>
+          </a:prstGeom>
+        </p:spPr>
+        <p:style>
+          <a:lnRef idx="2">
+            <a:schemeClr val="accent6"/>
+          </a:lnRef>
+          <a:fillRef idx="1">
+            <a:schemeClr val="lt1"/>
+          </a:fillRef>
+          <a:effectRef idx="0">
+            <a:schemeClr val="accent6"/>
+          </a:effectRef>
+          <a:fontRef idx="minor">
+            <a:schemeClr val="dk1"/>
+          </a:fontRef>
+        </p:style>
+        <p:txBody>
+          <a:bodyPr wrap="none" rtlCol="0" anchor="ctr"/>
+          <a:lstStyle/>
+          <a:p>
+            <a:pPr algn="ctr"/>
+            <a:r>
+              <a:rPr kumimoji="1" lang="en-US" altLang="ja-JP" sz="900" dirty="0" smtClean="0"/>
+              <a:t>Window</a:t>
+            </a:r>
+          </a:p>
+          <a:p>
+            <a:pPr algn="ctr"/>
+            <a:r>
+              <a:rPr lang="ja-JP" altLang="en-US" sz="900" dirty="0"/>
+              <a:t>選択</a:t>
+            </a:r>
+            <a:endParaRPr kumimoji="1" lang="ja-JP" altLang="en-US" sz="900" dirty="0"/>
+          </a:p>
+        </p:txBody>
+      </p:sp>
+      <p:sp>
+        <p:nvSpPr>
+          <p:cNvPr id="39" name="角丸四角形 38"/>
+          <p:cNvSpPr/>
+          <p:nvPr/>
+        </p:nvSpPr>
+        <p:spPr>
+          <a:xfrm>
+            <a:off x="3156835" y="4421474"/>
+            <a:ext cx="464588" cy="465380"/>
+          </a:xfrm>
+          <a:prstGeom prst="roundRect">
+            <a:avLst/>
+          </a:prstGeom>
+        </p:spPr>
+        <p:style>
+          <a:lnRef idx="2">
+            <a:schemeClr val="accent6"/>
+          </a:lnRef>
+          <a:fillRef idx="1">
+            <a:schemeClr val="lt1"/>
+          </a:fillRef>
+          <a:effectRef idx="0">
+            <a:schemeClr val="accent6"/>
+          </a:effectRef>
+          <a:fontRef idx="minor">
+            <a:schemeClr val="dk1"/>
+          </a:fontRef>
+        </p:style>
+        <p:txBody>
+          <a:bodyPr wrap="none" rtlCol="0" anchor="ctr"/>
+          <a:lstStyle/>
+          <a:p>
+            <a:pPr algn="ctr"/>
+            <a:r>
+              <a:rPr kumimoji="1" lang="ja-JP" altLang="en-US" sz="900" u="sng" dirty="0" smtClean="0"/>
+              <a:t>次</a:t>
+            </a:r>
+            <a:r>
+              <a:rPr lang="ja-JP" altLang="en-US" sz="900" u="sng" dirty="0" smtClean="0"/>
+              <a:t>の</a:t>
+            </a:r>
+            <a:endParaRPr lang="en-US" altLang="ja-JP" sz="900" u="sng" dirty="0" smtClean="0"/>
+          </a:p>
+          <a:p>
+            <a:pPr algn="ctr"/>
+            <a:r>
+              <a:rPr kumimoji="1" lang="en-US" altLang="ja-JP" sz="900" u="sng" dirty="0" smtClean="0"/>
+              <a:t>Windo</a:t>
+            </a:r>
+            <a:r>
+              <a:rPr kumimoji="1" lang="en-US" altLang="ja-JP" sz="900" u="sng" dirty="0"/>
+              <a:t>w</a:t>
+            </a:r>
+            <a:endParaRPr kumimoji="1" lang="ja-JP" altLang="en-US" sz="900" u="sng" dirty="0"/>
+          </a:p>
+        </p:txBody>
+      </p:sp>
+      <p:sp>
+        <p:nvSpPr>
+          <p:cNvPr id="40" name="角丸四角形 39"/>
+          <p:cNvSpPr/>
+          <p:nvPr/>
+        </p:nvSpPr>
+        <p:spPr>
+          <a:xfrm>
+            <a:off x="3693416" y="4421474"/>
+            <a:ext cx="464588" cy="465380"/>
+          </a:xfrm>
+          <a:prstGeom prst="roundRect">
+            <a:avLst/>
+          </a:prstGeom>
+        </p:spPr>
+        <p:style>
+          <a:lnRef idx="2">
+            <a:schemeClr val="accent6"/>
+          </a:lnRef>
+          <a:fillRef idx="1">
+            <a:schemeClr val="lt1"/>
+          </a:fillRef>
+          <a:effectRef idx="0">
+            <a:schemeClr val="accent6"/>
+          </a:effectRef>
+          <a:fontRef idx="minor">
+            <a:schemeClr val="dk1"/>
+          </a:fontRef>
+        </p:style>
+        <p:txBody>
+          <a:bodyPr wrap="none" rtlCol="0" anchor="ctr"/>
+          <a:lstStyle/>
+          <a:p>
+            <a:pPr algn="ctr"/>
+            <a:r>
+              <a:rPr kumimoji="1" lang="ja-JP" altLang="en-US" sz="1400" dirty="0" smtClean="0"/>
+              <a:t>検索</a:t>
+            </a:r>
             <a:endParaRPr kumimoji="1" lang="ja-JP" altLang="en-US" sz="1400" dirty="0"/>
           </a:p>
         </p:txBody>
       </p:sp>
       <p:sp>
         <p:nvSpPr>
-          <p:cNvPr id="38" name="角丸四角形 37"/>
-          <p:cNvSpPr/>
-          <p:nvPr/>
-        </p:nvSpPr>
-        <p:spPr>
-          <a:xfrm>
-            <a:off x="2620254" y="4421474"/>
-            <a:ext cx="464588" cy="465380"/>
-          </a:xfrm>
-          <a:prstGeom prst="roundRect">
-            <a:avLst/>
-          </a:prstGeom>
-        </p:spPr>
-        <p:style>
-          <a:lnRef idx="2">
-            <a:schemeClr val="accent6"/>
-          </a:lnRef>
-          <a:fillRef idx="1">
-            <a:schemeClr val="lt1"/>
-          </a:fillRef>
-          <a:effectRef idx="0">
-            <a:schemeClr val="accent6"/>
-          </a:effectRef>
-          <a:fontRef idx="minor">
-            <a:schemeClr val="dk1"/>
-          </a:fontRef>
-        </p:style>
-        <p:txBody>
-          <a:bodyPr rtlCol="0" anchor="ctr"/>
+          <p:cNvPr id="41" name="角丸四角形 40"/>
+          <p:cNvSpPr/>
+          <p:nvPr/>
+        </p:nvSpPr>
+        <p:spPr>
+          <a:xfrm>
+            <a:off x="4229997" y="4421474"/>
+            <a:ext cx="464588" cy="465380"/>
+          </a:xfrm>
+          <a:prstGeom prst="roundRect">
+            <a:avLst/>
+          </a:prstGeom>
+        </p:spPr>
+        <p:style>
+          <a:lnRef idx="2">
+            <a:schemeClr val="accent6"/>
+          </a:lnRef>
+          <a:fillRef idx="1">
+            <a:schemeClr val="lt1"/>
+          </a:fillRef>
+          <a:effectRef idx="0">
+            <a:schemeClr val="accent6"/>
+          </a:effectRef>
+          <a:fontRef idx="minor">
+            <a:schemeClr val="dk1"/>
+          </a:fontRef>
+        </p:style>
+        <p:txBody>
+          <a:bodyPr wrap="none" rtlCol="0" anchor="ctr"/>
           <a:lstStyle/>
           <a:p>
             <a:pPr algn="ctr"/>
@@ -28355,35 +28514,35 @@
       </p:sp>
       <p:sp>
         <p:nvSpPr>
-          <p:cNvPr id="39" name="角丸四角形 38"/>
-          <p:cNvSpPr/>
-          <p:nvPr/>
-        </p:nvSpPr>
-        <p:spPr>
-          <a:xfrm>
-            <a:off x="3156835" y="4421474"/>
-            <a:ext cx="464588" cy="465380"/>
-          </a:xfrm>
-          <a:prstGeom prst="roundRect">
-            <a:avLst/>
-          </a:prstGeom>
-        </p:spPr>
-        <p:style>
-          <a:lnRef idx="2">
-            <a:schemeClr val="accent6"/>
-          </a:lnRef>
-          <a:fillRef idx="1">
-            <a:schemeClr val="lt1"/>
-          </a:fillRef>
-          <a:effectRef idx="0">
-            <a:schemeClr val="accent6"/>
-          </a:effectRef>
-          <a:fontRef idx="minor">
-            <a:schemeClr val="dk1"/>
-          </a:fontRef>
-        </p:style>
-        <p:txBody>
-          <a:bodyPr rtlCol="0" anchor="ctr"/>
+          <p:cNvPr id="42" name="角丸四角形 41"/>
+          <p:cNvSpPr/>
+          <p:nvPr/>
+        </p:nvSpPr>
+        <p:spPr>
+          <a:xfrm>
+            <a:off x="4766578" y="4421474"/>
+            <a:ext cx="464588" cy="465380"/>
+          </a:xfrm>
+          <a:prstGeom prst="roundRect">
+            <a:avLst/>
+          </a:prstGeom>
+        </p:spPr>
+        <p:style>
+          <a:lnRef idx="2">
+            <a:schemeClr val="accent6"/>
+          </a:lnRef>
+          <a:fillRef idx="1">
+            <a:schemeClr val="lt1"/>
+          </a:fillRef>
+          <a:effectRef idx="0">
+            <a:schemeClr val="accent6"/>
+          </a:effectRef>
+          <a:fontRef idx="minor">
+            <a:schemeClr val="dk1"/>
+          </a:fontRef>
+        </p:style>
+        <p:txBody>
+          <a:bodyPr wrap="none" rtlCol="0" anchor="ctr"/>
           <a:lstStyle/>
           <a:p>
             <a:pPr algn="ctr"/>
@@ -28393,35 +28552,35 @@
       </p:sp>
       <p:sp>
         <p:nvSpPr>
-          <p:cNvPr id="40" name="角丸四角形 39"/>
-          <p:cNvSpPr/>
-          <p:nvPr/>
-        </p:nvSpPr>
-        <p:spPr>
-          <a:xfrm>
-            <a:off x="3693416" y="4421474"/>
-            <a:ext cx="464588" cy="465380"/>
-          </a:xfrm>
-          <a:prstGeom prst="roundRect">
-            <a:avLst/>
-          </a:prstGeom>
-        </p:spPr>
-        <p:style>
-          <a:lnRef idx="2">
-            <a:schemeClr val="accent6"/>
-          </a:lnRef>
-          <a:fillRef idx="1">
-            <a:schemeClr val="lt1"/>
-          </a:fillRef>
-          <a:effectRef idx="0">
-            <a:schemeClr val="accent6"/>
-          </a:effectRef>
-          <a:fontRef idx="minor">
-            <a:schemeClr val="dk1"/>
-          </a:fontRef>
-        </p:style>
-        <p:txBody>
-          <a:bodyPr rtlCol="0" anchor="ctr"/>
+          <p:cNvPr id="43" name="角丸四角形 42"/>
+          <p:cNvSpPr/>
+          <p:nvPr/>
+        </p:nvSpPr>
+        <p:spPr>
+          <a:xfrm>
+            <a:off x="5303159" y="4421474"/>
+            <a:ext cx="464588" cy="465380"/>
+          </a:xfrm>
+          <a:prstGeom prst="roundRect">
+            <a:avLst/>
+          </a:prstGeom>
+        </p:spPr>
+        <p:style>
+          <a:lnRef idx="2">
+            <a:schemeClr val="accent6"/>
+          </a:lnRef>
+          <a:fillRef idx="1">
+            <a:schemeClr val="lt1"/>
+          </a:fillRef>
+          <a:effectRef idx="0">
+            <a:schemeClr val="accent6"/>
+          </a:effectRef>
+          <a:fontRef idx="minor">
+            <a:schemeClr val="dk1"/>
+          </a:fontRef>
+        </p:style>
+        <p:txBody>
+          <a:bodyPr wrap="none" rtlCol="0" anchor="ctr"/>
           <a:lstStyle/>
           <a:p>
             <a:pPr algn="ctr"/>
@@ -28431,35 +28590,35 @@
       </p:sp>
       <p:sp>
         <p:nvSpPr>
-          <p:cNvPr id="41" name="角丸四角形 40"/>
-          <p:cNvSpPr/>
-          <p:nvPr/>
-        </p:nvSpPr>
-        <p:spPr>
-          <a:xfrm>
-            <a:off x="4229997" y="4421474"/>
-            <a:ext cx="464588" cy="465380"/>
-          </a:xfrm>
-          <a:prstGeom prst="roundRect">
-            <a:avLst/>
-          </a:prstGeom>
-        </p:spPr>
-        <p:style>
-          <a:lnRef idx="2">
-            <a:schemeClr val="accent6"/>
-          </a:lnRef>
-          <a:fillRef idx="1">
-            <a:schemeClr val="lt1"/>
-          </a:fillRef>
-          <a:effectRef idx="0">
-            <a:schemeClr val="accent6"/>
-          </a:effectRef>
-          <a:fontRef idx="minor">
-            <a:schemeClr val="dk1"/>
-          </a:fontRef>
-        </p:style>
-        <p:txBody>
-          <a:bodyPr rtlCol="0" anchor="ctr"/>
+          <p:cNvPr id="44" name="角丸四角形 43"/>
+          <p:cNvSpPr/>
+          <p:nvPr/>
+        </p:nvSpPr>
+        <p:spPr>
+          <a:xfrm>
+            <a:off x="5839740" y="4421474"/>
+            <a:ext cx="464588" cy="465380"/>
+          </a:xfrm>
+          <a:prstGeom prst="roundRect">
+            <a:avLst/>
+          </a:prstGeom>
+        </p:spPr>
+        <p:style>
+          <a:lnRef idx="2">
+            <a:schemeClr val="accent6"/>
+          </a:lnRef>
+          <a:fillRef idx="1">
+            <a:schemeClr val="lt1"/>
+          </a:fillRef>
+          <a:effectRef idx="0">
+            <a:schemeClr val="accent6"/>
+          </a:effectRef>
+          <a:fontRef idx="minor">
+            <a:schemeClr val="dk1"/>
+          </a:fontRef>
+        </p:style>
+        <p:txBody>
+          <a:bodyPr wrap="none" rtlCol="0" anchor="ctr"/>
           <a:lstStyle/>
           <a:p>
             <a:pPr algn="ctr"/>
@@ -28469,73 +28628,35 @@
       </p:sp>
       <p:sp>
         <p:nvSpPr>
-          <p:cNvPr id="42" name="角丸四角形 41"/>
-          <p:cNvSpPr/>
-          <p:nvPr/>
-        </p:nvSpPr>
-        <p:spPr>
-          <a:xfrm>
-            <a:off x="4766578" y="4421474"/>
-            <a:ext cx="464588" cy="465380"/>
-          </a:xfrm>
-          <a:prstGeom prst="roundRect">
-            <a:avLst/>
-          </a:prstGeom>
-        </p:spPr>
-        <p:style>
-          <a:lnRef idx="2">
-            <a:schemeClr val="accent6"/>
-          </a:lnRef>
-          <a:fillRef idx="1">
-            <a:schemeClr val="lt1"/>
-          </a:fillRef>
-          <a:effectRef idx="0">
-            <a:schemeClr val="accent6"/>
-          </a:effectRef>
-          <a:fontRef idx="minor">
-            <a:schemeClr val="dk1"/>
-          </a:fontRef>
-        </p:style>
-        <p:txBody>
-          <a:bodyPr rtlCol="0" anchor="ctr"/>
-          <a:lstStyle/>
-          <a:p>
-            <a:pPr algn="ctr"/>
-            <a:endParaRPr kumimoji="1" lang="ja-JP" altLang="en-US" sz="1400" u="sng" dirty="0"/>
-          </a:p>
-        </p:txBody>
-      </p:sp>
-      <p:sp>
-        <p:nvSpPr>
-          <p:cNvPr id="43" name="角丸四角形 42"/>
-          <p:cNvSpPr/>
-          <p:nvPr/>
-        </p:nvSpPr>
-        <p:spPr>
-          <a:xfrm>
-            <a:off x="5303159" y="4421474"/>
-            <a:ext cx="464588" cy="465380"/>
-          </a:xfrm>
-          <a:prstGeom prst="roundRect">
-            <a:avLst/>
-          </a:prstGeom>
-        </p:spPr>
-        <p:style>
-          <a:lnRef idx="2">
-            <a:schemeClr val="accent6"/>
-          </a:lnRef>
-          <a:fillRef idx="1">
-            <a:schemeClr val="lt1"/>
-          </a:fillRef>
-          <a:effectRef idx="0">
-            <a:schemeClr val="accent6"/>
-          </a:effectRef>
-          <a:fontRef idx="minor">
-            <a:schemeClr val="dk1"/>
-          </a:fontRef>
-        </p:style>
-        <p:txBody>
-          <a:bodyPr rtlCol="0" anchor="ctr"/>
+          <p:cNvPr id="45" name="角丸四角形 44"/>
+          <p:cNvSpPr/>
+          <p:nvPr/>
+        </p:nvSpPr>
+        <p:spPr>
+          <a:xfrm>
+            <a:off x="6376321" y="4421474"/>
+            <a:ext cx="464588" cy="465380"/>
+          </a:xfrm>
+          <a:prstGeom prst="roundRect">
+            <a:avLst/>
+          </a:prstGeom>
+        </p:spPr>
+        <p:style>
+          <a:lnRef idx="2">
+            <a:schemeClr val="accent6"/>
+          </a:lnRef>
+          <a:fillRef idx="1">
+            <a:schemeClr val="lt1"/>
+          </a:fillRef>
+          <a:effectRef idx="0">
+            <a:schemeClr val="accent6"/>
+          </a:effectRef>
+          <a:fontRef idx="minor">
+            <a:schemeClr val="dk1"/>
+          </a:fontRef>
+        </p:style>
+        <p:txBody>
+          <a:bodyPr wrap="none" rtlCol="0" anchor="ctr"/>
           <a:lstStyle/>
           <a:p>
             <a:pPr algn="ctr"/>
@@ -28545,82 +28666,6 @@
       </p:sp>
       <p:sp>
         <p:nvSpPr>
-          <p:cNvPr id="44" name="角丸四角形 43"/>
-          <p:cNvSpPr/>
-          <p:nvPr/>
-        </p:nvSpPr>
-        <p:spPr>
-          <a:xfrm>
-            <a:off x="5839740" y="4421474"/>
-            <a:ext cx="464588" cy="465380"/>
-          </a:xfrm>
-          <a:prstGeom prst="roundRect">
-            <a:avLst/>
-          </a:prstGeom>
-        </p:spPr>
-        <p:style>
-          <a:lnRef idx="2">
-            <a:schemeClr val="accent6"/>
-          </a:lnRef>
-          <a:fillRef idx="1">
-            <a:schemeClr val="lt1"/>
-          </a:fillRef>
-          <a:effectRef idx="0">
-            <a:schemeClr val="accent6"/>
-          </a:effectRef>
-          <a:fontRef idx="minor">
-            <a:schemeClr val="dk1"/>
-          </a:fontRef>
-        </p:style>
-        <p:txBody>
-          <a:bodyPr rtlCol="0" anchor="ctr"/>
-          <a:lstStyle/>
-          <a:p>
-            <a:pPr algn="ctr"/>
-            <a:endParaRPr kumimoji="1" lang="ja-JP" altLang="en-US" sz="1400" dirty="0"/>
-          </a:p>
-        </p:txBody>
-      </p:sp>
-      <p:sp>
-        <p:nvSpPr>
-          <p:cNvPr id="45" name="角丸四角形 44"/>
-          <p:cNvSpPr/>
-          <p:nvPr/>
-        </p:nvSpPr>
-        <p:spPr>
-          <a:xfrm>
-            <a:off x="6376321" y="4421474"/>
-            <a:ext cx="464588" cy="465380"/>
-          </a:xfrm>
-          <a:prstGeom prst="roundRect">
-            <a:avLst/>
-          </a:prstGeom>
-        </p:spPr>
-        <p:style>
-          <a:lnRef idx="2">
-            <a:schemeClr val="accent6"/>
-          </a:lnRef>
-          <a:fillRef idx="1">
-            <a:schemeClr val="lt1"/>
-          </a:fillRef>
-          <a:effectRef idx="0">
-            <a:schemeClr val="accent6"/>
-          </a:effectRef>
-          <a:fontRef idx="minor">
-            <a:schemeClr val="dk1"/>
-          </a:fontRef>
-        </p:style>
-        <p:txBody>
-          <a:bodyPr rtlCol="0" anchor="ctr"/>
-          <a:lstStyle/>
-          <a:p>
-            <a:pPr algn="ctr"/>
-            <a:endParaRPr kumimoji="1" lang="ja-JP" altLang="en-US" sz="1400" dirty="0"/>
-          </a:p>
-        </p:txBody>
-      </p:sp>
-      <p:sp>
-        <p:nvSpPr>
           <p:cNvPr id="46" name="角丸四角形 45"/>
           <p:cNvSpPr/>
           <p:nvPr/>
@@ -28649,7 +28694,7 @@
           </a:fontRef>
         </p:style>
         <p:txBody>
-          <a:bodyPr rtlCol="0" anchor="ctr"/>
+          <a:bodyPr wrap="none" rtlCol="0" anchor="ctr"/>
           <a:lstStyle/>
           <a:p>
             <a:pPr algn="ctr"/>
@@ -28687,7 +28732,7 @@
           </a:fontRef>
         </p:style>
         <p:txBody>
-          <a:bodyPr rtlCol="0" anchor="ctr"/>
+          <a:bodyPr wrap="none" rtlCol="0" anchor="ctr"/>
           <a:lstStyle/>
           <a:p>
             <a:pPr algn="ctr"/>
@@ -28728,7 +28773,7 @@
           </a:fontRef>
         </p:style>
         <p:txBody>
-          <a:bodyPr rtlCol="0" anchor="ctr"/>
+          <a:bodyPr wrap="none" rtlCol="0" anchor="ctr"/>
           <a:lstStyle/>
           <a:p>
             <a:pPr algn="ctr"/>
@@ -28766,7 +28811,7 @@
           </a:fontRef>
         </p:style>
         <p:txBody>
-          <a:bodyPr rtlCol="0" anchor="ctr"/>
+          <a:bodyPr wrap="none" rtlCol="0" anchor="ctr"/>
           <a:lstStyle/>
           <a:p>
             <a:pPr algn="ctr"/>
@@ -28804,7 +28849,7 @@
           </a:fontRef>
         </p:style>
         <p:txBody>
-          <a:bodyPr rtlCol="0" anchor="ctr"/>
+          <a:bodyPr wrap="none" rtlCol="0" anchor="ctr"/>
           <a:lstStyle/>
           <a:p>
             <a:pPr algn="ctr"/>
@@ -28842,7 +28887,7 @@
           </a:fontRef>
         </p:style>
         <p:txBody>
-          <a:bodyPr rtlCol="0" anchor="ctr"/>
+          <a:bodyPr wrap="none" rtlCol="0" anchor="ctr"/>
           <a:lstStyle/>
           <a:p>
             <a:pPr algn="ctr"/>
@@ -28880,7 +28925,7 @@
           </a:fontRef>
         </p:style>
         <p:txBody>
-          <a:bodyPr rtlCol="0" anchor="ctr"/>
+          <a:bodyPr wrap="none" rtlCol="0" anchor="ctr"/>
           <a:lstStyle/>
           <a:p>
             <a:pPr algn="ctr"/>
@@ -28918,7 +28963,7 @@
           </a:fontRef>
         </p:style>
         <p:txBody>
-          <a:bodyPr rtlCol="0" anchor="ctr"/>
+          <a:bodyPr wrap="none" rtlCol="0" anchor="ctr"/>
           <a:lstStyle/>
           <a:p>
             <a:pPr algn="ctr"/>
@@ -28956,7 +29001,7 @@
           </a:fontRef>
         </p:style>
         <p:txBody>
-          <a:bodyPr rtlCol="0" anchor="ctr"/>
+          <a:bodyPr wrap="none" rtlCol="0" anchor="ctr"/>
           <a:lstStyle/>
           <a:p>
             <a:pPr algn="ctr"/>
@@ -28994,7 +29039,7 @@
           </a:fontRef>
         </p:style>
         <p:txBody>
-          <a:bodyPr rtlCol="0" anchor="ctr"/>
+          <a:bodyPr wrap="none" rtlCol="0" anchor="ctr"/>
           <a:lstStyle/>
           <a:p>
             <a:pPr algn="ctr"/>
@@ -29032,7 +29077,7 @@
           </a:fontRef>
         </p:style>
         <p:txBody>
-          <a:bodyPr rtlCol="0" anchor="ctr"/>
+          <a:bodyPr wrap="none" rtlCol="0" anchor="ctr"/>
           <a:lstStyle/>
           <a:p>
             <a:pPr algn="ctr"/>
@@ -29070,7 +29115,7 @@
           </a:fontRef>
         </p:style>
         <p:txBody>
-          <a:bodyPr rtlCol="0" anchor="ctr"/>
+          <a:bodyPr wrap="none" rtlCol="0" anchor="ctr"/>
           <a:lstStyle/>
           <a:p>
             <a:pPr algn="ctr"/>
@@ -29108,7 +29153,7 @@
           </a:fontRef>
         </p:style>
         <p:txBody>
-          <a:bodyPr rtlCol="0" anchor="ctr"/>
+          <a:bodyPr wrap="none" rtlCol="0" anchor="ctr"/>
           <a:lstStyle/>
           <a:p>
             <a:pPr algn="ctr"/>
@@ -29149,7 +29194,7 @@
           </a:fontRef>
         </p:style>
         <p:txBody>
-          <a:bodyPr rtlCol="0" anchor="ctr"/>
+          <a:bodyPr wrap="none" rtlCol="0" anchor="ctr"/>
           <a:lstStyle/>
           <a:p>
             <a:pPr algn="ctr"/>
@@ -29240,17 +29285,7 @@
                   </a:schemeClr>
                 </a:solidFill>
               </a:rPr>
-              <a:t>= </a:t>
-            </a:r>
-            <a:r>
-              <a:rPr kumimoji="1" lang="en-US" altLang="ja-JP" smtClean="0">
-                <a:solidFill>
-                  <a:schemeClr val="accent6">
-                    <a:lumMod val="75000"/>
-                  </a:schemeClr>
-                </a:solidFill>
-              </a:rPr>
-              <a:t>Window Control</a:t>
+              <a:t>= Window Control</a:t>
             </a:r>
             <a:endParaRPr kumimoji="1" lang="en-US" altLang="ja-JP" dirty="0" smtClean="0">
               <a:solidFill>

--- a/MANUAL.pptx
+++ b/MANUAL.pptx
@@ -9651,7 +9651,7 @@
           <a:p>
             <a:pPr algn="ctr"/>
             <a:r>
-              <a:rPr lang="en-US" altLang="ja-JP" sz="1400" dirty="0" smtClean="0">
+              <a:rPr lang="en-US" altLang="ja-JP" sz="1400" smtClean="0">
                 <a:solidFill>
                   <a:schemeClr val="accent5">
                     <a:lumMod val="75000"/>
@@ -9660,19 +9660,19 @@
                 <a:latin typeface="+mj-ea"/>
                 <a:ea typeface="+mj-ea"/>
               </a:rPr>
-              <a:t>Window Catalog </a:t>
-            </a:r>
-            <a:r>
-              <a:rPr lang="en-US" altLang="ja-JP" sz="1400" dirty="0" smtClean="0">
+              <a:t>Window </a:t>
+            </a:r>
+            <a:r>
+              <a:rPr lang="en-US" altLang="ja-JP" sz="1400" smtClean="0">
                 <a:solidFill>
-                  <a:schemeClr val="bg1">
-                    <a:lumMod val="65000"/>
+                  <a:schemeClr val="accent5">
+                    <a:lumMod val="75000"/>
                   </a:schemeClr>
                 </a:solidFill>
                 <a:latin typeface="+mj-ea"/>
                 <a:ea typeface="+mj-ea"/>
               </a:rPr>
-              <a:t>(Dexpot)</a:t>
+              <a:t>Catalog</a:t>
             </a:r>
             <a:endParaRPr kumimoji="1" lang="ja-JP" altLang="en-US" sz="1400" dirty="0">
               <a:solidFill>
@@ -10796,33 +10796,33 @@
           <a:p>
             <a:pPr algn="ctr"/>
             <a:r>
-              <a:rPr kumimoji="1" lang="en-US" altLang="ja-JP" sz="1400" dirty="0" smtClean="0">
+              <a:rPr kumimoji="1" lang="en-US" altLang="ja-JP" sz="1400" smtClean="0">
                 <a:solidFill>
-                  <a:schemeClr val="accent5">
+                  <a:schemeClr val="accent2">
                     <a:lumMod val="75000"/>
                   </a:schemeClr>
                 </a:solidFill>
                 <a:latin typeface="+mj-ea"/>
                 <a:ea typeface="+mj-ea"/>
               </a:rPr>
-              <a:t>Screen Preview </a:t>
-            </a:r>
-            <a:r>
-              <a:rPr kumimoji="1" lang="en-US" altLang="ja-JP" sz="1400" dirty="0" smtClean="0">
+              <a:t>Screen </a:t>
+            </a:r>
+            <a:r>
+              <a:rPr kumimoji="1" lang="en-US" altLang="ja-JP" sz="1400" smtClean="0">
                 <a:solidFill>
-                  <a:schemeClr val="bg1">
-                    <a:lumMod val="65000"/>
+                  <a:schemeClr val="accent2">
+                    <a:lumMod val="75000"/>
                   </a:schemeClr>
                 </a:solidFill>
                 <a:latin typeface="+mj-ea"/>
                 <a:ea typeface="+mj-ea"/>
               </a:rPr>
-              <a:t>(Dexpot)</a:t>
+              <a:t>Preview</a:t>
             </a:r>
             <a:endParaRPr kumimoji="1" lang="ja-JP" altLang="en-US" sz="1400" dirty="0">
               <a:solidFill>
-                <a:schemeClr val="bg1">
-                  <a:lumMod val="65000"/>
+                <a:schemeClr val="accent2">
+                  <a:lumMod val="75000"/>
                 </a:schemeClr>
               </a:solidFill>
               <a:latin typeface="+mj-ea"/>
@@ -11713,57 +11713,33 @@
           <a:p>
             <a:pPr algn="ctr"/>
             <a:r>
-              <a:rPr kumimoji="1" lang="en-US" altLang="ja-JP" sz="1400" dirty="0" smtClean="0">
+              <a:rPr kumimoji="1" lang="en-US" altLang="ja-JP" sz="1400" smtClean="0">
                 <a:solidFill>
-                  <a:schemeClr val="accent5">
+                  <a:schemeClr val="accent2">
                     <a:lumMod val="75000"/>
                   </a:schemeClr>
                 </a:solidFill>
                 <a:latin typeface="+mj-ea"/>
                 <a:ea typeface="+mj-ea"/>
               </a:rPr>
-              <a:t>Screen Preview </a:t>
-            </a:r>
-            <a:r>
-              <a:rPr kumimoji="1" lang="en-US" altLang="ja-JP" sz="1400" dirty="0" smtClean="0">
+              <a:t>Screen </a:t>
+            </a:r>
+            <a:r>
+              <a:rPr kumimoji="1" lang="en-US" altLang="ja-JP" sz="1400" smtClean="0">
                 <a:solidFill>
-                  <a:schemeClr val="bg1">
-                    <a:lumMod val="65000"/>
+                  <a:schemeClr val="accent2">
+                    <a:lumMod val="75000"/>
                   </a:schemeClr>
                 </a:solidFill>
                 <a:latin typeface="+mj-ea"/>
                 <a:ea typeface="+mj-ea"/>
               </a:rPr>
-              <a:t>(</a:t>
-            </a:r>
-            <a:r>
-              <a:rPr kumimoji="1" lang="en-US" altLang="ja-JP" sz="1400" dirty="0" err="1" smtClean="0">
-                <a:solidFill>
-                  <a:schemeClr val="bg1">
-                    <a:lumMod val="65000"/>
-                  </a:schemeClr>
-                </a:solidFill>
-                <a:latin typeface="+mj-ea"/>
-                <a:ea typeface="+mj-ea"/>
-              </a:rPr>
-              <a:t>Dexpot</a:t>
-            </a:r>
-            <a:r>
-              <a:rPr kumimoji="1" lang="en-US" altLang="ja-JP" sz="1400" dirty="0" smtClean="0">
-                <a:solidFill>
-                  <a:schemeClr val="bg1">
-                    <a:lumMod val="65000"/>
-                  </a:schemeClr>
-                </a:solidFill>
-                <a:latin typeface="+mj-ea"/>
-                <a:ea typeface="+mj-ea"/>
-              </a:rPr>
-              <a:t>)</a:t>
+              <a:t>Preview</a:t>
             </a:r>
             <a:endParaRPr kumimoji="1" lang="ja-JP" altLang="en-US" sz="1400" dirty="0">
               <a:solidFill>
-                <a:schemeClr val="bg1">
-                  <a:lumMod val="65000"/>
+                <a:schemeClr val="accent2">
+                  <a:lumMod val="75000"/>
                 </a:schemeClr>
               </a:solidFill>
               <a:latin typeface="+mj-ea"/>

--- a/MANUAL.pptx
+++ b/MANUAL.pptx
@@ -4373,17 +4373,7 @@
                   </a:schemeClr>
                 </a:solidFill>
               </a:rPr>
-              <a:t>&amp; LCMD = App </a:t>
-            </a:r>
-            <a:r>
-              <a:rPr lang="en-US" altLang="ja-JP" sz="4000" smtClean="0">
-                <a:solidFill>
-                  <a:schemeClr val="accent6">
-                    <a:lumMod val="75000"/>
-                  </a:schemeClr>
-                </a:solidFill>
-              </a:rPr>
-              <a:t>Specific</a:t>
+              <a:t>&amp; LCMD = App Specific</a:t>
             </a:r>
             <a:endParaRPr lang="en-US" altLang="ja-JP" sz="4000" dirty="0">
               <a:solidFill>
@@ -15991,10 +15981,16 @@
           <a:p>
             <a:pPr algn="ctr"/>
             <a:r>
+              <a:rPr lang="en-US" altLang="ja-JP">
+                <a:latin typeface="+mj-lt"/>
+              </a:rPr>
+              <a:t>E</a:t>
+            </a:r>
+            <a:r>
               <a:rPr lang="en-US" altLang="ja-JP" smtClean="0">
                 <a:latin typeface="+mj-lt"/>
               </a:rPr>
-              <a:t>esc</a:t>
+              <a:t>sc</a:t>
             </a:r>
             <a:endParaRPr kumimoji="1" lang="ja-JP" altLang="en-US" dirty="0">
               <a:latin typeface="+mj-lt"/>
@@ -18095,7 +18091,7 @@
                 </a:solidFill>
                 <a:latin typeface="+mj-lt"/>
               </a:rPr>
-              <a:t>Caps</a:t>
+              <a:t>CAPS</a:t>
             </a:r>
             <a:endParaRPr kumimoji="1" lang="ja-JP" altLang="en-US" dirty="0">
               <a:solidFill>
@@ -19092,7 +19088,7 @@
                 </a:solidFill>
                 <a:latin typeface="+mj-lt"/>
               </a:rPr>
-              <a:t>RCmd</a:t>
+              <a:t>RCMD</a:t>
             </a:r>
             <a:endParaRPr kumimoji="1" lang="ja-JP" altLang="en-US" dirty="0">
               <a:solidFill>
@@ -19131,7 +19127,7 @@
               <a:buNone/>
             </a:pPr>
             <a:r>
-              <a:rPr lang="ja-JP" altLang="en-US" sz="2400" b="1" smtClean="0">
+              <a:rPr lang="ja-JP" altLang="en-US" sz="2400" smtClean="0">
                 <a:solidFill>
                   <a:schemeClr val="accent6">
                     <a:lumMod val="75000"/>
@@ -19143,7 +19139,7 @@
               <a:t>緑：</a:t>
             </a:r>
             <a:r>
-              <a:rPr lang="en-US" altLang="ja-JP" sz="2400" b="1" smtClean="0">
+              <a:rPr lang="en-US" altLang="ja-JP" sz="2400" smtClean="0">
                 <a:solidFill>
                   <a:schemeClr val="accent6">
                     <a:lumMod val="75000"/>
@@ -19155,7 +19151,7 @@
               <a:t>Default </a:t>
             </a:r>
             <a:r>
-              <a:rPr lang="ja-JP" altLang="en-US" sz="2400" b="1" smtClean="0">
+              <a:rPr lang="ja-JP" altLang="en-US" sz="2400" smtClean="0">
                 <a:solidFill>
                   <a:schemeClr val="accent6">
                     <a:lumMod val="75000"/>
@@ -19166,7 +19162,7 @@
               </a:rPr>
               <a:t>修飾キー</a:t>
             </a:r>
-            <a:endParaRPr lang="en-US" altLang="ja-JP" sz="2400" b="1" smtClean="0">
+            <a:endParaRPr lang="en-US" altLang="ja-JP" sz="2400" smtClean="0">
               <a:solidFill>
                 <a:schemeClr val="accent6">
                   <a:lumMod val="75000"/>
@@ -19181,7 +19177,7 @@
               <a:buNone/>
             </a:pPr>
             <a:r>
-              <a:rPr lang="ja-JP" altLang="en-US" sz="2400" b="1" smtClean="0">
+              <a:rPr lang="ja-JP" altLang="en-US" sz="2400" smtClean="0">
                 <a:solidFill>
                   <a:schemeClr val="accent2">
                     <a:lumMod val="75000"/>
@@ -19193,7 +19189,7 @@
               <a:t>橙：</a:t>
             </a:r>
             <a:r>
-              <a:rPr lang="en-US" altLang="ja-JP" sz="2400" b="1" smtClean="0">
+              <a:rPr lang="en-US" altLang="ja-JP" sz="2400" smtClean="0">
                 <a:solidFill>
                   <a:schemeClr val="accent2">
                     <a:lumMod val="75000"/>
@@ -19205,7 +19201,7 @@
               <a:t>Original</a:t>
             </a:r>
             <a:r>
-              <a:rPr lang="ja-JP" altLang="en-US" sz="2400" b="1" smtClean="0">
+              <a:rPr lang="ja-JP" altLang="en-US" sz="2400" smtClean="0">
                 <a:solidFill>
                   <a:schemeClr val="accent2">
                     <a:lumMod val="75000"/>
@@ -19217,7 +19213,7 @@
               <a:t>修飾キー</a:t>
             </a:r>
             <a:r>
-              <a:rPr lang="ja-JP" altLang="en-US" sz="2400" b="1" smtClean="0">
+              <a:rPr lang="ja-JP" altLang="en-US" sz="2400" smtClean="0">
                 <a:solidFill>
                   <a:schemeClr val="accent2">
                     <a:lumMod val="60000"/>
@@ -19230,7 +19226,7 @@
               <a:t>（＋</a:t>
             </a:r>
             <a:r>
-              <a:rPr lang="en-US" altLang="ja-JP" sz="2400" b="1" smtClean="0">
+              <a:rPr lang="en-US" altLang="ja-JP" sz="2400" smtClean="0">
                 <a:solidFill>
                   <a:schemeClr val="accent2">
                     <a:lumMod val="60000"/>
@@ -19243,7 +19239,7 @@
               <a:t>SandS</a:t>
             </a:r>
             <a:r>
-              <a:rPr lang="ja-JP" altLang="en-US" sz="2400" b="1">
+              <a:rPr lang="ja-JP" altLang="en-US" sz="2400">
                 <a:solidFill>
                   <a:schemeClr val="accent2">
                     <a:lumMod val="60000"/>
@@ -19256,7 +19252,7 @@
               <a:t> </a:t>
             </a:r>
             <a:r>
-              <a:rPr lang="en-US" altLang="ja-JP" sz="2400" b="1" smtClean="0">
+              <a:rPr lang="en-US" altLang="ja-JP" sz="2400" smtClean="0">
                 <a:solidFill>
                   <a:schemeClr val="accent2">
                     <a:lumMod val="60000"/>
@@ -19269,7 +19265,7 @@
               <a:t>Oneshot</a:t>
             </a:r>
             <a:r>
-              <a:rPr lang="ja-JP" altLang="en-US" sz="2400" b="1" smtClean="0">
+              <a:rPr lang="ja-JP" altLang="en-US" sz="2400" smtClean="0">
                 <a:solidFill>
                   <a:schemeClr val="accent2">
                     <a:lumMod val="60000"/>
@@ -19281,7 +19277,36 @@
               </a:rPr>
               <a:t>）</a:t>
             </a:r>
-            <a:endParaRPr lang="en-US" altLang="ja-JP" sz="2400" dirty="0" smtClean="0">
+            <a:endParaRPr lang="en-US" altLang="ja-JP" sz="2400" smtClean="0">
+              <a:solidFill>
+                <a:schemeClr val="accent2">
+                  <a:lumMod val="60000"/>
+                  <a:lumOff val="40000"/>
+                </a:schemeClr>
+              </a:solidFill>
+              <a:latin typeface="+mj-lt"/>
+              <a:ea typeface="+mj-ea"/>
+            </a:endParaRPr>
+          </a:p>
+          <a:p>
+            <a:pPr marL="0" indent="0">
+              <a:buNone/>
+            </a:pPr>
+            <a:r>
+              <a:rPr lang="en-US" altLang="ja-JP" sz="1600" smtClean="0">
+                <a:latin typeface="+mj-lt"/>
+                <a:ea typeface="+mj-ea"/>
+              </a:rPr>
+              <a:t>※ </a:t>
+            </a:r>
+            <a:r>
+              <a:rPr lang="en-US" altLang="ja-JP" sz="1600" smtClean="0">
+                <a:latin typeface="+mj-lt"/>
+                <a:ea typeface="+mj-ea"/>
+              </a:rPr>
+              <a:t>` = FN + Del</a:t>
+            </a:r>
+            <a:endParaRPr lang="en-US" altLang="ja-JP" sz="1600" dirty="0" smtClean="0">
               <a:latin typeface="+mj-lt"/>
               <a:ea typeface="+mj-ea"/>
             </a:endParaRPr>
@@ -19376,31 +19401,50 @@
           <a:prstGeom prst="roundRect">
             <a:avLst/>
           </a:prstGeom>
-        </p:spPr>
-        <p:style>
-          <a:lnRef idx="2">
-            <a:schemeClr val="accent6"/>
-          </a:lnRef>
-          <a:fillRef idx="1">
-            <a:schemeClr val="lt1"/>
-          </a:fillRef>
-          <a:effectRef idx="0">
-            <a:schemeClr val="accent6"/>
-          </a:effectRef>
-          <a:fontRef idx="minor">
-            <a:schemeClr val="dk1"/>
-          </a:fontRef>
-        </p:style>
-        <p:txBody>
-          <a:bodyPr wrap="none" rtlCol="0" anchor="ctr"/>
-          <a:lstStyle/>
-          <a:p>
-            <a:pPr algn="ctr"/>
-            <a:r>
-              <a:rPr kumimoji="1" lang="en-US" altLang="ja-JP" sz="1200" smtClean="0"/>
-              <a:t>Delete</a:t>
-            </a:r>
-            <a:endParaRPr kumimoji="1" lang="ja-JP" altLang="en-US" sz="1200" dirty="0"/>
+          <a:ln>
+            <a:solidFill>
+              <a:schemeClr val="accent2">
+                <a:lumMod val="75000"/>
+              </a:schemeClr>
+            </a:solidFill>
+          </a:ln>
+        </p:spPr>
+        <p:style>
+          <a:lnRef idx="2">
+            <a:schemeClr val="accent6"/>
+          </a:lnRef>
+          <a:fillRef idx="1">
+            <a:schemeClr val="lt1"/>
+          </a:fillRef>
+          <a:effectRef idx="0">
+            <a:schemeClr val="accent6"/>
+          </a:effectRef>
+          <a:fontRef idx="minor">
+            <a:schemeClr val="dk1"/>
+          </a:fontRef>
+        </p:style>
+        <p:txBody>
+          <a:bodyPr wrap="none" rtlCol="0" anchor="ctr"/>
+          <a:lstStyle/>
+          <a:p>
+            <a:pPr algn="ctr"/>
+            <a:r>
+              <a:rPr kumimoji="1" lang="en-US" altLang="ja-JP" sz="1600" smtClean="0">
+                <a:solidFill>
+                  <a:schemeClr val="accent2">
+                    <a:lumMod val="75000"/>
+                  </a:schemeClr>
+                </a:solidFill>
+              </a:rPr>
+              <a:t>Del</a:t>
+            </a:r>
+            <a:endParaRPr kumimoji="1" lang="ja-JP" altLang="en-US" sz="1600" dirty="0">
+              <a:solidFill>
+                <a:schemeClr val="accent2">
+                  <a:lumMod val="75000"/>
+                </a:schemeClr>
+              </a:solidFill>
+            </a:endParaRPr>
           </a:p>
         </p:txBody>
       </p:sp>
@@ -20066,27 +20110,40 @@
           <a:prstGeom prst="roundRect">
             <a:avLst/>
           </a:prstGeom>
-        </p:spPr>
-        <p:style>
-          <a:lnRef idx="2">
-            <a:schemeClr val="accent6"/>
-          </a:lnRef>
-          <a:fillRef idx="1">
-            <a:schemeClr val="lt1"/>
-          </a:fillRef>
-          <a:effectRef idx="0">
-            <a:schemeClr val="accent6"/>
-          </a:effectRef>
-          <a:fontRef idx="minor">
-            <a:schemeClr val="dk1"/>
-          </a:fontRef>
-        </p:style>
-        <p:txBody>
-          <a:bodyPr wrap="none" rtlCol="0" anchor="ctr"/>
-          <a:lstStyle/>
-          <a:p>
-            <a:pPr algn="ctr"/>
-            <a:endParaRPr kumimoji="1" lang="ja-JP" altLang="en-US" sz="1200" dirty="0"/>
+          <a:ln>
+            <a:solidFill>
+              <a:schemeClr val="accent5">
+                <a:lumMod val="75000"/>
+              </a:schemeClr>
+            </a:solidFill>
+          </a:ln>
+        </p:spPr>
+        <p:style>
+          <a:lnRef idx="2">
+            <a:schemeClr val="accent6"/>
+          </a:lnRef>
+          <a:fillRef idx="1">
+            <a:schemeClr val="lt1"/>
+          </a:fillRef>
+          <a:effectRef idx="0">
+            <a:schemeClr val="accent6"/>
+          </a:effectRef>
+          <a:fontRef idx="minor">
+            <a:schemeClr val="dk1"/>
+          </a:fontRef>
+        </p:style>
+        <p:txBody>
+          <a:bodyPr wrap="none" rtlCol="0" anchor="ctr"/>
+          <a:lstStyle/>
+          <a:p>
+            <a:pPr algn="ctr"/>
+            <a:endParaRPr kumimoji="1" lang="ja-JP" altLang="en-US" sz="1600" dirty="0">
+              <a:solidFill>
+                <a:schemeClr val="accent5">
+                  <a:lumMod val="75000"/>
+                </a:schemeClr>
+              </a:solidFill>
+            </a:endParaRPr>
           </a:p>
         </p:txBody>
       </p:sp>
@@ -20104,28 +20161,41 @@
           <a:prstGeom prst="roundRect">
             <a:avLst/>
           </a:prstGeom>
-        </p:spPr>
-        <p:style>
-          <a:lnRef idx="2">
-            <a:schemeClr val="accent6"/>
-          </a:lnRef>
-          <a:fillRef idx="1">
-            <a:schemeClr val="lt1"/>
-          </a:fillRef>
-          <a:effectRef idx="0">
-            <a:schemeClr val="accent6"/>
-          </a:effectRef>
-          <a:fontRef idx="minor">
-            <a:schemeClr val="dk1"/>
-          </a:fontRef>
-        </p:style>
-        <p:txBody>
-          <a:bodyPr wrap="none" rtlCol="0" anchor="ctr"/>
-          <a:lstStyle/>
-          <a:p>
-            <a:pPr algn="ctr"/>
-            <a:r>
-              <a:rPr lang="en-US" altLang="ja-JP" sz="1200" smtClean="0"/>
+          <a:ln>
+            <a:solidFill>
+              <a:schemeClr val="accent2">
+                <a:lumMod val="75000"/>
+              </a:schemeClr>
+            </a:solidFill>
+          </a:ln>
+        </p:spPr>
+        <p:style>
+          <a:lnRef idx="2">
+            <a:schemeClr val="accent6"/>
+          </a:lnRef>
+          <a:fillRef idx="1">
+            <a:schemeClr val="lt1"/>
+          </a:fillRef>
+          <a:effectRef idx="0">
+            <a:schemeClr val="accent6"/>
+          </a:effectRef>
+          <a:fontRef idx="minor">
+            <a:schemeClr val="dk1"/>
+          </a:fontRef>
+        </p:style>
+        <p:txBody>
+          <a:bodyPr wrap="none" rtlCol="0" anchor="ctr"/>
+          <a:lstStyle/>
+          <a:p>
+            <a:pPr algn="ctr"/>
+            <a:r>
+              <a:rPr lang="en-US" altLang="ja-JP" sz="1200" smtClean="0">
+                <a:solidFill>
+                  <a:schemeClr val="accent2">
+                    <a:lumMod val="75000"/>
+                  </a:schemeClr>
+                </a:solidFill>
+              </a:rPr>
               <a:t>IME</a:t>
             </a:r>
           </a:p>
@@ -20415,29 +20485,38 @@
           <a:prstGeom prst="roundRect">
             <a:avLst/>
           </a:prstGeom>
-        </p:spPr>
-        <p:style>
-          <a:lnRef idx="2">
-            <a:schemeClr val="accent6"/>
-          </a:lnRef>
-          <a:fillRef idx="1">
-            <a:schemeClr val="lt1"/>
-          </a:fillRef>
-          <a:effectRef idx="0">
-            <a:schemeClr val="accent6"/>
-          </a:effectRef>
-          <a:fontRef idx="minor">
-            <a:schemeClr val="dk1"/>
-          </a:fontRef>
-        </p:style>
-        <p:txBody>
-          <a:bodyPr wrap="none" rtlCol="0" anchor="ctr"/>
-          <a:lstStyle/>
-          <a:p>
-            <a:pPr algn="ctr"/>
-            <a:endParaRPr kumimoji="1" lang="ja-JP" altLang="en-US" sz="1200" dirty="0">
+          <a:ln>
+            <a:solidFill>
+              <a:schemeClr val="accent5">
+                <a:lumMod val="75000"/>
+              </a:schemeClr>
+            </a:solidFill>
+          </a:ln>
+        </p:spPr>
+        <p:style>
+          <a:lnRef idx="2">
+            <a:schemeClr val="accent6"/>
+          </a:lnRef>
+          <a:fillRef idx="1">
+            <a:schemeClr val="lt1"/>
+          </a:fillRef>
+          <a:effectRef idx="0">
+            <a:schemeClr val="accent6"/>
+          </a:effectRef>
+          <a:fontRef idx="minor">
+            <a:schemeClr val="dk1"/>
+          </a:fontRef>
+        </p:style>
+        <p:txBody>
+          <a:bodyPr wrap="none" rtlCol="0" anchor="ctr"/>
+          <a:lstStyle/>
+          <a:p>
+            <a:pPr algn="ctr"/>
+            <a:endParaRPr kumimoji="1" lang="ja-JP" altLang="en-US" sz="1600" dirty="0">
               <a:solidFill>
-                <a:schemeClr val="tx1"/>
+                <a:schemeClr val="accent5">
+                  <a:lumMod val="75000"/>
+                </a:schemeClr>
               </a:solidFill>
             </a:endParaRPr>
           </a:p>
@@ -20457,27 +20536,40 @@
           <a:prstGeom prst="roundRect">
             <a:avLst/>
           </a:prstGeom>
-        </p:spPr>
-        <p:style>
-          <a:lnRef idx="2">
-            <a:schemeClr val="accent6"/>
-          </a:lnRef>
-          <a:fillRef idx="1">
-            <a:schemeClr val="lt1"/>
-          </a:fillRef>
-          <a:effectRef idx="0">
-            <a:schemeClr val="accent6"/>
-          </a:effectRef>
-          <a:fontRef idx="minor">
-            <a:schemeClr val="dk1"/>
-          </a:fontRef>
-        </p:style>
-        <p:txBody>
-          <a:bodyPr wrap="none" rtlCol="0" anchor="ctr"/>
-          <a:lstStyle/>
-          <a:p>
-            <a:pPr algn="ctr"/>
-            <a:endParaRPr kumimoji="1" lang="ja-JP" altLang="en-US" sz="1200" dirty="0"/>
+          <a:ln>
+            <a:solidFill>
+              <a:schemeClr val="accent5">
+                <a:lumMod val="75000"/>
+              </a:schemeClr>
+            </a:solidFill>
+          </a:ln>
+        </p:spPr>
+        <p:style>
+          <a:lnRef idx="2">
+            <a:schemeClr val="accent6"/>
+          </a:lnRef>
+          <a:fillRef idx="1">
+            <a:schemeClr val="lt1"/>
+          </a:fillRef>
+          <a:effectRef idx="0">
+            <a:schemeClr val="accent6"/>
+          </a:effectRef>
+          <a:fontRef idx="minor">
+            <a:schemeClr val="dk1"/>
+          </a:fontRef>
+        </p:style>
+        <p:txBody>
+          <a:bodyPr wrap="none" rtlCol="0" anchor="ctr"/>
+          <a:lstStyle/>
+          <a:p>
+            <a:pPr algn="ctr"/>
+            <a:endParaRPr kumimoji="1" lang="ja-JP" altLang="en-US" sz="1600" dirty="0">
+              <a:solidFill>
+                <a:schemeClr val="accent5">
+                  <a:lumMod val="75000"/>
+                </a:schemeClr>
+              </a:solidFill>
+            </a:endParaRPr>
           </a:p>
         </p:txBody>
       </p:sp>
@@ -20495,27 +20587,40 @@
           <a:prstGeom prst="roundRect">
             <a:avLst/>
           </a:prstGeom>
-        </p:spPr>
-        <p:style>
-          <a:lnRef idx="2">
-            <a:schemeClr val="accent6"/>
-          </a:lnRef>
-          <a:fillRef idx="1">
-            <a:schemeClr val="lt1"/>
-          </a:fillRef>
-          <a:effectRef idx="0">
-            <a:schemeClr val="accent6"/>
-          </a:effectRef>
-          <a:fontRef idx="minor">
-            <a:schemeClr val="dk1"/>
-          </a:fontRef>
-        </p:style>
-        <p:txBody>
-          <a:bodyPr wrap="none" rtlCol="0" anchor="ctr"/>
-          <a:lstStyle/>
-          <a:p>
-            <a:pPr algn="ctr"/>
-            <a:endParaRPr kumimoji="1" lang="ja-JP" altLang="en-US" sz="1200" dirty="0"/>
+          <a:ln>
+            <a:solidFill>
+              <a:schemeClr val="accent5">
+                <a:lumMod val="75000"/>
+              </a:schemeClr>
+            </a:solidFill>
+          </a:ln>
+        </p:spPr>
+        <p:style>
+          <a:lnRef idx="2">
+            <a:schemeClr val="accent6"/>
+          </a:lnRef>
+          <a:fillRef idx="1">
+            <a:schemeClr val="lt1"/>
+          </a:fillRef>
+          <a:effectRef idx="0">
+            <a:schemeClr val="accent6"/>
+          </a:effectRef>
+          <a:fontRef idx="minor">
+            <a:schemeClr val="dk1"/>
+          </a:fontRef>
+        </p:style>
+        <p:txBody>
+          <a:bodyPr wrap="none" rtlCol="0" anchor="ctr"/>
+          <a:lstStyle/>
+          <a:p>
+            <a:pPr algn="ctr"/>
+            <a:endParaRPr kumimoji="1" lang="ja-JP" altLang="en-US" sz="1600" dirty="0">
+              <a:solidFill>
+                <a:schemeClr val="accent5">
+                  <a:lumMod val="75000"/>
+                </a:schemeClr>
+              </a:solidFill>
+            </a:endParaRPr>
           </a:p>
         </p:txBody>
       </p:sp>
@@ -20533,27 +20638,40 @@
           <a:prstGeom prst="roundRect">
             <a:avLst/>
           </a:prstGeom>
-        </p:spPr>
-        <p:style>
-          <a:lnRef idx="2">
-            <a:schemeClr val="accent6"/>
-          </a:lnRef>
-          <a:fillRef idx="1">
-            <a:schemeClr val="lt1"/>
-          </a:fillRef>
-          <a:effectRef idx="0">
-            <a:schemeClr val="accent6"/>
-          </a:effectRef>
-          <a:fontRef idx="minor">
-            <a:schemeClr val="dk1"/>
-          </a:fontRef>
-        </p:style>
-        <p:txBody>
-          <a:bodyPr wrap="none" rtlCol="0" anchor="ctr"/>
-          <a:lstStyle/>
-          <a:p>
-            <a:pPr algn="ctr"/>
-            <a:endParaRPr kumimoji="1" lang="ja-JP" altLang="en-US" sz="1000" dirty="0"/>
+          <a:ln>
+            <a:solidFill>
+              <a:schemeClr val="accent5">
+                <a:lumMod val="75000"/>
+              </a:schemeClr>
+            </a:solidFill>
+          </a:ln>
+        </p:spPr>
+        <p:style>
+          <a:lnRef idx="2">
+            <a:schemeClr val="accent6"/>
+          </a:lnRef>
+          <a:fillRef idx="1">
+            <a:schemeClr val="lt1"/>
+          </a:fillRef>
+          <a:effectRef idx="0">
+            <a:schemeClr val="accent6"/>
+          </a:effectRef>
+          <a:fontRef idx="minor">
+            <a:schemeClr val="dk1"/>
+          </a:fontRef>
+        </p:style>
+        <p:txBody>
+          <a:bodyPr wrap="none" rtlCol="0" anchor="ctr"/>
+          <a:lstStyle/>
+          <a:p>
+            <a:pPr algn="ctr"/>
+            <a:endParaRPr kumimoji="1" lang="ja-JP" altLang="en-US" sz="1600" dirty="0">
+              <a:solidFill>
+                <a:schemeClr val="accent5">
+                  <a:lumMod val="75000"/>
+                </a:schemeClr>
+              </a:solidFill>
+            </a:endParaRPr>
           </a:p>
         </p:txBody>
       </p:sp>
@@ -20571,27 +20689,40 @@
           <a:prstGeom prst="roundRect">
             <a:avLst/>
           </a:prstGeom>
-        </p:spPr>
-        <p:style>
-          <a:lnRef idx="2">
-            <a:schemeClr val="accent6"/>
-          </a:lnRef>
-          <a:fillRef idx="1">
-            <a:schemeClr val="lt1"/>
-          </a:fillRef>
-          <a:effectRef idx="0">
-            <a:schemeClr val="accent6"/>
-          </a:effectRef>
-          <a:fontRef idx="minor">
-            <a:schemeClr val="dk1"/>
-          </a:fontRef>
-        </p:style>
-        <p:txBody>
-          <a:bodyPr wrap="none" rtlCol="0" anchor="ctr"/>
-          <a:lstStyle/>
-          <a:p>
-            <a:pPr algn="ctr"/>
-            <a:endParaRPr kumimoji="1" lang="ja-JP" altLang="en-US" sz="1000" dirty="0"/>
+          <a:ln>
+            <a:solidFill>
+              <a:schemeClr val="accent5">
+                <a:lumMod val="75000"/>
+              </a:schemeClr>
+            </a:solidFill>
+          </a:ln>
+        </p:spPr>
+        <p:style>
+          <a:lnRef idx="2">
+            <a:schemeClr val="accent6"/>
+          </a:lnRef>
+          <a:fillRef idx="1">
+            <a:schemeClr val="lt1"/>
+          </a:fillRef>
+          <a:effectRef idx="0">
+            <a:schemeClr val="accent6"/>
+          </a:effectRef>
+          <a:fontRef idx="minor">
+            <a:schemeClr val="dk1"/>
+          </a:fontRef>
+        </p:style>
+        <p:txBody>
+          <a:bodyPr wrap="none" rtlCol="0" anchor="ctr"/>
+          <a:lstStyle/>
+          <a:p>
+            <a:pPr algn="ctr"/>
+            <a:endParaRPr kumimoji="1" lang="ja-JP" altLang="en-US" sz="1600" dirty="0">
+              <a:solidFill>
+                <a:schemeClr val="accent5">
+                  <a:lumMod val="75000"/>
+                </a:schemeClr>
+              </a:solidFill>
+            </a:endParaRPr>
           </a:p>
         </p:txBody>
       </p:sp>
@@ -20743,31 +20874,50 @@
           <a:prstGeom prst="roundRect">
             <a:avLst/>
           </a:prstGeom>
-        </p:spPr>
-        <p:style>
-          <a:lnRef idx="2">
-            <a:schemeClr val="accent6"/>
-          </a:lnRef>
-          <a:fillRef idx="1">
-            <a:schemeClr val="lt1"/>
-          </a:fillRef>
-          <a:effectRef idx="0">
-            <a:schemeClr val="accent6"/>
-          </a:effectRef>
-          <a:fontRef idx="minor">
-            <a:schemeClr val="dk1"/>
-          </a:fontRef>
-        </p:style>
-        <p:txBody>
-          <a:bodyPr wrap="none" rtlCol="0" anchor="ctr"/>
-          <a:lstStyle/>
-          <a:p>
-            <a:pPr algn="ctr"/>
-            <a:r>
-              <a:rPr lang="en-US" altLang="ja-JP" sz="1200" smtClean="0"/>
+          <a:ln>
+            <a:solidFill>
+              <a:schemeClr val="accent5">
+                <a:lumMod val="75000"/>
+              </a:schemeClr>
+            </a:solidFill>
+          </a:ln>
+        </p:spPr>
+        <p:style>
+          <a:lnRef idx="2">
+            <a:schemeClr val="accent6"/>
+          </a:lnRef>
+          <a:fillRef idx="1">
+            <a:schemeClr val="lt1"/>
+          </a:fillRef>
+          <a:effectRef idx="0">
+            <a:schemeClr val="accent6"/>
+          </a:effectRef>
+          <a:fontRef idx="minor">
+            <a:schemeClr val="dk1"/>
+          </a:fontRef>
+        </p:style>
+        <p:txBody>
+          <a:bodyPr wrap="none" rtlCol="0" anchor="ctr"/>
+          <a:lstStyle/>
+          <a:p>
+            <a:pPr algn="ctr"/>
+            <a:r>
+              <a:rPr lang="en-US" altLang="ja-JP" sz="1200" smtClean="0">
+                <a:solidFill>
+                  <a:schemeClr val="accent5">
+                    <a:lumMod val="75000"/>
+                  </a:schemeClr>
+                </a:solidFill>
+              </a:rPr>
               <a:t>Eng_IME</a:t>
             </a:r>
-            <a:endParaRPr kumimoji="1" lang="en-US" altLang="ja-JP" sz="1200" smtClean="0"/>
+            <a:endParaRPr kumimoji="1" lang="en-US" altLang="ja-JP" sz="1200" smtClean="0">
+              <a:solidFill>
+                <a:schemeClr val="accent5">
+                  <a:lumMod val="75000"/>
+                </a:schemeClr>
+              </a:solidFill>
+            </a:endParaRPr>
           </a:p>
         </p:txBody>
       </p:sp>
@@ -20785,31 +20935,50 @@
           <a:prstGeom prst="roundRect">
             <a:avLst/>
           </a:prstGeom>
-        </p:spPr>
-        <p:style>
-          <a:lnRef idx="2">
-            <a:schemeClr val="accent6"/>
-          </a:lnRef>
-          <a:fillRef idx="1">
-            <a:schemeClr val="lt1"/>
-          </a:fillRef>
-          <a:effectRef idx="0">
-            <a:schemeClr val="accent6"/>
-          </a:effectRef>
-          <a:fontRef idx="minor">
-            <a:schemeClr val="dk1"/>
-          </a:fontRef>
-        </p:style>
-        <p:txBody>
-          <a:bodyPr wrap="none" rtlCol="0" anchor="ctr"/>
-          <a:lstStyle/>
-          <a:p>
-            <a:pPr algn="ctr"/>
-            <a:r>
-              <a:rPr lang="en-US" altLang="ja-JP" smtClean="0"/>
+          <a:ln>
+            <a:solidFill>
+              <a:schemeClr val="accent2">
+                <a:lumMod val="75000"/>
+              </a:schemeClr>
+            </a:solidFill>
+          </a:ln>
+        </p:spPr>
+        <p:style>
+          <a:lnRef idx="2">
+            <a:schemeClr val="accent6"/>
+          </a:lnRef>
+          <a:fillRef idx="1">
+            <a:schemeClr val="lt1"/>
+          </a:fillRef>
+          <a:effectRef idx="0">
+            <a:schemeClr val="accent6"/>
+          </a:effectRef>
+          <a:fontRef idx="minor">
+            <a:schemeClr val="dk1"/>
+          </a:fontRef>
+        </p:style>
+        <p:txBody>
+          <a:bodyPr wrap="none" rtlCol="0" anchor="ctr"/>
+          <a:lstStyle/>
+          <a:p>
+            <a:pPr algn="ctr"/>
+            <a:r>
+              <a:rPr lang="en-US" altLang="ja-JP" smtClean="0">
+                <a:solidFill>
+                  <a:schemeClr val="accent2">
+                    <a:lumMod val="75000"/>
+                  </a:schemeClr>
+                </a:solidFill>
+              </a:rPr>
               <a:t>^Tab</a:t>
             </a:r>
-            <a:endParaRPr kumimoji="1" lang="ja-JP" altLang="en-US" dirty="0"/>
+            <a:endParaRPr kumimoji="1" lang="ja-JP" altLang="en-US" dirty="0">
+              <a:solidFill>
+                <a:schemeClr val="accent2">
+                  <a:lumMod val="75000"/>
+                </a:schemeClr>
+              </a:solidFill>
+            </a:endParaRPr>
           </a:p>
         </p:txBody>
       </p:sp>
@@ -21191,28 +21360,36 @@
           <a:prstGeom prst="roundRect">
             <a:avLst/>
           </a:prstGeom>
-        </p:spPr>
-        <p:style>
-          <a:lnRef idx="2">
-            <a:schemeClr val="accent6"/>
-          </a:lnRef>
-          <a:fillRef idx="1">
-            <a:schemeClr val="lt1"/>
-          </a:fillRef>
-          <a:effectRef idx="0">
-            <a:schemeClr val="accent6"/>
-          </a:effectRef>
-          <a:fontRef idx="minor">
-            <a:schemeClr val="dk1"/>
-          </a:fontRef>
-        </p:style>
-        <p:txBody>
-          <a:bodyPr wrap="none" rtlCol="0" anchor="ctr"/>
-          <a:lstStyle/>
-          <a:p>
-            <a:pPr algn="ctr"/>
-            <a:r>
-              <a:rPr kumimoji="1" lang="en-US" altLang="ja-JP" sz="900" smtClean="0">
+          <a:noFill/>
+          <a:ln>
+            <a:solidFill>
+              <a:schemeClr val="accent5">
+                <a:lumMod val="75000"/>
+              </a:schemeClr>
+            </a:solidFill>
+          </a:ln>
+        </p:spPr>
+        <p:style>
+          <a:lnRef idx="2">
+            <a:schemeClr val="accent6"/>
+          </a:lnRef>
+          <a:fillRef idx="1">
+            <a:schemeClr val="lt1"/>
+          </a:fillRef>
+          <a:effectRef idx="0">
+            <a:schemeClr val="accent6"/>
+          </a:effectRef>
+          <a:fontRef idx="minor">
+            <a:schemeClr val="dk1"/>
+          </a:fontRef>
+        </p:style>
+        <p:txBody>
+          <a:bodyPr wrap="none" rtlCol="0" anchor="ctr"/>
+          <a:lstStyle/>
+          <a:p>
+            <a:pPr algn="ctr"/>
+            <a:r>
+              <a:rPr kumimoji="1" lang="en-US" altLang="ja-JP" sz="1050" smtClean="0">
                 <a:solidFill>
                   <a:schemeClr val="accent5">
                     <a:lumMod val="75000"/>
@@ -21221,251 +21398,315 @@
               </a:rPr>
               <a:t>Return</a:t>
             </a:r>
-            <a:endParaRPr kumimoji="1" lang="en-US" altLang="ja-JP" sz="900" smtClean="0">
+          </a:p>
+        </p:txBody>
+      </p:sp>
+      <p:sp>
+        <p:nvSpPr>
+          <p:cNvPr id="43" name="角丸四角形 42"/>
+          <p:cNvSpPr/>
+          <p:nvPr/>
+        </p:nvSpPr>
+        <p:spPr>
+          <a:xfrm>
+            <a:off x="5303159" y="4421474"/>
+            <a:ext cx="464588" cy="465380"/>
+          </a:xfrm>
+          <a:prstGeom prst="roundRect">
+            <a:avLst/>
+          </a:prstGeom>
+          <a:ln>
+            <a:solidFill>
+              <a:schemeClr val="accent2">
+                <a:lumMod val="75000"/>
+              </a:schemeClr>
+            </a:solidFill>
+          </a:ln>
+        </p:spPr>
+        <p:style>
+          <a:lnRef idx="2">
+            <a:schemeClr val="accent6"/>
+          </a:lnRef>
+          <a:fillRef idx="1">
+            <a:schemeClr val="lt1"/>
+          </a:fillRef>
+          <a:effectRef idx="0">
+            <a:schemeClr val="accent6"/>
+          </a:effectRef>
+          <a:fontRef idx="minor">
+            <a:schemeClr val="dk1"/>
+          </a:fontRef>
+        </p:style>
+        <p:txBody>
+          <a:bodyPr wrap="none" rtlCol="0" anchor="ctr"/>
+          <a:lstStyle/>
+          <a:p>
+            <a:pPr algn="ctr"/>
+            <a:r>
+              <a:rPr lang="ja-JP" altLang="en-US" sz="1200" smtClean="0">
+                <a:solidFill>
+                  <a:schemeClr val="accent2">
+                    <a:lumMod val="75000"/>
+                  </a:schemeClr>
+                </a:solidFill>
+              </a:rPr>
+              <a:t>カタ</a:t>
+            </a:r>
+            <a:endParaRPr lang="en-US" altLang="ja-JP" sz="1200" smtClean="0">
+              <a:solidFill>
+                <a:schemeClr val="accent2">
+                  <a:lumMod val="75000"/>
+                </a:schemeClr>
+              </a:solidFill>
+            </a:endParaRPr>
+          </a:p>
+          <a:p>
+            <a:pPr algn="ctr"/>
+            <a:r>
+              <a:rPr lang="ja-JP" altLang="en-US" sz="1200" smtClean="0">
+                <a:solidFill>
+                  <a:schemeClr val="accent2">
+                    <a:lumMod val="75000"/>
+                  </a:schemeClr>
+                </a:solidFill>
+              </a:rPr>
+              <a:t>カナ</a:t>
+            </a:r>
+            <a:endParaRPr kumimoji="1" lang="ja-JP" altLang="en-US" sz="1200" dirty="0">
+              <a:solidFill>
+                <a:schemeClr val="accent2">
+                  <a:lumMod val="75000"/>
+                </a:schemeClr>
+              </a:solidFill>
+            </a:endParaRPr>
+          </a:p>
+        </p:txBody>
+      </p:sp>
+      <p:sp>
+        <p:nvSpPr>
+          <p:cNvPr id="44" name="角丸四角形 43"/>
+          <p:cNvSpPr/>
+          <p:nvPr/>
+        </p:nvSpPr>
+        <p:spPr>
+          <a:xfrm>
+            <a:off x="5839740" y="4421474"/>
+            <a:ext cx="464588" cy="465380"/>
+          </a:xfrm>
+          <a:prstGeom prst="roundRect">
+            <a:avLst/>
+          </a:prstGeom>
+          <a:ln>
+            <a:solidFill>
+              <a:schemeClr val="accent2">
+                <a:lumMod val="75000"/>
+              </a:schemeClr>
+            </a:solidFill>
+          </a:ln>
+        </p:spPr>
+        <p:style>
+          <a:lnRef idx="2">
+            <a:schemeClr val="accent6"/>
+          </a:lnRef>
+          <a:fillRef idx="1">
+            <a:schemeClr val="lt1"/>
+          </a:fillRef>
+          <a:effectRef idx="0">
+            <a:schemeClr val="accent6"/>
+          </a:effectRef>
+          <a:fontRef idx="minor">
+            <a:schemeClr val="dk1"/>
+          </a:fontRef>
+        </p:style>
+        <p:txBody>
+          <a:bodyPr wrap="none" rtlCol="0" anchor="ctr"/>
+          <a:lstStyle/>
+          <a:p>
+            <a:pPr algn="ctr"/>
+            <a:r>
+              <a:rPr kumimoji="1" lang="en-US" altLang="ja-JP" sz="1200" smtClean="0">
+                <a:solidFill>
+                  <a:schemeClr val="accent2">
+                    <a:lumMod val="75000"/>
+                  </a:schemeClr>
+                </a:solidFill>
+              </a:rPr>
+              <a:t>PgUp</a:t>
+            </a:r>
+            <a:endParaRPr kumimoji="1" lang="ja-JP" altLang="en-US" sz="1200" dirty="0">
+              <a:solidFill>
+                <a:schemeClr val="accent2">
+                  <a:lumMod val="75000"/>
+                </a:schemeClr>
+              </a:solidFill>
+            </a:endParaRPr>
+          </a:p>
+        </p:txBody>
+      </p:sp>
+      <p:sp>
+        <p:nvSpPr>
+          <p:cNvPr id="45" name="角丸四角形 44"/>
+          <p:cNvSpPr/>
+          <p:nvPr/>
+        </p:nvSpPr>
+        <p:spPr>
+          <a:xfrm>
+            <a:off x="6376321" y="4421474"/>
+            <a:ext cx="464588" cy="465380"/>
+          </a:xfrm>
+          <a:prstGeom prst="roundRect">
+            <a:avLst/>
+          </a:prstGeom>
+          <a:ln>
+            <a:solidFill>
+              <a:schemeClr val="accent2">
+                <a:lumMod val="75000"/>
+              </a:schemeClr>
+            </a:solidFill>
+          </a:ln>
+        </p:spPr>
+        <p:style>
+          <a:lnRef idx="2">
+            <a:schemeClr val="accent6"/>
+          </a:lnRef>
+          <a:fillRef idx="1">
+            <a:schemeClr val="lt1"/>
+          </a:fillRef>
+          <a:effectRef idx="0">
+            <a:schemeClr val="accent6"/>
+          </a:effectRef>
+          <a:fontRef idx="minor">
+            <a:schemeClr val="dk1"/>
+          </a:fontRef>
+        </p:style>
+        <p:txBody>
+          <a:bodyPr wrap="none" rtlCol="0" anchor="ctr"/>
+          <a:lstStyle/>
+          <a:p>
+            <a:pPr algn="ctr"/>
+            <a:r>
+              <a:rPr kumimoji="1" lang="en-US" altLang="ja-JP" sz="1200" smtClean="0">
+                <a:solidFill>
+                  <a:schemeClr val="accent2">
+                    <a:lumMod val="75000"/>
+                  </a:schemeClr>
+                </a:solidFill>
+              </a:rPr>
+              <a:t>PgDn</a:t>
+            </a:r>
+            <a:endParaRPr kumimoji="1" lang="ja-JP" altLang="en-US" sz="1200" dirty="0">
+              <a:solidFill>
+                <a:schemeClr val="accent2">
+                  <a:lumMod val="75000"/>
+                </a:schemeClr>
+              </a:solidFill>
+            </a:endParaRPr>
+          </a:p>
+        </p:txBody>
+      </p:sp>
+      <p:sp>
+        <p:nvSpPr>
+          <p:cNvPr id="46" name="角丸四角形 45"/>
+          <p:cNvSpPr/>
+          <p:nvPr/>
+        </p:nvSpPr>
+        <p:spPr>
+          <a:xfrm>
+            <a:off x="6912902" y="4421474"/>
+            <a:ext cx="464588" cy="465380"/>
+          </a:xfrm>
+          <a:prstGeom prst="roundRect">
+            <a:avLst/>
+          </a:prstGeom>
+          <a:ln>
+            <a:solidFill>
+              <a:schemeClr val="accent5">
+                <a:lumMod val="75000"/>
+              </a:schemeClr>
+            </a:solidFill>
+          </a:ln>
+        </p:spPr>
+        <p:style>
+          <a:lnRef idx="2">
+            <a:schemeClr val="accent6"/>
+          </a:lnRef>
+          <a:fillRef idx="1">
+            <a:schemeClr val="lt1"/>
+          </a:fillRef>
+          <a:effectRef idx="0">
+            <a:schemeClr val="accent6"/>
+          </a:effectRef>
+          <a:fontRef idx="minor">
+            <a:schemeClr val="dk1"/>
+          </a:fontRef>
+        </p:style>
+        <p:txBody>
+          <a:bodyPr wrap="none" rtlCol="0" anchor="ctr"/>
+          <a:lstStyle/>
+          <a:p>
+            <a:pPr algn="ctr"/>
+            <a:endParaRPr kumimoji="1" lang="ja-JP" altLang="en-US" sz="1200" dirty="0"/>
+          </a:p>
+        </p:txBody>
+      </p:sp>
+      <p:sp>
+        <p:nvSpPr>
+          <p:cNvPr id="47" name="角丸四角形 46"/>
+          <p:cNvSpPr/>
+          <p:nvPr/>
+        </p:nvSpPr>
+        <p:spPr>
+          <a:xfrm>
+            <a:off x="7449483" y="4421474"/>
+            <a:ext cx="1102786" cy="465380"/>
+          </a:xfrm>
+          <a:prstGeom prst="roundRect">
+            <a:avLst/>
+          </a:prstGeom>
+          <a:ln>
+            <a:solidFill>
+              <a:schemeClr val="accent5">
+                <a:lumMod val="75000"/>
+              </a:schemeClr>
+            </a:solidFill>
+          </a:ln>
+        </p:spPr>
+        <p:style>
+          <a:lnRef idx="2">
+            <a:schemeClr val="accent6"/>
+          </a:lnRef>
+          <a:fillRef idx="1">
+            <a:schemeClr val="lt1"/>
+          </a:fillRef>
+          <a:effectRef idx="0">
+            <a:schemeClr val="accent6"/>
+          </a:effectRef>
+          <a:fontRef idx="minor">
+            <a:schemeClr val="dk1"/>
+          </a:fontRef>
+        </p:style>
+        <p:txBody>
+          <a:bodyPr wrap="none" rtlCol="0" anchor="ctr"/>
+          <a:lstStyle/>
+          <a:p>
+            <a:pPr algn="ctr"/>
+            <a:r>
+              <a:rPr kumimoji="1" lang="en-US" altLang="ja-JP" sz="1200" smtClean="0">
+                <a:solidFill>
+                  <a:schemeClr val="accent5">
+                    <a:lumMod val="75000"/>
+                  </a:schemeClr>
+                </a:solidFill>
+              </a:rPr>
+              <a:t>Japanese_IME</a:t>
+            </a:r>
+            <a:endParaRPr kumimoji="1" lang="ja-JP" altLang="en-US" sz="1200" dirty="0">
               <a:solidFill>
                 <a:schemeClr val="accent5">
                   <a:lumMod val="75000"/>
                 </a:schemeClr>
               </a:solidFill>
             </a:endParaRPr>
-          </a:p>
-        </p:txBody>
-      </p:sp>
-      <p:sp>
-        <p:nvSpPr>
-          <p:cNvPr id="43" name="角丸四角形 42"/>
-          <p:cNvSpPr/>
-          <p:nvPr/>
-        </p:nvSpPr>
-        <p:spPr>
-          <a:xfrm>
-            <a:off x="5303159" y="4421474"/>
-            <a:ext cx="464588" cy="465380"/>
-          </a:xfrm>
-          <a:prstGeom prst="roundRect">
-            <a:avLst/>
-          </a:prstGeom>
-        </p:spPr>
-        <p:style>
-          <a:lnRef idx="2">
-            <a:schemeClr val="accent6"/>
-          </a:lnRef>
-          <a:fillRef idx="1">
-            <a:schemeClr val="lt1"/>
-          </a:fillRef>
-          <a:effectRef idx="0">
-            <a:schemeClr val="accent6"/>
-          </a:effectRef>
-          <a:fontRef idx="minor">
-            <a:schemeClr val="dk1"/>
-          </a:fontRef>
-        </p:style>
-        <p:txBody>
-          <a:bodyPr wrap="none" rtlCol="0" anchor="ctr"/>
-          <a:lstStyle/>
-          <a:p>
-            <a:pPr algn="ctr"/>
-            <a:r>
-              <a:rPr lang="ja-JP" altLang="en-US" sz="1200" smtClean="0">
-                <a:solidFill>
-                  <a:schemeClr val="accent6">
-                    <a:lumMod val="75000"/>
-                  </a:schemeClr>
-                </a:solidFill>
-              </a:rPr>
-              <a:t>カタ</a:t>
-            </a:r>
-            <a:endParaRPr lang="en-US" altLang="ja-JP" sz="1200" smtClean="0">
-              <a:solidFill>
-                <a:schemeClr val="accent6">
-                  <a:lumMod val="75000"/>
-                </a:schemeClr>
-              </a:solidFill>
-            </a:endParaRPr>
-          </a:p>
-          <a:p>
-            <a:pPr algn="ctr"/>
-            <a:r>
-              <a:rPr lang="ja-JP" altLang="en-US" sz="1200" smtClean="0">
-                <a:solidFill>
-                  <a:schemeClr val="accent6">
-                    <a:lumMod val="75000"/>
-                  </a:schemeClr>
-                </a:solidFill>
-              </a:rPr>
-              <a:t>カナ</a:t>
-            </a:r>
-            <a:endParaRPr kumimoji="1" lang="ja-JP" altLang="en-US" sz="1200" dirty="0">
-              <a:solidFill>
-                <a:schemeClr val="accent6">
-                  <a:lumMod val="75000"/>
-                </a:schemeClr>
-              </a:solidFill>
-            </a:endParaRPr>
-          </a:p>
-        </p:txBody>
-      </p:sp>
-      <p:sp>
-        <p:nvSpPr>
-          <p:cNvPr id="44" name="角丸四角形 43"/>
-          <p:cNvSpPr/>
-          <p:nvPr/>
-        </p:nvSpPr>
-        <p:spPr>
-          <a:xfrm>
-            <a:off x="5839740" y="4421474"/>
-            <a:ext cx="464588" cy="465380"/>
-          </a:xfrm>
-          <a:prstGeom prst="roundRect">
-            <a:avLst/>
-          </a:prstGeom>
-        </p:spPr>
-        <p:style>
-          <a:lnRef idx="2">
-            <a:schemeClr val="accent6"/>
-          </a:lnRef>
-          <a:fillRef idx="1">
-            <a:schemeClr val="lt1"/>
-          </a:fillRef>
-          <a:effectRef idx="0">
-            <a:schemeClr val="accent6"/>
-          </a:effectRef>
-          <a:fontRef idx="minor">
-            <a:schemeClr val="dk1"/>
-          </a:fontRef>
-        </p:style>
-        <p:txBody>
-          <a:bodyPr wrap="none" rtlCol="0" anchor="ctr"/>
-          <a:lstStyle/>
-          <a:p>
-            <a:pPr algn="ctr"/>
-            <a:r>
-              <a:rPr kumimoji="1" lang="en-US" altLang="ja-JP" sz="1200" smtClean="0"/>
-              <a:t>PgUp</a:t>
-            </a:r>
-            <a:endParaRPr kumimoji="1" lang="ja-JP" altLang="en-US" sz="1200" dirty="0"/>
-          </a:p>
-        </p:txBody>
-      </p:sp>
-      <p:sp>
-        <p:nvSpPr>
-          <p:cNvPr id="45" name="角丸四角形 44"/>
-          <p:cNvSpPr/>
-          <p:nvPr/>
-        </p:nvSpPr>
-        <p:spPr>
-          <a:xfrm>
-            <a:off x="6376321" y="4421474"/>
-            <a:ext cx="464588" cy="465380"/>
-          </a:xfrm>
-          <a:prstGeom prst="roundRect">
-            <a:avLst/>
-          </a:prstGeom>
-        </p:spPr>
-        <p:style>
-          <a:lnRef idx="2">
-            <a:schemeClr val="accent6"/>
-          </a:lnRef>
-          <a:fillRef idx="1">
-            <a:schemeClr val="lt1"/>
-          </a:fillRef>
-          <a:effectRef idx="0">
-            <a:schemeClr val="accent6"/>
-          </a:effectRef>
-          <a:fontRef idx="minor">
-            <a:schemeClr val="dk1"/>
-          </a:fontRef>
-        </p:style>
-        <p:txBody>
-          <a:bodyPr wrap="none" rtlCol="0" anchor="ctr"/>
-          <a:lstStyle/>
-          <a:p>
-            <a:pPr algn="ctr"/>
-            <a:r>
-              <a:rPr kumimoji="1" lang="en-US" altLang="ja-JP" sz="1200" smtClean="0"/>
-              <a:t>PgDn</a:t>
-            </a:r>
-            <a:endParaRPr kumimoji="1" lang="ja-JP" altLang="en-US" sz="1200" dirty="0"/>
-          </a:p>
-        </p:txBody>
-      </p:sp>
-      <p:sp>
-        <p:nvSpPr>
-          <p:cNvPr id="46" name="角丸四角形 45"/>
-          <p:cNvSpPr/>
-          <p:nvPr/>
-        </p:nvSpPr>
-        <p:spPr>
-          <a:xfrm>
-            <a:off x="6912902" y="4421474"/>
-            <a:ext cx="464588" cy="465380"/>
-          </a:xfrm>
-          <a:prstGeom prst="roundRect">
-            <a:avLst/>
-          </a:prstGeom>
-        </p:spPr>
-        <p:style>
-          <a:lnRef idx="2">
-            <a:schemeClr val="accent6"/>
-          </a:lnRef>
-          <a:fillRef idx="1">
-            <a:schemeClr val="lt1"/>
-          </a:fillRef>
-          <a:effectRef idx="0">
-            <a:schemeClr val="accent6"/>
-          </a:effectRef>
-          <a:fontRef idx="minor">
-            <a:schemeClr val="dk1"/>
-          </a:fontRef>
-        </p:style>
-        <p:txBody>
-          <a:bodyPr wrap="none" rtlCol="0" anchor="ctr"/>
-          <a:lstStyle/>
-          <a:p>
-            <a:pPr algn="ctr"/>
-            <a:endParaRPr kumimoji="1" lang="ja-JP" altLang="en-US" sz="1200" dirty="0"/>
-          </a:p>
-        </p:txBody>
-      </p:sp>
-      <p:sp>
-        <p:nvSpPr>
-          <p:cNvPr id="47" name="角丸四角形 46"/>
-          <p:cNvSpPr/>
-          <p:nvPr/>
-        </p:nvSpPr>
-        <p:spPr>
-          <a:xfrm>
-            <a:off x="7449483" y="4421474"/>
-            <a:ext cx="1102786" cy="465380"/>
-          </a:xfrm>
-          <a:prstGeom prst="roundRect">
-            <a:avLst/>
-          </a:prstGeom>
-        </p:spPr>
-        <p:style>
-          <a:lnRef idx="2">
-            <a:schemeClr val="accent6"/>
-          </a:lnRef>
-          <a:fillRef idx="1">
-            <a:schemeClr val="lt1"/>
-          </a:fillRef>
-          <a:effectRef idx="0">
-            <a:schemeClr val="accent6"/>
-          </a:effectRef>
-          <a:fontRef idx="minor">
-            <a:schemeClr val="dk1"/>
-          </a:fontRef>
-        </p:style>
-        <p:txBody>
-          <a:bodyPr wrap="none" rtlCol="0" anchor="ctr"/>
-          <a:lstStyle/>
-          <a:p>
-            <a:pPr algn="ctr"/>
-            <a:r>
-              <a:rPr kumimoji="1" lang="en-US" altLang="ja-JP" sz="1200" smtClean="0"/>
-              <a:t>Japanese_IME</a:t>
-            </a:r>
-            <a:endParaRPr kumimoji="1" lang="ja-JP" altLang="en-US" sz="1200" dirty="0"/>
           </a:p>
         </p:txBody>
       </p:sp>
@@ -21643,113 +21884,34 @@
           <a:prstGeom prst="roundRect">
             <a:avLst/>
           </a:prstGeom>
-        </p:spPr>
-        <p:style>
-          <a:lnRef idx="2">
-            <a:schemeClr val="accent6"/>
-          </a:lnRef>
-          <a:fillRef idx="1">
-            <a:schemeClr val="lt1"/>
-          </a:fillRef>
-          <a:effectRef idx="0">
-            <a:schemeClr val="accent6"/>
-          </a:effectRef>
-          <a:fontRef idx="minor">
-            <a:schemeClr val="dk1"/>
-          </a:fontRef>
-        </p:style>
-        <p:txBody>
-          <a:bodyPr wrap="none" rtlCol="0" anchor="ctr"/>
-          <a:lstStyle/>
-          <a:p>
-            <a:pPr algn="ctr"/>
-            <a:endParaRPr kumimoji="1" lang="ja-JP" altLang="en-US" sz="1200" dirty="0"/>
-          </a:p>
-        </p:txBody>
-      </p:sp>
-      <p:sp>
-        <p:nvSpPr>
-          <p:cNvPr id="56" name="角丸四角形 55"/>
-          <p:cNvSpPr/>
-          <p:nvPr/>
-        </p:nvSpPr>
-        <p:spPr>
-          <a:xfrm>
-            <a:off x="5014023" y="4947254"/>
-            <a:ext cx="464588" cy="465380"/>
-          </a:xfrm>
-          <a:prstGeom prst="roundRect">
-            <a:avLst/>
-          </a:prstGeom>
-        </p:spPr>
-        <p:style>
-          <a:lnRef idx="2">
-            <a:schemeClr val="accent6"/>
-          </a:lnRef>
-          <a:fillRef idx="1">
-            <a:schemeClr val="lt1"/>
-          </a:fillRef>
-          <a:effectRef idx="0">
-            <a:schemeClr val="accent6"/>
-          </a:effectRef>
-          <a:fontRef idx="minor">
-            <a:schemeClr val="dk1"/>
-          </a:fontRef>
-        </p:style>
-        <p:txBody>
-          <a:bodyPr wrap="none" rtlCol="0" anchor="ctr"/>
-          <a:lstStyle/>
-          <a:p>
-            <a:pPr algn="ctr"/>
-            <a:endParaRPr kumimoji="1" lang="ja-JP" altLang="en-US" sz="1200" dirty="0"/>
-          </a:p>
-        </p:txBody>
-      </p:sp>
-      <p:sp>
-        <p:nvSpPr>
-          <p:cNvPr id="57" name="角丸四角形 56"/>
-          <p:cNvSpPr/>
-          <p:nvPr/>
-        </p:nvSpPr>
-        <p:spPr>
-          <a:xfrm>
-            <a:off x="5550604" y="4947254"/>
-            <a:ext cx="464588" cy="465380"/>
-          </a:xfrm>
-          <a:prstGeom prst="roundRect">
-            <a:avLst/>
-          </a:prstGeom>
-        </p:spPr>
-        <p:style>
-          <a:lnRef idx="2">
-            <a:schemeClr val="accent6"/>
-          </a:lnRef>
-          <a:fillRef idx="1">
-            <a:schemeClr val="lt1"/>
-          </a:fillRef>
-          <a:effectRef idx="0">
-            <a:schemeClr val="accent6"/>
-          </a:effectRef>
-          <a:fontRef idx="minor">
-            <a:schemeClr val="dk1"/>
-          </a:fontRef>
-        </p:style>
-        <p:txBody>
-          <a:bodyPr wrap="none" rtlCol="0" anchor="ctr"/>
-          <a:lstStyle/>
-          <a:p>
-            <a:pPr algn="ctr"/>
-            <a:r>
-              <a:rPr kumimoji="1" lang="en-US" altLang="ja-JP" sz="900" smtClean="0">
-                <a:solidFill>
-                  <a:schemeClr val="accent5">
-                    <a:lumMod val="75000"/>
-                  </a:schemeClr>
-                </a:solidFill>
-              </a:rPr>
-              <a:t>Reload</a:t>
-            </a:r>
-            <a:endParaRPr kumimoji="1" lang="ja-JP" altLang="en-US" sz="1100" dirty="0">
+          <a:ln>
+            <a:solidFill>
+              <a:schemeClr val="accent5">
+                <a:lumMod val="75000"/>
+              </a:schemeClr>
+            </a:solidFill>
+          </a:ln>
+        </p:spPr>
+        <p:style>
+          <a:lnRef idx="2">
+            <a:schemeClr val="accent6"/>
+          </a:lnRef>
+          <a:fillRef idx="1">
+            <a:schemeClr val="lt1"/>
+          </a:fillRef>
+          <a:effectRef idx="0">
+            <a:schemeClr val="accent6"/>
+          </a:effectRef>
+          <a:fontRef idx="minor">
+            <a:schemeClr val="dk1"/>
+          </a:fontRef>
+        </p:style>
+        <p:txBody>
+          <a:bodyPr wrap="none" rtlCol="0" anchor="ctr"/>
+          <a:lstStyle/>
+          <a:p>
+            <a:pPr algn="ctr"/>
+            <a:endParaRPr kumimoji="1" lang="ja-JP" altLang="en-US" sz="1600" dirty="0">
               <a:solidFill>
                 <a:schemeClr val="accent5">
                   <a:lumMod val="75000"/>
@@ -21761,49 +21923,46 @@
       </p:sp>
       <p:sp>
         <p:nvSpPr>
-          <p:cNvPr id="58" name="角丸四角形 57"/>
-          <p:cNvSpPr/>
-          <p:nvPr/>
-        </p:nvSpPr>
-        <p:spPr>
-          <a:xfrm>
-            <a:off x="6087185" y="4947254"/>
-            <a:ext cx="464588" cy="465380"/>
-          </a:xfrm>
-          <a:prstGeom prst="roundRect">
-            <a:avLst/>
-          </a:prstGeom>
-        </p:spPr>
-        <p:style>
-          <a:lnRef idx="2">
-            <a:schemeClr val="accent6"/>
-          </a:lnRef>
-          <a:fillRef idx="1">
-            <a:schemeClr val="lt1"/>
-          </a:fillRef>
-          <a:effectRef idx="0">
-            <a:schemeClr val="accent6"/>
-          </a:effectRef>
-          <a:fontRef idx="minor">
-            <a:schemeClr val="dk1"/>
-          </a:fontRef>
-        </p:style>
-        <p:txBody>
-          <a:bodyPr wrap="none" rtlCol="0" anchor="ctr"/>
-          <a:lstStyle/>
-          <a:p>
-            <a:pPr algn="ctr"/>
-            <a:r>
-              <a:rPr kumimoji="1" lang="en-US" altLang="ja-JP" sz="900" smtClean="0">
-                <a:solidFill>
-                  <a:schemeClr val="accent5">
-                    <a:lumMod val="75000"/>
-                  </a:schemeClr>
-                </a:solidFill>
-              </a:rPr>
-              <a:t>Suspend</a:t>
-            </a:r>
-            <a:endParaRPr kumimoji="1" lang="ja-JP" altLang="en-US" sz="1100" dirty="0">
+          <p:cNvPr id="56" name="角丸四角形 55"/>
+          <p:cNvSpPr/>
+          <p:nvPr/>
+        </p:nvSpPr>
+        <p:spPr>
+          <a:xfrm>
+            <a:off x="5014023" y="4947254"/>
+            <a:ext cx="464588" cy="465380"/>
+          </a:xfrm>
+          <a:prstGeom prst="roundRect">
+            <a:avLst/>
+          </a:prstGeom>
+          <a:ln>
+            <a:solidFill>
+              <a:schemeClr val="accent5">
+                <a:lumMod val="75000"/>
+              </a:schemeClr>
+            </a:solidFill>
+          </a:ln>
+        </p:spPr>
+        <p:style>
+          <a:lnRef idx="2">
+            <a:schemeClr val="accent6"/>
+          </a:lnRef>
+          <a:fillRef idx="1">
+            <a:schemeClr val="lt1"/>
+          </a:fillRef>
+          <a:effectRef idx="0">
+            <a:schemeClr val="accent6"/>
+          </a:effectRef>
+          <a:fontRef idx="minor">
+            <a:schemeClr val="dk1"/>
+          </a:fontRef>
+        </p:style>
+        <p:txBody>
+          <a:bodyPr wrap="none" rtlCol="0" anchor="ctr"/>
+          <a:lstStyle/>
+          <a:p>
+            <a:pPr algn="ctr"/>
+            <a:endParaRPr kumimoji="1" lang="ja-JP" altLang="en-US" sz="1600" dirty="0">
               <a:solidFill>
                 <a:schemeClr val="accent5">
                   <a:lumMod val="75000"/>
@@ -21815,6 +21974,108 @@
       </p:sp>
       <p:sp>
         <p:nvSpPr>
+          <p:cNvPr id="57" name="角丸四角形 56"/>
+          <p:cNvSpPr/>
+          <p:nvPr/>
+        </p:nvSpPr>
+        <p:spPr>
+          <a:xfrm>
+            <a:off x="5550604" y="4947254"/>
+            <a:ext cx="464588" cy="465380"/>
+          </a:xfrm>
+          <a:prstGeom prst="roundRect">
+            <a:avLst/>
+          </a:prstGeom>
+          <a:noFill/>
+          <a:ln>
+            <a:solidFill>
+              <a:schemeClr val="accent5">
+                <a:lumMod val="75000"/>
+              </a:schemeClr>
+            </a:solidFill>
+          </a:ln>
+        </p:spPr>
+        <p:style>
+          <a:lnRef idx="2">
+            <a:schemeClr val="accent6"/>
+          </a:lnRef>
+          <a:fillRef idx="1">
+            <a:schemeClr val="lt1"/>
+          </a:fillRef>
+          <a:effectRef idx="0">
+            <a:schemeClr val="accent6"/>
+          </a:effectRef>
+          <a:fontRef idx="minor">
+            <a:schemeClr val="dk1"/>
+          </a:fontRef>
+        </p:style>
+        <p:txBody>
+          <a:bodyPr wrap="none" rtlCol="0" anchor="ctr"/>
+          <a:lstStyle/>
+          <a:p>
+            <a:pPr algn="ctr"/>
+            <a:endParaRPr kumimoji="1" lang="ja-JP" altLang="en-US" sz="1100" dirty="0">
+              <a:solidFill>
+                <a:schemeClr val="tx1"/>
+              </a:solidFill>
+            </a:endParaRPr>
+          </a:p>
+        </p:txBody>
+      </p:sp>
+      <p:sp>
+        <p:nvSpPr>
+          <p:cNvPr id="58" name="角丸四角形 57"/>
+          <p:cNvSpPr/>
+          <p:nvPr/>
+        </p:nvSpPr>
+        <p:spPr>
+          <a:xfrm>
+            <a:off x="6087185" y="4947254"/>
+            <a:ext cx="464588" cy="465380"/>
+          </a:xfrm>
+          <a:prstGeom prst="roundRect">
+            <a:avLst/>
+          </a:prstGeom>
+          <a:noFill/>
+          <a:ln>
+            <a:solidFill>
+              <a:schemeClr val="accent5">
+                <a:lumMod val="75000"/>
+              </a:schemeClr>
+            </a:solidFill>
+          </a:ln>
+        </p:spPr>
+        <p:style>
+          <a:lnRef idx="2">
+            <a:schemeClr val="accent6"/>
+          </a:lnRef>
+          <a:fillRef idx="1">
+            <a:schemeClr val="lt1"/>
+          </a:fillRef>
+          <a:effectRef idx="0">
+            <a:schemeClr val="accent6"/>
+          </a:effectRef>
+          <a:fontRef idx="minor">
+            <a:schemeClr val="dk1"/>
+          </a:fontRef>
+        </p:style>
+        <p:txBody>
+          <a:bodyPr wrap="none" rtlCol="0" anchor="ctr"/>
+          <a:lstStyle/>
+          <a:p>
+            <a:pPr algn="ctr"/>
+            <a:endParaRPr kumimoji="1" lang="ja-JP" altLang="en-US" sz="1100" dirty="0">
+              <a:solidFill>
+                <a:schemeClr val="accent2">
+                  <a:lumMod val="75000"/>
+                </a:schemeClr>
+              </a:solidFill>
+            </a:endParaRPr>
+          </a:p>
+        </p:txBody>
+      </p:sp>
+      <p:sp>
+        <p:nvSpPr>
           <p:cNvPr id="59" name="角丸四角形 58"/>
           <p:cNvSpPr/>
           <p:nvPr/>
@@ -21827,6 +22088,13 @@
           <a:prstGeom prst="roundRect">
             <a:avLst/>
           </a:prstGeom>
+          <a:ln>
+            <a:solidFill>
+              <a:schemeClr val="accent5">
+                <a:lumMod val="75000"/>
+              </a:schemeClr>
+            </a:solidFill>
+          </a:ln>
         </p:spPr>
         <p:style>
           <a:lnRef idx="2">
@@ -21865,49 +22133,46 @@
           <a:prstGeom prst="roundRect">
             <a:avLst/>
           </a:prstGeom>
-        </p:spPr>
-        <p:style>
-          <a:lnRef idx="2">
-            <a:schemeClr val="accent6"/>
-          </a:lnRef>
-          <a:fillRef idx="1">
-            <a:schemeClr val="lt1"/>
-          </a:fillRef>
-          <a:effectRef idx="0">
-            <a:schemeClr val="accent6"/>
-          </a:effectRef>
-          <a:fontRef idx="minor">
-            <a:schemeClr val="dk1"/>
-          </a:fontRef>
-        </p:style>
-        <p:txBody>
-          <a:bodyPr wrap="none" rtlCol="0" anchor="ctr"/>
-          <a:lstStyle/>
-          <a:p>
-            <a:pPr algn="ctr"/>
-            <a:r>
-              <a:rPr lang="en-US" altLang="ja-JP" sz="1400" smtClean="0">
+          <a:ln>
+            <a:solidFill>
+              <a:schemeClr val="accent2">
+                <a:lumMod val="75000"/>
+              </a:schemeClr>
+            </a:solidFill>
+          </a:ln>
+        </p:spPr>
+        <p:style>
+          <a:lnRef idx="2">
+            <a:schemeClr val="accent6"/>
+          </a:lnRef>
+          <a:fillRef idx="1">
+            <a:schemeClr val="lt1"/>
+          </a:fillRef>
+          <a:effectRef idx="0">
+            <a:schemeClr val="accent6"/>
+          </a:effectRef>
+          <a:fontRef idx="minor">
+            <a:schemeClr val="dk1"/>
+          </a:fontRef>
+        </p:style>
+        <p:txBody>
+          <a:bodyPr wrap="none" rtlCol="0" anchor="ctr"/>
+          <a:lstStyle/>
+          <a:p>
+            <a:pPr algn="ctr"/>
+            <a:r>
+              <a:rPr lang="en-US" altLang="ja-JP" smtClean="0">
                 <a:solidFill>
-                  <a:schemeClr val="accent6">
+                  <a:schemeClr val="accent2">
                     <a:lumMod val="75000"/>
                   </a:schemeClr>
                 </a:solidFill>
               </a:rPr>
-              <a:t>IDE</a:t>
-            </a:r>
-            <a:r>
-              <a:rPr lang="ja-JP" altLang="en-US" sz="1400" smtClean="0">
-                <a:solidFill>
-                  <a:schemeClr val="accent6">
-                    <a:lumMod val="75000"/>
-                  </a:schemeClr>
-                </a:solidFill>
-              </a:rPr>
-              <a:t>補完用</a:t>
-            </a:r>
-            <a:endParaRPr kumimoji="1" lang="ja-JP" altLang="en-US" sz="1400" dirty="0">
+              <a:t>^Space</a:t>
+            </a:r>
+            <a:endParaRPr kumimoji="1" lang="ja-JP" altLang="en-US" dirty="0">
               <a:solidFill>
-                <a:schemeClr val="accent6">
+                <a:schemeClr val="accent2">
                   <a:lumMod val="75000"/>
                 </a:schemeClr>
               </a:solidFill>
@@ -22266,6 +22531,156 @@
             <a:endParaRPr kumimoji="1" lang="ja-JP" altLang="en-US" sz="1200" dirty="0">
               <a:solidFill>
                 <a:schemeClr val="accent6">
+                  <a:lumMod val="75000"/>
+                </a:schemeClr>
+              </a:solidFill>
+            </a:endParaRPr>
+          </a:p>
+        </p:txBody>
+      </p:sp>
+      <p:sp>
+        <p:nvSpPr>
+          <p:cNvPr id="5" name="テキスト ボックス 4"/>
+          <p:cNvSpPr txBox="1"/>
+          <p:nvPr/>
+        </p:nvSpPr>
+        <p:spPr>
+          <a:xfrm>
+            <a:off x="631696" y="1751089"/>
+            <a:ext cx="2706638" cy="923330"/>
+          </a:xfrm>
+          <a:prstGeom prst="rect">
+            <a:avLst/>
+          </a:prstGeom>
+          <a:noFill/>
+        </p:spPr>
+        <p:txBody>
+          <a:bodyPr wrap="none" rtlCol="0">
+            <a:spAutoFit/>
+          </a:bodyPr>
+          <a:lstStyle/>
+          <a:p>
+            <a:r>
+              <a:rPr lang="ja-JP" altLang="en-US" smtClean="0">
+                <a:solidFill>
+                  <a:schemeClr val="accent6">
+                    <a:lumMod val="75000"/>
+                  </a:schemeClr>
+                </a:solidFill>
+              </a:rPr>
+              <a:t>緑：</a:t>
+            </a:r>
+            <a:r>
+              <a:rPr lang="en-US" altLang="ja-JP" smtClean="0">
+                <a:solidFill>
+                  <a:schemeClr val="accent6">
+                    <a:lumMod val="75000"/>
+                  </a:schemeClr>
+                </a:solidFill>
+              </a:rPr>
+              <a:t>RCMD</a:t>
+            </a:r>
+            <a:r>
+              <a:rPr lang="ja-JP" altLang="en-US" smtClean="0">
+                <a:solidFill>
+                  <a:schemeClr val="accent6">
+                    <a:lumMod val="75000"/>
+                  </a:schemeClr>
+                </a:solidFill>
+              </a:rPr>
+              <a:t>共通、確定</a:t>
+            </a:r>
+            <a:endParaRPr lang="en-US" altLang="ja-JP" smtClean="0">
+              <a:solidFill>
+                <a:schemeClr val="accent6">
+                  <a:lumMod val="75000"/>
+                </a:schemeClr>
+              </a:solidFill>
+            </a:endParaRPr>
+          </a:p>
+          <a:p>
+            <a:r>
+              <a:rPr kumimoji="1" lang="ja-JP" altLang="en-US" smtClean="0">
+                <a:solidFill>
+                  <a:schemeClr val="accent2">
+                    <a:lumMod val="75000"/>
+                  </a:schemeClr>
+                </a:solidFill>
+              </a:rPr>
+              <a:t>橙：</a:t>
+            </a:r>
+            <a:r>
+              <a:rPr kumimoji="1" lang="en-US" altLang="ja-JP" smtClean="0">
+                <a:solidFill>
+                  <a:schemeClr val="accent2">
+                    <a:lumMod val="75000"/>
+                  </a:schemeClr>
+                </a:solidFill>
+              </a:rPr>
+              <a:t>Caps</a:t>
+            </a:r>
+            <a:r>
+              <a:rPr kumimoji="1" lang="ja-JP" altLang="en-US" smtClean="0">
+                <a:solidFill>
+                  <a:schemeClr val="accent2">
+                    <a:lumMod val="75000"/>
+                  </a:schemeClr>
+                </a:solidFill>
+              </a:rPr>
+              <a:t>オンリー、確定</a:t>
+            </a:r>
+            <a:endParaRPr kumimoji="1" lang="en-US" altLang="ja-JP" smtClean="0">
+              <a:solidFill>
+                <a:schemeClr val="accent2">
+                  <a:lumMod val="75000"/>
+                </a:schemeClr>
+              </a:solidFill>
+            </a:endParaRPr>
+          </a:p>
+          <a:p>
+            <a:r>
+              <a:rPr lang="ja-JP" altLang="en-US">
+                <a:solidFill>
+                  <a:schemeClr val="accent5">
+                    <a:lumMod val="75000"/>
+                  </a:schemeClr>
+                </a:solidFill>
+              </a:rPr>
+              <a:t>青</a:t>
+            </a:r>
+            <a:r>
+              <a:rPr kumimoji="1" lang="ja-JP" altLang="en-US" smtClean="0">
+                <a:solidFill>
+                  <a:schemeClr val="accent5">
+                    <a:lumMod val="75000"/>
+                  </a:schemeClr>
+                </a:solidFill>
+              </a:rPr>
+              <a:t>：未定</a:t>
+            </a:r>
+            <a:r>
+              <a:rPr kumimoji="1" lang="en-US" altLang="ja-JP" smtClean="0">
+                <a:solidFill>
+                  <a:schemeClr val="accent5">
+                    <a:lumMod val="75000"/>
+                  </a:schemeClr>
+                </a:solidFill>
+              </a:rPr>
+              <a:t>or</a:t>
+            </a:r>
+            <a:r>
+              <a:rPr kumimoji="1" lang="ja-JP" altLang="en-US" smtClean="0">
+                <a:solidFill>
+                  <a:schemeClr val="accent5">
+                    <a:lumMod val="75000"/>
+                  </a:schemeClr>
+                </a:solidFill>
+              </a:rPr>
+              <a:t>試行中</a:t>
+            </a:r>
+            <a:endParaRPr kumimoji="1" lang="ja-JP" altLang="en-US">
+              <a:solidFill>
+                <a:schemeClr val="accent5">
                   <a:lumMod val="75000"/>
                 </a:schemeClr>
               </a:solidFill>
@@ -22361,27 +22776,44 @@
           <a:prstGeom prst="roundRect">
             <a:avLst/>
           </a:prstGeom>
-        </p:spPr>
-        <p:style>
-          <a:lnRef idx="2">
-            <a:schemeClr val="accent6"/>
-          </a:lnRef>
-          <a:fillRef idx="1">
-            <a:schemeClr val="lt1"/>
-          </a:fillRef>
-          <a:effectRef idx="0">
-            <a:schemeClr val="accent6"/>
-          </a:effectRef>
-          <a:fontRef idx="minor">
-            <a:schemeClr val="dk1"/>
-          </a:fontRef>
-        </p:style>
-        <p:txBody>
-          <a:bodyPr wrap="none" rtlCol="0" anchor="ctr"/>
-          <a:lstStyle/>
-          <a:p>
-            <a:pPr algn="ctr"/>
-            <a:endParaRPr kumimoji="1" lang="ja-JP" altLang="en-US" sz="1200" dirty="0"/>
+          <a:ln>
+            <a:solidFill>
+              <a:srgbClr val="C00000"/>
+            </a:solidFill>
+          </a:ln>
+        </p:spPr>
+        <p:style>
+          <a:lnRef idx="2">
+            <a:schemeClr val="accent6"/>
+          </a:lnRef>
+          <a:fillRef idx="1">
+            <a:schemeClr val="lt1"/>
+          </a:fillRef>
+          <a:effectRef idx="0">
+            <a:schemeClr val="accent6"/>
+          </a:effectRef>
+          <a:fontRef idx="minor">
+            <a:schemeClr val="dk1"/>
+          </a:fontRef>
+        </p:style>
+        <p:txBody>
+          <a:bodyPr wrap="none" rtlCol="0" anchor="ctr"/>
+          <a:lstStyle/>
+          <a:p>
+            <a:pPr algn="ctr"/>
+            <a:r>
+              <a:rPr lang="en-US" altLang="ja-JP" sz="1600" smtClean="0">
+                <a:solidFill>
+                  <a:srgbClr val="C00000"/>
+                </a:solidFill>
+              </a:rPr>
+              <a:t>Esc</a:t>
+            </a:r>
+            <a:endParaRPr kumimoji="1" lang="ja-JP" altLang="en-US" sz="1600" dirty="0">
+              <a:solidFill>
+                <a:srgbClr val="C00000"/>
+              </a:solidFill>
+            </a:endParaRPr>
           </a:p>
         </p:txBody>
       </p:sp>
@@ -23047,27 +23479,40 @@
           <a:prstGeom prst="roundRect">
             <a:avLst/>
           </a:prstGeom>
-        </p:spPr>
-        <p:style>
-          <a:lnRef idx="2">
-            <a:schemeClr val="accent6"/>
-          </a:lnRef>
-          <a:fillRef idx="1">
-            <a:schemeClr val="lt1"/>
-          </a:fillRef>
-          <a:effectRef idx="0">
-            <a:schemeClr val="accent6"/>
-          </a:effectRef>
-          <a:fontRef idx="minor">
-            <a:schemeClr val="dk1"/>
-          </a:fontRef>
-        </p:style>
-        <p:txBody>
-          <a:bodyPr wrap="none" rtlCol="0" anchor="ctr"/>
-          <a:lstStyle/>
-          <a:p>
-            <a:pPr algn="ctr"/>
-            <a:endParaRPr kumimoji="1" lang="ja-JP" altLang="en-US" sz="1200" dirty="0"/>
+          <a:ln>
+            <a:solidFill>
+              <a:schemeClr val="accent5">
+                <a:lumMod val="75000"/>
+              </a:schemeClr>
+            </a:solidFill>
+          </a:ln>
+        </p:spPr>
+        <p:style>
+          <a:lnRef idx="2">
+            <a:schemeClr val="accent6"/>
+          </a:lnRef>
+          <a:fillRef idx="1">
+            <a:schemeClr val="lt1"/>
+          </a:fillRef>
+          <a:effectRef idx="0">
+            <a:schemeClr val="accent6"/>
+          </a:effectRef>
+          <a:fontRef idx="minor">
+            <a:schemeClr val="dk1"/>
+          </a:fontRef>
+        </p:style>
+        <p:txBody>
+          <a:bodyPr wrap="none" rtlCol="0" anchor="ctr"/>
+          <a:lstStyle/>
+          <a:p>
+            <a:pPr algn="ctr"/>
+            <a:endParaRPr kumimoji="1" lang="ja-JP" altLang="en-US" sz="1600" dirty="0">
+              <a:solidFill>
+                <a:schemeClr val="accent5">
+                  <a:lumMod val="75000"/>
+                </a:schemeClr>
+              </a:solidFill>
+            </a:endParaRPr>
           </a:p>
         </p:txBody>
       </p:sp>
@@ -23085,39 +23530,70 @@
           <a:prstGeom prst="roundRect">
             <a:avLst/>
           </a:prstGeom>
-        </p:spPr>
-        <p:style>
-          <a:lnRef idx="2">
-            <a:schemeClr val="accent6"/>
-          </a:lnRef>
-          <a:fillRef idx="1">
-            <a:schemeClr val="lt1"/>
-          </a:fillRef>
-          <a:effectRef idx="0">
-            <a:schemeClr val="accent6"/>
-          </a:effectRef>
-          <a:fontRef idx="minor">
-            <a:schemeClr val="dk1"/>
-          </a:fontRef>
-        </p:style>
-        <p:txBody>
-          <a:bodyPr wrap="none" rtlCol="0" anchor="ctr"/>
-          <a:lstStyle/>
-          <a:p>
-            <a:pPr algn="ctr"/>
-            <a:r>
-              <a:rPr lang="ja-JP" altLang="en-US" sz="1200" smtClean="0"/>
+          <a:ln>
+            <a:solidFill>
+              <a:schemeClr val="accent2">
+                <a:lumMod val="75000"/>
+              </a:schemeClr>
+            </a:solidFill>
+          </a:ln>
+        </p:spPr>
+        <p:style>
+          <a:lnRef idx="2">
+            <a:schemeClr val="accent6"/>
+          </a:lnRef>
+          <a:fillRef idx="1">
+            <a:schemeClr val="lt1"/>
+          </a:fillRef>
+          <a:effectRef idx="0">
+            <a:schemeClr val="accent6"/>
+          </a:effectRef>
+          <a:fontRef idx="minor">
+            <a:schemeClr val="dk1"/>
+          </a:fontRef>
+        </p:style>
+        <p:txBody>
+          <a:bodyPr wrap="none" rtlCol="0" anchor="ctr"/>
+          <a:lstStyle/>
+          <a:p>
+            <a:pPr algn="ctr"/>
+            <a:r>
+              <a:rPr lang="ja-JP" altLang="en-US" sz="1200" smtClean="0">
+                <a:solidFill>
+                  <a:schemeClr val="accent2">
+                    <a:lumMod val="75000"/>
+                  </a:schemeClr>
+                </a:solidFill>
+              </a:rPr>
               <a:t>後列</a:t>
             </a:r>
-            <a:endParaRPr lang="en-US" altLang="ja-JP" sz="1200" smtClean="0"/>
-          </a:p>
-          <a:p>
-            <a:pPr algn="ctr"/>
-            <a:r>
-              <a:rPr kumimoji="1" lang="ja-JP" altLang="en-US" sz="1200"/>
+            <a:endParaRPr lang="en-US" altLang="ja-JP" sz="1200" smtClean="0">
+              <a:solidFill>
+                <a:schemeClr val="accent2">
+                  <a:lumMod val="75000"/>
+                </a:schemeClr>
+              </a:solidFill>
+            </a:endParaRPr>
+          </a:p>
+          <a:p>
+            <a:pPr algn="ctr"/>
+            <a:r>
+              <a:rPr kumimoji="1" lang="ja-JP" altLang="en-US" sz="1200">
+                <a:solidFill>
+                  <a:schemeClr val="accent2">
+                    <a:lumMod val="75000"/>
+                  </a:schemeClr>
+                </a:solidFill>
+              </a:rPr>
               <a:t>消し</a:t>
             </a:r>
-            <a:endParaRPr kumimoji="1" lang="ja-JP" altLang="en-US" sz="1200" dirty="0"/>
+            <a:endParaRPr kumimoji="1" lang="ja-JP" altLang="en-US" sz="1200" dirty="0">
+              <a:solidFill>
+                <a:schemeClr val="accent2">
+                  <a:lumMod val="75000"/>
+                </a:schemeClr>
+              </a:solidFill>
+            </a:endParaRPr>
           </a:p>
         </p:txBody>
       </p:sp>
@@ -23405,29 +23881,38 @@
           <a:prstGeom prst="roundRect">
             <a:avLst/>
           </a:prstGeom>
-        </p:spPr>
-        <p:style>
-          <a:lnRef idx="2">
-            <a:schemeClr val="accent6"/>
-          </a:lnRef>
-          <a:fillRef idx="1">
-            <a:schemeClr val="lt1"/>
-          </a:fillRef>
-          <a:effectRef idx="0">
-            <a:schemeClr val="accent6"/>
-          </a:effectRef>
-          <a:fontRef idx="minor">
-            <a:schemeClr val="dk1"/>
-          </a:fontRef>
-        </p:style>
-        <p:txBody>
-          <a:bodyPr wrap="none" rtlCol="0" anchor="ctr"/>
-          <a:lstStyle/>
-          <a:p>
-            <a:pPr algn="ctr"/>
-            <a:endParaRPr kumimoji="1" lang="ja-JP" altLang="en-US" sz="1200" dirty="0">
+          <a:ln>
+            <a:solidFill>
+              <a:schemeClr val="accent5">
+                <a:lumMod val="75000"/>
+              </a:schemeClr>
+            </a:solidFill>
+          </a:ln>
+        </p:spPr>
+        <p:style>
+          <a:lnRef idx="2">
+            <a:schemeClr val="accent6"/>
+          </a:lnRef>
+          <a:fillRef idx="1">
+            <a:schemeClr val="lt1"/>
+          </a:fillRef>
+          <a:effectRef idx="0">
+            <a:schemeClr val="accent6"/>
+          </a:effectRef>
+          <a:fontRef idx="minor">
+            <a:schemeClr val="dk1"/>
+          </a:fontRef>
+        </p:style>
+        <p:txBody>
+          <a:bodyPr wrap="none" rtlCol="0" anchor="ctr"/>
+          <a:lstStyle/>
+          <a:p>
+            <a:pPr algn="ctr"/>
+            <a:endParaRPr kumimoji="1" lang="ja-JP" altLang="en-US" sz="1600" dirty="0">
               <a:solidFill>
-                <a:schemeClr val="tx1"/>
+                <a:schemeClr val="accent5">
+                  <a:lumMod val="75000"/>
+                </a:schemeClr>
               </a:solidFill>
             </a:endParaRPr>
           </a:p>
@@ -23447,31 +23932,44 @@
           <a:prstGeom prst="roundRect">
             <a:avLst/>
           </a:prstGeom>
-        </p:spPr>
-        <p:style>
-          <a:lnRef idx="2">
-            <a:schemeClr val="accent6"/>
-          </a:lnRef>
-          <a:fillRef idx="1">
-            <a:schemeClr val="lt1"/>
-          </a:fillRef>
-          <a:effectRef idx="0">
-            <a:schemeClr val="accent6"/>
-          </a:effectRef>
-          <a:fontRef idx="minor">
-            <a:schemeClr val="dk1"/>
-          </a:fontRef>
-        </p:style>
-        <p:txBody>
-          <a:bodyPr wrap="none" rtlCol="0" anchor="ctr"/>
-          <a:lstStyle/>
-          <a:p>
-            <a:pPr algn="ctr"/>
-            <a:r>
-              <a:rPr lang="en-US" altLang="ja-JP" smtClean="0"/>
+          <a:ln>
+            <a:solidFill>
+              <a:srgbClr val="C00000"/>
+            </a:solidFill>
+          </a:ln>
+        </p:spPr>
+        <p:style>
+          <a:lnRef idx="2">
+            <a:schemeClr val="accent6"/>
+          </a:lnRef>
+          <a:fillRef idx="1">
+            <a:schemeClr val="lt1"/>
+          </a:fillRef>
+          <a:effectRef idx="0">
+            <a:schemeClr val="accent6"/>
+          </a:effectRef>
+          <a:fontRef idx="minor">
+            <a:schemeClr val="dk1"/>
+          </a:fontRef>
+        </p:style>
+        <p:txBody>
+          <a:bodyPr wrap="none" rtlCol="0" anchor="ctr"/>
+          <a:lstStyle/>
+          <a:p>
+            <a:pPr algn="ctr"/>
+            <a:r>
+              <a:rPr lang="en-US" altLang="ja-JP" smtClean="0">
+                <a:solidFill>
+                  <a:srgbClr val="C00000"/>
+                </a:solidFill>
+              </a:rPr>
               <a:t>7</a:t>
             </a:r>
-            <a:endParaRPr kumimoji="1" lang="ja-JP" altLang="en-US" dirty="0"/>
+            <a:endParaRPr kumimoji="1" lang="ja-JP" altLang="en-US" dirty="0">
+              <a:solidFill>
+                <a:srgbClr val="C00000"/>
+              </a:solidFill>
+            </a:endParaRPr>
           </a:p>
         </p:txBody>
       </p:sp>
@@ -23489,31 +23987,44 @@
           <a:prstGeom prst="roundRect">
             <a:avLst/>
           </a:prstGeom>
-        </p:spPr>
-        <p:style>
-          <a:lnRef idx="2">
-            <a:schemeClr val="accent6"/>
-          </a:lnRef>
-          <a:fillRef idx="1">
-            <a:schemeClr val="lt1"/>
-          </a:fillRef>
-          <a:effectRef idx="0">
-            <a:schemeClr val="accent6"/>
-          </a:effectRef>
-          <a:fontRef idx="minor">
-            <a:schemeClr val="dk1"/>
-          </a:fontRef>
-        </p:style>
-        <p:txBody>
-          <a:bodyPr wrap="none" rtlCol="0" anchor="ctr"/>
-          <a:lstStyle/>
-          <a:p>
-            <a:pPr algn="ctr"/>
-            <a:r>
-              <a:rPr lang="en-US" altLang="ja-JP" smtClean="0"/>
+          <a:ln>
+            <a:solidFill>
+              <a:srgbClr val="C00000"/>
+            </a:solidFill>
+          </a:ln>
+        </p:spPr>
+        <p:style>
+          <a:lnRef idx="2">
+            <a:schemeClr val="accent6"/>
+          </a:lnRef>
+          <a:fillRef idx="1">
+            <a:schemeClr val="lt1"/>
+          </a:fillRef>
+          <a:effectRef idx="0">
+            <a:schemeClr val="accent6"/>
+          </a:effectRef>
+          <a:fontRef idx="minor">
+            <a:schemeClr val="dk1"/>
+          </a:fontRef>
+        </p:style>
+        <p:txBody>
+          <a:bodyPr wrap="none" rtlCol="0" anchor="ctr"/>
+          <a:lstStyle/>
+          <a:p>
+            <a:pPr algn="ctr"/>
+            <a:r>
+              <a:rPr lang="en-US" altLang="ja-JP" smtClean="0">
+                <a:solidFill>
+                  <a:srgbClr val="C00000"/>
+                </a:solidFill>
+              </a:rPr>
               <a:t>8</a:t>
             </a:r>
-            <a:endParaRPr kumimoji="1" lang="ja-JP" altLang="en-US" dirty="0"/>
+            <a:endParaRPr kumimoji="1" lang="ja-JP" altLang="en-US" dirty="0">
+              <a:solidFill>
+                <a:srgbClr val="C00000"/>
+              </a:solidFill>
+            </a:endParaRPr>
           </a:p>
         </p:txBody>
       </p:sp>
@@ -23531,31 +24042,44 @@
           <a:prstGeom prst="roundRect">
             <a:avLst/>
           </a:prstGeom>
-        </p:spPr>
-        <p:style>
-          <a:lnRef idx="2">
-            <a:schemeClr val="accent6"/>
-          </a:lnRef>
-          <a:fillRef idx="1">
-            <a:schemeClr val="lt1"/>
-          </a:fillRef>
-          <a:effectRef idx="0">
-            <a:schemeClr val="accent6"/>
-          </a:effectRef>
-          <a:fontRef idx="minor">
-            <a:schemeClr val="dk1"/>
-          </a:fontRef>
-        </p:style>
-        <p:txBody>
-          <a:bodyPr wrap="none" rtlCol="0" anchor="ctr"/>
-          <a:lstStyle/>
-          <a:p>
-            <a:pPr algn="ctr"/>
-            <a:r>
-              <a:rPr lang="en-US" altLang="ja-JP"/>
+          <a:ln>
+            <a:solidFill>
+              <a:srgbClr val="C00000"/>
+            </a:solidFill>
+          </a:ln>
+        </p:spPr>
+        <p:style>
+          <a:lnRef idx="2">
+            <a:schemeClr val="accent6"/>
+          </a:lnRef>
+          <a:fillRef idx="1">
+            <a:schemeClr val="lt1"/>
+          </a:fillRef>
+          <a:effectRef idx="0">
+            <a:schemeClr val="accent6"/>
+          </a:effectRef>
+          <a:fontRef idx="minor">
+            <a:schemeClr val="dk1"/>
+          </a:fontRef>
+        </p:style>
+        <p:txBody>
+          <a:bodyPr wrap="none" rtlCol="0" anchor="ctr"/>
+          <a:lstStyle/>
+          <a:p>
+            <a:pPr algn="ctr"/>
+            <a:r>
+              <a:rPr lang="en-US" altLang="ja-JP">
+                <a:solidFill>
+                  <a:srgbClr val="C00000"/>
+                </a:solidFill>
+              </a:rPr>
               <a:t>9</a:t>
             </a:r>
-            <a:endParaRPr kumimoji="1" lang="en-US" altLang="ja-JP" smtClean="0"/>
+            <a:endParaRPr kumimoji="1" lang="en-US" altLang="ja-JP" smtClean="0">
+              <a:solidFill>
+                <a:srgbClr val="C00000"/>
+              </a:solidFill>
+            </a:endParaRPr>
           </a:p>
         </p:txBody>
       </p:sp>
@@ -23573,31 +24097,44 @@
           <a:prstGeom prst="roundRect">
             <a:avLst/>
           </a:prstGeom>
-        </p:spPr>
-        <p:style>
-          <a:lnRef idx="2">
-            <a:schemeClr val="accent6"/>
-          </a:lnRef>
-          <a:fillRef idx="1">
-            <a:schemeClr val="lt1"/>
-          </a:fillRef>
-          <a:effectRef idx="0">
-            <a:schemeClr val="accent6"/>
-          </a:effectRef>
-          <a:fontRef idx="minor">
-            <a:schemeClr val="dk1"/>
-          </a:fontRef>
-        </p:style>
-        <p:txBody>
-          <a:bodyPr wrap="none" rtlCol="0" anchor="ctr"/>
-          <a:lstStyle/>
-          <a:p>
-            <a:pPr algn="ctr"/>
-            <a:r>
-              <a:rPr lang="en-US" altLang="ja-JP"/>
+          <a:ln>
+            <a:solidFill>
+              <a:srgbClr val="C00000"/>
+            </a:solidFill>
+          </a:ln>
+        </p:spPr>
+        <p:style>
+          <a:lnRef idx="2">
+            <a:schemeClr val="accent6"/>
+          </a:lnRef>
+          <a:fillRef idx="1">
+            <a:schemeClr val="lt1"/>
+          </a:fillRef>
+          <a:effectRef idx="0">
+            <a:schemeClr val="accent6"/>
+          </a:effectRef>
+          <a:fontRef idx="minor">
+            <a:schemeClr val="dk1"/>
+          </a:fontRef>
+        </p:style>
+        <p:txBody>
+          <a:bodyPr wrap="none" rtlCol="0" anchor="ctr"/>
+          <a:lstStyle/>
+          <a:p>
+            <a:pPr algn="ctr"/>
+            <a:r>
+              <a:rPr lang="en-US" altLang="ja-JP">
+                <a:solidFill>
+                  <a:srgbClr val="C00000"/>
+                </a:solidFill>
+              </a:rPr>
               <a:t>-</a:t>
             </a:r>
-            <a:endParaRPr kumimoji="1" lang="en-US" altLang="ja-JP" smtClean="0"/>
+            <a:endParaRPr kumimoji="1" lang="en-US" altLang="ja-JP" smtClean="0">
+              <a:solidFill>
+                <a:srgbClr val="C00000"/>
+              </a:solidFill>
+            </a:endParaRPr>
           </a:p>
         </p:txBody>
       </p:sp>
@@ -23749,39 +24286,70 @@
           <a:prstGeom prst="roundRect">
             <a:avLst/>
           </a:prstGeom>
-        </p:spPr>
-        <p:style>
-          <a:lnRef idx="2">
-            <a:schemeClr val="accent6"/>
-          </a:lnRef>
-          <a:fillRef idx="1">
-            <a:schemeClr val="lt1"/>
-          </a:fillRef>
-          <a:effectRef idx="0">
-            <a:schemeClr val="accent6"/>
-          </a:effectRef>
-          <a:fontRef idx="minor">
-            <a:schemeClr val="dk1"/>
-          </a:fontRef>
-        </p:style>
-        <p:txBody>
-          <a:bodyPr wrap="none" rtlCol="0" anchor="ctr"/>
-          <a:lstStyle/>
-          <a:p>
-            <a:pPr algn="ctr"/>
-            <a:r>
-              <a:rPr kumimoji="1" lang="ja-JP" altLang="en-US" sz="1200" smtClean="0"/>
+          <a:ln>
+            <a:solidFill>
+              <a:schemeClr val="accent2">
+                <a:lumMod val="75000"/>
+              </a:schemeClr>
+            </a:solidFill>
+          </a:ln>
+        </p:spPr>
+        <p:style>
+          <a:lnRef idx="2">
+            <a:schemeClr val="accent6"/>
+          </a:lnRef>
+          <a:fillRef idx="1">
+            <a:schemeClr val="lt1"/>
+          </a:fillRef>
+          <a:effectRef idx="0">
+            <a:schemeClr val="accent6"/>
+          </a:effectRef>
+          <a:fontRef idx="minor">
+            <a:schemeClr val="dk1"/>
+          </a:fontRef>
+        </p:style>
+        <p:txBody>
+          <a:bodyPr wrap="none" rtlCol="0" anchor="ctr"/>
+          <a:lstStyle/>
+          <a:p>
+            <a:pPr algn="ctr"/>
+            <a:r>
+              <a:rPr kumimoji="1" lang="ja-JP" altLang="en-US" sz="1200" smtClean="0">
+                <a:solidFill>
+                  <a:schemeClr val="accent2">
+                    <a:lumMod val="75000"/>
+                  </a:schemeClr>
+                </a:solidFill>
+              </a:rPr>
               <a:t>前列</a:t>
             </a:r>
-            <a:endParaRPr kumimoji="1" lang="en-US" altLang="ja-JP" sz="1200" smtClean="0"/>
-          </a:p>
-          <a:p>
-            <a:pPr algn="ctr"/>
-            <a:r>
-              <a:rPr lang="ja-JP" altLang="en-US" sz="1200"/>
+            <a:endParaRPr kumimoji="1" lang="en-US" altLang="ja-JP" sz="1200" smtClean="0">
+              <a:solidFill>
+                <a:schemeClr val="accent2">
+                  <a:lumMod val="75000"/>
+                </a:schemeClr>
+              </a:solidFill>
+            </a:endParaRPr>
+          </a:p>
+          <a:p>
+            <a:pPr algn="ctr"/>
+            <a:r>
+              <a:rPr lang="ja-JP" altLang="en-US" sz="1200">
+                <a:solidFill>
+                  <a:schemeClr val="accent2">
+                    <a:lumMod val="75000"/>
+                  </a:schemeClr>
+                </a:solidFill>
+              </a:rPr>
               <a:t>消し</a:t>
             </a:r>
-            <a:endParaRPr kumimoji="1" lang="ja-JP" altLang="en-US" sz="1200" dirty="0"/>
+            <a:endParaRPr kumimoji="1" lang="ja-JP" altLang="en-US" sz="1200" dirty="0">
+              <a:solidFill>
+                <a:schemeClr val="accent2">
+                  <a:lumMod val="75000"/>
+                </a:schemeClr>
+              </a:solidFill>
+            </a:endParaRPr>
           </a:p>
         </p:txBody>
       </p:sp>
@@ -23799,31 +24367,44 @@
           <a:prstGeom prst="roundRect">
             <a:avLst/>
           </a:prstGeom>
-        </p:spPr>
-        <p:style>
-          <a:lnRef idx="2">
-            <a:schemeClr val="accent6"/>
-          </a:lnRef>
-          <a:fillRef idx="1">
-            <a:schemeClr val="lt1"/>
-          </a:fillRef>
-          <a:effectRef idx="0">
-            <a:schemeClr val="accent6"/>
-          </a:effectRef>
-          <a:fontRef idx="minor">
-            <a:schemeClr val="dk1"/>
-          </a:fontRef>
-        </p:style>
-        <p:txBody>
-          <a:bodyPr wrap="none" rtlCol="0" anchor="ctr"/>
-          <a:lstStyle/>
-          <a:p>
-            <a:pPr algn="ctr"/>
-            <a:r>
-              <a:rPr kumimoji="1" lang="en-US" altLang="ja-JP" smtClean="0"/>
+          <a:ln>
+            <a:solidFill>
+              <a:srgbClr val="C00000"/>
+            </a:solidFill>
+          </a:ln>
+        </p:spPr>
+        <p:style>
+          <a:lnRef idx="2">
+            <a:schemeClr val="accent6"/>
+          </a:lnRef>
+          <a:fillRef idx="1">
+            <a:schemeClr val="lt1"/>
+          </a:fillRef>
+          <a:effectRef idx="0">
+            <a:schemeClr val="accent6"/>
+          </a:effectRef>
+          <a:fontRef idx="minor">
+            <a:schemeClr val="dk1"/>
+          </a:fontRef>
+        </p:style>
+        <p:txBody>
+          <a:bodyPr wrap="none" rtlCol="0" anchor="ctr"/>
+          <a:lstStyle/>
+          <a:p>
+            <a:pPr algn="ctr"/>
+            <a:r>
+              <a:rPr kumimoji="1" lang="en-US" altLang="ja-JP" smtClean="0">
+                <a:solidFill>
+                  <a:srgbClr val="C00000"/>
+                </a:solidFill>
+              </a:rPr>
               <a:t>Tab</a:t>
             </a:r>
-            <a:endParaRPr kumimoji="1" lang="ja-JP" altLang="en-US" dirty="0"/>
+            <a:endParaRPr kumimoji="1" lang="ja-JP" altLang="en-US" dirty="0">
+              <a:solidFill>
+                <a:srgbClr val="C00000"/>
+              </a:solidFill>
+            </a:endParaRPr>
           </a:p>
         </p:txBody>
       </p:sp>
@@ -24205,31 +24786,44 @@
           <a:prstGeom prst="roundRect">
             <a:avLst/>
           </a:prstGeom>
-        </p:spPr>
-        <p:style>
-          <a:lnRef idx="2">
-            <a:schemeClr val="accent6"/>
-          </a:lnRef>
-          <a:fillRef idx="1">
-            <a:schemeClr val="lt1"/>
-          </a:fillRef>
-          <a:effectRef idx="0">
-            <a:schemeClr val="accent6"/>
-          </a:effectRef>
-          <a:fontRef idx="minor">
-            <a:schemeClr val="dk1"/>
-          </a:fontRef>
-        </p:style>
-        <p:txBody>
-          <a:bodyPr wrap="none" rtlCol="0" anchor="ctr"/>
-          <a:lstStyle/>
-          <a:p>
-            <a:pPr algn="ctr"/>
-            <a:r>
-              <a:rPr lang="en-US" altLang="ja-JP" u="sng" smtClean="0"/>
+          <a:ln>
+            <a:solidFill>
+              <a:srgbClr val="C00000"/>
+            </a:solidFill>
+          </a:ln>
+        </p:spPr>
+        <p:style>
+          <a:lnRef idx="2">
+            <a:schemeClr val="accent6"/>
+          </a:lnRef>
+          <a:fillRef idx="1">
+            <a:schemeClr val="lt1"/>
+          </a:fillRef>
+          <a:effectRef idx="0">
+            <a:schemeClr val="accent6"/>
+          </a:effectRef>
+          <a:fontRef idx="minor">
+            <a:schemeClr val="dk1"/>
+          </a:fontRef>
+        </p:style>
+        <p:txBody>
+          <a:bodyPr wrap="none" rtlCol="0" anchor="ctr"/>
+          <a:lstStyle/>
+          <a:p>
+            <a:pPr algn="ctr"/>
+            <a:r>
+              <a:rPr lang="en-US" altLang="ja-JP" u="sng" smtClean="0">
+                <a:solidFill>
+                  <a:srgbClr val="C00000"/>
+                </a:solidFill>
+              </a:rPr>
               <a:t>4</a:t>
             </a:r>
-            <a:endParaRPr kumimoji="1" lang="ja-JP" altLang="en-US" u="sng" dirty="0"/>
+            <a:endParaRPr kumimoji="1" lang="ja-JP" altLang="en-US" u="sng" dirty="0">
+              <a:solidFill>
+                <a:srgbClr val="C00000"/>
+              </a:solidFill>
+            </a:endParaRPr>
           </a:p>
         </p:txBody>
       </p:sp>
@@ -24247,31 +24841,44 @@
           <a:prstGeom prst="roundRect">
             <a:avLst/>
           </a:prstGeom>
-        </p:spPr>
-        <p:style>
-          <a:lnRef idx="2">
-            <a:schemeClr val="accent6"/>
-          </a:lnRef>
-          <a:fillRef idx="1">
-            <a:schemeClr val="lt1"/>
-          </a:fillRef>
-          <a:effectRef idx="0">
-            <a:schemeClr val="accent6"/>
-          </a:effectRef>
-          <a:fontRef idx="minor">
-            <a:schemeClr val="dk1"/>
-          </a:fontRef>
-        </p:style>
-        <p:txBody>
-          <a:bodyPr wrap="none" rtlCol="0" anchor="ctr"/>
-          <a:lstStyle/>
-          <a:p>
-            <a:pPr algn="ctr"/>
-            <a:r>
-              <a:rPr lang="en-US" altLang="ja-JP"/>
+          <a:ln>
+            <a:solidFill>
+              <a:srgbClr val="C00000"/>
+            </a:solidFill>
+          </a:ln>
+        </p:spPr>
+        <p:style>
+          <a:lnRef idx="2">
+            <a:schemeClr val="accent6"/>
+          </a:lnRef>
+          <a:fillRef idx="1">
+            <a:schemeClr val="lt1"/>
+          </a:fillRef>
+          <a:effectRef idx="0">
+            <a:schemeClr val="accent6"/>
+          </a:effectRef>
+          <a:fontRef idx="minor">
+            <a:schemeClr val="dk1"/>
+          </a:fontRef>
+        </p:style>
+        <p:txBody>
+          <a:bodyPr wrap="none" rtlCol="0" anchor="ctr"/>
+          <a:lstStyle/>
+          <a:p>
+            <a:pPr algn="ctr"/>
+            <a:r>
+              <a:rPr lang="en-US" altLang="ja-JP">
+                <a:solidFill>
+                  <a:srgbClr val="C00000"/>
+                </a:solidFill>
+              </a:rPr>
               <a:t>5</a:t>
             </a:r>
-            <a:endParaRPr kumimoji="1" lang="ja-JP" altLang="en-US" dirty="0"/>
+            <a:endParaRPr kumimoji="1" lang="ja-JP" altLang="en-US" dirty="0">
+              <a:solidFill>
+                <a:srgbClr val="C00000"/>
+              </a:solidFill>
+            </a:endParaRPr>
           </a:p>
         </p:txBody>
       </p:sp>
@@ -24289,31 +24896,44 @@
           <a:prstGeom prst="roundRect">
             <a:avLst/>
           </a:prstGeom>
-        </p:spPr>
-        <p:style>
-          <a:lnRef idx="2">
-            <a:schemeClr val="accent6"/>
-          </a:lnRef>
-          <a:fillRef idx="1">
-            <a:schemeClr val="lt1"/>
-          </a:fillRef>
-          <a:effectRef idx="0">
-            <a:schemeClr val="accent6"/>
-          </a:effectRef>
-          <a:fontRef idx="minor">
-            <a:schemeClr val="dk1"/>
-          </a:fontRef>
-        </p:style>
-        <p:txBody>
-          <a:bodyPr wrap="none" rtlCol="0" anchor="ctr"/>
-          <a:lstStyle/>
-          <a:p>
-            <a:pPr algn="ctr"/>
-            <a:r>
-              <a:rPr kumimoji="1" lang="en-US" altLang="ja-JP" smtClean="0"/>
+          <a:ln>
+            <a:solidFill>
+              <a:srgbClr val="C00000"/>
+            </a:solidFill>
+          </a:ln>
+        </p:spPr>
+        <p:style>
+          <a:lnRef idx="2">
+            <a:schemeClr val="accent6"/>
+          </a:lnRef>
+          <a:fillRef idx="1">
+            <a:schemeClr val="lt1"/>
+          </a:fillRef>
+          <a:effectRef idx="0">
+            <a:schemeClr val="accent6"/>
+          </a:effectRef>
+          <a:fontRef idx="minor">
+            <a:schemeClr val="dk1"/>
+          </a:fontRef>
+        </p:style>
+        <p:txBody>
+          <a:bodyPr wrap="none" rtlCol="0" anchor="ctr"/>
+          <a:lstStyle/>
+          <a:p>
+            <a:pPr algn="ctr"/>
+            <a:r>
+              <a:rPr kumimoji="1" lang="en-US" altLang="ja-JP" smtClean="0">
+                <a:solidFill>
+                  <a:srgbClr val="C00000"/>
+                </a:solidFill>
+              </a:rPr>
               <a:t>6</a:t>
             </a:r>
-            <a:endParaRPr kumimoji="1" lang="ja-JP" altLang="en-US" dirty="0"/>
+            <a:endParaRPr kumimoji="1" lang="ja-JP" altLang="en-US" dirty="0">
+              <a:solidFill>
+                <a:srgbClr val="C00000"/>
+              </a:solidFill>
+            </a:endParaRPr>
           </a:p>
         </p:txBody>
       </p:sp>
@@ -24331,31 +24951,44 @@
           <a:prstGeom prst="roundRect">
             <a:avLst/>
           </a:prstGeom>
-        </p:spPr>
-        <p:style>
-          <a:lnRef idx="2">
-            <a:schemeClr val="accent6"/>
-          </a:lnRef>
-          <a:fillRef idx="1">
-            <a:schemeClr val="lt1"/>
-          </a:fillRef>
-          <a:effectRef idx="0">
-            <a:schemeClr val="accent6"/>
-          </a:effectRef>
-          <a:fontRef idx="minor">
-            <a:schemeClr val="dk1"/>
-          </a:fontRef>
-        </p:style>
-        <p:txBody>
-          <a:bodyPr wrap="none" rtlCol="0" anchor="ctr"/>
-          <a:lstStyle/>
-          <a:p>
-            <a:pPr algn="ctr"/>
-            <a:r>
-              <a:rPr lang="en-US" altLang="ja-JP"/>
+          <a:ln>
+            <a:solidFill>
+              <a:srgbClr val="C00000"/>
+            </a:solidFill>
+          </a:ln>
+        </p:spPr>
+        <p:style>
+          <a:lnRef idx="2">
+            <a:schemeClr val="accent6"/>
+          </a:lnRef>
+          <a:fillRef idx="1">
+            <a:schemeClr val="lt1"/>
+          </a:fillRef>
+          <a:effectRef idx="0">
+            <a:schemeClr val="accent6"/>
+          </a:effectRef>
+          <a:fontRef idx="minor">
+            <a:schemeClr val="dk1"/>
+          </a:fontRef>
+        </p:style>
+        <p:txBody>
+          <a:bodyPr wrap="none" rtlCol="0" anchor="ctr"/>
+          <a:lstStyle/>
+          <a:p>
+            <a:pPr algn="ctr"/>
+            <a:r>
+              <a:rPr lang="en-US" altLang="ja-JP">
+                <a:solidFill>
+                  <a:srgbClr val="C00000"/>
+                </a:solidFill>
+              </a:rPr>
               <a:t>+</a:t>
             </a:r>
-            <a:endParaRPr kumimoji="1" lang="ja-JP" altLang="en-US" dirty="0"/>
+            <a:endParaRPr kumimoji="1" lang="ja-JP" altLang="en-US" dirty="0">
+              <a:solidFill>
+                <a:srgbClr val="C00000"/>
+              </a:solidFill>
+            </a:endParaRPr>
           </a:p>
         </p:txBody>
       </p:sp>
@@ -24373,31 +25006,44 @@
           <a:prstGeom prst="roundRect">
             <a:avLst/>
           </a:prstGeom>
-        </p:spPr>
-        <p:style>
-          <a:lnRef idx="2">
-            <a:schemeClr val="accent6"/>
-          </a:lnRef>
-          <a:fillRef idx="1">
-            <a:schemeClr val="lt1"/>
-          </a:fillRef>
-          <a:effectRef idx="0">
-            <a:schemeClr val="accent6"/>
-          </a:effectRef>
-          <a:fontRef idx="minor">
-            <a:schemeClr val="dk1"/>
-          </a:fontRef>
-        </p:style>
-        <p:txBody>
-          <a:bodyPr wrap="none" rtlCol="0" anchor="ctr"/>
-          <a:lstStyle/>
-          <a:p>
-            <a:pPr algn="ctr"/>
-            <a:r>
-              <a:rPr kumimoji="1" lang="en-US" altLang="ja-JP" smtClean="0"/>
+          <a:ln>
+            <a:solidFill>
+              <a:srgbClr val="C00000"/>
+            </a:solidFill>
+          </a:ln>
+        </p:spPr>
+        <p:style>
+          <a:lnRef idx="2">
+            <a:schemeClr val="accent6"/>
+          </a:lnRef>
+          <a:fillRef idx="1">
+            <a:schemeClr val="lt1"/>
+          </a:fillRef>
+          <a:effectRef idx="0">
+            <a:schemeClr val="accent6"/>
+          </a:effectRef>
+          <a:fontRef idx="minor">
+            <a:schemeClr val="dk1"/>
+          </a:fontRef>
+        </p:style>
+        <p:txBody>
+          <a:bodyPr wrap="none" rtlCol="0" anchor="ctr"/>
+          <a:lstStyle/>
+          <a:p>
+            <a:pPr algn="ctr"/>
+            <a:r>
+              <a:rPr kumimoji="1" lang="en-US" altLang="ja-JP" smtClean="0">
+                <a:solidFill>
+                  <a:srgbClr val="C00000"/>
+                </a:solidFill>
+              </a:rPr>
               <a:t>=</a:t>
             </a:r>
-            <a:endParaRPr kumimoji="1" lang="ja-JP" altLang="en-US" dirty="0"/>
+            <a:endParaRPr kumimoji="1" lang="ja-JP" altLang="en-US" dirty="0">
+              <a:solidFill>
+                <a:srgbClr val="C00000"/>
+              </a:solidFill>
+            </a:endParaRPr>
           </a:p>
         </p:txBody>
       </p:sp>
@@ -24415,31 +25061,44 @@
           <a:prstGeom prst="roundRect">
             <a:avLst/>
           </a:prstGeom>
-        </p:spPr>
-        <p:style>
-          <a:lnRef idx="2">
-            <a:schemeClr val="accent6"/>
-          </a:lnRef>
-          <a:fillRef idx="1">
-            <a:schemeClr val="lt1"/>
-          </a:fillRef>
-          <a:effectRef idx="0">
-            <a:schemeClr val="accent6"/>
-          </a:effectRef>
-          <a:fontRef idx="minor">
-            <a:schemeClr val="dk1"/>
-          </a:fontRef>
-        </p:style>
-        <p:txBody>
-          <a:bodyPr wrap="none" rtlCol="0" anchor="ctr"/>
-          <a:lstStyle/>
-          <a:p>
-            <a:pPr algn="ctr"/>
-            <a:r>
-              <a:rPr kumimoji="1" lang="en-US" altLang="ja-JP" sz="1600" smtClean="0"/>
+          <a:ln>
+            <a:solidFill>
+              <a:srgbClr val="C00000"/>
+            </a:solidFill>
+          </a:ln>
+        </p:spPr>
+        <p:style>
+          <a:lnRef idx="2">
+            <a:schemeClr val="accent6"/>
+          </a:lnRef>
+          <a:fillRef idx="1">
+            <a:schemeClr val="lt1"/>
+          </a:fillRef>
+          <a:effectRef idx="0">
+            <a:schemeClr val="accent6"/>
+          </a:effectRef>
+          <a:fontRef idx="minor">
+            <a:schemeClr val="dk1"/>
+          </a:fontRef>
+        </p:style>
+        <p:txBody>
+          <a:bodyPr wrap="none" rtlCol="0" anchor="ctr"/>
+          <a:lstStyle/>
+          <a:p>
+            <a:pPr algn="ctr"/>
+            <a:r>
+              <a:rPr kumimoji="1" lang="en-US" altLang="ja-JP" sz="1600" smtClean="0">
+                <a:solidFill>
+                  <a:srgbClr val="C00000"/>
+                </a:solidFill>
+              </a:rPr>
               <a:t>Return</a:t>
             </a:r>
-            <a:endParaRPr kumimoji="1" lang="ja-JP" altLang="en-US" sz="1600" dirty="0"/>
+            <a:endParaRPr kumimoji="1" lang="ja-JP" altLang="en-US" sz="1600" dirty="0">
+              <a:solidFill>
+                <a:srgbClr val="C00000"/>
+              </a:solidFill>
+            </a:endParaRPr>
           </a:p>
         </p:txBody>
       </p:sp>
@@ -24786,31 +25445,44 @@
           <a:prstGeom prst="roundRect">
             <a:avLst/>
           </a:prstGeom>
-        </p:spPr>
-        <p:style>
-          <a:lnRef idx="2">
-            <a:schemeClr val="accent6"/>
-          </a:lnRef>
-          <a:fillRef idx="1">
-            <a:schemeClr val="lt1"/>
-          </a:fillRef>
-          <a:effectRef idx="0">
-            <a:schemeClr val="accent6"/>
-          </a:effectRef>
-          <a:fontRef idx="minor">
-            <a:schemeClr val="dk1"/>
-          </a:fontRef>
-        </p:style>
-        <p:txBody>
-          <a:bodyPr wrap="none" rtlCol="0" anchor="ctr"/>
-          <a:lstStyle/>
-          <a:p>
-            <a:pPr algn="ctr"/>
-            <a:r>
-              <a:rPr lang="en-US" altLang="ja-JP" smtClean="0"/>
+          <a:ln>
+            <a:solidFill>
+              <a:srgbClr val="C00000"/>
+            </a:solidFill>
+          </a:ln>
+        </p:spPr>
+        <p:style>
+          <a:lnRef idx="2">
+            <a:schemeClr val="accent6"/>
+          </a:lnRef>
+          <a:fillRef idx="1">
+            <a:schemeClr val="lt1"/>
+          </a:fillRef>
+          <a:effectRef idx="0">
+            <a:schemeClr val="accent6"/>
+          </a:effectRef>
+          <a:fontRef idx="minor">
+            <a:schemeClr val="dk1"/>
+          </a:fontRef>
+        </p:style>
+        <p:txBody>
+          <a:bodyPr wrap="none" rtlCol="0" anchor="ctr"/>
+          <a:lstStyle/>
+          <a:p>
+            <a:pPr algn="ctr"/>
+            <a:r>
+              <a:rPr lang="en-US" altLang="ja-JP" smtClean="0">
+                <a:solidFill>
+                  <a:srgbClr val="C00000"/>
+                </a:solidFill>
+              </a:rPr>
               <a:t>*</a:t>
             </a:r>
-            <a:endParaRPr kumimoji="1" lang="ja-JP" altLang="en-US" dirty="0"/>
+            <a:endParaRPr kumimoji="1" lang="ja-JP" altLang="en-US" dirty="0">
+              <a:solidFill>
+                <a:srgbClr val="C00000"/>
+              </a:solidFill>
+            </a:endParaRPr>
           </a:p>
         </p:txBody>
       </p:sp>
@@ -24828,31 +25500,44 @@
           <a:prstGeom prst="roundRect">
             <a:avLst/>
           </a:prstGeom>
-        </p:spPr>
-        <p:style>
-          <a:lnRef idx="2">
-            <a:schemeClr val="accent6"/>
-          </a:lnRef>
-          <a:fillRef idx="1">
-            <a:schemeClr val="lt1"/>
-          </a:fillRef>
-          <a:effectRef idx="0">
-            <a:schemeClr val="accent6"/>
-          </a:effectRef>
-          <a:fontRef idx="minor">
-            <a:schemeClr val="dk1"/>
-          </a:fontRef>
-        </p:style>
-        <p:txBody>
-          <a:bodyPr wrap="none" rtlCol="0" anchor="ctr"/>
-          <a:lstStyle/>
-          <a:p>
-            <a:pPr algn="ctr"/>
-            <a:r>
-              <a:rPr kumimoji="1" lang="en-US" altLang="ja-JP" smtClean="0"/>
+          <a:ln>
+            <a:solidFill>
+              <a:srgbClr val="C00000"/>
+            </a:solidFill>
+          </a:ln>
+        </p:spPr>
+        <p:style>
+          <a:lnRef idx="2">
+            <a:schemeClr val="accent6"/>
+          </a:lnRef>
+          <a:fillRef idx="1">
+            <a:schemeClr val="lt1"/>
+          </a:fillRef>
+          <a:effectRef idx="0">
+            <a:schemeClr val="accent6"/>
+          </a:effectRef>
+          <a:fontRef idx="minor">
+            <a:schemeClr val="dk1"/>
+          </a:fontRef>
+        </p:style>
+        <p:txBody>
+          <a:bodyPr wrap="none" rtlCol="0" anchor="ctr"/>
+          <a:lstStyle/>
+          <a:p>
+            <a:pPr algn="ctr"/>
+            <a:r>
+              <a:rPr kumimoji="1" lang="en-US" altLang="ja-JP" smtClean="0">
+                <a:solidFill>
+                  <a:srgbClr val="C00000"/>
+                </a:solidFill>
+              </a:rPr>
               <a:t>1</a:t>
             </a:r>
-            <a:endParaRPr kumimoji="1" lang="ja-JP" altLang="en-US" dirty="0"/>
+            <a:endParaRPr kumimoji="1" lang="ja-JP" altLang="en-US" dirty="0">
+              <a:solidFill>
+                <a:srgbClr val="C00000"/>
+              </a:solidFill>
+            </a:endParaRPr>
           </a:p>
         </p:txBody>
       </p:sp>
@@ -24870,31 +25555,44 @@
           <a:prstGeom prst="roundRect">
             <a:avLst/>
           </a:prstGeom>
-        </p:spPr>
-        <p:style>
-          <a:lnRef idx="2">
-            <a:schemeClr val="accent6"/>
-          </a:lnRef>
-          <a:fillRef idx="1">
-            <a:schemeClr val="lt1"/>
-          </a:fillRef>
-          <a:effectRef idx="0">
-            <a:schemeClr val="accent6"/>
-          </a:effectRef>
-          <a:fontRef idx="minor">
-            <a:schemeClr val="dk1"/>
-          </a:fontRef>
-        </p:style>
-        <p:txBody>
-          <a:bodyPr wrap="none" rtlCol="0" anchor="ctr"/>
-          <a:lstStyle/>
-          <a:p>
-            <a:pPr algn="ctr"/>
-            <a:r>
-              <a:rPr lang="en-US" altLang="ja-JP" smtClean="0"/>
+          <a:ln>
+            <a:solidFill>
+              <a:srgbClr val="C00000"/>
+            </a:solidFill>
+          </a:ln>
+        </p:spPr>
+        <p:style>
+          <a:lnRef idx="2">
+            <a:schemeClr val="accent6"/>
+          </a:lnRef>
+          <a:fillRef idx="1">
+            <a:schemeClr val="lt1"/>
+          </a:fillRef>
+          <a:effectRef idx="0">
+            <a:schemeClr val="accent6"/>
+          </a:effectRef>
+          <a:fontRef idx="minor">
+            <a:schemeClr val="dk1"/>
+          </a:fontRef>
+        </p:style>
+        <p:txBody>
+          <a:bodyPr wrap="none" rtlCol="0" anchor="ctr"/>
+          <a:lstStyle/>
+          <a:p>
+            <a:pPr algn="ctr"/>
+            <a:r>
+              <a:rPr lang="en-US" altLang="ja-JP" smtClean="0">
+                <a:solidFill>
+                  <a:srgbClr val="C00000"/>
+                </a:solidFill>
+              </a:rPr>
               <a:t>2</a:t>
             </a:r>
-            <a:endParaRPr kumimoji="1" lang="ja-JP" altLang="en-US" dirty="0"/>
+            <a:endParaRPr kumimoji="1" lang="ja-JP" altLang="en-US" dirty="0">
+              <a:solidFill>
+                <a:srgbClr val="C00000"/>
+              </a:solidFill>
+            </a:endParaRPr>
           </a:p>
         </p:txBody>
       </p:sp>
@@ -24912,31 +25610,44 @@
           <a:prstGeom prst="roundRect">
             <a:avLst/>
           </a:prstGeom>
-        </p:spPr>
-        <p:style>
-          <a:lnRef idx="2">
-            <a:schemeClr val="accent6"/>
-          </a:lnRef>
-          <a:fillRef idx="1">
-            <a:schemeClr val="lt1"/>
-          </a:fillRef>
-          <a:effectRef idx="0">
-            <a:schemeClr val="accent6"/>
-          </a:effectRef>
-          <a:fontRef idx="minor">
-            <a:schemeClr val="dk1"/>
-          </a:fontRef>
-        </p:style>
-        <p:txBody>
-          <a:bodyPr wrap="none" rtlCol="0" anchor="ctr"/>
-          <a:lstStyle/>
-          <a:p>
-            <a:pPr algn="ctr"/>
-            <a:r>
-              <a:rPr kumimoji="1" lang="en-US" altLang="ja-JP" smtClean="0"/>
+          <a:ln>
+            <a:solidFill>
+              <a:srgbClr val="C00000"/>
+            </a:solidFill>
+          </a:ln>
+        </p:spPr>
+        <p:style>
+          <a:lnRef idx="2">
+            <a:schemeClr val="accent6"/>
+          </a:lnRef>
+          <a:fillRef idx="1">
+            <a:schemeClr val="lt1"/>
+          </a:fillRef>
+          <a:effectRef idx="0">
+            <a:schemeClr val="accent6"/>
+          </a:effectRef>
+          <a:fontRef idx="minor">
+            <a:schemeClr val="dk1"/>
+          </a:fontRef>
+        </p:style>
+        <p:txBody>
+          <a:bodyPr wrap="none" rtlCol="0" anchor="ctr"/>
+          <a:lstStyle/>
+          <a:p>
+            <a:pPr algn="ctr"/>
+            <a:r>
+              <a:rPr kumimoji="1" lang="en-US" altLang="ja-JP" smtClean="0">
+                <a:solidFill>
+                  <a:srgbClr val="C00000"/>
+                </a:solidFill>
+              </a:rPr>
               <a:t>3</a:t>
             </a:r>
-            <a:endParaRPr kumimoji="1" lang="ja-JP" altLang="en-US" dirty="0"/>
+            <a:endParaRPr kumimoji="1" lang="ja-JP" altLang="en-US" dirty="0">
+              <a:solidFill>
+                <a:srgbClr val="C00000"/>
+              </a:solidFill>
+            </a:endParaRPr>
           </a:p>
         </p:txBody>
       </p:sp>
@@ -24954,31 +25665,44 @@
           <a:prstGeom prst="roundRect">
             <a:avLst/>
           </a:prstGeom>
-        </p:spPr>
-        <p:style>
-          <a:lnRef idx="2">
-            <a:schemeClr val="accent6"/>
-          </a:lnRef>
-          <a:fillRef idx="1">
-            <a:schemeClr val="lt1"/>
-          </a:fillRef>
-          <a:effectRef idx="0">
-            <a:schemeClr val="accent6"/>
-          </a:effectRef>
-          <a:fontRef idx="minor">
-            <a:schemeClr val="dk1"/>
-          </a:fontRef>
-        </p:style>
-        <p:txBody>
-          <a:bodyPr wrap="none" rtlCol="0" anchor="ctr"/>
-          <a:lstStyle/>
-          <a:p>
-            <a:pPr algn="ctr"/>
-            <a:r>
-              <a:rPr kumimoji="1" lang="en-US" altLang="ja-JP" smtClean="0"/>
+          <a:ln>
+            <a:solidFill>
+              <a:srgbClr val="C00000"/>
+            </a:solidFill>
+          </a:ln>
+        </p:spPr>
+        <p:style>
+          <a:lnRef idx="2">
+            <a:schemeClr val="accent6"/>
+          </a:lnRef>
+          <a:fillRef idx="1">
+            <a:schemeClr val="lt1"/>
+          </a:fillRef>
+          <a:effectRef idx="0">
+            <a:schemeClr val="accent6"/>
+          </a:effectRef>
+          <a:fontRef idx="minor">
+            <a:schemeClr val="dk1"/>
+          </a:fontRef>
+        </p:style>
+        <p:txBody>
+          <a:bodyPr wrap="none" rtlCol="0" anchor="ctr"/>
+          <a:lstStyle/>
+          <a:p>
+            <a:pPr algn="ctr"/>
+            <a:r>
+              <a:rPr kumimoji="1" lang="en-US" altLang="ja-JP" smtClean="0">
+                <a:solidFill>
+                  <a:srgbClr val="C00000"/>
+                </a:solidFill>
+              </a:rPr>
               <a:t>/</a:t>
             </a:r>
-            <a:endParaRPr kumimoji="1" lang="ja-JP" altLang="en-US" dirty="0"/>
+            <a:endParaRPr kumimoji="1" lang="ja-JP" altLang="en-US" dirty="0">
+              <a:solidFill>
+                <a:srgbClr val="C00000"/>
+              </a:solidFill>
+            </a:endParaRPr>
           </a:p>
         </p:txBody>
       </p:sp>
@@ -24996,31 +25720,44 @@
           <a:prstGeom prst="roundRect">
             <a:avLst/>
           </a:prstGeom>
-        </p:spPr>
-        <p:style>
-          <a:lnRef idx="2">
-            <a:schemeClr val="accent6"/>
-          </a:lnRef>
-          <a:fillRef idx="1">
-            <a:schemeClr val="lt1"/>
-          </a:fillRef>
-          <a:effectRef idx="0">
-            <a:schemeClr val="accent6"/>
-          </a:effectRef>
-          <a:fontRef idx="minor">
-            <a:schemeClr val="dk1"/>
-          </a:fontRef>
-        </p:style>
-        <p:txBody>
-          <a:bodyPr wrap="none" rtlCol="0" anchor="ctr"/>
-          <a:lstStyle/>
-          <a:p>
-            <a:pPr algn="ctr"/>
-            <a:r>
-              <a:rPr lang="en-US" altLang="ja-JP"/>
+          <a:ln>
+            <a:solidFill>
+              <a:srgbClr val="C00000"/>
+            </a:solidFill>
+          </a:ln>
+        </p:spPr>
+        <p:style>
+          <a:lnRef idx="2">
+            <a:schemeClr val="accent6"/>
+          </a:lnRef>
+          <a:fillRef idx="1">
+            <a:schemeClr val="lt1"/>
+          </a:fillRef>
+          <a:effectRef idx="0">
+            <a:schemeClr val="accent6"/>
+          </a:effectRef>
+          <a:fontRef idx="minor">
+            <a:schemeClr val="dk1"/>
+          </a:fontRef>
+        </p:style>
+        <p:txBody>
+          <a:bodyPr wrap="none" rtlCol="0" anchor="ctr"/>
+          <a:lstStyle/>
+          <a:p>
+            <a:pPr algn="ctr"/>
+            <a:r>
+              <a:rPr lang="en-US" altLang="ja-JP">
+                <a:solidFill>
+                  <a:srgbClr val="C00000"/>
+                </a:solidFill>
+              </a:rPr>
               <a:t>0</a:t>
             </a:r>
-            <a:endParaRPr kumimoji="1" lang="ja-JP" altLang="en-US" dirty="0"/>
+            <a:endParaRPr kumimoji="1" lang="ja-JP" altLang="en-US" dirty="0">
+              <a:solidFill>
+                <a:srgbClr val="C00000"/>
+              </a:solidFill>
+            </a:endParaRPr>
           </a:p>
         </p:txBody>
       </p:sp>
@@ -25215,6 +25952,169 @@
                 <a:schemeClr val="accent2">
                   <a:lumMod val="75000"/>
                 </a:schemeClr>
+              </a:solidFill>
+            </a:endParaRPr>
+          </a:p>
+        </p:txBody>
+      </p:sp>
+      <p:sp>
+        <p:nvSpPr>
+          <p:cNvPr id="60" name="テキスト ボックス 59"/>
+          <p:cNvSpPr txBox="1"/>
+          <p:nvPr/>
+        </p:nvSpPr>
+        <p:spPr>
+          <a:xfrm>
+            <a:off x="631696" y="1751089"/>
+            <a:ext cx="2848408" cy="1200329"/>
+          </a:xfrm>
+          <a:prstGeom prst="rect">
+            <a:avLst/>
+          </a:prstGeom>
+          <a:noFill/>
+        </p:spPr>
+        <p:txBody>
+          <a:bodyPr wrap="none" rtlCol="0">
+            <a:spAutoFit/>
+          </a:bodyPr>
+          <a:lstStyle/>
+          <a:p>
+            <a:r>
+              <a:rPr lang="ja-JP" altLang="en-US" smtClean="0">
+                <a:solidFill>
+                  <a:schemeClr val="accent6">
+                    <a:lumMod val="75000"/>
+                  </a:schemeClr>
+                </a:solidFill>
+              </a:rPr>
+              <a:t>緑：</a:t>
+            </a:r>
+            <a:r>
+              <a:rPr lang="en-US" altLang="ja-JP">
+                <a:solidFill>
+                  <a:schemeClr val="accent6">
+                    <a:lumMod val="75000"/>
+                  </a:schemeClr>
+                </a:solidFill>
+              </a:rPr>
+              <a:t>CAPS</a:t>
+            </a:r>
+            <a:r>
+              <a:rPr lang="ja-JP" altLang="en-US" smtClean="0">
+                <a:solidFill>
+                  <a:schemeClr val="accent6">
+                    <a:lumMod val="75000"/>
+                  </a:schemeClr>
+                </a:solidFill>
+              </a:rPr>
+              <a:t>共通、確定</a:t>
+            </a:r>
+            <a:endParaRPr lang="en-US" altLang="ja-JP" smtClean="0">
+              <a:solidFill>
+                <a:schemeClr val="accent6">
+                  <a:lumMod val="75000"/>
+                </a:schemeClr>
+              </a:solidFill>
+            </a:endParaRPr>
+          </a:p>
+          <a:p>
+            <a:r>
+              <a:rPr kumimoji="1" lang="ja-JP" altLang="en-US" smtClean="0">
+                <a:solidFill>
+                  <a:schemeClr val="accent2">
+                    <a:lumMod val="75000"/>
+                  </a:schemeClr>
+                </a:solidFill>
+              </a:rPr>
+              <a:t>橙：</a:t>
+            </a:r>
+            <a:r>
+              <a:rPr lang="en-US" altLang="ja-JP">
+                <a:solidFill>
+                  <a:schemeClr val="accent2">
+                    <a:lumMod val="75000"/>
+                  </a:schemeClr>
+                </a:solidFill>
+              </a:rPr>
+              <a:t>RCMD</a:t>
+            </a:r>
+            <a:r>
+              <a:rPr kumimoji="1" lang="ja-JP" altLang="en-US" smtClean="0">
+                <a:solidFill>
+                  <a:schemeClr val="accent2">
+                    <a:lumMod val="75000"/>
+                  </a:schemeClr>
+                </a:solidFill>
+              </a:rPr>
+              <a:t>オンリー、確定</a:t>
+            </a:r>
+            <a:endParaRPr kumimoji="1" lang="en-US" altLang="ja-JP" smtClean="0">
+              <a:solidFill>
+                <a:schemeClr val="accent2">
+                  <a:lumMod val="75000"/>
+                </a:schemeClr>
+              </a:solidFill>
+            </a:endParaRPr>
+          </a:p>
+          <a:p>
+            <a:r>
+              <a:rPr kumimoji="1" lang="ja-JP" altLang="en-US" smtClean="0">
+                <a:solidFill>
+                  <a:schemeClr val="accent5">
+                    <a:lumMod val="75000"/>
+                  </a:schemeClr>
+                </a:solidFill>
+              </a:rPr>
+              <a:t>赤：未定</a:t>
+            </a:r>
+            <a:r>
+              <a:rPr kumimoji="1" lang="en-US" altLang="ja-JP" smtClean="0">
+                <a:solidFill>
+                  <a:schemeClr val="accent5">
+                    <a:lumMod val="75000"/>
+                  </a:schemeClr>
+                </a:solidFill>
+              </a:rPr>
+              <a:t>or</a:t>
+            </a:r>
+            <a:r>
+              <a:rPr kumimoji="1" lang="ja-JP" altLang="en-US" smtClean="0">
+                <a:solidFill>
+                  <a:schemeClr val="accent5">
+                    <a:lumMod val="75000"/>
+                  </a:schemeClr>
+                </a:solidFill>
+              </a:rPr>
+              <a:t>試行中</a:t>
+            </a:r>
+            <a:endParaRPr kumimoji="1" lang="en-US" altLang="ja-JP" smtClean="0">
+              <a:solidFill>
+                <a:schemeClr val="accent5">
+                  <a:lumMod val="75000"/>
+                </a:schemeClr>
+              </a:solidFill>
+            </a:endParaRPr>
+          </a:p>
+          <a:p>
+            <a:r>
+              <a:rPr lang="ja-JP" altLang="en-US">
+                <a:solidFill>
+                  <a:srgbClr val="C00000"/>
+                </a:solidFill>
+              </a:rPr>
+              <a:t>赤</a:t>
+            </a:r>
+            <a:r>
+              <a:rPr lang="ja-JP" altLang="en-US" smtClean="0">
+                <a:solidFill>
+                  <a:srgbClr val="C00000"/>
+                </a:solidFill>
+              </a:rPr>
+              <a:t>：テンキー</a:t>
+            </a:r>
+            <a:endParaRPr kumimoji="1" lang="ja-JP" altLang="en-US">
+              <a:solidFill>
+                <a:srgbClr val="C00000"/>
               </a:solidFill>
             </a:endParaRPr>
           </a:p>
@@ -25318,6 +26218,13 @@
           <a:prstGeom prst="roundRect">
             <a:avLst/>
           </a:prstGeom>
+          <a:ln>
+            <a:solidFill>
+              <a:schemeClr val="accent5">
+                <a:lumMod val="75000"/>
+              </a:schemeClr>
+            </a:solidFill>
+          </a:ln>
         </p:spPr>
         <p:style>
           <a:lnRef idx="2">
@@ -25338,1419 +26245,9 @@
           <a:lstStyle/>
           <a:p>
             <a:pPr algn="ctr"/>
-            <a:endParaRPr kumimoji="1" lang="ja-JP" altLang="en-US" sz="1400" dirty="0"/>
-          </a:p>
-        </p:txBody>
-      </p:sp>
-      <p:sp>
-        <p:nvSpPr>
-          <p:cNvPr id="7" name="角丸四角形 6"/>
-          <p:cNvSpPr/>
-          <p:nvPr/>
-        </p:nvSpPr>
-        <p:spPr>
-          <a:xfrm>
-            <a:off x="1112123" y="3369914"/>
-            <a:ext cx="464588" cy="465380"/>
-          </a:xfrm>
-          <a:prstGeom prst="roundRect">
-            <a:avLst/>
-          </a:prstGeom>
-        </p:spPr>
-        <p:style>
-          <a:lnRef idx="2">
-            <a:schemeClr val="accent6"/>
-          </a:lnRef>
-          <a:fillRef idx="1">
-            <a:schemeClr val="lt1"/>
-          </a:fillRef>
-          <a:effectRef idx="0">
-            <a:schemeClr val="accent6"/>
-          </a:effectRef>
-          <a:fontRef idx="minor">
-            <a:schemeClr val="dk1"/>
-          </a:fontRef>
-        </p:style>
-        <p:txBody>
-          <a:bodyPr rtlCol="0" anchor="ctr"/>
-          <a:lstStyle/>
-          <a:p>
-            <a:pPr algn="ctr"/>
-            <a:r>
-              <a:rPr lang="en-US" altLang="ja-JP" sz="1400" smtClean="0"/>
-              <a:t>6</a:t>
-            </a:r>
-            <a:endParaRPr kumimoji="1" lang="ja-JP" altLang="en-US" sz="1400" dirty="0"/>
-          </a:p>
-        </p:txBody>
-      </p:sp>
-      <p:sp>
-        <p:nvSpPr>
-          <p:cNvPr id="8" name="角丸四角形 7"/>
-          <p:cNvSpPr/>
-          <p:nvPr/>
-        </p:nvSpPr>
-        <p:spPr>
-          <a:xfrm>
-            <a:off x="1648704" y="3369914"/>
-            <a:ext cx="464588" cy="465380"/>
-          </a:xfrm>
-          <a:prstGeom prst="roundRect">
-            <a:avLst/>
-          </a:prstGeom>
-        </p:spPr>
-        <p:style>
-          <a:lnRef idx="2">
-            <a:schemeClr val="accent6"/>
-          </a:lnRef>
-          <a:fillRef idx="1">
-            <a:schemeClr val="lt1"/>
-          </a:fillRef>
-          <a:effectRef idx="0">
-            <a:schemeClr val="accent6"/>
-          </a:effectRef>
-          <a:fontRef idx="minor">
-            <a:schemeClr val="dk1"/>
-          </a:fontRef>
-        </p:style>
-        <p:txBody>
-          <a:bodyPr rtlCol="0" anchor="ctr"/>
-          <a:lstStyle/>
-          <a:p>
-            <a:pPr algn="ctr"/>
-            <a:r>
-              <a:rPr kumimoji="1" lang="en-US" altLang="ja-JP" sz="1400" smtClean="0"/>
-              <a:t>7</a:t>
-            </a:r>
-            <a:endParaRPr kumimoji="1" lang="ja-JP" altLang="en-US" sz="1400" dirty="0"/>
-          </a:p>
-        </p:txBody>
-      </p:sp>
-      <p:sp>
-        <p:nvSpPr>
-          <p:cNvPr id="9" name="角丸四角形 8"/>
-          <p:cNvSpPr/>
-          <p:nvPr/>
-        </p:nvSpPr>
-        <p:spPr>
-          <a:xfrm>
-            <a:off x="2185285" y="3369914"/>
-            <a:ext cx="464588" cy="465380"/>
-          </a:xfrm>
-          <a:prstGeom prst="roundRect">
-            <a:avLst/>
-          </a:prstGeom>
-        </p:spPr>
-        <p:style>
-          <a:lnRef idx="2">
-            <a:schemeClr val="accent6"/>
-          </a:lnRef>
-          <a:fillRef idx="1">
-            <a:schemeClr val="lt1"/>
-          </a:fillRef>
-          <a:effectRef idx="0">
-            <a:schemeClr val="accent6"/>
-          </a:effectRef>
-          <a:fontRef idx="minor">
-            <a:schemeClr val="dk1"/>
-          </a:fontRef>
-        </p:style>
-        <p:txBody>
-          <a:bodyPr rtlCol="0" anchor="ctr"/>
-          <a:lstStyle/>
-          <a:p>
-            <a:pPr algn="ctr"/>
-            <a:r>
-              <a:rPr kumimoji="1" lang="en-US" altLang="ja-JP" sz="1400" smtClean="0"/>
-              <a:t>8</a:t>
-            </a:r>
-            <a:endParaRPr kumimoji="1" lang="ja-JP" altLang="en-US" sz="1400" dirty="0"/>
-          </a:p>
-        </p:txBody>
-      </p:sp>
-      <p:sp>
-        <p:nvSpPr>
-          <p:cNvPr id="10" name="角丸四角形 9"/>
-          <p:cNvSpPr/>
-          <p:nvPr/>
-        </p:nvSpPr>
-        <p:spPr>
-          <a:xfrm>
-            <a:off x="2721866" y="3369914"/>
-            <a:ext cx="464588" cy="465380"/>
-          </a:xfrm>
-          <a:prstGeom prst="roundRect">
-            <a:avLst/>
-          </a:prstGeom>
-        </p:spPr>
-        <p:style>
-          <a:lnRef idx="2">
-            <a:schemeClr val="accent6"/>
-          </a:lnRef>
-          <a:fillRef idx="1">
-            <a:schemeClr val="lt1"/>
-          </a:fillRef>
-          <a:effectRef idx="0">
-            <a:schemeClr val="accent6"/>
-          </a:effectRef>
-          <a:fontRef idx="minor">
-            <a:schemeClr val="dk1"/>
-          </a:fontRef>
-        </p:style>
-        <p:txBody>
-          <a:bodyPr rtlCol="0" anchor="ctr"/>
-          <a:lstStyle/>
-          <a:p>
-            <a:pPr algn="ctr"/>
-            <a:r>
-              <a:rPr kumimoji="1" lang="en-US" altLang="ja-JP" sz="1400" smtClean="0"/>
-              <a:t>9</a:t>
-            </a:r>
-            <a:endParaRPr kumimoji="1" lang="ja-JP" altLang="en-US" sz="1400" dirty="0"/>
-          </a:p>
-        </p:txBody>
-      </p:sp>
-      <p:sp>
-        <p:nvSpPr>
-          <p:cNvPr id="11" name="角丸四角形 10"/>
-          <p:cNvSpPr/>
-          <p:nvPr/>
-        </p:nvSpPr>
-        <p:spPr>
-          <a:xfrm>
-            <a:off x="3258447" y="3369914"/>
-            <a:ext cx="464588" cy="465380"/>
-          </a:xfrm>
-          <a:prstGeom prst="roundRect">
-            <a:avLst/>
-          </a:prstGeom>
-        </p:spPr>
-        <p:style>
-          <a:lnRef idx="2">
-            <a:schemeClr val="accent6"/>
-          </a:lnRef>
-          <a:fillRef idx="1">
-            <a:schemeClr val="lt1"/>
-          </a:fillRef>
-          <a:effectRef idx="0">
-            <a:schemeClr val="accent6"/>
-          </a:effectRef>
-          <a:fontRef idx="minor">
-            <a:schemeClr val="dk1"/>
-          </a:fontRef>
-        </p:style>
-        <p:txBody>
-          <a:bodyPr rtlCol="0" anchor="ctr"/>
-          <a:lstStyle/>
-          <a:p>
-            <a:pPr algn="ctr"/>
-            <a:r>
-              <a:rPr kumimoji="1" lang="en-US" altLang="ja-JP" sz="1400" smtClean="0"/>
-              <a:t>0</a:t>
-            </a:r>
-            <a:endParaRPr kumimoji="1" lang="ja-JP" altLang="en-US" sz="1400" dirty="0"/>
-          </a:p>
-        </p:txBody>
-      </p:sp>
-      <p:sp>
-        <p:nvSpPr>
-          <p:cNvPr id="12" name="角丸四角形 11"/>
-          <p:cNvSpPr/>
-          <p:nvPr/>
-        </p:nvSpPr>
-        <p:spPr>
-          <a:xfrm>
-            <a:off x="3795028" y="3369914"/>
-            <a:ext cx="464588" cy="465380"/>
-          </a:xfrm>
-          <a:prstGeom prst="roundRect">
-            <a:avLst/>
-          </a:prstGeom>
-        </p:spPr>
-        <p:style>
-          <a:lnRef idx="2">
-            <a:schemeClr val="accent6"/>
-          </a:lnRef>
-          <a:fillRef idx="1">
-            <a:schemeClr val="lt1"/>
-          </a:fillRef>
-          <a:effectRef idx="0">
-            <a:schemeClr val="accent6"/>
-          </a:effectRef>
-          <a:fontRef idx="minor">
-            <a:schemeClr val="dk1"/>
-          </a:fontRef>
-        </p:style>
-        <p:txBody>
-          <a:bodyPr rtlCol="0" anchor="ctr"/>
-          <a:lstStyle/>
-          <a:p>
-            <a:pPr algn="ctr"/>
-            <a:r>
-              <a:rPr kumimoji="1" lang="en-US" altLang="ja-JP" sz="1400" smtClean="0"/>
-              <a:t>-</a:t>
-            </a:r>
-            <a:endParaRPr kumimoji="1" lang="ja-JP" altLang="en-US" sz="1400" dirty="0"/>
-          </a:p>
-        </p:txBody>
-      </p:sp>
-      <p:sp>
-        <p:nvSpPr>
-          <p:cNvPr id="13" name="角丸四角形 12"/>
-          <p:cNvSpPr/>
-          <p:nvPr/>
-        </p:nvSpPr>
-        <p:spPr>
-          <a:xfrm>
-            <a:off x="4331609" y="3369914"/>
-            <a:ext cx="464588" cy="465380"/>
-          </a:xfrm>
-          <a:prstGeom prst="roundRect">
-            <a:avLst/>
-          </a:prstGeom>
-        </p:spPr>
-        <p:style>
-          <a:lnRef idx="2">
-            <a:schemeClr val="accent6"/>
-          </a:lnRef>
-          <a:fillRef idx="1">
-            <a:schemeClr val="lt1"/>
-          </a:fillRef>
-          <a:effectRef idx="0">
-            <a:schemeClr val="accent6"/>
-          </a:effectRef>
-          <a:fontRef idx="minor">
-            <a:schemeClr val="dk1"/>
-          </a:fontRef>
-        </p:style>
-        <p:txBody>
-          <a:bodyPr rtlCol="0" anchor="ctr"/>
-          <a:lstStyle/>
-          <a:p>
-            <a:pPr algn="ctr"/>
-            <a:r>
-              <a:rPr kumimoji="1" lang="en-US" altLang="ja-JP" sz="1400" smtClean="0"/>
-              <a:t>=</a:t>
-            </a:r>
-            <a:endParaRPr kumimoji="1" lang="ja-JP" altLang="en-US" sz="1400" dirty="0"/>
-          </a:p>
-        </p:txBody>
-      </p:sp>
-      <p:sp>
-        <p:nvSpPr>
-          <p:cNvPr id="14" name="角丸四角形 13"/>
-          <p:cNvSpPr/>
-          <p:nvPr/>
-        </p:nvSpPr>
-        <p:spPr>
-          <a:xfrm>
-            <a:off x="4868190" y="3369914"/>
-            <a:ext cx="464588" cy="465380"/>
-          </a:xfrm>
-          <a:prstGeom prst="roundRect">
-            <a:avLst/>
-          </a:prstGeom>
-        </p:spPr>
-        <p:style>
-          <a:lnRef idx="2">
-            <a:schemeClr val="accent6"/>
-          </a:lnRef>
-          <a:fillRef idx="1">
-            <a:schemeClr val="lt1"/>
-          </a:fillRef>
-          <a:effectRef idx="0">
-            <a:schemeClr val="accent6"/>
-          </a:effectRef>
-          <a:fontRef idx="minor">
-            <a:schemeClr val="dk1"/>
-          </a:fontRef>
-        </p:style>
-        <p:txBody>
-          <a:bodyPr rtlCol="0" anchor="ctr"/>
-          <a:lstStyle/>
-          <a:p>
-            <a:pPr algn="ctr"/>
-            <a:endParaRPr kumimoji="1" lang="ja-JP" altLang="en-US" sz="1400" dirty="0"/>
-          </a:p>
-        </p:txBody>
-      </p:sp>
-      <p:sp>
-        <p:nvSpPr>
-          <p:cNvPr id="15" name="角丸四角形 14"/>
-          <p:cNvSpPr/>
-          <p:nvPr/>
-        </p:nvSpPr>
-        <p:spPr>
-          <a:xfrm>
-            <a:off x="5404771" y="3369914"/>
-            <a:ext cx="464588" cy="465380"/>
-          </a:xfrm>
-          <a:prstGeom prst="roundRect">
-            <a:avLst/>
-          </a:prstGeom>
-        </p:spPr>
-        <p:style>
-          <a:lnRef idx="2">
-            <a:schemeClr val="accent6"/>
-          </a:lnRef>
-          <a:fillRef idx="1">
-            <a:schemeClr val="lt1"/>
-          </a:fillRef>
-          <a:effectRef idx="0">
-            <a:schemeClr val="accent6"/>
-          </a:effectRef>
-          <a:fontRef idx="minor">
-            <a:schemeClr val="dk1"/>
-          </a:fontRef>
-        </p:style>
-        <p:txBody>
-          <a:bodyPr rtlCol="0" anchor="ctr"/>
-          <a:lstStyle/>
-          <a:p>
-            <a:pPr algn="ctr"/>
-            <a:endParaRPr kumimoji="1" lang="ja-JP" altLang="en-US" sz="1400" dirty="0"/>
-          </a:p>
-        </p:txBody>
-      </p:sp>
-      <p:sp>
-        <p:nvSpPr>
-          <p:cNvPr id="16" name="角丸四角形 15"/>
-          <p:cNvSpPr/>
-          <p:nvPr/>
-        </p:nvSpPr>
-        <p:spPr>
-          <a:xfrm>
-            <a:off x="5941352" y="3369914"/>
-            <a:ext cx="464588" cy="465380"/>
-          </a:xfrm>
-          <a:prstGeom prst="roundRect">
-            <a:avLst/>
-          </a:prstGeom>
-        </p:spPr>
-        <p:style>
-          <a:lnRef idx="2">
-            <a:schemeClr val="accent6"/>
-          </a:lnRef>
-          <a:fillRef idx="1">
-            <a:schemeClr val="lt1"/>
-          </a:fillRef>
-          <a:effectRef idx="0">
-            <a:schemeClr val="accent6"/>
-          </a:effectRef>
-          <a:fontRef idx="minor">
-            <a:schemeClr val="dk1"/>
-          </a:fontRef>
-        </p:style>
-        <p:txBody>
-          <a:bodyPr rtlCol="0" anchor="ctr"/>
-          <a:lstStyle/>
-          <a:p>
-            <a:pPr algn="ctr"/>
-            <a:endParaRPr kumimoji="1" lang="ja-JP" altLang="en-US" sz="1400" dirty="0"/>
-          </a:p>
-        </p:txBody>
-      </p:sp>
-      <p:sp>
-        <p:nvSpPr>
-          <p:cNvPr id="17" name="角丸四角形 16"/>
-          <p:cNvSpPr/>
-          <p:nvPr/>
-        </p:nvSpPr>
-        <p:spPr>
-          <a:xfrm>
-            <a:off x="6477933" y="3369914"/>
-            <a:ext cx="464588" cy="465380"/>
-          </a:xfrm>
-          <a:prstGeom prst="roundRect">
-            <a:avLst/>
-          </a:prstGeom>
-        </p:spPr>
-        <p:style>
-          <a:lnRef idx="2">
-            <a:schemeClr val="accent6"/>
-          </a:lnRef>
-          <a:fillRef idx="1">
-            <a:schemeClr val="lt1"/>
-          </a:fillRef>
-          <a:effectRef idx="0">
-            <a:schemeClr val="accent6"/>
-          </a:effectRef>
-          <a:fontRef idx="minor">
-            <a:schemeClr val="dk1"/>
-          </a:fontRef>
-        </p:style>
-        <p:txBody>
-          <a:bodyPr rtlCol="0" anchor="ctr"/>
-          <a:lstStyle/>
-          <a:p>
-            <a:pPr algn="ctr"/>
-            <a:endParaRPr kumimoji="1" lang="ja-JP" altLang="en-US" sz="1400" dirty="0"/>
-          </a:p>
-        </p:txBody>
-      </p:sp>
-      <p:sp>
-        <p:nvSpPr>
-          <p:cNvPr id="18" name="角丸四角形 17"/>
-          <p:cNvSpPr/>
-          <p:nvPr/>
-        </p:nvSpPr>
-        <p:spPr>
-          <a:xfrm>
-            <a:off x="7014514" y="3369914"/>
-            <a:ext cx="464588" cy="465380"/>
-          </a:xfrm>
-          <a:prstGeom prst="roundRect">
-            <a:avLst/>
-          </a:prstGeom>
-        </p:spPr>
-        <p:style>
-          <a:lnRef idx="2">
-            <a:schemeClr val="accent6"/>
-          </a:lnRef>
-          <a:fillRef idx="1">
-            <a:schemeClr val="lt1"/>
-          </a:fillRef>
-          <a:effectRef idx="0">
-            <a:schemeClr val="accent6"/>
-          </a:effectRef>
-          <a:fontRef idx="minor">
-            <a:schemeClr val="dk1"/>
-          </a:fontRef>
-        </p:style>
-        <p:txBody>
-          <a:bodyPr rtlCol="0" anchor="ctr"/>
-          <a:lstStyle/>
-          <a:p>
-            <a:pPr algn="ctr"/>
-            <a:endParaRPr kumimoji="1" lang="ja-JP" altLang="en-US" sz="1400" dirty="0"/>
-          </a:p>
-        </p:txBody>
-      </p:sp>
-      <p:sp>
-        <p:nvSpPr>
-          <p:cNvPr id="19" name="角丸四角形 18"/>
-          <p:cNvSpPr/>
-          <p:nvPr/>
-        </p:nvSpPr>
-        <p:spPr>
-          <a:xfrm>
-            <a:off x="7551095" y="3369914"/>
-            <a:ext cx="464588" cy="465380"/>
-          </a:xfrm>
-          <a:prstGeom prst="roundRect">
-            <a:avLst/>
-          </a:prstGeom>
-        </p:spPr>
-        <p:style>
-          <a:lnRef idx="2">
-            <a:schemeClr val="accent6"/>
-          </a:lnRef>
-          <a:fillRef idx="1">
-            <a:schemeClr val="lt1"/>
-          </a:fillRef>
-          <a:effectRef idx="0">
-            <a:schemeClr val="accent6"/>
-          </a:effectRef>
-          <a:fontRef idx="minor">
-            <a:schemeClr val="dk1"/>
-          </a:fontRef>
-        </p:style>
-        <p:txBody>
-          <a:bodyPr rtlCol="0" anchor="ctr"/>
-          <a:lstStyle/>
-          <a:p>
-            <a:pPr algn="ctr"/>
-            <a:endParaRPr kumimoji="1" lang="ja-JP" altLang="en-US" sz="1400" dirty="0"/>
-          </a:p>
-        </p:txBody>
-      </p:sp>
-      <p:sp>
-        <p:nvSpPr>
-          <p:cNvPr id="20" name="角丸四角形 19"/>
-          <p:cNvSpPr/>
-          <p:nvPr/>
-        </p:nvSpPr>
-        <p:spPr>
-          <a:xfrm>
-            <a:off x="8087682" y="3369914"/>
-            <a:ext cx="464588" cy="465380"/>
-          </a:xfrm>
-          <a:prstGeom prst="roundRect">
-            <a:avLst/>
-          </a:prstGeom>
-        </p:spPr>
-        <p:style>
-          <a:lnRef idx="2">
-            <a:schemeClr val="accent6"/>
-          </a:lnRef>
-          <a:fillRef idx="1">
-            <a:schemeClr val="lt1"/>
-          </a:fillRef>
-          <a:effectRef idx="0">
-            <a:schemeClr val="accent6"/>
-          </a:effectRef>
-          <a:fontRef idx="minor">
-            <a:schemeClr val="dk1"/>
-          </a:fontRef>
-        </p:style>
-        <p:txBody>
-          <a:bodyPr rtlCol="0" anchor="ctr"/>
-          <a:lstStyle/>
-          <a:p>
-            <a:pPr algn="ctr"/>
-            <a:endParaRPr kumimoji="1" lang="ja-JP" altLang="en-US" sz="1400" dirty="0"/>
-          </a:p>
-        </p:txBody>
-      </p:sp>
-      <p:sp>
-        <p:nvSpPr>
-          <p:cNvPr id="22" name="角丸四角形 21"/>
-          <p:cNvSpPr/>
-          <p:nvPr/>
-        </p:nvSpPr>
-        <p:spPr>
-          <a:xfrm>
-            <a:off x="1364212" y="3895694"/>
-            <a:ext cx="464588" cy="465380"/>
-          </a:xfrm>
-          <a:prstGeom prst="roundRect">
-            <a:avLst/>
-          </a:prstGeom>
-        </p:spPr>
-        <p:style>
-          <a:lnRef idx="2">
-            <a:schemeClr val="accent6"/>
-          </a:lnRef>
-          <a:fillRef idx="1">
-            <a:schemeClr val="lt1"/>
-          </a:fillRef>
-          <a:effectRef idx="0">
-            <a:schemeClr val="accent6"/>
-          </a:effectRef>
-          <a:fontRef idx="minor">
-            <a:schemeClr val="dk1"/>
-          </a:fontRef>
-        </p:style>
-        <p:txBody>
-          <a:bodyPr rtlCol="0" anchor="ctr"/>
-          <a:lstStyle/>
-          <a:p>
-            <a:pPr algn="ctr"/>
-            <a:r>
-              <a:rPr kumimoji="1" lang="en-US" altLang="ja-JP" sz="1400" smtClean="0"/>
-              <a:t>y</a:t>
-            </a:r>
-            <a:endParaRPr kumimoji="1" lang="ja-JP" altLang="en-US" sz="1400" dirty="0"/>
-          </a:p>
-        </p:txBody>
-      </p:sp>
-      <p:sp>
-        <p:nvSpPr>
-          <p:cNvPr id="23" name="角丸四角形 22"/>
-          <p:cNvSpPr/>
-          <p:nvPr/>
-        </p:nvSpPr>
-        <p:spPr>
-          <a:xfrm>
-            <a:off x="1900793" y="3895694"/>
-            <a:ext cx="464588" cy="465380"/>
-          </a:xfrm>
-          <a:prstGeom prst="roundRect">
-            <a:avLst/>
-          </a:prstGeom>
-        </p:spPr>
-        <p:style>
-          <a:lnRef idx="2">
-            <a:schemeClr val="accent6"/>
-          </a:lnRef>
-          <a:fillRef idx="1">
-            <a:schemeClr val="lt1"/>
-          </a:fillRef>
-          <a:effectRef idx="0">
-            <a:schemeClr val="accent6"/>
-          </a:effectRef>
-          <a:fontRef idx="minor">
-            <a:schemeClr val="dk1"/>
-          </a:fontRef>
-        </p:style>
-        <p:txBody>
-          <a:bodyPr rtlCol="0" anchor="ctr"/>
-          <a:lstStyle/>
-          <a:p>
-            <a:pPr algn="ctr"/>
-            <a:r>
-              <a:rPr kumimoji="1" lang="en-US" altLang="ja-JP" sz="1400" smtClean="0"/>
-              <a:t>u</a:t>
-            </a:r>
-            <a:endParaRPr kumimoji="1" lang="ja-JP" altLang="en-US" sz="1400" dirty="0"/>
-          </a:p>
-        </p:txBody>
-      </p:sp>
-      <p:sp>
-        <p:nvSpPr>
-          <p:cNvPr id="24" name="角丸四角形 23"/>
-          <p:cNvSpPr/>
-          <p:nvPr/>
-        </p:nvSpPr>
-        <p:spPr>
-          <a:xfrm>
-            <a:off x="2437374" y="3895694"/>
-            <a:ext cx="464588" cy="465380"/>
-          </a:xfrm>
-          <a:prstGeom prst="roundRect">
-            <a:avLst/>
-          </a:prstGeom>
-        </p:spPr>
-        <p:style>
-          <a:lnRef idx="2">
-            <a:schemeClr val="accent6"/>
-          </a:lnRef>
-          <a:fillRef idx="1">
-            <a:schemeClr val="lt1"/>
-          </a:fillRef>
-          <a:effectRef idx="0">
-            <a:schemeClr val="accent6"/>
-          </a:effectRef>
-          <a:fontRef idx="minor">
-            <a:schemeClr val="dk1"/>
-          </a:fontRef>
-        </p:style>
-        <p:txBody>
-          <a:bodyPr rtlCol="0" anchor="ctr"/>
-          <a:lstStyle/>
-          <a:p>
-            <a:pPr algn="ctr"/>
-            <a:r>
-              <a:rPr kumimoji="1" lang="en-US" altLang="ja-JP" sz="1400" smtClean="0"/>
-              <a:t>i</a:t>
-            </a:r>
-            <a:endParaRPr kumimoji="1" lang="ja-JP" altLang="en-US" sz="1400" dirty="0"/>
-          </a:p>
-        </p:txBody>
-      </p:sp>
-      <p:sp>
-        <p:nvSpPr>
-          <p:cNvPr id="25" name="角丸四角形 24"/>
-          <p:cNvSpPr/>
-          <p:nvPr/>
-        </p:nvSpPr>
-        <p:spPr>
-          <a:xfrm>
-            <a:off x="2973955" y="3895694"/>
-            <a:ext cx="464588" cy="465380"/>
-          </a:xfrm>
-          <a:prstGeom prst="roundRect">
-            <a:avLst/>
-          </a:prstGeom>
-        </p:spPr>
-        <p:style>
-          <a:lnRef idx="2">
-            <a:schemeClr val="accent6"/>
-          </a:lnRef>
-          <a:fillRef idx="1">
-            <a:schemeClr val="lt1"/>
-          </a:fillRef>
-          <a:effectRef idx="0">
-            <a:schemeClr val="accent6"/>
-          </a:effectRef>
-          <a:fontRef idx="minor">
-            <a:schemeClr val="dk1"/>
-          </a:fontRef>
-        </p:style>
-        <p:txBody>
-          <a:bodyPr rtlCol="0" anchor="ctr"/>
-          <a:lstStyle/>
-          <a:p>
-            <a:pPr algn="ctr"/>
-            <a:r>
-              <a:rPr kumimoji="1" lang="en-US" altLang="ja-JP" sz="1400" smtClean="0"/>
-              <a:t>o</a:t>
-            </a:r>
-            <a:endParaRPr kumimoji="1" lang="ja-JP" altLang="en-US" sz="1400" dirty="0"/>
-          </a:p>
-        </p:txBody>
-      </p:sp>
-      <p:sp>
-        <p:nvSpPr>
-          <p:cNvPr id="26" name="角丸四角形 25"/>
-          <p:cNvSpPr/>
-          <p:nvPr/>
-        </p:nvSpPr>
-        <p:spPr>
-          <a:xfrm>
-            <a:off x="3510536" y="3895694"/>
-            <a:ext cx="464588" cy="465380"/>
-          </a:xfrm>
-          <a:prstGeom prst="roundRect">
-            <a:avLst/>
-          </a:prstGeom>
-        </p:spPr>
-        <p:style>
-          <a:lnRef idx="2">
-            <a:schemeClr val="accent6"/>
-          </a:lnRef>
-          <a:fillRef idx="1">
-            <a:schemeClr val="lt1"/>
-          </a:fillRef>
-          <a:effectRef idx="0">
-            <a:schemeClr val="accent6"/>
-          </a:effectRef>
-          <a:fontRef idx="minor">
-            <a:schemeClr val="dk1"/>
-          </a:fontRef>
-        </p:style>
-        <p:txBody>
-          <a:bodyPr rtlCol="0" anchor="ctr"/>
-          <a:lstStyle/>
-          <a:p>
-            <a:pPr algn="ctr"/>
-            <a:r>
-              <a:rPr kumimoji="1" lang="en-US" altLang="ja-JP" sz="1400" smtClean="0"/>
-              <a:t>p</a:t>
-            </a:r>
-            <a:endParaRPr kumimoji="1" lang="ja-JP" altLang="en-US" sz="1400" dirty="0"/>
-          </a:p>
-        </p:txBody>
-      </p:sp>
-      <p:sp>
-        <p:nvSpPr>
-          <p:cNvPr id="27" name="角丸四角形 26"/>
-          <p:cNvSpPr/>
-          <p:nvPr/>
-        </p:nvSpPr>
-        <p:spPr>
-          <a:xfrm>
-            <a:off x="4047117" y="3895694"/>
-            <a:ext cx="464588" cy="465380"/>
-          </a:xfrm>
-          <a:prstGeom prst="roundRect">
-            <a:avLst/>
-          </a:prstGeom>
-        </p:spPr>
-        <p:style>
-          <a:lnRef idx="2">
-            <a:schemeClr val="accent6"/>
-          </a:lnRef>
-          <a:fillRef idx="1">
-            <a:schemeClr val="lt1"/>
-          </a:fillRef>
-          <a:effectRef idx="0">
-            <a:schemeClr val="accent6"/>
-          </a:effectRef>
-          <a:fontRef idx="minor">
-            <a:schemeClr val="dk1"/>
-          </a:fontRef>
-        </p:style>
-        <p:txBody>
-          <a:bodyPr rtlCol="0" anchor="ctr"/>
-          <a:lstStyle/>
-          <a:p>
-            <a:pPr algn="ctr"/>
-            <a:r>
-              <a:rPr kumimoji="1" lang="en-US" altLang="ja-JP" sz="1400" smtClean="0"/>
-              <a:t>[</a:t>
-            </a:r>
-            <a:endParaRPr kumimoji="1" lang="ja-JP" altLang="en-US" sz="1400" dirty="0"/>
-          </a:p>
-        </p:txBody>
-      </p:sp>
-      <p:sp>
-        <p:nvSpPr>
-          <p:cNvPr id="28" name="角丸四角形 27"/>
-          <p:cNvSpPr/>
-          <p:nvPr/>
-        </p:nvSpPr>
-        <p:spPr>
-          <a:xfrm>
-            <a:off x="4583698" y="3895694"/>
-            <a:ext cx="464588" cy="465380"/>
-          </a:xfrm>
-          <a:prstGeom prst="roundRect">
-            <a:avLst/>
-          </a:prstGeom>
-        </p:spPr>
-        <p:style>
-          <a:lnRef idx="2">
-            <a:schemeClr val="accent6"/>
-          </a:lnRef>
-          <a:fillRef idx="1">
-            <a:schemeClr val="lt1"/>
-          </a:fillRef>
-          <a:effectRef idx="0">
-            <a:schemeClr val="accent6"/>
-          </a:effectRef>
-          <a:fontRef idx="minor">
-            <a:schemeClr val="dk1"/>
-          </a:fontRef>
-        </p:style>
-        <p:txBody>
-          <a:bodyPr rtlCol="0" anchor="ctr"/>
-          <a:lstStyle/>
-          <a:p>
-            <a:pPr algn="ctr"/>
-            <a:r>
-              <a:rPr kumimoji="1" lang="en-US" altLang="ja-JP" sz="1400" smtClean="0"/>
-              <a:t>]</a:t>
-            </a:r>
-            <a:endParaRPr kumimoji="1" lang="ja-JP" altLang="en-US" sz="1400" dirty="0"/>
-          </a:p>
-        </p:txBody>
-      </p:sp>
-      <p:sp>
-        <p:nvSpPr>
-          <p:cNvPr id="29" name="角丸四角形 28"/>
-          <p:cNvSpPr/>
-          <p:nvPr/>
-        </p:nvSpPr>
-        <p:spPr>
-          <a:xfrm>
-            <a:off x="5120279" y="3895694"/>
-            <a:ext cx="464588" cy="465380"/>
-          </a:xfrm>
-          <a:prstGeom prst="roundRect">
-            <a:avLst/>
-          </a:prstGeom>
-        </p:spPr>
-        <p:style>
-          <a:lnRef idx="2">
-            <a:schemeClr val="accent6"/>
-          </a:lnRef>
-          <a:fillRef idx="1">
-            <a:schemeClr val="lt1"/>
-          </a:fillRef>
-          <a:effectRef idx="0">
-            <a:schemeClr val="accent6"/>
-          </a:effectRef>
-          <a:fontRef idx="minor">
-            <a:schemeClr val="dk1"/>
-          </a:fontRef>
-        </p:style>
-        <p:txBody>
-          <a:bodyPr rtlCol="0" anchor="ctr"/>
-          <a:lstStyle/>
-          <a:p>
-            <a:pPr algn="ctr"/>
-            <a:endParaRPr kumimoji="1" lang="ja-JP" altLang="en-US" sz="1400" dirty="0"/>
-          </a:p>
-        </p:txBody>
-      </p:sp>
-      <p:sp>
-        <p:nvSpPr>
-          <p:cNvPr id="30" name="角丸四角形 29"/>
-          <p:cNvSpPr/>
-          <p:nvPr/>
-        </p:nvSpPr>
-        <p:spPr>
-          <a:xfrm>
-            <a:off x="5656860" y="3895694"/>
-            <a:ext cx="464588" cy="465380"/>
-          </a:xfrm>
-          <a:prstGeom prst="roundRect">
-            <a:avLst/>
-          </a:prstGeom>
-        </p:spPr>
-        <p:style>
-          <a:lnRef idx="2">
-            <a:schemeClr val="accent6"/>
-          </a:lnRef>
-          <a:fillRef idx="1">
-            <a:schemeClr val="lt1"/>
-          </a:fillRef>
-          <a:effectRef idx="0">
-            <a:schemeClr val="accent6"/>
-          </a:effectRef>
-          <a:fontRef idx="minor">
-            <a:schemeClr val="dk1"/>
-          </a:fontRef>
-        </p:style>
-        <p:txBody>
-          <a:bodyPr rtlCol="0" anchor="ctr"/>
-          <a:lstStyle/>
-          <a:p>
-            <a:pPr algn="ctr"/>
-            <a:endParaRPr kumimoji="1" lang="ja-JP" altLang="en-US" sz="1400" dirty="0"/>
-          </a:p>
-        </p:txBody>
-      </p:sp>
-      <p:sp>
-        <p:nvSpPr>
-          <p:cNvPr id="31" name="角丸四角形 30"/>
-          <p:cNvSpPr/>
-          <p:nvPr/>
-        </p:nvSpPr>
-        <p:spPr>
-          <a:xfrm>
-            <a:off x="6193441" y="3895694"/>
-            <a:ext cx="464588" cy="465380"/>
-          </a:xfrm>
-          <a:prstGeom prst="roundRect">
-            <a:avLst/>
-          </a:prstGeom>
-        </p:spPr>
-        <p:style>
-          <a:lnRef idx="2">
-            <a:schemeClr val="accent6"/>
-          </a:lnRef>
-          <a:fillRef idx="1">
-            <a:schemeClr val="lt1"/>
-          </a:fillRef>
-          <a:effectRef idx="0">
-            <a:schemeClr val="accent6"/>
-          </a:effectRef>
-          <a:fontRef idx="minor">
-            <a:schemeClr val="dk1"/>
-          </a:fontRef>
-        </p:style>
-        <p:txBody>
-          <a:bodyPr rtlCol="0" anchor="ctr"/>
-          <a:lstStyle/>
-          <a:p>
-            <a:pPr algn="ctr"/>
-            <a:endParaRPr kumimoji="1" lang="ja-JP" altLang="en-US" sz="1400" dirty="0"/>
-          </a:p>
-        </p:txBody>
-      </p:sp>
-      <p:sp>
-        <p:nvSpPr>
-          <p:cNvPr id="32" name="角丸四角形 31"/>
-          <p:cNvSpPr/>
-          <p:nvPr/>
-        </p:nvSpPr>
-        <p:spPr>
-          <a:xfrm>
-            <a:off x="6730022" y="3895694"/>
-            <a:ext cx="464588" cy="465380"/>
-          </a:xfrm>
-          <a:prstGeom prst="roundRect">
-            <a:avLst/>
-          </a:prstGeom>
-        </p:spPr>
-        <p:style>
-          <a:lnRef idx="2">
-            <a:schemeClr val="accent6"/>
-          </a:lnRef>
-          <a:fillRef idx="1">
-            <a:schemeClr val="lt1"/>
-          </a:fillRef>
-          <a:effectRef idx="0">
-            <a:schemeClr val="accent6"/>
-          </a:effectRef>
-          <a:fontRef idx="minor">
-            <a:schemeClr val="dk1"/>
-          </a:fontRef>
-        </p:style>
-        <p:txBody>
-          <a:bodyPr rtlCol="0" anchor="ctr"/>
-          <a:lstStyle/>
-          <a:p>
-            <a:pPr algn="ctr"/>
-            <a:endParaRPr kumimoji="1" lang="ja-JP" altLang="en-US" sz="1400" dirty="0"/>
-          </a:p>
-        </p:txBody>
-      </p:sp>
-      <p:sp>
-        <p:nvSpPr>
-          <p:cNvPr id="33" name="角丸四角形 32"/>
-          <p:cNvSpPr/>
-          <p:nvPr/>
-        </p:nvSpPr>
-        <p:spPr>
-          <a:xfrm>
-            <a:off x="7266603" y="3895694"/>
-            <a:ext cx="464588" cy="465380"/>
-          </a:xfrm>
-          <a:prstGeom prst="roundRect">
-            <a:avLst/>
-          </a:prstGeom>
-        </p:spPr>
-        <p:style>
-          <a:lnRef idx="2">
-            <a:schemeClr val="accent6"/>
-          </a:lnRef>
-          <a:fillRef idx="1">
-            <a:schemeClr val="lt1"/>
-          </a:fillRef>
-          <a:effectRef idx="0">
-            <a:schemeClr val="accent6"/>
-          </a:effectRef>
-          <a:fontRef idx="minor">
-            <a:schemeClr val="dk1"/>
-          </a:fontRef>
-        </p:style>
-        <p:txBody>
-          <a:bodyPr rtlCol="0" anchor="ctr"/>
-          <a:lstStyle/>
-          <a:p>
-            <a:pPr algn="ctr"/>
-            <a:endParaRPr kumimoji="1" lang="ja-JP" altLang="en-US" sz="1400" dirty="0"/>
-          </a:p>
-        </p:txBody>
-      </p:sp>
-      <p:sp>
-        <p:nvSpPr>
-          <p:cNvPr id="34" name="角丸四角形 33"/>
-          <p:cNvSpPr/>
-          <p:nvPr/>
-        </p:nvSpPr>
-        <p:spPr>
-          <a:xfrm>
-            <a:off x="7803183" y="3895694"/>
-            <a:ext cx="749085" cy="465380"/>
-          </a:xfrm>
-          <a:prstGeom prst="roundRect">
-            <a:avLst/>
-          </a:prstGeom>
-        </p:spPr>
-        <p:style>
-          <a:lnRef idx="2">
-            <a:schemeClr val="accent6"/>
-          </a:lnRef>
-          <a:fillRef idx="1">
-            <a:schemeClr val="lt1"/>
-          </a:fillRef>
-          <a:effectRef idx="0">
-            <a:schemeClr val="accent6"/>
-          </a:effectRef>
-          <a:fontRef idx="minor">
-            <a:schemeClr val="dk1"/>
-          </a:fontRef>
-        </p:style>
-        <p:txBody>
-          <a:bodyPr rtlCol="0" anchor="ctr"/>
-          <a:lstStyle/>
-          <a:p>
-            <a:pPr algn="ctr"/>
-            <a:endParaRPr kumimoji="1" lang="ja-JP" altLang="en-US" sz="1400" dirty="0"/>
-          </a:p>
-        </p:txBody>
-      </p:sp>
-      <p:sp>
-        <p:nvSpPr>
-          <p:cNvPr id="35" name="角丸四角形 34"/>
-          <p:cNvSpPr/>
-          <p:nvPr/>
-        </p:nvSpPr>
-        <p:spPr>
-          <a:xfrm>
-            <a:off x="569441" y="3895694"/>
-            <a:ext cx="722778" cy="465380"/>
-          </a:xfrm>
-          <a:prstGeom prst="roundRect">
-            <a:avLst/>
-          </a:prstGeom>
-        </p:spPr>
-        <p:style>
-          <a:lnRef idx="2">
-            <a:schemeClr val="accent6"/>
-          </a:lnRef>
-          <a:fillRef idx="1">
-            <a:schemeClr val="lt1"/>
-          </a:fillRef>
-          <a:effectRef idx="0">
-            <a:schemeClr val="accent6"/>
-          </a:effectRef>
-          <a:fontRef idx="minor">
-            <a:schemeClr val="dk1"/>
-          </a:fontRef>
-        </p:style>
-        <p:txBody>
-          <a:bodyPr rtlCol="0" anchor="ctr"/>
-          <a:lstStyle/>
-          <a:p>
-            <a:pPr algn="ctr"/>
-            <a:endParaRPr kumimoji="1" lang="ja-JP" altLang="en-US" sz="1400" dirty="0"/>
-          </a:p>
-        </p:txBody>
-      </p:sp>
-      <p:sp>
-        <p:nvSpPr>
-          <p:cNvPr id="36" name="角丸四角形 35"/>
-          <p:cNvSpPr/>
-          <p:nvPr/>
-        </p:nvSpPr>
-        <p:spPr>
-          <a:xfrm>
-            <a:off x="1547092" y="4421474"/>
-            <a:ext cx="464588" cy="465380"/>
-          </a:xfrm>
-          <a:prstGeom prst="roundRect">
-            <a:avLst/>
-          </a:prstGeom>
-        </p:spPr>
-        <p:style>
-          <a:lnRef idx="2">
-            <a:schemeClr val="accent6"/>
-          </a:lnRef>
-          <a:fillRef idx="1">
-            <a:schemeClr val="lt1"/>
-          </a:fillRef>
-          <a:effectRef idx="0">
-            <a:schemeClr val="accent6"/>
-          </a:effectRef>
-          <a:fontRef idx="minor">
-            <a:schemeClr val="dk1"/>
-          </a:fontRef>
-        </p:style>
-        <p:txBody>
-          <a:bodyPr rtlCol="0" anchor="ctr"/>
-          <a:lstStyle/>
-          <a:p>
-            <a:pPr algn="ctr"/>
-            <a:r>
-              <a:rPr kumimoji="1" lang="en-US" altLang="ja-JP" sz="1400" smtClean="0"/>
-              <a:t>h</a:t>
-            </a:r>
-            <a:endParaRPr kumimoji="1" lang="ja-JP" altLang="en-US" sz="1400" dirty="0"/>
-          </a:p>
-        </p:txBody>
-      </p:sp>
-      <p:sp>
-        <p:nvSpPr>
-          <p:cNvPr id="37" name="角丸四角形 36"/>
-          <p:cNvSpPr/>
-          <p:nvPr/>
-        </p:nvSpPr>
-        <p:spPr>
-          <a:xfrm>
-            <a:off x="2083673" y="4421474"/>
-            <a:ext cx="464588" cy="465380"/>
-          </a:xfrm>
-          <a:prstGeom prst="roundRect">
-            <a:avLst/>
-          </a:prstGeom>
-        </p:spPr>
-        <p:style>
-          <a:lnRef idx="2">
-            <a:schemeClr val="accent6"/>
-          </a:lnRef>
-          <a:fillRef idx="1">
-            <a:schemeClr val="lt1"/>
-          </a:fillRef>
-          <a:effectRef idx="0">
-            <a:schemeClr val="accent6"/>
-          </a:effectRef>
-          <a:fontRef idx="minor">
-            <a:schemeClr val="dk1"/>
-          </a:fontRef>
-        </p:style>
-        <p:txBody>
-          <a:bodyPr rtlCol="0" anchor="ctr"/>
-          <a:lstStyle/>
-          <a:p>
-            <a:pPr algn="ctr"/>
-            <a:r>
-              <a:rPr kumimoji="1" lang="en-US" altLang="ja-JP" sz="1400" smtClean="0"/>
-              <a:t>j</a:t>
-            </a:r>
-            <a:endParaRPr kumimoji="1" lang="ja-JP" altLang="en-US" sz="1400" dirty="0"/>
-          </a:p>
-        </p:txBody>
-      </p:sp>
-      <p:sp>
-        <p:nvSpPr>
-          <p:cNvPr id="38" name="角丸四角形 37"/>
-          <p:cNvSpPr/>
-          <p:nvPr/>
-        </p:nvSpPr>
-        <p:spPr>
-          <a:xfrm>
-            <a:off x="2620254" y="4421474"/>
-            <a:ext cx="464588" cy="465380"/>
-          </a:xfrm>
-          <a:prstGeom prst="roundRect">
-            <a:avLst/>
-          </a:prstGeom>
-        </p:spPr>
-        <p:style>
-          <a:lnRef idx="2">
-            <a:schemeClr val="accent6"/>
-          </a:lnRef>
-          <a:fillRef idx="1">
-            <a:schemeClr val="lt1"/>
-          </a:fillRef>
-          <a:effectRef idx="0">
-            <a:schemeClr val="accent6"/>
-          </a:effectRef>
-          <a:fontRef idx="minor">
-            <a:schemeClr val="dk1"/>
-          </a:fontRef>
-        </p:style>
-        <p:txBody>
-          <a:bodyPr rtlCol="0" anchor="ctr"/>
-          <a:lstStyle/>
-          <a:p>
-            <a:pPr algn="ctr"/>
-            <a:r>
-              <a:rPr kumimoji="1" lang="en-US" altLang="ja-JP" sz="1400" smtClean="0"/>
-              <a:t>k</a:t>
-            </a:r>
-            <a:endParaRPr kumimoji="1" lang="ja-JP" altLang="en-US" sz="1400" dirty="0"/>
-          </a:p>
-        </p:txBody>
-      </p:sp>
-      <p:sp>
-        <p:nvSpPr>
-          <p:cNvPr id="39" name="角丸四角形 38"/>
-          <p:cNvSpPr/>
-          <p:nvPr/>
-        </p:nvSpPr>
-        <p:spPr>
-          <a:xfrm>
-            <a:off x="3156835" y="4421474"/>
-            <a:ext cx="464588" cy="465380"/>
-          </a:xfrm>
-          <a:prstGeom prst="roundRect">
-            <a:avLst/>
-          </a:prstGeom>
-        </p:spPr>
-        <p:style>
-          <a:lnRef idx="2">
-            <a:schemeClr val="accent6"/>
-          </a:lnRef>
-          <a:fillRef idx="1">
-            <a:schemeClr val="lt1"/>
-          </a:fillRef>
-          <a:effectRef idx="0">
-            <a:schemeClr val="accent6"/>
-          </a:effectRef>
-          <a:fontRef idx="minor">
-            <a:schemeClr val="dk1"/>
-          </a:fontRef>
-        </p:style>
-        <p:txBody>
-          <a:bodyPr rtlCol="0" anchor="ctr"/>
-          <a:lstStyle/>
-          <a:p>
-            <a:pPr algn="ctr"/>
-            <a:r>
-              <a:rPr kumimoji="1" lang="en-US" altLang="ja-JP" sz="1400" u="sng" smtClean="0"/>
-              <a:t>l</a:t>
-            </a:r>
-            <a:endParaRPr kumimoji="1" lang="ja-JP" altLang="en-US" sz="1400" u="sng" dirty="0"/>
-          </a:p>
-        </p:txBody>
-      </p:sp>
-      <p:sp>
-        <p:nvSpPr>
-          <p:cNvPr id="40" name="角丸四角形 39"/>
-          <p:cNvSpPr/>
-          <p:nvPr/>
-        </p:nvSpPr>
-        <p:spPr>
-          <a:xfrm>
-            <a:off x="3693416" y="4421474"/>
-            <a:ext cx="464588" cy="465380"/>
-          </a:xfrm>
-          <a:prstGeom prst="roundRect">
-            <a:avLst/>
-          </a:prstGeom>
-        </p:spPr>
-        <p:style>
-          <a:lnRef idx="2">
-            <a:schemeClr val="accent6"/>
-          </a:lnRef>
-          <a:fillRef idx="1">
-            <a:schemeClr val="lt1"/>
-          </a:fillRef>
-          <a:effectRef idx="0">
-            <a:schemeClr val="accent6"/>
-          </a:effectRef>
-          <a:fontRef idx="minor">
-            <a:schemeClr val="dk1"/>
-          </a:fontRef>
-        </p:style>
-        <p:txBody>
-          <a:bodyPr rtlCol="0" anchor="ctr"/>
-          <a:lstStyle/>
-          <a:p>
-            <a:pPr algn="ctr"/>
-            <a:r>
-              <a:rPr kumimoji="1" lang="en-US" altLang="ja-JP" sz="1400" smtClean="0"/>
-              <a:t>;</a:t>
-            </a:r>
-            <a:endParaRPr kumimoji="1" lang="ja-JP" altLang="en-US" sz="1400" dirty="0"/>
-          </a:p>
-        </p:txBody>
-      </p:sp>
-      <p:sp>
-        <p:nvSpPr>
-          <p:cNvPr id="41" name="角丸四角形 40"/>
-          <p:cNvSpPr/>
-          <p:nvPr/>
-        </p:nvSpPr>
-        <p:spPr>
-          <a:xfrm>
-            <a:off x="4229997" y="4421474"/>
-            <a:ext cx="464588" cy="465380"/>
-          </a:xfrm>
-          <a:prstGeom prst="roundRect">
-            <a:avLst/>
-          </a:prstGeom>
-        </p:spPr>
-        <p:style>
-          <a:lnRef idx="2">
-            <a:schemeClr val="accent6"/>
-          </a:lnRef>
-          <a:fillRef idx="1">
-            <a:schemeClr val="lt1"/>
-          </a:fillRef>
-          <a:effectRef idx="0">
-            <a:schemeClr val="accent6"/>
-          </a:effectRef>
-          <a:fontRef idx="minor">
-            <a:schemeClr val="dk1"/>
-          </a:fontRef>
-        </p:style>
-        <p:txBody>
-          <a:bodyPr rtlCol="0" anchor="ctr"/>
-          <a:lstStyle/>
-          <a:p>
-            <a:pPr algn="ctr"/>
-            <a:r>
-              <a:rPr kumimoji="1" lang="en-US" altLang="ja-JP" sz="1400" smtClean="0"/>
-              <a:t>‘</a:t>
-            </a:r>
-            <a:endParaRPr kumimoji="1" lang="ja-JP" altLang="en-US" sz="1400" dirty="0"/>
-          </a:p>
-        </p:txBody>
-      </p:sp>
-      <p:sp>
-        <p:nvSpPr>
-          <p:cNvPr id="42" name="角丸四角形 41"/>
-          <p:cNvSpPr/>
-          <p:nvPr/>
-        </p:nvSpPr>
-        <p:spPr>
-          <a:xfrm>
-            <a:off x="4766578" y="4421474"/>
-            <a:ext cx="464588" cy="465380"/>
-          </a:xfrm>
-          <a:prstGeom prst="roundRect">
-            <a:avLst/>
-          </a:prstGeom>
-        </p:spPr>
-        <p:style>
-          <a:lnRef idx="2">
-            <a:schemeClr val="accent6"/>
-          </a:lnRef>
-          <a:fillRef idx="1">
-            <a:schemeClr val="lt1"/>
-          </a:fillRef>
-          <a:effectRef idx="0">
-            <a:schemeClr val="accent6"/>
-          </a:effectRef>
-          <a:fontRef idx="minor">
-            <a:schemeClr val="dk1"/>
-          </a:fontRef>
-        </p:style>
-        <p:txBody>
-          <a:bodyPr wrap="none" rtlCol="0" anchor="ctr"/>
-          <a:lstStyle/>
-          <a:p>
-            <a:pPr algn="ctr"/>
-            <a:endParaRPr kumimoji="1" lang="ja-JP" altLang="en-US" sz="1100" u="sng" dirty="0">
+            <a:endParaRPr kumimoji="1" lang="ja-JP" altLang="en-US" sz="1400" dirty="0">
               <a:solidFill>
-                <a:schemeClr val="accent2">
+                <a:schemeClr val="accent5">
                   <a:lumMod val="75000"/>
                 </a:schemeClr>
               </a:solidFill>
@@ -26760,6 +26257,1611 @@
       </p:sp>
       <p:sp>
         <p:nvSpPr>
+          <p:cNvPr id="7" name="角丸四角形 6"/>
+          <p:cNvSpPr/>
+          <p:nvPr/>
+        </p:nvSpPr>
+        <p:spPr>
+          <a:xfrm>
+            <a:off x="1112123" y="3369914"/>
+            <a:ext cx="464588" cy="465380"/>
+          </a:xfrm>
+          <a:prstGeom prst="roundRect">
+            <a:avLst/>
+          </a:prstGeom>
+        </p:spPr>
+        <p:style>
+          <a:lnRef idx="2">
+            <a:schemeClr val="accent6"/>
+          </a:lnRef>
+          <a:fillRef idx="1">
+            <a:schemeClr val="lt1"/>
+          </a:fillRef>
+          <a:effectRef idx="0">
+            <a:schemeClr val="accent6"/>
+          </a:effectRef>
+          <a:fontRef idx="minor">
+            <a:schemeClr val="dk1"/>
+          </a:fontRef>
+        </p:style>
+        <p:txBody>
+          <a:bodyPr rtlCol="0" anchor="ctr"/>
+          <a:lstStyle/>
+          <a:p>
+            <a:pPr algn="ctr"/>
+            <a:r>
+              <a:rPr lang="en-US" altLang="ja-JP" sz="1400" smtClean="0"/>
+              <a:t>6</a:t>
+            </a:r>
+            <a:endParaRPr kumimoji="1" lang="ja-JP" altLang="en-US" sz="1400" dirty="0"/>
+          </a:p>
+        </p:txBody>
+      </p:sp>
+      <p:sp>
+        <p:nvSpPr>
+          <p:cNvPr id="8" name="角丸四角形 7"/>
+          <p:cNvSpPr/>
+          <p:nvPr/>
+        </p:nvSpPr>
+        <p:spPr>
+          <a:xfrm>
+            <a:off x="1648704" y="3369914"/>
+            <a:ext cx="464588" cy="465380"/>
+          </a:xfrm>
+          <a:prstGeom prst="roundRect">
+            <a:avLst/>
+          </a:prstGeom>
+        </p:spPr>
+        <p:style>
+          <a:lnRef idx="2">
+            <a:schemeClr val="accent6"/>
+          </a:lnRef>
+          <a:fillRef idx="1">
+            <a:schemeClr val="lt1"/>
+          </a:fillRef>
+          <a:effectRef idx="0">
+            <a:schemeClr val="accent6"/>
+          </a:effectRef>
+          <a:fontRef idx="minor">
+            <a:schemeClr val="dk1"/>
+          </a:fontRef>
+        </p:style>
+        <p:txBody>
+          <a:bodyPr rtlCol="0" anchor="ctr"/>
+          <a:lstStyle/>
+          <a:p>
+            <a:pPr algn="ctr"/>
+            <a:r>
+              <a:rPr kumimoji="1" lang="en-US" altLang="ja-JP" sz="1400" smtClean="0"/>
+              <a:t>7</a:t>
+            </a:r>
+            <a:endParaRPr kumimoji="1" lang="ja-JP" altLang="en-US" sz="1400" dirty="0"/>
+          </a:p>
+        </p:txBody>
+      </p:sp>
+      <p:sp>
+        <p:nvSpPr>
+          <p:cNvPr id="9" name="角丸四角形 8"/>
+          <p:cNvSpPr/>
+          <p:nvPr/>
+        </p:nvSpPr>
+        <p:spPr>
+          <a:xfrm>
+            <a:off x="2185285" y="3369914"/>
+            <a:ext cx="464588" cy="465380"/>
+          </a:xfrm>
+          <a:prstGeom prst="roundRect">
+            <a:avLst/>
+          </a:prstGeom>
+        </p:spPr>
+        <p:style>
+          <a:lnRef idx="2">
+            <a:schemeClr val="accent6"/>
+          </a:lnRef>
+          <a:fillRef idx="1">
+            <a:schemeClr val="lt1"/>
+          </a:fillRef>
+          <a:effectRef idx="0">
+            <a:schemeClr val="accent6"/>
+          </a:effectRef>
+          <a:fontRef idx="minor">
+            <a:schemeClr val="dk1"/>
+          </a:fontRef>
+        </p:style>
+        <p:txBody>
+          <a:bodyPr rtlCol="0" anchor="ctr"/>
+          <a:lstStyle/>
+          <a:p>
+            <a:pPr algn="ctr"/>
+            <a:r>
+              <a:rPr kumimoji="1" lang="en-US" altLang="ja-JP" sz="1400" smtClean="0"/>
+              <a:t>8</a:t>
+            </a:r>
+            <a:endParaRPr kumimoji="1" lang="ja-JP" altLang="en-US" sz="1400" dirty="0"/>
+          </a:p>
+        </p:txBody>
+      </p:sp>
+      <p:sp>
+        <p:nvSpPr>
+          <p:cNvPr id="10" name="角丸四角形 9"/>
+          <p:cNvSpPr/>
+          <p:nvPr/>
+        </p:nvSpPr>
+        <p:spPr>
+          <a:xfrm>
+            <a:off x="2721866" y="3369914"/>
+            <a:ext cx="464588" cy="465380"/>
+          </a:xfrm>
+          <a:prstGeom prst="roundRect">
+            <a:avLst/>
+          </a:prstGeom>
+        </p:spPr>
+        <p:style>
+          <a:lnRef idx="2">
+            <a:schemeClr val="accent6"/>
+          </a:lnRef>
+          <a:fillRef idx="1">
+            <a:schemeClr val="lt1"/>
+          </a:fillRef>
+          <a:effectRef idx="0">
+            <a:schemeClr val="accent6"/>
+          </a:effectRef>
+          <a:fontRef idx="minor">
+            <a:schemeClr val="dk1"/>
+          </a:fontRef>
+        </p:style>
+        <p:txBody>
+          <a:bodyPr rtlCol="0" anchor="ctr"/>
+          <a:lstStyle/>
+          <a:p>
+            <a:pPr algn="ctr"/>
+            <a:r>
+              <a:rPr kumimoji="1" lang="en-US" altLang="ja-JP" sz="1400" smtClean="0"/>
+              <a:t>9</a:t>
+            </a:r>
+            <a:endParaRPr kumimoji="1" lang="ja-JP" altLang="en-US" sz="1400" dirty="0"/>
+          </a:p>
+        </p:txBody>
+      </p:sp>
+      <p:sp>
+        <p:nvSpPr>
+          <p:cNvPr id="11" name="角丸四角形 10"/>
+          <p:cNvSpPr/>
+          <p:nvPr/>
+        </p:nvSpPr>
+        <p:spPr>
+          <a:xfrm>
+            <a:off x="3258447" y="3369914"/>
+            <a:ext cx="464588" cy="465380"/>
+          </a:xfrm>
+          <a:prstGeom prst="roundRect">
+            <a:avLst/>
+          </a:prstGeom>
+        </p:spPr>
+        <p:style>
+          <a:lnRef idx="2">
+            <a:schemeClr val="accent6"/>
+          </a:lnRef>
+          <a:fillRef idx="1">
+            <a:schemeClr val="lt1"/>
+          </a:fillRef>
+          <a:effectRef idx="0">
+            <a:schemeClr val="accent6"/>
+          </a:effectRef>
+          <a:fontRef idx="minor">
+            <a:schemeClr val="dk1"/>
+          </a:fontRef>
+        </p:style>
+        <p:txBody>
+          <a:bodyPr rtlCol="0" anchor="ctr"/>
+          <a:lstStyle/>
+          <a:p>
+            <a:pPr algn="ctr"/>
+            <a:r>
+              <a:rPr kumimoji="1" lang="en-US" altLang="ja-JP" sz="1400" smtClean="0"/>
+              <a:t>0</a:t>
+            </a:r>
+            <a:endParaRPr kumimoji="1" lang="ja-JP" altLang="en-US" sz="1400" dirty="0"/>
+          </a:p>
+        </p:txBody>
+      </p:sp>
+      <p:sp>
+        <p:nvSpPr>
+          <p:cNvPr id="12" name="角丸四角形 11"/>
+          <p:cNvSpPr/>
+          <p:nvPr/>
+        </p:nvSpPr>
+        <p:spPr>
+          <a:xfrm>
+            <a:off x="3795028" y="3369914"/>
+            <a:ext cx="464588" cy="465380"/>
+          </a:xfrm>
+          <a:prstGeom prst="roundRect">
+            <a:avLst/>
+          </a:prstGeom>
+        </p:spPr>
+        <p:style>
+          <a:lnRef idx="2">
+            <a:schemeClr val="accent6"/>
+          </a:lnRef>
+          <a:fillRef idx="1">
+            <a:schemeClr val="lt1"/>
+          </a:fillRef>
+          <a:effectRef idx="0">
+            <a:schemeClr val="accent6"/>
+          </a:effectRef>
+          <a:fontRef idx="minor">
+            <a:schemeClr val="dk1"/>
+          </a:fontRef>
+        </p:style>
+        <p:txBody>
+          <a:bodyPr rtlCol="0" anchor="ctr"/>
+          <a:lstStyle/>
+          <a:p>
+            <a:pPr algn="ctr"/>
+            <a:r>
+              <a:rPr kumimoji="1" lang="en-US" altLang="ja-JP" sz="1400" smtClean="0"/>
+              <a:t>-</a:t>
+            </a:r>
+            <a:endParaRPr kumimoji="1" lang="ja-JP" altLang="en-US" sz="1400" dirty="0"/>
+          </a:p>
+        </p:txBody>
+      </p:sp>
+      <p:sp>
+        <p:nvSpPr>
+          <p:cNvPr id="13" name="角丸四角形 12"/>
+          <p:cNvSpPr/>
+          <p:nvPr/>
+        </p:nvSpPr>
+        <p:spPr>
+          <a:xfrm>
+            <a:off x="4331609" y="3369914"/>
+            <a:ext cx="464588" cy="465380"/>
+          </a:xfrm>
+          <a:prstGeom prst="roundRect">
+            <a:avLst/>
+          </a:prstGeom>
+        </p:spPr>
+        <p:style>
+          <a:lnRef idx="2">
+            <a:schemeClr val="accent6"/>
+          </a:lnRef>
+          <a:fillRef idx="1">
+            <a:schemeClr val="lt1"/>
+          </a:fillRef>
+          <a:effectRef idx="0">
+            <a:schemeClr val="accent6"/>
+          </a:effectRef>
+          <a:fontRef idx="minor">
+            <a:schemeClr val="dk1"/>
+          </a:fontRef>
+        </p:style>
+        <p:txBody>
+          <a:bodyPr rtlCol="0" anchor="ctr"/>
+          <a:lstStyle/>
+          <a:p>
+            <a:pPr algn="ctr"/>
+            <a:r>
+              <a:rPr kumimoji="1" lang="en-US" altLang="ja-JP" sz="1400" smtClean="0"/>
+              <a:t>=</a:t>
+            </a:r>
+            <a:endParaRPr kumimoji="1" lang="ja-JP" altLang="en-US" sz="1400" dirty="0"/>
+          </a:p>
+        </p:txBody>
+      </p:sp>
+      <p:sp>
+        <p:nvSpPr>
+          <p:cNvPr id="14" name="角丸四角形 13"/>
+          <p:cNvSpPr/>
+          <p:nvPr/>
+        </p:nvSpPr>
+        <p:spPr>
+          <a:xfrm>
+            <a:off x="4868190" y="3369914"/>
+            <a:ext cx="464588" cy="465380"/>
+          </a:xfrm>
+          <a:prstGeom prst="roundRect">
+            <a:avLst/>
+          </a:prstGeom>
+          <a:ln>
+            <a:solidFill>
+              <a:schemeClr val="accent5">
+                <a:lumMod val="75000"/>
+              </a:schemeClr>
+            </a:solidFill>
+          </a:ln>
+        </p:spPr>
+        <p:style>
+          <a:lnRef idx="2">
+            <a:schemeClr val="accent6"/>
+          </a:lnRef>
+          <a:fillRef idx="1">
+            <a:schemeClr val="lt1"/>
+          </a:fillRef>
+          <a:effectRef idx="0">
+            <a:schemeClr val="accent6"/>
+          </a:effectRef>
+          <a:fontRef idx="minor">
+            <a:schemeClr val="dk1"/>
+          </a:fontRef>
+        </p:style>
+        <p:txBody>
+          <a:bodyPr rtlCol="0" anchor="ctr"/>
+          <a:lstStyle/>
+          <a:p>
+            <a:pPr algn="ctr"/>
+            <a:endParaRPr kumimoji="1" lang="ja-JP" altLang="en-US" sz="1400" dirty="0">
+              <a:solidFill>
+                <a:schemeClr val="accent5">
+                  <a:lumMod val="75000"/>
+                </a:schemeClr>
+              </a:solidFill>
+            </a:endParaRPr>
+          </a:p>
+        </p:txBody>
+      </p:sp>
+      <p:sp>
+        <p:nvSpPr>
+          <p:cNvPr id="15" name="角丸四角形 14"/>
+          <p:cNvSpPr/>
+          <p:nvPr/>
+        </p:nvSpPr>
+        <p:spPr>
+          <a:xfrm>
+            <a:off x="5404771" y="3369914"/>
+            <a:ext cx="464588" cy="465380"/>
+          </a:xfrm>
+          <a:prstGeom prst="roundRect">
+            <a:avLst/>
+          </a:prstGeom>
+          <a:ln>
+            <a:solidFill>
+              <a:schemeClr val="accent5">
+                <a:lumMod val="75000"/>
+              </a:schemeClr>
+            </a:solidFill>
+          </a:ln>
+        </p:spPr>
+        <p:style>
+          <a:lnRef idx="2">
+            <a:schemeClr val="accent6"/>
+          </a:lnRef>
+          <a:fillRef idx="1">
+            <a:schemeClr val="lt1"/>
+          </a:fillRef>
+          <a:effectRef idx="0">
+            <a:schemeClr val="accent6"/>
+          </a:effectRef>
+          <a:fontRef idx="minor">
+            <a:schemeClr val="dk1"/>
+          </a:fontRef>
+        </p:style>
+        <p:txBody>
+          <a:bodyPr rtlCol="0" anchor="ctr"/>
+          <a:lstStyle/>
+          <a:p>
+            <a:pPr algn="ctr"/>
+            <a:endParaRPr kumimoji="1" lang="ja-JP" altLang="en-US" sz="1400" dirty="0">
+              <a:solidFill>
+                <a:schemeClr val="accent5">
+                  <a:lumMod val="75000"/>
+                </a:schemeClr>
+              </a:solidFill>
+            </a:endParaRPr>
+          </a:p>
+        </p:txBody>
+      </p:sp>
+      <p:sp>
+        <p:nvSpPr>
+          <p:cNvPr id="16" name="角丸四角形 15"/>
+          <p:cNvSpPr/>
+          <p:nvPr/>
+        </p:nvSpPr>
+        <p:spPr>
+          <a:xfrm>
+            <a:off x="5941352" y="3369914"/>
+            <a:ext cx="464588" cy="465380"/>
+          </a:xfrm>
+          <a:prstGeom prst="roundRect">
+            <a:avLst/>
+          </a:prstGeom>
+          <a:ln>
+            <a:solidFill>
+              <a:schemeClr val="accent5">
+                <a:lumMod val="75000"/>
+              </a:schemeClr>
+            </a:solidFill>
+          </a:ln>
+        </p:spPr>
+        <p:style>
+          <a:lnRef idx="2">
+            <a:schemeClr val="accent6"/>
+          </a:lnRef>
+          <a:fillRef idx="1">
+            <a:schemeClr val="lt1"/>
+          </a:fillRef>
+          <a:effectRef idx="0">
+            <a:schemeClr val="accent6"/>
+          </a:effectRef>
+          <a:fontRef idx="minor">
+            <a:schemeClr val="dk1"/>
+          </a:fontRef>
+        </p:style>
+        <p:txBody>
+          <a:bodyPr rtlCol="0" anchor="ctr"/>
+          <a:lstStyle/>
+          <a:p>
+            <a:pPr algn="ctr"/>
+            <a:endParaRPr kumimoji="1" lang="ja-JP" altLang="en-US" sz="1400" dirty="0">
+              <a:solidFill>
+                <a:schemeClr val="accent5">
+                  <a:lumMod val="75000"/>
+                </a:schemeClr>
+              </a:solidFill>
+            </a:endParaRPr>
+          </a:p>
+        </p:txBody>
+      </p:sp>
+      <p:sp>
+        <p:nvSpPr>
+          <p:cNvPr id="17" name="角丸四角形 16"/>
+          <p:cNvSpPr/>
+          <p:nvPr/>
+        </p:nvSpPr>
+        <p:spPr>
+          <a:xfrm>
+            <a:off x="6477933" y="3369914"/>
+            <a:ext cx="464588" cy="465380"/>
+          </a:xfrm>
+          <a:prstGeom prst="roundRect">
+            <a:avLst/>
+          </a:prstGeom>
+          <a:ln>
+            <a:solidFill>
+              <a:schemeClr val="accent5">
+                <a:lumMod val="75000"/>
+              </a:schemeClr>
+            </a:solidFill>
+          </a:ln>
+        </p:spPr>
+        <p:style>
+          <a:lnRef idx="2">
+            <a:schemeClr val="accent6"/>
+          </a:lnRef>
+          <a:fillRef idx="1">
+            <a:schemeClr val="lt1"/>
+          </a:fillRef>
+          <a:effectRef idx="0">
+            <a:schemeClr val="accent6"/>
+          </a:effectRef>
+          <a:fontRef idx="minor">
+            <a:schemeClr val="dk1"/>
+          </a:fontRef>
+        </p:style>
+        <p:txBody>
+          <a:bodyPr rtlCol="0" anchor="ctr"/>
+          <a:lstStyle/>
+          <a:p>
+            <a:pPr algn="ctr"/>
+            <a:endParaRPr kumimoji="1" lang="ja-JP" altLang="en-US" sz="1400" dirty="0">
+              <a:solidFill>
+                <a:schemeClr val="accent5">
+                  <a:lumMod val="75000"/>
+                </a:schemeClr>
+              </a:solidFill>
+            </a:endParaRPr>
+          </a:p>
+        </p:txBody>
+      </p:sp>
+      <p:sp>
+        <p:nvSpPr>
+          <p:cNvPr id="18" name="角丸四角形 17"/>
+          <p:cNvSpPr/>
+          <p:nvPr/>
+        </p:nvSpPr>
+        <p:spPr>
+          <a:xfrm>
+            <a:off x="7014514" y="3369914"/>
+            <a:ext cx="464588" cy="465380"/>
+          </a:xfrm>
+          <a:prstGeom prst="roundRect">
+            <a:avLst/>
+          </a:prstGeom>
+          <a:ln>
+            <a:solidFill>
+              <a:schemeClr val="accent5">
+                <a:lumMod val="75000"/>
+              </a:schemeClr>
+            </a:solidFill>
+          </a:ln>
+        </p:spPr>
+        <p:style>
+          <a:lnRef idx="2">
+            <a:schemeClr val="accent6"/>
+          </a:lnRef>
+          <a:fillRef idx="1">
+            <a:schemeClr val="lt1"/>
+          </a:fillRef>
+          <a:effectRef idx="0">
+            <a:schemeClr val="accent6"/>
+          </a:effectRef>
+          <a:fontRef idx="minor">
+            <a:schemeClr val="dk1"/>
+          </a:fontRef>
+        </p:style>
+        <p:txBody>
+          <a:bodyPr rtlCol="0" anchor="ctr"/>
+          <a:lstStyle/>
+          <a:p>
+            <a:pPr algn="ctr"/>
+            <a:endParaRPr kumimoji="1" lang="ja-JP" altLang="en-US" sz="1400" dirty="0">
+              <a:solidFill>
+                <a:schemeClr val="accent5">
+                  <a:lumMod val="75000"/>
+                </a:schemeClr>
+              </a:solidFill>
+            </a:endParaRPr>
+          </a:p>
+        </p:txBody>
+      </p:sp>
+      <p:sp>
+        <p:nvSpPr>
+          <p:cNvPr id="19" name="角丸四角形 18"/>
+          <p:cNvSpPr/>
+          <p:nvPr/>
+        </p:nvSpPr>
+        <p:spPr>
+          <a:xfrm>
+            <a:off x="7551095" y="3369914"/>
+            <a:ext cx="464588" cy="465380"/>
+          </a:xfrm>
+          <a:prstGeom prst="roundRect">
+            <a:avLst/>
+          </a:prstGeom>
+          <a:ln>
+            <a:solidFill>
+              <a:schemeClr val="accent5">
+                <a:lumMod val="75000"/>
+              </a:schemeClr>
+            </a:solidFill>
+          </a:ln>
+        </p:spPr>
+        <p:style>
+          <a:lnRef idx="2">
+            <a:schemeClr val="accent6"/>
+          </a:lnRef>
+          <a:fillRef idx="1">
+            <a:schemeClr val="lt1"/>
+          </a:fillRef>
+          <a:effectRef idx="0">
+            <a:schemeClr val="accent6"/>
+          </a:effectRef>
+          <a:fontRef idx="minor">
+            <a:schemeClr val="dk1"/>
+          </a:fontRef>
+        </p:style>
+        <p:txBody>
+          <a:bodyPr rtlCol="0" anchor="ctr"/>
+          <a:lstStyle/>
+          <a:p>
+            <a:pPr algn="ctr"/>
+            <a:endParaRPr kumimoji="1" lang="ja-JP" altLang="en-US" sz="1400" dirty="0">
+              <a:solidFill>
+                <a:schemeClr val="accent5">
+                  <a:lumMod val="75000"/>
+                </a:schemeClr>
+              </a:solidFill>
+            </a:endParaRPr>
+          </a:p>
+        </p:txBody>
+      </p:sp>
+      <p:sp>
+        <p:nvSpPr>
+          <p:cNvPr id="20" name="角丸四角形 19"/>
+          <p:cNvSpPr/>
+          <p:nvPr/>
+        </p:nvSpPr>
+        <p:spPr>
+          <a:xfrm>
+            <a:off x="8087682" y="3369914"/>
+            <a:ext cx="464588" cy="465380"/>
+          </a:xfrm>
+          <a:prstGeom prst="roundRect">
+            <a:avLst/>
+          </a:prstGeom>
+          <a:ln>
+            <a:solidFill>
+              <a:schemeClr val="accent5">
+                <a:lumMod val="75000"/>
+              </a:schemeClr>
+            </a:solidFill>
+          </a:ln>
+        </p:spPr>
+        <p:style>
+          <a:lnRef idx="2">
+            <a:schemeClr val="accent6"/>
+          </a:lnRef>
+          <a:fillRef idx="1">
+            <a:schemeClr val="lt1"/>
+          </a:fillRef>
+          <a:effectRef idx="0">
+            <a:schemeClr val="accent6"/>
+          </a:effectRef>
+          <a:fontRef idx="minor">
+            <a:schemeClr val="dk1"/>
+          </a:fontRef>
+        </p:style>
+        <p:txBody>
+          <a:bodyPr rtlCol="0" anchor="ctr"/>
+          <a:lstStyle/>
+          <a:p>
+            <a:pPr algn="ctr"/>
+            <a:endParaRPr kumimoji="1" lang="ja-JP" altLang="en-US" sz="1400" dirty="0">
+              <a:solidFill>
+                <a:schemeClr val="accent5">
+                  <a:lumMod val="75000"/>
+                </a:schemeClr>
+              </a:solidFill>
+            </a:endParaRPr>
+          </a:p>
+        </p:txBody>
+      </p:sp>
+      <p:sp>
+        <p:nvSpPr>
+          <p:cNvPr id="22" name="角丸四角形 21"/>
+          <p:cNvSpPr/>
+          <p:nvPr/>
+        </p:nvSpPr>
+        <p:spPr>
+          <a:xfrm>
+            <a:off x="1364212" y="3895694"/>
+            <a:ext cx="464588" cy="465380"/>
+          </a:xfrm>
+          <a:prstGeom prst="roundRect">
+            <a:avLst/>
+          </a:prstGeom>
+        </p:spPr>
+        <p:style>
+          <a:lnRef idx="2">
+            <a:schemeClr val="accent6"/>
+          </a:lnRef>
+          <a:fillRef idx="1">
+            <a:schemeClr val="lt1"/>
+          </a:fillRef>
+          <a:effectRef idx="0">
+            <a:schemeClr val="accent6"/>
+          </a:effectRef>
+          <a:fontRef idx="minor">
+            <a:schemeClr val="dk1"/>
+          </a:fontRef>
+        </p:style>
+        <p:txBody>
+          <a:bodyPr rtlCol="0" anchor="ctr"/>
+          <a:lstStyle/>
+          <a:p>
+            <a:pPr algn="ctr"/>
+            <a:r>
+              <a:rPr kumimoji="1" lang="en-US" altLang="ja-JP" sz="1400" smtClean="0"/>
+              <a:t>y</a:t>
+            </a:r>
+            <a:endParaRPr kumimoji="1" lang="ja-JP" altLang="en-US" sz="1400" dirty="0"/>
+          </a:p>
+        </p:txBody>
+      </p:sp>
+      <p:sp>
+        <p:nvSpPr>
+          <p:cNvPr id="23" name="角丸四角形 22"/>
+          <p:cNvSpPr/>
+          <p:nvPr/>
+        </p:nvSpPr>
+        <p:spPr>
+          <a:xfrm>
+            <a:off x="1900793" y="3895694"/>
+            <a:ext cx="464588" cy="465380"/>
+          </a:xfrm>
+          <a:prstGeom prst="roundRect">
+            <a:avLst/>
+          </a:prstGeom>
+        </p:spPr>
+        <p:style>
+          <a:lnRef idx="2">
+            <a:schemeClr val="accent6"/>
+          </a:lnRef>
+          <a:fillRef idx="1">
+            <a:schemeClr val="lt1"/>
+          </a:fillRef>
+          <a:effectRef idx="0">
+            <a:schemeClr val="accent6"/>
+          </a:effectRef>
+          <a:fontRef idx="minor">
+            <a:schemeClr val="dk1"/>
+          </a:fontRef>
+        </p:style>
+        <p:txBody>
+          <a:bodyPr rtlCol="0" anchor="ctr"/>
+          <a:lstStyle/>
+          <a:p>
+            <a:pPr algn="ctr"/>
+            <a:r>
+              <a:rPr kumimoji="1" lang="en-US" altLang="ja-JP" sz="1400" smtClean="0"/>
+              <a:t>u</a:t>
+            </a:r>
+            <a:endParaRPr kumimoji="1" lang="ja-JP" altLang="en-US" sz="1400" dirty="0"/>
+          </a:p>
+        </p:txBody>
+      </p:sp>
+      <p:sp>
+        <p:nvSpPr>
+          <p:cNvPr id="24" name="角丸四角形 23"/>
+          <p:cNvSpPr/>
+          <p:nvPr/>
+        </p:nvSpPr>
+        <p:spPr>
+          <a:xfrm>
+            <a:off x="2437374" y="3895694"/>
+            <a:ext cx="464588" cy="465380"/>
+          </a:xfrm>
+          <a:prstGeom prst="roundRect">
+            <a:avLst/>
+          </a:prstGeom>
+        </p:spPr>
+        <p:style>
+          <a:lnRef idx="2">
+            <a:schemeClr val="accent6"/>
+          </a:lnRef>
+          <a:fillRef idx="1">
+            <a:schemeClr val="lt1"/>
+          </a:fillRef>
+          <a:effectRef idx="0">
+            <a:schemeClr val="accent6"/>
+          </a:effectRef>
+          <a:fontRef idx="minor">
+            <a:schemeClr val="dk1"/>
+          </a:fontRef>
+        </p:style>
+        <p:txBody>
+          <a:bodyPr rtlCol="0" anchor="ctr"/>
+          <a:lstStyle/>
+          <a:p>
+            <a:pPr algn="ctr"/>
+            <a:r>
+              <a:rPr kumimoji="1" lang="en-US" altLang="ja-JP" sz="1400" smtClean="0"/>
+              <a:t>i</a:t>
+            </a:r>
+            <a:endParaRPr kumimoji="1" lang="ja-JP" altLang="en-US" sz="1400" dirty="0"/>
+          </a:p>
+        </p:txBody>
+      </p:sp>
+      <p:sp>
+        <p:nvSpPr>
+          <p:cNvPr id="25" name="角丸四角形 24"/>
+          <p:cNvSpPr/>
+          <p:nvPr/>
+        </p:nvSpPr>
+        <p:spPr>
+          <a:xfrm>
+            <a:off x="2973955" y="3895694"/>
+            <a:ext cx="464588" cy="465380"/>
+          </a:xfrm>
+          <a:prstGeom prst="roundRect">
+            <a:avLst/>
+          </a:prstGeom>
+        </p:spPr>
+        <p:style>
+          <a:lnRef idx="2">
+            <a:schemeClr val="accent6"/>
+          </a:lnRef>
+          <a:fillRef idx="1">
+            <a:schemeClr val="lt1"/>
+          </a:fillRef>
+          <a:effectRef idx="0">
+            <a:schemeClr val="accent6"/>
+          </a:effectRef>
+          <a:fontRef idx="minor">
+            <a:schemeClr val="dk1"/>
+          </a:fontRef>
+        </p:style>
+        <p:txBody>
+          <a:bodyPr rtlCol="0" anchor="ctr"/>
+          <a:lstStyle/>
+          <a:p>
+            <a:pPr algn="ctr"/>
+            <a:r>
+              <a:rPr kumimoji="1" lang="en-US" altLang="ja-JP" sz="1400" smtClean="0"/>
+              <a:t>o</a:t>
+            </a:r>
+            <a:endParaRPr kumimoji="1" lang="ja-JP" altLang="en-US" sz="1400" dirty="0"/>
+          </a:p>
+        </p:txBody>
+      </p:sp>
+      <p:sp>
+        <p:nvSpPr>
+          <p:cNvPr id="26" name="角丸四角形 25"/>
+          <p:cNvSpPr/>
+          <p:nvPr/>
+        </p:nvSpPr>
+        <p:spPr>
+          <a:xfrm>
+            <a:off x="3510536" y="3895694"/>
+            <a:ext cx="464588" cy="465380"/>
+          </a:xfrm>
+          <a:prstGeom prst="roundRect">
+            <a:avLst/>
+          </a:prstGeom>
+        </p:spPr>
+        <p:style>
+          <a:lnRef idx="2">
+            <a:schemeClr val="accent6"/>
+          </a:lnRef>
+          <a:fillRef idx="1">
+            <a:schemeClr val="lt1"/>
+          </a:fillRef>
+          <a:effectRef idx="0">
+            <a:schemeClr val="accent6"/>
+          </a:effectRef>
+          <a:fontRef idx="minor">
+            <a:schemeClr val="dk1"/>
+          </a:fontRef>
+        </p:style>
+        <p:txBody>
+          <a:bodyPr rtlCol="0" anchor="ctr"/>
+          <a:lstStyle/>
+          <a:p>
+            <a:pPr algn="ctr"/>
+            <a:r>
+              <a:rPr kumimoji="1" lang="en-US" altLang="ja-JP" sz="1400" smtClean="0"/>
+              <a:t>p</a:t>
+            </a:r>
+            <a:endParaRPr kumimoji="1" lang="ja-JP" altLang="en-US" sz="1400" dirty="0"/>
+          </a:p>
+        </p:txBody>
+      </p:sp>
+      <p:sp>
+        <p:nvSpPr>
+          <p:cNvPr id="27" name="角丸四角形 26"/>
+          <p:cNvSpPr/>
+          <p:nvPr/>
+        </p:nvSpPr>
+        <p:spPr>
+          <a:xfrm>
+            <a:off x="4047117" y="3895694"/>
+            <a:ext cx="464588" cy="465380"/>
+          </a:xfrm>
+          <a:prstGeom prst="roundRect">
+            <a:avLst/>
+          </a:prstGeom>
+        </p:spPr>
+        <p:style>
+          <a:lnRef idx="2">
+            <a:schemeClr val="accent6"/>
+          </a:lnRef>
+          <a:fillRef idx="1">
+            <a:schemeClr val="lt1"/>
+          </a:fillRef>
+          <a:effectRef idx="0">
+            <a:schemeClr val="accent6"/>
+          </a:effectRef>
+          <a:fontRef idx="minor">
+            <a:schemeClr val="dk1"/>
+          </a:fontRef>
+        </p:style>
+        <p:txBody>
+          <a:bodyPr rtlCol="0" anchor="ctr"/>
+          <a:lstStyle/>
+          <a:p>
+            <a:pPr algn="ctr"/>
+            <a:r>
+              <a:rPr kumimoji="1" lang="en-US" altLang="ja-JP" sz="1400" smtClean="0"/>
+              <a:t>[</a:t>
+            </a:r>
+            <a:endParaRPr kumimoji="1" lang="ja-JP" altLang="en-US" sz="1400" dirty="0"/>
+          </a:p>
+        </p:txBody>
+      </p:sp>
+      <p:sp>
+        <p:nvSpPr>
+          <p:cNvPr id="28" name="角丸四角形 27"/>
+          <p:cNvSpPr/>
+          <p:nvPr/>
+        </p:nvSpPr>
+        <p:spPr>
+          <a:xfrm>
+            <a:off x="4583698" y="3895694"/>
+            <a:ext cx="464588" cy="465380"/>
+          </a:xfrm>
+          <a:prstGeom prst="roundRect">
+            <a:avLst/>
+          </a:prstGeom>
+        </p:spPr>
+        <p:style>
+          <a:lnRef idx="2">
+            <a:schemeClr val="accent6"/>
+          </a:lnRef>
+          <a:fillRef idx="1">
+            <a:schemeClr val="lt1"/>
+          </a:fillRef>
+          <a:effectRef idx="0">
+            <a:schemeClr val="accent6"/>
+          </a:effectRef>
+          <a:fontRef idx="minor">
+            <a:schemeClr val="dk1"/>
+          </a:fontRef>
+        </p:style>
+        <p:txBody>
+          <a:bodyPr rtlCol="0" anchor="ctr"/>
+          <a:lstStyle/>
+          <a:p>
+            <a:pPr algn="ctr"/>
+            <a:r>
+              <a:rPr kumimoji="1" lang="en-US" altLang="ja-JP" sz="1400" smtClean="0"/>
+              <a:t>]</a:t>
+            </a:r>
+            <a:endParaRPr kumimoji="1" lang="ja-JP" altLang="en-US" sz="1400" dirty="0"/>
+          </a:p>
+        </p:txBody>
+      </p:sp>
+      <p:sp>
+        <p:nvSpPr>
+          <p:cNvPr id="29" name="角丸四角形 28"/>
+          <p:cNvSpPr/>
+          <p:nvPr/>
+        </p:nvSpPr>
+        <p:spPr>
+          <a:xfrm>
+            <a:off x="5120279" y="3895694"/>
+            <a:ext cx="464588" cy="465380"/>
+          </a:xfrm>
+          <a:prstGeom prst="roundRect">
+            <a:avLst/>
+          </a:prstGeom>
+          <a:ln>
+            <a:solidFill>
+              <a:schemeClr val="accent5">
+                <a:lumMod val="75000"/>
+              </a:schemeClr>
+            </a:solidFill>
+          </a:ln>
+        </p:spPr>
+        <p:style>
+          <a:lnRef idx="2">
+            <a:schemeClr val="accent6"/>
+          </a:lnRef>
+          <a:fillRef idx="1">
+            <a:schemeClr val="lt1"/>
+          </a:fillRef>
+          <a:effectRef idx="0">
+            <a:schemeClr val="accent6"/>
+          </a:effectRef>
+          <a:fontRef idx="minor">
+            <a:schemeClr val="dk1"/>
+          </a:fontRef>
+        </p:style>
+        <p:txBody>
+          <a:bodyPr rtlCol="0" anchor="ctr"/>
+          <a:lstStyle/>
+          <a:p>
+            <a:pPr algn="ctr"/>
+            <a:endParaRPr kumimoji="1" lang="ja-JP" altLang="en-US" sz="1400" dirty="0">
+              <a:solidFill>
+                <a:schemeClr val="accent5">
+                  <a:lumMod val="75000"/>
+                </a:schemeClr>
+              </a:solidFill>
+            </a:endParaRPr>
+          </a:p>
+        </p:txBody>
+      </p:sp>
+      <p:sp>
+        <p:nvSpPr>
+          <p:cNvPr id="30" name="角丸四角形 29"/>
+          <p:cNvSpPr/>
+          <p:nvPr/>
+        </p:nvSpPr>
+        <p:spPr>
+          <a:xfrm>
+            <a:off x="5656860" y="3895694"/>
+            <a:ext cx="464588" cy="465380"/>
+          </a:xfrm>
+          <a:prstGeom prst="roundRect">
+            <a:avLst/>
+          </a:prstGeom>
+          <a:ln>
+            <a:solidFill>
+              <a:schemeClr val="accent5">
+                <a:lumMod val="75000"/>
+              </a:schemeClr>
+            </a:solidFill>
+          </a:ln>
+        </p:spPr>
+        <p:style>
+          <a:lnRef idx="2">
+            <a:schemeClr val="accent6"/>
+          </a:lnRef>
+          <a:fillRef idx="1">
+            <a:schemeClr val="lt1"/>
+          </a:fillRef>
+          <a:effectRef idx="0">
+            <a:schemeClr val="accent6"/>
+          </a:effectRef>
+          <a:fontRef idx="minor">
+            <a:schemeClr val="dk1"/>
+          </a:fontRef>
+        </p:style>
+        <p:txBody>
+          <a:bodyPr rtlCol="0" anchor="ctr"/>
+          <a:lstStyle/>
+          <a:p>
+            <a:pPr algn="ctr"/>
+            <a:endParaRPr kumimoji="1" lang="ja-JP" altLang="en-US" sz="1400" dirty="0">
+              <a:solidFill>
+                <a:schemeClr val="accent5">
+                  <a:lumMod val="75000"/>
+                </a:schemeClr>
+              </a:solidFill>
+            </a:endParaRPr>
+          </a:p>
+        </p:txBody>
+      </p:sp>
+      <p:sp>
+        <p:nvSpPr>
+          <p:cNvPr id="31" name="角丸四角形 30"/>
+          <p:cNvSpPr/>
+          <p:nvPr/>
+        </p:nvSpPr>
+        <p:spPr>
+          <a:xfrm>
+            <a:off x="6193441" y="3895694"/>
+            <a:ext cx="464588" cy="465380"/>
+          </a:xfrm>
+          <a:prstGeom prst="roundRect">
+            <a:avLst/>
+          </a:prstGeom>
+          <a:ln>
+            <a:solidFill>
+              <a:schemeClr val="accent5">
+                <a:lumMod val="75000"/>
+              </a:schemeClr>
+            </a:solidFill>
+          </a:ln>
+        </p:spPr>
+        <p:style>
+          <a:lnRef idx="2">
+            <a:schemeClr val="accent6"/>
+          </a:lnRef>
+          <a:fillRef idx="1">
+            <a:schemeClr val="lt1"/>
+          </a:fillRef>
+          <a:effectRef idx="0">
+            <a:schemeClr val="accent6"/>
+          </a:effectRef>
+          <a:fontRef idx="minor">
+            <a:schemeClr val="dk1"/>
+          </a:fontRef>
+        </p:style>
+        <p:txBody>
+          <a:bodyPr rtlCol="0" anchor="ctr"/>
+          <a:lstStyle/>
+          <a:p>
+            <a:pPr algn="ctr"/>
+            <a:endParaRPr kumimoji="1" lang="ja-JP" altLang="en-US" sz="1400" dirty="0">
+              <a:solidFill>
+                <a:schemeClr val="accent5">
+                  <a:lumMod val="75000"/>
+                </a:schemeClr>
+              </a:solidFill>
+            </a:endParaRPr>
+          </a:p>
+        </p:txBody>
+      </p:sp>
+      <p:sp>
+        <p:nvSpPr>
+          <p:cNvPr id="32" name="角丸四角形 31"/>
+          <p:cNvSpPr/>
+          <p:nvPr/>
+        </p:nvSpPr>
+        <p:spPr>
+          <a:xfrm>
+            <a:off x="6730022" y="3895694"/>
+            <a:ext cx="464588" cy="465380"/>
+          </a:xfrm>
+          <a:prstGeom prst="roundRect">
+            <a:avLst/>
+          </a:prstGeom>
+          <a:ln>
+            <a:solidFill>
+              <a:schemeClr val="accent5">
+                <a:lumMod val="75000"/>
+              </a:schemeClr>
+            </a:solidFill>
+          </a:ln>
+        </p:spPr>
+        <p:style>
+          <a:lnRef idx="2">
+            <a:schemeClr val="accent6"/>
+          </a:lnRef>
+          <a:fillRef idx="1">
+            <a:schemeClr val="lt1"/>
+          </a:fillRef>
+          <a:effectRef idx="0">
+            <a:schemeClr val="accent6"/>
+          </a:effectRef>
+          <a:fontRef idx="minor">
+            <a:schemeClr val="dk1"/>
+          </a:fontRef>
+        </p:style>
+        <p:txBody>
+          <a:bodyPr rtlCol="0" anchor="ctr"/>
+          <a:lstStyle/>
+          <a:p>
+            <a:pPr algn="ctr"/>
+            <a:endParaRPr kumimoji="1" lang="ja-JP" altLang="en-US" sz="1400" dirty="0">
+              <a:solidFill>
+                <a:schemeClr val="accent5">
+                  <a:lumMod val="75000"/>
+                </a:schemeClr>
+              </a:solidFill>
+            </a:endParaRPr>
+          </a:p>
+        </p:txBody>
+      </p:sp>
+      <p:sp>
+        <p:nvSpPr>
+          <p:cNvPr id="33" name="角丸四角形 32"/>
+          <p:cNvSpPr/>
+          <p:nvPr/>
+        </p:nvSpPr>
+        <p:spPr>
+          <a:xfrm>
+            <a:off x="7266603" y="3895694"/>
+            <a:ext cx="464588" cy="465380"/>
+          </a:xfrm>
+          <a:prstGeom prst="roundRect">
+            <a:avLst/>
+          </a:prstGeom>
+          <a:ln>
+            <a:solidFill>
+              <a:schemeClr val="accent5">
+                <a:lumMod val="75000"/>
+              </a:schemeClr>
+            </a:solidFill>
+          </a:ln>
+        </p:spPr>
+        <p:style>
+          <a:lnRef idx="2">
+            <a:schemeClr val="accent6"/>
+          </a:lnRef>
+          <a:fillRef idx="1">
+            <a:schemeClr val="lt1"/>
+          </a:fillRef>
+          <a:effectRef idx="0">
+            <a:schemeClr val="accent6"/>
+          </a:effectRef>
+          <a:fontRef idx="minor">
+            <a:schemeClr val="dk1"/>
+          </a:fontRef>
+        </p:style>
+        <p:txBody>
+          <a:bodyPr rtlCol="0" anchor="ctr"/>
+          <a:lstStyle/>
+          <a:p>
+            <a:pPr algn="ctr"/>
+            <a:endParaRPr kumimoji="1" lang="ja-JP" altLang="en-US" sz="1400" dirty="0">
+              <a:solidFill>
+                <a:schemeClr val="accent5">
+                  <a:lumMod val="75000"/>
+                </a:schemeClr>
+              </a:solidFill>
+            </a:endParaRPr>
+          </a:p>
+        </p:txBody>
+      </p:sp>
+      <p:sp>
+        <p:nvSpPr>
+          <p:cNvPr id="34" name="角丸四角形 33"/>
+          <p:cNvSpPr/>
+          <p:nvPr/>
+        </p:nvSpPr>
+        <p:spPr>
+          <a:xfrm>
+            <a:off x="7803183" y="3895694"/>
+            <a:ext cx="749085" cy="465380"/>
+          </a:xfrm>
+          <a:prstGeom prst="roundRect">
+            <a:avLst/>
+          </a:prstGeom>
+          <a:ln>
+            <a:solidFill>
+              <a:schemeClr val="accent5">
+                <a:lumMod val="75000"/>
+              </a:schemeClr>
+            </a:solidFill>
+          </a:ln>
+        </p:spPr>
+        <p:style>
+          <a:lnRef idx="2">
+            <a:schemeClr val="accent6"/>
+          </a:lnRef>
+          <a:fillRef idx="1">
+            <a:schemeClr val="lt1"/>
+          </a:fillRef>
+          <a:effectRef idx="0">
+            <a:schemeClr val="accent6"/>
+          </a:effectRef>
+          <a:fontRef idx="minor">
+            <a:schemeClr val="dk1"/>
+          </a:fontRef>
+        </p:style>
+        <p:txBody>
+          <a:bodyPr rtlCol="0" anchor="ctr"/>
+          <a:lstStyle/>
+          <a:p>
+            <a:pPr algn="ctr"/>
+            <a:endParaRPr kumimoji="1" lang="ja-JP" altLang="en-US" sz="1400" dirty="0">
+              <a:solidFill>
+                <a:schemeClr val="accent5">
+                  <a:lumMod val="75000"/>
+                </a:schemeClr>
+              </a:solidFill>
+            </a:endParaRPr>
+          </a:p>
+        </p:txBody>
+      </p:sp>
+      <p:sp>
+        <p:nvSpPr>
+          <p:cNvPr id="35" name="角丸四角形 34"/>
+          <p:cNvSpPr/>
+          <p:nvPr/>
+        </p:nvSpPr>
+        <p:spPr>
+          <a:xfrm>
+            <a:off x="569441" y="3895694"/>
+            <a:ext cx="722778" cy="465380"/>
+          </a:xfrm>
+          <a:prstGeom prst="roundRect">
+            <a:avLst/>
+          </a:prstGeom>
+          <a:ln>
+            <a:solidFill>
+              <a:schemeClr val="accent5">
+                <a:lumMod val="75000"/>
+              </a:schemeClr>
+            </a:solidFill>
+          </a:ln>
+        </p:spPr>
+        <p:style>
+          <a:lnRef idx="2">
+            <a:schemeClr val="accent6"/>
+          </a:lnRef>
+          <a:fillRef idx="1">
+            <a:schemeClr val="lt1"/>
+          </a:fillRef>
+          <a:effectRef idx="0">
+            <a:schemeClr val="accent6"/>
+          </a:effectRef>
+          <a:fontRef idx="minor">
+            <a:schemeClr val="dk1"/>
+          </a:fontRef>
+        </p:style>
+        <p:txBody>
+          <a:bodyPr rtlCol="0" anchor="ctr"/>
+          <a:lstStyle/>
+          <a:p>
+            <a:pPr algn="ctr"/>
+            <a:endParaRPr kumimoji="1" lang="ja-JP" altLang="en-US" sz="1400" dirty="0">
+              <a:solidFill>
+                <a:schemeClr val="accent5">
+                  <a:lumMod val="75000"/>
+                </a:schemeClr>
+              </a:solidFill>
+            </a:endParaRPr>
+          </a:p>
+        </p:txBody>
+      </p:sp>
+      <p:sp>
+        <p:nvSpPr>
+          <p:cNvPr id="36" name="角丸四角形 35"/>
+          <p:cNvSpPr/>
+          <p:nvPr/>
+        </p:nvSpPr>
+        <p:spPr>
+          <a:xfrm>
+            <a:off x="1547092" y="4421474"/>
+            <a:ext cx="464588" cy="465380"/>
+          </a:xfrm>
+          <a:prstGeom prst="roundRect">
+            <a:avLst/>
+          </a:prstGeom>
+        </p:spPr>
+        <p:style>
+          <a:lnRef idx="2">
+            <a:schemeClr val="accent6"/>
+          </a:lnRef>
+          <a:fillRef idx="1">
+            <a:schemeClr val="lt1"/>
+          </a:fillRef>
+          <a:effectRef idx="0">
+            <a:schemeClr val="accent6"/>
+          </a:effectRef>
+          <a:fontRef idx="minor">
+            <a:schemeClr val="dk1"/>
+          </a:fontRef>
+        </p:style>
+        <p:txBody>
+          <a:bodyPr rtlCol="0" anchor="ctr"/>
+          <a:lstStyle/>
+          <a:p>
+            <a:pPr algn="ctr"/>
+            <a:r>
+              <a:rPr kumimoji="1" lang="en-US" altLang="ja-JP" sz="1400" smtClean="0"/>
+              <a:t>h</a:t>
+            </a:r>
+            <a:endParaRPr kumimoji="1" lang="ja-JP" altLang="en-US" sz="1400" dirty="0"/>
+          </a:p>
+        </p:txBody>
+      </p:sp>
+      <p:sp>
+        <p:nvSpPr>
+          <p:cNvPr id="37" name="角丸四角形 36"/>
+          <p:cNvSpPr/>
+          <p:nvPr/>
+        </p:nvSpPr>
+        <p:spPr>
+          <a:xfrm>
+            <a:off x="2083673" y="4421474"/>
+            <a:ext cx="464588" cy="465380"/>
+          </a:xfrm>
+          <a:prstGeom prst="roundRect">
+            <a:avLst/>
+          </a:prstGeom>
+        </p:spPr>
+        <p:style>
+          <a:lnRef idx="2">
+            <a:schemeClr val="accent6"/>
+          </a:lnRef>
+          <a:fillRef idx="1">
+            <a:schemeClr val="lt1"/>
+          </a:fillRef>
+          <a:effectRef idx="0">
+            <a:schemeClr val="accent6"/>
+          </a:effectRef>
+          <a:fontRef idx="minor">
+            <a:schemeClr val="dk1"/>
+          </a:fontRef>
+        </p:style>
+        <p:txBody>
+          <a:bodyPr rtlCol="0" anchor="ctr"/>
+          <a:lstStyle/>
+          <a:p>
+            <a:pPr algn="ctr"/>
+            <a:r>
+              <a:rPr kumimoji="1" lang="en-US" altLang="ja-JP" sz="1400" smtClean="0"/>
+              <a:t>j</a:t>
+            </a:r>
+            <a:endParaRPr kumimoji="1" lang="ja-JP" altLang="en-US" sz="1400" dirty="0"/>
+          </a:p>
+        </p:txBody>
+      </p:sp>
+      <p:sp>
+        <p:nvSpPr>
+          <p:cNvPr id="38" name="角丸四角形 37"/>
+          <p:cNvSpPr/>
+          <p:nvPr/>
+        </p:nvSpPr>
+        <p:spPr>
+          <a:xfrm>
+            <a:off x="2620254" y="4421474"/>
+            <a:ext cx="464588" cy="465380"/>
+          </a:xfrm>
+          <a:prstGeom prst="roundRect">
+            <a:avLst/>
+          </a:prstGeom>
+        </p:spPr>
+        <p:style>
+          <a:lnRef idx="2">
+            <a:schemeClr val="accent6"/>
+          </a:lnRef>
+          <a:fillRef idx="1">
+            <a:schemeClr val="lt1"/>
+          </a:fillRef>
+          <a:effectRef idx="0">
+            <a:schemeClr val="accent6"/>
+          </a:effectRef>
+          <a:fontRef idx="minor">
+            <a:schemeClr val="dk1"/>
+          </a:fontRef>
+        </p:style>
+        <p:txBody>
+          <a:bodyPr rtlCol="0" anchor="ctr"/>
+          <a:lstStyle/>
+          <a:p>
+            <a:pPr algn="ctr"/>
+            <a:r>
+              <a:rPr kumimoji="1" lang="en-US" altLang="ja-JP" sz="1400" smtClean="0"/>
+              <a:t>k</a:t>
+            </a:r>
+            <a:endParaRPr kumimoji="1" lang="ja-JP" altLang="en-US" sz="1400" dirty="0"/>
+          </a:p>
+        </p:txBody>
+      </p:sp>
+      <p:sp>
+        <p:nvSpPr>
+          <p:cNvPr id="39" name="角丸四角形 38"/>
+          <p:cNvSpPr/>
+          <p:nvPr/>
+        </p:nvSpPr>
+        <p:spPr>
+          <a:xfrm>
+            <a:off x="3156835" y="4421474"/>
+            <a:ext cx="464588" cy="465380"/>
+          </a:xfrm>
+          <a:prstGeom prst="roundRect">
+            <a:avLst/>
+          </a:prstGeom>
+        </p:spPr>
+        <p:style>
+          <a:lnRef idx="2">
+            <a:schemeClr val="accent6"/>
+          </a:lnRef>
+          <a:fillRef idx="1">
+            <a:schemeClr val="lt1"/>
+          </a:fillRef>
+          <a:effectRef idx="0">
+            <a:schemeClr val="accent6"/>
+          </a:effectRef>
+          <a:fontRef idx="minor">
+            <a:schemeClr val="dk1"/>
+          </a:fontRef>
+        </p:style>
+        <p:txBody>
+          <a:bodyPr rtlCol="0" anchor="ctr"/>
+          <a:lstStyle/>
+          <a:p>
+            <a:pPr algn="ctr"/>
+            <a:r>
+              <a:rPr kumimoji="1" lang="en-US" altLang="ja-JP" sz="1400" u="sng" smtClean="0"/>
+              <a:t>l</a:t>
+            </a:r>
+            <a:endParaRPr kumimoji="1" lang="ja-JP" altLang="en-US" sz="1400" u="sng" dirty="0"/>
+          </a:p>
+        </p:txBody>
+      </p:sp>
+      <p:sp>
+        <p:nvSpPr>
+          <p:cNvPr id="40" name="角丸四角形 39"/>
+          <p:cNvSpPr/>
+          <p:nvPr/>
+        </p:nvSpPr>
+        <p:spPr>
+          <a:xfrm>
+            <a:off x="3693416" y="4421474"/>
+            <a:ext cx="464588" cy="465380"/>
+          </a:xfrm>
+          <a:prstGeom prst="roundRect">
+            <a:avLst/>
+          </a:prstGeom>
+        </p:spPr>
+        <p:style>
+          <a:lnRef idx="2">
+            <a:schemeClr val="accent6"/>
+          </a:lnRef>
+          <a:fillRef idx="1">
+            <a:schemeClr val="lt1"/>
+          </a:fillRef>
+          <a:effectRef idx="0">
+            <a:schemeClr val="accent6"/>
+          </a:effectRef>
+          <a:fontRef idx="minor">
+            <a:schemeClr val="dk1"/>
+          </a:fontRef>
+        </p:style>
+        <p:txBody>
+          <a:bodyPr rtlCol="0" anchor="ctr"/>
+          <a:lstStyle/>
+          <a:p>
+            <a:pPr algn="ctr"/>
+            <a:r>
+              <a:rPr kumimoji="1" lang="en-US" altLang="ja-JP" sz="1400" smtClean="0"/>
+              <a:t>;</a:t>
+            </a:r>
+            <a:endParaRPr kumimoji="1" lang="ja-JP" altLang="en-US" sz="1400" dirty="0"/>
+          </a:p>
+        </p:txBody>
+      </p:sp>
+      <p:sp>
+        <p:nvSpPr>
+          <p:cNvPr id="41" name="角丸四角形 40"/>
+          <p:cNvSpPr/>
+          <p:nvPr/>
+        </p:nvSpPr>
+        <p:spPr>
+          <a:xfrm>
+            <a:off x="4229997" y="4421474"/>
+            <a:ext cx="464588" cy="465380"/>
+          </a:xfrm>
+          <a:prstGeom prst="roundRect">
+            <a:avLst/>
+          </a:prstGeom>
+        </p:spPr>
+        <p:style>
+          <a:lnRef idx="2">
+            <a:schemeClr val="accent6"/>
+          </a:lnRef>
+          <a:fillRef idx="1">
+            <a:schemeClr val="lt1"/>
+          </a:fillRef>
+          <a:effectRef idx="0">
+            <a:schemeClr val="accent6"/>
+          </a:effectRef>
+          <a:fontRef idx="minor">
+            <a:schemeClr val="dk1"/>
+          </a:fontRef>
+        </p:style>
+        <p:txBody>
+          <a:bodyPr rtlCol="0" anchor="ctr"/>
+          <a:lstStyle/>
+          <a:p>
+            <a:pPr algn="ctr"/>
+            <a:r>
+              <a:rPr kumimoji="1" lang="en-US" altLang="ja-JP" sz="1400" smtClean="0"/>
+              <a:t>‘</a:t>
+            </a:r>
+            <a:endParaRPr kumimoji="1" lang="ja-JP" altLang="en-US" sz="1400" dirty="0"/>
+          </a:p>
+        </p:txBody>
+      </p:sp>
+      <p:sp>
+        <p:nvSpPr>
+          <p:cNvPr id="42" name="角丸四角形 41"/>
+          <p:cNvSpPr/>
+          <p:nvPr/>
+        </p:nvSpPr>
+        <p:spPr>
+          <a:xfrm>
+            <a:off x="4766578" y="4421474"/>
+            <a:ext cx="464588" cy="465380"/>
+          </a:xfrm>
+          <a:prstGeom prst="roundRect">
+            <a:avLst/>
+          </a:prstGeom>
+          <a:ln>
+            <a:solidFill>
+              <a:schemeClr val="accent5">
+                <a:lumMod val="75000"/>
+              </a:schemeClr>
+            </a:solidFill>
+          </a:ln>
+        </p:spPr>
+        <p:style>
+          <a:lnRef idx="2">
+            <a:schemeClr val="accent6"/>
+          </a:lnRef>
+          <a:fillRef idx="1">
+            <a:schemeClr val="lt1"/>
+          </a:fillRef>
+          <a:effectRef idx="0">
+            <a:schemeClr val="accent6"/>
+          </a:effectRef>
+          <a:fontRef idx="minor">
+            <a:schemeClr val="dk1"/>
+          </a:fontRef>
+        </p:style>
+        <p:txBody>
+          <a:bodyPr wrap="none" rtlCol="0" anchor="ctr"/>
+          <a:lstStyle/>
+          <a:p>
+            <a:pPr algn="ctr"/>
+            <a:endParaRPr kumimoji="1" lang="ja-JP" altLang="en-US" sz="1100" u="sng" dirty="0">
+              <a:solidFill>
+                <a:schemeClr val="accent5">
+                  <a:lumMod val="75000"/>
+                </a:schemeClr>
+              </a:solidFill>
+            </a:endParaRPr>
+          </a:p>
+        </p:txBody>
+      </p:sp>
+      <p:sp>
+        <p:nvSpPr>
           <p:cNvPr id="43" name="角丸四角形 42"/>
           <p:cNvSpPr/>
           <p:nvPr/>
@@ -26772,27 +27874,40 @@
           <a:prstGeom prst="roundRect">
             <a:avLst/>
           </a:prstGeom>
-        </p:spPr>
-        <p:style>
-          <a:lnRef idx="2">
-            <a:schemeClr val="accent6"/>
-          </a:lnRef>
-          <a:fillRef idx="1">
-            <a:schemeClr val="lt1"/>
-          </a:fillRef>
-          <a:effectRef idx="0">
-            <a:schemeClr val="accent6"/>
-          </a:effectRef>
-          <a:fontRef idx="minor">
-            <a:schemeClr val="dk1"/>
-          </a:fontRef>
-        </p:style>
-        <p:txBody>
-          <a:bodyPr wrap="none" rtlCol="0" anchor="ctr"/>
-          <a:lstStyle/>
-          <a:p>
-            <a:pPr algn="ctr"/>
-            <a:endParaRPr kumimoji="1" lang="ja-JP" altLang="en-US" sz="1400" dirty="0"/>
+          <a:ln>
+            <a:solidFill>
+              <a:schemeClr val="accent5">
+                <a:lumMod val="75000"/>
+              </a:schemeClr>
+            </a:solidFill>
+          </a:ln>
+        </p:spPr>
+        <p:style>
+          <a:lnRef idx="2">
+            <a:schemeClr val="accent6"/>
+          </a:lnRef>
+          <a:fillRef idx="1">
+            <a:schemeClr val="lt1"/>
+          </a:fillRef>
+          <a:effectRef idx="0">
+            <a:schemeClr val="accent6"/>
+          </a:effectRef>
+          <a:fontRef idx="minor">
+            <a:schemeClr val="dk1"/>
+          </a:fontRef>
+        </p:style>
+        <p:txBody>
+          <a:bodyPr wrap="none" rtlCol="0" anchor="ctr"/>
+          <a:lstStyle/>
+          <a:p>
+            <a:pPr algn="ctr"/>
+            <a:endParaRPr kumimoji="1" lang="ja-JP" altLang="en-US" sz="1400" dirty="0">
+              <a:solidFill>
+                <a:schemeClr val="accent5">
+                  <a:lumMod val="75000"/>
+                </a:schemeClr>
+              </a:solidFill>
+            </a:endParaRPr>
           </a:p>
         </p:txBody>
       </p:sp>
@@ -26810,6 +27925,13 @@
           <a:prstGeom prst="roundRect">
             <a:avLst/>
           </a:prstGeom>
+          <a:ln>
+            <a:solidFill>
+              <a:schemeClr val="accent5">
+                <a:lumMod val="75000"/>
+              </a:schemeClr>
+            </a:solidFill>
+          </a:ln>
         </p:spPr>
         <p:style>
           <a:lnRef idx="2">
@@ -26830,7 +27952,13 @@
           <a:lstStyle/>
           <a:p>
             <a:pPr algn="ctr"/>
-            <a:endParaRPr kumimoji="1" lang="ja-JP" altLang="en-US" sz="1400" dirty="0"/>
+            <a:endParaRPr kumimoji="1" lang="ja-JP" altLang="en-US" sz="1400" dirty="0">
+              <a:solidFill>
+                <a:schemeClr val="accent5">
+                  <a:lumMod val="75000"/>
+                </a:schemeClr>
+              </a:solidFill>
+            </a:endParaRPr>
           </a:p>
         </p:txBody>
       </p:sp>
@@ -26848,6 +27976,13 @@
           <a:prstGeom prst="roundRect">
             <a:avLst/>
           </a:prstGeom>
+          <a:ln>
+            <a:solidFill>
+              <a:schemeClr val="accent5">
+                <a:lumMod val="75000"/>
+              </a:schemeClr>
+            </a:solidFill>
+          </a:ln>
         </p:spPr>
         <p:style>
           <a:lnRef idx="2">
@@ -26868,7 +28003,13 @@
           <a:lstStyle/>
           <a:p>
             <a:pPr algn="ctr"/>
-            <a:endParaRPr kumimoji="1" lang="ja-JP" altLang="en-US" sz="1400" dirty="0"/>
+            <a:endParaRPr kumimoji="1" lang="ja-JP" altLang="en-US" sz="1400" dirty="0">
+              <a:solidFill>
+                <a:schemeClr val="accent5">
+                  <a:lumMod val="75000"/>
+                </a:schemeClr>
+              </a:solidFill>
+            </a:endParaRPr>
           </a:p>
         </p:txBody>
       </p:sp>
@@ -26886,6 +28027,13 @@
           <a:prstGeom prst="roundRect">
             <a:avLst/>
           </a:prstGeom>
+          <a:ln>
+            <a:solidFill>
+              <a:schemeClr val="accent5">
+                <a:lumMod val="75000"/>
+              </a:schemeClr>
+            </a:solidFill>
+          </a:ln>
         </p:spPr>
         <p:style>
           <a:lnRef idx="2">
@@ -26906,7 +28054,13 @@
           <a:lstStyle/>
           <a:p>
             <a:pPr algn="ctr"/>
-            <a:endParaRPr kumimoji="1" lang="ja-JP" altLang="en-US" sz="1400" dirty="0"/>
+            <a:endParaRPr kumimoji="1" lang="ja-JP" altLang="en-US" sz="1400" dirty="0">
+              <a:solidFill>
+                <a:schemeClr val="accent5">
+                  <a:lumMod val="75000"/>
+                </a:schemeClr>
+              </a:solidFill>
+            </a:endParaRPr>
           </a:p>
         </p:txBody>
       </p:sp>
@@ -26924,6 +28078,13 @@
           <a:prstGeom prst="roundRect">
             <a:avLst/>
           </a:prstGeom>
+          <a:ln>
+            <a:solidFill>
+              <a:schemeClr val="accent5">
+                <a:lumMod val="75000"/>
+              </a:schemeClr>
+            </a:solidFill>
+          </a:ln>
         </p:spPr>
         <p:style>
           <a:lnRef idx="2">
@@ -26944,7 +28105,13 @@
           <a:lstStyle/>
           <a:p>
             <a:pPr algn="ctr"/>
-            <a:endParaRPr kumimoji="1" lang="ja-JP" altLang="en-US" sz="1400" dirty="0"/>
+            <a:endParaRPr kumimoji="1" lang="ja-JP" altLang="en-US" sz="1400" dirty="0">
+              <a:solidFill>
+                <a:schemeClr val="accent5">
+                  <a:lumMod val="75000"/>
+                </a:schemeClr>
+              </a:solidFill>
+            </a:endParaRPr>
           </a:p>
         </p:txBody>
       </p:sp>
@@ -27172,6 +28339,13 @@
           <a:prstGeom prst="roundRect">
             <a:avLst/>
           </a:prstGeom>
+          <a:ln>
+            <a:solidFill>
+              <a:schemeClr val="accent5">
+                <a:lumMod val="75000"/>
+              </a:schemeClr>
+            </a:solidFill>
+          </a:ln>
         </p:spPr>
         <p:style>
           <a:lnRef idx="2">
@@ -27210,6 +28384,13 @@
           <a:prstGeom prst="roundRect">
             <a:avLst/>
           </a:prstGeom>
+          <a:ln>
+            <a:solidFill>
+              <a:schemeClr val="accent5">
+                <a:lumMod val="75000"/>
+              </a:schemeClr>
+            </a:solidFill>
+          </a:ln>
         </p:spPr>
         <p:style>
           <a:lnRef idx="2">
@@ -27230,7 +28411,13 @@
           <a:lstStyle/>
           <a:p>
             <a:pPr algn="ctr"/>
-            <a:endParaRPr kumimoji="1" lang="ja-JP" altLang="en-US" sz="1400" dirty="0"/>
+            <a:endParaRPr kumimoji="1" lang="ja-JP" altLang="en-US" sz="1400" dirty="0">
+              <a:solidFill>
+                <a:schemeClr val="accent5">
+                  <a:lumMod val="75000"/>
+                </a:schemeClr>
+              </a:solidFill>
+            </a:endParaRPr>
           </a:p>
         </p:txBody>
       </p:sp>
@@ -27248,6 +28435,13 @@
           <a:prstGeom prst="roundRect">
             <a:avLst/>
           </a:prstGeom>
+          <a:ln>
+            <a:solidFill>
+              <a:schemeClr val="accent5">
+                <a:lumMod val="75000"/>
+              </a:schemeClr>
+            </a:solidFill>
+          </a:ln>
         </p:spPr>
         <p:style>
           <a:lnRef idx="2">
@@ -27268,7 +28462,13 @@
           <a:lstStyle/>
           <a:p>
             <a:pPr algn="ctr"/>
-            <a:endParaRPr kumimoji="1" lang="ja-JP" altLang="en-US" sz="1400" dirty="0"/>
+            <a:endParaRPr kumimoji="1" lang="ja-JP" altLang="en-US" sz="1400" dirty="0">
+              <a:solidFill>
+                <a:schemeClr val="accent5">
+                  <a:lumMod val="75000"/>
+                </a:schemeClr>
+              </a:solidFill>
+            </a:endParaRPr>
           </a:p>
         </p:txBody>
       </p:sp>
@@ -27286,6 +28486,13 @@
           <a:prstGeom prst="roundRect">
             <a:avLst/>
           </a:prstGeom>
+          <a:ln>
+            <a:solidFill>
+              <a:schemeClr val="accent5">
+                <a:lumMod val="75000"/>
+              </a:schemeClr>
+            </a:solidFill>
+          </a:ln>
         </p:spPr>
         <p:style>
           <a:lnRef idx="2">
@@ -27306,7 +28513,13 @@
           <a:lstStyle/>
           <a:p>
             <a:pPr algn="ctr"/>
-            <a:endParaRPr kumimoji="1" lang="ja-JP" altLang="en-US" sz="1400" dirty="0"/>
+            <a:endParaRPr kumimoji="1" lang="ja-JP" altLang="en-US" sz="1400" dirty="0">
+              <a:solidFill>
+                <a:schemeClr val="accent5">
+                  <a:lumMod val="75000"/>
+                </a:schemeClr>
+              </a:solidFill>
+            </a:endParaRPr>
           </a:p>
         </p:txBody>
       </p:sp>
@@ -27324,6 +28537,13 @@
           <a:prstGeom prst="roundRect">
             <a:avLst/>
           </a:prstGeom>
+          <a:ln>
+            <a:solidFill>
+              <a:schemeClr val="accent5">
+                <a:lumMod val="75000"/>
+              </a:schemeClr>
+            </a:solidFill>
+          </a:ln>
         </p:spPr>
         <p:style>
           <a:lnRef idx="2">
@@ -27344,7 +28564,13 @@
           <a:lstStyle/>
           <a:p>
             <a:pPr algn="ctr"/>
-            <a:endParaRPr kumimoji="1" lang="ja-JP" altLang="en-US" sz="1400" dirty="0"/>
+            <a:endParaRPr kumimoji="1" lang="ja-JP" altLang="en-US" sz="1400" dirty="0">
+              <a:solidFill>
+                <a:schemeClr val="accent5">
+                  <a:lumMod val="75000"/>
+                </a:schemeClr>
+              </a:solidFill>
+            </a:endParaRPr>
           </a:p>
         </p:txBody>
       </p:sp>
@@ -27515,27 +28741,40 @@
           <a:prstGeom prst="roundRect">
             <a:avLst/>
           </a:prstGeom>
-        </p:spPr>
-        <p:style>
-          <a:lnRef idx="2">
-            <a:schemeClr val="accent6"/>
-          </a:lnRef>
-          <a:fillRef idx="1">
-            <a:schemeClr val="lt1"/>
-          </a:fillRef>
-          <a:effectRef idx="0">
-            <a:schemeClr val="accent6"/>
-          </a:effectRef>
-          <a:fontRef idx="minor">
-            <a:schemeClr val="dk1"/>
-          </a:fontRef>
-        </p:style>
-        <p:txBody>
-          <a:bodyPr wrap="none" rtlCol="0" anchor="ctr"/>
-          <a:lstStyle/>
-          <a:p>
-            <a:pPr algn="ctr"/>
-            <a:endParaRPr kumimoji="1" lang="ja-JP" altLang="en-US" sz="1000" dirty="0"/>
+          <a:ln>
+            <a:solidFill>
+              <a:schemeClr val="accent5">
+                <a:lumMod val="75000"/>
+              </a:schemeClr>
+            </a:solidFill>
+          </a:ln>
+        </p:spPr>
+        <p:style>
+          <a:lnRef idx="2">
+            <a:schemeClr val="accent6"/>
+          </a:lnRef>
+          <a:fillRef idx="1">
+            <a:schemeClr val="lt1"/>
+          </a:fillRef>
+          <a:effectRef idx="0">
+            <a:schemeClr val="accent6"/>
+          </a:effectRef>
+          <a:fontRef idx="minor">
+            <a:schemeClr val="dk1"/>
+          </a:fontRef>
+        </p:style>
+        <p:txBody>
+          <a:bodyPr wrap="none" rtlCol="0" anchor="ctr"/>
+          <a:lstStyle/>
+          <a:p>
+            <a:pPr algn="ctr"/>
+            <a:endParaRPr kumimoji="1" lang="ja-JP" altLang="en-US" sz="1000" dirty="0">
+              <a:solidFill>
+                <a:schemeClr val="accent5">
+                  <a:lumMod val="75000"/>
+                </a:schemeClr>
+              </a:solidFill>
+            </a:endParaRPr>
           </a:p>
         </p:txBody>
       </p:sp>
@@ -28070,6 +29309,13 @@
           <a:prstGeom prst="roundRect">
             <a:avLst/>
           </a:prstGeom>
+          <a:ln>
+            <a:solidFill>
+              <a:schemeClr val="accent5">
+                <a:lumMod val="75000"/>
+              </a:schemeClr>
+            </a:solidFill>
+          </a:ln>
         </p:spPr>
         <p:style>
           <a:lnRef idx="2">
@@ -28108,6 +29354,13 @@
           <a:prstGeom prst="roundRect">
             <a:avLst/>
           </a:prstGeom>
+          <a:ln>
+            <a:solidFill>
+              <a:schemeClr val="accent5">
+                <a:lumMod val="75000"/>
+              </a:schemeClr>
+            </a:solidFill>
+          </a:ln>
         </p:spPr>
         <p:style>
           <a:lnRef idx="2">
@@ -28146,6 +29399,13 @@
           <a:prstGeom prst="roundRect">
             <a:avLst/>
           </a:prstGeom>
+          <a:ln>
+            <a:solidFill>
+              <a:schemeClr val="accent5">
+                <a:lumMod val="75000"/>
+              </a:schemeClr>
+            </a:solidFill>
+          </a:ln>
         </p:spPr>
         <p:style>
           <a:lnRef idx="2">
@@ -28184,6 +29444,13 @@
           <a:prstGeom prst="roundRect">
             <a:avLst/>
           </a:prstGeom>
+          <a:ln>
+            <a:solidFill>
+              <a:schemeClr val="accent5">
+                <a:lumMod val="75000"/>
+              </a:schemeClr>
+            </a:solidFill>
+          </a:ln>
         </p:spPr>
         <p:style>
           <a:lnRef idx="2">
@@ -28271,6 +29538,13 @@
           <a:prstGeom prst="roundRect">
             <a:avLst/>
           </a:prstGeom>
+          <a:ln>
+            <a:solidFill>
+              <a:schemeClr val="accent5">
+                <a:lumMod val="75000"/>
+              </a:schemeClr>
+            </a:solidFill>
+          </a:ln>
         </p:spPr>
         <p:style>
           <a:lnRef idx="2">
@@ -28460,6 +29734,13 @@
           <a:prstGeom prst="roundRect">
             <a:avLst/>
           </a:prstGeom>
+          <a:ln>
+            <a:solidFill>
+              <a:schemeClr val="accent5">
+                <a:lumMod val="75000"/>
+              </a:schemeClr>
+            </a:solidFill>
+          </a:ln>
         </p:spPr>
         <p:style>
           <a:lnRef idx="2">
@@ -28498,6 +29779,13 @@
           <a:prstGeom prst="roundRect">
             <a:avLst/>
           </a:prstGeom>
+          <a:ln>
+            <a:solidFill>
+              <a:schemeClr val="accent5">
+                <a:lumMod val="75000"/>
+              </a:schemeClr>
+            </a:solidFill>
+          </a:ln>
         </p:spPr>
         <p:style>
           <a:lnRef idx="2">
@@ -28711,6 +29999,13 @@
           <a:prstGeom prst="roundRect">
             <a:avLst/>
           </a:prstGeom>
+          <a:ln>
+            <a:solidFill>
+              <a:schemeClr val="accent5">
+                <a:lumMod val="75000"/>
+              </a:schemeClr>
+            </a:solidFill>
+          </a:ln>
         </p:spPr>
         <p:style>
           <a:lnRef idx="2">
@@ -28749,6 +30044,13 @@
           <a:prstGeom prst="roundRect">
             <a:avLst/>
           </a:prstGeom>
+          <a:ln>
+            <a:solidFill>
+              <a:schemeClr val="accent5">
+                <a:lumMod val="75000"/>
+              </a:schemeClr>
+            </a:solidFill>
+          </a:ln>
         </p:spPr>
         <p:style>
           <a:lnRef idx="2">
@@ -28787,6 +30089,13 @@
           <a:prstGeom prst="roundRect">
             <a:avLst/>
           </a:prstGeom>
+          <a:ln>
+            <a:solidFill>
+              <a:schemeClr val="accent5">
+                <a:lumMod val="75000"/>
+              </a:schemeClr>
+            </a:solidFill>
+          </a:ln>
         </p:spPr>
         <p:style>
           <a:lnRef idx="2">
@@ -28825,27 +30134,40 @@
           <a:prstGeom prst="roundRect">
             <a:avLst/>
           </a:prstGeom>
-        </p:spPr>
-        <p:style>
-          <a:lnRef idx="2">
-            <a:schemeClr val="accent6"/>
-          </a:lnRef>
-          <a:fillRef idx="1">
-            <a:schemeClr val="lt1"/>
-          </a:fillRef>
-          <a:effectRef idx="0">
-            <a:schemeClr val="accent6"/>
-          </a:effectRef>
-          <a:fontRef idx="minor">
-            <a:schemeClr val="dk1"/>
-          </a:fontRef>
-        </p:style>
-        <p:txBody>
-          <a:bodyPr wrap="none" rtlCol="0" anchor="ctr"/>
-          <a:lstStyle/>
-          <a:p>
-            <a:pPr algn="ctr"/>
-            <a:endParaRPr kumimoji="1" lang="ja-JP" altLang="en-US" sz="900" dirty="0"/>
+          <a:ln>
+            <a:solidFill>
+              <a:schemeClr val="accent5">
+                <a:lumMod val="75000"/>
+              </a:schemeClr>
+            </a:solidFill>
+          </a:ln>
+        </p:spPr>
+        <p:style>
+          <a:lnRef idx="2">
+            <a:schemeClr val="accent6"/>
+          </a:lnRef>
+          <a:fillRef idx="1">
+            <a:schemeClr val="lt1"/>
+          </a:fillRef>
+          <a:effectRef idx="0">
+            <a:schemeClr val="accent6"/>
+          </a:effectRef>
+          <a:fontRef idx="minor">
+            <a:schemeClr val="dk1"/>
+          </a:fontRef>
+        </p:style>
+        <p:txBody>
+          <a:bodyPr wrap="none" rtlCol="0" anchor="ctr"/>
+          <a:lstStyle/>
+          <a:p>
+            <a:pPr algn="ctr"/>
+            <a:endParaRPr kumimoji="1" lang="ja-JP" altLang="en-US" sz="900" dirty="0">
+              <a:solidFill>
+                <a:schemeClr val="accent5">
+                  <a:lumMod val="75000"/>
+                </a:schemeClr>
+              </a:solidFill>
+            </a:endParaRPr>
           </a:p>
         </p:txBody>
       </p:sp>
@@ -29316,6 +30638,13 @@
           <a:prstGeom prst="roundRect">
             <a:avLst/>
           </a:prstGeom>
+          <a:ln>
+            <a:solidFill>
+              <a:schemeClr val="accent5">
+                <a:lumMod val="75000"/>
+              </a:schemeClr>
+            </a:solidFill>
+          </a:ln>
         </p:spPr>
         <p:style>
           <a:lnRef idx="2">
@@ -29354,6 +30683,13 @@
           <a:prstGeom prst="roundRect">
             <a:avLst/>
           </a:prstGeom>
+          <a:ln>
+            <a:solidFill>
+              <a:schemeClr val="accent5">
+                <a:lumMod val="75000"/>
+              </a:schemeClr>
+            </a:solidFill>
+          </a:ln>
         </p:spPr>
         <p:style>
           <a:lnRef idx="2">
@@ -29392,6 +30728,13 @@
           <a:prstGeom prst="roundRect">
             <a:avLst/>
           </a:prstGeom>
+          <a:ln>
+            <a:solidFill>
+              <a:schemeClr val="accent5">
+                <a:lumMod val="75000"/>
+              </a:schemeClr>
+            </a:solidFill>
+          </a:ln>
         </p:spPr>
         <p:style>
           <a:lnRef idx="2">
@@ -29430,6 +30773,13 @@
           <a:prstGeom prst="roundRect">
             <a:avLst/>
           </a:prstGeom>
+          <a:ln>
+            <a:solidFill>
+              <a:schemeClr val="accent5">
+                <a:lumMod val="75000"/>
+              </a:schemeClr>
+            </a:solidFill>
+          </a:ln>
         </p:spPr>
         <p:style>
           <a:lnRef idx="2">
@@ -29468,6 +30818,13 @@
           <a:prstGeom prst="roundRect">
             <a:avLst/>
           </a:prstGeom>
+          <a:ln>
+            <a:solidFill>
+              <a:schemeClr val="accent5">
+                <a:lumMod val="75000"/>
+              </a:schemeClr>
+            </a:solidFill>
+          </a:ln>
         </p:spPr>
         <p:style>
           <a:lnRef idx="2">
@@ -29506,6 +30863,13 @@
           <a:prstGeom prst="roundRect">
             <a:avLst/>
           </a:prstGeom>
+          <a:ln>
+            <a:solidFill>
+              <a:schemeClr val="accent5">
+                <a:lumMod val="75000"/>
+              </a:schemeClr>
+            </a:solidFill>
+          </a:ln>
         </p:spPr>
         <p:style>
           <a:lnRef idx="2">
@@ -29544,6 +30908,13 @@
           <a:prstGeom prst="roundRect">
             <a:avLst/>
           </a:prstGeom>
+          <a:ln>
+            <a:solidFill>
+              <a:schemeClr val="accent5">
+                <a:lumMod val="75000"/>
+              </a:schemeClr>
+            </a:solidFill>
+          </a:ln>
         </p:spPr>
         <p:style>
           <a:lnRef idx="2">
@@ -29582,6 +30953,13 @@
           <a:prstGeom prst="roundRect">
             <a:avLst/>
           </a:prstGeom>
+          <a:ln>
+            <a:solidFill>
+              <a:schemeClr val="accent5">
+                <a:lumMod val="75000"/>
+              </a:schemeClr>
+            </a:solidFill>
+          </a:ln>
         </p:spPr>
         <p:style>
           <a:lnRef idx="2">
@@ -29662,6 +31040,13 @@
           <a:prstGeom prst="roundRect">
             <a:avLst/>
           </a:prstGeom>
+          <a:ln>
+            <a:solidFill>
+              <a:schemeClr val="accent5">
+                <a:lumMod val="75000"/>
+              </a:schemeClr>
+            </a:solidFill>
+          </a:ln>
         </p:spPr>
         <p:style>
           <a:lnRef idx="2">
@@ -29700,6 +31085,13 @@
           <a:prstGeom prst="roundRect">
             <a:avLst/>
           </a:prstGeom>
+          <a:ln>
+            <a:solidFill>
+              <a:schemeClr val="accent5">
+                <a:lumMod val="75000"/>
+              </a:schemeClr>
+            </a:solidFill>
+          </a:ln>
         </p:spPr>
         <p:style>
           <a:lnRef idx="2">
@@ -29738,6 +31130,13 @@
           <a:prstGeom prst="roundRect">
             <a:avLst/>
           </a:prstGeom>
+          <a:ln>
+            <a:solidFill>
+              <a:schemeClr val="accent5">
+                <a:lumMod val="75000"/>
+              </a:schemeClr>
+            </a:solidFill>
+          </a:ln>
         </p:spPr>
         <p:style>
           <a:lnRef idx="2">
@@ -29776,6 +31175,13 @@
           <a:prstGeom prst="roundRect">
             <a:avLst/>
           </a:prstGeom>
+          <a:ln>
+            <a:solidFill>
+              <a:schemeClr val="accent5">
+                <a:lumMod val="75000"/>
+              </a:schemeClr>
+            </a:solidFill>
+          </a:ln>
         </p:spPr>
         <p:style>
           <a:lnRef idx="2">
@@ -30143,6 +31549,26 @@
               <a:t>RCMD</a:t>
             </a:r>
             <a:r>
+              <a:rPr lang="ja-JP" altLang="en-US" sz="4000">
+                <a:solidFill>
+                  <a:schemeClr val="accent6">
+                    <a:lumMod val="75000"/>
+                  </a:schemeClr>
+                </a:solidFill>
+              </a:rPr>
+              <a:t> </a:t>
+            </a:r>
+            <a:r>
+              <a:rPr lang="en-US" altLang="ja-JP" sz="4000" smtClean="0">
+                <a:solidFill>
+                  <a:schemeClr val="accent6">
+                    <a:lumMod val="75000"/>
+                  </a:schemeClr>
+                </a:solidFill>
+              </a:rPr>
+              <a:t>= </a:t>
+            </a:r>
+            <a:r>
               <a:rPr lang="en-US" altLang="ja-JP" sz="4000">
                 <a:solidFill>
                   <a:schemeClr val="accent6">
@@ -30150,7 +31576,7 @@
                   </a:schemeClr>
                 </a:solidFill>
               </a:rPr>
-              <a:t>	= Window Control</a:t>
+              <a:t>Window Control</a:t>
             </a:r>
             <a:endParaRPr lang="en-US" altLang="ja-JP" sz="4000" dirty="0">
               <a:solidFill>
@@ -34765,6 +36191,112 @@
             <a:endParaRPr lang="ja-JP" altLang="en-US" dirty="0">
               <a:solidFill>
                 <a:schemeClr val="accent6">
+                  <a:lumMod val="75000"/>
+                </a:schemeClr>
+              </a:solidFill>
+            </a:endParaRPr>
+          </a:p>
+        </p:txBody>
+      </p:sp>
+      <p:sp>
+        <p:nvSpPr>
+          <p:cNvPr id="62" name="角丸四角形 61"/>
+          <p:cNvSpPr/>
+          <p:nvPr/>
+        </p:nvSpPr>
+        <p:spPr>
+          <a:xfrm>
+            <a:off x="2727793" y="5473034"/>
+            <a:ext cx="3135639" cy="465380"/>
+          </a:xfrm>
+          <a:prstGeom prst="roundRect">
+            <a:avLst/>
+          </a:prstGeom>
+        </p:spPr>
+        <p:style>
+          <a:lnRef idx="2">
+            <a:schemeClr val="accent6"/>
+          </a:lnRef>
+          <a:fillRef idx="1">
+            <a:schemeClr val="lt1"/>
+          </a:fillRef>
+          <a:effectRef idx="0">
+            <a:schemeClr val="accent6"/>
+          </a:effectRef>
+          <a:fontRef idx="minor">
+            <a:schemeClr val="dk1"/>
+          </a:fontRef>
+        </p:style>
+        <p:txBody>
+          <a:bodyPr wrap="none" rtlCol="0" anchor="ctr"/>
+          <a:lstStyle/>
+          <a:p>
+            <a:pPr algn="ctr"/>
+            <a:r>
+              <a:rPr kumimoji="1" lang="en-US" altLang="ja-JP" smtClean="0">
+                <a:solidFill>
+                  <a:schemeClr val="accent6">
+                    <a:lumMod val="75000"/>
+                  </a:schemeClr>
+                </a:solidFill>
+              </a:rPr>
+              <a:t>Slow Cursor</a:t>
+            </a:r>
+            <a:endParaRPr kumimoji="1" lang="ja-JP" altLang="en-US" dirty="0">
+              <a:solidFill>
+                <a:schemeClr val="accent6">
+                  <a:lumMod val="75000"/>
+                </a:schemeClr>
+              </a:solidFill>
+            </a:endParaRPr>
+          </a:p>
+        </p:txBody>
+      </p:sp>
+      <p:sp>
+        <p:nvSpPr>
+          <p:cNvPr id="63" name="テキスト ボックス 62"/>
+          <p:cNvSpPr txBox="1"/>
+          <p:nvPr/>
+        </p:nvSpPr>
+        <p:spPr>
+          <a:xfrm>
+            <a:off x="1848403" y="2522124"/>
+            <a:ext cx="4971233" cy="523220"/>
+          </a:xfrm>
+          <a:prstGeom prst="rect">
+            <a:avLst/>
+          </a:prstGeom>
+          <a:noFill/>
+        </p:spPr>
+        <p:txBody>
+          <a:bodyPr wrap="none" rtlCol="0">
+            <a:spAutoFit/>
+          </a:bodyPr>
+          <a:lstStyle/>
+          <a:p>
+            <a:r>
+              <a:rPr lang="ja-JP" altLang="en-US" sz="2800" smtClean="0">
+                <a:solidFill>
+                  <a:schemeClr val="accent6">
+                    <a:lumMod val="75000"/>
+                  </a:schemeClr>
+                </a:solidFill>
+              </a:rPr>
+              <a:t>意外にいい感じに動く、</a:t>
+            </a:r>
+            <a:r>
+              <a:rPr lang="en-US" altLang="ja-JP" sz="2800" smtClean="0">
+                <a:solidFill>
+                  <a:schemeClr val="accent6">
+                    <a:lumMod val="75000"/>
+                  </a:schemeClr>
+                </a:solidFill>
+              </a:rPr>
+              <a:t>FIXED</a:t>
+            </a:r>
+            <a:endParaRPr kumimoji="1" lang="ja-JP" altLang="en-US" sz="2800">
+              <a:solidFill>
+                <a:schemeClr val="accent5">
                   <a:lumMod val="75000"/>
                 </a:schemeClr>
               </a:solidFill>

--- a/MANUAL.pptx
+++ b/MANUAL.pptx
@@ -248,7 +248,7 @@
           <a:p>
             <a:fld id="{98B15ECE-60C4-45D4-8ABC-DDA7D4F33EF9}" type="datetimeFigureOut">
               <a:rPr kumimoji="1" lang="ja-JP" altLang="en-US" smtClean="0"/>
-              <a:t>2015/10/30</a:t>
+              <a:t>2015/11/15</a:t>
             </a:fld>
             <a:endParaRPr kumimoji="1" lang="ja-JP" altLang="en-US"/>
           </a:p>
@@ -1183,7 +1183,7 @@
           <a:p>
             <a:fld id="{8FB4C7EE-3C5D-4F47-A8DE-21B759CA57C5}" type="datetimeFigureOut">
               <a:rPr kumimoji="1" lang="ja-JP" altLang="en-US" smtClean="0"/>
-              <a:t>2015/10/30</a:t>
+              <a:t>2015/11/15</a:t>
             </a:fld>
             <a:endParaRPr kumimoji="1" lang="ja-JP" altLang="en-US"/>
           </a:p>
@@ -1385,7 +1385,7 @@
           <a:p>
             <a:fld id="{8FB4C7EE-3C5D-4F47-A8DE-21B759CA57C5}" type="datetimeFigureOut">
               <a:rPr kumimoji="1" lang="ja-JP" altLang="en-US" smtClean="0"/>
-              <a:t>2015/10/30</a:t>
+              <a:t>2015/11/15</a:t>
             </a:fld>
             <a:endParaRPr kumimoji="1" lang="ja-JP" altLang="en-US"/>
           </a:p>
@@ -1597,7 +1597,7 @@
           <a:p>
             <a:fld id="{8FB4C7EE-3C5D-4F47-A8DE-21B759CA57C5}" type="datetimeFigureOut">
               <a:rPr kumimoji="1" lang="ja-JP" altLang="en-US" smtClean="0"/>
-              <a:t>2015/10/30</a:t>
+              <a:t>2015/11/15</a:t>
             </a:fld>
             <a:endParaRPr kumimoji="1" lang="ja-JP" altLang="en-US"/>
           </a:p>
@@ -1799,7 +1799,7 @@
           <a:p>
             <a:fld id="{8FB4C7EE-3C5D-4F47-A8DE-21B759CA57C5}" type="datetimeFigureOut">
               <a:rPr kumimoji="1" lang="ja-JP" altLang="en-US" smtClean="0"/>
-              <a:t>2015/10/30</a:t>
+              <a:t>2015/11/15</a:t>
             </a:fld>
             <a:endParaRPr kumimoji="1" lang="ja-JP" altLang="en-US"/>
           </a:p>
@@ -2043,7 +2043,7 @@
           <a:p>
             <a:fld id="{8FB4C7EE-3C5D-4F47-A8DE-21B759CA57C5}" type="datetimeFigureOut">
               <a:rPr kumimoji="1" lang="ja-JP" altLang="en-US" smtClean="0"/>
-              <a:t>2015/10/30</a:t>
+              <a:t>2015/11/15</a:t>
             </a:fld>
             <a:endParaRPr kumimoji="1" lang="ja-JP" altLang="en-US"/>
           </a:p>
@@ -2339,7 +2339,7 @@
           <a:p>
             <a:fld id="{8FB4C7EE-3C5D-4F47-A8DE-21B759CA57C5}" type="datetimeFigureOut">
               <a:rPr kumimoji="1" lang="ja-JP" altLang="en-US" smtClean="0"/>
-              <a:t>2015/10/30</a:t>
+              <a:t>2015/11/15</a:t>
             </a:fld>
             <a:endParaRPr kumimoji="1" lang="ja-JP" altLang="en-US"/>
           </a:p>
@@ -2770,7 +2770,7 @@
           <a:p>
             <a:fld id="{8FB4C7EE-3C5D-4F47-A8DE-21B759CA57C5}" type="datetimeFigureOut">
               <a:rPr kumimoji="1" lang="ja-JP" altLang="en-US" smtClean="0"/>
-              <a:t>2015/10/30</a:t>
+              <a:t>2015/11/15</a:t>
             </a:fld>
             <a:endParaRPr kumimoji="1" lang="ja-JP" altLang="en-US"/>
           </a:p>
@@ -2888,7 +2888,7 @@
           <a:p>
             <a:fld id="{8FB4C7EE-3C5D-4F47-A8DE-21B759CA57C5}" type="datetimeFigureOut">
               <a:rPr kumimoji="1" lang="ja-JP" altLang="en-US" smtClean="0"/>
-              <a:t>2015/10/30</a:t>
+              <a:t>2015/11/15</a:t>
             </a:fld>
             <a:endParaRPr kumimoji="1" lang="ja-JP" altLang="en-US"/>
           </a:p>
@@ -2983,7 +2983,7 @@
           <a:p>
             <a:fld id="{8FB4C7EE-3C5D-4F47-A8DE-21B759CA57C5}" type="datetimeFigureOut">
               <a:rPr kumimoji="1" lang="ja-JP" altLang="en-US" smtClean="0"/>
-              <a:t>2015/10/30</a:t>
+              <a:t>2015/11/15</a:t>
             </a:fld>
             <a:endParaRPr kumimoji="1" lang="ja-JP" altLang="en-US"/>
           </a:p>
@@ -3292,7 +3292,7 @@
           <a:p>
             <a:fld id="{8FB4C7EE-3C5D-4F47-A8DE-21B759CA57C5}" type="datetimeFigureOut">
               <a:rPr kumimoji="1" lang="ja-JP" altLang="en-US" smtClean="0"/>
-              <a:t>2015/10/30</a:t>
+              <a:t>2015/11/15</a:t>
             </a:fld>
             <a:endParaRPr kumimoji="1" lang="ja-JP" altLang="en-US"/>
           </a:p>
@@ -3549,7 +3549,7 @@
           <a:p>
             <a:fld id="{8FB4C7EE-3C5D-4F47-A8DE-21B759CA57C5}" type="datetimeFigureOut">
               <a:rPr kumimoji="1" lang="ja-JP" altLang="en-US" smtClean="0"/>
-              <a:t>2015/10/30</a:t>
+              <a:t>2015/11/15</a:t>
             </a:fld>
             <a:endParaRPr kumimoji="1" lang="ja-JP" altLang="en-US"/>
           </a:p>
@@ -3794,7 +3794,7 @@
           <a:p>
             <a:fld id="{8FB4C7EE-3C5D-4F47-A8DE-21B759CA57C5}" type="datetimeFigureOut">
               <a:rPr kumimoji="1" lang="ja-JP" altLang="en-US" smtClean="0"/>
-              <a:t>2015/10/30</a:t>
+              <a:t>2015/11/15</a:t>
             </a:fld>
             <a:endParaRPr kumimoji="1" lang="ja-JP" altLang="en-US"/>
           </a:p>
@@ -4269,23 +4269,49 @@
                   </a:schemeClr>
                 </a:solidFill>
               </a:rPr>
-              <a:t>Supported </a:t>
-            </a:r>
-            <a:r>
-              <a:rPr lang="en-US" altLang="ja-JP" smtClean="0">
+              <a:t>Supported by </a:t>
+            </a:r>
+            <a:r>
+              <a:rPr lang="en-US" altLang="ja-JP" dirty="0" smtClean="0">
+                <a:solidFill>
+                  <a:schemeClr val="accent6"/>
+                </a:solidFill>
+              </a:rPr>
+              <a:t>AHK</a:t>
+            </a:r>
+          </a:p>
+          <a:p>
+            <a:r>
+              <a:rPr lang="en-US" altLang="ja-JP" dirty="0">
                 <a:solidFill>
                   <a:schemeClr val="bg1">
                     <a:lumMod val="65000"/>
                   </a:schemeClr>
                 </a:solidFill>
               </a:rPr>
-              <a:t>by AHK</a:t>
+              <a:t>o</a:t>
+            </a:r>
+            <a:r>
+              <a:rPr kumimoji="1" lang="en-US" altLang="ja-JP" dirty="0" smtClean="0">
+                <a:solidFill>
+                  <a:schemeClr val="bg1">
+                    <a:lumMod val="65000"/>
+                  </a:schemeClr>
+                </a:solidFill>
+              </a:rPr>
+              <a:t>n </a:t>
+            </a:r>
+            <a:r>
+              <a:rPr kumimoji="1" lang="en-US" altLang="ja-JP" dirty="0" smtClean="0">
+                <a:solidFill>
+                  <a:schemeClr val="accent1"/>
+                </a:solidFill>
+              </a:rPr>
+              <a:t>Windows 10</a:t>
             </a:r>
             <a:endParaRPr kumimoji="1" lang="ja-JP" altLang="en-US" dirty="0">
               <a:solidFill>
-                <a:schemeClr val="bg1">
-                  <a:lumMod val="65000"/>
-                </a:schemeClr>
+                <a:schemeClr val="accent1"/>
               </a:solidFill>
             </a:endParaRPr>
           </a:p>
@@ -12405,7 +12431,7 @@
           <a:p>
             <a:pPr algn="ctr"/>
             <a:r>
-              <a:rPr lang="en-US" altLang="ja-JP" sz="1400" smtClean="0">
+              <a:rPr lang="en-US" altLang="ja-JP" sz="1400" dirty="0" smtClean="0">
                 <a:solidFill>
                   <a:schemeClr val="accent5">
                     <a:lumMod val="75000"/>
@@ -12414,7 +12440,19 @@
                 <a:latin typeface="+mj-ea"/>
                 <a:ea typeface="+mj-ea"/>
               </a:rPr>
-              <a:t>Window Catalog</a:t>
+              <a:t>Window </a:t>
+            </a:r>
+            <a:r>
+              <a:rPr lang="en-US" altLang="ja-JP" sz="1400" dirty="0" smtClean="0">
+                <a:solidFill>
+                  <a:schemeClr val="accent5">
+                    <a:lumMod val="75000"/>
+                  </a:schemeClr>
+                </a:solidFill>
+                <a:latin typeface="+mj-ea"/>
+                <a:ea typeface="+mj-ea"/>
+              </a:rPr>
+              <a:t>Catalog (#Tab)</a:t>
             </a:r>
             <a:endParaRPr kumimoji="1" lang="ja-JP" altLang="en-US" sz="1400" dirty="0">
               <a:solidFill>
@@ -13369,17 +13407,11 @@
             <a:avLst/>
           </a:prstGeom>
           <a:solidFill>
-            <a:schemeClr val="tx1">
-              <a:lumMod val="50000"/>
-              <a:lumOff val="50000"/>
-            </a:schemeClr>
+            <a:schemeClr val="tx1"/>
           </a:solidFill>
           <a:ln w="28575">
             <a:solidFill>
-              <a:schemeClr val="tx1">
-                <a:lumMod val="50000"/>
-                <a:lumOff val="50000"/>
-              </a:schemeClr>
+              <a:schemeClr val="tx1"/>
             </a:solidFill>
           </a:ln>
         </p:spPr>
@@ -13403,13 +13435,19 @@
           <a:p>
             <a:pPr algn="ctr"/>
             <a:r>
-              <a:rPr kumimoji="1" lang="en-US" altLang="ja-JP" sz="1400" smtClean="0">
+              <a:rPr kumimoji="1" lang="en-US" altLang="ja-JP" sz="1400" b="1" dirty="0" smtClean="0">
+                <a:solidFill>
+                  <a:schemeClr val="bg1"/>
+                </a:solidFill>
                 <a:latin typeface="+mj-ea"/>
                 <a:ea typeface="+mj-ea"/>
               </a:rPr>
               <a:t>BASE</a:t>
             </a:r>
-            <a:endParaRPr kumimoji="1" lang="ja-JP" altLang="en-US" sz="1400">
+            <a:endParaRPr kumimoji="1" lang="ja-JP" altLang="en-US" sz="1400" b="1" dirty="0">
+              <a:solidFill>
+                <a:schemeClr val="bg1"/>
+              </a:solidFill>
               <a:latin typeface="+mj-ea"/>
               <a:ea typeface="+mj-ea"/>
             </a:endParaRPr>
@@ -13434,10 +13472,7 @@
           </a:prstGeom>
           <a:ln w="28575">
             <a:solidFill>
-              <a:schemeClr val="tx1">
-                <a:lumMod val="50000"/>
-                <a:lumOff val="50000"/>
-              </a:schemeClr>
+              <a:schemeClr val="tx1"/>
             </a:solidFill>
             <a:tailEnd type="triangle"/>
           </a:ln>
@@ -13499,25 +13534,23 @@
           <a:p>
             <a:pPr algn="ctr"/>
             <a:r>
-              <a:rPr kumimoji="1" lang="en-US" altLang="ja-JP" sz="1400" smtClean="0">
+              <a:rPr lang="en-US" altLang="ja-JP" sz="1400" dirty="0">
                 <a:solidFill>
-                  <a:schemeClr val="accent2">
+                  <a:schemeClr val="accent5">
                     <a:lumMod val="75000"/>
                   </a:schemeClr>
                 </a:solidFill>
                 <a:latin typeface="+mj-ea"/>
-                <a:ea typeface="+mj-ea"/>
               </a:rPr>
-              <a:t>Screen Preview</a:t>
-            </a:r>
-            <a:endParaRPr kumimoji="1" lang="ja-JP" altLang="en-US" sz="1400" dirty="0">
+              <a:t>Window Catalog (#Tab)</a:t>
+            </a:r>
+            <a:endParaRPr lang="ja-JP" altLang="en-US" sz="1400" dirty="0">
               <a:solidFill>
-                <a:schemeClr val="accent2">
-                  <a:lumMod val="75000"/>
+                <a:schemeClr val="bg1">
+                  <a:lumMod val="65000"/>
                 </a:schemeClr>
               </a:solidFill>
               <a:latin typeface="+mj-ea"/>
-              <a:ea typeface="+mj-ea"/>
             </a:endParaRPr>
           </a:p>
         </p:txBody>
@@ -13580,7 +13613,9 @@
           </a:prstGeom>
           <a:ln w="28575">
             <a:solidFill>
-              <a:srgbClr val="C00000"/>
+              <a:schemeClr val="accent5">
+                <a:lumMod val="75000"/>
+              </a:schemeClr>
             </a:solidFill>
             <a:tailEnd type="triangle"/>
           </a:ln>
@@ -13616,7 +13651,9 @@
           </a:prstGeom>
           <a:ln w="28575">
             <a:solidFill>
-              <a:srgbClr val="C00000"/>
+              <a:schemeClr val="accent5">
+                <a:lumMod val="75000"/>
+              </a:schemeClr>
             </a:solidFill>
           </a:ln>
         </p:spPr>
@@ -13640,18 +13677,22 @@
           <a:p>
             <a:pPr algn="ctr"/>
             <a:r>
-              <a:rPr kumimoji="1" lang="ja-JP" altLang="en-US" sz="1400" smtClean="0">
+              <a:rPr kumimoji="1" lang="en-US" altLang="ja-JP" sz="1400" dirty="0" err="1" smtClean="0">
                 <a:solidFill>
-                  <a:srgbClr val="C00000"/>
+                  <a:schemeClr val="accent5">
+                    <a:lumMod val="75000"/>
+                  </a:schemeClr>
                 </a:solidFill>
                 <a:latin typeface="+mj-ea"/>
                 <a:ea typeface="+mj-ea"/>
               </a:rPr>
-              <a:t>未定</a:t>
-            </a:r>
-            <a:endParaRPr kumimoji="1" lang="ja-JP" altLang="en-US" sz="1400">
+              <a:t>MClick</a:t>
+            </a:r>
+            <a:endParaRPr kumimoji="1" lang="ja-JP" altLang="en-US" sz="1400" dirty="0">
               <a:solidFill>
-                <a:srgbClr val="C00000"/>
+                <a:schemeClr val="accent5">
+                  <a:lumMod val="75000"/>
+                </a:schemeClr>
               </a:solidFill>
               <a:latin typeface="+mj-ea"/>
               <a:ea typeface="+mj-ea"/>
@@ -14351,25 +14392,23 @@
           <a:p>
             <a:pPr algn="ctr"/>
             <a:r>
-              <a:rPr kumimoji="1" lang="en-US" altLang="ja-JP" sz="1400" smtClean="0">
+              <a:rPr lang="en-US" altLang="ja-JP" sz="1400" dirty="0">
                 <a:solidFill>
-                  <a:schemeClr val="accent2">
+                  <a:schemeClr val="accent5">
                     <a:lumMod val="75000"/>
                   </a:schemeClr>
                 </a:solidFill>
                 <a:latin typeface="+mj-ea"/>
-                <a:ea typeface="+mj-ea"/>
               </a:rPr>
-              <a:t>Screen Preview</a:t>
-            </a:r>
-            <a:endParaRPr kumimoji="1" lang="ja-JP" altLang="en-US" sz="1400" dirty="0">
+              <a:t>Window Catalog (#Tab)</a:t>
+            </a:r>
+            <a:endParaRPr lang="ja-JP" altLang="en-US" sz="1400" dirty="0">
               <a:solidFill>
-                <a:schemeClr val="accent2">
-                  <a:lumMod val="75000"/>
+                <a:schemeClr val="bg1">
+                  <a:lumMod val="65000"/>
                 </a:schemeClr>
               </a:solidFill>
               <a:latin typeface="+mj-ea"/>
-              <a:ea typeface="+mj-ea"/>
             </a:endParaRPr>
           </a:p>
         </p:txBody>
@@ -14429,17 +14468,11 @@
             <a:avLst/>
           </a:prstGeom>
           <a:solidFill>
-            <a:schemeClr val="tx1">
-              <a:lumMod val="50000"/>
-              <a:lumOff val="50000"/>
-            </a:schemeClr>
+            <a:schemeClr val="tx1"/>
           </a:solidFill>
           <a:ln w="28575">
             <a:solidFill>
-              <a:schemeClr val="tx1">
-                <a:lumMod val="50000"/>
-                <a:lumOff val="50000"/>
-              </a:schemeClr>
+              <a:schemeClr val="tx1"/>
             </a:solidFill>
           </a:ln>
         </p:spPr>
@@ -14464,12 +14497,18 @@
             <a:pPr algn="ctr"/>
             <a:r>
               <a:rPr kumimoji="1" lang="en-US" altLang="ja-JP" sz="1400" smtClean="0">
+                <a:solidFill>
+                  <a:schemeClr val="bg1"/>
+                </a:solidFill>
                 <a:latin typeface="+mj-ea"/>
                 <a:ea typeface="+mj-ea"/>
               </a:rPr>
               <a:t>BASE</a:t>
             </a:r>
             <a:endParaRPr kumimoji="1" lang="ja-JP" altLang="en-US" sz="1400">
+              <a:solidFill>
+                <a:schemeClr val="bg1"/>
+              </a:solidFill>
               <a:latin typeface="+mj-ea"/>
               <a:ea typeface="+mj-ea"/>
             </a:endParaRPr>
@@ -14494,10 +14533,7 @@
           </a:prstGeom>
           <a:ln w="28575">
             <a:solidFill>
-              <a:schemeClr val="tx1">
-                <a:lumMod val="50000"/>
-                <a:lumOff val="50000"/>
-              </a:schemeClr>
+              <a:schemeClr val="tx1"/>
             </a:solidFill>
             <a:tailEnd type="triangle"/>
           </a:ln>
@@ -14802,19 +14838,25 @@
           <a:lstStyle/>
           <a:p>
             <a:r>
-              <a:rPr lang="en-US" altLang="ja-JP" sz="3600">
+              <a:rPr lang="en-US" altLang="ja-JP" sz="3600" dirty="0">
                 <a:latin typeface="+mj-ea"/>
               </a:rPr>
-              <a:t>MOD Right Button (</a:t>
-            </a:r>
-            <a:r>
-              <a:rPr lang="ja-JP" altLang="en-US" sz="3600">
+              <a:t>MOD Right Button </a:t>
+            </a:r>
+            <a:r>
+              <a:rPr lang="en-US" altLang="ja-JP" sz="3600" dirty="0" smtClean="0">
                 <a:latin typeface="+mj-ea"/>
               </a:rPr>
-              <a:t>タブ操作</a:t>
-            </a:r>
-            <a:r>
-              <a:rPr lang="en-US" altLang="ja-JP" sz="3600">
+              <a:t>(App</a:t>
+            </a:r>
+            <a:r>
+              <a:rPr lang="ja-JP" altLang="en-US" sz="3600" dirty="0" smtClean="0">
+                <a:latin typeface="+mj-ea"/>
+              </a:rPr>
+              <a:t>別？</a:t>
+            </a:r>
+            <a:r>
+              <a:rPr lang="en-US" altLang="ja-JP" sz="3600" dirty="0" smtClean="0">
                 <a:latin typeface="+mj-ea"/>
               </a:rPr>
               <a:t>)</a:t>
@@ -15475,10 +15517,7 @@
           </a:prstGeom>
           <a:ln w="28575">
             <a:solidFill>
-              <a:schemeClr val="tx1">
-                <a:lumMod val="50000"/>
-                <a:lumOff val="50000"/>
-              </a:schemeClr>
+              <a:schemeClr val="tx1"/>
             </a:solidFill>
             <a:tailEnd type="triangle"/>
           </a:ln>
@@ -15513,17 +15552,11 @@
             <a:avLst/>
           </a:prstGeom>
           <a:solidFill>
-            <a:schemeClr val="tx1">
-              <a:lumMod val="50000"/>
-              <a:lumOff val="50000"/>
-            </a:schemeClr>
+            <a:schemeClr val="tx1"/>
           </a:solidFill>
           <a:ln>
             <a:solidFill>
-              <a:schemeClr val="tx1">
-                <a:lumMod val="50000"/>
-                <a:lumOff val="50000"/>
-              </a:schemeClr>
+              <a:schemeClr val="tx1"/>
             </a:solidFill>
           </a:ln>
         </p:spPr>
@@ -15547,18 +15580,18 @@
           <a:p>
             <a:pPr algn="ctr"/>
             <a:r>
-              <a:rPr kumimoji="1" lang="en-US" altLang="ja-JP" sz="1400" smtClean="0">
+              <a:rPr kumimoji="1" lang="en-US" altLang="ja-JP" sz="1400" dirty="0" smtClean="0">
                 <a:solidFill>
-                  <a:schemeClr val="tx1"/>
+                  <a:schemeClr val="bg1"/>
                 </a:solidFill>
                 <a:latin typeface="+mj-ea"/>
                 <a:ea typeface="+mj-ea"/>
               </a:rPr>
               <a:t>BASE</a:t>
             </a:r>
-            <a:endParaRPr kumimoji="1" lang="ja-JP" altLang="en-US" sz="1400">
+            <a:endParaRPr kumimoji="1" lang="ja-JP" altLang="en-US" sz="1400" dirty="0">
               <a:solidFill>
-                <a:schemeClr val="tx1"/>
+                <a:schemeClr val="bg1"/>
               </a:solidFill>
               <a:latin typeface="+mj-ea"/>
               <a:ea typeface="+mj-ea"/>
@@ -15642,7 +15675,7 @@
           <a:p>
             <a:pPr algn="ctr"/>
             <a:r>
-              <a:rPr kumimoji="1" lang="en-US" altLang="ja-JP" sz="1400" smtClean="0">
+              <a:rPr kumimoji="1" lang="en-US" altLang="ja-JP" sz="1400" dirty="0" smtClean="0">
                 <a:solidFill>
                   <a:schemeClr val="accent5">
                     <a:lumMod val="75000"/>
@@ -15651,7 +15684,19 @@
                 <a:latin typeface="+mj-ea"/>
                 <a:ea typeface="+mj-ea"/>
               </a:rPr>
-              <a:t>Pin(Lock) Tab</a:t>
+              <a:t>*Pin(Lock</a:t>
+            </a:r>
+            <a:r>
+              <a:rPr kumimoji="1" lang="en-US" altLang="ja-JP" sz="1400" dirty="0" smtClean="0">
+                <a:solidFill>
+                  <a:schemeClr val="accent5">
+                    <a:lumMod val="75000"/>
+                  </a:schemeClr>
+                </a:solidFill>
+                <a:latin typeface="+mj-ea"/>
+                <a:ea typeface="+mj-ea"/>
+              </a:rPr>
+              <a:t>) Tab</a:t>
             </a:r>
             <a:endParaRPr kumimoji="1" lang="ja-JP" altLang="en-US" sz="1400" dirty="0">
               <a:solidFill>
@@ -15697,8 +15742,17 @@
                 <a:latin typeface="+mj-ea"/>
                 <a:ea typeface="+mj-ea"/>
               </a:rPr>
-              <a:t>need </a:t>
-            </a:r>
+              <a:t>*need </a:t>
+            </a:r>
+            <a:endParaRPr lang="en-US" altLang="ja-JP" sz="1400" dirty="0" smtClean="0">
+              <a:solidFill>
+                <a:schemeClr val="bg1">
+                  <a:lumMod val="65000"/>
+                </a:schemeClr>
+              </a:solidFill>
+              <a:latin typeface="+mj-ea"/>
+              <a:ea typeface="+mj-ea"/>
+            </a:endParaRPr>
           </a:p>
           <a:p>
             <a:pPr lvl="1"/>
@@ -17364,7 +17418,7 @@
           <a:p>
             <a:pPr algn="ctr"/>
             <a:r>
-              <a:rPr kumimoji="1" lang="en-US" altLang="ja-JP" smtClean="0">
+              <a:rPr kumimoji="1" lang="en-US" altLang="ja-JP" dirty="0" smtClean="0">
                 <a:latin typeface="+mj-lt"/>
               </a:rPr>
               <a:t>BS</a:t>
@@ -18029,7 +18083,7 @@
           <a:p>
             <a:pPr algn="ctr"/>
             <a:r>
-              <a:rPr kumimoji="1" lang="en-US" altLang="ja-JP" smtClean="0">
+              <a:rPr kumimoji="1" lang="en-US" altLang="ja-JP" dirty="0" smtClean="0">
                 <a:latin typeface="+mj-lt"/>
               </a:rPr>
               <a:t>return</a:t>
@@ -19297,14 +19351,7 @@
                 <a:latin typeface="+mj-lt"/>
                 <a:ea typeface="+mj-ea"/>
               </a:rPr>
-              <a:t>※ </a:t>
-            </a:r>
-            <a:r>
-              <a:rPr lang="en-US" altLang="ja-JP" sz="1600" smtClean="0">
-                <a:latin typeface="+mj-lt"/>
-                <a:ea typeface="+mj-ea"/>
-              </a:rPr>
-              <a:t>` = FN + Del</a:t>
+              <a:t>※ ` = FN + Del</a:t>
             </a:r>
             <a:endParaRPr lang="en-US" altLang="ja-JP" sz="1600" dirty="0" smtClean="0">
               <a:latin typeface="+mj-lt"/>
@@ -20163,9 +20210,7 @@
           </a:prstGeom>
           <a:ln>
             <a:solidFill>
-              <a:schemeClr val="accent2">
-                <a:lumMod val="75000"/>
-              </a:schemeClr>
+              <a:schemeClr val="tx1"/>
             </a:solidFill>
           </a:ln>
         </p:spPr>
@@ -20189,11 +20234,9 @@
           <a:p>
             <a:pPr algn="ctr"/>
             <a:r>
-              <a:rPr lang="en-US" altLang="ja-JP" sz="1200" smtClean="0">
+              <a:rPr lang="en-US" altLang="ja-JP" sz="1200" dirty="0" smtClean="0">
                 <a:solidFill>
-                  <a:schemeClr val="accent2">
-                    <a:lumMod val="75000"/>
-                  </a:schemeClr>
+                  <a:schemeClr val="tx1"/>
                 </a:solidFill>
               </a:rPr>
               <a:t>IME</a:t>
@@ -20902,16 +20945,16 @@
           <a:p>
             <a:pPr algn="ctr"/>
             <a:r>
-              <a:rPr lang="en-US" altLang="ja-JP" sz="1200" smtClean="0">
+              <a:rPr kumimoji="1" lang="en-US" altLang="ja-JP" dirty="0" smtClean="0">
                 <a:solidFill>
                   <a:schemeClr val="accent5">
                     <a:lumMod val="75000"/>
                   </a:schemeClr>
                 </a:solidFill>
               </a:rPr>
-              <a:t>Eng_IME</a:t>
-            </a:r>
-            <a:endParaRPr kumimoji="1" lang="en-US" altLang="ja-JP" sz="1200" smtClean="0">
+              <a:t>^BS</a:t>
+            </a:r>
+            <a:endParaRPr kumimoji="1" lang="en-US" altLang="ja-JP" dirty="0" smtClean="0">
               <a:solidFill>
                 <a:schemeClr val="accent5">
                   <a:lumMod val="75000"/>
@@ -21691,16 +21734,16 @@
           <a:p>
             <a:pPr algn="ctr"/>
             <a:r>
-              <a:rPr kumimoji="1" lang="en-US" altLang="ja-JP" sz="1200" smtClean="0">
+              <a:rPr lang="en-US" altLang="ja-JP" dirty="0" smtClean="0">
                 <a:solidFill>
                   <a:schemeClr val="accent5">
                     <a:lumMod val="75000"/>
                   </a:schemeClr>
                 </a:solidFill>
               </a:rPr>
-              <a:t>Japanese_IME</a:t>
-            </a:r>
-            <a:endParaRPr kumimoji="1" lang="ja-JP" altLang="en-US" sz="1200" dirty="0">
+              <a:t>^return</a:t>
+            </a:r>
+            <a:endParaRPr kumimoji="1" lang="ja-JP" altLang="en-US" dirty="0">
               <a:solidFill>
                 <a:schemeClr val="accent5">
                   <a:lumMod val="75000"/>
@@ -25087,7 +25130,7 @@
           <a:p>
             <a:pPr algn="ctr"/>
             <a:r>
-              <a:rPr kumimoji="1" lang="en-US" altLang="ja-JP" sz="1600" smtClean="0">
+              <a:rPr kumimoji="1" lang="en-US" altLang="ja-JP" sz="1600" dirty="0" smtClean="0">
                 <a:solidFill>
                   <a:srgbClr val="C00000"/>
                 </a:solidFill>
@@ -29671,8 +29714,15 @@
           <a:p>
             <a:pPr algn="ctr"/>
             <a:r>
-              <a:rPr kumimoji="1" lang="en-US" altLang="ja-JP" sz="900" smtClean="0"/>
-              <a:t>Reader</a:t>
+              <a:rPr kumimoji="1" lang="en-US" altLang="ja-JP" sz="900" dirty="0" smtClean="0"/>
+              <a:t>MS</a:t>
+            </a:r>
+          </a:p>
+          <a:p>
+            <a:pPr algn="ctr"/>
+            <a:r>
+              <a:rPr kumimoji="1" lang="en-US" altLang="ja-JP" sz="900" dirty="0" smtClean="0"/>
+              <a:t>Edge</a:t>
             </a:r>
             <a:endParaRPr kumimoji="1" lang="ja-JP" altLang="en-US" sz="900" dirty="0"/>
           </a:p>

--- a/MANUAL.pptx
+++ b/MANUAL.pptx
@@ -14,8 +14,8 @@
     <p:sldId id="294" r:id="rId5"/>
     <p:sldId id="301" r:id="rId6"/>
     <p:sldId id="296" r:id="rId7"/>
-    <p:sldId id="299" r:id="rId8"/>
-    <p:sldId id="298" r:id="rId9"/>
+    <p:sldId id="298" r:id="rId8"/>
+    <p:sldId id="299" r:id="rId9"/>
     <p:sldId id="302" r:id="rId10"/>
     <p:sldId id="291" r:id="rId11"/>
     <p:sldId id="300" r:id="rId12"/>
@@ -137,8 +137,8 @@
             <p14:sldId id="294"/>
             <p14:sldId id="301"/>
             <p14:sldId id="296"/>
+            <p14:sldId id="298"/>
             <p14:sldId id="299"/>
-            <p14:sldId id="298"/>
             <p14:sldId id="302"/>
           </p14:sldIdLst>
         </p14:section>
@@ -248,7 +248,7 @@
           <a:p>
             <a:fld id="{98B15ECE-60C4-45D4-8ABC-DDA7D4F33EF9}" type="datetimeFigureOut">
               <a:rPr kumimoji="1" lang="ja-JP" altLang="en-US" smtClean="0"/>
-              <a:t>2015/11/15</a:t>
+              <a:t>2015/11/23</a:t>
             </a:fld>
             <a:endParaRPr kumimoji="1" lang="ja-JP" altLang="en-US"/>
           </a:p>
@@ -613,7 +613,7 @@
           <a:p>
             <a:fld id="{B7FB55F5-4E42-4572-805F-119E805B59B2}" type="slidenum">
               <a:rPr kumimoji="1" lang="ja-JP" altLang="en-US" smtClean="0"/>
-              <a:t>4</a:t>
+              <a:t>3</a:t>
             </a:fld>
             <a:endParaRPr kumimoji="1" lang="ja-JP" altLang="en-US"/>
           </a:p>
@@ -622,7 +622,7 @@
     </p:spTree>
     <p:extLst>
       <p:ext uri="{BB962C8B-B14F-4D97-AF65-F5344CB8AC3E}">
-        <p14:creationId xmlns:p14="http://schemas.microsoft.com/office/powerpoint/2010/main" val="2371876614"/>
+        <p14:creationId xmlns:p14="http://schemas.microsoft.com/office/powerpoint/2010/main" val="933608740"/>
       </p:ext>
     </p:extLst>
   </p:cSld>
@@ -676,7 +676,7 @@
           <a:bodyPr/>
           <a:lstStyle/>
           <a:p>
-            <a:endParaRPr kumimoji="1" lang="en-US" altLang="ja-JP" smtClean="0"/>
+            <a:endParaRPr kumimoji="1" lang="ja-JP" altLang="en-US"/>
           </a:p>
         </p:txBody>
       </p:sp>
@@ -697,7 +697,7 @@
           <a:p>
             <a:fld id="{B7FB55F5-4E42-4572-805F-119E805B59B2}" type="slidenum">
               <a:rPr kumimoji="1" lang="ja-JP" altLang="en-US" smtClean="0"/>
-              <a:t>5</a:t>
+              <a:t>4</a:t>
             </a:fld>
             <a:endParaRPr kumimoji="1" lang="ja-JP" altLang="en-US"/>
           </a:p>
@@ -706,7 +706,7 @@
     </p:spTree>
     <p:extLst>
       <p:ext uri="{BB962C8B-B14F-4D97-AF65-F5344CB8AC3E}">
-        <p14:creationId xmlns:p14="http://schemas.microsoft.com/office/powerpoint/2010/main" val="2138553919"/>
+        <p14:creationId xmlns:p14="http://schemas.microsoft.com/office/powerpoint/2010/main" val="2371876614"/>
       </p:ext>
     </p:extLst>
   </p:cSld>
@@ -760,7 +760,7 @@
           <a:bodyPr/>
           <a:lstStyle/>
           <a:p>
-            <a:endParaRPr kumimoji="1" lang="ja-JP" altLang="en-US" dirty="0"/>
+            <a:endParaRPr kumimoji="1" lang="en-US" altLang="ja-JP" smtClean="0"/>
           </a:p>
         </p:txBody>
       </p:sp>
@@ -781,7 +781,7 @@
           <a:p>
             <a:fld id="{B7FB55F5-4E42-4572-805F-119E805B59B2}" type="slidenum">
               <a:rPr kumimoji="1" lang="ja-JP" altLang="en-US" smtClean="0"/>
-              <a:t>6</a:t>
+              <a:t>5</a:t>
             </a:fld>
             <a:endParaRPr kumimoji="1" lang="ja-JP" altLang="en-US"/>
           </a:p>
@@ -790,7 +790,7 @@
     </p:spTree>
     <p:extLst>
       <p:ext uri="{BB962C8B-B14F-4D97-AF65-F5344CB8AC3E}">
-        <p14:creationId xmlns:p14="http://schemas.microsoft.com/office/powerpoint/2010/main" val="3557979343"/>
+        <p14:creationId xmlns:p14="http://schemas.microsoft.com/office/powerpoint/2010/main" val="2138553919"/>
       </p:ext>
     </p:extLst>
   </p:cSld>
@@ -844,7 +844,7 @@
           <a:bodyPr/>
           <a:lstStyle/>
           <a:p>
-            <a:endParaRPr kumimoji="1" lang="ja-JP" altLang="en-US"/>
+            <a:endParaRPr kumimoji="1" lang="ja-JP" altLang="en-US" dirty="0"/>
           </a:p>
         </p:txBody>
       </p:sp>
@@ -865,7 +865,7 @@
           <a:p>
             <a:fld id="{B7FB55F5-4E42-4572-805F-119E805B59B2}" type="slidenum">
               <a:rPr kumimoji="1" lang="ja-JP" altLang="en-US" smtClean="0"/>
-              <a:t>7</a:t>
+              <a:t>6</a:t>
             </a:fld>
             <a:endParaRPr kumimoji="1" lang="ja-JP" altLang="en-US"/>
           </a:p>
@@ -874,7 +874,7 @@
     </p:spTree>
     <p:extLst>
       <p:ext uri="{BB962C8B-B14F-4D97-AF65-F5344CB8AC3E}">
-        <p14:creationId xmlns:p14="http://schemas.microsoft.com/office/powerpoint/2010/main" val="3622503315"/>
+        <p14:creationId xmlns:p14="http://schemas.microsoft.com/office/powerpoint/2010/main" val="3557979343"/>
       </p:ext>
     </p:extLst>
   </p:cSld>
@@ -949,6 +949,90 @@
           <a:p>
             <a:fld id="{B7FB55F5-4E42-4572-805F-119E805B59B2}" type="slidenum">
               <a:rPr kumimoji="1" lang="ja-JP" altLang="en-US" smtClean="0"/>
+              <a:t>8</a:t>
+            </a:fld>
+            <a:endParaRPr kumimoji="1" lang="ja-JP" altLang="en-US"/>
+          </a:p>
+        </p:txBody>
+      </p:sp>
+    </p:spTree>
+    <p:extLst>
+      <p:ext uri="{BB962C8B-B14F-4D97-AF65-F5344CB8AC3E}">
+        <p14:creationId xmlns:p14="http://schemas.microsoft.com/office/powerpoint/2010/main" val="3622503315"/>
+      </p:ext>
+    </p:extLst>
+  </p:cSld>
+  <p:clrMapOvr>
+    <a:masterClrMapping/>
+  </p:clrMapOvr>
+</p:notes>
+</file>
+
+<file path=ppt/notesSlides/notesSlide6.xml><?xml version="1.0" encoding="utf-8"?>
+<p:notes xmlns:a="http://schemas.openxmlformats.org/drawingml/2006/main" xmlns:r="http://schemas.openxmlformats.org/officeDocument/2006/relationships" xmlns:p="http://schemas.openxmlformats.org/presentationml/2006/main">
+  <p:cSld>
+    <p:spTree>
+      <p:nvGrpSpPr>
+        <p:cNvPr id="1" name=""/>
+        <p:cNvGrpSpPr/>
+        <p:nvPr/>
+      </p:nvGrpSpPr>
+      <p:grpSpPr>
+        <a:xfrm>
+          <a:off x="0" y="0"/>
+          <a:ext cx="0" cy="0"/>
+          <a:chOff x="0" y="0"/>
+          <a:chExt cx="0" cy="0"/>
+        </a:xfrm>
+      </p:grpSpPr>
+      <p:sp>
+        <p:nvSpPr>
+          <p:cNvPr id="2" name="スライド イメージ プレースホルダー 1"/>
+          <p:cNvSpPr>
+            <a:spLocks noGrp="1" noRot="1" noChangeAspect="1"/>
+          </p:cNvSpPr>
+          <p:nvPr>
+            <p:ph type="sldImg"/>
+          </p:nvPr>
+        </p:nvSpPr>
+        <p:spPr/>
+      </p:sp>
+      <p:sp>
+        <p:nvSpPr>
+          <p:cNvPr id="3" name="ノート プレースホルダー 2"/>
+          <p:cNvSpPr>
+            <a:spLocks noGrp="1"/>
+          </p:cNvSpPr>
+          <p:nvPr>
+            <p:ph type="body" idx="1"/>
+          </p:nvPr>
+        </p:nvSpPr>
+        <p:spPr/>
+        <p:txBody>
+          <a:bodyPr/>
+          <a:lstStyle/>
+          <a:p>
+            <a:endParaRPr kumimoji="1" lang="ja-JP" altLang="en-US"/>
+          </a:p>
+        </p:txBody>
+      </p:sp>
+      <p:sp>
+        <p:nvSpPr>
+          <p:cNvPr id="4" name="スライド番号プレースホルダー 3"/>
+          <p:cNvSpPr>
+            <a:spLocks noGrp="1"/>
+          </p:cNvSpPr>
+          <p:nvPr>
+            <p:ph type="sldNum" sz="quarter" idx="10"/>
+          </p:nvPr>
+        </p:nvSpPr>
+        <p:spPr/>
+        <p:txBody>
+          <a:bodyPr/>
+          <a:lstStyle/>
+          <a:p>
+            <a:fld id="{B7FB55F5-4E42-4572-805F-119E805B59B2}" type="slidenum">
+              <a:rPr kumimoji="1" lang="ja-JP" altLang="en-US" smtClean="0"/>
               <a:t>14</a:t>
             </a:fld>
             <a:endParaRPr kumimoji="1" lang="ja-JP" altLang="en-US"/>
@@ -968,7 +1052,7 @@
 </p:notes>
 </file>
 
-<file path=ppt/notesSlides/notesSlide6.xml><?xml version="1.0" encoding="utf-8"?>
+<file path=ppt/notesSlides/notesSlide7.xml><?xml version="1.0" encoding="utf-8"?>
 <p:notes xmlns:a="http://schemas.openxmlformats.org/drawingml/2006/main" xmlns:r="http://schemas.openxmlformats.org/officeDocument/2006/relationships" xmlns:p="http://schemas.openxmlformats.org/presentationml/2006/main">
   <p:cSld>
     <p:spTree>
@@ -1183,7 +1267,7 @@
           <a:p>
             <a:fld id="{8FB4C7EE-3C5D-4F47-A8DE-21B759CA57C5}" type="datetimeFigureOut">
               <a:rPr kumimoji="1" lang="ja-JP" altLang="en-US" smtClean="0"/>
-              <a:t>2015/11/15</a:t>
+              <a:t>2015/11/23</a:t>
             </a:fld>
             <a:endParaRPr kumimoji="1" lang="ja-JP" altLang="en-US"/>
           </a:p>
@@ -1385,7 +1469,7 @@
           <a:p>
             <a:fld id="{8FB4C7EE-3C5D-4F47-A8DE-21B759CA57C5}" type="datetimeFigureOut">
               <a:rPr kumimoji="1" lang="ja-JP" altLang="en-US" smtClean="0"/>
-              <a:t>2015/11/15</a:t>
+              <a:t>2015/11/23</a:t>
             </a:fld>
             <a:endParaRPr kumimoji="1" lang="ja-JP" altLang="en-US"/>
           </a:p>
@@ -1597,7 +1681,7 @@
           <a:p>
             <a:fld id="{8FB4C7EE-3C5D-4F47-A8DE-21B759CA57C5}" type="datetimeFigureOut">
               <a:rPr kumimoji="1" lang="ja-JP" altLang="en-US" smtClean="0"/>
-              <a:t>2015/11/15</a:t>
+              <a:t>2015/11/23</a:t>
             </a:fld>
             <a:endParaRPr kumimoji="1" lang="ja-JP" altLang="en-US"/>
           </a:p>
@@ -1799,7 +1883,7 @@
           <a:p>
             <a:fld id="{8FB4C7EE-3C5D-4F47-A8DE-21B759CA57C5}" type="datetimeFigureOut">
               <a:rPr kumimoji="1" lang="ja-JP" altLang="en-US" smtClean="0"/>
-              <a:t>2015/11/15</a:t>
+              <a:t>2015/11/23</a:t>
             </a:fld>
             <a:endParaRPr kumimoji="1" lang="ja-JP" altLang="en-US"/>
           </a:p>
@@ -2043,7 +2127,7 @@
           <a:p>
             <a:fld id="{8FB4C7EE-3C5D-4F47-A8DE-21B759CA57C5}" type="datetimeFigureOut">
               <a:rPr kumimoji="1" lang="ja-JP" altLang="en-US" smtClean="0"/>
-              <a:t>2015/11/15</a:t>
+              <a:t>2015/11/23</a:t>
             </a:fld>
             <a:endParaRPr kumimoji="1" lang="ja-JP" altLang="en-US"/>
           </a:p>
@@ -2339,7 +2423,7 @@
           <a:p>
             <a:fld id="{8FB4C7EE-3C5D-4F47-A8DE-21B759CA57C5}" type="datetimeFigureOut">
               <a:rPr kumimoji="1" lang="ja-JP" altLang="en-US" smtClean="0"/>
-              <a:t>2015/11/15</a:t>
+              <a:t>2015/11/23</a:t>
             </a:fld>
             <a:endParaRPr kumimoji="1" lang="ja-JP" altLang="en-US"/>
           </a:p>
@@ -2770,7 +2854,7 @@
           <a:p>
             <a:fld id="{8FB4C7EE-3C5D-4F47-A8DE-21B759CA57C5}" type="datetimeFigureOut">
               <a:rPr kumimoji="1" lang="ja-JP" altLang="en-US" smtClean="0"/>
-              <a:t>2015/11/15</a:t>
+              <a:t>2015/11/23</a:t>
             </a:fld>
             <a:endParaRPr kumimoji="1" lang="ja-JP" altLang="en-US"/>
           </a:p>
@@ -2888,7 +2972,7 @@
           <a:p>
             <a:fld id="{8FB4C7EE-3C5D-4F47-A8DE-21B759CA57C5}" type="datetimeFigureOut">
               <a:rPr kumimoji="1" lang="ja-JP" altLang="en-US" smtClean="0"/>
-              <a:t>2015/11/15</a:t>
+              <a:t>2015/11/23</a:t>
             </a:fld>
             <a:endParaRPr kumimoji="1" lang="ja-JP" altLang="en-US"/>
           </a:p>
@@ -2983,7 +3067,7 @@
           <a:p>
             <a:fld id="{8FB4C7EE-3C5D-4F47-A8DE-21B759CA57C5}" type="datetimeFigureOut">
               <a:rPr kumimoji="1" lang="ja-JP" altLang="en-US" smtClean="0"/>
-              <a:t>2015/11/15</a:t>
+              <a:t>2015/11/23</a:t>
             </a:fld>
             <a:endParaRPr kumimoji="1" lang="ja-JP" altLang="en-US"/>
           </a:p>
@@ -3292,7 +3376,7 @@
           <a:p>
             <a:fld id="{8FB4C7EE-3C5D-4F47-A8DE-21B759CA57C5}" type="datetimeFigureOut">
               <a:rPr kumimoji="1" lang="ja-JP" altLang="en-US" smtClean="0"/>
-              <a:t>2015/11/15</a:t>
+              <a:t>2015/11/23</a:t>
             </a:fld>
             <a:endParaRPr kumimoji="1" lang="ja-JP" altLang="en-US"/>
           </a:p>
@@ -3549,7 +3633,7 @@
           <a:p>
             <a:fld id="{8FB4C7EE-3C5D-4F47-A8DE-21B759CA57C5}" type="datetimeFigureOut">
               <a:rPr kumimoji="1" lang="ja-JP" altLang="en-US" smtClean="0"/>
-              <a:t>2015/11/15</a:t>
+              <a:t>2015/11/23</a:t>
             </a:fld>
             <a:endParaRPr kumimoji="1" lang="ja-JP" altLang="en-US"/>
           </a:p>
@@ -3794,7 +3878,7 @@
           <a:p>
             <a:fld id="{8FB4C7EE-3C5D-4F47-A8DE-21B759CA57C5}" type="datetimeFigureOut">
               <a:rPr kumimoji="1" lang="ja-JP" altLang="en-US" smtClean="0"/>
-              <a:t>2015/11/15</a:t>
+              <a:t>2015/11/23</a:t>
             </a:fld>
             <a:endParaRPr kumimoji="1" lang="ja-JP" altLang="en-US"/>
           </a:p>
@@ -12440,19 +12524,7 @@
                 <a:latin typeface="+mj-ea"/>
                 <a:ea typeface="+mj-ea"/>
               </a:rPr>
-              <a:t>Window </a:t>
-            </a:r>
-            <a:r>
-              <a:rPr lang="en-US" altLang="ja-JP" sz="1400" dirty="0" smtClean="0">
-                <a:solidFill>
-                  <a:schemeClr val="accent5">
-                    <a:lumMod val="75000"/>
-                  </a:schemeClr>
-                </a:solidFill>
-                <a:latin typeface="+mj-ea"/>
-                <a:ea typeface="+mj-ea"/>
-              </a:rPr>
-              <a:t>Catalog (#Tab)</a:t>
+              <a:t>Window Catalog (#Tab)</a:t>
             </a:r>
             <a:endParaRPr kumimoji="1" lang="ja-JP" altLang="en-US" sz="1400" dirty="0">
               <a:solidFill>
@@ -15684,19 +15756,7 @@
                 <a:latin typeface="+mj-ea"/>
                 <a:ea typeface="+mj-ea"/>
               </a:rPr>
-              <a:t>*Pin(Lock</a:t>
-            </a:r>
-            <a:r>
-              <a:rPr kumimoji="1" lang="en-US" altLang="ja-JP" sz="1400" dirty="0" smtClean="0">
-                <a:solidFill>
-                  <a:schemeClr val="accent5">
-                    <a:lumMod val="75000"/>
-                  </a:schemeClr>
-                </a:solidFill>
-                <a:latin typeface="+mj-ea"/>
-                <a:ea typeface="+mj-ea"/>
-              </a:rPr>
-              <a:t>) Tab</a:t>
+              <a:t>*Pin(Lock) Tab</a:t>
             </a:r>
             <a:endParaRPr kumimoji="1" lang="ja-JP" altLang="en-US" sz="1400" dirty="0">
               <a:solidFill>
@@ -15744,15 +15804,6 @@
               </a:rPr>
               <a:t>*need </a:t>
             </a:r>
-            <a:endParaRPr lang="en-US" altLang="ja-JP" sz="1400" dirty="0" smtClean="0">
-              <a:solidFill>
-                <a:schemeClr val="bg1">
-                  <a:lumMod val="65000"/>
-                </a:schemeClr>
-              </a:solidFill>
-              <a:latin typeface="+mj-ea"/>
-              <a:ea typeface="+mj-ea"/>
-            </a:endParaRPr>
           </a:p>
           <a:p>
             <a:pPr lvl="1"/>
@@ -20954,13 +21005,6 @@
               </a:rPr>
               <a:t>^BS</a:t>
             </a:r>
-            <a:endParaRPr kumimoji="1" lang="en-US" altLang="ja-JP" dirty="0" smtClean="0">
-              <a:solidFill>
-                <a:schemeClr val="accent5">
-                  <a:lumMod val="75000"/>
-                </a:schemeClr>
-              </a:solidFill>
-            </a:endParaRPr>
           </a:p>
         </p:txBody>
       </p:sp>
@@ -28713,13 +28757,38 @@
             <p:ph type="title"/>
           </p:nvPr>
         </p:nvSpPr>
-        <p:spPr/>
+        <p:spPr>
+          <a:xfrm>
+            <a:off x="628649" y="365126"/>
+            <a:ext cx="8136209" cy="1325563"/>
+          </a:xfrm>
+        </p:spPr>
         <p:txBody>
           <a:bodyPr>
-            <a:normAutofit/>
+            <a:noAutofit/>
           </a:bodyPr>
           <a:lstStyle/>
           <a:p>
+            <a:r>
+              <a:rPr lang="en-US" altLang="ja-JP" sz="4000">
+                <a:solidFill>
+                  <a:schemeClr val="accent2">
+                    <a:lumMod val="75000"/>
+                  </a:schemeClr>
+                </a:solidFill>
+              </a:rPr>
+              <a:t>CAPS</a:t>
+            </a:r>
+            <a:r>
+              <a:rPr lang="ja-JP" altLang="en-US" sz="4000">
+                <a:solidFill>
+                  <a:schemeClr val="accent2">
+                    <a:lumMod val="75000"/>
+                  </a:schemeClr>
+                </a:solidFill>
+              </a:rPr>
+              <a:t> </a:t>
+            </a:r>
             <a:r>
               <a:rPr lang="en-US" altLang="ja-JP" sz="4000" smtClean="0">
                 <a:solidFill>
@@ -28728,7 +28797,7 @@
                   </a:schemeClr>
                 </a:solidFill>
               </a:rPr>
-              <a:t>LCMD AND </a:t>
+              <a:t>&amp;&amp; </a:t>
             </a:r>
             <a:r>
               <a:rPr lang="en-US" altLang="ja-JP" sz="4000" smtClean="0">
@@ -28741,6 +28810,26 @@
               <a:t>RCMD</a:t>
             </a:r>
             <a:r>
+              <a:rPr lang="ja-JP" altLang="en-US" sz="4000">
+                <a:solidFill>
+                  <a:schemeClr val="accent6">
+                    <a:lumMod val="75000"/>
+                  </a:schemeClr>
+                </a:solidFill>
+              </a:rPr>
+              <a:t> </a:t>
+            </a:r>
+            <a:r>
+              <a:rPr lang="en-US" altLang="ja-JP" sz="4000" smtClean="0">
+                <a:solidFill>
+                  <a:schemeClr val="accent6">
+                    <a:lumMod val="75000"/>
+                  </a:schemeClr>
+                </a:solidFill>
+              </a:rPr>
+              <a:t>= </a:t>
+            </a:r>
+            <a:r>
               <a:rPr lang="en-US" altLang="ja-JP" sz="4000">
                 <a:solidFill>
                   <a:schemeClr val="accent6">
@@ -28748,7 +28837,7 @@
                   </a:schemeClr>
                 </a:solidFill>
               </a:rPr>
-              <a:t> </a:t>
+              <a:t>Window </a:t>
             </a:r>
             <a:r>
               <a:rPr lang="en-US" altLang="ja-JP" sz="4000" smtClean="0">
@@ -28758,7 +28847,27 @@
                   </a:schemeClr>
                 </a:solidFill>
               </a:rPr>
-              <a:t>= Launcher</a:t>
+              <a:t>Control</a:t>
+            </a:r>
+            <a:r>
+              <a:rPr lang="ja-JP" altLang="en-US" sz="4000">
+                <a:solidFill>
+                  <a:schemeClr val="accent6">
+                    <a:lumMod val="75000"/>
+                  </a:schemeClr>
+                </a:solidFill>
+              </a:rPr>
+              <a:t> </a:t>
+            </a:r>
+            <a:r>
+              <a:rPr lang="en-US" altLang="ja-JP" sz="4000" smtClean="0">
+                <a:solidFill>
+                  <a:schemeClr val="accent6">
+                    <a:lumMod val="75000"/>
+                  </a:schemeClr>
+                </a:solidFill>
+              </a:rPr>
+              <a:t>+α</a:t>
             </a:r>
             <a:endParaRPr lang="en-US" altLang="ja-JP" sz="4000" dirty="0">
               <a:solidFill>
@@ -28784,40 +28893,27 @@
           <a:prstGeom prst="roundRect">
             <a:avLst/>
           </a:prstGeom>
-          <a:ln>
-            <a:solidFill>
-              <a:schemeClr val="accent5">
-                <a:lumMod val="75000"/>
-              </a:schemeClr>
-            </a:solidFill>
-          </a:ln>
-        </p:spPr>
-        <p:style>
-          <a:lnRef idx="2">
-            <a:schemeClr val="accent6"/>
-          </a:lnRef>
-          <a:fillRef idx="1">
-            <a:schemeClr val="lt1"/>
-          </a:fillRef>
-          <a:effectRef idx="0">
-            <a:schemeClr val="accent6"/>
-          </a:effectRef>
-          <a:fontRef idx="minor">
-            <a:schemeClr val="dk1"/>
-          </a:fontRef>
-        </p:style>
-        <p:txBody>
-          <a:bodyPr wrap="none" rtlCol="0" anchor="ctr"/>
-          <a:lstStyle/>
-          <a:p>
-            <a:pPr algn="ctr"/>
-            <a:endParaRPr kumimoji="1" lang="ja-JP" altLang="en-US" sz="1000" dirty="0">
-              <a:solidFill>
-                <a:schemeClr val="accent5">
-                  <a:lumMod val="75000"/>
-                </a:schemeClr>
-              </a:solidFill>
-            </a:endParaRPr>
+        </p:spPr>
+        <p:style>
+          <a:lnRef idx="2">
+            <a:schemeClr val="accent6"/>
+          </a:lnRef>
+          <a:fillRef idx="1">
+            <a:schemeClr val="lt1"/>
+          </a:fillRef>
+          <a:effectRef idx="0">
+            <a:schemeClr val="accent6"/>
+          </a:effectRef>
+          <a:fontRef idx="minor">
+            <a:schemeClr val="dk1"/>
+          </a:fontRef>
+        </p:style>
+        <p:txBody>
+          <a:bodyPr wrap="none" rtlCol="0" anchor="ctr"/>
+          <a:lstStyle/>
+          <a:p>
+            <a:pPr algn="ctr"/>
+            <a:endParaRPr kumimoji="1" lang="ja-JP" altLang="en-US" sz="1400" dirty="0"/>
           </a:p>
         </p:txBody>
       </p:sp>
@@ -28855,18 +28951,7 @@
           <a:lstStyle/>
           <a:p>
             <a:pPr algn="ctr"/>
-            <a:r>
-              <a:rPr kumimoji="1" lang="en-US" altLang="ja-JP" sz="900" smtClean="0"/>
-              <a:t>File Alias</a:t>
-            </a:r>
-          </a:p>
-          <a:p>
-            <a:pPr algn="ctr"/>
-            <a:r>
-              <a:rPr kumimoji="1" lang="en-US" altLang="ja-JP" sz="900" smtClean="0"/>
-              <a:t>1</a:t>
-            </a:r>
-            <a:endParaRPr kumimoji="1" lang="ja-JP" altLang="en-US" sz="900" dirty="0"/>
+            <a:endParaRPr kumimoji="1" lang="ja-JP" altLang="en-US" sz="1400" dirty="0"/>
           </a:p>
         </p:txBody>
       </p:sp>
@@ -28904,22 +28989,7 @@
           <a:lstStyle/>
           <a:p>
             <a:pPr algn="ctr"/>
-            <a:r>
-              <a:rPr lang="en-US" altLang="ja-JP" sz="900"/>
-              <a:t>File </a:t>
-            </a:r>
-            <a:r>
-              <a:rPr lang="en-US" altLang="ja-JP" sz="900" smtClean="0"/>
-              <a:t>Alias</a:t>
-            </a:r>
-          </a:p>
-          <a:p>
-            <a:pPr algn="ctr"/>
-            <a:r>
-              <a:rPr lang="en-US" altLang="ja-JP" sz="900" smtClean="0"/>
-              <a:t>2</a:t>
-            </a:r>
-            <a:endParaRPr lang="en-US" altLang="ja-JP" sz="900"/>
+            <a:endParaRPr kumimoji="1" lang="ja-JP" altLang="en-US" sz="1400" dirty="0"/>
           </a:p>
         </p:txBody>
       </p:sp>
@@ -28957,22 +29027,7 @@
           <a:lstStyle/>
           <a:p>
             <a:pPr algn="ctr"/>
-            <a:r>
-              <a:rPr lang="en-US" altLang="ja-JP" sz="900"/>
-              <a:t>File </a:t>
-            </a:r>
-            <a:r>
-              <a:rPr lang="en-US" altLang="ja-JP" sz="900" smtClean="0"/>
-              <a:t>Alias</a:t>
-            </a:r>
-          </a:p>
-          <a:p>
-            <a:pPr algn="ctr"/>
-            <a:r>
-              <a:rPr lang="en-US" altLang="ja-JP" sz="900" smtClean="0"/>
-              <a:t>3</a:t>
-            </a:r>
-            <a:endParaRPr lang="en-US" altLang="ja-JP" sz="900"/>
+            <a:endParaRPr kumimoji="1" lang="ja-JP" altLang="en-US" sz="1400" dirty="0"/>
           </a:p>
         </p:txBody>
       </p:sp>
@@ -29010,17 +29065,7 @@
           <a:lstStyle/>
           <a:p>
             <a:pPr algn="ctr"/>
-            <a:r>
-              <a:rPr lang="en-US" altLang="ja-JP" sz="900"/>
-              <a:t>File Alias</a:t>
-            </a:r>
-          </a:p>
-          <a:p>
-            <a:pPr algn="ctr"/>
-            <a:r>
-              <a:rPr lang="en-US" altLang="ja-JP" sz="900" smtClean="0"/>
-              <a:t>4</a:t>
-            </a:r>
+            <a:endParaRPr kumimoji="1" lang="ja-JP" altLang="en-US" sz="1400" dirty="0"/>
           </a:p>
         </p:txBody>
       </p:sp>
@@ -29058,21 +29103,7 @@
           <a:lstStyle/>
           <a:p>
             <a:pPr algn="ctr"/>
-            <a:r>
-              <a:rPr lang="en-US" altLang="ja-JP" sz="900"/>
-              <a:t>File </a:t>
-            </a:r>
-            <a:r>
-              <a:rPr lang="en-US" altLang="ja-JP" sz="900" smtClean="0"/>
-              <a:t>Alias</a:t>
-            </a:r>
-          </a:p>
-          <a:p>
-            <a:pPr algn="ctr"/>
-            <a:r>
-              <a:rPr lang="en-US" altLang="ja-JP" sz="900"/>
-              <a:t>5</a:t>
-            </a:r>
+            <a:endParaRPr kumimoji="1" lang="ja-JP" altLang="en-US" sz="1400" dirty="0"/>
           </a:p>
         </p:txBody>
       </p:sp>
@@ -29110,22 +29141,7 @@
           <a:lstStyle/>
           <a:p>
             <a:pPr algn="ctr"/>
-            <a:r>
-              <a:rPr lang="en-US" altLang="ja-JP" sz="900"/>
-              <a:t>File </a:t>
-            </a:r>
-            <a:r>
-              <a:rPr lang="en-US" altLang="ja-JP" sz="900" smtClean="0"/>
-              <a:t>Alias</a:t>
-            </a:r>
-          </a:p>
-          <a:p>
-            <a:pPr algn="ctr"/>
-            <a:r>
-              <a:rPr lang="en-US" altLang="ja-JP" sz="900" smtClean="0"/>
-              <a:t>6</a:t>
-            </a:r>
-            <a:endParaRPr lang="en-US" altLang="ja-JP" sz="900"/>
+            <a:endParaRPr kumimoji="1" lang="ja-JP" altLang="en-US" sz="1400" dirty="0"/>
           </a:p>
         </p:txBody>
       </p:sp>
@@ -29163,22 +29179,7 @@
           <a:lstStyle/>
           <a:p>
             <a:pPr algn="ctr"/>
-            <a:r>
-              <a:rPr lang="en-US" altLang="ja-JP" sz="900"/>
-              <a:t>File </a:t>
-            </a:r>
-            <a:r>
-              <a:rPr lang="en-US" altLang="ja-JP" sz="900" smtClean="0"/>
-              <a:t>Alias</a:t>
-            </a:r>
-          </a:p>
-          <a:p>
-            <a:pPr algn="ctr"/>
-            <a:r>
-              <a:rPr lang="en-US" altLang="ja-JP" sz="900" smtClean="0"/>
-              <a:t>7</a:t>
-            </a:r>
-            <a:endParaRPr lang="en-US" altLang="ja-JP" sz="900"/>
+            <a:endParaRPr kumimoji="1" lang="ja-JP" altLang="en-US" sz="1400" dirty="0"/>
           </a:p>
         </p:txBody>
       </p:sp>
@@ -29216,21 +29217,7 @@
           <a:lstStyle/>
           <a:p>
             <a:pPr algn="ctr"/>
-            <a:r>
-              <a:rPr lang="en-US" altLang="ja-JP" sz="900"/>
-              <a:t>File </a:t>
-            </a:r>
-            <a:r>
-              <a:rPr lang="en-US" altLang="ja-JP" sz="900" smtClean="0"/>
-              <a:t>Alias</a:t>
-            </a:r>
-          </a:p>
-          <a:p>
-            <a:pPr algn="ctr"/>
-            <a:r>
-              <a:rPr lang="en-US" altLang="ja-JP" sz="900"/>
-              <a:t>8</a:t>
-            </a:r>
+            <a:endParaRPr kumimoji="1" lang="ja-JP" altLang="en-US" sz="1400" dirty="0"/>
           </a:p>
         </p:txBody>
       </p:sp>
@@ -29268,21 +29255,7 @@
           <a:lstStyle/>
           <a:p>
             <a:pPr algn="ctr"/>
-            <a:r>
-              <a:rPr lang="en-US" altLang="ja-JP" sz="900"/>
-              <a:t>File </a:t>
-            </a:r>
-            <a:r>
-              <a:rPr lang="en-US" altLang="ja-JP" sz="900" smtClean="0"/>
-              <a:t>Alias</a:t>
-            </a:r>
-          </a:p>
-          <a:p>
-            <a:pPr algn="ctr"/>
-            <a:r>
-              <a:rPr lang="en-US" altLang="ja-JP" sz="900"/>
-              <a:t>9</a:t>
-            </a:r>
+            <a:endParaRPr kumimoji="1" lang="ja-JP" altLang="en-US" sz="1400" dirty="0"/>
           </a:p>
         </p:txBody>
       </p:sp>
@@ -29320,21 +29293,7 @@
           <a:lstStyle/>
           <a:p>
             <a:pPr algn="ctr"/>
-            <a:r>
-              <a:rPr lang="en-US" altLang="ja-JP" sz="900"/>
-              <a:t>File </a:t>
-            </a:r>
-            <a:r>
-              <a:rPr lang="en-US" altLang="ja-JP" sz="900" smtClean="0"/>
-              <a:t>Alias</a:t>
-            </a:r>
-          </a:p>
-          <a:p>
-            <a:pPr algn="ctr"/>
-            <a:r>
-              <a:rPr lang="en-US" altLang="ja-JP" sz="900" smtClean="0"/>
-              <a:t>0</a:t>
-            </a:r>
+            <a:endParaRPr kumimoji="1" lang="ja-JP" altLang="en-US" sz="1400" dirty="0"/>
           </a:p>
         </p:txBody>
       </p:sp>
@@ -29352,34 +29311,27 @@
           <a:prstGeom prst="roundRect">
             <a:avLst/>
           </a:prstGeom>
-          <a:ln>
-            <a:solidFill>
-              <a:schemeClr val="accent5">
-                <a:lumMod val="75000"/>
-              </a:schemeClr>
-            </a:solidFill>
-          </a:ln>
-        </p:spPr>
-        <p:style>
-          <a:lnRef idx="2">
-            <a:schemeClr val="accent6"/>
-          </a:lnRef>
-          <a:fillRef idx="1">
-            <a:schemeClr val="lt1"/>
-          </a:fillRef>
-          <a:effectRef idx="0">
-            <a:schemeClr val="accent6"/>
-          </a:effectRef>
-          <a:fontRef idx="minor">
-            <a:schemeClr val="dk1"/>
-          </a:fontRef>
-        </p:style>
-        <p:txBody>
-          <a:bodyPr wrap="none" rtlCol="0" anchor="ctr"/>
-          <a:lstStyle/>
-          <a:p>
-            <a:pPr algn="ctr"/>
-            <a:endParaRPr kumimoji="1" lang="ja-JP" altLang="en-US" sz="1000" dirty="0"/>
+        </p:spPr>
+        <p:style>
+          <a:lnRef idx="2">
+            <a:schemeClr val="accent6"/>
+          </a:lnRef>
+          <a:fillRef idx="1">
+            <a:schemeClr val="lt1"/>
+          </a:fillRef>
+          <a:effectRef idx="0">
+            <a:schemeClr val="accent6"/>
+          </a:effectRef>
+          <a:fontRef idx="minor">
+            <a:schemeClr val="dk1"/>
+          </a:fontRef>
+        </p:style>
+        <p:txBody>
+          <a:bodyPr wrap="none" rtlCol="0" anchor="ctr"/>
+          <a:lstStyle/>
+          <a:p>
+            <a:pPr algn="ctr"/>
+            <a:endParaRPr kumimoji="1" lang="ja-JP" altLang="en-US" sz="1400" dirty="0"/>
           </a:p>
         </p:txBody>
       </p:sp>
@@ -29397,34 +29349,27 @@
           <a:prstGeom prst="roundRect">
             <a:avLst/>
           </a:prstGeom>
-          <a:ln>
-            <a:solidFill>
-              <a:schemeClr val="accent5">
-                <a:lumMod val="75000"/>
-              </a:schemeClr>
-            </a:solidFill>
-          </a:ln>
-        </p:spPr>
-        <p:style>
-          <a:lnRef idx="2">
-            <a:schemeClr val="accent6"/>
-          </a:lnRef>
-          <a:fillRef idx="1">
-            <a:schemeClr val="lt1"/>
-          </a:fillRef>
-          <a:effectRef idx="0">
-            <a:schemeClr val="accent6"/>
-          </a:effectRef>
-          <a:fontRef idx="minor">
-            <a:schemeClr val="dk1"/>
-          </a:fontRef>
-        </p:style>
-        <p:txBody>
-          <a:bodyPr wrap="none" rtlCol="0" anchor="ctr"/>
-          <a:lstStyle/>
-          <a:p>
-            <a:pPr algn="ctr"/>
-            <a:endParaRPr kumimoji="1" lang="ja-JP" altLang="en-US" sz="1000" dirty="0"/>
+        </p:spPr>
+        <p:style>
+          <a:lnRef idx="2">
+            <a:schemeClr val="accent6"/>
+          </a:lnRef>
+          <a:fillRef idx="1">
+            <a:schemeClr val="lt1"/>
+          </a:fillRef>
+          <a:effectRef idx="0">
+            <a:schemeClr val="accent6"/>
+          </a:effectRef>
+          <a:fontRef idx="minor">
+            <a:schemeClr val="dk1"/>
+          </a:fontRef>
+        </p:style>
+        <p:txBody>
+          <a:bodyPr wrap="none" rtlCol="0" anchor="ctr"/>
+          <a:lstStyle/>
+          <a:p>
+            <a:pPr algn="ctr"/>
+            <a:endParaRPr kumimoji="1" lang="ja-JP" altLang="en-US" sz="1400" dirty="0"/>
           </a:p>
         </p:txBody>
       </p:sp>
@@ -29442,34 +29387,27 @@
           <a:prstGeom prst="roundRect">
             <a:avLst/>
           </a:prstGeom>
-          <a:ln>
-            <a:solidFill>
-              <a:schemeClr val="accent5">
-                <a:lumMod val="75000"/>
-              </a:schemeClr>
-            </a:solidFill>
-          </a:ln>
-        </p:spPr>
-        <p:style>
-          <a:lnRef idx="2">
-            <a:schemeClr val="accent6"/>
-          </a:lnRef>
-          <a:fillRef idx="1">
-            <a:schemeClr val="lt1"/>
-          </a:fillRef>
-          <a:effectRef idx="0">
-            <a:schemeClr val="accent6"/>
-          </a:effectRef>
-          <a:fontRef idx="minor">
-            <a:schemeClr val="dk1"/>
-          </a:fontRef>
-        </p:style>
-        <p:txBody>
-          <a:bodyPr wrap="none" rtlCol="0" anchor="ctr"/>
-          <a:lstStyle/>
-          <a:p>
-            <a:pPr algn="ctr"/>
-            <a:endParaRPr kumimoji="1" lang="ja-JP" altLang="en-US" sz="1000" dirty="0"/>
+        </p:spPr>
+        <p:style>
+          <a:lnRef idx="2">
+            <a:schemeClr val="accent6"/>
+          </a:lnRef>
+          <a:fillRef idx="1">
+            <a:schemeClr val="lt1"/>
+          </a:fillRef>
+          <a:effectRef idx="0">
+            <a:schemeClr val="accent6"/>
+          </a:effectRef>
+          <a:fontRef idx="minor">
+            <a:schemeClr val="dk1"/>
+          </a:fontRef>
+        </p:style>
+        <p:txBody>
+          <a:bodyPr wrap="none" rtlCol="0" anchor="ctr"/>
+          <a:lstStyle/>
+          <a:p>
+            <a:pPr algn="ctr"/>
+            <a:endParaRPr kumimoji="1" lang="ja-JP" altLang="en-US" sz="1400" dirty="0"/>
           </a:p>
         </p:txBody>
       </p:sp>
@@ -29487,34 +29425,27 @@
           <a:prstGeom prst="roundRect">
             <a:avLst/>
           </a:prstGeom>
-          <a:ln>
-            <a:solidFill>
-              <a:schemeClr val="accent5">
-                <a:lumMod val="75000"/>
-              </a:schemeClr>
-            </a:solidFill>
-          </a:ln>
-        </p:spPr>
-        <p:style>
-          <a:lnRef idx="2">
-            <a:schemeClr val="accent6"/>
-          </a:lnRef>
-          <a:fillRef idx="1">
-            <a:schemeClr val="lt1"/>
-          </a:fillRef>
-          <a:effectRef idx="0">
-            <a:schemeClr val="accent6"/>
-          </a:effectRef>
-          <a:fontRef idx="minor">
-            <a:schemeClr val="dk1"/>
-          </a:fontRef>
-        </p:style>
-        <p:txBody>
-          <a:bodyPr wrap="none" rtlCol="0" anchor="ctr"/>
-          <a:lstStyle/>
-          <a:p>
-            <a:pPr algn="ctr"/>
-            <a:endParaRPr kumimoji="1" lang="ja-JP" altLang="en-US" sz="1000" dirty="0"/>
+        </p:spPr>
+        <p:style>
+          <a:lnRef idx="2">
+            <a:schemeClr val="accent6"/>
+          </a:lnRef>
+          <a:fillRef idx="1">
+            <a:schemeClr val="lt1"/>
+          </a:fillRef>
+          <a:effectRef idx="0">
+            <a:schemeClr val="accent6"/>
+          </a:effectRef>
+          <a:fontRef idx="minor">
+            <a:schemeClr val="dk1"/>
+          </a:fontRef>
+        </p:style>
+        <p:txBody>
+          <a:bodyPr wrap="none" rtlCol="0" anchor="ctr"/>
+          <a:lstStyle/>
+          <a:p>
+            <a:pPr algn="ctr"/>
+            <a:endParaRPr kumimoji="1" lang="ja-JP" altLang="en-US" sz="1400" dirty="0"/>
           </a:p>
         </p:txBody>
       </p:sp>
@@ -29552,18 +29483,7 @@
           <a:lstStyle/>
           <a:p>
             <a:pPr algn="ctr"/>
-            <a:r>
-              <a:rPr kumimoji="1" lang="en-US" altLang="ja-JP" sz="900" smtClean="0"/>
-              <a:t>Task</a:t>
-            </a:r>
-          </a:p>
-          <a:p>
-            <a:pPr algn="ctr"/>
-            <a:r>
-              <a:rPr lang="en-US" altLang="ja-JP" sz="900" smtClean="0"/>
-              <a:t>Manager</a:t>
-            </a:r>
-            <a:endParaRPr kumimoji="1" lang="ja-JP" altLang="en-US" sz="900" dirty="0"/>
+            <a:endParaRPr kumimoji="1" lang="ja-JP" altLang="en-US" sz="1400" dirty="0"/>
           </a:p>
         </p:txBody>
       </p:sp>
@@ -29581,34 +29501,27 @@
           <a:prstGeom prst="roundRect">
             <a:avLst/>
           </a:prstGeom>
-          <a:ln>
-            <a:solidFill>
-              <a:schemeClr val="accent5">
-                <a:lumMod val="75000"/>
-              </a:schemeClr>
-            </a:solidFill>
-          </a:ln>
-        </p:spPr>
-        <p:style>
-          <a:lnRef idx="2">
-            <a:schemeClr val="accent6"/>
-          </a:lnRef>
-          <a:fillRef idx="1">
-            <a:schemeClr val="lt1"/>
-          </a:fillRef>
-          <a:effectRef idx="0">
-            <a:schemeClr val="accent6"/>
-          </a:effectRef>
-          <a:fontRef idx="minor">
-            <a:schemeClr val="dk1"/>
-          </a:fontRef>
-        </p:style>
-        <p:txBody>
-          <a:bodyPr wrap="none" rtlCol="0" anchor="ctr"/>
-          <a:lstStyle/>
-          <a:p>
-            <a:pPr algn="ctr"/>
-            <a:endParaRPr kumimoji="1" lang="ja-JP" altLang="en-US" sz="900" dirty="0"/>
+        </p:spPr>
+        <p:style>
+          <a:lnRef idx="2">
+            <a:schemeClr val="accent6"/>
+          </a:lnRef>
+          <a:fillRef idx="1">
+            <a:schemeClr val="lt1"/>
+          </a:fillRef>
+          <a:effectRef idx="0">
+            <a:schemeClr val="accent6"/>
+          </a:effectRef>
+          <a:fontRef idx="minor">
+            <a:schemeClr val="dk1"/>
+          </a:fontRef>
+        </p:style>
+        <p:txBody>
+          <a:bodyPr wrap="none" rtlCol="0" anchor="ctr"/>
+          <a:lstStyle/>
+          <a:p>
+            <a:pPr algn="ctr"/>
+            <a:endParaRPr kumimoji="1" lang="ja-JP" altLang="en-US" sz="1400" dirty="0"/>
           </a:p>
         </p:txBody>
       </p:sp>
@@ -29647,35 +29560,17 @@
           <a:p>
             <a:pPr algn="ctr"/>
             <a:r>
-              <a:rPr kumimoji="1" lang="en-US" altLang="ja-JP" sz="900" smtClean="0">
-                <a:solidFill>
-                  <a:schemeClr val="accent6">
-                    <a:lumMod val="75000"/>
-                  </a:schemeClr>
-                </a:solidFill>
-              </a:rPr>
-              <a:t>Text</a:t>
-            </a:r>
-          </a:p>
-          <a:p>
-            <a:pPr algn="ctr"/>
-            <a:r>
-              <a:rPr lang="en-US" altLang="ja-JP" sz="900" smtClean="0">
-                <a:solidFill>
-                  <a:schemeClr val="accent6">
-                    <a:lumMod val="75000"/>
-                  </a:schemeClr>
-                </a:solidFill>
-              </a:rPr>
-              <a:t>Editor</a:t>
-            </a:r>
-            <a:endParaRPr kumimoji="1" lang="ja-JP" altLang="en-US" sz="900" dirty="0">
-              <a:solidFill>
-                <a:schemeClr val="accent6">
-                  <a:lumMod val="75000"/>
-                </a:schemeClr>
-              </a:solidFill>
-            </a:endParaRPr>
+              <a:rPr lang="en-US" altLang="ja-JP" sz="1100" smtClean="0"/>
+              <a:t>App</a:t>
+            </a:r>
+          </a:p>
+          <a:p>
+            <a:pPr algn="ctr"/>
+            <a:r>
+              <a:rPr lang="ja-JP" altLang="en-US" sz="1100" smtClean="0"/>
+              <a:t>選択</a:t>
+            </a:r>
+            <a:endParaRPr kumimoji="1" lang="ja-JP" altLang="en-US" sz="1100" dirty="0"/>
           </a:p>
         </p:txBody>
       </p:sp>
@@ -29713,18 +29608,7 @@
           <a:lstStyle/>
           <a:p>
             <a:pPr algn="ctr"/>
-            <a:r>
-              <a:rPr kumimoji="1" lang="en-US" altLang="ja-JP" sz="900" dirty="0" smtClean="0"/>
-              <a:t>MS</a:t>
-            </a:r>
-          </a:p>
-          <a:p>
-            <a:pPr algn="ctr"/>
-            <a:r>
-              <a:rPr kumimoji="1" lang="en-US" altLang="ja-JP" sz="900" dirty="0" smtClean="0"/>
-              <a:t>Edge</a:t>
-            </a:r>
-            <a:endParaRPr kumimoji="1" lang="ja-JP" altLang="en-US" sz="900" dirty="0"/>
+            <a:endParaRPr kumimoji="1" lang="ja-JP" altLang="en-US" sz="1400" dirty="0"/>
           </a:p>
         </p:txBody>
       </p:sp>
@@ -29762,11 +29646,7 @@
           <a:lstStyle/>
           <a:p>
             <a:pPr algn="ctr"/>
-            <a:r>
-              <a:rPr kumimoji="1" lang="en-US" altLang="ja-JP" sz="900" smtClean="0"/>
-              <a:t>Terminal</a:t>
-            </a:r>
-            <a:endParaRPr kumimoji="1" lang="ja-JP" altLang="en-US" sz="900" dirty="0"/>
+            <a:endParaRPr kumimoji="1" lang="ja-JP" altLang="en-US" sz="1400" dirty="0"/>
           </a:p>
         </p:txBody>
       </p:sp>
@@ -29784,34 +29664,27 @@
           <a:prstGeom prst="roundRect">
             <a:avLst/>
           </a:prstGeom>
-          <a:ln>
-            <a:solidFill>
-              <a:schemeClr val="accent5">
-                <a:lumMod val="75000"/>
-              </a:schemeClr>
-            </a:solidFill>
-          </a:ln>
-        </p:spPr>
-        <p:style>
-          <a:lnRef idx="2">
-            <a:schemeClr val="accent6"/>
-          </a:lnRef>
-          <a:fillRef idx="1">
-            <a:schemeClr val="lt1"/>
-          </a:fillRef>
-          <a:effectRef idx="0">
-            <a:schemeClr val="accent6"/>
-          </a:effectRef>
-          <a:fontRef idx="minor">
-            <a:schemeClr val="dk1"/>
-          </a:fontRef>
-        </p:style>
-        <p:txBody>
-          <a:bodyPr wrap="none" rtlCol="0" anchor="ctr"/>
-          <a:lstStyle/>
-          <a:p>
-            <a:pPr algn="ctr"/>
-            <a:endParaRPr kumimoji="1" lang="ja-JP" altLang="en-US" sz="900" dirty="0"/>
+        </p:spPr>
+        <p:style>
+          <a:lnRef idx="2">
+            <a:schemeClr val="accent6"/>
+          </a:lnRef>
+          <a:fillRef idx="1">
+            <a:schemeClr val="lt1"/>
+          </a:fillRef>
+          <a:effectRef idx="0">
+            <a:schemeClr val="accent6"/>
+          </a:effectRef>
+          <a:fontRef idx="minor">
+            <a:schemeClr val="dk1"/>
+          </a:fontRef>
+        </p:style>
+        <p:txBody>
+          <a:bodyPr wrap="none" rtlCol="0" anchor="ctr"/>
+          <a:lstStyle/>
+          <a:p>
+            <a:pPr algn="ctr"/>
+            <a:endParaRPr kumimoji="1" lang="ja-JP" altLang="en-US" sz="1400" dirty="0"/>
           </a:p>
         </p:txBody>
       </p:sp>
@@ -29829,34 +29702,27 @@
           <a:prstGeom prst="roundRect">
             <a:avLst/>
           </a:prstGeom>
-          <a:ln>
-            <a:solidFill>
-              <a:schemeClr val="accent5">
-                <a:lumMod val="75000"/>
-              </a:schemeClr>
-            </a:solidFill>
-          </a:ln>
-        </p:spPr>
-        <p:style>
-          <a:lnRef idx="2">
-            <a:schemeClr val="accent6"/>
-          </a:lnRef>
-          <a:fillRef idx="1">
-            <a:schemeClr val="lt1"/>
-          </a:fillRef>
-          <a:effectRef idx="0">
-            <a:schemeClr val="accent6"/>
-          </a:effectRef>
-          <a:fontRef idx="minor">
-            <a:schemeClr val="dk1"/>
-          </a:fontRef>
-        </p:style>
-        <p:txBody>
-          <a:bodyPr wrap="none" rtlCol="0" anchor="ctr"/>
-          <a:lstStyle/>
-          <a:p>
-            <a:pPr algn="ctr"/>
-            <a:endParaRPr kumimoji="1" lang="ja-JP" altLang="en-US" sz="900" dirty="0"/>
+        </p:spPr>
+        <p:style>
+          <a:lnRef idx="2">
+            <a:schemeClr val="accent6"/>
+          </a:lnRef>
+          <a:fillRef idx="1">
+            <a:schemeClr val="lt1"/>
+          </a:fillRef>
+          <a:effectRef idx="0">
+            <a:schemeClr val="accent6"/>
+          </a:effectRef>
+          <a:fontRef idx="minor">
+            <a:schemeClr val="dk1"/>
+          </a:fontRef>
+        </p:style>
+        <p:txBody>
+          <a:bodyPr wrap="none" rtlCol="0" anchor="ctr"/>
+          <a:lstStyle/>
+          <a:p>
+            <a:pPr algn="ctr"/>
+            <a:endParaRPr kumimoji="1" lang="ja-JP" altLang="en-US" sz="1400" dirty="0"/>
           </a:p>
         </p:txBody>
       </p:sp>
@@ -29894,23 +29760,7 @@
           <a:lstStyle/>
           <a:p>
             <a:pPr algn="ctr"/>
-            <a:r>
-              <a:rPr lang="en-US" altLang="ja-JP" sz="900" smtClean="0">
-                <a:solidFill>
-                  <a:schemeClr val="accent6">
-                    <a:lumMod val="75000"/>
-                  </a:schemeClr>
-                </a:solidFill>
-              </a:rPr>
-              <a:t>Word</a:t>
-            </a:r>
-            <a:endParaRPr kumimoji="1" lang="ja-JP" altLang="en-US" sz="900" dirty="0">
-              <a:solidFill>
-                <a:schemeClr val="accent6">
-                  <a:lumMod val="75000"/>
-                </a:schemeClr>
-              </a:solidFill>
-            </a:endParaRPr>
+            <a:endParaRPr kumimoji="1" lang="ja-JP" altLang="en-US" sz="1400" dirty="0"/>
           </a:p>
         </p:txBody>
       </p:sp>
@@ -29948,23 +29798,7 @@
           <a:lstStyle/>
           <a:p>
             <a:pPr algn="ctr"/>
-            <a:r>
-              <a:rPr kumimoji="1" lang="en-US" altLang="ja-JP" sz="900" smtClean="0">
-                <a:solidFill>
-                  <a:schemeClr val="accent6">
-                    <a:lumMod val="75000"/>
-                  </a:schemeClr>
-                </a:solidFill>
-              </a:rPr>
-              <a:t>Excel</a:t>
-            </a:r>
-            <a:endParaRPr kumimoji="1" lang="ja-JP" altLang="en-US" sz="900" dirty="0">
-              <a:solidFill>
-                <a:schemeClr val="accent6">
-                  <a:lumMod val="75000"/>
-                </a:schemeClr>
-              </a:solidFill>
-            </a:endParaRPr>
+            <a:endParaRPr kumimoji="1" lang="ja-JP" altLang="en-US" sz="1400" dirty="0"/>
           </a:p>
         </p:txBody>
       </p:sp>
@@ -30002,36 +29836,7 @@
           <a:lstStyle/>
           <a:p>
             <a:pPr algn="ctr"/>
-            <a:r>
-              <a:rPr lang="en-US" altLang="ja-JP" sz="900" smtClean="0">
-                <a:solidFill>
-                  <a:schemeClr val="accent6">
-                    <a:lumMod val="75000"/>
-                  </a:schemeClr>
-                </a:solidFill>
-              </a:rPr>
-              <a:t>Power</a:t>
-            </a:r>
-          </a:p>
-          <a:p>
-            <a:pPr algn="ctr"/>
-            <a:r>
-              <a:rPr lang="en-US" altLang="ja-JP" sz="900" smtClean="0">
-                <a:solidFill>
-                  <a:schemeClr val="accent6">
-                    <a:lumMod val="75000"/>
-                  </a:schemeClr>
-                </a:solidFill>
-              </a:rPr>
-              <a:t>Point</a:t>
-            </a:r>
-            <a:endParaRPr kumimoji="1" lang="ja-JP" altLang="en-US" sz="900" dirty="0">
-              <a:solidFill>
-                <a:schemeClr val="accent6">
-                  <a:lumMod val="75000"/>
-                </a:schemeClr>
-              </a:solidFill>
-            </a:endParaRPr>
+            <a:endParaRPr kumimoji="1" lang="ja-JP" altLang="en-US" sz="1400" dirty="0"/>
           </a:p>
         </p:txBody>
       </p:sp>
@@ -30049,34 +29854,27 @@
           <a:prstGeom prst="roundRect">
             <a:avLst/>
           </a:prstGeom>
-          <a:ln>
-            <a:solidFill>
-              <a:schemeClr val="accent5">
-                <a:lumMod val="75000"/>
-              </a:schemeClr>
-            </a:solidFill>
-          </a:ln>
-        </p:spPr>
-        <p:style>
-          <a:lnRef idx="2">
-            <a:schemeClr val="accent6"/>
-          </a:lnRef>
-          <a:fillRef idx="1">
-            <a:schemeClr val="lt1"/>
-          </a:fillRef>
-          <a:effectRef idx="0">
-            <a:schemeClr val="accent6"/>
-          </a:effectRef>
-          <a:fontRef idx="minor">
-            <a:schemeClr val="dk1"/>
-          </a:fontRef>
-        </p:style>
-        <p:txBody>
-          <a:bodyPr wrap="none" rtlCol="0" anchor="ctr"/>
-          <a:lstStyle/>
-          <a:p>
-            <a:pPr algn="ctr"/>
-            <a:endParaRPr kumimoji="1" lang="ja-JP" altLang="en-US" sz="1000" dirty="0"/>
+        </p:spPr>
+        <p:style>
+          <a:lnRef idx="2">
+            <a:schemeClr val="accent6"/>
+          </a:lnRef>
+          <a:fillRef idx="1">
+            <a:schemeClr val="lt1"/>
+          </a:fillRef>
+          <a:effectRef idx="0">
+            <a:schemeClr val="accent6"/>
+          </a:effectRef>
+          <a:fontRef idx="minor">
+            <a:schemeClr val="dk1"/>
+          </a:fontRef>
+        </p:style>
+        <p:txBody>
+          <a:bodyPr wrap="none" rtlCol="0" anchor="ctr"/>
+          <a:lstStyle/>
+          <a:p>
+            <a:pPr algn="ctr"/>
+            <a:endParaRPr kumimoji="1" lang="ja-JP" altLang="en-US" sz="1400" dirty="0"/>
           </a:p>
         </p:txBody>
       </p:sp>
@@ -30094,34 +29892,27 @@
           <a:prstGeom prst="roundRect">
             <a:avLst/>
           </a:prstGeom>
-          <a:ln>
-            <a:solidFill>
-              <a:schemeClr val="accent5">
-                <a:lumMod val="75000"/>
-              </a:schemeClr>
-            </a:solidFill>
-          </a:ln>
-        </p:spPr>
-        <p:style>
-          <a:lnRef idx="2">
-            <a:schemeClr val="accent6"/>
-          </a:lnRef>
-          <a:fillRef idx="1">
-            <a:schemeClr val="lt1"/>
-          </a:fillRef>
-          <a:effectRef idx="0">
-            <a:schemeClr val="accent6"/>
-          </a:effectRef>
-          <a:fontRef idx="minor">
-            <a:schemeClr val="dk1"/>
-          </a:fontRef>
-        </p:style>
-        <p:txBody>
-          <a:bodyPr wrap="none" rtlCol="0" anchor="ctr"/>
-          <a:lstStyle/>
-          <a:p>
-            <a:pPr algn="ctr"/>
-            <a:endParaRPr kumimoji="1" lang="ja-JP" altLang="en-US" sz="1000" dirty="0"/>
+        </p:spPr>
+        <p:style>
+          <a:lnRef idx="2">
+            <a:schemeClr val="accent6"/>
+          </a:lnRef>
+          <a:fillRef idx="1">
+            <a:schemeClr val="lt1"/>
+          </a:fillRef>
+          <a:effectRef idx="0">
+            <a:schemeClr val="accent6"/>
+          </a:effectRef>
+          <a:fontRef idx="minor">
+            <a:schemeClr val="dk1"/>
+          </a:fontRef>
+        </p:style>
+        <p:txBody>
+          <a:bodyPr wrap="none" rtlCol="0" anchor="ctr"/>
+          <a:lstStyle/>
+          <a:p>
+            <a:pPr algn="ctr"/>
+            <a:endParaRPr kumimoji="1" lang="ja-JP" altLang="en-US" sz="1400" dirty="0"/>
           </a:p>
         </p:txBody>
       </p:sp>
@@ -30139,34 +29930,27 @@
           <a:prstGeom prst="roundRect">
             <a:avLst/>
           </a:prstGeom>
-          <a:ln>
-            <a:solidFill>
-              <a:schemeClr val="accent5">
-                <a:lumMod val="75000"/>
-              </a:schemeClr>
-            </a:solidFill>
-          </a:ln>
-        </p:spPr>
-        <p:style>
-          <a:lnRef idx="2">
-            <a:schemeClr val="accent6"/>
-          </a:lnRef>
-          <a:fillRef idx="1">
-            <a:schemeClr val="lt1"/>
-          </a:fillRef>
-          <a:effectRef idx="0">
-            <a:schemeClr val="accent6"/>
-          </a:effectRef>
-          <a:fontRef idx="minor">
-            <a:schemeClr val="dk1"/>
-          </a:fontRef>
-        </p:style>
-        <p:txBody>
-          <a:bodyPr wrap="none" rtlCol="0" anchor="ctr"/>
-          <a:lstStyle/>
-          <a:p>
-            <a:pPr algn="ctr"/>
-            <a:endParaRPr kumimoji="1" lang="ja-JP" altLang="en-US" sz="1000" dirty="0"/>
+        </p:spPr>
+        <p:style>
+          <a:lnRef idx="2">
+            <a:schemeClr val="accent6"/>
+          </a:lnRef>
+          <a:fillRef idx="1">
+            <a:schemeClr val="lt1"/>
+          </a:fillRef>
+          <a:effectRef idx="0">
+            <a:schemeClr val="accent6"/>
+          </a:effectRef>
+          <a:fontRef idx="minor">
+            <a:schemeClr val="dk1"/>
+          </a:fontRef>
+        </p:style>
+        <p:txBody>
+          <a:bodyPr wrap="none" rtlCol="0" anchor="ctr"/>
+          <a:lstStyle/>
+          <a:p>
+            <a:pPr algn="ctr"/>
+            <a:endParaRPr kumimoji="1" lang="ja-JP" altLang="en-US" sz="1400" dirty="0"/>
           </a:p>
         </p:txBody>
       </p:sp>
@@ -30184,40 +29968,27 @@
           <a:prstGeom prst="roundRect">
             <a:avLst/>
           </a:prstGeom>
-          <a:ln>
-            <a:solidFill>
-              <a:schemeClr val="accent5">
-                <a:lumMod val="75000"/>
-              </a:schemeClr>
-            </a:solidFill>
-          </a:ln>
-        </p:spPr>
-        <p:style>
-          <a:lnRef idx="2">
-            <a:schemeClr val="accent6"/>
-          </a:lnRef>
-          <a:fillRef idx="1">
-            <a:schemeClr val="lt1"/>
-          </a:fillRef>
-          <a:effectRef idx="0">
-            <a:schemeClr val="accent6"/>
-          </a:effectRef>
-          <a:fontRef idx="minor">
-            <a:schemeClr val="dk1"/>
-          </a:fontRef>
-        </p:style>
-        <p:txBody>
-          <a:bodyPr wrap="none" rtlCol="0" anchor="ctr"/>
-          <a:lstStyle/>
-          <a:p>
-            <a:pPr algn="ctr"/>
-            <a:endParaRPr kumimoji="1" lang="ja-JP" altLang="en-US" sz="900" dirty="0">
-              <a:solidFill>
-                <a:schemeClr val="accent5">
-                  <a:lumMod val="75000"/>
-                </a:schemeClr>
-              </a:solidFill>
-            </a:endParaRPr>
+        </p:spPr>
+        <p:style>
+          <a:lnRef idx="2">
+            <a:schemeClr val="accent6"/>
+          </a:lnRef>
+          <a:fillRef idx="1">
+            <a:schemeClr val="lt1"/>
+          </a:fillRef>
+          <a:effectRef idx="0">
+            <a:schemeClr val="accent6"/>
+          </a:effectRef>
+          <a:fontRef idx="minor">
+            <a:schemeClr val="dk1"/>
+          </a:fontRef>
+        </p:style>
+        <p:txBody>
+          <a:bodyPr wrap="none" rtlCol="0" anchor="ctr"/>
+          <a:lstStyle/>
+          <a:p>
+            <a:pPr algn="ctr"/>
+            <a:endParaRPr kumimoji="1" lang="ja-JP" altLang="en-US" sz="1400" dirty="0"/>
           </a:p>
         </p:txBody>
       </p:sp>
@@ -30255,23 +30026,7 @@
           <a:lstStyle/>
           <a:p>
             <a:pPr algn="ctr"/>
-            <a:r>
-              <a:rPr kumimoji="1" lang="en-US" altLang="ja-JP" sz="900" smtClean="0">
-                <a:solidFill>
-                  <a:schemeClr val="accent6">
-                    <a:lumMod val="75000"/>
-                  </a:schemeClr>
-                </a:solidFill>
-              </a:rPr>
-              <a:t>Atom</a:t>
-            </a:r>
-            <a:endParaRPr kumimoji="1" lang="ja-JP" altLang="en-US" sz="900" dirty="0">
-              <a:solidFill>
-                <a:schemeClr val="accent6">
-                  <a:lumMod val="75000"/>
-                </a:schemeClr>
-              </a:solidFill>
-            </a:endParaRPr>
+            <a:endParaRPr kumimoji="1" lang="ja-JP" altLang="en-US" sz="1400" dirty="0"/>
           </a:p>
         </p:txBody>
       </p:sp>
@@ -30310,8 +30065,16 @@
           <a:p>
             <a:pPr algn="ctr"/>
             <a:r>
-              <a:rPr kumimoji="1" lang="en-US" altLang="ja-JP" sz="900" smtClean="0"/>
-              <a:t>Skype</a:t>
+              <a:rPr kumimoji="1" lang="ja-JP" altLang="en-US" sz="900" dirty="0" smtClean="0"/>
+              <a:t>前の</a:t>
+            </a:r>
+            <a:endParaRPr kumimoji="1" lang="en-US" altLang="ja-JP" sz="900" dirty="0" smtClean="0"/>
+          </a:p>
+          <a:p>
+            <a:pPr algn="ctr"/>
+            <a:r>
+              <a:rPr lang="en-US" altLang="ja-JP" sz="900" dirty="0" smtClean="0"/>
+              <a:t>Window</a:t>
             </a:r>
             <a:endParaRPr kumimoji="1" lang="ja-JP" altLang="en-US" sz="900" dirty="0"/>
           </a:p>
@@ -30351,23 +30114,7 @@
           <a:lstStyle/>
           <a:p>
             <a:pPr algn="ctr"/>
-            <a:r>
-              <a:rPr kumimoji="1" lang="en-US" altLang="ja-JP" sz="900" smtClean="0">
-                <a:solidFill>
-                  <a:schemeClr val="accent6">
-                    <a:lumMod val="75000"/>
-                  </a:schemeClr>
-                </a:solidFill>
-              </a:rPr>
-              <a:t>Desktop</a:t>
-            </a:r>
-            <a:endParaRPr kumimoji="1" lang="ja-JP" altLang="en-US" sz="900" dirty="0">
-              <a:solidFill>
-                <a:schemeClr val="accent6">
-                  <a:lumMod val="75000"/>
-                </a:schemeClr>
-              </a:solidFill>
-            </a:endParaRPr>
+            <a:endParaRPr kumimoji="1" lang="ja-JP" altLang="en-US" sz="900" dirty="0"/>
           </a:p>
         </p:txBody>
       </p:sp>
@@ -30406,22 +30153,26 @@
           <a:p>
             <a:pPr algn="ctr"/>
             <a:r>
-              <a:rPr kumimoji="1" lang="en-US" altLang="ja-JP" sz="900" u="sng" smtClean="0">
-                <a:solidFill>
-                  <a:schemeClr val="accent6">
-                    <a:lumMod val="75000"/>
-                  </a:schemeClr>
-                </a:solidFill>
-              </a:rPr>
-              <a:t>Filer</a:t>
-            </a:r>
-            <a:endParaRPr kumimoji="1" lang="ja-JP" altLang="en-US" sz="900" u="sng" dirty="0">
-              <a:solidFill>
-                <a:schemeClr val="accent6">
-                  <a:lumMod val="75000"/>
-                </a:schemeClr>
-              </a:solidFill>
-            </a:endParaRPr>
+              <a:rPr kumimoji="1" lang="ja-JP" altLang="en-US" sz="900" u="sng" dirty="0" smtClean="0"/>
+              <a:t>次</a:t>
+            </a:r>
+            <a:r>
+              <a:rPr lang="ja-JP" altLang="en-US" sz="900" u="sng" dirty="0" smtClean="0"/>
+              <a:t>の</a:t>
+            </a:r>
+            <a:endParaRPr lang="en-US" altLang="ja-JP" sz="900" u="sng" dirty="0" smtClean="0"/>
+          </a:p>
+          <a:p>
+            <a:pPr algn="ctr"/>
+            <a:r>
+              <a:rPr kumimoji="1" lang="en-US" altLang="ja-JP" sz="900" u="sng" dirty="0" smtClean="0"/>
+              <a:t>Windo</a:t>
+            </a:r>
+            <a:r>
+              <a:rPr kumimoji="1" lang="en-US" altLang="ja-JP" sz="900" u="sng" dirty="0"/>
+              <a:t>w</a:t>
+            </a:r>
+            <a:endParaRPr kumimoji="1" lang="ja-JP" altLang="en-US" sz="900" u="sng" dirty="0"/>
           </a:p>
         </p:txBody>
       </p:sp>
@@ -30460,35 +30211,10 @@
           <a:p>
             <a:pPr algn="ctr"/>
             <a:r>
-              <a:rPr kumimoji="1" lang="en-US" altLang="ja-JP" sz="900" smtClean="0">
-                <a:solidFill>
-                  <a:schemeClr val="accent6">
-                    <a:lumMod val="75000"/>
-                  </a:schemeClr>
-                </a:solidFill>
-              </a:rPr>
-              <a:t>Google</a:t>
-            </a:r>
-          </a:p>
-          <a:p>
-            <a:pPr algn="ctr"/>
-            <a:r>
-              <a:rPr lang="en-US" altLang="ja-JP" sz="900" smtClean="0">
-                <a:solidFill>
-                  <a:schemeClr val="accent6">
-                    <a:lumMod val="75000"/>
-                  </a:schemeClr>
-                </a:solidFill>
-              </a:rPr>
-              <a:t>Chrome</a:t>
-            </a:r>
-            <a:endParaRPr kumimoji="1" lang="ja-JP" altLang="en-US" sz="900" dirty="0">
-              <a:solidFill>
-                <a:schemeClr val="accent6">
-                  <a:lumMod val="75000"/>
-                </a:schemeClr>
-              </a:solidFill>
-            </a:endParaRPr>
+              <a:rPr kumimoji="1" lang="ja-JP" altLang="en-US" sz="1200" dirty="0" smtClean="0"/>
+              <a:t>検索</a:t>
+            </a:r>
+            <a:endParaRPr kumimoji="1" lang="ja-JP" altLang="en-US" sz="1200" dirty="0"/>
           </a:p>
         </p:txBody>
       </p:sp>
@@ -30526,18 +30252,7 @@
           <a:lstStyle/>
           <a:p>
             <a:pPr algn="ctr"/>
-            <a:r>
-              <a:rPr lang="en-US" altLang="ja-JP" sz="900" smtClean="0"/>
-              <a:t>Git</a:t>
-            </a:r>
-            <a:br>
-              <a:rPr lang="en-US" altLang="ja-JP" sz="900" smtClean="0"/>
-            </a:br>
-            <a:r>
-              <a:rPr lang="en-US" altLang="ja-JP" sz="900" smtClean="0"/>
-              <a:t>Hub</a:t>
-            </a:r>
-            <a:endParaRPr kumimoji="1" lang="ja-JP" altLang="en-US" sz="900" dirty="0"/>
+            <a:endParaRPr kumimoji="1" lang="ja-JP" altLang="en-US" sz="1400" dirty="0"/>
           </a:p>
         </p:txBody>
       </p:sp>
@@ -30576,17 +30291,9 @@
           <a:p>
             <a:pPr algn="ctr"/>
             <a:r>
-              <a:rPr kumimoji="1" lang="en-US" altLang="ja-JP" sz="900" u="sng" smtClean="0"/>
-              <a:t>Intelli</a:t>
-            </a:r>
-          </a:p>
-          <a:p>
-            <a:pPr algn="ctr"/>
-            <a:r>
-              <a:rPr lang="en-US" altLang="ja-JP" sz="900" u="sng"/>
-              <a:t>J</a:t>
-            </a:r>
-            <a:endParaRPr kumimoji="1" lang="ja-JP" altLang="en-US" sz="900" u="sng" dirty="0"/>
+              <a:rPr kumimoji="1" lang="en-US" altLang="ja-JP" sz="1400" u="sng" smtClean="0"/>
+              <a:t>DL</a:t>
+            </a:r>
           </a:p>
         </p:txBody>
       </p:sp>
@@ -30624,11 +30331,7 @@
           <a:lstStyle/>
           <a:p>
             <a:pPr algn="ctr"/>
-            <a:r>
-              <a:rPr kumimoji="1" lang="en-US" altLang="ja-JP" sz="700" smtClean="0"/>
-              <a:t>Processing</a:t>
-            </a:r>
-            <a:endParaRPr kumimoji="1" lang="ja-JP" altLang="en-US" sz="700" dirty="0"/>
+            <a:endParaRPr kumimoji="1" lang="ja-JP" altLang="en-US" sz="1400" dirty="0"/>
           </a:p>
         </p:txBody>
       </p:sp>
@@ -30666,11 +30369,7 @@
           <a:lstStyle/>
           <a:p>
             <a:pPr algn="ctr"/>
-            <a:r>
-              <a:rPr kumimoji="1" lang="en-US" altLang="ja-JP" sz="900" smtClean="0"/>
-              <a:t>LoL</a:t>
-            </a:r>
-            <a:endParaRPr kumimoji="1" lang="ja-JP" altLang="en-US" sz="900" dirty="0"/>
+            <a:endParaRPr kumimoji="1" lang="ja-JP" altLang="en-US" sz="1400" dirty="0"/>
           </a:p>
         </p:txBody>
       </p:sp>
@@ -30688,34 +30387,27 @@
           <a:prstGeom prst="roundRect">
             <a:avLst/>
           </a:prstGeom>
-          <a:ln>
-            <a:solidFill>
-              <a:schemeClr val="accent5">
-                <a:lumMod val="75000"/>
-              </a:schemeClr>
-            </a:solidFill>
-          </a:ln>
-        </p:spPr>
-        <p:style>
-          <a:lnRef idx="2">
-            <a:schemeClr val="accent6"/>
-          </a:lnRef>
-          <a:fillRef idx="1">
-            <a:schemeClr val="lt1"/>
-          </a:fillRef>
-          <a:effectRef idx="0">
-            <a:schemeClr val="accent6"/>
-          </a:effectRef>
-          <a:fontRef idx="minor">
-            <a:schemeClr val="dk1"/>
-          </a:fontRef>
-        </p:style>
-        <p:txBody>
-          <a:bodyPr wrap="none" rtlCol="0" anchor="ctr"/>
-          <a:lstStyle/>
-          <a:p>
-            <a:pPr algn="ctr"/>
-            <a:endParaRPr kumimoji="1" lang="ja-JP" altLang="en-US" sz="900" dirty="0"/>
+        </p:spPr>
+        <p:style>
+          <a:lnRef idx="2">
+            <a:schemeClr val="accent6"/>
+          </a:lnRef>
+          <a:fillRef idx="1">
+            <a:schemeClr val="lt1"/>
+          </a:fillRef>
+          <a:effectRef idx="0">
+            <a:schemeClr val="accent6"/>
+          </a:effectRef>
+          <a:fontRef idx="minor">
+            <a:schemeClr val="dk1"/>
+          </a:fontRef>
+        </p:style>
+        <p:txBody>
+          <a:bodyPr wrap="none" rtlCol="0" anchor="ctr"/>
+          <a:lstStyle/>
+          <a:p>
+            <a:pPr algn="ctr"/>
+            <a:endParaRPr kumimoji="1" lang="ja-JP" altLang="en-US" sz="1400" dirty="0"/>
           </a:p>
         </p:txBody>
       </p:sp>
@@ -30733,34 +30425,27 @@
           <a:prstGeom prst="roundRect">
             <a:avLst/>
           </a:prstGeom>
-          <a:ln>
-            <a:solidFill>
-              <a:schemeClr val="accent5">
-                <a:lumMod val="75000"/>
-              </a:schemeClr>
-            </a:solidFill>
-          </a:ln>
-        </p:spPr>
-        <p:style>
-          <a:lnRef idx="2">
-            <a:schemeClr val="accent6"/>
-          </a:lnRef>
-          <a:fillRef idx="1">
-            <a:schemeClr val="lt1"/>
-          </a:fillRef>
-          <a:effectRef idx="0">
-            <a:schemeClr val="accent6"/>
-          </a:effectRef>
-          <a:fontRef idx="minor">
-            <a:schemeClr val="dk1"/>
-          </a:fontRef>
-        </p:style>
-        <p:txBody>
-          <a:bodyPr wrap="none" rtlCol="0" anchor="ctr"/>
-          <a:lstStyle/>
-          <a:p>
-            <a:pPr algn="ctr"/>
-            <a:endParaRPr kumimoji="1" lang="ja-JP" altLang="en-US" sz="1000" dirty="0"/>
+        </p:spPr>
+        <p:style>
+          <a:lnRef idx="2">
+            <a:schemeClr val="accent6"/>
+          </a:lnRef>
+          <a:fillRef idx="1">
+            <a:schemeClr val="lt1"/>
+          </a:fillRef>
+          <a:effectRef idx="0">
+            <a:schemeClr val="accent6"/>
+          </a:effectRef>
+          <a:fontRef idx="minor">
+            <a:schemeClr val="dk1"/>
+          </a:fontRef>
+        </p:style>
+        <p:txBody>
+          <a:bodyPr wrap="none" rtlCol="0" anchor="ctr"/>
+          <a:lstStyle/>
+          <a:p>
+            <a:pPr algn="ctr"/>
+            <a:endParaRPr kumimoji="1" lang="ja-JP" altLang="en-US" sz="1400" dirty="0"/>
           </a:p>
         </p:txBody>
       </p:sp>
@@ -30778,535 +30463,40 @@
           <a:prstGeom prst="roundRect">
             <a:avLst/>
           </a:prstGeom>
-          <a:ln>
-            <a:solidFill>
-              <a:schemeClr val="accent5">
-                <a:lumMod val="75000"/>
-              </a:schemeClr>
-            </a:solidFill>
-          </a:ln>
-        </p:spPr>
-        <p:style>
-          <a:lnRef idx="2">
-            <a:schemeClr val="accent6"/>
-          </a:lnRef>
-          <a:fillRef idx="1">
-            <a:schemeClr val="lt1"/>
-          </a:fillRef>
-          <a:effectRef idx="0">
-            <a:schemeClr val="accent6"/>
-          </a:effectRef>
-          <a:fontRef idx="minor">
-            <a:schemeClr val="dk1"/>
-          </a:fontRef>
-        </p:style>
-        <p:txBody>
-          <a:bodyPr wrap="none" rtlCol="0" anchor="ctr"/>
-          <a:lstStyle/>
-          <a:p>
-            <a:pPr algn="ctr"/>
-            <a:endParaRPr kumimoji="1" lang="ja-JP" altLang="en-US" sz="1000" dirty="0"/>
-          </a:p>
-        </p:txBody>
-      </p:sp>
-      <p:sp>
-        <p:nvSpPr>
-          <p:cNvPr id="50" name="角丸四角形 49"/>
-          <p:cNvSpPr/>
-          <p:nvPr/>
-        </p:nvSpPr>
-        <p:spPr>
-          <a:xfrm>
-            <a:off x="1794537" y="4947254"/>
-            <a:ext cx="464588" cy="465380"/>
-          </a:xfrm>
-          <a:prstGeom prst="roundRect">
-            <a:avLst/>
-          </a:prstGeom>
-          <a:ln>
-            <a:solidFill>
-              <a:schemeClr val="accent5">
-                <a:lumMod val="75000"/>
-              </a:schemeClr>
-            </a:solidFill>
-          </a:ln>
-        </p:spPr>
-        <p:style>
-          <a:lnRef idx="2">
-            <a:schemeClr val="accent6"/>
-          </a:lnRef>
-          <a:fillRef idx="1">
-            <a:schemeClr val="lt1"/>
-          </a:fillRef>
-          <a:effectRef idx="0">
-            <a:schemeClr val="accent6"/>
-          </a:effectRef>
-          <a:fontRef idx="minor">
-            <a:schemeClr val="dk1"/>
-          </a:fontRef>
-        </p:style>
-        <p:txBody>
-          <a:bodyPr wrap="none" rtlCol="0" anchor="ctr"/>
-          <a:lstStyle/>
-          <a:p>
-            <a:pPr algn="ctr"/>
-            <a:endParaRPr kumimoji="1" lang="ja-JP" altLang="en-US" sz="1000" dirty="0"/>
-          </a:p>
-        </p:txBody>
-      </p:sp>
-      <p:sp>
-        <p:nvSpPr>
-          <p:cNvPr id="51" name="角丸四角形 50"/>
-          <p:cNvSpPr/>
-          <p:nvPr/>
-        </p:nvSpPr>
-        <p:spPr>
-          <a:xfrm>
-            <a:off x="2331118" y="4947254"/>
-            <a:ext cx="464588" cy="465380"/>
-          </a:xfrm>
-          <a:prstGeom prst="roundRect">
-            <a:avLst/>
-          </a:prstGeom>
-          <a:ln>
-            <a:solidFill>
-              <a:schemeClr val="accent5">
-                <a:lumMod val="75000"/>
-              </a:schemeClr>
-            </a:solidFill>
-          </a:ln>
-        </p:spPr>
-        <p:style>
-          <a:lnRef idx="2">
-            <a:schemeClr val="accent6"/>
-          </a:lnRef>
-          <a:fillRef idx="1">
-            <a:schemeClr val="lt1"/>
-          </a:fillRef>
-          <a:effectRef idx="0">
-            <a:schemeClr val="accent6"/>
-          </a:effectRef>
-          <a:fontRef idx="minor">
-            <a:schemeClr val="dk1"/>
-          </a:fontRef>
-        </p:style>
-        <p:txBody>
-          <a:bodyPr wrap="none" rtlCol="0" anchor="ctr"/>
-          <a:lstStyle/>
-          <a:p>
-            <a:pPr algn="ctr"/>
-            <a:endParaRPr kumimoji="1" lang="ja-JP" altLang="en-US" sz="1000" dirty="0"/>
-          </a:p>
-        </p:txBody>
-      </p:sp>
-      <p:sp>
-        <p:nvSpPr>
-          <p:cNvPr id="52" name="角丸四角形 51"/>
-          <p:cNvSpPr/>
-          <p:nvPr/>
-        </p:nvSpPr>
-        <p:spPr>
-          <a:xfrm>
-            <a:off x="2867699" y="4947254"/>
-            <a:ext cx="464588" cy="465380"/>
-          </a:xfrm>
-          <a:prstGeom prst="roundRect">
-            <a:avLst/>
-          </a:prstGeom>
-          <a:ln>
-            <a:solidFill>
-              <a:schemeClr val="accent5">
-                <a:lumMod val="75000"/>
-              </a:schemeClr>
-            </a:solidFill>
-          </a:ln>
-        </p:spPr>
-        <p:style>
-          <a:lnRef idx="2">
-            <a:schemeClr val="accent6"/>
-          </a:lnRef>
-          <a:fillRef idx="1">
-            <a:schemeClr val="lt1"/>
-          </a:fillRef>
-          <a:effectRef idx="0">
-            <a:schemeClr val="accent6"/>
-          </a:effectRef>
-          <a:fontRef idx="minor">
-            <a:schemeClr val="dk1"/>
-          </a:fontRef>
-        </p:style>
-        <p:txBody>
-          <a:bodyPr wrap="none" rtlCol="0" anchor="ctr"/>
-          <a:lstStyle/>
-          <a:p>
-            <a:pPr algn="ctr"/>
-            <a:endParaRPr kumimoji="1" lang="ja-JP" altLang="en-US" sz="1000" dirty="0"/>
-          </a:p>
-        </p:txBody>
-      </p:sp>
-      <p:sp>
-        <p:nvSpPr>
-          <p:cNvPr id="53" name="角丸四角形 52"/>
-          <p:cNvSpPr/>
-          <p:nvPr/>
-        </p:nvSpPr>
-        <p:spPr>
-          <a:xfrm>
-            <a:off x="3404280" y="4947254"/>
-            <a:ext cx="464588" cy="465380"/>
-          </a:xfrm>
-          <a:prstGeom prst="roundRect">
-            <a:avLst/>
-          </a:prstGeom>
-          <a:ln>
-            <a:solidFill>
-              <a:schemeClr val="accent5">
-                <a:lumMod val="75000"/>
-              </a:schemeClr>
-            </a:solidFill>
-          </a:ln>
-        </p:spPr>
-        <p:style>
-          <a:lnRef idx="2">
-            <a:schemeClr val="accent6"/>
-          </a:lnRef>
-          <a:fillRef idx="1">
-            <a:schemeClr val="lt1"/>
-          </a:fillRef>
-          <a:effectRef idx="0">
-            <a:schemeClr val="accent6"/>
-          </a:effectRef>
-          <a:fontRef idx="minor">
-            <a:schemeClr val="dk1"/>
-          </a:fontRef>
-        </p:style>
-        <p:txBody>
-          <a:bodyPr wrap="none" rtlCol="0" anchor="ctr"/>
-          <a:lstStyle/>
-          <a:p>
-            <a:pPr algn="ctr"/>
-            <a:endParaRPr kumimoji="1" lang="ja-JP" altLang="en-US" sz="1000" dirty="0"/>
-          </a:p>
-        </p:txBody>
-      </p:sp>
-      <p:sp>
-        <p:nvSpPr>
-          <p:cNvPr id="54" name="角丸四角形 53"/>
-          <p:cNvSpPr/>
-          <p:nvPr/>
-        </p:nvSpPr>
-        <p:spPr>
-          <a:xfrm>
-            <a:off x="3940861" y="4947254"/>
-            <a:ext cx="464588" cy="465380"/>
-          </a:xfrm>
-          <a:prstGeom prst="roundRect">
-            <a:avLst/>
-          </a:prstGeom>
-          <a:ln>
-            <a:solidFill>
-              <a:schemeClr val="accent5">
-                <a:lumMod val="75000"/>
-              </a:schemeClr>
-            </a:solidFill>
-          </a:ln>
-        </p:spPr>
-        <p:style>
-          <a:lnRef idx="2">
-            <a:schemeClr val="accent6"/>
-          </a:lnRef>
-          <a:fillRef idx="1">
-            <a:schemeClr val="lt1"/>
-          </a:fillRef>
-          <a:effectRef idx="0">
-            <a:schemeClr val="accent6"/>
-          </a:effectRef>
-          <a:fontRef idx="minor">
-            <a:schemeClr val="dk1"/>
-          </a:fontRef>
-        </p:style>
-        <p:txBody>
-          <a:bodyPr wrap="none" rtlCol="0" anchor="ctr"/>
-          <a:lstStyle/>
-          <a:p>
-            <a:pPr algn="ctr"/>
-            <a:endParaRPr kumimoji="1" lang="ja-JP" altLang="en-US" sz="900" dirty="0"/>
-          </a:p>
-        </p:txBody>
-      </p:sp>
-      <p:sp>
-        <p:nvSpPr>
-          <p:cNvPr id="55" name="角丸四角形 54"/>
-          <p:cNvSpPr/>
-          <p:nvPr/>
-        </p:nvSpPr>
-        <p:spPr>
-          <a:xfrm>
-            <a:off x="4477442" y="4947254"/>
-            <a:ext cx="464588" cy="465380"/>
-          </a:xfrm>
-          <a:prstGeom prst="roundRect">
-            <a:avLst/>
-          </a:prstGeom>
-        </p:spPr>
-        <p:style>
-          <a:lnRef idx="2">
-            <a:schemeClr val="accent6"/>
-          </a:lnRef>
-          <a:fillRef idx="1">
-            <a:schemeClr val="lt1"/>
-          </a:fillRef>
-          <a:effectRef idx="0">
-            <a:schemeClr val="accent6"/>
-          </a:effectRef>
-          <a:fontRef idx="minor">
-            <a:schemeClr val="dk1"/>
-          </a:fontRef>
-        </p:style>
-        <p:txBody>
-          <a:bodyPr wrap="none" rtlCol="0" anchor="ctr"/>
-          <a:lstStyle/>
-          <a:p>
-            <a:pPr algn="ctr"/>
-            <a:r>
-              <a:rPr lang="en-US" altLang="ja-JP" sz="900" smtClean="0"/>
-              <a:t>Notepad</a:t>
-            </a:r>
-            <a:endParaRPr kumimoji="1" lang="ja-JP" altLang="en-US" sz="900" dirty="0"/>
-          </a:p>
-        </p:txBody>
-      </p:sp>
-      <p:sp>
-        <p:nvSpPr>
-          <p:cNvPr id="56" name="角丸四角形 55"/>
-          <p:cNvSpPr/>
-          <p:nvPr/>
-        </p:nvSpPr>
-        <p:spPr>
-          <a:xfrm>
-            <a:off x="5014023" y="4947254"/>
-            <a:ext cx="464588" cy="465380"/>
-          </a:xfrm>
-          <a:prstGeom prst="roundRect">
-            <a:avLst/>
-          </a:prstGeom>
-          <a:ln>
-            <a:solidFill>
-              <a:schemeClr val="accent5">
-                <a:lumMod val="75000"/>
-              </a:schemeClr>
-            </a:solidFill>
-          </a:ln>
-        </p:spPr>
-        <p:style>
-          <a:lnRef idx="2">
-            <a:schemeClr val="accent6"/>
-          </a:lnRef>
-          <a:fillRef idx="1">
-            <a:schemeClr val="lt1"/>
-          </a:fillRef>
-          <a:effectRef idx="0">
-            <a:schemeClr val="accent6"/>
-          </a:effectRef>
-          <a:fontRef idx="minor">
-            <a:schemeClr val="dk1"/>
-          </a:fontRef>
-        </p:style>
-        <p:txBody>
-          <a:bodyPr wrap="none" rtlCol="0" anchor="ctr"/>
-          <a:lstStyle/>
-          <a:p>
-            <a:pPr algn="ctr"/>
-            <a:endParaRPr kumimoji="1" lang="ja-JP" altLang="en-US" sz="1000" dirty="0"/>
-          </a:p>
-        </p:txBody>
-      </p:sp>
-      <p:sp>
-        <p:nvSpPr>
-          <p:cNvPr id="57" name="角丸四角形 56"/>
-          <p:cNvSpPr/>
-          <p:nvPr/>
-        </p:nvSpPr>
-        <p:spPr>
-          <a:xfrm>
-            <a:off x="5550604" y="4947254"/>
-            <a:ext cx="464588" cy="465380"/>
-          </a:xfrm>
-          <a:prstGeom prst="roundRect">
-            <a:avLst/>
-          </a:prstGeom>
-          <a:ln>
-            <a:solidFill>
-              <a:schemeClr val="accent5">
-                <a:lumMod val="75000"/>
-              </a:schemeClr>
-            </a:solidFill>
-          </a:ln>
-        </p:spPr>
-        <p:style>
-          <a:lnRef idx="2">
-            <a:schemeClr val="accent6"/>
-          </a:lnRef>
-          <a:fillRef idx="1">
-            <a:schemeClr val="lt1"/>
-          </a:fillRef>
-          <a:effectRef idx="0">
-            <a:schemeClr val="accent6"/>
-          </a:effectRef>
-          <a:fontRef idx="minor">
-            <a:schemeClr val="dk1"/>
-          </a:fontRef>
-        </p:style>
-        <p:txBody>
-          <a:bodyPr wrap="none" rtlCol="0" anchor="ctr"/>
-          <a:lstStyle/>
-          <a:p>
-            <a:pPr algn="ctr"/>
-            <a:endParaRPr kumimoji="1" lang="ja-JP" altLang="en-US" sz="1000" dirty="0"/>
-          </a:p>
-        </p:txBody>
-      </p:sp>
-      <p:sp>
-        <p:nvSpPr>
-          <p:cNvPr id="58" name="角丸四角形 57"/>
-          <p:cNvSpPr/>
-          <p:nvPr/>
-        </p:nvSpPr>
-        <p:spPr>
-          <a:xfrm>
-            <a:off x="6087185" y="4947254"/>
-            <a:ext cx="464588" cy="465380"/>
-          </a:xfrm>
-          <a:prstGeom prst="roundRect">
-            <a:avLst/>
-          </a:prstGeom>
-          <a:ln>
-            <a:solidFill>
-              <a:schemeClr val="accent5">
-                <a:lumMod val="75000"/>
-              </a:schemeClr>
-            </a:solidFill>
-          </a:ln>
-        </p:spPr>
-        <p:style>
-          <a:lnRef idx="2">
-            <a:schemeClr val="accent6"/>
-          </a:lnRef>
-          <a:fillRef idx="1">
-            <a:schemeClr val="lt1"/>
-          </a:fillRef>
-          <a:effectRef idx="0">
-            <a:schemeClr val="accent6"/>
-          </a:effectRef>
-          <a:fontRef idx="minor">
-            <a:schemeClr val="dk1"/>
-          </a:fontRef>
-        </p:style>
-        <p:txBody>
-          <a:bodyPr wrap="none" rtlCol="0" anchor="ctr"/>
-          <a:lstStyle/>
-          <a:p>
-            <a:pPr algn="ctr"/>
-            <a:endParaRPr kumimoji="1" lang="ja-JP" altLang="en-US" sz="1000" dirty="0"/>
-          </a:p>
-        </p:txBody>
-      </p:sp>
-      <p:sp>
-        <p:nvSpPr>
-          <p:cNvPr id="59" name="角丸四角形 58"/>
-          <p:cNvSpPr/>
-          <p:nvPr/>
-        </p:nvSpPr>
-        <p:spPr>
-          <a:xfrm>
-            <a:off x="6623766" y="4947254"/>
-            <a:ext cx="464588" cy="465380"/>
-          </a:xfrm>
-          <a:prstGeom prst="roundRect">
-            <a:avLst/>
-          </a:prstGeom>
-          <a:ln>
-            <a:solidFill>
-              <a:schemeClr val="accent5">
-                <a:lumMod val="75000"/>
-              </a:schemeClr>
-            </a:solidFill>
-          </a:ln>
-        </p:spPr>
-        <p:style>
-          <a:lnRef idx="2">
-            <a:schemeClr val="accent6"/>
-          </a:lnRef>
-          <a:fillRef idx="1">
-            <a:schemeClr val="lt1"/>
-          </a:fillRef>
-          <a:effectRef idx="0">
-            <a:schemeClr val="accent6"/>
-          </a:effectRef>
-          <a:fontRef idx="minor">
-            <a:schemeClr val="dk1"/>
-          </a:fontRef>
-        </p:style>
-        <p:txBody>
-          <a:bodyPr wrap="none" rtlCol="0" anchor="ctr"/>
-          <a:lstStyle/>
-          <a:p>
-            <a:pPr algn="ctr"/>
-            <a:endParaRPr kumimoji="1" lang="ja-JP" altLang="en-US" sz="1000" dirty="0"/>
-          </a:p>
-        </p:txBody>
-      </p:sp>
-      <p:sp>
-        <p:nvSpPr>
-          <p:cNvPr id="68" name="角丸四角形 67"/>
-          <p:cNvSpPr/>
-          <p:nvPr/>
-        </p:nvSpPr>
-        <p:spPr>
-          <a:xfrm>
-            <a:off x="1900793" y="5473034"/>
-            <a:ext cx="749080" cy="465380"/>
-          </a:xfrm>
-          <a:prstGeom prst="roundRect">
-            <a:avLst/>
-          </a:prstGeom>
-          <a:solidFill>
-            <a:schemeClr val="accent6"/>
-          </a:solidFill>
-        </p:spPr>
-        <p:style>
-          <a:lnRef idx="2">
-            <a:schemeClr val="accent6"/>
-          </a:lnRef>
-          <a:fillRef idx="1">
-            <a:schemeClr val="lt1"/>
-          </a:fillRef>
-          <a:effectRef idx="0">
-            <a:schemeClr val="accent6"/>
-          </a:effectRef>
-          <a:fontRef idx="minor">
-            <a:schemeClr val="dk1"/>
-          </a:fontRef>
-        </p:style>
-        <p:txBody>
-          <a:bodyPr wrap="none" rtlCol="0" anchor="ctr"/>
-          <a:lstStyle/>
-          <a:p>
-            <a:pPr algn="ctr"/>
-            <a:endParaRPr kumimoji="1" lang="ja-JP" altLang="en-US" sz="800" dirty="0"/>
-          </a:p>
-        </p:txBody>
-      </p:sp>
-      <p:sp>
-        <p:nvSpPr>
-          <p:cNvPr id="70" name="角丸四角形 69"/>
-          <p:cNvSpPr/>
-          <p:nvPr/>
-        </p:nvSpPr>
-        <p:spPr>
-          <a:xfrm>
-            <a:off x="5941352" y="5473034"/>
-            <a:ext cx="710750" cy="465380"/>
+        </p:spPr>
+        <p:style>
+          <a:lnRef idx="2">
+            <a:schemeClr val="accent6"/>
+          </a:lnRef>
+          <a:fillRef idx="1">
+            <a:schemeClr val="lt1"/>
+          </a:fillRef>
+          <a:effectRef idx="0">
+            <a:schemeClr val="accent6"/>
+          </a:effectRef>
+          <a:fontRef idx="minor">
+            <a:schemeClr val="dk1"/>
+          </a:fontRef>
+        </p:style>
+        <p:txBody>
+          <a:bodyPr wrap="none" rtlCol="0" anchor="ctr"/>
+          <a:lstStyle/>
+          <a:p>
+            <a:pPr algn="ctr"/>
+            <a:endParaRPr kumimoji="1" lang="ja-JP" altLang="en-US" sz="1400" dirty="0"/>
+          </a:p>
+        </p:txBody>
+      </p:sp>
+      <p:sp>
+        <p:nvSpPr>
+          <p:cNvPr id="49" name="角丸四角形 48"/>
+          <p:cNvSpPr/>
+          <p:nvPr/>
+        </p:nvSpPr>
+        <p:spPr>
+          <a:xfrm>
+            <a:off x="569441" y="4421474"/>
+            <a:ext cx="905658" cy="465380"/>
           </a:xfrm>
           <a:prstGeom prst="roundRect">
             <a:avLst/>
@@ -31339,181 +30529,454 @@
           <a:lstStyle/>
           <a:p>
             <a:pPr algn="ctr"/>
-            <a:endParaRPr kumimoji="1" lang="ja-JP" altLang="en-US" sz="800" dirty="0"/>
-          </a:p>
-        </p:txBody>
-      </p:sp>
-      <p:sp>
-        <p:nvSpPr>
-          <p:cNvPr id="60" name="正方形/長方形 59"/>
-          <p:cNvSpPr/>
-          <p:nvPr/>
-        </p:nvSpPr>
-        <p:spPr>
-          <a:xfrm>
-            <a:off x="1080438" y="3347135"/>
-            <a:ext cx="5366082" cy="521472"/>
-          </a:xfrm>
-          <a:prstGeom prst="rect">
-            <a:avLst/>
-          </a:prstGeom>
-          <a:noFill/>
+            <a:endParaRPr kumimoji="1" lang="ja-JP" altLang="en-US" sz="1400" dirty="0"/>
+          </a:p>
+        </p:txBody>
+      </p:sp>
+      <p:sp>
+        <p:nvSpPr>
+          <p:cNvPr id="50" name="角丸四角形 49"/>
+          <p:cNvSpPr/>
+          <p:nvPr/>
+        </p:nvSpPr>
+        <p:spPr>
+          <a:xfrm>
+            <a:off x="1794537" y="4947254"/>
+            <a:ext cx="464588" cy="465380"/>
+          </a:xfrm>
+          <a:prstGeom prst="roundRect">
+            <a:avLst/>
+          </a:prstGeom>
+        </p:spPr>
+        <p:style>
+          <a:lnRef idx="2">
+            <a:schemeClr val="accent6"/>
+          </a:lnRef>
+          <a:fillRef idx="1">
+            <a:schemeClr val="lt1"/>
+          </a:fillRef>
+          <a:effectRef idx="0">
+            <a:schemeClr val="accent6"/>
+          </a:effectRef>
+          <a:fontRef idx="minor">
+            <a:schemeClr val="dk1"/>
+          </a:fontRef>
+        </p:style>
+        <p:txBody>
+          <a:bodyPr wrap="none" rtlCol="0" anchor="ctr"/>
+          <a:lstStyle/>
+          <a:p>
+            <a:pPr algn="ctr"/>
+            <a:endParaRPr kumimoji="1" lang="ja-JP" altLang="en-US" sz="1400" dirty="0"/>
+          </a:p>
+        </p:txBody>
+      </p:sp>
+      <p:sp>
+        <p:nvSpPr>
+          <p:cNvPr id="51" name="角丸四角形 50"/>
+          <p:cNvSpPr/>
+          <p:nvPr/>
+        </p:nvSpPr>
+        <p:spPr>
+          <a:xfrm>
+            <a:off x="2331118" y="4947254"/>
+            <a:ext cx="464588" cy="465380"/>
+          </a:xfrm>
+          <a:prstGeom prst="roundRect">
+            <a:avLst/>
+          </a:prstGeom>
+        </p:spPr>
+        <p:style>
+          <a:lnRef idx="2">
+            <a:schemeClr val="accent6"/>
+          </a:lnRef>
+          <a:fillRef idx="1">
+            <a:schemeClr val="lt1"/>
+          </a:fillRef>
+          <a:effectRef idx="0">
+            <a:schemeClr val="accent6"/>
+          </a:effectRef>
+          <a:fontRef idx="minor">
+            <a:schemeClr val="dk1"/>
+          </a:fontRef>
+        </p:style>
+        <p:txBody>
+          <a:bodyPr wrap="none" rtlCol="0" anchor="ctr"/>
+          <a:lstStyle/>
+          <a:p>
+            <a:pPr algn="ctr"/>
+            <a:endParaRPr kumimoji="1" lang="ja-JP" altLang="en-US" sz="1400" dirty="0"/>
+          </a:p>
+        </p:txBody>
+      </p:sp>
+      <p:sp>
+        <p:nvSpPr>
+          <p:cNvPr id="52" name="角丸四角形 51"/>
+          <p:cNvSpPr/>
+          <p:nvPr/>
+        </p:nvSpPr>
+        <p:spPr>
+          <a:xfrm>
+            <a:off x="2867699" y="4947254"/>
+            <a:ext cx="464588" cy="465380"/>
+          </a:xfrm>
+          <a:prstGeom prst="roundRect">
+            <a:avLst/>
+          </a:prstGeom>
+        </p:spPr>
+        <p:style>
+          <a:lnRef idx="2">
+            <a:schemeClr val="accent6"/>
+          </a:lnRef>
+          <a:fillRef idx="1">
+            <a:schemeClr val="lt1"/>
+          </a:fillRef>
+          <a:effectRef idx="0">
+            <a:schemeClr val="accent6"/>
+          </a:effectRef>
+          <a:fontRef idx="minor">
+            <a:schemeClr val="dk1"/>
+          </a:fontRef>
+        </p:style>
+        <p:txBody>
+          <a:bodyPr wrap="none" rtlCol="0" anchor="ctr"/>
+          <a:lstStyle/>
+          <a:p>
+            <a:pPr algn="ctr"/>
+            <a:endParaRPr kumimoji="1" lang="ja-JP" altLang="en-US" sz="1400" dirty="0"/>
+          </a:p>
+        </p:txBody>
+      </p:sp>
+      <p:sp>
+        <p:nvSpPr>
+          <p:cNvPr id="53" name="角丸四角形 52"/>
+          <p:cNvSpPr/>
+          <p:nvPr/>
+        </p:nvSpPr>
+        <p:spPr>
+          <a:xfrm>
+            <a:off x="3404280" y="4947254"/>
+            <a:ext cx="464588" cy="465380"/>
+          </a:xfrm>
+          <a:prstGeom prst="roundRect">
+            <a:avLst/>
+          </a:prstGeom>
+        </p:spPr>
+        <p:style>
+          <a:lnRef idx="2">
+            <a:schemeClr val="accent6"/>
+          </a:lnRef>
+          <a:fillRef idx="1">
+            <a:schemeClr val="lt1"/>
+          </a:fillRef>
+          <a:effectRef idx="0">
+            <a:schemeClr val="accent6"/>
+          </a:effectRef>
+          <a:fontRef idx="minor">
+            <a:schemeClr val="dk1"/>
+          </a:fontRef>
+        </p:style>
+        <p:txBody>
+          <a:bodyPr wrap="none" rtlCol="0" anchor="ctr"/>
+          <a:lstStyle/>
+          <a:p>
+            <a:pPr algn="ctr"/>
+            <a:endParaRPr kumimoji="1" lang="ja-JP" altLang="en-US" sz="1400" dirty="0"/>
+          </a:p>
+        </p:txBody>
+      </p:sp>
+      <p:sp>
+        <p:nvSpPr>
+          <p:cNvPr id="54" name="角丸四角形 53"/>
+          <p:cNvSpPr/>
+          <p:nvPr/>
+        </p:nvSpPr>
+        <p:spPr>
+          <a:xfrm>
+            <a:off x="3940861" y="4947254"/>
+            <a:ext cx="464588" cy="465380"/>
+          </a:xfrm>
+          <a:prstGeom prst="roundRect">
+            <a:avLst/>
+          </a:prstGeom>
+        </p:spPr>
+        <p:style>
+          <a:lnRef idx="2">
+            <a:schemeClr val="accent6"/>
+          </a:lnRef>
+          <a:fillRef idx="1">
+            <a:schemeClr val="lt1"/>
+          </a:fillRef>
+          <a:effectRef idx="0">
+            <a:schemeClr val="accent6"/>
+          </a:effectRef>
+          <a:fontRef idx="minor">
+            <a:schemeClr val="dk1"/>
+          </a:fontRef>
+        </p:style>
+        <p:txBody>
+          <a:bodyPr wrap="none" rtlCol="0" anchor="ctr"/>
+          <a:lstStyle/>
+          <a:p>
+            <a:pPr algn="ctr"/>
+            <a:endParaRPr kumimoji="1" lang="ja-JP" altLang="en-US" sz="1400" dirty="0"/>
+          </a:p>
+        </p:txBody>
+      </p:sp>
+      <p:sp>
+        <p:nvSpPr>
+          <p:cNvPr id="55" name="角丸四角形 54"/>
+          <p:cNvSpPr/>
+          <p:nvPr/>
+        </p:nvSpPr>
+        <p:spPr>
+          <a:xfrm>
+            <a:off x="4477442" y="4947254"/>
+            <a:ext cx="464588" cy="465380"/>
+          </a:xfrm>
+          <a:prstGeom prst="roundRect">
+            <a:avLst/>
+          </a:prstGeom>
+        </p:spPr>
+        <p:style>
+          <a:lnRef idx="2">
+            <a:schemeClr val="accent6"/>
+          </a:lnRef>
+          <a:fillRef idx="1">
+            <a:schemeClr val="lt1"/>
+          </a:fillRef>
+          <a:effectRef idx="0">
+            <a:schemeClr val="accent6"/>
+          </a:effectRef>
+          <a:fontRef idx="minor">
+            <a:schemeClr val="dk1"/>
+          </a:fontRef>
+        </p:style>
+        <p:txBody>
+          <a:bodyPr wrap="none" rtlCol="0" anchor="ctr"/>
+          <a:lstStyle/>
+          <a:p>
+            <a:pPr algn="ctr"/>
+            <a:endParaRPr kumimoji="1" lang="ja-JP" altLang="en-US" sz="1400" dirty="0"/>
+          </a:p>
+        </p:txBody>
+      </p:sp>
+      <p:sp>
+        <p:nvSpPr>
+          <p:cNvPr id="56" name="角丸四角形 55"/>
+          <p:cNvSpPr/>
+          <p:nvPr/>
+        </p:nvSpPr>
+        <p:spPr>
+          <a:xfrm>
+            <a:off x="5014023" y="4947254"/>
+            <a:ext cx="464588" cy="465380"/>
+          </a:xfrm>
+          <a:prstGeom prst="roundRect">
+            <a:avLst/>
+          </a:prstGeom>
+        </p:spPr>
+        <p:style>
+          <a:lnRef idx="2">
+            <a:schemeClr val="accent6"/>
+          </a:lnRef>
+          <a:fillRef idx="1">
+            <a:schemeClr val="lt1"/>
+          </a:fillRef>
+          <a:effectRef idx="0">
+            <a:schemeClr val="accent6"/>
+          </a:effectRef>
+          <a:fontRef idx="minor">
+            <a:schemeClr val="dk1"/>
+          </a:fontRef>
+        </p:style>
+        <p:txBody>
+          <a:bodyPr wrap="none" rtlCol="0" anchor="ctr"/>
+          <a:lstStyle/>
+          <a:p>
+            <a:pPr algn="ctr"/>
+            <a:endParaRPr kumimoji="1" lang="ja-JP" altLang="en-US" sz="1400" dirty="0"/>
+          </a:p>
+        </p:txBody>
+      </p:sp>
+      <p:sp>
+        <p:nvSpPr>
+          <p:cNvPr id="57" name="角丸四角形 56"/>
+          <p:cNvSpPr/>
+          <p:nvPr/>
+        </p:nvSpPr>
+        <p:spPr>
+          <a:xfrm>
+            <a:off x="5550604" y="4947254"/>
+            <a:ext cx="464588" cy="465380"/>
+          </a:xfrm>
+          <a:prstGeom prst="roundRect">
+            <a:avLst/>
+          </a:prstGeom>
+        </p:spPr>
+        <p:style>
+          <a:lnRef idx="2">
+            <a:schemeClr val="accent6"/>
+          </a:lnRef>
+          <a:fillRef idx="1">
+            <a:schemeClr val="lt1"/>
+          </a:fillRef>
+          <a:effectRef idx="0">
+            <a:schemeClr val="accent6"/>
+          </a:effectRef>
+          <a:fontRef idx="minor">
+            <a:schemeClr val="dk1"/>
+          </a:fontRef>
+        </p:style>
+        <p:txBody>
+          <a:bodyPr wrap="none" rtlCol="0" anchor="ctr"/>
+          <a:lstStyle/>
+          <a:p>
+            <a:pPr algn="ctr"/>
+            <a:endParaRPr kumimoji="1" lang="ja-JP" altLang="en-US" sz="1400" dirty="0"/>
+          </a:p>
+        </p:txBody>
+      </p:sp>
+      <p:sp>
+        <p:nvSpPr>
+          <p:cNvPr id="58" name="角丸四角形 57"/>
+          <p:cNvSpPr/>
+          <p:nvPr/>
+        </p:nvSpPr>
+        <p:spPr>
+          <a:xfrm>
+            <a:off x="6087185" y="4947254"/>
+            <a:ext cx="464588" cy="465380"/>
+          </a:xfrm>
+          <a:prstGeom prst="roundRect">
+            <a:avLst/>
+          </a:prstGeom>
+        </p:spPr>
+        <p:style>
+          <a:lnRef idx="2">
+            <a:schemeClr val="accent6"/>
+          </a:lnRef>
+          <a:fillRef idx="1">
+            <a:schemeClr val="lt1"/>
+          </a:fillRef>
+          <a:effectRef idx="0">
+            <a:schemeClr val="accent6"/>
+          </a:effectRef>
+          <a:fontRef idx="minor">
+            <a:schemeClr val="dk1"/>
+          </a:fontRef>
+        </p:style>
+        <p:txBody>
+          <a:bodyPr wrap="none" rtlCol="0" anchor="ctr"/>
+          <a:lstStyle/>
+          <a:p>
+            <a:pPr algn="ctr"/>
+            <a:endParaRPr kumimoji="1" lang="ja-JP" altLang="en-US" sz="1400" dirty="0"/>
+          </a:p>
+        </p:txBody>
+      </p:sp>
+      <p:sp>
+        <p:nvSpPr>
+          <p:cNvPr id="59" name="角丸四角形 58"/>
+          <p:cNvSpPr/>
+          <p:nvPr/>
+        </p:nvSpPr>
+        <p:spPr>
+          <a:xfrm>
+            <a:off x="6623766" y="4947254"/>
+            <a:ext cx="464588" cy="465380"/>
+          </a:xfrm>
+          <a:prstGeom prst="roundRect">
+            <a:avLst/>
+          </a:prstGeom>
+        </p:spPr>
+        <p:style>
+          <a:lnRef idx="2">
+            <a:schemeClr val="accent6"/>
+          </a:lnRef>
+          <a:fillRef idx="1">
+            <a:schemeClr val="lt1"/>
+          </a:fillRef>
+          <a:effectRef idx="0">
+            <a:schemeClr val="accent6"/>
+          </a:effectRef>
+          <a:fontRef idx="minor">
+            <a:schemeClr val="dk1"/>
+          </a:fontRef>
+        </p:style>
+        <p:txBody>
+          <a:bodyPr wrap="none" rtlCol="0" anchor="ctr"/>
+          <a:lstStyle/>
+          <a:p>
+            <a:pPr algn="ctr"/>
+            <a:endParaRPr kumimoji="1" lang="ja-JP" altLang="en-US" sz="1400" dirty="0"/>
+          </a:p>
+        </p:txBody>
+      </p:sp>
+      <p:sp>
+        <p:nvSpPr>
+          <p:cNvPr id="70" name="角丸四角形 69"/>
+          <p:cNvSpPr/>
+          <p:nvPr/>
+        </p:nvSpPr>
+        <p:spPr>
+          <a:xfrm>
+            <a:off x="5941352" y="5473034"/>
+            <a:ext cx="710750" cy="465380"/>
+          </a:xfrm>
+          <a:prstGeom prst="roundRect">
+            <a:avLst/>
+          </a:prstGeom>
+          <a:solidFill>
+            <a:schemeClr val="accent2"/>
+          </a:solidFill>
           <a:ln>
             <a:solidFill>
-              <a:schemeClr val="accent2">
-                <a:lumMod val="75000"/>
-              </a:schemeClr>
+              <a:schemeClr val="accent2"/>
             </a:solidFill>
           </a:ln>
         </p:spPr>
         <p:style>
           <a:lnRef idx="2">
-            <a:schemeClr val="accent1">
-              <a:shade val="50000"/>
-            </a:schemeClr>
-          </a:lnRef>
-          <a:fillRef idx="1">
-            <a:schemeClr val="accent1"/>
-          </a:fillRef>
-          <a:effectRef idx="0">
-            <a:schemeClr val="accent1"/>
-          </a:effectRef>
-          <a:fontRef idx="minor">
-            <a:schemeClr val="lt1"/>
-          </a:fontRef>
-        </p:style>
-        <p:txBody>
-          <a:bodyPr rtlCol="0" anchor="ctr"/>
-          <a:lstStyle/>
-          <a:p>
-            <a:pPr algn="ctr"/>
-            <a:endParaRPr kumimoji="1" lang="ja-JP" altLang="en-US"/>
-          </a:p>
-        </p:txBody>
-      </p:sp>
-      <p:cxnSp>
-        <p:nvCxnSpPr>
-          <p:cNvPr id="61" name="直線矢印コネクタ 60"/>
-          <p:cNvCxnSpPr>
-            <a:stCxn id="62" idx="1"/>
-            <a:endCxn id="60" idx="0"/>
-          </p:cNvCxnSpPr>
-          <p:nvPr/>
-        </p:nvCxnSpPr>
-        <p:spPr>
-          <a:xfrm flipH="1">
-            <a:off x="3763479" y="2797323"/>
-            <a:ext cx="835728" cy="549812"/>
-          </a:xfrm>
-          <a:prstGeom prst="straightConnector1">
-            <a:avLst/>
-          </a:prstGeom>
-          <a:ln>
-            <a:solidFill>
-              <a:schemeClr val="accent2">
-                <a:lumMod val="75000"/>
-              </a:schemeClr>
-            </a:solidFill>
-            <a:tailEnd type="triangle"/>
-          </a:ln>
-        </p:spPr>
-        <p:style>
-          <a:lnRef idx="1">
-            <a:schemeClr val="accent1"/>
-          </a:lnRef>
-          <a:fillRef idx="0">
-            <a:schemeClr val="accent1"/>
-          </a:fillRef>
-          <a:effectRef idx="0">
-            <a:schemeClr val="accent1"/>
-          </a:effectRef>
-          <a:fontRef idx="minor">
-            <a:schemeClr val="tx1"/>
-          </a:fontRef>
-        </p:style>
-      </p:cxnSp>
-      <p:sp>
-        <p:nvSpPr>
-          <p:cNvPr id="62" name="テキスト ボックス 61"/>
-          <p:cNvSpPr txBox="1"/>
-          <p:nvPr/>
-        </p:nvSpPr>
-        <p:spPr>
-          <a:xfrm>
-            <a:off x="4599207" y="2612657"/>
-            <a:ext cx="3479735" cy="369332"/>
-          </a:xfrm>
-          <a:prstGeom prst="rect">
-            <a:avLst/>
-          </a:prstGeom>
-          <a:noFill/>
-        </p:spPr>
-        <p:txBody>
-          <a:bodyPr wrap="none" rtlCol="0">
-            <a:spAutoFit/>
-          </a:bodyPr>
-          <a:lstStyle/>
-          <a:p>
-            <a:r>
-              <a:rPr kumimoji="1" lang="en-US" altLang="ja-JP" dirty="0" smtClean="0">
-                <a:solidFill>
-                  <a:schemeClr val="accent2">
-                    <a:lumMod val="75000"/>
-                  </a:schemeClr>
-                </a:solidFill>
-              </a:rPr>
-              <a:t>+Shift</a:t>
-            </a:r>
-            <a:r>
-              <a:rPr kumimoji="1" lang="ja-JP" altLang="en-US" dirty="0" smtClean="0">
-                <a:solidFill>
-                  <a:schemeClr val="accent2">
-                    <a:lumMod val="75000"/>
-                  </a:schemeClr>
-                </a:solidFill>
-              </a:rPr>
-              <a:t>で</a:t>
-            </a:r>
-            <a:r>
-              <a:rPr lang="ja-JP" altLang="en-US" dirty="0" smtClean="0">
-                <a:solidFill>
-                  <a:schemeClr val="accent2">
-                    <a:lumMod val="75000"/>
-                  </a:schemeClr>
-                </a:solidFill>
-              </a:rPr>
-              <a:t>登録</a:t>
-            </a:r>
-            <a:r>
-              <a:rPr lang="en-US" altLang="ja-JP" dirty="0" smtClean="0">
-                <a:solidFill>
-                  <a:schemeClr val="accent2">
-                    <a:lumMod val="75000"/>
-                  </a:schemeClr>
-                </a:solidFill>
-              </a:rPr>
-              <a:t>(on Explorer Window)</a:t>
-            </a:r>
-            <a:endParaRPr kumimoji="1" lang="ja-JP" altLang="en-US" dirty="0">
-              <a:solidFill>
-                <a:schemeClr val="accent2">
-                  <a:lumMod val="75000"/>
-                </a:schemeClr>
-              </a:solidFill>
-            </a:endParaRPr>
+            <a:schemeClr val="accent6"/>
+          </a:lnRef>
+          <a:fillRef idx="1">
+            <a:schemeClr val="lt1"/>
+          </a:fillRef>
+          <a:effectRef idx="0">
+            <a:schemeClr val="accent6"/>
+          </a:effectRef>
+          <a:fontRef idx="minor">
+            <a:schemeClr val="dk1"/>
+          </a:fontRef>
+        </p:style>
+        <p:txBody>
+          <a:bodyPr wrap="none" rtlCol="0" anchor="ctr"/>
+          <a:lstStyle/>
+          <a:p>
+            <a:pPr algn="ctr"/>
+            <a:endParaRPr kumimoji="1" lang="ja-JP" altLang="en-US" sz="1400" dirty="0"/>
           </a:p>
         </p:txBody>
       </p:sp>
     </p:spTree>
     <p:extLst>
       <p:ext uri="{BB962C8B-B14F-4D97-AF65-F5344CB8AC3E}">
-        <p14:creationId xmlns:p14="http://schemas.microsoft.com/office/powerpoint/2010/main" val="2676337646"/>
+        <p14:creationId xmlns:p14="http://schemas.microsoft.com/office/powerpoint/2010/main" val="2173051432"/>
       </p:ext>
     </p:extLst>
   </p:cSld>
   <p:clrMapOvr>
     <a:masterClrMapping/>
   </p:clrMapOvr>
+  <mc:AlternateContent xmlns:mc="http://schemas.openxmlformats.org/markup-compatibility/2006" xmlns:p14="http://schemas.microsoft.com/office/powerpoint/2010/main">
+    <mc:Choice Requires="p14">
+      <p:transition spd="slow" p14:dur="2000"/>
+    </mc:Choice>
+    <mc:Fallback xmlns="">
+      <p:transition spd="slow"/>
+    </mc:Fallback>
+  </mc:AlternateContent>
   <p:timing>
     <p:tnLst>
       <p:par>
@@ -31554,30 +31017,10 @@
         <p:spPr/>
         <p:txBody>
           <a:bodyPr>
-            <a:noAutofit/>
+            <a:normAutofit/>
           </a:bodyPr>
           <a:lstStyle/>
           <a:p>
-            <a:r>
-              <a:rPr lang="en-US" altLang="ja-JP" sz="4000">
-                <a:solidFill>
-                  <a:schemeClr val="accent2">
-                    <a:lumMod val="75000"/>
-                  </a:schemeClr>
-                </a:solidFill>
-              </a:rPr>
-              <a:t>CAPS</a:t>
-            </a:r>
-            <a:r>
-              <a:rPr lang="ja-JP" altLang="en-US" sz="4000">
-                <a:solidFill>
-                  <a:schemeClr val="accent2">
-                    <a:lumMod val="75000"/>
-                  </a:schemeClr>
-                </a:solidFill>
-              </a:rPr>
-              <a:t> </a:t>
-            </a:r>
             <a:r>
               <a:rPr lang="en-US" altLang="ja-JP" sz="4000" smtClean="0">
                 <a:solidFill>
@@ -31586,7 +31029,7 @@
                   </a:schemeClr>
                 </a:solidFill>
               </a:rPr>
-              <a:t>&amp;&amp; </a:t>
+              <a:t>LCMD AND </a:t>
             </a:r>
             <a:r>
               <a:rPr lang="en-US" altLang="ja-JP" sz="4000" smtClean="0">
@@ -31599,7 +31042,7 @@
               <a:t>RCMD</a:t>
             </a:r>
             <a:r>
-              <a:rPr lang="ja-JP" altLang="en-US" sz="4000">
+              <a:rPr lang="en-US" altLang="ja-JP" sz="4000">
                 <a:solidFill>
                   <a:schemeClr val="accent6">
                     <a:lumMod val="75000"/>
@@ -31616,19 +31059,918 @@
                   </a:schemeClr>
                 </a:solidFill>
               </a:rPr>
-              <a:t>= </a:t>
-            </a:r>
-            <a:r>
-              <a:rPr lang="en-US" altLang="ja-JP" sz="4000">
+              <a:t>= Launcher</a:t>
+            </a:r>
+            <a:endParaRPr lang="en-US" altLang="ja-JP" sz="4000" dirty="0">
+              <a:solidFill>
+                <a:schemeClr val="accent6">
+                  <a:lumMod val="75000"/>
+                </a:schemeClr>
+              </a:solidFill>
+            </a:endParaRPr>
+          </a:p>
+        </p:txBody>
+      </p:sp>
+      <p:sp>
+        <p:nvSpPr>
+          <p:cNvPr id="6" name="角丸四角形 5"/>
+          <p:cNvSpPr/>
+          <p:nvPr/>
+        </p:nvSpPr>
+        <p:spPr>
+          <a:xfrm>
+            <a:off x="575542" y="3369914"/>
+            <a:ext cx="464588" cy="465380"/>
+          </a:xfrm>
+          <a:prstGeom prst="roundRect">
+            <a:avLst/>
+          </a:prstGeom>
+          <a:ln>
+            <a:solidFill>
+              <a:schemeClr val="accent5">
+                <a:lumMod val="75000"/>
+              </a:schemeClr>
+            </a:solidFill>
+          </a:ln>
+        </p:spPr>
+        <p:style>
+          <a:lnRef idx="2">
+            <a:schemeClr val="accent6"/>
+          </a:lnRef>
+          <a:fillRef idx="1">
+            <a:schemeClr val="lt1"/>
+          </a:fillRef>
+          <a:effectRef idx="0">
+            <a:schemeClr val="accent6"/>
+          </a:effectRef>
+          <a:fontRef idx="minor">
+            <a:schemeClr val="dk1"/>
+          </a:fontRef>
+        </p:style>
+        <p:txBody>
+          <a:bodyPr wrap="none" rtlCol="0" anchor="ctr"/>
+          <a:lstStyle/>
+          <a:p>
+            <a:pPr algn="ctr"/>
+            <a:endParaRPr kumimoji="1" lang="ja-JP" altLang="en-US" sz="1000" dirty="0">
+              <a:solidFill>
+                <a:schemeClr val="accent5">
+                  <a:lumMod val="75000"/>
+                </a:schemeClr>
+              </a:solidFill>
+            </a:endParaRPr>
+          </a:p>
+        </p:txBody>
+      </p:sp>
+      <p:sp>
+        <p:nvSpPr>
+          <p:cNvPr id="7" name="角丸四角形 6"/>
+          <p:cNvSpPr/>
+          <p:nvPr/>
+        </p:nvSpPr>
+        <p:spPr>
+          <a:xfrm>
+            <a:off x="1112123" y="3369914"/>
+            <a:ext cx="464588" cy="465380"/>
+          </a:xfrm>
+          <a:prstGeom prst="roundRect">
+            <a:avLst/>
+          </a:prstGeom>
+        </p:spPr>
+        <p:style>
+          <a:lnRef idx="2">
+            <a:schemeClr val="accent6"/>
+          </a:lnRef>
+          <a:fillRef idx="1">
+            <a:schemeClr val="lt1"/>
+          </a:fillRef>
+          <a:effectRef idx="0">
+            <a:schemeClr val="accent6"/>
+          </a:effectRef>
+          <a:fontRef idx="minor">
+            <a:schemeClr val="dk1"/>
+          </a:fontRef>
+        </p:style>
+        <p:txBody>
+          <a:bodyPr wrap="none" rtlCol="0" anchor="ctr"/>
+          <a:lstStyle/>
+          <a:p>
+            <a:pPr algn="ctr"/>
+            <a:r>
+              <a:rPr kumimoji="1" lang="en-US" altLang="ja-JP" sz="900" smtClean="0"/>
+              <a:t>File Alias</a:t>
+            </a:r>
+          </a:p>
+          <a:p>
+            <a:pPr algn="ctr"/>
+            <a:r>
+              <a:rPr kumimoji="1" lang="en-US" altLang="ja-JP" sz="900" smtClean="0"/>
+              <a:t>1</a:t>
+            </a:r>
+            <a:endParaRPr kumimoji="1" lang="ja-JP" altLang="en-US" sz="900" dirty="0"/>
+          </a:p>
+        </p:txBody>
+      </p:sp>
+      <p:sp>
+        <p:nvSpPr>
+          <p:cNvPr id="8" name="角丸四角形 7"/>
+          <p:cNvSpPr/>
+          <p:nvPr/>
+        </p:nvSpPr>
+        <p:spPr>
+          <a:xfrm>
+            <a:off x="1648704" y="3369914"/>
+            <a:ext cx="464588" cy="465380"/>
+          </a:xfrm>
+          <a:prstGeom prst="roundRect">
+            <a:avLst/>
+          </a:prstGeom>
+        </p:spPr>
+        <p:style>
+          <a:lnRef idx="2">
+            <a:schemeClr val="accent6"/>
+          </a:lnRef>
+          <a:fillRef idx="1">
+            <a:schemeClr val="lt1"/>
+          </a:fillRef>
+          <a:effectRef idx="0">
+            <a:schemeClr val="accent6"/>
+          </a:effectRef>
+          <a:fontRef idx="minor">
+            <a:schemeClr val="dk1"/>
+          </a:fontRef>
+        </p:style>
+        <p:txBody>
+          <a:bodyPr wrap="none" rtlCol="0" anchor="ctr"/>
+          <a:lstStyle/>
+          <a:p>
+            <a:pPr algn="ctr"/>
+            <a:r>
+              <a:rPr lang="en-US" altLang="ja-JP" sz="900"/>
+              <a:t>File </a:t>
+            </a:r>
+            <a:r>
+              <a:rPr lang="en-US" altLang="ja-JP" sz="900" smtClean="0"/>
+              <a:t>Alias</a:t>
+            </a:r>
+          </a:p>
+          <a:p>
+            <a:pPr algn="ctr"/>
+            <a:r>
+              <a:rPr lang="en-US" altLang="ja-JP" sz="900" smtClean="0"/>
+              <a:t>2</a:t>
+            </a:r>
+            <a:endParaRPr lang="en-US" altLang="ja-JP" sz="900"/>
+          </a:p>
+        </p:txBody>
+      </p:sp>
+      <p:sp>
+        <p:nvSpPr>
+          <p:cNvPr id="9" name="角丸四角形 8"/>
+          <p:cNvSpPr/>
+          <p:nvPr/>
+        </p:nvSpPr>
+        <p:spPr>
+          <a:xfrm>
+            <a:off x="2185285" y="3369914"/>
+            <a:ext cx="464588" cy="465380"/>
+          </a:xfrm>
+          <a:prstGeom prst="roundRect">
+            <a:avLst/>
+          </a:prstGeom>
+        </p:spPr>
+        <p:style>
+          <a:lnRef idx="2">
+            <a:schemeClr val="accent6"/>
+          </a:lnRef>
+          <a:fillRef idx="1">
+            <a:schemeClr val="lt1"/>
+          </a:fillRef>
+          <a:effectRef idx="0">
+            <a:schemeClr val="accent6"/>
+          </a:effectRef>
+          <a:fontRef idx="minor">
+            <a:schemeClr val="dk1"/>
+          </a:fontRef>
+        </p:style>
+        <p:txBody>
+          <a:bodyPr wrap="none" rtlCol="0" anchor="ctr"/>
+          <a:lstStyle/>
+          <a:p>
+            <a:pPr algn="ctr"/>
+            <a:r>
+              <a:rPr lang="en-US" altLang="ja-JP" sz="900"/>
+              <a:t>File </a:t>
+            </a:r>
+            <a:r>
+              <a:rPr lang="en-US" altLang="ja-JP" sz="900" smtClean="0"/>
+              <a:t>Alias</a:t>
+            </a:r>
+          </a:p>
+          <a:p>
+            <a:pPr algn="ctr"/>
+            <a:r>
+              <a:rPr lang="en-US" altLang="ja-JP" sz="900" smtClean="0"/>
+              <a:t>3</a:t>
+            </a:r>
+            <a:endParaRPr lang="en-US" altLang="ja-JP" sz="900"/>
+          </a:p>
+        </p:txBody>
+      </p:sp>
+      <p:sp>
+        <p:nvSpPr>
+          <p:cNvPr id="10" name="角丸四角形 9"/>
+          <p:cNvSpPr/>
+          <p:nvPr/>
+        </p:nvSpPr>
+        <p:spPr>
+          <a:xfrm>
+            <a:off x="2721866" y="3369914"/>
+            <a:ext cx="464588" cy="465380"/>
+          </a:xfrm>
+          <a:prstGeom prst="roundRect">
+            <a:avLst/>
+          </a:prstGeom>
+        </p:spPr>
+        <p:style>
+          <a:lnRef idx="2">
+            <a:schemeClr val="accent6"/>
+          </a:lnRef>
+          <a:fillRef idx="1">
+            <a:schemeClr val="lt1"/>
+          </a:fillRef>
+          <a:effectRef idx="0">
+            <a:schemeClr val="accent6"/>
+          </a:effectRef>
+          <a:fontRef idx="minor">
+            <a:schemeClr val="dk1"/>
+          </a:fontRef>
+        </p:style>
+        <p:txBody>
+          <a:bodyPr wrap="none" rtlCol="0" anchor="ctr"/>
+          <a:lstStyle/>
+          <a:p>
+            <a:pPr algn="ctr"/>
+            <a:r>
+              <a:rPr lang="en-US" altLang="ja-JP" sz="900"/>
+              <a:t>File Alias</a:t>
+            </a:r>
+          </a:p>
+          <a:p>
+            <a:pPr algn="ctr"/>
+            <a:r>
+              <a:rPr lang="en-US" altLang="ja-JP" sz="900" smtClean="0"/>
+              <a:t>4</a:t>
+            </a:r>
+          </a:p>
+        </p:txBody>
+      </p:sp>
+      <p:sp>
+        <p:nvSpPr>
+          <p:cNvPr id="11" name="角丸四角形 10"/>
+          <p:cNvSpPr/>
+          <p:nvPr/>
+        </p:nvSpPr>
+        <p:spPr>
+          <a:xfrm>
+            <a:off x="3258447" y="3369914"/>
+            <a:ext cx="464588" cy="465380"/>
+          </a:xfrm>
+          <a:prstGeom prst="roundRect">
+            <a:avLst/>
+          </a:prstGeom>
+        </p:spPr>
+        <p:style>
+          <a:lnRef idx="2">
+            <a:schemeClr val="accent6"/>
+          </a:lnRef>
+          <a:fillRef idx="1">
+            <a:schemeClr val="lt1"/>
+          </a:fillRef>
+          <a:effectRef idx="0">
+            <a:schemeClr val="accent6"/>
+          </a:effectRef>
+          <a:fontRef idx="minor">
+            <a:schemeClr val="dk1"/>
+          </a:fontRef>
+        </p:style>
+        <p:txBody>
+          <a:bodyPr wrap="none" rtlCol="0" anchor="ctr"/>
+          <a:lstStyle/>
+          <a:p>
+            <a:pPr algn="ctr"/>
+            <a:r>
+              <a:rPr lang="en-US" altLang="ja-JP" sz="900"/>
+              <a:t>File </a:t>
+            </a:r>
+            <a:r>
+              <a:rPr lang="en-US" altLang="ja-JP" sz="900" smtClean="0"/>
+              <a:t>Alias</a:t>
+            </a:r>
+          </a:p>
+          <a:p>
+            <a:pPr algn="ctr"/>
+            <a:r>
+              <a:rPr lang="en-US" altLang="ja-JP" sz="900"/>
+              <a:t>5</a:t>
+            </a:r>
+          </a:p>
+        </p:txBody>
+      </p:sp>
+      <p:sp>
+        <p:nvSpPr>
+          <p:cNvPr id="12" name="角丸四角形 11"/>
+          <p:cNvSpPr/>
+          <p:nvPr/>
+        </p:nvSpPr>
+        <p:spPr>
+          <a:xfrm>
+            <a:off x="3795028" y="3369914"/>
+            <a:ext cx="464588" cy="465380"/>
+          </a:xfrm>
+          <a:prstGeom prst="roundRect">
+            <a:avLst/>
+          </a:prstGeom>
+        </p:spPr>
+        <p:style>
+          <a:lnRef idx="2">
+            <a:schemeClr val="accent6"/>
+          </a:lnRef>
+          <a:fillRef idx="1">
+            <a:schemeClr val="lt1"/>
+          </a:fillRef>
+          <a:effectRef idx="0">
+            <a:schemeClr val="accent6"/>
+          </a:effectRef>
+          <a:fontRef idx="minor">
+            <a:schemeClr val="dk1"/>
+          </a:fontRef>
+        </p:style>
+        <p:txBody>
+          <a:bodyPr wrap="none" rtlCol="0" anchor="ctr"/>
+          <a:lstStyle/>
+          <a:p>
+            <a:pPr algn="ctr"/>
+            <a:r>
+              <a:rPr lang="en-US" altLang="ja-JP" sz="900"/>
+              <a:t>File </a:t>
+            </a:r>
+            <a:r>
+              <a:rPr lang="en-US" altLang="ja-JP" sz="900" smtClean="0"/>
+              <a:t>Alias</a:t>
+            </a:r>
+          </a:p>
+          <a:p>
+            <a:pPr algn="ctr"/>
+            <a:r>
+              <a:rPr lang="en-US" altLang="ja-JP" sz="900" smtClean="0"/>
+              <a:t>6</a:t>
+            </a:r>
+            <a:endParaRPr lang="en-US" altLang="ja-JP" sz="900"/>
+          </a:p>
+        </p:txBody>
+      </p:sp>
+      <p:sp>
+        <p:nvSpPr>
+          <p:cNvPr id="13" name="角丸四角形 12"/>
+          <p:cNvSpPr/>
+          <p:nvPr/>
+        </p:nvSpPr>
+        <p:spPr>
+          <a:xfrm>
+            <a:off x="4331609" y="3369914"/>
+            <a:ext cx="464588" cy="465380"/>
+          </a:xfrm>
+          <a:prstGeom prst="roundRect">
+            <a:avLst/>
+          </a:prstGeom>
+        </p:spPr>
+        <p:style>
+          <a:lnRef idx="2">
+            <a:schemeClr val="accent6"/>
+          </a:lnRef>
+          <a:fillRef idx="1">
+            <a:schemeClr val="lt1"/>
+          </a:fillRef>
+          <a:effectRef idx="0">
+            <a:schemeClr val="accent6"/>
+          </a:effectRef>
+          <a:fontRef idx="minor">
+            <a:schemeClr val="dk1"/>
+          </a:fontRef>
+        </p:style>
+        <p:txBody>
+          <a:bodyPr wrap="none" rtlCol="0" anchor="ctr"/>
+          <a:lstStyle/>
+          <a:p>
+            <a:pPr algn="ctr"/>
+            <a:r>
+              <a:rPr lang="en-US" altLang="ja-JP" sz="900"/>
+              <a:t>File </a:t>
+            </a:r>
+            <a:r>
+              <a:rPr lang="en-US" altLang="ja-JP" sz="900" smtClean="0"/>
+              <a:t>Alias</a:t>
+            </a:r>
+          </a:p>
+          <a:p>
+            <a:pPr algn="ctr"/>
+            <a:r>
+              <a:rPr lang="en-US" altLang="ja-JP" sz="900" smtClean="0"/>
+              <a:t>7</a:t>
+            </a:r>
+            <a:endParaRPr lang="en-US" altLang="ja-JP" sz="900"/>
+          </a:p>
+        </p:txBody>
+      </p:sp>
+      <p:sp>
+        <p:nvSpPr>
+          <p:cNvPr id="14" name="角丸四角形 13"/>
+          <p:cNvSpPr/>
+          <p:nvPr/>
+        </p:nvSpPr>
+        <p:spPr>
+          <a:xfrm>
+            <a:off x="4868190" y="3369914"/>
+            <a:ext cx="464588" cy="465380"/>
+          </a:xfrm>
+          <a:prstGeom prst="roundRect">
+            <a:avLst/>
+          </a:prstGeom>
+        </p:spPr>
+        <p:style>
+          <a:lnRef idx="2">
+            <a:schemeClr val="accent6"/>
+          </a:lnRef>
+          <a:fillRef idx="1">
+            <a:schemeClr val="lt1"/>
+          </a:fillRef>
+          <a:effectRef idx="0">
+            <a:schemeClr val="accent6"/>
+          </a:effectRef>
+          <a:fontRef idx="minor">
+            <a:schemeClr val="dk1"/>
+          </a:fontRef>
+        </p:style>
+        <p:txBody>
+          <a:bodyPr wrap="none" rtlCol="0" anchor="ctr"/>
+          <a:lstStyle/>
+          <a:p>
+            <a:pPr algn="ctr"/>
+            <a:r>
+              <a:rPr lang="en-US" altLang="ja-JP" sz="900"/>
+              <a:t>File </a:t>
+            </a:r>
+            <a:r>
+              <a:rPr lang="en-US" altLang="ja-JP" sz="900" smtClean="0"/>
+              <a:t>Alias</a:t>
+            </a:r>
+          </a:p>
+          <a:p>
+            <a:pPr algn="ctr"/>
+            <a:r>
+              <a:rPr lang="en-US" altLang="ja-JP" sz="900"/>
+              <a:t>8</a:t>
+            </a:r>
+          </a:p>
+        </p:txBody>
+      </p:sp>
+      <p:sp>
+        <p:nvSpPr>
+          <p:cNvPr id="15" name="角丸四角形 14"/>
+          <p:cNvSpPr/>
+          <p:nvPr/>
+        </p:nvSpPr>
+        <p:spPr>
+          <a:xfrm>
+            <a:off x="5404771" y="3369914"/>
+            <a:ext cx="464588" cy="465380"/>
+          </a:xfrm>
+          <a:prstGeom prst="roundRect">
+            <a:avLst/>
+          </a:prstGeom>
+        </p:spPr>
+        <p:style>
+          <a:lnRef idx="2">
+            <a:schemeClr val="accent6"/>
+          </a:lnRef>
+          <a:fillRef idx="1">
+            <a:schemeClr val="lt1"/>
+          </a:fillRef>
+          <a:effectRef idx="0">
+            <a:schemeClr val="accent6"/>
+          </a:effectRef>
+          <a:fontRef idx="minor">
+            <a:schemeClr val="dk1"/>
+          </a:fontRef>
+        </p:style>
+        <p:txBody>
+          <a:bodyPr wrap="none" rtlCol="0" anchor="ctr"/>
+          <a:lstStyle/>
+          <a:p>
+            <a:pPr algn="ctr"/>
+            <a:r>
+              <a:rPr lang="en-US" altLang="ja-JP" sz="900"/>
+              <a:t>File </a:t>
+            </a:r>
+            <a:r>
+              <a:rPr lang="en-US" altLang="ja-JP" sz="900" smtClean="0"/>
+              <a:t>Alias</a:t>
+            </a:r>
+          </a:p>
+          <a:p>
+            <a:pPr algn="ctr"/>
+            <a:r>
+              <a:rPr lang="en-US" altLang="ja-JP" sz="900"/>
+              <a:t>9</a:t>
+            </a:r>
+          </a:p>
+        </p:txBody>
+      </p:sp>
+      <p:sp>
+        <p:nvSpPr>
+          <p:cNvPr id="16" name="角丸四角形 15"/>
+          <p:cNvSpPr/>
+          <p:nvPr/>
+        </p:nvSpPr>
+        <p:spPr>
+          <a:xfrm>
+            <a:off x="5941352" y="3369914"/>
+            <a:ext cx="464588" cy="465380"/>
+          </a:xfrm>
+          <a:prstGeom prst="roundRect">
+            <a:avLst/>
+          </a:prstGeom>
+        </p:spPr>
+        <p:style>
+          <a:lnRef idx="2">
+            <a:schemeClr val="accent6"/>
+          </a:lnRef>
+          <a:fillRef idx="1">
+            <a:schemeClr val="lt1"/>
+          </a:fillRef>
+          <a:effectRef idx="0">
+            <a:schemeClr val="accent6"/>
+          </a:effectRef>
+          <a:fontRef idx="minor">
+            <a:schemeClr val="dk1"/>
+          </a:fontRef>
+        </p:style>
+        <p:txBody>
+          <a:bodyPr wrap="none" rtlCol="0" anchor="ctr"/>
+          <a:lstStyle/>
+          <a:p>
+            <a:pPr algn="ctr"/>
+            <a:r>
+              <a:rPr lang="en-US" altLang="ja-JP" sz="900"/>
+              <a:t>File </a:t>
+            </a:r>
+            <a:r>
+              <a:rPr lang="en-US" altLang="ja-JP" sz="900" smtClean="0"/>
+              <a:t>Alias</a:t>
+            </a:r>
+          </a:p>
+          <a:p>
+            <a:pPr algn="ctr"/>
+            <a:r>
+              <a:rPr lang="en-US" altLang="ja-JP" sz="900" smtClean="0"/>
+              <a:t>0</a:t>
+            </a:r>
+          </a:p>
+        </p:txBody>
+      </p:sp>
+      <p:sp>
+        <p:nvSpPr>
+          <p:cNvPr id="17" name="角丸四角形 16"/>
+          <p:cNvSpPr/>
+          <p:nvPr/>
+        </p:nvSpPr>
+        <p:spPr>
+          <a:xfrm>
+            <a:off x="6477933" y="3369914"/>
+            <a:ext cx="464588" cy="465380"/>
+          </a:xfrm>
+          <a:prstGeom prst="roundRect">
+            <a:avLst/>
+          </a:prstGeom>
+          <a:ln>
+            <a:solidFill>
+              <a:schemeClr val="accent5">
+                <a:lumMod val="75000"/>
+              </a:schemeClr>
+            </a:solidFill>
+          </a:ln>
+        </p:spPr>
+        <p:style>
+          <a:lnRef idx="2">
+            <a:schemeClr val="accent6"/>
+          </a:lnRef>
+          <a:fillRef idx="1">
+            <a:schemeClr val="lt1"/>
+          </a:fillRef>
+          <a:effectRef idx="0">
+            <a:schemeClr val="accent6"/>
+          </a:effectRef>
+          <a:fontRef idx="minor">
+            <a:schemeClr val="dk1"/>
+          </a:fontRef>
+        </p:style>
+        <p:txBody>
+          <a:bodyPr wrap="none" rtlCol="0" anchor="ctr"/>
+          <a:lstStyle/>
+          <a:p>
+            <a:pPr algn="ctr"/>
+            <a:endParaRPr kumimoji="1" lang="ja-JP" altLang="en-US" sz="1000" dirty="0"/>
+          </a:p>
+        </p:txBody>
+      </p:sp>
+      <p:sp>
+        <p:nvSpPr>
+          <p:cNvPr id="18" name="角丸四角形 17"/>
+          <p:cNvSpPr/>
+          <p:nvPr/>
+        </p:nvSpPr>
+        <p:spPr>
+          <a:xfrm>
+            <a:off x="7014514" y="3369914"/>
+            <a:ext cx="464588" cy="465380"/>
+          </a:xfrm>
+          <a:prstGeom prst="roundRect">
+            <a:avLst/>
+          </a:prstGeom>
+          <a:ln>
+            <a:solidFill>
+              <a:schemeClr val="accent5">
+                <a:lumMod val="75000"/>
+              </a:schemeClr>
+            </a:solidFill>
+          </a:ln>
+        </p:spPr>
+        <p:style>
+          <a:lnRef idx="2">
+            <a:schemeClr val="accent6"/>
+          </a:lnRef>
+          <a:fillRef idx="1">
+            <a:schemeClr val="lt1"/>
+          </a:fillRef>
+          <a:effectRef idx="0">
+            <a:schemeClr val="accent6"/>
+          </a:effectRef>
+          <a:fontRef idx="minor">
+            <a:schemeClr val="dk1"/>
+          </a:fontRef>
+        </p:style>
+        <p:txBody>
+          <a:bodyPr wrap="none" rtlCol="0" anchor="ctr"/>
+          <a:lstStyle/>
+          <a:p>
+            <a:pPr algn="ctr"/>
+            <a:endParaRPr kumimoji="1" lang="ja-JP" altLang="en-US" sz="1000" dirty="0"/>
+          </a:p>
+        </p:txBody>
+      </p:sp>
+      <p:sp>
+        <p:nvSpPr>
+          <p:cNvPr id="19" name="角丸四角形 18"/>
+          <p:cNvSpPr/>
+          <p:nvPr/>
+        </p:nvSpPr>
+        <p:spPr>
+          <a:xfrm>
+            <a:off x="7551095" y="3369914"/>
+            <a:ext cx="464588" cy="465380"/>
+          </a:xfrm>
+          <a:prstGeom prst="roundRect">
+            <a:avLst/>
+          </a:prstGeom>
+          <a:ln>
+            <a:solidFill>
+              <a:schemeClr val="accent5">
+                <a:lumMod val="75000"/>
+              </a:schemeClr>
+            </a:solidFill>
+          </a:ln>
+        </p:spPr>
+        <p:style>
+          <a:lnRef idx="2">
+            <a:schemeClr val="accent6"/>
+          </a:lnRef>
+          <a:fillRef idx="1">
+            <a:schemeClr val="lt1"/>
+          </a:fillRef>
+          <a:effectRef idx="0">
+            <a:schemeClr val="accent6"/>
+          </a:effectRef>
+          <a:fontRef idx="minor">
+            <a:schemeClr val="dk1"/>
+          </a:fontRef>
+        </p:style>
+        <p:txBody>
+          <a:bodyPr wrap="none" rtlCol="0" anchor="ctr"/>
+          <a:lstStyle/>
+          <a:p>
+            <a:pPr algn="ctr"/>
+            <a:endParaRPr kumimoji="1" lang="ja-JP" altLang="en-US" sz="1000" dirty="0"/>
+          </a:p>
+        </p:txBody>
+      </p:sp>
+      <p:sp>
+        <p:nvSpPr>
+          <p:cNvPr id="20" name="角丸四角形 19"/>
+          <p:cNvSpPr/>
+          <p:nvPr/>
+        </p:nvSpPr>
+        <p:spPr>
+          <a:xfrm>
+            <a:off x="8087682" y="3369914"/>
+            <a:ext cx="464588" cy="465380"/>
+          </a:xfrm>
+          <a:prstGeom prst="roundRect">
+            <a:avLst/>
+          </a:prstGeom>
+          <a:ln>
+            <a:solidFill>
+              <a:schemeClr val="accent5">
+                <a:lumMod val="75000"/>
+              </a:schemeClr>
+            </a:solidFill>
+          </a:ln>
+        </p:spPr>
+        <p:style>
+          <a:lnRef idx="2">
+            <a:schemeClr val="accent6"/>
+          </a:lnRef>
+          <a:fillRef idx="1">
+            <a:schemeClr val="lt1"/>
+          </a:fillRef>
+          <a:effectRef idx="0">
+            <a:schemeClr val="accent6"/>
+          </a:effectRef>
+          <a:fontRef idx="minor">
+            <a:schemeClr val="dk1"/>
+          </a:fontRef>
+        </p:style>
+        <p:txBody>
+          <a:bodyPr wrap="none" rtlCol="0" anchor="ctr"/>
+          <a:lstStyle/>
+          <a:p>
+            <a:pPr algn="ctr"/>
+            <a:endParaRPr kumimoji="1" lang="ja-JP" altLang="en-US" sz="1000" dirty="0"/>
+          </a:p>
+        </p:txBody>
+      </p:sp>
+      <p:sp>
+        <p:nvSpPr>
+          <p:cNvPr id="22" name="角丸四角形 21"/>
+          <p:cNvSpPr/>
+          <p:nvPr/>
+        </p:nvSpPr>
+        <p:spPr>
+          <a:xfrm>
+            <a:off x="1364212" y="3895694"/>
+            <a:ext cx="464588" cy="465380"/>
+          </a:xfrm>
+          <a:prstGeom prst="roundRect">
+            <a:avLst/>
+          </a:prstGeom>
+        </p:spPr>
+        <p:style>
+          <a:lnRef idx="2">
+            <a:schemeClr val="accent6"/>
+          </a:lnRef>
+          <a:fillRef idx="1">
+            <a:schemeClr val="lt1"/>
+          </a:fillRef>
+          <a:effectRef idx="0">
+            <a:schemeClr val="accent6"/>
+          </a:effectRef>
+          <a:fontRef idx="minor">
+            <a:schemeClr val="dk1"/>
+          </a:fontRef>
+        </p:style>
+        <p:txBody>
+          <a:bodyPr wrap="none" rtlCol="0" anchor="ctr"/>
+          <a:lstStyle/>
+          <a:p>
+            <a:pPr algn="ctr"/>
+            <a:r>
+              <a:rPr kumimoji="1" lang="en-US" altLang="ja-JP" sz="900" smtClean="0"/>
+              <a:t>Task</a:t>
+            </a:r>
+          </a:p>
+          <a:p>
+            <a:pPr algn="ctr"/>
+            <a:r>
+              <a:rPr lang="en-US" altLang="ja-JP" sz="900" smtClean="0"/>
+              <a:t>Manager</a:t>
+            </a:r>
+            <a:endParaRPr kumimoji="1" lang="ja-JP" altLang="en-US" sz="900" dirty="0"/>
+          </a:p>
+        </p:txBody>
+      </p:sp>
+      <p:sp>
+        <p:nvSpPr>
+          <p:cNvPr id="23" name="角丸四角形 22"/>
+          <p:cNvSpPr/>
+          <p:nvPr/>
+        </p:nvSpPr>
+        <p:spPr>
+          <a:xfrm>
+            <a:off x="1900793" y="3895694"/>
+            <a:ext cx="464588" cy="465380"/>
+          </a:xfrm>
+          <a:prstGeom prst="roundRect">
+            <a:avLst/>
+          </a:prstGeom>
+          <a:ln>
+            <a:solidFill>
+              <a:schemeClr val="accent5">
+                <a:lumMod val="75000"/>
+              </a:schemeClr>
+            </a:solidFill>
+          </a:ln>
+        </p:spPr>
+        <p:style>
+          <a:lnRef idx="2">
+            <a:schemeClr val="accent6"/>
+          </a:lnRef>
+          <a:fillRef idx="1">
+            <a:schemeClr val="lt1"/>
+          </a:fillRef>
+          <a:effectRef idx="0">
+            <a:schemeClr val="accent6"/>
+          </a:effectRef>
+          <a:fontRef idx="minor">
+            <a:schemeClr val="dk1"/>
+          </a:fontRef>
+        </p:style>
+        <p:txBody>
+          <a:bodyPr wrap="none" rtlCol="0" anchor="ctr"/>
+          <a:lstStyle/>
+          <a:p>
+            <a:pPr algn="ctr"/>
+            <a:endParaRPr kumimoji="1" lang="ja-JP" altLang="en-US" sz="900" dirty="0"/>
+          </a:p>
+        </p:txBody>
+      </p:sp>
+      <p:sp>
+        <p:nvSpPr>
+          <p:cNvPr id="24" name="角丸四角形 23"/>
+          <p:cNvSpPr/>
+          <p:nvPr/>
+        </p:nvSpPr>
+        <p:spPr>
+          <a:xfrm>
+            <a:off x="2437374" y="3895694"/>
+            <a:ext cx="464588" cy="465380"/>
+          </a:xfrm>
+          <a:prstGeom prst="roundRect">
+            <a:avLst/>
+          </a:prstGeom>
+        </p:spPr>
+        <p:style>
+          <a:lnRef idx="2">
+            <a:schemeClr val="accent6"/>
+          </a:lnRef>
+          <a:fillRef idx="1">
+            <a:schemeClr val="lt1"/>
+          </a:fillRef>
+          <a:effectRef idx="0">
+            <a:schemeClr val="accent6"/>
+          </a:effectRef>
+          <a:fontRef idx="minor">
+            <a:schemeClr val="dk1"/>
+          </a:fontRef>
+        </p:style>
+        <p:txBody>
+          <a:bodyPr wrap="none" rtlCol="0" anchor="ctr"/>
+          <a:lstStyle/>
+          <a:p>
+            <a:pPr algn="ctr"/>
+            <a:r>
+              <a:rPr kumimoji="1" lang="en-US" altLang="ja-JP" sz="900" smtClean="0">
                 <a:solidFill>
                   <a:schemeClr val="accent6">
                     <a:lumMod val="75000"/>
                   </a:schemeClr>
                 </a:solidFill>
               </a:rPr>
-              <a:t>Window Control</a:t>
-            </a:r>
-            <a:endParaRPr lang="en-US" altLang="ja-JP" sz="4000" dirty="0">
+              <a:t>Text</a:t>
+            </a:r>
+          </a:p>
+          <a:p>
+            <a:pPr algn="ctr"/>
+            <a:r>
+              <a:rPr lang="en-US" altLang="ja-JP" sz="900" smtClean="0">
+                <a:solidFill>
+                  <a:schemeClr val="accent6">
+                    <a:lumMod val="75000"/>
+                  </a:schemeClr>
+                </a:solidFill>
+              </a:rPr>
+              <a:t>Editor</a:t>
+            </a:r>
+            <a:endParaRPr kumimoji="1" lang="ja-JP" altLang="en-US" sz="900" dirty="0">
               <a:solidFill>
                 <a:schemeClr val="accent6">
                   <a:lumMod val="75000"/>
@@ -31640,701 +31982,6 @@
       </p:sp>
       <p:sp>
         <p:nvSpPr>
-          <p:cNvPr id="6" name="角丸四角形 5"/>
-          <p:cNvSpPr/>
-          <p:nvPr/>
-        </p:nvSpPr>
-        <p:spPr>
-          <a:xfrm>
-            <a:off x="575542" y="3369914"/>
-            <a:ext cx="464588" cy="465380"/>
-          </a:xfrm>
-          <a:prstGeom prst="roundRect">
-            <a:avLst/>
-          </a:prstGeom>
-        </p:spPr>
-        <p:style>
-          <a:lnRef idx="2">
-            <a:schemeClr val="accent6"/>
-          </a:lnRef>
-          <a:fillRef idx="1">
-            <a:schemeClr val="lt1"/>
-          </a:fillRef>
-          <a:effectRef idx="0">
-            <a:schemeClr val="accent6"/>
-          </a:effectRef>
-          <a:fontRef idx="minor">
-            <a:schemeClr val="dk1"/>
-          </a:fontRef>
-        </p:style>
-        <p:txBody>
-          <a:bodyPr wrap="none" rtlCol="0" anchor="ctr"/>
-          <a:lstStyle/>
-          <a:p>
-            <a:pPr algn="ctr"/>
-            <a:endParaRPr kumimoji="1" lang="ja-JP" altLang="en-US" sz="1400" dirty="0"/>
-          </a:p>
-        </p:txBody>
-      </p:sp>
-      <p:sp>
-        <p:nvSpPr>
-          <p:cNvPr id="7" name="角丸四角形 6"/>
-          <p:cNvSpPr/>
-          <p:nvPr/>
-        </p:nvSpPr>
-        <p:spPr>
-          <a:xfrm>
-            <a:off x="1112123" y="3369914"/>
-            <a:ext cx="464588" cy="465380"/>
-          </a:xfrm>
-          <a:prstGeom prst="roundRect">
-            <a:avLst/>
-          </a:prstGeom>
-        </p:spPr>
-        <p:style>
-          <a:lnRef idx="2">
-            <a:schemeClr val="accent6"/>
-          </a:lnRef>
-          <a:fillRef idx="1">
-            <a:schemeClr val="lt1"/>
-          </a:fillRef>
-          <a:effectRef idx="0">
-            <a:schemeClr val="accent6"/>
-          </a:effectRef>
-          <a:fontRef idx="minor">
-            <a:schemeClr val="dk1"/>
-          </a:fontRef>
-        </p:style>
-        <p:txBody>
-          <a:bodyPr wrap="none" rtlCol="0" anchor="ctr"/>
-          <a:lstStyle/>
-          <a:p>
-            <a:pPr algn="ctr"/>
-            <a:endParaRPr kumimoji="1" lang="ja-JP" altLang="en-US" sz="1400" dirty="0"/>
-          </a:p>
-        </p:txBody>
-      </p:sp>
-      <p:sp>
-        <p:nvSpPr>
-          <p:cNvPr id="8" name="角丸四角形 7"/>
-          <p:cNvSpPr/>
-          <p:nvPr/>
-        </p:nvSpPr>
-        <p:spPr>
-          <a:xfrm>
-            <a:off x="1648704" y="3369914"/>
-            <a:ext cx="464588" cy="465380"/>
-          </a:xfrm>
-          <a:prstGeom prst="roundRect">
-            <a:avLst/>
-          </a:prstGeom>
-        </p:spPr>
-        <p:style>
-          <a:lnRef idx="2">
-            <a:schemeClr val="accent6"/>
-          </a:lnRef>
-          <a:fillRef idx="1">
-            <a:schemeClr val="lt1"/>
-          </a:fillRef>
-          <a:effectRef idx="0">
-            <a:schemeClr val="accent6"/>
-          </a:effectRef>
-          <a:fontRef idx="minor">
-            <a:schemeClr val="dk1"/>
-          </a:fontRef>
-        </p:style>
-        <p:txBody>
-          <a:bodyPr wrap="none" rtlCol="0" anchor="ctr"/>
-          <a:lstStyle/>
-          <a:p>
-            <a:pPr algn="ctr"/>
-            <a:endParaRPr kumimoji="1" lang="ja-JP" altLang="en-US" sz="1400" dirty="0"/>
-          </a:p>
-        </p:txBody>
-      </p:sp>
-      <p:sp>
-        <p:nvSpPr>
-          <p:cNvPr id="9" name="角丸四角形 8"/>
-          <p:cNvSpPr/>
-          <p:nvPr/>
-        </p:nvSpPr>
-        <p:spPr>
-          <a:xfrm>
-            <a:off x="2185285" y="3369914"/>
-            <a:ext cx="464588" cy="465380"/>
-          </a:xfrm>
-          <a:prstGeom prst="roundRect">
-            <a:avLst/>
-          </a:prstGeom>
-        </p:spPr>
-        <p:style>
-          <a:lnRef idx="2">
-            <a:schemeClr val="accent6"/>
-          </a:lnRef>
-          <a:fillRef idx="1">
-            <a:schemeClr val="lt1"/>
-          </a:fillRef>
-          <a:effectRef idx="0">
-            <a:schemeClr val="accent6"/>
-          </a:effectRef>
-          <a:fontRef idx="minor">
-            <a:schemeClr val="dk1"/>
-          </a:fontRef>
-        </p:style>
-        <p:txBody>
-          <a:bodyPr wrap="none" rtlCol="0" anchor="ctr"/>
-          <a:lstStyle/>
-          <a:p>
-            <a:pPr algn="ctr"/>
-            <a:endParaRPr kumimoji="1" lang="ja-JP" altLang="en-US" sz="1400" dirty="0"/>
-          </a:p>
-        </p:txBody>
-      </p:sp>
-      <p:sp>
-        <p:nvSpPr>
-          <p:cNvPr id="10" name="角丸四角形 9"/>
-          <p:cNvSpPr/>
-          <p:nvPr/>
-        </p:nvSpPr>
-        <p:spPr>
-          <a:xfrm>
-            <a:off x="2721866" y="3369914"/>
-            <a:ext cx="464588" cy="465380"/>
-          </a:xfrm>
-          <a:prstGeom prst="roundRect">
-            <a:avLst/>
-          </a:prstGeom>
-        </p:spPr>
-        <p:style>
-          <a:lnRef idx="2">
-            <a:schemeClr val="accent6"/>
-          </a:lnRef>
-          <a:fillRef idx="1">
-            <a:schemeClr val="lt1"/>
-          </a:fillRef>
-          <a:effectRef idx="0">
-            <a:schemeClr val="accent6"/>
-          </a:effectRef>
-          <a:fontRef idx="minor">
-            <a:schemeClr val="dk1"/>
-          </a:fontRef>
-        </p:style>
-        <p:txBody>
-          <a:bodyPr wrap="none" rtlCol="0" anchor="ctr"/>
-          <a:lstStyle/>
-          <a:p>
-            <a:pPr algn="ctr"/>
-            <a:endParaRPr kumimoji="1" lang="ja-JP" altLang="en-US" sz="1400" dirty="0"/>
-          </a:p>
-        </p:txBody>
-      </p:sp>
-      <p:sp>
-        <p:nvSpPr>
-          <p:cNvPr id="11" name="角丸四角形 10"/>
-          <p:cNvSpPr/>
-          <p:nvPr/>
-        </p:nvSpPr>
-        <p:spPr>
-          <a:xfrm>
-            <a:off x="3258447" y="3369914"/>
-            <a:ext cx="464588" cy="465380"/>
-          </a:xfrm>
-          <a:prstGeom prst="roundRect">
-            <a:avLst/>
-          </a:prstGeom>
-        </p:spPr>
-        <p:style>
-          <a:lnRef idx="2">
-            <a:schemeClr val="accent6"/>
-          </a:lnRef>
-          <a:fillRef idx="1">
-            <a:schemeClr val="lt1"/>
-          </a:fillRef>
-          <a:effectRef idx="0">
-            <a:schemeClr val="accent6"/>
-          </a:effectRef>
-          <a:fontRef idx="minor">
-            <a:schemeClr val="dk1"/>
-          </a:fontRef>
-        </p:style>
-        <p:txBody>
-          <a:bodyPr wrap="none" rtlCol="0" anchor="ctr"/>
-          <a:lstStyle/>
-          <a:p>
-            <a:pPr algn="ctr"/>
-            <a:endParaRPr kumimoji="1" lang="ja-JP" altLang="en-US" sz="1400" dirty="0"/>
-          </a:p>
-        </p:txBody>
-      </p:sp>
-      <p:sp>
-        <p:nvSpPr>
-          <p:cNvPr id="12" name="角丸四角形 11"/>
-          <p:cNvSpPr/>
-          <p:nvPr/>
-        </p:nvSpPr>
-        <p:spPr>
-          <a:xfrm>
-            <a:off x="3795028" y="3369914"/>
-            <a:ext cx="464588" cy="465380"/>
-          </a:xfrm>
-          <a:prstGeom prst="roundRect">
-            <a:avLst/>
-          </a:prstGeom>
-        </p:spPr>
-        <p:style>
-          <a:lnRef idx="2">
-            <a:schemeClr val="accent6"/>
-          </a:lnRef>
-          <a:fillRef idx="1">
-            <a:schemeClr val="lt1"/>
-          </a:fillRef>
-          <a:effectRef idx="0">
-            <a:schemeClr val="accent6"/>
-          </a:effectRef>
-          <a:fontRef idx="minor">
-            <a:schemeClr val="dk1"/>
-          </a:fontRef>
-        </p:style>
-        <p:txBody>
-          <a:bodyPr wrap="none" rtlCol="0" anchor="ctr"/>
-          <a:lstStyle/>
-          <a:p>
-            <a:pPr algn="ctr"/>
-            <a:endParaRPr kumimoji="1" lang="ja-JP" altLang="en-US" sz="1400" dirty="0"/>
-          </a:p>
-        </p:txBody>
-      </p:sp>
-      <p:sp>
-        <p:nvSpPr>
-          <p:cNvPr id="13" name="角丸四角形 12"/>
-          <p:cNvSpPr/>
-          <p:nvPr/>
-        </p:nvSpPr>
-        <p:spPr>
-          <a:xfrm>
-            <a:off x="4331609" y="3369914"/>
-            <a:ext cx="464588" cy="465380"/>
-          </a:xfrm>
-          <a:prstGeom prst="roundRect">
-            <a:avLst/>
-          </a:prstGeom>
-        </p:spPr>
-        <p:style>
-          <a:lnRef idx="2">
-            <a:schemeClr val="accent6"/>
-          </a:lnRef>
-          <a:fillRef idx="1">
-            <a:schemeClr val="lt1"/>
-          </a:fillRef>
-          <a:effectRef idx="0">
-            <a:schemeClr val="accent6"/>
-          </a:effectRef>
-          <a:fontRef idx="minor">
-            <a:schemeClr val="dk1"/>
-          </a:fontRef>
-        </p:style>
-        <p:txBody>
-          <a:bodyPr wrap="none" rtlCol="0" anchor="ctr"/>
-          <a:lstStyle/>
-          <a:p>
-            <a:pPr algn="ctr"/>
-            <a:endParaRPr kumimoji="1" lang="ja-JP" altLang="en-US" sz="1400" dirty="0"/>
-          </a:p>
-        </p:txBody>
-      </p:sp>
-      <p:sp>
-        <p:nvSpPr>
-          <p:cNvPr id="14" name="角丸四角形 13"/>
-          <p:cNvSpPr/>
-          <p:nvPr/>
-        </p:nvSpPr>
-        <p:spPr>
-          <a:xfrm>
-            <a:off x="4868190" y="3369914"/>
-            <a:ext cx="464588" cy="465380"/>
-          </a:xfrm>
-          <a:prstGeom prst="roundRect">
-            <a:avLst/>
-          </a:prstGeom>
-        </p:spPr>
-        <p:style>
-          <a:lnRef idx="2">
-            <a:schemeClr val="accent6"/>
-          </a:lnRef>
-          <a:fillRef idx="1">
-            <a:schemeClr val="lt1"/>
-          </a:fillRef>
-          <a:effectRef idx="0">
-            <a:schemeClr val="accent6"/>
-          </a:effectRef>
-          <a:fontRef idx="minor">
-            <a:schemeClr val="dk1"/>
-          </a:fontRef>
-        </p:style>
-        <p:txBody>
-          <a:bodyPr wrap="none" rtlCol="0" anchor="ctr"/>
-          <a:lstStyle/>
-          <a:p>
-            <a:pPr algn="ctr"/>
-            <a:endParaRPr kumimoji="1" lang="ja-JP" altLang="en-US" sz="1400" dirty="0"/>
-          </a:p>
-        </p:txBody>
-      </p:sp>
-      <p:sp>
-        <p:nvSpPr>
-          <p:cNvPr id="15" name="角丸四角形 14"/>
-          <p:cNvSpPr/>
-          <p:nvPr/>
-        </p:nvSpPr>
-        <p:spPr>
-          <a:xfrm>
-            <a:off x="5404771" y="3369914"/>
-            <a:ext cx="464588" cy="465380"/>
-          </a:xfrm>
-          <a:prstGeom prst="roundRect">
-            <a:avLst/>
-          </a:prstGeom>
-        </p:spPr>
-        <p:style>
-          <a:lnRef idx="2">
-            <a:schemeClr val="accent6"/>
-          </a:lnRef>
-          <a:fillRef idx="1">
-            <a:schemeClr val="lt1"/>
-          </a:fillRef>
-          <a:effectRef idx="0">
-            <a:schemeClr val="accent6"/>
-          </a:effectRef>
-          <a:fontRef idx="minor">
-            <a:schemeClr val="dk1"/>
-          </a:fontRef>
-        </p:style>
-        <p:txBody>
-          <a:bodyPr wrap="none" rtlCol="0" anchor="ctr"/>
-          <a:lstStyle/>
-          <a:p>
-            <a:pPr algn="ctr"/>
-            <a:endParaRPr kumimoji="1" lang="ja-JP" altLang="en-US" sz="1400" dirty="0"/>
-          </a:p>
-        </p:txBody>
-      </p:sp>
-      <p:sp>
-        <p:nvSpPr>
-          <p:cNvPr id="16" name="角丸四角形 15"/>
-          <p:cNvSpPr/>
-          <p:nvPr/>
-        </p:nvSpPr>
-        <p:spPr>
-          <a:xfrm>
-            <a:off x="5941352" y="3369914"/>
-            <a:ext cx="464588" cy="465380"/>
-          </a:xfrm>
-          <a:prstGeom prst="roundRect">
-            <a:avLst/>
-          </a:prstGeom>
-        </p:spPr>
-        <p:style>
-          <a:lnRef idx="2">
-            <a:schemeClr val="accent6"/>
-          </a:lnRef>
-          <a:fillRef idx="1">
-            <a:schemeClr val="lt1"/>
-          </a:fillRef>
-          <a:effectRef idx="0">
-            <a:schemeClr val="accent6"/>
-          </a:effectRef>
-          <a:fontRef idx="minor">
-            <a:schemeClr val="dk1"/>
-          </a:fontRef>
-        </p:style>
-        <p:txBody>
-          <a:bodyPr wrap="none" rtlCol="0" anchor="ctr"/>
-          <a:lstStyle/>
-          <a:p>
-            <a:pPr algn="ctr"/>
-            <a:endParaRPr kumimoji="1" lang="ja-JP" altLang="en-US" sz="1400" dirty="0"/>
-          </a:p>
-        </p:txBody>
-      </p:sp>
-      <p:sp>
-        <p:nvSpPr>
-          <p:cNvPr id="17" name="角丸四角形 16"/>
-          <p:cNvSpPr/>
-          <p:nvPr/>
-        </p:nvSpPr>
-        <p:spPr>
-          <a:xfrm>
-            <a:off x="6477933" y="3369914"/>
-            <a:ext cx="464588" cy="465380"/>
-          </a:xfrm>
-          <a:prstGeom prst="roundRect">
-            <a:avLst/>
-          </a:prstGeom>
-        </p:spPr>
-        <p:style>
-          <a:lnRef idx="2">
-            <a:schemeClr val="accent6"/>
-          </a:lnRef>
-          <a:fillRef idx="1">
-            <a:schemeClr val="lt1"/>
-          </a:fillRef>
-          <a:effectRef idx="0">
-            <a:schemeClr val="accent6"/>
-          </a:effectRef>
-          <a:fontRef idx="minor">
-            <a:schemeClr val="dk1"/>
-          </a:fontRef>
-        </p:style>
-        <p:txBody>
-          <a:bodyPr wrap="none" rtlCol="0" anchor="ctr"/>
-          <a:lstStyle/>
-          <a:p>
-            <a:pPr algn="ctr"/>
-            <a:endParaRPr kumimoji="1" lang="ja-JP" altLang="en-US" sz="1400" dirty="0"/>
-          </a:p>
-        </p:txBody>
-      </p:sp>
-      <p:sp>
-        <p:nvSpPr>
-          <p:cNvPr id="18" name="角丸四角形 17"/>
-          <p:cNvSpPr/>
-          <p:nvPr/>
-        </p:nvSpPr>
-        <p:spPr>
-          <a:xfrm>
-            <a:off x="7014514" y="3369914"/>
-            <a:ext cx="464588" cy="465380"/>
-          </a:xfrm>
-          <a:prstGeom prst="roundRect">
-            <a:avLst/>
-          </a:prstGeom>
-        </p:spPr>
-        <p:style>
-          <a:lnRef idx="2">
-            <a:schemeClr val="accent6"/>
-          </a:lnRef>
-          <a:fillRef idx="1">
-            <a:schemeClr val="lt1"/>
-          </a:fillRef>
-          <a:effectRef idx="0">
-            <a:schemeClr val="accent6"/>
-          </a:effectRef>
-          <a:fontRef idx="minor">
-            <a:schemeClr val="dk1"/>
-          </a:fontRef>
-        </p:style>
-        <p:txBody>
-          <a:bodyPr wrap="none" rtlCol="0" anchor="ctr"/>
-          <a:lstStyle/>
-          <a:p>
-            <a:pPr algn="ctr"/>
-            <a:endParaRPr kumimoji="1" lang="ja-JP" altLang="en-US" sz="1400" dirty="0"/>
-          </a:p>
-        </p:txBody>
-      </p:sp>
-      <p:sp>
-        <p:nvSpPr>
-          <p:cNvPr id="19" name="角丸四角形 18"/>
-          <p:cNvSpPr/>
-          <p:nvPr/>
-        </p:nvSpPr>
-        <p:spPr>
-          <a:xfrm>
-            <a:off x="7551095" y="3369914"/>
-            <a:ext cx="464588" cy="465380"/>
-          </a:xfrm>
-          <a:prstGeom prst="roundRect">
-            <a:avLst/>
-          </a:prstGeom>
-        </p:spPr>
-        <p:style>
-          <a:lnRef idx="2">
-            <a:schemeClr val="accent6"/>
-          </a:lnRef>
-          <a:fillRef idx="1">
-            <a:schemeClr val="lt1"/>
-          </a:fillRef>
-          <a:effectRef idx="0">
-            <a:schemeClr val="accent6"/>
-          </a:effectRef>
-          <a:fontRef idx="minor">
-            <a:schemeClr val="dk1"/>
-          </a:fontRef>
-        </p:style>
-        <p:txBody>
-          <a:bodyPr wrap="none" rtlCol="0" anchor="ctr"/>
-          <a:lstStyle/>
-          <a:p>
-            <a:pPr algn="ctr"/>
-            <a:endParaRPr kumimoji="1" lang="ja-JP" altLang="en-US" sz="1400" dirty="0"/>
-          </a:p>
-        </p:txBody>
-      </p:sp>
-      <p:sp>
-        <p:nvSpPr>
-          <p:cNvPr id="20" name="角丸四角形 19"/>
-          <p:cNvSpPr/>
-          <p:nvPr/>
-        </p:nvSpPr>
-        <p:spPr>
-          <a:xfrm>
-            <a:off x="8087682" y="3369914"/>
-            <a:ext cx="464588" cy="465380"/>
-          </a:xfrm>
-          <a:prstGeom prst="roundRect">
-            <a:avLst/>
-          </a:prstGeom>
-        </p:spPr>
-        <p:style>
-          <a:lnRef idx="2">
-            <a:schemeClr val="accent6"/>
-          </a:lnRef>
-          <a:fillRef idx="1">
-            <a:schemeClr val="lt1"/>
-          </a:fillRef>
-          <a:effectRef idx="0">
-            <a:schemeClr val="accent6"/>
-          </a:effectRef>
-          <a:fontRef idx="minor">
-            <a:schemeClr val="dk1"/>
-          </a:fontRef>
-        </p:style>
-        <p:txBody>
-          <a:bodyPr wrap="none" rtlCol="0" anchor="ctr"/>
-          <a:lstStyle/>
-          <a:p>
-            <a:pPr algn="ctr"/>
-            <a:endParaRPr kumimoji="1" lang="ja-JP" altLang="en-US" sz="1400" dirty="0"/>
-          </a:p>
-        </p:txBody>
-      </p:sp>
-      <p:sp>
-        <p:nvSpPr>
-          <p:cNvPr id="22" name="角丸四角形 21"/>
-          <p:cNvSpPr/>
-          <p:nvPr/>
-        </p:nvSpPr>
-        <p:spPr>
-          <a:xfrm>
-            <a:off x="1364212" y="3895694"/>
-            <a:ext cx="464588" cy="465380"/>
-          </a:xfrm>
-          <a:prstGeom prst="roundRect">
-            <a:avLst/>
-          </a:prstGeom>
-        </p:spPr>
-        <p:style>
-          <a:lnRef idx="2">
-            <a:schemeClr val="accent6"/>
-          </a:lnRef>
-          <a:fillRef idx="1">
-            <a:schemeClr val="lt1"/>
-          </a:fillRef>
-          <a:effectRef idx="0">
-            <a:schemeClr val="accent6"/>
-          </a:effectRef>
-          <a:fontRef idx="minor">
-            <a:schemeClr val="dk1"/>
-          </a:fontRef>
-        </p:style>
-        <p:txBody>
-          <a:bodyPr wrap="none" rtlCol="0" anchor="ctr"/>
-          <a:lstStyle/>
-          <a:p>
-            <a:pPr algn="ctr"/>
-            <a:endParaRPr kumimoji="1" lang="ja-JP" altLang="en-US" sz="1400" dirty="0"/>
-          </a:p>
-        </p:txBody>
-      </p:sp>
-      <p:sp>
-        <p:nvSpPr>
-          <p:cNvPr id="23" name="角丸四角形 22"/>
-          <p:cNvSpPr/>
-          <p:nvPr/>
-        </p:nvSpPr>
-        <p:spPr>
-          <a:xfrm>
-            <a:off x="1900793" y="3895694"/>
-            <a:ext cx="464588" cy="465380"/>
-          </a:xfrm>
-          <a:prstGeom prst="roundRect">
-            <a:avLst/>
-          </a:prstGeom>
-        </p:spPr>
-        <p:style>
-          <a:lnRef idx="2">
-            <a:schemeClr val="accent6"/>
-          </a:lnRef>
-          <a:fillRef idx="1">
-            <a:schemeClr val="lt1"/>
-          </a:fillRef>
-          <a:effectRef idx="0">
-            <a:schemeClr val="accent6"/>
-          </a:effectRef>
-          <a:fontRef idx="minor">
-            <a:schemeClr val="dk1"/>
-          </a:fontRef>
-        </p:style>
-        <p:txBody>
-          <a:bodyPr wrap="none" rtlCol="0" anchor="ctr"/>
-          <a:lstStyle/>
-          <a:p>
-            <a:pPr algn="ctr"/>
-            <a:endParaRPr kumimoji="1" lang="ja-JP" altLang="en-US" sz="1400" dirty="0"/>
-          </a:p>
-        </p:txBody>
-      </p:sp>
-      <p:sp>
-        <p:nvSpPr>
-          <p:cNvPr id="24" name="角丸四角形 23"/>
-          <p:cNvSpPr/>
-          <p:nvPr/>
-        </p:nvSpPr>
-        <p:spPr>
-          <a:xfrm>
-            <a:off x="2437374" y="3895694"/>
-            <a:ext cx="464588" cy="465380"/>
-          </a:xfrm>
-          <a:prstGeom prst="roundRect">
-            <a:avLst/>
-          </a:prstGeom>
-        </p:spPr>
-        <p:style>
-          <a:lnRef idx="2">
-            <a:schemeClr val="accent6"/>
-          </a:lnRef>
-          <a:fillRef idx="1">
-            <a:schemeClr val="lt1"/>
-          </a:fillRef>
-          <a:effectRef idx="0">
-            <a:schemeClr val="accent6"/>
-          </a:effectRef>
-          <a:fontRef idx="minor">
-            <a:schemeClr val="dk1"/>
-          </a:fontRef>
-        </p:style>
-        <p:txBody>
-          <a:bodyPr wrap="none" rtlCol="0" anchor="ctr"/>
-          <a:lstStyle/>
-          <a:p>
-            <a:pPr algn="ctr"/>
-            <a:r>
-              <a:rPr lang="en-US" altLang="ja-JP" sz="1100" smtClean="0"/>
-              <a:t>App</a:t>
-            </a:r>
-          </a:p>
-          <a:p>
-            <a:pPr algn="ctr"/>
-            <a:r>
-              <a:rPr lang="ja-JP" altLang="en-US" sz="1100" smtClean="0"/>
-              <a:t>選択</a:t>
-            </a:r>
-            <a:endParaRPr kumimoji="1" lang="ja-JP" altLang="en-US" sz="1100" dirty="0"/>
-          </a:p>
-        </p:txBody>
-      </p:sp>
-      <p:sp>
-        <p:nvSpPr>
           <p:cNvPr id="25" name="角丸四角形 24"/>
           <p:cNvSpPr/>
           <p:nvPr/>
@@ -32367,7 +32014,18 @@
           <a:lstStyle/>
           <a:p>
             <a:pPr algn="ctr"/>
-            <a:endParaRPr kumimoji="1" lang="ja-JP" altLang="en-US" sz="1400" dirty="0"/>
+            <a:r>
+              <a:rPr kumimoji="1" lang="en-US" altLang="ja-JP" sz="900" dirty="0" smtClean="0"/>
+              <a:t>MS</a:t>
+            </a:r>
+          </a:p>
+          <a:p>
+            <a:pPr algn="ctr"/>
+            <a:r>
+              <a:rPr kumimoji="1" lang="en-US" altLang="ja-JP" sz="900" dirty="0" smtClean="0"/>
+              <a:t>Edge</a:t>
+            </a:r>
+            <a:endParaRPr kumimoji="1" lang="ja-JP" altLang="en-US" sz="900" dirty="0"/>
           </a:p>
         </p:txBody>
       </p:sp>
@@ -32405,7 +32063,11 @@
           <a:lstStyle/>
           <a:p>
             <a:pPr algn="ctr"/>
-            <a:endParaRPr kumimoji="1" lang="ja-JP" altLang="en-US" sz="1400" dirty="0"/>
+            <a:r>
+              <a:rPr kumimoji="1" lang="en-US" altLang="ja-JP" sz="900" smtClean="0"/>
+              <a:t>Terminal</a:t>
+            </a:r>
+            <a:endParaRPr kumimoji="1" lang="ja-JP" altLang="en-US" sz="900" dirty="0"/>
           </a:p>
         </p:txBody>
       </p:sp>
@@ -32423,27 +32085,34 @@
           <a:prstGeom prst="roundRect">
             <a:avLst/>
           </a:prstGeom>
-        </p:spPr>
-        <p:style>
-          <a:lnRef idx="2">
-            <a:schemeClr val="accent6"/>
-          </a:lnRef>
-          <a:fillRef idx="1">
-            <a:schemeClr val="lt1"/>
-          </a:fillRef>
-          <a:effectRef idx="0">
-            <a:schemeClr val="accent6"/>
-          </a:effectRef>
-          <a:fontRef idx="minor">
-            <a:schemeClr val="dk1"/>
-          </a:fontRef>
-        </p:style>
-        <p:txBody>
-          <a:bodyPr wrap="none" rtlCol="0" anchor="ctr"/>
-          <a:lstStyle/>
-          <a:p>
-            <a:pPr algn="ctr"/>
-            <a:endParaRPr kumimoji="1" lang="ja-JP" altLang="en-US" sz="1400" dirty="0"/>
+          <a:ln>
+            <a:solidFill>
+              <a:schemeClr val="accent5">
+                <a:lumMod val="75000"/>
+              </a:schemeClr>
+            </a:solidFill>
+          </a:ln>
+        </p:spPr>
+        <p:style>
+          <a:lnRef idx="2">
+            <a:schemeClr val="accent6"/>
+          </a:lnRef>
+          <a:fillRef idx="1">
+            <a:schemeClr val="lt1"/>
+          </a:fillRef>
+          <a:effectRef idx="0">
+            <a:schemeClr val="accent6"/>
+          </a:effectRef>
+          <a:fontRef idx="minor">
+            <a:schemeClr val="dk1"/>
+          </a:fontRef>
+        </p:style>
+        <p:txBody>
+          <a:bodyPr wrap="none" rtlCol="0" anchor="ctr"/>
+          <a:lstStyle/>
+          <a:p>
+            <a:pPr algn="ctr"/>
+            <a:endParaRPr kumimoji="1" lang="ja-JP" altLang="en-US" sz="900" dirty="0"/>
           </a:p>
         </p:txBody>
       </p:sp>
@@ -32461,27 +32130,34 @@
           <a:prstGeom prst="roundRect">
             <a:avLst/>
           </a:prstGeom>
-        </p:spPr>
-        <p:style>
-          <a:lnRef idx="2">
-            <a:schemeClr val="accent6"/>
-          </a:lnRef>
-          <a:fillRef idx="1">
-            <a:schemeClr val="lt1"/>
-          </a:fillRef>
-          <a:effectRef idx="0">
-            <a:schemeClr val="accent6"/>
-          </a:effectRef>
-          <a:fontRef idx="minor">
-            <a:schemeClr val="dk1"/>
-          </a:fontRef>
-        </p:style>
-        <p:txBody>
-          <a:bodyPr wrap="none" rtlCol="0" anchor="ctr"/>
-          <a:lstStyle/>
-          <a:p>
-            <a:pPr algn="ctr"/>
-            <a:endParaRPr kumimoji="1" lang="ja-JP" altLang="en-US" sz="1400" dirty="0"/>
+          <a:ln>
+            <a:solidFill>
+              <a:schemeClr val="accent5">
+                <a:lumMod val="75000"/>
+              </a:schemeClr>
+            </a:solidFill>
+          </a:ln>
+        </p:spPr>
+        <p:style>
+          <a:lnRef idx="2">
+            <a:schemeClr val="accent6"/>
+          </a:lnRef>
+          <a:fillRef idx="1">
+            <a:schemeClr val="lt1"/>
+          </a:fillRef>
+          <a:effectRef idx="0">
+            <a:schemeClr val="accent6"/>
+          </a:effectRef>
+          <a:fontRef idx="minor">
+            <a:schemeClr val="dk1"/>
+          </a:fontRef>
+        </p:style>
+        <p:txBody>
+          <a:bodyPr wrap="none" rtlCol="0" anchor="ctr"/>
+          <a:lstStyle/>
+          <a:p>
+            <a:pPr algn="ctr"/>
+            <a:endParaRPr kumimoji="1" lang="ja-JP" altLang="en-US" sz="900" dirty="0"/>
           </a:p>
         </p:txBody>
       </p:sp>
@@ -32519,7 +32195,23 @@
           <a:lstStyle/>
           <a:p>
             <a:pPr algn="ctr"/>
-            <a:endParaRPr kumimoji="1" lang="ja-JP" altLang="en-US" sz="1400" dirty="0"/>
+            <a:r>
+              <a:rPr lang="en-US" altLang="ja-JP" sz="900" smtClean="0">
+                <a:solidFill>
+                  <a:schemeClr val="accent6">
+                    <a:lumMod val="75000"/>
+                  </a:schemeClr>
+                </a:solidFill>
+              </a:rPr>
+              <a:t>Word</a:t>
+            </a:r>
+            <a:endParaRPr kumimoji="1" lang="ja-JP" altLang="en-US" sz="900" dirty="0">
+              <a:solidFill>
+                <a:schemeClr val="accent6">
+                  <a:lumMod val="75000"/>
+                </a:schemeClr>
+              </a:solidFill>
+            </a:endParaRPr>
           </a:p>
         </p:txBody>
       </p:sp>
@@ -32557,7 +32249,23 @@
           <a:lstStyle/>
           <a:p>
             <a:pPr algn="ctr"/>
-            <a:endParaRPr kumimoji="1" lang="ja-JP" altLang="en-US" sz="1400" dirty="0"/>
+            <a:r>
+              <a:rPr kumimoji="1" lang="en-US" altLang="ja-JP" sz="900" smtClean="0">
+                <a:solidFill>
+                  <a:schemeClr val="accent6">
+                    <a:lumMod val="75000"/>
+                  </a:schemeClr>
+                </a:solidFill>
+              </a:rPr>
+              <a:t>Excel</a:t>
+            </a:r>
+            <a:endParaRPr kumimoji="1" lang="ja-JP" altLang="en-US" sz="900" dirty="0">
+              <a:solidFill>
+                <a:schemeClr val="accent6">
+                  <a:lumMod val="75000"/>
+                </a:schemeClr>
+              </a:solidFill>
+            </a:endParaRPr>
           </a:p>
         </p:txBody>
       </p:sp>
@@ -32595,7 +32303,36 @@
           <a:lstStyle/>
           <a:p>
             <a:pPr algn="ctr"/>
-            <a:endParaRPr kumimoji="1" lang="ja-JP" altLang="en-US" sz="1400" dirty="0"/>
+            <a:r>
+              <a:rPr lang="en-US" altLang="ja-JP" sz="900" smtClean="0">
+                <a:solidFill>
+                  <a:schemeClr val="accent6">
+                    <a:lumMod val="75000"/>
+                  </a:schemeClr>
+                </a:solidFill>
+              </a:rPr>
+              <a:t>Power</a:t>
+            </a:r>
+          </a:p>
+          <a:p>
+            <a:pPr algn="ctr"/>
+            <a:r>
+              <a:rPr lang="en-US" altLang="ja-JP" sz="900" smtClean="0">
+                <a:solidFill>
+                  <a:schemeClr val="accent6">
+                    <a:lumMod val="75000"/>
+                  </a:schemeClr>
+                </a:solidFill>
+              </a:rPr>
+              <a:t>Point</a:t>
+            </a:r>
+            <a:endParaRPr kumimoji="1" lang="ja-JP" altLang="en-US" sz="900" dirty="0">
+              <a:solidFill>
+                <a:schemeClr val="accent6">
+                  <a:lumMod val="75000"/>
+                </a:schemeClr>
+              </a:solidFill>
+            </a:endParaRPr>
           </a:p>
         </p:txBody>
       </p:sp>
@@ -32613,27 +32350,34 @@
           <a:prstGeom prst="roundRect">
             <a:avLst/>
           </a:prstGeom>
-        </p:spPr>
-        <p:style>
-          <a:lnRef idx="2">
-            <a:schemeClr val="accent6"/>
-          </a:lnRef>
-          <a:fillRef idx="1">
-            <a:schemeClr val="lt1"/>
-          </a:fillRef>
-          <a:effectRef idx="0">
-            <a:schemeClr val="accent6"/>
-          </a:effectRef>
-          <a:fontRef idx="minor">
-            <a:schemeClr val="dk1"/>
-          </a:fontRef>
-        </p:style>
-        <p:txBody>
-          <a:bodyPr wrap="none" rtlCol="0" anchor="ctr"/>
-          <a:lstStyle/>
-          <a:p>
-            <a:pPr algn="ctr"/>
-            <a:endParaRPr kumimoji="1" lang="ja-JP" altLang="en-US" sz="1400" dirty="0"/>
+          <a:ln>
+            <a:solidFill>
+              <a:schemeClr val="accent5">
+                <a:lumMod val="75000"/>
+              </a:schemeClr>
+            </a:solidFill>
+          </a:ln>
+        </p:spPr>
+        <p:style>
+          <a:lnRef idx="2">
+            <a:schemeClr val="accent6"/>
+          </a:lnRef>
+          <a:fillRef idx="1">
+            <a:schemeClr val="lt1"/>
+          </a:fillRef>
+          <a:effectRef idx="0">
+            <a:schemeClr val="accent6"/>
+          </a:effectRef>
+          <a:fontRef idx="minor">
+            <a:schemeClr val="dk1"/>
+          </a:fontRef>
+        </p:style>
+        <p:txBody>
+          <a:bodyPr wrap="none" rtlCol="0" anchor="ctr"/>
+          <a:lstStyle/>
+          <a:p>
+            <a:pPr algn="ctr"/>
+            <a:endParaRPr kumimoji="1" lang="ja-JP" altLang="en-US" sz="1000" dirty="0"/>
           </a:p>
         </p:txBody>
       </p:sp>
@@ -32651,27 +32395,34 @@
           <a:prstGeom prst="roundRect">
             <a:avLst/>
           </a:prstGeom>
-        </p:spPr>
-        <p:style>
-          <a:lnRef idx="2">
-            <a:schemeClr val="accent6"/>
-          </a:lnRef>
-          <a:fillRef idx="1">
-            <a:schemeClr val="lt1"/>
-          </a:fillRef>
-          <a:effectRef idx="0">
-            <a:schemeClr val="accent6"/>
-          </a:effectRef>
-          <a:fontRef idx="minor">
-            <a:schemeClr val="dk1"/>
-          </a:fontRef>
-        </p:style>
-        <p:txBody>
-          <a:bodyPr wrap="none" rtlCol="0" anchor="ctr"/>
-          <a:lstStyle/>
-          <a:p>
-            <a:pPr algn="ctr"/>
-            <a:endParaRPr kumimoji="1" lang="ja-JP" altLang="en-US" sz="1400" dirty="0"/>
+          <a:ln>
+            <a:solidFill>
+              <a:schemeClr val="accent5">
+                <a:lumMod val="75000"/>
+              </a:schemeClr>
+            </a:solidFill>
+          </a:ln>
+        </p:spPr>
+        <p:style>
+          <a:lnRef idx="2">
+            <a:schemeClr val="accent6"/>
+          </a:lnRef>
+          <a:fillRef idx="1">
+            <a:schemeClr val="lt1"/>
+          </a:fillRef>
+          <a:effectRef idx="0">
+            <a:schemeClr val="accent6"/>
+          </a:effectRef>
+          <a:fontRef idx="minor">
+            <a:schemeClr val="dk1"/>
+          </a:fontRef>
+        </p:style>
+        <p:txBody>
+          <a:bodyPr wrap="none" rtlCol="0" anchor="ctr"/>
+          <a:lstStyle/>
+          <a:p>
+            <a:pPr algn="ctr"/>
+            <a:endParaRPr kumimoji="1" lang="ja-JP" altLang="en-US" sz="1000" dirty="0"/>
           </a:p>
         </p:txBody>
       </p:sp>
@@ -32689,27 +32440,34 @@
           <a:prstGeom prst="roundRect">
             <a:avLst/>
           </a:prstGeom>
-        </p:spPr>
-        <p:style>
-          <a:lnRef idx="2">
-            <a:schemeClr val="accent6"/>
-          </a:lnRef>
-          <a:fillRef idx="1">
-            <a:schemeClr val="lt1"/>
-          </a:fillRef>
-          <a:effectRef idx="0">
-            <a:schemeClr val="accent6"/>
-          </a:effectRef>
-          <a:fontRef idx="minor">
-            <a:schemeClr val="dk1"/>
-          </a:fontRef>
-        </p:style>
-        <p:txBody>
-          <a:bodyPr wrap="none" rtlCol="0" anchor="ctr"/>
-          <a:lstStyle/>
-          <a:p>
-            <a:pPr algn="ctr"/>
-            <a:endParaRPr kumimoji="1" lang="ja-JP" altLang="en-US" sz="1400" dirty="0"/>
+          <a:ln>
+            <a:solidFill>
+              <a:schemeClr val="accent5">
+                <a:lumMod val="75000"/>
+              </a:schemeClr>
+            </a:solidFill>
+          </a:ln>
+        </p:spPr>
+        <p:style>
+          <a:lnRef idx="2">
+            <a:schemeClr val="accent6"/>
+          </a:lnRef>
+          <a:fillRef idx="1">
+            <a:schemeClr val="lt1"/>
+          </a:fillRef>
+          <a:effectRef idx="0">
+            <a:schemeClr val="accent6"/>
+          </a:effectRef>
+          <a:fontRef idx="minor">
+            <a:schemeClr val="dk1"/>
+          </a:fontRef>
+        </p:style>
+        <p:txBody>
+          <a:bodyPr wrap="none" rtlCol="0" anchor="ctr"/>
+          <a:lstStyle/>
+          <a:p>
+            <a:pPr algn="ctr"/>
+            <a:endParaRPr kumimoji="1" lang="ja-JP" altLang="en-US" sz="1000" dirty="0"/>
           </a:p>
         </p:txBody>
       </p:sp>
@@ -32727,27 +32485,40 @@
           <a:prstGeom prst="roundRect">
             <a:avLst/>
           </a:prstGeom>
-        </p:spPr>
-        <p:style>
-          <a:lnRef idx="2">
-            <a:schemeClr val="accent6"/>
-          </a:lnRef>
-          <a:fillRef idx="1">
-            <a:schemeClr val="lt1"/>
-          </a:fillRef>
-          <a:effectRef idx="0">
-            <a:schemeClr val="accent6"/>
-          </a:effectRef>
-          <a:fontRef idx="minor">
-            <a:schemeClr val="dk1"/>
-          </a:fontRef>
-        </p:style>
-        <p:txBody>
-          <a:bodyPr wrap="none" rtlCol="0" anchor="ctr"/>
-          <a:lstStyle/>
-          <a:p>
-            <a:pPr algn="ctr"/>
-            <a:endParaRPr kumimoji="1" lang="ja-JP" altLang="en-US" sz="1400" dirty="0"/>
+          <a:ln>
+            <a:solidFill>
+              <a:schemeClr val="accent5">
+                <a:lumMod val="75000"/>
+              </a:schemeClr>
+            </a:solidFill>
+          </a:ln>
+        </p:spPr>
+        <p:style>
+          <a:lnRef idx="2">
+            <a:schemeClr val="accent6"/>
+          </a:lnRef>
+          <a:fillRef idx="1">
+            <a:schemeClr val="lt1"/>
+          </a:fillRef>
+          <a:effectRef idx="0">
+            <a:schemeClr val="accent6"/>
+          </a:effectRef>
+          <a:fontRef idx="minor">
+            <a:schemeClr val="dk1"/>
+          </a:fontRef>
+        </p:style>
+        <p:txBody>
+          <a:bodyPr wrap="none" rtlCol="0" anchor="ctr"/>
+          <a:lstStyle/>
+          <a:p>
+            <a:pPr algn="ctr"/>
+            <a:endParaRPr kumimoji="1" lang="ja-JP" altLang="en-US" sz="900" dirty="0">
+              <a:solidFill>
+                <a:schemeClr val="accent5">
+                  <a:lumMod val="75000"/>
+                </a:schemeClr>
+              </a:solidFill>
+            </a:endParaRPr>
           </a:p>
         </p:txBody>
       </p:sp>
@@ -32785,7 +32556,23 @@
           <a:lstStyle/>
           <a:p>
             <a:pPr algn="ctr"/>
-            <a:endParaRPr kumimoji="1" lang="ja-JP" altLang="en-US" sz="1400" dirty="0"/>
+            <a:r>
+              <a:rPr kumimoji="1" lang="en-US" altLang="ja-JP" sz="900" smtClean="0">
+                <a:solidFill>
+                  <a:schemeClr val="accent6">
+                    <a:lumMod val="75000"/>
+                  </a:schemeClr>
+                </a:solidFill>
+              </a:rPr>
+              <a:t>Atom</a:t>
+            </a:r>
+            <a:endParaRPr kumimoji="1" lang="ja-JP" altLang="en-US" sz="900" dirty="0">
+              <a:solidFill>
+                <a:schemeClr val="accent6">
+                  <a:lumMod val="75000"/>
+                </a:schemeClr>
+              </a:solidFill>
+            </a:endParaRPr>
           </a:p>
         </p:txBody>
       </p:sp>
@@ -32824,16 +32611,8 @@
           <a:p>
             <a:pPr algn="ctr"/>
             <a:r>
-              <a:rPr kumimoji="1" lang="ja-JP" altLang="en-US" sz="900" dirty="0" smtClean="0"/>
-              <a:t>前の</a:t>
-            </a:r>
-            <a:endParaRPr kumimoji="1" lang="en-US" altLang="ja-JP" sz="900" dirty="0" smtClean="0"/>
-          </a:p>
-          <a:p>
-            <a:pPr algn="ctr"/>
-            <a:r>
-              <a:rPr lang="en-US" altLang="ja-JP" sz="900" dirty="0" smtClean="0"/>
-              <a:t>Window</a:t>
+              <a:rPr kumimoji="1" lang="en-US" altLang="ja-JP" sz="900" smtClean="0"/>
+              <a:t>Skype</a:t>
             </a:r>
             <a:endParaRPr kumimoji="1" lang="ja-JP" altLang="en-US" sz="900" dirty="0"/>
           </a:p>
@@ -32873,63 +32652,240 @@
           <a:lstStyle/>
           <a:p>
             <a:pPr algn="ctr"/>
+            <a:r>
+              <a:rPr kumimoji="1" lang="en-US" altLang="ja-JP" sz="900" smtClean="0">
+                <a:solidFill>
+                  <a:schemeClr val="accent6">
+                    <a:lumMod val="75000"/>
+                  </a:schemeClr>
+                </a:solidFill>
+              </a:rPr>
+              <a:t>Desktop</a:t>
+            </a:r>
+            <a:endParaRPr kumimoji="1" lang="ja-JP" altLang="en-US" sz="900" dirty="0">
+              <a:solidFill>
+                <a:schemeClr val="accent6">
+                  <a:lumMod val="75000"/>
+                </a:schemeClr>
+              </a:solidFill>
+            </a:endParaRPr>
+          </a:p>
+        </p:txBody>
+      </p:sp>
+      <p:sp>
+        <p:nvSpPr>
+          <p:cNvPr id="39" name="角丸四角形 38"/>
+          <p:cNvSpPr/>
+          <p:nvPr/>
+        </p:nvSpPr>
+        <p:spPr>
+          <a:xfrm>
+            <a:off x="3156835" y="4421474"/>
+            <a:ext cx="464588" cy="465380"/>
+          </a:xfrm>
+          <a:prstGeom prst="roundRect">
+            <a:avLst/>
+          </a:prstGeom>
+        </p:spPr>
+        <p:style>
+          <a:lnRef idx="2">
+            <a:schemeClr val="accent6"/>
+          </a:lnRef>
+          <a:fillRef idx="1">
+            <a:schemeClr val="lt1"/>
+          </a:fillRef>
+          <a:effectRef idx="0">
+            <a:schemeClr val="accent6"/>
+          </a:effectRef>
+          <a:fontRef idx="minor">
+            <a:schemeClr val="dk1"/>
+          </a:fontRef>
+        </p:style>
+        <p:txBody>
+          <a:bodyPr wrap="none" rtlCol="0" anchor="ctr"/>
+          <a:lstStyle/>
+          <a:p>
+            <a:pPr algn="ctr"/>
+            <a:r>
+              <a:rPr kumimoji="1" lang="en-US" altLang="ja-JP" sz="900" u="sng" smtClean="0">
+                <a:solidFill>
+                  <a:schemeClr val="accent6">
+                    <a:lumMod val="75000"/>
+                  </a:schemeClr>
+                </a:solidFill>
+              </a:rPr>
+              <a:t>Filer</a:t>
+            </a:r>
+            <a:endParaRPr kumimoji="1" lang="ja-JP" altLang="en-US" sz="900" u="sng" dirty="0">
+              <a:solidFill>
+                <a:schemeClr val="accent6">
+                  <a:lumMod val="75000"/>
+                </a:schemeClr>
+              </a:solidFill>
+            </a:endParaRPr>
+          </a:p>
+        </p:txBody>
+      </p:sp>
+      <p:sp>
+        <p:nvSpPr>
+          <p:cNvPr id="40" name="角丸四角形 39"/>
+          <p:cNvSpPr/>
+          <p:nvPr/>
+        </p:nvSpPr>
+        <p:spPr>
+          <a:xfrm>
+            <a:off x="3693416" y="4421474"/>
+            <a:ext cx="464588" cy="465380"/>
+          </a:xfrm>
+          <a:prstGeom prst="roundRect">
+            <a:avLst/>
+          </a:prstGeom>
+        </p:spPr>
+        <p:style>
+          <a:lnRef idx="2">
+            <a:schemeClr val="accent6"/>
+          </a:lnRef>
+          <a:fillRef idx="1">
+            <a:schemeClr val="lt1"/>
+          </a:fillRef>
+          <a:effectRef idx="0">
+            <a:schemeClr val="accent6"/>
+          </a:effectRef>
+          <a:fontRef idx="minor">
+            <a:schemeClr val="dk1"/>
+          </a:fontRef>
+        </p:style>
+        <p:txBody>
+          <a:bodyPr wrap="none" rtlCol="0" anchor="ctr"/>
+          <a:lstStyle/>
+          <a:p>
+            <a:pPr algn="ctr"/>
+            <a:r>
+              <a:rPr kumimoji="1" lang="en-US" altLang="ja-JP" sz="900" smtClean="0">
+                <a:solidFill>
+                  <a:schemeClr val="accent6">
+                    <a:lumMod val="75000"/>
+                  </a:schemeClr>
+                </a:solidFill>
+              </a:rPr>
+              <a:t>Google</a:t>
+            </a:r>
+          </a:p>
+          <a:p>
+            <a:pPr algn="ctr"/>
+            <a:r>
+              <a:rPr lang="en-US" altLang="ja-JP" sz="900" smtClean="0">
+                <a:solidFill>
+                  <a:schemeClr val="accent6">
+                    <a:lumMod val="75000"/>
+                  </a:schemeClr>
+                </a:solidFill>
+              </a:rPr>
+              <a:t>Chrome</a:t>
+            </a:r>
+            <a:endParaRPr kumimoji="1" lang="ja-JP" altLang="en-US" sz="900" dirty="0">
+              <a:solidFill>
+                <a:schemeClr val="accent6">
+                  <a:lumMod val="75000"/>
+                </a:schemeClr>
+              </a:solidFill>
+            </a:endParaRPr>
+          </a:p>
+        </p:txBody>
+      </p:sp>
+      <p:sp>
+        <p:nvSpPr>
+          <p:cNvPr id="41" name="角丸四角形 40"/>
+          <p:cNvSpPr/>
+          <p:nvPr/>
+        </p:nvSpPr>
+        <p:spPr>
+          <a:xfrm>
+            <a:off x="4229997" y="4421474"/>
+            <a:ext cx="464588" cy="465380"/>
+          </a:xfrm>
+          <a:prstGeom prst="roundRect">
+            <a:avLst/>
+          </a:prstGeom>
+        </p:spPr>
+        <p:style>
+          <a:lnRef idx="2">
+            <a:schemeClr val="accent6"/>
+          </a:lnRef>
+          <a:fillRef idx="1">
+            <a:schemeClr val="lt1"/>
+          </a:fillRef>
+          <a:effectRef idx="0">
+            <a:schemeClr val="accent6"/>
+          </a:effectRef>
+          <a:fontRef idx="minor">
+            <a:schemeClr val="dk1"/>
+          </a:fontRef>
+        </p:style>
+        <p:txBody>
+          <a:bodyPr wrap="none" rtlCol="0" anchor="ctr"/>
+          <a:lstStyle/>
+          <a:p>
+            <a:pPr algn="ctr"/>
+            <a:r>
+              <a:rPr lang="en-US" altLang="ja-JP" sz="900" smtClean="0"/>
+              <a:t>Git</a:t>
+            </a:r>
+            <a:br>
+              <a:rPr lang="en-US" altLang="ja-JP" sz="900" smtClean="0"/>
+            </a:br>
+            <a:r>
+              <a:rPr lang="en-US" altLang="ja-JP" sz="900" smtClean="0"/>
+              <a:t>Hub</a:t>
+            </a:r>
             <a:endParaRPr kumimoji="1" lang="ja-JP" altLang="en-US" sz="900" dirty="0"/>
           </a:p>
         </p:txBody>
       </p:sp>
       <p:sp>
         <p:nvSpPr>
-          <p:cNvPr id="39" name="角丸四角形 38"/>
-          <p:cNvSpPr/>
-          <p:nvPr/>
-        </p:nvSpPr>
-        <p:spPr>
-          <a:xfrm>
-            <a:off x="3156835" y="4421474"/>
-            <a:ext cx="464588" cy="465380"/>
-          </a:xfrm>
-          <a:prstGeom prst="roundRect">
-            <a:avLst/>
-          </a:prstGeom>
-        </p:spPr>
-        <p:style>
-          <a:lnRef idx="2">
-            <a:schemeClr val="accent6"/>
-          </a:lnRef>
-          <a:fillRef idx="1">
-            <a:schemeClr val="lt1"/>
-          </a:fillRef>
-          <a:effectRef idx="0">
-            <a:schemeClr val="accent6"/>
-          </a:effectRef>
-          <a:fontRef idx="minor">
-            <a:schemeClr val="dk1"/>
-          </a:fontRef>
-        </p:style>
-        <p:txBody>
-          <a:bodyPr wrap="none" rtlCol="0" anchor="ctr"/>
-          <a:lstStyle/>
-          <a:p>
-            <a:pPr algn="ctr"/>
-            <a:r>
-              <a:rPr kumimoji="1" lang="ja-JP" altLang="en-US" sz="900" u="sng" dirty="0" smtClean="0"/>
-              <a:t>次</a:t>
-            </a:r>
-            <a:r>
-              <a:rPr lang="ja-JP" altLang="en-US" sz="900" u="sng" dirty="0" smtClean="0"/>
-              <a:t>の</a:t>
-            </a:r>
-            <a:endParaRPr lang="en-US" altLang="ja-JP" sz="900" u="sng" dirty="0" smtClean="0"/>
-          </a:p>
-          <a:p>
-            <a:pPr algn="ctr"/>
-            <a:r>
-              <a:rPr kumimoji="1" lang="en-US" altLang="ja-JP" sz="900" u="sng" dirty="0" smtClean="0"/>
-              <a:t>Windo</a:t>
-            </a:r>
-            <a:r>
-              <a:rPr kumimoji="1" lang="en-US" altLang="ja-JP" sz="900" u="sng" dirty="0"/>
-              <a:t>w</a:t>
+          <p:cNvPr id="42" name="角丸四角形 41"/>
+          <p:cNvSpPr/>
+          <p:nvPr/>
+        </p:nvSpPr>
+        <p:spPr>
+          <a:xfrm>
+            <a:off x="4766578" y="4421474"/>
+            <a:ext cx="464588" cy="465380"/>
+          </a:xfrm>
+          <a:prstGeom prst="roundRect">
+            <a:avLst/>
+          </a:prstGeom>
+        </p:spPr>
+        <p:style>
+          <a:lnRef idx="2">
+            <a:schemeClr val="accent6"/>
+          </a:lnRef>
+          <a:fillRef idx="1">
+            <a:schemeClr val="lt1"/>
+          </a:fillRef>
+          <a:effectRef idx="0">
+            <a:schemeClr val="accent6"/>
+          </a:effectRef>
+          <a:fontRef idx="minor">
+            <a:schemeClr val="dk1"/>
+          </a:fontRef>
+        </p:style>
+        <p:txBody>
+          <a:bodyPr wrap="none" rtlCol="0" anchor="ctr"/>
+          <a:lstStyle/>
+          <a:p>
+            <a:pPr algn="ctr"/>
+            <a:r>
+              <a:rPr kumimoji="1" lang="en-US" altLang="ja-JP" sz="900" u="sng" smtClean="0"/>
+              <a:t>Intelli</a:t>
+            </a:r>
+          </a:p>
+          <a:p>
+            <a:pPr algn="ctr"/>
+            <a:r>
+              <a:rPr lang="en-US" altLang="ja-JP" sz="900" u="sng"/>
+              <a:t>J</a:t>
             </a:r>
             <a:endParaRPr kumimoji="1" lang="ja-JP" altLang="en-US" sz="900" u="sng" dirty="0"/>
           </a:p>
@@ -32937,124 +32893,6 @@
       </p:sp>
       <p:sp>
         <p:nvSpPr>
-          <p:cNvPr id="40" name="角丸四角形 39"/>
-          <p:cNvSpPr/>
-          <p:nvPr/>
-        </p:nvSpPr>
-        <p:spPr>
-          <a:xfrm>
-            <a:off x="3693416" y="4421474"/>
-            <a:ext cx="464588" cy="465380"/>
-          </a:xfrm>
-          <a:prstGeom prst="roundRect">
-            <a:avLst/>
-          </a:prstGeom>
-        </p:spPr>
-        <p:style>
-          <a:lnRef idx="2">
-            <a:schemeClr val="accent6"/>
-          </a:lnRef>
-          <a:fillRef idx="1">
-            <a:schemeClr val="lt1"/>
-          </a:fillRef>
-          <a:effectRef idx="0">
-            <a:schemeClr val="accent6"/>
-          </a:effectRef>
-          <a:fontRef idx="minor">
-            <a:schemeClr val="dk1"/>
-          </a:fontRef>
-        </p:style>
-        <p:txBody>
-          <a:bodyPr wrap="none" rtlCol="0" anchor="ctr"/>
-          <a:lstStyle/>
-          <a:p>
-            <a:pPr algn="ctr"/>
-            <a:r>
-              <a:rPr kumimoji="1" lang="ja-JP" altLang="en-US" sz="1200" dirty="0" smtClean="0"/>
-              <a:t>検索</a:t>
-            </a:r>
-            <a:endParaRPr kumimoji="1" lang="ja-JP" altLang="en-US" sz="1200" dirty="0"/>
-          </a:p>
-        </p:txBody>
-      </p:sp>
-      <p:sp>
-        <p:nvSpPr>
-          <p:cNvPr id="41" name="角丸四角形 40"/>
-          <p:cNvSpPr/>
-          <p:nvPr/>
-        </p:nvSpPr>
-        <p:spPr>
-          <a:xfrm>
-            <a:off x="4229997" y="4421474"/>
-            <a:ext cx="464588" cy="465380"/>
-          </a:xfrm>
-          <a:prstGeom prst="roundRect">
-            <a:avLst/>
-          </a:prstGeom>
-        </p:spPr>
-        <p:style>
-          <a:lnRef idx="2">
-            <a:schemeClr val="accent6"/>
-          </a:lnRef>
-          <a:fillRef idx="1">
-            <a:schemeClr val="lt1"/>
-          </a:fillRef>
-          <a:effectRef idx="0">
-            <a:schemeClr val="accent6"/>
-          </a:effectRef>
-          <a:fontRef idx="minor">
-            <a:schemeClr val="dk1"/>
-          </a:fontRef>
-        </p:style>
-        <p:txBody>
-          <a:bodyPr wrap="none" rtlCol="0" anchor="ctr"/>
-          <a:lstStyle/>
-          <a:p>
-            <a:pPr algn="ctr"/>
-            <a:endParaRPr kumimoji="1" lang="ja-JP" altLang="en-US" sz="1400" dirty="0"/>
-          </a:p>
-        </p:txBody>
-      </p:sp>
-      <p:sp>
-        <p:nvSpPr>
-          <p:cNvPr id="42" name="角丸四角形 41"/>
-          <p:cNvSpPr/>
-          <p:nvPr/>
-        </p:nvSpPr>
-        <p:spPr>
-          <a:xfrm>
-            <a:off x="4766578" y="4421474"/>
-            <a:ext cx="464588" cy="465380"/>
-          </a:xfrm>
-          <a:prstGeom prst="roundRect">
-            <a:avLst/>
-          </a:prstGeom>
-        </p:spPr>
-        <p:style>
-          <a:lnRef idx="2">
-            <a:schemeClr val="accent6"/>
-          </a:lnRef>
-          <a:fillRef idx="1">
-            <a:schemeClr val="lt1"/>
-          </a:fillRef>
-          <a:effectRef idx="0">
-            <a:schemeClr val="accent6"/>
-          </a:effectRef>
-          <a:fontRef idx="minor">
-            <a:schemeClr val="dk1"/>
-          </a:fontRef>
-        </p:style>
-        <p:txBody>
-          <a:bodyPr wrap="none" rtlCol="0" anchor="ctr"/>
-          <a:lstStyle/>
-          <a:p>
-            <a:pPr algn="ctr"/>
-            <a:endParaRPr kumimoji="1" lang="ja-JP" altLang="en-US" sz="1400" u="sng" dirty="0"/>
-          </a:p>
-        </p:txBody>
-      </p:sp>
-      <p:sp>
-        <p:nvSpPr>
           <p:cNvPr id="43" name="角丸四角形 42"/>
           <p:cNvSpPr/>
           <p:nvPr/>
@@ -33087,7 +32925,11 @@
           <a:lstStyle/>
           <a:p>
             <a:pPr algn="ctr"/>
-            <a:endParaRPr kumimoji="1" lang="ja-JP" altLang="en-US" sz="1400" dirty="0"/>
+            <a:r>
+              <a:rPr kumimoji="1" lang="en-US" altLang="ja-JP" sz="700" smtClean="0"/>
+              <a:t>Processing</a:t>
+            </a:r>
+            <a:endParaRPr kumimoji="1" lang="ja-JP" altLang="en-US" sz="700" dirty="0"/>
           </a:p>
         </p:txBody>
       </p:sp>
@@ -33125,7 +32967,11 @@
           <a:lstStyle/>
           <a:p>
             <a:pPr algn="ctr"/>
-            <a:endParaRPr kumimoji="1" lang="ja-JP" altLang="en-US" sz="1400" dirty="0"/>
+            <a:r>
+              <a:rPr kumimoji="1" lang="en-US" altLang="ja-JP" sz="900" smtClean="0"/>
+              <a:t>LoL</a:t>
+            </a:r>
+            <a:endParaRPr kumimoji="1" lang="ja-JP" altLang="en-US" sz="900" dirty="0"/>
           </a:p>
         </p:txBody>
       </p:sp>
@@ -33143,27 +32989,34 @@
           <a:prstGeom prst="roundRect">
             <a:avLst/>
           </a:prstGeom>
-        </p:spPr>
-        <p:style>
-          <a:lnRef idx="2">
-            <a:schemeClr val="accent6"/>
-          </a:lnRef>
-          <a:fillRef idx="1">
-            <a:schemeClr val="lt1"/>
-          </a:fillRef>
-          <a:effectRef idx="0">
-            <a:schemeClr val="accent6"/>
-          </a:effectRef>
-          <a:fontRef idx="minor">
-            <a:schemeClr val="dk1"/>
-          </a:fontRef>
-        </p:style>
-        <p:txBody>
-          <a:bodyPr wrap="none" rtlCol="0" anchor="ctr"/>
-          <a:lstStyle/>
-          <a:p>
-            <a:pPr algn="ctr"/>
-            <a:endParaRPr kumimoji="1" lang="ja-JP" altLang="en-US" sz="1400" dirty="0"/>
+          <a:ln>
+            <a:solidFill>
+              <a:schemeClr val="accent5">
+                <a:lumMod val="75000"/>
+              </a:schemeClr>
+            </a:solidFill>
+          </a:ln>
+        </p:spPr>
+        <p:style>
+          <a:lnRef idx="2">
+            <a:schemeClr val="accent6"/>
+          </a:lnRef>
+          <a:fillRef idx="1">
+            <a:schemeClr val="lt1"/>
+          </a:fillRef>
+          <a:effectRef idx="0">
+            <a:schemeClr val="accent6"/>
+          </a:effectRef>
+          <a:fontRef idx="minor">
+            <a:schemeClr val="dk1"/>
+          </a:fontRef>
+        </p:style>
+        <p:txBody>
+          <a:bodyPr wrap="none" rtlCol="0" anchor="ctr"/>
+          <a:lstStyle/>
+          <a:p>
+            <a:pPr algn="ctr"/>
+            <a:endParaRPr kumimoji="1" lang="ja-JP" altLang="en-US" sz="900" dirty="0"/>
           </a:p>
         </p:txBody>
       </p:sp>
@@ -33181,27 +33034,34 @@
           <a:prstGeom prst="roundRect">
             <a:avLst/>
           </a:prstGeom>
-        </p:spPr>
-        <p:style>
-          <a:lnRef idx="2">
-            <a:schemeClr val="accent6"/>
-          </a:lnRef>
-          <a:fillRef idx="1">
-            <a:schemeClr val="lt1"/>
-          </a:fillRef>
-          <a:effectRef idx="0">
-            <a:schemeClr val="accent6"/>
-          </a:effectRef>
-          <a:fontRef idx="minor">
-            <a:schemeClr val="dk1"/>
-          </a:fontRef>
-        </p:style>
-        <p:txBody>
-          <a:bodyPr wrap="none" rtlCol="0" anchor="ctr"/>
-          <a:lstStyle/>
-          <a:p>
-            <a:pPr algn="ctr"/>
-            <a:endParaRPr kumimoji="1" lang="ja-JP" altLang="en-US" sz="1400" dirty="0"/>
+          <a:ln>
+            <a:solidFill>
+              <a:schemeClr val="accent5">
+                <a:lumMod val="75000"/>
+              </a:schemeClr>
+            </a:solidFill>
+          </a:ln>
+        </p:spPr>
+        <p:style>
+          <a:lnRef idx="2">
+            <a:schemeClr val="accent6"/>
+          </a:lnRef>
+          <a:fillRef idx="1">
+            <a:schemeClr val="lt1"/>
+          </a:fillRef>
+          <a:effectRef idx="0">
+            <a:schemeClr val="accent6"/>
+          </a:effectRef>
+          <a:fontRef idx="minor">
+            <a:schemeClr val="dk1"/>
+          </a:fontRef>
+        </p:style>
+        <p:txBody>
+          <a:bodyPr wrap="none" rtlCol="0" anchor="ctr"/>
+          <a:lstStyle/>
+          <a:p>
+            <a:pPr algn="ctr"/>
+            <a:endParaRPr kumimoji="1" lang="ja-JP" altLang="en-US" sz="1000" dirty="0"/>
           </a:p>
         </p:txBody>
       </p:sp>
@@ -33219,40 +33079,535 @@
           <a:prstGeom prst="roundRect">
             <a:avLst/>
           </a:prstGeom>
-        </p:spPr>
-        <p:style>
-          <a:lnRef idx="2">
-            <a:schemeClr val="accent6"/>
-          </a:lnRef>
-          <a:fillRef idx="1">
-            <a:schemeClr val="lt1"/>
-          </a:fillRef>
-          <a:effectRef idx="0">
-            <a:schemeClr val="accent6"/>
-          </a:effectRef>
-          <a:fontRef idx="minor">
-            <a:schemeClr val="dk1"/>
-          </a:fontRef>
-        </p:style>
-        <p:txBody>
-          <a:bodyPr wrap="none" rtlCol="0" anchor="ctr"/>
-          <a:lstStyle/>
-          <a:p>
-            <a:pPr algn="ctr"/>
-            <a:endParaRPr kumimoji="1" lang="ja-JP" altLang="en-US" sz="1400" dirty="0"/>
-          </a:p>
-        </p:txBody>
-      </p:sp>
-      <p:sp>
-        <p:nvSpPr>
-          <p:cNvPr id="49" name="角丸四角形 48"/>
-          <p:cNvSpPr/>
-          <p:nvPr/>
-        </p:nvSpPr>
-        <p:spPr>
-          <a:xfrm>
-            <a:off x="569441" y="4421474"/>
-            <a:ext cx="905658" cy="465380"/>
+          <a:ln>
+            <a:solidFill>
+              <a:schemeClr val="accent5">
+                <a:lumMod val="75000"/>
+              </a:schemeClr>
+            </a:solidFill>
+          </a:ln>
+        </p:spPr>
+        <p:style>
+          <a:lnRef idx="2">
+            <a:schemeClr val="accent6"/>
+          </a:lnRef>
+          <a:fillRef idx="1">
+            <a:schemeClr val="lt1"/>
+          </a:fillRef>
+          <a:effectRef idx="0">
+            <a:schemeClr val="accent6"/>
+          </a:effectRef>
+          <a:fontRef idx="minor">
+            <a:schemeClr val="dk1"/>
+          </a:fontRef>
+        </p:style>
+        <p:txBody>
+          <a:bodyPr wrap="none" rtlCol="0" anchor="ctr"/>
+          <a:lstStyle/>
+          <a:p>
+            <a:pPr algn="ctr"/>
+            <a:endParaRPr kumimoji="1" lang="ja-JP" altLang="en-US" sz="1000" dirty="0"/>
+          </a:p>
+        </p:txBody>
+      </p:sp>
+      <p:sp>
+        <p:nvSpPr>
+          <p:cNvPr id="50" name="角丸四角形 49"/>
+          <p:cNvSpPr/>
+          <p:nvPr/>
+        </p:nvSpPr>
+        <p:spPr>
+          <a:xfrm>
+            <a:off x="1794537" y="4947254"/>
+            <a:ext cx="464588" cy="465380"/>
+          </a:xfrm>
+          <a:prstGeom prst="roundRect">
+            <a:avLst/>
+          </a:prstGeom>
+          <a:ln>
+            <a:solidFill>
+              <a:schemeClr val="accent5">
+                <a:lumMod val="75000"/>
+              </a:schemeClr>
+            </a:solidFill>
+          </a:ln>
+        </p:spPr>
+        <p:style>
+          <a:lnRef idx="2">
+            <a:schemeClr val="accent6"/>
+          </a:lnRef>
+          <a:fillRef idx="1">
+            <a:schemeClr val="lt1"/>
+          </a:fillRef>
+          <a:effectRef idx="0">
+            <a:schemeClr val="accent6"/>
+          </a:effectRef>
+          <a:fontRef idx="minor">
+            <a:schemeClr val="dk1"/>
+          </a:fontRef>
+        </p:style>
+        <p:txBody>
+          <a:bodyPr wrap="none" rtlCol="0" anchor="ctr"/>
+          <a:lstStyle/>
+          <a:p>
+            <a:pPr algn="ctr"/>
+            <a:endParaRPr kumimoji="1" lang="ja-JP" altLang="en-US" sz="1000" dirty="0"/>
+          </a:p>
+        </p:txBody>
+      </p:sp>
+      <p:sp>
+        <p:nvSpPr>
+          <p:cNvPr id="51" name="角丸四角形 50"/>
+          <p:cNvSpPr/>
+          <p:nvPr/>
+        </p:nvSpPr>
+        <p:spPr>
+          <a:xfrm>
+            <a:off x="2331118" y="4947254"/>
+            <a:ext cx="464588" cy="465380"/>
+          </a:xfrm>
+          <a:prstGeom prst="roundRect">
+            <a:avLst/>
+          </a:prstGeom>
+          <a:ln>
+            <a:solidFill>
+              <a:schemeClr val="accent5">
+                <a:lumMod val="75000"/>
+              </a:schemeClr>
+            </a:solidFill>
+          </a:ln>
+        </p:spPr>
+        <p:style>
+          <a:lnRef idx="2">
+            <a:schemeClr val="accent6"/>
+          </a:lnRef>
+          <a:fillRef idx="1">
+            <a:schemeClr val="lt1"/>
+          </a:fillRef>
+          <a:effectRef idx="0">
+            <a:schemeClr val="accent6"/>
+          </a:effectRef>
+          <a:fontRef idx="minor">
+            <a:schemeClr val="dk1"/>
+          </a:fontRef>
+        </p:style>
+        <p:txBody>
+          <a:bodyPr wrap="none" rtlCol="0" anchor="ctr"/>
+          <a:lstStyle/>
+          <a:p>
+            <a:pPr algn="ctr"/>
+            <a:endParaRPr kumimoji="1" lang="ja-JP" altLang="en-US" sz="1000" dirty="0"/>
+          </a:p>
+        </p:txBody>
+      </p:sp>
+      <p:sp>
+        <p:nvSpPr>
+          <p:cNvPr id="52" name="角丸四角形 51"/>
+          <p:cNvSpPr/>
+          <p:nvPr/>
+        </p:nvSpPr>
+        <p:spPr>
+          <a:xfrm>
+            <a:off x="2867699" y="4947254"/>
+            <a:ext cx="464588" cy="465380"/>
+          </a:xfrm>
+          <a:prstGeom prst="roundRect">
+            <a:avLst/>
+          </a:prstGeom>
+          <a:ln>
+            <a:solidFill>
+              <a:schemeClr val="accent5">
+                <a:lumMod val="75000"/>
+              </a:schemeClr>
+            </a:solidFill>
+          </a:ln>
+        </p:spPr>
+        <p:style>
+          <a:lnRef idx="2">
+            <a:schemeClr val="accent6"/>
+          </a:lnRef>
+          <a:fillRef idx="1">
+            <a:schemeClr val="lt1"/>
+          </a:fillRef>
+          <a:effectRef idx="0">
+            <a:schemeClr val="accent6"/>
+          </a:effectRef>
+          <a:fontRef idx="minor">
+            <a:schemeClr val="dk1"/>
+          </a:fontRef>
+        </p:style>
+        <p:txBody>
+          <a:bodyPr wrap="none" rtlCol="0" anchor="ctr"/>
+          <a:lstStyle/>
+          <a:p>
+            <a:pPr algn="ctr"/>
+            <a:endParaRPr kumimoji="1" lang="ja-JP" altLang="en-US" sz="1000" dirty="0"/>
+          </a:p>
+        </p:txBody>
+      </p:sp>
+      <p:sp>
+        <p:nvSpPr>
+          <p:cNvPr id="53" name="角丸四角形 52"/>
+          <p:cNvSpPr/>
+          <p:nvPr/>
+        </p:nvSpPr>
+        <p:spPr>
+          <a:xfrm>
+            <a:off x="3404280" y="4947254"/>
+            <a:ext cx="464588" cy="465380"/>
+          </a:xfrm>
+          <a:prstGeom prst="roundRect">
+            <a:avLst/>
+          </a:prstGeom>
+          <a:ln>
+            <a:solidFill>
+              <a:schemeClr val="accent5">
+                <a:lumMod val="75000"/>
+              </a:schemeClr>
+            </a:solidFill>
+          </a:ln>
+        </p:spPr>
+        <p:style>
+          <a:lnRef idx="2">
+            <a:schemeClr val="accent6"/>
+          </a:lnRef>
+          <a:fillRef idx="1">
+            <a:schemeClr val="lt1"/>
+          </a:fillRef>
+          <a:effectRef idx="0">
+            <a:schemeClr val="accent6"/>
+          </a:effectRef>
+          <a:fontRef idx="minor">
+            <a:schemeClr val="dk1"/>
+          </a:fontRef>
+        </p:style>
+        <p:txBody>
+          <a:bodyPr wrap="none" rtlCol="0" anchor="ctr"/>
+          <a:lstStyle/>
+          <a:p>
+            <a:pPr algn="ctr"/>
+            <a:endParaRPr kumimoji="1" lang="ja-JP" altLang="en-US" sz="1000" dirty="0"/>
+          </a:p>
+        </p:txBody>
+      </p:sp>
+      <p:sp>
+        <p:nvSpPr>
+          <p:cNvPr id="54" name="角丸四角形 53"/>
+          <p:cNvSpPr/>
+          <p:nvPr/>
+        </p:nvSpPr>
+        <p:spPr>
+          <a:xfrm>
+            <a:off x="3940861" y="4947254"/>
+            <a:ext cx="464588" cy="465380"/>
+          </a:xfrm>
+          <a:prstGeom prst="roundRect">
+            <a:avLst/>
+          </a:prstGeom>
+          <a:ln>
+            <a:solidFill>
+              <a:schemeClr val="accent5">
+                <a:lumMod val="75000"/>
+              </a:schemeClr>
+            </a:solidFill>
+          </a:ln>
+        </p:spPr>
+        <p:style>
+          <a:lnRef idx="2">
+            <a:schemeClr val="accent6"/>
+          </a:lnRef>
+          <a:fillRef idx="1">
+            <a:schemeClr val="lt1"/>
+          </a:fillRef>
+          <a:effectRef idx="0">
+            <a:schemeClr val="accent6"/>
+          </a:effectRef>
+          <a:fontRef idx="minor">
+            <a:schemeClr val="dk1"/>
+          </a:fontRef>
+        </p:style>
+        <p:txBody>
+          <a:bodyPr wrap="none" rtlCol="0" anchor="ctr"/>
+          <a:lstStyle/>
+          <a:p>
+            <a:pPr algn="ctr"/>
+            <a:endParaRPr kumimoji="1" lang="ja-JP" altLang="en-US" sz="900" dirty="0"/>
+          </a:p>
+        </p:txBody>
+      </p:sp>
+      <p:sp>
+        <p:nvSpPr>
+          <p:cNvPr id="55" name="角丸四角形 54"/>
+          <p:cNvSpPr/>
+          <p:nvPr/>
+        </p:nvSpPr>
+        <p:spPr>
+          <a:xfrm>
+            <a:off x="4477442" y="4947254"/>
+            <a:ext cx="464588" cy="465380"/>
+          </a:xfrm>
+          <a:prstGeom prst="roundRect">
+            <a:avLst/>
+          </a:prstGeom>
+        </p:spPr>
+        <p:style>
+          <a:lnRef idx="2">
+            <a:schemeClr val="accent6"/>
+          </a:lnRef>
+          <a:fillRef idx="1">
+            <a:schemeClr val="lt1"/>
+          </a:fillRef>
+          <a:effectRef idx="0">
+            <a:schemeClr val="accent6"/>
+          </a:effectRef>
+          <a:fontRef idx="minor">
+            <a:schemeClr val="dk1"/>
+          </a:fontRef>
+        </p:style>
+        <p:txBody>
+          <a:bodyPr wrap="none" rtlCol="0" anchor="ctr"/>
+          <a:lstStyle/>
+          <a:p>
+            <a:pPr algn="ctr"/>
+            <a:r>
+              <a:rPr lang="en-US" altLang="ja-JP" sz="900" smtClean="0"/>
+              <a:t>Notepad</a:t>
+            </a:r>
+            <a:endParaRPr kumimoji="1" lang="ja-JP" altLang="en-US" sz="900" dirty="0"/>
+          </a:p>
+        </p:txBody>
+      </p:sp>
+      <p:sp>
+        <p:nvSpPr>
+          <p:cNvPr id="56" name="角丸四角形 55"/>
+          <p:cNvSpPr/>
+          <p:nvPr/>
+        </p:nvSpPr>
+        <p:spPr>
+          <a:xfrm>
+            <a:off x="5014023" y="4947254"/>
+            <a:ext cx="464588" cy="465380"/>
+          </a:xfrm>
+          <a:prstGeom prst="roundRect">
+            <a:avLst/>
+          </a:prstGeom>
+          <a:ln>
+            <a:solidFill>
+              <a:schemeClr val="accent5">
+                <a:lumMod val="75000"/>
+              </a:schemeClr>
+            </a:solidFill>
+          </a:ln>
+        </p:spPr>
+        <p:style>
+          <a:lnRef idx="2">
+            <a:schemeClr val="accent6"/>
+          </a:lnRef>
+          <a:fillRef idx="1">
+            <a:schemeClr val="lt1"/>
+          </a:fillRef>
+          <a:effectRef idx="0">
+            <a:schemeClr val="accent6"/>
+          </a:effectRef>
+          <a:fontRef idx="minor">
+            <a:schemeClr val="dk1"/>
+          </a:fontRef>
+        </p:style>
+        <p:txBody>
+          <a:bodyPr wrap="none" rtlCol="0" anchor="ctr"/>
+          <a:lstStyle/>
+          <a:p>
+            <a:pPr algn="ctr"/>
+            <a:endParaRPr kumimoji="1" lang="ja-JP" altLang="en-US" sz="1000" dirty="0"/>
+          </a:p>
+        </p:txBody>
+      </p:sp>
+      <p:sp>
+        <p:nvSpPr>
+          <p:cNvPr id="57" name="角丸四角形 56"/>
+          <p:cNvSpPr/>
+          <p:nvPr/>
+        </p:nvSpPr>
+        <p:spPr>
+          <a:xfrm>
+            <a:off x="5550604" y="4947254"/>
+            <a:ext cx="464588" cy="465380"/>
+          </a:xfrm>
+          <a:prstGeom prst="roundRect">
+            <a:avLst/>
+          </a:prstGeom>
+          <a:ln>
+            <a:solidFill>
+              <a:schemeClr val="accent5">
+                <a:lumMod val="75000"/>
+              </a:schemeClr>
+            </a:solidFill>
+          </a:ln>
+        </p:spPr>
+        <p:style>
+          <a:lnRef idx="2">
+            <a:schemeClr val="accent6"/>
+          </a:lnRef>
+          <a:fillRef idx="1">
+            <a:schemeClr val="lt1"/>
+          </a:fillRef>
+          <a:effectRef idx="0">
+            <a:schemeClr val="accent6"/>
+          </a:effectRef>
+          <a:fontRef idx="minor">
+            <a:schemeClr val="dk1"/>
+          </a:fontRef>
+        </p:style>
+        <p:txBody>
+          <a:bodyPr wrap="none" rtlCol="0" anchor="ctr"/>
+          <a:lstStyle/>
+          <a:p>
+            <a:pPr algn="ctr"/>
+            <a:endParaRPr kumimoji="1" lang="ja-JP" altLang="en-US" sz="1000" dirty="0"/>
+          </a:p>
+        </p:txBody>
+      </p:sp>
+      <p:sp>
+        <p:nvSpPr>
+          <p:cNvPr id="58" name="角丸四角形 57"/>
+          <p:cNvSpPr/>
+          <p:nvPr/>
+        </p:nvSpPr>
+        <p:spPr>
+          <a:xfrm>
+            <a:off x="6087185" y="4947254"/>
+            <a:ext cx="464588" cy="465380"/>
+          </a:xfrm>
+          <a:prstGeom prst="roundRect">
+            <a:avLst/>
+          </a:prstGeom>
+          <a:ln>
+            <a:solidFill>
+              <a:schemeClr val="accent5">
+                <a:lumMod val="75000"/>
+              </a:schemeClr>
+            </a:solidFill>
+          </a:ln>
+        </p:spPr>
+        <p:style>
+          <a:lnRef idx="2">
+            <a:schemeClr val="accent6"/>
+          </a:lnRef>
+          <a:fillRef idx="1">
+            <a:schemeClr val="lt1"/>
+          </a:fillRef>
+          <a:effectRef idx="0">
+            <a:schemeClr val="accent6"/>
+          </a:effectRef>
+          <a:fontRef idx="minor">
+            <a:schemeClr val="dk1"/>
+          </a:fontRef>
+        </p:style>
+        <p:txBody>
+          <a:bodyPr wrap="none" rtlCol="0" anchor="ctr"/>
+          <a:lstStyle/>
+          <a:p>
+            <a:pPr algn="ctr"/>
+            <a:endParaRPr kumimoji="1" lang="ja-JP" altLang="en-US" sz="1000" dirty="0"/>
+          </a:p>
+        </p:txBody>
+      </p:sp>
+      <p:sp>
+        <p:nvSpPr>
+          <p:cNvPr id="59" name="角丸四角形 58"/>
+          <p:cNvSpPr/>
+          <p:nvPr/>
+        </p:nvSpPr>
+        <p:spPr>
+          <a:xfrm>
+            <a:off x="6623766" y="4947254"/>
+            <a:ext cx="464588" cy="465380"/>
+          </a:xfrm>
+          <a:prstGeom prst="roundRect">
+            <a:avLst/>
+          </a:prstGeom>
+          <a:ln>
+            <a:solidFill>
+              <a:schemeClr val="accent5">
+                <a:lumMod val="75000"/>
+              </a:schemeClr>
+            </a:solidFill>
+          </a:ln>
+        </p:spPr>
+        <p:style>
+          <a:lnRef idx="2">
+            <a:schemeClr val="accent6"/>
+          </a:lnRef>
+          <a:fillRef idx="1">
+            <a:schemeClr val="lt1"/>
+          </a:fillRef>
+          <a:effectRef idx="0">
+            <a:schemeClr val="accent6"/>
+          </a:effectRef>
+          <a:fontRef idx="minor">
+            <a:schemeClr val="dk1"/>
+          </a:fontRef>
+        </p:style>
+        <p:txBody>
+          <a:bodyPr wrap="none" rtlCol="0" anchor="ctr"/>
+          <a:lstStyle/>
+          <a:p>
+            <a:pPr algn="ctr"/>
+            <a:endParaRPr kumimoji="1" lang="ja-JP" altLang="en-US" sz="1000" dirty="0"/>
+          </a:p>
+        </p:txBody>
+      </p:sp>
+      <p:sp>
+        <p:nvSpPr>
+          <p:cNvPr id="68" name="角丸四角形 67"/>
+          <p:cNvSpPr/>
+          <p:nvPr/>
+        </p:nvSpPr>
+        <p:spPr>
+          <a:xfrm>
+            <a:off x="1900793" y="5473034"/>
+            <a:ext cx="749080" cy="465380"/>
+          </a:xfrm>
+          <a:prstGeom prst="roundRect">
+            <a:avLst/>
+          </a:prstGeom>
+          <a:solidFill>
+            <a:schemeClr val="accent6"/>
+          </a:solidFill>
+        </p:spPr>
+        <p:style>
+          <a:lnRef idx="2">
+            <a:schemeClr val="accent6"/>
+          </a:lnRef>
+          <a:fillRef idx="1">
+            <a:schemeClr val="lt1"/>
+          </a:fillRef>
+          <a:effectRef idx="0">
+            <a:schemeClr val="accent6"/>
+          </a:effectRef>
+          <a:fontRef idx="minor">
+            <a:schemeClr val="dk1"/>
+          </a:fontRef>
+        </p:style>
+        <p:txBody>
+          <a:bodyPr wrap="none" rtlCol="0" anchor="ctr"/>
+          <a:lstStyle/>
+          <a:p>
+            <a:pPr algn="ctr"/>
+            <a:endParaRPr kumimoji="1" lang="ja-JP" altLang="en-US" sz="800" dirty="0"/>
+          </a:p>
+        </p:txBody>
+      </p:sp>
+      <p:sp>
+        <p:nvSpPr>
+          <p:cNvPr id="70" name="角丸四角形 69"/>
+          <p:cNvSpPr/>
+          <p:nvPr/>
+        </p:nvSpPr>
+        <p:spPr>
+          <a:xfrm>
+            <a:off x="5941352" y="5473034"/>
+            <a:ext cx="710750" cy="465380"/>
           </a:xfrm>
           <a:prstGeom prst="roundRect">
             <a:avLst/>
@@ -33285,454 +33640,181 @@
           <a:lstStyle/>
           <a:p>
             <a:pPr algn="ctr"/>
-            <a:endParaRPr kumimoji="1" lang="ja-JP" altLang="en-US" sz="1400" dirty="0"/>
-          </a:p>
-        </p:txBody>
-      </p:sp>
-      <p:sp>
-        <p:nvSpPr>
-          <p:cNvPr id="50" name="角丸四角形 49"/>
-          <p:cNvSpPr/>
-          <p:nvPr/>
-        </p:nvSpPr>
-        <p:spPr>
-          <a:xfrm>
-            <a:off x="1794537" y="4947254"/>
-            <a:ext cx="464588" cy="465380"/>
-          </a:xfrm>
-          <a:prstGeom prst="roundRect">
-            <a:avLst/>
-          </a:prstGeom>
-        </p:spPr>
-        <p:style>
-          <a:lnRef idx="2">
-            <a:schemeClr val="accent6"/>
-          </a:lnRef>
-          <a:fillRef idx="1">
-            <a:schemeClr val="lt1"/>
-          </a:fillRef>
-          <a:effectRef idx="0">
-            <a:schemeClr val="accent6"/>
-          </a:effectRef>
-          <a:fontRef idx="minor">
-            <a:schemeClr val="dk1"/>
-          </a:fontRef>
-        </p:style>
-        <p:txBody>
-          <a:bodyPr wrap="none" rtlCol="0" anchor="ctr"/>
-          <a:lstStyle/>
-          <a:p>
-            <a:pPr algn="ctr"/>
-            <a:endParaRPr kumimoji="1" lang="ja-JP" altLang="en-US" sz="1400" dirty="0"/>
-          </a:p>
-        </p:txBody>
-      </p:sp>
-      <p:sp>
-        <p:nvSpPr>
-          <p:cNvPr id="51" name="角丸四角形 50"/>
-          <p:cNvSpPr/>
-          <p:nvPr/>
-        </p:nvSpPr>
-        <p:spPr>
-          <a:xfrm>
-            <a:off x="2331118" y="4947254"/>
-            <a:ext cx="464588" cy="465380"/>
-          </a:xfrm>
-          <a:prstGeom prst="roundRect">
-            <a:avLst/>
-          </a:prstGeom>
-        </p:spPr>
-        <p:style>
-          <a:lnRef idx="2">
-            <a:schemeClr val="accent6"/>
-          </a:lnRef>
-          <a:fillRef idx="1">
-            <a:schemeClr val="lt1"/>
-          </a:fillRef>
-          <a:effectRef idx="0">
-            <a:schemeClr val="accent6"/>
-          </a:effectRef>
-          <a:fontRef idx="minor">
-            <a:schemeClr val="dk1"/>
-          </a:fontRef>
-        </p:style>
-        <p:txBody>
-          <a:bodyPr wrap="none" rtlCol="0" anchor="ctr"/>
-          <a:lstStyle/>
-          <a:p>
-            <a:pPr algn="ctr"/>
-            <a:endParaRPr kumimoji="1" lang="ja-JP" altLang="en-US" sz="1400" dirty="0"/>
-          </a:p>
-        </p:txBody>
-      </p:sp>
-      <p:sp>
-        <p:nvSpPr>
-          <p:cNvPr id="52" name="角丸四角形 51"/>
-          <p:cNvSpPr/>
-          <p:nvPr/>
-        </p:nvSpPr>
-        <p:spPr>
-          <a:xfrm>
-            <a:off x="2867699" y="4947254"/>
-            <a:ext cx="464588" cy="465380"/>
-          </a:xfrm>
-          <a:prstGeom prst="roundRect">
-            <a:avLst/>
-          </a:prstGeom>
-        </p:spPr>
-        <p:style>
-          <a:lnRef idx="2">
-            <a:schemeClr val="accent6"/>
-          </a:lnRef>
-          <a:fillRef idx="1">
-            <a:schemeClr val="lt1"/>
-          </a:fillRef>
-          <a:effectRef idx="0">
-            <a:schemeClr val="accent6"/>
-          </a:effectRef>
-          <a:fontRef idx="minor">
-            <a:schemeClr val="dk1"/>
-          </a:fontRef>
-        </p:style>
-        <p:txBody>
-          <a:bodyPr wrap="none" rtlCol="0" anchor="ctr"/>
-          <a:lstStyle/>
-          <a:p>
-            <a:pPr algn="ctr"/>
-            <a:endParaRPr kumimoji="1" lang="ja-JP" altLang="en-US" sz="1400" dirty="0"/>
-          </a:p>
-        </p:txBody>
-      </p:sp>
-      <p:sp>
-        <p:nvSpPr>
-          <p:cNvPr id="53" name="角丸四角形 52"/>
-          <p:cNvSpPr/>
-          <p:nvPr/>
-        </p:nvSpPr>
-        <p:spPr>
-          <a:xfrm>
-            <a:off x="3404280" y="4947254"/>
-            <a:ext cx="464588" cy="465380"/>
-          </a:xfrm>
-          <a:prstGeom prst="roundRect">
-            <a:avLst/>
-          </a:prstGeom>
-        </p:spPr>
-        <p:style>
-          <a:lnRef idx="2">
-            <a:schemeClr val="accent6"/>
-          </a:lnRef>
-          <a:fillRef idx="1">
-            <a:schemeClr val="lt1"/>
-          </a:fillRef>
-          <a:effectRef idx="0">
-            <a:schemeClr val="accent6"/>
-          </a:effectRef>
-          <a:fontRef idx="minor">
-            <a:schemeClr val="dk1"/>
-          </a:fontRef>
-        </p:style>
-        <p:txBody>
-          <a:bodyPr wrap="none" rtlCol="0" anchor="ctr"/>
-          <a:lstStyle/>
-          <a:p>
-            <a:pPr algn="ctr"/>
-            <a:endParaRPr kumimoji="1" lang="ja-JP" altLang="en-US" sz="1400" dirty="0"/>
-          </a:p>
-        </p:txBody>
-      </p:sp>
-      <p:sp>
-        <p:nvSpPr>
-          <p:cNvPr id="54" name="角丸四角形 53"/>
-          <p:cNvSpPr/>
-          <p:nvPr/>
-        </p:nvSpPr>
-        <p:spPr>
-          <a:xfrm>
-            <a:off x="3940861" y="4947254"/>
-            <a:ext cx="464588" cy="465380"/>
-          </a:xfrm>
-          <a:prstGeom prst="roundRect">
-            <a:avLst/>
-          </a:prstGeom>
-        </p:spPr>
-        <p:style>
-          <a:lnRef idx="2">
-            <a:schemeClr val="accent6"/>
-          </a:lnRef>
-          <a:fillRef idx="1">
-            <a:schemeClr val="lt1"/>
-          </a:fillRef>
-          <a:effectRef idx="0">
-            <a:schemeClr val="accent6"/>
-          </a:effectRef>
-          <a:fontRef idx="minor">
-            <a:schemeClr val="dk1"/>
-          </a:fontRef>
-        </p:style>
-        <p:txBody>
-          <a:bodyPr wrap="none" rtlCol="0" anchor="ctr"/>
-          <a:lstStyle/>
-          <a:p>
-            <a:pPr algn="ctr"/>
-            <a:endParaRPr kumimoji="1" lang="ja-JP" altLang="en-US" sz="1400" dirty="0"/>
-          </a:p>
-        </p:txBody>
-      </p:sp>
-      <p:sp>
-        <p:nvSpPr>
-          <p:cNvPr id="55" name="角丸四角形 54"/>
-          <p:cNvSpPr/>
-          <p:nvPr/>
-        </p:nvSpPr>
-        <p:spPr>
-          <a:xfrm>
-            <a:off x="4477442" y="4947254"/>
-            <a:ext cx="464588" cy="465380"/>
-          </a:xfrm>
-          <a:prstGeom prst="roundRect">
-            <a:avLst/>
-          </a:prstGeom>
-        </p:spPr>
-        <p:style>
-          <a:lnRef idx="2">
-            <a:schemeClr val="accent6"/>
-          </a:lnRef>
-          <a:fillRef idx="1">
-            <a:schemeClr val="lt1"/>
-          </a:fillRef>
-          <a:effectRef idx="0">
-            <a:schemeClr val="accent6"/>
-          </a:effectRef>
-          <a:fontRef idx="minor">
-            <a:schemeClr val="dk1"/>
-          </a:fontRef>
-        </p:style>
-        <p:txBody>
-          <a:bodyPr wrap="none" rtlCol="0" anchor="ctr"/>
-          <a:lstStyle/>
-          <a:p>
-            <a:pPr algn="ctr"/>
-            <a:endParaRPr kumimoji="1" lang="ja-JP" altLang="en-US" sz="1400" dirty="0"/>
-          </a:p>
-        </p:txBody>
-      </p:sp>
-      <p:sp>
-        <p:nvSpPr>
-          <p:cNvPr id="56" name="角丸四角形 55"/>
-          <p:cNvSpPr/>
-          <p:nvPr/>
-        </p:nvSpPr>
-        <p:spPr>
-          <a:xfrm>
-            <a:off x="5014023" y="4947254"/>
-            <a:ext cx="464588" cy="465380"/>
-          </a:xfrm>
-          <a:prstGeom prst="roundRect">
-            <a:avLst/>
-          </a:prstGeom>
-        </p:spPr>
-        <p:style>
-          <a:lnRef idx="2">
-            <a:schemeClr val="accent6"/>
-          </a:lnRef>
-          <a:fillRef idx="1">
-            <a:schemeClr val="lt1"/>
-          </a:fillRef>
-          <a:effectRef idx="0">
-            <a:schemeClr val="accent6"/>
-          </a:effectRef>
-          <a:fontRef idx="minor">
-            <a:schemeClr val="dk1"/>
-          </a:fontRef>
-        </p:style>
-        <p:txBody>
-          <a:bodyPr wrap="none" rtlCol="0" anchor="ctr"/>
-          <a:lstStyle/>
-          <a:p>
-            <a:pPr algn="ctr"/>
-            <a:endParaRPr kumimoji="1" lang="ja-JP" altLang="en-US" sz="1400" dirty="0"/>
-          </a:p>
-        </p:txBody>
-      </p:sp>
-      <p:sp>
-        <p:nvSpPr>
-          <p:cNvPr id="57" name="角丸四角形 56"/>
-          <p:cNvSpPr/>
-          <p:nvPr/>
-        </p:nvSpPr>
-        <p:spPr>
-          <a:xfrm>
-            <a:off x="5550604" y="4947254"/>
-            <a:ext cx="464588" cy="465380"/>
-          </a:xfrm>
-          <a:prstGeom prst="roundRect">
-            <a:avLst/>
-          </a:prstGeom>
-        </p:spPr>
-        <p:style>
-          <a:lnRef idx="2">
-            <a:schemeClr val="accent6"/>
-          </a:lnRef>
-          <a:fillRef idx="1">
-            <a:schemeClr val="lt1"/>
-          </a:fillRef>
-          <a:effectRef idx="0">
-            <a:schemeClr val="accent6"/>
-          </a:effectRef>
-          <a:fontRef idx="minor">
-            <a:schemeClr val="dk1"/>
-          </a:fontRef>
-        </p:style>
-        <p:txBody>
-          <a:bodyPr wrap="none" rtlCol="0" anchor="ctr"/>
-          <a:lstStyle/>
-          <a:p>
-            <a:pPr algn="ctr"/>
-            <a:endParaRPr kumimoji="1" lang="ja-JP" altLang="en-US" sz="1400" dirty="0"/>
-          </a:p>
-        </p:txBody>
-      </p:sp>
-      <p:sp>
-        <p:nvSpPr>
-          <p:cNvPr id="58" name="角丸四角形 57"/>
-          <p:cNvSpPr/>
-          <p:nvPr/>
-        </p:nvSpPr>
-        <p:spPr>
-          <a:xfrm>
-            <a:off x="6087185" y="4947254"/>
-            <a:ext cx="464588" cy="465380"/>
-          </a:xfrm>
-          <a:prstGeom prst="roundRect">
-            <a:avLst/>
-          </a:prstGeom>
-        </p:spPr>
-        <p:style>
-          <a:lnRef idx="2">
-            <a:schemeClr val="accent6"/>
-          </a:lnRef>
-          <a:fillRef idx="1">
-            <a:schemeClr val="lt1"/>
-          </a:fillRef>
-          <a:effectRef idx="0">
-            <a:schemeClr val="accent6"/>
-          </a:effectRef>
-          <a:fontRef idx="minor">
-            <a:schemeClr val="dk1"/>
-          </a:fontRef>
-        </p:style>
-        <p:txBody>
-          <a:bodyPr wrap="none" rtlCol="0" anchor="ctr"/>
-          <a:lstStyle/>
-          <a:p>
-            <a:pPr algn="ctr"/>
-            <a:endParaRPr kumimoji="1" lang="ja-JP" altLang="en-US" sz="1400" dirty="0"/>
-          </a:p>
-        </p:txBody>
-      </p:sp>
-      <p:sp>
-        <p:nvSpPr>
-          <p:cNvPr id="59" name="角丸四角形 58"/>
-          <p:cNvSpPr/>
-          <p:nvPr/>
-        </p:nvSpPr>
-        <p:spPr>
-          <a:xfrm>
-            <a:off x="6623766" y="4947254"/>
-            <a:ext cx="464588" cy="465380"/>
-          </a:xfrm>
-          <a:prstGeom prst="roundRect">
-            <a:avLst/>
-          </a:prstGeom>
-        </p:spPr>
-        <p:style>
-          <a:lnRef idx="2">
-            <a:schemeClr val="accent6"/>
-          </a:lnRef>
-          <a:fillRef idx="1">
-            <a:schemeClr val="lt1"/>
-          </a:fillRef>
-          <a:effectRef idx="0">
-            <a:schemeClr val="accent6"/>
-          </a:effectRef>
-          <a:fontRef idx="minor">
-            <a:schemeClr val="dk1"/>
-          </a:fontRef>
-        </p:style>
-        <p:txBody>
-          <a:bodyPr wrap="none" rtlCol="0" anchor="ctr"/>
-          <a:lstStyle/>
-          <a:p>
-            <a:pPr algn="ctr"/>
-            <a:endParaRPr kumimoji="1" lang="ja-JP" altLang="en-US" sz="1400" dirty="0"/>
-          </a:p>
-        </p:txBody>
-      </p:sp>
-      <p:sp>
-        <p:nvSpPr>
-          <p:cNvPr id="70" name="角丸四角形 69"/>
-          <p:cNvSpPr/>
-          <p:nvPr/>
-        </p:nvSpPr>
-        <p:spPr>
-          <a:xfrm>
-            <a:off x="5941352" y="5473034"/>
-            <a:ext cx="710750" cy="465380"/>
-          </a:xfrm>
-          <a:prstGeom prst="roundRect">
-            <a:avLst/>
-          </a:prstGeom>
-          <a:solidFill>
-            <a:schemeClr val="accent2"/>
-          </a:solidFill>
+            <a:endParaRPr kumimoji="1" lang="ja-JP" altLang="en-US" sz="800" dirty="0"/>
+          </a:p>
+        </p:txBody>
+      </p:sp>
+      <p:sp>
+        <p:nvSpPr>
+          <p:cNvPr id="60" name="正方形/長方形 59"/>
+          <p:cNvSpPr/>
+          <p:nvPr/>
+        </p:nvSpPr>
+        <p:spPr>
+          <a:xfrm>
+            <a:off x="1080438" y="3347135"/>
+            <a:ext cx="5366082" cy="521472"/>
+          </a:xfrm>
+          <a:prstGeom prst="rect">
+            <a:avLst/>
+          </a:prstGeom>
+          <a:noFill/>
           <a:ln>
             <a:solidFill>
-              <a:schemeClr val="accent2"/>
+              <a:schemeClr val="accent2">
+                <a:lumMod val="75000"/>
+              </a:schemeClr>
             </a:solidFill>
           </a:ln>
         </p:spPr>
         <p:style>
           <a:lnRef idx="2">
-            <a:schemeClr val="accent6"/>
-          </a:lnRef>
-          <a:fillRef idx="1">
-            <a:schemeClr val="lt1"/>
-          </a:fillRef>
-          <a:effectRef idx="0">
-            <a:schemeClr val="accent6"/>
-          </a:effectRef>
-          <a:fontRef idx="minor">
-            <a:schemeClr val="dk1"/>
-          </a:fontRef>
-        </p:style>
-        <p:txBody>
-          <a:bodyPr wrap="none" rtlCol="0" anchor="ctr"/>
-          <a:lstStyle/>
-          <a:p>
-            <a:pPr algn="ctr"/>
-            <a:endParaRPr kumimoji="1" lang="ja-JP" altLang="en-US" sz="1400" dirty="0"/>
+            <a:schemeClr val="accent1">
+              <a:shade val="50000"/>
+            </a:schemeClr>
+          </a:lnRef>
+          <a:fillRef idx="1">
+            <a:schemeClr val="accent1"/>
+          </a:fillRef>
+          <a:effectRef idx="0">
+            <a:schemeClr val="accent1"/>
+          </a:effectRef>
+          <a:fontRef idx="minor">
+            <a:schemeClr val="lt1"/>
+          </a:fontRef>
+        </p:style>
+        <p:txBody>
+          <a:bodyPr rtlCol="0" anchor="ctr"/>
+          <a:lstStyle/>
+          <a:p>
+            <a:pPr algn="ctr"/>
+            <a:endParaRPr kumimoji="1" lang="ja-JP" altLang="en-US"/>
+          </a:p>
+        </p:txBody>
+      </p:sp>
+      <p:cxnSp>
+        <p:nvCxnSpPr>
+          <p:cNvPr id="61" name="直線矢印コネクタ 60"/>
+          <p:cNvCxnSpPr>
+            <a:stCxn id="62" idx="1"/>
+            <a:endCxn id="60" idx="0"/>
+          </p:cNvCxnSpPr>
+          <p:nvPr/>
+        </p:nvCxnSpPr>
+        <p:spPr>
+          <a:xfrm flipH="1">
+            <a:off x="3763479" y="2797323"/>
+            <a:ext cx="835728" cy="549812"/>
+          </a:xfrm>
+          <a:prstGeom prst="straightConnector1">
+            <a:avLst/>
+          </a:prstGeom>
+          <a:ln>
+            <a:solidFill>
+              <a:schemeClr val="accent2">
+                <a:lumMod val="75000"/>
+              </a:schemeClr>
+            </a:solidFill>
+            <a:tailEnd type="triangle"/>
+          </a:ln>
+        </p:spPr>
+        <p:style>
+          <a:lnRef idx="1">
+            <a:schemeClr val="accent1"/>
+          </a:lnRef>
+          <a:fillRef idx="0">
+            <a:schemeClr val="accent1"/>
+          </a:fillRef>
+          <a:effectRef idx="0">
+            <a:schemeClr val="accent1"/>
+          </a:effectRef>
+          <a:fontRef idx="minor">
+            <a:schemeClr val="tx1"/>
+          </a:fontRef>
+        </p:style>
+      </p:cxnSp>
+      <p:sp>
+        <p:nvSpPr>
+          <p:cNvPr id="62" name="テキスト ボックス 61"/>
+          <p:cNvSpPr txBox="1"/>
+          <p:nvPr/>
+        </p:nvSpPr>
+        <p:spPr>
+          <a:xfrm>
+            <a:off x="4599207" y="2612657"/>
+            <a:ext cx="3479735" cy="369332"/>
+          </a:xfrm>
+          <a:prstGeom prst="rect">
+            <a:avLst/>
+          </a:prstGeom>
+          <a:noFill/>
+        </p:spPr>
+        <p:txBody>
+          <a:bodyPr wrap="none" rtlCol="0">
+            <a:spAutoFit/>
+          </a:bodyPr>
+          <a:lstStyle/>
+          <a:p>
+            <a:r>
+              <a:rPr kumimoji="1" lang="en-US" altLang="ja-JP" dirty="0" smtClean="0">
+                <a:solidFill>
+                  <a:schemeClr val="accent2">
+                    <a:lumMod val="75000"/>
+                  </a:schemeClr>
+                </a:solidFill>
+              </a:rPr>
+              <a:t>+Shift</a:t>
+            </a:r>
+            <a:r>
+              <a:rPr kumimoji="1" lang="ja-JP" altLang="en-US" dirty="0" smtClean="0">
+                <a:solidFill>
+                  <a:schemeClr val="accent2">
+                    <a:lumMod val="75000"/>
+                  </a:schemeClr>
+                </a:solidFill>
+              </a:rPr>
+              <a:t>で</a:t>
+            </a:r>
+            <a:r>
+              <a:rPr lang="ja-JP" altLang="en-US" dirty="0" smtClean="0">
+                <a:solidFill>
+                  <a:schemeClr val="accent2">
+                    <a:lumMod val="75000"/>
+                  </a:schemeClr>
+                </a:solidFill>
+              </a:rPr>
+              <a:t>登録</a:t>
+            </a:r>
+            <a:r>
+              <a:rPr lang="en-US" altLang="ja-JP" dirty="0" smtClean="0">
+                <a:solidFill>
+                  <a:schemeClr val="accent2">
+                    <a:lumMod val="75000"/>
+                  </a:schemeClr>
+                </a:solidFill>
+              </a:rPr>
+              <a:t>(on Explorer Window)</a:t>
+            </a:r>
+            <a:endParaRPr kumimoji="1" lang="ja-JP" altLang="en-US" dirty="0">
+              <a:solidFill>
+                <a:schemeClr val="accent2">
+                  <a:lumMod val="75000"/>
+                </a:schemeClr>
+              </a:solidFill>
+            </a:endParaRPr>
           </a:p>
         </p:txBody>
       </p:sp>
     </p:spTree>
     <p:extLst>
       <p:ext uri="{BB962C8B-B14F-4D97-AF65-F5344CB8AC3E}">
-        <p14:creationId xmlns:p14="http://schemas.microsoft.com/office/powerpoint/2010/main" val="2173051432"/>
+        <p14:creationId xmlns:p14="http://schemas.microsoft.com/office/powerpoint/2010/main" val="2676337646"/>
       </p:ext>
     </p:extLst>
   </p:cSld>
   <p:clrMapOvr>
     <a:masterClrMapping/>
   </p:clrMapOvr>
-  <mc:AlternateContent xmlns:mc="http://schemas.openxmlformats.org/markup-compatibility/2006" xmlns:p14="http://schemas.microsoft.com/office/powerpoint/2010/main">
-    <mc:Choice Requires="p14">
-      <p:transition spd="slow" p14:dur="2000"/>
-    </mc:Choice>
-    <mc:Fallback xmlns="">
-      <p:transition spd="slow"/>
-    </mc:Fallback>
-  </mc:AlternateContent>
   <p:timing>
     <p:tnLst>
       <p:par>

--- a/MANUAL.pptx
+++ b/MANUAL.pptx
@@ -248,7 +248,7 @@
           <a:p>
             <a:fld id="{98B15ECE-60C4-45D4-8ABC-DDA7D4F33EF9}" type="datetimeFigureOut">
               <a:rPr kumimoji="1" lang="ja-JP" altLang="en-US" smtClean="0"/>
-              <a:t>2015/11/29</a:t>
+              <a:t>2015/12/7</a:t>
             </a:fld>
             <a:endParaRPr kumimoji="1" lang="ja-JP" altLang="en-US"/>
           </a:p>
@@ -1267,7 +1267,7 @@
           <a:p>
             <a:fld id="{8FB4C7EE-3C5D-4F47-A8DE-21B759CA57C5}" type="datetimeFigureOut">
               <a:rPr kumimoji="1" lang="ja-JP" altLang="en-US" smtClean="0"/>
-              <a:t>2015/11/29</a:t>
+              <a:t>2015/12/7</a:t>
             </a:fld>
             <a:endParaRPr kumimoji="1" lang="ja-JP" altLang="en-US"/>
           </a:p>
@@ -1469,7 +1469,7 @@
           <a:p>
             <a:fld id="{8FB4C7EE-3C5D-4F47-A8DE-21B759CA57C5}" type="datetimeFigureOut">
               <a:rPr kumimoji="1" lang="ja-JP" altLang="en-US" smtClean="0"/>
-              <a:t>2015/11/29</a:t>
+              <a:t>2015/12/7</a:t>
             </a:fld>
             <a:endParaRPr kumimoji="1" lang="ja-JP" altLang="en-US"/>
           </a:p>
@@ -1681,7 +1681,7 @@
           <a:p>
             <a:fld id="{8FB4C7EE-3C5D-4F47-A8DE-21B759CA57C5}" type="datetimeFigureOut">
               <a:rPr kumimoji="1" lang="ja-JP" altLang="en-US" smtClean="0"/>
-              <a:t>2015/11/29</a:t>
+              <a:t>2015/12/7</a:t>
             </a:fld>
             <a:endParaRPr kumimoji="1" lang="ja-JP" altLang="en-US"/>
           </a:p>
@@ -1883,7 +1883,7 @@
           <a:p>
             <a:fld id="{8FB4C7EE-3C5D-4F47-A8DE-21B759CA57C5}" type="datetimeFigureOut">
               <a:rPr kumimoji="1" lang="ja-JP" altLang="en-US" smtClean="0"/>
-              <a:t>2015/11/29</a:t>
+              <a:t>2015/12/7</a:t>
             </a:fld>
             <a:endParaRPr kumimoji="1" lang="ja-JP" altLang="en-US"/>
           </a:p>
@@ -2127,7 +2127,7 @@
           <a:p>
             <a:fld id="{8FB4C7EE-3C5D-4F47-A8DE-21B759CA57C5}" type="datetimeFigureOut">
               <a:rPr kumimoji="1" lang="ja-JP" altLang="en-US" smtClean="0"/>
-              <a:t>2015/11/29</a:t>
+              <a:t>2015/12/7</a:t>
             </a:fld>
             <a:endParaRPr kumimoji="1" lang="ja-JP" altLang="en-US"/>
           </a:p>
@@ -2423,7 +2423,7 @@
           <a:p>
             <a:fld id="{8FB4C7EE-3C5D-4F47-A8DE-21B759CA57C5}" type="datetimeFigureOut">
               <a:rPr kumimoji="1" lang="ja-JP" altLang="en-US" smtClean="0"/>
-              <a:t>2015/11/29</a:t>
+              <a:t>2015/12/7</a:t>
             </a:fld>
             <a:endParaRPr kumimoji="1" lang="ja-JP" altLang="en-US"/>
           </a:p>
@@ -2854,7 +2854,7 @@
           <a:p>
             <a:fld id="{8FB4C7EE-3C5D-4F47-A8DE-21B759CA57C5}" type="datetimeFigureOut">
               <a:rPr kumimoji="1" lang="ja-JP" altLang="en-US" smtClean="0"/>
-              <a:t>2015/11/29</a:t>
+              <a:t>2015/12/7</a:t>
             </a:fld>
             <a:endParaRPr kumimoji="1" lang="ja-JP" altLang="en-US"/>
           </a:p>
@@ -2972,7 +2972,7 @@
           <a:p>
             <a:fld id="{8FB4C7EE-3C5D-4F47-A8DE-21B759CA57C5}" type="datetimeFigureOut">
               <a:rPr kumimoji="1" lang="ja-JP" altLang="en-US" smtClean="0"/>
-              <a:t>2015/11/29</a:t>
+              <a:t>2015/12/7</a:t>
             </a:fld>
             <a:endParaRPr kumimoji="1" lang="ja-JP" altLang="en-US"/>
           </a:p>
@@ -3067,7 +3067,7 @@
           <a:p>
             <a:fld id="{8FB4C7EE-3C5D-4F47-A8DE-21B759CA57C5}" type="datetimeFigureOut">
               <a:rPr kumimoji="1" lang="ja-JP" altLang="en-US" smtClean="0"/>
-              <a:t>2015/11/29</a:t>
+              <a:t>2015/12/7</a:t>
             </a:fld>
             <a:endParaRPr kumimoji="1" lang="ja-JP" altLang="en-US"/>
           </a:p>
@@ -3376,7 +3376,7 @@
           <a:p>
             <a:fld id="{8FB4C7EE-3C5D-4F47-A8DE-21B759CA57C5}" type="datetimeFigureOut">
               <a:rPr kumimoji="1" lang="ja-JP" altLang="en-US" smtClean="0"/>
-              <a:t>2015/11/29</a:t>
+              <a:t>2015/12/7</a:t>
             </a:fld>
             <a:endParaRPr kumimoji="1" lang="ja-JP" altLang="en-US"/>
           </a:p>
@@ -3633,7 +3633,7 @@
           <a:p>
             <a:fld id="{8FB4C7EE-3C5D-4F47-A8DE-21B759CA57C5}" type="datetimeFigureOut">
               <a:rPr kumimoji="1" lang="ja-JP" altLang="en-US" smtClean="0"/>
-              <a:t>2015/11/29</a:t>
+              <a:t>2015/12/7</a:t>
             </a:fld>
             <a:endParaRPr kumimoji="1" lang="ja-JP" altLang="en-US"/>
           </a:p>
@@ -3878,7 +3878,7 @@
           <a:p>
             <a:fld id="{8FB4C7EE-3C5D-4F47-A8DE-21B759CA57C5}" type="datetimeFigureOut">
               <a:rPr kumimoji="1" lang="ja-JP" altLang="en-US" smtClean="0"/>
-              <a:t>2015/11/29</a:t>
+              <a:t>2015/12/7</a:t>
             </a:fld>
             <a:endParaRPr kumimoji="1" lang="ja-JP" altLang="en-US"/>
           </a:p>
@@ -13758,7 +13758,7 @@
                 <a:latin typeface="+mj-ea"/>
                 <a:ea typeface="+mj-ea"/>
               </a:rPr>
-              <a:t>MClick</a:t>
+              <a:t>MButton</a:t>
             </a:r>
             <a:endParaRPr kumimoji="1" lang="ja-JP" altLang="en-US" sz="1400" dirty="0">
               <a:solidFill>
@@ -13852,7 +13852,7 @@
           <a:p>
             <a:pPr algn="ctr"/>
             <a:r>
-              <a:rPr kumimoji="1" lang="en-US" altLang="ja-JP" sz="1400" smtClean="0">
+              <a:rPr kumimoji="1" lang="en-US" altLang="ja-JP" sz="1400" dirty="0" smtClean="0">
                 <a:solidFill>
                   <a:schemeClr val="accent5">
                     <a:lumMod val="75000"/>
@@ -13861,7 +13861,67 @@
                 <a:latin typeface="+mj-ea"/>
                 <a:ea typeface="+mj-ea"/>
               </a:rPr>
-              <a:t>Middle Button</a:t>
+              <a:t>scroll </a:t>
+            </a:r>
+            <a:r>
+              <a:rPr lang="en-US" altLang="ja-JP" sz="1400" dirty="0" smtClean="0">
+                <a:solidFill>
+                  <a:schemeClr val="accent5">
+                    <a:lumMod val="75000"/>
+                  </a:schemeClr>
+                </a:solidFill>
+                <a:latin typeface="+mj-ea"/>
+                <a:ea typeface="+mj-ea"/>
+              </a:rPr>
+              <a:t>(</a:t>
+            </a:r>
+            <a:r>
+              <a:rPr kumimoji="1" lang="en-US" altLang="ja-JP" sz="1400" dirty="0" smtClean="0">
+                <a:solidFill>
+                  <a:schemeClr val="accent5">
+                    <a:lumMod val="75000"/>
+                  </a:schemeClr>
+                </a:solidFill>
+                <a:latin typeface="+mj-ea"/>
+                <a:ea typeface="+mj-ea"/>
+              </a:rPr>
+              <a:t>AHK </a:t>
+            </a:r>
+            <a:r>
+              <a:rPr lang="en-US" altLang="ja-JP" sz="1400" dirty="0" err="1" smtClean="0">
+                <a:solidFill>
+                  <a:schemeClr val="accent5">
+                    <a:lumMod val="75000"/>
+                  </a:schemeClr>
+                </a:solidFill>
+                <a:latin typeface="+mj-ea"/>
+                <a:ea typeface="+mj-ea"/>
+              </a:rPr>
+              <a:t>f</a:t>
+            </a:r>
+            <a:r>
+              <a:rPr kumimoji="1" lang="en-US" altLang="ja-JP" sz="1400" dirty="0" err="1" smtClean="0">
+                <a:solidFill>
+                  <a:schemeClr val="accent5">
+                    <a:lumMod val="75000"/>
+                  </a:schemeClr>
+                </a:solidFill>
+                <a:latin typeface="+mj-ea"/>
+                <a:ea typeface="+mj-ea"/>
+              </a:rPr>
+              <a:t>unc</a:t>
+            </a:r>
+            <a:r>
+              <a:rPr lang="en-US" altLang="ja-JP" sz="1400" dirty="0" smtClean="0">
+                <a:solidFill>
+                  <a:schemeClr val="accent5">
+                    <a:lumMod val="75000"/>
+                  </a:schemeClr>
+                </a:solidFill>
+                <a:latin typeface="+mj-ea"/>
+                <a:ea typeface="+mj-ea"/>
+              </a:rPr>
+              <a:t>)</a:t>
             </a:r>
             <a:endParaRPr kumimoji="1" lang="ja-JP" altLang="en-US" sz="1400" dirty="0">
               <a:solidFill>
@@ -22866,7 +22926,17 @@
                   </a:schemeClr>
                 </a:solidFill>
               </a:rPr>
-              <a:t>緑</a:t>
+              <a:t>緑：</a:t>
+            </a:r>
+            <a:r>
+              <a:rPr lang="en-US" altLang="ja-JP" smtClean="0">
+                <a:solidFill>
+                  <a:schemeClr val="accent6">
+                    <a:lumMod val="75000"/>
+                  </a:schemeClr>
+                </a:solidFill>
+              </a:rPr>
+              <a:t>CAPS.RCMD</a:t>
             </a:r>
             <a:r>
               <a:rPr lang="ja-JP" altLang="en-US" smtClean="0">
@@ -22876,47 +22946,7 @@
                   </a:schemeClr>
                 </a:solidFill>
               </a:rPr>
-              <a:t>：</a:t>
-            </a:r>
-            <a:r>
-              <a:rPr lang="en-US" altLang="ja-JP" smtClean="0">
-                <a:solidFill>
-                  <a:schemeClr val="accent6">
-                    <a:lumMod val="75000"/>
-                  </a:schemeClr>
-                </a:solidFill>
-              </a:rPr>
-              <a:t>CAPS.RCMD</a:t>
-            </a:r>
-            <a:r>
-              <a:rPr lang="ja-JP" altLang="en-US" smtClean="0">
-                <a:solidFill>
-                  <a:schemeClr val="accent6">
-                    <a:lumMod val="75000"/>
-                  </a:schemeClr>
-                </a:solidFill>
-              </a:rPr>
-              <a:t>共通</a:t>
-            </a:r>
-            <a:r>
-              <a:rPr lang="ja-JP" altLang="en-US" smtClean="0">
-                <a:solidFill>
-                  <a:schemeClr val="accent6">
-                    <a:lumMod val="75000"/>
-                  </a:schemeClr>
-                </a:solidFill>
-              </a:rPr>
-              <a:t>、</a:t>
-            </a:r>
-            <a:r>
-              <a:rPr lang="ja-JP" altLang="en-US" smtClean="0">
-                <a:solidFill>
-                  <a:schemeClr val="accent6">
-                    <a:lumMod val="75000"/>
-                  </a:schemeClr>
-                </a:solidFill>
-              </a:rPr>
-              <a:t>確定</a:t>
+              <a:t>共通、確定</a:t>
             </a:r>
             <a:endParaRPr lang="en-US" altLang="ja-JP" smtClean="0">
               <a:solidFill>
@@ -22933,15 +22963,7 @@
                   <a:srgbClr val="C00000"/>
                 </a:solidFill>
               </a:rPr>
-              <a:t>赤</a:t>
-            </a:r>
-            <a:r>
-              <a:rPr lang="ja-JP" altLang="en-US" smtClean="0">
-                <a:solidFill>
-                  <a:srgbClr val="C00000"/>
-                </a:solidFill>
-              </a:rPr>
-              <a:t>：テンキー</a:t>
+              <a:t>赤：テンキー</a:t>
             </a:r>
             <a:endParaRPr kumimoji="1" lang="ja-JP" altLang="en-US">
               <a:solidFill>
@@ -26682,7 +26704,17 @@
                   </a:schemeClr>
                 </a:solidFill>
               </a:rPr>
-              <a:t>緑</a:t>
+              <a:t>緑：</a:t>
+            </a:r>
+            <a:r>
+              <a:rPr lang="en-US" altLang="ja-JP" smtClean="0">
+                <a:solidFill>
+                  <a:schemeClr val="accent6">
+                    <a:lumMod val="75000"/>
+                  </a:schemeClr>
+                </a:solidFill>
+              </a:rPr>
+              <a:t>CAPS.RCMD</a:t>
             </a:r>
             <a:r>
               <a:rPr lang="ja-JP" altLang="en-US" smtClean="0">
@@ -26692,47 +26724,7 @@
                   </a:schemeClr>
                 </a:solidFill>
               </a:rPr>
-              <a:t>：</a:t>
-            </a:r>
-            <a:r>
-              <a:rPr lang="en-US" altLang="ja-JP" smtClean="0">
-                <a:solidFill>
-                  <a:schemeClr val="accent6">
-                    <a:lumMod val="75000"/>
-                  </a:schemeClr>
-                </a:solidFill>
-              </a:rPr>
-              <a:t>CAPS.RCMD</a:t>
-            </a:r>
-            <a:r>
-              <a:rPr lang="ja-JP" altLang="en-US" smtClean="0">
-                <a:solidFill>
-                  <a:schemeClr val="accent6">
-                    <a:lumMod val="75000"/>
-                  </a:schemeClr>
-                </a:solidFill>
-              </a:rPr>
-              <a:t>共通</a:t>
-            </a:r>
-            <a:r>
-              <a:rPr lang="ja-JP" altLang="en-US" smtClean="0">
-                <a:solidFill>
-                  <a:schemeClr val="accent6">
-                    <a:lumMod val="75000"/>
-                  </a:schemeClr>
-                </a:solidFill>
-              </a:rPr>
-              <a:t>、</a:t>
-            </a:r>
-            <a:r>
-              <a:rPr lang="ja-JP" altLang="en-US" smtClean="0">
-                <a:solidFill>
-                  <a:schemeClr val="accent6">
-                    <a:lumMod val="75000"/>
-                  </a:schemeClr>
-                </a:solidFill>
-              </a:rPr>
-              <a:t>確定</a:t>
+              <a:t>共通、確定</a:t>
             </a:r>
             <a:endParaRPr lang="en-US" altLang="ja-JP" smtClean="0">
               <a:solidFill>
@@ -26749,15 +26741,7 @@
                   <a:srgbClr val="C00000"/>
                 </a:solidFill>
               </a:rPr>
-              <a:t>赤</a:t>
-            </a:r>
-            <a:r>
-              <a:rPr lang="ja-JP" altLang="en-US" smtClean="0">
-                <a:solidFill>
-                  <a:srgbClr val="C00000"/>
-                </a:solidFill>
-              </a:rPr>
-              <a:t>：テンキー</a:t>
+              <a:t>赤：テンキー</a:t>
             </a:r>
             <a:endParaRPr kumimoji="1" lang="ja-JP" altLang="en-US">
               <a:solidFill>
@@ -34048,29 +34032,16 @@
           <a:p>
             <a:pPr algn="ctr"/>
             <a:r>
-              <a:rPr kumimoji="1" lang="en-US" altLang="ja-JP" sz="900" smtClean="0">
+              <a:rPr lang="en-US" altLang="ja-JP" sz="900" dirty="0">
                 <a:solidFill>
                   <a:schemeClr val="accent6">
                     <a:lumMod val="75000"/>
                   </a:schemeClr>
                 </a:solidFill>
               </a:rPr>
-              <a:t>Text</a:t>
-            </a:r>
-          </a:p>
-          <a:p>
-            <a:pPr algn="ctr"/>
-            <a:r>
-              <a:rPr lang="en-US" altLang="ja-JP" sz="900" smtClean="0">
-                <a:solidFill>
-                  <a:schemeClr val="accent6">
-                    <a:lumMod val="75000"/>
-                  </a:schemeClr>
-                </a:solidFill>
-              </a:rPr>
-              <a:t>Editor</a:t>
-            </a:r>
-            <a:endParaRPr kumimoji="1" lang="ja-JP" altLang="en-US" sz="900" dirty="0">
+              <a:t>Notepad</a:t>
+            </a:r>
+            <a:endParaRPr lang="ja-JP" altLang="en-US" sz="900" dirty="0">
               <a:solidFill>
                 <a:schemeClr val="accent6">
                   <a:lumMod val="75000"/>
@@ -35735,7 +35706,7 @@
           <a:p>
             <a:pPr algn="ctr"/>
             <a:r>
-              <a:rPr lang="en-US" altLang="ja-JP" sz="900" smtClean="0">
+              <a:rPr lang="en-US" altLang="ja-JP" sz="900" dirty="0" smtClean="0">
                 <a:solidFill>
                   <a:schemeClr val="accent6">
                     <a:lumMod val="75000"/>
@@ -35744,7 +35715,7 @@
               </a:rPr>
               <a:t>Notepad</a:t>
             </a:r>
-            <a:endParaRPr kumimoji="1" lang="ja-JP" altLang="en-US" sz="900" dirty="0">
+            <a:endParaRPr lang="ja-JP" altLang="en-US" sz="900" dirty="0">
               <a:solidFill>
                 <a:schemeClr val="accent6">
                   <a:lumMod val="75000"/>

--- a/MANUAL.pptx
+++ b/MANUAL.pptx
@@ -248,7 +248,7 @@
           <a:p>
             <a:fld id="{98B15ECE-60C4-45D4-8ABC-DDA7D4F33EF9}" type="datetimeFigureOut">
               <a:rPr kumimoji="1" lang="ja-JP" altLang="en-US" smtClean="0"/>
-              <a:t>2015/12/7</a:t>
+              <a:t>2015/12/10</a:t>
             </a:fld>
             <a:endParaRPr kumimoji="1" lang="ja-JP" altLang="en-US"/>
           </a:p>
@@ -1267,7 +1267,7 @@
           <a:p>
             <a:fld id="{8FB4C7EE-3C5D-4F47-A8DE-21B759CA57C5}" type="datetimeFigureOut">
               <a:rPr kumimoji="1" lang="ja-JP" altLang="en-US" smtClean="0"/>
-              <a:t>2015/12/7</a:t>
+              <a:t>2015/12/10</a:t>
             </a:fld>
             <a:endParaRPr kumimoji="1" lang="ja-JP" altLang="en-US"/>
           </a:p>
@@ -1469,7 +1469,7 @@
           <a:p>
             <a:fld id="{8FB4C7EE-3C5D-4F47-A8DE-21B759CA57C5}" type="datetimeFigureOut">
               <a:rPr kumimoji="1" lang="ja-JP" altLang="en-US" smtClean="0"/>
-              <a:t>2015/12/7</a:t>
+              <a:t>2015/12/10</a:t>
             </a:fld>
             <a:endParaRPr kumimoji="1" lang="ja-JP" altLang="en-US"/>
           </a:p>
@@ -1681,7 +1681,7 @@
           <a:p>
             <a:fld id="{8FB4C7EE-3C5D-4F47-A8DE-21B759CA57C5}" type="datetimeFigureOut">
               <a:rPr kumimoji="1" lang="ja-JP" altLang="en-US" smtClean="0"/>
-              <a:t>2015/12/7</a:t>
+              <a:t>2015/12/10</a:t>
             </a:fld>
             <a:endParaRPr kumimoji="1" lang="ja-JP" altLang="en-US"/>
           </a:p>
@@ -1883,7 +1883,7 @@
           <a:p>
             <a:fld id="{8FB4C7EE-3C5D-4F47-A8DE-21B759CA57C5}" type="datetimeFigureOut">
               <a:rPr kumimoji="1" lang="ja-JP" altLang="en-US" smtClean="0"/>
-              <a:t>2015/12/7</a:t>
+              <a:t>2015/12/10</a:t>
             </a:fld>
             <a:endParaRPr kumimoji="1" lang="ja-JP" altLang="en-US"/>
           </a:p>
@@ -2127,7 +2127,7 @@
           <a:p>
             <a:fld id="{8FB4C7EE-3C5D-4F47-A8DE-21B759CA57C5}" type="datetimeFigureOut">
               <a:rPr kumimoji="1" lang="ja-JP" altLang="en-US" smtClean="0"/>
-              <a:t>2015/12/7</a:t>
+              <a:t>2015/12/10</a:t>
             </a:fld>
             <a:endParaRPr kumimoji="1" lang="ja-JP" altLang="en-US"/>
           </a:p>
@@ -2423,7 +2423,7 @@
           <a:p>
             <a:fld id="{8FB4C7EE-3C5D-4F47-A8DE-21B759CA57C5}" type="datetimeFigureOut">
               <a:rPr kumimoji="1" lang="ja-JP" altLang="en-US" smtClean="0"/>
-              <a:t>2015/12/7</a:t>
+              <a:t>2015/12/10</a:t>
             </a:fld>
             <a:endParaRPr kumimoji="1" lang="ja-JP" altLang="en-US"/>
           </a:p>
@@ -2854,7 +2854,7 @@
           <a:p>
             <a:fld id="{8FB4C7EE-3C5D-4F47-A8DE-21B759CA57C5}" type="datetimeFigureOut">
               <a:rPr kumimoji="1" lang="ja-JP" altLang="en-US" smtClean="0"/>
-              <a:t>2015/12/7</a:t>
+              <a:t>2015/12/10</a:t>
             </a:fld>
             <a:endParaRPr kumimoji="1" lang="ja-JP" altLang="en-US"/>
           </a:p>
@@ -2972,7 +2972,7 @@
           <a:p>
             <a:fld id="{8FB4C7EE-3C5D-4F47-A8DE-21B759CA57C5}" type="datetimeFigureOut">
               <a:rPr kumimoji="1" lang="ja-JP" altLang="en-US" smtClean="0"/>
-              <a:t>2015/12/7</a:t>
+              <a:t>2015/12/10</a:t>
             </a:fld>
             <a:endParaRPr kumimoji="1" lang="ja-JP" altLang="en-US"/>
           </a:p>
@@ -3067,7 +3067,7 @@
           <a:p>
             <a:fld id="{8FB4C7EE-3C5D-4F47-A8DE-21B759CA57C5}" type="datetimeFigureOut">
               <a:rPr kumimoji="1" lang="ja-JP" altLang="en-US" smtClean="0"/>
-              <a:t>2015/12/7</a:t>
+              <a:t>2015/12/10</a:t>
             </a:fld>
             <a:endParaRPr kumimoji="1" lang="ja-JP" altLang="en-US"/>
           </a:p>
@@ -3376,7 +3376,7 @@
           <a:p>
             <a:fld id="{8FB4C7EE-3C5D-4F47-A8DE-21B759CA57C5}" type="datetimeFigureOut">
               <a:rPr kumimoji="1" lang="ja-JP" altLang="en-US" smtClean="0"/>
-              <a:t>2015/12/7</a:t>
+              <a:t>2015/12/10</a:t>
             </a:fld>
             <a:endParaRPr kumimoji="1" lang="ja-JP" altLang="en-US"/>
           </a:p>
@@ -3633,7 +3633,7 @@
           <a:p>
             <a:fld id="{8FB4C7EE-3C5D-4F47-A8DE-21B759CA57C5}" type="datetimeFigureOut">
               <a:rPr kumimoji="1" lang="ja-JP" altLang="en-US" smtClean="0"/>
-              <a:t>2015/12/7</a:t>
+              <a:t>2015/12/10</a:t>
             </a:fld>
             <a:endParaRPr kumimoji="1" lang="ja-JP" altLang="en-US"/>
           </a:p>
@@ -3878,7 +3878,7 @@
           <a:p>
             <a:fld id="{8FB4C7EE-3C5D-4F47-A8DE-21B759CA57C5}" type="datetimeFigureOut">
               <a:rPr kumimoji="1" lang="ja-JP" altLang="en-US" smtClean="0"/>
-              <a:t>2015/12/7</a:t>
+              <a:t>2015/12/10</a:t>
             </a:fld>
             <a:endParaRPr kumimoji="1" lang="ja-JP" altLang="en-US"/>
           </a:p>
@@ -23122,6 +23122,153 @@
           </a:p>
         </p:txBody>
       </p:sp>
+      <p:sp>
+        <p:nvSpPr>
+          <p:cNvPr id="66" name="正方形/長方形 65"/>
+          <p:cNvSpPr/>
+          <p:nvPr/>
+        </p:nvSpPr>
+        <p:spPr>
+          <a:xfrm>
+            <a:off x="3908156" y="4919208"/>
+            <a:ext cx="533289" cy="521472"/>
+          </a:xfrm>
+          <a:prstGeom prst="rect">
+            <a:avLst/>
+          </a:prstGeom>
+          <a:noFill/>
+          <a:ln>
+            <a:solidFill>
+              <a:schemeClr val="accent5">
+                <a:lumMod val="75000"/>
+              </a:schemeClr>
+            </a:solidFill>
+          </a:ln>
+        </p:spPr>
+        <p:style>
+          <a:lnRef idx="2">
+            <a:schemeClr val="accent1">
+              <a:shade val="50000"/>
+            </a:schemeClr>
+          </a:lnRef>
+          <a:fillRef idx="1">
+            <a:schemeClr val="accent1"/>
+          </a:fillRef>
+          <a:effectRef idx="0">
+            <a:schemeClr val="accent1"/>
+          </a:effectRef>
+          <a:fontRef idx="minor">
+            <a:schemeClr val="lt1"/>
+          </a:fontRef>
+        </p:style>
+        <p:txBody>
+          <a:bodyPr rtlCol="0" anchor="ctr"/>
+          <a:lstStyle/>
+          <a:p>
+            <a:pPr algn="ctr"/>
+            <a:endParaRPr kumimoji="1" lang="ja-JP" altLang="en-US">
+              <a:solidFill>
+                <a:schemeClr val="accent5">
+                  <a:lumMod val="75000"/>
+                </a:schemeClr>
+              </a:solidFill>
+            </a:endParaRPr>
+          </a:p>
+        </p:txBody>
+      </p:sp>
+      <p:cxnSp>
+        <p:nvCxnSpPr>
+          <p:cNvPr id="69" name="直線矢印コネクタ 68"/>
+          <p:cNvCxnSpPr>
+            <a:stCxn id="71" idx="0"/>
+            <a:endCxn id="66" idx="1"/>
+          </p:cNvCxnSpPr>
+          <p:nvPr/>
+        </p:nvCxnSpPr>
+        <p:spPr>
+          <a:xfrm flipV="1">
+            <a:off x="2887919" y="5179944"/>
+            <a:ext cx="1020237" cy="830465"/>
+          </a:xfrm>
+          <a:prstGeom prst="straightConnector1">
+            <a:avLst/>
+          </a:prstGeom>
+          <a:ln w="12700">
+            <a:solidFill>
+              <a:schemeClr val="accent5">
+                <a:lumMod val="75000"/>
+              </a:schemeClr>
+            </a:solidFill>
+            <a:tailEnd type="triangle"/>
+          </a:ln>
+        </p:spPr>
+        <p:style>
+          <a:lnRef idx="1">
+            <a:schemeClr val="accent1"/>
+          </a:lnRef>
+          <a:fillRef idx="0">
+            <a:schemeClr val="accent1"/>
+          </a:fillRef>
+          <a:effectRef idx="0">
+            <a:schemeClr val="accent1"/>
+          </a:effectRef>
+          <a:fontRef idx="minor">
+            <a:schemeClr val="tx1"/>
+          </a:fontRef>
+        </p:style>
+      </p:cxnSp>
+      <p:sp>
+        <p:nvSpPr>
+          <p:cNvPr id="71" name="テキスト ボックス 70"/>
+          <p:cNvSpPr txBox="1"/>
+          <p:nvPr/>
+        </p:nvSpPr>
+        <p:spPr>
+          <a:xfrm>
+            <a:off x="1831379" y="6010409"/>
+            <a:ext cx="2113079" cy="369332"/>
+          </a:xfrm>
+          <a:prstGeom prst="rect">
+            <a:avLst/>
+          </a:prstGeom>
+          <a:noFill/>
+        </p:spPr>
+        <p:txBody>
+          <a:bodyPr wrap="none" rtlCol="0">
+            <a:spAutoFit/>
+          </a:bodyPr>
+          <a:lstStyle/>
+          <a:p>
+            <a:r>
+              <a:rPr kumimoji="1" lang="en-US" altLang="ja-JP" dirty="0" smtClean="0">
+                <a:solidFill>
+                  <a:schemeClr val="accent5">
+                    <a:lumMod val="75000"/>
+                  </a:schemeClr>
+                </a:solidFill>
+              </a:rPr>
+              <a:t>+Shift</a:t>
+            </a:r>
+            <a:r>
+              <a:rPr kumimoji="1" lang="ja-JP" altLang="en-US" dirty="0" smtClean="0">
+                <a:solidFill>
+                  <a:schemeClr val="accent5">
+                    <a:lumMod val="75000"/>
+                  </a:schemeClr>
+                </a:solidFill>
+              </a:rPr>
+              <a:t>でマクロ編集</a:t>
+            </a:r>
+            <a:endParaRPr kumimoji="1" lang="ja-JP" altLang="en-US" dirty="0">
+              <a:solidFill>
+                <a:schemeClr val="accent5">
+                  <a:lumMod val="75000"/>
+                </a:schemeClr>
+              </a:solidFill>
+            </a:endParaRPr>
+          </a:p>
+        </p:txBody>
+      </p:sp>
     </p:spTree>
     <p:extLst>
       <p:ext uri="{BB962C8B-B14F-4D97-AF65-F5344CB8AC3E}">
@@ -26746,6 +26893,153 @@
             <a:endParaRPr kumimoji="1" lang="ja-JP" altLang="en-US">
               <a:solidFill>
                 <a:srgbClr val="C00000"/>
+              </a:solidFill>
+            </a:endParaRPr>
+          </a:p>
+        </p:txBody>
+      </p:sp>
+      <p:sp>
+        <p:nvSpPr>
+          <p:cNvPr id="81" name="正方形/長方形 80"/>
+          <p:cNvSpPr/>
+          <p:nvPr/>
+        </p:nvSpPr>
+        <p:spPr>
+          <a:xfrm>
+            <a:off x="3908156" y="4919208"/>
+            <a:ext cx="533289" cy="521472"/>
+          </a:xfrm>
+          <a:prstGeom prst="rect">
+            <a:avLst/>
+          </a:prstGeom>
+          <a:noFill/>
+          <a:ln>
+            <a:solidFill>
+              <a:schemeClr val="accent5">
+                <a:lumMod val="75000"/>
+              </a:schemeClr>
+            </a:solidFill>
+          </a:ln>
+        </p:spPr>
+        <p:style>
+          <a:lnRef idx="2">
+            <a:schemeClr val="accent1">
+              <a:shade val="50000"/>
+            </a:schemeClr>
+          </a:lnRef>
+          <a:fillRef idx="1">
+            <a:schemeClr val="accent1"/>
+          </a:fillRef>
+          <a:effectRef idx="0">
+            <a:schemeClr val="accent1"/>
+          </a:effectRef>
+          <a:fontRef idx="minor">
+            <a:schemeClr val="lt1"/>
+          </a:fontRef>
+        </p:style>
+        <p:txBody>
+          <a:bodyPr rtlCol="0" anchor="ctr"/>
+          <a:lstStyle/>
+          <a:p>
+            <a:pPr algn="ctr"/>
+            <a:endParaRPr kumimoji="1" lang="ja-JP" altLang="en-US">
+              <a:solidFill>
+                <a:schemeClr val="accent5">
+                  <a:lumMod val="75000"/>
+                </a:schemeClr>
+              </a:solidFill>
+            </a:endParaRPr>
+          </a:p>
+        </p:txBody>
+      </p:sp>
+      <p:cxnSp>
+        <p:nvCxnSpPr>
+          <p:cNvPr id="82" name="直線矢印コネクタ 81"/>
+          <p:cNvCxnSpPr>
+            <a:stCxn id="83" idx="0"/>
+            <a:endCxn id="81" idx="1"/>
+          </p:cNvCxnSpPr>
+          <p:nvPr/>
+        </p:nvCxnSpPr>
+        <p:spPr>
+          <a:xfrm flipV="1">
+            <a:off x="2887919" y="5179944"/>
+            <a:ext cx="1020237" cy="830465"/>
+          </a:xfrm>
+          <a:prstGeom prst="straightConnector1">
+            <a:avLst/>
+          </a:prstGeom>
+          <a:ln w="12700">
+            <a:solidFill>
+              <a:schemeClr val="accent5">
+                <a:lumMod val="75000"/>
+              </a:schemeClr>
+            </a:solidFill>
+            <a:tailEnd type="triangle"/>
+          </a:ln>
+        </p:spPr>
+        <p:style>
+          <a:lnRef idx="1">
+            <a:schemeClr val="accent1"/>
+          </a:lnRef>
+          <a:fillRef idx="0">
+            <a:schemeClr val="accent1"/>
+          </a:fillRef>
+          <a:effectRef idx="0">
+            <a:schemeClr val="accent1"/>
+          </a:effectRef>
+          <a:fontRef idx="minor">
+            <a:schemeClr val="tx1"/>
+          </a:fontRef>
+        </p:style>
+      </p:cxnSp>
+      <p:sp>
+        <p:nvSpPr>
+          <p:cNvPr id="83" name="テキスト ボックス 82"/>
+          <p:cNvSpPr txBox="1"/>
+          <p:nvPr/>
+        </p:nvSpPr>
+        <p:spPr>
+          <a:xfrm>
+            <a:off x="1831379" y="6010409"/>
+            <a:ext cx="2113079" cy="369332"/>
+          </a:xfrm>
+          <a:prstGeom prst="rect">
+            <a:avLst/>
+          </a:prstGeom>
+          <a:noFill/>
+        </p:spPr>
+        <p:txBody>
+          <a:bodyPr wrap="none" rtlCol="0">
+            <a:spAutoFit/>
+          </a:bodyPr>
+          <a:lstStyle/>
+          <a:p>
+            <a:r>
+              <a:rPr kumimoji="1" lang="en-US" altLang="ja-JP" dirty="0" smtClean="0">
+                <a:solidFill>
+                  <a:schemeClr val="accent5">
+                    <a:lumMod val="75000"/>
+                  </a:schemeClr>
+                </a:solidFill>
+              </a:rPr>
+              <a:t>+Shift</a:t>
+            </a:r>
+            <a:r>
+              <a:rPr kumimoji="1" lang="ja-JP" altLang="en-US" dirty="0" smtClean="0">
+                <a:solidFill>
+                  <a:schemeClr val="accent5">
+                    <a:lumMod val="75000"/>
+                  </a:schemeClr>
+                </a:solidFill>
+              </a:rPr>
+              <a:t>でマクロ編集</a:t>
+            </a:r>
+            <a:endParaRPr kumimoji="1" lang="ja-JP" altLang="en-US" dirty="0">
+              <a:solidFill>
+                <a:schemeClr val="accent5">
+                  <a:lumMod val="75000"/>
+                </a:schemeClr>
               </a:solidFill>
             </a:endParaRPr>
           </a:p>

--- a/MANUAL.pptx
+++ b/MANUAL.pptx
@@ -14,8 +14,8 @@
     <p:sldId id="301" r:id="rId5"/>
     <p:sldId id="294" r:id="rId6"/>
     <p:sldId id="296" r:id="rId7"/>
-    <p:sldId id="298" r:id="rId8"/>
-    <p:sldId id="299" r:id="rId9"/>
+    <p:sldId id="299" r:id="rId8"/>
+    <p:sldId id="298" r:id="rId9"/>
     <p:sldId id="302" r:id="rId10"/>
     <p:sldId id="291" r:id="rId11"/>
     <p:sldId id="300" r:id="rId12"/>
@@ -137,8 +137,8 @@
             <p14:sldId id="301"/>
             <p14:sldId id="294"/>
             <p14:sldId id="296"/>
+            <p14:sldId id="299"/>
             <p14:sldId id="298"/>
-            <p14:sldId id="299"/>
             <p14:sldId id="302"/>
           </p14:sldIdLst>
         </p14:section>
@@ -248,7 +248,7 @@
           <a:p>
             <a:fld id="{98B15ECE-60C4-45D4-8ABC-DDA7D4F33EF9}" type="datetimeFigureOut">
               <a:rPr kumimoji="1" lang="ja-JP" altLang="en-US" smtClean="0"/>
-              <a:t>2015/12/10</a:t>
+              <a:t>2015/12/24</a:t>
             </a:fld>
             <a:endParaRPr kumimoji="1" lang="ja-JP" altLang="en-US"/>
           </a:p>
@@ -949,7 +949,7 @@
           <a:p>
             <a:fld id="{B7FB55F5-4E42-4572-805F-119E805B59B2}" type="slidenum">
               <a:rPr kumimoji="1" lang="ja-JP" altLang="en-US" smtClean="0"/>
-              <a:t>8</a:t>
+              <a:t>7</a:t>
             </a:fld>
             <a:endParaRPr kumimoji="1" lang="ja-JP" altLang="en-US"/>
           </a:p>
@@ -1267,7 +1267,7 @@
           <a:p>
             <a:fld id="{8FB4C7EE-3C5D-4F47-A8DE-21B759CA57C5}" type="datetimeFigureOut">
               <a:rPr kumimoji="1" lang="ja-JP" altLang="en-US" smtClean="0"/>
-              <a:t>2015/12/10</a:t>
+              <a:t>2015/12/24</a:t>
             </a:fld>
             <a:endParaRPr kumimoji="1" lang="ja-JP" altLang="en-US"/>
           </a:p>
@@ -1469,7 +1469,7 @@
           <a:p>
             <a:fld id="{8FB4C7EE-3C5D-4F47-A8DE-21B759CA57C5}" type="datetimeFigureOut">
               <a:rPr kumimoji="1" lang="ja-JP" altLang="en-US" smtClean="0"/>
-              <a:t>2015/12/10</a:t>
+              <a:t>2015/12/24</a:t>
             </a:fld>
             <a:endParaRPr kumimoji="1" lang="ja-JP" altLang="en-US"/>
           </a:p>
@@ -1681,7 +1681,7 @@
           <a:p>
             <a:fld id="{8FB4C7EE-3C5D-4F47-A8DE-21B759CA57C5}" type="datetimeFigureOut">
               <a:rPr kumimoji="1" lang="ja-JP" altLang="en-US" smtClean="0"/>
-              <a:t>2015/12/10</a:t>
+              <a:t>2015/12/24</a:t>
             </a:fld>
             <a:endParaRPr kumimoji="1" lang="ja-JP" altLang="en-US"/>
           </a:p>
@@ -1883,7 +1883,7 @@
           <a:p>
             <a:fld id="{8FB4C7EE-3C5D-4F47-A8DE-21B759CA57C5}" type="datetimeFigureOut">
               <a:rPr kumimoji="1" lang="ja-JP" altLang="en-US" smtClean="0"/>
-              <a:t>2015/12/10</a:t>
+              <a:t>2015/12/24</a:t>
             </a:fld>
             <a:endParaRPr kumimoji="1" lang="ja-JP" altLang="en-US"/>
           </a:p>
@@ -2127,7 +2127,7 @@
           <a:p>
             <a:fld id="{8FB4C7EE-3C5D-4F47-A8DE-21B759CA57C5}" type="datetimeFigureOut">
               <a:rPr kumimoji="1" lang="ja-JP" altLang="en-US" smtClean="0"/>
-              <a:t>2015/12/10</a:t>
+              <a:t>2015/12/24</a:t>
             </a:fld>
             <a:endParaRPr kumimoji="1" lang="ja-JP" altLang="en-US"/>
           </a:p>
@@ -2423,7 +2423,7 @@
           <a:p>
             <a:fld id="{8FB4C7EE-3C5D-4F47-A8DE-21B759CA57C5}" type="datetimeFigureOut">
               <a:rPr kumimoji="1" lang="ja-JP" altLang="en-US" smtClean="0"/>
-              <a:t>2015/12/10</a:t>
+              <a:t>2015/12/24</a:t>
             </a:fld>
             <a:endParaRPr kumimoji="1" lang="ja-JP" altLang="en-US"/>
           </a:p>
@@ -2854,7 +2854,7 @@
           <a:p>
             <a:fld id="{8FB4C7EE-3C5D-4F47-A8DE-21B759CA57C5}" type="datetimeFigureOut">
               <a:rPr kumimoji="1" lang="ja-JP" altLang="en-US" smtClean="0"/>
-              <a:t>2015/12/10</a:t>
+              <a:t>2015/12/24</a:t>
             </a:fld>
             <a:endParaRPr kumimoji="1" lang="ja-JP" altLang="en-US"/>
           </a:p>
@@ -2972,7 +2972,7 @@
           <a:p>
             <a:fld id="{8FB4C7EE-3C5D-4F47-A8DE-21B759CA57C5}" type="datetimeFigureOut">
               <a:rPr kumimoji="1" lang="ja-JP" altLang="en-US" smtClean="0"/>
-              <a:t>2015/12/10</a:t>
+              <a:t>2015/12/24</a:t>
             </a:fld>
             <a:endParaRPr kumimoji="1" lang="ja-JP" altLang="en-US"/>
           </a:p>
@@ -3067,7 +3067,7 @@
           <a:p>
             <a:fld id="{8FB4C7EE-3C5D-4F47-A8DE-21B759CA57C5}" type="datetimeFigureOut">
               <a:rPr kumimoji="1" lang="ja-JP" altLang="en-US" smtClean="0"/>
-              <a:t>2015/12/10</a:t>
+              <a:t>2015/12/24</a:t>
             </a:fld>
             <a:endParaRPr kumimoji="1" lang="ja-JP" altLang="en-US"/>
           </a:p>
@@ -3376,7 +3376,7 @@
           <a:p>
             <a:fld id="{8FB4C7EE-3C5D-4F47-A8DE-21B759CA57C5}" type="datetimeFigureOut">
               <a:rPr kumimoji="1" lang="ja-JP" altLang="en-US" smtClean="0"/>
-              <a:t>2015/12/10</a:t>
+              <a:t>2015/12/24</a:t>
             </a:fld>
             <a:endParaRPr kumimoji="1" lang="ja-JP" altLang="en-US"/>
           </a:p>
@@ -3633,7 +3633,7 @@
           <a:p>
             <a:fld id="{8FB4C7EE-3C5D-4F47-A8DE-21B759CA57C5}" type="datetimeFigureOut">
               <a:rPr kumimoji="1" lang="ja-JP" altLang="en-US" smtClean="0"/>
-              <a:t>2015/12/10</a:t>
+              <a:t>2015/12/24</a:t>
             </a:fld>
             <a:endParaRPr kumimoji="1" lang="ja-JP" altLang="en-US"/>
           </a:p>
@@ -3878,7 +3878,7 @@
           <a:p>
             <a:fld id="{8FB4C7EE-3C5D-4F47-A8DE-21B759CA57C5}" type="datetimeFigureOut">
               <a:rPr kumimoji="1" lang="ja-JP" altLang="en-US" smtClean="0"/>
-              <a:t>2015/12/10</a:t>
+              <a:t>2015/12/24</a:t>
             </a:fld>
             <a:endParaRPr kumimoji="1" lang="ja-JP" altLang="en-US"/>
           </a:p>
@@ -22532,14 +22532,14 @@
           <a:p>
             <a:pPr algn="ctr"/>
             <a:r>
-              <a:rPr lang="en-US" altLang="ja-JP" smtClean="0">
+              <a:rPr lang="en-US" altLang="ja-JP">
                 <a:solidFill>
                   <a:schemeClr val="accent6">
                     <a:lumMod val="75000"/>
                   </a:schemeClr>
                 </a:solidFill>
               </a:rPr>
-              <a:t>=</a:t>
+              <a:t>.</a:t>
             </a:r>
             <a:endParaRPr kumimoji="1" lang="ja-JP" altLang="en-US" dirty="0">
               <a:solidFill>
@@ -22884,7 +22884,7 @@
                   </a:schemeClr>
                 </a:solidFill>
               </a:rPr>
-              <a:t>^Space</a:t>
+              <a:t>RCMD LOCK</a:t>
             </a:r>
             <a:endParaRPr kumimoji="1" lang="ja-JP" altLang="en-US" dirty="0">
               <a:solidFill>
@@ -26619,7 +26619,7 @@
           <a:p>
             <a:pPr algn="ctr"/>
             <a:r>
-              <a:rPr lang="en-US" altLang="ja-JP">
+              <a:rPr lang="en-US" altLang="ja-JP" smtClean="0">
                 <a:solidFill>
                   <a:schemeClr val="accent6">
                     <a:lumMod val="75000"/>
@@ -26802,14 +26802,14 @@
           <a:p>
             <a:pPr algn="ctr"/>
             <a:r>
-              <a:rPr lang="en-US" altLang="ja-JP" smtClean="0">
+              <a:rPr lang="en-US" altLang="ja-JP">
                 <a:solidFill>
                   <a:schemeClr val="accent6">
                     <a:lumMod val="75000"/>
                   </a:schemeClr>
                 </a:solidFill>
               </a:rPr>
-              <a:t>=</a:t>
+              <a:t>.</a:t>
             </a:r>
             <a:endParaRPr kumimoji="1" lang="ja-JP" altLang="en-US" dirty="0">
               <a:solidFill>
@@ -30032,6 +30032,71 @@
           </a:p>
         </p:txBody>
       </p:sp>
+      <p:sp>
+        <p:nvSpPr>
+          <p:cNvPr id="3" name="テキスト ボックス 2"/>
+          <p:cNvSpPr txBox="1"/>
+          <p:nvPr/>
+        </p:nvSpPr>
+        <p:spPr>
+          <a:xfrm>
+            <a:off x="451797" y="1390249"/>
+            <a:ext cx="8263801" cy="1754326"/>
+          </a:xfrm>
+          <a:prstGeom prst="rect">
+            <a:avLst/>
+          </a:prstGeom>
+          <a:noFill/>
+        </p:spPr>
+        <p:txBody>
+          <a:bodyPr wrap="none" rtlCol="0">
+            <a:spAutoFit/>
+          </a:bodyPr>
+          <a:lstStyle/>
+          <a:p>
+            <a:r>
+              <a:rPr lang="ja-JP" altLang="en-US" smtClean="0"/>
+              <a:t>ここもうちょっといろいろ使えそう、正直レフトハンドオンリーの文字入力は</a:t>
+            </a:r>
+            <a:endParaRPr lang="en-US" altLang="ja-JP" smtClean="0"/>
+          </a:p>
+          <a:p>
+            <a:r>
+              <a:rPr kumimoji="1" lang="ja-JP" altLang="en-US" smtClean="0"/>
+              <a:t>現実的じゃないし、なんとも</a:t>
+            </a:r>
+            <a:endParaRPr kumimoji="1" lang="en-US" altLang="ja-JP" smtClean="0"/>
+          </a:p>
+          <a:p>
+            <a:endParaRPr lang="en-US" altLang="ja-JP"/>
+          </a:p>
+          <a:p>
+            <a:r>
+              <a:rPr kumimoji="1" lang="ja-JP" altLang="en-US" smtClean="0"/>
+              <a:t>・マクロ系のバインドをいくつか用意する（</a:t>
+            </a:r>
+            <a:r>
+              <a:rPr kumimoji="1" lang="en-US" altLang="ja-JP" smtClean="0"/>
+              <a:t>M1,M2,M3…</a:t>
+            </a:r>
+            <a:r>
+              <a:rPr kumimoji="1" lang="ja-JP" altLang="en-US" smtClean="0"/>
+              <a:t>）</a:t>
+            </a:r>
+            <a:endParaRPr kumimoji="1" lang="en-US" altLang="ja-JP" smtClean="0"/>
+          </a:p>
+          <a:p>
+            <a:r>
+              <a:rPr lang="ja-JP" altLang="en-US" smtClean="0"/>
+              <a:t>・テンキー系の実装？</a:t>
+            </a:r>
+            <a:endParaRPr kumimoji="1" lang="en-US" altLang="ja-JP" smtClean="0"/>
+          </a:p>
+          <a:p>
+            <a:endParaRPr kumimoji="1" lang="ja-JP" altLang="en-US"/>
+          </a:p>
+        </p:txBody>
+      </p:sp>
     </p:spTree>
     <p:extLst>
       <p:ext uri="{BB962C8B-B14F-4D97-AF65-F5344CB8AC3E}">
@@ -30079,38 +30144,13 @@
             <p:ph type="title"/>
           </p:nvPr>
         </p:nvSpPr>
-        <p:spPr>
-          <a:xfrm>
-            <a:off x="628649" y="365126"/>
-            <a:ext cx="8136209" cy="1325563"/>
-          </a:xfrm>
-        </p:spPr>
+        <p:spPr/>
         <p:txBody>
           <a:bodyPr>
-            <a:noAutofit/>
+            <a:normAutofit/>
           </a:bodyPr>
           <a:lstStyle/>
           <a:p>
-            <a:r>
-              <a:rPr lang="en-US" altLang="ja-JP" sz="4000">
-                <a:solidFill>
-                  <a:schemeClr val="accent2">
-                    <a:lumMod val="75000"/>
-                  </a:schemeClr>
-                </a:solidFill>
-              </a:rPr>
-              <a:t>CAPS</a:t>
-            </a:r>
-            <a:r>
-              <a:rPr lang="ja-JP" altLang="en-US" sz="4000">
-                <a:solidFill>
-                  <a:schemeClr val="accent2">
-                    <a:lumMod val="75000"/>
-                  </a:schemeClr>
-                </a:solidFill>
-              </a:rPr>
-              <a:t> </a:t>
-            </a:r>
             <a:r>
               <a:rPr lang="en-US" altLang="ja-JP" sz="4000" smtClean="0">
                 <a:solidFill>
@@ -30119,7 +30159,7 @@
                   </a:schemeClr>
                 </a:solidFill>
               </a:rPr>
-              <a:t>&amp;&amp; </a:t>
+              <a:t>LCMD AND </a:t>
             </a:r>
             <a:r>
               <a:rPr lang="en-US" altLang="ja-JP" sz="4000" smtClean="0">
@@ -30132,7 +30172,7 @@
               <a:t>RCMD</a:t>
             </a:r>
             <a:r>
-              <a:rPr lang="ja-JP" altLang="en-US" sz="4000">
+              <a:rPr lang="en-US" altLang="ja-JP" sz="4000">
                 <a:solidFill>
                   <a:schemeClr val="accent6">
                     <a:lumMod val="75000"/>
@@ -30149,47 +30189,7 @@
                   </a:schemeClr>
                 </a:solidFill>
               </a:rPr>
-              <a:t>= </a:t>
-            </a:r>
-            <a:r>
-              <a:rPr lang="en-US" altLang="ja-JP" sz="4000">
-                <a:solidFill>
-                  <a:schemeClr val="accent6">
-                    <a:lumMod val="75000"/>
-                  </a:schemeClr>
-                </a:solidFill>
-              </a:rPr>
-              <a:t>Window </a:t>
-            </a:r>
-            <a:r>
-              <a:rPr lang="en-US" altLang="ja-JP" sz="4000" smtClean="0">
-                <a:solidFill>
-                  <a:schemeClr val="accent6">
-                    <a:lumMod val="75000"/>
-                  </a:schemeClr>
-                </a:solidFill>
-              </a:rPr>
-              <a:t>Control</a:t>
-            </a:r>
-            <a:r>
-              <a:rPr lang="ja-JP" altLang="en-US" sz="4000">
-                <a:solidFill>
-                  <a:schemeClr val="accent6">
-                    <a:lumMod val="75000"/>
-                  </a:schemeClr>
-                </a:solidFill>
-              </a:rPr>
-              <a:t> </a:t>
-            </a:r>
-            <a:r>
-              <a:rPr lang="en-US" altLang="ja-JP" sz="4000" smtClean="0">
-                <a:solidFill>
-                  <a:schemeClr val="accent6">
-                    <a:lumMod val="75000"/>
-                  </a:schemeClr>
-                </a:solidFill>
-              </a:rPr>
-              <a:t>+α</a:t>
+              <a:t>= Launcher</a:t>
             </a:r>
             <a:endParaRPr lang="en-US" altLang="ja-JP" sz="4000" dirty="0">
               <a:solidFill>
@@ -30242,7 +30242,7 @@
           <a:lstStyle/>
           <a:p>
             <a:pPr algn="ctr"/>
-            <a:endParaRPr kumimoji="1" lang="ja-JP" altLang="en-US" sz="1400" dirty="0">
+            <a:endParaRPr kumimoji="1" lang="ja-JP" altLang="en-US" sz="1000" dirty="0">
               <a:solidFill>
                 <a:schemeClr val="accent6">
                   <a:lumMod val="75000"/>
@@ -30293,7 +30293,30 @@
           <a:lstStyle/>
           <a:p>
             <a:pPr algn="ctr"/>
-            <a:endParaRPr kumimoji="1" lang="ja-JP" altLang="en-US" sz="1400" dirty="0">
+            <a:r>
+              <a:rPr kumimoji="1" lang="en-US" altLang="ja-JP" sz="900" smtClean="0">
+                <a:solidFill>
+                  <a:schemeClr val="accent6">
+                    <a:lumMod val="75000"/>
+                  </a:schemeClr>
+                </a:solidFill>
+              </a:rPr>
+              <a:t>File Alias</a:t>
+            </a:r>
+          </a:p>
+          <a:p>
+            <a:pPr algn="ctr"/>
+            <a:r>
+              <a:rPr kumimoji="1" lang="en-US" altLang="ja-JP" sz="900" smtClean="0">
+                <a:solidFill>
+                  <a:schemeClr val="accent6">
+                    <a:lumMod val="75000"/>
+                  </a:schemeClr>
+                </a:solidFill>
+              </a:rPr>
+              <a:t>1</a:t>
+            </a:r>
+            <a:endParaRPr kumimoji="1" lang="ja-JP" altLang="en-US" sz="900" dirty="0">
               <a:solidFill>
                 <a:schemeClr val="accent6">
                   <a:lumMod val="75000"/>
@@ -30344,7 +30367,40 @@
           <a:lstStyle/>
           <a:p>
             <a:pPr algn="ctr"/>
-            <a:endParaRPr kumimoji="1" lang="ja-JP" altLang="en-US" sz="1400" dirty="0">
+            <a:r>
+              <a:rPr lang="en-US" altLang="ja-JP" sz="900">
+                <a:solidFill>
+                  <a:schemeClr val="accent6">
+                    <a:lumMod val="75000"/>
+                  </a:schemeClr>
+                </a:solidFill>
+              </a:rPr>
+              <a:t>File </a:t>
+            </a:r>
+            <a:r>
+              <a:rPr lang="en-US" altLang="ja-JP" sz="900" smtClean="0">
+                <a:solidFill>
+                  <a:schemeClr val="accent6">
+                    <a:lumMod val="75000"/>
+                  </a:schemeClr>
+                </a:solidFill>
+              </a:rPr>
+              <a:t>Alias</a:t>
+            </a:r>
+          </a:p>
+          <a:p>
+            <a:pPr algn="ctr"/>
+            <a:r>
+              <a:rPr lang="en-US" altLang="ja-JP" sz="900" smtClean="0">
+                <a:solidFill>
+                  <a:schemeClr val="accent6">
+                    <a:lumMod val="75000"/>
+                  </a:schemeClr>
+                </a:solidFill>
+              </a:rPr>
+              <a:t>2</a:t>
+            </a:r>
+            <a:endParaRPr lang="en-US" altLang="ja-JP" sz="900">
               <a:solidFill>
                 <a:schemeClr val="accent6">
                   <a:lumMod val="75000"/>
@@ -30395,7 +30451,40 @@
           <a:lstStyle/>
           <a:p>
             <a:pPr algn="ctr"/>
-            <a:endParaRPr kumimoji="1" lang="ja-JP" altLang="en-US" sz="1400" dirty="0">
+            <a:r>
+              <a:rPr lang="en-US" altLang="ja-JP" sz="900">
+                <a:solidFill>
+                  <a:schemeClr val="accent6">
+                    <a:lumMod val="75000"/>
+                  </a:schemeClr>
+                </a:solidFill>
+              </a:rPr>
+              <a:t>File </a:t>
+            </a:r>
+            <a:r>
+              <a:rPr lang="en-US" altLang="ja-JP" sz="900" smtClean="0">
+                <a:solidFill>
+                  <a:schemeClr val="accent6">
+                    <a:lumMod val="75000"/>
+                  </a:schemeClr>
+                </a:solidFill>
+              </a:rPr>
+              <a:t>Alias</a:t>
+            </a:r>
+          </a:p>
+          <a:p>
+            <a:pPr algn="ctr"/>
+            <a:r>
+              <a:rPr lang="en-US" altLang="ja-JP" sz="900" smtClean="0">
+                <a:solidFill>
+                  <a:schemeClr val="accent6">
+                    <a:lumMod val="75000"/>
+                  </a:schemeClr>
+                </a:solidFill>
+              </a:rPr>
+              <a:t>3</a:t>
+            </a:r>
+            <a:endParaRPr lang="en-US" altLang="ja-JP" sz="900">
               <a:solidFill>
                 <a:schemeClr val="accent6">
                   <a:lumMod val="75000"/>
@@ -30446,13 +30535,29 @@
           <a:lstStyle/>
           <a:p>
             <a:pPr algn="ctr"/>
-            <a:endParaRPr kumimoji="1" lang="ja-JP" altLang="en-US" sz="1400" dirty="0">
-              <a:solidFill>
-                <a:schemeClr val="accent6">
-                  <a:lumMod val="75000"/>
-                </a:schemeClr>
-              </a:solidFill>
-            </a:endParaRPr>
+            <a:r>
+              <a:rPr lang="en-US" altLang="ja-JP" sz="900">
+                <a:solidFill>
+                  <a:schemeClr val="accent6">
+                    <a:lumMod val="75000"/>
+                  </a:schemeClr>
+                </a:solidFill>
+              </a:rPr>
+              <a:t>File Alias</a:t>
+            </a:r>
+          </a:p>
+          <a:p>
+            <a:pPr algn="ctr"/>
+            <a:r>
+              <a:rPr lang="en-US" altLang="ja-JP" sz="900" smtClean="0">
+                <a:solidFill>
+                  <a:schemeClr val="accent6">
+                    <a:lumMod val="75000"/>
+                  </a:schemeClr>
+                </a:solidFill>
+              </a:rPr>
+              <a:t>4</a:t>
+            </a:r>
           </a:p>
         </p:txBody>
       </p:sp>
@@ -30497,13 +30602,39 @@
           <a:lstStyle/>
           <a:p>
             <a:pPr algn="ctr"/>
-            <a:endParaRPr kumimoji="1" lang="ja-JP" altLang="en-US" sz="1400" dirty="0">
-              <a:solidFill>
-                <a:schemeClr val="accent6">
-                  <a:lumMod val="75000"/>
-                </a:schemeClr>
-              </a:solidFill>
-            </a:endParaRPr>
+            <a:r>
+              <a:rPr lang="en-US" altLang="ja-JP" sz="900">
+                <a:solidFill>
+                  <a:schemeClr val="accent6">
+                    <a:lumMod val="75000"/>
+                  </a:schemeClr>
+                </a:solidFill>
+              </a:rPr>
+              <a:t>File </a:t>
+            </a:r>
+            <a:r>
+              <a:rPr lang="en-US" altLang="ja-JP" sz="900" smtClean="0">
+                <a:solidFill>
+                  <a:schemeClr val="accent6">
+                    <a:lumMod val="75000"/>
+                  </a:schemeClr>
+                </a:solidFill>
+              </a:rPr>
+              <a:t>Alias</a:t>
+            </a:r>
+          </a:p>
+          <a:p>
+            <a:pPr algn="ctr"/>
+            <a:r>
+              <a:rPr lang="en-US" altLang="ja-JP" sz="900">
+                <a:solidFill>
+                  <a:schemeClr val="accent6">
+                    <a:lumMod val="75000"/>
+                  </a:schemeClr>
+                </a:solidFill>
+              </a:rPr>
+              <a:t>5</a:t>
+            </a:r>
           </a:p>
         </p:txBody>
       </p:sp>
@@ -30548,7 +30679,40 @@
           <a:lstStyle/>
           <a:p>
             <a:pPr algn="ctr"/>
-            <a:endParaRPr kumimoji="1" lang="ja-JP" altLang="en-US" sz="1400" dirty="0">
+            <a:r>
+              <a:rPr lang="en-US" altLang="ja-JP" sz="900">
+                <a:solidFill>
+                  <a:schemeClr val="accent6">
+                    <a:lumMod val="75000"/>
+                  </a:schemeClr>
+                </a:solidFill>
+              </a:rPr>
+              <a:t>File </a:t>
+            </a:r>
+            <a:r>
+              <a:rPr lang="en-US" altLang="ja-JP" sz="900" smtClean="0">
+                <a:solidFill>
+                  <a:schemeClr val="accent6">
+                    <a:lumMod val="75000"/>
+                  </a:schemeClr>
+                </a:solidFill>
+              </a:rPr>
+              <a:t>Alias</a:t>
+            </a:r>
+          </a:p>
+          <a:p>
+            <a:pPr algn="ctr"/>
+            <a:r>
+              <a:rPr lang="en-US" altLang="ja-JP" sz="900" smtClean="0">
+                <a:solidFill>
+                  <a:schemeClr val="accent6">
+                    <a:lumMod val="75000"/>
+                  </a:schemeClr>
+                </a:solidFill>
+              </a:rPr>
+              <a:t>6</a:t>
+            </a:r>
+            <a:endParaRPr lang="en-US" altLang="ja-JP" sz="900">
               <a:solidFill>
                 <a:schemeClr val="accent6">
                   <a:lumMod val="75000"/>
@@ -30599,7 +30763,40 @@
           <a:lstStyle/>
           <a:p>
             <a:pPr algn="ctr"/>
-            <a:endParaRPr kumimoji="1" lang="ja-JP" altLang="en-US" sz="1400" dirty="0">
+            <a:r>
+              <a:rPr lang="en-US" altLang="ja-JP" sz="900">
+                <a:solidFill>
+                  <a:schemeClr val="accent6">
+                    <a:lumMod val="75000"/>
+                  </a:schemeClr>
+                </a:solidFill>
+              </a:rPr>
+              <a:t>File </a:t>
+            </a:r>
+            <a:r>
+              <a:rPr lang="en-US" altLang="ja-JP" sz="900" smtClean="0">
+                <a:solidFill>
+                  <a:schemeClr val="accent6">
+                    <a:lumMod val="75000"/>
+                  </a:schemeClr>
+                </a:solidFill>
+              </a:rPr>
+              <a:t>Alias</a:t>
+            </a:r>
+          </a:p>
+          <a:p>
+            <a:pPr algn="ctr"/>
+            <a:r>
+              <a:rPr lang="en-US" altLang="ja-JP" sz="900" smtClean="0">
+                <a:solidFill>
+                  <a:schemeClr val="accent6">
+                    <a:lumMod val="75000"/>
+                  </a:schemeClr>
+                </a:solidFill>
+              </a:rPr>
+              <a:t>7</a:t>
+            </a:r>
+            <a:endParaRPr lang="en-US" altLang="ja-JP" sz="900">
               <a:solidFill>
                 <a:schemeClr val="accent6">
                   <a:lumMod val="75000"/>
@@ -30650,13 +30847,39 @@
           <a:lstStyle/>
           <a:p>
             <a:pPr algn="ctr"/>
-            <a:endParaRPr kumimoji="1" lang="ja-JP" altLang="en-US" sz="1400" dirty="0">
-              <a:solidFill>
-                <a:schemeClr val="accent6">
-                  <a:lumMod val="75000"/>
-                </a:schemeClr>
-              </a:solidFill>
-            </a:endParaRPr>
+            <a:r>
+              <a:rPr lang="en-US" altLang="ja-JP" sz="900">
+                <a:solidFill>
+                  <a:schemeClr val="accent6">
+                    <a:lumMod val="75000"/>
+                  </a:schemeClr>
+                </a:solidFill>
+              </a:rPr>
+              <a:t>File </a:t>
+            </a:r>
+            <a:r>
+              <a:rPr lang="en-US" altLang="ja-JP" sz="900" smtClean="0">
+                <a:solidFill>
+                  <a:schemeClr val="accent6">
+                    <a:lumMod val="75000"/>
+                  </a:schemeClr>
+                </a:solidFill>
+              </a:rPr>
+              <a:t>Alias</a:t>
+            </a:r>
+          </a:p>
+          <a:p>
+            <a:pPr algn="ctr"/>
+            <a:r>
+              <a:rPr lang="en-US" altLang="ja-JP" sz="900">
+                <a:solidFill>
+                  <a:schemeClr val="accent6">
+                    <a:lumMod val="75000"/>
+                  </a:schemeClr>
+                </a:solidFill>
+              </a:rPr>
+              <a:t>8</a:t>
+            </a:r>
           </a:p>
         </p:txBody>
       </p:sp>
@@ -30701,13 +30924,39 @@
           <a:lstStyle/>
           <a:p>
             <a:pPr algn="ctr"/>
-            <a:endParaRPr kumimoji="1" lang="ja-JP" altLang="en-US" sz="1400" dirty="0">
-              <a:solidFill>
-                <a:schemeClr val="accent6">
-                  <a:lumMod val="75000"/>
-                </a:schemeClr>
-              </a:solidFill>
-            </a:endParaRPr>
+            <a:r>
+              <a:rPr lang="en-US" altLang="ja-JP" sz="900">
+                <a:solidFill>
+                  <a:schemeClr val="accent6">
+                    <a:lumMod val="75000"/>
+                  </a:schemeClr>
+                </a:solidFill>
+              </a:rPr>
+              <a:t>File </a:t>
+            </a:r>
+            <a:r>
+              <a:rPr lang="en-US" altLang="ja-JP" sz="900" smtClean="0">
+                <a:solidFill>
+                  <a:schemeClr val="accent6">
+                    <a:lumMod val="75000"/>
+                  </a:schemeClr>
+                </a:solidFill>
+              </a:rPr>
+              <a:t>Alias</a:t>
+            </a:r>
+          </a:p>
+          <a:p>
+            <a:pPr algn="ctr"/>
+            <a:r>
+              <a:rPr lang="en-US" altLang="ja-JP" sz="900">
+                <a:solidFill>
+                  <a:schemeClr val="accent6">
+                    <a:lumMod val="75000"/>
+                  </a:schemeClr>
+                </a:solidFill>
+              </a:rPr>
+              <a:t>9</a:t>
+            </a:r>
           </a:p>
         </p:txBody>
       </p:sp>
@@ -30752,13 +31001,39 @@
           <a:lstStyle/>
           <a:p>
             <a:pPr algn="ctr"/>
-            <a:endParaRPr kumimoji="1" lang="ja-JP" altLang="en-US" sz="1400" dirty="0">
-              <a:solidFill>
-                <a:schemeClr val="accent6">
-                  <a:lumMod val="75000"/>
-                </a:schemeClr>
-              </a:solidFill>
-            </a:endParaRPr>
+            <a:r>
+              <a:rPr lang="en-US" altLang="ja-JP" sz="900">
+                <a:solidFill>
+                  <a:schemeClr val="accent6">
+                    <a:lumMod val="75000"/>
+                  </a:schemeClr>
+                </a:solidFill>
+              </a:rPr>
+              <a:t>File </a:t>
+            </a:r>
+            <a:r>
+              <a:rPr lang="en-US" altLang="ja-JP" sz="900" smtClean="0">
+                <a:solidFill>
+                  <a:schemeClr val="accent6">
+                    <a:lumMod val="75000"/>
+                  </a:schemeClr>
+                </a:solidFill>
+              </a:rPr>
+              <a:t>Alias</a:t>
+            </a:r>
+          </a:p>
+          <a:p>
+            <a:pPr algn="ctr"/>
+            <a:r>
+              <a:rPr lang="en-US" altLang="ja-JP" sz="900" smtClean="0">
+                <a:solidFill>
+                  <a:schemeClr val="accent6">
+                    <a:lumMod val="75000"/>
+                  </a:schemeClr>
+                </a:solidFill>
+              </a:rPr>
+              <a:t>0</a:t>
+            </a:r>
           </a:p>
         </p:txBody>
       </p:sp>
@@ -30803,7 +31078,7 @@
           <a:lstStyle/>
           <a:p>
             <a:pPr algn="ctr"/>
-            <a:endParaRPr kumimoji="1" lang="ja-JP" altLang="en-US" sz="1400" dirty="0">
+            <a:endParaRPr kumimoji="1" lang="ja-JP" altLang="en-US" sz="1000" dirty="0">
               <a:solidFill>
                 <a:schemeClr val="accent6">
                   <a:lumMod val="75000"/>
@@ -30854,7 +31129,7 @@
           <a:lstStyle/>
           <a:p>
             <a:pPr algn="ctr"/>
-            <a:endParaRPr kumimoji="1" lang="ja-JP" altLang="en-US" sz="1400" dirty="0">
+            <a:endParaRPr kumimoji="1" lang="ja-JP" altLang="en-US" sz="1000" dirty="0">
               <a:solidFill>
                 <a:schemeClr val="accent6">
                   <a:lumMod val="75000"/>
@@ -30905,7 +31180,7 @@
           <a:lstStyle/>
           <a:p>
             <a:pPr algn="ctr"/>
-            <a:endParaRPr kumimoji="1" lang="ja-JP" altLang="en-US" sz="1400" dirty="0">
+            <a:endParaRPr kumimoji="1" lang="ja-JP" altLang="en-US" sz="1000" dirty="0">
               <a:solidFill>
                 <a:schemeClr val="accent6">
                   <a:lumMod val="75000"/>
@@ -30956,7 +31231,7 @@
           <a:lstStyle/>
           <a:p>
             <a:pPr algn="ctr"/>
-            <a:endParaRPr kumimoji="1" lang="ja-JP" altLang="en-US" sz="1400" dirty="0">
+            <a:endParaRPr kumimoji="1" lang="ja-JP" altLang="en-US" sz="1000" dirty="0">
               <a:solidFill>
                 <a:schemeClr val="accent6">
                   <a:lumMod val="75000"/>
@@ -31007,7 +31282,30 @@
           <a:lstStyle/>
           <a:p>
             <a:pPr algn="ctr"/>
-            <a:endParaRPr kumimoji="1" lang="ja-JP" altLang="en-US" sz="1400" dirty="0">
+            <a:r>
+              <a:rPr kumimoji="1" lang="en-US" altLang="ja-JP" sz="900" smtClean="0">
+                <a:solidFill>
+                  <a:schemeClr val="accent6">
+                    <a:lumMod val="75000"/>
+                  </a:schemeClr>
+                </a:solidFill>
+              </a:rPr>
+              <a:t>Task</a:t>
+            </a:r>
+          </a:p>
+          <a:p>
+            <a:pPr algn="ctr"/>
+            <a:r>
+              <a:rPr lang="en-US" altLang="ja-JP" sz="900" smtClean="0">
+                <a:solidFill>
+                  <a:schemeClr val="accent6">
+                    <a:lumMod val="75000"/>
+                  </a:schemeClr>
+                </a:solidFill>
+              </a:rPr>
+              <a:t>Manager</a:t>
+            </a:r>
+            <a:endParaRPr kumimoji="1" lang="ja-JP" altLang="en-US" sz="900" dirty="0">
               <a:solidFill>
                 <a:schemeClr val="accent6">
                   <a:lumMod val="75000"/>
@@ -31058,7 +31356,7 @@
           <a:lstStyle/>
           <a:p>
             <a:pPr algn="ctr"/>
-            <a:endParaRPr kumimoji="1" lang="ja-JP" altLang="en-US" sz="1400" dirty="0">
+            <a:endParaRPr kumimoji="1" lang="ja-JP" altLang="en-US" sz="900" dirty="0">
               <a:solidFill>
                 <a:schemeClr val="accent6">
                   <a:lumMod val="75000"/>
@@ -31110,29 +31408,16 @@
           <a:p>
             <a:pPr algn="ctr"/>
             <a:r>
-              <a:rPr lang="en-US" altLang="ja-JP" sz="1100" smtClean="0">
+              <a:rPr lang="en-US" altLang="ja-JP" sz="900" dirty="0">
                 <a:solidFill>
                   <a:schemeClr val="accent6">
                     <a:lumMod val="75000"/>
                   </a:schemeClr>
                 </a:solidFill>
               </a:rPr>
-              <a:t>App</a:t>
-            </a:r>
-          </a:p>
-          <a:p>
-            <a:pPr algn="ctr"/>
-            <a:r>
-              <a:rPr lang="ja-JP" altLang="en-US" sz="1100" smtClean="0">
-                <a:solidFill>
-                  <a:schemeClr val="accent6">
-                    <a:lumMod val="75000"/>
-                  </a:schemeClr>
-                </a:solidFill>
-              </a:rPr>
-              <a:t>選択</a:t>
-            </a:r>
-            <a:endParaRPr kumimoji="1" lang="ja-JP" altLang="en-US" sz="1100" dirty="0">
+              <a:t>Notepad</a:t>
+            </a:r>
+            <a:endParaRPr lang="ja-JP" altLang="en-US" sz="900" dirty="0">
               <a:solidFill>
                 <a:schemeClr val="accent6">
                   <a:lumMod val="75000"/>
@@ -31183,7 +31468,30 @@
           <a:lstStyle/>
           <a:p>
             <a:pPr algn="ctr"/>
-            <a:endParaRPr kumimoji="1" lang="ja-JP" altLang="en-US" sz="1400" dirty="0">
+            <a:r>
+              <a:rPr kumimoji="1" lang="en-US" altLang="ja-JP" sz="900" dirty="0" smtClean="0">
+                <a:solidFill>
+                  <a:schemeClr val="accent6">
+                    <a:lumMod val="75000"/>
+                  </a:schemeClr>
+                </a:solidFill>
+              </a:rPr>
+              <a:t>MS</a:t>
+            </a:r>
+          </a:p>
+          <a:p>
+            <a:pPr algn="ctr"/>
+            <a:r>
+              <a:rPr kumimoji="1" lang="en-US" altLang="ja-JP" sz="900" dirty="0" smtClean="0">
+                <a:solidFill>
+                  <a:schemeClr val="accent6">
+                    <a:lumMod val="75000"/>
+                  </a:schemeClr>
+                </a:solidFill>
+              </a:rPr>
+              <a:t>Edge</a:t>
+            </a:r>
+            <a:endParaRPr kumimoji="1" lang="ja-JP" altLang="en-US" sz="900" dirty="0">
               <a:solidFill>
                 <a:schemeClr val="accent6">
                   <a:lumMod val="75000"/>
@@ -31234,7 +31542,17 @@
           <a:lstStyle/>
           <a:p>
             <a:pPr algn="ctr"/>
-            <a:endParaRPr kumimoji="1" lang="ja-JP" altLang="en-US" sz="1400" dirty="0">
+            <a:r>
+              <a:rPr kumimoji="1" lang="en-US" altLang="ja-JP" sz="900" smtClean="0">
+                <a:solidFill>
+                  <a:schemeClr val="accent6">
+                    <a:lumMod val="75000"/>
+                  </a:schemeClr>
+                </a:solidFill>
+              </a:rPr>
+              <a:t>Terminal</a:t>
+            </a:r>
+            <a:endParaRPr kumimoji="1" lang="ja-JP" altLang="en-US" sz="900" dirty="0">
               <a:solidFill>
                 <a:schemeClr val="accent6">
                   <a:lumMod val="75000"/>
@@ -31285,7 +31603,7 @@
           <a:lstStyle/>
           <a:p>
             <a:pPr algn="ctr"/>
-            <a:endParaRPr kumimoji="1" lang="ja-JP" altLang="en-US" sz="1400" dirty="0">
+            <a:endParaRPr kumimoji="1" lang="ja-JP" altLang="en-US" sz="900" dirty="0">
               <a:solidFill>
                 <a:schemeClr val="accent6">
                   <a:lumMod val="75000"/>
@@ -31336,7 +31654,7 @@
           <a:lstStyle/>
           <a:p>
             <a:pPr algn="ctr"/>
-            <a:endParaRPr kumimoji="1" lang="ja-JP" altLang="en-US" sz="1400" dirty="0">
+            <a:endParaRPr kumimoji="1" lang="ja-JP" altLang="en-US" sz="900" dirty="0">
               <a:solidFill>
                 <a:schemeClr val="accent6">
                   <a:lumMod val="75000"/>
@@ -31387,7 +31705,17 @@
           <a:lstStyle/>
           <a:p>
             <a:pPr algn="ctr"/>
-            <a:endParaRPr kumimoji="1" lang="ja-JP" altLang="en-US" sz="1400" dirty="0">
+            <a:r>
+              <a:rPr lang="en-US" altLang="ja-JP" sz="900" smtClean="0">
+                <a:solidFill>
+                  <a:schemeClr val="accent6">
+                    <a:lumMod val="75000"/>
+                  </a:schemeClr>
+                </a:solidFill>
+              </a:rPr>
+              <a:t>Word</a:t>
+            </a:r>
+            <a:endParaRPr kumimoji="1" lang="ja-JP" altLang="en-US" sz="900" dirty="0">
               <a:solidFill>
                 <a:schemeClr val="accent6">
                   <a:lumMod val="75000"/>
@@ -31438,7 +31766,17 @@
           <a:lstStyle/>
           <a:p>
             <a:pPr algn="ctr"/>
-            <a:endParaRPr kumimoji="1" lang="ja-JP" altLang="en-US" sz="1400" dirty="0">
+            <a:r>
+              <a:rPr kumimoji="1" lang="en-US" altLang="ja-JP" sz="900" smtClean="0">
+                <a:solidFill>
+                  <a:schemeClr val="accent6">
+                    <a:lumMod val="75000"/>
+                  </a:schemeClr>
+                </a:solidFill>
+              </a:rPr>
+              <a:t>Excel</a:t>
+            </a:r>
+            <a:endParaRPr kumimoji="1" lang="ja-JP" altLang="en-US" sz="900" dirty="0">
               <a:solidFill>
                 <a:schemeClr val="accent6">
                   <a:lumMod val="75000"/>
@@ -31489,7 +31827,30 @@
           <a:lstStyle/>
           <a:p>
             <a:pPr algn="ctr"/>
-            <a:endParaRPr kumimoji="1" lang="ja-JP" altLang="en-US" sz="1400" dirty="0">
+            <a:r>
+              <a:rPr lang="en-US" altLang="ja-JP" sz="900" smtClean="0">
+                <a:solidFill>
+                  <a:schemeClr val="accent6">
+                    <a:lumMod val="75000"/>
+                  </a:schemeClr>
+                </a:solidFill>
+              </a:rPr>
+              <a:t>Power</a:t>
+            </a:r>
+          </a:p>
+          <a:p>
+            <a:pPr algn="ctr"/>
+            <a:r>
+              <a:rPr lang="en-US" altLang="ja-JP" sz="900" smtClean="0">
+                <a:solidFill>
+                  <a:schemeClr val="accent6">
+                    <a:lumMod val="75000"/>
+                  </a:schemeClr>
+                </a:solidFill>
+              </a:rPr>
+              <a:t>Point</a:t>
+            </a:r>
+            <a:endParaRPr kumimoji="1" lang="ja-JP" altLang="en-US" sz="900" dirty="0">
               <a:solidFill>
                 <a:schemeClr val="accent6">
                   <a:lumMod val="75000"/>
@@ -31540,7 +31901,7 @@
           <a:lstStyle/>
           <a:p>
             <a:pPr algn="ctr"/>
-            <a:endParaRPr kumimoji="1" lang="ja-JP" altLang="en-US" sz="1400" dirty="0">
+            <a:endParaRPr kumimoji="1" lang="ja-JP" altLang="en-US" sz="1000" dirty="0">
               <a:solidFill>
                 <a:schemeClr val="accent6">
                   <a:lumMod val="75000"/>
@@ -31591,7 +31952,7 @@
           <a:lstStyle/>
           <a:p>
             <a:pPr algn="ctr"/>
-            <a:endParaRPr kumimoji="1" lang="ja-JP" altLang="en-US" sz="1400" dirty="0">
+            <a:endParaRPr kumimoji="1" lang="ja-JP" altLang="en-US" sz="1000" dirty="0">
               <a:solidFill>
                 <a:schemeClr val="accent6">
                   <a:lumMod val="75000"/>
@@ -31642,7 +32003,7 @@
           <a:lstStyle/>
           <a:p>
             <a:pPr algn="ctr"/>
-            <a:endParaRPr kumimoji="1" lang="ja-JP" altLang="en-US" sz="1400" dirty="0">
+            <a:endParaRPr kumimoji="1" lang="ja-JP" altLang="en-US" sz="1000" dirty="0">
               <a:solidFill>
                 <a:schemeClr val="accent6">
                   <a:lumMod val="75000"/>
@@ -31693,7 +32054,7 @@
           <a:lstStyle/>
           <a:p>
             <a:pPr algn="ctr"/>
-            <a:endParaRPr kumimoji="1" lang="ja-JP" altLang="en-US" sz="1400" dirty="0">
+            <a:endParaRPr kumimoji="1" lang="ja-JP" altLang="en-US" sz="900" dirty="0">
               <a:solidFill>
                 <a:schemeClr val="accent6">
                   <a:lumMod val="75000"/>
@@ -31744,7 +32105,17 @@
           <a:lstStyle/>
           <a:p>
             <a:pPr algn="ctr"/>
-            <a:endParaRPr kumimoji="1" lang="ja-JP" altLang="en-US" sz="1400" dirty="0">
+            <a:r>
+              <a:rPr kumimoji="1" lang="en-US" altLang="ja-JP" sz="900" smtClean="0">
+                <a:solidFill>
+                  <a:schemeClr val="accent6">
+                    <a:lumMod val="75000"/>
+                  </a:schemeClr>
+                </a:solidFill>
+              </a:rPr>
+              <a:t>Atom</a:t>
+            </a:r>
+            <a:endParaRPr kumimoji="1" lang="ja-JP" altLang="en-US" sz="900" dirty="0">
               <a:solidFill>
                 <a:schemeClr val="accent6">
                   <a:lumMod val="75000"/>
@@ -31796,34 +32167,14 @@
           <a:p>
             <a:pPr algn="ctr"/>
             <a:r>
-              <a:rPr kumimoji="1" lang="ja-JP" altLang="en-US" sz="900" dirty="0" smtClean="0">
+              <a:rPr kumimoji="1" lang="en-US" altLang="ja-JP" sz="900" smtClean="0">
                 <a:solidFill>
                   <a:schemeClr val="accent6">
                     <a:lumMod val="75000"/>
                   </a:schemeClr>
                 </a:solidFill>
               </a:rPr>
-              <a:t>前の</a:t>
-            </a:r>
-            <a:endParaRPr kumimoji="1" lang="en-US" altLang="ja-JP" sz="900" dirty="0" smtClean="0">
-              <a:solidFill>
-                <a:schemeClr val="accent6">
-                  <a:lumMod val="75000"/>
-                </a:schemeClr>
-              </a:solidFill>
-            </a:endParaRPr>
-          </a:p>
-          <a:p>
-            <a:pPr algn="ctr"/>
-            <a:r>
-              <a:rPr lang="en-US" altLang="ja-JP" sz="900" dirty="0" smtClean="0">
-                <a:solidFill>
-                  <a:schemeClr val="accent6">
-                    <a:lumMod val="75000"/>
-                  </a:schemeClr>
-                </a:solidFill>
-              </a:rPr>
-              <a:t>Window</a:t>
+              <a:t>Skype</a:t>
             </a:r>
             <a:endParaRPr kumimoji="1" lang="ja-JP" altLang="en-US" sz="900" dirty="0">
               <a:solidFill>
@@ -31876,6 +32227,16 @@
           <a:lstStyle/>
           <a:p>
             <a:pPr algn="ctr"/>
+            <a:r>
+              <a:rPr kumimoji="1" lang="en-US" altLang="ja-JP" sz="900" smtClean="0">
+                <a:solidFill>
+                  <a:schemeClr val="accent6">
+                    <a:lumMod val="75000"/>
+                  </a:schemeClr>
+                </a:solidFill>
+              </a:rPr>
+              <a:t>Desktop</a:t>
+            </a:r>
             <a:endParaRPr kumimoji="1" lang="ja-JP" altLang="en-US" sz="900" dirty="0">
               <a:solidFill>
                 <a:schemeClr val="accent6">
@@ -31928,54 +32289,14 @@
           <a:p>
             <a:pPr algn="ctr"/>
             <a:r>
-              <a:rPr kumimoji="1" lang="ja-JP" altLang="en-US" sz="900" u="sng" dirty="0" smtClean="0">
+              <a:rPr kumimoji="1" lang="en-US" altLang="ja-JP" sz="900" u="sng" smtClean="0">
                 <a:solidFill>
                   <a:schemeClr val="accent6">
                     <a:lumMod val="75000"/>
                   </a:schemeClr>
                 </a:solidFill>
               </a:rPr>
-              <a:t>次</a:t>
-            </a:r>
-            <a:r>
-              <a:rPr lang="ja-JP" altLang="en-US" sz="900" u="sng" dirty="0" smtClean="0">
-                <a:solidFill>
-                  <a:schemeClr val="accent6">
-                    <a:lumMod val="75000"/>
-                  </a:schemeClr>
-                </a:solidFill>
-              </a:rPr>
-              <a:t>の</a:t>
-            </a:r>
-            <a:endParaRPr lang="en-US" altLang="ja-JP" sz="900" u="sng" dirty="0" smtClean="0">
-              <a:solidFill>
-                <a:schemeClr val="accent6">
-                  <a:lumMod val="75000"/>
-                </a:schemeClr>
-              </a:solidFill>
-            </a:endParaRPr>
-          </a:p>
-          <a:p>
-            <a:pPr algn="ctr"/>
-            <a:r>
-              <a:rPr kumimoji="1" lang="en-US" altLang="ja-JP" sz="900" u="sng" dirty="0" smtClean="0">
-                <a:solidFill>
-                  <a:schemeClr val="accent6">
-                    <a:lumMod val="75000"/>
-                  </a:schemeClr>
-                </a:solidFill>
-              </a:rPr>
-              <a:t>Windo</a:t>
-            </a:r>
-            <a:r>
-              <a:rPr kumimoji="1" lang="en-US" altLang="ja-JP" sz="900" u="sng" dirty="0">
-                <a:solidFill>
-                  <a:schemeClr val="accent6">
-                    <a:lumMod val="75000"/>
-                  </a:schemeClr>
-                </a:solidFill>
-              </a:rPr>
-              <a:t>w</a:t>
+              <a:t>Filer</a:t>
             </a:r>
             <a:endParaRPr kumimoji="1" lang="ja-JP" altLang="en-US" sz="900" u="sng" dirty="0">
               <a:solidFill>
@@ -32029,16 +32350,29 @@
           <a:p>
             <a:pPr algn="ctr"/>
             <a:r>
-              <a:rPr kumimoji="1" lang="ja-JP" altLang="en-US" sz="1200" dirty="0" smtClean="0">
+              <a:rPr kumimoji="1" lang="en-US" altLang="ja-JP" sz="900" smtClean="0">
                 <a:solidFill>
                   <a:schemeClr val="accent6">
                     <a:lumMod val="75000"/>
                   </a:schemeClr>
                 </a:solidFill>
               </a:rPr>
-              <a:t>検索</a:t>
-            </a:r>
-            <a:endParaRPr kumimoji="1" lang="ja-JP" altLang="en-US" sz="1200" dirty="0">
+              <a:t>Google</a:t>
+            </a:r>
+          </a:p>
+          <a:p>
+            <a:pPr algn="ctr"/>
+            <a:r>
+              <a:rPr lang="en-US" altLang="ja-JP" sz="900" smtClean="0">
+                <a:solidFill>
+                  <a:schemeClr val="accent6">
+                    <a:lumMod val="75000"/>
+                  </a:schemeClr>
+                </a:solidFill>
+              </a:rPr>
+              <a:t>Chrome</a:t>
+            </a:r>
+            <a:endParaRPr kumimoji="1" lang="ja-JP" altLang="en-US" sz="900" dirty="0">
               <a:solidFill>
                 <a:schemeClr val="accent6">
                   <a:lumMod val="75000"/>
@@ -32089,7 +32423,36 @@
           <a:lstStyle/>
           <a:p>
             <a:pPr algn="ctr"/>
-            <a:endParaRPr kumimoji="1" lang="ja-JP" altLang="en-US" sz="1400" dirty="0">
+            <a:r>
+              <a:rPr lang="en-US" altLang="ja-JP" sz="900" smtClean="0">
+                <a:solidFill>
+                  <a:schemeClr val="accent6">
+                    <a:lumMod val="75000"/>
+                  </a:schemeClr>
+                </a:solidFill>
+              </a:rPr>
+              <a:t>Git</a:t>
+            </a:r>
+            <a:br>
+              <a:rPr lang="en-US" altLang="ja-JP" sz="900" smtClean="0">
+                <a:solidFill>
+                  <a:schemeClr val="accent6">
+                    <a:lumMod val="75000"/>
+                  </a:schemeClr>
+                </a:solidFill>
+              </a:rPr>
+            </a:br>
+            <a:r>
+              <a:rPr lang="en-US" altLang="ja-JP" sz="900" smtClean="0">
+                <a:solidFill>
+                  <a:schemeClr val="accent6">
+                    <a:lumMod val="75000"/>
+                  </a:schemeClr>
+                </a:solidFill>
+              </a:rPr>
+              <a:t>Hub</a:t>
+            </a:r>
+            <a:endParaRPr kumimoji="1" lang="ja-JP" altLang="en-US" sz="900" dirty="0">
               <a:solidFill>
                 <a:schemeClr val="accent6">
                   <a:lumMod val="75000"/>
@@ -32140,7 +32503,30 @@
           <a:lstStyle/>
           <a:p>
             <a:pPr algn="ctr"/>
-            <a:endParaRPr kumimoji="1" lang="en-US" altLang="ja-JP" sz="1400" u="sng" smtClean="0">
+            <a:r>
+              <a:rPr kumimoji="1" lang="en-US" altLang="ja-JP" sz="900" u="sng" smtClean="0">
+                <a:solidFill>
+                  <a:schemeClr val="accent6">
+                    <a:lumMod val="75000"/>
+                  </a:schemeClr>
+                </a:solidFill>
+              </a:rPr>
+              <a:t>Intelli</a:t>
+            </a:r>
+          </a:p>
+          <a:p>
+            <a:pPr algn="ctr"/>
+            <a:r>
+              <a:rPr lang="en-US" altLang="ja-JP" sz="900" u="sng">
+                <a:solidFill>
+                  <a:schemeClr val="accent6">
+                    <a:lumMod val="75000"/>
+                  </a:schemeClr>
+                </a:solidFill>
+              </a:rPr>
+              <a:t>J</a:t>
+            </a:r>
+            <a:endParaRPr kumimoji="1" lang="ja-JP" altLang="en-US" sz="900" u="sng" dirty="0">
               <a:solidFill>
                 <a:schemeClr val="accent6">
                   <a:lumMod val="75000"/>
@@ -32191,11 +32577,17 @@
           <a:lstStyle/>
           <a:p>
             <a:pPr algn="ctr"/>
-            <a:endParaRPr kumimoji="1" lang="ja-JP" altLang="en-US" sz="1400" dirty="0">
-              <a:solidFill>
-                <a:schemeClr val="accent6">
-                  <a:lumMod val="75000"/>
-                </a:schemeClr>
+            <a:r>
+              <a:rPr kumimoji="1" lang="en-US" altLang="ja-JP" sz="700" smtClean="0">
+                <a:solidFill>
+                  <a:schemeClr val="tx1"/>
+                </a:solidFill>
+              </a:rPr>
+              <a:t>Processing</a:t>
+            </a:r>
+            <a:endParaRPr kumimoji="1" lang="ja-JP" altLang="en-US" sz="700" dirty="0">
+              <a:solidFill>
+                <a:schemeClr val="tx1"/>
               </a:solidFill>
             </a:endParaRPr>
           </a:p>
@@ -32242,11 +32634,17 @@
           <a:lstStyle/>
           <a:p>
             <a:pPr algn="ctr"/>
-            <a:endParaRPr kumimoji="1" lang="ja-JP" altLang="en-US" sz="1400" dirty="0">
-              <a:solidFill>
-                <a:schemeClr val="accent6">
-                  <a:lumMod val="75000"/>
-                </a:schemeClr>
+            <a:r>
+              <a:rPr kumimoji="1" lang="en-US" altLang="ja-JP" sz="900" smtClean="0">
+                <a:solidFill>
+                  <a:schemeClr val="tx1"/>
+                </a:solidFill>
+              </a:rPr>
+              <a:t>LoL</a:t>
+            </a:r>
+            <a:endParaRPr kumimoji="1" lang="ja-JP" altLang="en-US" sz="900" dirty="0">
+              <a:solidFill>
+                <a:schemeClr val="tx1"/>
               </a:solidFill>
             </a:endParaRPr>
           </a:p>
@@ -32293,13 +32691,7 @@
           <a:lstStyle/>
           <a:p>
             <a:pPr algn="ctr"/>
-            <a:endParaRPr kumimoji="1" lang="ja-JP" altLang="en-US" sz="1400" dirty="0">
-              <a:solidFill>
-                <a:schemeClr val="accent6">
-                  <a:lumMod val="75000"/>
-                </a:schemeClr>
-              </a:solidFill>
-            </a:endParaRPr>
+            <a:endParaRPr kumimoji="1" lang="ja-JP" altLang="en-US" sz="900" dirty="0"/>
           </a:p>
         </p:txBody>
       </p:sp>
@@ -32344,13 +32736,7 @@
           <a:lstStyle/>
           <a:p>
             <a:pPr algn="ctr"/>
-            <a:endParaRPr kumimoji="1" lang="ja-JP" altLang="en-US" sz="1400" dirty="0">
-              <a:solidFill>
-                <a:schemeClr val="accent6">
-                  <a:lumMod val="75000"/>
-                </a:schemeClr>
-              </a:solidFill>
-            </a:endParaRPr>
+            <a:endParaRPr kumimoji="1" lang="ja-JP" altLang="en-US" sz="1000" dirty="0"/>
           </a:p>
         </p:txBody>
       </p:sp>
@@ -32395,7 +32781,52 @@
           <a:lstStyle/>
           <a:p>
             <a:pPr algn="ctr"/>
-            <a:endParaRPr kumimoji="1" lang="ja-JP" altLang="en-US" sz="1400" dirty="0">
+            <a:endParaRPr kumimoji="1" lang="ja-JP" altLang="en-US" sz="1000" dirty="0"/>
+          </a:p>
+        </p:txBody>
+      </p:sp>
+      <p:sp>
+        <p:nvSpPr>
+          <p:cNvPr id="50" name="角丸四角形 49"/>
+          <p:cNvSpPr/>
+          <p:nvPr/>
+        </p:nvSpPr>
+        <p:spPr>
+          <a:xfrm>
+            <a:off x="1794537" y="4947254"/>
+            <a:ext cx="464588" cy="465380"/>
+          </a:xfrm>
+          <a:prstGeom prst="roundRect">
+            <a:avLst/>
+          </a:prstGeom>
+          <a:ln>
+            <a:solidFill>
+              <a:schemeClr val="accent6">
+                <a:lumMod val="75000"/>
+              </a:schemeClr>
+            </a:solidFill>
+          </a:ln>
+        </p:spPr>
+        <p:style>
+          <a:lnRef idx="2">
+            <a:schemeClr val="accent6"/>
+          </a:lnRef>
+          <a:fillRef idx="1">
+            <a:schemeClr val="lt1"/>
+          </a:fillRef>
+          <a:effectRef idx="0">
+            <a:schemeClr val="accent6"/>
+          </a:effectRef>
+          <a:fontRef idx="minor">
+            <a:schemeClr val="dk1"/>
+          </a:fontRef>
+        </p:style>
+        <p:txBody>
+          <a:bodyPr wrap="none" rtlCol="0" anchor="ctr"/>
+          <a:lstStyle/>
+          <a:p>
+            <a:pPr algn="ctr"/>
+            <a:endParaRPr kumimoji="1" lang="ja-JP" altLang="en-US" sz="1000" dirty="0">
               <a:solidFill>
                 <a:schemeClr val="accent6">
                   <a:lumMod val="75000"/>
@@ -32407,14 +32838,524 @@
       </p:sp>
       <p:sp>
         <p:nvSpPr>
-          <p:cNvPr id="49" name="角丸四角形 48"/>
-          <p:cNvSpPr/>
-          <p:nvPr/>
-        </p:nvSpPr>
-        <p:spPr>
-          <a:xfrm>
-            <a:off x="569441" y="4421474"/>
-            <a:ext cx="905658" cy="465380"/>
+          <p:cNvPr id="51" name="角丸四角形 50"/>
+          <p:cNvSpPr/>
+          <p:nvPr/>
+        </p:nvSpPr>
+        <p:spPr>
+          <a:xfrm>
+            <a:off x="2331118" y="4947254"/>
+            <a:ext cx="464588" cy="465380"/>
+          </a:xfrm>
+          <a:prstGeom prst="roundRect">
+            <a:avLst/>
+          </a:prstGeom>
+          <a:ln>
+            <a:solidFill>
+              <a:schemeClr val="accent6">
+                <a:lumMod val="75000"/>
+              </a:schemeClr>
+            </a:solidFill>
+          </a:ln>
+        </p:spPr>
+        <p:style>
+          <a:lnRef idx="2">
+            <a:schemeClr val="accent6"/>
+          </a:lnRef>
+          <a:fillRef idx="1">
+            <a:schemeClr val="lt1"/>
+          </a:fillRef>
+          <a:effectRef idx="0">
+            <a:schemeClr val="accent6"/>
+          </a:effectRef>
+          <a:fontRef idx="minor">
+            <a:schemeClr val="dk1"/>
+          </a:fontRef>
+        </p:style>
+        <p:txBody>
+          <a:bodyPr wrap="none" rtlCol="0" anchor="ctr"/>
+          <a:lstStyle/>
+          <a:p>
+            <a:pPr algn="ctr"/>
+            <a:endParaRPr kumimoji="1" lang="ja-JP" altLang="en-US" sz="1000" dirty="0">
+              <a:solidFill>
+                <a:schemeClr val="accent6">
+                  <a:lumMod val="75000"/>
+                </a:schemeClr>
+              </a:solidFill>
+            </a:endParaRPr>
+          </a:p>
+        </p:txBody>
+      </p:sp>
+      <p:sp>
+        <p:nvSpPr>
+          <p:cNvPr id="52" name="角丸四角形 51"/>
+          <p:cNvSpPr/>
+          <p:nvPr/>
+        </p:nvSpPr>
+        <p:spPr>
+          <a:xfrm>
+            <a:off x="2867699" y="4947254"/>
+            <a:ext cx="464588" cy="465380"/>
+          </a:xfrm>
+          <a:prstGeom prst="roundRect">
+            <a:avLst/>
+          </a:prstGeom>
+          <a:ln>
+            <a:solidFill>
+              <a:schemeClr val="accent6">
+                <a:lumMod val="75000"/>
+              </a:schemeClr>
+            </a:solidFill>
+          </a:ln>
+        </p:spPr>
+        <p:style>
+          <a:lnRef idx="2">
+            <a:schemeClr val="accent6"/>
+          </a:lnRef>
+          <a:fillRef idx="1">
+            <a:schemeClr val="lt1"/>
+          </a:fillRef>
+          <a:effectRef idx="0">
+            <a:schemeClr val="accent6"/>
+          </a:effectRef>
+          <a:fontRef idx="minor">
+            <a:schemeClr val="dk1"/>
+          </a:fontRef>
+        </p:style>
+        <p:txBody>
+          <a:bodyPr wrap="none" rtlCol="0" anchor="ctr"/>
+          <a:lstStyle/>
+          <a:p>
+            <a:pPr algn="ctr"/>
+            <a:endParaRPr kumimoji="1" lang="ja-JP" altLang="en-US" sz="1000" dirty="0">
+              <a:solidFill>
+                <a:schemeClr val="accent6">
+                  <a:lumMod val="75000"/>
+                </a:schemeClr>
+              </a:solidFill>
+            </a:endParaRPr>
+          </a:p>
+        </p:txBody>
+      </p:sp>
+      <p:sp>
+        <p:nvSpPr>
+          <p:cNvPr id="53" name="角丸四角形 52"/>
+          <p:cNvSpPr/>
+          <p:nvPr/>
+        </p:nvSpPr>
+        <p:spPr>
+          <a:xfrm>
+            <a:off x="3404280" y="4947254"/>
+            <a:ext cx="464588" cy="465380"/>
+          </a:xfrm>
+          <a:prstGeom prst="roundRect">
+            <a:avLst/>
+          </a:prstGeom>
+          <a:ln>
+            <a:solidFill>
+              <a:schemeClr val="accent6">
+                <a:lumMod val="75000"/>
+              </a:schemeClr>
+            </a:solidFill>
+          </a:ln>
+        </p:spPr>
+        <p:style>
+          <a:lnRef idx="2">
+            <a:schemeClr val="accent6"/>
+          </a:lnRef>
+          <a:fillRef idx="1">
+            <a:schemeClr val="lt1"/>
+          </a:fillRef>
+          <a:effectRef idx="0">
+            <a:schemeClr val="accent6"/>
+          </a:effectRef>
+          <a:fontRef idx="minor">
+            <a:schemeClr val="dk1"/>
+          </a:fontRef>
+        </p:style>
+        <p:txBody>
+          <a:bodyPr wrap="none" rtlCol="0" anchor="ctr"/>
+          <a:lstStyle/>
+          <a:p>
+            <a:pPr algn="ctr"/>
+            <a:endParaRPr kumimoji="1" lang="ja-JP" altLang="en-US" sz="1000" dirty="0">
+              <a:solidFill>
+                <a:schemeClr val="accent6">
+                  <a:lumMod val="75000"/>
+                </a:schemeClr>
+              </a:solidFill>
+            </a:endParaRPr>
+          </a:p>
+        </p:txBody>
+      </p:sp>
+      <p:sp>
+        <p:nvSpPr>
+          <p:cNvPr id="54" name="角丸四角形 53"/>
+          <p:cNvSpPr/>
+          <p:nvPr/>
+        </p:nvSpPr>
+        <p:spPr>
+          <a:xfrm>
+            <a:off x="3940861" y="4947254"/>
+            <a:ext cx="464588" cy="465380"/>
+          </a:xfrm>
+          <a:prstGeom prst="roundRect">
+            <a:avLst/>
+          </a:prstGeom>
+          <a:ln>
+            <a:solidFill>
+              <a:schemeClr val="accent6">
+                <a:lumMod val="75000"/>
+              </a:schemeClr>
+            </a:solidFill>
+          </a:ln>
+        </p:spPr>
+        <p:style>
+          <a:lnRef idx="2">
+            <a:schemeClr val="accent6"/>
+          </a:lnRef>
+          <a:fillRef idx="1">
+            <a:schemeClr val="lt1"/>
+          </a:fillRef>
+          <a:effectRef idx="0">
+            <a:schemeClr val="accent6"/>
+          </a:effectRef>
+          <a:fontRef idx="minor">
+            <a:schemeClr val="dk1"/>
+          </a:fontRef>
+        </p:style>
+        <p:txBody>
+          <a:bodyPr wrap="none" rtlCol="0" anchor="ctr"/>
+          <a:lstStyle/>
+          <a:p>
+            <a:pPr algn="ctr"/>
+            <a:endParaRPr kumimoji="1" lang="ja-JP" altLang="en-US" sz="900" dirty="0">
+              <a:solidFill>
+                <a:schemeClr val="accent6">
+                  <a:lumMod val="75000"/>
+                </a:schemeClr>
+              </a:solidFill>
+            </a:endParaRPr>
+          </a:p>
+        </p:txBody>
+      </p:sp>
+      <p:sp>
+        <p:nvSpPr>
+          <p:cNvPr id="55" name="角丸四角形 54"/>
+          <p:cNvSpPr/>
+          <p:nvPr/>
+        </p:nvSpPr>
+        <p:spPr>
+          <a:xfrm>
+            <a:off x="4477442" y="4947254"/>
+            <a:ext cx="464588" cy="465380"/>
+          </a:xfrm>
+          <a:prstGeom prst="roundRect">
+            <a:avLst/>
+          </a:prstGeom>
+          <a:ln>
+            <a:solidFill>
+              <a:schemeClr val="accent6">
+                <a:lumMod val="75000"/>
+              </a:schemeClr>
+            </a:solidFill>
+          </a:ln>
+        </p:spPr>
+        <p:style>
+          <a:lnRef idx="2">
+            <a:schemeClr val="accent6"/>
+          </a:lnRef>
+          <a:fillRef idx="1">
+            <a:schemeClr val="lt1"/>
+          </a:fillRef>
+          <a:effectRef idx="0">
+            <a:schemeClr val="accent6"/>
+          </a:effectRef>
+          <a:fontRef idx="minor">
+            <a:schemeClr val="dk1"/>
+          </a:fontRef>
+        </p:style>
+        <p:txBody>
+          <a:bodyPr wrap="none" rtlCol="0" anchor="ctr"/>
+          <a:lstStyle/>
+          <a:p>
+            <a:pPr algn="ctr"/>
+            <a:r>
+              <a:rPr lang="en-US" altLang="ja-JP" sz="900" dirty="0" smtClean="0">
+                <a:solidFill>
+                  <a:schemeClr val="accent6">
+                    <a:lumMod val="75000"/>
+                  </a:schemeClr>
+                </a:solidFill>
+              </a:rPr>
+              <a:t>Notepad</a:t>
+            </a:r>
+            <a:endParaRPr lang="ja-JP" altLang="en-US" sz="900" dirty="0">
+              <a:solidFill>
+                <a:schemeClr val="accent6">
+                  <a:lumMod val="75000"/>
+                </a:schemeClr>
+              </a:solidFill>
+            </a:endParaRPr>
+          </a:p>
+        </p:txBody>
+      </p:sp>
+      <p:sp>
+        <p:nvSpPr>
+          <p:cNvPr id="56" name="角丸四角形 55"/>
+          <p:cNvSpPr/>
+          <p:nvPr/>
+        </p:nvSpPr>
+        <p:spPr>
+          <a:xfrm>
+            <a:off x="5014023" y="4947254"/>
+            <a:ext cx="464588" cy="465380"/>
+          </a:xfrm>
+          <a:prstGeom prst="roundRect">
+            <a:avLst/>
+          </a:prstGeom>
+          <a:ln>
+            <a:solidFill>
+              <a:schemeClr val="accent6">
+                <a:lumMod val="75000"/>
+              </a:schemeClr>
+            </a:solidFill>
+          </a:ln>
+        </p:spPr>
+        <p:style>
+          <a:lnRef idx="2">
+            <a:schemeClr val="accent6"/>
+          </a:lnRef>
+          <a:fillRef idx="1">
+            <a:schemeClr val="lt1"/>
+          </a:fillRef>
+          <a:effectRef idx="0">
+            <a:schemeClr val="accent6"/>
+          </a:effectRef>
+          <a:fontRef idx="minor">
+            <a:schemeClr val="dk1"/>
+          </a:fontRef>
+        </p:style>
+        <p:txBody>
+          <a:bodyPr wrap="none" rtlCol="0" anchor="ctr"/>
+          <a:lstStyle/>
+          <a:p>
+            <a:pPr algn="ctr"/>
+            <a:endParaRPr kumimoji="1" lang="ja-JP" altLang="en-US" sz="1000" dirty="0">
+              <a:solidFill>
+                <a:schemeClr val="accent6">
+                  <a:lumMod val="75000"/>
+                </a:schemeClr>
+              </a:solidFill>
+            </a:endParaRPr>
+          </a:p>
+        </p:txBody>
+      </p:sp>
+      <p:sp>
+        <p:nvSpPr>
+          <p:cNvPr id="57" name="角丸四角形 56"/>
+          <p:cNvSpPr/>
+          <p:nvPr/>
+        </p:nvSpPr>
+        <p:spPr>
+          <a:xfrm>
+            <a:off x="5550604" y="4947254"/>
+            <a:ext cx="464588" cy="465380"/>
+          </a:xfrm>
+          <a:prstGeom prst="roundRect">
+            <a:avLst/>
+          </a:prstGeom>
+          <a:ln>
+            <a:solidFill>
+              <a:schemeClr val="accent6">
+                <a:lumMod val="75000"/>
+              </a:schemeClr>
+            </a:solidFill>
+          </a:ln>
+        </p:spPr>
+        <p:style>
+          <a:lnRef idx="2">
+            <a:schemeClr val="accent6"/>
+          </a:lnRef>
+          <a:fillRef idx="1">
+            <a:schemeClr val="lt1"/>
+          </a:fillRef>
+          <a:effectRef idx="0">
+            <a:schemeClr val="accent6"/>
+          </a:effectRef>
+          <a:fontRef idx="minor">
+            <a:schemeClr val="dk1"/>
+          </a:fontRef>
+        </p:style>
+        <p:txBody>
+          <a:bodyPr wrap="none" rtlCol="0" anchor="ctr"/>
+          <a:lstStyle/>
+          <a:p>
+            <a:pPr algn="ctr"/>
+            <a:endParaRPr kumimoji="1" lang="ja-JP" altLang="en-US" sz="1000" dirty="0">
+              <a:solidFill>
+                <a:schemeClr val="accent6">
+                  <a:lumMod val="75000"/>
+                </a:schemeClr>
+              </a:solidFill>
+            </a:endParaRPr>
+          </a:p>
+        </p:txBody>
+      </p:sp>
+      <p:sp>
+        <p:nvSpPr>
+          <p:cNvPr id="58" name="角丸四角形 57"/>
+          <p:cNvSpPr/>
+          <p:nvPr/>
+        </p:nvSpPr>
+        <p:spPr>
+          <a:xfrm>
+            <a:off x="6087185" y="4947254"/>
+            <a:ext cx="464588" cy="465380"/>
+          </a:xfrm>
+          <a:prstGeom prst="roundRect">
+            <a:avLst/>
+          </a:prstGeom>
+          <a:ln>
+            <a:solidFill>
+              <a:schemeClr val="accent6">
+                <a:lumMod val="75000"/>
+              </a:schemeClr>
+            </a:solidFill>
+          </a:ln>
+        </p:spPr>
+        <p:style>
+          <a:lnRef idx="2">
+            <a:schemeClr val="accent6"/>
+          </a:lnRef>
+          <a:fillRef idx="1">
+            <a:schemeClr val="lt1"/>
+          </a:fillRef>
+          <a:effectRef idx="0">
+            <a:schemeClr val="accent6"/>
+          </a:effectRef>
+          <a:fontRef idx="minor">
+            <a:schemeClr val="dk1"/>
+          </a:fontRef>
+        </p:style>
+        <p:txBody>
+          <a:bodyPr wrap="none" rtlCol="0" anchor="ctr"/>
+          <a:lstStyle/>
+          <a:p>
+            <a:pPr algn="ctr"/>
+            <a:endParaRPr kumimoji="1" lang="ja-JP" altLang="en-US" sz="1000" dirty="0">
+              <a:solidFill>
+                <a:schemeClr val="accent6">
+                  <a:lumMod val="75000"/>
+                </a:schemeClr>
+              </a:solidFill>
+            </a:endParaRPr>
+          </a:p>
+        </p:txBody>
+      </p:sp>
+      <p:sp>
+        <p:nvSpPr>
+          <p:cNvPr id="59" name="角丸四角形 58"/>
+          <p:cNvSpPr/>
+          <p:nvPr/>
+        </p:nvSpPr>
+        <p:spPr>
+          <a:xfrm>
+            <a:off x="6623766" y="4947254"/>
+            <a:ext cx="464588" cy="465380"/>
+          </a:xfrm>
+          <a:prstGeom prst="roundRect">
+            <a:avLst/>
+          </a:prstGeom>
+          <a:ln>
+            <a:solidFill>
+              <a:schemeClr val="accent6">
+                <a:lumMod val="75000"/>
+              </a:schemeClr>
+            </a:solidFill>
+          </a:ln>
+        </p:spPr>
+        <p:style>
+          <a:lnRef idx="2">
+            <a:schemeClr val="accent6"/>
+          </a:lnRef>
+          <a:fillRef idx="1">
+            <a:schemeClr val="lt1"/>
+          </a:fillRef>
+          <a:effectRef idx="0">
+            <a:schemeClr val="accent6"/>
+          </a:effectRef>
+          <a:fontRef idx="minor">
+            <a:schemeClr val="dk1"/>
+          </a:fontRef>
+        </p:style>
+        <p:txBody>
+          <a:bodyPr wrap="none" rtlCol="0" anchor="ctr"/>
+          <a:lstStyle/>
+          <a:p>
+            <a:pPr algn="ctr"/>
+            <a:endParaRPr kumimoji="1" lang="ja-JP" altLang="en-US" sz="1000" dirty="0">
+              <a:solidFill>
+                <a:schemeClr val="accent6">
+                  <a:lumMod val="75000"/>
+                </a:schemeClr>
+              </a:solidFill>
+            </a:endParaRPr>
+          </a:p>
+        </p:txBody>
+      </p:sp>
+      <p:sp>
+        <p:nvSpPr>
+          <p:cNvPr id="68" name="角丸四角形 67"/>
+          <p:cNvSpPr/>
+          <p:nvPr/>
+        </p:nvSpPr>
+        <p:spPr>
+          <a:xfrm>
+            <a:off x="1900793" y="5473034"/>
+            <a:ext cx="749080" cy="465380"/>
+          </a:xfrm>
+          <a:prstGeom prst="roundRect">
+            <a:avLst/>
+          </a:prstGeom>
+          <a:solidFill>
+            <a:schemeClr val="accent6"/>
+          </a:solidFill>
+        </p:spPr>
+        <p:style>
+          <a:lnRef idx="2">
+            <a:schemeClr val="accent6"/>
+          </a:lnRef>
+          <a:fillRef idx="1">
+            <a:schemeClr val="lt1"/>
+          </a:fillRef>
+          <a:effectRef idx="0">
+            <a:schemeClr val="accent6"/>
+          </a:effectRef>
+          <a:fontRef idx="minor">
+            <a:schemeClr val="dk1"/>
+          </a:fontRef>
+        </p:style>
+        <p:txBody>
+          <a:bodyPr wrap="none" rtlCol="0" anchor="ctr"/>
+          <a:lstStyle/>
+          <a:p>
+            <a:pPr algn="ctr"/>
+            <a:endParaRPr kumimoji="1" lang="ja-JP" altLang="en-US" sz="800" dirty="0"/>
+          </a:p>
+        </p:txBody>
+      </p:sp>
+      <p:sp>
+        <p:nvSpPr>
+          <p:cNvPr id="70" name="角丸四角形 69"/>
+          <p:cNvSpPr/>
+          <p:nvPr/>
+        </p:nvSpPr>
+        <p:spPr>
+          <a:xfrm>
+            <a:off x="5941352" y="5473034"/>
+            <a:ext cx="710750" cy="465380"/>
           </a:xfrm>
           <a:prstGeom prst="roundRect">
             <a:avLst/>
@@ -32447,27 +33388,28 @@
           <a:lstStyle/>
           <a:p>
             <a:pPr algn="ctr"/>
-            <a:endParaRPr kumimoji="1" lang="ja-JP" altLang="en-US" sz="1400" dirty="0"/>
-          </a:p>
-        </p:txBody>
-      </p:sp>
-      <p:sp>
-        <p:nvSpPr>
-          <p:cNvPr id="50" name="角丸四角形 49"/>
-          <p:cNvSpPr/>
-          <p:nvPr/>
-        </p:nvSpPr>
-        <p:spPr>
-          <a:xfrm>
-            <a:off x="1794537" y="4947254"/>
-            <a:ext cx="464588" cy="465380"/>
-          </a:xfrm>
-          <a:prstGeom prst="roundRect">
-            <a:avLst/>
-          </a:prstGeom>
+            <a:endParaRPr kumimoji="1" lang="ja-JP" altLang="en-US" sz="800" dirty="0"/>
+          </a:p>
+        </p:txBody>
+      </p:sp>
+      <p:sp>
+        <p:nvSpPr>
+          <p:cNvPr id="60" name="正方形/長方形 59"/>
+          <p:cNvSpPr/>
+          <p:nvPr/>
+        </p:nvSpPr>
+        <p:spPr>
+          <a:xfrm>
+            <a:off x="1080438" y="3347135"/>
+            <a:ext cx="5366082" cy="521472"/>
+          </a:xfrm>
+          <a:prstGeom prst="rect">
+            <a:avLst/>
+          </a:prstGeom>
+          <a:noFill/>
           <a:ln>
             <a:solidFill>
-              <a:schemeClr val="accent6">
+              <a:schemeClr val="accent2">
                 <a:lumMod val="75000"/>
               </a:schemeClr>
             </a:solidFill>
@@ -32475,556 +33417,152 @@
         </p:spPr>
         <p:style>
           <a:lnRef idx="2">
-            <a:schemeClr val="accent6"/>
-          </a:lnRef>
-          <a:fillRef idx="1">
-            <a:schemeClr val="lt1"/>
-          </a:fillRef>
-          <a:effectRef idx="0">
-            <a:schemeClr val="accent6"/>
-          </a:effectRef>
-          <a:fontRef idx="minor">
-            <a:schemeClr val="dk1"/>
-          </a:fontRef>
-        </p:style>
-        <p:txBody>
-          <a:bodyPr wrap="none" rtlCol="0" anchor="ctr"/>
-          <a:lstStyle/>
-          <a:p>
-            <a:pPr algn="ctr"/>
-            <a:endParaRPr kumimoji="1" lang="ja-JP" altLang="en-US" sz="1400" dirty="0">
-              <a:solidFill>
-                <a:schemeClr val="accent6">
-                  <a:lumMod val="75000"/>
-                </a:schemeClr>
-              </a:solidFill>
-            </a:endParaRPr>
-          </a:p>
-        </p:txBody>
-      </p:sp>
-      <p:sp>
-        <p:nvSpPr>
-          <p:cNvPr id="51" name="角丸四角形 50"/>
-          <p:cNvSpPr/>
-          <p:nvPr/>
-        </p:nvSpPr>
-        <p:spPr>
-          <a:xfrm>
-            <a:off x="2331118" y="4947254"/>
-            <a:ext cx="464588" cy="465380"/>
-          </a:xfrm>
-          <a:prstGeom prst="roundRect">
+            <a:schemeClr val="accent1">
+              <a:shade val="50000"/>
+            </a:schemeClr>
+          </a:lnRef>
+          <a:fillRef idx="1">
+            <a:schemeClr val="accent1"/>
+          </a:fillRef>
+          <a:effectRef idx="0">
+            <a:schemeClr val="accent1"/>
+          </a:effectRef>
+          <a:fontRef idx="minor">
+            <a:schemeClr val="lt1"/>
+          </a:fontRef>
+        </p:style>
+        <p:txBody>
+          <a:bodyPr rtlCol="0" anchor="ctr"/>
+          <a:lstStyle/>
+          <a:p>
+            <a:pPr algn="ctr"/>
+            <a:endParaRPr kumimoji="1" lang="ja-JP" altLang="en-US"/>
+          </a:p>
+        </p:txBody>
+      </p:sp>
+      <p:cxnSp>
+        <p:nvCxnSpPr>
+          <p:cNvPr id="61" name="直線矢印コネクタ 60"/>
+          <p:cNvCxnSpPr>
+            <a:stCxn id="62" idx="1"/>
+            <a:endCxn id="60" idx="0"/>
+          </p:cNvCxnSpPr>
+          <p:nvPr/>
+        </p:nvCxnSpPr>
+        <p:spPr>
+          <a:xfrm flipH="1">
+            <a:off x="3763479" y="2797323"/>
+            <a:ext cx="835728" cy="549812"/>
+          </a:xfrm>
+          <a:prstGeom prst="straightConnector1">
             <a:avLst/>
           </a:prstGeom>
           <a:ln>
             <a:solidFill>
-              <a:schemeClr val="accent6">
+              <a:schemeClr val="accent2">
                 <a:lumMod val="75000"/>
               </a:schemeClr>
             </a:solidFill>
+            <a:tailEnd type="triangle"/>
           </a:ln>
         </p:spPr>
         <p:style>
-          <a:lnRef idx="2">
-            <a:schemeClr val="accent6"/>
-          </a:lnRef>
-          <a:fillRef idx="1">
-            <a:schemeClr val="lt1"/>
-          </a:fillRef>
-          <a:effectRef idx="0">
-            <a:schemeClr val="accent6"/>
-          </a:effectRef>
-          <a:fontRef idx="minor">
-            <a:schemeClr val="dk1"/>
-          </a:fontRef>
-        </p:style>
-        <p:txBody>
-          <a:bodyPr wrap="none" rtlCol="0" anchor="ctr"/>
-          <a:lstStyle/>
-          <a:p>
-            <a:pPr algn="ctr"/>
-            <a:endParaRPr kumimoji="1" lang="ja-JP" altLang="en-US" sz="1400" dirty="0">
-              <a:solidFill>
-                <a:schemeClr val="accent6">
+          <a:lnRef idx="1">
+            <a:schemeClr val="accent1"/>
+          </a:lnRef>
+          <a:fillRef idx="0">
+            <a:schemeClr val="accent1"/>
+          </a:fillRef>
+          <a:effectRef idx="0">
+            <a:schemeClr val="accent1"/>
+          </a:effectRef>
+          <a:fontRef idx="minor">
+            <a:schemeClr val="tx1"/>
+          </a:fontRef>
+        </p:style>
+      </p:cxnSp>
+      <p:sp>
+        <p:nvSpPr>
+          <p:cNvPr id="62" name="テキスト ボックス 61"/>
+          <p:cNvSpPr txBox="1"/>
+          <p:nvPr/>
+        </p:nvSpPr>
+        <p:spPr>
+          <a:xfrm>
+            <a:off x="4599207" y="2612657"/>
+            <a:ext cx="3479735" cy="369332"/>
+          </a:xfrm>
+          <a:prstGeom prst="rect">
+            <a:avLst/>
+          </a:prstGeom>
+          <a:noFill/>
+        </p:spPr>
+        <p:txBody>
+          <a:bodyPr wrap="none" rtlCol="0">
+            <a:spAutoFit/>
+          </a:bodyPr>
+          <a:lstStyle/>
+          <a:p>
+            <a:r>
+              <a:rPr kumimoji="1" lang="en-US" altLang="ja-JP" dirty="0" smtClean="0">
+                <a:solidFill>
+                  <a:schemeClr val="accent2">
+                    <a:lumMod val="75000"/>
+                  </a:schemeClr>
+                </a:solidFill>
+              </a:rPr>
+              <a:t>+Shift</a:t>
+            </a:r>
+            <a:r>
+              <a:rPr kumimoji="1" lang="ja-JP" altLang="en-US" dirty="0" smtClean="0">
+                <a:solidFill>
+                  <a:schemeClr val="accent2">
+                    <a:lumMod val="75000"/>
+                  </a:schemeClr>
+                </a:solidFill>
+              </a:rPr>
+              <a:t>で</a:t>
+            </a:r>
+            <a:r>
+              <a:rPr lang="ja-JP" altLang="en-US" dirty="0" smtClean="0">
+                <a:solidFill>
+                  <a:schemeClr val="accent2">
+                    <a:lumMod val="75000"/>
+                  </a:schemeClr>
+                </a:solidFill>
+              </a:rPr>
+              <a:t>登録</a:t>
+            </a:r>
+            <a:r>
+              <a:rPr lang="en-US" altLang="ja-JP" dirty="0" smtClean="0">
+                <a:solidFill>
+                  <a:schemeClr val="accent2">
+                    <a:lumMod val="75000"/>
+                  </a:schemeClr>
+                </a:solidFill>
+              </a:rPr>
+              <a:t>(on Explorer Window)</a:t>
+            </a:r>
+            <a:endParaRPr kumimoji="1" lang="ja-JP" altLang="en-US" dirty="0">
+              <a:solidFill>
+                <a:schemeClr val="accent2">
                   <a:lumMod val="75000"/>
                 </a:schemeClr>
               </a:solidFill>
             </a:endParaRPr>
-          </a:p>
-        </p:txBody>
-      </p:sp>
-      <p:sp>
-        <p:nvSpPr>
-          <p:cNvPr id="52" name="角丸四角形 51"/>
-          <p:cNvSpPr/>
-          <p:nvPr/>
-        </p:nvSpPr>
-        <p:spPr>
-          <a:xfrm>
-            <a:off x="2867699" y="4947254"/>
-            <a:ext cx="464588" cy="465380"/>
-          </a:xfrm>
-          <a:prstGeom prst="roundRect">
-            <a:avLst/>
-          </a:prstGeom>
-          <a:ln>
-            <a:solidFill>
-              <a:schemeClr val="accent6">
-                <a:lumMod val="75000"/>
-              </a:schemeClr>
-            </a:solidFill>
-          </a:ln>
-        </p:spPr>
-        <p:style>
-          <a:lnRef idx="2">
-            <a:schemeClr val="accent6"/>
-          </a:lnRef>
-          <a:fillRef idx="1">
-            <a:schemeClr val="lt1"/>
-          </a:fillRef>
-          <a:effectRef idx="0">
-            <a:schemeClr val="accent6"/>
-          </a:effectRef>
-          <a:fontRef idx="minor">
-            <a:schemeClr val="dk1"/>
-          </a:fontRef>
-        </p:style>
-        <p:txBody>
-          <a:bodyPr wrap="none" rtlCol="0" anchor="ctr"/>
-          <a:lstStyle/>
-          <a:p>
-            <a:pPr algn="ctr"/>
-            <a:endParaRPr kumimoji="1" lang="ja-JP" altLang="en-US" sz="1400" dirty="0">
-              <a:solidFill>
-                <a:schemeClr val="accent6">
-                  <a:lumMod val="75000"/>
-                </a:schemeClr>
-              </a:solidFill>
-            </a:endParaRPr>
-          </a:p>
-        </p:txBody>
-      </p:sp>
-      <p:sp>
-        <p:nvSpPr>
-          <p:cNvPr id="53" name="角丸四角形 52"/>
-          <p:cNvSpPr/>
-          <p:nvPr/>
-        </p:nvSpPr>
-        <p:spPr>
-          <a:xfrm>
-            <a:off x="3404280" y="4947254"/>
-            <a:ext cx="464588" cy="465380"/>
-          </a:xfrm>
-          <a:prstGeom prst="roundRect">
-            <a:avLst/>
-          </a:prstGeom>
-          <a:ln>
-            <a:solidFill>
-              <a:schemeClr val="accent6">
-                <a:lumMod val="75000"/>
-              </a:schemeClr>
-            </a:solidFill>
-          </a:ln>
-        </p:spPr>
-        <p:style>
-          <a:lnRef idx="2">
-            <a:schemeClr val="accent6"/>
-          </a:lnRef>
-          <a:fillRef idx="1">
-            <a:schemeClr val="lt1"/>
-          </a:fillRef>
-          <a:effectRef idx="0">
-            <a:schemeClr val="accent6"/>
-          </a:effectRef>
-          <a:fontRef idx="minor">
-            <a:schemeClr val="dk1"/>
-          </a:fontRef>
-        </p:style>
-        <p:txBody>
-          <a:bodyPr wrap="none" rtlCol="0" anchor="ctr"/>
-          <a:lstStyle/>
-          <a:p>
-            <a:pPr algn="ctr"/>
-            <a:endParaRPr kumimoji="1" lang="ja-JP" altLang="en-US" sz="1400" dirty="0">
-              <a:solidFill>
-                <a:schemeClr val="accent6">
-                  <a:lumMod val="75000"/>
-                </a:schemeClr>
-              </a:solidFill>
-            </a:endParaRPr>
-          </a:p>
-        </p:txBody>
-      </p:sp>
-      <p:sp>
-        <p:nvSpPr>
-          <p:cNvPr id="54" name="角丸四角形 53"/>
-          <p:cNvSpPr/>
-          <p:nvPr/>
-        </p:nvSpPr>
-        <p:spPr>
-          <a:xfrm>
-            <a:off x="3940861" y="4947254"/>
-            <a:ext cx="464588" cy="465380"/>
-          </a:xfrm>
-          <a:prstGeom prst="roundRect">
-            <a:avLst/>
-          </a:prstGeom>
-          <a:ln>
-            <a:solidFill>
-              <a:schemeClr val="accent6">
-                <a:lumMod val="75000"/>
-              </a:schemeClr>
-            </a:solidFill>
-          </a:ln>
-        </p:spPr>
-        <p:style>
-          <a:lnRef idx="2">
-            <a:schemeClr val="accent6"/>
-          </a:lnRef>
-          <a:fillRef idx="1">
-            <a:schemeClr val="lt1"/>
-          </a:fillRef>
-          <a:effectRef idx="0">
-            <a:schemeClr val="accent6"/>
-          </a:effectRef>
-          <a:fontRef idx="minor">
-            <a:schemeClr val="dk1"/>
-          </a:fontRef>
-        </p:style>
-        <p:txBody>
-          <a:bodyPr wrap="none" rtlCol="0" anchor="ctr"/>
-          <a:lstStyle/>
-          <a:p>
-            <a:pPr algn="ctr"/>
-            <a:endParaRPr kumimoji="1" lang="ja-JP" altLang="en-US" sz="1400" dirty="0">
-              <a:solidFill>
-                <a:schemeClr val="accent6">
-                  <a:lumMod val="75000"/>
-                </a:schemeClr>
-              </a:solidFill>
-            </a:endParaRPr>
-          </a:p>
-        </p:txBody>
-      </p:sp>
-      <p:sp>
-        <p:nvSpPr>
-          <p:cNvPr id="55" name="角丸四角形 54"/>
-          <p:cNvSpPr/>
-          <p:nvPr/>
-        </p:nvSpPr>
-        <p:spPr>
-          <a:xfrm>
-            <a:off x="4477442" y="4947254"/>
-            <a:ext cx="464588" cy="465380"/>
-          </a:xfrm>
-          <a:prstGeom prst="roundRect">
-            <a:avLst/>
-          </a:prstGeom>
-          <a:ln>
-            <a:solidFill>
-              <a:schemeClr val="accent6">
-                <a:lumMod val="75000"/>
-              </a:schemeClr>
-            </a:solidFill>
-          </a:ln>
-        </p:spPr>
-        <p:style>
-          <a:lnRef idx="2">
-            <a:schemeClr val="accent6"/>
-          </a:lnRef>
-          <a:fillRef idx="1">
-            <a:schemeClr val="lt1"/>
-          </a:fillRef>
-          <a:effectRef idx="0">
-            <a:schemeClr val="accent6"/>
-          </a:effectRef>
-          <a:fontRef idx="minor">
-            <a:schemeClr val="dk1"/>
-          </a:fontRef>
-        </p:style>
-        <p:txBody>
-          <a:bodyPr wrap="none" rtlCol="0" anchor="ctr"/>
-          <a:lstStyle/>
-          <a:p>
-            <a:pPr algn="ctr"/>
-            <a:endParaRPr kumimoji="1" lang="ja-JP" altLang="en-US" sz="1400" dirty="0">
-              <a:solidFill>
-                <a:schemeClr val="accent6">
-                  <a:lumMod val="75000"/>
-                </a:schemeClr>
-              </a:solidFill>
-            </a:endParaRPr>
-          </a:p>
-        </p:txBody>
-      </p:sp>
-      <p:sp>
-        <p:nvSpPr>
-          <p:cNvPr id="56" name="角丸四角形 55"/>
-          <p:cNvSpPr/>
-          <p:nvPr/>
-        </p:nvSpPr>
-        <p:spPr>
-          <a:xfrm>
-            <a:off x="5014023" y="4947254"/>
-            <a:ext cx="464588" cy="465380"/>
-          </a:xfrm>
-          <a:prstGeom prst="roundRect">
-            <a:avLst/>
-          </a:prstGeom>
-          <a:ln>
-            <a:solidFill>
-              <a:schemeClr val="accent6">
-                <a:lumMod val="75000"/>
-              </a:schemeClr>
-            </a:solidFill>
-          </a:ln>
-        </p:spPr>
-        <p:style>
-          <a:lnRef idx="2">
-            <a:schemeClr val="accent6"/>
-          </a:lnRef>
-          <a:fillRef idx="1">
-            <a:schemeClr val="lt1"/>
-          </a:fillRef>
-          <a:effectRef idx="0">
-            <a:schemeClr val="accent6"/>
-          </a:effectRef>
-          <a:fontRef idx="minor">
-            <a:schemeClr val="dk1"/>
-          </a:fontRef>
-        </p:style>
-        <p:txBody>
-          <a:bodyPr wrap="none" rtlCol="0" anchor="ctr"/>
-          <a:lstStyle/>
-          <a:p>
-            <a:pPr algn="ctr"/>
-            <a:endParaRPr kumimoji="1" lang="ja-JP" altLang="en-US" sz="1400" dirty="0">
-              <a:solidFill>
-                <a:schemeClr val="accent6">
-                  <a:lumMod val="75000"/>
-                </a:schemeClr>
-              </a:solidFill>
-            </a:endParaRPr>
-          </a:p>
-        </p:txBody>
-      </p:sp>
-      <p:sp>
-        <p:nvSpPr>
-          <p:cNvPr id="57" name="角丸四角形 56"/>
-          <p:cNvSpPr/>
-          <p:nvPr/>
-        </p:nvSpPr>
-        <p:spPr>
-          <a:xfrm>
-            <a:off x="5550604" y="4947254"/>
-            <a:ext cx="464588" cy="465380"/>
-          </a:xfrm>
-          <a:prstGeom prst="roundRect">
-            <a:avLst/>
-          </a:prstGeom>
-          <a:ln>
-            <a:solidFill>
-              <a:schemeClr val="accent6">
-                <a:lumMod val="75000"/>
-              </a:schemeClr>
-            </a:solidFill>
-          </a:ln>
-        </p:spPr>
-        <p:style>
-          <a:lnRef idx="2">
-            <a:schemeClr val="accent6"/>
-          </a:lnRef>
-          <a:fillRef idx="1">
-            <a:schemeClr val="lt1"/>
-          </a:fillRef>
-          <a:effectRef idx="0">
-            <a:schemeClr val="accent6"/>
-          </a:effectRef>
-          <a:fontRef idx="minor">
-            <a:schemeClr val="dk1"/>
-          </a:fontRef>
-        </p:style>
-        <p:txBody>
-          <a:bodyPr wrap="none" rtlCol="0" anchor="ctr"/>
-          <a:lstStyle/>
-          <a:p>
-            <a:pPr algn="ctr"/>
-            <a:endParaRPr kumimoji="1" lang="ja-JP" altLang="en-US" sz="1400" dirty="0">
-              <a:solidFill>
-                <a:schemeClr val="accent6">
-                  <a:lumMod val="75000"/>
-                </a:schemeClr>
-              </a:solidFill>
-            </a:endParaRPr>
-          </a:p>
-        </p:txBody>
-      </p:sp>
-      <p:sp>
-        <p:nvSpPr>
-          <p:cNvPr id="58" name="角丸四角形 57"/>
-          <p:cNvSpPr/>
-          <p:nvPr/>
-        </p:nvSpPr>
-        <p:spPr>
-          <a:xfrm>
-            <a:off x="6087185" y="4947254"/>
-            <a:ext cx="464588" cy="465380"/>
-          </a:xfrm>
-          <a:prstGeom prst="roundRect">
-            <a:avLst/>
-          </a:prstGeom>
-          <a:ln>
-            <a:solidFill>
-              <a:schemeClr val="accent6">
-                <a:lumMod val="75000"/>
-              </a:schemeClr>
-            </a:solidFill>
-          </a:ln>
-        </p:spPr>
-        <p:style>
-          <a:lnRef idx="2">
-            <a:schemeClr val="accent6"/>
-          </a:lnRef>
-          <a:fillRef idx="1">
-            <a:schemeClr val="lt1"/>
-          </a:fillRef>
-          <a:effectRef idx="0">
-            <a:schemeClr val="accent6"/>
-          </a:effectRef>
-          <a:fontRef idx="minor">
-            <a:schemeClr val="dk1"/>
-          </a:fontRef>
-        </p:style>
-        <p:txBody>
-          <a:bodyPr wrap="none" rtlCol="0" anchor="ctr"/>
-          <a:lstStyle/>
-          <a:p>
-            <a:pPr algn="ctr"/>
-            <a:endParaRPr kumimoji="1" lang="ja-JP" altLang="en-US" sz="1400" dirty="0">
-              <a:solidFill>
-                <a:schemeClr val="accent6">
-                  <a:lumMod val="75000"/>
-                </a:schemeClr>
-              </a:solidFill>
-            </a:endParaRPr>
-          </a:p>
-        </p:txBody>
-      </p:sp>
-      <p:sp>
-        <p:nvSpPr>
-          <p:cNvPr id="59" name="角丸四角形 58"/>
-          <p:cNvSpPr/>
-          <p:nvPr/>
-        </p:nvSpPr>
-        <p:spPr>
-          <a:xfrm>
-            <a:off x="6623766" y="4947254"/>
-            <a:ext cx="464588" cy="465380"/>
-          </a:xfrm>
-          <a:prstGeom prst="roundRect">
-            <a:avLst/>
-          </a:prstGeom>
-          <a:ln>
-            <a:solidFill>
-              <a:schemeClr val="accent6">
-                <a:lumMod val="75000"/>
-              </a:schemeClr>
-            </a:solidFill>
-          </a:ln>
-        </p:spPr>
-        <p:style>
-          <a:lnRef idx="2">
-            <a:schemeClr val="accent6"/>
-          </a:lnRef>
-          <a:fillRef idx="1">
-            <a:schemeClr val="lt1"/>
-          </a:fillRef>
-          <a:effectRef idx="0">
-            <a:schemeClr val="accent6"/>
-          </a:effectRef>
-          <a:fontRef idx="minor">
-            <a:schemeClr val="dk1"/>
-          </a:fontRef>
-        </p:style>
-        <p:txBody>
-          <a:bodyPr wrap="none" rtlCol="0" anchor="ctr"/>
-          <a:lstStyle/>
-          <a:p>
-            <a:pPr algn="ctr"/>
-            <a:endParaRPr kumimoji="1" lang="ja-JP" altLang="en-US" sz="1400" dirty="0">
-              <a:solidFill>
-                <a:schemeClr val="accent6">
-                  <a:lumMod val="75000"/>
-                </a:schemeClr>
-              </a:solidFill>
-            </a:endParaRPr>
-          </a:p>
-        </p:txBody>
-      </p:sp>
-      <p:sp>
-        <p:nvSpPr>
-          <p:cNvPr id="70" name="角丸四角形 69"/>
-          <p:cNvSpPr/>
-          <p:nvPr/>
-        </p:nvSpPr>
-        <p:spPr>
-          <a:xfrm>
-            <a:off x="5941352" y="5473034"/>
-            <a:ext cx="710750" cy="465380"/>
-          </a:xfrm>
-          <a:prstGeom prst="roundRect">
-            <a:avLst/>
-          </a:prstGeom>
-          <a:solidFill>
-            <a:schemeClr val="accent2"/>
-          </a:solidFill>
-          <a:ln>
-            <a:solidFill>
-              <a:schemeClr val="accent2"/>
-            </a:solidFill>
-          </a:ln>
-        </p:spPr>
-        <p:style>
-          <a:lnRef idx="2">
-            <a:schemeClr val="accent6"/>
-          </a:lnRef>
-          <a:fillRef idx="1">
-            <a:schemeClr val="lt1"/>
-          </a:fillRef>
-          <a:effectRef idx="0">
-            <a:schemeClr val="accent6"/>
-          </a:effectRef>
-          <a:fontRef idx="minor">
-            <a:schemeClr val="dk1"/>
-          </a:fontRef>
-        </p:style>
-        <p:txBody>
-          <a:bodyPr wrap="none" rtlCol="0" anchor="ctr"/>
-          <a:lstStyle/>
-          <a:p>
-            <a:pPr algn="ctr"/>
-            <a:endParaRPr kumimoji="1" lang="ja-JP" altLang="en-US" sz="1400" dirty="0"/>
           </a:p>
         </p:txBody>
       </p:sp>
     </p:spTree>
     <p:extLst>
       <p:ext uri="{BB962C8B-B14F-4D97-AF65-F5344CB8AC3E}">
-        <p14:creationId xmlns:p14="http://schemas.microsoft.com/office/powerpoint/2010/main" val="2173051432"/>
+        <p14:creationId xmlns:p14="http://schemas.microsoft.com/office/powerpoint/2010/main" val="2676337646"/>
       </p:ext>
     </p:extLst>
   </p:cSld>
   <p:clrMapOvr>
     <a:masterClrMapping/>
   </p:clrMapOvr>
-  <mc:AlternateContent xmlns:mc="http://schemas.openxmlformats.org/markup-compatibility/2006" xmlns:p14="http://schemas.microsoft.com/office/powerpoint/2010/main">
-    <mc:Choice Requires="p14">
-      <p:transition spd="slow" p14:dur="2000"/>
-    </mc:Choice>
-    <mc:Fallback xmlns="">
-      <p:transition spd="slow"/>
-    </mc:Fallback>
-  </mc:AlternateContent>
   <p:timing>
     <p:tnLst>
       <p:par>
@@ -33062,13 +33600,38 @@
             <p:ph type="title"/>
           </p:nvPr>
         </p:nvSpPr>
-        <p:spPr/>
+        <p:spPr>
+          <a:xfrm>
+            <a:off x="628649" y="365126"/>
+            <a:ext cx="8136209" cy="1325563"/>
+          </a:xfrm>
+        </p:spPr>
         <p:txBody>
           <a:bodyPr>
-            <a:normAutofit/>
+            <a:noAutofit/>
           </a:bodyPr>
           <a:lstStyle/>
           <a:p>
+            <a:r>
+              <a:rPr lang="en-US" altLang="ja-JP" sz="4000">
+                <a:solidFill>
+                  <a:schemeClr val="accent2">
+                    <a:lumMod val="75000"/>
+                  </a:schemeClr>
+                </a:solidFill>
+              </a:rPr>
+              <a:t>CAPS</a:t>
+            </a:r>
+            <a:r>
+              <a:rPr lang="ja-JP" altLang="en-US" sz="4000">
+                <a:solidFill>
+                  <a:schemeClr val="accent2">
+                    <a:lumMod val="75000"/>
+                  </a:schemeClr>
+                </a:solidFill>
+              </a:rPr>
+              <a:t> </a:t>
+            </a:r>
             <a:r>
               <a:rPr lang="en-US" altLang="ja-JP" sz="4000" smtClean="0">
                 <a:solidFill>
@@ -33077,7 +33640,7 @@
                   </a:schemeClr>
                 </a:solidFill>
               </a:rPr>
-              <a:t>LCMD AND </a:t>
+              <a:t>&amp;&amp; </a:t>
             </a:r>
             <a:r>
               <a:rPr lang="en-US" altLang="ja-JP" sz="4000" smtClean="0">
@@ -33090,6 +33653,26 @@
               <a:t>RCMD</a:t>
             </a:r>
             <a:r>
+              <a:rPr lang="ja-JP" altLang="en-US" sz="4000">
+                <a:solidFill>
+                  <a:schemeClr val="accent6">
+                    <a:lumMod val="75000"/>
+                  </a:schemeClr>
+                </a:solidFill>
+              </a:rPr>
+              <a:t> </a:t>
+            </a:r>
+            <a:r>
+              <a:rPr lang="en-US" altLang="ja-JP" sz="4000" smtClean="0">
+                <a:solidFill>
+                  <a:schemeClr val="accent6">
+                    <a:lumMod val="75000"/>
+                  </a:schemeClr>
+                </a:solidFill>
+              </a:rPr>
+              <a:t>= </a:t>
+            </a:r>
+            <a:r>
               <a:rPr lang="en-US" altLang="ja-JP" sz="4000">
                 <a:solidFill>
                   <a:schemeClr val="accent6">
@@ -33097,7 +33680,7 @@
                   </a:schemeClr>
                 </a:solidFill>
               </a:rPr>
-              <a:t> </a:t>
+              <a:t>Window </a:t>
             </a:r>
             <a:r>
               <a:rPr lang="en-US" altLang="ja-JP" sz="4000" smtClean="0">
@@ -33107,7 +33690,27 @@
                   </a:schemeClr>
                 </a:solidFill>
               </a:rPr>
-              <a:t>= Launcher</a:t>
+              <a:t>Control</a:t>
+            </a:r>
+            <a:r>
+              <a:rPr lang="ja-JP" altLang="en-US" sz="4000">
+                <a:solidFill>
+                  <a:schemeClr val="accent6">
+                    <a:lumMod val="75000"/>
+                  </a:schemeClr>
+                </a:solidFill>
+              </a:rPr>
+              <a:t> </a:t>
+            </a:r>
+            <a:r>
+              <a:rPr lang="en-US" altLang="ja-JP" sz="4000" smtClean="0">
+                <a:solidFill>
+                  <a:schemeClr val="accent6">
+                    <a:lumMod val="75000"/>
+                  </a:schemeClr>
+                </a:solidFill>
+              </a:rPr>
+              <a:t>+α</a:t>
             </a:r>
             <a:endParaRPr lang="en-US" altLang="ja-JP" sz="4000" dirty="0">
               <a:solidFill>
@@ -33160,7 +33763,7 @@
           <a:lstStyle/>
           <a:p>
             <a:pPr algn="ctr"/>
-            <a:endParaRPr kumimoji="1" lang="ja-JP" altLang="en-US" sz="1000" dirty="0">
+            <a:endParaRPr kumimoji="1" lang="ja-JP" altLang="en-US" sz="1400" dirty="0">
               <a:solidFill>
                 <a:schemeClr val="accent6">
                   <a:lumMod val="75000"/>
@@ -33211,30 +33814,7 @@
           <a:lstStyle/>
           <a:p>
             <a:pPr algn="ctr"/>
-            <a:r>
-              <a:rPr kumimoji="1" lang="en-US" altLang="ja-JP" sz="900" smtClean="0">
-                <a:solidFill>
-                  <a:schemeClr val="accent6">
-                    <a:lumMod val="75000"/>
-                  </a:schemeClr>
-                </a:solidFill>
-              </a:rPr>
-              <a:t>File Alias</a:t>
-            </a:r>
-          </a:p>
-          <a:p>
-            <a:pPr algn="ctr"/>
-            <a:r>
-              <a:rPr kumimoji="1" lang="en-US" altLang="ja-JP" sz="900" smtClean="0">
-                <a:solidFill>
-                  <a:schemeClr val="accent6">
-                    <a:lumMod val="75000"/>
-                  </a:schemeClr>
-                </a:solidFill>
-              </a:rPr>
-              <a:t>1</a:t>
-            </a:r>
-            <a:endParaRPr kumimoji="1" lang="ja-JP" altLang="en-US" sz="900" dirty="0">
+            <a:endParaRPr kumimoji="1" lang="ja-JP" altLang="en-US" sz="1400" dirty="0">
               <a:solidFill>
                 <a:schemeClr val="accent6">
                   <a:lumMod val="75000"/>
@@ -33285,40 +33865,7 @@
           <a:lstStyle/>
           <a:p>
             <a:pPr algn="ctr"/>
-            <a:r>
-              <a:rPr lang="en-US" altLang="ja-JP" sz="900">
-                <a:solidFill>
-                  <a:schemeClr val="accent6">
-                    <a:lumMod val="75000"/>
-                  </a:schemeClr>
-                </a:solidFill>
-              </a:rPr>
-              <a:t>File </a:t>
-            </a:r>
-            <a:r>
-              <a:rPr lang="en-US" altLang="ja-JP" sz="900" smtClean="0">
-                <a:solidFill>
-                  <a:schemeClr val="accent6">
-                    <a:lumMod val="75000"/>
-                  </a:schemeClr>
-                </a:solidFill>
-              </a:rPr>
-              <a:t>Alias</a:t>
-            </a:r>
-          </a:p>
-          <a:p>
-            <a:pPr algn="ctr"/>
-            <a:r>
-              <a:rPr lang="en-US" altLang="ja-JP" sz="900" smtClean="0">
-                <a:solidFill>
-                  <a:schemeClr val="accent6">
-                    <a:lumMod val="75000"/>
-                  </a:schemeClr>
-                </a:solidFill>
-              </a:rPr>
-              <a:t>2</a:t>
-            </a:r>
-            <a:endParaRPr lang="en-US" altLang="ja-JP" sz="900">
+            <a:endParaRPr kumimoji="1" lang="ja-JP" altLang="en-US" sz="1400" dirty="0">
               <a:solidFill>
                 <a:schemeClr val="accent6">
                   <a:lumMod val="75000"/>
@@ -33369,40 +33916,7 @@
           <a:lstStyle/>
           <a:p>
             <a:pPr algn="ctr"/>
-            <a:r>
-              <a:rPr lang="en-US" altLang="ja-JP" sz="900">
-                <a:solidFill>
-                  <a:schemeClr val="accent6">
-                    <a:lumMod val="75000"/>
-                  </a:schemeClr>
-                </a:solidFill>
-              </a:rPr>
-              <a:t>File </a:t>
-            </a:r>
-            <a:r>
-              <a:rPr lang="en-US" altLang="ja-JP" sz="900" smtClean="0">
-                <a:solidFill>
-                  <a:schemeClr val="accent6">
-                    <a:lumMod val="75000"/>
-                  </a:schemeClr>
-                </a:solidFill>
-              </a:rPr>
-              <a:t>Alias</a:t>
-            </a:r>
-          </a:p>
-          <a:p>
-            <a:pPr algn="ctr"/>
-            <a:r>
-              <a:rPr lang="en-US" altLang="ja-JP" sz="900" smtClean="0">
-                <a:solidFill>
-                  <a:schemeClr val="accent6">
-                    <a:lumMod val="75000"/>
-                  </a:schemeClr>
-                </a:solidFill>
-              </a:rPr>
-              <a:t>3</a:t>
-            </a:r>
-            <a:endParaRPr lang="en-US" altLang="ja-JP" sz="900">
+            <a:endParaRPr kumimoji="1" lang="ja-JP" altLang="en-US" sz="1400" dirty="0">
               <a:solidFill>
                 <a:schemeClr val="accent6">
                   <a:lumMod val="75000"/>
@@ -33453,29 +33967,13 @@
           <a:lstStyle/>
           <a:p>
             <a:pPr algn="ctr"/>
-            <a:r>
-              <a:rPr lang="en-US" altLang="ja-JP" sz="900">
-                <a:solidFill>
-                  <a:schemeClr val="accent6">
-                    <a:lumMod val="75000"/>
-                  </a:schemeClr>
-                </a:solidFill>
-              </a:rPr>
-              <a:t>File Alias</a:t>
-            </a:r>
-          </a:p>
-          <a:p>
-            <a:pPr algn="ctr"/>
-            <a:r>
-              <a:rPr lang="en-US" altLang="ja-JP" sz="900" smtClean="0">
-                <a:solidFill>
-                  <a:schemeClr val="accent6">
-                    <a:lumMod val="75000"/>
-                  </a:schemeClr>
-                </a:solidFill>
-              </a:rPr>
-              <a:t>4</a:t>
-            </a:r>
+            <a:endParaRPr kumimoji="1" lang="ja-JP" altLang="en-US" sz="1400" dirty="0">
+              <a:solidFill>
+                <a:schemeClr val="accent6">
+                  <a:lumMod val="75000"/>
+                </a:schemeClr>
+              </a:solidFill>
+            </a:endParaRPr>
           </a:p>
         </p:txBody>
       </p:sp>
@@ -33520,39 +34018,13 @@
           <a:lstStyle/>
           <a:p>
             <a:pPr algn="ctr"/>
-            <a:r>
-              <a:rPr lang="en-US" altLang="ja-JP" sz="900">
-                <a:solidFill>
-                  <a:schemeClr val="accent6">
-                    <a:lumMod val="75000"/>
-                  </a:schemeClr>
-                </a:solidFill>
-              </a:rPr>
-              <a:t>File </a:t>
-            </a:r>
-            <a:r>
-              <a:rPr lang="en-US" altLang="ja-JP" sz="900" smtClean="0">
-                <a:solidFill>
-                  <a:schemeClr val="accent6">
-                    <a:lumMod val="75000"/>
-                  </a:schemeClr>
-                </a:solidFill>
-              </a:rPr>
-              <a:t>Alias</a:t>
-            </a:r>
-          </a:p>
-          <a:p>
-            <a:pPr algn="ctr"/>
-            <a:r>
-              <a:rPr lang="en-US" altLang="ja-JP" sz="900">
-                <a:solidFill>
-                  <a:schemeClr val="accent6">
-                    <a:lumMod val="75000"/>
-                  </a:schemeClr>
-                </a:solidFill>
-              </a:rPr>
-              <a:t>5</a:t>
-            </a:r>
+            <a:endParaRPr kumimoji="1" lang="ja-JP" altLang="en-US" sz="1400" dirty="0">
+              <a:solidFill>
+                <a:schemeClr val="accent6">
+                  <a:lumMod val="75000"/>
+                </a:schemeClr>
+              </a:solidFill>
+            </a:endParaRPr>
           </a:p>
         </p:txBody>
       </p:sp>
@@ -33597,40 +34069,7 @@
           <a:lstStyle/>
           <a:p>
             <a:pPr algn="ctr"/>
-            <a:r>
-              <a:rPr lang="en-US" altLang="ja-JP" sz="900">
-                <a:solidFill>
-                  <a:schemeClr val="accent6">
-                    <a:lumMod val="75000"/>
-                  </a:schemeClr>
-                </a:solidFill>
-              </a:rPr>
-              <a:t>File </a:t>
-            </a:r>
-            <a:r>
-              <a:rPr lang="en-US" altLang="ja-JP" sz="900" smtClean="0">
-                <a:solidFill>
-                  <a:schemeClr val="accent6">
-                    <a:lumMod val="75000"/>
-                  </a:schemeClr>
-                </a:solidFill>
-              </a:rPr>
-              <a:t>Alias</a:t>
-            </a:r>
-          </a:p>
-          <a:p>
-            <a:pPr algn="ctr"/>
-            <a:r>
-              <a:rPr lang="en-US" altLang="ja-JP" sz="900" smtClean="0">
-                <a:solidFill>
-                  <a:schemeClr val="accent6">
-                    <a:lumMod val="75000"/>
-                  </a:schemeClr>
-                </a:solidFill>
-              </a:rPr>
-              <a:t>6</a:t>
-            </a:r>
-            <a:endParaRPr lang="en-US" altLang="ja-JP" sz="900">
+            <a:endParaRPr kumimoji="1" lang="ja-JP" altLang="en-US" sz="1400" dirty="0">
               <a:solidFill>
                 <a:schemeClr val="accent6">
                   <a:lumMod val="75000"/>
@@ -33681,40 +34120,7 @@
           <a:lstStyle/>
           <a:p>
             <a:pPr algn="ctr"/>
-            <a:r>
-              <a:rPr lang="en-US" altLang="ja-JP" sz="900">
-                <a:solidFill>
-                  <a:schemeClr val="accent6">
-                    <a:lumMod val="75000"/>
-                  </a:schemeClr>
-                </a:solidFill>
-              </a:rPr>
-              <a:t>File </a:t>
-            </a:r>
-            <a:r>
-              <a:rPr lang="en-US" altLang="ja-JP" sz="900" smtClean="0">
-                <a:solidFill>
-                  <a:schemeClr val="accent6">
-                    <a:lumMod val="75000"/>
-                  </a:schemeClr>
-                </a:solidFill>
-              </a:rPr>
-              <a:t>Alias</a:t>
-            </a:r>
-          </a:p>
-          <a:p>
-            <a:pPr algn="ctr"/>
-            <a:r>
-              <a:rPr lang="en-US" altLang="ja-JP" sz="900" smtClean="0">
-                <a:solidFill>
-                  <a:schemeClr val="accent6">
-                    <a:lumMod val="75000"/>
-                  </a:schemeClr>
-                </a:solidFill>
-              </a:rPr>
-              <a:t>7</a:t>
-            </a:r>
-            <a:endParaRPr lang="en-US" altLang="ja-JP" sz="900">
+            <a:endParaRPr kumimoji="1" lang="ja-JP" altLang="en-US" sz="1400" dirty="0">
               <a:solidFill>
                 <a:schemeClr val="accent6">
                   <a:lumMod val="75000"/>
@@ -33765,39 +34171,13 @@
           <a:lstStyle/>
           <a:p>
             <a:pPr algn="ctr"/>
-            <a:r>
-              <a:rPr lang="en-US" altLang="ja-JP" sz="900">
-                <a:solidFill>
-                  <a:schemeClr val="accent6">
-                    <a:lumMod val="75000"/>
-                  </a:schemeClr>
-                </a:solidFill>
-              </a:rPr>
-              <a:t>File </a:t>
-            </a:r>
-            <a:r>
-              <a:rPr lang="en-US" altLang="ja-JP" sz="900" smtClean="0">
-                <a:solidFill>
-                  <a:schemeClr val="accent6">
-                    <a:lumMod val="75000"/>
-                  </a:schemeClr>
-                </a:solidFill>
-              </a:rPr>
-              <a:t>Alias</a:t>
-            </a:r>
-          </a:p>
-          <a:p>
-            <a:pPr algn="ctr"/>
-            <a:r>
-              <a:rPr lang="en-US" altLang="ja-JP" sz="900">
-                <a:solidFill>
-                  <a:schemeClr val="accent6">
-                    <a:lumMod val="75000"/>
-                  </a:schemeClr>
-                </a:solidFill>
-              </a:rPr>
-              <a:t>8</a:t>
-            </a:r>
+            <a:endParaRPr kumimoji="1" lang="ja-JP" altLang="en-US" sz="1400" dirty="0">
+              <a:solidFill>
+                <a:schemeClr val="accent6">
+                  <a:lumMod val="75000"/>
+                </a:schemeClr>
+              </a:solidFill>
+            </a:endParaRPr>
           </a:p>
         </p:txBody>
       </p:sp>
@@ -33842,39 +34222,13 @@
           <a:lstStyle/>
           <a:p>
             <a:pPr algn="ctr"/>
-            <a:r>
-              <a:rPr lang="en-US" altLang="ja-JP" sz="900">
-                <a:solidFill>
-                  <a:schemeClr val="accent6">
-                    <a:lumMod val="75000"/>
-                  </a:schemeClr>
-                </a:solidFill>
-              </a:rPr>
-              <a:t>File </a:t>
-            </a:r>
-            <a:r>
-              <a:rPr lang="en-US" altLang="ja-JP" sz="900" smtClean="0">
-                <a:solidFill>
-                  <a:schemeClr val="accent6">
-                    <a:lumMod val="75000"/>
-                  </a:schemeClr>
-                </a:solidFill>
-              </a:rPr>
-              <a:t>Alias</a:t>
-            </a:r>
-          </a:p>
-          <a:p>
-            <a:pPr algn="ctr"/>
-            <a:r>
-              <a:rPr lang="en-US" altLang="ja-JP" sz="900">
-                <a:solidFill>
-                  <a:schemeClr val="accent6">
-                    <a:lumMod val="75000"/>
-                  </a:schemeClr>
-                </a:solidFill>
-              </a:rPr>
-              <a:t>9</a:t>
-            </a:r>
+            <a:endParaRPr kumimoji="1" lang="ja-JP" altLang="en-US" sz="1400" dirty="0">
+              <a:solidFill>
+                <a:schemeClr val="accent6">
+                  <a:lumMod val="75000"/>
+                </a:schemeClr>
+              </a:solidFill>
+            </a:endParaRPr>
           </a:p>
         </p:txBody>
       </p:sp>
@@ -33919,39 +34273,13 @@
           <a:lstStyle/>
           <a:p>
             <a:pPr algn="ctr"/>
-            <a:r>
-              <a:rPr lang="en-US" altLang="ja-JP" sz="900">
-                <a:solidFill>
-                  <a:schemeClr val="accent6">
-                    <a:lumMod val="75000"/>
-                  </a:schemeClr>
-                </a:solidFill>
-              </a:rPr>
-              <a:t>File </a:t>
-            </a:r>
-            <a:r>
-              <a:rPr lang="en-US" altLang="ja-JP" sz="900" smtClean="0">
-                <a:solidFill>
-                  <a:schemeClr val="accent6">
-                    <a:lumMod val="75000"/>
-                  </a:schemeClr>
-                </a:solidFill>
-              </a:rPr>
-              <a:t>Alias</a:t>
-            </a:r>
-          </a:p>
-          <a:p>
-            <a:pPr algn="ctr"/>
-            <a:r>
-              <a:rPr lang="en-US" altLang="ja-JP" sz="900" smtClean="0">
-                <a:solidFill>
-                  <a:schemeClr val="accent6">
-                    <a:lumMod val="75000"/>
-                  </a:schemeClr>
-                </a:solidFill>
-              </a:rPr>
-              <a:t>0</a:t>
-            </a:r>
+            <a:endParaRPr kumimoji="1" lang="ja-JP" altLang="en-US" sz="1400" dirty="0">
+              <a:solidFill>
+                <a:schemeClr val="accent6">
+                  <a:lumMod val="75000"/>
+                </a:schemeClr>
+              </a:solidFill>
+            </a:endParaRPr>
           </a:p>
         </p:txBody>
       </p:sp>
@@ -33996,7 +34324,7 @@
           <a:lstStyle/>
           <a:p>
             <a:pPr algn="ctr"/>
-            <a:endParaRPr kumimoji="1" lang="ja-JP" altLang="en-US" sz="1000" dirty="0">
+            <a:endParaRPr kumimoji="1" lang="ja-JP" altLang="en-US" sz="1400" dirty="0">
               <a:solidFill>
                 <a:schemeClr val="accent6">
                   <a:lumMod val="75000"/>
@@ -34047,7 +34375,7 @@
           <a:lstStyle/>
           <a:p>
             <a:pPr algn="ctr"/>
-            <a:endParaRPr kumimoji="1" lang="ja-JP" altLang="en-US" sz="1000" dirty="0">
+            <a:endParaRPr kumimoji="1" lang="ja-JP" altLang="en-US" sz="1400" dirty="0">
               <a:solidFill>
                 <a:schemeClr val="accent6">
                   <a:lumMod val="75000"/>
@@ -34098,7 +34426,7 @@
           <a:lstStyle/>
           <a:p>
             <a:pPr algn="ctr"/>
-            <a:endParaRPr kumimoji="1" lang="ja-JP" altLang="en-US" sz="1000" dirty="0">
+            <a:endParaRPr kumimoji="1" lang="ja-JP" altLang="en-US" sz="1400" dirty="0">
               <a:solidFill>
                 <a:schemeClr val="accent6">
                   <a:lumMod val="75000"/>
@@ -34149,7 +34477,7 @@
           <a:lstStyle/>
           <a:p>
             <a:pPr algn="ctr"/>
-            <a:endParaRPr kumimoji="1" lang="ja-JP" altLang="en-US" sz="1000" dirty="0">
+            <a:endParaRPr kumimoji="1" lang="ja-JP" altLang="en-US" sz="1400" dirty="0">
               <a:solidFill>
                 <a:schemeClr val="accent6">
                   <a:lumMod val="75000"/>
@@ -34200,30 +34528,7 @@
           <a:lstStyle/>
           <a:p>
             <a:pPr algn="ctr"/>
-            <a:r>
-              <a:rPr kumimoji="1" lang="en-US" altLang="ja-JP" sz="900" smtClean="0">
-                <a:solidFill>
-                  <a:schemeClr val="accent6">
-                    <a:lumMod val="75000"/>
-                  </a:schemeClr>
-                </a:solidFill>
-              </a:rPr>
-              <a:t>Task</a:t>
-            </a:r>
-          </a:p>
-          <a:p>
-            <a:pPr algn="ctr"/>
-            <a:r>
-              <a:rPr lang="en-US" altLang="ja-JP" sz="900" smtClean="0">
-                <a:solidFill>
-                  <a:schemeClr val="accent6">
-                    <a:lumMod val="75000"/>
-                  </a:schemeClr>
-                </a:solidFill>
-              </a:rPr>
-              <a:t>Manager</a:t>
-            </a:r>
-            <a:endParaRPr kumimoji="1" lang="ja-JP" altLang="en-US" sz="900" dirty="0">
+            <a:endParaRPr kumimoji="1" lang="ja-JP" altLang="en-US" sz="1400" dirty="0">
               <a:solidFill>
                 <a:schemeClr val="accent6">
                   <a:lumMod val="75000"/>
@@ -34274,7 +34579,7 @@
           <a:lstStyle/>
           <a:p>
             <a:pPr algn="ctr"/>
-            <a:endParaRPr kumimoji="1" lang="ja-JP" altLang="en-US" sz="900" dirty="0">
+            <a:endParaRPr kumimoji="1" lang="ja-JP" altLang="en-US" sz="1400" dirty="0">
               <a:solidFill>
                 <a:schemeClr val="accent6">
                   <a:lumMod val="75000"/>
@@ -34326,16 +34631,29 @@
           <a:p>
             <a:pPr algn="ctr"/>
             <a:r>
-              <a:rPr lang="en-US" altLang="ja-JP" sz="900" dirty="0">
+              <a:rPr lang="en-US" altLang="ja-JP" sz="1100" smtClean="0">
                 <a:solidFill>
                   <a:schemeClr val="accent6">
                     <a:lumMod val="75000"/>
                   </a:schemeClr>
                 </a:solidFill>
               </a:rPr>
-              <a:t>Notepad</a:t>
-            </a:r>
-            <a:endParaRPr lang="ja-JP" altLang="en-US" sz="900" dirty="0">
+              <a:t>App</a:t>
+            </a:r>
+          </a:p>
+          <a:p>
+            <a:pPr algn="ctr"/>
+            <a:r>
+              <a:rPr lang="ja-JP" altLang="en-US" sz="1100" smtClean="0">
+                <a:solidFill>
+                  <a:schemeClr val="accent6">
+                    <a:lumMod val="75000"/>
+                  </a:schemeClr>
+                </a:solidFill>
+              </a:rPr>
+              <a:t>選択</a:t>
+            </a:r>
+            <a:endParaRPr kumimoji="1" lang="ja-JP" altLang="en-US" sz="1100" dirty="0">
               <a:solidFill>
                 <a:schemeClr val="accent6">
                   <a:lumMod val="75000"/>
@@ -34386,30 +34704,7 @@
           <a:lstStyle/>
           <a:p>
             <a:pPr algn="ctr"/>
-            <a:r>
-              <a:rPr kumimoji="1" lang="en-US" altLang="ja-JP" sz="900" dirty="0" smtClean="0">
-                <a:solidFill>
-                  <a:schemeClr val="accent6">
-                    <a:lumMod val="75000"/>
-                  </a:schemeClr>
-                </a:solidFill>
-              </a:rPr>
-              <a:t>MS</a:t>
-            </a:r>
-          </a:p>
-          <a:p>
-            <a:pPr algn="ctr"/>
-            <a:r>
-              <a:rPr kumimoji="1" lang="en-US" altLang="ja-JP" sz="900" dirty="0" smtClean="0">
-                <a:solidFill>
-                  <a:schemeClr val="accent6">
-                    <a:lumMod val="75000"/>
-                  </a:schemeClr>
-                </a:solidFill>
-              </a:rPr>
-              <a:t>Edge</a:t>
-            </a:r>
-            <a:endParaRPr kumimoji="1" lang="ja-JP" altLang="en-US" sz="900" dirty="0">
+            <a:endParaRPr kumimoji="1" lang="ja-JP" altLang="en-US" sz="1400" dirty="0">
               <a:solidFill>
                 <a:schemeClr val="accent6">
                   <a:lumMod val="75000"/>
@@ -34460,17 +34755,7 @@
           <a:lstStyle/>
           <a:p>
             <a:pPr algn="ctr"/>
-            <a:r>
-              <a:rPr kumimoji="1" lang="en-US" altLang="ja-JP" sz="900" smtClean="0">
-                <a:solidFill>
-                  <a:schemeClr val="accent6">
-                    <a:lumMod val="75000"/>
-                  </a:schemeClr>
-                </a:solidFill>
-              </a:rPr>
-              <a:t>Terminal</a:t>
-            </a:r>
-            <a:endParaRPr kumimoji="1" lang="ja-JP" altLang="en-US" sz="900" dirty="0">
+            <a:endParaRPr kumimoji="1" lang="ja-JP" altLang="en-US" sz="1400" dirty="0">
               <a:solidFill>
                 <a:schemeClr val="accent6">
                   <a:lumMod val="75000"/>
@@ -34521,7 +34806,7 @@
           <a:lstStyle/>
           <a:p>
             <a:pPr algn="ctr"/>
-            <a:endParaRPr kumimoji="1" lang="ja-JP" altLang="en-US" sz="900" dirty="0">
+            <a:endParaRPr kumimoji="1" lang="ja-JP" altLang="en-US" sz="1400" dirty="0">
               <a:solidFill>
                 <a:schemeClr val="accent6">
                   <a:lumMod val="75000"/>
@@ -34572,7 +34857,7 @@
           <a:lstStyle/>
           <a:p>
             <a:pPr algn="ctr"/>
-            <a:endParaRPr kumimoji="1" lang="ja-JP" altLang="en-US" sz="900" dirty="0">
+            <a:endParaRPr kumimoji="1" lang="ja-JP" altLang="en-US" sz="1400" dirty="0">
               <a:solidFill>
                 <a:schemeClr val="accent6">
                   <a:lumMod val="75000"/>
@@ -34623,17 +34908,7 @@
           <a:lstStyle/>
           <a:p>
             <a:pPr algn="ctr"/>
-            <a:r>
-              <a:rPr lang="en-US" altLang="ja-JP" sz="900" smtClean="0">
-                <a:solidFill>
-                  <a:schemeClr val="accent6">
-                    <a:lumMod val="75000"/>
-                  </a:schemeClr>
-                </a:solidFill>
-              </a:rPr>
-              <a:t>Word</a:t>
-            </a:r>
-            <a:endParaRPr kumimoji="1" lang="ja-JP" altLang="en-US" sz="900" dirty="0">
+            <a:endParaRPr kumimoji="1" lang="ja-JP" altLang="en-US" sz="1400" dirty="0">
               <a:solidFill>
                 <a:schemeClr val="accent6">
                   <a:lumMod val="75000"/>
@@ -34684,17 +34959,7 @@
           <a:lstStyle/>
           <a:p>
             <a:pPr algn="ctr"/>
-            <a:r>
-              <a:rPr kumimoji="1" lang="en-US" altLang="ja-JP" sz="900" smtClean="0">
-                <a:solidFill>
-                  <a:schemeClr val="accent6">
-                    <a:lumMod val="75000"/>
-                  </a:schemeClr>
-                </a:solidFill>
-              </a:rPr>
-              <a:t>Excel</a:t>
-            </a:r>
-            <a:endParaRPr kumimoji="1" lang="ja-JP" altLang="en-US" sz="900" dirty="0">
+            <a:endParaRPr kumimoji="1" lang="ja-JP" altLang="en-US" sz="1400" dirty="0">
               <a:solidFill>
                 <a:schemeClr val="accent6">
                   <a:lumMod val="75000"/>
@@ -34745,30 +35010,7 @@
           <a:lstStyle/>
           <a:p>
             <a:pPr algn="ctr"/>
-            <a:r>
-              <a:rPr lang="en-US" altLang="ja-JP" sz="900" smtClean="0">
-                <a:solidFill>
-                  <a:schemeClr val="accent6">
-                    <a:lumMod val="75000"/>
-                  </a:schemeClr>
-                </a:solidFill>
-              </a:rPr>
-              <a:t>Power</a:t>
-            </a:r>
-          </a:p>
-          <a:p>
-            <a:pPr algn="ctr"/>
-            <a:r>
-              <a:rPr lang="en-US" altLang="ja-JP" sz="900" smtClean="0">
-                <a:solidFill>
-                  <a:schemeClr val="accent6">
-                    <a:lumMod val="75000"/>
-                  </a:schemeClr>
-                </a:solidFill>
-              </a:rPr>
-              <a:t>Point</a:t>
-            </a:r>
-            <a:endParaRPr kumimoji="1" lang="ja-JP" altLang="en-US" sz="900" dirty="0">
+            <a:endParaRPr kumimoji="1" lang="ja-JP" altLang="en-US" sz="1400" dirty="0">
               <a:solidFill>
                 <a:schemeClr val="accent6">
                   <a:lumMod val="75000"/>
@@ -34819,7 +35061,7 @@
           <a:lstStyle/>
           <a:p>
             <a:pPr algn="ctr"/>
-            <a:endParaRPr kumimoji="1" lang="ja-JP" altLang="en-US" sz="1000" dirty="0">
+            <a:endParaRPr kumimoji="1" lang="ja-JP" altLang="en-US" sz="1400" dirty="0">
               <a:solidFill>
                 <a:schemeClr val="accent6">
                   <a:lumMod val="75000"/>
@@ -34870,7 +35112,7 @@
           <a:lstStyle/>
           <a:p>
             <a:pPr algn="ctr"/>
-            <a:endParaRPr kumimoji="1" lang="ja-JP" altLang="en-US" sz="1000" dirty="0">
+            <a:endParaRPr kumimoji="1" lang="ja-JP" altLang="en-US" sz="1400" dirty="0">
               <a:solidFill>
                 <a:schemeClr val="accent6">
                   <a:lumMod val="75000"/>
@@ -34921,7 +35163,7 @@
           <a:lstStyle/>
           <a:p>
             <a:pPr algn="ctr"/>
-            <a:endParaRPr kumimoji="1" lang="ja-JP" altLang="en-US" sz="1000" dirty="0">
+            <a:endParaRPr kumimoji="1" lang="ja-JP" altLang="en-US" sz="1400" dirty="0">
               <a:solidFill>
                 <a:schemeClr val="accent6">
                   <a:lumMod val="75000"/>
@@ -34972,7 +35214,7 @@
           <a:lstStyle/>
           <a:p>
             <a:pPr algn="ctr"/>
-            <a:endParaRPr kumimoji="1" lang="ja-JP" altLang="en-US" sz="900" dirty="0">
+            <a:endParaRPr kumimoji="1" lang="ja-JP" altLang="en-US" sz="1400" dirty="0">
               <a:solidFill>
                 <a:schemeClr val="accent6">
                   <a:lumMod val="75000"/>
@@ -35023,17 +35265,7 @@
           <a:lstStyle/>
           <a:p>
             <a:pPr algn="ctr"/>
-            <a:r>
-              <a:rPr kumimoji="1" lang="en-US" altLang="ja-JP" sz="900" smtClean="0">
-                <a:solidFill>
-                  <a:schemeClr val="accent6">
-                    <a:lumMod val="75000"/>
-                  </a:schemeClr>
-                </a:solidFill>
-              </a:rPr>
-              <a:t>Atom</a:t>
-            </a:r>
-            <a:endParaRPr kumimoji="1" lang="ja-JP" altLang="en-US" sz="900" dirty="0">
+            <a:endParaRPr kumimoji="1" lang="ja-JP" altLang="en-US" sz="1400" dirty="0">
               <a:solidFill>
                 <a:schemeClr val="accent6">
                   <a:lumMod val="75000"/>
@@ -35085,14 +35317,34 @@
           <a:p>
             <a:pPr algn="ctr"/>
             <a:r>
-              <a:rPr kumimoji="1" lang="en-US" altLang="ja-JP" sz="900" smtClean="0">
+              <a:rPr kumimoji="1" lang="ja-JP" altLang="en-US" sz="900" dirty="0" smtClean="0">
                 <a:solidFill>
                   <a:schemeClr val="accent6">
                     <a:lumMod val="75000"/>
                   </a:schemeClr>
                 </a:solidFill>
               </a:rPr>
-              <a:t>Skype</a:t>
+              <a:t>前の</a:t>
+            </a:r>
+            <a:endParaRPr kumimoji="1" lang="en-US" altLang="ja-JP" sz="900" dirty="0" smtClean="0">
+              <a:solidFill>
+                <a:schemeClr val="accent6">
+                  <a:lumMod val="75000"/>
+                </a:schemeClr>
+              </a:solidFill>
+            </a:endParaRPr>
+          </a:p>
+          <a:p>
+            <a:pPr algn="ctr"/>
+            <a:r>
+              <a:rPr lang="en-US" altLang="ja-JP" sz="900" dirty="0" smtClean="0">
+                <a:solidFill>
+                  <a:schemeClr val="accent6">
+                    <a:lumMod val="75000"/>
+                  </a:schemeClr>
+                </a:solidFill>
+              </a:rPr>
+              <a:t>Window</a:t>
             </a:r>
             <a:endParaRPr kumimoji="1" lang="ja-JP" altLang="en-US" sz="900" dirty="0">
               <a:solidFill>
@@ -35145,16 +35397,6 @@
           <a:lstStyle/>
           <a:p>
             <a:pPr algn="ctr"/>
-            <a:r>
-              <a:rPr kumimoji="1" lang="en-US" altLang="ja-JP" sz="900" smtClean="0">
-                <a:solidFill>
-                  <a:schemeClr val="accent6">
-                    <a:lumMod val="75000"/>
-                  </a:schemeClr>
-                </a:solidFill>
-              </a:rPr>
-              <a:t>Desktop</a:t>
-            </a:r>
             <a:endParaRPr kumimoji="1" lang="ja-JP" altLang="en-US" sz="900" dirty="0">
               <a:solidFill>
                 <a:schemeClr val="accent6">
@@ -35207,14 +35449,54 @@
           <a:p>
             <a:pPr algn="ctr"/>
             <a:r>
-              <a:rPr kumimoji="1" lang="en-US" altLang="ja-JP" sz="900" u="sng" smtClean="0">
+              <a:rPr kumimoji="1" lang="ja-JP" altLang="en-US" sz="900" u="sng" dirty="0" smtClean="0">
                 <a:solidFill>
                   <a:schemeClr val="accent6">
                     <a:lumMod val="75000"/>
                   </a:schemeClr>
                 </a:solidFill>
               </a:rPr>
-              <a:t>Filer</a:t>
+              <a:t>次</a:t>
+            </a:r>
+            <a:r>
+              <a:rPr lang="ja-JP" altLang="en-US" sz="900" u="sng" dirty="0" smtClean="0">
+                <a:solidFill>
+                  <a:schemeClr val="accent6">
+                    <a:lumMod val="75000"/>
+                  </a:schemeClr>
+                </a:solidFill>
+              </a:rPr>
+              <a:t>の</a:t>
+            </a:r>
+            <a:endParaRPr lang="en-US" altLang="ja-JP" sz="900" u="sng" dirty="0" smtClean="0">
+              <a:solidFill>
+                <a:schemeClr val="accent6">
+                  <a:lumMod val="75000"/>
+                </a:schemeClr>
+              </a:solidFill>
+            </a:endParaRPr>
+          </a:p>
+          <a:p>
+            <a:pPr algn="ctr"/>
+            <a:r>
+              <a:rPr kumimoji="1" lang="en-US" altLang="ja-JP" sz="900" u="sng" dirty="0" smtClean="0">
+                <a:solidFill>
+                  <a:schemeClr val="accent6">
+                    <a:lumMod val="75000"/>
+                  </a:schemeClr>
+                </a:solidFill>
+              </a:rPr>
+              <a:t>Windo</a:t>
+            </a:r>
+            <a:r>
+              <a:rPr kumimoji="1" lang="en-US" altLang="ja-JP" sz="900" u="sng" dirty="0">
+                <a:solidFill>
+                  <a:schemeClr val="accent6">
+                    <a:lumMod val="75000"/>
+                  </a:schemeClr>
+                </a:solidFill>
+              </a:rPr>
+              <a:t>w</a:t>
             </a:r>
             <a:endParaRPr kumimoji="1" lang="ja-JP" altLang="en-US" sz="900" u="sng" dirty="0">
               <a:solidFill>
@@ -35268,29 +35550,16 @@
           <a:p>
             <a:pPr algn="ctr"/>
             <a:r>
-              <a:rPr kumimoji="1" lang="en-US" altLang="ja-JP" sz="900" smtClean="0">
+              <a:rPr kumimoji="1" lang="ja-JP" altLang="en-US" sz="1200" dirty="0" smtClean="0">
                 <a:solidFill>
                   <a:schemeClr val="accent6">
                     <a:lumMod val="75000"/>
                   </a:schemeClr>
                 </a:solidFill>
               </a:rPr>
-              <a:t>Google</a:t>
-            </a:r>
-          </a:p>
-          <a:p>
-            <a:pPr algn="ctr"/>
-            <a:r>
-              <a:rPr lang="en-US" altLang="ja-JP" sz="900" smtClean="0">
-                <a:solidFill>
-                  <a:schemeClr val="accent6">
-                    <a:lumMod val="75000"/>
-                  </a:schemeClr>
-                </a:solidFill>
-              </a:rPr>
-              <a:t>Chrome</a:t>
-            </a:r>
-            <a:endParaRPr kumimoji="1" lang="ja-JP" altLang="en-US" sz="900" dirty="0">
+              <a:t>検索</a:t>
+            </a:r>
+            <a:endParaRPr kumimoji="1" lang="ja-JP" altLang="en-US" sz="1200" dirty="0">
               <a:solidFill>
                 <a:schemeClr val="accent6">
                   <a:lumMod val="75000"/>
@@ -35341,36 +35610,7 @@
           <a:lstStyle/>
           <a:p>
             <a:pPr algn="ctr"/>
-            <a:r>
-              <a:rPr lang="en-US" altLang="ja-JP" sz="900" smtClean="0">
-                <a:solidFill>
-                  <a:schemeClr val="accent6">
-                    <a:lumMod val="75000"/>
-                  </a:schemeClr>
-                </a:solidFill>
-              </a:rPr>
-              <a:t>Git</a:t>
-            </a:r>
-            <a:br>
-              <a:rPr lang="en-US" altLang="ja-JP" sz="900" smtClean="0">
-                <a:solidFill>
-                  <a:schemeClr val="accent6">
-                    <a:lumMod val="75000"/>
-                  </a:schemeClr>
-                </a:solidFill>
-              </a:rPr>
-            </a:br>
-            <a:r>
-              <a:rPr lang="en-US" altLang="ja-JP" sz="900" smtClean="0">
-                <a:solidFill>
-                  <a:schemeClr val="accent6">
-                    <a:lumMod val="75000"/>
-                  </a:schemeClr>
-                </a:solidFill>
-              </a:rPr>
-              <a:t>Hub</a:t>
-            </a:r>
-            <a:endParaRPr kumimoji="1" lang="ja-JP" altLang="en-US" sz="900" dirty="0">
+            <a:endParaRPr kumimoji="1" lang="ja-JP" altLang="en-US" sz="1400" dirty="0">
               <a:solidFill>
                 <a:schemeClr val="accent6">
                   <a:lumMod val="75000"/>
@@ -35421,30 +35661,7 @@
           <a:lstStyle/>
           <a:p>
             <a:pPr algn="ctr"/>
-            <a:r>
-              <a:rPr kumimoji="1" lang="en-US" altLang="ja-JP" sz="900" u="sng" smtClean="0">
-                <a:solidFill>
-                  <a:schemeClr val="accent6">
-                    <a:lumMod val="75000"/>
-                  </a:schemeClr>
-                </a:solidFill>
-              </a:rPr>
-              <a:t>Intelli</a:t>
-            </a:r>
-          </a:p>
-          <a:p>
-            <a:pPr algn="ctr"/>
-            <a:r>
-              <a:rPr lang="en-US" altLang="ja-JP" sz="900" u="sng">
-                <a:solidFill>
-                  <a:schemeClr val="accent6">
-                    <a:lumMod val="75000"/>
-                  </a:schemeClr>
-                </a:solidFill>
-              </a:rPr>
-              <a:t>J</a:t>
-            </a:r>
-            <a:endParaRPr kumimoji="1" lang="ja-JP" altLang="en-US" sz="900" u="sng" dirty="0">
+            <a:endParaRPr kumimoji="1" lang="en-US" altLang="ja-JP" sz="1400" u="sng" smtClean="0">
               <a:solidFill>
                 <a:schemeClr val="accent6">
                   <a:lumMod val="75000"/>
@@ -35495,17 +35712,11 @@
           <a:lstStyle/>
           <a:p>
             <a:pPr algn="ctr"/>
-            <a:r>
-              <a:rPr kumimoji="1" lang="en-US" altLang="ja-JP" sz="700" smtClean="0">
-                <a:solidFill>
-                  <a:schemeClr val="tx1"/>
-                </a:solidFill>
-              </a:rPr>
-              <a:t>Processing</a:t>
-            </a:r>
-            <a:endParaRPr kumimoji="1" lang="ja-JP" altLang="en-US" sz="700" dirty="0">
-              <a:solidFill>
-                <a:schemeClr val="tx1"/>
+            <a:endParaRPr kumimoji="1" lang="ja-JP" altLang="en-US" sz="1400" dirty="0">
+              <a:solidFill>
+                <a:schemeClr val="accent6">
+                  <a:lumMod val="75000"/>
+                </a:schemeClr>
               </a:solidFill>
             </a:endParaRPr>
           </a:p>
@@ -35552,17 +35763,11 @@
           <a:lstStyle/>
           <a:p>
             <a:pPr algn="ctr"/>
-            <a:r>
-              <a:rPr kumimoji="1" lang="en-US" altLang="ja-JP" sz="900" smtClean="0">
-                <a:solidFill>
-                  <a:schemeClr val="tx1"/>
-                </a:solidFill>
-              </a:rPr>
-              <a:t>LoL</a:t>
-            </a:r>
-            <a:endParaRPr kumimoji="1" lang="ja-JP" altLang="en-US" sz="900" dirty="0">
-              <a:solidFill>
-                <a:schemeClr val="tx1"/>
+            <a:endParaRPr kumimoji="1" lang="ja-JP" altLang="en-US" sz="1400" dirty="0">
+              <a:solidFill>
+                <a:schemeClr val="accent6">
+                  <a:lumMod val="75000"/>
+                </a:schemeClr>
               </a:solidFill>
             </a:endParaRPr>
           </a:p>
@@ -35609,7 +35814,13 @@
           <a:lstStyle/>
           <a:p>
             <a:pPr algn="ctr"/>
-            <a:endParaRPr kumimoji="1" lang="ja-JP" altLang="en-US" sz="900" dirty="0"/>
+            <a:endParaRPr kumimoji="1" lang="ja-JP" altLang="en-US" sz="1400" dirty="0">
+              <a:solidFill>
+                <a:schemeClr val="accent6">
+                  <a:lumMod val="75000"/>
+                </a:schemeClr>
+              </a:solidFill>
+            </a:endParaRPr>
           </a:p>
         </p:txBody>
       </p:sp>
@@ -35654,7 +35865,13 @@
           <a:lstStyle/>
           <a:p>
             <a:pPr algn="ctr"/>
-            <a:endParaRPr kumimoji="1" lang="ja-JP" altLang="en-US" sz="1000" dirty="0"/>
+            <a:endParaRPr kumimoji="1" lang="ja-JP" altLang="en-US" sz="1400" dirty="0">
+              <a:solidFill>
+                <a:schemeClr val="accent6">
+                  <a:lumMod val="75000"/>
+                </a:schemeClr>
+              </a:solidFill>
+            </a:endParaRPr>
           </a:p>
         </p:txBody>
       </p:sp>
@@ -35699,52 +35916,7 @@
           <a:lstStyle/>
           <a:p>
             <a:pPr algn="ctr"/>
-            <a:endParaRPr kumimoji="1" lang="ja-JP" altLang="en-US" sz="1000" dirty="0"/>
-          </a:p>
-        </p:txBody>
-      </p:sp>
-      <p:sp>
-        <p:nvSpPr>
-          <p:cNvPr id="50" name="角丸四角形 49"/>
-          <p:cNvSpPr/>
-          <p:nvPr/>
-        </p:nvSpPr>
-        <p:spPr>
-          <a:xfrm>
-            <a:off x="1794537" y="4947254"/>
-            <a:ext cx="464588" cy="465380"/>
-          </a:xfrm>
-          <a:prstGeom prst="roundRect">
-            <a:avLst/>
-          </a:prstGeom>
-          <a:ln>
-            <a:solidFill>
-              <a:schemeClr val="accent6">
-                <a:lumMod val="75000"/>
-              </a:schemeClr>
-            </a:solidFill>
-          </a:ln>
-        </p:spPr>
-        <p:style>
-          <a:lnRef idx="2">
-            <a:schemeClr val="accent6"/>
-          </a:lnRef>
-          <a:fillRef idx="1">
-            <a:schemeClr val="lt1"/>
-          </a:fillRef>
-          <a:effectRef idx="0">
-            <a:schemeClr val="accent6"/>
-          </a:effectRef>
-          <a:fontRef idx="minor">
-            <a:schemeClr val="dk1"/>
-          </a:fontRef>
-        </p:style>
-        <p:txBody>
-          <a:bodyPr wrap="none" rtlCol="0" anchor="ctr"/>
-          <a:lstStyle/>
-          <a:p>
-            <a:pPr algn="ctr"/>
-            <a:endParaRPr kumimoji="1" lang="ja-JP" altLang="en-US" sz="1000" dirty="0">
+            <a:endParaRPr kumimoji="1" lang="ja-JP" altLang="en-US" sz="1400" dirty="0">
               <a:solidFill>
                 <a:schemeClr val="accent6">
                   <a:lumMod val="75000"/>
@@ -35756,524 +35928,14 @@
       </p:sp>
       <p:sp>
         <p:nvSpPr>
-          <p:cNvPr id="51" name="角丸四角形 50"/>
-          <p:cNvSpPr/>
-          <p:nvPr/>
-        </p:nvSpPr>
-        <p:spPr>
-          <a:xfrm>
-            <a:off x="2331118" y="4947254"/>
-            <a:ext cx="464588" cy="465380"/>
-          </a:xfrm>
-          <a:prstGeom prst="roundRect">
-            <a:avLst/>
-          </a:prstGeom>
-          <a:ln>
-            <a:solidFill>
-              <a:schemeClr val="accent6">
-                <a:lumMod val="75000"/>
-              </a:schemeClr>
-            </a:solidFill>
-          </a:ln>
-        </p:spPr>
-        <p:style>
-          <a:lnRef idx="2">
-            <a:schemeClr val="accent6"/>
-          </a:lnRef>
-          <a:fillRef idx="1">
-            <a:schemeClr val="lt1"/>
-          </a:fillRef>
-          <a:effectRef idx="0">
-            <a:schemeClr val="accent6"/>
-          </a:effectRef>
-          <a:fontRef idx="minor">
-            <a:schemeClr val="dk1"/>
-          </a:fontRef>
-        </p:style>
-        <p:txBody>
-          <a:bodyPr wrap="none" rtlCol="0" anchor="ctr"/>
-          <a:lstStyle/>
-          <a:p>
-            <a:pPr algn="ctr"/>
-            <a:endParaRPr kumimoji="1" lang="ja-JP" altLang="en-US" sz="1000" dirty="0">
-              <a:solidFill>
-                <a:schemeClr val="accent6">
-                  <a:lumMod val="75000"/>
-                </a:schemeClr>
-              </a:solidFill>
-            </a:endParaRPr>
-          </a:p>
-        </p:txBody>
-      </p:sp>
-      <p:sp>
-        <p:nvSpPr>
-          <p:cNvPr id="52" name="角丸四角形 51"/>
-          <p:cNvSpPr/>
-          <p:nvPr/>
-        </p:nvSpPr>
-        <p:spPr>
-          <a:xfrm>
-            <a:off x="2867699" y="4947254"/>
-            <a:ext cx="464588" cy="465380"/>
-          </a:xfrm>
-          <a:prstGeom prst="roundRect">
-            <a:avLst/>
-          </a:prstGeom>
-          <a:ln>
-            <a:solidFill>
-              <a:schemeClr val="accent6">
-                <a:lumMod val="75000"/>
-              </a:schemeClr>
-            </a:solidFill>
-          </a:ln>
-        </p:spPr>
-        <p:style>
-          <a:lnRef idx="2">
-            <a:schemeClr val="accent6"/>
-          </a:lnRef>
-          <a:fillRef idx="1">
-            <a:schemeClr val="lt1"/>
-          </a:fillRef>
-          <a:effectRef idx="0">
-            <a:schemeClr val="accent6"/>
-          </a:effectRef>
-          <a:fontRef idx="minor">
-            <a:schemeClr val="dk1"/>
-          </a:fontRef>
-        </p:style>
-        <p:txBody>
-          <a:bodyPr wrap="none" rtlCol="0" anchor="ctr"/>
-          <a:lstStyle/>
-          <a:p>
-            <a:pPr algn="ctr"/>
-            <a:endParaRPr kumimoji="1" lang="ja-JP" altLang="en-US" sz="1000" dirty="0">
-              <a:solidFill>
-                <a:schemeClr val="accent6">
-                  <a:lumMod val="75000"/>
-                </a:schemeClr>
-              </a:solidFill>
-            </a:endParaRPr>
-          </a:p>
-        </p:txBody>
-      </p:sp>
-      <p:sp>
-        <p:nvSpPr>
-          <p:cNvPr id="53" name="角丸四角形 52"/>
-          <p:cNvSpPr/>
-          <p:nvPr/>
-        </p:nvSpPr>
-        <p:spPr>
-          <a:xfrm>
-            <a:off x="3404280" y="4947254"/>
-            <a:ext cx="464588" cy="465380"/>
-          </a:xfrm>
-          <a:prstGeom prst="roundRect">
-            <a:avLst/>
-          </a:prstGeom>
-          <a:ln>
-            <a:solidFill>
-              <a:schemeClr val="accent6">
-                <a:lumMod val="75000"/>
-              </a:schemeClr>
-            </a:solidFill>
-          </a:ln>
-        </p:spPr>
-        <p:style>
-          <a:lnRef idx="2">
-            <a:schemeClr val="accent6"/>
-          </a:lnRef>
-          <a:fillRef idx="1">
-            <a:schemeClr val="lt1"/>
-          </a:fillRef>
-          <a:effectRef idx="0">
-            <a:schemeClr val="accent6"/>
-          </a:effectRef>
-          <a:fontRef idx="minor">
-            <a:schemeClr val="dk1"/>
-          </a:fontRef>
-        </p:style>
-        <p:txBody>
-          <a:bodyPr wrap="none" rtlCol="0" anchor="ctr"/>
-          <a:lstStyle/>
-          <a:p>
-            <a:pPr algn="ctr"/>
-            <a:endParaRPr kumimoji="1" lang="ja-JP" altLang="en-US" sz="1000" dirty="0">
-              <a:solidFill>
-                <a:schemeClr val="accent6">
-                  <a:lumMod val="75000"/>
-                </a:schemeClr>
-              </a:solidFill>
-            </a:endParaRPr>
-          </a:p>
-        </p:txBody>
-      </p:sp>
-      <p:sp>
-        <p:nvSpPr>
-          <p:cNvPr id="54" name="角丸四角形 53"/>
-          <p:cNvSpPr/>
-          <p:nvPr/>
-        </p:nvSpPr>
-        <p:spPr>
-          <a:xfrm>
-            <a:off x="3940861" y="4947254"/>
-            <a:ext cx="464588" cy="465380"/>
-          </a:xfrm>
-          <a:prstGeom prst="roundRect">
-            <a:avLst/>
-          </a:prstGeom>
-          <a:ln>
-            <a:solidFill>
-              <a:schemeClr val="accent6">
-                <a:lumMod val="75000"/>
-              </a:schemeClr>
-            </a:solidFill>
-          </a:ln>
-        </p:spPr>
-        <p:style>
-          <a:lnRef idx="2">
-            <a:schemeClr val="accent6"/>
-          </a:lnRef>
-          <a:fillRef idx="1">
-            <a:schemeClr val="lt1"/>
-          </a:fillRef>
-          <a:effectRef idx="0">
-            <a:schemeClr val="accent6"/>
-          </a:effectRef>
-          <a:fontRef idx="minor">
-            <a:schemeClr val="dk1"/>
-          </a:fontRef>
-        </p:style>
-        <p:txBody>
-          <a:bodyPr wrap="none" rtlCol="0" anchor="ctr"/>
-          <a:lstStyle/>
-          <a:p>
-            <a:pPr algn="ctr"/>
-            <a:endParaRPr kumimoji="1" lang="ja-JP" altLang="en-US" sz="900" dirty="0">
-              <a:solidFill>
-                <a:schemeClr val="accent6">
-                  <a:lumMod val="75000"/>
-                </a:schemeClr>
-              </a:solidFill>
-            </a:endParaRPr>
-          </a:p>
-        </p:txBody>
-      </p:sp>
-      <p:sp>
-        <p:nvSpPr>
-          <p:cNvPr id="55" name="角丸四角形 54"/>
-          <p:cNvSpPr/>
-          <p:nvPr/>
-        </p:nvSpPr>
-        <p:spPr>
-          <a:xfrm>
-            <a:off x="4477442" y="4947254"/>
-            <a:ext cx="464588" cy="465380"/>
-          </a:xfrm>
-          <a:prstGeom prst="roundRect">
-            <a:avLst/>
-          </a:prstGeom>
-          <a:ln>
-            <a:solidFill>
-              <a:schemeClr val="accent6">
-                <a:lumMod val="75000"/>
-              </a:schemeClr>
-            </a:solidFill>
-          </a:ln>
-        </p:spPr>
-        <p:style>
-          <a:lnRef idx="2">
-            <a:schemeClr val="accent6"/>
-          </a:lnRef>
-          <a:fillRef idx="1">
-            <a:schemeClr val="lt1"/>
-          </a:fillRef>
-          <a:effectRef idx="0">
-            <a:schemeClr val="accent6"/>
-          </a:effectRef>
-          <a:fontRef idx="minor">
-            <a:schemeClr val="dk1"/>
-          </a:fontRef>
-        </p:style>
-        <p:txBody>
-          <a:bodyPr wrap="none" rtlCol="0" anchor="ctr"/>
-          <a:lstStyle/>
-          <a:p>
-            <a:pPr algn="ctr"/>
-            <a:r>
-              <a:rPr lang="en-US" altLang="ja-JP" sz="900" dirty="0" smtClean="0">
-                <a:solidFill>
-                  <a:schemeClr val="accent6">
-                    <a:lumMod val="75000"/>
-                  </a:schemeClr>
-                </a:solidFill>
-              </a:rPr>
-              <a:t>Notepad</a:t>
-            </a:r>
-            <a:endParaRPr lang="ja-JP" altLang="en-US" sz="900" dirty="0">
-              <a:solidFill>
-                <a:schemeClr val="accent6">
-                  <a:lumMod val="75000"/>
-                </a:schemeClr>
-              </a:solidFill>
-            </a:endParaRPr>
-          </a:p>
-        </p:txBody>
-      </p:sp>
-      <p:sp>
-        <p:nvSpPr>
-          <p:cNvPr id="56" name="角丸四角形 55"/>
-          <p:cNvSpPr/>
-          <p:nvPr/>
-        </p:nvSpPr>
-        <p:spPr>
-          <a:xfrm>
-            <a:off x="5014023" y="4947254"/>
-            <a:ext cx="464588" cy="465380"/>
-          </a:xfrm>
-          <a:prstGeom prst="roundRect">
-            <a:avLst/>
-          </a:prstGeom>
-          <a:ln>
-            <a:solidFill>
-              <a:schemeClr val="accent6">
-                <a:lumMod val="75000"/>
-              </a:schemeClr>
-            </a:solidFill>
-          </a:ln>
-        </p:spPr>
-        <p:style>
-          <a:lnRef idx="2">
-            <a:schemeClr val="accent6"/>
-          </a:lnRef>
-          <a:fillRef idx="1">
-            <a:schemeClr val="lt1"/>
-          </a:fillRef>
-          <a:effectRef idx="0">
-            <a:schemeClr val="accent6"/>
-          </a:effectRef>
-          <a:fontRef idx="minor">
-            <a:schemeClr val="dk1"/>
-          </a:fontRef>
-        </p:style>
-        <p:txBody>
-          <a:bodyPr wrap="none" rtlCol="0" anchor="ctr"/>
-          <a:lstStyle/>
-          <a:p>
-            <a:pPr algn="ctr"/>
-            <a:endParaRPr kumimoji="1" lang="ja-JP" altLang="en-US" sz="1000" dirty="0">
-              <a:solidFill>
-                <a:schemeClr val="accent6">
-                  <a:lumMod val="75000"/>
-                </a:schemeClr>
-              </a:solidFill>
-            </a:endParaRPr>
-          </a:p>
-        </p:txBody>
-      </p:sp>
-      <p:sp>
-        <p:nvSpPr>
-          <p:cNvPr id="57" name="角丸四角形 56"/>
-          <p:cNvSpPr/>
-          <p:nvPr/>
-        </p:nvSpPr>
-        <p:spPr>
-          <a:xfrm>
-            <a:off x="5550604" y="4947254"/>
-            <a:ext cx="464588" cy="465380"/>
-          </a:xfrm>
-          <a:prstGeom prst="roundRect">
-            <a:avLst/>
-          </a:prstGeom>
-          <a:ln>
-            <a:solidFill>
-              <a:schemeClr val="accent6">
-                <a:lumMod val="75000"/>
-              </a:schemeClr>
-            </a:solidFill>
-          </a:ln>
-        </p:spPr>
-        <p:style>
-          <a:lnRef idx="2">
-            <a:schemeClr val="accent6"/>
-          </a:lnRef>
-          <a:fillRef idx="1">
-            <a:schemeClr val="lt1"/>
-          </a:fillRef>
-          <a:effectRef idx="0">
-            <a:schemeClr val="accent6"/>
-          </a:effectRef>
-          <a:fontRef idx="minor">
-            <a:schemeClr val="dk1"/>
-          </a:fontRef>
-        </p:style>
-        <p:txBody>
-          <a:bodyPr wrap="none" rtlCol="0" anchor="ctr"/>
-          <a:lstStyle/>
-          <a:p>
-            <a:pPr algn="ctr"/>
-            <a:endParaRPr kumimoji="1" lang="ja-JP" altLang="en-US" sz="1000" dirty="0">
-              <a:solidFill>
-                <a:schemeClr val="accent6">
-                  <a:lumMod val="75000"/>
-                </a:schemeClr>
-              </a:solidFill>
-            </a:endParaRPr>
-          </a:p>
-        </p:txBody>
-      </p:sp>
-      <p:sp>
-        <p:nvSpPr>
-          <p:cNvPr id="58" name="角丸四角形 57"/>
-          <p:cNvSpPr/>
-          <p:nvPr/>
-        </p:nvSpPr>
-        <p:spPr>
-          <a:xfrm>
-            <a:off x="6087185" y="4947254"/>
-            <a:ext cx="464588" cy="465380"/>
-          </a:xfrm>
-          <a:prstGeom prst="roundRect">
-            <a:avLst/>
-          </a:prstGeom>
-          <a:ln>
-            <a:solidFill>
-              <a:schemeClr val="accent6">
-                <a:lumMod val="75000"/>
-              </a:schemeClr>
-            </a:solidFill>
-          </a:ln>
-        </p:spPr>
-        <p:style>
-          <a:lnRef idx="2">
-            <a:schemeClr val="accent6"/>
-          </a:lnRef>
-          <a:fillRef idx="1">
-            <a:schemeClr val="lt1"/>
-          </a:fillRef>
-          <a:effectRef idx="0">
-            <a:schemeClr val="accent6"/>
-          </a:effectRef>
-          <a:fontRef idx="minor">
-            <a:schemeClr val="dk1"/>
-          </a:fontRef>
-        </p:style>
-        <p:txBody>
-          <a:bodyPr wrap="none" rtlCol="0" anchor="ctr"/>
-          <a:lstStyle/>
-          <a:p>
-            <a:pPr algn="ctr"/>
-            <a:endParaRPr kumimoji="1" lang="ja-JP" altLang="en-US" sz="1000" dirty="0">
-              <a:solidFill>
-                <a:schemeClr val="accent6">
-                  <a:lumMod val="75000"/>
-                </a:schemeClr>
-              </a:solidFill>
-            </a:endParaRPr>
-          </a:p>
-        </p:txBody>
-      </p:sp>
-      <p:sp>
-        <p:nvSpPr>
-          <p:cNvPr id="59" name="角丸四角形 58"/>
-          <p:cNvSpPr/>
-          <p:nvPr/>
-        </p:nvSpPr>
-        <p:spPr>
-          <a:xfrm>
-            <a:off x="6623766" y="4947254"/>
-            <a:ext cx="464588" cy="465380"/>
-          </a:xfrm>
-          <a:prstGeom prst="roundRect">
-            <a:avLst/>
-          </a:prstGeom>
-          <a:ln>
-            <a:solidFill>
-              <a:schemeClr val="accent6">
-                <a:lumMod val="75000"/>
-              </a:schemeClr>
-            </a:solidFill>
-          </a:ln>
-        </p:spPr>
-        <p:style>
-          <a:lnRef idx="2">
-            <a:schemeClr val="accent6"/>
-          </a:lnRef>
-          <a:fillRef idx="1">
-            <a:schemeClr val="lt1"/>
-          </a:fillRef>
-          <a:effectRef idx="0">
-            <a:schemeClr val="accent6"/>
-          </a:effectRef>
-          <a:fontRef idx="minor">
-            <a:schemeClr val="dk1"/>
-          </a:fontRef>
-        </p:style>
-        <p:txBody>
-          <a:bodyPr wrap="none" rtlCol="0" anchor="ctr"/>
-          <a:lstStyle/>
-          <a:p>
-            <a:pPr algn="ctr"/>
-            <a:endParaRPr kumimoji="1" lang="ja-JP" altLang="en-US" sz="1000" dirty="0">
-              <a:solidFill>
-                <a:schemeClr val="accent6">
-                  <a:lumMod val="75000"/>
-                </a:schemeClr>
-              </a:solidFill>
-            </a:endParaRPr>
-          </a:p>
-        </p:txBody>
-      </p:sp>
-      <p:sp>
-        <p:nvSpPr>
-          <p:cNvPr id="68" name="角丸四角形 67"/>
-          <p:cNvSpPr/>
-          <p:nvPr/>
-        </p:nvSpPr>
-        <p:spPr>
-          <a:xfrm>
-            <a:off x="1900793" y="5473034"/>
-            <a:ext cx="749080" cy="465380"/>
-          </a:xfrm>
-          <a:prstGeom prst="roundRect">
-            <a:avLst/>
-          </a:prstGeom>
-          <a:solidFill>
-            <a:schemeClr val="accent6"/>
-          </a:solidFill>
-        </p:spPr>
-        <p:style>
-          <a:lnRef idx="2">
-            <a:schemeClr val="accent6"/>
-          </a:lnRef>
-          <a:fillRef idx="1">
-            <a:schemeClr val="lt1"/>
-          </a:fillRef>
-          <a:effectRef idx="0">
-            <a:schemeClr val="accent6"/>
-          </a:effectRef>
-          <a:fontRef idx="minor">
-            <a:schemeClr val="dk1"/>
-          </a:fontRef>
-        </p:style>
-        <p:txBody>
-          <a:bodyPr wrap="none" rtlCol="0" anchor="ctr"/>
-          <a:lstStyle/>
-          <a:p>
-            <a:pPr algn="ctr"/>
-            <a:endParaRPr kumimoji="1" lang="ja-JP" altLang="en-US" sz="800" dirty="0"/>
-          </a:p>
-        </p:txBody>
-      </p:sp>
-      <p:sp>
-        <p:nvSpPr>
-          <p:cNvPr id="70" name="角丸四角形 69"/>
-          <p:cNvSpPr/>
-          <p:nvPr/>
-        </p:nvSpPr>
-        <p:spPr>
-          <a:xfrm>
-            <a:off x="5941352" y="5473034"/>
-            <a:ext cx="710750" cy="465380"/>
+          <p:cNvPr id="49" name="角丸四角形 48"/>
+          <p:cNvSpPr/>
+          <p:nvPr/>
+        </p:nvSpPr>
+        <p:spPr>
+          <a:xfrm>
+            <a:off x="569441" y="4421474"/>
+            <a:ext cx="905658" cy="465380"/>
           </a:xfrm>
           <a:prstGeom prst="roundRect">
             <a:avLst/>
@@ -36306,28 +35968,27 @@
           <a:lstStyle/>
           <a:p>
             <a:pPr algn="ctr"/>
-            <a:endParaRPr kumimoji="1" lang="ja-JP" altLang="en-US" sz="800" dirty="0"/>
-          </a:p>
-        </p:txBody>
-      </p:sp>
-      <p:sp>
-        <p:nvSpPr>
-          <p:cNvPr id="60" name="正方形/長方形 59"/>
-          <p:cNvSpPr/>
-          <p:nvPr/>
-        </p:nvSpPr>
-        <p:spPr>
-          <a:xfrm>
-            <a:off x="1080438" y="3347135"/>
-            <a:ext cx="5366082" cy="521472"/>
-          </a:xfrm>
-          <a:prstGeom prst="rect">
-            <a:avLst/>
-          </a:prstGeom>
-          <a:noFill/>
+            <a:endParaRPr kumimoji="1" lang="ja-JP" altLang="en-US" sz="1400" dirty="0"/>
+          </a:p>
+        </p:txBody>
+      </p:sp>
+      <p:sp>
+        <p:nvSpPr>
+          <p:cNvPr id="50" name="角丸四角形 49"/>
+          <p:cNvSpPr/>
+          <p:nvPr/>
+        </p:nvSpPr>
+        <p:spPr>
+          <a:xfrm>
+            <a:off x="1794537" y="4947254"/>
+            <a:ext cx="464588" cy="465380"/>
+          </a:xfrm>
+          <a:prstGeom prst="roundRect">
+            <a:avLst/>
+          </a:prstGeom>
           <a:ln>
             <a:solidFill>
-              <a:schemeClr val="accent2">
+              <a:schemeClr val="accent6">
                 <a:lumMod val="75000"/>
               </a:schemeClr>
             </a:solidFill>
@@ -36335,152 +35996,556 @@
         </p:spPr>
         <p:style>
           <a:lnRef idx="2">
-            <a:schemeClr val="accent1">
-              <a:shade val="50000"/>
-            </a:schemeClr>
-          </a:lnRef>
-          <a:fillRef idx="1">
-            <a:schemeClr val="accent1"/>
-          </a:fillRef>
-          <a:effectRef idx="0">
-            <a:schemeClr val="accent1"/>
-          </a:effectRef>
-          <a:fontRef idx="minor">
-            <a:schemeClr val="lt1"/>
-          </a:fontRef>
-        </p:style>
-        <p:txBody>
-          <a:bodyPr rtlCol="0" anchor="ctr"/>
-          <a:lstStyle/>
-          <a:p>
-            <a:pPr algn="ctr"/>
-            <a:endParaRPr kumimoji="1" lang="ja-JP" altLang="en-US"/>
-          </a:p>
-        </p:txBody>
-      </p:sp>
-      <p:cxnSp>
-        <p:nvCxnSpPr>
-          <p:cNvPr id="61" name="直線矢印コネクタ 60"/>
-          <p:cNvCxnSpPr>
-            <a:stCxn id="62" idx="1"/>
-            <a:endCxn id="60" idx="0"/>
-          </p:cNvCxnSpPr>
-          <p:nvPr/>
-        </p:nvCxnSpPr>
-        <p:spPr>
-          <a:xfrm flipH="1">
-            <a:off x="3763479" y="2797323"/>
-            <a:ext cx="835728" cy="549812"/>
-          </a:xfrm>
-          <a:prstGeom prst="straightConnector1">
+            <a:schemeClr val="accent6"/>
+          </a:lnRef>
+          <a:fillRef idx="1">
+            <a:schemeClr val="lt1"/>
+          </a:fillRef>
+          <a:effectRef idx="0">
+            <a:schemeClr val="accent6"/>
+          </a:effectRef>
+          <a:fontRef idx="minor">
+            <a:schemeClr val="dk1"/>
+          </a:fontRef>
+        </p:style>
+        <p:txBody>
+          <a:bodyPr wrap="none" rtlCol="0" anchor="ctr"/>
+          <a:lstStyle/>
+          <a:p>
+            <a:pPr algn="ctr"/>
+            <a:endParaRPr kumimoji="1" lang="ja-JP" altLang="en-US" sz="1400" dirty="0">
+              <a:solidFill>
+                <a:schemeClr val="accent6">
+                  <a:lumMod val="75000"/>
+                </a:schemeClr>
+              </a:solidFill>
+            </a:endParaRPr>
+          </a:p>
+        </p:txBody>
+      </p:sp>
+      <p:sp>
+        <p:nvSpPr>
+          <p:cNvPr id="51" name="角丸四角形 50"/>
+          <p:cNvSpPr/>
+          <p:nvPr/>
+        </p:nvSpPr>
+        <p:spPr>
+          <a:xfrm>
+            <a:off x="2331118" y="4947254"/>
+            <a:ext cx="464588" cy="465380"/>
+          </a:xfrm>
+          <a:prstGeom prst="roundRect">
             <a:avLst/>
           </a:prstGeom>
           <a:ln>
             <a:solidFill>
-              <a:schemeClr val="accent2">
+              <a:schemeClr val="accent6">
                 <a:lumMod val="75000"/>
               </a:schemeClr>
             </a:solidFill>
-            <a:tailEnd type="triangle"/>
           </a:ln>
         </p:spPr>
         <p:style>
-          <a:lnRef idx="1">
-            <a:schemeClr val="accent1"/>
-          </a:lnRef>
-          <a:fillRef idx="0">
-            <a:schemeClr val="accent1"/>
-          </a:fillRef>
-          <a:effectRef idx="0">
-            <a:schemeClr val="accent1"/>
-          </a:effectRef>
-          <a:fontRef idx="minor">
-            <a:schemeClr val="tx1"/>
-          </a:fontRef>
-        </p:style>
-      </p:cxnSp>
-      <p:sp>
-        <p:nvSpPr>
-          <p:cNvPr id="62" name="テキスト ボックス 61"/>
-          <p:cNvSpPr txBox="1"/>
-          <p:nvPr/>
-        </p:nvSpPr>
-        <p:spPr>
-          <a:xfrm>
-            <a:off x="4599207" y="2612657"/>
-            <a:ext cx="3479735" cy="369332"/>
-          </a:xfrm>
-          <a:prstGeom prst="rect">
-            <a:avLst/>
-          </a:prstGeom>
-          <a:noFill/>
-        </p:spPr>
-        <p:txBody>
-          <a:bodyPr wrap="none" rtlCol="0">
-            <a:spAutoFit/>
-          </a:bodyPr>
-          <a:lstStyle/>
-          <a:p>
-            <a:r>
-              <a:rPr kumimoji="1" lang="en-US" altLang="ja-JP" dirty="0" smtClean="0">
-                <a:solidFill>
-                  <a:schemeClr val="accent2">
-                    <a:lumMod val="75000"/>
-                  </a:schemeClr>
-                </a:solidFill>
-              </a:rPr>
-              <a:t>+Shift</a:t>
-            </a:r>
-            <a:r>
-              <a:rPr kumimoji="1" lang="ja-JP" altLang="en-US" dirty="0" smtClean="0">
-                <a:solidFill>
-                  <a:schemeClr val="accent2">
-                    <a:lumMod val="75000"/>
-                  </a:schemeClr>
-                </a:solidFill>
-              </a:rPr>
-              <a:t>で</a:t>
-            </a:r>
-            <a:r>
-              <a:rPr lang="ja-JP" altLang="en-US" dirty="0" smtClean="0">
-                <a:solidFill>
-                  <a:schemeClr val="accent2">
-                    <a:lumMod val="75000"/>
-                  </a:schemeClr>
-                </a:solidFill>
-              </a:rPr>
-              <a:t>登録</a:t>
-            </a:r>
-            <a:r>
-              <a:rPr lang="en-US" altLang="ja-JP" dirty="0" smtClean="0">
-                <a:solidFill>
-                  <a:schemeClr val="accent2">
-                    <a:lumMod val="75000"/>
-                  </a:schemeClr>
-                </a:solidFill>
-              </a:rPr>
-              <a:t>(on Explorer Window)</a:t>
-            </a:r>
-            <a:endParaRPr kumimoji="1" lang="ja-JP" altLang="en-US" dirty="0">
-              <a:solidFill>
-                <a:schemeClr val="accent2">
+          <a:lnRef idx="2">
+            <a:schemeClr val="accent6"/>
+          </a:lnRef>
+          <a:fillRef idx="1">
+            <a:schemeClr val="lt1"/>
+          </a:fillRef>
+          <a:effectRef idx="0">
+            <a:schemeClr val="accent6"/>
+          </a:effectRef>
+          <a:fontRef idx="minor">
+            <a:schemeClr val="dk1"/>
+          </a:fontRef>
+        </p:style>
+        <p:txBody>
+          <a:bodyPr wrap="none" rtlCol="0" anchor="ctr"/>
+          <a:lstStyle/>
+          <a:p>
+            <a:pPr algn="ctr"/>
+            <a:endParaRPr kumimoji="1" lang="ja-JP" altLang="en-US" sz="1400" dirty="0">
+              <a:solidFill>
+                <a:schemeClr val="accent6">
                   <a:lumMod val="75000"/>
                 </a:schemeClr>
               </a:solidFill>
             </a:endParaRPr>
+          </a:p>
+        </p:txBody>
+      </p:sp>
+      <p:sp>
+        <p:nvSpPr>
+          <p:cNvPr id="52" name="角丸四角形 51"/>
+          <p:cNvSpPr/>
+          <p:nvPr/>
+        </p:nvSpPr>
+        <p:spPr>
+          <a:xfrm>
+            <a:off x="2867699" y="4947254"/>
+            <a:ext cx="464588" cy="465380"/>
+          </a:xfrm>
+          <a:prstGeom prst="roundRect">
+            <a:avLst/>
+          </a:prstGeom>
+          <a:ln>
+            <a:solidFill>
+              <a:schemeClr val="accent6">
+                <a:lumMod val="75000"/>
+              </a:schemeClr>
+            </a:solidFill>
+          </a:ln>
+        </p:spPr>
+        <p:style>
+          <a:lnRef idx="2">
+            <a:schemeClr val="accent6"/>
+          </a:lnRef>
+          <a:fillRef idx="1">
+            <a:schemeClr val="lt1"/>
+          </a:fillRef>
+          <a:effectRef idx="0">
+            <a:schemeClr val="accent6"/>
+          </a:effectRef>
+          <a:fontRef idx="minor">
+            <a:schemeClr val="dk1"/>
+          </a:fontRef>
+        </p:style>
+        <p:txBody>
+          <a:bodyPr wrap="none" rtlCol="0" anchor="ctr"/>
+          <a:lstStyle/>
+          <a:p>
+            <a:pPr algn="ctr"/>
+            <a:endParaRPr kumimoji="1" lang="ja-JP" altLang="en-US" sz="1400" dirty="0">
+              <a:solidFill>
+                <a:schemeClr val="accent6">
+                  <a:lumMod val="75000"/>
+                </a:schemeClr>
+              </a:solidFill>
+            </a:endParaRPr>
+          </a:p>
+        </p:txBody>
+      </p:sp>
+      <p:sp>
+        <p:nvSpPr>
+          <p:cNvPr id="53" name="角丸四角形 52"/>
+          <p:cNvSpPr/>
+          <p:nvPr/>
+        </p:nvSpPr>
+        <p:spPr>
+          <a:xfrm>
+            <a:off x="3404280" y="4947254"/>
+            <a:ext cx="464588" cy="465380"/>
+          </a:xfrm>
+          <a:prstGeom prst="roundRect">
+            <a:avLst/>
+          </a:prstGeom>
+          <a:ln>
+            <a:solidFill>
+              <a:schemeClr val="accent6">
+                <a:lumMod val="75000"/>
+              </a:schemeClr>
+            </a:solidFill>
+          </a:ln>
+        </p:spPr>
+        <p:style>
+          <a:lnRef idx="2">
+            <a:schemeClr val="accent6"/>
+          </a:lnRef>
+          <a:fillRef idx="1">
+            <a:schemeClr val="lt1"/>
+          </a:fillRef>
+          <a:effectRef idx="0">
+            <a:schemeClr val="accent6"/>
+          </a:effectRef>
+          <a:fontRef idx="minor">
+            <a:schemeClr val="dk1"/>
+          </a:fontRef>
+        </p:style>
+        <p:txBody>
+          <a:bodyPr wrap="none" rtlCol="0" anchor="ctr"/>
+          <a:lstStyle/>
+          <a:p>
+            <a:pPr algn="ctr"/>
+            <a:endParaRPr kumimoji="1" lang="ja-JP" altLang="en-US" sz="1400" dirty="0">
+              <a:solidFill>
+                <a:schemeClr val="accent6">
+                  <a:lumMod val="75000"/>
+                </a:schemeClr>
+              </a:solidFill>
+            </a:endParaRPr>
+          </a:p>
+        </p:txBody>
+      </p:sp>
+      <p:sp>
+        <p:nvSpPr>
+          <p:cNvPr id="54" name="角丸四角形 53"/>
+          <p:cNvSpPr/>
+          <p:nvPr/>
+        </p:nvSpPr>
+        <p:spPr>
+          <a:xfrm>
+            <a:off x="3940861" y="4947254"/>
+            <a:ext cx="464588" cy="465380"/>
+          </a:xfrm>
+          <a:prstGeom prst="roundRect">
+            <a:avLst/>
+          </a:prstGeom>
+          <a:ln>
+            <a:solidFill>
+              <a:schemeClr val="accent6">
+                <a:lumMod val="75000"/>
+              </a:schemeClr>
+            </a:solidFill>
+          </a:ln>
+        </p:spPr>
+        <p:style>
+          <a:lnRef idx="2">
+            <a:schemeClr val="accent6"/>
+          </a:lnRef>
+          <a:fillRef idx="1">
+            <a:schemeClr val="lt1"/>
+          </a:fillRef>
+          <a:effectRef idx="0">
+            <a:schemeClr val="accent6"/>
+          </a:effectRef>
+          <a:fontRef idx="minor">
+            <a:schemeClr val="dk1"/>
+          </a:fontRef>
+        </p:style>
+        <p:txBody>
+          <a:bodyPr wrap="none" rtlCol="0" anchor="ctr"/>
+          <a:lstStyle/>
+          <a:p>
+            <a:pPr algn="ctr"/>
+            <a:endParaRPr kumimoji="1" lang="ja-JP" altLang="en-US" sz="1400" dirty="0">
+              <a:solidFill>
+                <a:schemeClr val="accent6">
+                  <a:lumMod val="75000"/>
+                </a:schemeClr>
+              </a:solidFill>
+            </a:endParaRPr>
+          </a:p>
+        </p:txBody>
+      </p:sp>
+      <p:sp>
+        <p:nvSpPr>
+          <p:cNvPr id="55" name="角丸四角形 54"/>
+          <p:cNvSpPr/>
+          <p:nvPr/>
+        </p:nvSpPr>
+        <p:spPr>
+          <a:xfrm>
+            <a:off x="4477442" y="4947254"/>
+            <a:ext cx="464588" cy="465380"/>
+          </a:xfrm>
+          <a:prstGeom prst="roundRect">
+            <a:avLst/>
+          </a:prstGeom>
+          <a:ln>
+            <a:solidFill>
+              <a:schemeClr val="accent6">
+                <a:lumMod val="75000"/>
+              </a:schemeClr>
+            </a:solidFill>
+          </a:ln>
+        </p:spPr>
+        <p:style>
+          <a:lnRef idx="2">
+            <a:schemeClr val="accent6"/>
+          </a:lnRef>
+          <a:fillRef idx="1">
+            <a:schemeClr val="lt1"/>
+          </a:fillRef>
+          <a:effectRef idx="0">
+            <a:schemeClr val="accent6"/>
+          </a:effectRef>
+          <a:fontRef idx="minor">
+            <a:schemeClr val="dk1"/>
+          </a:fontRef>
+        </p:style>
+        <p:txBody>
+          <a:bodyPr wrap="none" rtlCol="0" anchor="ctr"/>
+          <a:lstStyle/>
+          <a:p>
+            <a:pPr algn="ctr"/>
+            <a:endParaRPr kumimoji="1" lang="ja-JP" altLang="en-US" sz="1400" dirty="0">
+              <a:solidFill>
+                <a:schemeClr val="accent6">
+                  <a:lumMod val="75000"/>
+                </a:schemeClr>
+              </a:solidFill>
+            </a:endParaRPr>
+          </a:p>
+        </p:txBody>
+      </p:sp>
+      <p:sp>
+        <p:nvSpPr>
+          <p:cNvPr id="56" name="角丸四角形 55"/>
+          <p:cNvSpPr/>
+          <p:nvPr/>
+        </p:nvSpPr>
+        <p:spPr>
+          <a:xfrm>
+            <a:off x="5014023" y="4947254"/>
+            <a:ext cx="464588" cy="465380"/>
+          </a:xfrm>
+          <a:prstGeom prst="roundRect">
+            <a:avLst/>
+          </a:prstGeom>
+          <a:ln>
+            <a:solidFill>
+              <a:schemeClr val="accent6">
+                <a:lumMod val="75000"/>
+              </a:schemeClr>
+            </a:solidFill>
+          </a:ln>
+        </p:spPr>
+        <p:style>
+          <a:lnRef idx="2">
+            <a:schemeClr val="accent6"/>
+          </a:lnRef>
+          <a:fillRef idx="1">
+            <a:schemeClr val="lt1"/>
+          </a:fillRef>
+          <a:effectRef idx="0">
+            <a:schemeClr val="accent6"/>
+          </a:effectRef>
+          <a:fontRef idx="minor">
+            <a:schemeClr val="dk1"/>
+          </a:fontRef>
+        </p:style>
+        <p:txBody>
+          <a:bodyPr wrap="none" rtlCol="0" anchor="ctr"/>
+          <a:lstStyle/>
+          <a:p>
+            <a:pPr algn="ctr"/>
+            <a:endParaRPr kumimoji="1" lang="ja-JP" altLang="en-US" sz="1400" dirty="0">
+              <a:solidFill>
+                <a:schemeClr val="accent6">
+                  <a:lumMod val="75000"/>
+                </a:schemeClr>
+              </a:solidFill>
+            </a:endParaRPr>
+          </a:p>
+        </p:txBody>
+      </p:sp>
+      <p:sp>
+        <p:nvSpPr>
+          <p:cNvPr id="57" name="角丸四角形 56"/>
+          <p:cNvSpPr/>
+          <p:nvPr/>
+        </p:nvSpPr>
+        <p:spPr>
+          <a:xfrm>
+            <a:off x="5550604" y="4947254"/>
+            <a:ext cx="464588" cy="465380"/>
+          </a:xfrm>
+          <a:prstGeom prst="roundRect">
+            <a:avLst/>
+          </a:prstGeom>
+          <a:ln>
+            <a:solidFill>
+              <a:schemeClr val="accent6">
+                <a:lumMod val="75000"/>
+              </a:schemeClr>
+            </a:solidFill>
+          </a:ln>
+        </p:spPr>
+        <p:style>
+          <a:lnRef idx="2">
+            <a:schemeClr val="accent6"/>
+          </a:lnRef>
+          <a:fillRef idx="1">
+            <a:schemeClr val="lt1"/>
+          </a:fillRef>
+          <a:effectRef idx="0">
+            <a:schemeClr val="accent6"/>
+          </a:effectRef>
+          <a:fontRef idx="minor">
+            <a:schemeClr val="dk1"/>
+          </a:fontRef>
+        </p:style>
+        <p:txBody>
+          <a:bodyPr wrap="none" rtlCol="0" anchor="ctr"/>
+          <a:lstStyle/>
+          <a:p>
+            <a:pPr algn="ctr"/>
+            <a:endParaRPr kumimoji="1" lang="ja-JP" altLang="en-US" sz="1400" dirty="0">
+              <a:solidFill>
+                <a:schemeClr val="accent6">
+                  <a:lumMod val="75000"/>
+                </a:schemeClr>
+              </a:solidFill>
+            </a:endParaRPr>
+          </a:p>
+        </p:txBody>
+      </p:sp>
+      <p:sp>
+        <p:nvSpPr>
+          <p:cNvPr id="58" name="角丸四角形 57"/>
+          <p:cNvSpPr/>
+          <p:nvPr/>
+        </p:nvSpPr>
+        <p:spPr>
+          <a:xfrm>
+            <a:off x="6087185" y="4947254"/>
+            <a:ext cx="464588" cy="465380"/>
+          </a:xfrm>
+          <a:prstGeom prst="roundRect">
+            <a:avLst/>
+          </a:prstGeom>
+          <a:ln>
+            <a:solidFill>
+              <a:schemeClr val="accent6">
+                <a:lumMod val="75000"/>
+              </a:schemeClr>
+            </a:solidFill>
+          </a:ln>
+        </p:spPr>
+        <p:style>
+          <a:lnRef idx="2">
+            <a:schemeClr val="accent6"/>
+          </a:lnRef>
+          <a:fillRef idx="1">
+            <a:schemeClr val="lt1"/>
+          </a:fillRef>
+          <a:effectRef idx="0">
+            <a:schemeClr val="accent6"/>
+          </a:effectRef>
+          <a:fontRef idx="minor">
+            <a:schemeClr val="dk1"/>
+          </a:fontRef>
+        </p:style>
+        <p:txBody>
+          <a:bodyPr wrap="none" rtlCol="0" anchor="ctr"/>
+          <a:lstStyle/>
+          <a:p>
+            <a:pPr algn="ctr"/>
+            <a:endParaRPr kumimoji="1" lang="ja-JP" altLang="en-US" sz="1400" dirty="0">
+              <a:solidFill>
+                <a:schemeClr val="accent6">
+                  <a:lumMod val="75000"/>
+                </a:schemeClr>
+              </a:solidFill>
+            </a:endParaRPr>
+          </a:p>
+        </p:txBody>
+      </p:sp>
+      <p:sp>
+        <p:nvSpPr>
+          <p:cNvPr id="59" name="角丸四角形 58"/>
+          <p:cNvSpPr/>
+          <p:nvPr/>
+        </p:nvSpPr>
+        <p:spPr>
+          <a:xfrm>
+            <a:off x="6623766" y="4947254"/>
+            <a:ext cx="464588" cy="465380"/>
+          </a:xfrm>
+          <a:prstGeom prst="roundRect">
+            <a:avLst/>
+          </a:prstGeom>
+          <a:ln>
+            <a:solidFill>
+              <a:schemeClr val="accent6">
+                <a:lumMod val="75000"/>
+              </a:schemeClr>
+            </a:solidFill>
+          </a:ln>
+        </p:spPr>
+        <p:style>
+          <a:lnRef idx="2">
+            <a:schemeClr val="accent6"/>
+          </a:lnRef>
+          <a:fillRef idx="1">
+            <a:schemeClr val="lt1"/>
+          </a:fillRef>
+          <a:effectRef idx="0">
+            <a:schemeClr val="accent6"/>
+          </a:effectRef>
+          <a:fontRef idx="minor">
+            <a:schemeClr val="dk1"/>
+          </a:fontRef>
+        </p:style>
+        <p:txBody>
+          <a:bodyPr wrap="none" rtlCol="0" anchor="ctr"/>
+          <a:lstStyle/>
+          <a:p>
+            <a:pPr algn="ctr"/>
+            <a:endParaRPr kumimoji="1" lang="ja-JP" altLang="en-US" sz="1400" dirty="0">
+              <a:solidFill>
+                <a:schemeClr val="accent6">
+                  <a:lumMod val="75000"/>
+                </a:schemeClr>
+              </a:solidFill>
+            </a:endParaRPr>
+          </a:p>
+        </p:txBody>
+      </p:sp>
+      <p:sp>
+        <p:nvSpPr>
+          <p:cNvPr id="70" name="角丸四角形 69"/>
+          <p:cNvSpPr/>
+          <p:nvPr/>
+        </p:nvSpPr>
+        <p:spPr>
+          <a:xfrm>
+            <a:off x="5941352" y="5473034"/>
+            <a:ext cx="710750" cy="465380"/>
+          </a:xfrm>
+          <a:prstGeom prst="roundRect">
+            <a:avLst/>
+          </a:prstGeom>
+          <a:solidFill>
+            <a:schemeClr val="accent2"/>
+          </a:solidFill>
+          <a:ln>
+            <a:solidFill>
+              <a:schemeClr val="accent2"/>
+            </a:solidFill>
+          </a:ln>
+        </p:spPr>
+        <p:style>
+          <a:lnRef idx="2">
+            <a:schemeClr val="accent6"/>
+          </a:lnRef>
+          <a:fillRef idx="1">
+            <a:schemeClr val="lt1"/>
+          </a:fillRef>
+          <a:effectRef idx="0">
+            <a:schemeClr val="accent6"/>
+          </a:effectRef>
+          <a:fontRef idx="minor">
+            <a:schemeClr val="dk1"/>
+          </a:fontRef>
+        </p:style>
+        <p:txBody>
+          <a:bodyPr wrap="none" rtlCol="0" anchor="ctr"/>
+          <a:lstStyle/>
+          <a:p>
+            <a:pPr algn="ctr"/>
+            <a:endParaRPr kumimoji="1" lang="ja-JP" altLang="en-US" sz="1400" dirty="0"/>
           </a:p>
         </p:txBody>
       </p:sp>
     </p:spTree>
     <p:extLst>
       <p:ext uri="{BB962C8B-B14F-4D97-AF65-F5344CB8AC3E}">
-        <p14:creationId xmlns:p14="http://schemas.microsoft.com/office/powerpoint/2010/main" val="2676337646"/>
+        <p14:creationId xmlns:p14="http://schemas.microsoft.com/office/powerpoint/2010/main" val="2173051432"/>
       </p:ext>
     </p:extLst>
   </p:cSld>
   <p:clrMapOvr>
     <a:masterClrMapping/>
   </p:clrMapOvr>
+  <mc:AlternateContent xmlns:mc="http://schemas.openxmlformats.org/markup-compatibility/2006" xmlns:p14="http://schemas.microsoft.com/office/powerpoint/2010/main">
+    <mc:Choice Requires="p14">
+      <p:transition spd="slow" p14:dur="2000"/>
+    </mc:Choice>
+    <mc:Fallback xmlns="">
+      <p:transition spd="slow"/>
+    </mc:Fallback>
+  </mc:AlternateContent>
   <p:timing>
     <p:tnLst>
       <p:par>

--- a/MANUAL.pptx
+++ b/MANUAL.pptx
@@ -250,7 +250,7 @@
           <a:p>
             <a:fld id="{98B15ECE-60C4-45D4-8ABC-DDA7D4F33EF9}" type="datetimeFigureOut">
               <a:rPr kumimoji="1" lang="ja-JP" altLang="en-US" smtClean="0"/>
-              <a:t>2016/1/15</a:t>
+              <a:t>2016/1/31</a:t>
             </a:fld>
             <a:endParaRPr kumimoji="1" lang="ja-JP" altLang="en-US"/>
           </a:p>
@@ -1353,7 +1353,7 @@
           <a:p>
             <a:fld id="{8FB4C7EE-3C5D-4F47-A8DE-21B759CA57C5}" type="datetimeFigureOut">
               <a:rPr kumimoji="1" lang="ja-JP" altLang="en-US" smtClean="0"/>
-              <a:t>2016/1/15</a:t>
+              <a:t>2016/1/31</a:t>
             </a:fld>
             <a:endParaRPr kumimoji="1" lang="ja-JP" altLang="en-US"/>
           </a:p>
@@ -1555,7 +1555,7 @@
           <a:p>
             <a:fld id="{8FB4C7EE-3C5D-4F47-A8DE-21B759CA57C5}" type="datetimeFigureOut">
               <a:rPr kumimoji="1" lang="ja-JP" altLang="en-US" smtClean="0"/>
-              <a:t>2016/1/15</a:t>
+              <a:t>2016/1/31</a:t>
             </a:fld>
             <a:endParaRPr kumimoji="1" lang="ja-JP" altLang="en-US"/>
           </a:p>
@@ -1767,7 +1767,7 @@
           <a:p>
             <a:fld id="{8FB4C7EE-3C5D-4F47-A8DE-21B759CA57C5}" type="datetimeFigureOut">
               <a:rPr kumimoji="1" lang="ja-JP" altLang="en-US" smtClean="0"/>
-              <a:t>2016/1/15</a:t>
+              <a:t>2016/1/31</a:t>
             </a:fld>
             <a:endParaRPr kumimoji="1" lang="ja-JP" altLang="en-US"/>
           </a:p>
@@ -1969,7 +1969,7 @@
           <a:p>
             <a:fld id="{8FB4C7EE-3C5D-4F47-A8DE-21B759CA57C5}" type="datetimeFigureOut">
               <a:rPr kumimoji="1" lang="ja-JP" altLang="en-US" smtClean="0"/>
-              <a:t>2016/1/15</a:t>
+              <a:t>2016/1/31</a:t>
             </a:fld>
             <a:endParaRPr kumimoji="1" lang="ja-JP" altLang="en-US"/>
           </a:p>
@@ -2213,7 +2213,7 @@
           <a:p>
             <a:fld id="{8FB4C7EE-3C5D-4F47-A8DE-21B759CA57C5}" type="datetimeFigureOut">
               <a:rPr kumimoji="1" lang="ja-JP" altLang="en-US" smtClean="0"/>
-              <a:t>2016/1/15</a:t>
+              <a:t>2016/1/31</a:t>
             </a:fld>
             <a:endParaRPr kumimoji="1" lang="ja-JP" altLang="en-US"/>
           </a:p>
@@ -2509,7 +2509,7 @@
           <a:p>
             <a:fld id="{8FB4C7EE-3C5D-4F47-A8DE-21B759CA57C5}" type="datetimeFigureOut">
               <a:rPr kumimoji="1" lang="ja-JP" altLang="en-US" smtClean="0"/>
-              <a:t>2016/1/15</a:t>
+              <a:t>2016/1/31</a:t>
             </a:fld>
             <a:endParaRPr kumimoji="1" lang="ja-JP" altLang="en-US"/>
           </a:p>
@@ -2940,7 +2940,7 @@
           <a:p>
             <a:fld id="{8FB4C7EE-3C5D-4F47-A8DE-21B759CA57C5}" type="datetimeFigureOut">
               <a:rPr kumimoji="1" lang="ja-JP" altLang="en-US" smtClean="0"/>
-              <a:t>2016/1/15</a:t>
+              <a:t>2016/1/31</a:t>
             </a:fld>
             <a:endParaRPr kumimoji="1" lang="ja-JP" altLang="en-US"/>
           </a:p>
@@ -3058,7 +3058,7 @@
           <a:p>
             <a:fld id="{8FB4C7EE-3C5D-4F47-A8DE-21B759CA57C5}" type="datetimeFigureOut">
               <a:rPr kumimoji="1" lang="ja-JP" altLang="en-US" smtClean="0"/>
-              <a:t>2016/1/15</a:t>
+              <a:t>2016/1/31</a:t>
             </a:fld>
             <a:endParaRPr kumimoji="1" lang="ja-JP" altLang="en-US"/>
           </a:p>
@@ -3153,7 +3153,7 @@
           <a:p>
             <a:fld id="{8FB4C7EE-3C5D-4F47-A8DE-21B759CA57C5}" type="datetimeFigureOut">
               <a:rPr kumimoji="1" lang="ja-JP" altLang="en-US" smtClean="0"/>
-              <a:t>2016/1/15</a:t>
+              <a:t>2016/1/31</a:t>
             </a:fld>
             <a:endParaRPr kumimoji="1" lang="ja-JP" altLang="en-US"/>
           </a:p>
@@ -3462,7 +3462,7 @@
           <a:p>
             <a:fld id="{8FB4C7EE-3C5D-4F47-A8DE-21B759CA57C5}" type="datetimeFigureOut">
               <a:rPr kumimoji="1" lang="ja-JP" altLang="en-US" smtClean="0"/>
-              <a:t>2016/1/15</a:t>
+              <a:t>2016/1/31</a:t>
             </a:fld>
             <a:endParaRPr kumimoji="1" lang="ja-JP" altLang="en-US"/>
           </a:p>
@@ -3719,7 +3719,7 @@
           <a:p>
             <a:fld id="{8FB4C7EE-3C5D-4F47-A8DE-21B759CA57C5}" type="datetimeFigureOut">
               <a:rPr kumimoji="1" lang="ja-JP" altLang="en-US" smtClean="0"/>
-              <a:t>2016/1/15</a:t>
+              <a:t>2016/1/31</a:t>
             </a:fld>
             <a:endParaRPr kumimoji="1" lang="ja-JP" altLang="en-US"/>
           </a:p>
@@ -3964,7 +3964,7 @@
           <a:p>
             <a:fld id="{8FB4C7EE-3C5D-4F47-A8DE-21B759CA57C5}" type="datetimeFigureOut">
               <a:rPr kumimoji="1" lang="ja-JP" altLang="en-US" smtClean="0"/>
-              <a:t>2016/1/15</a:t>
+              <a:t>2016/1/31</a:t>
             </a:fld>
             <a:endParaRPr kumimoji="1" lang="ja-JP" altLang="en-US"/>
           </a:p>
@@ -4549,17 +4549,7 @@
                   </a:schemeClr>
                 </a:solidFill>
               </a:rPr>
-              <a:t>LSHIFT &amp; RSHIFT = Mouse </a:t>
-            </a:r>
-            <a:r>
-              <a:rPr kumimoji="1" lang="en-US" altLang="ja-JP" sz="4000" smtClean="0">
-                <a:solidFill>
-                  <a:schemeClr val="accent6">
-                    <a:lumMod val="75000"/>
-                  </a:schemeClr>
-                </a:solidFill>
-              </a:rPr>
-              <a:t>Control</a:t>
+              <a:t>LSHIFT &amp; RSHIFT = Mouse Control</a:t>
             </a:r>
             <a:r>
               <a:rPr lang="ja-JP" altLang="en-US" sz="4000">
@@ -6500,6 +6490,16 @@
           <a:lstStyle/>
           <a:p>
             <a:pPr algn="ctr"/>
+            <a:r>
+              <a:rPr lang="en-US" altLang="ja-JP" dirty="0" smtClean="0">
+                <a:solidFill>
+                  <a:schemeClr val="accent6">
+                    <a:lumMod val="75000"/>
+                  </a:schemeClr>
+                </a:solidFill>
+              </a:rPr>
+              <a:t>MB</a:t>
+            </a:r>
             <a:endParaRPr lang="ja-JP" altLang="en-US" dirty="0">
               <a:solidFill>
                 <a:schemeClr val="accent6">
@@ -39569,13 +39569,6 @@
               </a:rPr>
               <a:t>DL</a:t>
             </a:r>
-            <a:endParaRPr lang="en-US" altLang="ja-JP" sz="1400" u="sng">
-              <a:solidFill>
-                <a:schemeClr val="accent6">
-                  <a:lumMod val="75000"/>
-                </a:schemeClr>
-              </a:solidFill>
-            </a:endParaRPr>
           </a:p>
         </p:txBody>
       </p:sp>

--- a/MANUAL.pptx
+++ b/MANUAL.pptx
@@ -38908,7 +38908,30 @@
           <a:lstStyle/>
           <a:p>
             <a:pPr algn="ctr"/>
-            <a:endParaRPr kumimoji="1" lang="ja-JP" altLang="en-US" sz="1400" dirty="0">
+            <a:r>
+              <a:rPr kumimoji="1" lang="en-US" altLang="ja-JP" sz="1000" dirty="0" smtClean="0">
+                <a:solidFill>
+                  <a:schemeClr val="accent6">
+                    <a:lumMod val="75000"/>
+                  </a:schemeClr>
+                </a:solidFill>
+              </a:rPr>
+              <a:t>Mod</a:t>
+            </a:r>
+          </a:p>
+          <a:p>
+            <a:pPr algn="ctr"/>
+            <a:r>
+              <a:rPr lang="en-US" altLang="ja-JP" sz="1000" smtClean="0">
+                <a:solidFill>
+                  <a:schemeClr val="accent6">
+                    <a:lumMod val="75000"/>
+                  </a:schemeClr>
+                </a:solidFill>
+              </a:rPr>
+              <a:t>Browse</a:t>
+            </a:r>
+            <a:endParaRPr kumimoji="1" lang="ja-JP" altLang="en-US" sz="1000" dirty="0">
               <a:solidFill>
                 <a:schemeClr val="accent6">
                   <a:lumMod val="75000"/>
@@ -39560,7 +39583,7 @@
           <a:p>
             <a:pPr algn="ctr"/>
             <a:r>
-              <a:rPr lang="en-US" altLang="ja-JP" sz="1400" u="sng">
+              <a:rPr lang="en-US" altLang="ja-JP" sz="1400" u="sng" dirty="0">
                 <a:solidFill>
                   <a:schemeClr val="accent6">
                     <a:lumMod val="75000"/>

--- a/MANUAL.pptx
+++ b/MANUAL.pptx
@@ -250,7 +250,7 @@
           <a:p>
             <a:fld id="{98B15ECE-60C4-45D4-8ABC-DDA7D4F33EF9}" type="datetimeFigureOut">
               <a:rPr kumimoji="1" lang="ja-JP" altLang="en-US" smtClean="0"/>
-              <a:t>2016/1/31</a:t>
+              <a:t>2016/3/18</a:t>
             </a:fld>
             <a:endParaRPr kumimoji="1" lang="ja-JP" altLang="en-US"/>
           </a:p>
@@ -1353,7 +1353,7 @@
           <a:p>
             <a:fld id="{8FB4C7EE-3C5D-4F47-A8DE-21B759CA57C5}" type="datetimeFigureOut">
               <a:rPr kumimoji="1" lang="ja-JP" altLang="en-US" smtClean="0"/>
-              <a:t>2016/1/31</a:t>
+              <a:t>2016/3/18</a:t>
             </a:fld>
             <a:endParaRPr kumimoji="1" lang="ja-JP" altLang="en-US"/>
           </a:p>
@@ -1555,7 +1555,7 @@
           <a:p>
             <a:fld id="{8FB4C7EE-3C5D-4F47-A8DE-21B759CA57C5}" type="datetimeFigureOut">
               <a:rPr kumimoji="1" lang="ja-JP" altLang="en-US" smtClean="0"/>
-              <a:t>2016/1/31</a:t>
+              <a:t>2016/3/18</a:t>
             </a:fld>
             <a:endParaRPr kumimoji="1" lang="ja-JP" altLang="en-US"/>
           </a:p>
@@ -1767,7 +1767,7 @@
           <a:p>
             <a:fld id="{8FB4C7EE-3C5D-4F47-A8DE-21B759CA57C5}" type="datetimeFigureOut">
               <a:rPr kumimoji="1" lang="ja-JP" altLang="en-US" smtClean="0"/>
-              <a:t>2016/1/31</a:t>
+              <a:t>2016/3/18</a:t>
             </a:fld>
             <a:endParaRPr kumimoji="1" lang="ja-JP" altLang="en-US"/>
           </a:p>
@@ -1969,7 +1969,7 @@
           <a:p>
             <a:fld id="{8FB4C7EE-3C5D-4F47-A8DE-21B759CA57C5}" type="datetimeFigureOut">
               <a:rPr kumimoji="1" lang="ja-JP" altLang="en-US" smtClean="0"/>
-              <a:t>2016/1/31</a:t>
+              <a:t>2016/3/18</a:t>
             </a:fld>
             <a:endParaRPr kumimoji="1" lang="ja-JP" altLang="en-US"/>
           </a:p>
@@ -2213,7 +2213,7 @@
           <a:p>
             <a:fld id="{8FB4C7EE-3C5D-4F47-A8DE-21B759CA57C5}" type="datetimeFigureOut">
               <a:rPr kumimoji="1" lang="ja-JP" altLang="en-US" smtClean="0"/>
-              <a:t>2016/1/31</a:t>
+              <a:t>2016/3/18</a:t>
             </a:fld>
             <a:endParaRPr kumimoji="1" lang="ja-JP" altLang="en-US"/>
           </a:p>
@@ -2509,7 +2509,7 @@
           <a:p>
             <a:fld id="{8FB4C7EE-3C5D-4F47-A8DE-21B759CA57C5}" type="datetimeFigureOut">
               <a:rPr kumimoji="1" lang="ja-JP" altLang="en-US" smtClean="0"/>
-              <a:t>2016/1/31</a:t>
+              <a:t>2016/3/18</a:t>
             </a:fld>
             <a:endParaRPr kumimoji="1" lang="ja-JP" altLang="en-US"/>
           </a:p>
@@ -2940,7 +2940,7 @@
           <a:p>
             <a:fld id="{8FB4C7EE-3C5D-4F47-A8DE-21B759CA57C5}" type="datetimeFigureOut">
               <a:rPr kumimoji="1" lang="ja-JP" altLang="en-US" smtClean="0"/>
-              <a:t>2016/1/31</a:t>
+              <a:t>2016/3/18</a:t>
             </a:fld>
             <a:endParaRPr kumimoji="1" lang="ja-JP" altLang="en-US"/>
           </a:p>
@@ -3058,7 +3058,7 @@
           <a:p>
             <a:fld id="{8FB4C7EE-3C5D-4F47-A8DE-21B759CA57C5}" type="datetimeFigureOut">
               <a:rPr kumimoji="1" lang="ja-JP" altLang="en-US" smtClean="0"/>
-              <a:t>2016/1/31</a:t>
+              <a:t>2016/3/18</a:t>
             </a:fld>
             <a:endParaRPr kumimoji="1" lang="ja-JP" altLang="en-US"/>
           </a:p>
@@ -3153,7 +3153,7 @@
           <a:p>
             <a:fld id="{8FB4C7EE-3C5D-4F47-A8DE-21B759CA57C5}" type="datetimeFigureOut">
               <a:rPr kumimoji="1" lang="ja-JP" altLang="en-US" smtClean="0"/>
-              <a:t>2016/1/31</a:t>
+              <a:t>2016/3/18</a:t>
             </a:fld>
             <a:endParaRPr kumimoji="1" lang="ja-JP" altLang="en-US"/>
           </a:p>
@@ -3462,7 +3462,7 @@
           <a:p>
             <a:fld id="{8FB4C7EE-3C5D-4F47-A8DE-21B759CA57C5}" type="datetimeFigureOut">
               <a:rPr kumimoji="1" lang="ja-JP" altLang="en-US" smtClean="0"/>
-              <a:t>2016/1/31</a:t>
+              <a:t>2016/3/18</a:t>
             </a:fld>
             <a:endParaRPr kumimoji="1" lang="ja-JP" altLang="en-US"/>
           </a:p>
@@ -3719,7 +3719,7 @@
           <a:p>
             <a:fld id="{8FB4C7EE-3C5D-4F47-A8DE-21B759CA57C5}" type="datetimeFigureOut">
               <a:rPr kumimoji="1" lang="ja-JP" altLang="en-US" smtClean="0"/>
-              <a:t>2016/1/31</a:t>
+              <a:t>2016/3/18</a:t>
             </a:fld>
             <a:endParaRPr kumimoji="1" lang="ja-JP" altLang="en-US"/>
           </a:p>
@@ -3964,7 +3964,7 @@
           <a:p>
             <a:fld id="{8FB4C7EE-3C5D-4F47-A8DE-21B759CA57C5}" type="datetimeFigureOut">
               <a:rPr kumimoji="1" lang="ja-JP" altLang="en-US" smtClean="0"/>
-              <a:t>2016/1/31</a:t>
+              <a:t>2016/3/18</a:t>
             </a:fld>
             <a:endParaRPr kumimoji="1" lang="ja-JP" altLang="en-US"/>
           </a:p>

--- a/MANUAL.pptx
+++ b/MANUAL.pptx
@@ -5,7 +5,7 @@
     <p:sldMasterId id="2147483684" r:id="rId1"/>
   </p:sldMasterIdLst>
   <p:notesMasterIdLst>
-    <p:notesMasterId r:id="rId19"/>
+    <p:notesMasterId r:id="rId20"/>
   </p:notesMasterIdLst>
   <p:sldIdLst>
     <p:sldId id="256" r:id="rId2"/>
@@ -25,6 +25,7 @@
     <p:sldId id="267" r:id="rId16"/>
     <p:sldId id="269" r:id="rId17"/>
     <p:sldId id="266" r:id="rId18"/>
+    <p:sldId id="305" r:id="rId19"/>
   </p:sldIdLst>
   <p:sldSz cx="9144000" cy="6858000" type="screen4x3"/>
   <p:notesSz cx="6858000" cy="9144000"/>
@@ -159,6 +160,11 @@
             <p14:sldId id="266"/>
           </p14:sldIdLst>
         </p14:section>
+        <p14:section name="Pad" id="{124F1AB6-29F9-4A46-A1F6-D2BA2CD850FD}">
+          <p14:sldIdLst>
+            <p14:sldId id="305"/>
+          </p14:sldIdLst>
+        </p14:section>
       </p14:sectionLst>
     </p:ext>
     <p:ext uri="{EFAFB233-063F-42B5-8137-9DF3F51BA10A}">
@@ -250,7 +256,7 @@
           <a:p>
             <a:fld id="{98B15ECE-60C4-45D4-8ABC-DDA7D4F33EF9}" type="datetimeFigureOut">
               <a:rPr kumimoji="1" lang="ja-JP" altLang="en-US" smtClean="0"/>
-              <a:t>2016/3/18</a:t>
+              <a:t>2016/3/21</a:t>
             </a:fld>
             <a:endParaRPr kumimoji="1" lang="ja-JP" altLang="en-US"/>
           </a:p>
@@ -1353,7 +1359,7 @@
           <a:p>
             <a:fld id="{8FB4C7EE-3C5D-4F47-A8DE-21B759CA57C5}" type="datetimeFigureOut">
               <a:rPr kumimoji="1" lang="ja-JP" altLang="en-US" smtClean="0"/>
-              <a:t>2016/3/18</a:t>
+              <a:t>2016/3/21</a:t>
             </a:fld>
             <a:endParaRPr kumimoji="1" lang="ja-JP" altLang="en-US"/>
           </a:p>
@@ -1555,7 +1561,7 @@
           <a:p>
             <a:fld id="{8FB4C7EE-3C5D-4F47-A8DE-21B759CA57C5}" type="datetimeFigureOut">
               <a:rPr kumimoji="1" lang="ja-JP" altLang="en-US" smtClean="0"/>
-              <a:t>2016/3/18</a:t>
+              <a:t>2016/3/21</a:t>
             </a:fld>
             <a:endParaRPr kumimoji="1" lang="ja-JP" altLang="en-US"/>
           </a:p>
@@ -1767,7 +1773,7 @@
           <a:p>
             <a:fld id="{8FB4C7EE-3C5D-4F47-A8DE-21B759CA57C5}" type="datetimeFigureOut">
               <a:rPr kumimoji="1" lang="ja-JP" altLang="en-US" smtClean="0"/>
-              <a:t>2016/3/18</a:t>
+              <a:t>2016/3/21</a:t>
             </a:fld>
             <a:endParaRPr kumimoji="1" lang="ja-JP" altLang="en-US"/>
           </a:p>
@@ -1969,7 +1975,7 @@
           <a:p>
             <a:fld id="{8FB4C7EE-3C5D-4F47-A8DE-21B759CA57C5}" type="datetimeFigureOut">
               <a:rPr kumimoji="1" lang="ja-JP" altLang="en-US" smtClean="0"/>
-              <a:t>2016/3/18</a:t>
+              <a:t>2016/3/21</a:t>
             </a:fld>
             <a:endParaRPr kumimoji="1" lang="ja-JP" altLang="en-US"/>
           </a:p>
@@ -2213,7 +2219,7 @@
           <a:p>
             <a:fld id="{8FB4C7EE-3C5D-4F47-A8DE-21B759CA57C5}" type="datetimeFigureOut">
               <a:rPr kumimoji="1" lang="ja-JP" altLang="en-US" smtClean="0"/>
-              <a:t>2016/3/18</a:t>
+              <a:t>2016/3/21</a:t>
             </a:fld>
             <a:endParaRPr kumimoji="1" lang="ja-JP" altLang="en-US"/>
           </a:p>
@@ -2509,7 +2515,7 @@
           <a:p>
             <a:fld id="{8FB4C7EE-3C5D-4F47-A8DE-21B759CA57C5}" type="datetimeFigureOut">
               <a:rPr kumimoji="1" lang="ja-JP" altLang="en-US" smtClean="0"/>
-              <a:t>2016/3/18</a:t>
+              <a:t>2016/3/21</a:t>
             </a:fld>
             <a:endParaRPr kumimoji="1" lang="ja-JP" altLang="en-US"/>
           </a:p>
@@ -2940,7 +2946,7 @@
           <a:p>
             <a:fld id="{8FB4C7EE-3C5D-4F47-A8DE-21B759CA57C5}" type="datetimeFigureOut">
               <a:rPr kumimoji="1" lang="ja-JP" altLang="en-US" smtClean="0"/>
-              <a:t>2016/3/18</a:t>
+              <a:t>2016/3/21</a:t>
             </a:fld>
             <a:endParaRPr kumimoji="1" lang="ja-JP" altLang="en-US"/>
           </a:p>
@@ -3058,7 +3064,7 @@
           <a:p>
             <a:fld id="{8FB4C7EE-3C5D-4F47-A8DE-21B759CA57C5}" type="datetimeFigureOut">
               <a:rPr kumimoji="1" lang="ja-JP" altLang="en-US" smtClean="0"/>
-              <a:t>2016/3/18</a:t>
+              <a:t>2016/3/21</a:t>
             </a:fld>
             <a:endParaRPr kumimoji="1" lang="ja-JP" altLang="en-US"/>
           </a:p>
@@ -3153,7 +3159,7 @@
           <a:p>
             <a:fld id="{8FB4C7EE-3C5D-4F47-A8DE-21B759CA57C5}" type="datetimeFigureOut">
               <a:rPr kumimoji="1" lang="ja-JP" altLang="en-US" smtClean="0"/>
-              <a:t>2016/3/18</a:t>
+              <a:t>2016/3/21</a:t>
             </a:fld>
             <a:endParaRPr kumimoji="1" lang="ja-JP" altLang="en-US"/>
           </a:p>
@@ -3462,7 +3468,7 @@
           <a:p>
             <a:fld id="{8FB4C7EE-3C5D-4F47-A8DE-21B759CA57C5}" type="datetimeFigureOut">
               <a:rPr kumimoji="1" lang="ja-JP" altLang="en-US" smtClean="0"/>
-              <a:t>2016/3/18</a:t>
+              <a:t>2016/3/21</a:t>
             </a:fld>
             <a:endParaRPr kumimoji="1" lang="ja-JP" altLang="en-US"/>
           </a:p>
@@ -3719,7 +3725,7 @@
           <a:p>
             <a:fld id="{8FB4C7EE-3C5D-4F47-A8DE-21B759CA57C5}" type="datetimeFigureOut">
               <a:rPr kumimoji="1" lang="ja-JP" altLang="en-US" smtClean="0"/>
-              <a:t>2016/3/18</a:t>
+              <a:t>2016/3/21</a:t>
             </a:fld>
             <a:endParaRPr kumimoji="1" lang="ja-JP" altLang="en-US"/>
           </a:p>
@@ -3964,7 +3970,7 @@
           <a:p>
             <a:fld id="{8FB4C7EE-3C5D-4F47-A8DE-21B759CA57C5}" type="datetimeFigureOut">
               <a:rPr kumimoji="1" lang="ja-JP" altLang="en-US" smtClean="0"/>
-              <a:t>2016/3/18</a:t>
+              <a:t>2016/3/21</a:t>
             </a:fld>
             <a:endParaRPr kumimoji="1" lang="ja-JP" altLang="en-US"/>
           </a:p>
@@ -4402,6 +4408,14 @@
               <a:rPr lang="en-US" altLang="ja-JP" smtClean="0"/>
               <a:t>Mouse</a:t>
             </a:r>
+            <a:r>
+              <a:rPr lang="ja-JP" altLang="en-US"/>
+              <a:t> </a:t>
+            </a:r>
+            <a:r>
+              <a:rPr lang="en-US" altLang="ja-JP" smtClean="0"/>
+              <a:t>&amp; Pad</a:t>
+            </a:r>
             <a:br>
               <a:rPr lang="en-US" altLang="ja-JP" smtClean="0"/>
             </a:br>
@@ -18772,6 +18786,1288 @@
     <p:extLst>
       <p:ext uri="{BB962C8B-B14F-4D97-AF65-F5344CB8AC3E}">
         <p14:creationId xmlns:p14="http://schemas.microsoft.com/office/powerpoint/2010/main" val="1065466913"/>
+      </p:ext>
+    </p:extLst>
+  </p:cSld>
+  <p:clrMapOvr>
+    <a:masterClrMapping/>
+  </p:clrMapOvr>
+  <p:timing>
+    <p:tnLst>
+      <p:par>
+        <p:cTn id="1" dur="indefinite" restart="never" nodeType="tmRoot"/>
+      </p:par>
+    </p:tnLst>
+  </p:timing>
+</p:sld>
+</file>
+
+<file path=ppt/slides/slide18.xml><?xml version="1.0" encoding="utf-8"?>
+<p:sld xmlns:a="http://schemas.openxmlformats.org/drawingml/2006/main" xmlns:r="http://schemas.openxmlformats.org/officeDocument/2006/relationships" xmlns:p="http://schemas.openxmlformats.org/presentationml/2006/main">
+  <p:cSld>
+    <p:spTree>
+      <p:nvGrpSpPr>
+        <p:cNvPr id="1" name=""/>
+        <p:cNvGrpSpPr/>
+        <p:nvPr/>
+      </p:nvGrpSpPr>
+      <p:grpSpPr>
+        <a:xfrm>
+          <a:off x="0" y="0"/>
+          <a:ext cx="0" cy="0"/>
+          <a:chOff x="0" y="0"/>
+          <a:chExt cx="0" cy="0"/>
+        </a:xfrm>
+      </p:grpSpPr>
+      <p:sp>
+        <p:nvSpPr>
+          <p:cNvPr id="2" name="タイトル 1"/>
+          <p:cNvSpPr>
+            <a:spLocks noGrp="1"/>
+          </p:cNvSpPr>
+          <p:nvPr>
+            <p:ph type="title"/>
+          </p:nvPr>
+        </p:nvSpPr>
+        <p:spPr/>
+        <p:txBody>
+          <a:bodyPr>
+            <a:normAutofit/>
+          </a:bodyPr>
+          <a:lstStyle/>
+          <a:p>
+            <a:r>
+              <a:rPr kumimoji="1" lang="en-US" altLang="ja-JP" sz="3600" smtClean="0">
+                <a:latin typeface="+mj-ea"/>
+              </a:rPr>
+              <a:t>Pad:FC30 Pro</a:t>
+            </a:r>
+            <a:endParaRPr kumimoji="1" lang="ja-JP" altLang="en-US" sz="3600">
+              <a:latin typeface="+mj-ea"/>
+            </a:endParaRPr>
+          </a:p>
+        </p:txBody>
+      </p:sp>
+      <p:pic>
+        <p:nvPicPr>
+          <p:cNvPr id="1026" name="Picture 2" descr="http://g01.a.alicdn.com/kf/HTB1TCwUKFXXXXX8XpXXq6xXFXXX6/8Bitdo-FC30-Pro-Wireless-font-b-Bluetooth-b-font-Gamepad-Game-font-b-Controller-b-font.jpg"/>
+          <p:cNvPicPr>
+            <a:picLocks noChangeAspect="1" noChangeArrowheads="1"/>
+          </p:cNvPicPr>
+          <p:nvPr/>
+        </p:nvPicPr>
+        <p:blipFill rotWithShape="1">
+          <a:blip r:embed="rId2">
+            <a:extLst>
+              <a:ext uri="{28A0092B-C50C-407E-A947-70E740481C1C}">
+                <a14:useLocalDpi xmlns:a14="http://schemas.microsoft.com/office/drawing/2010/main" val="0"/>
+              </a:ext>
+            </a:extLst>
+          </a:blip>
+          <a:srcRect t="23907" b="23907"/>
+          <a:stretch/>
+        </p:blipFill>
+        <p:spPr bwMode="auto">
+          <a:xfrm>
+            <a:off x="1805369" y="2453637"/>
+            <a:ext cx="5531096" cy="2886504"/>
+          </a:xfrm>
+          <a:prstGeom prst="rect">
+            <a:avLst/>
+          </a:prstGeom>
+          <a:noFill/>
+          <a:extLst>
+            <a:ext uri="{909E8E84-426E-40DD-AFC4-6F175D3DCCD1}">
+              <a14:hiddenFill xmlns:a14="http://schemas.microsoft.com/office/drawing/2010/main">
+                <a:solidFill>
+                  <a:srgbClr val="FFFFFF"/>
+                </a:solidFill>
+              </a14:hiddenFill>
+            </a:ext>
+          </a:extLst>
+        </p:spPr>
+      </p:pic>
+      <p:sp>
+        <p:nvSpPr>
+          <p:cNvPr id="4" name="テキスト ボックス 3"/>
+          <p:cNvSpPr txBox="1"/>
+          <p:nvPr/>
+        </p:nvSpPr>
+        <p:spPr>
+          <a:xfrm>
+            <a:off x="628650" y="1690689"/>
+            <a:ext cx="1588897" cy="369332"/>
+          </a:xfrm>
+          <a:prstGeom prst="rect">
+            <a:avLst/>
+          </a:prstGeom>
+          <a:noFill/>
+        </p:spPr>
+        <p:txBody>
+          <a:bodyPr wrap="none" rtlCol="0">
+            <a:spAutoFit/>
+          </a:bodyPr>
+          <a:lstStyle/>
+          <a:p>
+            <a:r>
+              <a:rPr kumimoji="1" lang="en-US" altLang="ja-JP" smtClean="0">
+                <a:solidFill>
+                  <a:srgbClr val="C00000"/>
+                </a:solidFill>
+                <a:latin typeface="+mj-ea"/>
+                <a:ea typeface="+mj-ea"/>
+              </a:rPr>
+              <a:t>Mouse Mode</a:t>
+            </a:r>
+            <a:endParaRPr kumimoji="1" lang="ja-JP" altLang="en-US">
+              <a:solidFill>
+                <a:srgbClr val="C00000"/>
+              </a:solidFill>
+              <a:latin typeface="+mj-ea"/>
+              <a:ea typeface="+mj-ea"/>
+            </a:endParaRPr>
+          </a:p>
+        </p:txBody>
+      </p:sp>
+      <p:cxnSp>
+        <p:nvCxnSpPr>
+          <p:cNvPr id="6" name="直線矢印コネクタ 5"/>
+          <p:cNvCxnSpPr>
+            <a:stCxn id="7" idx="3"/>
+            <a:endCxn id="39" idx="3"/>
+          </p:cNvCxnSpPr>
+          <p:nvPr/>
+        </p:nvCxnSpPr>
+        <p:spPr>
+          <a:xfrm flipV="1">
+            <a:off x="2936969" y="4761345"/>
+            <a:ext cx="574265" cy="764535"/>
+          </a:xfrm>
+          <a:prstGeom prst="straightConnector1">
+            <a:avLst/>
+          </a:prstGeom>
+          <a:ln w="28575">
+            <a:solidFill>
+              <a:schemeClr val="accent5"/>
+            </a:solidFill>
+            <a:tailEnd type="triangle"/>
+          </a:ln>
+        </p:spPr>
+        <p:style>
+          <a:lnRef idx="1">
+            <a:schemeClr val="accent1"/>
+          </a:lnRef>
+          <a:fillRef idx="0">
+            <a:schemeClr val="accent1"/>
+          </a:fillRef>
+          <a:effectRef idx="0">
+            <a:schemeClr val="accent1"/>
+          </a:effectRef>
+          <a:fontRef idx="minor">
+            <a:schemeClr val="tx1"/>
+          </a:fontRef>
+        </p:style>
+      </p:cxnSp>
+      <p:sp>
+        <p:nvSpPr>
+          <p:cNvPr id="7" name="正方形/長方形 6"/>
+          <p:cNvSpPr/>
+          <p:nvPr/>
+        </p:nvSpPr>
+        <p:spPr>
+          <a:xfrm>
+            <a:off x="397323" y="5318003"/>
+            <a:ext cx="2539646" cy="415754"/>
+          </a:xfrm>
+          <a:prstGeom prst="rect">
+            <a:avLst/>
+          </a:prstGeom>
+          <a:ln w="28575">
+            <a:solidFill>
+              <a:schemeClr val="accent5"/>
+            </a:solidFill>
+          </a:ln>
+        </p:spPr>
+        <p:style>
+          <a:lnRef idx="2">
+            <a:schemeClr val="accent1"/>
+          </a:lnRef>
+          <a:fillRef idx="1">
+            <a:schemeClr val="lt1"/>
+          </a:fillRef>
+          <a:effectRef idx="0">
+            <a:schemeClr val="accent1"/>
+          </a:effectRef>
+          <a:fontRef idx="minor">
+            <a:schemeClr val="dk1"/>
+          </a:fontRef>
+        </p:style>
+        <p:txBody>
+          <a:bodyPr rtlCol="0" anchor="ctr"/>
+          <a:lstStyle/>
+          <a:p>
+            <a:pPr algn="ctr"/>
+            <a:r>
+              <a:rPr kumimoji="1" lang="en-US" altLang="ja-JP" sz="1400" smtClean="0">
+                <a:solidFill>
+                  <a:schemeClr val="accent5">
+                    <a:lumMod val="75000"/>
+                  </a:schemeClr>
+                </a:solidFill>
+                <a:latin typeface="+mj-ea"/>
+                <a:ea typeface="+mj-ea"/>
+              </a:rPr>
+              <a:t>Mouse Control</a:t>
+            </a:r>
+            <a:endParaRPr kumimoji="1" lang="ja-JP" altLang="en-US" sz="1400" dirty="0">
+              <a:solidFill>
+                <a:schemeClr val="accent5">
+                  <a:lumMod val="75000"/>
+                </a:schemeClr>
+              </a:solidFill>
+              <a:latin typeface="+mj-ea"/>
+              <a:ea typeface="+mj-ea"/>
+            </a:endParaRPr>
+          </a:p>
+        </p:txBody>
+      </p:sp>
+      <p:cxnSp>
+        <p:nvCxnSpPr>
+          <p:cNvPr id="11" name="直線矢印コネクタ 10"/>
+          <p:cNvCxnSpPr>
+            <a:stCxn id="12" idx="3"/>
+          </p:cNvCxnSpPr>
+          <p:nvPr/>
+        </p:nvCxnSpPr>
+        <p:spPr>
+          <a:xfrm>
+            <a:off x="1932743" y="2466769"/>
+            <a:ext cx="736029" cy="262500"/>
+          </a:xfrm>
+          <a:prstGeom prst="straightConnector1">
+            <a:avLst/>
+          </a:prstGeom>
+          <a:ln w="28575">
+            <a:solidFill>
+              <a:schemeClr val="accent5"/>
+            </a:solidFill>
+            <a:tailEnd type="triangle"/>
+          </a:ln>
+        </p:spPr>
+        <p:style>
+          <a:lnRef idx="1">
+            <a:schemeClr val="accent1"/>
+          </a:lnRef>
+          <a:fillRef idx="0">
+            <a:schemeClr val="accent1"/>
+          </a:fillRef>
+          <a:effectRef idx="0">
+            <a:schemeClr val="accent1"/>
+          </a:effectRef>
+          <a:fontRef idx="minor">
+            <a:schemeClr val="tx1"/>
+          </a:fontRef>
+        </p:style>
+      </p:cxnSp>
+      <p:sp>
+        <p:nvSpPr>
+          <p:cNvPr id="12" name="正方形/長方形 11"/>
+          <p:cNvSpPr/>
+          <p:nvPr/>
+        </p:nvSpPr>
+        <p:spPr>
+          <a:xfrm>
+            <a:off x="397323" y="2258892"/>
+            <a:ext cx="1535420" cy="415754"/>
+          </a:xfrm>
+          <a:prstGeom prst="rect">
+            <a:avLst/>
+          </a:prstGeom>
+          <a:ln w="28575">
+            <a:solidFill>
+              <a:schemeClr val="accent5"/>
+            </a:solidFill>
+          </a:ln>
+        </p:spPr>
+        <p:style>
+          <a:lnRef idx="2">
+            <a:schemeClr val="accent1"/>
+          </a:lnRef>
+          <a:fillRef idx="1">
+            <a:schemeClr val="lt1"/>
+          </a:fillRef>
+          <a:effectRef idx="0">
+            <a:schemeClr val="accent1"/>
+          </a:effectRef>
+          <a:fontRef idx="minor">
+            <a:schemeClr val="dk1"/>
+          </a:fontRef>
+        </p:style>
+        <p:txBody>
+          <a:bodyPr rtlCol="0" anchor="ctr"/>
+          <a:lstStyle/>
+          <a:p>
+            <a:pPr algn="ctr"/>
+            <a:r>
+              <a:rPr kumimoji="1" lang="en-US" altLang="ja-JP" sz="1400" smtClean="0">
+                <a:solidFill>
+                  <a:schemeClr val="accent5">
+                    <a:lumMod val="75000"/>
+                  </a:schemeClr>
+                </a:solidFill>
+                <a:latin typeface="+mj-ea"/>
+                <a:ea typeface="+mj-ea"/>
+              </a:rPr>
+              <a:t>Kana LSButton</a:t>
+            </a:r>
+            <a:endParaRPr kumimoji="1" lang="ja-JP" altLang="en-US" sz="1400" dirty="0">
+              <a:solidFill>
+                <a:schemeClr val="accent5">
+                  <a:lumMod val="75000"/>
+                </a:schemeClr>
+              </a:solidFill>
+              <a:latin typeface="+mj-ea"/>
+              <a:ea typeface="+mj-ea"/>
+            </a:endParaRPr>
+          </a:p>
+        </p:txBody>
+      </p:sp>
+      <p:sp>
+        <p:nvSpPr>
+          <p:cNvPr id="18" name="正方形/長方形 17"/>
+          <p:cNvSpPr/>
+          <p:nvPr/>
+        </p:nvSpPr>
+        <p:spPr>
+          <a:xfrm>
+            <a:off x="2491937" y="1563142"/>
+            <a:ext cx="1535420" cy="415754"/>
+          </a:xfrm>
+          <a:prstGeom prst="rect">
+            <a:avLst/>
+          </a:prstGeom>
+          <a:ln w="28575">
+            <a:solidFill>
+              <a:schemeClr val="accent5"/>
+            </a:solidFill>
+          </a:ln>
+        </p:spPr>
+        <p:style>
+          <a:lnRef idx="2">
+            <a:schemeClr val="accent1"/>
+          </a:lnRef>
+          <a:fillRef idx="1">
+            <a:schemeClr val="lt1"/>
+          </a:fillRef>
+          <a:effectRef idx="0">
+            <a:schemeClr val="accent1"/>
+          </a:effectRef>
+          <a:fontRef idx="minor">
+            <a:schemeClr val="dk1"/>
+          </a:fontRef>
+        </p:style>
+        <p:txBody>
+          <a:bodyPr rtlCol="0" anchor="ctr"/>
+          <a:lstStyle/>
+          <a:p>
+            <a:pPr algn="ctr"/>
+            <a:r>
+              <a:rPr kumimoji="1" lang="en-US" altLang="ja-JP" sz="1400" smtClean="0">
+                <a:solidFill>
+                  <a:schemeClr val="accent5">
+                    <a:lumMod val="75000"/>
+                  </a:schemeClr>
+                </a:solidFill>
+                <a:latin typeface="+mj-ea"/>
+                <a:ea typeface="+mj-ea"/>
+              </a:rPr>
+              <a:t>Kana LButton</a:t>
+            </a:r>
+            <a:endParaRPr kumimoji="1" lang="ja-JP" altLang="en-US" sz="1400" dirty="0">
+              <a:solidFill>
+                <a:schemeClr val="accent5">
+                  <a:lumMod val="75000"/>
+                </a:schemeClr>
+              </a:solidFill>
+              <a:latin typeface="+mj-ea"/>
+              <a:ea typeface="+mj-ea"/>
+            </a:endParaRPr>
+          </a:p>
+        </p:txBody>
+      </p:sp>
+      <p:cxnSp>
+        <p:nvCxnSpPr>
+          <p:cNvPr id="19" name="直線矢印コネクタ 18"/>
+          <p:cNvCxnSpPr>
+            <a:stCxn id="18" idx="2"/>
+          </p:cNvCxnSpPr>
+          <p:nvPr/>
+        </p:nvCxnSpPr>
+        <p:spPr>
+          <a:xfrm>
+            <a:off x="3259647" y="1978896"/>
+            <a:ext cx="217200" cy="657978"/>
+          </a:xfrm>
+          <a:prstGeom prst="straightConnector1">
+            <a:avLst/>
+          </a:prstGeom>
+          <a:ln w="28575">
+            <a:solidFill>
+              <a:schemeClr val="accent5"/>
+            </a:solidFill>
+            <a:tailEnd type="triangle"/>
+          </a:ln>
+        </p:spPr>
+        <p:style>
+          <a:lnRef idx="1">
+            <a:schemeClr val="accent1"/>
+          </a:lnRef>
+          <a:fillRef idx="0">
+            <a:schemeClr val="accent1"/>
+          </a:fillRef>
+          <a:effectRef idx="0">
+            <a:schemeClr val="accent1"/>
+          </a:effectRef>
+          <a:fontRef idx="minor">
+            <a:schemeClr val="tx1"/>
+          </a:fontRef>
+        </p:style>
+      </p:cxnSp>
+      <p:sp>
+        <p:nvSpPr>
+          <p:cNvPr id="22" name="正方形/長方形 21"/>
+          <p:cNvSpPr/>
+          <p:nvPr/>
+        </p:nvSpPr>
+        <p:spPr>
+          <a:xfrm>
+            <a:off x="5405785" y="1563142"/>
+            <a:ext cx="1535420" cy="415754"/>
+          </a:xfrm>
+          <a:prstGeom prst="rect">
+            <a:avLst/>
+          </a:prstGeom>
+          <a:ln w="28575">
+            <a:solidFill>
+              <a:schemeClr val="accent5"/>
+            </a:solidFill>
+          </a:ln>
+        </p:spPr>
+        <p:style>
+          <a:lnRef idx="2">
+            <a:schemeClr val="accent1"/>
+          </a:lnRef>
+          <a:fillRef idx="1">
+            <a:schemeClr val="lt1"/>
+          </a:fillRef>
+          <a:effectRef idx="0">
+            <a:schemeClr val="accent1"/>
+          </a:effectRef>
+          <a:fontRef idx="minor">
+            <a:schemeClr val="dk1"/>
+          </a:fontRef>
+        </p:style>
+        <p:txBody>
+          <a:bodyPr rtlCol="0" anchor="ctr"/>
+          <a:lstStyle/>
+          <a:p>
+            <a:pPr algn="ctr"/>
+            <a:r>
+              <a:rPr kumimoji="1" lang="en-US" altLang="ja-JP" sz="1400" smtClean="0">
+                <a:solidFill>
+                  <a:schemeClr val="accent5">
+                    <a:lumMod val="75000"/>
+                  </a:schemeClr>
+                </a:solidFill>
+                <a:latin typeface="+mj-ea"/>
+                <a:ea typeface="+mj-ea"/>
+              </a:rPr>
+              <a:t>Kana RButton</a:t>
+            </a:r>
+            <a:endParaRPr kumimoji="1" lang="ja-JP" altLang="en-US" sz="1400" dirty="0">
+              <a:solidFill>
+                <a:schemeClr val="accent5">
+                  <a:lumMod val="75000"/>
+                </a:schemeClr>
+              </a:solidFill>
+              <a:latin typeface="+mj-ea"/>
+              <a:ea typeface="+mj-ea"/>
+            </a:endParaRPr>
+          </a:p>
+        </p:txBody>
+      </p:sp>
+      <p:cxnSp>
+        <p:nvCxnSpPr>
+          <p:cNvPr id="23" name="直線矢印コネクタ 22"/>
+          <p:cNvCxnSpPr>
+            <a:stCxn id="22" idx="2"/>
+          </p:cNvCxnSpPr>
+          <p:nvPr/>
+        </p:nvCxnSpPr>
+        <p:spPr>
+          <a:xfrm flipH="1">
+            <a:off x="5729150" y="1978896"/>
+            <a:ext cx="444345" cy="657978"/>
+          </a:xfrm>
+          <a:prstGeom prst="straightConnector1">
+            <a:avLst/>
+          </a:prstGeom>
+          <a:ln w="28575">
+            <a:solidFill>
+              <a:schemeClr val="accent5"/>
+            </a:solidFill>
+            <a:tailEnd type="triangle"/>
+          </a:ln>
+        </p:spPr>
+        <p:style>
+          <a:lnRef idx="1">
+            <a:schemeClr val="accent1"/>
+          </a:lnRef>
+          <a:fillRef idx="0">
+            <a:schemeClr val="accent1"/>
+          </a:fillRef>
+          <a:effectRef idx="0">
+            <a:schemeClr val="accent1"/>
+          </a:effectRef>
+          <a:fontRef idx="minor">
+            <a:schemeClr val="tx1"/>
+          </a:fontRef>
+        </p:style>
+      </p:cxnSp>
+      <p:cxnSp>
+        <p:nvCxnSpPr>
+          <p:cNvPr id="26" name="直線矢印コネクタ 25"/>
+          <p:cNvCxnSpPr>
+            <a:stCxn id="27" idx="1"/>
+          </p:cNvCxnSpPr>
+          <p:nvPr/>
+        </p:nvCxnSpPr>
+        <p:spPr>
+          <a:xfrm flipH="1">
+            <a:off x="6667782" y="2466769"/>
+            <a:ext cx="835056" cy="361491"/>
+          </a:xfrm>
+          <a:prstGeom prst="straightConnector1">
+            <a:avLst/>
+          </a:prstGeom>
+          <a:ln w="28575">
+            <a:solidFill>
+              <a:schemeClr val="accent5"/>
+            </a:solidFill>
+            <a:tailEnd type="triangle"/>
+          </a:ln>
+        </p:spPr>
+        <p:style>
+          <a:lnRef idx="1">
+            <a:schemeClr val="accent1"/>
+          </a:lnRef>
+          <a:fillRef idx="0">
+            <a:schemeClr val="accent1"/>
+          </a:fillRef>
+          <a:effectRef idx="0">
+            <a:schemeClr val="accent1"/>
+          </a:effectRef>
+          <a:fontRef idx="minor">
+            <a:schemeClr val="tx1"/>
+          </a:fontRef>
+        </p:style>
+      </p:cxnSp>
+      <p:sp>
+        <p:nvSpPr>
+          <p:cNvPr id="27" name="正方形/長方形 26"/>
+          <p:cNvSpPr/>
+          <p:nvPr/>
+        </p:nvSpPr>
+        <p:spPr>
+          <a:xfrm>
+            <a:off x="7502838" y="2258892"/>
+            <a:ext cx="1535420" cy="415754"/>
+          </a:xfrm>
+          <a:prstGeom prst="rect">
+            <a:avLst/>
+          </a:prstGeom>
+          <a:ln w="28575">
+            <a:solidFill>
+              <a:schemeClr val="accent5"/>
+            </a:solidFill>
+          </a:ln>
+        </p:spPr>
+        <p:style>
+          <a:lnRef idx="2">
+            <a:schemeClr val="accent1"/>
+          </a:lnRef>
+          <a:fillRef idx="1">
+            <a:schemeClr val="lt1"/>
+          </a:fillRef>
+          <a:effectRef idx="0">
+            <a:schemeClr val="accent1"/>
+          </a:effectRef>
+          <a:fontRef idx="minor">
+            <a:schemeClr val="dk1"/>
+          </a:fontRef>
+        </p:style>
+        <p:txBody>
+          <a:bodyPr rtlCol="0" anchor="ctr"/>
+          <a:lstStyle/>
+          <a:p>
+            <a:pPr algn="ctr"/>
+            <a:r>
+              <a:rPr kumimoji="1" lang="en-US" altLang="ja-JP" sz="1400" smtClean="0">
+                <a:solidFill>
+                  <a:schemeClr val="accent5">
+                    <a:lumMod val="75000"/>
+                  </a:schemeClr>
+                </a:solidFill>
+                <a:latin typeface="+mj-ea"/>
+                <a:ea typeface="+mj-ea"/>
+              </a:rPr>
+              <a:t>Kana RSButton</a:t>
+            </a:r>
+            <a:endParaRPr kumimoji="1" lang="ja-JP" altLang="en-US" sz="1400" dirty="0">
+              <a:solidFill>
+                <a:schemeClr val="accent5">
+                  <a:lumMod val="75000"/>
+                </a:schemeClr>
+              </a:solidFill>
+              <a:latin typeface="+mj-ea"/>
+              <a:ea typeface="+mj-ea"/>
+            </a:endParaRPr>
+          </a:p>
+        </p:txBody>
+      </p:sp>
+      <p:sp>
+        <p:nvSpPr>
+          <p:cNvPr id="30" name="正方形/長方形 29"/>
+          <p:cNvSpPr/>
+          <p:nvPr/>
+        </p:nvSpPr>
+        <p:spPr>
+          <a:xfrm>
+            <a:off x="6173495" y="5318003"/>
+            <a:ext cx="2539646" cy="415754"/>
+          </a:xfrm>
+          <a:prstGeom prst="rect">
+            <a:avLst/>
+          </a:prstGeom>
+          <a:ln w="28575">
+            <a:solidFill>
+              <a:schemeClr val="accent5"/>
+            </a:solidFill>
+          </a:ln>
+        </p:spPr>
+        <p:style>
+          <a:lnRef idx="2">
+            <a:schemeClr val="accent1"/>
+          </a:lnRef>
+          <a:fillRef idx="1">
+            <a:schemeClr val="lt1"/>
+          </a:fillRef>
+          <a:effectRef idx="0">
+            <a:schemeClr val="accent1"/>
+          </a:effectRef>
+          <a:fontRef idx="minor">
+            <a:schemeClr val="dk1"/>
+          </a:fontRef>
+        </p:style>
+        <p:txBody>
+          <a:bodyPr rtlCol="0" anchor="ctr"/>
+          <a:lstStyle/>
+          <a:p>
+            <a:pPr algn="ctr"/>
+            <a:r>
+              <a:rPr kumimoji="1" lang="en-US" altLang="ja-JP" sz="1400" smtClean="0">
+                <a:solidFill>
+                  <a:schemeClr val="accent5">
+                    <a:lumMod val="75000"/>
+                  </a:schemeClr>
+                </a:solidFill>
+                <a:latin typeface="+mj-ea"/>
+                <a:ea typeface="+mj-ea"/>
+              </a:rPr>
+              <a:t>Wheel Control</a:t>
+            </a:r>
+            <a:endParaRPr kumimoji="1" lang="ja-JP" altLang="en-US" sz="1400" dirty="0">
+              <a:solidFill>
+                <a:schemeClr val="accent5">
+                  <a:lumMod val="75000"/>
+                </a:schemeClr>
+              </a:solidFill>
+              <a:latin typeface="+mj-ea"/>
+              <a:ea typeface="+mj-ea"/>
+            </a:endParaRPr>
+          </a:p>
+        </p:txBody>
+      </p:sp>
+      <p:cxnSp>
+        <p:nvCxnSpPr>
+          <p:cNvPr id="31" name="直線矢印コネクタ 30"/>
+          <p:cNvCxnSpPr>
+            <a:stCxn id="30" idx="1"/>
+            <a:endCxn id="13" idx="5"/>
+          </p:cNvCxnSpPr>
+          <p:nvPr/>
+        </p:nvCxnSpPr>
+        <p:spPr>
+          <a:xfrm flipH="1" flipV="1">
+            <a:off x="5673856" y="4761345"/>
+            <a:ext cx="499639" cy="764535"/>
+          </a:xfrm>
+          <a:prstGeom prst="straightConnector1">
+            <a:avLst/>
+          </a:prstGeom>
+          <a:ln w="28575">
+            <a:solidFill>
+              <a:schemeClr val="accent5"/>
+            </a:solidFill>
+            <a:tailEnd type="triangle"/>
+          </a:ln>
+        </p:spPr>
+        <p:style>
+          <a:lnRef idx="1">
+            <a:schemeClr val="accent1"/>
+          </a:lnRef>
+          <a:fillRef idx="0">
+            <a:schemeClr val="accent1"/>
+          </a:fillRef>
+          <a:effectRef idx="0">
+            <a:schemeClr val="accent1"/>
+          </a:effectRef>
+          <a:fontRef idx="minor">
+            <a:schemeClr val="tx1"/>
+          </a:fontRef>
+        </p:style>
+      </p:cxnSp>
+      <p:sp>
+        <p:nvSpPr>
+          <p:cNvPr id="35" name="正方形/長方形 34"/>
+          <p:cNvSpPr/>
+          <p:nvPr/>
+        </p:nvSpPr>
+        <p:spPr>
+          <a:xfrm>
+            <a:off x="373408" y="4538505"/>
+            <a:ext cx="1535420" cy="415754"/>
+          </a:xfrm>
+          <a:prstGeom prst="rect">
+            <a:avLst/>
+          </a:prstGeom>
+          <a:solidFill>
+            <a:schemeClr val="accent5"/>
+          </a:solidFill>
+          <a:ln w="28575">
+            <a:solidFill>
+              <a:schemeClr val="accent5"/>
+            </a:solidFill>
+          </a:ln>
+        </p:spPr>
+        <p:style>
+          <a:lnRef idx="2">
+            <a:schemeClr val="accent1"/>
+          </a:lnRef>
+          <a:fillRef idx="1">
+            <a:schemeClr val="lt1"/>
+          </a:fillRef>
+          <a:effectRef idx="0">
+            <a:schemeClr val="accent1"/>
+          </a:effectRef>
+          <a:fontRef idx="minor">
+            <a:schemeClr val="dk1"/>
+          </a:fontRef>
+        </p:style>
+        <p:txBody>
+          <a:bodyPr rtlCol="0" anchor="ctr"/>
+          <a:lstStyle/>
+          <a:p>
+            <a:pPr algn="ctr"/>
+            <a:endParaRPr lang="en-US" altLang="ja-JP" sz="100">
+              <a:solidFill>
+                <a:schemeClr val="bg1"/>
+              </a:solidFill>
+              <a:latin typeface="+mj-ea"/>
+              <a:ea typeface="+mj-ea"/>
+            </a:endParaRPr>
+          </a:p>
+          <a:p>
+            <a:pPr algn="ctr"/>
+            <a:r>
+              <a:rPr kumimoji="1" lang="en-US" altLang="ja-JP" sz="1400" smtClean="0">
+                <a:solidFill>
+                  <a:schemeClr val="bg1"/>
+                </a:solidFill>
+                <a:latin typeface="+mj-ea"/>
+                <a:ea typeface="+mj-ea"/>
+              </a:rPr>
+              <a:t>MODE CHANGE</a:t>
+            </a:r>
+            <a:endParaRPr kumimoji="1" lang="ja-JP" altLang="en-US" sz="1400" dirty="0">
+              <a:solidFill>
+                <a:schemeClr val="bg1"/>
+              </a:solidFill>
+              <a:latin typeface="+mj-ea"/>
+              <a:ea typeface="+mj-ea"/>
+            </a:endParaRPr>
+          </a:p>
+        </p:txBody>
+      </p:sp>
+      <p:cxnSp>
+        <p:nvCxnSpPr>
+          <p:cNvPr id="36" name="直線矢印コネクタ 35"/>
+          <p:cNvCxnSpPr>
+            <a:stCxn id="35" idx="3"/>
+          </p:cNvCxnSpPr>
+          <p:nvPr/>
+        </p:nvCxnSpPr>
+        <p:spPr>
+          <a:xfrm flipV="1">
+            <a:off x="1908828" y="3667125"/>
+            <a:ext cx="2191577" cy="1079257"/>
+          </a:xfrm>
+          <a:prstGeom prst="straightConnector1">
+            <a:avLst/>
+          </a:prstGeom>
+          <a:ln w="28575">
+            <a:solidFill>
+              <a:schemeClr val="accent5"/>
+            </a:solidFill>
+            <a:tailEnd type="triangle"/>
+          </a:ln>
+        </p:spPr>
+        <p:style>
+          <a:lnRef idx="1">
+            <a:schemeClr val="accent1"/>
+          </a:lnRef>
+          <a:fillRef idx="0">
+            <a:schemeClr val="accent1"/>
+          </a:fillRef>
+          <a:effectRef idx="0">
+            <a:schemeClr val="accent1"/>
+          </a:effectRef>
+          <a:fontRef idx="minor">
+            <a:schemeClr val="tx1"/>
+          </a:fontRef>
+        </p:style>
+      </p:cxnSp>
+      <p:sp>
+        <p:nvSpPr>
+          <p:cNvPr id="3" name="角丸四角形 2"/>
+          <p:cNvSpPr/>
+          <p:nvPr/>
+        </p:nvSpPr>
+        <p:spPr>
+          <a:xfrm rot="18900000">
+            <a:off x="5652671" y="3259807"/>
+            <a:ext cx="507853" cy="1070400"/>
+          </a:xfrm>
+          <a:prstGeom prst="roundRect">
+            <a:avLst/>
+          </a:prstGeom>
+          <a:noFill/>
+          <a:ln w="28575">
+            <a:solidFill>
+              <a:schemeClr val="accent5"/>
+            </a:solidFill>
+          </a:ln>
+        </p:spPr>
+        <p:style>
+          <a:lnRef idx="2">
+            <a:schemeClr val="accent1">
+              <a:shade val="50000"/>
+            </a:schemeClr>
+          </a:lnRef>
+          <a:fillRef idx="1">
+            <a:schemeClr val="accent1"/>
+          </a:fillRef>
+          <a:effectRef idx="0">
+            <a:schemeClr val="accent1"/>
+          </a:effectRef>
+          <a:fontRef idx="minor">
+            <a:schemeClr val="lt1"/>
+          </a:fontRef>
+        </p:style>
+        <p:txBody>
+          <a:bodyPr rtlCol="0" anchor="ctr"/>
+          <a:lstStyle/>
+          <a:p>
+            <a:pPr algn="ctr"/>
+            <a:endParaRPr kumimoji="1" lang="ja-JP" altLang="en-US">
+              <a:solidFill>
+                <a:srgbClr val="C00000"/>
+              </a:solidFill>
+            </a:endParaRPr>
+          </a:p>
+        </p:txBody>
+      </p:sp>
+      <p:sp>
+        <p:nvSpPr>
+          <p:cNvPr id="20" name="正方形/長方形 19"/>
+          <p:cNvSpPr/>
+          <p:nvPr/>
+        </p:nvSpPr>
+        <p:spPr>
+          <a:xfrm>
+            <a:off x="7336465" y="4664879"/>
+            <a:ext cx="1376676" cy="415754"/>
+          </a:xfrm>
+          <a:prstGeom prst="rect">
+            <a:avLst/>
+          </a:prstGeom>
+          <a:ln w="28575">
+            <a:solidFill>
+              <a:schemeClr val="accent5"/>
+            </a:solidFill>
+          </a:ln>
+        </p:spPr>
+        <p:style>
+          <a:lnRef idx="2">
+            <a:schemeClr val="accent1"/>
+          </a:lnRef>
+          <a:fillRef idx="1">
+            <a:schemeClr val="lt1"/>
+          </a:fillRef>
+          <a:effectRef idx="0">
+            <a:schemeClr val="accent1"/>
+          </a:effectRef>
+          <a:fontRef idx="minor">
+            <a:schemeClr val="dk1"/>
+          </a:fontRef>
+        </p:style>
+        <p:txBody>
+          <a:bodyPr rtlCol="0" anchor="ctr"/>
+          <a:lstStyle/>
+          <a:p>
+            <a:pPr algn="ctr"/>
+            <a:r>
+              <a:rPr kumimoji="1" lang="en-US" altLang="ja-JP" sz="1400" smtClean="0">
+                <a:solidFill>
+                  <a:schemeClr val="accent5">
+                    <a:lumMod val="75000"/>
+                  </a:schemeClr>
+                </a:solidFill>
+                <a:latin typeface="+mj-ea"/>
+                <a:ea typeface="+mj-ea"/>
+              </a:rPr>
+              <a:t>Mouse DPI</a:t>
+            </a:r>
+            <a:endParaRPr kumimoji="1" lang="ja-JP" altLang="en-US" sz="1400" dirty="0">
+              <a:solidFill>
+                <a:schemeClr val="accent5">
+                  <a:lumMod val="75000"/>
+                </a:schemeClr>
+              </a:solidFill>
+              <a:latin typeface="+mj-ea"/>
+              <a:ea typeface="+mj-ea"/>
+            </a:endParaRPr>
+          </a:p>
+        </p:txBody>
+      </p:sp>
+      <p:cxnSp>
+        <p:nvCxnSpPr>
+          <p:cNvPr id="21" name="直線矢印コネクタ 20"/>
+          <p:cNvCxnSpPr>
+            <a:stCxn id="20" idx="1"/>
+            <a:endCxn id="3" idx="2"/>
+          </p:cNvCxnSpPr>
+          <p:nvPr/>
+        </p:nvCxnSpPr>
+        <p:spPr>
+          <a:xfrm flipH="1" flipV="1">
+            <a:off x="6285041" y="4173450"/>
+            <a:ext cx="1051424" cy="699306"/>
+          </a:xfrm>
+          <a:prstGeom prst="straightConnector1">
+            <a:avLst/>
+          </a:prstGeom>
+          <a:ln w="28575">
+            <a:solidFill>
+              <a:schemeClr val="accent5"/>
+            </a:solidFill>
+            <a:tailEnd type="triangle"/>
+          </a:ln>
+        </p:spPr>
+        <p:style>
+          <a:lnRef idx="1">
+            <a:schemeClr val="accent1"/>
+          </a:lnRef>
+          <a:fillRef idx="0">
+            <a:schemeClr val="accent1"/>
+          </a:fillRef>
+          <a:effectRef idx="0">
+            <a:schemeClr val="accent1"/>
+          </a:effectRef>
+          <a:fontRef idx="minor">
+            <a:schemeClr val="tx1"/>
+          </a:fontRef>
+        </p:style>
+      </p:cxnSp>
+      <p:sp>
+        <p:nvSpPr>
+          <p:cNvPr id="13" name="円/楕円 12"/>
+          <p:cNvSpPr/>
+          <p:nvPr/>
+        </p:nvSpPr>
+        <p:spPr>
+          <a:xfrm>
+            <a:off x="4912241" y="3999730"/>
+            <a:ext cx="892288" cy="892288"/>
+          </a:xfrm>
+          <a:prstGeom prst="ellipse">
+            <a:avLst/>
+          </a:prstGeom>
+          <a:noFill/>
+          <a:ln w="28575">
+            <a:solidFill>
+              <a:schemeClr val="accent5"/>
+            </a:solidFill>
+          </a:ln>
+        </p:spPr>
+        <p:style>
+          <a:lnRef idx="2">
+            <a:schemeClr val="accent1">
+              <a:shade val="50000"/>
+            </a:schemeClr>
+          </a:lnRef>
+          <a:fillRef idx="1">
+            <a:schemeClr val="accent1"/>
+          </a:fillRef>
+          <a:effectRef idx="0">
+            <a:schemeClr val="accent1"/>
+          </a:effectRef>
+          <a:fontRef idx="minor">
+            <a:schemeClr val="lt1"/>
+          </a:fontRef>
+        </p:style>
+        <p:txBody>
+          <a:bodyPr rtlCol="0" anchor="ctr"/>
+          <a:lstStyle/>
+          <a:p>
+            <a:pPr algn="ctr"/>
+            <a:endParaRPr kumimoji="1" lang="ja-JP" altLang="en-US"/>
+          </a:p>
+        </p:txBody>
+      </p:sp>
+      <p:sp>
+        <p:nvSpPr>
+          <p:cNvPr id="28" name="正方形/長方形 27"/>
+          <p:cNvSpPr/>
+          <p:nvPr/>
+        </p:nvSpPr>
+        <p:spPr>
+          <a:xfrm>
+            <a:off x="5906597" y="6123514"/>
+            <a:ext cx="1713198" cy="415754"/>
+          </a:xfrm>
+          <a:prstGeom prst="rect">
+            <a:avLst/>
+          </a:prstGeom>
+          <a:ln w="28575">
+            <a:solidFill>
+              <a:schemeClr val="accent5"/>
+            </a:solidFill>
+          </a:ln>
+        </p:spPr>
+        <p:style>
+          <a:lnRef idx="2">
+            <a:schemeClr val="accent1"/>
+          </a:lnRef>
+          <a:fillRef idx="1">
+            <a:schemeClr val="lt1"/>
+          </a:fillRef>
+          <a:effectRef idx="0">
+            <a:schemeClr val="accent1"/>
+          </a:effectRef>
+          <a:fontRef idx="minor">
+            <a:schemeClr val="dk1"/>
+          </a:fontRef>
+        </p:style>
+        <p:txBody>
+          <a:bodyPr rtlCol="0" anchor="ctr"/>
+          <a:lstStyle/>
+          <a:p>
+            <a:pPr algn="ctr"/>
+            <a:r>
+              <a:rPr kumimoji="1" lang="en-US" altLang="ja-JP" sz="1400" smtClean="0">
+                <a:solidFill>
+                  <a:schemeClr val="accent5">
+                    <a:lumMod val="75000"/>
+                  </a:schemeClr>
+                </a:solidFill>
+                <a:latin typeface="+mj-ea"/>
+                <a:ea typeface="+mj-ea"/>
+              </a:rPr>
+              <a:t>Kana MButton</a:t>
+            </a:r>
+            <a:endParaRPr kumimoji="1" lang="ja-JP" altLang="en-US" sz="1400" dirty="0">
+              <a:solidFill>
+                <a:schemeClr val="accent5">
+                  <a:lumMod val="75000"/>
+                </a:schemeClr>
+              </a:solidFill>
+              <a:latin typeface="+mj-ea"/>
+              <a:ea typeface="+mj-ea"/>
+            </a:endParaRPr>
+          </a:p>
+        </p:txBody>
+      </p:sp>
+      <p:cxnSp>
+        <p:nvCxnSpPr>
+          <p:cNvPr id="29" name="直線矢印コネクタ 28"/>
+          <p:cNvCxnSpPr>
+            <a:stCxn id="28" idx="1"/>
+          </p:cNvCxnSpPr>
+          <p:nvPr/>
+        </p:nvCxnSpPr>
+        <p:spPr>
+          <a:xfrm flipH="1" flipV="1">
+            <a:off x="5358385" y="4483677"/>
+            <a:ext cx="548212" cy="1847714"/>
+          </a:xfrm>
+          <a:prstGeom prst="straightConnector1">
+            <a:avLst/>
+          </a:prstGeom>
+          <a:ln w="28575">
+            <a:solidFill>
+              <a:schemeClr val="accent5"/>
+            </a:solidFill>
+            <a:tailEnd type="triangle"/>
+          </a:ln>
+        </p:spPr>
+        <p:style>
+          <a:lnRef idx="1">
+            <a:schemeClr val="accent1"/>
+          </a:lnRef>
+          <a:fillRef idx="0">
+            <a:schemeClr val="accent1"/>
+          </a:fillRef>
+          <a:effectRef idx="0">
+            <a:schemeClr val="accent1"/>
+          </a:effectRef>
+          <a:fontRef idx="minor">
+            <a:schemeClr val="tx1"/>
+          </a:fontRef>
+        </p:style>
+      </p:cxnSp>
+      <p:sp>
+        <p:nvSpPr>
+          <p:cNvPr id="39" name="円/楕円 38"/>
+          <p:cNvSpPr/>
+          <p:nvPr/>
+        </p:nvSpPr>
+        <p:spPr>
+          <a:xfrm>
+            <a:off x="3380561" y="3999730"/>
+            <a:ext cx="892288" cy="892288"/>
+          </a:xfrm>
+          <a:prstGeom prst="ellipse">
+            <a:avLst/>
+          </a:prstGeom>
+          <a:noFill/>
+          <a:ln w="28575">
+            <a:solidFill>
+              <a:schemeClr val="accent5"/>
+            </a:solidFill>
+          </a:ln>
+        </p:spPr>
+        <p:style>
+          <a:lnRef idx="2">
+            <a:schemeClr val="accent1">
+              <a:shade val="50000"/>
+            </a:schemeClr>
+          </a:lnRef>
+          <a:fillRef idx="1">
+            <a:schemeClr val="accent1"/>
+          </a:fillRef>
+          <a:effectRef idx="0">
+            <a:schemeClr val="accent1"/>
+          </a:effectRef>
+          <a:fontRef idx="minor">
+            <a:schemeClr val="lt1"/>
+          </a:fontRef>
+        </p:style>
+        <p:txBody>
+          <a:bodyPr rtlCol="0" anchor="ctr"/>
+          <a:lstStyle/>
+          <a:p>
+            <a:pPr algn="ctr"/>
+            <a:endParaRPr kumimoji="1" lang="ja-JP" altLang="en-US"/>
+          </a:p>
+        </p:txBody>
+      </p:sp>
+      <p:cxnSp>
+        <p:nvCxnSpPr>
+          <p:cNvPr id="41" name="直線矢印コネクタ 40"/>
+          <p:cNvCxnSpPr/>
+          <p:nvPr/>
+        </p:nvCxnSpPr>
+        <p:spPr>
+          <a:xfrm flipV="1">
+            <a:off x="6088847" y="3865918"/>
+            <a:ext cx="0" cy="267623"/>
+          </a:xfrm>
+          <a:prstGeom prst="straightConnector1">
+            <a:avLst/>
+          </a:prstGeom>
+          <a:ln w="28575">
+            <a:solidFill>
+              <a:srgbClr val="C00000"/>
+            </a:solidFill>
+            <a:tailEnd type="triangle"/>
+          </a:ln>
+        </p:spPr>
+        <p:style>
+          <a:lnRef idx="1">
+            <a:schemeClr val="accent1"/>
+          </a:lnRef>
+          <a:fillRef idx="0">
+            <a:schemeClr val="accent1"/>
+          </a:fillRef>
+          <a:effectRef idx="0">
+            <a:schemeClr val="accent1"/>
+          </a:effectRef>
+          <a:fontRef idx="minor">
+            <a:schemeClr val="tx1"/>
+          </a:fontRef>
+        </p:style>
+      </p:cxnSp>
+      <p:cxnSp>
+        <p:nvCxnSpPr>
+          <p:cNvPr id="44" name="直線矢印コネクタ 43"/>
+          <p:cNvCxnSpPr/>
+          <p:nvPr/>
+        </p:nvCxnSpPr>
+        <p:spPr>
+          <a:xfrm>
+            <a:off x="5729150" y="3501587"/>
+            <a:ext cx="0" cy="267623"/>
+          </a:xfrm>
+          <a:prstGeom prst="straightConnector1">
+            <a:avLst/>
+          </a:prstGeom>
+          <a:ln w="28575">
+            <a:solidFill>
+              <a:srgbClr val="C00000"/>
+            </a:solidFill>
+            <a:tailEnd type="triangle"/>
+          </a:ln>
+        </p:spPr>
+        <p:style>
+          <a:lnRef idx="1">
+            <a:schemeClr val="accent1"/>
+          </a:lnRef>
+          <a:fillRef idx="0">
+            <a:schemeClr val="accent1"/>
+          </a:fillRef>
+          <a:effectRef idx="0">
+            <a:schemeClr val="accent1"/>
+          </a:effectRef>
+          <a:fontRef idx="minor">
+            <a:schemeClr val="tx1"/>
+          </a:fontRef>
+        </p:style>
+      </p:cxnSp>
+    </p:spTree>
+    <p:extLst>
+      <p:ext uri="{BB962C8B-B14F-4D97-AF65-F5344CB8AC3E}">
+        <p14:creationId xmlns:p14="http://schemas.microsoft.com/office/powerpoint/2010/main" val="3767917200"/>
       </p:ext>
     </p:extLst>
   </p:cSld>

--- a/MANUAL.pptx
+++ b/MANUAL.pptx
@@ -256,7 +256,7 @@
           <a:p>
             <a:fld id="{98B15ECE-60C4-45D4-8ABC-DDA7D4F33EF9}" type="datetimeFigureOut">
               <a:rPr kumimoji="1" lang="ja-JP" altLang="en-US" smtClean="0"/>
-              <a:t>2016/3/21</a:t>
+              <a:t>2016/5/3</a:t>
             </a:fld>
             <a:endParaRPr kumimoji="1" lang="ja-JP" altLang="en-US"/>
           </a:p>
@@ -621,7 +621,7 @@
           <a:p>
             <a:fld id="{B7FB55F5-4E42-4572-805F-119E805B59B2}" type="slidenum">
               <a:rPr kumimoji="1" lang="ja-JP" altLang="en-US" smtClean="0"/>
-              <a:t>4</a:t>
+              <a:t>1</a:t>
             </a:fld>
             <a:endParaRPr kumimoji="1" lang="ja-JP" altLang="en-US"/>
           </a:p>
@@ -630,7 +630,7 @@
     </p:spTree>
     <p:extLst>
       <p:ext uri="{BB962C8B-B14F-4D97-AF65-F5344CB8AC3E}">
-        <p14:creationId xmlns:p14="http://schemas.microsoft.com/office/powerpoint/2010/main" val="933608740"/>
+        <p14:creationId xmlns:p14="http://schemas.microsoft.com/office/powerpoint/2010/main" val="1441947952"/>
       </p:ext>
     </p:extLst>
   </p:cSld>
@@ -684,7 +684,7 @@
           <a:bodyPr/>
           <a:lstStyle/>
           <a:p>
-            <a:endParaRPr kumimoji="1" lang="en-US" altLang="ja-JP" smtClean="0"/>
+            <a:endParaRPr kumimoji="1" lang="ja-JP" altLang="en-US"/>
           </a:p>
         </p:txBody>
       </p:sp>
@@ -705,7 +705,7 @@
           <a:p>
             <a:fld id="{B7FB55F5-4E42-4572-805F-119E805B59B2}" type="slidenum">
               <a:rPr kumimoji="1" lang="ja-JP" altLang="en-US" smtClean="0"/>
-              <a:t>5</a:t>
+              <a:t>4</a:t>
             </a:fld>
             <a:endParaRPr kumimoji="1" lang="ja-JP" altLang="en-US"/>
           </a:p>
@@ -714,7 +714,7 @@
     </p:spTree>
     <p:extLst>
       <p:ext uri="{BB962C8B-B14F-4D97-AF65-F5344CB8AC3E}">
-        <p14:creationId xmlns:p14="http://schemas.microsoft.com/office/powerpoint/2010/main" val="2138553919"/>
+        <p14:creationId xmlns:p14="http://schemas.microsoft.com/office/powerpoint/2010/main" val="933608740"/>
       </p:ext>
     </p:extLst>
   </p:cSld>
@@ -768,7 +768,7 @@
           <a:bodyPr/>
           <a:lstStyle/>
           <a:p>
-            <a:endParaRPr kumimoji="1" lang="en-US" altLang="ja-JP" sz="1200" b="0" i="0" smtClean="0"/>
+            <a:endParaRPr kumimoji="1" lang="en-US" altLang="ja-JP" smtClean="0"/>
           </a:p>
         </p:txBody>
       </p:sp>
@@ -789,7 +789,7 @@
           <a:p>
             <a:fld id="{B7FB55F5-4E42-4572-805F-119E805B59B2}" type="slidenum">
               <a:rPr kumimoji="1" lang="ja-JP" altLang="en-US" smtClean="0"/>
-              <a:t>6</a:t>
+              <a:t>5</a:t>
             </a:fld>
             <a:endParaRPr kumimoji="1" lang="ja-JP" altLang="en-US"/>
           </a:p>
@@ -798,7 +798,7 @@
     </p:spTree>
     <p:extLst>
       <p:ext uri="{BB962C8B-B14F-4D97-AF65-F5344CB8AC3E}">
-        <p14:creationId xmlns:p14="http://schemas.microsoft.com/office/powerpoint/2010/main" val="2371876614"/>
+        <p14:creationId xmlns:p14="http://schemas.microsoft.com/office/powerpoint/2010/main" val="2138553919"/>
       </p:ext>
     </p:extLst>
   </p:cSld>
@@ -852,7 +852,7 @@
           <a:bodyPr/>
           <a:lstStyle/>
           <a:p>
-            <a:endParaRPr kumimoji="1" lang="ja-JP" altLang="en-US" dirty="0"/>
+            <a:endParaRPr kumimoji="1" lang="en-US" altLang="ja-JP" sz="1200" b="0" i="0" smtClean="0"/>
           </a:p>
         </p:txBody>
       </p:sp>
@@ -873,7 +873,7 @@
           <a:p>
             <a:fld id="{B7FB55F5-4E42-4572-805F-119E805B59B2}" type="slidenum">
               <a:rPr kumimoji="1" lang="ja-JP" altLang="en-US" smtClean="0"/>
-              <a:t>7</a:t>
+              <a:t>6</a:t>
             </a:fld>
             <a:endParaRPr kumimoji="1" lang="ja-JP" altLang="en-US"/>
           </a:p>
@@ -882,7 +882,7 @@
     </p:spTree>
     <p:extLst>
       <p:ext uri="{BB962C8B-B14F-4D97-AF65-F5344CB8AC3E}">
-        <p14:creationId xmlns:p14="http://schemas.microsoft.com/office/powerpoint/2010/main" val="3557979343"/>
+        <p14:creationId xmlns:p14="http://schemas.microsoft.com/office/powerpoint/2010/main" val="2371876614"/>
       </p:ext>
     </p:extLst>
   </p:cSld>
@@ -936,7 +936,7 @@
           <a:bodyPr/>
           <a:lstStyle/>
           <a:p>
-            <a:endParaRPr kumimoji="1" lang="ja-JP" altLang="en-US"/>
+            <a:endParaRPr kumimoji="1" lang="ja-JP" altLang="en-US" dirty="0"/>
           </a:p>
         </p:txBody>
       </p:sp>
@@ -957,7 +957,7 @@
           <a:p>
             <a:fld id="{B7FB55F5-4E42-4572-805F-119E805B59B2}" type="slidenum">
               <a:rPr kumimoji="1" lang="ja-JP" altLang="en-US" smtClean="0"/>
-              <a:t>8</a:t>
+              <a:t>7</a:t>
             </a:fld>
             <a:endParaRPr kumimoji="1" lang="ja-JP" altLang="en-US"/>
           </a:p>
@@ -966,7 +966,7 @@
     </p:spTree>
     <p:extLst>
       <p:ext uri="{BB962C8B-B14F-4D97-AF65-F5344CB8AC3E}">
-        <p14:creationId xmlns:p14="http://schemas.microsoft.com/office/powerpoint/2010/main" val="3622503315"/>
+        <p14:creationId xmlns:p14="http://schemas.microsoft.com/office/powerpoint/2010/main" val="3557979343"/>
       </p:ext>
     </p:extLst>
   </p:cSld>
@@ -1041,7 +1041,7 @@
           <a:p>
             <a:fld id="{B7FB55F5-4E42-4572-805F-119E805B59B2}" type="slidenum">
               <a:rPr kumimoji="1" lang="ja-JP" altLang="en-US" smtClean="0"/>
-              <a:t>9</a:t>
+              <a:t>8</a:t>
             </a:fld>
             <a:endParaRPr kumimoji="1" lang="ja-JP" altLang="en-US"/>
           </a:p>
@@ -1050,7 +1050,7 @@
     </p:spTree>
     <p:extLst>
       <p:ext uri="{BB962C8B-B14F-4D97-AF65-F5344CB8AC3E}">
-        <p14:creationId xmlns:p14="http://schemas.microsoft.com/office/powerpoint/2010/main" val="2078245803"/>
+        <p14:creationId xmlns:p14="http://schemas.microsoft.com/office/powerpoint/2010/main" val="3622503315"/>
       </p:ext>
     </p:extLst>
   </p:cSld>
@@ -1125,6 +1125,90 @@
           <a:p>
             <a:fld id="{B7FB55F5-4E42-4572-805F-119E805B59B2}" type="slidenum">
               <a:rPr kumimoji="1" lang="ja-JP" altLang="en-US" smtClean="0"/>
+              <a:t>9</a:t>
+            </a:fld>
+            <a:endParaRPr kumimoji="1" lang="ja-JP" altLang="en-US"/>
+          </a:p>
+        </p:txBody>
+      </p:sp>
+    </p:spTree>
+    <p:extLst>
+      <p:ext uri="{BB962C8B-B14F-4D97-AF65-F5344CB8AC3E}">
+        <p14:creationId xmlns:p14="http://schemas.microsoft.com/office/powerpoint/2010/main" val="2078245803"/>
+      </p:ext>
+    </p:extLst>
+  </p:cSld>
+  <p:clrMapOvr>
+    <a:masterClrMapping/>
+  </p:clrMapOvr>
+</p:notes>
+</file>
+
+<file path=ppt/notesSlides/notesSlide8.xml><?xml version="1.0" encoding="utf-8"?>
+<p:notes xmlns:a="http://schemas.openxmlformats.org/drawingml/2006/main" xmlns:r="http://schemas.openxmlformats.org/officeDocument/2006/relationships" xmlns:p="http://schemas.openxmlformats.org/presentationml/2006/main">
+  <p:cSld>
+    <p:spTree>
+      <p:nvGrpSpPr>
+        <p:cNvPr id="1" name=""/>
+        <p:cNvGrpSpPr/>
+        <p:nvPr/>
+      </p:nvGrpSpPr>
+      <p:grpSpPr>
+        <a:xfrm>
+          <a:off x="0" y="0"/>
+          <a:ext cx="0" cy="0"/>
+          <a:chOff x="0" y="0"/>
+          <a:chExt cx="0" cy="0"/>
+        </a:xfrm>
+      </p:grpSpPr>
+      <p:sp>
+        <p:nvSpPr>
+          <p:cNvPr id="2" name="スライド イメージ プレースホルダー 1"/>
+          <p:cNvSpPr>
+            <a:spLocks noGrp="1" noRot="1" noChangeAspect="1"/>
+          </p:cNvSpPr>
+          <p:nvPr>
+            <p:ph type="sldImg"/>
+          </p:nvPr>
+        </p:nvSpPr>
+        <p:spPr/>
+      </p:sp>
+      <p:sp>
+        <p:nvSpPr>
+          <p:cNvPr id="3" name="ノート プレースホルダー 2"/>
+          <p:cNvSpPr>
+            <a:spLocks noGrp="1"/>
+          </p:cNvSpPr>
+          <p:nvPr>
+            <p:ph type="body" idx="1"/>
+          </p:nvPr>
+        </p:nvSpPr>
+        <p:spPr/>
+        <p:txBody>
+          <a:bodyPr/>
+          <a:lstStyle/>
+          <a:p>
+            <a:endParaRPr kumimoji="1" lang="ja-JP" altLang="en-US"/>
+          </a:p>
+        </p:txBody>
+      </p:sp>
+      <p:sp>
+        <p:nvSpPr>
+          <p:cNvPr id="4" name="スライド番号プレースホルダー 3"/>
+          <p:cNvSpPr>
+            <a:spLocks noGrp="1"/>
+          </p:cNvSpPr>
+          <p:nvPr>
+            <p:ph type="sldNum" sz="quarter" idx="10"/>
+          </p:nvPr>
+        </p:nvSpPr>
+        <p:spPr/>
+        <p:txBody>
+          <a:bodyPr/>
+          <a:lstStyle/>
+          <a:p>
+            <a:fld id="{B7FB55F5-4E42-4572-805F-119E805B59B2}" type="slidenum">
+              <a:rPr kumimoji="1" lang="ja-JP" altLang="en-US" smtClean="0"/>
               <a:t>15</a:t>
             </a:fld>
             <a:endParaRPr kumimoji="1" lang="ja-JP" altLang="en-US"/>
@@ -1144,7 +1228,7 @@
 </p:notes>
 </file>
 
-<file path=ppt/notesSlides/notesSlide8.xml><?xml version="1.0" encoding="utf-8"?>
+<file path=ppt/notesSlides/notesSlide9.xml><?xml version="1.0" encoding="utf-8"?>
 <p:notes xmlns:a="http://schemas.openxmlformats.org/drawingml/2006/main" xmlns:r="http://schemas.openxmlformats.org/officeDocument/2006/relationships" xmlns:p="http://schemas.openxmlformats.org/presentationml/2006/main">
   <p:cSld>
     <p:spTree>
@@ -1359,7 +1443,7 @@
           <a:p>
             <a:fld id="{8FB4C7EE-3C5D-4F47-A8DE-21B759CA57C5}" type="datetimeFigureOut">
               <a:rPr kumimoji="1" lang="ja-JP" altLang="en-US" smtClean="0"/>
-              <a:t>2016/3/21</a:t>
+              <a:t>2016/5/3</a:t>
             </a:fld>
             <a:endParaRPr kumimoji="1" lang="ja-JP" altLang="en-US"/>
           </a:p>
@@ -1561,7 +1645,7 @@
           <a:p>
             <a:fld id="{8FB4C7EE-3C5D-4F47-A8DE-21B759CA57C5}" type="datetimeFigureOut">
               <a:rPr kumimoji="1" lang="ja-JP" altLang="en-US" smtClean="0"/>
-              <a:t>2016/3/21</a:t>
+              <a:t>2016/5/3</a:t>
             </a:fld>
             <a:endParaRPr kumimoji="1" lang="ja-JP" altLang="en-US"/>
           </a:p>
@@ -1773,7 +1857,7 @@
           <a:p>
             <a:fld id="{8FB4C7EE-3C5D-4F47-A8DE-21B759CA57C5}" type="datetimeFigureOut">
               <a:rPr kumimoji="1" lang="ja-JP" altLang="en-US" smtClean="0"/>
-              <a:t>2016/3/21</a:t>
+              <a:t>2016/5/3</a:t>
             </a:fld>
             <a:endParaRPr kumimoji="1" lang="ja-JP" altLang="en-US"/>
           </a:p>
@@ -1975,7 +2059,7 @@
           <a:p>
             <a:fld id="{8FB4C7EE-3C5D-4F47-A8DE-21B759CA57C5}" type="datetimeFigureOut">
               <a:rPr kumimoji="1" lang="ja-JP" altLang="en-US" smtClean="0"/>
-              <a:t>2016/3/21</a:t>
+              <a:t>2016/5/3</a:t>
             </a:fld>
             <a:endParaRPr kumimoji="1" lang="ja-JP" altLang="en-US"/>
           </a:p>
@@ -2219,7 +2303,7 @@
           <a:p>
             <a:fld id="{8FB4C7EE-3C5D-4F47-A8DE-21B759CA57C5}" type="datetimeFigureOut">
               <a:rPr kumimoji="1" lang="ja-JP" altLang="en-US" smtClean="0"/>
-              <a:t>2016/3/21</a:t>
+              <a:t>2016/5/3</a:t>
             </a:fld>
             <a:endParaRPr kumimoji="1" lang="ja-JP" altLang="en-US"/>
           </a:p>
@@ -2515,7 +2599,7 @@
           <a:p>
             <a:fld id="{8FB4C7EE-3C5D-4F47-A8DE-21B759CA57C5}" type="datetimeFigureOut">
               <a:rPr kumimoji="1" lang="ja-JP" altLang="en-US" smtClean="0"/>
-              <a:t>2016/3/21</a:t>
+              <a:t>2016/5/3</a:t>
             </a:fld>
             <a:endParaRPr kumimoji="1" lang="ja-JP" altLang="en-US"/>
           </a:p>
@@ -2946,7 +3030,7 @@
           <a:p>
             <a:fld id="{8FB4C7EE-3C5D-4F47-A8DE-21B759CA57C5}" type="datetimeFigureOut">
               <a:rPr kumimoji="1" lang="ja-JP" altLang="en-US" smtClean="0"/>
-              <a:t>2016/3/21</a:t>
+              <a:t>2016/5/3</a:t>
             </a:fld>
             <a:endParaRPr kumimoji="1" lang="ja-JP" altLang="en-US"/>
           </a:p>
@@ -3064,7 +3148,7 @@
           <a:p>
             <a:fld id="{8FB4C7EE-3C5D-4F47-A8DE-21B759CA57C5}" type="datetimeFigureOut">
               <a:rPr kumimoji="1" lang="ja-JP" altLang="en-US" smtClean="0"/>
-              <a:t>2016/3/21</a:t>
+              <a:t>2016/5/3</a:t>
             </a:fld>
             <a:endParaRPr kumimoji="1" lang="ja-JP" altLang="en-US"/>
           </a:p>
@@ -3159,7 +3243,7 @@
           <a:p>
             <a:fld id="{8FB4C7EE-3C5D-4F47-A8DE-21B759CA57C5}" type="datetimeFigureOut">
               <a:rPr kumimoji="1" lang="ja-JP" altLang="en-US" smtClean="0"/>
-              <a:t>2016/3/21</a:t>
+              <a:t>2016/5/3</a:t>
             </a:fld>
             <a:endParaRPr kumimoji="1" lang="ja-JP" altLang="en-US"/>
           </a:p>
@@ -3468,7 +3552,7 @@
           <a:p>
             <a:fld id="{8FB4C7EE-3C5D-4F47-A8DE-21B759CA57C5}" type="datetimeFigureOut">
               <a:rPr kumimoji="1" lang="ja-JP" altLang="en-US" smtClean="0"/>
-              <a:t>2016/3/21</a:t>
+              <a:t>2016/5/3</a:t>
             </a:fld>
             <a:endParaRPr kumimoji="1" lang="ja-JP" altLang="en-US"/>
           </a:p>
@@ -3725,7 +3809,7 @@
           <a:p>
             <a:fld id="{8FB4C7EE-3C5D-4F47-A8DE-21B759CA57C5}" type="datetimeFigureOut">
               <a:rPr kumimoji="1" lang="ja-JP" altLang="en-US" smtClean="0"/>
-              <a:t>2016/3/21</a:t>
+              <a:t>2016/5/3</a:t>
             </a:fld>
             <a:endParaRPr kumimoji="1" lang="ja-JP" altLang="en-US"/>
           </a:p>
@@ -3970,7 +4054,7 @@
           <a:p>
             <a:fld id="{8FB4C7EE-3C5D-4F47-A8DE-21B759CA57C5}" type="datetimeFigureOut">
               <a:rPr kumimoji="1" lang="ja-JP" altLang="en-US" smtClean="0"/>
-              <a:t>2016/3/21</a:t>
+              <a:t>2016/5/3</a:t>
             </a:fld>
             <a:endParaRPr kumimoji="1" lang="ja-JP" altLang="en-US"/>
           </a:p>
@@ -7192,14 +7276,14 @@
       </p:sp>
       <p:sp>
         <p:nvSpPr>
-          <p:cNvPr id="63" name="テキスト ボックス 62"/>
+          <p:cNvPr id="64" name="テキスト ボックス 63"/>
           <p:cNvSpPr txBox="1"/>
           <p:nvPr/>
         </p:nvSpPr>
         <p:spPr>
           <a:xfrm>
-            <a:off x="1848403" y="2522124"/>
-            <a:ext cx="4971233" cy="523220"/>
+            <a:off x="451797" y="1390249"/>
+            <a:ext cx="2634054" cy="369332"/>
           </a:xfrm>
           <a:prstGeom prst="rect">
             <a:avLst/>
@@ -7213,31 +7297,22 @@
           <a:lstStyle/>
           <a:p>
             <a:r>
-              <a:rPr lang="ja-JP" altLang="en-US" sz="2800" smtClean="0">
-                <a:solidFill>
-                  <a:schemeClr val="accent6">
-                    <a:lumMod val="75000"/>
-                  </a:schemeClr>
-                </a:solidFill>
-              </a:rPr>
-              <a:t>意外にいい感じに動く、</a:t>
-            </a:r>
-            <a:r>
-              <a:rPr lang="en-US" altLang="ja-JP" sz="2800" smtClean="0">
-                <a:solidFill>
-                  <a:schemeClr val="accent6">
-                    <a:lumMod val="75000"/>
-                  </a:schemeClr>
-                </a:solidFill>
-              </a:rPr>
-              <a:t>FIXED</a:t>
-            </a:r>
-            <a:endParaRPr kumimoji="1" lang="ja-JP" altLang="en-US" sz="2800">
-              <a:solidFill>
-                <a:schemeClr val="accent5">
-                  <a:lumMod val="75000"/>
-                </a:schemeClr>
-              </a:solidFill>
+              <a:rPr kumimoji="1" lang="ja-JP" altLang="en-US" smtClean="0">
+                <a:latin typeface="+mj-ea"/>
+                <a:ea typeface="+mj-ea"/>
+              </a:rPr>
+              <a:t>マウス操作バインド＋</a:t>
+            </a:r>
+            <a:r>
+              <a:rPr lang="en-US" altLang="ja-JP">
+                <a:latin typeface="+mj-ea"/>
+                <a:ea typeface="+mj-ea"/>
+              </a:rPr>
+              <a:t>α</a:t>
+            </a:r>
+            <a:endParaRPr kumimoji="1" lang="ja-JP" altLang="en-US">
+              <a:latin typeface="+mj-ea"/>
+              <a:ea typeface="+mj-ea"/>
             </a:endParaRPr>
           </a:p>
         </p:txBody>
@@ -9557,6 +9632,24 @@
           <a:lstStyle/>
           <a:p>
             <a:pPr algn="ctr"/>
+            <a:r>
+              <a:rPr kumimoji="1" lang="ja-JP" altLang="en-US" sz="900" smtClean="0">
+                <a:latin typeface="+mn-ea"/>
+              </a:rPr>
+              <a:t>トリ</a:t>
+            </a:r>
+            <a:endParaRPr kumimoji="1" lang="en-US" altLang="ja-JP" sz="900" smtClean="0">
+              <a:latin typeface="+mn-ea"/>
+            </a:endParaRPr>
+          </a:p>
+          <a:p>
+            <a:pPr algn="ctr"/>
+            <a:r>
+              <a:rPr kumimoji="1" lang="ja-JP" altLang="en-US" sz="900" smtClean="0">
+                <a:latin typeface="+mn-ea"/>
+              </a:rPr>
+              <a:t>ミング</a:t>
+            </a:r>
             <a:endParaRPr kumimoji="1" lang="ja-JP" altLang="en-US" sz="900" dirty="0">
               <a:latin typeface="+mn-ea"/>
             </a:endParaRPr>
@@ -35276,6 +35369,13 @@
             <a:endParaRPr kumimoji="1" lang="en-US" altLang="ja-JP" smtClean="0"/>
           </a:p>
           <a:p>
+            <a:endParaRPr lang="en-US" altLang="ja-JP" smtClean="0"/>
+          </a:p>
+          <a:p>
+            <a:r>
+              <a:rPr lang="ja-JP" altLang="en-US"/>
+              <a:t>候補</a:t>
+            </a:r>
             <a:endParaRPr lang="en-US" altLang="ja-JP"/>
           </a:p>
           <a:p>
@@ -35296,12 +35396,13 @@
           <a:p>
             <a:r>
               <a:rPr lang="ja-JP" altLang="en-US" smtClean="0"/>
-              <a:t>・テンキー系の実装？</a:t>
+              <a:t>・テンキー系の実装</a:t>
+            </a:r>
+            <a:r>
+              <a:rPr lang="ja-JP" altLang="en-US" smtClean="0"/>
+              <a:t>？＝＞現状のテンキーのが便利</a:t>
             </a:r>
             <a:endParaRPr kumimoji="1" lang="en-US" altLang="ja-JP" smtClean="0"/>
-          </a:p>
-          <a:p>
-            <a:endParaRPr kumimoji="1" lang="ja-JP" altLang="en-US"/>
           </a:p>
         </p:txBody>
       </p:sp>
@@ -38747,6 +38848,93 @@
           </a:p>
         </p:txBody>
       </p:sp>
+      <p:sp>
+        <p:nvSpPr>
+          <p:cNvPr id="63" name="テキスト ボックス 62"/>
+          <p:cNvSpPr txBox="1"/>
+          <p:nvPr/>
+        </p:nvSpPr>
+        <p:spPr>
+          <a:xfrm>
+            <a:off x="451797" y="1390249"/>
+            <a:ext cx="5105500" cy="646331"/>
+          </a:xfrm>
+          <a:prstGeom prst="rect">
+            <a:avLst/>
+          </a:prstGeom>
+          <a:noFill/>
+        </p:spPr>
+        <p:txBody>
+          <a:bodyPr wrap="none" rtlCol="0">
+            <a:spAutoFit/>
+          </a:bodyPr>
+          <a:lstStyle/>
+          <a:p>
+            <a:r>
+              <a:rPr lang="ja-JP" altLang="en-US" smtClean="0">
+                <a:latin typeface="+mj-ea"/>
+                <a:ea typeface="+mj-ea"/>
+              </a:rPr>
+              <a:t>ランチャー兼</a:t>
+            </a:r>
+            <a:r>
+              <a:rPr lang="en-US" altLang="ja-JP" smtClean="0">
+                <a:latin typeface="+mj-ea"/>
+                <a:ea typeface="+mj-ea"/>
+              </a:rPr>
+              <a:t>AltTab</a:t>
+            </a:r>
+          </a:p>
+          <a:p>
+            <a:r>
+              <a:rPr kumimoji="1" lang="en-US" altLang="ja-JP" smtClean="0">
+                <a:latin typeface="+mj-ea"/>
+                <a:ea typeface="+mj-ea"/>
+              </a:rPr>
+              <a:t>1~0</a:t>
+            </a:r>
+            <a:r>
+              <a:rPr kumimoji="1" lang="ja-JP" altLang="en-US" smtClean="0">
+                <a:latin typeface="+mj-ea"/>
+                <a:ea typeface="+mj-ea"/>
+              </a:rPr>
+              <a:t>（数字キー）は</a:t>
+            </a:r>
+            <a:r>
+              <a:rPr kumimoji="1" lang="en-US" altLang="ja-JP" smtClean="0">
+                <a:latin typeface="+mj-ea"/>
+                <a:ea typeface="+mj-ea"/>
+              </a:rPr>
+              <a:t>Explorer</a:t>
+            </a:r>
+            <a:r>
+              <a:rPr kumimoji="1" lang="ja-JP" altLang="en-US" smtClean="0">
+                <a:latin typeface="+mj-ea"/>
+                <a:ea typeface="+mj-ea"/>
+              </a:rPr>
+              <a:t>上で</a:t>
+            </a:r>
+            <a:r>
+              <a:rPr kumimoji="1" lang="en-US" altLang="ja-JP" smtClean="0">
+                <a:latin typeface="+mj-ea"/>
+                <a:ea typeface="+mj-ea"/>
+              </a:rPr>
+              <a:t>Shift</a:t>
+            </a:r>
+            <a:r>
+              <a:rPr kumimoji="1" lang="ja-JP" altLang="en-US" smtClean="0">
+                <a:latin typeface="+mj-ea"/>
+                <a:ea typeface="+mj-ea"/>
+              </a:rPr>
+              <a:t>登録可能</a:t>
+            </a:r>
+            <a:endParaRPr kumimoji="1" lang="ja-JP" altLang="en-US">
+              <a:latin typeface="+mj-ea"/>
+              <a:ea typeface="+mj-ea"/>
+            </a:endParaRPr>
+          </a:p>
+        </p:txBody>
+      </p:sp>
     </p:spTree>
     <p:extLst>
       <p:ext uri="{BB962C8B-B14F-4D97-AF65-F5344CB8AC3E}">
@@ -40102,7 +40290,30 @@
           <a:lstStyle/>
           <a:p>
             <a:pPr algn="ctr"/>
-            <a:endParaRPr kumimoji="1" lang="ja-JP" altLang="en-US" sz="1400" dirty="0">
+            <a:r>
+              <a:rPr kumimoji="1" lang="en-US" altLang="ja-JP" sz="1050" smtClean="0">
+                <a:solidFill>
+                  <a:schemeClr val="accent6">
+                    <a:lumMod val="75000"/>
+                  </a:schemeClr>
+                </a:solidFill>
+              </a:rPr>
+              <a:t>Sound</a:t>
+            </a:r>
+          </a:p>
+          <a:p>
+            <a:pPr algn="ctr"/>
+            <a:r>
+              <a:rPr kumimoji="1" lang="en-US" altLang="ja-JP" sz="1050" smtClean="0">
+                <a:solidFill>
+                  <a:schemeClr val="accent6">
+                    <a:lumMod val="75000"/>
+                  </a:schemeClr>
+                </a:solidFill>
+              </a:rPr>
+              <a:t>Change</a:t>
+            </a:r>
+            <a:endParaRPr kumimoji="1" lang="ja-JP" altLang="en-US" sz="1050" dirty="0">
               <a:solidFill>
                 <a:schemeClr val="accent6">
                   <a:lumMod val="75000"/>
@@ -40153,7 +40364,30 @@
           <a:lstStyle/>
           <a:p>
             <a:pPr algn="ctr"/>
-            <a:endParaRPr kumimoji="1" lang="ja-JP" altLang="en-US" sz="1400" dirty="0">
+            <a:r>
+              <a:rPr lang="en-US" altLang="ja-JP" sz="1050">
+                <a:solidFill>
+                  <a:schemeClr val="accent6">
+                    <a:lumMod val="75000"/>
+                  </a:schemeClr>
+                </a:solidFill>
+              </a:rPr>
+              <a:t>Sound</a:t>
+            </a:r>
+          </a:p>
+          <a:p>
+            <a:pPr algn="ctr"/>
+            <a:r>
+              <a:rPr lang="en-US" altLang="ja-JP" sz="1050" smtClean="0">
+                <a:solidFill>
+                  <a:schemeClr val="accent6">
+                    <a:lumMod val="75000"/>
+                  </a:schemeClr>
+                </a:solidFill>
+              </a:rPr>
+              <a:t>Change</a:t>
+            </a:r>
+            <a:endParaRPr lang="ja-JP" altLang="en-US" sz="1050">
               <a:solidFill>
                 <a:schemeClr val="accent6">
                   <a:lumMod val="75000"/>

--- a/MANUAL.pptx
+++ b/MANUAL.pptx
@@ -21,10 +21,10 @@
     <p:sldId id="291" r:id="rId12"/>
     <p:sldId id="300" r:id="rId13"/>
     <p:sldId id="303" r:id="rId14"/>
-    <p:sldId id="262" r:id="rId15"/>
-    <p:sldId id="267" r:id="rId16"/>
-    <p:sldId id="269" r:id="rId17"/>
-    <p:sldId id="266" r:id="rId18"/>
+    <p:sldId id="306" r:id="rId15"/>
+    <p:sldId id="310" r:id="rId16"/>
+    <p:sldId id="309" r:id="rId17"/>
+    <p:sldId id="311" r:id="rId18"/>
     <p:sldId id="305" r:id="rId19"/>
   </p:sldIdLst>
   <p:sldSz cx="9144000" cy="6858000" type="screen4x3"/>
@@ -152,12 +152,12 @@
             <p14:sldId id="303"/>
           </p14:sldIdLst>
         </p14:section>
-        <p14:section name="Mouse_Steel_Kana" id="{0AAD51D3-0BE5-4007-9022-D3725A3255BC}">
+        <p14:section name="Mouse_Steel_Rival" id="{0AAD51D3-0BE5-4007-9022-D3725A3255BC}">
           <p14:sldIdLst>
-            <p14:sldId id="262"/>
-            <p14:sldId id="267"/>
-            <p14:sldId id="269"/>
-            <p14:sldId id="266"/>
+            <p14:sldId id="306"/>
+            <p14:sldId id="310"/>
+            <p14:sldId id="309"/>
+            <p14:sldId id="311"/>
           </p14:sldIdLst>
         </p14:section>
         <p14:section name="Pad" id="{124F1AB6-29F9-4A46-A1F6-D2BA2CD850FD}">
@@ -256,7 +256,7 @@
           <a:p>
             <a:fld id="{98B15ECE-60C4-45D4-8ABC-DDA7D4F33EF9}" type="datetimeFigureOut">
               <a:rPr kumimoji="1" lang="ja-JP" altLang="en-US" smtClean="0"/>
-              <a:t>2016/5/3</a:t>
+              <a:t>2016/7/4</a:t>
             </a:fld>
             <a:endParaRPr kumimoji="1" lang="ja-JP" altLang="en-US"/>
           </a:p>
@@ -1144,174 +1144,6 @@
 </p:notes>
 </file>
 
-<file path=ppt/notesSlides/notesSlide8.xml><?xml version="1.0" encoding="utf-8"?>
-<p:notes xmlns:a="http://schemas.openxmlformats.org/drawingml/2006/main" xmlns:r="http://schemas.openxmlformats.org/officeDocument/2006/relationships" xmlns:p="http://schemas.openxmlformats.org/presentationml/2006/main">
-  <p:cSld>
-    <p:spTree>
-      <p:nvGrpSpPr>
-        <p:cNvPr id="1" name=""/>
-        <p:cNvGrpSpPr/>
-        <p:nvPr/>
-      </p:nvGrpSpPr>
-      <p:grpSpPr>
-        <a:xfrm>
-          <a:off x="0" y="0"/>
-          <a:ext cx="0" cy="0"/>
-          <a:chOff x="0" y="0"/>
-          <a:chExt cx="0" cy="0"/>
-        </a:xfrm>
-      </p:grpSpPr>
-      <p:sp>
-        <p:nvSpPr>
-          <p:cNvPr id="2" name="スライド イメージ プレースホルダー 1"/>
-          <p:cNvSpPr>
-            <a:spLocks noGrp="1" noRot="1" noChangeAspect="1"/>
-          </p:cNvSpPr>
-          <p:nvPr>
-            <p:ph type="sldImg"/>
-          </p:nvPr>
-        </p:nvSpPr>
-        <p:spPr/>
-      </p:sp>
-      <p:sp>
-        <p:nvSpPr>
-          <p:cNvPr id="3" name="ノート プレースホルダー 2"/>
-          <p:cNvSpPr>
-            <a:spLocks noGrp="1"/>
-          </p:cNvSpPr>
-          <p:nvPr>
-            <p:ph type="body" idx="1"/>
-          </p:nvPr>
-        </p:nvSpPr>
-        <p:spPr/>
-        <p:txBody>
-          <a:bodyPr/>
-          <a:lstStyle/>
-          <a:p>
-            <a:endParaRPr kumimoji="1" lang="ja-JP" altLang="en-US"/>
-          </a:p>
-        </p:txBody>
-      </p:sp>
-      <p:sp>
-        <p:nvSpPr>
-          <p:cNvPr id="4" name="スライド番号プレースホルダー 3"/>
-          <p:cNvSpPr>
-            <a:spLocks noGrp="1"/>
-          </p:cNvSpPr>
-          <p:nvPr>
-            <p:ph type="sldNum" sz="quarter" idx="10"/>
-          </p:nvPr>
-        </p:nvSpPr>
-        <p:spPr/>
-        <p:txBody>
-          <a:bodyPr/>
-          <a:lstStyle/>
-          <a:p>
-            <a:fld id="{B7FB55F5-4E42-4572-805F-119E805B59B2}" type="slidenum">
-              <a:rPr kumimoji="1" lang="ja-JP" altLang="en-US" smtClean="0"/>
-              <a:t>15</a:t>
-            </a:fld>
-            <a:endParaRPr kumimoji="1" lang="ja-JP" altLang="en-US"/>
-          </a:p>
-        </p:txBody>
-      </p:sp>
-    </p:spTree>
-    <p:extLst>
-      <p:ext uri="{BB962C8B-B14F-4D97-AF65-F5344CB8AC3E}">
-        <p14:creationId xmlns:p14="http://schemas.microsoft.com/office/powerpoint/2010/main" val="3377821077"/>
-      </p:ext>
-    </p:extLst>
-  </p:cSld>
-  <p:clrMapOvr>
-    <a:masterClrMapping/>
-  </p:clrMapOvr>
-</p:notes>
-</file>
-
-<file path=ppt/notesSlides/notesSlide9.xml><?xml version="1.0" encoding="utf-8"?>
-<p:notes xmlns:a="http://schemas.openxmlformats.org/drawingml/2006/main" xmlns:r="http://schemas.openxmlformats.org/officeDocument/2006/relationships" xmlns:p="http://schemas.openxmlformats.org/presentationml/2006/main">
-  <p:cSld>
-    <p:spTree>
-      <p:nvGrpSpPr>
-        <p:cNvPr id="1" name=""/>
-        <p:cNvGrpSpPr/>
-        <p:nvPr/>
-      </p:nvGrpSpPr>
-      <p:grpSpPr>
-        <a:xfrm>
-          <a:off x="0" y="0"/>
-          <a:ext cx="0" cy="0"/>
-          <a:chOff x="0" y="0"/>
-          <a:chExt cx="0" cy="0"/>
-        </a:xfrm>
-      </p:grpSpPr>
-      <p:sp>
-        <p:nvSpPr>
-          <p:cNvPr id="2" name="スライド イメージ プレースホルダー 1"/>
-          <p:cNvSpPr>
-            <a:spLocks noGrp="1" noRot="1" noChangeAspect="1"/>
-          </p:cNvSpPr>
-          <p:nvPr>
-            <p:ph type="sldImg"/>
-          </p:nvPr>
-        </p:nvSpPr>
-        <p:spPr/>
-      </p:sp>
-      <p:sp>
-        <p:nvSpPr>
-          <p:cNvPr id="3" name="ノート プレースホルダー 2"/>
-          <p:cNvSpPr>
-            <a:spLocks noGrp="1"/>
-          </p:cNvSpPr>
-          <p:nvPr>
-            <p:ph type="body" idx="1"/>
-          </p:nvPr>
-        </p:nvSpPr>
-        <p:spPr/>
-        <p:txBody>
-          <a:bodyPr/>
-          <a:lstStyle/>
-          <a:p>
-            <a:endParaRPr kumimoji="1" lang="ja-JP" altLang="en-US" dirty="0"/>
-          </a:p>
-        </p:txBody>
-      </p:sp>
-      <p:sp>
-        <p:nvSpPr>
-          <p:cNvPr id="4" name="スライド番号プレースホルダー 3"/>
-          <p:cNvSpPr>
-            <a:spLocks noGrp="1"/>
-          </p:cNvSpPr>
-          <p:nvPr>
-            <p:ph type="sldNum" sz="quarter" idx="10"/>
-          </p:nvPr>
-        </p:nvSpPr>
-        <p:spPr/>
-        <p:txBody>
-          <a:bodyPr/>
-          <a:lstStyle/>
-          <a:p>
-            <a:fld id="{B7FB55F5-4E42-4572-805F-119E805B59B2}" type="slidenum">
-              <a:rPr kumimoji="1" lang="ja-JP" altLang="en-US" smtClean="0"/>
-              <a:t>17</a:t>
-            </a:fld>
-            <a:endParaRPr kumimoji="1" lang="ja-JP" altLang="en-US"/>
-          </a:p>
-        </p:txBody>
-      </p:sp>
-    </p:spTree>
-    <p:extLst>
-      <p:ext uri="{BB962C8B-B14F-4D97-AF65-F5344CB8AC3E}">
-        <p14:creationId xmlns:p14="http://schemas.microsoft.com/office/powerpoint/2010/main" val="2354743794"/>
-      </p:ext>
-    </p:extLst>
-  </p:cSld>
-  <p:clrMapOvr>
-    <a:masterClrMapping/>
-  </p:clrMapOvr>
-</p:notes>
-</file>
-
 <file path=ppt/slideLayouts/slideLayout1.xml><?xml version="1.0" encoding="utf-8"?>
 <p:sldLayout xmlns:a="http://schemas.openxmlformats.org/drawingml/2006/main" xmlns:r="http://schemas.openxmlformats.org/officeDocument/2006/relationships" xmlns:p="http://schemas.openxmlformats.org/presentationml/2006/main" type="title" preserve="1">
   <p:cSld name="タイトル スライド">
@@ -1443,7 +1275,7 @@
           <a:p>
             <a:fld id="{8FB4C7EE-3C5D-4F47-A8DE-21B759CA57C5}" type="datetimeFigureOut">
               <a:rPr kumimoji="1" lang="ja-JP" altLang="en-US" smtClean="0"/>
-              <a:t>2016/5/3</a:t>
+              <a:t>2016/7/4</a:t>
             </a:fld>
             <a:endParaRPr kumimoji="1" lang="ja-JP" altLang="en-US"/>
           </a:p>
@@ -1645,7 +1477,7 @@
           <a:p>
             <a:fld id="{8FB4C7EE-3C5D-4F47-A8DE-21B759CA57C5}" type="datetimeFigureOut">
               <a:rPr kumimoji="1" lang="ja-JP" altLang="en-US" smtClean="0"/>
-              <a:t>2016/5/3</a:t>
+              <a:t>2016/7/4</a:t>
             </a:fld>
             <a:endParaRPr kumimoji="1" lang="ja-JP" altLang="en-US"/>
           </a:p>
@@ -1857,7 +1689,7 @@
           <a:p>
             <a:fld id="{8FB4C7EE-3C5D-4F47-A8DE-21B759CA57C5}" type="datetimeFigureOut">
               <a:rPr kumimoji="1" lang="ja-JP" altLang="en-US" smtClean="0"/>
-              <a:t>2016/5/3</a:t>
+              <a:t>2016/7/4</a:t>
             </a:fld>
             <a:endParaRPr kumimoji="1" lang="ja-JP" altLang="en-US"/>
           </a:p>
@@ -2059,7 +1891,7 @@
           <a:p>
             <a:fld id="{8FB4C7EE-3C5D-4F47-A8DE-21B759CA57C5}" type="datetimeFigureOut">
               <a:rPr kumimoji="1" lang="ja-JP" altLang="en-US" smtClean="0"/>
-              <a:t>2016/5/3</a:t>
+              <a:t>2016/7/4</a:t>
             </a:fld>
             <a:endParaRPr kumimoji="1" lang="ja-JP" altLang="en-US"/>
           </a:p>
@@ -2303,7 +2135,7 @@
           <a:p>
             <a:fld id="{8FB4C7EE-3C5D-4F47-A8DE-21B759CA57C5}" type="datetimeFigureOut">
               <a:rPr kumimoji="1" lang="ja-JP" altLang="en-US" smtClean="0"/>
-              <a:t>2016/5/3</a:t>
+              <a:t>2016/7/4</a:t>
             </a:fld>
             <a:endParaRPr kumimoji="1" lang="ja-JP" altLang="en-US"/>
           </a:p>
@@ -2599,7 +2431,7 @@
           <a:p>
             <a:fld id="{8FB4C7EE-3C5D-4F47-A8DE-21B759CA57C5}" type="datetimeFigureOut">
               <a:rPr kumimoji="1" lang="ja-JP" altLang="en-US" smtClean="0"/>
-              <a:t>2016/5/3</a:t>
+              <a:t>2016/7/4</a:t>
             </a:fld>
             <a:endParaRPr kumimoji="1" lang="ja-JP" altLang="en-US"/>
           </a:p>
@@ -3030,7 +2862,7 @@
           <a:p>
             <a:fld id="{8FB4C7EE-3C5D-4F47-A8DE-21B759CA57C5}" type="datetimeFigureOut">
               <a:rPr kumimoji="1" lang="ja-JP" altLang="en-US" smtClean="0"/>
-              <a:t>2016/5/3</a:t>
+              <a:t>2016/7/4</a:t>
             </a:fld>
             <a:endParaRPr kumimoji="1" lang="ja-JP" altLang="en-US"/>
           </a:p>
@@ -3148,7 +2980,7 @@
           <a:p>
             <a:fld id="{8FB4C7EE-3C5D-4F47-A8DE-21B759CA57C5}" type="datetimeFigureOut">
               <a:rPr kumimoji="1" lang="ja-JP" altLang="en-US" smtClean="0"/>
-              <a:t>2016/5/3</a:t>
+              <a:t>2016/7/4</a:t>
             </a:fld>
             <a:endParaRPr kumimoji="1" lang="ja-JP" altLang="en-US"/>
           </a:p>
@@ -3243,7 +3075,7 @@
           <a:p>
             <a:fld id="{8FB4C7EE-3C5D-4F47-A8DE-21B759CA57C5}" type="datetimeFigureOut">
               <a:rPr kumimoji="1" lang="ja-JP" altLang="en-US" smtClean="0"/>
-              <a:t>2016/5/3</a:t>
+              <a:t>2016/7/4</a:t>
             </a:fld>
             <a:endParaRPr kumimoji="1" lang="ja-JP" altLang="en-US"/>
           </a:p>
@@ -3552,7 +3384,7 @@
           <a:p>
             <a:fld id="{8FB4C7EE-3C5D-4F47-A8DE-21B759CA57C5}" type="datetimeFigureOut">
               <a:rPr kumimoji="1" lang="ja-JP" altLang="en-US" smtClean="0"/>
-              <a:t>2016/5/3</a:t>
+              <a:t>2016/7/4</a:t>
             </a:fld>
             <a:endParaRPr kumimoji="1" lang="ja-JP" altLang="en-US"/>
           </a:p>
@@ -3809,7 +3641,7 @@
           <a:p>
             <a:fld id="{8FB4C7EE-3C5D-4F47-A8DE-21B759CA57C5}" type="datetimeFigureOut">
               <a:rPr kumimoji="1" lang="ja-JP" altLang="en-US" smtClean="0"/>
-              <a:t>2016/5/3</a:t>
+              <a:t>2016/7/4</a:t>
             </a:fld>
             <a:endParaRPr kumimoji="1" lang="ja-JP" altLang="en-US"/>
           </a:p>
@@ -4054,7 +3886,7 @@
           <a:p>
             <a:fld id="{8FB4C7EE-3C5D-4F47-A8DE-21B759CA57C5}" type="datetimeFigureOut">
               <a:rPr kumimoji="1" lang="ja-JP" altLang="en-US" smtClean="0"/>
-              <a:t>2016/5/3</a:t>
+              <a:t>2016/7/4</a:t>
             </a:fld>
             <a:endParaRPr kumimoji="1" lang="ja-JP" altLang="en-US"/>
           </a:p>
@@ -15011,42 +14843,34 @@
         </p:nvSpPr>
         <p:spPr/>
         <p:txBody>
-          <a:bodyPr/>
-          <a:lstStyle/>
-          <a:p>
-            <a:r>
-              <a:rPr kumimoji="1" lang="en-US" altLang="ja-JP" sz="3600" dirty="0" smtClean="0">
-                <a:latin typeface="+mj-ea"/>
-              </a:rPr>
-              <a:t>Mouse </a:t>
-            </a:r>
-            <a:r>
-              <a:rPr lang="en-US" altLang="ja-JP" sz="3600" dirty="0" smtClean="0">
-                <a:latin typeface="+mj-ea"/>
-              </a:rPr>
-              <a:t>: </a:t>
-            </a:r>
-            <a:r>
-              <a:rPr kumimoji="1" lang="en-US" altLang="ja-JP" sz="3600" dirty="0" smtClean="0">
-                <a:latin typeface="+mj-ea"/>
-              </a:rPr>
-              <a:t>Steelseries Kana </a:t>
-            </a:r>
-            <a:endParaRPr kumimoji="1" lang="ja-JP" altLang="en-US" sz="3600" dirty="0">
-              <a:latin typeface="+mj-ea"/>
+          <a:bodyPr>
+            <a:noAutofit/>
+          </a:bodyPr>
+          <a:lstStyle/>
+          <a:p>
+            <a:r>
+              <a:rPr kumimoji="1" lang="en-US" altLang="ja-JP" sz="4000" smtClean="0">
+                <a:latin typeface="Meiryo UI" panose="020B0604030504040204" pitchFamily="50" charset="-128"/>
+                <a:ea typeface="Meiryo UI" panose="020B0604030504040204" pitchFamily="50" charset="-128"/>
+              </a:rPr>
+              <a:t>Mouse : Steelseries Rival 100</a:t>
+            </a:r>
+            <a:endParaRPr kumimoji="1" lang="ja-JP" altLang="en-US" sz="4000">
+              <a:latin typeface="Meiryo UI" panose="020B0604030504040204" pitchFamily="50" charset="-128"/>
+              <a:ea typeface="Meiryo UI" panose="020B0604030504040204" pitchFamily="50" charset="-128"/>
             </a:endParaRPr>
           </a:p>
         </p:txBody>
       </p:sp>
       <p:pic>
         <p:nvPicPr>
-          <p:cNvPr id="5" name="Picture 2" descr="http://site.steelseriescdn.com/wp-content/uploads/008-big-steelseries-kanav2_img-section.jpg"/>
+          <p:cNvPr id="1026" name="Picture 2" descr="http://images17.newegg.com/is/image/newegg/26-249-174-TS?$S640$"/>
           <p:cNvPicPr>
             <a:picLocks noChangeAspect="1" noChangeArrowheads="1"/>
           </p:cNvPicPr>
           <p:nvPr/>
         </p:nvPicPr>
-        <p:blipFill rotWithShape="1">
+        <p:blipFill>
           <a:blip r:embed="rId2">
             <a:extLst>
               <a:ext uri="{28A0092B-C50C-407E-A947-70E740481C1C}">
@@ -15054,13 +14878,15 @@
               </a:ext>
             </a:extLst>
           </a:blip>
-          <a:srcRect l="33298" t="18747" r="29817" b="270"/>
-          <a:stretch/>
+          <a:srcRect/>
+          <a:stretch>
+            <a:fillRect/>
+          </a:stretch>
         </p:blipFill>
         <p:spPr bwMode="auto">
           <a:xfrm>
-            <a:off x="3346485" y="3092521"/>
-            <a:ext cx="2445250" cy="3084442"/>
+            <a:off x="2835275" y="3571875"/>
+            <a:ext cx="3473450" cy="2605088"/>
           </a:xfrm>
           <a:prstGeom prst="rect">
             <a:avLst/>
@@ -15077,106 +14903,122 @@
           </a:extLst>
         </p:spPr>
       </p:pic>
-      <p:sp>
-        <p:nvSpPr>
-          <p:cNvPr id="6" name="下矢印 5"/>
-          <p:cNvSpPr/>
-          <p:nvPr/>
-        </p:nvSpPr>
-        <p:spPr>
-          <a:xfrm>
-            <a:off x="4394449" y="3678148"/>
-            <a:ext cx="195209" cy="297950"/>
-          </a:xfrm>
-          <a:prstGeom prst="downArrow">
-            <a:avLst/>
-          </a:prstGeom>
-          <a:ln/>
-        </p:spPr>
-        <p:style>
-          <a:lnRef idx="3">
-            <a:schemeClr val="lt1"/>
-          </a:lnRef>
-          <a:fillRef idx="1">
-            <a:schemeClr val="accent2"/>
-          </a:fillRef>
-          <a:effectRef idx="1">
-            <a:schemeClr val="accent2"/>
-          </a:effectRef>
-          <a:fontRef idx="minor">
-            <a:schemeClr val="lt1"/>
-          </a:fontRef>
-        </p:style>
-        <p:txBody>
-          <a:bodyPr rtlCol="0" anchor="ctr"/>
-          <a:lstStyle/>
-          <a:p>
-            <a:pPr algn="ctr"/>
-            <a:endParaRPr kumimoji="1" lang="ja-JP" altLang="en-US" sz="1400">
-              <a:latin typeface="+mj-ea"/>
-              <a:ea typeface="+mj-ea"/>
-            </a:endParaRPr>
-          </a:p>
-        </p:txBody>
-      </p:sp>
-      <p:sp>
-        <p:nvSpPr>
-          <p:cNvPr id="7" name="下矢印 6"/>
-          <p:cNvSpPr/>
-          <p:nvPr/>
-        </p:nvSpPr>
-        <p:spPr>
-          <a:xfrm rot="10800000">
-            <a:off x="4394449" y="2794571"/>
-            <a:ext cx="195209" cy="297950"/>
-          </a:xfrm>
-          <a:prstGeom prst="downArrow">
-            <a:avLst/>
-          </a:prstGeom>
-          <a:ln>
-            <a:solidFill>
-              <a:schemeClr val="bg1"/>
-            </a:solidFill>
-          </a:ln>
-        </p:spPr>
-        <p:style>
-          <a:lnRef idx="3">
-            <a:schemeClr val="lt1"/>
-          </a:lnRef>
-          <a:fillRef idx="1">
-            <a:schemeClr val="accent2"/>
-          </a:fillRef>
-          <a:effectRef idx="1">
-            <a:schemeClr val="accent2"/>
-          </a:effectRef>
-          <a:fontRef idx="minor">
-            <a:schemeClr val="lt1"/>
-          </a:fontRef>
-        </p:style>
-        <p:txBody>
-          <a:bodyPr rtlCol="0" anchor="ctr"/>
-          <a:lstStyle/>
-          <a:p>
-            <a:pPr algn="ctr"/>
-            <a:endParaRPr kumimoji="1" lang="ja-JP" altLang="en-US" sz="1400">
-              <a:latin typeface="+mj-ea"/>
-              <a:ea typeface="+mj-ea"/>
-            </a:endParaRPr>
-          </a:p>
-        </p:txBody>
-      </p:sp>
+      <p:grpSp>
+        <p:nvGrpSpPr>
+          <p:cNvPr id="23" name="グループ化 22"/>
+          <p:cNvGrpSpPr/>
+          <p:nvPr/>
+        </p:nvGrpSpPr>
+        <p:grpSpPr>
+          <a:xfrm rot="17933126">
+            <a:off x="3971679" y="3400165"/>
+            <a:ext cx="195209" cy="1181527"/>
+            <a:chOff x="4394449" y="2794571"/>
+            <a:chExt cx="195209" cy="1181527"/>
+          </a:xfrm>
+        </p:grpSpPr>
+        <p:sp>
+          <p:nvSpPr>
+            <p:cNvPr id="5" name="下矢印 4"/>
+            <p:cNvSpPr/>
+            <p:nvPr/>
+          </p:nvSpPr>
+          <p:spPr>
+            <a:xfrm>
+              <a:off x="4394449" y="3678148"/>
+              <a:ext cx="195209" cy="297950"/>
+            </a:xfrm>
+            <a:prstGeom prst="downArrow">
+              <a:avLst/>
+            </a:prstGeom>
+            <a:ln/>
+          </p:spPr>
+          <p:style>
+            <a:lnRef idx="3">
+              <a:schemeClr val="lt1"/>
+            </a:lnRef>
+            <a:fillRef idx="1">
+              <a:schemeClr val="accent2"/>
+            </a:fillRef>
+            <a:effectRef idx="1">
+              <a:schemeClr val="accent2"/>
+            </a:effectRef>
+            <a:fontRef idx="minor">
+              <a:schemeClr val="lt1"/>
+            </a:fontRef>
+          </p:style>
+          <p:txBody>
+            <a:bodyPr rtlCol="0" anchor="ctr"/>
+            <a:lstStyle/>
+            <a:p>
+              <a:pPr algn="ctr"/>
+              <a:endParaRPr kumimoji="1" lang="ja-JP" altLang="en-US" sz="1400">
+                <a:latin typeface="+mj-ea"/>
+                <a:ea typeface="+mj-ea"/>
+              </a:endParaRPr>
+            </a:p>
+          </p:txBody>
+        </p:sp>
+        <p:sp>
+          <p:nvSpPr>
+            <p:cNvPr id="6" name="下矢印 5"/>
+            <p:cNvSpPr/>
+            <p:nvPr/>
+          </p:nvSpPr>
+          <p:spPr>
+            <a:xfrm rot="10800000">
+              <a:off x="4394449" y="2794571"/>
+              <a:ext cx="195209" cy="297950"/>
+            </a:xfrm>
+            <a:prstGeom prst="downArrow">
+              <a:avLst/>
+            </a:prstGeom>
+            <a:ln>
+              <a:solidFill>
+                <a:schemeClr val="bg1"/>
+              </a:solidFill>
+            </a:ln>
+          </p:spPr>
+          <p:style>
+            <a:lnRef idx="3">
+              <a:schemeClr val="lt1"/>
+            </a:lnRef>
+            <a:fillRef idx="1">
+              <a:schemeClr val="accent2"/>
+            </a:fillRef>
+            <a:effectRef idx="1">
+              <a:schemeClr val="accent2"/>
+            </a:effectRef>
+            <a:fontRef idx="minor">
+              <a:schemeClr val="lt1"/>
+            </a:fontRef>
+          </p:style>
+          <p:txBody>
+            <a:bodyPr rtlCol="0" anchor="ctr"/>
+            <a:lstStyle/>
+            <a:p>
+              <a:pPr algn="ctr"/>
+              <a:endParaRPr kumimoji="1" lang="ja-JP" altLang="en-US" sz="1400">
+                <a:latin typeface="+mj-ea"/>
+                <a:ea typeface="+mj-ea"/>
+              </a:endParaRPr>
+            </a:p>
+          </p:txBody>
+        </p:sp>
+      </p:grpSp>
       <p:cxnSp>
         <p:nvCxnSpPr>
-          <p:cNvPr id="11" name="直線矢印コネクタ 10"/>
+          <p:cNvPr id="7" name="直線矢印コネクタ 6"/>
           <p:cNvCxnSpPr>
-            <a:stCxn id="14" idx="1"/>
+            <a:stCxn id="8" idx="1"/>
+            <a:endCxn id="5" idx="2"/>
           </p:cNvCxnSpPr>
           <p:nvPr/>
         </p:nvCxnSpPr>
         <p:spPr>
-          <a:xfrm flipH="1">
-            <a:off x="4578418" y="2696641"/>
-            <a:ext cx="1536632" cy="1086410"/>
+          <a:xfrm flipH="1" flipV="1">
+            <a:off x="4586548" y="4276302"/>
+            <a:ext cx="1547426" cy="86106"/>
           </a:xfrm>
           <a:prstGeom prst="straightConnector1">
             <a:avLst/>
@@ -15207,13 +15049,13 @@
       </p:cxnSp>
       <p:sp>
         <p:nvSpPr>
-          <p:cNvPr id="14" name="正方形/長方形 13"/>
-          <p:cNvSpPr/>
-          <p:nvPr/>
-        </p:nvSpPr>
-        <p:spPr>
-          <a:xfrm>
-            <a:off x="6115050" y="2488764"/>
+          <p:cNvPr id="8" name="正方形/長方形 7"/>
+          <p:cNvSpPr/>
+          <p:nvPr/>
+        </p:nvSpPr>
+        <p:spPr>
+          <a:xfrm>
+            <a:off x="6133974" y="4154531"/>
             <a:ext cx="2539646" cy="415754"/>
           </a:xfrm>
           <a:prstGeom prst="rect">
@@ -15272,13 +15114,13 @@
       </p:sp>
       <p:sp>
         <p:nvSpPr>
-          <p:cNvPr id="57" name="正方形/長方形 56"/>
-          <p:cNvSpPr/>
-          <p:nvPr/>
-        </p:nvSpPr>
-        <p:spPr>
-          <a:xfrm>
-            <a:off x="611630" y="2488764"/>
+          <p:cNvPr id="9" name="正方形/長方形 8"/>
+          <p:cNvSpPr/>
+          <p:nvPr/>
+        </p:nvSpPr>
+        <p:spPr>
+          <a:xfrm>
+            <a:off x="400691" y="2902228"/>
             <a:ext cx="2539646" cy="415754"/>
           </a:xfrm>
           <a:prstGeom prst="rect">
@@ -15337,16 +15179,17 @@
       </p:sp>
       <p:cxnSp>
         <p:nvCxnSpPr>
-          <p:cNvPr id="58" name="直線矢印コネクタ 57"/>
+          <p:cNvPr id="10" name="直線矢印コネクタ 9"/>
           <p:cNvCxnSpPr>
-            <a:stCxn id="57" idx="3"/>
+            <a:stCxn id="9" idx="3"/>
+            <a:endCxn id="6" idx="2"/>
           </p:cNvCxnSpPr>
           <p:nvPr/>
         </p:nvCxnSpPr>
         <p:spPr>
           <a:xfrm>
-            <a:off x="3151276" y="2696641"/>
-            <a:ext cx="1154556" cy="260944"/>
+            <a:off x="2940337" y="3110105"/>
+            <a:ext cx="611682" cy="595450"/>
           </a:xfrm>
           <a:prstGeom prst="straightConnector1">
             <a:avLst/>
@@ -15377,16 +15220,16 @@
       </p:cxnSp>
       <p:cxnSp>
         <p:nvCxnSpPr>
-          <p:cNvPr id="62" name="直線矢印コネクタ 61"/>
+          <p:cNvPr id="11" name="直線矢印コネクタ 10"/>
           <p:cNvCxnSpPr>
-            <a:stCxn id="63" idx="1"/>
+            <a:stCxn id="12" idx="1"/>
           </p:cNvCxnSpPr>
           <p:nvPr/>
         </p:nvCxnSpPr>
         <p:spPr>
           <a:xfrm flipH="1">
-            <a:off x="4589659" y="1766451"/>
-            <a:ext cx="929490" cy="1613747"/>
+            <a:off x="4117210" y="2102303"/>
+            <a:ext cx="404543" cy="1805872"/>
           </a:xfrm>
           <a:prstGeom prst="straightConnector1">
             <a:avLst/>
@@ -15417,14 +15260,184 @@
       </p:cxnSp>
       <p:sp>
         <p:nvSpPr>
-          <p:cNvPr id="63" name="正方形/長方形 62"/>
-          <p:cNvSpPr/>
-          <p:nvPr/>
-        </p:nvSpPr>
-        <p:spPr>
-          <a:xfrm>
-            <a:off x="5519149" y="1558574"/>
+          <p:cNvPr id="12" name="正方形/長方形 11"/>
+          <p:cNvSpPr/>
+          <p:nvPr/>
+        </p:nvSpPr>
+        <p:spPr>
+          <a:xfrm>
+            <a:off x="4521753" y="1894426"/>
             <a:ext cx="2809842" cy="415754"/>
+          </a:xfrm>
+          <a:prstGeom prst="rect">
+            <a:avLst/>
+          </a:prstGeom>
+          <a:ln w="28575">
+            <a:solidFill>
+              <a:schemeClr val="accent5">
+                <a:lumMod val="75000"/>
+              </a:schemeClr>
+            </a:solidFill>
+          </a:ln>
+        </p:spPr>
+        <p:style>
+          <a:lnRef idx="2">
+            <a:schemeClr val="accent1"/>
+          </a:lnRef>
+          <a:fillRef idx="1">
+            <a:schemeClr val="lt1"/>
+          </a:fillRef>
+          <a:effectRef idx="0">
+            <a:schemeClr val="accent1"/>
+          </a:effectRef>
+          <a:fontRef idx="minor">
+            <a:schemeClr val="dk1"/>
+          </a:fontRef>
+        </p:style>
+        <p:txBody>
+          <a:bodyPr rtlCol="0" anchor="ctr"/>
+          <a:lstStyle/>
+          <a:p>
+            <a:pPr algn="ctr"/>
+            <a:r>
+              <a:rPr lang="en-US" altLang="ja-JP" sz="1400" smtClean="0">
+                <a:solidFill>
+                  <a:schemeClr val="accent5">
+                    <a:lumMod val="75000"/>
+                  </a:schemeClr>
+                </a:solidFill>
+                <a:latin typeface="+mj-ea"/>
+                <a:ea typeface="+mj-ea"/>
+              </a:rPr>
+              <a:t>View Desktop</a:t>
+            </a:r>
+            <a:endParaRPr kumimoji="1" lang="ja-JP" altLang="en-US" sz="1400" dirty="0">
+              <a:solidFill>
+                <a:schemeClr val="bg1">
+                  <a:lumMod val="65000"/>
+                </a:schemeClr>
+              </a:solidFill>
+              <a:latin typeface="+mj-ea"/>
+              <a:ea typeface="+mj-ea"/>
+            </a:endParaRPr>
+          </a:p>
+        </p:txBody>
+      </p:sp>
+      <p:sp>
+        <p:nvSpPr>
+          <p:cNvPr id="13" name="正方形/長方形 12"/>
+          <p:cNvSpPr/>
+          <p:nvPr/>
+        </p:nvSpPr>
+        <p:spPr>
+          <a:xfrm>
+            <a:off x="428802" y="5248450"/>
+            <a:ext cx="2539646" cy="415754"/>
+          </a:xfrm>
+          <a:prstGeom prst="rect">
+            <a:avLst/>
+          </a:prstGeom>
+          <a:ln w="28575">
+            <a:solidFill>
+              <a:schemeClr val="accent5">
+                <a:lumMod val="75000"/>
+              </a:schemeClr>
+            </a:solidFill>
+          </a:ln>
+        </p:spPr>
+        <p:style>
+          <a:lnRef idx="2">
+            <a:schemeClr val="accent1"/>
+          </a:lnRef>
+          <a:fillRef idx="1">
+            <a:schemeClr val="lt1"/>
+          </a:fillRef>
+          <a:effectRef idx="0">
+            <a:schemeClr val="accent1"/>
+          </a:effectRef>
+          <a:fontRef idx="minor">
+            <a:schemeClr val="dk1"/>
+          </a:fontRef>
+        </p:style>
+        <p:txBody>
+          <a:bodyPr rtlCol="0" anchor="ctr"/>
+          <a:lstStyle/>
+          <a:p>
+            <a:pPr algn="ctr"/>
+            <a:r>
+              <a:rPr kumimoji="1" lang="en-US" altLang="ja-JP" sz="1400" dirty="0" smtClean="0">
+                <a:solidFill>
+                  <a:schemeClr val="accent5">
+                    <a:lumMod val="75000"/>
+                  </a:schemeClr>
+                </a:solidFill>
+                <a:latin typeface="+mj-ea"/>
+                <a:ea typeface="+mj-ea"/>
+              </a:rPr>
+              <a:t>Forward</a:t>
+            </a:r>
+            <a:endParaRPr kumimoji="1" lang="ja-JP" altLang="en-US" sz="1400" dirty="0">
+              <a:solidFill>
+                <a:schemeClr val="accent5">
+                  <a:lumMod val="75000"/>
+                </a:schemeClr>
+              </a:solidFill>
+              <a:latin typeface="+mj-ea"/>
+              <a:ea typeface="+mj-ea"/>
+            </a:endParaRPr>
+          </a:p>
+        </p:txBody>
+      </p:sp>
+      <p:cxnSp>
+        <p:nvCxnSpPr>
+          <p:cNvPr id="14" name="直線矢印コネクタ 13"/>
+          <p:cNvCxnSpPr>
+            <a:stCxn id="13" idx="3"/>
+          </p:cNvCxnSpPr>
+          <p:nvPr/>
+        </p:nvCxnSpPr>
+        <p:spPr>
+          <a:xfrm flipV="1">
+            <a:off x="2968448" y="4857751"/>
+            <a:ext cx="889177" cy="598576"/>
+          </a:xfrm>
+          <a:prstGeom prst="straightConnector1">
+            <a:avLst/>
+          </a:prstGeom>
+          <a:ln w="28575">
+            <a:solidFill>
+              <a:schemeClr val="accent5">
+                <a:lumMod val="75000"/>
+              </a:schemeClr>
+            </a:solidFill>
+            <a:tailEnd type="triangle"/>
+          </a:ln>
+        </p:spPr>
+        <p:style>
+          <a:lnRef idx="1">
+            <a:schemeClr val="accent1"/>
+          </a:lnRef>
+          <a:fillRef idx="0">
+            <a:schemeClr val="accent1"/>
+          </a:fillRef>
+          <a:effectRef idx="0">
+            <a:schemeClr val="accent1"/>
+          </a:effectRef>
+          <a:fontRef idx="minor">
+            <a:schemeClr val="tx1"/>
+          </a:fontRef>
+        </p:style>
+      </p:cxnSp>
+      <p:sp>
+        <p:nvSpPr>
+          <p:cNvPr id="15" name="正方形/長方形 14"/>
+          <p:cNvSpPr/>
+          <p:nvPr/>
+        </p:nvSpPr>
+        <p:spPr>
+          <a:xfrm>
+            <a:off x="1159979" y="5916787"/>
+            <a:ext cx="2539646" cy="415754"/>
           </a:xfrm>
           <a:prstGeom prst="rect">
             <a:avLst/>
@@ -15466,12 +15479,12 @@
                 <a:latin typeface="+mj-ea"/>
                 <a:ea typeface="+mj-ea"/>
               </a:rPr>
-              <a:t>Window Catalog (#Tab)</a:t>
+              <a:t>Back</a:t>
             </a:r>
             <a:endParaRPr kumimoji="1" lang="ja-JP" altLang="en-US" sz="1400" dirty="0">
               <a:solidFill>
-                <a:schemeClr val="bg1">
-                  <a:lumMod val="65000"/>
+                <a:schemeClr val="accent5">
+                  <a:lumMod val="75000"/>
                 </a:schemeClr>
               </a:solidFill>
               <a:latin typeface="+mj-ea"/>
@@ -15480,15 +15493,95 @@
           </a:p>
         </p:txBody>
       </p:sp>
-      <p:sp>
-        <p:nvSpPr>
-          <p:cNvPr id="65" name="正方形/長方形 64"/>
-          <p:cNvSpPr/>
-          <p:nvPr/>
-        </p:nvSpPr>
-        <p:spPr>
-          <a:xfrm>
-            <a:off x="6115050" y="5096763"/>
+      <p:cxnSp>
+        <p:nvCxnSpPr>
+          <p:cNvPr id="16" name="直線矢印コネクタ 15"/>
+          <p:cNvCxnSpPr>
+            <a:stCxn id="15" idx="3"/>
+          </p:cNvCxnSpPr>
+          <p:nvPr/>
+        </p:nvCxnSpPr>
+        <p:spPr>
+          <a:xfrm flipV="1">
+            <a:off x="3699625" y="5108592"/>
+            <a:ext cx="608100" cy="1016072"/>
+          </a:xfrm>
+          <a:prstGeom prst="straightConnector1">
+            <a:avLst/>
+          </a:prstGeom>
+          <a:ln w="28575">
+            <a:solidFill>
+              <a:schemeClr val="accent5">
+                <a:lumMod val="75000"/>
+              </a:schemeClr>
+            </a:solidFill>
+            <a:tailEnd type="triangle"/>
+          </a:ln>
+        </p:spPr>
+        <p:style>
+          <a:lnRef idx="1">
+            <a:schemeClr val="accent1"/>
+          </a:lnRef>
+          <a:fillRef idx="0">
+            <a:schemeClr val="accent1"/>
+          </a:fillRef>
+          <a:effectRef idx="0">
+            <a:schemeClr val="accent1"/>
+          </a:effectRef>
+          <a:fontRef idx="minor">
+            <a:schemeClr val="tx1"/>
+          </a:fontRef>
+        </p:style>
+      </p:cxnSp>
+      <p:cxnSp>
+        <p:nvCxnSpPr>
+          <p:cNvPr id="17" name="直線矢印コネクタ 16"/>
+          <p:cNvCxnSpPr>
+            <a:stCxn id="18" idx="1"/>
+          </p:cNvCxnSpPr>
+          <p:nvPr/>
+        </p:nvCxnSpPr>
+        <p:spPr>
+          <a:xfrm flipH="1">
+            <a:off x="4456107" y="3271965"/>
+            <a:ext cx="1370022" cy="636210"/>
+          </a:xfrm>
+          <a:prstGeom prst="straightConnector1">
+            <a:avLst/>
+          </a:prstGeom>
+          <a:ln w="28575">
+            <a:solidFill>
+              <a:schemeClr val="accent5">
+                <a:lumMod val="75000"/>
+              </a:schemeClr>
+            </a:solidFill>
+            <a:tailEnd type="triangle"/>
+          </a:ln>
+        </p:spPr>
+        <p:style>
+          <a:lnRef idx="1">
+            <a:schemeClr val="accent1"/>
+          </a:lnRef>
+          <a:fillRef idx="0">
+            <a:schemeClr val="accent1"/>
+          </a:fillRef>
+          <a:effectRef idx="0">
+            <a:schemeClr val="accent1"/>
+          </a:effectRef>
+          <a:fontRef idx="minor">
+            <a:schemeClr val="tx1"/>
+          </a:fontRef>
+        </p:style>
+      </p:cxnSp>
+      <p:sp>
+        <p:nvSpPr>
+          <p:cNvPr id="18" name="正方形/長方形 17"/>
+          <p:cNvSpPr/>
+          <p:nvPr/>
+        </p:nvSpPr>
+        <p:spPr>
+          <a:xfrm>
+            <a:off x="5826129" y="3064088"/>
             <a:ext cx="2539646" cy="415754"/>
           </a:xfrm>
           <a:prstGeom prst="rect">
@@ -15531,7 +15624,7 @@
                 <a:latin typeface="+mj-ea"/>
                 <a:ea typeface="+mj-ea"/>
               </a:rPr>
-              <a:t>Forward</a:t>
+              <a:t>Right Click</a:t>
             </a:r>
             <a:endParaRPr kumimoji="1" lang="ja-JP" altLang="en-US" sz="1400" dirty="0">
               <a:solidFill>
@@ -15547,16 +15640,14 @@
       </p:sp>
       <p:cxnSp>
         <p:nvCxnSpPr>
-          <p:cNvPr id="66" name="直線矢印コネクタ 65"/>
-          <p:cNvCxnSpPr>
-            <a:stCxn id="65" idx="1"/>
-          </p:cNvCxnSpPr>
+          <p:cNvPr id="19" name="直線矢印コネクタ 18"/>
+          <p:cNvCxnSpPr/>
           <p:nvPr/>
         </p:nvCxnSpPr>
         <p:spPr>
-          <a:xfrm flipH="1" flipV="1">
-            <a:off x="5198724" y="4286937"/>
-            <a:ext cx="916326" cy="1017703"/>
+          <a:xfrm flipV="1">
+            <a:off x="2951812" y="4334578"/>
+            <a:ext cx="908618" cy="275028"/>
           </a:xfrm>
           <a:prstGeom prst="straightConnector1">
             <a:avLst/>
@@ -15587,158 +15678,13 @@
       </p:cxnSp>
       <p:sp>
         <p:nvSpPr>
-          <p:cNvPr id="70" name="正方形/長方形 69"/>
-          <p:cNvSpPr/>
-          <p:nvPr/>
-        </p:nvSpPr>
-        <p:spPr>
-          <a:xfrm>
-            <a:off x="622870" y="5095132"/>
-            <a:ext cx="2539646" cy="415754"/>
-          </a:xfrm>
-          <a:prstGeom prst="rect">
-            <a:avLst/>
-          </a:prstGeom>
-          <a:ln w="28575">
-            <a:solidFill>
-              <a:schemeClr val="accent5">
-                <a:lumMod val="75000"/>
-              </a:schemeClr>
-            </a:solidFill>
-          </a:ln>
-        </p:spPr>
-        <p:style>
-          <a:lnRef idx="2">
-            <a:schemeClr val="accent1"/>
-          </a:lnRef>
-          <a:fillRef idx="1">
-            <a:schemeClr val="lt1"/>
-          </a:fillRef>
-          <a:effectRef idx="0">
-            <a:schemeClr val="accent1"/>
-          </a:effectRef>
-          <a:fontRef idx="minor">
-            <a:schemeClr val="dk1"/>
-          </a:fontRef>
-        </p:style>
-        <p:txBody>
-          <a:bodyPr rtlCol="0" anchor="ctr"/>
-          <a:lstStyle/>
-          <a:p>
-            <a:pPr algn="ctr"/>
-            <a:r>
-              <a:rPr lang="en-US" altLang="ja-JP" sz="1400" dirty="0" smtClean="0">
-                <a:solidFill>
-                  <a:schemeClr val="accent5">
-                    <a:lumMod val="75000"/>
-                  </a:schemeClr>
-                </a:solidFill>
-                <a:latin typeface="+mj-ea"/>
-                <a:ea typeface="+mj-ea"/>
-              </a:rPr>
-              <a:t>Back</a:t>
-            </a:r>
-            <a:endParaRPr kumimoji="1" lang="ja-JP" altLang="en-US" sz="1400" dirty="0">
-              <a:solidFill>
-                <a:schemeClr val="accent5">
-                  <a:lumMod val="75000"/>
-                </a:schemeClr>
-              </a:solidFill>
-              <a:latin typeface="+mj-ea"/>
-              <a:ea typeface="+mj-ea"/>
-            </a:endParaRPr>
-          </a:p>
-        </p:txBody>
-      </p:sp>
-      <p:cxnSp>
-        <p:nvCxnSpPr>
-          <p:cNvPr id="71" name="直線矢印コネクタ 70"/>
-          <p:cNvCxnSpPr>
-            <a:stCxn id="70" idx="3"/>
-          </p:cNvCxnSpPr>
-          <p:nvPr/>
-        </p:nvCxnSpPr>
-        <p:spPr>
-          <a:xfrm flipV="1">
-            <a:off x="3162516" y="4286937"/>
-            <a:ext cx="608100" cy="1016072"/>
-          </a:xfrm>
-          <a:prstGeom prst="straightConnector1">
-            <a:avLst/>
-          </a:prstGeom>
-          <a:ln w="28575">
-            <a:solidFill>
-              <a:schemeClr val="accent5">
-                <a:lumMod val="75000"/>
-              </a:schemeClr>
-            </a:solidFill>
-            <a:tailEnd type="triangle"/>
-          </a:ln>
-        </p:spPr>
-        <p:style>
-          <a:lnRef idx="1">
-            <a:schemeClr val="accent1"/>
-          </a:lnRef>
-          <a:fillRef idx="0">
-            <a:schemeClr val="accent1"/>
-          </a:fillRef>
-          <a:effectRef idx="0">
-            <a:schemeClr val="accent1"/>
-          </a:effectRef>
-          <a:fontRef idx="minor">
-            <a:schemeClr val="tx1"/>
-          </a:fontRef>
-        </p:style>
-      </p:cxnSp>
-      <p:cxnSp>
-        <p:nvCxnSpPr>
-          <p:cNvPr id="73" name="直線矢印コネクタ 72"/>
-          <p:cNvCxnSpPr>
-            <a:stCxn id="74" idx="1"/>
-          </p:cNvCxnSpPr>
-          <p:nvPr/>
-        </p:nvCxnSpPr>
-        <p:spPr>
-          <a:xfrm flipH="1" flipV="1">
-            <a:off x="4938177" y="3622491"/>
-            <a:ext cx="1176873" cy="244884"/>
-          </a:xfrm>
-          <a:prstGeom prst="straightConnector1">
-            <a:avLst/>
-          </a:prstGeom>
-          <a:ln w="28575">
-            <a:solidFill>
-              <a:schemeClr val="accent5">
-                <a:lumMod val="75000"/>
-              </a:schemeClr>
-            </a:solidFill>
-            <a:tailEnd type="triangle"/>
-          </a:ln>
-        </p:spPr>
-        <p:style>
-          <a:lnRef idx="1">
-            <a:schemeClr val="accent1"/>
-          </a:lnRef>
-          <a:fillRef idx="0">
-            <a:schemeClr val="accent1"/>
-          </a:fillRef>
-          <a:effectRef idx="0">
-            <a:schemeClr val="accent1"/>
-          </a:effectRef>
-          <a:fontRef idx="minor">
-            <a:schemeClr val="tx1"/>
-          </a:fontRef>
-        </p:style>
-      </p:cxnSp>
-      <p:sp>
-        <p:nvSpPr>
-          <p:cNvPr id="74" name="正方形/長方形 73"/>
-          <p:cNvSpPr/>
-          <p:nvPr/>
-        </p:nvSpPr>
-        <p:spPr>
-          <a:xfrm>
-            <a:off x="6115050" y="3659498"/>
+          <p:cNvPr id="20" name="正方形/長方形 19"/>
+          <p:cNvSpPr/>
+          <p:nvPr/>
+        </p:nvSpPr>
+        <p:spPr>
+          <a:xfrm>
+            <a:off x="400926" y="4373216"/>
             <a:ext cx="2539646" cy="415754"/>
           </a:xfrm>
           <a:prstGeom prst="rect">
@@ -15781,7 +15727,7 @@
                 <a:latin typeface="+mj-ea"/>
                 <a:ea typeface="+mj-ea"/>
               </a:rPr>
-              <a:t>Right Click</a:t>
+              <a:t>Left Click</a:t>
             </a:r>
             <a:endParaRPr kumimoji="1" lang="ja-JP" altLang="en-US" sz="1400" dirty="0">
               <a:solidFill>
@@ -15795,113 +15741,10 @@
           </a:p>
         </p:txBody>
       </p:sp>
-      <p:cxnSp>
-        <p:nvCxnSpPr>
-          <p:cNvPr id="75" name="直線矢印コネクタ 74"/>
-          <p:cNvCxnSpPr/>
-          <p:nvPr/>
-        </p:nvCxnSpPr>
-        <p:spPr>
-          <a:xfrm flipV="1">
-            <a:off x="3162516" y="3620860"/>
-            <a:ext cx="908618" cy="275028"/>
-          </a:xfrm>
-          <a:prstGeom prst="straightConnector1">
-            <a:avLst/>
-          </a:prstGeom>
-          <a:ln w="28575">
-            <a:solidFill>
-              <a:schemeClr val="accent5">
-                <a:lumMod val="75000"/>
-              </a:schemeClr>
-            </a:solidFill>
-            <a:tailEnd type="triangle"/>
-          </a:ln>
-        </p:spPr>
-        <p:style>
-          <a:lnRef idx="1">
-            <a:schemeClr val="accent1"/>
-          </a:lnRef>
-          <a:fillRef idx="0">
-            <a:schemeClr val="accent1"/>
-          </a:fillRef>
-          <a:effectRef idx="0">
-            <a:schemeClr val="accent1"/>
-          </a:effectRef>
-          <a:fontRef idx="minor">
-            <a:schemeClr val="tx1"/>
-          </a:fontRef>
-        </p:style>
-      </p:cxnSp>
-      <p:sp>
-        <p:nvSpPr>
-          <p:cNvPr id="76" name="正方形/長方形 75"/>
-          <p:cNvSpPr/>
-          <p:nvPr/>
-        </p:nvSpPr>
-        <p:spPr>
-          <a:xfrm>
-            <a:off x="611630" y="3659498"/>
-            <a:ext cx="2539646" cy="415754"/>
-          </a:xfrm>
-          <a:prstGeom prst="rect">
-            <a:avLst/>
-          </a:prstGeom>
-          <a:ln w="28575">
-            <a:solidFill>
-              <a:schemeClr val="accent5">
-                <a:lumMod val="75000"/>
-              </a:schemeClr>
-            </a:solidFill>
-          </a:ln>
-        </p:spPr>
-        <p:style>
-          <a:lnRef idx="2">
-            <a:schemeClr val="accent1"/>
-          </a:lnRef>
-          <a:fillRef idx="1">
-            <a:schemeClr val="lt1"/>
-          </a:fillRef>
-          <a:effectRef idx="0">
-            <a:schemeClr val="accent1"/>
-          </a:effectRef>
-          <a:fontRef idx="minor">
-            <a:schemeClr val="dk1"/>
-          </a:fontRef>
-        </p:style>
-        <p:txBody>
-          <a:bodyPr rtlCol="0" anchor="ctr"/>
-          <a:lstStyle/>
-          <a:p>
-            <a:pPr algn="ctr"/>
-            <a:r>
-              <a:rPr kumimoji="1" lang="en-US" altLang="ja-JP" sz="1400" dirty="0" smtClean="0">
-                <a:solidFill>
-                  <a:schemeClr val="accent5">
-                    <a:lumMod val="75000"/>
-                  </a:schemeClr>
-                </a:solidFill>
-                <a:latin typeface="+mj-ea"/>
-                <a:ea typeface="+mj-ea"/>
-              </a:rPr>
-              <a:t>Left Click</a:t>
-            </a:r>
-            <a:endParaRPr kumimoji="1" lang="ja-JP" altLang="en-US" sz="1400" dirty="0">
-              <a:solidFill>
-                <a:schemeClr val="accent5">
-                  <a:lumMod val="75000"/>
-                </a:schemeClr>
-              </a:solidFill>
-              <a:latin typeface="+mj-ea"/>
-              <a:ea typeface="+mj-ea"/>
-            </a:endParaRPr>
-          </a:p>
-        </p:txBody>
-      </p:sp>
     </p:spTree>
     <p:extLst>
       <p:ext uri="{BB962C8B-B14F-4D97-AF65-F5344CB8AC3E}">
-        <p14:creationId xmlns:p14="http://schemas.microsoft.com/office/powerpoint/2010/main" val="1984206169"/>
+        <p14:creationId xmlns:p14="http://schemas.microsoft.com/office/powerpoint/2010/main" val="2112611312"/>
       </p:ext>
     </p:extLst>
   </p:cSld>
@@ -15947,46 +15790,50 @@
         </p:nvSpPr>
         <p:spPr/>
         <p:txBody>
-          <a:bodyPr/>
-          <a:lstStyle/>
-          <a:p>
-            <a:r>
-              <a:rPr lang="en-US" altLang="ja-JP" sz="3600">
-                <a:latin typeface="+mj-ea"/>
-                <a:cs typeface="Courier New" panose="02070309020205020404" pitchFamily="49" charset="0"/>
-              </a:rPr>
-              <a:t>MOD Right Side Button</a:t>
-            </a:r>
-            <a:endParaRPr lang="ja-JP" altLang="en-US" sz="3600" dirty="0">
-              <a:latin typeface="+mj-ea"/>
-              <a:cs typeface="Courier New" panose="02070309020205020404" pitchFamily="49" charset="0"/>
+          <a:bodyPr>
+            <a:noAutofit/>
+          </a:bodyPr>
+          <a:lstStyle/>
+          <a:p>
+            <a:r>
+              <a:rPr kumimoji="1" lang="en-US" altLang="ja-JP" sz="4000" smtClean="0">
+                <a:latin typeface="Meiryo UI" panose="020B0604030504040204" pitchFamily="50" charset="-128"/>
+                <a:ea typeface="Meiryo UI" panose="020B0604030504040204" pitchFamily="50" charset="-128"/>
+              </a:rPr>
+              <a:t>Mouse : Steelseries Rival 100</a:t>
+            </a:r>
+            <a:endParaRPr kumimoji="1" lang="ja-JP" altLang="en-US" sz="4000">
+              <a:latin typeface="Meiryo UI" panose="020B0604030504040204" pitchFamily="50" charset="-128"/>
+              <a:ea typeface="Meiryo UI" panose="020B0604030504040204" pitchFamily="50" charset="-128"/>
             </a:endParaRPr>
           </a:p>
         </p:txBody>
       </p:sp>
       <p:pic>
         <p:nvPicPr>
-          <p:cNvPr id="5" name="Picture 2" descr="http://site.steelseriescdn.com/wp-content/uploads/008-big-steelseries-kanav2_img-section.jpg"/>
+          <p:cNvPr id="1026" name="Picture 2" descr="http://images17.newegg.com/is/image/newegg/26-249-174-TS?$S640$"/>
           <p:cNvPicPr>
             <a:picLocks noChangeAspect="1" noChangeArrowheads="1"/>
           </p:cNvPicPr>
           <p:nvPr/>
         </p:nvPicPr>
-        <p:blipFill rotWithShape="1">
-          <a:blip r:embed="rId3">
+        <p:blipFill>
+          <a:blip r:embed="rId2">
             <a:extLst>
               <a:ext uri="{28A0092B-C50C-407E-A947-70E740481C1C}">
                 <a14:useLocalDpi xmlns:a14="http://schemas.microsoft.com/office/drawing/2010/main" val="0"/>
               </a:ext>
             </a:extLst>
           </a:blip>
-          <a:srcRect l="33298" t="18747" r="29817" b="270"/>
-          <a:stretch/>
+          <a:srcRect/>
+          <a:stretch>
+            <a:fillRect/>
+          </a:stretch>
         </p:blipFill>
         <p:spPr bwMode="auto">
           <a:xfrm>
-            <a:off x="3346485" y="3092521"/>
-            <a:ext cx="2445250" cy="3084442"/>
+            <a:off x="2835275" y="3571875"/>
+            <a:ext cx="3473450" cy="2605088"/>
           </a:xfrm>
           <a:prstGeom prst="rect">
             <a:avLst/>
@@ -16003,106 +15850,122 @@
           </a:extLst>
         </p:spPr>
       </p:pic>
-      <p:sp>
-        <p:nvSpPr>
-          <p:cNvPr id="6" name="下矢印 5"/>
-          <p:cNvSpPr/>
-          <p:nvPr/>
-        </p:nvSpPr>
-        <p:spPr>
-          <a:xfrm>
-            <a:off x="4394449" y="3678148"/>
-            <a:ext cx="195209" cy="297950"/>
-          </a:xfrm>
-          <a:prstGeom prst="downArrow">
-            <a:avLst/>
-          </a:prstGeom>
-          <a:ln/>
-        </p:spPr>
-        <p:style>
-          <a:lnRef idx="3">
-            <a:schemeClr val="lt1"/>
-          </a:lnRef>
-          <a:fillRef idx="1">
-            <a:schemeClr val="accent2"/>
-          </a:fillRef>
-          <a:effectRef idx="1">
-            <a:schemeClr val="accent2"/>
-          </a:effectRef>
-          <a:fontRef idx="minor">
-            <a:schemeClr val="lt1"/>
-          </a:fontRef>
-        </p:style>
-        <p:txBody>
-          <a:bodyPr rtlCol="0" anchor="ctr"/>
-          <a:lstStyle/>
-          <a:p>
-            <a:pPr algn="ctr"/>
-            <a:endParaRPr kumimoji="1" lang="ja-JP" altLang="en-US" sz="1400">
-              <a:latin typeface="+mj-ea"/>
-              <a:ea typeface="+mj-ea"/>
-            </a:endParaRPr>
-          </a:p>
-        </p:txBody>
-      </p:sp>
-      <p:sp>
-        <p:nvSpPr>
-          <p:cNvPr id="7" name="下矢印 6"/>
-          <p:cNvSpPr/>
-          <p:nvPr/>
-        </p:nvSpPr>
-        <p:spPr>
-          <a:xfrm rot="10800000">
-            <a:off x="4394449" y="2794571"/>
-            <a:ext cx="195209" cy="297950"/>
-          </a:xfrm>
-          <a:prstGeom prst="downArrow">
-            <a:avLst/>
-          </a:prstGeom>
-          <a:ln>
-            <a:solidFill>
-              <a:schemeClr val="bg1"/>
-            </a:solidFill>
-          </a:ln>
-        </p:spPr>
-        <p:style>
-          <a:lnRef idx="3">
-            <a:schemeClr val="lt1"/>
-          </a:lnRef>
-          <a:fillRef idx="1">
-            <a:schemeClr val="accent2"/>
-          </a:fillRef>
-          <a:effectRef idx="1">
-            <a:schemeClr val="accent2"/>
-          </a:effectRef>
-          <a:fontRef idx="minor">
-            <a:schemeClr val="lt1"/>
-          </a:fontRef>
-        </p:style>
-        <p:txBody>
-          <a:bodyPr rtlCol="0" anchor="ctr"/>
-          <a:lstStyle/>
-          <a:p>
-            <a:pPr algn="ctr"/>
-            <a:endParaRPr kumimoji="1" lang="ja-JP" altLang="en-US" sz="1400">
-              <a:latin typeface="+mj-ea"/>
-              <a:ea typeface="+mj-ea"/>
-            </a:endParaRPr>
-          </a:p>
-        </p:txBody>
-      </p:sp>
+      <p:grpSp>
+        <p:nvGrpSpPr>
+          <p:cNvPr id="23" name="グループ化 22"/>
+          <p:cNvGrpSpPr/>
+          <p:nvPr/>
+        </p:nvGrpSpPr>
+        <p:grpSpPr>
+          <a:xfrm rot="17933126">
+            <a:off x="3971679" y="3400165"/>
+            <a:ext cx="195209" cy="1181527"/>
+            <a:chOff x="4394449" y="2794571"/>
+            <a:chExt cx="195209" cy="1181527"/>
+          </a:xfrm>
+        </p:grpSpPr>
+        <p:sp>
+          <p:nvSpPr>
+            <p:cNvPr id="5" name="下矢印 4"/>
+            <p:cNvSpPr/>
+            <p:nvPr/>
+          </p:nvSpPr>
+          <p:spPr>
+            <a:xfrm>
+              <a:off x="4394449" y="3678148"/>
+              <a:ext cx="195209" cy="297950"/>
+            </a:xfrm>
+            <a:prstGeom prst="downArrow">
+              <a:avLst/>
+            </a:prstGeom>
+            <a:ln/>
+          </p:spPr>
+          <p:style>
+            <a:lnRef idx="3">
+              <a:schemeClr val="lt1"/>
+            </a:lnRef>
+            <a:fillRef idx="1">
+              <a:schemeClr val="accent2"/>
+            </a:fillRef>
+            <a:effectRef idx="1">
+              <a:schemeClr val="accent2"/>
+            </a:effectRef>
+            <a:fontRef idx="minor">
+              <a:schemeClr val="lt1"/>
+            </a:fontRef>
+          </p:style>
+          <p:txBody>
+            <a:bodyPr rtlCol="0" anchor="ctr"/>
+            <a:lstStyle/>
+            <a:p>
+              <a:pPr algn="ctr"/>
+              <a:endParaRPr kumimoji="1" lang="ja-JP" altLang="en-US" sz="1400">
+                <a:latin typeface="+mj-ea"/>
+                <a:ea typeface="+mj-ea"/>
+              </a:endParaRPr>
+            </a:p>
+          </p:txBody>
+        </p:sp>
+        <p:sp>
+          <p:nvSpPr>
+            <p:cNvPr id="6" name="下矢印 5"/>
+            <p:cNvSpPr/>
+            <p:nvPr/>
+          </p:nvSpPr>
+          <p:spPr>
+            <a:xfrm rot="10800000">
+              <a:off x="4394449" y="2794571"/>
+              <a:ext cx="195209" cy="297950"/>
+            </a:xfrm>
+            <a:prstGeom prst="downArrow">
+              <a:avLst/>
+            </a:prstGeom>
+            <a:ln>
+              <a:solidFill>
+                <a:schemeClr val="bg1"/>
+              </a:solidFill>
+            </a:ln>
+          </p:spPr>
+          <p:style>
+            <a:lnRef idx="3">
+              <a:schemeClr val="lt1"/>
+            </a:lnRef>
+            <a:fillRef idx="1">
+              <a:schemeClr val="accent2"/>
+            </a:fillRef>
+            <a:effectRef idx="1">
+              <a:schemeClr val="accent2"/>
+            </a:effectRef>
+            <a:fontRef idx="minor">
+              <a:schemeClr val="lt1"/>
+            </a:fontRef>
+          </p:style>
+          <p:txBody>
+            <a:bodyPr rtlCol="0" anchor="ctr"/>
+            <a:lstStyle/>
+            <a:p>
+              <a:pPr algn="ctr"/>
+              <a:endParaRPr kumimoji="1" lang="ja-JP" altLang="en-US" sz="1400">
+                <a:latin typeface="+mj-ea"/>
+                <a:ea typeface="+mj-ea"/>
+              </a:endParaRPr>
+            </a:p>
+          </p:txBody>
+        </p:sp>
+      </p:grpSp>
       <p:cxnSp>
         <p:nvCxnSpPr>
-          <p:cNvPr id="11" name="直線矢印コネクタ 10"/>
+          <p:cNvPr id="7" name="直線矢印コネクタ 6"/>
           <p:cNvCxnSpPr>
-            <a:stCxn id="14" idx="1"/>
+            <a:stCxn id="8" idx="1"/>
+            <a:endCxn id="5" idx="2"/>
           </p:cNvCxnSpPr>
           <p:nvPr/>
         </p:nvCxnSpPr>
         <p:spPr>
-          <a:xfrm flipH="1">
-            <a:off x="4578418" y="2696641"/>
-            <a:ext cx="1536632" cy="1086410"/>
+          <a:xfrm flipH="1" flipV="1">
+            <a:off x="4586548" y="4276302"/>
+            <a:ext cx="1547426" cy="86106"/>
           </a:xfrm>
           <a:prstGeom prst="straightConnector1">
             <a:avLst/>
@@ -16133,13 +15996,13 @@
       </p:cxnSp>
       <p:sp>
         <p:nvSpPr>
-          <p:cNvPr id="14" name="正方形/長方形 13"/>
-          <p:cNvSpPr/>
-          <p:nvPr/>
-        </p:nvSpPr>
-        <p:spPr>
-          <a:xfrm>
-            <a:off x="6115050" y="2488764"/>
+          <p:cNvPr id="8" name="正方形/長方形 7"/>
+          <p:cNvSpPr/>
+          <p:nvPr/>
+        </p:nvSpPr>
+        <p:spPr>
+          <a:xfrm>
+            <a:off x="6133974" y="4154531"/>
             <a:ext cx="2539646" cy="415754"/>
           </a:xfrm>
           <a:prstGeom prst="rect">
@@ -16173,38 +16036,47 @@
           <a:p>
             <a:pPr algn="ctr"/>
             <a:r>
-              <a:rPr kumimoji="1" lang="en-US" altLang="ja-JP" sz="1400" dirty="0" smtClean="0">
+              <a:rPr lang="en-US" altLang="ja-JP" sz="1400">
                 <a:solidFill>
                   <a:schemeClr val="accent5">
                     <a:lumMod val="75000"/>
                   </a:schemeClr>
                 </a:solidFill>
                 <a:latin typeface="+mj-ea"/>
-                <a:ea typeface="+mj-ea"/>
-              </a:rPr>
-              <a:t>Wheel Right</a:t>
-            </a:r>
-            <a:endParaRPr kumimoji="1" lang="ja-JP" altLang="en-US" sz="1400" dirty="0">
-              <a:solidFill>
-                <a:schemeClr val="accent5">
-                  <a:lumMod val="75000"/>
+              </a:rPr>
+              <a:t>Next Window </a:t>
+            </a:r>
+            <a:r>
+              <a:rPr lang="en-US" altLang="ja-JP" sz="1400">
+                <a:solidFill>
+                  <a:schemeClr val="bg1">
+                    <a:lumMod val="65000"/>
+                  </a:schemeClr>
+                </a:solidFill>
+                <a:latin typeface="+mj-ea"/>
+              </a:rPr>
+              <a:t>(!tab)</a:t>
+            </a:r>
+            <a:endParaRPr lang="en-US" altLang="ja-JP" sz="1400" dirty="0">
+              <a:solidFill>
+                <a:schemeClr val="bg1">
+                  <a:lumMod val="65000"/>
                 </a:schemeClr>
               </a:solidFill>
               <a:latin typeface="+mj-ea"/>
-              <a:ea typeface="+mj-ea"/>
-            </a:endParaRPr>
-          </a:p>
-        </p:txBody>
-      </p:sp>
-      <p:sp>
-        <p:nvSpPr>
-          <p:cNvPr id="57" name="正方形/長方形 56"/>
-          <p:cNvSpPr/>
-          <p:nvPr/>
-        </p:nvSpPr>
-        <p:spPr>
-          <a:xfrm>
-            <a:off x="611630" y="2488764"/>
+            </a:endParaRPr>
+          </a:p>
+        </p:txBody>
+      </p:sp>
+      <p:sp>
+        <p:nvSpPr>
+          <p:cNvPr id="9" name="正方形/長方形 8"/>
+          <p:cNvSpPr/>
+          <p:nvPr/>
+        </p:nvSpPr>
+        <p:spPr>
+          <a:xfrm>
+            <a:off x="400691" y="2902228"/>
             <a:ext cx="2539646" cy="415754"/>
           </a:xfrm>
           <a:prstGeom prst="rect">
@@ -16238,41 +16110,51 @@
           <a:p>
             <a:pPr algn="ctr"/>
             <a:r>
-              <a:rPr kumimoji="1" lang="en-US" altLang="ja-JP" sz="1400" dirty="0" smtClean="0">
+              <a:rPr lang="en-US" altLang="ja-JP" sz="1400">
                 <a:solidFill>
                   <a:schemeClr val="accent5">
                     <a:lumMod val="75000"/>
                   </a:schemeClr>
                 </a:solidFill>
                 <a:latin typeface="+mj-ea"/>
-                <a:ea typeface="+mj-ea"/>
-              </a:rPr>
-              <a:t>Wheel Left</a:t>
-            </a:r>
-            <a:endParaRPr kumimoji="1" lang="ja-JP" altLang="en-US" sz="1400" dirty="0">
-              <a:solidFill>
-                <a:schemeClr val="accent5">
-                  <a:lumMod val="75000"/>
+              </a:rPr>
+              <a:t>Previous Window </a:t>
+            </a:r>
+            <a:r>
+              <a:rPr lang="en-US" altLang="ja-JP" sz="1400">
+                <a:solidFill>
+                  <a:schemeClr val="bg1">
+                    <a:lumMod val="65000"/>
+                  </a:schemeClr>
+                </a:solidFill>
+                <a:latin typeface="+mj-ea"/>
+              </a:rPr>
+              <a:t>(!+tab)</a:t>
+            </a:r>
+            <a:endParaRPr lang="ja-JP" altLang="en-US" sz="1400" dirty="0">
+              <a:solidFill>
+                <a:schemeClr val="bg1">
+                  <a:lumMod val="65000"/>
                 </a:schemeClr>
               </a:solidFill>
               <a:latin typeface="+mj-ea"/>
-              <a:ea typeface="+mj-ea"/>
             </a:endParaRPr>
           </a:p>
         </p:txBody>
       </p:sp>
       <p:cxnSp>
         <p:nvCxnSpPr>
-          <p:cNvPr id="58" name="直線矢印コネクタ 57"/>
+          <p:cNvPr id="10" name="直線矢印コネクタ 9"/>
           <p:cNvCxnSpPr>
-            <a:stCxn id="57" idx="3"/>
+            <a:stCxn id="9" idx="3"/>
+            <a:endCxn id="6" idx="2"/>
           </p:cNvCxnSpPr>
           <p:nvPr/>
         </p:nvCxnSpPr>
         <p:spPr>
           <a:xfrm>
-            <a:off x="3151276" y="2696641"/>
-            <a:ext cx="1154556" cy="260944"/>
+            <a:off x="2940337" y="3110105"/>
+            <a:ext cx="611682" cy="595450"/>
           </a:xfrm>
           <a:prstGeom prst="straightConnector1">
             <a:avLst/>
@@ -16303,16 +16185,16 @@
       </p:cxnSp>
       <p:cxnSp>
         <p:nvCxnSpPr>
-          <p:cNvPr id="62" name="直線矢印コネクタ 61"/>
+          <p:cNvPr id="11" name="直線矢印コネクタ 10"/>
           <p:cNvCxnSpPr>
-            <a:stCxn id="63" idx="1"/>
+            <a:stCxn id="12" idx="1"/>
           </p:cNvCxnSpPr>
           <p:nvPr/>
         </p:nvCxnSpPr>
         <p:spPr>
           <a:xfrm flipH="1">
-            <a:off x="4557622" y="1766451"/>
-            <a:ext cx="961527" cy="1672921"/>
+            <a:off x="4117210" y="2102303"/>
+            <a:ext cx="404543" cy="1805872"/>
           </a:xfrm>
           <a:prstGeom prst="straightConnector1">
             <a:avLst/>
@@ -16343,14 +16225,14 @@
       </p:cxnSp>
       <p:sp>
         <p:nvSpPr>
-          <p:cNvPr id="63" name="正方形/長方形 62"/>
-          <p:cNvSpPr/>
-          <p:nvPr/>
-        </p:nvSpPr>
-        <p:spPr>
-          <a:xfrm>
-            <a:off x="5519149" y="1558574"/>
-            <a:ext cx="2539646" cy="415754"/>
+          <p:cNvPr id="12" name="正方形/長方形 11"/>
+          <p:cNvSpPr/>
+          <p:nvPr/>
+        </p:nvSpPr>
+        <p:spPr>
+          <a:xfrm>
+            <a:off x="4521753" y="1894426"/>
+            <a:ext cx="2809842" cy="415754"/>
           </a:xfrm>
           <a:prstGeom prst="rect">
             <a:avLst/>
@@ -16383,38 +16265,142 @@
           <a:p>
             <a:pPr algn="ctr"/>
             <a:r>
-              <a:rPr kumimoji="1" lang="en-US" altLang="ja-JP" sz="1400" smtClean="0">
+              <a:rPr lang="en-US" altLang="ja-JP" sz="1400">
                 <a:solidFill>
                   <a:schemeClr val="accent5">
                     <a:lumMod val="75000"/>
                   </a:schemeClr>
                 </a:solidFill>
                 <a:latin typeface="+mj-ea"/>
-                <a:ea typeface="+mj-ea"/>
-              </a:rPr>
-              <a:t>Reload AHK</a:t>
-            </a:r>
-            <a:endParaRPr kumimoji="1" lang="ja-JP" altLang="en-US" sz="1400" dirty="0">
+              </a:rPr>
+              <a:t>Suspend AHK</a:t>
+            </a:r>
+            <a:endParaRPr lang="ja-JP" altLang="en-US" sz="1400" dirty="0">
               <a:solidFill>
                 <a:schemeClr val="accent5">
                   <a:lumMod val="75000"/>
                 </a:schemeClr>
               </a:solidFill>
               <a:latin typeface="+mj-ea"/>
-              <a:ea typeface="+mj-ea"/>
-            </a:endParaRPr>
-          </a:p>
-        </p:txBody>
-      </p:sp>
-      <p:sp>
-        <p:nvSpPr>
-          <p:cNvPr id="65" name="正方形/長方形 64"/>
-          <p:cNvSpPr/>
-          <p:nvPr/>
-        </p:nvSpPr>
-        <p:spPr>
-          <a:xfrm>
-            <a:off x="6115050" y="5096763"/>
+            </a:endParaRPr>
+          </a:p>
+        </p:txBody>
+      </p:sp>
+      <p:sp>
+        <p:nvSpPr>
+          <p:cNvPr id="13" name="正方形/長方形 12"/>
+          <p:cNvSpPr/>
+          <p:nvPr/>
+        </p:nvSpPr>
+        <p:spPr>
+          <a:xfrm>
+            <a:off x="428802" y="5248450"/>
+            <a:ext cx="2539646" cy="415754"/>
+          </a:xfrm>
+          <a:prstGeom prst="rect">
+            <a:avLst/>
+          </a:prstGeom>
+          <a:solidFill>
+            <a:schemeClr val="bg1"/>
+          </a:solidFill>
+          <a:ln w="28575">
+            <a:solidFill>
+              <a:schemeClr val="accent5">
+                <a:lumMod val="75000"/>
+              </a:schemeClr>
+            </a:solidFill>
+          </a:ln>
+        </p:spPr>
+        <p:style>
+          <a:lnRef idx="2">
+            <a:schemeClr val="accent1"/>
+          </a:lnRef>
+          <a:fillRef idx="1">
+            <a:schemeClr val="lt1"/>
+          </a:fillRef>
+          <a:effectRef idx="0">
+            <a:schemeClr val="accent1"/>
+          </a:effectRef>
+          <a:fontRef idx="minor">
+            <a:schemeClr val="dk1"/>
+          </a:fontRef>
+        </p:style>
+        <p:txBody>
+          <a:bodyPr rtlCol="0" anchor="ctr"/>
+          <a:lstStyle/>
+          <a:p>
+            <a:pPr algn="ctr"/>
+            <a:r>
+              <a:rPr lang="en-US" altLang="ja-JP" sz="1400">
+                <a:solidFill>
+                  <a:schemeClr val="accent5">
+                    <a:lumMod val="75000"/>
+                  </a:schemeClr>
+                </a:solidFill>
+                <a:latin typeface="+mj-ea"/>
+              </a:rPr>
+              <a:t>Window Catalog (#Tab)</a:t>
+            </a:r>
+            <a:endParaRPr lang="ja-JP" altLang="en-US" sz="1400">
+              <a:solidFill>
+                <a:schemeClr val="bg1">
+                  <a:lumMod val="65000"/>
+                </a:schemeClr>
+              </a:solidFill>
+              <a:latin typeface="+mj-ea"/>
+            </a:endParaRPr>
+          </a:p>
+        </p:txBody>
+      </p:sp>
+      <p:cxnSp>
+        <p:nvCxnSpPr>
+          <p:cNvPr id="14" name="直線矢印コネクタ 13"/>
+          <p:cNvCxnSpPr>
+            <a:stCxn id="13" idx="3"/>
+          </p:cNvCxnSpPr>
+          <p:nvPr/>
+        </p:nvCxnSpPr>
+        <p:spPr>
+          <a:xfrm flipV="1">
+            <a:off x="2968448" y="4857751"/>
+            <a:ext cx="889177" cy="598576"/>
+          </a:xfrm>
+          <a:prstGeom prst="straightConnector1">
+            <a:avLst/>
+          </a:prstGeom>
+          <a:ln w="28575">
+            <a:solidFill>
+              <a:schemeClr val="accent5">
+                <a:lumMod val="75000"/>
+              </a:schemeClr>
+            </a:solidFill>
+            <a:tailEnd type="triangle"/>
+          </a:ln>
+        </p:spPr>
+        <p:style>
+          <a:lnRef idx="1">
+            <a:schemeClr val="accent1"/>
+          </a:lnRef>
+          <a:fillRef idx="0">
+            <a:schemeClr val="accent1"/>
+          </a:fillRef>
+          <a:effectRef idx="0">
+            <a:schemeClr val="accent1"/>
+          </a:effectRef>
+          <a:fontRef idx="minor">
+            <a:schemeClr val="tx1"/>
+          </a:fontRef>
+        </p:style>
+      </p:cxnSp>
+      <p:sp>
+        <p:nvSpPr>
+          <p:cNvPr id="15" name="正方形/長方形 14"/>
+          <p:cNvSpPr/>
+          <p:nvPr/>
+        </p:nvSpPr>
+        <p:spPr>
+          <a:xfrm>
+            <a:off x="1159979" y="5916787"/>
             <a:ext cx="2539646" cy="415754"/>
           </a:xfrm>
           <a:prstGeom prst="rect">
@@ -16449,37 +16435,35 @@
           <a:p>
             <a:pPr algn="ctr"/>
             <a:r>
-              <a:rPr kumimoji="1" lang="en-US" altLang="ja-JP" sz="1400" b="1" dirty="0" smtClean="0">
+              <a:rPr lang="en-US" altLang="ja-JP" sz="1400" b="1">
                 <a:solidFill>
                   <a:schemeClr val="bg1"/>
                 </a:solidFill>
                 <a:latin typeface="+mj-ea"/>
-                <a:ea typeface="+mj-ea"/>
               </a:rPr>
               <a:t>BASE</a:t>
             </a:r>
-            <a:endParaRPr kumimoji="1" lang="ja-JP" altLang="en-US" sz="1400" b="1" dirty="0">
+            <a:endParaRPr lang="ja-JP" altLang="en-US" sz="1400" b="1" dirty="0">
               <a:solidFill>
                 <a:schemeClr val="bg1"/>
               </a:solidFill>
               <a:latin typeface="+mj-ea"/>
-              <a:ea typeface="+mj-ea"/>
             </a:endParaRPr>
           </a:p>
         </p:txBody>
       </p:sp>
       <p:cxnSp>
         <p:nvCxnSpPr>
-          <p:cNvPr id="66" name="直線矢印コネクタ 65"/>
+          <p:cNvPr id="16" name="直線矢印コネクタ 15"/>
           <p:cNvCxnSpPr>
-            <a:stCxn id="65" idx="1"/>
+            <a:stCxn id="15" idx="3"/>
           </p:cNvCxnSpPr>
           <p:nvPr/>
         </p:nvCxnSpPr>
         <p:spPr>
-          <a:xfrm flipH="1" flipV="1">
-            <a:off x="5198724" y="4286937"/>
-            <a:ext cx="916326" cy="1017703"/>
+          <a:xfrm flipV="1">
+            <a:off x="3699625" y="5108592"/>
+            <a:ext cx="608100" cy="1016072"/>
           </a:xfrm>
           <a:prstGeom prst="straightConnector1">
             <a:avLst/>
@@ -16506,81 +16490,18 @@
           </a:fontRef>
         </p:style>
       </p:cxnSp>
-      <p:sp>
-        <p:nvSpPr>
-          <p:cNvPr id="70" name="正方形/長方形 69"/>
-          <p:cNvSpPr/>
-          <p:nvPr/>
-        </p:nvSpPr>
-        <p:spPr>
-          <a:xfrm>
-            <a:off x="622870" y="5095132"/>
-            <a:ext cx="2539646" cy="415754"/>
-          </a:xfrm>
-          <a:prstGeom prst="rect">
-            <a:avLst/>
-          </a:prstGeom>
-          <a:ln w="28575">
-            <a:solidFill>
-              <a:schemeClr val="accent5">
-                <a:lumMod val="75000"/>
-              </a:schemeClr>
-            </a:solidFill>
-          </a:ln>
-        </p:spPr>
-        <p:style>
-          <a:lnRef idx="2">
-            <a:schemeClr val="accent1"/>
-          </a:lnRef>
-          <a:fillRef idx="1">
-            <a:schemeClr val="lt1"/>
-          </a:fillRef>
-          <a:effectRef idx="0">
-            <a:schemeClr val="accent1"/>
-          </a:effectRef>
-          <a:fontRef idx="minor">
-            <a:schemeClr val="dk1"/>
-          </a:fontRef>
-        </p:style>
-        <p:txBody>
-          <a:bodyPr rtlCol="0" anchor="ctr"/>
-          <a:lstStyle/>
-          <a:p>
-            <a:pPr algn="ctr"/>
-            <a:r>
-              <a:rPr lang="en-US" altLang="ja-JP" sz="1400" dirty="0">
-                <a:solidFill>
-                  <a:schemeClr val="accent5">
-                    <a:lumMod val="75000"/>
-                  </a:schemeClr>
-                </a:solidFill>
-                <a:latin typeface="+mj-ea"/>
-              </a:rPr>
-              <a:t>Window Catalog (#Tab)</a:t>
-            </a:r>
-            <a:endParaRPr lang="ja-JP" altLang="en-US" sz="1400" dirty="0">
-              <a:solidFill>
-                <a:schemeClr val="bg1">
-                  <a:lumMod val="65000"/>
-                </a:schemeClr>
-              </a:solidFill>
-              <a:latin typeface="+mj-ea"/>
-            </a:endParaRPr>
-          </a:p>
-        </p:txBody>
-      </p:sp>
       <p:cxnSp>
         <p:nvCxnSpPr>
-          <p:cNvPr id="71" name="直線矢印コネクタ 70"/>
+          <p:cNvPr id="17" name="直線矢印コネクタ 16"/>
           <p:cNvCxnSpPr>
-            <a:stCxn id="70" idx="3"/>
+            <a:stCxn id="18" idx="1"/>
           </p:cNvCxnSpPr>
           <p:nvPr/>
         </p:nvCxnSpPr>
         <p:spPr>
-          <a:xfrm flipV="1">
-            <a:off x="3162516" y="4286937"/>
-            <a:ext cx="608100" cy="1016072"/>
+          <a:xfrm flipH="1">
+            <a:off x="4456107" y="3271965"/>
+            <a:ext cx="1370022" cy="636210"/>
           </a:xfrm>
           <a:prstGeom prst="straightConnector1">
             <a:avLst/>
@@ -16609,18 +16530,101 @@
           </a:fontRef>
         </p:style>
       </p:cxnSp>
+      <p:sp>
+        <p:nvSpPr>
+          <p:cNvPr id="18" name="正方形/長方形 17"/>
+          <p:cNvSpPr/>
+          <p:nvPr/>
+        </p:nvSpPr>
+        <p:spPr>
+          <a:xfrm>
+            <a:off x="5826129" y="3064088"/>
+            <a:ext cx="2539646" cy="415754"/>
+          </a:xfrm>
+          <a:prstGeom prst="rect">
+            <a:avLst/>
+          </a:prstGeom>
+          <a:ln w="28575">
+            <a:solidFill>
+              <a:schemeClr val="accent5">
+                <a:lumMod val="75000"/>
+              </a:schemeClr>
+            </a:solidFill>
+          </a:ln>
+        </p:spPr>
+        <p:style>
+          <a:lnRef idx="2">
+            <a:schemeClr val="accent1"/>
+          </a:lnRef>
+          <a:fillRef idx="1">
+            <a:schemeClr val="lt1"/>
+          </a:fillRef>
+          <a:effectRef idx="0">
+            <a:schemeClr val="accent1"/>
+          </a:effectRef>
+          <a:fontRef idx="minor">
+            <a:schemeClr val="dk1"/>
+          </a:fontRef>
+        </p:style>
+        <p:txBody>
+          <a:bodyPr rtlCol="0" anchor="ctr"/>
+          <a:lstStyle/>
+          <a:p>
+            <a:pPr algn="ctr"/>
+            <a:r>
+              <a:rPr lang="en-US" altLang="ja-JP" sz="1400">
+                <a:solidFill>
+                  <a:schemeClr val="accent5">
+                    <a:lumMod val="75000"/>
+                  </a:schemeClr>
+                </a:solidFill>
+                <a:latin typeface="+mj-ea"/>
+              </a:rPr>
+              <a:t>Windows</a:t>
+            </a:r>
+            <a:r>
+              <a:rPr lang="ja-JP" altLang="en-US" sz="1400">
+                <a:solidFill>
+                  <a:schemeClr val="accent5">
+                    <a:lumMod val="75000"/>
+                  </a:schemeClr>
+                </a:solidFill>
+                <a:latin typeface="+mj-ea"/>
+              </a:rPr>
+              <a:t> </a:t>
+            </a:r>
+            <a:r>
+              <a:rPr lang="en-US" altLang="ja-JP" sz="1400">
+                <a:solidFill>
+                  <a:schemeClr val="accent5">
+                    <a:lumMod val="75000"/>
+                  </a:schemeClr>
+                </a:solidFill>
+                <a:latin typeface="+mj-ea"/>
+              </a:rPr>
+              <a:t>Menu</a:t>
+            </a:r>
+            <a:endParaRPr lang="ja-JP" altLang="en-US" sz="1400" dirty="0">
+              <a:solidFill>
+                <a:schemeClr val="accent5">
+                  <a:lumMod val="75000"/>
+                </a:schemeClr>
+              </a:solidFill>
+              <a:latin typeface="+mj-ea"/>
+            </a:endParaRPr>
+          </a:p>
+        </p:txBody>
+      </p:sp>
       <p:cxnSp>
         <p:nvCxnSpPr>
-          <p:cNvPr id="73" name="直線矢印コネクタ 72"/>
-          <p:cNvCxnSpPr>
-            <a:stCxn id="74" idx="1"/>
-          </p:cNvCxnSpPr>
+          <p:cNvPr id="19" name="直線矢印コネクタ 18"/>
+          <p:cNvCxnSpPr/>
           <p:nvPr/>
         </p:nvCxnSpPr>
         <p:spPr>
-          <a:xfrm flipH="1" flipV="1">
-            <a:off x="4938177" y="3622491"/>
-            <a:ext cx="1176873" cy="244884"/>
+          <a:xfrm flipV="1">
+            <a:off x="2951812" y="4334578"/>
+            <a:ext cx="908618" cy="275028"/>
           </a:xfrm>
           <a:prstGeom prst="straightConnector1">
             <a:avLst/>
@@ -16651,13 +16655,13 @@
       </p:cxnSp>
       <p:sp>
         <p:nvSpPr>
-          <p:cNvPr id="74" name="正方形/長方形 73"/>
-          <p:cNvSpPr/>
-          <p:nvPr/>
-        </p:nvSpPr>
-        <p:spPr>
-          <a:xfrm>
-            <a:off x="6115050" y="3659498"/>
+          <p:cNvPr id="20" name="正方形/長方形 19"/>
+          <p:cNvSpPr/>
+          <p:nvPr/>
+        </p:nvSpPr>
+        <p:spPr>
+          <a:xfrm>
+            <a:off x="400926" y="4373216"/>
             <a:ext cx="2539646" cy="415754"/>
           </a:xfrm>
           <a:prstGeom prst="rect">
@@ -16691,188 +16695,23 @@
           <a:p>
             <a:pPr algn="ctr"/>
             <a:r>
-              <a:rPr kumimoji="1" lang="en-US" altLang="ja-JP" sz="1400" dirty="0" err="1" smtClean="0">
+              <a:rPr lang="en-US" altLang="ja-JP" sz="1400">
                 <a:solidFill>
                   <a:schemeClr val="accent5">
                     <a:lumMod val="75000"/>
                   </a:schemeClr>
                 </a:solidFill>
                 <a:latin typeface="+mj-ea"/>
-                <a:ea typeface="+mj-ea"/>
-              </a:rPr>
-              <a:t>MButton</a:t>
-            </a:r>
-            <a:endParaRPr kumimoji="1" lang="ja-JP" altLang="en-US" sz="1400" dirty="0">
+              </a:rPr>
+              <a:t>Explorer (Open Dropbox)</a:t>
+            </a:r>
+            <a:endParaRPr lang="ja-JP" altLang="en-US" sz="1400" dirty="0">
               <a:solidFill>
                 <a:schemeClr val="accent5">
                   <a:lumMod val="75000"/>
                 </a:schemeClr>
               </a:solidFill>
               <a:latin typeface="+mj-ea"/>
-              <a:ea typeface="+mj-ea"/>
-            </a:endParaRPr>
-          </a:p>
-        </p:txBody>
-      </p:sp>
-      <p:cxnSp>
-        <p:nvCxnSpPr>
-          <p:cNvPr id="75" name="直線矢印コネクタ 74"/>
-          <p:cNvCxnSpPr/>
-          <p:nvPr/>
-        </p:nvCxnSpPr>
-        <p:spPr>
-          <a:xfrm flipV="1">
-            <a:off x="3162516" y="3620860"/>
-            <a:ext cx="908618" cy="275028"/>
-          </a:xfrm>
-          <a:prstGeom prst="straightConnector1">
-            <a:avLst/>
-          </a:prstGeom>
-          <a:ln w="28575">
-            <a:solidFill>
-              <a:schemeClr val="accent5">
-                <a:lumMod val="75000"/>
-              </a:schemeClr>
-            </a:solidFill>
-            <a:tailEnd type="triangle"/>
-          </a:ln>
-        </p:spPr>
-        <p:style>
-          <a:lnRef idx="1">
-            <a:schemeClr val="accent1"/>
-          </a:lnRef>
-          <a:fillRef idx="0">
-            <a:schemeClr val="accent1"/>
-          </a:fillRef>
-          <a:effectRef idx="0">
-            <a:schemeClr val="accent1"/>
-          </a:effectRef>
-          <a:fontRef idx="minor">
-            <a:schemeClr val="tx1"/>
-          </a:fontRef>
-        </p:style>
-      </p:cxnSp>
-      <p:sp>
-        <p:nvSpPr>
-          <p:cNvPr id="76" name="正方形/長方形 75"/>
-          <p:cNvSpPr/>
-          <p:nvPr/>
-        </p:nvSpPr>
-        <p:spPr>
-          <a:xfrm>
-            <a:off x="611630" y="3659498"/>
-            <a:ext cx="2539646" cy="415754"/>
-          </a:xfrm>
-          <a:prstGeom prst="rect">
-            <a:avLst/>
-          </a:prstGeom>
-          <a:ln w="28575">
-            <a:solidFill>
-              <a:schemeClr val="accent5">
-                <a:lumMod val="75000"/>
-              </a:schemeClr>
-            </a:solidFill>
-          </a:ln>
-        </p:spPr>
-        <p:style>
-          <a:lnRef idx="2">
-            <a:schemeClr val="accent1"/>
-          </a:lnRef>
-          <a:fillRef idx="1">
-            <a:schemeClr val="lt1"/>
-          </a:fillRef>
-          <a:effectRef idx="0">
-            <a:schemeClr val="accent1"/>
-          </a:effectRef>
-          <a:fontRef idx="minor">
-            <a:schemeClr val="dk1"/>
-          </a:fontRef>
-        </p:style>
-        <p:txBody>
-          <a:bodyPr rtlCol="0" anchor="ctr"/>
-          <a:lstStyle/>
-          <a:p>
-            <a:pPr algn="ctr"/>
-            <a:r>
-              <a:rPr kumimoji="1" lang="en-US" altLang="ja-JP" sz="1400" dirty="0" smtClean="0">
-                <a:solidFill>
-                  <a:schemeClr val="accent5">
-                    <a:lumMod val="75000"/>
-                  </a:schemeClr>
-                </a:solidFill>
-                <a:latin typeface="+mj-ea"/>
-                <a:ea typeface="+mj-ea"/>
-              </a:rPr>
-              <a:t>scroll </a:t>
-            </a:r>
-            <a:r>
-              <a:rPr lang="en-US" altLang="ja-JP" sz="1400" dirty="0" smtClean="0">
-                <a:solidFill>
-                  <a:schemeClr val="accent5">
-                    <a:lumMod val="75000"/>
-                  </a:schemeClr>
-                </a:solidFill>
-                <a:latin typeface="+mj-ea"/>
-                <a:ea typeface="+mj-ea"/>
-              </a:rPr>
-              <a:t>(</a:t>
-            </a:r>
-            <a:r>
-              <a:rPr kumimoji="1" lang="en-US" altLang="ja-JP" sz="1400" dirty="0" smtClean="0">
-                <a:solidFill>
-                  <a:schemeClr val="accent5">
-                    <a:lumMod val="75000"/>
-                  </a:schemeClr>
-                </a:solidFill>
-                <a:latin typeface="+mj-ea"/>
-                <a:ea typeface="+mj-ea"/>
-              </a:rPr>
-              <a:t>AHK </a:t>
-            </a:r>
-            <a:r>
-              <a:rPr lang="en-US" altLang="ja-JP" sz="1400" dirty="0" err="1" smtClean="0">
-                <a:solidFill>
-                  <a:schemeClr val="accent5">
-                    <a:lumMod val="75000"/>
-                  </a:schemeClr>
-                </a:solidFill>
-                <a:latin typeface="+mj-ea"/>
-                <a:ea typeface="+mj-ea"/>
-              </a:rPr>
-              <a:t>f</a:t>
-            </a:r>
-            <a:r>
-              <a:rPr kumimoji="1" lang="en-US" altLang="ja-JP" sz="1400" dirty="0" err="1" smtClean="0">
-                <a:solidFill>
-                  <a:schemeClr val="accent5">
-                    <a:lumMod val="75000"/>
-                  </a:schemeClr>
-                </a:solidFill>
-                <a:latin typeface="+mj-ea"/>
-                <a:ea typeface="+mj-ea"/>
-              </a:rPr>
-              <a:t>unc</a:t>
-            </a:r>
-            <a:r>
-              <a:rPr lang="en-US" altLang="ja-JP" sz="1400" dirty="0" smtClean="0">
-                <a:solidFill>
-                  <a:schemeClr val="accent5">
-                    <a:lumMod val="75000"/>
-                  </a:schemeClr>
-                </a:solidFill>
-                <a:latin typeface="+mj-ea"/>
-                <a:ea typeface="+mj-ea"/>
-              </a:rPr>
-              <a:t>)</a:t>
-            </a:r>
-            <a:endParaRPr kumimoji="1" lang="ja-JP" altLang="en-US" sz="1400" dirty="0">
-              <a:solidFill>
-                <a:schemeClr val="accent5">
-                  <a:lumMod val="75000"/>
-                </a:schemeClr>
-              </a:solidFill>
-              <a:latin typeface="+mj-ea"/>
-              <a:ea typeface="+mj-ea"/>
             </a:endParaRPr>
           </a:p>
         </p:txBody>
@@ -16880,7 +16719,7 @@
     </p:spTree>
     <p:extLst>
       <p:ext uri="{BB962C8B-B14F-4D97-AF65-F5344CB8AC3E}">
-        <p14:creationId xmlns:p14="http://schemas.microsoft.com/office/powerpoint/2010/main" val="537427911"/>
+        <p14:creationId xmlns:p14="http://schemas.microsoft.com/office/powerpoint/2010/main" val="3162482884"/>
       </p:ext>
     </p:extLst>
   </p:cSld>
@@ -16926,32 +16765,34 @@
         </p:nvSpPr>
         <p:spPr/>
         <p:txBody>
-          <a:bodyPr/>
-          <a:lstStyle/>
-          <a:p>
-            <a:r>
-              <a:rPr lang="en-US" altLang="ja-JP" sz="3600">
-                <a:latin typeface="+mj-ea"/>
-                <a:cs typeface="Courier New" panose="02070309020205020404" pitchFamily="49" charset="0"/>
-              </a:rPr>
-              <a:t>MOD Left  Side Button</a:t>
-            </a:r>
-            <a:endParaRPr lang="ja-JP" altLang="en-US" sz="3600" dirty="0">
-              <a:latin typeface="+mj-ea"/>
-              <a:cs typeface="Courier New" panose="02070309020205020404" pitchFamily="49" charset="0"/>
+          <a:bodyPr>
+            <a:noAutofit/>
+          </a:bodyPr>
+          <a:lstStyle/>
+          <a:p>
+            <a:r>
+              <a:rPr kumimoji="1" lang="en-US" altLang="ja-JP" sz="4000" smtClean="0">
+                <a:latin typeface="Meiryo UI" panose="020B0604030504040204" pitchFamily="50" charset="-128"/>
+                <a:ea typeface="Meiryo UI" panose="020B0604030504040204" pitchFamily="50" charset="-128"/>
+              </a:rPr>
+              <a:t>Mouse : Steelseries Rival 100</a:t>
+            </a:r>
+            <a:endParaRPr kumimoji="1" lang="ja-JP" altLang="en-US" sz="4000">
+              <a:latin typeface="Meiryo UI" panose="020B0604030504040204" pitchFamily="50" charset="-128"/>
+              <a:ea typeface="Meiryo UI" panose="020B0604030504040204" pitchFamily="50" charset="-128"/>
             </a:endParaRPr>
           </a:p>
         </p:txBody>
       </p:sp>
       <p:pic>
         <p:nvPicPr>
-          <p:cNvPr id="5" name="Picture 2" descr="http://site.steelseriescdn.com/wp-content/uploads/008-big-steelseries-kanav2_img-section.jpg"/>
+          <p:cNvPr id="1026" name="Picture 2" descr="http://images17.newegg.com/is/image/newegg/26-249-174-TS?$S640$"/>
           <p:cNvPicPr>
             <a:picLocks noChangeAspect="1" noChangeArrowheads="1"/>
           </p:cNvPicPr>
           <p:nvPr/>
         </p:nvPicPr>
-        <p:blipFill rotWithShape="1">
+        <p:blipFill>
           <a:blip r:embed="rId2">
             <a:extLst>
               <a:ext uri="{28A0092B-C50C-407E-A947-70E740481C1C}">
@@ -16959,13 +16800,15 @@
               </a:ext>
             </a:extLst>
           </a:blip>
-          <a:srcRect l="33298" t="18747" r="29817" b="270"/>
-          <a:stretch/>
+          <a:srcRect/>
+          <a:stretch>
+            <a:fillRect/>
+          </a:stretch>
         </p:blipFill>
         <p:spPr bwMode="auto">
           <a:xfrm>
-            <a:off x="3346485" y="3092521"/>
-            <a:ext cx="2445250" cy="3084442"/>
+            <a:off x="2835275" y="3571875"/>
+            <a:ext cx="3473450" cy="2605088"/>
           </a:xfrm>
           <a:prstGeom prst="rect">
             <a:avLst/>
@@ -16982,106 +16825,122 @@
           </a:extLst>
         </p:spPr>
       </p:pic>
-      <p:sp>
-        <p:nvSpPr>
-          <p:cNvPr id="6" name="下矢印 5"/>
-          <p:cNvSpPr/>
-          <p:nvPr/>
-        </p:nvSpPr>
-        <p:spPr>
-          <a:xfrm>
-            <a:off x="4394449" y="3678148"/>
-            <a:ext cx="195209" cy="297950"/>
-          </a:xfrm>
-          <a:prstGeom prst="downArrow">
-            <a:avLst/>
-          </a:prstGeom>
-          <a:ln/>
-        </p:spPr>
-        <p:style>
-          <a:lnRef idx="3">
-            <a:schemeClr val="lt1"/>
-          </a:lnRef>
-          <a:fillRef idx="1">
-            <a:schemeClr val="accent2"/>
-          </a:fillRef>
-          <a:effectRef idx="1">
-            <a:schemeClr val="accent2"/>
-          </a:effectRef>
-          <a:fontRef idx="minor">
-            <a:schemeClr val="lt1"/>
-          </a:fontRef>
-        </p:style>
-        <p:txBody>
-          <a:bodyPr rtlCol="0" anchor="ctr"/>
-          <a:lstStyle/>
-          <a:p>
-            <a:pPr algn="ctr"/>
-            <a:endParaRPr kumimoji="1" lang="ja-JP" altLang="en-US" sz="1400">
-              <a:latin typeface="+mj-ea"/>
-              <a:ea typeface="+mj-ea"/>
-            </a:endParaRPr>
-          </a:p>
-        </p:txBody>
-      </p:sp>
-      <p:sp>
-        <p:nvSpPr>
-          <p:cNvPr id="7" name="下矢印 6"/>
-          <p:cNvSpPr/>
-          <p:nvPr/>
-        </p:nvSpPr>
-        <p:spPr>
-          <a:xfrm rot="10800000">
-            <a:off x="4394449" y="2794571"/>
-            <a:ext cx="195209" cy="297950"/>
-          </a:xfrm>
-          <a:prstGeom prst="downArrow">
-            <a:avLst/>
-          </a:prstGeom>
-          <a:ln>
-            <a:solidFill>
-              <a:schemeClr val="bg1"/>
-            </a:solidFill>
-          </a:ln>
-        </p:spPr>
-        <p:style>
-          <a:lnRef idx="3">
-            <a:schemeClr val="lt1"/>
-          </a:lnRef>
-          <a:fillRef idx="1">
-            <a:schemeClr val="accent2"/>
-          </a:fillRef>
-          <a:effectRef idx="1">
-            <a:schemeClr val="accent2"/>
-          </a:effectRef>
-          <a:fontRef idx="minor">
-            <a:schemeClr val="lt1"/>
-          </a:fontRef>
-        </p:style>
-        <p:txBody>
-          <a:bodyPr rtlCol="0" anchor="ctr"/>
-          <a:lstStyle/>
-          <a:p>
-            <a:pPr algn="ctr"/>
-            <a:endParaRPr kumimoji="1" lang="ja-JP" altLang="en-US" sz="1400">
-              <a:latin typeface="+mj-ea"/>
-              <a:ea typeface="+mj-ea"/>
-            </a:endParaRPr>
-          </a:p>
-        </p:txBody>
-      </p:sp>
+      <p:grpSp>
+        <p:nvGrpSpPr>
+          <p:cNvPr id="23" name="グループ化 22"/>
+          <p:cNvGrpSpPr/>
+          <p:nvPr/>
+        </p:nvGrpSpPr>
+        <p:grpSpPr>
+          <a:xfrm rot="17933126">
+            <a:off x="3971679" y="3400165"/>
+            <a:ext cx="195209" cy="1181527"/>
+            <a:chOff x="4394449" y="2794571"/>
+            <a:chExt cx="195209" cy="1181527"/>
+          </a:xfrm>
+        </p:grpSpPr>
+        <p:sp>
+          <p:nvSpPr>
+            <p:cNvPr id="5" name="下矢印 4"/>
+            <p:cNvSpPr/>
+            <p:nvPr/>
+          </p:nvSpPr>
+          <p:spPr>
+            <a:xfrm>
+              <a:off x="4394449" y="3678148"/>
+              <a:ext cx="195209" cy="297950"/>
+            </a:xfrm>
+            <a:prstGeom prst="downArrow">
+              <a:avLst/>
+            </a:prstGeom>
+            <a:ln/>
+          </p:spPr>
+          <p:style>
+            <a:lnRef idx="3">
+              <a:schemeClr val="lt1"/>
+            </a:lnRef>
+            <a:fillRef idx="1">
+              <a:schemeClr val="accent2"/>
+            </a:fillRef>
+            <a:effectRef idx="1">
+              <a:schemeClr val="accent2"/>
+            </a:effectRef>
+            <a:fontRef idx="minor">
+              <a:schemeClr val="lt1"/>
+            </a:fontRef>
+          </p:style>
+          <p:txBody>
+            <a:bodyPr rtlCol="0" anchor="ctr"/>
+            <a:lstStyle/>
+            <a:p>
+              <a:pPr algn="ctr"/>
+              <a:endParaRPr kumimoji="1" lang="ja-JP" altLang="en-US" sz="1400">
+                <a:latin typeface="+mj-ea"/>
+                <a:ea typeface="+mj-ea"/>
+              </a:endParaRPr>
+            </a:p>
+          </p:txBody>
+        </p:sp>
+        <p:sp>
+          <p:nvSpPr>
+            <p:cNvPr id="6" name="下矢印 5"/>
+            <p:cNvSpPr/>
+            <p:nvPr/>
+          </p:nvSpPr>
+          <p:spPr>
+            <a:xfrm rot="10800000">
+              <a:off x="4394449" y="2794571"/>
+              <a:ext cx="195209" cy="297950"/>
+            </a:xfrm>
+            <a:prstGeom prst="downArrow">
+              <a:avLst/>
+            </a:prstGeom>
+            <a:ln>
+              <a:solidFill>
+                <a:schemeClr val="bg1"/>
+              </a:solidFill>
+            </a:ln>
+          </p:spPr>
+          <p:style>
+            <a:lnRef idx="3">
+              <a:schemeClr val="lt1"/>
+            </a:lnRef>
+            <a:fillRef idx="1">
+              <a:schemeClr val="accent2"/>
+            </a:fillRef>
+            <a:effectRef idx="1">
+              <a:schemeClr val="accent2"/>
+            </a:effectRef>
+            <a:fontRef idx="minor">
+              <a:schemeClr val="lt1"/>
+            </a:fontRef>
+          </p:style>
+          <p:txBody>
+            <a:bodyPr rtlCol="0" anchor="ctr"/>
+            <a:lstStyle/>
+            <a:p>
+              <a:pPr algn="ctr"/>
+              <a:endParaRPr kumimoji="1" lang="ja-JP" altLang="en-US" sz="1400">
+                <a:latin typeface="+mj-ea"/>
+                <a:ea typeface="+mj-ea"/>
+              </a:endParaRPr>
+            </a:p>
+          </p:txBody>
+        </p:sp>
+      </p:grpSp>
       <p:cxnSp>
         <p:nvCxnSpPr>
-          <p:cNvPr id="11" name="直線矢印コネクタ 10"/>
+          <p:cNvPr id="7" name="直線矢印コネクタ 6"/>
           <p:cNvCxnSpPr>
-            <a:stCxn id="14" idx="1"/>
+            <a:stCxn id="8" idx="1"/>
+            <a:endCxn id="5" idx="2"/>
           </p:cNvCxnSpPr>
           <p:nvPr/>
         </p:nvCxnSpPr>
         <p:spPr>
-          <a:xfrm flipH="1">
-            <a:off x="4578418" y="2696641"/>
-            <a:ext cx="1536632" cy="1086410"/>
+          <a:xfrm flipH="1" flipV="1">
+            <a:off x="4586548" y="4276302"/>
+            <a:ext cx="1547426" cy="86106"/>
           </a:xfrm>
           <a:prstGeom prst="straightConnector1">
             <a:avLst/>
@@ -17112,13 +16971,13 @@
       </p:cxnSp>
       <p:sp>
         <p:nvSpPr>
-          <p:cNvPr id="14" name="正方形/長方形 13"/>
-          <p:cNvSpPr/>
-          <p:nvPr/>
-        </p:nvSpPr>
-        <p:spPr>
-          <a:xfrm>
-            <a:off x="6115050" y="2488764"/>
+          <p:cNvPr id="8" name="正方形/長方形 7"/>
+          <p:cNvSpPr/>
+          <p:nvPr/>
+        </p:nvSpPr>
+        <p:spPr>
+          <a:xfrm>
+            <a:off x="6133974" y="4154531"/>
             <a:ext cx="2539646" cy="415754"/>
           </a:xfrm>
           <a:prstGeom prst="rect">
@@ -17152,53 +17011,36 @@
           <a:p>
             <a:pPr algn="ctr"/>
             <a:r>
-              <a:rPr lang="en-US" altLang="ja-JP" sz="1400" dirty="0">
+              <a:rPr lang="en-US" altLang="ja-JP" sz="1400">
                 <a:solidFill>
                   <a:schemeClr val="accent5">
                     <a:lumMod val="75000"/>
                   </a:schemeClr>
                 </a:solidFill>
                 <a:latin typeface="+mj-ea"/>
-                <a:ea typeface="+mj-ea"/>
-              </a:rPr>
-              <a:t>Next Window </a:t>
-            </a:r>
-            <a:r>
-              <a:rPr lang="en-US" altLang="ja-JP" sz="1400" dirty="0">
-                <a:solidFill>
-                  <a:schemeClr val="bg1">
-                    <a:lumMod val="65000"/>
-                  </a:schemeClr>
-                </a:solidFill>
-                <a:latin typeface="+mj-ea"/>
-                <a:ea typeface="+mj-ea"/>
-              </a:rPr>
-              <a:t>(!tab</a:t>
-            </a:r>
-            <a:r>
-              <a:rPr lang="en-US" altLang="ja-JP" sz="1400" dirty="0" smtClean="0">
-                <a:solidFill>
-                  <a:schemeClr val="bg1">
-                    <a:lumMod val="65000"/>
-                  </a:schemeClr>
-                </a:solidFill>
-                <a:latin typeface="+mj-ea"/>
-                <a:ea typeface="+mj-ea"/>
-              </a:rPr>
-              <a:t>)</a:t>
-            </a:r>
-          </a:p>
-        </p:txBody>
-      </p:sp>
-      <p:sp>
-        <p:nvSpPr>
-          <p:cNvPr id="57" name="正方形/長方形 56"/>
-          <p:cNvSpPr/>
-          <p:nvPr/>
-        </p:nvSpPr>
-        <p:spPr>
-          <a:xfrm>
-            <a:off x="611630" y="2488764"/>
+              </a:rPr>
+              <a:t>Wheel Right</a:t>
+            </a:r>
+            <a:endParaRPr lang="ja-JP" altLang="en-US" sz="1400" dirty="0">
+              <a:solidFill>
+                <a:schemeClr val="accent5">
+                  <a:lumMod val="75000"/>
+                </a:schemeClr>
+              </a:solidFill>
+              <a:latin typeface="+mj-ea"/>
+            </a:endParaRPr>
+          </a:p>
+        </p:txBody>
+      </p:sp>
+      <p:sp>
+        <p:nvSpPr>
+          <p:cNvPr id="9" name="正方形/長方形 8"/>
+          <p:cNvSpPr/>
+          <p:nvPr/>
+        </p:nvSpPr>
+        <p:spPr>
+          <a:xfrm>
+            <a:off x="400691" y="2902228"/>
             <a:ext cx="2539646" cy="415754"/>
           </a:xfrm>
           <a:prstGeom prst="rect">
@@ -17232,53 +17074,40 @@
           <a:p>
             <a:pPr algn="ctr"/>
             <a:r>
-              <a:rPr lang="en-US" altLang="ja-JP" sz="1400" dirty="0" smtClean="0">
+              <a:rPr lang="en-US" altLang="ja-JP" sz="1400">
                 <a:solidFill>
                   <a:schemeClr val="accent5">
                     <a:lumMod val="75000"/>
                   </a:schemeClr>
                 </a:solidFill>
                 <a:latin typeface="+mj-ea"/>
-                <a:ea typeface="+mj-ea"/>
-              </a:rPr>
-              <a:t>Previous Window </a:t>
-            </a:r>
-            <a:r>
-              <a:rPr lang="en-US" altLang="ja-JP" sz="1400" dirty="0" smtClean="0">
-                <a:solidFill>
-                  <a:schemeClr val="bg1">
-                    <a:lumMod val="65000"/>
-                  </a:schemeClr>
-                </a:solidFill>
-                <a:latin typeface="+mj-ea"/>
-                <a:ea typeface="+mj-ea"/>
-              </a:rPr>
-              <a:t>(!+tab)</a:t>
-            </a:r>
-            <a:endParaRPr kumimoji="1" lang="ja-JP" altLang="en-US" sz="1400" dirty="0">
-              <a:solidFill>
-                <a:schemeClr val="bg1">
-                  <a:lumMod val="65000"/>
+              </a:rPr>
+              <a:t>Wheel Left</a:t>
+            </a:r>
+            <a:endParaRPr lang="ja-JP" altLang="en-US" sz="1400" dirty="0">
+              <a:solidFill>
+                <a:schemeClr val="accent5">
+                  <a:lumMod val="75000"/>
                 </a:schemeClr>
               </a:solidFill>
               <a:latin typeface="+mj-ea"/>
-              <a:ea typeface="+mj-ea"/>
             </a:endParaRPr>
           </a:p>
         </p:txBody>
       </p:sp>
       <p:cxnSp>
         <p:nvCxnSpPr>
-          <p:cNvPr id="58" name="直線矢印コネクタ 57"/>
+          <p:cNvPr id="10" name="直線矢印コネクタ 9"/>
           <p:cNvCxnSpPr>
-            <a:stCxn id="57" idx="3"/>
+            <a:stCxn id="9" idx="3"/>
+            <a:endCxn id="6" idx="2"/>
           </p:cNvCxnSpPr>
           <p:nvPr/>
         </p:nvCxnSpPr>
         <p:spPr>
           <a:xfrm>
-            <a:off x="3151276" y="2696641"/>
-            <a:ext cx="1154556" cy="260944"/>
+            <a:off x="2940337" y="3110105"/>
+            <a:ext cx="611682" cy="595450"/>
           </a:xfrm>
           <a:prstGeom prst="straightConnector1">
             <a:avLst/>
@@ -17309,16 +17138,16 @@
       </p:cxnSp>
       <p:cxnSp>
         <p:nvCxnSpPr>
-          <p:cNvPr id="62" name="直線矢印コネクタ 61"/>
+          <p:cNvPr id="11" name="直線矢印コネクタ 10"/>
           <p:cNvCxnSpPr>
-            <a:stCxn id="63" idx="1"/>
+            <a:stCxn id="12" idx="1"/>
           </p:cNvCxnSpPr>
           <p:nvPr/>
         </p:nvCxnSpPr>
         <p:spPr>
           <a:xfrm flipH="1">
-            <a:off x="4589659" y="1766451"/>
-            <a:ext cx="929490" cy="1613747"/>
+            <a:off x="4117210" y="2102303"/>
+            <a:ext cx="404543" cy="1805872"/>
           </a:xfrm>
           <a:prstGeom prst="straightConnector1">
             <a:avLst/>
@@ -17349,14 +17178,14 @@
       </p:cxnSp>
       <p:sp>
         <p:nvSpPr>
-          <p:cNvPr id="63" name="正方形/長方形 62"/>
-          <p:cNvSpPr/>
-          <p:nvPr/>
-        </p:nvSpPr>
-        <p:spPr>
-          <a:xfrm>
-            <a:off x="5519149" y="1558574"/>
-            <a:ext cx="2539646" cy="415754"/>
+          <p:cNvPr id="12" name="正方形/長方形 11"/>
+          <p:cNvSpPr/>
+          <p:nvPr/>
+        </p:nvSpPr>
+        <p:spPr>
+          <a:xfrm>
+            <a:off x="4521753" y="1894426"/>
+            <a:ext cx="2809842" cy="415754"/>
           </a:xfrm>
           <a:prstGeom prst="rect">
             <a:avLst/>
@@ -17389,50 +17218,134 @@
           <a:p>
             <a:pPr algn="ctr"/>
             <a:r>
-              <a:rPr kumimoji="1" lang="en-US" altLang="ja-JP" sz="1400" smtClean="0">
+              <a:rPr lang="en-US" altLang="ja-JP" sz="1400">
                 <a:solidFill>
                   <a:schemeClr val="accent5">
                     <a:lumMod val="75000"/>
                   </a:schemeClr>
                 </a:solidFill>
                 <a:latin typeface="+mj-ea"/>
-                <a:ea typeface="+mj-ea"/>
-              </a:rPr>
-              <a:t>Suspend </a:t>
-            </a:r>
-            <a:r>
-              <a:rPr kumimoji="1" lang="en-US" altLang="ja-JP" sz="1400" dirty="0" smtClean="0">
-                <a:solidFill>
-                  <a:schemeClr val="accent5">
-                    <a:lumMod val="75000"/>
-                  </a:schemeClr>
-                </a:solidFill>
-                <a:latin typeface="+mj-ea"/>
-                <a:ea typeface="+mj-ea"/>
-              </a:rPr>
-              <a:t>AHK</a:t>
-            </a:r>
-            <a:endParaRPr kumimoji="1" lang="ja-JP" altLang="en-US" sz="1400" dirty="0">
+              </a:rPr>
+              <a:t>Reload AHK</a:t>
+            </a:r>
+            <a:endParaRPr lang="ja-JP" altLang="en-US" sz="1400" dirty="0">
               <a:solidFill>
                 <a:schemeClr val="accent5">
                   <a:lumMod val="75000"/>
                 </a:schemeClr>
               </a:solidFill>
               <a:latin typeface="+mj-ea"/>
-              <a:ea typeface="+mj-ea"/>
-            </a:endParaRPr>
-          </a:p>
-        </p:txBody>
-      </p:sp>
-      <p:sp>
-        <p:nvSpPr>
-          <p:cNvPr id="65" name="正方形/長方形 64"/>
-          <p:cNvSpPr/>
-          <p:nvPr/>
-        </p:nvSpPr>
-        <p:spPr>
-          <a:xfrm>
-            <a:off x="6115050" y="5096763"/>
+            </a:endParaRPr>
+          </a:p>
+        </p:txBody>
+      </p:sp>
+      <p:sp>
+        <p:nvSpPr>
+          <p:cNvPr id="13" name="正方形/長方形 12"/>
+          <p:cNvSpPr/>
+          <p:nvPr/>
+        </p:nvSpPr>
+        <p:spPr>
+          <a:xfrm>
+            <a:off x="428802" y="5248450"/>
+            <a:ext cx="2539646" cy="415754"/>
+          </a:xfrm>
+          <a:prstGeom prst="rect">
+            <a:avLst/>
+          </a:prstGeom>
+          <a:solidFill>
+            <a:schemeClr val="tx1"/>
+          </a:solidFill>
+          <a:ln w="28575">
+            <a:solidFill>
+              <a:schemeClr val="tx1"/>
+            </a:solidFill>
+          </a:ln>
+        </p:spPr>
+        <p:style>
+          <a:lnRef idx="2">
+            <a:schemeClr val="accent1"/>
+          </a:lnRef>
+          <a:fillRef idx="1">
+            <a:schemeClr val="lt1"/>
+          </a:fillRef>
+          <a:effectRef idx="0">
+            <a:schemeClr val="accent1"/>
+          </a:effectRef>
+          <a:fontRef idx="minor">
+            <a:schemeClr val="dk1"/>
+          </a:fontRef>
+        </p:style>
+        <p:txBody>
+          <a:bodyPr rtlCol="0" anchor="ctr"/>
+          <a:lstStyle/>
+          <a:p>
+            <a:pPr algn="ctr"/>
+            <a:r>
+              <a:rPr lang="en-US" altLang="ja-JP" sz="1400" b="1" smtClean="0">
+                <a:solidFill>
+                  <a:schemeClr val="bg1"/>
+                </a:solidFill>
+                <a:latin typeface="+mj-ea"/>
+              </a:rPr>
+              <a:t>BASE</a:t>
+            </a:r>
+            <a:endParaRPr lang="ja-JP" altLang="en-US" sz="1400" b="1">
+              <a:solidFill>
+                <a:schemeClr val="bg1"/>
+              </a:solidFill>
+              <a:latin typeface="+mj-ea"/>
+            </a:endParaRPr>
+          </a:p>
+        </p:txBody>
+      </p:sp>
+      <p:cxnSp>
+        <p:nvCxnSpPr>
+          <p:cNvPr id="14" name="直線矢印コネクタ 13"/>
+          <p:cNvCxnSpPr>
+            <a:stCxn id="13" idx="3"/>
+          </p:cNvCxnSpPr>
+          <p:nvPr/>
+        </p:nvCxnSpPr>
+        <p:spPr>
+          <a:xfrm flipV="1">
+            <a:off x="2968448" y="4857751"/>
+            <a:ext cx="889177" cy="598576"/>
+          </a:xfrm>
+          <a:prstGeom prst="straightConnector1">
+            <a:avLst/>
+          </a:prstGeom>
+          <a:ln w="28575">
+            <a:solidFill>
+              <a:schemeClr val="tx1"/>
+            </a:solidFill>
+            <a:tailEnd type="triangle"/>
+          </a:ln>
+        </p:spPr>
+        <p:style>
+          <a:lnRef idx="1">
+            <a:schemeClr val="accent1"/>
+          </a:lnRef>
+          <a:fillRef idx="0">
+            <a:schemeClr val="accent1"/>
+          </a:fillRef>
+          <a:effectRef idx="0">
+            <a:schemeClr val="accent1"/>
+          </a:effectRef>
+          <a:fontRef idx="minor">
+            <a:schemeClr val="tx1"/>
+          </a:fontRef>
+        </p:style>
+      </p:cxnSp>
+      <p:sp>
+        <p:nvSpPr>
+          <p:cNvPr id="15" name="正方形/長方形 14"/>
+          <p:cNvSpPr/>
+          <p:nvPr/>
+        </p:nvSpPr>
+        <p:spPr>
+          <a:xfrm>
+            <a:off x="1159979" y="5916787"/>
             <a:ext cx="2539646" cy="415754"/>
           </a:xfrm>
           <a:prstGeom prst="rect">
@@ -17466,7 +17379,7 @@
           <a:p>
             <a:pPr algn="ctr"/>
             <a:r>
-              <a:rPr lang="en-US" altLang="ja-JP" sz="1400" dirty="0">
+              <a:rPr lang="en-US" altLang="ja-JP" sz="1400">
                 <a:solidFill>
                   <a:schemeClr val="accent5">
                     <a:lumMod val="75000"/>
@@ -17474,9 +17387,31 @@
                 </a:solidFill>
                 <a:latin typeface="+mj-ea"/>
               </a:rPr>
-              <a:t>Window Catalog (#Tab)</a:t>
-            </a:r>
-            <a:endParaRPr lang="ja-JP" altLang="en-US" sz="1400" dirty="0">
+              <a:t>Window Catalog (#</a:t>
+            </a:r>
+            <a:r>
+              <a:rPr lang="en-US" altLang="ja-JP" sz="1400">
+                <a:solidFill>
+                  <a:schemeClr val="accent5">
+                    <a:lumMod val="75000"/>
+                  </a:schemeClr>
+                </a:solidFill>
+                <a:latin typeface="+mj-ea"/>
+              </a:rPr>
+              <a:t>Tab</a:t>
+            </a:r>
+            <a:r>
+              <a:rPr lang="en-US" altLang="ja-JP" sz="1400" smtClean="0">
+                <a:solidFill>
+                  <a:schemeClr val="accent5">
+                    <a:lumMod val="75000"/>
+                  </a:schemeClr>
+                </a:solidFill>
+                <a:latin typeface="+mj-ea"/>
+              </a:rPr>
+              <a:t>)</a:t>
+            </a:r>
+            <a:endParaRPr lang="ja-JP" altLang="en-US" sz="1400">
               <a:solidFill>
                 <a:schemeClr val="bg1">
                   <a:lumMod val="65000"/>
@@ -17489,16 +17424,16 @@
       </p:sp>
       <p:cxnSp>
         <p:nvCxnSpPr>
-          <p:cNvPr id="66" name="直線矢印コネクタ 65"/>
+          <p:cNvPr id="16" name="直線矢印コネクタ 15"/>
           <p:cNvCxnSpPr>
-            <a:stCxn id="65" idx="1"/>
+            <a:stCxn id="15" idx="3"/>
           </p:cNvCxnSpPr>
           <p:nvPr/>
         </p:nvCxnSpPr>
         <p:spPr>
-          <a:xfrm flipH="1" flipV="1">
-            <a:off x="5198724" y="4286937"/>
-            <a:ext cx="916326" cy="1017703"/>
+          <a:xfrm flipV="1">
+            <a:off x="3699625" y="5108592"/>
+            <a:ext cx="608100" cy="1016072"/>
           </a:xfrm>
           <a:prstGeom prst="straightConnector1">
             <a:avLst/>
@@ -17527,118 +17462,18 @@
           </a:fontRef>
         </p:style>
       </p:cxnSp>
-      <p:sp>
-        <p:nvSpPr>
-          <p:cNvPr id="70" name="正方形/長方形 69"/>
-          <p:cNvSpPr/>
-          <p:nvPr/>
-        </p:nvSpPr>
-        <p:spPr>
-          <a:xfrm>
-            <a:off x="622870" y="5095132"/>
-            <a:ext cx="2539646" cy="415754"/>
-          </a:xfrm>
-          <a:prstGeom prst="rect">
-            <a:avLst/>
-          </a:prstGeom>
-          <a:solidFill>
-            <a:schemeClr val="tx1"/>
-          </a:solidFill>
-          <a:ln w="28575">
-            <a:solidFill>
-              <a:schemeClr val="tx1"/>
-            </a:solidFill>
-          </a:ln>
-        </p:spPr>
-        <p:style>
-          <a:lnRef idx="2">
-            <a:schemeClr val="accent1"/>
-          </a:lnRef>
-          <a:fillRef idx="1">
-            <a:schemeClr val="lt1"/>
-          </a:fillRef>
-          <a:effectRef idx="0">
-            <a:schemeClr val="accent1"/>
-          </a:effectRef>
-          <a:fontRef idx="minor">
-            <a:schemeClr val="dk1"/>
-          </a:fontRef>
-        </p:style>
-        <p:txBody>
-          <a:bodyPr rtlCol="0" anchor="ctr"/>
-          <a:lstStyle/>
-          <a:p>
-            <a:pPr algn="ctr"/>
-            <a:r>
-              <a:rPr kumimoji="1" lang="en-US" altLang="ja-JP" sz="1400" smtClean="0">
-                <a:solidFill>
-                  <a:schemeClr val="bg1"/>
-                </a:solidFill>
-                <a:latin typeface="+mj-ea"/>
-                <a:ea typeface="+mj-ea"/>
-              </a:rPr>
-              <a:t>BASE</a:t>
-            </a:r>
-            <a:endParaRPr kumimoji="1" lang="ja-JP" altLang="en-US" sz="1400">
-              <a:solidFill>
-                <a:schemeClr val="bg1"/>
-              </a:solidFill>
-              <a:latin typeface="+mj-ea"/>
-              <a:ea typeface="+mj-ea"/>
-            </a:endParaRPr>
-          </a:p>
-        </p:txBody>
-      </p:sp>
       <p:cxnSp>
         <p:nvCxnSpPr>
-          <p:cNvPr id="71" name="直線矢印コネクタ 70"/>
+          <p:cNvPr id="17" name="直線矢印コネクタ 16"/>
           <p:cNvCxnSpPr>
-            <a:stCxn id="70" idx="3"/>
+            <a:stCxn id="18" idx="1"/>
           </p:cNvCxnSpPr>
           <p:nvPr/>
         </p:nvCxnSpPr>
         <p:spPr>
-          <a:xfrm flipV="1">
-            <a:off x="3162516" y="4286937"/>
-            <a:ext cx="608100" cy="1016072"/>
-          </a:xfrm>
-          <a:prstGeom prst="straightConnector1">
-            <a:avLst/>
-          </a:prstGeom>
-          <a:ln w="28575">
-            <a:solidFill>
-              <a:schemeClr val="tx1"/>
-            </a:solidFill>
-            <a:tailEnd type="triangle"/>
-          </a:ln>
-        </p:spPr>
-        <p:style>
-          <a:lnRef idx="1">
-            <a:schemeClr val="accent1"/>
-          </a:lnRef>
-          <a:fillRef idx="0">
-            <a:schemeClr val="accent1"/>
-          </a:fillRef>
-          <a:effectRef idx="0">
-            <a:schemeClr val="accent1"/>
-          </a:effectRef>
-          <a:fontRef idx="minor">
-            <a:schemeClr val="tx1"/>
-          </a:fontRef>
-        </p:style>
-      </p:cxnSp>
-      <p:cxnSp>
-        <p:nvCxnSpPr>
-          <p:cNvPr id="73" name="直線矢印コネクタ 72"/>
-          <p:cNvCxnSpPr>
-            <a:stCxn id="74" idx="1"/>
-          </p:cNvCxnSpPr>
-          <p:nvPr/>
-        </p:nvCxnSpPr>
-        <p:spPr>
-          <a:xfrm flipH="1" flipV="1">
-            <a:off x="4938177" y="3622491"/>
-            <a:ext cx="1176873" cy="244884"/>
+          <a:xfrm flipH="1">
+            <a:off x="4456107" y="3271965"/>
+            <a:ext cx="1370022" cy="636210"/>
           </a:xfrm>
           <a:prstGeom prst="straightConnector1">
             <a:avLst/>
@@ -17669,13 +17504,13 @@
       </p:cxnSp>
       <p:sp>
         <p:nvSpPr>
-          <p:cNvPr id="74" name="正方形/長方形 73"/>
-          <p:cNvSpPr/>
-          <p:nvPr/>
-        </p:nvSpPr>
-        <p:spPr>
-          <a:xfrm>
-            <a:off x="6115050" y="3659498"/>
+          <p:cNvPr id="18" name="正方形/長方形 17"/>
+          <p:cNvSpPr/>
+          <p:nvPr/>
+        </p:nvSpPr>
+        <p:spPr>
+          <a:xfrm>
+            <a:off x="5826129" y="3064088"/>
             <a:ext cx="2539646" cy="415754"/>
           </a:xfrm>
           <a:prstGeom prst="rect">
@@ -17709,62 +17544,36 @@
           <a:p>
             <a:pPr algn="ctr"/>
             <a:r>
-              <a:rPr kumimoji="1" lang="en-US" altLang="ja-JP" sz="1400" smtClean="0">
+              <a:rPr lang="en-US" altLang="ja-JP" sz="1400">
                 <a:solidFill>
                   <a:schemeClr val="accent5">
                     <a:lumMod val="75000"/>
                   </a:schemeClr>
                 </a:solidFill>
                 <a:latin typeface="+mj-ea"/>
-                <a:ea typeface="+mj-ea"/>
-              </a:rPr>
-              <a:t>Windows</a:t>
-            </a:r>
-            <a:r>
-              <a:rPr lang="ja-JP" altLang="en-US" sz="1400">
-                <a:solidFill>
-                  <a:schemeClr val="accent5">
-                    <a:lumMod val="75000"/>
-                  </a:schemeClr>
-                </a:solidFill>
-                <a:latin typeface="+mj-ea"/>
-                <a:ea typeface="+mj-ea"/>
-              </a:rPr>
-              <a:t> </a:t>
-            </a:r>
-            <a:r>
-              <a:rPr lang="en-US" altLang="ja-JP" sz="1400" smtClean="0">
-                <a:solidFill>
-                  <a:schemeClr val="accent5">
-                    <a:lumMod val="75000"/>
-                  </a:schemeClr>
-                </a:solidFill>
-                <a:latin typeface="+mj-ea"/>
-                <a:ea typeface="+mj-ea"/>
-              </a:rPr>
-              <a:t>Menu</a:t>
-            </a:r>
-            <a:endParaRPr kumimoji="1" lang="ja-JP" altLang="en-US" sz="1400" dirty="0">
+              </a:rPr>
+              <a:t>MButton</a:t>
+            </a:r>
+            <a:endParaRPr lang="ja-JP" altLang="en-US" sz="1400" dirty="0">
               <a:solidFill>
                 <a:schemeClr val="accent5">
                   <a:lumMod val="75000"/>
                 </a:schemeClr>
               </a:solidFill>
               <a:latin typeface="+mj-ea"/>
-              <a:ea typeface="+mj-ea"/>
             </a:endParaRPr>
           </a:p>
         </p:txBody>
       </p:sp>
       <p:cxnSp>
         <p:nvCxnSpPr>
-          <p:cNvPr id="75" name="直線矢印コネクタ 74"/>
+          <p:cNvPr id="19" name="直線矢印コネクタ 18"/>
           <p:cNvCxnSpPr/>
           <p:nvPr/>
         </p:nvCxnSpPr>
         <p:spPr>
           <a:xfrm flipV="1">
-            <a:off x="3162516" y="3620860"/>
+            <a:off x="2951812" y="4334578"/>
             <a:ext cx="908618" cy="275028"/>
           </a:xfrm>
           <a:prstGeom prst="straightConnector1">
@@ -17796,13 +17605,13 @@
       </p:cxnSp>
       <p:sp>
         <p:nvSpPr>
-          <p:cNvPr id="76" name="正方形/長方形 75"/>
-          <p:cNvSpPr/>
-          <p:nvPr/>
-        </p:nvSpPr>
-        <p:spPr>
-          <a:xfrm>
-            <a:off x="611630" y="3659498"/>
+          <p:cNvPr id="20" name="正方形/長方形 19"/>
+          <p:cNvSpPr/>
+          <p:nvPr/>
+        </p:nvSpPr>
+        <p:spPr>
+          <a:xfrm>
+            <a:off x="400926" y="4373216"/>
             <a:ext cx="2539646" cy="415754"/>
           </a:xfrm>
           <a:prstGeom prst="rect">
@@ -17843,18 +17652,49 @@
                   </a:schemeClr>
                 </a:solidFill>
                 <a:latin typeface="+mj-ea"/>
-                <a:ea typeface="+mj-ea"/>
-              </a:rPr>
-              <a:t>Explorer (Open Dropbox)</a:t>
-            </a:r>
-            <a:endParaRPr kumimoji="1" lang="ja-JP" altLang="en-US" sz="1400" dirty="0">
+              </a:rPr>
+              <a:t>intelliScroll </a:t>
+            </a:r>
+            <a:r>
+              <a:rPr lang="en-US" altLang="ja-JP" sz="1400">
+                <a:solidFill>
+                  <a:schemeClr val="accent5">
+                    <a:lumMod val="75000"/>
+                  </a:schemeClr>
+                </a:solidFill>
+                <a:latin typeface="+mj-ea"/>
+              </a:rPr>
+              <a:t>(AHK </a:t>
+            </a:r>
+            <a:r>
+              <a:rPr lang="en-US" altLang="ja-JP" sz="1400">
+                <a:solidFill>
+                  <a:schemeClr val="accent5">
+                    <a:lumMod val="75000"/>
+                  </a:schemeClr>
+                </a:solidFill>
+                <a:latin typeface="+mj-ea"/>
+              </a:rPr>
+              <a:t>func</a:t>
+            </a:r>
+            <a:r>
+              <a:rPr lang="en-US" altLang="ja-JP" sz="1400" smtClean="0">
+                <a:solidFill>
+                  <a:schemeClr val="accent5">
+                    <a:lumMod val="75000"/>
+                  </a:schemeClr>
+                </a:solidFill>
+                <a:latin typeface="+mj-ea"/>
+              </a:rPr>
+              <a:t>)</a:t>
+            </a:r>
+            <a:endParaRPr lang="ja-JP" altLang="en-US" sz="1400" dirty="0">
               <a:solidFill>
                 <a:schemeClr val="accent5">
                   <a:lumMod val="75000"/>
                 </a:schemeClr>
               </a:solidFill>
               <a:latin typeface="+mj-ea"/>
-              <a:ea typeface="+mj-ea"/>
             </a:endParaRPr>
           </a:p>
         </p:txBody>
@@ -17862,7 +17702,7 @@
     </p:spTree>
     <p:extLst>
       <p:ext uri="{BB962C8B-B14F-4D97-AF65-F5344CB8AC3E}">
-        <p14:creationId xmlns:p14="http://schemas.microsoft.com/office/powerpoint/2010/main" val="1984010804"/>
+        <p14:creationId xmlns:p14="http://schemas.microsoft.com/office/powerpoint/2010/main" val="1200487142"/>
       </p:ext>
     </p:extLst>
   </p:cSld>
@@ -17908,62 +17748,50 @@
         </p:nvSpPr>
         <p:spPr/>
         <p:txBody>
-          <a:bodyPr/>
-          <a:lstStyle/>
-          <a:p>
-            <a:r>
-              <a:rPr lang="en-US" altLang="ja-JP" sz="3600" dirty="0">
-                <a:latin typeface="+mj-ea"/>
-              </a:rPr>
-              <a:t>MOD Right Button </a:t>
-            </a:r>
-            <a:r>
-              <a:rPr lang="en-US" altLang="ja-JP" sz="3600" dirty="0" smtClean="0">
-                <a:latin typeface="+mj-ea"/>
-              </a:rPr>
-              <a:t>(App</a:t>
-            </a:r>
-            <a:r>
-              <a:rPr lang="ja-JP" altLang="en-US" sz="3600" dirty="0" smtClean="0">
-                <a:latin typeface="+mj-ea"/>
-              </a:rPr>
-              <a:t>別？</a:t>
-            </a:r>
-            <a:r>
-              <a:rPr lang="en-US" altLang="ja-JP" sz="3600" dirty="0" smtClean="0">
-                <a:latin typeface="+mj-ea"/>
-              </a:rPr>
-              <a:t>)</a:t>
-            </a:r>
-            <a:endParaRPr lang="ja-JP" altLang="en-US" sz="3600" dirty="0">
-              <a:latin typeface="+mj-ea"/>
+          <a:bodyPr>
+            <a:noAutofit/>
+          </a:bodyPr>
+          <a:lstStyle/>
+          <a:p>
+            <a:r>
+              <a:rPr kumimoji="1" lang="en-US" altLang="ja-JP" sz="4000" smtClean="0">
+                <a:latin typeface="Meiryo UI" panose="020B0604030504040204" pitchFamily="50" charset="-128"/>
+                <a:ea typeface="Meiryo UI" panose="020B0604030504040204" pitchFamily="50" charset="-128"/>
+              </a:rPr>
+              <a:t>Mouse : Steelseries Rival 100</a:t>
+            </a:r>
+            <a:endParaRPr kumimoji="1" lang="ja-JP" altLang="en-US" sz="4000">
+              <a:latin typeface="Meiryo UI" panose="020B0604030504040204" pitchFamily="50" charset="-128"/>
+              <a:ea typeface="Meiryo UI" panose="020B0604030504040204" pitchFamily="50" charset="-128"/>
             </a:endParaRPr>
           </a:p>
         </p:txBody>
       </p:sp>
       <p:pic>
         <p:nvPicPr>
-          <p:cNvPr id="5" name="Picture 2" descr="http://site.steelseriescdn.com/wp-content/uploads/008-big-steelseries-kanav2_img-section.jpg"/>
+          <p:cNvPr id="1026" name="Picture 2" descr="http://images17.newegg.com/is/image/newegg/26-249-174-TS?$S640$"/>
           <p:cNvPicPr>
             <a:picLocks noChangeAspect="1" noChangeArrowheads="1"/>
           </p:cNvPicPr>
           <p:nvPr/>
         </p:nvPicPr>
-        <p:blipFill rotWithShape="1">
-          <a:blip r:embed="rId3">
+        <p:blipFill>
+          <a:blip r:embed="rId2">
             <a:extLst>
               <a:ext uri="{28A0092B-C50C-407E-A947-70E740481C1C}">
                 <a14:useLocalDpi xmlns:a14="http://schemas.microsoft.com/office/drawing/2010/main" val="0"/>
               </a:ext>
             </a:extLst>
           </a:blip>
-          <a:srcRect l="33298" t="18747" r="29817" b="270"/>
-          <a:stretch/>
+          <a:srcRect/>
+          <a:stretch>
+            <a:fillRect/>
+          </a:stretch>
         </p:blipFill>
         <p:spPr bwMode="auto">
           <a:xfrm>
-            <a:off x="3346485" y="3092521"/>
-            <a:ext cx="2445250" cy="3084442"/>
+            <a:off x="2835275" y="3571875"/>
+            <a:ext cx="3473450" cy="2605088"/>
           </a:xfrm>
           <a:prstGeom prst="rect">
             <a:avLst/>
@@ -17980,113 +17808,131 @@
           </a:extLst>
         </p:spPr>
       </p:pic>
-      <p:sp>
-        <p:nvSpPr>
-          <p:cNvPr id="6" name="下矢印 5"/>
-          <p:cNvSpPr/>
-          <p:nvPr/>
-        </p:nvSpPr>
-        <p:spPr>
-          <a:xfrm>
-            <a:off x="4394449" y="3678148"/>
-            <a:ext cx="195209" cy="297950"/>
-          </a:xfrm>
-          <a:prstGeom prst="downArrow">
-            <a:avLst/>
-          </a:prstGeom>
-          <a:ln/>
-        </p:spPr>
-        <p:style>
-          <a:lnRef idx="3">
-            <a:schemeClr val="lt1"/>
-          </a:lnRef>
-          <a:fillRef idx="1">
-            <a:schemeClr val="accent2"/>
-          </a:fillRef>
-          <a:effectRef idx="1">
-            <a:schemeClr val="accent2"/>
-          </a:effectRef>
-          <a:fontRef idx="minor">
-            <a:schemeClr val="lt1"/>
-          </a:fontRef>
-        </p:style>
-        <p:txBody>
-          <a:bodyPr rtlCol="0" anchor="ctr"/>
-          <a:lstStyle/>
-          <a:p>
-            <a:pPr algn="ctr"/>
-            <a:endParaRPr kumimoji="1" lang="ja-JP" altLang="en-US" sz="1400">
-              <a:latin typeface="+mj-ea"/>
-              <a:ea typeface="+mj-ea"/>
-            </a:endParaRPr>
-          </a:p>
-        </p:txBody>
-      </p:sp>
-      <p:sp>
-        <p:nvSpPr>
-          <p:cNvPr id="7" name="下矢印 6"/>
-          <p:cNvSpPr/>
-          <p:nvPr/>
-        </p:nvSpPr>
-        <p:spPr>
-          <a:xfrm rot="10800000">
-            <a:off x="4394449" y="2794571"/>
-            <a:ext cx="195209" cy="297950"/>
-          </a:xfrm>
-          <a:prstGeom prst="downArrow">
-            <a:avLst/>
-          </a:prstGeom>
-          <a:ln>
-            <a:solidFill>
-              <a:schemeClr val="bg1"/>
-            </a:solidFill>
-          </a:ln>
-        </p:spPr>
-        <p:style>
-          <a:lnRef idx="3">
-            <a:schemeClr val="lt1"/>
-          </a:lnRef>
-          <a:fillRef idx="1">
-            <a:schemeClr val="accent2"/>
-          </a:fillRef>
-          <a:effectRef idx="1">
-            <a:schemeClr val="accent2"/>
-          </a:effectRef>
-          <a:fontRef idx="minor">
-            <a:schemeClr val="lt1"/>
-          </a:fontRef>
-        </p:style>
-        <p:txBody>
-          <a:bodyPr rtlCol="0" anchor="ctr"/>
-          <a:lstStyle/>
-          <a:p>
-            <a:pPr algn="ctr"/>
-            <a:endParaRPr kumimoji="1" lang="ja-JP" altLang="en-US" sz="1400">
-              <a:latin typeface="+mj-ea"/>
-              <a:ea typeface="+mj-ea"/>
-            </a:endParaRPr>
-          </a:p>
-        </p:txBody>
-      </p:sp>
+      <p:grpSp>
+        <p:nvGrpSpPr>
+          <p:cNvPr id="23" name="グループ化 22"/>
+          <p:cNvGrpSpPr/>
+          <p:nvPr/>
+        </p:nvGrpSpPr>
+        <p:grpSpPr>
+          <a:xfrm rot="17933126">
+            <a:off x="3971679" y="3400165"/>
+            <a:ext cx="195209" cy="1181527"/>
+            <a:chOff x="4394449" y="2794571"/>
+            <a:chExt cx="195209" cy="1181527"/>
+          </a:xfrm>
+        </p:grpSpPr>
+        <p:sp>
+          <p:nvSpPr>
+            <p:cNvPr id="5" name="下矢印 4"/>
+            <p:cNvSpPr/>
+            <p:nvPr/>
+          </p:nvSpPr>
+          <p:spPr>
+            <a:xfrm>
+              <a:off x="4394449" y="3678148"/>
+              <a:ext cx="195209" cy="297950"/>
+            </a:xfrm>
+            <a:prstGeom prst="downArrow">
+              <a:avLst/>
+            </a:prstGeom>
+            <a:ln/>
+          </p:spPr>
+          <p:style>
+            <a:lnRef idx="3">
+              <a:schemeClr val="lt1"/>
+            </a:lnRef>
+            <a:fillRef idx="1">
+              <a:schemeClr val="accent2"/>
+            </a:fillRef>
+            <a:effectRef idx="1">
+              <a:schemeClr val="accent2"/>
+            </a:effectRef>
+            <a:fontRef idx="minor">
+              <a:schemeClr val="lt1"/>
+            </a:fontRef>
+          </p:style>
+          <p:txBody>
+            <a:bodyPr rtlCol="0" anchor="ctr"/>
+            <a:lstStyle/>
+            <a:p>
+              <a:pPr algn="ctr"/>
+              <a:endParaRPr kumimoji="1" lang="ja-JP" altLang="en-US" sz="1400">
+                <a:latin typeface="+mj-ea"/>
+                <a:ea typeface="+mj-ea"/>
+              </a:endParaRPr>
+            </a:p>
+          </p:txBody>
+        </p:sp>
+        <p:sp>
+          <p:nvSpPr>
+            <p:cNvPr id="6" name="下矢印 5"/>
+            <p:cNvSpPr/>
+            <p:nvPr/>
+          </p:nvSpPr>
+          <p:spPr>
+            <a:xfrm rot="10800000">
+              <a:off x="4394449" y="2794571"/>
+              <a:ext cx="195209" cy="297950"/>
+            </a:xfrm>
+            <a:prstGeom prst="downArrow">
+              <a:avLst/>
+            </a:prstGeom>
+            <a:ln>
+              <a:solidFill>
+                <a:schemeClr val="bg1"/>
+              </a:solidFill>
+            </a:ln>
+          </p:spPr>
+          <p:style>
+            <a:lnRef idx="3">
+              <a:schemeClr val="lt1"/>
+            </a:lnRef>
+            <a:fillRef idx="1">
+              <a:schemeClr val="accent2"/>
+            </a:fillRef>
+            <a:effectRef idx="1">
+              <a:schemeClr val="accent2"/>
+            </a:effectRef>
+            <a:fontRef idx="minor">
+              <a:schemeClr val="lt1"/>
+            </a:fontRef>
+          </p:style>
+          <p:txBody>
+            <a:bodyPr rtlCol="0" anchor="ctr"/>
+            <a:lstStyle/>
+            <a:p>
+              <a:pPr algn="ctr"/>
+              <a:endParaRPr kumimoji="1" lang="ja-JP" altLang="en-US" sz="1400">
+                <a:latin typeface="+mj-ea"/>
+                <a:ea typeface="+mj-ea"/>
+              </a:endParaRPr>
+            </a:p>
+          </p:txBody>
+        </p:sp>
+      </p:grpSp>
       <p:cxnSp>
         <p:nvCxnSpPr>
-          <p:cNvPr id="11" name="直線矢印コネクタ 10"/>
+          <p:cNvPr id="7" name="直線矢印コネクタ 6"/>
           <p:cNvCxnSpPr>
-            <a:stCxn id="14" idx="1"/>
+            <a:stCxn id="8" idx="1"/>
+            <a:endCxn id="5" idx="2"/>
           </p:cNvCxnSpPr>
           <p:nvPr/>
         </p:nvCxnSpPr>
         <p:spPr>
-          <a:xfrm flipH="1">
-            <a:off x="4578418" y="2696641"/>
-            <a:ext cx="1536632" cy="1086410"/>
+          <a:xfrm flipH="1" flipV="1">
+            <a:off x="4586548" y="4276302"/>
+            <a:ext cx="1547426" cy="86106"/>
           </a:xfrm>
           <a:prstGeom prst="straightConnector1">
             <a:avLst/>
           </a:prstGeom>
           <a:ln w="28575">
             <a:solidFill>
-              <a:schemeClr val="accent5"/>
+              <a:schemeClr val="accent5">
+                <a:lumMod val="75000"/>
+              </a:schemeClr>
             </a:solidFill>
             <a:tailEnd type="triangle"/>
           </a:ln>
@@ -18108,13 +17954,13 @@
       </p:cxnSp>
       <p:sp>
         <p:nvSpPr>
-          <p:cNvPr id="14" name="正方形/長方形 13"/>
-          <p:cNvSpPr/>
-          <p:nvPr/>
-        </p:nvSpPr>
-        <p:spPr>
-          <a:xfrm>
-            <a:off x="6115050" y="2488764"/>
+          <p:cNvPr id="8" name="正方形/長方形 7"/>
+          <p:cNvSpPr/>
+          <p:nvPr/>
+        </p:nvSpPr>
+        <p:spPr>
+          <a:xfrm>
+            <a:off x="6133974" y="4154531"/>
             <a:ext cx="2539646" cy="415754"/>
           </a:xfrm>
           <a:prstGeom prst="rect">
@@ -18122,7 +17968,9 @@
           </a:prstGeom>
           <a:ln w="28575">
             <a:solidFill>
-              <a:schemeClr val="accent5"/>
+              <a:schemeClr val="accent5">
+                <a:lumMod val="75000"/>
+              </a:schemeClr>
             </a:solidFill>
           </a:ln>
         </p:spPr>
@@ -18146,38 +17994,36 @@
           <a:p>
             <a:pPr algn="ctr"/>
             <a:r>
-              <a:rPr kumimoji="1" lang="en-US" altLang="ja-JP" sz="1400" smtClean="0">
+              <a:rPr lang="en-US" altLang="ja-JP" sz="1400">
                 <a:solidFill>
                   <a:schemeClr val="accent5">
                     <a:lumMod val="75000"/>
                   </a:schemeClr>
                 </a:solidFill>
                 <a:latin typeface="+mj-ea"/>
-                <a:ea typeface="+mj-ea"/>
               </a:rPr>
               <a:t>Next Tab</a:t>
             </a:r>
-            <a:endParaRPr kumimoji="1" lang="ja-JP" altLang="en-US" sz="1400" dirty="0">
+            <a:endParaRPr lang="ja-JP" altLang="en-US" sz="1400" dirty="0">
               <a:solidFill>
                 <a:schemeClr val="accent5">
                   <a:lumMod val="75000"/>
                 </a:schemeClr>
               </a:solidFill>
               <a:latin typeface="+mj-ea"/>
-              <a:ea typeface="+mj-ea"/>
-            </a:endParaRPr>
-          </a:p>
-        </p:txBody>
-      </p:sp>
-      <p:sp>
-        <p:nvSpPr>
-          <p:cNvPr id="57" name="正方形/長方形 56"/>
-          <p:cNvSpPr/>
-          <p:nvPr/>
-        </p:nvSpPr>
-        <p:spPr>
-          <a:xfrm>
-            <a:off x="611630" y="2488764"/>
+            </a:endParaRPr>
+          </a:p>
+        </p:txBody>
+      </p:sp>
+      <p:sp>
+        <p:nvSpPr>
+          <p:cNvPr id="9" name="正方形/長方形 8"/>
+          <p:cNvSpPr/>
+          <p:nvPr/>
+        </p:nvSpPr>
+        <p:spPr>
+          <a:xfrm>
+            <a:off x="400691" y="2902228"/>
             <a:ext cx="2539646" cy="415754"/>
           </a:xfrm>
           <a:prstGeom prst="rect">
@@ -18185,7 +18031,9 @@
           </a:prstGeom>
           <a:ln w="28575">
             <a:solidFill>
-              <a:schemeClr val="accent5"/>
+              <a:schemeClr val="accent5">
+                <a:lumMod val="75000"/>
+              </a:schemeClr>
             </a:solidFill>
           </a:ln>
         </p:spPr>
@@ -18209,48 +18057,49 @@
           <a:p>
             <a:pPr algn="ctr"/>
             <a:r>
-              <a:rPr kumimoji="1" lang="en-US" altLang="ja-JP" sz="1400" smtClean="0">
+              <a:rPr lang="en-US" altLang="ja-JP" sz="1400">
                 <a:solidFill>
                   <a:schemeClr val="accent5">
                     <a:lumMod val="75000"/>
                   </a:schemeClr>
                 </a:solidFill>
                 <a:latin typeface="+mj-ea"/>
-                <a:ea typeface="+mj-ea"/>
               </a:rPr>
               <a:t>Previous Tab</a:t>
             </a:r>
-            <a:endParaRPr kumimoji="1" lang="ja-JP" altLang="en-US" sz="1400" dirty="0">
+            <a:endParaRPr lang="ja-JP" altLang="en-US" sz="1400" dirty="0">
               <a:solidFill>
                 <a:schemeClr val="accent5">
                   <a:lumMod val="75000"/>
                 </a:schemeClr>
               </a:solidFill>
               <a:latin typeface="+mj-ea"/>
-              <a:ea typeface="+mj-ea"/>
             </a:endParaRPr>
           </a:p>
         </p:txBody>
       </p:sp>
       <p:cxnSp>
         <p:nvCxnSpPr>
-          <p:cNvPr id="58" name="直線矢印コネクタ 57"/>
+          <p:cNvPr id="10" name="直線矢印コネクタ 9"/>
           <p:cNvCxnSpPr>
-            <a:stCxn id="57" idx="3"/>
+            <a:stCxn id="9" idx="3"/>
+            <a:endCxn id="6" idx="2"/>
           </p:cNvCxnSpPr>
           <p:nvPr/>
         </p:nvCxnSpPr>
         <p:spPr>
           <a:xfrm>
-            <a:off x="3151276" y="2696641"/>
-            <a:ext cx="1154556" cy="260944"/>
+            <a:off x="2940337" y="3110105"/>
+            <a:ext cx="611682" cy="595450"/>
           </a:xfrm>
           <a:prstGeom prst="straightConnector1">
             <a:avLst/>
           </a:prstGeom>
           <a:ln w="28575">
             <a:solidFill>
-              <a:schemeClr val="accent5"/>
+              <a:schemeClr val="accent5">
+                <a:lumMod val="75000"/>
+              </a:schemeClr>
             </a:solidFill>
             <a:tailEnd type="triangle"/>
           </a:ln>
@@ -18270,61 +18119,28 @@
           </a:fontRef>
         </p:style>
       </p:cxnSp>
-      <p:cxnSp>
-        <p:nvCxnSpPr>
-          <p:cNvPr id="62" name="直線矢印コネクタ 61"/>
-          <p:cNvCxnSpPr>
-            <a:stCxn id="63" idx="1"/>
-          </p:cNvCxnSpPr>
-          <p:nvPr/>
-        </p:nvCxnSpPr>
-        <p:spPr>
-          <a:xfrm flipH="1">
-            <a:off x="4589659" y="1766451"/>
-            <a:ext cx="929490" cy="1613747"/>
-          </a:xfrm>
-          <a:prstGeom prst="straightConnector1">
-            <a:avLst/>
-          </a:prstGeom>
+      <p:sp>
+        <p:nvSpPr>
+          <p:cNvPr id="13" name="正方形/長方形 12"/>
+          <p:cNvSpPr/>
+          <p:nvPr/>
+        </p:nvSpPr>
+        <p:spPr>
+          <a:xfrm>
+            <a:off x="428802" y="5248450"/>
+            <a:ext cx="2539646" cy="415754"/>
+          </a:xfrm>
+          <a:prstGeom prst="rect">
+            <a:avLst/>
+          </a:prstGeom>
+          <a:solidFill>
+            <a:schemeClr val="bg1"/>
+          </a:solidFill>
           <a:ln w="28575">
             <a:solidFill>
-              <a:schemeClr val="accent5"/>
-            </a:solidFill>
-            <a:tailEnd type="triangle"/>
-          </a:ln>
-        </p:spPr>
-        <p:style>
-          <a:lnRef idx="1">
-            <a:schemeClr val="accent1"/>
-          </a:lnRef>
-          <a:fillRef idx="0">
-            <a:schemeClr val="accent1"/>
-          </a:fillRef>
-          <a:effectRef idx="0">
-            <a:schemeClr val="accent1"/>
-          </a:effectRef>
-          <a:fontRef idx="minor">
-            <a:schemeClr val="tx1"/>
-          </a:fontRef>
-        </p:style>
-      </p:cxnSp>
-      <p:sp>
-        <p:nvSpPr>
-          <p:cNvPr id="63" name="正方形/長方形 62"/>
-          <p:cNvSpPr/>
-          <p:nvPr/>
-        </p:nvSpPr>
-        <p:spPr>
-          <a:xfrm>
-            <a:off x="5519149" y="1558574"/>
-            <a:ext cx="2539646" cy="415754"/>
-          </a:xfrm>
-          <a:prstGeom prst="rect">
-            <a:avLst/>
-          </a:prstGeom>
-          <a:ln w="28575">
-            <a:solidFill>
-              <a:schemeClr val="accent5"/>
+              <a:schemeClr val="accent5">
+                <a:lumMod val="75000"/>
+              </a:schemeClr>
             </a:solidFill>
           </a:ln>
         </p:spPr>
@@ -18348,46 +18164,89 @@
           <a:p>
             <a:pPr algn="ctr"/>
             <a:r>
-              <a:rPr kumimoji="1" lang="en-US" altLang="ja-JP" sz="1400" smtClean="0">
+              <a:rPr lang="en-US" altLang="ja-JP" sz="1400">
                 <a:solidFill>
                   <a:schemeClr val="accent5">
                     <a:lumMod val="75000"/>
                   </a:schemeClr>
                 </a:solidFill>
                 <a:latin typeface="+mj-ea"/>
-                <a:ea typeface="+mj-ea"/>
-              </a:rPr>
-              <a:t>New Tab</a:t>
-            </a:r>
-            <a:endParaRPr kumimoji="1" lang="ja-JP" altLang="en-US" sz="1400" dirty="0">
+              </a:rPr>
+              <a:t>Reopen Tab</a:t>
+            </a:r>
+            <a:endParaRPr lang="ja-JP" altLang="en-US" sz="1400" dirty="0">
               <a:solidFill>
                 <a:schemeClr val="accent5">
                   <a:lumMod val="75000"/>
                 </a:schemeClr>
               </a:solidFill>
               <a:latin typeface="+mj-ea"/>
-              <a:ea typeface="+mj-ea"/>
-            </a:endParaRPr>
-          </a:p>
-        </p:txBody>
-      </p:sp>
-      <p:sp>
-        <p:nvSpPr>
-          <p:cNvPr id="65" name="正方形/長方形 64"/>
-          <p:cNvSpPr/>
-          <p:nvPr/>
-        </p:nvSpPr>
-        <p:spPr>
-          <a:xfrm>
-            <a:off x="6115050" y="5096763"/>
-            <a:ext cx="2539646" cy="415754"/>
-          </a:xfrm>
-          <a:prstGeom prst="rect">
+            </a:endParaRPr>
+          </a:p>
+        </p:txBody>
+      </p:sp>
+      <p:cxnSp>
+        <p:nvCxnSpPr>
+          <p:cNvPr id="14" name="直線矢印コネクタ 13"/>
+          <p:cNvCxnSpPr>
+            <a:stCxn id="13" idx="3"/>
+          </p:cNvCxnSpPr>
+          <p:nvPr/>
+        </p:nvCxnSpPr>
+        <p:spPr>
+          <a:xfrm flipV="1">
+            <a:off x="2968448" y="4857751"/>
+            <a:ext cx="889177" cy="598576"/>
+          </a:xfrm>
+          <a:prstGeom prst="straightConnector1">
             <a:avLst/>
           </a:prstGeom>
           <a:ln w="28575">
             <a:solidFill>
-              <a:schemeClr val="accent5"/>
+              <a:schemeClr val="accent5">
+                <a:lumMod val="75000"/>
+              </a:schemeClr>
+            </a:solidFill>
+            <a:tailEnd type="triangle"/>
+          </a:ln>
+        </p:spPr>
+        <p:style>
+          <a:lnRef idx="1">
+            <a:schemeClr val="accent1"/>
+          </a:lnRef>
+          <a:fillRef idx="0">
+            <a:schemeClr val="accent1"/>
+          </a:fillRef>
+          <a:effectRef idx="0">
+            <a:schemeClr val="accent1"/>
+          </a:effectRef>
+          <a:fontRef idx="minor">
+            <a:schemeClr val="tx1"/>
+          </a:fontRef>
+        </p:style>
+      </p:cxnSp>
+      <p:sp>
+        <p:nvSpPr>
+          <p:cNvPr id="15" name="正方形/長方形 14"/>
+          <p:cNvSpPr/>
+          <p:nvPr/>
+        </p:nvSpPr>
+        <p:spPr>
+          <a:xfrm>
+            <a:off x="1159979" y="5916787"/>
+            <a:ext cx="2539646" cy="415754"/>
+          </a:xfrm>
+          <a:prstGeom prst="rect">
+            <a:avLst/>
+          </a:prstGeom>
+          <a:solidFill>
+            <a:schemeClr val="bg1"/>
+          </a:solidFill>
+          <a:ln w="28575">
+            <a:solidFill>
+              <a:schemeClr val="accent5">
+                <a:lumMod val="75000"/>
+              </a:schemeClr>
             </a:solidFill>
           </a:ln>
         </p:spPr>
@@ -18411,48 +18270,48 @@
           <a:p>
             <a:pPr algn="ctr"/>
             <a:r>
-              <a:rPr kumimoji="1" lang="en-US" altLang="ja-JP" sz="1400" smtClean="0">
+              <a:rPr lang="en-US" altLang="ja-JP" sz="1400">
                 <a:solidFill>
                   <a:schemeClr val="accent5">
                     <a:lumMod val="75000"/>
                   </a:schemeClr>
                 </a:solidFill>
                 <a:latin typeface="+mj-ea"/>
-                <a:ea typeface="+mj-ea"/>
-              </a:rPr>
-              <a:t>Reopen Tab</a:t>
-            </a:r>
-            <a:endParaRPr kumimoji="1" lang="ja-JP" altLang="en-US" sz="1400" dirty="0">
+              </a:rPr>
+              <a:t>Close Tab</a:t>
+            </a:r>
+            <a:endParaRPr lang="ja-JP" altLang="en-US" sz="1400" dirty="0">
               <a:solidFill>
                 <a:schemeClr val="accent5">
                   <a:lumMod val="75000"/>
                 </a:schemeClr>
               </a:solidFill>
               <a:latin typeface="+mj-ea"/>
-              <a:ea typeface="+mj-ea"/>
             </a:endParaRPr>
           </a:p>
         </p:txBody>
       </p:sp>
       <p:cxnSp>
         <p:nvCxnSpPr>
-          <p:cNvPr id="66" name="直線矢印コネクタ 65"/>
+          <p:cNvPr id="16" name="直線矢印コネクタ 15"/>
           <p:cNvCxnSpPr>
-            <a:stCxn id="65" idx="1"/>
+            <a:stCxn id="15" idx="3"/>
           </p:cNvCxnSpPr>
           <p:nvPr/>
         </p:nvCxnSpPr>
         <p:spPr>
-          <a:xfrm flipH="1" flipV="1">
-            <a:off x="5198724" y="4286937"/>
-            <a:ext cx="916326" cy="1017703"/>
+          <a:xfrm flipV="1">
+            <a:off x="3699625" y="5108592"/>
+            <a:ext cx="608100" cy="1016072"/>
           </a:xfrm>
           <a:prstGeom prst="straightConnector1">
             <a:avLst/>
           </a:prstGeom>
           <a:ln w="28575">
             <a:solidFill>
-              <a:schemeClr val="accent5"/>
+              <a:schemeClr val="accent5">
+                <a:lumMod val="75000"/>
+              </a:schemeClr>
             </a:solidFill>
             <a:tailEnd type="triangle"/>
           </a:ln>
@@ -18472,23 +18331,63 @@
           </a:fontRef>
         </p:style>
       </p:cxnSp>
-      <p:sp>
-        <p:nvSpPr>
-          <p:cNvPr id="70" name="正方形/長方形 69"/>
-          <p:cNvSpPr/>
-          <p:nvPr/>
-        </p:nvSpPr>
-        <p:spPr>
-          <a:xfrm>
-            <a:off x="622870" y="5095132"/>
-            <a:ext cx="2539646" cy="415754"/>
-          </a:xfrm>
-          <a:prstGeom prst="rect">
+      <p:cxnSp>
+        <p:nvCxnSpPr>
+          <p:cNvPr id="19" name="直線矢印コネクタ 18"/>
+          <p:cNvCxnSpPr/>
+          <p:nvPr/>
+        </p:nvCxnSpPr>
+        <p:spPr>
+          <a:xfrm flipV="1">
+            <a:off x="2951812" y="4334578"/>
+            <a:ext cx="908618" cy="275028"/>
+          </a:xfrm>
+          <a:prstGeom prst="straightConnector1">
             <a:avLst/>
           </a:prstGeom>
           <a:ln w="28575">
             <a:solidFill>
-              <a:schemeClr val="accent5"/>
+              <a:schemeClr val="accent5">
+                <a:lumMod val="75000"/>
+              </a:schemeClr>
+            </a:solidFill>
+            <a:tailEnd type="triangle"/>
+          </a:ln>
+        </p:spPr>
+        <p:style>
+          <a:lnRef idx="1">
+            <a:schemeClr val="accent1"/>
+          </a:lnRef>
+          <a:fillRef idx="0">
+            <a:schemeClr val="accent1"/>
+          </a:fillRef>
+          <a:effectRef idx="0">
+            <a:schemeClr val="accent1"/>
+          </a:effectRef>
+          <a:fontRef idx="minor">
+            <a:schemeClr val="tx1"/>
+          </a:fontRef>
+        </p:style>
+      </p:cxnSp>
+      <p:sp>
+        <p:nvSpPr>
+          <p:cNvPr id="20" name="正方形/長方形 19"/>
+          <p:cNvSpPr/>
+          <p:nvPr/>
+        </p:nvSpPr>
+        <p:spPr>
+          <a:xfrm>
+            <a:off x="400926" y="4373216"/>
+            <a:ext cx="2539646" cy="415754"/>
+          </a:xfrm>
+          <a:prstGeom prst="rect">
+            <a:avLst/>
+          </a:prstGeom>
+          <a:ln w="28575">
+            <a:solidFill>
+              <a:schemeClr val="accent5">
+                <a:lumMod val="75000"/>
+              </a:schemeClr>
             </a:solidFill>
           </a:ln>
         </p:spPr>
@@ -18512,48 +18411,46 @@
           <a:p>
             <a:pPr algn="ctr"/>
             <a:r>
-              <a:rPr kumimoji="1" lang="en-US" altLang="ja-JP" sz="1400" smtClean="0">
+              <a:rPr lang="en-US" altLang="ja-JP" sz="1400">
                 <a:solidFill>
                   <a:schemeClr val="accent5">
                     <a:lumMod val="75000"/>
                   </a:schemeClr>
                 </a:solidFill>
                 <a:latin typeface="+mj-ea"/>
-                <a:ea typeface="+mj-ea"/>
-              </a:rPr>
-              <a:t>Close Tab</a:t>
-            </a:r>
-            <a:endParaRPr kumimoji="1" lang="ja-JP" altLang="en-US" sz="1400" dirty="0">
+              </a:rPr>
+              <a:t>*Pin(Lock) Tab</a:t>
+            </a:r>
+            <a:endParaRPr lang="ja-JP" altLang="en-US" sz="1400" dirty="0">
               <a:solidFill>
                 <a:schemeClr val="accent5">
                   <a:lumMod val="75000"/>
                 </a:schemeClr>
               </a:solidFill>
               <a:latin typeface="+mj-ea"/>
-              <a:ea typeface="+mj-ea"/>
             </a:endParaRPr>
           </a:p>
         </p:txBody>
       </p:sp>
       <p:cxnSp>
         <p:nvCxnSpPr>
-          <p:cNvPr id="71" name="直線矢印コネクタ 70"/>
-          <p:cNvCxnSpPr>
-            <a:stCxn id="70" idx="3"/>
-          </p:cNvCxnSpPr>
+          <p:cNvPr id="24" name="直線矢印コネクタ 23"/>
+          <p:cNvCxnSpPr/>
           <p:nvPr/>
         </p:nvCxnSpPr>
         <p:spPr>
-          <a:xfrm flipV="1">
-            <a:off x="3162516" y="4286937"/>
-            <a:ext cx="608100" cy="1016072"/>
+          <a:xfrm flipH="1">
+            <a:off x="4117210" y="2102303"/>
+            <a:ext cx="404543" cy="1805872"/>
           </a:xfrm>
           <a:prstGeom prst="straightConnector1">
             <a:avLst/>
           </a:prstGeom>
           <a:ln w="28575">
             <a:solidFill>
-              <a:schemeClr val="accent5"/>
+              <a:schemeClr val="accent5">
+                <a:lumMod val="75000"/>
+              </a:schemeClr>
             </a:solidFill>
             <a:tailEnd type="triangle"/>
           </a:ln>
@@ -18575,16 +18472,14 @@
       </p:cxnSp>
       <p:cxnSp>
         <p:nvCxnSpPr>
-          <p:cNvPr id="73" name="直線矢印コネクタ 72"/>
-          <p:cNvCxnSpPr>
-            <a:stCxn id="74" idx="1"/>
-          </p:cNvCxnSpPr>
+          <p:cNvPr id="25" name="直線矢印コネクタ 24"/>
+          <p:cNvCxnSpPr/>
           <p:nvPr/>
         </p:nvCxnSpPr>
         <p:spPr>
-          <a:xfrm flipH="1" flipV="1">
-            <a:off x="4938177" y="3622491"/>
-            <a:ext cx="1176873" cy="244884"/>
+          <a:xfrm flipH="1">
+            <a:off x="4456107" y="3271965"/>
+            <a:ext cx="1370022" cy="636210"/>
           </a:xfrm>
           <a:prstGeom prst="straightConnector1">
             <a:avLst/>
@@ -18613,39 +18508,38 @@
       </p:cxnSp>
       <p:sp>
         <p:nvSpPr>
-          <p:cNvPr id="74" name="正方形/長方形 73"/>
-          <p:cNvSpPr/>
-          <p:nvPr/>
-        </p:nvSpPr>
-        <p:spPr>
-          <a:xfrm>
-            <a:off x="6115050" y="3659498"/>
-            <a:ext cx="2539646" cy="415754"/>
+          <p:cNvPr id="26" name="正方形/長方形 25"/>
+          <p:cNvSpPr/>
+          <p:nvPr/>
+        </p:nvSpPr>
+        <p:spPr>
+          <a:xfrm>
+            <a:off x="4521753" y="1894426"/>
+            <a:ext cx="2809842" cy="415754"/>
           </a:xfrm>
           <a:prstGeom prst="rect">
             <a:avLst/>
           </a:prstGeom>
-          <a:solidFill>
-            <a:schemeClr val="tx1"/>
-          </a:solidFill>
-          <a:ln>
+          <a:ln w="28575">
             <a:solidFill>
-              <a:schemeClr val="tx1"/>
+              <a:schemeClr val="accent5">
+                <a:lumMod val="75000"/>
+              </a:schemeClr>
             </a:solidFill>
           </a:ln>
         </p:spPr>
         <p:style>
-          <a:lnRef idx="3">
-            <a:schemeClr val="lt1"/>
-          </a:lnRef>
-          <a:fillRef idx="1">
-            <a:schemeClr val="accent2"/>
-          </a:fillRef>
-          <a:effectRef idx="1">
-            <a:schemeClr val="accent2"/>
-          </a:effectRef>
-          <a:fontRef idx="minor">
-            <a:schemeClr val="lt1"/>
+          <a:lnRef idx="2">
+            <a:schemeClr val="accent1"/>
+          </a:lnRef>
+          <a:fillRef idx="1">
+            <a:schemeClr val="lt1"/>
+          </a:fillRef>
+          <a:effectRef idx="0">
+            <a:schemeClr val="accent1"/>
+          </a:effectRef>
+          <a:fontRef idx="minor">
+            <a:schemeClr val="dk1"/>
           </a:fontRef>
         </p:style>
         <p:txBody>
@@ -18654,231 +18548,83 @@
           <a:p>
             <a:pPr algn="ctr"/>
             <a:r>
-              <a:rPr kumimoji="1" lang="en-US" altLang="ja-JP" sz="1400" dirty="0" smtClean="0">
-                <a:solidFill>
-                  <a:schemeClr val="bg1"/>
-                </a:solidFill>
-                <a:latin typeface="+mj-ea"/>
-                <a:ea typeface="+mj-ea"/>
-              </a:rPr>
-              <a:t>BASE</a:t>
-            </a:r>
-            <a:endParaRPr kumimoji="1" lang="ja-JP" altLang="en-US" sz="1400" dirty="0">
-              <a:solidFill>
-                <a:schemeClr val="bg1"/>
-              </a:solidFill>
-              <a:latin typeface="+mj-ea"/>
-              <a:ea typeface="+mj-ea"/>
-            </a:endParaRPr>
-          </a:p>
-        </p:txBody>
-      </p:sp>
-      <p:cxnSp>
-        <p:nvCxnSpPr>
-          <p:cNvPr id="75" name="直線矢印コネクタ 74"/>
-          <p:cNvCxnSpPr/>
-          <p:nvPr/>
-        </p:nvCxnSpPr>
-        <p:spPr>
-          <a:xfrm flipV="1">
-            <a:off x="3162516" y="3620860"/>
-            <a:ext cx="908618" cy="275028"/>
-          </a:xfrm>
-          <a:prstGeom prst="straightConnector1">
-            <a:avLst/>
-          </a:prstGeom>
-          <a:ln w="28575">
-            <a:solidFill>
-              <a:schemeClr val="accent5"/>
-            </a:solidFill>
-            <a:tailEnd type="triangle"/>
-          </a:ln>
-        </p:spPr>
-        <p:style>
-          <a:lnRef idx="1">
-            <a:schemeClr val="accent1"/>
-          </a:lnRef>
-          <a:fillRef idx="0">
-            <a:schemeClr val="accent1"/>
-          </a:fillRef>
-          <a:effectRef idx="0">
-            <a:schemeClr val="accent1"/>
-          </a:effectRef>
-          <a:fontRef idx="minor">
-            <a:schemeClr val="tx1"/>
-          </a:fontRef>
-        </p:style>
-      </p:cxnSp>
-      <p:sp>
-        <p:nvSpPr>
-          <p:cNvPr id="76" name="正方形/長方形 75"/>
-          <p:cNvSpPr/>
-          <p:nvPr/>
-        </p:nvSpPr>
-        <p:spPr>
-          <a:xfrm>
-            <a:off x="611630" y="3659498"/>
-            <a:ext cx="2539646" cy="415754"/>
-          </a:xfrm>
-          <a:prstGeom prst="rect">
-            <a:avLst/>
-          </a:prstGeom>
-          <a:ln w="28575">
-            <a:solidFill>
-              <a:schemeClr val="accent5"/>
-            </a:solidFill>
-          </a:ln>
-        </p:spPr>
-        <p:style>
-          <a:lnRef idx="2">
-            <a:schemeClr val="accent1"/>
-          </a:lnRef>
-          <a:fillRef idx="1">
-            <a:schemeClr val="lt1"/>
-          </a:fillRef>
-          <a:effectRef idx="0">
-            <a:schemeClr val="accent1"/>
-          </a:effectRef>
-          <a:fontRef idx="minor">
-            <a:schemeClr val="dk1"/>
-          </a:fontRef>
-        </p:style>
-        <p:txBody>
-          <a:bodyPr rtlCol="0" anchor="ctr"/>
-          <a:lstStyle/>
-          <a:p>
-            <a:pPr algn="ctr"/>
-            <a:r>
-              <a:rPr kumimoji="1" lang="en-US" altLang="ja-JP" sz="1400" dirty="0" smtClean="0">
+              <a:rPr lang="en-US" altLang="ja-JP" sz="1400" smtClean="0">
                 <a:solidFill>
                   <a:schemeClr val="accent5">
                     <a:lumMod val="75000"/>
                   </a:schemeClr>
                 </a:solidFill>
                 <a:latin typeface="+mj-ea"/>
-                <a:ea typeface="+mj-ea"/>
-              </a:rPr>
-              <a:t>*Pin(Lock) Tab</a:t>
-            </a:r>
-            <a:endParaRPr kumimoji="1" lang="ja-JP" altLang="en-US" sz="1400" dirty="0">
-              <a:solidFill>
-                <a:schemeClr val="accent5">
-                  <a:lumMod val="75000"/>
-                </a:schemeClr>
-              </a:solidFill>
-              <a:latin typeface="+mj-ea"/>
-              <a:ea typeface="+mj-ea"/>
-            </a:endParaRPr>
-          </a:p>
-        </p:txBody>
-      </p:sp>
-      <p:sp>
-        <p:nvSpPr>
-          <p:cNvPr id="4" name="テキスト ボックス 3"/>
-          <p:cNvSpPr txBox="1"/>
-          <p:nvPr/>
-        </p:nvSpPr>
-        <p:spPr>
-          <a:xfrm>
-            <a:off x="766640" y="5875276"/>
-            <a:ext cx="3304494" cy="738664"/>
+              </a:rPr>
+              <a:t>New Tab</a:t>
+            </a:r>
+          </a:p>
+        </p:txBody>
+      </p:sp>
+      <p:sp>
+        <p:nvSpPr>
+          <p:cNvPr id="28" name="正方形/長方形 27"/>
+          <p:cNvSpPr/>
+          <p:nvPr/>
+        </p:nvSpPr>
+        <p:spPr>
+          <a:xfrm>
+            <a:off x="5826129" y="3064088"/>
+            <a:ext cx="2539646" cy="415754"/>
           </a:xfrm>
           <a:prstGeom prst="rect">
             <a:avLst/>
           </a:prstGeom>
-          <a:noFill/>
-        </p:spPr>
-        <p:txBody>
-          <a:bodyPr wrap="none" rtlCol="0">
-            <a:spAutoFit/>
-          </a:bodyPr>
-          <a:lstStyle/>
-          <a:p>
-            <a:r>
-              <a:rPr lang="en-US" altLang="ja-JP" sz="1400" dirty="0" smtClean="0">
+          <a:solidFill>
+            <a:schemeClr val="tx1"/>
+          </a:solidFill>
+          <a:ln w="28575">
+            <a:solidFill>
+              <a:schemeClr val="tx1"/>
+            </a:solidFill>
+          </a:ln>
+        </p:spPr>
+        <p:style>
+          <a:lnRef idx="2">
+            <a:schemeClr val="accent1"/>
+          </a:lnRef>
+          <a:fillRef idx="1">
+            <a:schemeClr val="lt1"/>
+          </a:fillRef>
+          <a:effectRef idx="0">
+            <a:schemeClr val="accent1"/>
+          </a:effectRef>
+          <a:fontRef idx="minor">
+            <a:schemeClr val="dk1"/>
+          </a:fontRef>
+        </p:style>
+        <p:txBody>
+          <a:bodyPr rtlCol="0" anchor="ctr"/>
+          <a:lstStyle/>
+          <a:p>
+            <a:pPr algn="ctr"/>
+            <a:r>
+              <a:rPr lang="en-US" altLang="ja-JP" sz="1400" b="1" smtClean="0">
                 <a:solidFill>
-                  <a:schemeClr val="bg1">
-                    <a:lumMod val="65000"/>
-                  </a:schemeClr>
+                  <a:schemeClr val="bg1"/>
                 </a:solidFill>
                 <a:latin typeface="+mj-ea"/>
-                <a:ea typeface="+mj-ea"/>
-              </a:rPr>
-              <a:t>*need </a:t>
-            </a:r>
-          </a:p>
-          <a:p>
-            <a:pPr lvl="1"/>
-            <a:r>
-              <a:rPr lang="en-US" altLang="ja-JP" sz="1400" dirty="0" smtClean="0">
-                <a:solidFill>
-                  <a:schemeClr val="bg1">
-                    <a:lumMod val="65000"/>
-                  </a:schemeClr>
-                </a:solidFill>
-                <a:latin typeface="+mj-ea"/>
-                <a:ea typeface="+mj-ea"/>
-              </a:rPr>
-              <a:t>pin tab (chrome extension)</a:t>
-            </a:r>
-          </a:p>
-          <a:p>
-            <a:pPr lvl="1"/>
-            <a:r>
-              <a:rPr lang="en-US" altLang="ja-JP" sz="1400" dirty="0" err="1" smtClean="0">
-                <a:solidFill>
-                  <a:schemeClr val="bg1">
-                    <a:lumMod val="65000"/>
-                  </a:schemeClr>
-                </a:solidFill>
-                <a:latin typeface="+mj-ea"/>
-                <a:ea typeface="+mj-ea"/>
-              </a:rPr>
-              <a:t>QTTabBar</a:t>
-            </a:r>
-            <a:r>
-              <a:rPr lang="en-US" altLang="ja-JP" sz="1400" dirty="0" smtClean="0">
-                <a:solidFill>
-                  <a:schemeClr val="bg1">
-                    <a:lumMod val="65000"/>
-                  </a:schemeClr>
-                </a:solidFill>
-                <a:latin typeface="+mj-ea"/>
-                <a:ea typeface="+mj-ea"/>
-              </a:rPr>
-              <a:t> (</a:t>
-            </a:r>
-            <a:r>
-              <a:rPr lang="en-US" altLang="ja-JP" sz="1400" dirty="0" err="1" smtClean="0">
-                <a:solidFill>
-                  <a:schemeClr val="bg1">
-                    <a:lumMod val="65000"/>
-                  </a:schemeClr>
-                </a:solidFill>
-                <a:latin typeface="+mj-ea"/>
-                <a:ea typeface="+mj-ea"/>
-              </a:rPr>
-              <a:t>exploler</a:t>
-            </a:r>
-            <a:r>
-              <a:rPr lang="en-US" altLang="ja-JP" sz="1400" dirty="0" smtClean="0">
-                <a:solidFill>
-                  <a:schemeClr val="bg1">
-                    <a:lumMod val="65000"/>
-                  </a:schemeClr>
-                </a:solidFill>
-                <a:latin typeface="+mj-ea"/>
-                <a:ea typeface="+mj-ea"/>
-              </a:rPr>
-              <a:t> extension)</a:t>
-            </a:r>
+              </a:rPr>
+              <a:t>BASE</a:t>
+            </a:r>
+            <a:endParaRPr lang="ja-JP" altLang="en-US" sz="1400" b="1" dirty="0">
+              <a:solidFill>
+                <a:schemeClr val="bg1"/>
+              </a:solidFill>
+              <a:latin typeface="+mj-ea"/>
+            </a:endParaRPr>
           </a:p>
         </p:txBody>
       </p:sp>
     </p:spTree>
     <p:extLst>
       <p:ext uri="{BB962C8B-B14F-4D97-AF65-F5344CB8AC3E}">
-        <p14:creationId xmlns:p14="http://schemas.microsoft.com/office/powerpoint/2010/main" val="1065466913"/>
+        <p14:creationId xmlns:p14="http://schemas.microsoft.com/office/powerpoint/2010/main" val="1034139290"/>
       </p:ext>
     </p:extLst>
   </p:cSld>
@@ -34113,14 +33859,14 @@
       </p:sp>
       <p:sp>
         <p:nvSpPr>
-          <p:cNvPr id="35" name="角丸四角形 34"/>
-          <p:cNvSpPr/>
-          <p:nvPr/>
-        </p:nvSpPr>
-        <p:spPr>
-          <a:xfrm>
-            <a:off x="569441" y="3895694"/>
-            <a:ext cx="722778" cy="465380"/>
+          <p:cNvPr id="36" name="角丸四角形 35"/>
+          <p:cNvSpPr/>
+          <p:nvPr/>
+        </p:nvSpPr>
+        <p:spPr>
+          <a:xfrm>
+            <a:off x="1547092" y="4421474"/>
+            <a:ext cx="464588" cy="465380"/>
           </a:xfrm>
           <a:prstGeom prst="roundRect">
             <a:avLst/>
@@ -34164,13 +33910,13 @@
       </p:sp>
       <p:sp>
         <p:nvSpPr>
-          <p:cNvPr id="36" name="角丸四角形 35"/>
-          <p:cNvSpPr/>
-          <p:nvPr/>
-        </p:nvSpPr>
-        <p:spPr>
-          <a:xfrm>
-            <a:off x="1547092" y="4421474"/>
+          <p:cNvPr id="37" name="角丸四角形 36"/>
+          <p:cNvSpPr/>
+          <p:nvPr/>
+        </p:nvSpPr>
+        <p:spPr>
+          <a:xfrm>
+            <a:off x="2083673" y="4421474"/>
             <a:ext cx="464588" cy="465380"/>
           </a:xfrm>
           <a:prstGeom prst="roundRect">
@@ -34215,13 +33961,13 @@
       </p:sp>
       <p:sp>
         <p:nvSpPr>
-          <p:cNvPr id="37" name="角丸四角形 36"/>
-          <p:cNvSpPr/>
-          <p:nvPr/>
-        </p:nvSpPr>
-        <p:spPr>
-          <a:xfrm>
-            <a:off x="2083673" y="4421474"/>
+          <p:cNvPr id="38" name="角丸四角形 37"/>
+          <p:cNvSpPr/>
+          <p:nvPr/>
+        </p:nvSpPr>
+        <p:spPr>
+          <a:xfrm>
+            <a:off x="2620254" y="4421474"/>
             <a:ext cx="464588" cy="465380"/>
           </a:xfrm>
           <a:prstGeom prst="roundRect">
@@ -34266,13 +34012,13 @@
       </p:sp>
       <p:sp>
         <p:nvSpPr>
-          <p:cNvPr id="38" name="角丸四角形 37"/>
-          <p:cNvSpPr/>
-          <p:nvPr/>
-        </p:nvSpPr>
-        <p:spPr>
-          <a:xfrm>
-            <a:off x="2620254" y="4421474"/>
+          <p:cNvPr id="39" name="角丸四角形 38"/>
+          <p:cNvSpPr/>
+          <p:nvPr/>
+        </p:nvSpPr>
+        <p:spPr>
+          <a:xfrm>
+            <a:off x="3156835" y="4421474"/>
             <a:ext cx="464588" cy="465380"/>
           </a:xfrm>
           <a:prstGeom prst="roundRect">
@@ -34305,7 +34051,7 @@
           <a:lstStyle/>
           <a:p>
             <a:pPr algn="ctr"/>
-            <a:endParaRPr kumimoji="1" lang="ja-JP" altLang="en-US" sz="1400" dirty="0">
+            <a:endParaRPr kumimoji="1" lang="ja-JP" altLang="en-US" sz="1400" u="sng" dirty="0">
               <a:solidFill>
                 <a:schemeClr val="accent6">
                   <a:lumMod val="75000"/>
@@ -34317,13 +34063,13 @@
       </p:sp>
       <p:sp>
         <p:nvSpPr>
-          <p:cNvPr id="39" name="角丸四角形 38"/>
-          <p:cNvSpPr/>
-          <p:nvPr/>
-        </p:nvSpPr>
-        <p:spPr>
-          <a:xfrm>
-            <a:off x="3156835" y="4421474"/>
+          <p:cNvPr id="40" name="角丸四角形 39"/>
+          <p:cNvSpPr/>
+          <p:nvPr/>
+        </p:nvSpPr>
+        <p:spPr>
+          <a:xfrm>
+            <a:off x="3693416" y="4421474"/>
             <a:ext cx="464588" cy="465380"/>
           </a:xfrm>
           <a:prstGeom prst="roundRect">
@@ -34356,7 +34102,7 @@
           <a:lstStyle/>
           <a:p>
             <a:pPr algn="ctr"/>
-            <a:endParaRPr kumimoji="1" lang="ja-JP" altLang="en-US" sz="1400" u="sng" dirty="0">
+            <a:endParaRPr kumimoji="1" lang="ja-JP" altLang="en-US" sz="1400" dirty="0">
               <a:solidFill>
                 <a:schemeClr val="accent6">
                   <a:lumMod val="75000"/>
@@ -34368,13 +34114,13 @@
       </p:sp>
       <p:sp>
         <p:nvSpPr>
-          <p:cNvPr id="40" name="角丸四角形 39"/>
-          <p:cNvSpPr/>
-          <p:nvPr/>
-        </p:nvSpPr>
-        <p:spPr>
-          <a:xfrm>
-            <a:off x="3693416" y="4421474"/>
+          <p:cNvPr id="41" name="角丸四角形 40"/>
+          <p:cNvSpPr/>
+          <p:nvPr/>
+        </p:nvSpPr>
+        <p:spPr>
+          <a:xfrm>
+            <a:off x="4229997" y="4421474"/>
             <a:ext cx="464588" cy="465380"/>
           </a:xfrm>
           <a:prstGeom prst="roundRect">
@@ -34419,13 +34165,13 @@
       </p:sp>
       <p:sp>
         <p:nvSpPr>
-          <p:cNvPr id="41" name="角丸四角形 40"/>
-          <p:cNvSpPr/>
-          <p:nvPr/>
-        </p:nvSpPr>
-        <p:spPr>
-          <a:xfrm>
-            <a:off x="4229997" y="4421474"/>
+          <p:cNvPr id="42" name="角丸四角形 41"/>
+          <p:cNvSpPr/>
+          <p:nvPr/>
+        </p:nvSpPr>
+        <p:spPr>
+          <a:xfrm>
+            <a:off x="4766578" y="4421474"/>
             <a:ext cx="464588" cy="465380"/>
           </a:xfrm>
           <a:prstGeom prst="roundRect">
@@ -34454,13 +34200,13 @@
           </a:fontRef>
         </p:style>
         <p:txBody>
-          <a:bodyPr rtlCol="0" anchor="ctr"/>
-          <a:lstStyle/>
-          <a:p>
-            <a:pPr algn="ctr"/>
-            <a:endParaRPr kumimoji="1" lang="ja-JP" altLang="en-US" sz="1400" dirty="0">
-              <a:solidFill>
-                <a:schemeClr val="accent6">
+          <a:bodyPr wrap="none" rtlCol="0" anchor="ctr"/>
+          <a:lstStyle/>
+          <a:p>
+            <a:pPr algn="ctr"/>
+            <a:endParaRPr kumimoji="1" lang="ja-JP" altLang="en-US" sz="1100" u="sng" dirty="0">
+              <a:solidFill>
+                <a:schemeClr val="accent5">
                   <a:lumMod val="75000"/>
                 </a:schemeClr>
               </a:solidFill>
@@ -34470,13 +34216,13 @@
       </p:sp>
       <p:sp>
         <p:nvSpPr>
-          <p:cNvPr id="42" name="角丸四角形 41"/>
-          <p:cNvSpPr/>
-          <p:nvPr/>
-        </p:nvSpPr>
-        <p:spPr>
-          <a:xfrm>
-            <a:off x="4766578" y="4421474"/>
+          <p:cNvPr id="43" name="角丸四角形 42"/>
+          <p:cNvSpPr/>
+          <p:nvPr/>
+        </p:nvSpPr>
+        <p:spPr>
+          <a:xfrm>
+            <a:off x="5303159" y="4421474"/>
             <a:ext cx="464588" cy="465380"/>
           </a:xfrm>
           <a:prstGeom prst="roundRect">
@@ -34509,7 +34255,7 @@
           <a:lstStyle/>
           <a:p>
             <a:pPr algn="ctr"/>
-            <a:endParaRPr kumimoji="1" lang="ja-JP" altLang="en-US" sz="1100" u="sng" dirty="0">
+            <a:endParaRPr lang="en-US" altLang="ja-JP" sz="1400" u="sng">
               <a:solidFill>
                 <a:schemeClr val="accent5">
                   <a:lumMod val="75000"/>
@@ -34521,13 +34267,13 @@
       </p:sp>
       <p:sp>
         <p:nvSpPr>
-          <p:cNvPr id="43" name="角丸四角形 42"/>
-          <p:cNvSpPr/>
-          <p:nvPr/>
-        </p:nvSpPr>
-        <p:spPr>
-          <a:xfrm>
-            <a:off x="5303159" y="4421474"/>
+          <p:cNvPr id="44" name="角丸四角形 43"/>
+          <p:cNvSpPr/>
+          <p:nvPr/>
+        </p:nvSpPr>
+        <p:spPr>
+          <a:xfrm>
+            <a:off x="5839740" y="4421474"/>
             <a:ext cx="464588" cy="465380"/>
           </a:xfrm>
           <a:prstGeom prst="roundRect">
@@ -34556,11 +34302,11 @@
           </a:fontRef>
         </p:style>
         <p:txBody>
-          <a:bodyPr wrap="none" rtlCol="0" anchor="ctr"/>
-          <a:lstStyle/>
-          <a:p>
-            <a:pPr algn="ctr"/>
-            <a:endParaRPr lang="en-US" altLang="ja-JP" sz="1400" u="sng">
+          <a:bodyPr rtlCol="0" anchor="ctr"/>
+          <a:lstStyle/>
+          <a:p>
+            <a:pPr algn="ctr"/>
+            <a:endParaRPr kumimoji="1" lang="ja-JP" altLang="en-US" sz="1400" dirty="0">
               <a:solidFill>
                 <a:schemeClr val="accent5">
                   <a:lumMod val="75000"/>
@@ -34572,13 +34318,13 @@
       </p:sp>
       <p:sp>
         <p:nvSpPr>
-          <p:cNvPr id="44" name="角丸四角形 43"/>
-          <p:cNvSpPr/>
-          <p:nvPr/>
-        </p:nvSpPr>
-        <p:spPr>
-          <a:xfrm>
-            <a:off x="5839740" y="4421474"/>
+          <p:cNvPr id="45" name="角丸四角形 44"/>
+          <p:cNvSpPr/>
+          <p:nvPr/>
+        </p:nvSpPr>
+        <p:spPr>
+          <a:xfrm>
+            <a:off x="6376321" y="4421474"/>
             <a:ext cx="464588" cy="465380"/>
           </a:xfrm>
           <a:prstGeom prst="roundRect">
@@ -34623,57 +34369,6 @@
       </p:sp>
       <p:sp>
         <p:nvSpPr>
-          <p:cNvPr id="45" name="角丸四角形 44"/>
-          <p:cNvSpPr/>
-          <p:nvPr/>
-        </p:nvSpPr>
-        <p:spPr>
-          <a:xfrm>
-            <a:off x="6376321" y="4421474"/>
-            <a:ext cx="464588" cy="465380"/>
-          </a:xfrm>
-          <a:prstGeom prst="roundRect">
-            <a:avLst/>
-          </a:prstGeom>
-          <a:ln>
-            <a:solidFill>
-              <a:schemeClr val="accent5">
-                <a:lumMod val="75000"/>
-              </a:schemeClr>
-            </a:solidFill>
-          </a:ln>
-        </p:spPr>
-        <p:style>
-          <a:lnRef idx="2">
-            <a:schemeClr val="accent6"/>
-          </a:lnRef>
-          <a:fillRef idx="1">
-            <a:schemeClr val="lt1"/>
-          </a:fillRef>
-          <a:effectRef idx="0">
-            <a:schemeClr val="accent6"/>
-          </a:effectRef>
-          <a:fontRef idx="minor">
-            <a:schemeClr val="dk1"/>
-          </a:fontRef>
-        </p:style>
-        <p:txBody>
-          <a:bodyPr rtlCol="0" anchor="ctr"/>
-          <a:lstStyle/>
-          <a:p>
-            <a:pPr algn="ctr"/>
-            <a:endParaRPr kumimoji="1" lang="ja-JP" altLang="en-US" sz="1400" dirty="0">
-              <a:solidFill>
-                <a:schemeClr val="accent5">
-                  <a:lumMod val="75000"/>
-                </a:schemeClr>
-              </a:solidFill>
-            </a:endParaRPr>
-          </a:p>
-        </p:txBody>
-      </p:sp>
-      <p:sp>
-        <p:nvSpPr>
           <p:cNvPr id="46" name="角丸四角形 45"/>
           <p:cNvSpPr/>
           <p:nvPr/>
@@ -34682,57 +34377,6 @@
           <a:xfrm>
             <a:off x="6912902" y="4421474"/>
             <a:ext cx="464588" cy="465380"/>
-          </a:xfrm>
-          <a:prstGeom prst="roundRect">
-            <a:avLst/>
-          </a:prstGeom>
-          <a:ln>
-            <a:solidFill>
-              <a:schemeClr val="accent5">
-                <a:lumMod val="75000"/>
-              </a:schemeClr>
-            </a:solidFill>
-          </a:ln>
-        </p:spPr>
-        <p:style>
-          <a:lnRef idx="2">
-            <a:schemeClr val="accent6"/>
-          </a:lnRef>
-          <a:fillRef idx="1">
-            <a:schemeClr val="lt1"/>
-          </a:fillRef>
-          <a:effectRef idx="0">
-            <a:schemeClr val="accent6"/>
-          </a:effectRef>
-          <a:fontRef idx="minor">
-            <a:schemeClr val="dk1"/>
-          </a:fontRef>
-        </p:style>
-        <p:txBody>
-          <a:bodyPr rtlCol="0" anchor="ctr"/>
-          <a:lstStyle/>
-          <a:p>
-            <a:pPr algn="ctr"/>
-            <a:endParaRPr kumimoji="1" lang="ja-JP" altLang="en-US" sz="1400" dirty="0">
-              <a:solidFill>
-                <a:schemeClr val="accent5">
-                  <a:lumMod val="75000"/>
-                </a:schemeClr>
-              </a:solidFill>
-            </a:endParaRPr>
-          </a:p>
-        </p:txBody>
-      </p:sp>
-      <p:sp>
-        <p:nvSpPr>
-          <p:cNvPr id="47" name="角丸四角形 46"/>
-          <p:cNvSpPr/>
-          <p:nvPr/>
-        </p:nvSpPr>
-        <p:spPr>
-          <a:xfrm>
-            <a:off x="7449483" y="4421474"/>
-            <a:ext cx="1102786" cy="465380"/>
           </a:xfrm>
           <a:prstGeom prst="roundRect">
             <a:avLst/>
@@ -35335,14 +34979,14 @@
       </p:sp>
       <p:sp>
         <p:nvSpPr>
-          <p:cNvPr id="3" name="テキスト ボックス 2"/>
+          <p:cNvPr id="4" name="テキスト ボックス 3"/>
           <p:cNvSpPr txBox="1"/>
           <p:nvPr/>
         </p:nvSpPr>
         <p:spPr>
           <a:xfrm>
-            <a:off x="451797" y="1390249"/>
-            <a:ext cx="8263801" cy="1754326"/>
+            <a:off x="1496999" y="2107328"/>
+            <a:ext cx="5112297" cy="646331"/>
           </a:xfrm>
           <a:prstGeom prst="rect">
             <a:avLst/>
@@ -35355,57 +34999,616 @@
           </a:bodyPr>
           <a:lstStyle/>
           <a:p>
-            <a:r>
-              <a:rPr lang="ja-JP" altLang="en-US" smtClean="0"/>
-              <a:t>ここもうちょっといろいろ使えそう、正直レフトハンドオンリーの文字入力は</a:t>
-            </a:r>
-            <a:endParaRPr lang="en-US" altLang="ja-JP" smtClean="0"/>
-          </a:p>
-          <a:p>
-            <a:r>
-              <a:rPr kumimoji="1" lang="ja-JP" altLang="en-US" smtClean="0"/>
-              <a:t>現実的じゃないし、なんとも</a:t>
-            </a:r>
-            <a:endParaRPr kumimoji="1" lang="en-US" altLang="ja-JP" smtClean="0"/>
-          </a:p>
-          <a:p>
-            <a:endParaRPr lang="en-US" altLang="ja-JP" smtClean="0"/>
-          </a:p>
-          <a:p>
-            <a:r>
-              <a:rPr lang="ja-JP" altLang="en-US"/>
-              <a:t>候補</a:t>
-            </a:r>
-            <a:endParaRPr lang="en-US" altLang="ja-JP"/>
-          </a:p>
-          <a:p>
-            <a:r>
-              <a:rPr kumimoji="1" lang="ja-JP" altLang="en-US" smtClean="0"/>
-              <a:t>・マクロ系のバインドをいくつか用意する（</a:t>
-            </a:r>
-            <a:r>
-              <a:rPr kumimoji="1" lang="en-US" altLang="ja-JP" smtClean="0"/>
-              <a:t>M1,M2,M3…</a:t>
-            </a:r>
-            <a:r>
-              <a:rPr kumimoji="1" lang="ja-JP" altLang="en-US" smtClean="0"/>
-              <a:t>）</a:t>
-            </a:r>
-            <a:endParaRPr kumimoji="1" lang="en-US" altLang="ja-JP" smtClean="0"/>
-          </a:p>
-          <a:p>
-            <a:r>
-              <a:rPr lang="ja-JP" altLang="en-US" smtClean="0"/>
-              <a:t>・テンキー系の実装</a:t>
-            </a:r>
-            <a:r>
-              <a:rPr lang="ja-JP" altLang="en-US" smtClean="0"/>
-              <a:t>？＝＞現状のテンキーのが便利</a:t>
-            </a:r>
-            <a:endParaRPr kumimoji="1" lang="en-US" altLang="ja-JP" smtClean="0"/>
-          </a:p>
-        </p:txBody>
-      </p:sp>
+            <a:pPr marL="0" lvl="2"/>
+            <a:r>
+              <a:rPr lang="ja-JP" altLang="en-US" sz="3600" smtClean="0"/>
+              <a:t>拡張クリップボード</a:t>
+            </a:r>
+            <a:r>
+              <a:rPr lang="en-US" altLang="ja-JP" sz="3600" smtClean="0"/>
+              <a:t> x50</a:t>
+            </a:r>
+            <a:endParaRPr lang="en-US" altLang="ja-JP" sz="3600"/>
+          </a:p>
+        </p:txBody>
+      </p:sp>
+      <p:sp>
+        <p:nvSpPr>
+          <p:cNvPr id="61" name="テキスト ボックス 60"/>
+          <p:cNvSpPr txBox="1"/>
+          <p:nvPr/>
+        </p:nvSpPr>
+        <p:spPr>
+          <a:xfrm>
+            <a:off x="474197" y="5629482"/>
+            <a:ext cx="1429046" cy="369332"/>
+          </a:xfrm>
+          <a:prstGeom prst="rect">
+            <a:avLst/>
+          </a:prstGeom>
+          <a:noFill/>
+        </p:spPr>
+        <p:txBody>
+          <a:bodyPr wrap="none" rtlCol="0">
+            <a:spAutoFit/>
+          </a:bodyPr>
+          <a:lstStyle/>
+          <a:p>
+            <a:r>
+              <a:rPr kumimoji="1" lang="en-US" altLang="ja-JP" dirty="0" smtClean="0">
+                <a:solidFill>
+                  <a:srgbClr val="C00000"/>
+                </a:solidFill>
+              </a:rPr>
+              <a:t>+Shift</a:t>
+            </a:r>
+            <a:r>
+              <a:rPr kumimoji="1" lang="ja-JP" altLang="en-US" dirty="0" smtClean="0">
+                <a:solidFill>
+                  <a:srgbClr val="C00000"/>
+                </a:solidFill>
+              </a:rPr>
+              <a:t>で</a:t>
+            </a:r>
+            <a:r>
+              <a:rPr kumimoji="1" lang="en-US" altLang="ja-JP" dirty="0" smtClean="0">
+                <a:solidFill>
+                  <a:srgbClr val="C00000"/>
+                </a:solidFill>
+              </a:rPr>
+              <a:t>Copy</a:t>
+            </a:r>
+            <a:endParaRPr kumimoji="1" lang="ja-JP" altLang="en-US" dirty="0">
+              <a:solidFill>
+                <a:srgbClr val="C00000"/>
+              </a:solidFill>
+            </a:endParaRPr>
+          </a:p>
+        </p:txBody>
+      </p:sp>
+      <p:cxnSp>
+        <p:nvCxnSpPr>
+          <p:cNvPr id="62" name="直線矢印コネクタ 61"/>
+          <p:cNvCxnSpPr>
+            <a:stCxn id="61" idx="0"/>
+          </p:cNvCxnSpPr>
+          <p:nvPr/>
+        </p:nvCxnSpPr>
+        <p:spPr>
+          <a:xfrm flipV="1">
+            <a:off x="1188720" y="5179944"/>
+            <a:ext cx="557783" cy="449538"/>
+          </a:xfrm>
+          <a:prstGeom prst="straightConnector1">
+            <a:avLst/>
+          </a:prstGeom>
+          <a:ln w="12700">
+            <a:solidFill>
+              <a:srgbClr val="C00000"/>
+            </a:solidFill>
+            <a:tailEnd type="triangle"/>
+          </a:ln>
+        </p:spPr>
+        <p:style>
+          <a:lnRef idx="1">
+            <a:schemeClr val="accent1"/>
+          </a:lnRef>
+          <a:fillRef idx="0">
+            <a:schemeClr val="accent1"/>
+          </a:fillRef>
+          <a:effectRef idx="0">
+            <a:schemeClr val="accent1"/>
+          </a:effectRef>
+          <a:fontRef idx="minor">
+            <a:schemeClr val="tx1"/>
+          </a:fontRef>
+        </p:style>
+      </p:cxnSp>
+      <p:grpSp>
+        <p:nvGrpSpPr>
+          <p:cNvPr id="83" name="グループ化 82"/>
+          <p:cNvGrpSpPr/>
+          <p:nvPr/>
+        </p:nvGrpSpPr>
+        <p:grpSpPr>
+          <a:xfrm>
+            <a:off x="542925" y="3333717"/>
+            <a:ext cx="8043877" cy="2106964"/>
+            <a:chOff x="542925" y="3333717"/>
+            <a:chExt cx="8043877" cy="2106964"/>
+          </a:xfrm>
+        </p:grpSpPr>
+        <p:cxnSp>
+          <p:nvCxnSpPr>
+            <p:cNvPr id="64" name="直線コネクタ 63"/>
+            <p:cNvCxnSpPr/>
+            <p:nvPr/>
+          </p:nvCxnSpPr>
+          <p:spPr>
+            <a:xfrm>
+              <a:off x="542925" y="3333717"/>
+              <a:ext cx="8043877" cy="0"/>
+            </a:xfrm>
+            <a:prstGeom prst="line">
+              <a:avLst/>
+            </a:prstGeom>
+            <a:ln w="12700">
+              <a:solidFill>
+                <a:srgbClr val="C00000"/>
+              </a:solidFill>
+            </a:ln>
+          </p:spPr>
+          <p:style>
+            <a:lnRef idx="1">
+              <a:schemeClr val="accent1"/>
+            </a:lnRef>
+            <a:fillRef idx="0">
+              <a:schemeClr val="accent1"/>
+            </a:fillRef>
+            <a:effectRef idx="0">
+              <a:schemeClr val="accent1"/>
+            </a:effectRef>
+            <a:fontRef idx="minor">
+              <a:schemeClr val="tx1"/>
+            </a:fontRef>
+          </p:style>
+        </p:cxnSp>
+        <p:cxnSp>
+          <p:nvCxnSpPr>
+            <p:cNvPr id="65" name="直線コネクタ 64"/>
+            <p:cNvCxnSpPr/>
+            <p:nvPr/>
+          </p:nvCxnSpPr>
+          <p:spPr>
+            <a:xfrm>
+              <a:off x="1761192" y="5440680"/>
+              <a:ext cx="5357058" cy="0"/>
+            </a:xfrm>
+            <a:prstGeom prst="line">
+              <a:avLst/>
+            </a:prstGeom>
+            <a:ln w="12700">
+              <a:solidFill>
+                <a:srgbClr val="C00000"/>
+              </a:solidFill>
+            </a:ln>
+          </p:spPr>
+          <p:style>
+            <a:lnRef idx="1">
+              <a:schemeClr val="accent1"/>
+            </a:lnRef>
+            <a:fillRef idx="0">
+              <a:schemeClr val="accent1"/>
+            </a:fillRef>
+            <a:effectRef idx="0">
+              <a:schemeClr val="accent1"/>
+            </a:effectRef>
+            <a:fontRef idx="minor">
+              <a:schemeClr val="tx1"/>
+            </a:fontRef>
+          </p:style>
+        </p:cxnSp>
+        <p:cxnSp>
+          <p:nvCxnSpPr>
+            <p:cNvPr id="66" name="直線コネクタ 65"/>
+            <p:cNvCxnSpPr/>
+            <p:nvPr/>
+          </p:nvCxnSpPr>
+          <p:spPr>
+            <a:xfrm flipV="1">
+              <a:off x="7112597" y="4919208"/>
+              <a:ext cx="0" cy="521473"/>
+            </a:xfrm>
+            <a:prstGeom prst="line">
+              <a:avLst/>
+            </a:prstGeom>
+            <a:ln w="12700">
+              <a:solidFill>
+                <a:srgbClr val="C00000"/>
+              </a:solidFill>
+            </a:ln>
+          </p:spPr>
+          <p:style>
+            <a:lnRef idx="1">
+              <a:schemeClr val="accent1"/>
+            </a:lnRef>
+            <a:fillRef idx="0">
+              <a:schemeClr val="accent1"/>
+            </a:fillRef>
+            <a:effectRef idx="0">
+              <a:schemeClr val="accent1"/>
+            </a:effectRef>
+            <a:fontRef idx="minor">
+              <a:schemeClr val="tx1"/>
+            </a:fontRef>
+          </p:style>
+        </p:cxnSp>
+        <p:cxnSp>
+          <p:nvCxnSpPr>
+            <p:cNvPr id="67" name="直線コネクタ 66"/>
+            <p:cNvCxnSpPr/>
+            <p:nvPr/>
+          </p:nvCxnSpPr>
+          <p:spPr>
+            <a:xfrm flipV="1">
+              <a:off x="7412634" y="4398785"/>
+              <a:ext cx="0" cy="520424"/>
+            </a:xfrm>
+            <a:prstGeom prst="line">
+              <a:avLst/>
+            </a:prstGeom>
+            <a:ln w="12700">
+              <a:solidFill>
+                <a:srgbClr val="C00000"/>
+              </a:solidFill>
+            </a:ln>
+          </p:spPr>
+          <p:style>
+            <a:lnRef idx="1">
+              <a:schemeClr val="accent1"/>
+            </a:lnRef>
+            <a:fillRef idx="0">
+              <a:schemeClr val="accent1"/>
+            </a:fillRef>
+            <a:effectRef idx="0">
+              <a:schemeClr val="accent1"/>
+            </a:effectRef>
+            <a:fontRef idx="minor">
+              <a:schemeClr val="tx1"/>
+            </a:fontRef>
+          </p:style>
+        </p:cxnSp>
+        <p:cxnSp>
+          <p:nvCxnSpPr>
+            <p:cNvPr id="68" name="直線コネクタ 67"/>
+            <p:cNvCxnSpPr/>
+            <p:nvPr/>
+          </p:nvCxnSpPr>
+          <p:spPr>
+            <a:xfrm flipV="1">
+              <a:off x="8586802" y="3333717"/>
+              <a:ext cx="0" cy="1065068"/>
+            </a:xfrm>
+            <a:prstGeom prst="line">
+              <a:avLst/>
+            </a:prstGeom>
+            <a:ln w="12700">
+              <a:solidFill>
+                <a:srgbClr val="C00000"/>
+              </a:solidFill>
+            </a:ln>
+          </p:spPr>
+          <p:style>
+            <a:lnRef idx="1">
+              <a:schemeClr val="accent1"/>
+            </a:lnRef>
+            <a:fillRef idx="0">
+              <a:schemeClr val="accent1"/>
+            </a:fillRef>
+            <a:effectRef idx="0">
+              <a:schemeClr val="accent1"/>
+            </a:effectRef>
+            <a:fontRef idx="minor">
+              <a:schemeClr val="tx1"/>
+            </a:fontRef>
+          </p:style>
+        </p:cxnSp>
+        <p:cxnSp>
+          <p:nvCxnSpPr>
+            <p:cNvPr id="70" name="直線コネクタ 69"/>
+            <p:cNvCxnSpPr/>
+            <p:nvPr/>
+          </p:nvCxnSpPr>
+          <p:spPr>
+            <a:xfrm>
+              <a:off x="7409286" y="4398785"/>
+              <a:ext cx="1177516" cy="0"/>
+            </a:xfrm>
+            <a:prstGeom prst="line">
+              <a:avLst/>
+            </a:prstGeom>
+            <a:ln w="12700">
+              <a:solidFill>
+                <a:srgbClr val="C00000"/>
+              </a:solidFill>
+            </a:ln>
+          </p:spPr>
+          <p:style>
+            <a:lnRef idx="1">
+              <a:schemeClr val="accent1"/>
+            </a:lnRef>
+            <a:fillRef idx="0">
+              <a:schemeClr val="accent1"/>
+            </a:fillRef>
+            <a:effectRef idx="0">
+              <a:schemeClr val="accent1"/>
+            </a:effectRef>
+            <a:fontRef idx="minor">
+              <a:schemeClr val="tx1"/>
+            </a:fontRef>
+          </p:style>
+        </p:cxnSp>
+        <p:cxnSp>
+          <p:nvCxnSpPr>
+            <p:cNvPr id="71" name="直線コネクタ 70"/>
+            <p:cNvCxnSpPr/>
+            <p:nvPr/>
+          </p:nvCxnSpPr>
+          <p:spPr>
+            <a:xfrm>
+              <a:off x="7112149" y="4919208"/>
+              <a:ext cx="303064" cy="0"/>
+            </a:xfrm>
+            <a:prstGeom prst="line">
+              <a:avLst/>
+            </a:prstGeom>
+            <a:ln w="12700">
+              <a:solidFill>
+                <a:srgbClr val="C00000"/>
+              </a:solidFill>
+            </a:ln>
+          </p:spPr>
+          <p:style>
+            <a:lnRef idx="1">
+              <a:schemeClr val="accent1"/>
+            </a:lnRef>
+            <a:fillRef idx="0">
+              <a:schemeClr val="accent1"/>
+            </a:fillRef>
+            <a:effectRef idx="0">
+              <a:schemeClr val="accent1"/>
+            </a:effectRef>
+            <a:fontRef idx="minor">
+              <a:schemeClr val="tx1"/>
+            </a:fontRef>
+          </p:style>
+        </p:cxnSp>
+        <p:cxnSp>
+          <p:nvCxnSpPr>
+            <p:cNvPr id="72" name="直線コネクタ 71"/>
+            <p:cNvCxnSpPr/>
+            <p:nvPr/>
+          </p:nvCxnSpPr>
+          <p:spPr>
+            <a:xfrm flipV="1">
+              <a:off x="1761192" y="4904921"/>
+              <a:ext cx="0" cy="535759"/>
+            </a:xfrm>
+            <a:prstGeom prst="line">
+              <a:avLst/>
+            </a:prstGeom>
+            <a:ln w="12700">
+              <a:solidFill>
+                <a:srgbClr val="C00000"/>
+              </a:solidFill>
+            </a:ln>
+          </p:spPr>
+          <p:style>
+            <a:lnRef idx="1">
+              <a:schemeClr val="accent1"/>
+            </a:lnRef>
+            <a:fillRef idx="0">
+              <a:schemeClr val="accent1"/>
+            </a:fillRef>
+            <a:effectRef idx="0">
+              <a:schemeClr val="accent1"/>
+            </a:effectRef>
+            <a:fontRef idx="minor">
+              <a:schemeClr val="tx1"/>
+            </a:fontRef>
+          </p:style>
+        </p:cxnSp>
+        <p:cxnSp>
+          <p:nvCxnSpPr>
+            <p:cNvPr id="73" name="直線コネクタ 72"/>
+            <p:cNvCxnSpPr/>
+            <p:nvPr/>
+          </p:nvCxnSpPr>
+          <p:spPr>
+            <a:xfrm>
+              <a:off x="1507283" y="4904921"/>
+              <a:ext cx="258870" cy="0"/>
+            </a:xfrm>
+            <a:prstGeom prst="line">
+              <a:avLst/>
+            </a:prstGeom>
+            <a:ln w="12700">
+              <a:solidFill>
+                <a:srgbClr val="C00000"/>
+              </a:solidFill>
+            </a:ln>
+          </p:spPr>
+          <p:style>
+            <a:lnRef idx="1">
+              <a:schemeClr val="accent1"/>
+            </a:lnRef>
+            <a:fillRef idx="0">
+              <a:schemeClr val="accent1"/>
+            </a:fillRef>
+            <a:effectRef idx="0">
+              <a:schemeClr val="accent1"/>
+            </a:effectRef>
+            <a:fontRef idx="minor">
+              <a:schemeClr val="tx1"/>
+            </a:fontRef>
+          </p:style>
+        </p:cxnSp>
+        <p:cxnSp>
+          <p:nvCxnSpPr>
+            <p:cNvPr id="74" name="直線コネクタ 73"/>
+            <p:cNvCxnSpPr/>
+            <p:nvPr/>
+          </p:nvCxnSpPr>
+          <p:spPr>
+            <a:xfrm flipV="1">
+              <a:off x="1514870" y="4397606"/>
+              <a:ext cx="0" cy="507769"/>
+            </a:xfrm>
+            <a:prstGeom prst="line">
+              <a:avLst/>
+            </a:prstGeom>
+            <a:ln w="12700">
+              <a:solidFill>
+                <a:srgbClr val="C00000"/>
+              </a:solidFill>
+            </a:ln>
+          </p:spPr>
+          <p:style>
+            <a:lnRef idx="1">
+              <a:schemeClr val="accent1"/>
+            </a:lnRef>
+            <a:fillRef idx="0">
+              <a:schemeClr val="accent1"/>
+            </a:fillRef>
+            <a:effectRef idx="0">
+              <a:schemeClr val="accent1"/>
+            </a:effectRef>
+            <a:fontRef idx="minor">
+              <a:schemeClr val="tx1"/>
+            </a:fontRef>
+          </p:style>
+        </p:cxnSp>
+        <p:cxnSp>
+          <p:nvCxnSpPr>
+            <p:cNvPr id="75" name="直線コネクタ 74"/>
+            <p:cNvCxnSpPr/>
+            <p:nvPr/>
+          </p:nvCxnSpPr>
+          <p:spPr>
+            <a:xfrm>
+              <a:off x="1335832" y="4397606"/>
+              <a:ext cx="183357" cy="0"/>
+            </a:xfrm>
+            <a:prstGeom prst="line">
+              <a:avLst/>
+            </a:prstGeom>
+            <a:ln w="12700">
+              <a:solidFill>
+                <a:srgbClr val="C00000"/>
+              </a:solidFill>
+            </a:ln>
+          </p:spPr>
+          <p:style>
+            <a:lnRef idx="1">
+              <a:schemeClr val="accent1"/>
+            </a:lnRef>
+            <a:fillRef idx="0">
+              <a:schemeClr val="accent1"/>
+            </a:fillRef>
+            <a:effectRef idx="0">
+              <a:schemeClr val="accent1"/>
+            </a:effectRef>
+            <a:fontRef idx="minor">
+              <a:schemeClr val="tx1"/>
+            </a:fontRef>
+          </p:style>
+        </p:cxnSp>
+        <p:cxnSp>
+          <p:nvCxnSpPr>
+            <p:cNvPr id="76" name="直線コネクタ 75"/>
+            <p:cNvCxnSpPr/>
+            <p:nvPr/>
+          </p:nvCxnSpPr>
+          <p:spPr>
+            <a:xfrm flipV="1">
+              <a:off x="1332723" y="3864739"/>
+              <a:ext cx="0" cy="532867"/>
+            </a:xfrm>
+            <a:prstGeom prst="line">
+              <a:avLst/>
+            </a:prstGeom>
+            <a:ln w="12700">
+              <a:solidFill>
+                <a:srgbClr val="C00000"/>
+              </a:solidFill>
+            </a:ln>
+          </p:spPr>
+          <p:style>
+            <a:lnRef idx="1">
+              <a:schemeClr val="accent1"/>
+            </a:lnRef>
+            <a:fillRef idx="0">
+              <a:schemeClr val="accent1"/>
+            </a:fillRef>
+            <a:effectRef idx="0">
+              <a:schemeClr val="accent1"/>
+            </a:effectRef>
+            <a:fontRef idx="minor">
+              <a:schemeClr val="tx1"/>
+            </a:fontRef>
+          </p:style>
+        </p:cxnSp>
+        <p:cxnSp>
+          <p:nvCxnSpPr>
+            <p:cNvPr id="80" name="直線コネクタ 79"/>
+            <p:cNvCxnSpPr/>
+            <p:nvPr/>
+          </p:nvCxnSpPr>
+          <p:spPr>
+            <a:xfrm flipV="1">
+              <a:off x="542925" y="3333717"/>
+              <a:ext cx="0" cy="532867"/>
+            </a:xfrm>
+            <a:prstGeom prst="line">
+              <a:avLst/>
+            </a:prstGeom>
+            <a:ln w="12700">
+              <a:solidFill>
+                <a:srgbClr val="C00000"/>
+              </a:solidFill>
+            </a:ln>
+          </p:spPr>
+          <p:style>
+            <a:lnRef idx="1">
+              <a:schemeClr val="accent1"/>
+            </a:lnRef>
+            <a:fillRef idx="0">
+              <a:schemeClr val="accent1"/>
+            </a:fillRef>
+            <a:effectRef idx="0">
+              <a:schemeClr val="accent1"/>
+            </a:effectRef>
+            <a:fontRef idx="minor">
+              <a:schemeClr val="tx1"/>
+            </a:fontRef>
+          </p:style>
+        </p:cxnSp>
+        <p:cxnSp>
+          <p:nvCxnSpPr>
+            <p:cNvPr id="81" name="直線コネクタ 80"/>
+            <p:cNvCxnSpPr/>
+            <p:nvPr/>
+          </p:nvCxnSpPr>
+          <p:spPr>
+            <a:xfrm>
+              <a:off x="542925" y="3864739"/>
+              <a:ext cx="789798" cy="0"/>
+            </a:xfrm>
+            <a:prstGeom prst="line">
+              <a:avLst/>
+            </a:prstGeom>
+            <a:ln w="12700">
+              <a:solidFill>
+                <a:srgbClr val="C00000"/>
+              </a:solidFill>
+            </a:ln>
+          </p:spPr>
+          <p:style>
+            <a:lnRef idx="1">
+              <a:schemeClr val="accent1"/>
+            </a:lnRef>
+            <a:fillRef idx="0">
+              <a:schemeClr val="accent1"/>
+            </a:fillRef>
+            <a:effectRef idx="0">
+              <a:schemeClr val="accent1"/>
+            </a:effectRef>
+            <a:fontRef idx="minor">
+              <a:schemeClr val="tx1"/>
+            </a:fontRef>
+          </p:style>
+        </p:cxnSp>
+      </p:grpSp>
     </p:spTree>
     <p:extLst>
       <p:ext uri="{BB962C8B-B14F-4D97-AF65-F5344CB8AC3E}">
@@ -36963,6 +37166,16 @@
           <a:lstStyle/>
           <a:p>
             <a:pPr algn="ctr"/>
+            <a:r>
+              <a:rPr kumimoji="1" lang="en-US" altLang="ja-JP" sz="900" smtClean="0">
+                <a:solidFill>
+                  <a:schemeClr val="accent6">
+                    <a:lumMod val="75000"/>
+                  </a:schemeClr>
+                </a:solidFill>
+              </a:rPr>
+              <a:t>Outlook</a:t>
+            </a:r>
             <a:endParaRPr kumimoji="1" lang="ja-JP" altLang="en-US" sz="900" dirty="0">
               <a:solidFill>
                 <a:schemeClr val="accent6">
@@ -40188,7 +40401,7 @@
           <a:lstStyle/>
           <a:p>
             <a:pPr algn="ctr"/>
-            <a:endParaRPr kumimoji="1" lang="ja-JP" altLang="en-US" sz="1400" dirty="0">
+            <a:endParaRPr kumimoji="1" lang="ja-JP" altLang="en-US" sz="800" dirty="0">
               <a:solidFill>
                 <a:schemeClr val="accent6">
                   <a:lumMod val="75000"/>
@@ -40291,29 +40504,56 @@
           <a:p>
             <a:pPr algn="ctr"/>
             <a:r>
-              <a:rPr kumimoji="1" lang="en-US" altLang="ja-JP" sz="1050" smtClean="0">
+              <a:rPr kumimoji="1" lang="ja-JP" altLang="en-US" sz="700" smtClean="0">
                 <a:solidFill>
                   <a:schemeClr val="accent6">
                     <a:lumMod val="75000"/>
                   </a:schemeClr>
                 </a:solidFill>
               </a:rPr>
-              <a:t>Sound</a:t>
-            </a:r>
-          </a:p>
-          <a:p>
-            <a:pPr algn="ctr"/>
-            <a:r>
-              <a:rPr kumimoji="1" lang="en-US" altLang="ja-JP" sz="1050" smtClean="0">
+              <a:t>サウンド</a:t>
+            </a:r>
+            <a:endParaRPr kumimoji="1" lang="en-US" altLang="ja-JP" sz="700" smtClean="0">
+              <a:solidFill>
+                <a:schemeClr val="accent6">
+                  <a:lumMod val="75000"/>
+                </a:schemeClr>
+              </a:solidFill>
+            </a:endParaRPr>
+          </a:p>
+          <a:p>
+            <a:pPr algn="ctr"/>
+            <a:r>
+              <a:rPr lang="ja-JP" altLang="en-US" sz="700" smtClean="0">
                 <a:solidFill>
                   <a:schemeClr val="accent6">
                     <a:lumMod val="75000"/>
                   </a:schemeClr>
                 </a:solidFill>
               </a:rPr>
-              <a:t>Change</a:t>
-            </a:r>
-            <a:endParaRPr kumimoji="1" lang="ja-JP" altLang="en-US" sz="1050" dirty="0">
+              <a:t>変更</a:t>
+            </a:r>
+            <a:endParaRPr lang="en-US" altLang="ja-JP" sz="700" smtClean="0">
+              <a:solidFill>
+                <a:schemeClr val="accent6">
+                  <a:lumMod val="75000"/>
+                </a:schemeClr>
+              </a:solidFill>
+            </a:endParaRPr>
+          </a:p>
+          <a:p>
+            <a:pPr algn="ctr"/>
+            <a:r>
+              <a:rPr kumimoji="1" lang="ja-JP" altLang="en-US" sz="700" smtClean="0">
+                <a:solidFill>
+                  <a:schemeClr val="accent6">
+                    <a:lumMod val="75000"/>
+                  </a:schemeClr>
+                </a:solidFill>
+              </a:rPr>
+              <a:t>（イヤホン）</a:t>
+            </a:r>
+            <a:endParaRPr kumimoji="1" lang="ja-JP" altLang="en-US" sz="700" dirty="0">
               <a:solidFill>
                 <a:schemeClr val="accent6">
                   <a:lumMod val="75000"/>
@@ -40365,29 +40605,56 @@
           <a:p>
             <a:pPr algn="ctr"/>
             <a:r>
-              <a:rPr lang="en-US" altLang="ja-JP" sz="1050">
+              <a:rPr lang="ja-JP" altLang="en-US" sz="700" smtClean="0">
                 <a:solidFill>
                   <a:schemeClr val="accent6">
                     <a:lumMod val="75000"/>
                   </a:schemeClr>
                 </a:solidFill>
               </a:rPr>
-              <a:t>Sound</a:t>
-            </a:r>
-          </a:p>
-          <a:p>
-            <a:pPr algn="ctr"/>
-            <a:r>
-              <a:rPr lang="en-US" altLang="ja-JP" sz="1050" smtClean="0">
+              <a:t>サウンド</a:t>
+            </a:r>
+            <a:endParaRPr lang="en-US" altLang="ja-JP" sz="700" smtClean="0">
+              <a:solidFill>
+                <a:schemeClr val="accent6">
+                  <a:lumMod val="75000"/>
+                </a:schemeClr>
+              </a:solidFill>
+            </a:endParaRPr>
+          </a:p>
+          <a:p>
+            <a:pPr algn="ctr"/>
+            <a:r>
+              <a:rPr lang="ja-JP" altLang="en-US" sz="700" smtClean="0">
                 <a:solidFill>
                   <a:schemeClr val="accent6">
                     <a:lumMod val="75000"/>
                   </a:schemeClr>
                 </a:solidFill>
               </a:rPr>
-              <a:t>Change</a:t>
-            </a:r>
-            <a:endParaRPr lang="ja-JP" altLang="en-US" sz="1050">
+              <a:t>変更</a:t>
+            </a:r>
+            <a:endParaRPr lang="en-US" altLang="ja-JP" sz="700" smtClean="0">
+              <a:solidFill>
+                <a:schemeClr val="accent6">
+                  <a:lumMod val="75000"/>
+                </a:schemeClr>
+              </a:solidFill>
+            </a:endParaRPr>
+          </a:p>
+          <a:p>
+            <a:pPr algn="ctr"/>
+            <a:r>
+              <a:rPr lang="ja-JP" altLang="en-US" sz="700" smtClean="0">
+                <a:solidFill>
+                  <a:schemeClr val="accent6">
+                    <a:lumMod val="75000"/>
+                  </a:schemeClr>
+                </a:solidFill>
+              </a:rPr>
+              <a:t>（スピーカ）</a:t>
+            </a:r>
+            <a:endParaRPr lang="en-US" altLang="ja-JP" sz="700" smtClean="0">
               <a:solidFill>
                 <a:schemeClr val="accent6">
                   <a:lumMod val="75000"/>
@@ -41166,7 +41433,37 @@
           <a:lstStyle/>
           <a:p>
             <a:pPr algn="ctr"/>
-            <a:endParaRPr kumimoji="1" lang="ja-JP" altLang="en-US" sz="1400" dirty="0">
+            <a:r>
+              <a:rPr kumimoji="1" lang="ja-JP" altLang="en-US" sz="1100" smtClean="0">
+                <a:solidFill>
+                  <a:schemeClr val="accent6">
+                    <a:lumMod val="75000"/>
+                  </a:schemeClr>
+                </a:solidFill>
+              </a:rPr>
+              <a:t>日時</a:t>
+            </a:r>
+            <a:endParaRPr kumimoji="1" lang="en-US" altLang="ja-JP" sz="1100" smtClean="0">
+              <a:solidFill>
+                <a:schemeClr val="accent6">
+                  <a:lumMod val="75000"/>
+                </a:schemeClr>
+              </a:solidFill>
+            </a:endParaRPr>
+          </a:p>
+          <a:p>
+            <a:pPr algn="ctr"/>
+            <a:r>
+              <a:rPr kumimoji="1" lang="ja-JP" altLang="en-US" sz="1100" smtClean="0">
+                <a:solidFill>
+                  <a:schemeClr val="accent6">
+                    <a:lumMod val="75000"/>
+                  </a:schemeClr>
+                </a:solidFill>
+              </a:rPr>
+              <a:t>減算</a:t>
+            </a:r>
+            <a:endParaRPr kumimoji="1" lang="en-US" altLang="ja-JP" sz="1100" smtClean="0">
               <a:solidFill>
                 <a:schemeClr val="accent6">
                   <a:lumMod val="75000"/>
@@ -41217,7 +41514,37 @@
           <a:lstStyle/>
           <a:p>
             <a:pPr algn="ctr"/>
-            <a:endParaRPr kumimoji="1" lang="ja-JP" altLang="en-US" sz="1400" dirty="0">
+            <a:r>
+              <a:rPr lang="ja-JP" altLang="en-US" sz="1050" smtClean="0">
+                <a:solidFill>
+                  <a:schemeClr val="accent6">
+                    <a:lumMod val="75000"/>
+                  </a:schemeClr>
+                </a:solidFill>
+              </a:rPr>
+              <a:t>日時</a:t>
+            </a:r>
+            <a:endParaRPr lang="en-US" altLang="ja-JP" sz="1050" smtClean="0">
+              <a:solidFill>
+                <a:schemeClr val="accent6">
+                  <a:lumMod val="75000"/>
+                </a:schemeClr>
+              </a:solidFill>
+            </a:endParaRPr>
+          </a:p>
+          <a:p>
+            <a:pPr algn="ctr"/>
+            <a:r>
+              <a:rPr kumimoji="1" lang="ja-JP" altLang="en-US" sz="1050">
+                <a:solidFill>
+                  <a:schemeClr val="accent6">
+                    <a:lumMod val="75000"/>
+                  </a:schemeClr>
+                </a:solidFill>
+              </a:rPr>
+              <a:t>加算</a:t>
+            </a:r>
+            <a:endParaRPr kumimoji="1" lang="ja-JP" altLang="en-US" sz="1050" dirty="0">
               <a:solidFill>
                 <a:schemeClr val="accent6">
                   <a:lumMod val="75000"/>
@@ -41979,6 +42306,42 @@
           <a:p>
             <a:pPr algn="ctr"/>
             <a:endParaRPr kumimoji="1" lang="ja-JP" altLang="en-US" sz="1400" dirty="0"/>
+          </a:p>
+        </p:txBody>
+      </p:sp>
+      <p:sp>
+        <p:nvSpPr>
+          <p:cNvPr id="60" name="テキスト ボックス 59"/>
+          <p:cNvSpPr txBox="1"/>
+          <p:nvPr/>
+        </p:nvSpPr>
+        <p:spPr>
+          <a:xfrm>
+            <a:off x="451797" y="1390249"/>
+            <a:ext cx="4108817" cy="369332"/>
+          </a:xfrm>
+          <a:prstGeom prst="rect">
+            <a:avLst/>
+          </a:prstGeom>
+          <a:noFill/>
+        </p:spPr>
+        <p:txBody>
+          <a:bodyPr wrap="none" rtlCol="0">
+            <a:spAutoFit/>
+          </a:bodyPr>
+          <a:lstStyle/>
+          <a:p>
+            <a:r>
+              <a:rPr kumimoji="1" lang="ja-JP" altLang="en-US" smtClean="0">
+                <a:latin typeface="+mj-ea"/>
+                <a:ea typeface="+mj-ea"/>
+              </a:rPr>
+              <a:t>ウィンドウ操作と諸々の便利機能キー</a:t>
+            </a:r>
+            <a:endParaRPr kumimoji="1" lang="ja-JP" altLang="en-US">
+              <a:latin typeface="+mj-ea"/>
+              <a:ea typeface="+mj-ea"/>
+            </a:endParaRPr>
           </a:p>
         </p:txBody>
       </p:sp>

--- a/MANUAL.pptx
+++ b/MANUAL.pptx
@@ -256,7 +256,7 @@
           <a:p>
             <a:fld id="{98B15ECE-60C4-45D4-8ABC-DDA7D4F33EF9}" type="datetimeFigureOut">
               <a:rPr kumimoji="1" lang="ja-JP" altLang="en-US" smtClean="0"/>
-              <a:t>2016/7/4</a:t>
+              <a:t>2016/7/12</a:t>
             </a:fld>
             <a:endParaRPr kumimoji="1" lang="ja-JP" altLang="en-US"/>
           </a:p>
@@ -1144,6 +1144,90 @@
 </p:notes>
 </file>
 
+<file path=ppt/notesSlides/notesSlide8.xml><?xml version="1.0" encoding="utf-8"?>
+<p:notes xmlns:a="http://schemas.openxmlformats.org/drawingml/2006/main" xmlns:r="http://schemas.openxmlformats.org/officeDocument/2006/relationships" xmlns:p="http://schemas.openxmlformats.org/presentationml/2006/main">
+  <p:cSld>
+    <p:spTree>
+      <p:nvGrpSpPr>
+        <p:cNvPr id="1" name=""/>
+        <p:cNvGrpSpPr/>
+        <p:nvPr/>
+      </p:nvGrpSpPr>
+      <p:grpSpPr>
+        <a:xfrm>
+          <a:off x="0" y="0"/>
+          <a:ext cx="0" cy="0"/>
+          <a:chOff x="0" y="0"/>
+          <a:chExt cx="0" cy="0"/>
+        </a:xfrm>
+      </p:grpSpPr>
+      <p:sp>
+        <p:nvSpPr>
+          <p:cNvPr id="2" name="スライド イメージ プレースホルダー 1"/>
+          <p:cNvSpPr>
+            <a:spLocks noGrp="1" noRot="1" noChangeAspect="1"/>
+          </p:cNvSpPr>
+          <p:nvPr>
+            <p:ph type="sldImg"/>
+          </p:nvPr>
+        </p:nvSpPr>
+        <p:spPr/>
+      </p:sp>
+      <p:sp>
+        <p:nvSpPr>
+          <p:cNvPr id="3" name="ノート プレースホルダー 2"/>
+          <p:cNvSpPr>
+            <a:spLocks noGrp="1"/>
+          </p:cNvSpPr>
+          <p:nvPr>
+            <p:ph type="body" idx="1"/>
+          </p:nvPr>
+        </p:nvSpPr>
+        <p:spPr/>
+        <p:txBody>
+          <a:bodyPr/>
+          <a:lstStyle/>
+          <a:p>
+            <a:endParaRPr kumimoji="1" lang="ja-JP" altLang="en-US"/>
+          </a:p>
+        </p:txBody>
+      </p:sp>
+      <p:sp>
+        <p:nvSpPr>
+          <p:cNvPr id="4" name="スライド番号プレースホルダー 3"/>
+          <p:cNvSpPr>
+            <a:spLocks noGrp="1"/>
+          </p:cNvSpPr>
+          <p:nvPr>
+            <p:ph type="sldNum" sz="quarter" idx="10"/>
+          </p:nvPr>
+        </p:nvSpPr>
+        <p:spPr/>
+        <p:txBody>
+          <a:bodyPr/>
+          <a:lstStyle/>
+          <a:p>
+            <a:fld id="{B7FB55F5-4E42-4572-805F-119E805B59B2}" type="slidenum">
+              <a:rPr kumimoji="1" lang="ja-JP" altLang="en-US" smtClean="0"/>
+              <a:t>17</a:t>
+            </a:fld>
+            <a:endParaRPr kumimoji="1" lang="ja-JP" altLang="en-US"/>
+          </a:p>
+        </p:txBody>
+      </p:sp>
+    </p:spTree>
+    <p:extLst>
+      <p:ext uri="{BB962C8B-B14F-4D97-AF65-F5344CB8AC3E}">
+        <p14:creationId xmlns:p14="http://schemas.microsoft.com/office/powerpoint/2010/main" val="2943707745"/>
+      </p:ext>
+    </p:extLst>
+  </p:cSld>
+  <p:clrMapOvr>
+    <a:masterClrMapping/>
+  </p:clrMapOvr>
+</p:notes>
+</file>
+
 <file path=ppt/slideLayouts/slideLayout1.xml><?xml version="1.0" encoding="utf-8"?>
 <p:sldLayout xmlns:a="http://schemas.openxmlformats.org/drawingml/2006/main" xmlns:r="http://schemas.openxmlformats.org/officeDocument/2006/relationships" xmlns:p="http://schemas.openxmlformats.org/presentationml/2006/main" type="title" preserve="1">
   <p:cSld name="タイトル スライド">
@@ -1275,7 +1359,7 @@
           <a:p>
             <a:fld id="{8FB4C7EE-3C5D-4F47-A8DE-21B759CA57C5}" type="datetimeFigureOut">
               <a:rPr kumimoji="1" lang="ja-JP" altLang="en-US" smtClean="0"/>
-              <a:t>2016/7/4</a:t>
+              <a:t>2016/7/12</a:t>
             </a:fld>
             <a:endParaRPr kumimoji="1" lang="ja-JP" altLang="en-US"/>
           </a:p>
@@ -1477,7 +1561,7 @@
           <a:p>
             <a:fld id="{8FB4C7EE-3C5D-4F47-A8DE-21B759CA57C5}" type="datetimeFigureOut">
               <a:rPr kumimoji="1" lang="ja-JP" altLang="en-US" smtClean="0"/>
-              <a:t>2016/7/4</a:t>
+              <a:t>2016/7/12</a:t>
             </a:fld>
             <a:endParaRPr kumimoji="1" lang="ja-JP" altLang="en-US"/>
           </a:p>
@@ -1689,7 +1773,7 @@
           <a:p>
             <a:fld id="{8FB4C7EE-3C5D-4F47-A8DE-21B759CA57C5}" type="datetimeFigureOut">
               <a:rPr kumimoji="1" lang="ja-JP" altLang="en-US" smtClean="0"/>
-              <a:t>2016/7/4</a:t>
+              <a:t>2016/7/12</a:t>
             </a:fld>
             <a:endParaRPr kumimoji="1" lang="ja-JP" altLang="en-US"/>
           </a:p>
@@ -1891,7 +1975,7 @@
           <a:p>
             <a:fld id="{8FB4C7EE-3C5D-4F47-A8DE-21B759CA57C5}" type="datetimeFigureOut">
               <a:rPr kumimoji="1" lang="ja-JP" altLang="en-US" smtClean="0"/>
-              <a:t>2016/7/4</a:t>
+              <a:t>2016/7/12</a:t>
             </a:fld>
             <a:endParaRPr kumimoji="1" lang="ja-JP" altLang="en-US"/>
           </a:p>
@@ -2135,7 +2219,7 @@
           <a:p>
             <a:fld id="{8FB4C7EE-3C5D-4F47-A8DE-21B759CA57C5}" type="datetimeFigureOut">
               <a:rPr kumimoji="1" lang="ja-JP" altLang="en-US" smtClean="0"/>
-              <a:t>2016/7/4</a:t>
+              <a:t>2016/7/12</a:t>
             </a:fld>
             <a:endParaRPr kumimoji="1" lang="ja-JP" altLang="en-US"/>
           </a:p>
@@ -2431,7 +2515,7 @@
           <a:p>
             <a:fld id="{8FB4C7EE-3C5D-4F47-A8DE-21B759CA57C5}" type="datetimeFigureOut">
               <a:rPr kumimoji="1" lang="ja-JP" altLang="en-US" smtClean="0"/>
-              <a:t>2016/7/4</a:t>
+              <a:t>2016/7/12</a:t>
             </a:fld>
             <a:endParaRPr kumimoji="1" lang="ja-JP" altLang="en-US"/>
           </a:p>
@@ -2862,7 +2946,7 @@
           <a:p>
             <a:fld id="{8FB4C7EE-3C5D-4F47-A8DE-21B759CA57C5}" type="datetimeFigureOut">
               <a:rPr kumimoji="1" lang="ja-JP" altLang="en-US" smtClean="0"/>
-              <a:t>2016/7/4</a:t>
+              <a:t>2016/7/12</a:t>
             </a:fld>
             <a:endParaRPr kumimoji="1" lang="ja-JP" altLang="en-US"/>
           </a:p>
@@ -2980,7 +3064,7 @@
           <a:p>
             <a:fld id="{8FB4C7EE-3C5D-4F47-A8DE-21B759CA57C5}" type="datetimeFigureOut">
               <a:rPr kumimoji="1" lang="ja-JP" altLang="en-US" smtClean="0"/>
-              <a:t>2016/7/4</a:t>
+              <a:t>2016/7/12</a:t>
             </a:fld>
             <a:endParaRPr kumimoji="1" lang="ja-JP" altLang="en-US"/>
           </a:p>
@@ -3075,7 +3159,7 @@
           <a:p>
             <a:fld id="{8FB4C7EE-3C5D-4F47-A8DE-21B759CA57C5}" type="datetimeFigureOut">
               <a:rPr kumimoji="1" lang="ja-JP" altLang="en-US" smtClean="0"/>
-              <a:t>2016/7/4</a:t>
+              <a:t>2016/7/12</a:t>
             </a:fld>
             <a:endParaRPr kumimoji="1" lang="ja-JP" altLang="en-US"/>
           </a:p>
@@ -3384,7 +3468,7 @@
           <a:p>
             <a:fld id="{8FB4C7EE-3C5D-4F47-A8DE-21B759CA57C5}" type="datetimeFigureOut">
               <a:rPr kumimoji="1" lang="ja-JP" altLang="en-US" smtClean="0"/>
-              <a:t>2016/7/4</a:t>
+              <a:t>2016/7/12</a:t>
             </a:fld>
             <a:endParaRPr kumimoji="1" lang="ja-JP" altLang="en-US"/>
           </a:p>
@@ -3641,7 +3725,7 @@
           <a:p>
             <a:fld id="{8FB4C7EE-3C5D-4F47-A8DE-21B759CA57C5}" type="datetimeFigureOut">
               <a:rPr kumimoji="1" lang="ja-JP" altLang="en-US" smtClean="0"/>
-              <a:t>2016/7/4</a:t>
+              <a:t>2016/7/12</a:t>
             </a:fld>
             <a:endParaRPr kumimoji="1" lang="ja-JP" altLang="en-US"/>
           </a:p>
@@ -3886,7 +3970,7 @@
           <a:p>
             <a:fld id="{8FB4C7EE-3C5D-4F47-A8DE-21B759CA57C5}" type="datetimeFigureOut">
               <a:rPr kumimoji="1" lang="ja-JP" altLang="en-US" smtClean="0"/>
-              <a:t>2016/7/4</a:t>
+              <a:t>2016/7/12</a:t>
             </a:fld>
             <a:endParaRPr kumimoji="1" lang="ja-JP" altLang="en-US"/>
           </a:p>
@@ -17387,18 +17471,7 @@
                 </a:solidFill>
                 <a:latin typeface="+mj-ea"/>
               </a:rPr>
-              <a:t>Window Catalog (#</a:t>
-            </a:r>
-            <a:r>
-              <a:rPr lang="en-US" altLang="ja-JP" sz="1400">
-                <a:solidFill>
-                  <a:schemeClr val="accent5">
-                    <a:lumMod val="75000"/>
-                  </a:schemeClr>
-                </a:solidFill>
-                <a:latin typeface="+mj-ea"/>
-              </a:rPr>
-              <a:t>Tab</a:t>
+              <a:t>Window Catalog (#Tab</a:t>
             </a:r>
             <a:r>
               <a:rPr lang="en-US" altLang="ja-JP" sz="1400" smtClean="0">
@@ -17664,18 +17737,7 @@
                 </a:solidFill>
                 <a:latin typeface="+mj-ea"/>
               </a:rPr>
-              <a:t>(AHK </a:t>
-            </a:r>
-            <a:r>
-              <a:rPr lang="en-US" altLang="ja-JP" sz="1400">
-                <a:solidFill>
-                  <a:schemeClr val="accent5">
-                    <a:lumMod val="75000"/>
-                  </a:schemeClr>
-                </a:solidFill>
-                <a:latin typeface="+mj-ea"/>
-              </a:rPr>
-              <a:t>func</a:t>
+              <a:t>(AHK func</a:t>
             </a:r>
             <a:r>
               <a:rPr lang="en-US" altLang="ja-JP" sz="1400" smtClean="0">
@@ -17776,7 +17838,7 @@
           <p:nvPr/>
         </p:nvPicPr>
         <p:blipFill>
-          <a:blip r:embed="rId2">
+          <a:blip r:embed="rId3">
             <a:extLst>
               <a:ext uri="{28A0092B-C50C-407E-A947-70E740481C1C}">
                 <a14:useLocalDpi xmlns:a14="http://schemas.microsoft.com/office/drawing/2010/main" val="0"/>
@@ -17930,9 +17992,7 @@
           </a:prstGeom>
           <a:ln w="28575">
             <a:solidFill>
-              <a:schemeClr val="accent5">
-                <a:lumMod val="75000"/>
-              </a:schemeClr>
+              <a:srgbClr val="C00000"/>
             </a:solidFill>
             <a:tailEnd type="triangle"/>
           </a:ln>
@@ -17968,9 +18028,7 @@
           </a:prstGeom>
           <a:ln w="28575">
             <a:solidFill>
-              <a:schemeClr val="accent5">
-                <a:lumMod val="75000"/>
-              </a:schemeClr>
+              <a:srgbClr val="C00000"/>
             </a:solidFill>
           </a:ln>
         </p:spPr>
@@ -17996,9 +18054,7 @@
             <a:r>
               <a:rPr lang="en-US" altLang="ja-JP" sz="1400">
                 <a:solidFill>
-                  <a:schemeClr val="accent5">
-                    <a:lumMod val="75000"/>
-                  </a:schemeClr>
+                  <a:srgbClr val="C00000"/>
                 </a:solidFill>
                 <a:latin typeface="+mj-ea"/>
               </a:rPr>
@@ -18006,9 +18062,7 @@
             </a:r>
             <a:endParaRPr lang="ja-JP" altLang="en-US" sz="1400" dirty="0">
               <a:solidFill>
-                <a:schemeClr val="accent5">
-                  <a:lumMod val="75000"/>
-                </a:schemeClr>
+                <a:srgbClr val="C00000"/>
               </a:solidFill>
               <a:latin typeface="+mj-ea"/>
             </a:endParaRPr>
@@ -18031,9 +18085,7 @@
           </a:prstGeom>
           <a:ln w="28575">
             <a:solidFill>
-              <a:schemeClr val="accent5">
-                <a:lumMod val="75000"/>
-              </a:schemeClr>
+              <a:srgbClr val="C00000"/>
             </a:solidFill>
           </a:ln>
         </p:spPr>
@@ -18059,9 +18111,7 @@
             <a:r>
               <a:rPr lang="en-US" altLang="ja-JP" sz="1400">
                 <a:solidFill>
-                  <a:schemeClr val="accent5">
-                    <a:lumMod val="75000"/>
-                  </a:schemeClr>
+                  <a:srgbClr val="C00000"/>
                 </a:solidFill>
                 <a:latin typeface="+mj-ea"/>
               </a:rPr>
@@ -18069,9 +18119,7 @@
             </a:r>
             <a:endParaRPr lang="ja-JP" altLang="en-US" sz="1400" dirty="0">
               <a:solidFill>
-                <a:schemeClr val="accent5">
-                  <a:lumMod val="75000"/>
-                </a:schemeClr>
+                <a:srgbClr val="C00000"/>
               </a:solidFill>
               <a:latin typeface="+mj-ea"/>
             </a:endParaRPr>
@@ -18097,9 +18145,7 @@
           </a:prstGeom>
           <a:ln w="28575">
             <a:solidFill>
-              <a:schemeClr val="accent5">
-                <a:lumMod val="75000"/>
-              </a:schemeClr>
+              <a:srgbClr val="C00000"/>
             </a:solidFill>
             <a:tailEnd type="triangle"/>
           </a:ln>
@@ -18347,9 +18393,7 @@
           </a:prstGeom>
           <a:ln w="28575">
             <a:solidFill>
-              <a:schemeClr val="accent5">
-                <a:lumMod val="75000"/>
-              </a:schemeClr>
+              <a:srgbClr val="C00000"/>
             </a:solidFill>
             <a:tailEnd type="triangle"/>
           </a:ln>
@@ -18385,9 +18429,7 @@
           </a:prstGeom>
           <a:ln w="28575">
             <a:solidFill>
-              <a:schemeClr val="accent5">
-                <a:lumMod val="75000"/>
-              </a:schemeClr>
+              <a:srgbClr val="C00000"/>
             </a:solidFill>
           </a:ln>
         </p:spPr>
@@ -18413,9 +18455,7 @@
             <a:r>
               <a:rPr lang="en-US" altLang="ja-JP" sz="1400">
                 <a:solidFill>
-                  <a:schemeClr val="accent5">
-                    <a:lumMod val="75000"/>
-                  </a:schemeClr>
+                  <a:srgbClr val="C00000"/>
                 </a:solidFill>
                 <a:latin typeface="+mj-ea"/>
               </a:rPr>
@@ -18423,9 +18463,7 @@
             </a:r>
             <a:endParaRPr lang="ja-JP" altLang="en-US" sz="1400" dirty="0">
               <a:solidFill>
-                <a:schemeClr val="accent5">
-                  <a:lumMod val="75000"/>
-                </a:schemeClr>
+                <a:srgbClr val="C00000"/>
               </a:solidFill>
               <a:latin typeface="+mj-ea"/>
             </a:endParaRPr>
@@ -18617,6 +18655,68 @@
                 <a:schemeClr val="bg1"/>
               </a:solidFill>
               <a:latin typeface="+mj-ea"/>
+            </a:endParaRPr>
+          </a:p>
+        </p:txBody>
+      </p:sp>
+      <p:sp>
+        <p:nvSpPr>
+          <p:cNvPr id="3" name="テキスト ボックス 2"/>
+          <p:cNvSpPr txBox="1"/>
+          <p:nvPr/>
+        </p:nvSpPr>
+        <p:spPr>
+          <a:xfrm>
+            <a:off x="610025" y="1599078"/>
+            <a:ext cx="2589235" cy="369332"/>
+          </a:xfrm>
+          <a:prstGeom prst="rect">
+            <a:avLst/>
+          </a:prstGeom>
+          <a:noFill/>
+        </p:spPr>
+        <p:txBody>
+          <a:bodyPr wrap="none" rtlCol="0">
+            <a:spAutoFit/>
+          </a:bodyPr>
+          <a:lstStyle/>
+          <a:p>
+            <a:r>
+              <a:rPr kumimoji="1" lang="en-US" altLang="ja-JP" smtClean="0">
+                <a:solidFill>
+                  <a:srgbClr val="C00000"/>
+                </a:solidFill>
+                <a:latin typeface="Meiryo UI" panose="020B0604030504040204" pitchFamily="50" charset="-128"/>
+                <a:ea typeface="Meiryo UI" panose="020B0604030504040204" pitchFamily="50" charset="-128"/>
+              </a:rPr>
+              <a:t>App Specific</a:t>
+            </a:r>
+            <a:r>
+              <a:rPr lang="ja-JP" altLang="en-US">
+                <a:solidFill>
+                  <a:srgbClr val="C00000"/>
+                </a:solidFill>
+                <a:latin typeface="Meiryo UI" panose="020B0604030504040204" pitchFamily="50" charset="-128"/>
+                <a:ea typeface="Meiryo UI" panose="020B0604030504040204" pitchFamily="50" charset="-128"/>
+              </a:rPr>
+              <a:t> </a:t>
+            </a:r>
+            <a:r>
+              <a:rPr lang="en-US" altLang="ja-JP" smtClean="0">
+                <a:solidFill>
+                  <a:srgbClr val="C00000"/>
+                </a:solidFill>
+                <a:latin typeface="Meiryo UI" panose="020B0604030504040204" pitchFamily="50" charset="-128"/>
+                <a:ea typeface="Meiryo UI" panose="020B0604030504040204" pitchFamily="50" charset="-128"/>
+              </a:rPr>
+              <a:t>Bindings</a:t>
+            </a:r>
+            <a:endParaRPr kumimoji="1" lang="ja-JP" altLang="en-US">
+              <a:solidFill>
+                <a:srgbClr val="C00000"/>
+              </a:solidFill>
+              <a:latin typeface="Meiryo UI" panose="020B0604030504040204" pitchFamily="50" charset="-128"/>
+              <a:ea typeface="Meiryo UI" panose="020B0604030504040204" pitchFamily="50" charset="-128"/>
             </a:endParaRPr>
           </a:p>
         </p:txBody>
@@ -40983,7 +41083,30 @@
           <a:lstStyle/>
           <a:p>
             <a:pPr algn="ctr"/>
-            <a:endParaRPr kumimoji="1" lang="ja-JP" altLang="en-US" sz="1400" dirty="0">
+            <a:r>
+              <a:rPr lang="en-US" altLang="ja-JP" sz="1050" smtClean="0">
+                <a:solidFill>
+                  <a:schemeClr val="accent6">
+                    <a:lumMod val="75000"/>
+                  </a:schemeClr>
+                </a:solidFill>
+              </a:rPr>
+              <a:t>Alias</a:t>
+            </a:r>
+          </a:p>
+          <a:p>
+            <a:pPr algn="ctr"/>
+            <a:r>
+              <a:rPr lang="ja-JP" altLang="en-US" sz="1050" smtClean="0">
+                <a:solidFill>
+                  <a:schemeClr val="accent6">
+                    <a:lumMod val="75000"/>
+                  </a:schemeClr>
+                </a:solidFill>
+              </a:rPr>
+              <a:t>作成</a:t>
+            </a:r>
+            <a:endParaRPr kumimoji="1" lang="ja-JP" altLang="en-US" sz="1050" dirty="0">
               <a:solidFill>
                 <a:schemeClr val="accent6">
                   <a:lumMod val="75000"/>
@@ -41082,7 +41205,7 @@
         </p:nvSpPr>
         <p:spPr>
           <a:xfrm>
-            <a:off x="2620254" y="4421474"/>
+            <a:off x="2620254" y="4430901"/>
             <a:ext cx="464588" cy="465380"/>
           </a:xfrm>
           <a:prstGeom prst="roundRect">

--- a/MANUAL.pptx
+++ b/MANUAL.pptx
@@ -256,7 +256,7 @@
           <a:p>
             <a:fld id="{98B15ECE-60C4-45D4-8ABC-DDA7D4F33EF9}" type="datetimeFigureOut">
               <a:rPr kumimoji="1" lang="ja-JP" altLang="en-US" smtClean="0"/>
-              <a:t>2016/7/24</a:t>
+              <a:t>2016/8/8</a:t>
             </a:fld>
             <a:endParaRPr kumimoji="1" lang="ja-JP" altLang="en-US"/>
           </a:p>
@@ -1359,7 +1359,7 @@
           <a:p>
             <a:fld id="{8FB4C7EE-3C5D-4F47-A8DE-21B759CA57C5}" type="datetimeFigureOut">
               <a:rPr kumimoji="1" lang="ja-JP" altLang="en-US" smtClean="0"/>
-              <a:t>2016/7/24</a:t>
+              <a:t>2016/8/8</a:t>
             </a:fld>
             <a:endParaRPr kumimoji="1" lang="ja-JP" altLang="en-US"/>
           </a:p>
@@ -1561,7 +1561,7 @@
           <a:p>
             <a:fld id="{8FB4C7EE-3C5D-4F47-A8DE-21B759CA57C5}" type="datetimeFigureOut">
               <a:rPr kumimoji="1" lang="ja-JP" altLang="en-US" smtClean="0"/>
-              <a:t>2016/7/24</a:t>
+              <a:t>2016/8/8</a:t>
             </a:fld>
             <a:endParaRPr kumimoji="1" lang="ja-JP" altLang="en-US"/>
           </a:p>
@@ -1773,7 +1773,7 @@
           <a:p>
             <a:fld id="{8FB4C7EE-3C5D-4F47-A8DE-21B759CA57C5}" type="datetimeFigureOut">
               <a:rPr kumimoji="1" lang="ja-JP" altLang="en-US" smtClean="0"/>
-              <a:t>2016/7/24</a:t>
+              <a:t>2016/8/8</a:t>
             </a:fld>
             <a:endParaRPr kumimoji="1" lang="ja-JP" altLang="en-US"/>
           </a:p>
@@ -1975,7 +1975,7 @@
           <a:p>
             <a:fld id="{8FB4C7EE-3C5D-4F47-A8DE-21B759CA57C5}" type="datetimeFigureOut">
               <a:rPr kumimoji="1" lang="ja-JP" altLang="en-US" smtClean="0"/>
-              <a:t>2016/7/24</a:t>
+              <a:t>2016/8/8</a:t>
             </a:fld>
             <a:endParaRPr kumimoji="1" lang="ja-JP" altLang="en-US"/>
           </a:p>
@@ -2219,7 +2219,7 @@
           <a:p>
             <a:fld id="{8FB4C7EE-3C5D-4F47-A8DE-21B759CA57C5}" type="datetimeFigureOut">
               <a:rPr kumimoji="1" lang="ja-JP" altLang="en-US" smtClean="0"/>
-              <a:t>2016/7/24</a:t>
+              <a:t>2016/8/8</a:t>
             </a:fld>
             <a:endParaRPr kumimoji="1" lang="ja-JP" altLang="en-US"/>
           </a:p>
@@ -2515,7 +2515,7 @@
           <a:p>
             <a:fld id="{8FB4C7EE-3C5D-4F47-A8DE-21B759CA57C5}" type="datetimeFigureOut">
               <a:rPr kumimoji="1" lang="ja-JP" altLang="en-US" smtClean="0"/>
-              <a:t>2016/7/24</a:t>
+              <a:t>2016/8/8</a:t>
             </a:fld>
             <a:endParaRPr kumimoji="1" lang="ja-JP" altLang="en-US"/>
           </a:p>
@@ -2946,7 +2946,7 @@
           <a:p>
             <a:fld id="{8FB4C7EE-3C5D-4F47-A8DE-21B759CA57C5}" type="datetimeFigureOut">
               <a:rPr kumimoji="1" lang="ja-JP" altLang="en-US" smtClean="0"/>
-              <a:t>2016/7/24</a:t>
+              <a:t>2016/8/8</a:t>
             </a:fld>
             <a:endParaRPr kumimoji="1" lang="ja-JP" altLang="en-US"/>
           </a:p>
@@ -3064,7 +3064,7 @@
           <a:p>
             <a:fld id="{8FB4C7EE-3C5D-4F47-A8DE-21B759CA57C5}" type="datetimeFigureOut">
               <a:rPr kumimoji="1" lang="ja-JP" altLang="en-US" smtClean="0"/>
-              <a:t>2016/7/24</a:t>
+              <a:t>2016/8/8</a:t>
             </a:fld>
             <a:endParaRPr kumimoji="1" lang="ja-JP" altLang="en-US"/>
           </a:p>
@@ -3159,7 +3159,7 @@
           <a:p>
             <a:fld id="{8FB4C7EE-3C5D-4F47-A8DE-21B759CA57C5}" type="datetimeFigureOut">
               <a:rPr kumimoji="1" lang="ja-JP" altLang="en-US" smtClean="0"/>
-              <a:t>2016/7/24</a:t>
+              <a:t>2016/8/8</a:t>
             </a:fld>
             <a:endParaRPr kumimoji="1" lang="ja-JP" altLang="en-US"/>
           </a:p>
@@ -3468,7 +3468,7 @@
           <a:p>
             <a:fld id="{8FB4C7EE-3C5D-4F47-A8DE-21B759CA57C5}" type="datetimeFigureOut">
               <a:rPr kumimoji="1" lang="ja-JP" altLang="en-US" smtClean="0"/>
-              <a:t>2016/7/24</a:t>
+              <a:t>2016/8/8</a:t>
             </a:fld>
             <a:endParaRPr kumimoji="1" lang="ja-JP" altLang="en-US"/>
           </a:p>
@@ -3725,7 +3725,7 @@
           <a:p>
             <a:fld id="{8FB4C7EE-3C5D-4F47-A8DE-21B759CA57C5}" type="datetimeFigureOut">
               <a:rPr kumimoji="1" lang="ja-JP" altLang="en-US" smtClean="0"/>
-              <a:t>2016/7/24</a:t>
+              <a:t>2016/8/8</a:t>
             </a:fld>
             <a:endParaRPr kumimoji="1" lang="ja-JP" altLang="en-US"/>
           </a:p>
@@ -3970,7 +3970,7 @@
           <a:p>
             <a:fld id="{8FB4C7EE-3C5D-4F47-A8DE-21B759CA57C5}" type="datetimeFigureOut">
               <a:rPr kumimoji="1" lang="ja-JP" altLang="en-US" smtClean="0"/>
-              <a:t>2016/7/24</a:t>
+              <a:t>2016/8/8</a:t>
             </a:fld>
             <a:endParaRPr kumimoji="1" lang="ja-JP" altLang="en-US"/>
           </a:p>
@@ -20802,17 +20802,7 @@
                 <a:latin typeface="+mj-lt"/>
                 <a:ea typeface="+mj-ea"/>
               </a:rPr>
-              <a:t>		 </a:t>
-            </a:r>
-            <a:r>
-              <a:rPr lang="en-US" altLang="ja-JP" sz="4000" smtClean="0">
-                <a:solidFill>
-                  <a:srgbClr val="C00000"/>
-                </a:solidFill>
-                <a:latin typeface="+mj-lt"/>
-                <a:ea typeface="+mj-ea"/>
-              </a:rPr>
-              <a:t>Excel</a:t>
+              <a:t>		 Excel</a:t>
             </a:r>
             <a:endParaRPr lang="en-US" altLang="ja-JP" sz="4000" dirty="0" smtClean="0">
               <a:solidFill>
@@ -23222,17 +23212,7 @@
                 <a:latin typeface="+mj-lt"/>
                 <a:ea typeface="+mj-ea"/>
               </a:rPr>
-              <a:t>		 </a:t>
-            </a:r>
-            <a:r>
-              <a:rPr lang="en-US" altLang="ja-JP" sz="4000" smtClean="0">
-                <a:solidFill>
-                  <a:srgbClr val="C00000"/>
-                </a:solidFill>
-                <a:latin typeface="+mj-lt"/>
-                <a:ea typeface="+mj-ea"/>
-              </a:rPr>
-              <a:t>Word</a:t>
+              <a:t>		 Word</a:t>
             </a:r>
             <a:endParaRPr lang="en-US" altLang="ja-JP" sz="4000" dirty="0" smtClean="0">
               <a:solidFill>

--- a/MANUAL.pptx
+++ b/MANUAL.pptx
@@ -5,7 +5,7 @@
     <p:sldMasterId id="2147483684" r:id="rId1"/>
   </p:sldMasterIdLst>
   <p:notesMasterIdLst>
-    <p:notesMasterId r:id="rId24"/>
+    <p:notesMasterId r:id="rId25"/>
   </p:notesMasterIdLst>
   <p:sldIdLst>
     <p:sldId id="256" r:id="rId2"/>
@@ -24,12 +24,13 @@
     <p:sldId id="313" r:id="rId15"/>
     <p:sldId id="315" r:id="rId16"/>
     <p:sldId id="316" r:id="rId17"/>
-    <p:sldId id="303" r:id="rId18"/>
-    <p:sldId id="306" r:id="rId19"/>
-    <p:sldId id="314" r:id="rId20"/>
-    <p:sldId id="310" r:id="rId21"/>
-    <p:sldId id="309" r:id="rId22"/>
-    <p:sldId id="311" r:id="rId23"/>
+    <p:sldId id="317" r:id="rId18"/>
+    <p:sldId id="303" r:id="rId19"/>
+    <p:sldId id="306" r:id="rId20"/>
+    <p:sldId id="314" r:id="rId21"/>
+    <p:sldId id="310" r:id="rId22"/>
+    <p:sldId id="309" r:id="rId23"/>
+    <p:sldId id="311" r:id="rId24"/>
   </p:sldIdLst>
   <p:sldSz cx="9144000" cy="6858000" type="screen4x3"/>
   <p:notesSz cx="6858000" cy="9144000"/>
@@ -153,6 +154,7 @@
             <p14:sldId id="313"/>
             <p14:sldId id="315"/>
             <p14:sldId id="316"/>
+            <p14:sldId id="317"/>
             <p14:sldId id="303"/>
           </p14:sldIdLst>
         </p14:section>
@@ -256,7 +258,7 @@
           <a:p>
             <a:fld id="{98B15ECE-60C4-45D4-8ABC-DDA7D4F33EF9}" type="datetimeFigureOut">
               <a:rPr kumimoji="1" lang="ja-JP" altLang="en-US" smtClean="0"/>
-              <a:t>2016/8/8</a:t>
+              <a:t>2016/9/26</a:t>
             </a:fld>
             <a:endParaRPr kumimoji="1" lang="ja-JP" altLang="en-US"/>
           </a:p>
@@ -1209,7 +1211,7 @@
           <a:p>
             <a:fld id="{B7FB55F5-4E42-4572-805F-119E805B59B2}" type="slidenum">
               <a:rPr kumimoji="1" lang="ja-JP" altLang="en-US" smtClean="0"/>
-              <a:t>22</a:t>
+              <a:t>23</a:t>
             </a:fld>
             <a:endParaRPr kumimoji="1" lang="ja-JP" altLang="en-US"/>
           </a:p>
@@ -1359,7 +1361,7 @@
           <a:p>
             <a:fld id="{8FB4C7EE-3C5D-4F47-A8DE-21B759CA57C5}" type="datetimeFigureOut">
               <a:rPr kumimoji="1" lang="ja-JP" altLang="en-US" smtClean="0"/>
-              <a:t>2016/8/8</a:t>
+              <a:t>2016/9/26</a:t>
             </a:fld>
             <a:endParaRPr kumimoji="1" lang="ja-JP" altLang="en-US"/>
           </a:p>
@@ -1561,7 +1563,7 @@
           <a:p>
             <a:fld id="{8FB4C7EE-3C5D-4F47-A8DE-21B759CA57C5}" type="datetimeFigureOut">
               <a:rPr kumimoji="1" lang="ja-JP" altLang="en-US" smtClean="0"/>
-              <a:t>2016/8/8</a:t>
+              <a:t>2016/9/26</a:t>
             </a:fld>
             <a:endParaRPr kumimoji="1" lang="ja-JP" altLang="en-US"/>
           </a:p>
@@ -1773,7 +1775,7 @@
           <a:p>
             <a:fld id="{8FB4C7EE-3C5D-4F47-A8DE-21B759CA57C5}" type="datetimeFigureOut">
               <a:rPr kumimoji="1" lang="ja-JP" altLang="en-US" smtClean="0"/>
-              <a:t>2016/8/8</a:t>
+              <a:t>2016/9/26</a:t>
             </a:fld>
             <a:endParaRPr kumimoji="1" lang="ja-JP" altLang="en-US"/>
           </a:p>
@@ -1975,7 +1977,7 @@
           <a:p>
             <a:fld id="{8FB4C7EE-3C5D-4F47-A8DE-21B759CA57C5}" type="datetimeFigureOut">
               <a:rPr kumimoji="1" lang="ja-JP" altLang="en-US" smtClean="0"/>
-              <a:t>2016/8/8</a:t>
+              <a:t>2016/9/26</a:t>
             </a:fld>
             <a:endParaRPr kumimoji="1" lang="ja-JP" altLang="en-US"/>
           </a:p>
@@ -2219,7 +2221,7 @@
           <a:p>
             <a:fld id="{8FB4C7EE-3C5D-4F47-A8DE-21B759CA57C5}" type="datetimeFigureOut">
               <a:rPr kumimoji="1" lang="ja-JP" altLang="en-US" smtClean="0"/>
-              <a:t>2016/8/8</a:t>
+              <a:t>2016/9/26</a:t>
             </a:fld>
             <a:endParaRPr kumimoji="1" lang="ja-JP" altLang="en-US"/>
           </a:p>
@@ -2515,7 +2517,7 @@
           <a:p>
             <a:fld id="{8FB4C7EE-3C5D-4F47-A8DE-21B759CA57C5}" type="datetimeFigureOut">
               <a:rPr kumimoji="1" lang="ja-JP" altLang="en-US" smtClean="0"/>
-              <a:t>2016/8/8</a:t>
+              <a:t>2016/9/26</a:t>
             </a:fld>
             <a:endParaRPr kumimoji="1" lang="ja-JP" altLang="en-US"/>
           </a:p>
@@ -2946,7 +2948,7 @@
           <a:p>
             <a:fld id="{8FB4C7EE-3C5D-4F47-A8DE-21B759CA57C5}" type="datetimeFigureOut">
               <a:rPr kumimoji="1" lang="ja-JP" altLang="en-US" smtClean="0"/>
-              <a:t>2016/8/8</a:t>
+              <a:t>2016/9/26</a:t>
             </a:fld>
             <a:endParaRPr kumimoji="1" lang="ja-JP" altLang="en-US"/>
           </a:p>
@@ -3064,7 +3066,7 @@
           <a:p>
             <a:fld id="{8FB4C7EE-3C5D-4F47-A8DE-21B759CA57C5}" type="datetimeFigureOut">
               <a:rPr kumimoji="1" lang="ja-JP" altLang="en-US" smtClean="0"/>
-              <a:t>2016/8/8</a:t>
+              <a:t>2016/9/26</a:t>
             </a:fld>
             <a:endParaRPr kumimoji="1" lang="ja-JP" altLang="en-US"/>
           </a:p>
@@ -3159,7 +3161,7 @@
           <a:p>
             <a:fld id="{8FB4C7EE-3C5D-4F47-A8DE-21B759CA57C5}" type="datetimeFigureOut">
               <a:rPr kumimoji="1" lang="ja-JP" altLang="en-US" smtClean="0"/>
-              <a:t>2016/8/8</a:t>
+              <a:t>2016/9/26</a:t>
             </a:fld>
             <a:endParaRPr kumimoji="1" lang="ja-JP" altLang="en-US"/>
           </a:p>
@@ -3468,7 +3470,7 @@
           <a:p>
             <a:fld id="{8FB4C7EE-3C5D-4F47-A8DE-21B759CA57C5}" type="datetimeFigureOut">
               <a:rPr kumimoji="1" lang="ja-JP" altLang="en-US" smtClean="0"/>
-              <a:t>2016/8/8</a:t>
+              <a:t>2016/9/26</a:t>
             </a:fld>
             <a:endParaRPr kumimoji="1" lang="ja-JP" altLang="en-US"/>
           </a:p>
@@ -3725,7 +3727,7 @@
           <a:p>
             <a:fld id="{8FB4C7EE-3C5D-4F47-A8DE-21B759CA57C5}" type="datetimeFigureOut">
               <a:rPr kumimoji="1" lang="ja-JP" altLang="en-US" smtClean="0"/>
-              <a:t>2016/8/8</a:t>
+              <a:t>2016/9/26</a:t>
             </a:fld>
             <a:endParaRPr kumimoji="1" lang="ja-JP" altLang="en-US"/>
           </a:p>
@@ -3970,7 +3972,7 @@
           <a:p>
             <a:fld id="{8FB4C7EE-3C5D-4F47-A8DE-21B759CA57C5}" type="datetimeFigureOut">
               <a:rPr kumimoji="1" lang="ja-JP" altLang="en-US" smtClean="0"/>
-              <a:t>2016/8/8</a:t>
+              <a:t>2016/9/26</a:t>
             </a:fld>
             <a:endParaRPr kumimoji="1" lang="ja-JP" altLang="en-US"/>
           </a:p>
@@ -23212,7 +23214,17 @@
                 <a:latin typeface="+mj-lt"/>
                 <a:ea typeface="+mj-ea"/>
               </a:rPr>
-              <a:t>		 Word</a:t>
+              <a:t>		 </a:t>
+            </a:r>
+            <a:r>
+              <a:rPr lang="en-US" altLang="ja-JP" sz="4000" smtClean="0">
+                <a:solidFill>
+                  <a:srgbClr val="C00000"/>
+                </a:solidFill>
+                <a:latin typeface="+mj-lt"/>
+                <a:ea typeface="+mj-ea"/>
+              </a:rPr>
+              <a:t>Word</a:t>
             </a:r>
             <a:endParaRPr lang="en-US" altLang="ja-JP" sz="4000" dirty="0" smtClean="0">
               <a:solidFill>
@@ -23359,6 +23371,2745 @@
 </file>
 
 <file path=ppt/slides/slide17.xml><?xml version="1.0" encoding="utf-8"?>
+<p:sld xmlns:a="http://schemas.openxmlformats.org/drawingml/2006/main" xmlns:r="http://schemas.openxmlformats.org/officeDocument/2006/relationships" xmlns:p="http://schemas.openxmlformats.org/presentationml/2006/main">
+  <p:cSld>
+    <p:spTree>
+      <p:nvGrpSpPr>
+        <p:cNvPr id="1" name=""/>
+        <p:cNvGrpSpPr/>
+        <p:nvPr/>
+      </p:nvGrpSpPr>
+      <p:grpSpPr>
+        <a:xfrm>
+          <a:off x="0" y="0"/>
+          <a:ext cx="0" cy="0"/>
+          <a:chOff x="0" y="0"/>
+          <a:chExt cx="0" cy="0"/>
+        </a:xfrm>
+      </p:grpSpPr>
+      <p:sp>
+        <p:nvSpPr>
+          <p:cNvPr id="2" name="タイトル 1"/>
+          <p:cNvSpPr>
+            <a:spLocks noGrp="1"/>
+          </p:cNvSpPr>
+          <p:nvPr>
+            <p:ph type="title"/>
+          </p:nvPr>
+        </p:nvSpPr>
+        <p:spPr/>
+        <p:txBody>
+          <a:bodyPr/>
+          <a:lstStyle/>
+          <a:p>
+            <a:r>
+              <a:rPr kumimoji="1" lang="en-US" altLang="ja-JP" dirty="0" smtClean="0"/>
+              <a:t>KB </a:t>
+            </a:r>
+            <a:r>
+              <a:rPr kumimoji="1" lang="en-US" altLang="ja-JP" smtClean="0"/>
+              <a:t>: Happy Hacking Keyboard</a:t>
+            </a:r>
+            <a:endParaRPr kumimoji="1" lang="ja-JP" altLang="en-US" dirty="0"/>
+          </a:p>
+        </p:txBody>
+      </p:sp>
+      <p:sp>
+        <p:nvSpPr>
+          <p:cNvPr id="6" name="角丸四角形 5"/>
+          <p:cNvSpPr/>
+          <p:nvPr/>
+        </p:nvSpPr>
+        <p:spPr>
+          <a:xfrm>
+            <a:off x="575542" y="3369914"/>
+            <a:ext cx="464588" cy="465380"/>
+          </a:xfrm>
+          <a:prstGeom prst="roundRect">
+            <a:avLst/>
+          </a:prstGeom>
+        </p:spPr>
+        <p:style>
+          <a:lnRef idx="2">
+            <a:schemeClr val="accent6"/>
+          </a:lnRef>
+          <a:fillRef idx="1">
+            <a:schemeClr val="lt1"/>
+          </a:fillRef>
+          <a:effectRef idx="0">
+            <a:schemeClr val="accent6"/>
+          </a:effectRef>
+          <a:fontRef idx="minor">
+            <a:schemeClr val="dk1"/>
+          </a:fontRef>
+        </p:style>
+        <p:txBody>
+          <a:bodyPr rtlCol="0" anchor="ctr"/>
+          <a:lstStyle/>
+          <a:p>
+            <a:pPr algn="ctr"/>
+            <a:endParaRPr kumimoji="1" lang="ja-JP" altLang="en-US" sz="1400" dirty="0"/>
+          </a:p>
+        </p:txBody>
+      </p:sp>
+      <p:sp>
+        <p:nvSpPr>
+          <p:cNvPr id="7" name="角丸四角形 6"/>
+          <p:cNvSpPr/>
+          <p:nvPr/>
+        </p:nvSpPr>
+        <p:spPr>
+          <a:xfrm>
+            <a:off x="1112123" y="3369914"/>
+            <a:ext cx="464588" cy="465380"/>
+          </a:xfrm>
+          <a:prstGeom prst="roundRect">
+            <a:avLst/>
+          </a:prstGeom>
+        </p:spPr>
+        <p:style>
+          <a:lnRef idx="2">
+            <a:schemeClr val="accent6"/>
+          </a:lnRef>
+          <a:fillRef idx="1">
+            <a:schemeClr val="lt1"/>
+          </a:fillRef>
+          <a:effectRef idx="0">
+            <a:schemeClr val="accent6"/>
+          </a:effectRef>
+          <a:fontRef idx="minor">
+            <a:schemeClr val="dk1"/>
+          </a:fontRef>
+        </p:style>
+        <p:txBody>
+          <a:bodyPr rtlCol="0" anchor="ctr"/>
+          <a:lstStyle/>
+          <a:p>
+            <a:pPr algn="ctr"/>
+            <a:endParaRPr kumimoji="1" lang="ja-JP" altLang="en-US" sz="1400" dirty="0"/>
+          </a:p>
+        </p:txBody>
+      </p:sp>
+      <p:sp>
+        <p:nvSpPr>
+          <p:cNvPr id="8" name="角丸四角形 7"/>
+          <p:cNvSpPr/>
+          <p:nvPr/>
+        </p:nvSpPr>
+        <p:spPr>
+          <a:xfrm>
+            <a:off x="1648704" y="3369914"/>
+            <a:ext cx="464588" cy="465380"/>
+          </a:xfrm>
+          <a:prstGeom prst="roundRect">
+            <a:avLst/>
+          </a:prstGeom>
+        </p:spPr>
+        <p:style>
+          <a:lnRef idx="2">
+            <a:schemeClr val="accent6"/>
+          </a:lnRef>
+          <a:fillRef idx="1">
+            <a:schemeClr val="lt1"/>
+          </a:fillRef>
+          <a:effectRef idx="0">
+            <a:schemeClr val="accent6"/>
+          </a:effectRef>
+          <a:fontRef idx="minor">
+            <a:schemeClr val="dk1"/>
+          </a:fontRef>
+        </p:style>
+        <p:txBody>
+          <a:bodyPr rtlCol="0" anchor="ctr"/>
+          <a:lstStyle/>
+          <a:p>
+            <a:pPr algn="ctr"/>
+            <a:endParaRPr kumimoji="1" lang="ja-JP" altLang="en-US" sz="1400" dirty="0"/>
+          </a:p>
+        </p:txBody>
+      </p:sp>
+      <p:sp>
+        <p:nvSpPr>
+          <p:cNvPr id="9" name="角丸四角形 8"/>
+          <p:cNvSpPr/>
+          <p:nvPr/>
+        </p:nvSpPr>
+        <p:spPr>
+          <a:xfrm>
+            <a:off x="2185285" y="3369914"/>
+            <a:ext cx="464588" cy="465380"/>
+          </a:xfrm>
+          <a:prstGeom prst="roundRect">
+            <a:avLst/>
+          </a:prstGeom>
+        </p:spPr>
+        <p:style>
+          <a:lnRef idx="2">
+            <a:schemeClr val="accent6"/>
+          </a:lnRef>
+          <a:fillRef idx="1">
+            <a:schemeClr val="lt1"/>
+          </a:fillRef>
+          <a:effectRef idx="0">
+            <a:schemeClr val="accent6"/>
+          </a:effectRef>
+          <a:fontRef idx="minor">
+            <a:schemeClr val="dk1"/>
+          </a:fontRef>
+        </p:style>
+        <p:txBody>
+          <a:bodyPr rtlCol="0" anchor="ctr"/>
+          <a:lstStyle/>
+          <a:p>
+            <a:pPr algn="ctr"/>
+            <a:endParaRPr kumimoji="1" lang="ja-JP" altLang="en-US" sz="1400" dirty="0"/>
+          </a:p>
+        </p:txBody>
+      </p:sp>
+      <p:sp>
+        <p:nvSpPr>
+          <p:cNvPr id="10" name="角丸四角形 9"/>
+          <p:cNvSpPr/>
+          <p:nvPr/>
+        </p:nvSpPr>
+        <p:spPr>
+          <a:xfrm>
+            <a:off x="2721866" y="3369914"/>
+            <a:ext cx="464588" cy="465380"/>
+          </a:xfrm>
+          <a:prstGeom prst="roundRect">
+            <a:avLst/>
+          </a:prstGeom>
+        </p:spPr>
+        <p:style>
+          <a:lnRef idx="2">
+            <a:schemeClr val="accent6"/>
+          </a:lnRef>
+          <a:fillRef idx="1">
+            <a:schemeClr val="lt1"/>
+          </a:fillRef>
+          <a:effectRef idx="0">
+            <a:schemeClr val="accent6"/>
+          </a:effectRef>
+          <a:fontRef idx="minor">
+            <a:schemeClr val="dk1"/>
+          </a:fontRef>
+        </p:style>
+        <p:txBody>
+          <a:bodyPr rtlCol="0" anchor="ctr"/>
+          <a:lstStyle/>
+          <a:p>
+            <a:pPr algn="ctr"/>
+            <a:endParaRPr kumimoji="1" lang="ja-JP" altLang="en-US" sz="1400" dirty="0"/>
+          </a:p>
+        </p:txBody>
+      </p:sp>
+      <p:sp>
+        <p:nvSpPr>
+          <p:cNvPr id="11" name="角丸四角形 10"/>
+          <p:cNvSpPr/>
+          <p:nvPr/>
+        </p:nvSpPr>
+        <p:spPr>
+          <a:xfrm>
+            <a:off x="3258447" y="3369914"/>
+            <a:ext cx="464588" cy="465380"/>
+          </a:xfrm>
+          <a:prstGeom prst="roundRect">
+            <a:avLst/>
+          </a:prstGeom>
+        </p:spPr>
+        <p:style>
+          <a:lnRef idx="2">
+            <a:schemeClr val="accent6"/>
+          </a:lnRef>
+          <a:fillRef idx="1">
+            <a:schemeClr val="lt1"/>
+          </a:fillRef>
+          <a:effectRef idx="0">
+            <a:schemeClr val="accent6"/>
+          </a:effectRef>
+          <a:fontRef idx="minor">
+            <a:schemeClr val="dk1"/>
+          </a:fontRef>
+        </p:style>
+        <p:txBody>
+          <a:bodyPr rtlCol="0" anchor="ctr"/>
+          <a:lstStyle/>
+          <a:p>
+            <a:pPr algn="ctr"/>
+            <a:endParaRPr kumimoji="1" lang="ja-JP" altLang="en-US" sz="1400" dirty="0"/>
+          </a:p>
+        </p:txBody>
+      </p:sp>
+      <p:sp>
+        <p:nvSpPr>
+          <p:cNvPr id="12" name="角丸四角形 11"/>
+          <p:cNvSpPr/>
+          <p:nvPr/>
+        </p:nvSpPr>
+        <p:spPr>
+          <a:xfrm>
+            <a:off x="3795028" y="3369914"/>
+            <a:ext cx="464588" cy="465380"/>
+          </a:xfrm>
+          <a:prstGeom prst="roundRect">
+            <a:avLst/>
+          </a:prstGeom>
+        </p:spPr>
+        <p:style>
+          <a:lnRef idx="2">
+            <a:schemeClr val="accent6"/>
+          </a:lnRef>
+          <a:fillRef idx="1">
+            <a:schemeClr val="lt1"/>
+          </a:fillRef>
+          <a:effectRef idx="0">
+            <a:schemeClr val="accent6"/>
+          </a:effectRef>
+          <a:fontRef idx="minor">
+            <a:schemeClr val="dk1"/>
+          </a:fontRef>
+        </p:style>
+        <p:txBody>
+          <a:bodyPr rtlCol="0" anchor="ctr"/>
+          <a:lstStyle/>
+          <a:p>
+            <a:pPr algn="ctr"/>
+            <a:endParaRPr kumimoji="1" lang="ja-JP" altLang="en-US" sz="1400" dirty="0"/>
+          </a:p>
+        </p:txBody>
+      </p:sp>
+      <p:sp>
+        <p:nvSpPr>
+          <p:cNvPr id="13" name="角丸四角形 12"/>
+          <p:cNvSpPr/>
+          <p:nvPr/>
+        </p:nvSpPr>
+        <p:spPr>
+          <a:xfrm>
+            <a:off x="4331609" y="3369914"/>
+            <a:ext cx="464588" cy="465380"/>
+          </a:xfrm>
+          <a:prstGeom prst="roundRect">
+            <a:avLst/>
+          </a:prstGeom>
+        </p:spPr>
+        <p:style>
+          <a:lnRef idx="2">
+            <a:schemeClr val="accent6"/>
+          </a:lnRef>
+          <a:fillRef idx="1">
+            <a:schemeClr val="lt1"/>
+          </a:fillRef>
+          <a:effectRef idx="0">
+            <a:schemeClr val="accent6"/>
+          </a:effectRef>
+          <a:fontRef idx="minor">
+            <a:schemeClr val="dk1"/>
+          </a:fontRef>
+        </p:style>
+        <p:txBody>
+          <a:bodyPr rtlCol="0" anchor="ctr"/>
+          <a:lstStyle/>
+          <a:p>
+            <a:pPr algn="ctr"/>
+            <a:endParaRPr kumimoji="1" lang="ja-JP" altLang="en-US" sz="1400" dirty="0"/>
+          </a:p>
+        </p:txBody>
+      </p:sp>
+      <p:sp>
+        <p:nvSpPr>
+          <p:cNvPr id="14" name="角丸四角形 13"/>
+          <p:cNvSpPr/>
+          <p:nvPr/>
+        </p:nvSpPr>
+        <p:spPr>
+          <a:xfrm>
+            <a:off x="4868190" y="3369914"/>
+            <a:ext cx="464588" cy="465380"/>
+          </a:xfrm>
+          <a:prstGeom prst="roundRect">
+            <a:avLst/>
+          </a:prstGeom>
+        </p:spPr>
+        <p:style>
+          <a:lnRef idx="2">
+            <a:schemeClr val="accent6"/>
+          </a:lnRef>
+          <a:fillRef idx="1">
+            <a:schemeClr val="lt1"/>
+          </a:fillRef>
+          <a:effectRef idx="0">
+            <a:schemeClr val="accent6"/>
+          </a:effectRef>
+          <a:fontRef idx="minor">
+            <a:schemeClr val="dk1"/>
+          </a:fontRef>
+        </p:style>
+        <p:txBody>
+          <a:bodyPr rtlCol="0" anchor="ctr"/>
+          <a:lstStyle/>
+          <a:p>
+            <a:pPr algn="ctr"/>
+            <a:endParaRPr kumimoji="1" lang="ja-JP" altLang="en-US" sz="1400" dirty="0"/>
+          </a:p>
+        </p:txBody>
+      </p:sp>
+      <p:sp>
+        <p:nvSpPr>
+          <p:cNvPr id="15" name="角丸四角形 14"/>
+          <p:cNvSpPr/>
+          <p:nvPr/>
+        </p:nvSpPr>
+        <p:spPr>
+          <a:xfrm>
+            <a:off x="5404771" y="3369914"/>
+            <a:ext cx="464588" cy="465380"/>
+          </a:xfrm>
+          <a:prstGeom prst="roundRect">
+            <a:avLst/>
+          </a:prstGeom>
+        </p:spPr>
+        <p:style>
+          <a:lnRef idx="2">
+            <a:schemeClr val="accent6"/>
+          </a:lnRef>
+          <a:fillRef idx="1">
+            <a:schemeClr val="lt1"/>
+          </a:fillRef>
+          <a:effectRef idx="0">
+            <a:schemeClr val="accent6"/>
+          </a:effectRef>
+          <a:fontRef idx="minor">
+            <a:schemeClr val="dk1"/>
+          </a:fontRef>
+        </p:style>
+        <p:txBody>
+          <a:bodyPr rtlCol="0" anchor="ctr"/>
+          <a:lstStyle/>
+          <a:p>
+            <a:pPr algn="ctr"/>
+            <a:endParaRPr kumimoji="1" lang="ja-JP" altLang="en-US" sz="1400" dirty="0"/>
+          </a:p>
+        </p:txBody>
+      </p:sp>
+      <p:sp>
+        <p:nvSpPr>
+          <p:cNvPr id="16" name="角丸四角形 15"/>
+          <p:cNvSpPr/>
+          <p:nvPr/>
+        </p:nvSpPr>
+        <p:spPr>
+          <a:xfrm>
+            <a:off x="5941352" y="3369914"/>
+            <a:ext cx="464588" cy="465380"/>
+          </a:xfrm>
+          <a:prstGeom prst="roundRect">
+            <a:avLst/>
+          </a:prstGeom>
+        </p:spPr>
+        <p:style>
+          <a:lnRef idx="2">
+            <a:schemeClr val="accent6"/>
+          </a:lnRef>
+          <a:fillRef idx="1">
+            <a:schemeClr val="lt1"/>
+          </a:fillRef>
+          <a:effectRef idx="0">
+            <a:schemeClr val="accent6"/>
+          </a:effectRef>
+          <a:fontRef idx="minor">
+            <a:schemeClr val="dk1"/>
+          </a:fontRef>
+        </p:style>
+        <p:txBody>
+          <a:bodyPr rtlCol="0" anchor="ctr"/>
+          <a:lstStyle/>
+          <a:p>
+            <a:pPr algn="ctr"/>
+            <a:endParaRPr kumimoji="1" lang="ja-JP" altLang="en-US" sz="1400" dirty="0"/>
+          </a:p>
+        </p:txBody>
+      </p:sp>
+      <p:sp>
+        <p:nvSpPr>
+          <p:cNvPr id="17" name="角丸四角形 16"/>
+          <p:cNvSpPr/>
+          <p:nvPr/>
+        </p:nvSpPr>
+        <p:spPr>
+          <a:xfrm>
+            <a:off x="6477933" y="3369914"/>
+            <a:ext cx="464588" cy="465380"/>
+          </a:xfrm>
+          <a:prstGeom prst="roundRect">
+            <a:avLst/>
+          </a:prstGeom>
+        </p:spPr>
+        <p:style>
+          <a:lnRef idx="2">
+            <a:schemeClr val="accent6"/>
+          </a:lnRef>
+          <a:fillRef idx="1">
+            <a:schemeClr val="lt1"/>
+          </a:fillRef>
+          <a:effectRef idx="0">
+            <a:schemeClr val="accent6"/>
+          </a:effectRef>
+          <a:fontRef idx="minor">
+            <a:schemeClr val="dk1"/>
+          </a:fontRef>
+        </p:style>
+        <p:txBody>
+          <a:bodyPr rtlCol="0" anchor="ctr"/>
+          <a:lstStyle/>
+          <a:p>
+            <a:pPr algn="ctr"/>
+            <a:endParaRPr kumimoji="1" lang="ja-JP" altLang="en-US" sz="1400" dirty="0"/>
+          </a:p>
+        </p:txBody>
+      </p:sp>
+      <p:sp>
+        <p:nvSpPr>
+          <p:cNvPr id="18" name="角丸四角形 17"/>
+          <p:cNvSpPr/>
+          <p:nvPr/>
+        </p:nvSpPr>
+        <p:spPr>
+          <a:xfrm>
+            <a:off x="7014514" y="3369914"/>
+            <a:ext cx="464588" cy="465380"/>
+          </a:xfrm>
+          <a:prstGeom prst="roundRect">
+            <a:avLst/>
+          </a:prstGeom>
+        </p:spPr>
+        <p:style>
+          <a:lnRef idx="2">
+            <a:schemeClr val="accent6"/>
+          </a:lnRef>
+          <a:fillRef idx="1">
+            <a:schemeClr val="lt1"/>
+          </a:fillRef>
+          <a:effectRef idx="0">
+            <a:schemeClr val="accent6"/>
+          </a:effectRef>
+          <a:fontRef idx="minor">
+            <a:schemeClr val="dk1"/>
+          </a:fontRef>
+        </p:style>
+        <p:txBody>
+          <a:bodyPr rtlCol="0" anchor="ctr"/>
+          <a:lstStyle/>
+          <a:p>
+            <a:pPr algn="ctr"/>
+            <a:endParaRPr kumimoji="1" lang="ja-JP" altLang="en-US" sz="1400" dirty="0"/>
+          </a:p>
+        </p:txBody>
+      </p:sp>
+      <p:sp>
+        <p:nvSpPr>
+          <p:cNvPr id="19" name="角丸四角形 18"/>
+          <p:cNvSpPr/>
+          <p:nvPr/>
+        </p:nvSpPr>
+        <p:spPr>
+          <a:xfrm>
+            <a:off x="7551095" y="3369914"/>
+            <a:ext cx="464588" cy="465380"/>
+          </a:xfrm>
+          <a:prstGeom prst="roundRect">
+            <a:avLst/>
+          </a:prstGeom>
+        </p:spPr>
+        <p:style>
+          <a:lnRef idx="2">
+            <a:schemeClr val="accent6"/>
+          </a:lnRef>
+          <a:fillRef idx="1">
+            <a:schemeClr val="lt1"/>
+          </a:fillRef>
+          <a:effectRef idx="0">
+            <a:schemeClr val="accent6"/>
+          </a:effectRef>
+          <a:fontRef idx="minor">
+            <a:schemeClr val="dk1"/>
+          </a:fontRef>
+        </p:style>
+        <p:txBody>
+          <a:bodyPr rtlCol="0" anchor="ctr"/>
+          <a:lstStyle/>
+          <a:p>
+            <a:pPr algn="ctr"/>
+            <a:endParaRPr kumimoji="1" lang="ja-JP" altLang="en-US" sz="1400" dirty="0"/>
+          </a:p>
+        </p:txBody>
+      </p:sp>
+      <p:sp>
+        <p:nvSpPr>
+          <p:cNvPr id="20" name="角丸四角形 19"/>
+          <p:cNvSpPr/>
+          <p:nvPr/>
+        </p:nvSpPr>
+        <p:spPr>
+          <a:xfrm>
+            <a:off x="8087682" y="3369914"/>
+            <a:ext cx="464588" cy="465380"/>
+          </a:xfrm>
+          <a:prstGeom prst="roundRect">
+            <a:avLst/>
+          </a:prstGeom>
+        </p:spPr>
+        <p:style>
+          <a:lnRef idx="2">
+            <a:schemeClr val="accent6"/>
+          </a:lnRef>
+          <a:fillRef idx="1">
+            <a:schemeClr val="lt1"/>
+          </a:fillRef>
+          <a:effectRef idx="0">
+            <a:schemeClr val="accent6"/>
+          </a:effectRef>
+          <a:fontRef idx="minor">
+            <a:schemeClr val="dk1"/>
+          </a:fontRef>
+        </p:style>
+        <p:txBody>
+          <a:bodyPr rtlCol="0" anchor="ctr"/>
+          <a:lstStyle/>
+          <a:p>
+            <a:pPr algn="ctr"/>
+            <a:endParaRPr kumimoji="1" lang="ja-JP" altLang="en-US" sz="1400" dirty="0"/>
+          </a:p>
+        </p:txBody>
+      </p:sp>
+      <p:sp>
+        <p:nvSpPr>
+          <p:cNvPr id="22" name="角丸四角形 21"/>
+          <p:cNvSpPr/>
+          <p:nvPr/>
+        </p:nvSpPr>
+        <p:spPr>
+          <a:xfrm>
+            <a:off x="1364212" y="3895694"/>
+            <a:ext cx="464588" cy="465380"/>
+          </a:xfrm>
+          <a:prstGeom prst="roundRect">
+            <a:avLst/>
+          </a:prstGeom>
+        </p:spPr>
+        <p:style>
+          <a:lnRef idx="2">
+            <a:schemeClr val="accent6"/>
+          </a:lnRef>
+          <a:fillRef idx="1">
+            <a:schemeClr val="lt1"/>
+          </a:fillRef>
+          <a:effectRef idx="0">
+            <a:schemeClr val="accent6"/>
+          </a:effectRef>
+          <a:fontRef idx="minor">
+            <a:schemeClr val="dk1"/>
+          </a:fontRef>
+        </p:style>
+        <p:txBody>
+          <a:bodyPr rtlCol="0" anchor="ctr"/>
+          <a:lstStyle/>
+          <a:p>
+            <a:pPr algn="ctr"/>
+            <a:endParaRPr kumimoji="1" lang="ja-JP" altLang="en-US" sz="1400" dirty="0"/>
+          </a:p>
+        </p:txBody>
+      </p:sp>
+      <p:sp>
+        <p:nvSpPr>
+          <p:cNvPr id="23" name="角丸四角形 22"/>
+          <p:cNvSpPr/>
+          <p:nvPr/>
+        </p:nvSpPr>
+        <p:spPr>
+          <a:xfrm>
+            <a:off x="1900793" y="3895694"/>
+            <a:ext cx="464588" cy="465380"/>
+          </a:xfrm>
+          <a:prstGeom prst="roundRect">
+            <a:avLst/>
+          </a:prstGeom>
+        </p:spPr>
+        <p:style>
+          <a:lnRef idx="2">
+            <a:schemeClr val="accent6"/>
+          </a:lnRef>
+          <a:fillRef idx="1">
+            <a:schemeClr val="lt1"/>
+          </a:fillRef>
+          <a:effectRef idx="0">
+            <a:schemeClr val="accent6"/>
+          </a:effectRef>
+          <a:fontRef idx="minor">
+            <a:schemeClr val="dk1"/>
+          </a:fontRef>
+        </p:style>
+        <p:txBody>
+          <a:bodyPr rtlCol="0" anchor="ctr"/>
+          <a:lstStyle/>
+          <a:p>
+            <a:pPr algn="ctr"/>
+            <a:endParaRPr kumimoji="1" lang="ja-JP" altLang="en-US" sz="1400" dirty="0"/>
+          </a:p>
+        </p:txBody>
+      </p:sp>
+      <p:sp>
+        <p:nvSpPr>
+          <p:cNvPr id="24" name="角丸四角形 23"/>
+          <p:cNvSpPr/>
+          <p:nvPr/>
+        </p:nvSpPr>
+        <p:spPr>
+          <a:xfrm>
+            <a:off x="2437374" y="3895694"/>
+            <a:ext cx="464588" cy="465380"/>
+          </a:xfrm>
+          <a:prstGeom prst="roundRect">
+            <a:avLst/>
+          </a:prstGeom>
+        </p:spPr>
+        <p:style>
+          <a:lnRef idx="2">
+            <a:schemeClr val="accent6"/>
+          </a:lnRef>
+          <a:fillRef idx="1">
+            <a:schemeClr val="lt1"/>
+          </a:fillRef>
+          <a:effectRef idx="0">
+            <a:schemeClr val="accent6"/>
+          </a:effectRef>
+          <a:fontRef idx="minor">
+            <a:schemeClr val="dk1"/>
+          </a:fontRef>
+        </p:style>
+        <p:txBody>
+          <a:bodyPr rtlCol="0" anchor="ctr"/>
+          <a:lstStyle/>
+          <a:p>
+            <a:pPr algn="ctr"/>
+            <a:endParaRPr kumimoji="1" lang="ja-JP" altLang="en-US" sz="1400" dirty="0"/>
+          </a:p>
+        </p:txBody>
+      </p:sp>
+      <p:sp>
+        <p:nvSpPr>
+          <p:cNvPr id="25" name="角丸四角形 24"/>
+          <p:cNvSpPr/>
+          <p:nvPr/>
+        </p:nvSpPr>
+        <p:spPr>
+          <a:xfrm>
+            <a:off x="2973955" y="3895694"/>
+            <a:ext cx="464588" cy="465380"/>
+          </a:xfrm>
+          <a:prstGeom prst="roundRect">
+            <a:avLst/>
+          </a:prstGeom>
+        </p:spPr>
+        <p:style>
+          <a:lnRef idx="2">
+            <a:schemeClr val="accent6"/>
+          </a:lnRef>
+          <a:fillRef idx="1">
+            <a:schemeClr val="lt1"/>
+          </a:fillRef>
+          <a:effectRef idx="0">
+            <a:schemeClr val="accent6"/>
+          </a:effectRef>
+          <a:fontRef idx="minor">
+            <a:schemeClr val="dk1"/>
+          </a:fontRef>
+        </p:style>
+        <p:txBody>
+          <a:bodyPr rtlCol="0" anchor="ctr"/>
+          <a:lstStyle/>
+          <a:p>
+            <a:pPr algn="ctr"/>
+            <a:endParaRPr kumimoji="1" lang="ja-JP" altLang="en-US" sz="1400" dirty="0"/>
+          </a:p>
+        </p:txBody>
+      </p:sp>
+      <p:sp>
+        <p:nvSpPr>
+          <p:cNvPr id="26" name="角丸四角形 25"/>
+          <p:cNvSpPr/>
+          <p:nvPr/>
+        </p:nvSpPr>
+        <p:spPr>
+          <a:xfrm>
+            <a:off x="3510536" y="3895694"/>
+            <a:ext cx="464588" cy="465380"/>
+          </a:xfrm>
+          <a:prstGeom prst="roundRect">
+            <a:avLst/>
+          </a:prstGeom>
+        </p:spPr>
+        <p:style>
+          <a:lnRef idx="2">
+            <a:schemeClr val="accent6"/>
+          </a:lnRef>
+          <a:fillRef idx="1">
+            <a:schemeClr val="lt1"/>
+          </a:fillRef>
+          <a:effectRef idx="0">
+            <a:schemeClr val="accent6"/>
+          </a:effectRef>
+          <a:fontRef idx="minor">
+            <a:schemeClr val="dk1"/>
+          </a:fontRef>
+        </p:style>
+        <p:txBody>
+          <a:bodyPr rtlCol="0" anchor="ctr"/>
+          <a:lstStyle/>
+          <a:p>
+            <a:pPr algn="ctr"/>
+            <a:endParaRPr kumimoji="1" lang="ja-JP" altLang="en-US" sz="1400" dirty="0"/>
+          </a:p>
+        </p:txBody>
+      </p:sp>
+      <p:sp>
+        <p:nvSpPr>
+          <p:cNvPr id="27" name="角丸四角形 26"/>
+          <p:cNvSpPr/>
+          <p:nvPr/>
+        </p:nvSpPr>
+        <p:spPr>
+          <a:xfrm>
+            <a:off x="4047117" y="3895694"/>
+            <a:ext cx="464588" cy="465380"/>
+          </a:xfrm>
+          <a:prstGeom prst="roundRect">
+            <a:avLst/>
+          </a:prstGeom>
+        </p:spPr>
+        <p:style>
+          <a:lnRef idx="2">
+            <a:schemeClr val="accent6"/>
+          </a:lnRef>
+          <a:fillRef idx="1">
+            <a:schemeClr val="lt1"/>
+          </a:fillRef>
+          <a:effectRef idx="0">
+            <a:schemeClr val="accent6"/>
+          </a:effectRef>
+          <a:fontRef idx="minor">
+            <a:schemeClr val="dk1"/>
+          </a:fontRef>
+        </p:style>
+        <p:txBody>
+          <a:bodyPr rtlCol="0" anchor="ctr"/>
+          <a:lstStyle/>
+          <a:p>
+            <a:pPr algn="ctr"/>
+            <a:endParaRPr kumimoji="1" lang="ja-JP" altLang="en-US" sz="1400" dirty="0"/>
+          </a:p>
+        </p:txBody>
+      </p:sp>
+      <p:sp>
+        <p:nvSpPr>
+          <p:cNvPr id="28" name="角丸四角形 27"/>
+          <p:cNvSpPr/>
+          <p:nvPr/>
+        </p:nvSpPr>
+        <p:spPr>
+          <a:xfrm>
+            <a:off x="4583698" y="3895694"/>
+            <a:ext cx="464588" cy="465380"/>
+          </a:xfrm>
+          <a:prstGeom prst="roundRect">
+            <a:avLst/>
+          </a:prstGeom>
+        </p:spPr>
+        <p:style>
+          <a:lnRef idx="2">
+            <a:schemeClr val="accent6"/>
+          </a:lnRef>
+          <a:fillRef idx="1">
+            <a:schemeClr val="lt1"/>
+          </a:fillRef>
+          <a:effectRef idx="0">
+            <a:schemeClr val="accent6"/>
+          </a:effectRef>
+          <a:fontRef idx="minor">
+            <a:schemeClr val="dk1"/>
+          </a:fontRef>
+        </p:style>
+        <p:txBody>
+          <a:bodyPr rtlCol="0" anchor="ctr"/>
+          <a:lstStyle/>
+          <a:p>
+            <a:pPr algn="ctr"/>
+            <a:endParaRPr kumimoji="1" lang="ja-JP" altLang="en-US" sz="1400" dirty="0"/>
+          </a:p>
+        </p:txBody>
+      </p:sp>
+      <p:sp>
+        <p:nvSpPr>
+          <p:cNvPr id="29" name="角丸四角形 28"/>
+          <p:cNvSpPr/>
+          <p:nvPr/>
+        </p:nvSpPr>
+        <p:spPr>
+          <a:xfrm>
+            <a:off x="5120279" y="3895694"/>
+            <a:ext cx="464588" cy="465380"/>
+          </a:xfrm>
+          <a:prstGeom prst="roundRect">
+            <a:avLst/>
+          </a:prstGeom>
+        </p:spPr>
+        <p:style>
+          <a:lnRef idx="2">
+            <a:schemeClr val="accent6"/>
+          </a:lnRef>
+          <a:fillRef idx="1">
+            <a:schemeClr val="lt1"/>
+          </a:fillRef>
+          <a:effectRef idx="0">
+            <a:schemeClr val="accent6"/>
+          </a:effectRef>
+          <a:fontRef idx="minor">
+            <a:schemeClr val="dk1"/>
+          </a:fontRef>
+        </p:style>
+        <p:txBody>
+          <a:bodyPr rtlCol="0" anchor="ctr"/>
+          <a:lstStyle/>
+          <a:p>
+            <a:pPr algn="ctr"/>
+            <a:endParaRPr kumimoji="1" lang="ja-JP" altLang="en-US" sz="1400" dirty="0"/>
+          </a:p>
+        </p:txBody>
+      </p:sp>
+      <p:sp>
+        <p:nvSpPr>
+          <p:cNvPr id="30" name="角丸四角形 29"/>
+          <p:cNvSpPr/>
+          <p:nvPr/>
+        </p:nvSpPr>
+        <p:spPr>
+          <a:xfrm>
+            <a:off x="5656860" y="3895694"/>
+            <a:ext cx="464588" cy="465380"/>
+          </a:xfrm>
+          <a:prstGeom prst="roundRect">
+            <a:avLst/>
+          </a:prstGeom>
+        </p:spPr>
+        <p:style>
+          <a:lnRef idx="2">
+            <a:schemeClr val="accent6"/>
+          </a:lnRef>
+          <a:fillRef idx="1">
+            <a:schemeClr val="lt1"/>
+          </a:fillRef>
+          <a:effectRef idx="0">
+            <a:schemeClr val="accent6"/>
+          </a:effectRef>
+          <a:fontRef idx="minor">
+            <a:schemeClr val="dk1"/>
+          </a:fontRef>
+        </p:style>
+        <p:txBody>
+          <a:bodyPr rtlCol="0" anchor="ctr"/>
+          <a:lstStyle/>
+          <a:p>
+            <a:pPr algn="ctr"/>
+            <a:endParaRPr kumimoji="1" lang="ja-JP" altLang="en-US" sz="1400" dirty="0"/>
+          </a:p>
+        </p:txBody>
+      </p:sp>
+      <p:sp>
+        <p:nvSpPr>
+          <p:cNvPr id="31" name="角丸四角形 30"/>
+          <p:cNvSpPr/>
+          <p:nvPr/>
+        </p:nvSpPr>
+        <p:spPr>
+          <a:xfrm>
+            <a:off x="6193441" y="3895694"/>
+            <a:ext cx="464588" cy="465380"/>
+          </a:xfrm>
+          <a:prstGeom prst="roundRect">
+            <a:avLst/>
+          </a:prstGeom>
+        </p:spPr>
+        <p:style>
+          <a:lnRef idx="2">
+            <a:schemeClr val="accent6"/>
+          </a:lnRef>
+          <a:fillRef idx="1">
+            <a:schemeClr val="lt1"/>
+          </a:fillRef>
+          <a:effectRef idx="0">
+            <a:schemeClr val="accent6"/>
+          </a:effectRef>
+          <a:fontRef idx="minor">
+            <a:schemeClr val="dk1"/>
+          </a:fontRef>
+        </p:style>
+        <p:txBody>
+          <a:bodyPr rtlCol="0" anchor="ctr"/>
+          <a:lstStyle/>
+          <a:p>
+            <a:pPr algn="ctr"/>
+            <a:endParaRPr kumimoji="1" lang="ja-JP" altLang="en-US" sz="1400" dirty="0"/>
+          </a:p>
+        </p:txBody>
+      </p:sp>
+      <p:sp>
+        <p:nvSpPr>
+          <p:cNvPr id="32" name="角丸四角形 31"/>
+          <p:cNvSpPr/>
+          <p:nvPr/>
+        </p:nvSpPr>
+        <p:spPr>
+          <a:xfrm>
+            <a:off x="6730022" y="3895694"/>
+            <a:ext cx="464588" cy="465380"/>
+          </a:xfrm>
+          <a:prstGeom prst="roundRect">
+            <a:avLst/>
+          </a:prstGeom>
+        </p:spPr>
+        <p:style>
+          <a:lnRef idx="2">
+            <a:schemeClr val="accent6"/>
+          </a:lnRef>
+          <a:fillRef idx="1">
+            <a:schemeClr val="lt1"/>
+          </a:fillRef>
+          <a:effectRef idx="0">
+            <a:schemeClr val="accent6"/>
+          </a:effectRef>
+          <a:fontRef idx="minor">
+            <a:schemeClr val="dk1"/>
+          </a:fontRef>
+        </p:style>
+        <p:txBody>
+          <a:bodyPr rtlCol="0" anchor="ctr"/>
+          <a:lstStyle/>
+          <a:p>
+            <a:pPr algn="ctr"/>
+            <a:endParaRPr kumimoji="1" lang="ja-JP" altLang="en-US" sz="1400" dirty="0"/>
+          </a:p>
+        </p:txBody>
+      </p:sp>
+      <p:sp>
+        <p:nvSpPr>
+          <p:cNvPr id="33" name="角丸四角形 32"/>
+          <p:cNvSpPr/>
+          <p:nvPr/>
+        </p:nvSpPr>
+        <p:spPr>
+          <a:xfrm>
+            <a:off x="7266603" y="3895694"/>
+            <a:ext cx="464588" cy="465380"/>
+          </a:xfrm>
+          <a:prstGeom prst="roundRect">
+            <a:avLst/>
+          </a:prstGeom>
+        </p:spPr>
+        <p:style>
+          <a:lnRef idx="2">
+            <a:schemeClr val="accent6"/>
+          </a:lnRef>
+          <a:fillRef idx="1">
+            <a:schemeClr val="lt1"/>
+          </a:fillRef>
+          <a:effectRef idx="0">
+            <a:schemeClr val="accent6"/>
+          </a:effectRef>
+          <a:fontRef idx="minor">
+            <a:schemeClr val="dk1"/>
+          </a:fontRef>
+        </p:style>
+        <p:txBody>
+          <a:bodyPr rtlCol="0" anchor="ctr"/>
+          <a:lstStyle/>
+          <a:p>
+            <a:pPr algn="ctr"/>
+            <a:endParaRPr kumimoji="1" lang="ja-JP" altLang="en-US" sz="1400" dirty="0"/>
+          </a:p>
+        </p:txBody>
+      </p:sp>
+      <p:sp>
+        <p:nvSpPr>
+          <p:cNvPr id="34" name="角丸四角形 33"/>
+          <p:cNvSpPr/>
+          <p:nvPr/>
+        </p:nvSpPr>
+        <p:spPr>
+          <a:xfrm>
+            <a:off x="7803183" y="3895694"/>
+            <a:ext cx="749085" cy="465380"/>
+          </a:xfrm>
+          <a:prstGeom prst="roundRect">
+            <a:avLst/>
+          </a:prstGeom>
+        </p:spPr>
+        <p:style>
+          <a:lnRef idx="2">
+            <a:schemeClr val="accent6"/>
+          </a:lnRef>
+          <a:fillRef idx="1">
+            <a:schemeClr val="lt1"/>
+          </a:fillRef>
+          <a:effectRef idx="0">
+            <a:schemeClr val="accent6"/>
+          </a:effectRef>
+          <a:fontRef idx="minor">
+            <a:schemeClr val="dk1"/>
+          </a:fontRef>
+        </p:style>
+        <p:txBody>
+          <a:bodyPr rtlCol="0" anchor="ctr"/>
+          <a:lstStyle/>
+          <a:p>
+            <a:pPr algn="ctr"/>
+            <a:endParaRPr kumimoji="1" lang="ja-JP" altLang="en-US" sz="1400" dirty="0"/>
+          </a:p>
+        </p:txBody>
+      </p:sp>
+      <p:sp>
+        <p:nvSpPr>
+          <p:cNvPr id="35" name="角丸四角形 34"/>
+          <p:cNvSpPr/>
+          <p:nvPr/>
+        </p:nvSpPr>
+        <p:spPr>
+          <a:xfrm>
+            <a:off x="569441" y="3895694"/>
+            <a:ext cx="722778" cy="465380"/>
+          </a:xfrm>
+          <a:prstGeom prst="roundRect">
+            <a:avLst/>
+          </a:prstGeom>
+        </p:spPr>
+        <p:style>
+          <a:lnRef idx="2">
+            <a:schemeClr val="accent6"/>
+          </a:lnRef>
+          <a:fillRef idx="1">
+            <a:schemeClr val="lt1"/>
+          </a:fillRef>
+          <a:effectRef idx="0">
+            <a:schemeClr val="accent6"/>
+          </a:effectRef>
+          <a:fontRef idx="minor">
+            <a:schemeClr val="dk1"/>
+          </a:fontRef>
+        </p:style>
+        <p:txBody>
+          <a:bodyPr rtlCol="0" anchor="ctr"/>
+          <a:lstStyle/>
+          <a:p>
+            <a:pPr algn="ctr"/>
+            <a:endParaRPr kumimoji="1" lang="ja-JP" altLang="en-US" sz="1400" dirty="0"/>
+          </a:p>
+        </p:txBody>
+      </p:sp>
+      <p:sp>
+        <p:nvSpPr>
+          <p:cNvPr id="36" name="角丸四角形 35"/>
+          <p:cNvSpPr/>
+          <p:nvPr/>
+        </p:nvSpPr>
+        <p:spPr>
+          <a:xfrm>
+            <a:off x="1547092" y="4421474"/>
+            <a:ext cx="464588" cy="465380"/>
+          </a:xfrm>
+          <a:prstGeom prst="roundRect">
+            <a:avLst/>
+          </a:prstGeom>
+        </p:spPr>
+        <p:style>
+          <a:lnRef idx="2">
+            <a:schemeClr val="accent6"/>
+          </a:lnRef>
+          <a:fillRef idx="1">
+            <a:schemeClr val="lt1"/>
+          </a:fillRef>
+          <a:effectRef idx="0">
+            <a:schemeClr val="accent6"/>
+          </a:effectRef>
+          <a:fontRef idx="minor">
+            <a:schemeClr val="dk1"/>
+          </a:fontRef>
+        </p:style>
+        <p:txBody>
+          <a:bodyPr rtlCol="0" anchor="ctr"/>
+          <a:lstStyle/>
+          <a:p>
+            <a:pPr algn="ctr"/>
+            <a:endParaRPr kumimoji="1" lang="ja-JP" altLang="en-US" sz="1400" dirty="0"/>
+          </a:p>
+        </p:txBody>
+      </p:sp>
+      <p:sp>
+        <p:nvSpPr>
+          <p:cNvPr id="37" name="角丸四角形 36"/>
+          <p:cNvSpPr/>
+          <p:nvPr/>
+        </p:nvSpPr>
+        <p:spPr>
+          <a:xfrm>
+            <a:off x="2083673" y="4421474"/>
+            <a:ext cx="464588" cy="465380"/>
+          </a:xfrm>
+          <a:prstGeom prst="roundRect">
+            <a:avLst/>
+          </a:prstGeom>
+        </p:spPr>
+        <p:style>
+          <a:lnRef idx="2">
+            <a:schemeClr val="accent6"/>
+          </a:lnRef>
+          <a:fillRef idx="1">
+            <a:schemeClr val="lt1"/>
+          </a:fillRef>
+          <a:effectRef idx="0">
+            <a:schemeClr val="accent6"/>
+          </a:effectRef>
+          <a:fontRef idx="minor">
+            <a:schemeClr val="dk1"/>
+          </a:fontRef>
+        </p:style>
+        <p:txBody>
+          <a:bodyPr rtlCol="0" anchor="ctr"/>
+          <a:lstStyle/>
+          <a:p>
+            <a:pPr algn="ctr"/>
+            <a:endParaRPr kumimoji="1" lang="ja-JP" altLang="en-US" sz="1400" dirty="0"/>
+          </a:p>
+        </p:txBody>
+      </p:sp>
+      <p:sp>
+        <p:nvSpPr>
+          <p:cNvPr id="38" name="角丸四角形 37"/>
+          <p:cNvSpPr/>
+          <p:nvPr/>
+        </p:nvSpPr>
+        <p:spPr>
+          <a:xfrm>
+            <a:off x="2620254" y="4421474"/>
+            <a:ext cx="464588" cy="465380"/>
+          </a:xfrm>
+          <a:prstGeom prst="roundRect">
+            <a:avLst/>
+          </a:prstGeom>
+        </p:spPr>
+        <p:style>
+          <a:lnRef idx="2">
+            <a:schemeClr val="accent6"/>
+          </a:lnRef>
+          <a:fillRef idx="1">
+            <a:schemeClr val="lt1"/>
+          </a:fillRef>
+          <a:effectRef idx="0">
+            <a:schemeClr val="accent6"/>
+          </a:effectRef>
+          <a:fontRef idx="minor">
+            <a:schemeClr val="dk1"/>
+          </a:fontRef>
+        </p:style>
+        <p:txBody>
+          <a:bodyPr rtlCol="0" anchor="ctr"/>
+          <a:lstStyle/>
+          <a:p>
+            <a:pPr algn="ctr"/>
+            <a:endParaRPr kumimoji="1" lang="ja-JP" altLang="en-US" sz="1400" dirty="0"/>
+          </a:p>
+        </p:txBody>
+      </p:sp>
+      <p:sp>
+        <p:nvSpPr>
+          <p:cNvPr id="39" name="角丸四角形 38"/>
+          <p:cNvSpPr/>
+          <p:nvPr/>
+        </p:nvSpPr>
+        <p:spPr>
+          <a:xfrm>
+            <a:off x="3156835" y="4421474"/>
+            <a:ext cx="464588" cy="465380"/>
+          </a:xfrm>
+          <a:prstGeom prst="roundRect">
+            <a:avLst/>
+          </a:prstGeom>
+        </p:spPr>
+        <p:style>
+          <a:lnRef idx="2">
+            <a:schemeClr val="accent6"/>
+          </a:lnRef>
+          <a:fillRef idx="1">
+            <a:schemeClr val="lt1"/>
+          </a:fillRef>
+          <a:effectRef idx="0">
+            <a:schemeClr val="accent6"/>
+          </a:effectRef>
+          <a:fontRef idx="minor">
+            <a:schemeClr val="dk1"/>
+          </a:fontRef>
+        </p:style>
+        <p:txBody>
+          <a:bodyPr rtlCol="0" anchor="ctr"/>
+          <a:lstStyle/>
+          <a:p>
+            <a:pPr algn="ctr"/>
+            <a:endParaRPr kumimoji="1" lang="ja-JP" altLang="en-US" sz="1400" dirty="0"/>
+          </a:p>
+        </p:txBody>
+      </p:sp>
+      <p:sp>
+        <p:nvSpPr>
+          <p:cNvPr id="40" name="角丸四角形 39"/>
+          <p:cNvSpPr/>
+          <p:nvPr/>
+        </p:nvSpPr>
+        <p:spPr>
+          <a:xfrm>
+            <a:off x="3693416" y="4421474"/>
+            <a:ext cx="464588" cy="465380"/>
+          </a:xfrm>
+          <a:prstGeom prst="roundRect">
+            <a:avLst/>
+          </a:prstGeom>
+        </p:spPr>
+        <p:style>
+          <a:lnRef idx="2">
+            <a:schemeClr val="accent6"/>
+          </a:lnRef>
+          <a:fillRef idx="1">
+            <a:schemeClr val="lt1"/>
+          </a:fillRef>
+          <a:effectRef idx="0">
+            <a:schemeClr val="accent6"/>
+          </a:effectRef>
+          <a:fontRef idx="minor">
+            <a:schemeClr val="dk1"/>
+          </a:fontRef>
+        </p:style>
+        <p:txBody>
+          <a:bodyPr rtlCol="0" anchor="ctr"/>
+          <a:lstStyle/>
+          <a:p>
+            <a:pPr algn="ctr"/>
+            <a:endParaRPr kumimoji="1" lang="ja-JP" altLang="en-US" sz="1400" dirty="0"/>
+          </a:p>
+        </p:txBody>
+      </p:sp>
+      <p:sp>
+        <p:nvSpPr>
+          <p:cNvPr id="41" name="角丸四角形 40"/>
+          <p:cNvSpPr/>
+          <p:nvPr/>
+        </p:nvSpPr>
+        <p:spPr>
+          <a:xfrm>
+            <a:off x="4229997" y="4421474"/>
+            <a:ext cx="464588" cy="465380"/>
+          </a:xfrm>
+          <a:prstGeom prst="roundRect">
+            <a:avLst/>
+          </a:prstGeom>
+        </p:spPr>
+        <p:style>
+          <a:lnRef idx="2">
+            <a:schemeClr val="accent6"/>
+          </a:lnRef>
+          <a:fillRef idx="1">
+            <a:schemeClr val="lt1"/>
+          </a:fillRef>
+          <a:effectRef idx="0">
+            <a:schemeClr val="accent6"/>
+          </a:effectRef>
+          <a:fontRef idx="minor">
+            <a:schemeClr val="dk1"/>
+          </a:fontRef>
+        </p:style>
+        <p:txBody>
+          <a:bodyPr rtlCol="0" anchor="ctr"/>
+          <a:lstStyle/>
+          <a:p>
+            <a:pPr algn="ctr"/>
+            <a:endParaRPr kumimoji="1" lang="ja-JP" altLang="en-US" sz="1400" dirty="0"/>
+          </a:p>
+        </p:txBody>
+      </p:sp>
+      <p:sp>
+        <p:nvSpPr>
+          <p:cNvPr id="42" name="角丸四角形 41"/>
+          <p:cNvSpPr/>
+          <p:nvPr/>
+        </p:nvSpPr>
+        <p:spPr>
+          <a:xfrm>
+            <a:off x="4766578" y="4421474"/>
+            <a:ext cx="464588" cy="465380"/>
+          </a:xfrm>
+          <a:prstGeom prst="roundRect">
+            <a:avLst/>
+          </a:prstGeom>
+        </p:spPr>
+        <p:style>
+          <a:lnRef idx="2">
+            <a:schemeClr val="accent6"/>
+          </a:lnRef>
+          <a:fillRef idx="1">
+            <a:schemeClr val="lt1"/>
+          </a:fillRef>
+          <a:effectRef idx="0">
+            <a:schemeClr val="accent6"/>
+          </a:effectRef>
+          <a:fontRef idx="minor">
+            <a:schemeClr val="dk1"/>
+          </a:fontRef>
+        </p:style>
+        <p:txBody>
+          <a:bodyPr rtlCol="0" anchor="ctr"/>
+          <a:lstStyle/>
+          <a:p>
+            <a:pPr algn="ctr"/>
+            <a:endParaRPr kumimoji="1" lang="ja-JP" altLang="en-US" sz="1400" dirty="0"/>
+          </a:p>
+        </p:txBody>
+      </p:sp>
+      <p:sp>
+        <p:nvSpPr>
+          <p:cNvPr id="43" name="角丸四角形 42"/>
+          <p:cNvSpPr/>
+          <p:nvPr/>
+        </p:nvSpPr>
+        <p:spPr>
+          <a:xfrm>
+            <a:off x="5303159" y="4421474"/>
+            <a:ext cx="464588" cy="465380"/>
+          </a:xfrm>
+          <a:prstGeom prst="roundRect">
+            <a:avLst/>
+          </a:prstGeom>
+        </p:spPr>
+        <p:style>
+          <a:lnRef idx="2">
+            <a:schemeClr val="accent6"/>
+          </a:lnRef>
+          <a:fillRef idx="1">
+            <a:schemeClr val="lt1"/>
+          </a:fillRef>
+          <a:effectRef idx="0">
+            <a:schemeClr val="accent6"/>
+          </a:effectRef>
+          <a:fontRef idx="minor">
+            <a:schemeClr val="dk1"/>
+          </a:fontRef>
+        </p:style>
+        <p:txBody>
+          <a:bodyPr rtlCol="0" anchor="ctr"/>
+          <a:lstStyle/>
+          <a:p>
+            <a:pPr algn="ctr"/>
+            <a:endParaRPr kumimoji="1" lang="ja-JP" altLang="en-US" sz="1400" dirty="0"/>
+          </a:p>
+        </p:txBody>
+      </p:sp>
+      <p:sp>
+        <p:nvSpPr>
+          <p:cNvPr id="44" name="角丸四角形 43"/>
+          <p:cNvSpPr/>
+          <p:nvPr/>
+        </p:nvSpPr>
+        <p:spPr>
+          <a:xfrm>
+            <a:off x="5839740" y="4421474"/>
+            <a:ext cx="464588" cy="465380"/>
+          </a:xfrm>
+          <a:prstGeom prst="roundRect">
+            <a:avLst/>
+          </a:prstGeom>
+        </p:spPr>
+        <p:style>
+          <a:lnRef idx="2">
+            <a:schemeClr val="accent6"/>
+          </a:lnRef>
+          <a:fillRef idx="1">
+            <a:schemeClr val="lt1"/>
+          </a:fillRef>
+          <a:effectRef idx="0">
+            <a:schemeClr val="accent6"/>
+          </a:effectRef>
+          <a:fontRef idx="minor">
+            <a:schemeClr val="dk1"/>
+          </a:fontRef>
+        </p:style>
+        <p:txBody>
+          <a:bodyPr rtlCol="0" anchor="ctr"/>
+          <a:lstStyle/>
+          <a:p>
+            <a:pPr algn="ctr"/>
+            <a:endParaRPr kumimoji="1" lang="ja-JP" altLang="en-US" sz="1400" dirty="0"/>
+          </a:p>
+        </p:txBody>
+      </p:sp>
+      <p:sp>
+        <p:nvSpPr>
+          <p:cNvPr id="45" name="角丸四角形 44"/>
+          <p:cNvSpPr/>
+          <p:nvPr/>
+        </p:nvSpPr>
+        <p:spPr>
+          <a:xfrm>
+            <a:off x="6376321" y="4421474"/>
+            <a:ext cx="464588" cy="465380"/>
+          </a:xfrm>
+          <a:prstGeom prst="roundRect">
+            <a:avLst/>
+          </a:prstGeom>
+        </p:spPr>
+        <p:style>
+          <a:lnRef idx="2">
+            <a:schemeClr val="accent6"/>
+          </a:lnRef>
+          <a:fillRef idx="1">
+            <a:schemeClr val="lt1"/>
+          </a:fillRef>
+          <a:effectRef idx="0">
+            <a:schemeClr val="accent6"/>
+          </a:effectRef>
+          <a:fontRef idx="minor">
+            <a:schemeClr val="dk1"/>
+          </a:fontRef>
+        </p:style>
+        <p:txBody>
+          <a:bodyPr rtlCol="0" anchor="ctr"/>
+          <a:lstStyle/>
+          <a:p>
+            <a:pPr algn="ctr"/>
+            <a:endParaRPr kumimoji="1" lang="ja-JP" altLang="en-US" sz="1400" dirty="0"/>
+          </a:p>
+        </p:txBody>
+      </p:sp>
+      <p:sp>
+        <p:nvSpPr>
+          <p:cNvPr id="46" name="角丸四角形 45"/>
+          <p:cNvSpPr/>
+          <p:nvPr/>
+        </p:nvSpPr>
+        <p:spPr>
+          <a:xfrm>
+            <a:off x="6912902" y="4421474"/>
+            <a:ext cx="464588" cy="465380"/>
+          </a:xfrm>
+          <a:prstGeom prst="roundRect">
+            <a:avLst/>
+          </a:prstGeom>
+        </p:spPr>
+        <p:style>
+          <a:lnRef idx="2">
+            <a:schemeClr val="accent6"/>
+          </a:lnRef>
+          <a:fillRef idx="1">
+            <a:schemeClr val="lt1"/>
+          </a:fillRef>
+          <a:effectRef idx="0">
+            <a:schemeClr val="accent6"/>
+          </a:effectRef>
+          <a:fontRef idx="minor">
+            <a:schemeClr val="dk1"/>
+          </a:fontRef>
+        </p:style>
+        <p:txBody>
+          <a:bodyPr rtlCol="0" anchor="ctr"/>
+          <a:lstStyle/>
+          <a:p>
+            <a:pPr algn="ctr"/>
+            <a:endParaRPr kumimoji="1" lang="ja-JP" altLang="en-US" sz="1400" dirty="0"/>
+          </a:p>
+        </p:txBody>
+      </p:sp>
+      <p:sp>
+        <p:nvSpPr>
+          <p:cNvPr id="47" name="角丸四角形 46"/>
+          <p:cNvSpPr/>
+          <p:nvPr/>
+        </p:nvSpPr>
+        <p:spPr>
+          <a:xfrm>
+            <a:off x="7449483" y="4421474"/>
+            <a:ext cx="1102786" cy="465380"/>
+          </a:xfrm>
+          <a:prstGeom prst="roundRect">
+            <a:avLst/>
+          </a:prstGeom>
+        </p:spPr>
+        <p:style>
+          <a:lnRef idx="2">
+            <a:schemeClr val="accent6"/>
+          </a:lnRef>
+          <a:fillRef idx="1">
+            <a:schemeClr val="lt1"/>
+          </a:fillRef>
+          <a:effectRef idx="0">
+            <a:schemeClr val="accent6"/>
+          </a:effectRef>
+          <a:fontRef idx="minor">
+            <a:schemeClr val="dk1"/>
+          </a:fontRef>
+        </p:style>
+        <p:txBody>
+          <a:bodyPr rtlCol="0" anchor="ctr"/>
+          <a:lstStyle/>
+          <a:p>
+            <a:pPr algn="ctr"/>
+            <a:endParaRPr kumimoji="1" lang="ja-JP" altLang="en-US" sz="1400" dirty="0"/>
+          </a:p>
+        </p:txBody>
+      </p:sp>
+      <p:sp>
+        <p:nvSpPr>
+          <p:cNvPr id="49" name="角丸四角形 48"/>
+          <p:cNvSpPr/>
+          <p:nvPr/>
+        </p:nvSpPr>
+        <p:spPr>
+          <a:xfrm>
+            <a:off x="569441" y="4421474"/>
+            <a:ext cx="905658" cy="465380"/>
+          </a:xfrm>
+          <a:prstGeom prst="roundRect">
+            <a:avLst/>
+          </a:prstGeom>
+          <a:solidFill>
+            <a:schemeClr val="bg1">
+              <a:lumMod val="50000"/>
+            </a:schemeClr>
+          </a:solidFill>
+        </p:spPr>
+        <p:style>
+          <a:lnRef idx="2">
+            <a:schemeClr val="accent6"/>
+          </a:lnRef>
+          <a:fillRef idx="1">
+            <a:schemeClr val="lt1"/>
+          </a:fillRef>
+          <a:effectRef idx="0">
+            <a:schemeClr val="accent6"/>
+          </a:effectRef>
+          <a:fontRef idx="minor">
+            <a:schemeClr val="dk1"/>
+          </a:fontRef>
+        </p:style>
+        <p:txBody>
+          <a:bodyPr rtlCol="0" anchor="ctr"/>
+          <a:lstStyle/>
+          <a:p>
+            <a:pPr algn="ctr"/>
+            <a:endParaRPr kumimoji="1" lang="ja-JP" altLang="en-US" sz="1400" dirty="0"/>
+          </a:p>
+        </p:txBody>
+      </p:sp>
+      <p:sp>
+        <p:nvSpPr>
+          <p:cNvPr id="50" name="角丸四角形 49"/>
+          <p:cNvSpPr/>
+          <p:nvPr/>
+        </p:nvSpPr>
+        <p:spPr>
+          <a:xfrm>
+            <a:off x="1794537" y="4947254"/>
+            <a:ext cx="464588" cy="465380"/>
+          </a:xfrm>
+          <a:prstGeom prst="roundRect">
+            <a:avLst/>
+          </a:prstGeom>
+        </p:spPr>
+        <p:style>
+          <a:lnRef idx="2">
+            <a:schemeClr val="accent6"/>
+          </a:lnRef>
+          <a:fillRef idx="1">
+            <a:schemeClr val="lt1"/>
+          </a:fillRef>
+          <a:effectRef idx="0">
+            <a:schemeClr val="accent6"/>
+          </a:effectRef>
+          <a:fontRef idx="minor">
+            <a:schemeClr val="dk1"/>
+          </a:fontRef>
+        </p:style>
+        <p:txBody>
+          <a:bodyPr rtlCol="0" anchor="ctr"/>
+          <a:lstStyle/>
+          <a:p>
+            <a:pPr algn="ctr"/>
+            <a:endParaRPr kumimoji="1" lang="ja-JP" altLang="en-US" sz="1400" dirty="0"/>
+          </a:p>
+        </p:txBody>
+      </p:sp>
+      <p:sp>
+        <p:nvSpPr>
+          <p:cNvPr id="51" name="角丸四角形 50"/>
+          <p:cNvSpPr/>
+          <p:nvPr/>
+        </p:nvSpPr>
+        <p:spPr>
+          <a:xfrm>
+            <a:off x="2331118" y="4947254"/>
+            <a:ext cx="464588" cy="465380"/>
+          </a:xfrm>
+          <a:prstGeom prst="roundRect">
+            <a:avLst/>
+          </a:prstGeom>
+        </p:spPr>
+        <p:style>
+          <a:lnRef idx="2">
+            <a:schemeClr val="accent6"/>
+          </a:lnRef>
+          <a:fillRef idx="1">
+            <a:schemeClr val="lt1"/>
+          </a:fillRef>
+          <a:effectRef idx="0">
+            <a:schemeClr val="accent6"/>
+          </a:effectRef>
+          <a:fontRef idx="minor">
+            <a:schemeClr val="dk1"/>
+          </a:fontRef>
+        </p:style>
+        <p:txBody>
+          <a:bodyPr rtlCol="0" anchor="ctr"/>
+          <a:lstStyle/>
+          <a:p>
+            <a:pPr algn="ctr"/>
+            <a:endParaRPr kumimoji="1" lang="ja-JP" altLang="en-US" sz="1400" dirty="0"/>
+          </a:p>
+        </p:txBody>
+      </p:sp>
+      <p:sp>
+        <p:nvSpPr>
+          <p:cNvPr id="52" name="角丸四角形 51"/>
+          <p:cNvSpPr/>
+          <p:nvPr/>
+        </p:nvSpPr>
+        <p:spPr>
+          <a:xfrm>
+            <a:off x="2867699" y="4947254"/>
+            <a:ext cx="464588" cy="465380"/>
+          </a:xfrm>
+          <a:prstGeom prst="roundRect">
+            <a:avLst/>
+          </a:prstGeom>
+        </p:spPr>
+        <p:style>
+          <a:lnRef idx="2">
+            <a:schemeClr val="accent6"/>
+          </a:lnRef>
+          <a:fillRef idx="1">
+            <a:schemeClr val="lt1"/>
+          </a:fillRef>
+          <a:effectRef idx="0">
+            <a:schemeClr val="accent6"/>
+          </a:effectRef>
+          <a:fontRef idx="minor">
+            <a:schemeClr val="dk1"/>
+          </a:fontRef>
+        </p:style>
+        <p:txBody>
+          <a:bodyPr rtlCol="0" anchor="ctr"/>
+          <a:lstStyle/>
+          <a:p>
+            <a:pPr algn="ctr"/>
+            <a:endParaRPr kumimoji="1" lang="ja-JP" altLang="en-US" sz="1400" dirty="0"/>
+          </a:p>
+        </p:txBody>
+      </p:sp>
+      <p:sp>
+        <p:nvSpPr>
+          <p:cNvPr id="53" name="角丸四角形 52"/>
+          <p:cNvSpPr/>
+          <p:nvPr/>
+        </p:nvSpPr>
+        <p:spPr>
+          <a:xfrm>
+            <a:off x="3404280" y="4947254"/>
+            <a:ext cx="464588" cy="465380"/>
+          </a:xfrm>
+          <a:prstGeom prst="roundRect">
+            <a:avLst/>
+          </a:prstGeom>
+        </p:spPr>
+        <p:style>
+          <a:lnRef idx="2">
+            <a:schemeClr val="accent6"/>
+          </a:lnRef>
+          <a:fillRef idx="1">
+            <a:schemeClr val="lt1"/>
+          </a:fillRef>
+          <a:effectRef idx="0">
+            <a:schemeClr val="accent6"/>
+          </a:effectRef>
+          <a:fontRef idx="minor">
+            <a:schemeClr val="dk1"/>
+          </a:fontRef>
+        </p:style>
+        <p:txBody>
+          <a:bodyPr rtlCol="0" anchor="ctr"/>
+          <a:lstStyle/>
+          <a:p>
+            <a:pPr algn="ctr"/>
+            <a:endParaRPr kumimoji="1" lang="ja-JP" altLang="en-US" sz="1400" dirty="0"/>
+          </a:p>
+        </p:txBody>
+      </p:sp>
+      <p:sp>
+        <p:nvSpPr>
+          <p:cNvPr id="54" name="角丸四角形 53"/>
+          <p:cNvSpPr/>
+          <p:nvPr/>
+        </p:nvSpPr>
+        <p:spPr>
+          <a:xfrm>
+            <a:off x="3940861" y="4947254"/>
+            <a:ext cx="464588" cy="465380"/>
+          </a:xfrm>
+          <a:prstGeom prst="roundRect">
+            <a:avLst/>
+          </a:prstGeom>
+        </p:spPr>
+        <p:style>
+          <a:lnRef idx="2">
+            <a:schemeClr val="accent6"/>
+          </a:lnRef>
+          <a:fillRef idx="1">
+            <a:schemeClr val="lt1"/>
+          </a:fillRef>
+          <a:effectRef idx="0">
+            <a:schemeClr val="accent6"/>
+          </a:effectRef>
+          <a:fontRef idx="minor">
+            <a:schemeClr val="dk1"/>
+          </a:fontRef>
+        </p:style>
+        <p:txBody>
+          <a:bodyPr rtlCol="0" anchor="ctr"/>
+          <a:lstStyle/>
+          <a:p>
+            <a:pPr algn="ctr"/>
+            <a:endParaRPr kumimoji="1" lang="ja-JP" altLang="en-US" sz="1400" dirty="0"/>
+          </a:p>
+        </p:txBody>
+      </p:sp>
+      <p:sp>
+        <p:nvSpPr>
+          <p:cNvPr id="55" name="角丸四角形 54"/>
+          <p:cNvSpPr/>
+          <p:nvPr/>
+        </p:nvSpPr>
+        <p:spPr>
+          <a:xfrm>
+            <a:off x="4477442" y="4947254"/>
+            <a:ext cx="464588" cy="465380"/>
+          </a:xfrm>
+          <a:prstGeom prst="roundRect">
+            <a:avLst/>
+          </a:prstGeom>
+        </p:spPr>
+        <p:style>
+          <a:lnRef idx="2">
+            <a:schemeClr val="accent6"/>
+          </a:lnRef>
+          <a:fillRef idx="1">
+            <a:schemeClr val="lt1"/>
+          </a:fillRef>
+          <a:effectRef idx="0">
+            <a:schemeClr val="accent6"/>
+          </a:effectRef>
+          <a:fontRef idx="minor">
+            <a:schemeClr val="dk1"/>
+          </a:fontRef>
+        </p:style>
+        <p:txBody>
+          <a:bodyPr rtlCol="0" anchor="ctr"/>
+          <a:lstStyle/>
+          <a:p>
+            <a:pPr algn="ctr"/>
+            <a:endParaRPr kumimoji="1" lang="ja-JP" altLang="en-US" sz="1400" dirty="0"/>
+          </a:p>
+        </p:txBody>
+      </p:sp>
+      <p:sp>
+        <p:nvSpPr>
+          <p:cNvPr id="56" name="角丸四角形 55"/>
+          <p:cNvSpPr/>
+          <p:nvPr/>
+        </p:nvSpPr>
+        <p:spPr>
+          <a:xfrm>
+            <a:off x="5014023" y="4947254"/>
+            <a:ext cx="464588" cy="465380"/>
+          </a:xfrm>
+          <a:prstGeom prst="roundRect">
+            <a:avLst/>
+          </a:prstGeom>
+        </p:spPr>
+        <p:style>
+          <a:lnRef idx="2">
+            <a:schemeClr val="accent6"/>
+          </a:lnRef>
+          <a:fillRef idx="1">
+            <a:schemeClr val="lt1"/>
+          </a:fillRef>
+          <a:effectRef idx="0">
+            <a:schemeClr val="accent6"/>
+          </a:effectRef>
+          <a:fontRef idx="minor">
+            <a:schemeClr val="dk1"/>
+          </a:fontRef>
+        </p:style>
+        <p:txBody>
+          <a:bodyPr rtlCol="0" anchor="ctr"/>
+          <a:lstStyle/>
+          <a:p>
+            <a:pPr algn="ctr"/>
+            <a:endParaRPr kumimoji="1" lang="ja-JP" altLang="en-US" sz="1400" dirty="0"/>
+          </a:p>
+        </p:txBody>
+      </p:sp>
+      <p:sp>
+        <p:nvSpPr>
+          <p:cNvPr id="57" name="角丸四角形 56"/>
+          <p:cNvSpPr/>
+          <p:nvPr/>
+        </p:nvSpPr>
+        <p:spPr>
+          <a:xfrm>
+            <a:off x="5550604" y="4947254"/>
+            <a:ext cx="464588" cy="465380"/>
+          </a:xfrm>
+          <a:prstGeom prst="roundRect">
+            <a:avLst/>
+          </a:prstGeom>
+        </p:spPr>
+        <p:style>
+          <a:lnRef idx="2">
+            <a:schemeClr val="accent6"/>
+          </a:lnRef>
+          <a:fillRef idx="1">
+            <a:schemeClr val="lt1"/>
+          </a:fillRef>
+          <a:effectRef idx="0">
+            <a:schemeClr val="accent6"/>
+          </a:effectRef>
+          <a:fontRef idx="minor">
+            <a:schemeClr val="dk1"/>
+          </a:fontRef>
+        </p:style>
+        <p:txBody>
+          <a:bodyPr rtlCol="0" anchor="ctr"/>
+          <a:lstStyle/>
+          <a:p>
+            <a:pPr algn="ctr"/>
+            <a:endParaRPr kumimoji="1" lang="ja-JP" altLang="en-US" sz="1400" dirty="0"/>
+          </a:p>
+        </p:txBody>
+      </p:sp>
+      <p:sp>
+        <p:nvSpPr>
+          <p:cNvPr id="58" name="角丸四角形 57"/>
+          <p:cNvSpPr/>
+          <p:nvPr/>
+        </p:nvSpPr>
+        <p:spPr>
+          <a:xfrm>
+            <a:off x="6087185" y="4947254"/>
+            <a:ext cx="464588" cy="465380"/>
+          </a:xfrm>
+          <a:prstGeom prst="roundRect">
+            <a:avLst/>
+          </a:prstGeom>
+        </p:spPr>
+        <p:style>
+          <a:lnRef idx="2">
+            <a:schemeClr val="accent6"/>
+          </a:lnRef>
+          <a:fillRef idx="1">
+            <a:schemeClr val="lt1"/>
+          </a:fillRef>
+          <a:effectRef idx="0">
+            <a:schemeClr val="accent6"/>
+          </a:effectRef>
+          <a:fontRef idx="minor">
+            <a:schemeClr val="dk1"/>
+          </a:fontRef>
+        </p:style>
+        <p:txBody>
+          <a:bodyPr rtlCol="0" anchor="ctr"/>
+          <a:lstStyle/>
+          <a:p>
+            <a:pPr algn="ctr"/>
+            <a:endParaRPr kumimoji="1" lang="ja-JP" altLang="en-US" sz="1400" dirty="0"/>
+          </a:p>
+        </p:txBody>
+      </p:sp>
+      <p:sp>
+        <p:nvSpPr>
+          <p:cNvPr id="59" name="角丸四角形 58"/>
+          <p:cNvSpPr/>
+          <p:nvPr/>
+        </p:nvSpPr>
+        <p:spPr>
+          <a:xfrm>
+            <a:off x="6623766" y="4947254"/>
+            <a:ext cx="464588" cy="465380"/>
+          </a:xfrm>
+          <a:prstGeom prst="roundRect">
+            <a:avLst/>
+          </a:prstGeom>
+        </p:spPr>
+        <p:style>
+          <a:lnRef idx="2">
+            <a:schemeClr val="accent6"/>
+          </a:lnRef>
+          <a:fillRef idx="1">
+            <a:schemeClr val="lt1"/>
+          </a:fillRef>
+          <a:effectRef idx="0">
+            <a:schemeClr val="accent6"/>
+          </a:effectRef>
+          <a:fontRef idx="minor">
+            <a:schemeClr val="dk1"/>
+          </a:fontRef>
+        </p:style>
+        <p:txBody>
+          <a:bodyPr rtlCol="0" anchor="ctr"/>
+          <a:lstStyle/>
+          <a:p>
+            <a:pPr algn="ctr"/>
+            <a:endParaRPr kumimoji="1" lang="ja-JP" altLang="en-US" sz="1400" dirty="0"/>
+          </a:p>
+        </p:txBody>
+      </p:sp>
+      <p:sp>
+        <p:nvSpPr>
+          <p:cNvPr id="60" name="角丸四角形 59"/>
+          <p:cNvSpPr/>
+          <p:nvPr/>
+        </p:nvSpPr>
+        <p:spPr>
+          <a:xfrm>
+            <a:off x="7160346" y="4947254"/>
+            <a:ext cx="855337" cy="465380"/>
+          </a:xfrm>
+          <a:prstGeom prst="roundRect">
+            <a:avLst/>
+          </a:prstGeom>
+        </p:spPr>
+        <p:style>
+          <a:lnRef idx="2">
+            <a:schemeClr val="accent6"/>
+          </a:lnRef>
+          <a:fillRef idx="1">
+            <a:schemeClr val="lt1"/>
+          </a:fillRef>
+          <a:effectRef idx="0">
+            <a:schemeClr val="accent6"/>
+          </a:effectRef>
+          <a:fontRef idx="minor">
+            <a:schemeClr val="dk1"/>
+          </a:fontRef>
+        </p:style>
+        <p:txBody>
+          <a:bodyPr rtlCol="0" anchor="ctr"/>
+          <a:lstStyle/>
+          <a:p>
+            <a:pPr algn="ctr"/>
+            <a:endParaRPr kumimoji="1" lang="ja-JP" altLang="en-US" sz="1400" dirty="0"/>
+          </a:p>
+        </p:txBody>
+      </p:sp>
+      <p:sp>
+        <p:nvSpPr>
+          <p:cNvPr id="61" name="角丸四角形 60"/>
+          <p:cNvSpPr/>
+          <p:nvPr/>
+        </p:nvSpPr>
+        <p:spPr>
+          <a:xfrm>
+            <a:off x="569441" y="4947254"/>
+            <a:ext cx="1153098" cy="465380"/>
+          </a:xfrm>
+          <a:prstGeom prst="roundRect">
+            <a:avLst/>
+          </a:prstGeom>
+          <a:solidFill>
+            <a:schemeClr val="tx1">
+              <a:lumMod val="50000"/>
+              <a:lumOff val="50000"/>
+            </a:schemeClr>
+          </a:solidFill>
+        </p:spPr>
+        <p:style>
+          <a:lnRef idx="2">
+            <a:schemeClr val="accent6"/>
+          </a:lnRef>
+          <a:fillRef idx="1">
+            <a:schemeClr val="lt1"/>
+          </a:fillRef>
+          <a:effectRef idx="0">
+            <a:schemeClr val="accent6"/>
+          </a:effectRef>
+          <a:fontRef idx="minor">
+            <a:schemeClr val="dk1"/>
+          </a:fontRef>
+        </p:style>
+        <p:txBody>
+          <a:bodyPr rtlCol="0" anchor="ctr"/>
+          <a:lstStyle/>
+          <a:p>
+            <a:pPr algn="ctr"/>
+            <a:endParaRPr kumimoji="1" lang="ja-JP" altLang="en-US" sz="1400" dirty="0"/>
+          </a:p>
+        </p:txBody>
+      </p:sp>
+      <p:sp>
+        <p:nvSpPr>
+          <p:cNvPr id="62" name="角丸四角形 61"/>
+          <p:cNvSpPr/>
+          <p:nvPr/>
+        </p:nvSpPr>
+        <p:spPr>
+          <a:xfrm>
+            <a:off x="8087681" y="4947254"/>
+            <a:ext cx="464588" cy="465380"/>
+          </a:xfrm>
+          <a:prstGeom prst="roundRect">
+            <a:avLst/>
+          </a:prstGeom>
+        </p:spPr>
+        <p:style>
+          <a:lnRef idx="2">
+            <a:schemeClr val="accent6"/>
+          </a:lnRef>
+          <a:fillRef idx="1">
+            <a:schemeClr val="lt1"/>
+          </a:fillRef>
+          <a:effectRef idx="0">
+            <a:schemeClr val="accent6"/>
+          </a:effectRef>
+          <a:fontRef idx="minor">
+            <a:schemeClr val="dk1"/>
+          </a:fontRef>
+        </p:style>
+        <p:txBody>
+          <a:bodyPr rtlCol="0" anchor="ctr"/>
+          <a:lstStyle/>
+          <a:p>
+            <a:pPr algn="ctr"/>
+            <a:endParaRPr kumimoji="1" lang="ja-JP" altLang="en-US" sz="1400" dirty="0"/>
+          </a:p>
+        </p:txBody>
+      </p:sp>
+      <p:sp>
+        <p:nvSpPr>
+          <p:cNvPr id="63" name="角丸四角形 62"/>
+          <p:cNvSpPr/>
+          <p:nvPr/>
+        </p:nvSpPr>
+        <p:spPr>
+          <a:xfrm>
+            <a:off x="1366996" y="5473034"/>
+            <a:ext cx="464588" cy="465380"/>
+          </a:xfrm>
+          <a:prstGeom prst="roundRect">
+            <a:avLst/>
+          </a:prstGeom>
+          <a:noFill/>
+        </p:spPr>
+        <p:style>
+          <a:lnRef idx="2">
+            <a:schemeClr val="accent6"/>
+          </a:lnRef>
+          <a:fillRef idx="1">
+            <a:schemeClr val="lt1"/>
+          </a:fillRef>
+          <a:effectRef idx="0">
+            <a:schemeClr val="accent6"/>
+          </a:effectRef>
+          <a:fontRef idx="minor">
+            <a:schemeClr val="dk1"/>
+          </a:fontRef>
+        </p:style>
+        <p:txBody>
+          <a:bodyPr rtlCol="0" anchor="ctr"/>
+          <a:lstStyle/>
+          <a:p>
+            <a:pPr algn="ctr"/>
+            <a:endParaRPr kumimoji="1" lang="ja-JP" altLang="en-US" sz="1400" dirty="0"/>
+          </a:p>
+        </p:txBody>
+      </p:sp>
+      <p:sp>
+        <p:nvSpPr>
+          <p:cNvPr id="67" name="角丸四角形 66"/>
+          <p:cNvSpPr/>
+          <p:nvPr/>
+        </p:nvSpPr>
+        <p:spPr>
+          <a:xfrm>
+            <a:off x="6730022" y="5473034"/>
+            <a:ext cx="464588" cy="465380"/>
+          </a:xfrm>
+          <a:prstGeom prst="roundRect">
+            <a:avLst/>
+          </a:prstGeom>
+        </p:spPr>
+        <p:style>
+          <a:lnRef idx="2">
+            <a:schemeClr val="accent6"/>
+          </a:lnRef>
+          <a:fillRef idx="1">
+            <a:schemeClr val="lt1"/>
+          </a:fillRef>
+          <a:effectRef idx="0">
+            <a:schemeClr val="accent6"/>
+          </a:effectRef>
+          <a:fontRef idx="minor">
+            <a:schemeClr val="dk1"/>
+          </a:fontRef>
+        </p:style>
+        <p:txBody>
+          <a:bodyPr rtlCol="0" anchor="ctr"/>
+          <a:lstStyle/>
+          <a:p>
+            <a:pPr algn="ctr"/>
+            <a:endParaRPr kumimoji="1" lang="ja-JP" altLang="en-US" sz="1400" dirty="0"/>
+          </a:p>
+        </p:txBody>
+      </p:sp>
+      <p:sp>
+        <p:nvSpPr>
+          <p:cNvPr id="68" name="角丸四角形 67"/>
+          <p:cNvSpPr/>
+          <p:nvPr/>
+        </p:nvSpPr>
+        <p:spPr>
+          <a:xfrm>
+            <a:off x="1900793" y="5473034"/>
+            <a:ext cx="749080" cy="465380"/>
+          </a:xfrm>
+          <a:prstGeom prst="roundRect">
+            <a:avLst/>
+          </a:prstGeom>
+          <a:solidFill>
+            <a:schemeClr val="accent6"/>
+          </a:solidFill>
+        </p:spPr>
+        <p:style>
+          <a:lnRef idx="2">
+            <a:schemeClr val="accent6"/>
+          </a:lnRef>
+          <a:fillRef idx="1">
+            <a:schemeClr val="lt1"/>
+          </a:fillRef>
+          <a:effectRef idx="0">
+            <a:schemeClr val="accent6"/>
+          </a:effectRef>
+          <a:fontRef idx="minor">
+            <a:schemeClr val="dk1"/>
+          </a:fontRef>
+        </p:style>
+        <p:txBody>
+          <a:bodyPr rtlCol="0" anchor="ctr"/>
+          <a:lstStyle/>
+          <a:p>
+            <a:pPr algn="ctr"/>
+            <a:endParaRPr kumimoji="1" lang="ja-JP" altLang="en-US" sz="1400" dirty="0"/>
+          </a:p>
+        </p:txBody>
+      </p:sp>
+      <p:sp>
+        <p:nvSpPr>
+          <p:cNvPr id="69" name="角丸四角形 68"/>
+          <p:cNvSpPr/>
+          <p:nvPr/>
+        </p:nvSpPr>
+        <p:spPr>
+          <a:xfrm>
+            <a:off x="2727793" y="5473034"/>
+            <a:ext cx="3135639" cy="465380"/>
+          </a:xfrm>
+          <a:prstGeom prst="roundRect">
+            <a:avLst/>
+          </a:prstGeom>
+          <a:solidFill>
+            <a:schemeClr val="accent6"/>
+          </a:solidFill>
+        </p:spPr>
+        <p:style>
+          <a:lnRef idx="2">
+            <a:schemeClr val="accent6"/>
+          </a:lnRef>
+          <a:fillRef idx="1">
+            <a:schemeClr val="lt1"/>
+          </a:fillRef>
+          <a:effectRef idx="0">
+            <a:schemeClr val="accent6"/>
+          </a:effectRef>
+          <a:fontRef idx="minor">
+            <a:schemeClr val="dk1"/>
+          </a:fontRef>
+        </p:style>
+        <p:txBody>
+          <a:bodyPr rtlCol="0" anchor="ctr"/>
+          <a:lstStyle/>
+          <a:p>
+            <a:pPr algn="ctr"/>
+            <a:endParaRPr kumimoji="1" lang="ja-JP" altLang="en-US" sz="1400" dirty="0"/>
+          </a:p>
+        </p:txBody>
+      </p:sp>
+      <p:sp>
+        <p:nvSpPr>
+          <p:cNvPr id="70" name="角丸四角形 69"/>
+          <p:cNvSpPr/>
+          <p:nvPr/>
+        </p:nvSpPr>
+        <p:spPr>
+          <a:xfrm>
+            <a:off x="5941352" y="5473034"/>
+            <a:ext cx="710750" cy="465380"/>
+          </a:xfrm>
+          <a:prstGeom prst="roundRect">
+            <a:avLst/>
+          </a:prstGeom>
+        </p:spPr>
+        <p:style>
+          <a:lnRef idx="2">
+            <a:schemeClr val="accent6"/>
+          </a:lnRef>
+          <a:fillRef idx="1">
+            <a:schemeClr val="lt1"/>
+          </a:fillRef>
+          <a:effectRef idx="0">
+            <a:schemeClr val="accent6"/>
+          </a:effectRef>
+          <a:fontRef idx="minor">
+            <a:schemeClr val="dk1"/>
+          </a:fontRef>
+        </p:style>
+        <p:txBody>
+          <a:bodyPr rtlCol="0" anchor="ctr"/>
+          <a:lstStyle/>
+          <a:p>
+            <a:pPr algn="ctr"/>
+            <a:endParaRPr kumimoji="1" lang="ja-JP" altLang="en-US" sz="1400" dirty="0"/>
+          </a:p>
+        </p:txBody>
+      </p:sp>
+      <p:sp>
+        <p:nvSpPr>
+          <p:cNvPr id="64" name="テキスト ボックス 59"/>
+          <p:cNvSpPr txBox="1"/>
+          <p:nvPr/>
+        </p:nvSpPr>
+        <p:spPr>
+          <a:xfrm>
+            <a:off x="2027756" y="1590050"/>
+            <a:ext cx="4852610" cy="523220"/>
+          </a:xfrm>
+          <a:prstGeom prst="rect">
+            <a:avLst/>
+          </a:prstGeom>
+          <a:noFill/>
+        </p:spPr>
+        <p:txBody>
+          <a:bodyPr wrap="none" rtlCol="0">
+            <a:spAutoFit/>
+          </a:bodyPr>
+          <a:lstStyle>
+            <a:defPPr>
+              <a:defRPr lang="ja-JP"/>
+            </a:defPPr>
+            <a:lvl1pPr marL="0" algn="l" defTabSz="914400" rtl="0" eaLnBrk="1" latinLnBrk="0" hangingPunct="1">
+              <a:defRPr kumimoji="1" sz="1800" kern="1200">
+                <a:solidFill>
+                  <a:schemeClr val="tx1"/>
+                </a:solidFill>
+                <a:latin typeface="+mn-lt"/>
+                <a:ea typeface="+mn-ea"/>
+                <a:cs typeface="+mn-cs"/>
+              </a:defRPr>
+            </a:lvl1pPr>
+            <a:lvl2pPr marL="457200" algn="l" defTabSz="914400" rtl="0" eaLnBrk="1" latinLnBrk="0" hangingPunct="1">
+              <a:defRPr kumimoji="1" sz="1800" kern="1200">
+                <a:solidFill>
+                  <a:schemeClr val="tx1"/>
+                </a:solidFill>
+                <a:latin typeface="+mn-lt"/>
+                <a:ea typeface="+mn-ea"/>
+                <a:cs typeface="+mn-cs"/>
+              </a:defRPr>
+            </a:lvl2pPr>
+            <a:lvl3pPr marL="914400" algn="l" defTabSz="914400" rtl="0" eaLnBrk="1" latinLnBrk="0" hangingPunct="1">
+              <a:defRPr kumimoji="1" sz="1800" kern="1200">
+                <a:solidFill>
+                  <a:schemeClr val="tx1"/>
+                </a:solidFill>
+                <a:latin typeface="+mn-lt"/>
+                <a:ea typeface="+mn-ea"/>
+                <a:cs typeface="+mn-cs"/>
+              </a:defRPr>
+            </a:lvl3pPr>
+            <a:lvl4pPr marL="1371600" algn="l" defTabSz="914400" rtl="0" eaLnBrk="1" latinLnBrk="0" hangingPunct="1">
+              <a:defRPr kumimoji="1" sz="1800" kern="1200">
+                <a:solidFill>
+                  <a:schemeClr val="tx1"/>
+                </a:solidFill>
+                <a:latin typeface="+mn-lt"/>
+                <a:ea typeface="+mn-ea"/>
+                <a:cs typeface="+mn-cs"/>
+              </a:defRPr>
+            </a:lvl4pPr>
+            <a:lvl5pPr marL="1828800" algn="l" defTabSz="914400" rtl="0" eaLnBrk="1" latinLnBrk="0" hangingPunct="1">
+              <a:defRPr kumimoji="1" sz="1800" kern="1200">
+                <a:solidFill>
+                  <a:schemeClr val="tx1"/>
+                </a:solidFill>
+                <a:latin typeface="+mn-lt"/>
+                <a:ea typeface="+mn-ea"/>
+                <a:cs typeface="+mn-cs"/>
+              </a:defRPr>
+            </a:lvl5pPr>
+            <a:lvl6pPr marL="2286000" algn="l" defTabSz="914400" rtl="0" eaLnBrk="1" latinLnBrk="0" hangingPunct="1">
+              <a:defRPr kumimoji="1" sz="1800" kern="1200">
+                <a:solidFill>
+                  <a:schemeClr val="tx1"/>
+                </a:solidFill>
+                <a:latin typeface="+mn-lt"/>
+                <a:ea typeface="+mn-ea"/>
+                <a:cs typeface="+mn-cs"/>
+              </a:defRPr>
+            </a:lvl6pPr>
+            <a:lvl7pPr marL="2743200" algn="l" defTabSz="914400" rtl="0" eaLnBrk="1" latinLnBrk="0" hangingPunct="1">
+              <a:defRPr kumimoji="1" sz="1800" kern="1200">
+                <a:solidFill>
+                  <a:schemeClr val="tx1"/>
+                </a:solidFill>
+                <a:latin typeface="+mn-lt"/>
+                <a:ea typeface="+mn-ea"/>
+                <a:cs typeface="+mn-cs"/>
+              </a:defRPr>
+            </a:lvl7pPr>
+            <a:lvl8pPr marL="3200400" algn="l" defTabSz="914400" rtl="0" eaLnBrk="1" latinLnBrk="0" hangingPunct="1">
+              <a:defRPr kumimoji="1" sz="1800" kern="1200">
+                <a:solidFill>
+                  <a:schemeClr val="tx1"/>
+                </a:solidFill>
+                <a:latin typeface="+mn-lt"/>
+                <a:ea typeface="+mn-ea"/>
+                <a:cs typeface="+mn-cs"/>
+              </a:defRPr>
+            </a:lvl8pPr>
+            <a:lvl9pPr marL="3657600" algn="l" defTabSz="914400" rtl="0" eaLnBrk="1" latinLnBrk="0" hangingPunct="1">
+              <a:defRPr kumimoji="1" sz="1800" kern="1200">
+                <a:solidFill>
+                  <a:schemeClr val="tx1"/>
+                </a:solidFill>
+                <a:latin typeface="+mn-lt"/>
+                <a:ea typeface="+mn-ea"/>
+                <a:cs typeface="+mn-cs"/>
+              </a:defRPr>
+            </a:lvl9pPr>
+          </a:lstStyle>
+          <a:p>
+            <a:pPr marL="0" lvl="2"/>
+            <a:r>
+              <a:rPr lang="ja-JP" altLang="en-US" sz="2800" smtClean="0"/>
+              <a:t>マウスホイール連携バインド</a:t>
+            </a:r>
+            <a:endParaRPr lang="en-US" altLang="ja-JP" sz="2800" smtClean="0"/>
+          </a:p>
+        </p:txBody>
+      </p:sp>
+      <p:sp>
+        <p:nvSpPr>
+          <p:cNvPr id="3" name="四角形吹き出し 2"/>
+          <p:cNvSpPr/>
+          <p:nvPr/>
+        </p:nvSpPr>
+        <p:spPr>
+          <a:xfrm>
+            <a:off x="1813644" y="3835294"/>
+            <a:ext cx="2857780" cy="1440788"/>
+          </a:xfrm>
+          <a:prstGeom prst="wedgeRectCallout">
+            <a:avLst>
+              <a:gd name="adj1" fmla="val -32624"/>
+              <a:gd name="adj2" fmla="val 63319"/>
+            </a:avLst>
+          </a:prstGeom>
+          <a:solidFill>
+            <a:schemeClr val="accent6">
+              <a:lumMod val="20000"/>
+              <a:lumOff val="80000"/>
+            </a:schemeClr>
+          </a:solidFill>
+          <a:ln>
+            <a:solidFill>
+              <a:schemeClr val="accent6">
+                <a:lumMod val="75000"/>
+              </a:schemeClr>
+            </a:solidFill>
+          </a:ln>
+        </p:spPr>
+        <p:style>
+          <a:lnRef idx="2">
+            <a:schemeClr val="accent1">
+              <a:shade val="50000"/>
+            </a:schemeClr>
+          </a:lnRef>
+          <a:fillRef idx="1">
+            <a:schemeClr val="accent1"/>
+          </a:fillRef>
+          <a:effectRef idx="0">
+            <a:schemeClr val="accent1"/>
+          </a:effectRef>
+          <a:fontRef idx="minor">
+            <a:schemeClr val="lt1"/>
+          </a:fontRef>
+        </p:style>
+        <p:txBody>
+          <a:bodyPr rtlCol="0" anchor="ctr"/>
+          <a:lstStyle/>
+          <a:p>
+            <a:pPr algn="ctr"/>
+            <a:r>
+              <a:rPr lang="ja-JP" altLang="en-US" smtClean="0">
+                <a:solidFill>
+                  <a:schemeClr val="accent6">
+                    <a:lumMod val="75000"/>
+                  </a:schemeClr>
+                </a:solidFill>
+              </a:rPr>
+              <a:t>押下＋「</a:t>
+            </a:r>
+            <a:r>
+              <a:rPr lang="ja-JP" altLang="en-US">
+                <a:solidFill>
+                  <a:schemeClr val="accent6">
+                    <a:lumMod val="75000"/>
+                  </a:schemeClr>
+                </a:solidFill>
+              </a:rPr>
+              <a:t>上下</a:t>
+            </a:r>
+            <a:r>
+              <a:rPr lang="ja-JP" altLang="en-US" smtClean="0">
+                <a:solidFill>
+                  <a:schemeClr val="accent6">
+                    <a:lumMod val="75000"/>
+                  </a:schemeClr>
+                </a:solidFill>
+              </a:rPr>
+              <a:t>」で</a:t>
+            </a:r>
+            <a:endParaRPr lang="en-US" altLang="ja-JP" smtClean="0">
+              <a:solidFill>
+                <a:schemeClr val="accent6">
+                  <a:lumMod val="75000"/>
+                </a:schemeClr>
+              </a:solidFill>
+            </a:endParaRPr>
+          </a:p>
+          <a:p>
+            <a:pPr algn="ctr"/>
+            <a:r>
+              <a:rPr kumimoji="1" lang="ja-JP" altLang="en-US" smtClean="0">
+                <a:solidFill>
+                  <a:schemeClr val="accent6">
+                    <a:lumMod val="75000"/>
+                  </a:schemeClr>
+                </a:solidFill>
+              </a:rPr>
+              <a:t>ファイルランチャ</a:t>
+            </a:r>
+            <a:endParaRPr kumimoji="1" lang="en-US" altLang="ja-JP" smtClean="0">
+              <a:solidFill>
+                <a:schemeClr val="accent6">
+                  <a:lumMod val="75000"/>
+                </a:schemeClr>
+              </a:solidFill>
+            </a:endParaRPr>
+          </a:p>
+          <a:p>
+            <a:pPr algn="ctr"/>
+            <a:r>
+              <a:rPr lang="ja-JP" altLang="en-US" smtClean="0">
+                <a:solidFill>
+                  <a:schemeClr val="accent6">
+                    <a:lumMod val="75000"/>
+                  </a:schemeClr>
+                </a:solidFill>
+              </a:rPr>
+              <a:t>押下＋「押下」で</a:t>
+            </a:r>
+            <a:endParaRPr lang="en-US" altLang="ja-JP" smtClean="0">
+              <a:solidFill>
+                <a:schemeClr val="accent6">
+                  <a:lumMod val="75000"/>
+                </a:schemeClr>
+              </a:solidFill>
+            </a:endParaRPr>
+          </a:p>
+          <a:p>
+            <a:pPr algn="ctr"/>
+            <a:r>
+              <a:rPr kumimoji="1" lang="ja-JP" altLang="en-US" smtClean="0">
+                <a:solidFill>
+                  <a:schemeClr val="accent6">
+                    <a:lumMod val="75000"/>
+                  </a:schemeClr>
+                </a:solidFill>
+              </a:rPr>
+              <a:t>ファイルランチャ設定</a:t>
+            </a:r>
+            <a:endParaRPr kumimoji="1" lang="ja-JP" altLang="en-US">
+              <a:solidFill>
+                <a:schemeClr val="accent6">
+                  <a:lumMod val="75000"/>
+                </a:schemeClr>
+              </a:solidFill>
+            </a:endParaRPr>
+          </a:p>
+        </p:txBody>
+      </p:sp>
+      <p:sp>
+        <p:nvSpPr>
+          <p:cNvPr id="65" name="四角形吹き出し 64"/>
+          <p:cNvSpPr/>
+          <p:nvPr/>
+        </p:nvSpPr>
+        <p:spPr>
+          <a:xfrm>
+            <a:off x="5033135" y="4416288"/>
+            <a:ext cx="2465762" cy="879270"/>
+          </a:xfrm>
+          <a:prstGeom prst="wedgeRectCallout">
+            <a:avLst>
+              <a:gd name="adj1" fmla="val -33194"/>
+              <a:gd name="adj2" fmla="val 65333"/>
+            </a:avLst>
+          </a:prstGeom>
+          <a:solidFill>
+            <a:schemeClr val="accent6">
+              <a:lumMod val="20000"/>
+              <a:lumOff val="80000"/>
+            </a:schemeClr>
+          </a:solidFill>
+          <a:ln>
+            <a:solidFill>
+              <a:schemeClr val="accent6">
+                <a:lumMod val="75000"/>
+              </a:schemeClr>
+            </a:solidFill>
+          </a:ln>
+        </p:spPr>
+        <p:style>
+          <a:lnRef idx="2">
+            <a:schemeClr val="accent1">
+              <a:shade val="50000"/>
+            </a:schemeClr>
+          </a:lnRef>
+          <a:fillRef idx="1">
+            <a:schemeClr val="accent1"/>
+          </a:fillRef>
+          <a:effectRef idx="0">
+            <a:schemeClr val="accent1"/>
+          </a:effectRef>
+          <a:fontRef idx="minor">
+            <a:schemeClr val="lt1"/>
+          </a:fontRef>
+        </p:style>
+        <p:txBody>
+          <a:bodyPr rtlCol="0" anchor="ctr"/>
+          <a:lstStyle/>
+          <a:p>
+            <a:pPr algn="ctr"/>
+            <a:r>
+              <a:rPr lang="ja-JP" altLang="en-US" smtClean="0">
+                <a:solidFill>
+                  <a:schemeClr val="accent6">
+                    <a:lumMod val="75000"/>
+                  </a:schemeClr>
+                </a:solidFill>
+              </a:rPr>
+              <a:t>押下＋「上下」で</a:t>
+            </a:r>
+            <a:endParaRPr lang="en-US" altLang="ja-JP" smtClean="0">
+              <a:solidFill>
+                <a:schemeClr val="accent6">
+                  <a:lumMod val="75000"/>
+                </a:schemeClr>
+              </a:solidFill>
+            </a:endParaRPr>
+          </a:p>
+          <a:p>
+            <a:pPr algn="ctr"/>
+            <a:r>
+              <a:rPr lang="ja-JP" altLang="en-US" smtClean="0">
+                <a:solidFill>
+                  <a:schemeClr val="accent6">
+                    <a:lumMod val="75000"/>
+                  </a:schemeClr>
+                </a:solidFill>
+              </a:rPr>
+              <a:t>コピペ履歴貼付け</a:t>
+            </a:r>
+            <a:endParaRPr lang="ja-JP" altLang="en-US">
+              <a:solidFill>
+                <a:schemeClr val="accent6">
+                  <a:lumMod val="75000"/>
+                </a:schemeClr>
+              </a:solidFill>
+            </a:endParaRPr>
+          </a:p>
+        </p:txBody>
+      </p:sp>
+    </p:spTree>
+    <p:extLst>
+      <p:ext uri="{BB962C8B-B14F-4D97-AF65-F5344CB8AC3E}">
+        <p14:creationId xmlns:p14="http://schemas.microsoft.com/office/powerpoint/2010/main" val="813353234"/>
+      </p:ext>
+    </p:extLst>
+  </p:cSld>
+  <p:clrMapOvr>
+    <a:masterClrMapping/>
+  </p:clrMapOvr>
+  <mc:AlternateContent xmlns:mc="http://schemas.openxmlformats.org/markup-compatibility/2006">
+    <mc:Choice xmlns:p14="http://schemas.microsoft.com/office/powerpoint/2010/main" Requires="p14">
+      <p:transition spd="slow" p14:dur="2000"/>
+    </mc:Choice>
+    <mc:Fallback>
+      <p:transition spd="slow"/>
+    </mc:Fallback>
+  </mc:AlternateContent>
+  <p:timing>
+    <p:tnLst>
+      <p:par>
+        <p:cTn id="1" dur="indefinite" restart="never" nodeType="tmRoot"/>
+      </p:par>
+    </p:tnLst>
+  </p:timing>
+</p:sld>
+</file>
+
+<file path=ppt/slides/slide18.xml><?xml version="1.0" encoding="utf-8"?>
 <p:sld xmlns:a="http://schemas.openxmlformats.org/drawingml/2006/main" xmlns:r="http://schemas.openxmlformats.org/officeDocument/2006/relationships" xmlns:p="http://schemas.openxmlformats.org/presentationml/2006/main" show="0">
   <p:cSld>
     <p:spTree>
@@ -25710,7 +28461,7 @@
 </p:sld>
 </file>
 
-<file path=ppt/slides/slide18.xml><?xml version="1.0" encoding="utf-8"?>
+<file path=ppt/slides/slide19.xml><?xml version="1.0" encoding="utf-8"?>
 <p:sld xmlns:a="http://schemas.openxmlformats.org/drawingml/2006/main" xmlns:r="http://schemas.openxmlformats.org/officeDocument/2006/relationships" xmlns:p="http://schemas.openxmlformats.org/presentationml/2006/main">
   <p:cSld>
     <p:spTree>
@@ -25819,7 +28570,106 @@
 </p:sld>
 </file>
 
-<file path=ppt/slides/slide19.xml><?xml version="1.0" encoding="utf-8"?>
+<file path=ppt/slides/slide2.xml><?xml version="1.0" encoding="utf-8"?>
+<p:sld xmlns:a="http://schemas.openxmlformats.org/drawingml/2006/main" xmlns:r="http://schemas.openxmlformats.org/officeDocument/2006/relationships" xmlns:p="http://schemas.openxmlformats.org/presentationml/2006/main">
+  <p:cSld>
+    <p:spTree>
+      <p:nvGrpSpPr>
+        <p:cNvPr id="1" name=""/>
+        <p:cNvGrpSpPr/>
+        <p:nvPr/>
+      </p:nvGrpSpPr>
+      <p:grpSpPr>
+        <a:xfrm>
+          <a:off x="0" y="0"/>
+          <a:ext cx="0" cy="0"/>
+          <a:chOff x="0" y="0"/>
+          <a:chExt cx="0" cy="0"/>
+        </a:xfrm>
+      </p:grpSpPr>
+      <p:sp>
+        <p:nvSpPr>
+          <p:cNvPr id="2" name="タイトル 1"/>
+          <p:cNvSpPr>
+            <a:spLocks noGrp="1"/>
+          </p:cNvSpPr>
+          <p:nvPr>
+            <p:ph type="title"/>
+          </p:nvPr>
+        </p:nvSpPr>
+        <p:spPr/>
+        <p:txBody>
+          <a:bodyPr/>
+          <a:lstStyle/>
+          <a:p>
+            <a:r>
+              <a:rPr kumimoji="1" lang="en-US" altLang="ja-JP" smtClean="0"/>
+              <a:t>Key : Happy Hacking Keyboard</a:t>
+            </a:r>
+            <a:endParaRPr kumimoji="1" lang="ja-JP" altLang="en-US" dirty="0"/>
+          </a:p>
+        </p:txBody>
+      </p:sp>
+      <p:pic>
+        <p:nvPicPr>
+          <p:cNvPr id="1026" name="Picture 2" descr="https://www.pfu.fujitsu.com/hhkeyboard/leaflet/images/pro2nl_sumi_a_l.jpg"/>
+          <p:cNvPicPr>
+            <a:picLocks noChangeAspect="1" noChangeArrowheads="1"/>
+          </p:cNvPicPr>
+          <p:nvPr/>
+        </p:nvPicPr>
+        <p:blipFill rotWithShape="1">
+          <a:blip r:embed="rId2">
+            <a:extLst>
+              <a:ext uri="{28A0092B-C50C-407E-A947-70E740481C1C}">
+                <a14:useLocalDpi xmlns:a14="http://schemas.microsoft.com/office/drawing/2010/main" val="0"/>
+              </a:ext>
+            </a:extLst>
+          </a:blip>
+          <a:srcRect l="2074" t="17063" r="2782" b="16109"/>
+          <a:stretch/>
+        </p:blipFill>
+        <p:spPr bwMode="auto">
+          <a:xfrm>
+            <a:off x="468630" y="3120390"/>
+            <a:ext cx="8206740" cy="3017520"/>
+          </a:xfrm>
+          <a:prstGeom prst="rect">
+            <a:avLst/>
+          </a:prstGeom>
+          <a:noFill/>
+          <a:extLst>
+            <a:ext uri="{909E8E84-426E-40DD-AFC4-6F175D3DCCD1}">
+              <a14:hiddenFill xmlns:a14="http://schemas.microsoft.com/office/drawing/2010/main">
+                <a:solidFill>
+                  <a:srgbClr val="FFFFFF"/>
+                </a:solidFill>
+              </a14:hiddenFill>
+            </a:ext>
+          </a:extLst>
+        </p:spPr>
+      </p:pic>
+    </p:spTree>
+    <p:extLst>
+      <p:ext uri="{BB962C8B-B14F-4D97-AF65-F5344CB8AC3E}">
+        <p14:creationId xmlns:p14="http://schemas.microsoft.com/office/powerpoint/2010/main" val="4111081312"/>
+      </p:ext>
+    </p:extLst>
+  </p:cSld>
+  <p:clrMapOvr>
+    <a:masterClrMapping/>
+  </p:clrMapOvr>
+  <p:timing>
+    <p:tnLst>
+      <p:par>
+        <p:cTn id="1" dur="indefinite" restart="never" nodeType="tmRoot"/>
+      </p:par>
+    </p:tnLst>
+  </p:timing>
+</p:sld>
+</file>
+
+<file path=ppt/slides/slide20.xml><?xml version="1.0" encoding="utf-8"?>
 <p:sld xmlns:a="http://schemas.openxmlformats.org/drawingml/2006/main" xmlns:r="http://schemas.openxmlformats.org/officeDocument/2006/relationships" xmlns:p="http://schemas.openxmlformats.org/presentationml/2006/main">
   <p:cSld>
     <p:spTree>
@@ -26766,106 +29616,7 @@
 </p:sld>
 </file>
 
-<file path=ppt/slides/slide2.xml><?xml version="1.0" encoding="utf-8"?>
-<p:sld xmlns:a="http://schemas.openxmlformats.org/drawingml/2006/main" xmlns:r="http://schemas.openxmlformats.org/officeDocument/2006/relationships" xmlns:p="http://schemas.openxmlformats.org/presentationml/2006/main">
-  <p:cSld>
-    <p:spTree>
-      <p:nvGrpSpPr>
-        <p:cNvPr id="1" name=""/>
-        <p:cNvGrpSpPr/>
-        <p:nvPr/>
-      </p:nvGrpSpPr>
-      <p:grpSpPr>
-        <a:xfrm>
-          <a:off x="0" y="0"/>
-          <a:ext cx="0" cy="0"/>
-          <a:chOff x="0" y="0"/>
-          <a:chExt cx="0" cy="0"/>
-        </a:xfrm>
-      </p:grpSpPr>
-      <p:sp>
-        <p:nvSpPr>
-          <p:cNvPr id="2" name="タイトル 1"/>
-          <p:cNvSpPr>
-            <a:spLocks noGrp="1"/>
-          </p:cNvSpPr>
-          <p:nvPr>
-            <p:ph type="title"/>
-          </p:nvPr>
-        </p:nvSpPr>
-        <p:spPr/>
-        <p:txBody>
-          <a:bodyPr/>
-          <a:lstStyle/>
-          <a:p>
-            <a:r>
-              <a:rPr kumimoji="1" lang="en-US" altLang="ja-JP" smtClean="0"/>
-              <a:t>Key : Happy Hacking Keyboard</a:t>
-            </a:r>
-            <a:endParaRPr kumimoji="1" lang="ja-JP" altLang="en-US" dirty="0"/>
-          </a:p>
-        </p:txBody>
-      </p:sp>
-      <p:pic>
-        <p:nvPicPr>
-          <p:cNvPr id="1026" name="Picture 2" descr="https://www.pfu.fujitsu.com/hhkeyboard/leaflet/images/pro2nl_sumi_a_l.jpg"/>
-          <p:cNvPicPr>
-            <a:picLocks noChangeAspect="1" noChangeArrowheads="1"/>
-          </p:cNvPicPr>
-          <p:nvPr/>
-        </p:nvPicPr>
-        <p:blipFill rotWithShape="1">
-          <a:blip r:embed="rId2">
-            <a:extLst>
-              <a:ext uri="{28A0092B-C50C-407E-A947-70E740481C1C}">
-                <a14:useLocalDpi xmlns:a14="http://schemas.microsoft.com/office/drawing/2010/main" val="0"/>
-              </a:ext>
-            </a:extLst>
-          </a:blip>
-          <a:srcRect l="2074" t="17063" r="2782" b="16109"/>
-          <a:stretch/>
-        </p:blipFill>
-        <p:spPr bwMode="auto">
-          <a:xfrm>
-            <a:off x="468630" y="3120390"/>
-            <a:ext cx="8206740" cy="3017520"/>
-          </a:xfrm>
-          <a:prstGeom prst="rect">
-            <a:avLst/>
-          </a:prstGeom>
-          <a:noFill/>
-          <a:extLst>
-            <a:ext uri="{909E8E84-426E-40DD-AFC4-6F175D3DCCD1}">
-              <a14:hiddenFill xmlns:a14="http://schemas.microsoft.com/office/drawing/2010/main">
-                <a:solidFill>
-                  <a:srgbClr val="FFFFFF"/>
-                </a:solidFill>
-              </a14:hiddenFill>
-            </a:ext>
-          </a:extLst>
-        </p:spPr>
-      </p:pic>
-    </p:spTree>
-    <p:extLst>
-      <p:ext uri="{BB962C8B-B14F-4D97-AF65-F5344CB8AC3E}">
-        <p14:creationId xmlns:p14="http://schemas.microsoft.com/office/powerpoint/2010/main" val="4111081312"/>
-      </p:ext>
-    </p:extLst>
-  </p:cSld>
-  <p:clrMapOvr>
-    <a:masterClrMapping/>
-  </p:clrMapOvr>
-  <p:timing>
-    <p:tnLst>
-      <p:par>
-        <p:cTn id="1" dur="indefinite" restart="never" nodeType="tmRoot"/>
-      </p:par>
-    </p:tnLst>
-  </p:timing>
-</p:sld>
-</file>
-
-<file path=ppt/slides/slide20.xml><?xml version="1.0" encoding="utf-8"?>
+<file path=ppt/slides/slide21.xml><?xml version="1.0" encoding="utf-8"?>
 <p:sld xmlns:a="http://schemas.openxmlformats.org/drawingml/2006/main" xmlns:r="http://schemas.openxmlformats.org/officeDocument/2006/relationships" xmlns:p="http://schemas.openxmlformats.org/presentationml/2006/main">
   <p:cSld>
     <p:spTree>
@@ -27840,7 +30591,7 @@
 </p:sld>
 </file>
 
-<file path=ppt/slides/slide21.xml><?xml version="1.0" encoding="utf-8"?>
+<file path=ppt/slides/slide22.xml><?xml version="1.0" encoding="utf-8"?>
 <p:sld xmlns:a="http://schemas.openxmlformats.org/drawingml/2006/main" xmlns:r="http://schemas.openxmlformats.org/officeDocument/2006/relationships" xmlns:p="http://schemas.openxmlformats.org/presentationml/2006/main">
   <p:cSld>
     <p:spTree>
@@ -28801,7 +31552,7 @@
 </p:sld>
 </file>
 
-<file path=ppt/slides/slide22.xml><?xml version="1.0" encoding="utf-8"?>
+<file path=ppt/slides/slide23.xml><?xml version="1.0" encoding="utf-8"?>
 <p:sld xmlns:a="http://schemas.openxmlformats.org/drawingml/2006/main" xmlns:r="http://schemas.openxmlformats.org/officeDocument/2006/relationships" xmlns:p="http://schemas.openxmlformats.org/presentationml/2006/main">
   <p:cSld>
     <p:spTree>

--- a/MANUAL.pptx
+++ b/MANUAL.pptx
@@ -20,10 +20,10 @@
     <p:sldId id="302" r:id="rId11"/>
     <p:sldId id="291" r:id="rId12"/>
     <p:sldId id="300" r:id="rId13"/>
-    <p:sldId id="312" r:id="rId14"/>
-    <p:sldId id="313" r:id="rId15"/>
-    <p:sldId id="315" r:id="rId16"/>
-    <p:sldId id="316" r:id="rId17"/>
+    <p:sldId id="313" r:id="rId14"/>
+    <p:sldId id="315" r:id="rId15"/>
+    <p:sldId id="316" r:id="rId16"/>
+    <p:sldId id="318" r:id="rId17"/>
     <p:sldId id="317" r:id="rId18"/>
     <p:sldId id="303" r:id="rId19"/>
     <p:sldId id="306" r:id="rId20"/>
@@ -150,10 +150,10 @@
             <p14:sldId id="302"/>
             <p14:sldId id="291"/>
             <p14:sldId id="300"/>
-            <p14:sldId id="312"/>
             <p14:sldId id="313"/>
             <p14:sldId id="315"/>
             <p14:sldId id="316"/>
+            <p14:sldId id="318"/>
             <p14:sldId id="317"/>
             <p14:sldId id="303"/>
           </p14:sldIdLst>
@@ -258,7 +258,7 @@
           <a:p>
             <a:fld id="{98B15ECE-60C4-45D4-8ABC-DDA7D4F33EF9}" type="datetimeFigureOut">
               <a:rPr kumimoji="1" lang="ja-JP" altLang="en-US" smtClean="0"/>
-              <a:t>2016/9/26</a:t>
+              <a:t>2016/11/27</a:t>
             </a:fld>
             <a:endParaRPr kumimoji="1" lang="ja-JP" altLang="en-US"/>
           </a:p>
@@ -1361,7 +1361,7 @@
           <a:p>
             <a:fld id="{8FB4C7EE-3C5D-4F47-A8DE-21B759CA57C5}" type="datetimeFigureOut">
               <a:rPr kumimoji="1" lang="ja-JP" altLang="en-US" smtClean="0"/>
-              <a:t>2016/9/26</a:t>
+              <a:t>2016/11/27</a:t>
             </a:fld>
             <a:endParaRPr kumimoji="1" lang="ja-JP" altLang="en-US"/>
           </a:p>
@@ -1563,7 +1563,7 @@
           <a:p>
             <a:fld id="{8FB4C7EE-3C5D-4F47-A8DE-21B759CA57C5}" type="datetimeFigureOut">
               <a:rPr kumimoji="1" lang="ja-JP" altLang="en-US" smtClean="0"/>
-              <a:t>2016/9/26</a:t>
+              <a:t>2016/11/27</a:t>
             </a:fld>
             <a:endParaRPr kumimoji="1" lang="ja-JP" altLang="en-US"/>
           </a:p>
@@ -1775,7 +1775,7 @@
           <a:p>
             <a:fld id="{8FB4C7EE-3C5D-4F47-A8DE-21B759CA57C5}" type="datetimeFigureOut">
               <a:rPr kumimoji="1" lang="ja-JP" altLang="en-US" smtClean="0"/>
-              <a:t>2016/9/26</a:t>
+              <a:t>2016/11/27</a:t>
             </a:fld>
             <a:endParaRPr kumimoji="1" lang="ja-JP" altLang="en-US"/>
           </a:p>
@@ -1977,7 +1977,7 @@
           <a:p>
             <a:fld id="{8FB4C7EE-3C5D-4F47-A8DE-21B759CA57C5}" type="datetimeFigureOut">
               <a:rPr kumimoji="1" lang="ja-JP" altLang="en-US" smtClean="0"/>
-              <a:t>2016/9/26</a:t>
+              <a:t>2016/11/27</a:t>
             </a:fld>
             <a:endParaRPr kumimoji="1" lang="ja-JP" altLang="en-US"/>
           </a:p>
@@ -2221,7 +2221,7 @@
           <a:p>
             <a:fld id="{8FB4C7EE-3C5D-4F47-A8DE-21B759CA57C5}" type="datetimeFigureOut">
               <a:rPr kumimoji="1" lang="ja-JP" altLang="en-US" smtClean="0"/>
-              <a:t>2016/9/26</a:t>
+              <a:t>2016/11/27</a:t>
             </a:fld>
             <a:endParaRPr kumimoji="1" lang="ja-JP" altLang="en-US"/>
           </a:p>
@@ -2517,7 +2517,7 @@
           <a:p>
             <a:fld id="{8FB4C7EE-3C5D-4F47-A8DE-21B759CA57C5}" type="datetimeFigureOut">
               <a:rPr kumimoji="1" lang="ja-JP" altLang="en-US" smtClean="0"/>
-              <a:t>2016/9/26</a:t>
+              <a:t>2016/11/27</a:t>
             </a:fld>
             <a:endParaRPr kumimoji="1" lang="ja-JP" altLang="en-US"/>
           </a:p>
@@ -2948,7 +2948,7 @@
           <a:p>
             <a:fld id="{8FB4C7EE-3C5D-4F47-A8DE-21B759CA57C5}" type="datetimeFigureOut">
               <a:rPr kumimoji="1" lang="ja-JP" altLang="en-US" smtClean="0"/>
-              <a:t>2016/9/26</a:t>
+              <a:t>2016/11/27</a:t>
             </a:fld>
             <a:endParaRPr kumimoji="1" lang="ja-JP" altLang="en-US"/>
           </a:p>
@@ -3066,7 +3066,7 @@
           <a:p>
             <a:fld id="{8FB4C7EE-3C5D-4F47-A8DE-21B759CA57C5}" type="datetimeFigureOut">
               <a:rPr kumimoji="1" lang="ja-JP" altLang="en-US" smtClean="0"/>
-              <a:t>2016/9/26</a:t>
+              <a:t>2016/11/27</a:t>
             </a:fld>
             <a:endParaRPr kumimoji="1" lang="ja-JP" altLang="en-US"/>
           </a:p>
@@ -3161,7 +3161,7 @@
           <a:p>
             <a:fld id="{8FB4C7EE-3C5D-4F47-A8DE-21B759CA57C5}" type="datetimeFigureOut">
               <a:rPr kumimoji="1" lang="ja-JP" altLang="en-US" smtClean="0"/>
-              <a:t>2016/9/26</a:t>
+              <a:t>2016/11/27</a:t>
             </a:fld>
             <a:endParaRPr kumimoji="1" lang="ja-JP" altLang="en-US"/>
           </a:p>
@@ -3470,7 +3470,7 @@
           <a:p>
             <a:fld id="{8FB4C7EE-3C5D-4F47-A8DE-21B759CA57C5}" type="datetimeFigureOut">
               <a:rPr kumimoji="1" lang="ja-JP" altLang="en-US" smtClean="0"/>
-              <a:t>2016/9/26</a:t>
+              <a:t>2016/11/27</a:t>
             </a:fld>
             <a:endParaRPr kumimoji="1" lang="ja-JP" altLang="en-US"/>
           </a:p>
@@ -3727,7 +3727,7 @@
           <a:p>
             <a:fld id="{8FB4C7EE-3C5D-4F47-A8DE-21B759CA57C5}" type="datetimeFigureOut">
               <a:rPr kumimoji="1" lang="ja-JP" altLang="en-US" smtClean="0"/>
-              <a:t>2016/9/26</a:t>
+              <a:t>2016/11/27</a:t>
             </a:fld>
             <a:endParaRPr kumimoji="1" lang="ja-JP" altLang="en-US"/>
           </a:p>
@@ -3972,7 +3972,7 @@
           <a:p>
             <a:fld id="{8FB4C7EE-3C5D-4F47-A8DE-21B759CA57C5}" type="datetimeFigureOut">
               <a:rPr kumimoji="1" lang="ja-JP" altLang="en-US" smtClean="0"/>
-              <a:t>2016/9/26</a:t>
+              <a:t>2016/11/27</a:t>
             </a:fld>
             <a:endParaRPr kumimoji="1" lang="ja-JP" altLang="en-US"/>
           </a:p>
@@ -13931,57 +13931,574 @@
           <a:lstStyle/>
           <a:p>
             <a:pPr algn="ctr"/>
-            <a:r>
-              <a:rPr lang="ja-JP" altLang="en-US" sz="700" smtClean="0">
+            <a:endParaRPr lang="ja-JP" altLang="en-US" sz="700" dirty="0">
+              <a:solidFill>
+                <a:schemeClr val="accent6">
+                  <a:lumMod val="75000"/>
+                </a:schemeClr>
+              </a:solidFill>
+            </a:endParaRPr>
+          </a:p>
+        </p:txBody>
+      </p:sp>
+      <p:sp>
+        <p:nvSpPr>
+          <p:cNvPr id="24" name="角丸四角形 23"/>
+          <p:cNvSpPr/>
+          <p:nvPr/>
+        </p:nvSpPr>
+        <p:spPr>
+          <a:xfrm>
+            <a:off x="2437374" y="3895694"/>
+            <a:ext cx="464588" cy="465380"/>
+          </a:xfrm>
+          <a:prstGeom prst="roundRect">
+            <a:avLst/>
+          </a:prstGeom>
+        </p:spPr>
+        <p:style>
+          <a:lnRef idx="2">
+            <a:schemeClr val="accent6"/>
+          </a:lnRef>
+          <a:fillRef idx="1">
+            <a:schemeClr val="lt1"/>
+          </a:fillRef>
+          <a:effectRef idx="0">
+            <a:schemeClr val="accent6"/>
+          </a:effectRef>
+          <a:fontRef idx="minor">
+            <a:schemeClr val="dk1"/>
+          </a:fontRef>
+        </p:style>
+        <p:txBody>
+          <a:bodyPr wrap="none" rtlCol="0" anchor="ctr"/>
+          <a:lstStyle/>
+          <a:p>
+            <a:pPr algn="ctr"/>
+            <a:endParaRPr lang="ja-JP" altLang="en-US" sz="800" dirty="0">
+              <a:solidFill>
+                <a:schemeClr val="accent5">
+                  <a:lumMod val="75000"/>
+                </a:schemeClr>
+              </a:solidFill>
+            </a:endParaRPr>
+          </a:p>
+        </p:txBody>
+      </p:sp>
+      <p:sp>
+        <p:nvSpPr>
+          <p:cNvPr id="25" name="角丸四角形 24"/>
+          <p:cNvSpPr/>
+          <p:nvPr/>
+        </p:nvSpPr>
+        <p:spPr>
+          <a:xfrm>
+            <a:off x="2973955" y="3895694"/>
+            <a:ext cx="464588" cy="465380"/>
+          </a:xfrm>
+          <a:prstGeom prst="roundRect">
+            <a:avLst/>
+          </a:prstGeom>
+        </p:spPr>
+        <p:style>
+          <a:lnRef idx="2">
+            <a:schemeClr val="accent6"/>
+          </a:lnRef>
+          <a:fillRef idx="1">
+            <a:schemeClr val="lt1"/>
+          </a:fillRef>
+          <a:effectRef idx="0">
+            <a:schemeClr val="accent6"/>
+          </a:effectRef>
+          <a:fontRef idx="minor">
+            <a:schemeClr val="dk1"/>
+          </a:fontRef>
+        </p:style>
+        <p:txBody>
+          <a:bodyPr wrap="none" rtlCol="0" anchor="ctr"/>
+          <a:lstStyle/>
+          <a:p>
+            <a:pPr algn="ctr"/>
+            <a:endParaRPr lang="en-US" altLang="ja-JP" sz="700" smtClean="0">
+              <a:solidFill>
+                <a:schemeClr val="accent6">
+                  <a:lumMod val="75000"/>
+                </a:schemeClr>
+              </a:solidFill>
+            </a:endParaRPr>
+          </a:p>
+        </p:txBody>
+      </p:sp>
+      <p:sp>
+        <p:nvSpPr>
+          <p:cNvPr id="26" name="角丸四角形 25"/>
+          <p:cNvSpPr/>
+          <p:nvPr/>
+        </p:nvSpPr>
+        <p:spPr>
+          <a:xfrm>
+            <a:off x="3510536" y="3895694"/>
+            <a:ext cx="464588" cy="465380"/>
+          </a:xfrm>
+          <a:prstGeom prst="roundRect">
+            <a:avLst/>
+          </a:prstGeom>
+        </p:spPr>
+        <p:style>
+          <a:lnRef idx="2">
+            <a:schemeClr val="accent6"/>
+          </a:lnRef>
+          <a:fillRef idx="1">
+            <a:schemeClr val="lt1"/>
+          </a:fillRef>
+          <a:effectRef idx="0">
+            <a:schemeClr val="accent6"/>
+          </a:effectRef>
+          <a:fontRef idx="minor">
+            <a:schemeClr val="dk1"/>
+          </a:fontRef>
+        </p:style>
+        <p:txBody>
+          <a:bodyPr wrap="none" rtlCol="0" anchor="ctr"/>
+          <a:lstStyle/>
+          <a:p>
+            <a:pPr algn="ctr"/>
+            <a:endParaRPr lang="ja-JP" altLang="en-US" sz="800" dirty="0">
+              <a:solidFill>
+                <a:schemeClr val="accent5">
+                  <a:lumMod val="75000"/>
+                </a:schemeClr>
+              </a:solidFill>
+            </a:endParaRPr>
+          </a:p>
+        </p:txBody>
+      </p:sp>
+      <p:sp>
+        <p:nvSpPr>
+          <p:cNvPr id="27" name="角丸四角形 26"/>
+          <p:cNvSpPr/>
+          <p:nvPr/>
+        </p:nvSpPr>
+        <p:spPr>
+          <a:xfrm>
+            <a:off x="4047117" y="3895694"/>
+            <a:ext cx="464588" cy="465380"/>
+          </a:xfrm>
+          <a:prstGeom prst="roundRect">
+            <a:avLst/>
+          </a:prstGeom>
+        </p:spPr>
+        <p:style>
+          <a:lnRef idx="2">
+            <a:schemeClr val="accent6"/>
+          </a:lnRef>
+          <a:fillRef idx="1">
+            <a:schemeClr val="lt1"/>
+          </a:fillRef>
+          <a:effectRef idx="0">
+            <a:schemeClr val="accent6"/>
+          </a:effectRef>
+          <a:fontRef idx="minor">
+            <a:schemeClr val="dk1"/>
+          </a:fontRef>
+        </p:style>
+        <p:txBody>
+          <a:bodyPr wrap="none" rtlCol="0" anchor="ctr"/>
+          <a:lstStyle/>
+          <a:p>
+            <a:pPr algn="ctr"/>
+            <a:endParaRPr kumimoji="1" lang="ja-JP" altLang="en-US" sz="800" dirty="0">
+              <a:latin typeface="+mn-ea"/>
+            </a:endParaRPr>
+          </a:p>
+        </p:txBody>
+      </p:sp>
+      <p:sp>
+        <p:nvSpPr>
+          <p:cNvPr id="28" name="角丸四角形 27"/>
+          <p:cNvSpPr/>
+          <p:nvPr/>
+        </p:nvSpPr>
+        <p:spPr>
+          <a:xfrm>
+            <a:off x="4583698" y="3895694"/>
+            <a:ext cx="464588" cy="465380"/>
+          </a:xfrm>
+          <a:prstGeom prst="roundRect">
+            <a:avLst/>
+          </a:prstGeom>
+        </p:spPr>
+        <p:style>
+          <a:lnRef idx="2">
+            <a:schemeClr val="accent6"/>
+          </a:lnRef>
+          <a:fillRef idx="1">
+            <a:schemeClr val="lt1"/>
+          </a:fillRef>
+          <a:effectRef idx="0">
+            <a:schemeClr val="accent6"/>
+          </a:effectRef>
+          <a:fontRef idx="minor">
+            <a:schemeClr val="dk1"/>
+          </a:fontRef>
+        </p:style>
+        <p:txBody>
+          <a:bodyPr wrap="none" rtlCol="0" anchor="ctr"/>
+          <a:lstStyle/>
+          <a:p>
+            <a:pPr algn="ctr"/>
+            <a:endParaRPr lang="ja-JP" altLang="en-US" sz="700" dirty="0">
+              <a:solidFill>
+                <a:schemeClr val="accent6">
+                  <a:lumMod val="75000"/>
+                </a:schemeClr>
+              </a:solidFill>
+            </a:endParaRPr>
+          </a:p>
+        </p:txBody>
+      </p:sp>
+      <p:sp>
+        <p:nvSpPr>
+          <p:cNvPr id="29" name="角丸四角形 28"/>
+          <p:cNvSpPr/>
+          <p:nvPr/>
+        </p:nvSpPr>
+        <p:spPr>
+          <a:xfrm>
+            <a:off x="5120279" y="3895694"/>
+            <a:ext cx="464588" cy="465380"/>
+          </a:xfrm>
+          <a:prstGeom prst="roundRect">
+            <a:avLst/>
+          </a:prstGeom>
+        </p:spPr>
+        <p:style>
+          <a:lnRef idx="2">
+            <a:schemeClr val="accent6"/>
+          </a:lnRef>
+          <a:fillRef idx="1">
+            <a:schemeClr val="lt1"/>
+          </a:fillRef>
+          <a:effectRef idx="0">
+            <a:schemeClr val="accent6"/>
+          </a:effectRef>
+          <a:fontRef idx="minor">
+            <a:schemeClr val="dk1"/>
+          </a:fontRef>
+        </p:style>
+        <p:txBody>
+          <a:bodyPr wrap="none" rtlCol="0" anchor="ctr"/>
+          <a:lstStyle/>
+          <a:p>
+            <a:pPr algn="ctr"/>
+            <a:endParaRPr kumimoji="1" lang="ja-JP" altLang="en-US" sz="800" dirty="0">
+              <a:latin typeface="+mn-ea"/>
+            </a:endParaRPr>
+          </a:p>
+        </p:txBody>
+      </p:sp>
+      <p:sp>
+        <p:nvSpPr>
+          <p:cNvPr id="30" name="角丸四角形 29"/>
+          <p:cNvSpPr/>
+          <p:nvPr/>
+        </p:nvSpPr>
+        <p:spPr>
+          <a:xfrm>
+            <a:off x="5656860" y="3895694"/>
+            <a:ext cx="464588" cy="465380"/>
+          </a:xfrm>
+          <a:prstGeom prst="roundRect">
+            <a:avLst/>
+          </a:prstGeom>
+        </p:spPr>
+        <p:style>
+          <a:lnRef idx="2">
+            <a:schemeClr val="accent6"/>
+          </a:lnRef>
+          <a:fillRef idx="1">
+            <a:schemeClr val="lt1"/>
+          </a:fillRef>
+          <a:effectRef idx="0">
+            <a:schemeClr val="accent6"/>
+          </a:effectRef>
+          <a:fontRef idx="minor">
+            <a:schemeClr val="dk1"/>
+          </a:fontRef>
+        </p:style>
+        <p:txBody>
+          <a:bodyPr wrap="none" rtlCol="0" anchor="ctr"/>
+          <a:lstStyle/>
+          <a:p>
+            <a:pPr algn="ctr"/>
+            <a:endParaRPr lang="en-US" altLang="ja-JP" sz="700">
+              <a:solidFill>
+                <a:schemeClr val="accent6">
+                  <a:lumMod val="75000"/>
+                </a:schemeClr>
+              </a:solidFill>
+            </a:endParaRPr>
+          </a:p>
+        </p:txBody>
+      </p:sp>
+      <p:sp>
+        <p:nvSpPr>
+          <p:cNvPr id="31" name="角丸四角形 30"/>
+          <p:cNvSpPr/>
+          <p:nvPr/>
+        </p:nvSpPr>
+        <p:spPr>
+          <a:xfrm>
+            <a:off x="6193441" y="3895694"/>
+            <a:ext cx="464588" cy="465380"/>
+          </a:xfrm>
+          <a:prstGeom prst="roundRect">
+            <a:avLst/>
+          </a:prstGeom>
+        </p:spPr>
+        <p:style>
+          <a:lnRef idx="2">
+            <a:schemeClr val="accent6"/>
+          </a:lnRef>
+          <a:fillRef idx="1">
+            <a:schemeClr val="lt1"/>
+          </a:fillRef>
+          <a:effectRef idx="0">
+            <a:schemeClr val="accent6"/>
+          </a:effectRef>
+          <a:fontRef idx="minor">
+            <a:schemeClr val="dk1"/>
+          </a:fontRef>
+        </p:style>
+        <p:txBody>
+          <a:bodyPr wrap="none" rtlCol="0" anchor="ctr"/>
+          <a:lstStyle/>
+          <a:p>
+            <a:pPr algn="ctr"/>
+            <a:endParaRPr kumimoji="1" lang="ja-JP" altLang="en-US" sz="800" dirty="0">
+              <a:latin typeface="+mn-ea"/>
+            </a:endParaRPr>
+          </a:p>
+        </p:txBody>
+      </p:sp>
+      <p:sp>
+        <p:nvSpPr>
+          <p:cNvPr id="32" name="角丸四角形 31"/>
+          <p:cNvSpPr/>
+          <p:nvPr/>
+        </p:nvSpPr>
+        <p:spPr>
+          <a:xfrm>
+            <a:off x="6730022" y="3895694"/>
+            <a:ext cx="464588" cy="465380"/>
+          </a:xfrm>
+          <a:prstGeom prst="roundRect">
+            <a:avLst/>
+          </a:prstGeom>
+        </p:spPr>
+        <p:style>
+          <a:lnRef idx="2">
+            <a:schemeClr val="accent6"/>
+          </a:lnRef>
+          <a:fillRef idx="1">
+            <a:schemeClr val="lt1"/>
+          </a:fillRef>
+          <a:effectRef idx="0">
+            <a:schemeClr val="accent6"/>
+          </a:effectRef>
+          <a:fontRef idx="minor">
+            <a:schemeClr val="dk1"/>
+          </a:fontRef>
+        </p:style>
+        <p:txBody>
+          <a:bodyPr wrap="none" rtlCol="0" anchor="ctr"/>
+          <a:lstStyle/>
+          <a:p>
+            <a:pPr algn="ctr"/>
+            <a:endParaRPr kumimoji="1" lang="ja-JP" altLang="en-US" sz="800" dirty="0">
+              <a:latin typeface="+mn-ea"/>
+            </a:endParaRPr>
+          </a:p>
+        </p:txBody>
+      </p:sp>
+      <p:sp>
+        <p:nvSpPr>
+          <p:cNvPr id="33" name="角丸四角形 32"/>
+          <p:cNvSpPr/>
+          <p:nvPr/>
+        </p:nvSpPr>
+        <p:spPr>
+          <a:xfrm>
+            <a:off x="7266603" y="3895694"/>
+            <a:ext cx="464588" cy="465380"/>
+          </a:xfrm>
+          <a:prstGeom prst="roundRect">
+            <a:avLst/>
+          </a:prstGeom>
+        </p:spPr>
+        <p:style>
+          <a:lnRef idx="2">
+            <a:schemeClr val="accent6"/>
+          </a:lnRef>
+          <a:fillRef idx="1">
+            <a:schemeClr val="lt1"/>
+          </a:fillRef>
+          <a:effectRef idx="0">
+            <a:schemeClr val="accent6"/>
+          </a:effectRef>
+          <a:fontRef idx="minor">
+            <a:schemeClr val="dk1"/>
+          </a:fontRef>
+        </p:style>
+        <p:txBody>
+          <a:bodyPr wrap="none" rtlCol="0" anchor="ctr"/>
+          <a:lstStyle/>
+          <a:p>
+            <a:pPr algn="ctr"/>
+            <a:endParaRPr kumimoji="1" lang="ja-JP" altLang="en-US" sz="800" dirty="0">
+              <a:latin typeface="+mn-ea"/>
+            </a:endParaRPr>
+          </a:p>
+        </p:txBody>
+      </p:sp>
+      <p:sp>
+        <p:nvSpPr>
+          <p:cNvPr id="34" name="角丸四角形 33"/>
+          <p:cNvSpPr/>
+          <p:nvPr/>
+        </p:nvSpPr>
+        <p:spPr>
+          <a:xfrm>
+            <a:off x="7803183" y="3895694"/>
+            <a:ext cx="749085" cy="465380"/>
+          </a:xfrm>
+          <a:prstGeom prst="roundRect">
+            <a:avLst/>
+          </a:prstGeom>
+        </p:spPr>
+        <p:style>
+          <a:lnRef idx="2">
+            <a:schemeClr val="accent6"/>
+          </a:lnRef>
+          <a:fillRef idx="1">
+            <a:schemeClr val="lt1"/>
+          </a:fillRef>
+          <a:effectRef idx="0">
+            <a:schemeClr val="accent6"/>
+          </a:effectRef>
+          <a:fontRef idx="minor">
+            <a:schemeClr val="dk1"/>
+          </a:fontRef>
+        </p:style>
+        <p:txBody>
+          <a:bodyPr wrap="none" rtlCol="0" anchor="ctr"/>
+          <a:lstStyle/>
+          <a:p>
+            <a:pPr algn="ctr"/>
+            <a:endParaRPr kumimoji="1" lang="ja-JP" altLang="en-US" sz="800" dirty="0">
+              <a:latin typeface="+mn-ea"/>
+            </a:endParaRPr>
+          </a:p>
+        </p:txBody>
+      </p:sp>
+      <p:sp>
+        <p:nvSpPr>
+          <p:cNvPr id="35" name="角丸四角形 34"/>
+          <p:cNvSpPr/>
+          <p:nvPr/>
+        </p:nvSpPr>
+        <p:spPr>
+          <a:xfrm>
+            <a:off x="569441" y="3895694"/>
+            <a:ext cx="722778" cy="465380"/>
+          </a:xfrm>
+          <a:prstGeom prst="roundRect">
+            <a:avLst/>
+          </a:prstGeom>
+        </p:spPr>
+        <p:style>
+          <a:lnRef idx="2">
+            <a:schemeClr val="accent6"/>
+          </a:lnRef>
+          <a:fillRef idx="1">
+            <a:schemeClr val="lt1"/>
+          </a:fillRef>
+          <a:effectRef idx="0">
+            <a:schemeClr val="accent6"/>
+          </a:effectRef>
+          <a:fontRef idx="minor">
+            <a:schemeClr val="dk1"/>
+          </a:fontRef>
+        </p:style>
+        <p:txBody>
+          <a:bodyPr wrap="none" rtlCol="0" anchor="ctr"/>
+          <a:lstStyle/>
+          <a:p>
+            <a:pPr algn="ctr"/>
+            <a:endParaRPr kumimoji="1" lang="ja-JP" altLang="en-US" sz="900" dirty="0">
+              <a:latin typeface="+mn-ea"/>
+            </a:endParaRPr>
+          </a:p>
+        </p:txBody>
+      </p:sp>
+      <p:sp>
+        <p:nvSpPr>
+          <p:cNvPr id="36" name="角丸四角形 35"/>
+          <p:cNvSpPr/>
+          <p:nvPr/>
+        </p:nvSpPr>
+        <p:spPr>
+          <a:xfrm>
+            <a:off x="1547092" y="4421474"/>
+            <a:ext cx="464588" cy="465380"/>
+          </a:xfrm>
+          <a:prstGeom prst="roundRect">
+            <a:avLst/>
+          </a:prstGeom>
+        </p:spPr>
+        <p:style>
+          <a:lnRef idx="2">
+            <a:schemeClr val="accent6"/>
+          </a:lnRef>
+          <a:fillRef idx="1">
+            <a:schemeClr val="lt1"/>
+          </a:fillRef>
+          <a:effectRef idx="0">
+            <a:schemeClr val="accent6"/>
+          </a:effectRef>
+          <a:fontRef idx="minor">
+            <a:schemeClr val="dk1"/>
+          </a:fontRef>
+        </p:style>
+        <p:txBody>
+          <a:bodyPr wrap="none" rtlCol="0" anchor="ctr"/>
+          <a:lstStyle/>
+          <a:p>
+            <a:pPr algn="ctr"/>
+            <a:r>
+              <a:rPr lang="en-US" altLang="ja-JP" sz="1050" smtClean="0">
                 <a:solidFill>
                   <a:schemeClr val="accent6">
                     <a:lumMod val="75000"/>
                   </a:schemeClr>
                 </a:solidFill>
               </a:rPr>
-              <a:t>日時マクロ</a:t>
-            </a:r>
-            <a:endParaRPr lang="en-US" altLang="ja-JP" sz="700" smtClean="0">
-              <a:solidFill>
-                <a:schemeClr val="accent6">
-                  <a:lumMod val="75000"/>
-                </a:schemeClr>
-              </a:solidFill>
-            </a:endParaRPr>
-          </a:p>
-          <a:p>
-            <a:pPr algn="ctr"/>
-            <a:r>
-              <a:rPr lang="ja-JP" altLang="en-US" sz="700" smtClean="0">
+              <a:t>Alias</a:t>
+            </a:r>
+          </a:p>
+          <a:p>
+            <a:pPr algn="ctr"/>
+            <a:r>
+              <a:rPr lang="ja-JP" altLang="en-US" sz="1050" smtClean="0">
                 <a:solidFill>
                   <a:schemeClr val="accent6">
                     <a:lumMod val="75000"/>
                   </a:schemeClr>
                 </a:solidFill>
               </a:rPr>
-              <a:t>開始－</a:t>
-            </a:r>
-            <a:r>
-              <a:rPr lang="en-US" altLang="ja-JP" sz="700" smtClean="0">
-                <a:solidFill>
-                  <a:schemeClr val="accent6">
-                    <a:lumMod val="75000"/>
-                  </a:schemeClr>
-                </a:solidFill>
-              </a:rPr>
-              <a:t>1</a:t>
-            </a:r>
-            <a:r>
-              <a:rPr lang="ja-JP" altLang="en-US" sz="700">
-                <a:solidFill>
-                  <a:schemeClr val="accent6">
-                    <a:lumMod val="75000"/>
-                  </a:schemeClr>
-                </a:solidFill>
-              </a:rPr>
-              <a:t>時間</a:t>
-            </a:r>
-            <a:endParaRPr lang="ja-JP" altLang="en-US" sz="700" dirty="0">
+              <a:t>作成</a:t>
+            </a:r>
+            <a:endParaRPr lang="ja-JP" altLang="en-US" sz="1050" dirty="0">
               <a:solidFill>
                 <a:schemeClr val="accent6">
                   <a:lumMod val="75000"/>
@@ -13993,414 +14510,38 @@
       </p:sp>
       <p:sp>
         <p:nvSpPr>
-          <p:cNvPr id="24" name="角丸四角形 23"/>
-          <p:cNvSpPr/>
-          <p:nvPr/>
-        </p:nvSpPr>
-        <p:spPr>
-          <a:xfrm>
-            <a:off x="2437374" y="3895694"/>
-            <a:ext cx="464588" cy="465380"/>
-          </a:xfrm>
-          <a:prstGeom prst="roundRect">
-            <a:avLst/>
-          </a:prstGeom>
-        </p:spPr>
-        <p:style>
-          <a:lnRef idx="2">
-            <a:schemeClr val="accent6"/>
-          </a:lnRef>
-          <a:fillRef idx="1">
-            <a:schemeClr val="lt1"/>
-          </a:fillRef>
-          <a:effectRef idx="0">
-            <a:schemeClr val="accent6"/>
-          </a:effectRef>
-          <a:fontRef idx="minor">
-            <a:schemeClr val="dk1"/>
-          </a:fontRef>
-        </p:style>
-        <p:txBody>
-          <a:bodyPr wrap="none" rtlCol="0" anchor="ctr"/>
-          <a:lstStyle/>
-          <a:p>
-            <a:pPr algn="ctr"/>
-            <a:endParaRPr lang="ja-JP" altLang="en-US" sz="800" dirty="0">
-              <a:solidFill>
-                <a:schemeClr val="accent5">
-                  <a:lumMod val="75000"/>
-                </a:schemeClr>
-              </a:solidFill>
-            </a:endParaRPr>
-          </a:p>
-        </p:txBody>
-      </p:sp>
-      <p:sp>
-        <p:nvSpPr>
-          <p:cNvPr id="25" name="角丸四角形 24"/>
-          <p:cNvSpPr/>
-          <p:nvPr/>
-        </p:nvSpPr>
-        <p:spPr>
-          <a:xfrm>
-            <a:off x="2973955" y="3895694"/>
-            <a:ext cx="464588" cy="465380"/>
-          </a:xfrm>
-          <a:prstGeom prst="roundRect">
-            <a:avLst/>
-          </a:prstGeom>
-        </p:spPr>
-        <p:style>
-          <a:lnRef idx="2">
-            <a:schemeClr val="accent6"/>
-          </a:lnRef>
-          <a:fillRef idx="1">
-            <a:schemeClr val="lt1"/>
-          </a:fillRef>
-          <a:effectRef idx="0">
-            <a:schemeClr val="accent6"/>
-          </a:effectRef>
-          <a:fontRef idx="minor">
-            <a:schemeClr val="dk1"/>
-          </a:fontRef>
-        </p:style>
-        <p:txBody>
-          <a:bodyPr wrap="none" rtlCol="0" anchor="ctr"/>
-          <a:lstStyle/>
-          <a:p>
-            <a:pPr algn="ctr"/>
-            <a:r>
-              <a:rPr lang="ja-JP" altLang="en-US" sz="700" smtClean="0">
-                <a:solidFill>
-                  <a:schemeClr val="accent6">
-                    <a:lumMod val="75000"/>
-                  </a:schemeClr>
-                </a:solidFill>
-              </a:rPr>
-              <a:t>日時マクロ</a:t>
-            </a:r>
-            <a:endParaRPr lang="en-US" altLang="ja-JP" sz="700" smtClean="0">
-              <a:solidFill>
-                <a:schemeClr val="accent6">
-                  <a:lumMod val="75000"/>
-                </a:schemeClr>
-              </a:solidFill>
-            </a:endParaRPr>
-          </a:p>
-          <a:p>
-            <a:pPr algn="ctr"/>
-            <a:r>
-              <a:rPr lang="ja-JP" altLang="en-US" sz="700" smtClean="0">
-                <a:solidFill>
-                  <a:schemeClr val="accent6">
-                    <a:lumMod val="75000"/>
-                  </a:schemeClr>
-                </a:solidFill>
-              </a:rPr>
-              <a:t>開始＋</a:t>
-            </a:r>
-            <a:r>
-              <a:rPr lang="en-US" altLang="ja-JP" sz="700" smtClean="0">
-                <a:solidFill>
-                  <a:schemeClr val="accent6">
-                    <a:lumMod val="75000"/>
-                  </a:schemeClr>
-                </a:solidFill>
-              </a:rPr>
-              <a:t>1</a:t>
-            </a:r>
-            <a:r>
-              <a:rPr lang="ja-JP" altLang="en-US" sz="700" smtClean="0">
-                <a:solidFill>
-                  <a:schemeClr val="accent6">
-                    <a:lumMod val="75000"/>
-                  </a:schemeClr>
-                </a:solidFill>
-              </a:rPr>
-              <a:t>時間</a:t>
-            </a:r>
-            <a:endParaRPr lang="en-US" altLang="ja-JP" sz="700" smtClean="0">
-              <a:solidFill>
-                <a:schemeClr val="accent6">
-                  <a:lumMod val="75000"/>
-                </a:schemeClr>
-              </a:solidFill>
-            </a:endParaRPr>
-          </a:p>
-        </p:txBody>
-      </p:sp>
-      <p:sp>
-        <p:nvSpPr>
-          <p:cNvPr id="26" name="角丸四角形 25"/>
-          <p:cNvSpPr/>
-          <p:nvPr/>
-        </p:nvSpPr>
-        <p:spPr>
-          <a:xfrm>
-            <a:off x="3510536" y="3895694"/>
-            <a:ext cx="464588" cy="465380"/>
-          </a:xfrm>
-          <a:prstGeom prst="roundRect">
-            <a:avLst/>
-          </a:prstGeom>
-        </p:spPr>
-        <p:style>
-          <a:lnRef idx="2">
-            <a:schemeClr val="accent6"/>
-          </a:lnRef>
-          <a:fillRef idx="1">
-            <a:schemeClr val="lt1"/>
-          </a:fillRef>
-          <a:effectRef idx="0">
-            <a:schemeClr val="accent6"/>
-          </a:effectRef>
-          <a:fontRef idx="minor">
-            <a:schemeClr val="dk1"/>
-          </a:fontRef>
-        </p:style>
-        <p:txBody>
-          <a:bodyPr wrap="none" rtlCol="0" anchor="ctr"/>
-          <a:lstStyle/>
-          <a:p>
-            <a:pPr algn="ctr"/>
-            <a:endParaRPr lang="ja-JP" altLang="en-US" sz="800" dirty="0">
-              <a:solidFill>
-                <a:schemeClr val="accent5">
-                  <a:lumMod val="75000"/>
-                </a:schemeClr>
-              </a:solidFill>
-            </a:endParaRPr>
-          </a:p>
-        </p:txBody>
-      </p:sp>
-      <p:sp>
-        <p:nvSpPr>
-          <p:cNvPr id="27" name="角丸四角形 26"/>
-          <p:cNvSpPr/>
-          <p:nvPr/>
-        </p:nvSpPr>
-        <p:spPr>
-          <a:xfrm>
-            <a:off x="4047117" y="3895694"/>
-            <a:ext cx="464588" cy="465380"/>
-          </a:xfrm>
-          <a:prstGeom prst="roundRect">
-            <a:avLst/>
-          </a:prstGeom>
-        </p:spPr>
-        <p:style>
-          <a:lnRef idx="2">
-            <a:schemeClr val="accent6"/>
-          </a:lnRef>
-          <a:fillRef idx="1">
-            <a:schemeClr val="lt1"/>
-          </a:fillRef>
-          <a:effectRef idx="0">
-            <a:schemeClr val="accent6"/>
-          </a:effectRef>
-          <a:fontRef idx="minor">
-            <a:schemeClr val="dk1"/>
-          </a:fontRef>
-        </p:style>
-        <p:txBody>
-          <a:bodyPr wrap="none" rtlCol="0" anchor="ctr"/>
-          <a:lstStyle/>
-          <a:p>
-            <a:pPr algn="ctr"/>
-            <a:endParaRPr kumimoji="1" lang="ja-JP" altLang="en-US" sz="800" dirty="0">
-              <a:latin typeface="+mn-ea"/>
-            </a:endParaRPr>
-          </a:p>
-        </p:txBody>
-      </p:sp>
-      <p:sp>
-        <p:nvSpPr>
-          <p:cNvPr id="28" name="角丸四角形 27"/>
-          <p:cNvSpPr/>
-          <p:nvPr/>
-        </p:nvSpPr>
-        <p:spPr>
-          <a:xfrm>
-            <a:off x="4583698" y="3895694"/>
-            <a:ext cx="464588" cy="465380"/>
-          </a:xfrm>
-          <a:prstGeom prst="roundRect">
-            <a:avLst/>
-          </a:prstGeom>
-        </p:spPr>
-        <p:style>
-          <a:lnRef idx="2">
-            <a:schemeClr val="accent6"/>
-          </a:lnRef>
-          <a:fillRef idx="1">
-            <a:schemeClr val="lt1"/>
-          </a:fillRef>
-          <a:effectRef idx="0">
-            <a:schemeClr val="accent6"/>
-          </a:effectRef>
-          <a:fontRef idx="minor">
-            <a:schemeClr val="dk1"/>
-          </a:fontRef>
-        </p:style>
-        <p:txBody>
-          <a:bodyPr wrap="none" rtlCol="0" anchor="ctr"/>
-          <a:lstStyle/>
-          <a:p>
-            <a:pPr algn="ctr"/>
-            <a:r>
-              <a:rPr lang="ja-JP" altLang="en-US" sz="700" smtClean="0">
-                <a:solidFill>
-                  <a:schemeClr val="accent6">
-                    <a:lumMod val="75000"/>
-                  </a:schemeClr>
-                </a:solidFill>
-              </a:rPr>
-              <a:t>日時マクロ</a:t>
-            </a:r>
-            <a:endParaRPr lang="en-US" altLang="ja-JP" sz="700" smtClean="0">
-              <a:solidFill>
-                <a:schemeClr val="accent6">
-                  <a:lumMod val="75000"/>
-                </a:schemeClr>
-              </a:solidFill>
-            </a:endParaRPr>
-          </a:p>
-          <a:p>
-            <a:pPr algn="ctr"/>
-            <a:r>
-              <a:rPr lang="ja-JP" altLang="en-US" sz="700">
-                <a:solidFill>
-                  <a:schemeClr val="accent6">
-                    <a:lumMod val="75000"/>
-                  </a:schemeClr>
-                </a:solidFill>
-              </a:rPr>
-              <a:t>終了</a:t>
-            </a:r>
-            <a:r>
-              <a:rPr lang="ja-JP" altLang="en-US" sz="700" smtClean="0">
-                <a:solidFill>
-                  <a:schemeClr val="accent6">
-                    <a:lumMod val="75000"/>
-                  </a:schemeClr>
-                </a:solidFill>
-              </a:rPr>
-              <a:t>－</a:t>
-            </a:r>
-            <a:r>
-              <a:rPr lang="en-US" altLang="ja-JP" sz="700" smtClean="0">
-                <a:solidFill>
-                  <a:schemeClr val="accent6">
-                    <a:lumMod val="75000"/>
-                  </a:schemeClr>
-                </a:solidFill>
-              </a:rPr>
-              <a:t>1</a:t>
-            </a:r>
-            <a:r>
-              <a:rPr lang="ja-JP" altLang="en-US" sz="700" smtClean="0">
-                <a:solidFill>
-                  <a:schemeClr val="accent6">
-                    <a:lumMod val="75000"/>
-                  </a:schemeClr>
-                </a:solidFill>
-              </a:rPr>
-              <a:t>時間</a:t>
-            </a:r>
-            <a:endParaRPr lang="ja-JP" altLang="en-US" sz="700" dirty="0">
-              <a:solidFill>
-                <a:schemeClr val="accent6">
-                  <a:lumMod val="75000"/>
-                </a:schemeClr>
-              </a:solidFill>
-            </a:endParaRPr>
-          </a:p>
-        </p:txBody>
-      </p:sp>
-      <p:sp>
-        <p:nvSpPr>
-          <p:cNvPr id="29" name="角丸四角形 28"/>
-          <p:cNvSpPr/>
-          <p:nvPr/>
-        </p:nvSpPr>
-        <p:spPr>
-          <a:xfrm>
-            <a:off x="5120279" y="3895694"/>
-            <a:ext cx="464588" cy="465380"/>
-          </a:xfrm>
-          <a:prstGeom prst="roundRect">
-            <a:avLst/>
-          </a:prstGeom>
-        </p:spPr>
-        <p:style>
-          <a:lnRef idx="2">
-            <a:schemeClr val="accent6"/>
-          </a:lnRef>
-          <a:fillRef idx="1">
-            <a:schemeClr val="lt1"/>
-          </a:fillRef>
-          <a:effectRef idx="0">
-            <a:schemeClr val="accent6"/>
-          </a:effectRef>
-          <a:fontRef idx="minor">
-            <a:schemeClr val="dk1"/>
-          </a:fontRef>
-        </p:style>
-        <p:txBody>
-          <a:bodyPr wrap="none" rtlCol="0" anchor="ctr"/>
-          <a:lstStyle/>
-          <a:p>
-            <a:pPr algn="ctr"/>
-            <a:endParaRPr kumimoji="1" lang="ja-JP" altLang="en-US" sz="800" dirty="0">
-              <a:latin typeface="+mn-ea"/>
-            </a:endParaRPr>
-          </a:p>
-        </p:txBody>
-      </p:sp>
-      <p:sp>
-        <p:nvSpPr>
-          <p:cNvPr id="30" name="角丸四角形 29"/>
-          <p:cNvSpPr/>
-          <p:nvPr/>
-        </p:nvSpPr>
-        <p:spPr>
-          <a:xfrm>
-            <a:off x="5656860" y="3895694"/>
-            <a:ext cx="464588" cy="465380"/>
-          </a:xfrm>
-          <a:prstGeom prst="roundRect">
-            <a:avLst/>
-          </a:prstGeom>
-        </p:spPr>
-        <p:style>
-          <a:lnRef idx="2">
-            <a:schemeClr val="accent6"/>
-          </a:lnRef>
-          <a:fillRef idx="1">
-            <a:schemeClr val="lt1"/>
-          </a:fillRef>
-          <a:effectRef idx="0">
-            <a:schemeClr val="accent6"/>
-          </a:effectRef>
-          <a:fontRef idx="minor">
-            <a:schemeClr val="dk1"/>
-          </a:fontRef>
-        </p:style>
-        <p:txBody>
-          <a:bodyPr wrap="none" rtlCol="0" anchor="ctr"/>
-          <a:lstStyle/>
-          <a:p>
-            <a:pPr algn="ctr"/>
-            <a:r>
-              <a:rPr lang="ja-JP" altLang="en-US" sz="700">
-                <a:solidFill>
-                  <a:schemeClr val="accent6">
-                    <a:lumMod val="75000"/>
-                  </a:schemeClr>
-                </a:solidFill>
-              </a:rPr>
-              <a:t>日時マクロ</a:t>
-            </a:r>
+          <p:cNvPr id="37" name="角丸四角形 36"/>
+          <p:cNvSpPr/>
+          <p:nvPr/>
+        </p:nvSpPr>
+        <p:spPr>
+          <a:xfrm>
+            <a:off x="2083673" y="4421474"/>
+            <a:ext cx="464588" cy="465380"/>
+          </a:xfrm>
+          <a:prstGeom prst="roundRect">
+            <a:avLst/>
+          </a:prstGeom>
+        </p:spPr>
+        <p:style>
+          <a:lnRef idx="2">
+            <a:schemeClr val="accent6"/>
+          </a:lnRef>
+          <a:fillRef idx="1">
+            <a:schemeClr val="lt1"/>
+          </a:fillRef>
+          <a:effectRef idx="0">
+            <a:schemeClr val="accent6"/>
+          </a:effectRef>
+          <a:fontRef idx="minor">
+            <a:schemeClr val="dk1"/>
+          </a:fontRef>
+        </p:style>
+        <p:txBody>
+          <a:bodyPr wrap="none" rtlCol="0" anchor="ctr"/>
+          <a:lstStyle/>
+          <a:p>
+            <a:pPr algn="ctr"/>
             <a:endParaRPr lang="en-US" altLang="ja-JP" sz="700">
               <a:solidFill>
                 <a:schemeClr val="accent6">
@@ -14409,388 +14550,6 @@
               </a:solidFill>
             </a:endParaRPr>
           </a:p>
-          <a:p>
-            <a:pPr algn="ctr"/>
-            <a:r>
-              <a:rPr lang="ja-JP" altLang="en-US" sz="700">
-                <a:solidFill>
-                  <a:schemeClr val="accent6">
-                    <a:lumMod val="75000"/>
-                  </a:schemeClr>
-                </a:solidFill>
-              </a:rPr>
-              <a:t>終了</a:t>
-            </a:r>
-            <a:r>
-              <a:rPr lang="ja-JP" altLang="en-US" sz="700" smtClean="0">
-                <a:solidFill>
-                  <a:schemeClr val="accent6">
-                    <a:lumMod val="75000"/>
-                  </a:schemeClr>
-                </a:solidFill>
-              </a:rPr>
-              <a:t>＋</a:t>
-            </a:r>
-            <a:r>
-              <a:rPr lang="en-US" altLang="ja-JP" sz="700">
-                <a:solidFill>
-                  <a:schemeClr val="accent6">
-                    <a:lumMod val="75000"/>
-                  </a:schemeClr>
-                </a:solidFill>
-              </a:rPr>
-              <a:t>1</a:t>
-            </a:r>
-            <a:r>
-              <a:rPr lang="ja-JP" altLang="en-US" sz="700">
-                <a:solidFill>
-                  <a:schemeClr val="accent6">
-                    <a:lumMod val="75000"/>
-                  </a:schemeClr>
-                </a:solidFill>
-              </a:rPr>
-              <a:t>時間</a:t>
-            </a:r>
-            <a:endParaRPr lang="en-US" altLang="ja-JP" sz="700">
-              <a:solidFill>
-                <a:schemeClr val="accent6">
-                  <a:lumMod val="75000"/>
-                </a:schemeClr>
-              </a:solidFill>
-            </a:endParaRPr>
-          </a:p>
-        </p:txBody>
-      </p:sp>
-      <p:sp>
-        <p:nvSpPr>
-          <p:cNvPr id="31" name="角丸四角形 30"/>
-          <p:cNvSpPr/>
-          <p:nvPr/>
-        </p:nvSpPr>
-        <p:spPr>
-          <a:xfrm>
-            <a:off x="6193441" y="3895694"/>
-            <a:ext cx="464588" cy="465380"/>
-          </a:xfrm>
-          <a:prstGeom prst="roundRect">
-            <a:avLst/>
-          </a:prstGeom>
-        </p:spPr>
-        <p:style>
-          <a:lnRef idx="2">
-            <a:schemeClr val="accent6"/>
-          </a:lnRef>
-          <a:fillRef idx="1">
-            <a:schemeClr val="lt1"/>
-          </a:fillRef>
-          <a:effectRef idx="0">
-            <a:schemeClr val="accent6"/>
-          </a:effectRef>
-          <a:fontRef idx="minor">
-            <a:schemeClr val="dk1"/>
-          </a:fontRef>
-        </p:style>
-        <p:txBody>
-          <a:bodyPr wrap="none" rtlCol="0" anchor="ctr"/>
-          <a:lstStyle/>
-          <a:p>
-            <a:pPr algn="ctr"/>
-            <a:endParaRPr kumimoji="1" lang="ja-JP" altLang="en-US" sz="800" dirty="0">
-              <a:latin typeface="+mn-ea"/>
-            </a:endParaRPr>
-          </a:p>
-        </p:txBody>
-      </p:sp>
-      <p:sp>
-        <p:nvSpPr>
-          <p:cNvPr id="32" name="角丸四角形 31"/>
-          <p:cNvSpPr/>
-          <p:nvPr/>
-        </p:nvSpPr>
-        <p:spPr>
-          <a:xfrm>
-            <a:off x="6730022" y="3895694"/>
-            <a:ext cx="464588" cy="465380"/>
-          </a:xfrm>
-          <a:prstGeom prst="roundRect">
-            <a:avLst/>
-          </a:prstGeom>
-        </p:spPr>
-        <p:style>
-          <a:lnRef idx="2">
-            <a:schemeClr val="accent6"/>
-          </a:lnRef>
-          <a:fillRef idx="1">
-            <a:schemeClr val="lt1"/>
-          </a:fillRef>
-          <a:effectRef idx="0">
-            <a:schemeClr val="accent6"/>
-          </a:effectRef>
-          <a:fontRef idx="minor">
-            <a:schemeClr val="dk1"/>
-          </a:fontRef>
-        </p:style>
-        <p:txBody>
-          <a:bodyPr wrap="none" rtlCol="0" anchor="ctr"/>
-          <a:lstStyle/>
-          <a:p>
-            <a:pPr algn="ctr"/>
-            <a:endParaRPr kumimoji="1" lang="ja-JP" altLang="en-US" sz="800" dirty="0">
-              <a:latin typeface="+mn-ea"/>
-            </a:endParaRPr>
-          </a:p>
-        </p:txBody>
-      </p:sp>
-      <p:sp>
-        <p:nvSpPr>
-          <p:cNvPr id="33" name="角丸四角形 32"/>
-          <p:cNvSpPr/>
-          <p:nvPr/>
-        </p:nvSpPr>
-        <p:spPr>
-          <a:xfrm>
-            <a:off x="7266603" y="3895694"/>
-            <a:ext cx="464588" cy="465380"/>
-          </a:xfrm>
-          <a:prstGeom prst="roundRect">
-            <a:avLst/>
-          </a:prstGeom>
-        </p:spPr>
-        <p:style>
-          <a:lnRef idx="2">
-            <a:schemeClr val="accent6"/>
-          </a:lnRef>
-          <a:fillRef idx="1">
-            <a:schemeClr val="lt1"/>
-          </a:fillRef>
-          <a:effectRef idx="0">
-            <a:schemeClr val="accent6"/>
-          </a:effectRef>
-          <a:fontRef idx="minor">
-            <a:schemeClr val="dk1"/>
-          </a:fontRef>
-        </p:style>
-        <p:txBody>
-          <a:bodyPr wrap="none" rtlCol="0" anchor="ctr"/>
-          <a:lstStyle/>
-          <a:p>
-            <a:pPr algn="ctr"/>
-            <a:endParaRPr kumimoji="1" lang="ja-JP" altLang="en-US" sz="800" dirty="0">
-              <a:latin typeface="+mn-ea"/>
-            </a:endParaRPr>
-          </a:p>
-        </p:txBody>
-      </p:sp>
-      <p:sp>
-        <p:nvSpPr>
-          <p:cNvPr id="34" name="角丸四角形 33"/>
-          <p:cNvSpPr/>
-          <p:nvPr/>
-        </p:nvSpPr>
-        <p:spPr>
-          <a:xfrm>
-            <a:off x="7803183" y="3895694"/>
-            <a:ext cx="749085" cy="465380"/>
-          </a:xfrm>
-          <a:prstGeom prst="roundRect">
-            <a:avLst/>
-          </a:prstGeom>
-        </p:spPr>
-        <p:style>
-          <a:lnRef idx="2">
-            <a:schemeClr val="accent6"/>
-          </a:lnRef>
-          <a:fillRef idx="1">
-            <a:schemeClr val="lt1"/>
-          </a:fillRef>
-          <a:effectRef idx="0">
-            <a:schemeClr val="accent6"/>
-          </a:effectRef>
-          <a:fontRef idx="minor">
-            <a:schemeClr val="dk1"/>
-          </a:fontRef>
-        </p:style>
-        <p:txBody>
-          <a:bodyPr wrap="none" rtlCol="0" anchor="ctr"/>
-          <a:lstStyle/>
-          <a:p>
-            <a:pPr algn="ctr"/>
-            <a:endParaRPr kumimoji="1" lang="ja-JP" altLang="en-US" sz="800" dirty="0">
-              <a:latin typeface="+mn-ea"/>
-            </a:endParaRPr>
-          </a:p>
-        </p:txBody>
-      </p:sp>
-      <p:sp>
-        <p:nvSpPr>
-          <p:cNvPr id="35" name="角丸四角形 34"/>
-          <p:cNvSpPr/>
-          <p:nvPr/>
-        </p:nvSpPr>
-        <p:spPr>
-          <a:xfrm>
-            <a:off x="569441" y="3895694"/>
-            <a:ext cx="722778" cy="465380"/>
-          </a:xfrm>
-          <a:prstGeom prst="roundRect">
-            <a:avLst/>
-          </a:prstGeom>
-        </p:spPr>
-        <p:style>
-          <a:lnRef idx="2">
-            <a:schemeClr val="accent6"/>
-          </a:lnRef>
-          <a:fillRef idx="1">
-            <a:schemeClr val="lt1"/>
-          </a:fillRef>
-          <a:effectRef idx="0">
-            <a:schemeClr val="accent6"/>
-          </a:effectRef>
-          <a:fontRef idx="minor">
-            <a:schemeClr val="dk1"/>
-          </a:fontRef>
-        </p:style>
-        <p:txBody>
-          <a:bodyPr wrap="none" rtlCol="0" anchor="ctr"/>
-          <a:lstStyle/>
-          <a:p>
-            <a:pPr algn="ctr"/>
-            <a:endParaRPr kumimoji="1" lang="ja-JP" altLang="en-US" sz="900" dirty="0">
-              <a:latin typeface="+mn-ea"/>
-            </a:endParaRPr>
-          </a:p>
-        </p:txBody>
-      </p:sp>
-      <p:sp>
-        <p:nvSpPr>
-          <p:cNvPr id="36" name="角丸四角形 35"/>
-          <p:cNvSpPr/>
-          <p:nvPr/>
-        </p:nvSpPr>
-        <p:spPr>
-          <a:xfrm>
-            <a:off x="1547092" y="4421474"/>
-            <a:ext cx="464588" cy="465380"/>
-          </a:xfrm>
-          <a:prstGeom prst="roundRect">
-            <a:avLst/>
-          </a:prstGeom>
-        </p:spPr>
-        <p:style>
-          <a:lnRef idx="2">
-            <a:schemeClr val="accent6"/>
-          </a:lnRef>
-          <a:fillRef idx="1">
-            <a:schemeClr val="lt1"/>
-          </a:fillRef>
-          <a:effectRef idx="0">
-            <a:schemeClr val="accent6"/>
-          </a:effectRef>
-          <a:fontRef idx="minor">
-            <a:schemeClr val="dk1"/>
-          </a:fontRef>
-        </p:style>
-        <p:txBody>
-          <a:bodyPr wrap="none" rtlCol="0" anchor="ctr"/>
-          <a:lstStyle/>
-          <a:p>
-            <a:pPr algn="ctr"/>
-            <a:endParaRPr lang="ja-JP" altLang="en-US" sz="800" dirty="0"/>
-          </a:p>
-        </p:txBody>
-      </p:sp>
-      <p:sp>
-        <p:nvSpPr>
-          <p:cNvPr id="37" name="角丸四角形 36"/>
-          <p:cNvSpPr/>
-          <p:nvPr/>
-        </p:nvSpPr>
-        <p:spPr>
-          <a:xfrm>
-            <a:off x="2083673" y="4421474"/>
-            <a:ext cx="464588" cy="465380"/>
-          </a:xfrm>
-          <a:prstGeom prst="roundRect">
-            <a:avLst/>
-          </a:prstGeom>
-        </p:spPr>
-        <p:style>
-          <a:lnRef idx="2">
-            <a:schemeClr val="accent6"/>
-          </a:lnRef>
-          <a:fillRef idx="1">
-            <a:schemeClr val="lt1"/>
-          </a:fillRef>
-          <a:effectRef idx="0">
-            <a:schemeClr val="accent6"/>
-          </a:effectRef>
-          <a:fontRef idx="minor">
-            <a:schemeClr val="dk1"/>
-          </a:fontRef>
-        </p:style>
-        <p:txBody>
-          <a:bodyPr wrap="none" rtlCol="0" anchor="ctr"/>
-          <a:lstStyle/>
-          <a:p>
-            <a:pPr algn="ctr"/>
-            <a:r>
-              <a:rPr lang="ja-JP" altLang="en-US" sz="700" smtClean="0">
-                <a:solidFill>
-                  <a:schemeClr val="accent6">
-                    <a:lumMod val="75000"/>
-                  </a:schemeClr>
-                </a:solidFill>
-              </a:rPr>
-              <a:t>日時マクロ</a:t>
-            </a:r>
-            <a:endParaRPr lang="en-US" altLang="ja-JP" sz="700" smtClean="0">
-              <a:solidFill>
-                <a:schemeClr val="accent6">
-                  <a:lumMod val="75000"/>
-                </a:schemeClr>
-              </a:solidFill>
-            </a:endParaRPr>
-          </a:p>
-          <a:p>
-            <a:pPr algn="ctr"/>
-            <a:r>
-              <a:rPr lang="ja-JP" altLang="en-US" sz="700" smtClean="0">
-                <a:solidFill>
-                  <a:schemeClr val="accent6">
-                    <a:lumMod val="75000"/>
-                  </a:schemeClr>
-                </a:solidFill>
-              </a:rPr>
-              <a:t>開始－</a:t>
-            </a:r>
-            <a:r>
-              <a:rPr lang="en-US" altLang="ja-JP" sz="700" smtClean="0">
-                <a:solidFill>
-                  <a:schemeClr val="accent6">
-                    <a:lumMod val="75000"/>
-                  </a:schemeClr>
-                </a:solidFill>
-              </a:rPr>
-              <a:t>15</a:t>
-            </a:r>
-            <a:r>
-              <a:rPr lang="ja-JP" altLang="en-US" sz="700" smtClean="0">
-                <a:solidFill>
-                  <a:schemeClr val="accent6">
-                    <a:lumMod val="75000"/>
-                  </a:schemeClr>
-                </a:solidFill>
-              </a:rPr>
-              <a:t>分</a:t>
-            </a:r>
-            <a:endParaRPr lang="en-US" altLang="ja-JP" sz="700">
-              <a:solidFill>
-                <a:schemeClr val="accent6">
-                  <a:lumMod val="75000"/>
-                </a:schemeClr>
-              </a:solidFill>
-            </a:endParaRPr>
-          </a:p>
         </p:txBody>
       </p:sp>
       <p:sp>
@@ -14865,56 +14624,6 @@
           <a:lstStyle/>
           <a:p>
             <a:pPr algn="ctr"/>
-            <a:r>
-              <a:rPr lang="ja-JP" altLang="en-US" sz="700" u="sng" smtClean="0">
-                <a:solidFill>
-                  <a:schemeClr val="accent6">
-                    <a:lumMod val="75000"/>
-                  </a:schemeClr>
-                </a:solidFill>
-              </a:rPr>
-              <a:t>日時マクロ</a:t>
-            </a:r>
-            <a:endParaRPr lang="en-US" altLang="ja-JP" sz="700" u="sng" smtClean="0">
-              <a:solidFill>
-                <a:schemeClr val="accent6">
-                  <a:lumMod val="75000"/>
-                </a:schemeClr>
-              </a:solidFill>
-            </a:endParaRPr>
-          </a:p>
-          <a:p>
-            <a:pPr algn="ctr"/>
-            <a:r>
-              <a:rPr lang="ja-JP" altLang="en-US" sz="700" u="sng" smtClean="0">
-                <a:solidFill>
-                  <a:schemeClr val="accent6">
-                    <a:lumMod val="75000"/>
-                  </a:schemeClr>
-                </a:solidFill>
-              </a:rPr>
-              <a:t>開始＋</a:t>
-            </a:r>
-            <a:r>
-              <a:rPr lang="en-US" altLang="ja-JP" sz="700" u="sng" smtClean="0">
-                <a:solidFill>
-                  <a:schemeClr val="accent6">
-                    <a:lumMod val="75000"/>
-                  </a:schemeClr>
-                </a:solidFill>
-              </a:rPr>
-              <a:t>15</a:t>
-            </a:r>
-            <a:r>
-              <a:rPr lang="ja-JP" altLang="en-US" sz="700" u="sng" smtClean="0">
-                <a:solidFill>
-                  <a:schemeClr val="accent6">
-                    <a:lumMod val="75000"/>
-                  </a:schemeClr>
-                </a:solidFill>
-              </a:rPr>
-              <a:t>分</a:t>
-            </a:r>
             <a:endParaRPr lang="ja-JP" altLang="en-US" sz="700" u="sng" dirty="0">
               <a:solidFill>
                 <a:schemeClr val="accent6">
@@ -15037,16 +14746,6 @@
           <a:lstStyle/>
           <a:p>
             <a:pPr algn="ctr"/>
-            <a:r>
-              <a:rPr lang="ja-JP" altLang="en-US" sz="700" u="sng">
-                <a:solidFill>
-                  <a:schemeClr val="accent6">
-                    <a:lumMod val="75000"/>
-                  </a:schemeClr>
-                </a:solidFill>
-              </a:rPr>
-              <a:t>日時マクロ</a:t>
-            </a:r>
             <a:endParaRPr lang="en-US" altLang="ja-JP" sz="700" u="sng">
               <a:solidFill>
                 <a:schemeClr val="accent6">
@@ -15055,56 +14754,6 @@
               </a:solidFill>
             </a:endParaRPr>
           </a:p>
-          <a:p>
-            <a:pPr algn="ctr"/>
-            <a:r>
-              <a:rPr lang="ja-JP" altLang="en-US" sz="700" u="sng">
-                <a:solidFill>
-                  <a:schemeClr val="accent6">
-                    <a:lumMod val="75000"/>
-                  </a:schemeClr>
-                </a:solidFill>
-              </a:rPr>
-              <a:t>終了</a:t>
-            </a:r>
-            <a:r>
-              <a:rPr lang="ja-JP" altLang="en-US" sz="700" u="sng" smtClean="0">
-                <a:solidFill>
-                  <a:schemeClr val="accent6">
-                    <a:lumMod val="75000"/>
-                  </a:schemeClr>
-                </a:solidFill>
-              </a:rPr>
-              <a:t>－</a:t>
-            </a:r>
-            <a:r>
-              <a:rPr lang="en-US" altLang="ja-JP" sz="700" u="sng" smtClean="0">
-                <a:solidFill>
-                  <a:schemeClr val="accent6">
-                    <a:lumMod val="75000"/>
-                  </a:schemeClr>
-                </a:solidFill>
-              </a:rPr>
-              <a:t>15</a:t>
-            </a:r>
-            <a:r>
-              <a:rPr lang="ja-JP" altLang="en-US" sz="700" u="sng" smtClean="0">
-                <a:solidFill>
-                  <a:schemeClr val="accent6">
-                    <a:lumMod val="75000"/>
-                  </a:schemeClr>
-                </a:solidFill>
-              </a:rPr>
-              <a:t>分</a:t>
-            </a:r>
-            <a:endParaRPr lang="en-US" altLang="ja-JP" sz="700" u="sng">
-              <a:solidFill>
-                <a:schemeClr val="accent6">
-                  <a:lumMod val="75000"/>
-                </a:schemeClr>
-              </a:solidFill>
-            </a:endParaRPr>
-          </a:p>
         </p:txBody>
       </p:sp>
       <p:sp>
@@ -15181,66 +14830,6 @@
           <a:lstStyle/>
           <a:p>
             <a:pPr algn="ctr"/>
-            <a:r>
-              <a:rPr lang="ja-JP" altLang="en-US" sz="700">
-                <a:solidFill>
-                  <a:schemeClr val="accent6">
-                    <a:lumMod val="75000"/>
-                  </a:schemeClr>
-                </a:solidFill>
-              </a:rPr>
-              <a:t>日時マクロ</a:t>
-            </a:r>
-            <a:endParaRPr lang="en-US" altLang="ja-JP" sz="700">
-              <a:solidFill>
-                <a:schemeClr val="accent6">
-                  <a:lumMod val="75000"/>
-                </a:schemeClr>
-              </a:solidFill>
-            </a:endParaRPr>
-          </a:p>
-          <a:p>
-            <a:pPr algn="ctr"/>
-            <a:r>
-              <a:rPr lang="ja-JP" altLang="en-US" sz="700">
-                <a:solidFill>
-                  <a:schemeClr val="accent6">
-                    <a:lumMod val="75000"/>
-                  </a:schemeClr>
-                </a:solidFill>
-              </a:rPr>
-              <a:t>終了</a:t>
-            </a:r>
-            <a:r>
-              <a:rPr lang="ja-JP" altLang="en-US" sz="700" smtClean="0">
-                <a:solidFill>
-                  <a:schemeClr val="accent6">
-                    <a:lumMod val="75000"/>
-                  </a:schemeClr>
-                </a:solidFill>
-              </a:rPr>
-              <a:t>＋</a:t>
-            </a:r>
-            <a:r>
-              <a:rPr lang="en-US" altLang="ja-JP" sz="700">
-                <a:solidFill>
-                  <a:schemeClr val="accent6">
-                    <a:lumMod val="75000"/>
-                  </a:schemeClr>
-                </a:solidFill>
-              </a:rPr>
-              <a:t>15</a:t>
-            </a:r>
-            <a:r>
-              <a:rPr lang="ja-JP" altLang="en-US" sz="700">
-                <a:solidFill>
-                  <a:schemeClr val="accent6">
-                    <a:lumMod val="75000"/>
-                  </a:schemeClr>
-                </a:solidFill>
-              </a:rPr>
-              <a:t>分</a:t>
-            </a:r>
             <a:endParaRPr lang="ja-JP" altLang="en-US" sz="700" dirty="0">
               <a:solidFill>
                 <a:schemeClr val="accent6">
@@ -15897,7 +15486,7 @@
                 <a:latin typeface="+mj-lt"/>
                 <a:ea typeface="+mj-ea"/>
               </a:rPr>
-              <a:t>		 Sakura Editor</a:t>
+              <a:t>		 Windows Explorer </a:t>
             </a:r>
             <a:endParaRPr lang="en-US" altLang="ja-JP" sz="4000" dirty="0" smtClean="0">
               <a:solidFill>
@@ -15973,81 +15562,29 @@
           </a:p>
         </p:txBody>
       </p:sp>
-      <p:sp>
-        <p:nvSpPr>
-          <p:cNvPr id="65" name="タイトル 1"/>
-          <p:cNvSpPr>
-            <a:spLocks noGrp="1"/>
-          </p:cNvSpPr>
-          <p:nvPr>
-            <p:ph type="title"/>
-          </p:nvPr>
-        </p:nvSpPr>
-        <p:spPr>
-          <a:xfrm>
-            <a:off x="628650" y="365126"/>
-            <a:ext cx="8058150" cy="1325563"/>
-          </a:xfrm>
-        </p:spPr>
-        <p:txBody>
-          <a:bodyPr>
-            <a:normAutofit/>
-          </a:bodyPr>
-          <a:lstStyle/>
-          <a:p>
-            <a:pPr marL="742950" indent="-742950">
-              <a:buFont typeface="+mj-lt"/>
-              <a:buAutoNum type="arabicPeriod" startAt="6"/>
-            </a:pPr>
-            <a:r>
-              <a:rPr lang="en-US" altLang="ja-JP" sz="4000" smtClean="0"/>
-              <a:t>App Specific Binds : </a:t>
-            </a:r>
-            <a:r>
-              <a:rPr lang="en-US" altLang="ja-JP" sz="4000" smtClean="0">
-                <a:solidFill>
-                  <a:schemeClr val="accent2">
-                    <a:lumMod val="75000"/>
-                  </a:schemeClr>
-                </a:solidFill>
-              </a:rPr>
-              <a:t>CAPS &amp; LCMD</a:t>
-            </a:r>
-            <a:endParaRPr lang="en-US" altLang="ja-JP" sz="4000" dirty="0">
-              <a:solidFill>
-                <a:schemeClr val="accent2">
-                  <a:lumMod val="75000"/>
-                </a:schemeClr>
-              </a:solidFill>
-            </a:endParaRPr>
-          </a:p>
-        </p:txBody>
-      </p:sp>
       <p:pic>
         <p:nvPicPr>
-          <p:cNvPr id="1026" name="Picture 2" descr="http://file.blog.fc2.com/billyboy/logo/sakura_logo01.png"/>
+          <p:cNvPr id="2050" name="Picture 2" descr="http://livedoor.blogimg.jp/jdash/imgs/1/a/1a74bbad.png"/>
           <p:cNvPicPr>
             <a:picLocks noChangeAspect="1" noChangeArrowheads="1"/>
           </p:cNvPicPr>
           <p:nvPr/>
         </p:nvPicPr>
-        <p:blipFill>
-          <a:blip r:embed="rId2">
+        <p:blipFill rotWithShape="1">
+          <a:blip r:embed="rId2" cstate="print">
             <a:extLst>
               <a:ext uri="{28A0092B-C50C-407E-A947-70E740481C1C}">
                 <a14:useLocalDpi xmlns:a14="http://schemas.microsoft.com/office/drawing/2010/main" val="0"/>
               </a:ext>
             </a:extLst>
           </a:blip>
-          <a:srcRect/>
-          <a:stretch>
-            <a:fillRect/>
-          </a:stretch>
+          <a:srcRect b="7182"/>
+          <a:stretch/>
         </p:blipFill>
         <p:spPr bwMode="auto">
           <a:xfrm>
-            <a:off x="1453227" y="1550174"/>
-            <a:ext cx="1147207" cy="1147207"/>
+            <a:off x="1516111" y="1606291"/>
+            <a:ext cx="1047301" cy="951172"/>
           </a:xfrm>
           <a:prstGeom prst="rect">
             <a:avLst/>
@@ -16064,10 +15601,60 @@
           </a:extLst>
         </p:spPr>
       </p:pic>
+      <p:sp>
+        <p:nvSpPr>
+          <p:cNvPr id="65" name="タイトル 1"/>
+          <p:cNvSpPr>
+            <a:spLocks noGrp="1"/>
+          </p:cNvSpPr>
+          <p:nvPr>
+            <p:ph type="title"/>
+          </p:nvPr>
+        </p:nvSpPr>
+        <p:spPr>
+          <a:xfrm>
+            <a:off x="628650" y="365126"/>
+            <a:ext cx="8058150" cy="1325563"/>
+          </a:xfrm>
+        </p:spPr>
+        <p:txBody>
+          <a:bodyPr>
+            <a:normAutofit/>
+          </a:bodyPr>
+          <a:lstStyle/>
+          <a:p>
+            <a:pPr marL="742950" indent="-742950">
+              <a:buFont typeface="+mj-lt"/>
+              <a:buAutoNum type="arabicPeriod" startAt="6"/>
+            </a:pPr>
+            <a:r>
+              <a:rPr lang="en-US" altLang="ja-JP" sz="4000" smtClean="0"/>
+              <a:t>App Specific Binds : </a:t>
+            </a:r>
+            <a:r>
+              <a:rPr lang="en-US" altLang="ja-JP" sz="4000" smtClean="0">
+                <a:solidFill>
+                  <a:schemeClr val="accent2">
+                    <a:lumMod val="75000"/>
+                  </a:schemeClr>
+                </a:solidFill>
+              </a:rPr>
+              <a:t>CAPS &amp; LCMD</a:t>
+            </a:r>
+            <a:endParaRPr lang="en-US" altLang="ja-JP" sz="4000" dirty="0">
+              <a:solidFill>
+                <a:schemeClr val="accent2">
+                  <a:lumMod val="75000"/>
+                </a:schemeClr>
+              </a:solidFill>
+            </a:endParaRPr>
+          </a:p>
+        </p:txBody>
+      </p:sp>
     </p:spTree>
     <p:extLst>
       <p:ext uri="{BB962C8B-B14F-4D97-AF65-F5344CB8AC3E}">
-        <p14:creationId xmlns:p14="http://schemas.microsoft.com/office/powerpoint/2010/main" val="3556291911"/>
+        <p14:creationId xmlns:p14="http://schemas.microsoft.com/office/powerpoint/2010/main" val="2370953379"/>
       </p:ext>
     </p:extLst>
   </p:cSld>
@@ -16756,6 +16343,415 @@
           <a:lstStyle/>
           <a:p>
             <a:pPr algn="ctr"/>
+            <a:r>
+              <a:rPr lang="ja-JP" altLang="en-US" sz="800" smtClean="0">
+                <a:solidFill>
+                  <a:schemeClr val="accent6">
+                    <a:lumMod val="75000"/>
+                  </a:schemeClr>
+                </a:solidFill>
+              </a:rPr>
+              <a:t>文字色</a:t>
+            </a:r>
+            <a:endParaRPr lang="en-US" altLang="ja-JP" sz="800" smtClean="0">
+              <a:solidFill>
+                <a:schemeClr val="accent6">
+                  <a:lumMod val="75000"/>
+                </a:schemeClr>
+              </a:solidFill>
+            </a:endParaRPr>
+          </a:p>
+          <a:p>
+            <a:pPr algn="ctr"/>
+            <a:r>
+              <a:rPr lang="ja-JP" altLang="en-US" sz="800" smtClean="0">
+                <a:solidFill>
+                  <a:schemeClr val="accent6">
+                    <a:lumMod val="75000"/>
+                  </a:schemeClr>
+                </a:solidFill>
+              </a:rPr>
+              <a:t>変更</a:t>
+            </a:r>
+            <a:r>
+              <a:rPr lang="en-US" altLang="ja-JP" sz="800" smtClean="0">
+                <a:solidFill>
+                  <a:schemeClr val="accent6">
+                    <a:lumMod val="75000"/>
+                  </a:schemeClr>
+                </a:solidFill>
+              </a:rPr>
+              <a:t>(</a:t>
+            </a:r>
+            <a:r>
+              <a:rPr lang="ja-JP" altLang="en-US" sz="800" smtClean="0">
+                <a:solidFill>
+                  <a:schemeClr val="accent6">
+                    <a:lumMod val="75000"/>
+                  </a:schemeClr>
+                </a:solidFill>
+              </a:rPr>
+              <a:t>黒</a:t>
+            </a:r>
+            <a:r>
+              <a:rPr lang="en-US" altLang="ja-JP" sz="800" smtClean="0">
+                <a:solidFill>
+                  <a:schemeClr val="accent6">
+                    <a:lumMod val="75000"/>
+                  </a:schemeClr>
+                </a:solidFill>
+              </a:rPr>
+              <a:t>)</a:t>
+            </a:r>
+            <a:endParaRPr lang="ja-JP" altLang="en-US" sz="800" dirty="0">
+              <a:solidFill>
+                <a:schemeClr val="accent6">
+                  <a:lumMod val="75000"/>
+                </a:schemeClr>
+              </a:solidFill>
+            </a:endParaRPr>
+          </a:p>
+        </p:txBody>
+      </p:sp>
+      <p:sp>
+        <p:nvSpPr>
+          <p:cNvPr id="23" name="角丸四角形 22"/>
+          <p:cNvSpPr/>
+          <p:nvPr/>
+        </p:nvSpPr>
+        <p:spPr>
+          <a:xfrm>
+            <a:off x="1900793" y="3895694"/>
+            <a:ext cx="464588" cy="465380"/>
+          </a:xfrm>
+          <a:prstGeom prst="roundRect">
+            <a:avLst/>
+          </a:prstGeom>
+        </p:spPr>
+        <p:style>
+          <a:lnRef idx="2">
+            <a:schemeClr val="accent6"/>
+          </a:lnRef>
+          <a:fillRef idx="1">
+            <a:schemeClr val="lt1"/>
+          </a:fillRef>
+          <a:effectRef idx="0">
+            <a:schemeClr val="accent6"/>
+          </a:effectRef>
+          <a:fontRef idx="minor">
+            <a:schemeClr val="dk1"/>
+          </a:fontRef>
+        </p:style>
+        <p:txBody>
+          <a:bodyPr wrap="none" rtlCol="0" anchor="ctr"/>
+          <a:lstStyle/>
+          <a:p>
+            <a:pPr algn="ctr"/>
+            <a:r>
+              <a:rPr lang="ja-JP" altLang="en-US" sz="700" smtClean="0">
+                <a:solidFill>
+                  <a:schemeClr val="accent6">
+                    <a:lumMod val="75000"/>
+                  </a:schemeClr>
+                </a:solidFill>
+              </a:rPr>
+              <a:t>背景色</a:t>
+            </a:r>
+            <a:endParaRPr lang="en-US" altLang="ja-JP" sz="700" smtClean="0">
+              <a:solidFill>
+                <a:schemeClr val="accent6">
+                  <a:lumMod val="75000"/>
+                </a:schemeClr>
+              </a:solidFill>
+            </a:endParaRPr>
+          </a:p>
+          <a:p>
+            <a:pPr algn="ctr"/>
+            <a:r>
+              <a:rPr lang="ja-JP" altLang="en-US" sz="700" smtClean="0">
+                <a:solidFill>
+                  <a:schemeClr val="accent6">
+                    <a:lumMod val="75000"/>
+                  </a:schemeClr>
+                </a:solidFill>
+              </a:rPr>
+              <a:t>変更</a:t>
+            </a:r>
+            <a:r>
+              <a:rPr lang="en-US" altLang="ja-JP" sz="700" smtClean="0">
+                <a:solidFill>
+                  <a:schemeClr val="accent6">
+                    <a:lumMod val="75000"/>
+                  </a:schemeClr>
+                </a:solidFill>
+              </a:rPr>
+              <a:t>(</a:t>
+            </a:r>
+            <a:r>
+              <a:rPr lang="ja-JP" altLang="en-US" sz="700" smtClean="0">
+                <a:solidFill>
+                  <a:schemeClr val="accent6">
+                    <a:lumMod val="75000"/>
+                  </a:schemeClr>
+                </a:solidFill>
+              </a:rPr>
+              <a:t>白</a:t>
+            </a:r>
+            <a:r>
+              <a:rPr lang="en-US" altLang="ja-JP" sz="700" smtClean="0">
+                <a:solidFill>
+                  <a:schemeClr val="accent6">
+                    <a:lumMod val="75000"/>
+                  </a:schemeClr>
+                </a:solidFill>
+              </a:rPr>
+              <a:t>)</a:t>
+            </a:r>
+            <a:endParaRPr lang="ja-JP" altLang="en-US" sz="700" dirty="0">
+              <a:solidFill>
+                <a:schemeClr val="accent6">
+                  <a:lumMod val="75000"/>
+                </a:schemeClr>
+              </a:solidFill>
+            </a:endParaRPr>
+          </a:p>
+        </p:txBody>
+      </p:sp>
+      <p:sp>
+        <p:nvSpPr>
+          <p:cNvPr id="24" name="角丸四角形 23"/>
+          <p:cNvSpPr/>
+          <p:nvPr/>
+        </p:nvSpPr>
+        <p:spPr>
+          <a:xfrm>
+            <a:off x="2437374" y="3895694"/>
+            <a:ext cx="464588" cy="465380"/>
+          </a:xfrm>
+          <a:prstGeom prst="roundRect">
+            <a:avLst/>
+          </a:prstGeom>
+        </p:spPr>
+        <p:style>
+          <a:lnRef idx="2">
+            <a:schemeClr val="accent6"/>
+          </a:lnRef>
+          <a:fillRef idx="1">
+            <a:schemeClr val="lt1"/>
+          </a:fillRef>
+          <a:effectRef idx="0">
+            <a:schemeClr val="accent6"/>
+          </a:effectRef>
+          <a:fontRef idx="minor">
+            <a:schemeClr val="dk1"/>
+          </a:fontRef>
+        </p:style>
+        <p:txBody>
+          <a:bodyPr wrap="none" rtlCol="0" anchor="ctr"/>
+          <a:lstStyle/>
+          <a:p>
+            <a:pPr algn="ctr"/>
+            <a:r>
+              <a:rPr lang="ja-JP" altLang="en-US" sz="800" smtClean="0">
+                <a:solidFill>
+                  <a:schemeClr val="accent6">
+                    <a:lumMod val="75000"/>
+                  </a:schemeClr>
+                </a:solidFill>
+              </a:rPr>
+              <a:t>背景色</a:t>
+            </a:r>
+            <a:endParaRPr lang="en-US" altLang="ja-JP" sz="800" smtClean="0">
+              <a:solidFill>
+                <a:schemeClr val="accent6">
+                  <a:lumMod val="75000"/>
+                </a:schemeClr>
+              </a:solidFill>
+            </a:endParaRPr>
+          </a:p>
+          <a:p>
+            <a:pPr algn="ctr"/>
+            <a:r>
+              <a:rPr lang="ja-JP" altLang="en-US" sz="800" smtClean="0">
+                <a:solidFill>
+                  <a:schemeClr val="accent6">
+                    <a:lumMod val="75000"/>
+                  </a:schemeClr>
+                </a:solidFill>
+              </a:rPr>
+              <a:t>変更</a:t>
+            </a:r>
+            <a:r>
+              <a:rPr lang="en-US" altLang="ja-JP" sz="800" smtClean="0">
+                <a:solidFill>
+                  <a:schemeClr val="accent6">
+                    <a:lumMod val="75000"/>
+                  </a:schemeClr>
+                </a:solidFill>
+              </a:rPr>
+              <a:t>(</a:t>
+            </a:r>
+            <a:r>
+              <a:rPr lang="ja-JP" altLang="en-US" sz="800" smtClean="0">
+                <a:solidFill>
+                  <a:schemeClr val="accent6">
+                    <a:lumMod val="75000"/>
+                  </a:schemeClr>
+                </a:solidFill>
+              </a:rPr>
+              <a:t>黄</a:t>
+            </a:r>
+            <a:r>
+              <a:rPr lang="en-US" altLang="ja-JP" sz="800" smtClean="0">
+                <a:solidFill>
+                  <a:schemeClr val="accent6">
+                    <a:lumMod val="75000"/>
+                  </a:schemeClr>
+                </a:solidFill>
+              </a:rPr>
+              <a:t>)</a:t>
+            </a:r>
+            <a:endParaRPr lang="ja-JP" altLang="en-US" sz="800" dirty="0">
+              <a:solidFill>
+                <a:schemeClr val="accent6">
+                  <a:lumMod val="75000"/>
+                </a:schemeClr>
+              </a:solidFill>
+            </a:endParaRPr>
+          </a:p>
+        </p:txBody>
+      </p:sp>
+      <p:sp>
+        <p:nvSpPr>
+          <p:cNvPr id="25" name="角丸四角形 24"/>
+          <p:cNvSpPr/>
+          <p:nvPr/>
+        </p:nvSpPr>
+        <p:spPr>
+          <a:xfrm>
+            <a:off x="2973955" y="3895694"/>
+            <a:ext cx="464588" cy="465380"/>
+          </a:xfrm>
+          <a:prstGeom prst="roundRect">
+            <a:avLst/>
+          </a:prstGeom>
+        </p:spPr>
+        <p:style>
+          <a:lnRef idx="2">
+            <a:schemeClr val="accent6"/>
+          </a:lnRef>
+          <a:fillRef idx="1">
+            <a:schemeClr val="lt1"/>
+          </a:fillRef>
+          <a:effectRef idx="0">
+            <a:schemeClr val="accent6"/>
+          </a:effectRef>
+          <a:fontRef idx="minor">
+            <a:schemeClr val="dk1"/>
+          </a:fontRef>
+        </p:style>
+        <p:txBody>
+          <a:bodyPr wrap="none" rtlCol="0" anchor="ctr"/>
+          <a:lstStyle/>
+          <a:p>
+            <a:pPr algn="ctr"/>
+            <a:r>
+              <a:rPr lang="ja-JP" altLang="en-US" sz="700" smtClean="0">
+                <a:solidFill>
+                  <a:schemeClr val="accent6">
+                    <a:lumMod val="75000"/>
+                  </a:schemeClr>
+                </a:solidFill>
+              </a:rPr>
+              <a:t>文字色</a:t>
+            </a:r>
+            <a:endParaRPr lang="en-US" altLang="ja-JP" sz="700" smtClean="0">
+              <a:solidFill>
+                <a:schemeClr val="accent6">
+                  <a:lumMod val="75000"/>
+                </a:schemeClr>
+              </a:solidFill>
+            </a:endParaRPr>
+          </a:p>
+          <a:p>
+            <a:pPr algn="ctr"/>
+            <a:r>
+              <a:rPr lang="ja-JP" altLang="en-US" sz="700" smtClean="0">
+                <a:solidFill>
+                  <a:schemeClr val="accent6">
+                    <a:lumMod val="75000"/>
+                  </a:schemeClr>
+                </a:solidFill>
+              </a:rPr>
+              <a:t>変更</a:t>
+            </a:r>
+            <a:r>
+              <a:rPr lang="en-US" altLang="ja-JP" sz="700" smtClean="0">
+                <a:solidFill>
+                  <a:schemeClr val="accent6">
+                    <a:lumMod val="75000"/>
+                  </a:schemeClr>
+                </a:solidFill>
+              </a:rPr>
+              <a:t>(</a:t>
+            </a:r>
+            <a:r>
+              <a:rPr lang="ja-JP" altLang="en-US" sz="700" smtClean="0">
+                <a:solidFill>
+                  <a:schemeClr val="accent6">
+                    <a:lumMod val="75000"/>
+                  </a:schemeClr>
+                </a:solidFill>
+              </a:rPr>
+              <a:t>赤</a:t>
+            </a:r>
+            <a:r>
+              <a:rPr lang="en-US" altLang="ja-JP" sz="700" smtClean="0">
+                <a:solidFill>
+                  <a:schemeClr val="accent6">
+                    <a:lumMod val="75000"/>
+                  </a:schemeClr>
+                </a:solidFill>
+              </a:rPr>
+              <a:t>)</a:t>
+            </a:r>
+          </a:p>
+        </p:txBody>
+      </p:sp>
+      <p:sp>
+        <p:nvSpPr>
+          <p:cNvPr id="26" name="角丸四角形 25"/>
+          <p:cNvSpPr/>
+          <p:nvPr/>
+        </p:nvSpPr>
+        <p:spPr>
+          <a:xfrm>
+            <a:off x="3510536" y="3895694"/>
+            <a:ext cx="464588" cy="465380"/>
+          </a:xfrm>
+          <a:prstGeom prst="roundRect">
+            <a:avLst/>
+          </a:prstGeom>
+        </p:spPr>
+        <p:style>
+          <a:lnRef idx="2">
+            <a:schemeClr val="accent6"/>
+          </a:lnRef>
+          <a:fillRef idx="1">
+            <a:schemeClr val="lt1"/>
+          </a:fillRef>
+          <a:effectRef idx="0">
+            <a:schemeClr val="accent6"/>
+          </a:effectRef>
+          <a:fontRef idx="minor">
+            <a:schemeClr val="dk1"/>
+          </a:fontRef>
+        </p:style>
+        <p:txBody>
+          <a:bodyPr wrap="none" rtlCol="0" anchor="ctr"/>
+          <a:lstStyle/>
+          <a:p>
+            <a:pPr algn="ctr"/>
             <a:endParaRPr lang="ja-JP" altLang="en-US" sz="800" dirty="0">
               <a:solidFill>
                 <a:schemeClr val="accent5">
@@ -16768,13 +16764,53 @@
       </p:sp>
       <p:sp>
         <p:nvSpPr>
-          <p:cNvPr id="23" name="角丸四角形 22"/>
-          <p:cNvSpPr/>
-          <p:nvPr/>
-        </p:nvSpPr>
-        <p:spPr>
-          <a:xfrm>
-            <a:off x="1900793" y="3895694"/>
+          <p:cNvPr id="27" name="角丸四角形 26"/>
+          <p:cNvSpPr/>
+          <p:nvPr/>
+        </p:nvSpPr>
+        <p:spPr>
+          <a:xfrm>
+            <a:off x="4047117" y="3895694"/>
+            <a:ext cx="464588" cy="465380"/>
+          </a:xfrm>
+          <a:prstGeom prst="roundRect">
+            <a:avLst/>
+          </a:prstGeom>
+        </p:spPr>
+        <p:style>
+          <a:lnRef idx="2">
+            <a:schemeClr val="accent6"/>
+          </a:lnRef>
+          <a:fillRef idx="1">
+            <a:schemeClr val="lt1"/>
+          </a:fillRef>
+          <a:effectRef idx="0">
+            <a:schemeClr val="accent6"/>
+          </a:effectRef>
+          <a:fontRef idx="minor">
+            <a:schemeClr val="dk1"/>
+          </a:fontRef>
+        </p:style>
+        <p:txBody>
+          <a:bodyPr wrap="none" rtlCol="0" anchor="ctr"/>
+          <a:lstStyle/>
+          <a:p>
+            <a:pPr algn="ctr"/>
+            <a:endParaRPr kumimoji="1" lang="ja-JP" altLang="en-US" sz="800" dirty="0">
+              <a:latin typeface="+mn-ea"/>
+            </a:endParaRPr>
+          </a:p>
+        </p:txBody>
+      </p:sp>
+      <p:sp>
+        <p:nvSpPr>
+          <p:cNvPr id="28" name="角丸四角形 27"/>
+          <p:cNvSpPr/>
+          <p:nvPr/>
+        </p:nvSpPr>
+        <p:spPr>
+          <a:xfrm>
+            <a:off x="4583698" y="3895694"/>
             <a:ext cx="464588" cy="465380"/>
           </a:xfrm>
           <a:prstGeom prst="roundRect">
@@ -16812,83 +16848,79 @@
       </p:sp>
       <p:sp>
         <p:nvSpPr>
-          <p:cNvPr id="24" name="角丸四角形 23"/>
-          <p:cNvSpPr/>
-          <p:nvPr/>
-        </p:nvSpPr>
-        <p:spPr>
-          <a:xfrm>
-            <a:off x="2437374" y="3895694"/>
-            <a:ext cx="464588" cy="465380"/>
-          </a:xfrm>
-          <a:prstGeom prst="roundRect">
-            <a:avLst/>
-          </a:prstGeom>
-        </p:spPr>
-        <p:style>
-          <a:lnRef idx="2">
-            <a:schemeClr val="accent6"/>
-          </a:lnRef>
-          <a:fillRef idx="1">
-            <a:schemeClr val="lt1"/>
-          </a:fillRef>
-          <a:effectRef idx="0">
-            <a:schemeClr val="accent6"/>
-          </a:effectRef>
-          <a:fontRef idx="minor">
-            <a:schemeClr val="dk1"/>
-          </a:fontRef>
-        </p:style>
-        <p:txBody>
-          <a:bodyPr wrap="none" rtlCol="0" anchor="ctr"/>
-          <a:lstStyle/>
-          <a:p>
-            <a:pPr algn="ctr"/>
-            <a:endParaRPr lang="ja-JP" altLang="en-US" sz="800" dirty="0">
-              <a:solidFill>
-                <a:schemeClr val="accent5">
-                  <a:lumMod val="75000"/>
-                </a:schemeClr>
-              </a:solidFill>
-            </a:endParaRPr>
-          </a:p>
-        </p:txBody>
-      </p:sp>
-      <p:sp>
-        <p:nvSpPr>
-          <p:cNvPr id="25" name="角丸四角形 24"/>
-          <p:cNvSpPr/>
-          <p:nvPr/>
-        </p:nvSpPr>
-        <p:spPr>
-          <a:xfrm>
-            <a:off x="2973955" y="3895694"/>
-            <a:ext cx="464588" cy="465380"/>
-          </a:xfrm>
-          <a:prstGeom prst="roundRect">
-            <a:avLst/>
-          </a:prstGeom>
-        </p:spPr>
-        <p:style>
-          <a:lnRef idx="2">
-            <a:schemeClr val="accent6"/>
-          </a:lnRef>
-          <a:fillRef idx="1">
-            <a:schemeClr val="lt1"/>
-          </a:fillRef>
-          <a:effectRef idx="0">
-            <a:schemeClr val="accent6"/>
-          </a:effectRef>
-          <a:fontRef idx="minor">
-            <a:schemeClr val="dk1"/>
-          </a:fontRef>
-        </p:style>
-        <p:txBody>
-          <a:bodyPr wrap="none" rtlCol="0" anchor="ctr"/>
-          <a:lstStyle/>
-          <a:p>
-            <a:pPr algn="ctr"/>
-            <a:endParaRPr lang="en-US" altLang="ja-JP" sz="700" smtClean="0">
+          <p:cNvPr id="29" name="角丸四角形 28"/>
+          <p:cNvSpPr/>
+          <p:nvPr/>
+        </p:nvSpPr>
+        <p:spPr>
+          <a:xfrm>
+            <a:off x="5120279" y="3895694"/>
+            <a:ext cx="464588" cy="465380"/>
+          </a:xfrm>
+          <a:prstGeom prst="roundRect">
+            <a:avLst/>
+          </a:prstGeom>
+        </p:spPr>
+        <p:style>
+          <a:lnRef idx="2">
+            <a:schemeClr val="accent6"/>
+          </a:lnRef>
+          <a:fillRef idx="1">
+            <a:schemeClr val="lt1"/>
+          </a:fillRef>
+          <a:effectRef idx="0">
+            <a:schemeClr val="accent6"/>
+          </a:effectRef>
+          <a:fontRef idx="minor">
+            <a:schemeClr val="dk1"/>
+          </a:fontRef>
+        </p:style>
+        <p:txBody>
+          <a:bodyPr wrap="none" rtlCol="0" anchor="ctr"/>
+          <a:lstStyle/>
+          <a:p>
+            <a:pPr algn="ctr"/>
+            <a:endParaRPr kumimoji="1" lang="ja-JP" altLang="en-US" sz="800" dirty="0">
+              <a:latin typeface="+mn-ea"/>
+            </a:endParaRPr>
+          </a:p>
+        </p:txBody>
+      </p:sp>
+      <p:sp>
+        <p:nvSpPr>
+          <p:cNvPr id="30" name="角丸四角形 29"/>
+          <p:cNvSpPr/>
+          <p:nvPr/>
+        </p:nvSpPr>
+        <p:spPr>
+          <a:xfrm>
+            <a:off x="5656860" y="3895694"/>
+            <a:ext cx="464588" cy="465380"/>
+          </a:xfrm>
+          <a:prstGeom prst="roundRect">
+            <a:avLst/>
+          </a:prstGeom>
+        </p:spPr>
+        <p:style>
+          <a:lnRef idx="2">
+            <a:schemeClr val="accent6"/>
+          </a:lnRef>
+          <a:fillRef idx="1">
+            <a:schemeClr val="lt1"/>
+          </a:fillRef>
+          <a:effectRef idx="0">
+            <a:schemeClr val="accent6"/>
+          </a:effectRef>
+          <a:fontRef idx="minor">
+            <a:schemeClr val="dk1"/>
+          </a:fontRef>
+        </p:style>
+        <p:txBody>
+          <a:bodyPr wrap="none" rtlCol="0" anchor="ctr"/>
+          <a:lstStyle/>
+          <a:p>
+            <a:pPr algn="ctr"/>
+            <a:endParaRPr lang="en-US" altLang="ja-JP" sz="700">
               <a:solidFill>
                 <a:schemeClr val="accent6">
                   <a:lumMod val="75000"/>
@@ -16900,41 +16932,241 @@
       </p:sp>
       <p:sp>
         <p:nvSpPr>
-          <p:cNvPr id="26" name="角丸四角形 25"/>
-          <p:cNvSpPr/>
-          <p:nvPr/>
-        </p:nvSpPr>
-        <p:spPr>
-          <a:xfrm>
-            <a:off x="3510536" y="3895694"/>
-            <a:ext cx="464588" cy="465380"/>
-          </a:xfrm>
-          <a:prstGeom prst="roundRect">
-            <a:avLst/>
-          </a:prstGeom>
-        </p:spPr>
-        <p:style>
-          <a:lnRef idx="2">
-            <a:schemeClr val="accent6"/>
-          </a:lnRef>
-          <a:fillRef idx="1">
-            <a:schemeClr val="lt1"/>
-          </a:fillRef>
-          <a:effectRef idx="0">
-            <a:schemeClr val="accent6"/>
-          </a:effectRef>
-          <a:fontRef idx="minor">
-            <a:schemeClr val="dk1"/>
-          </a:fontRef>
-        </p:style>
-        <p:txBody>
-          <a:bodyPr wrap="none" rtlCol="0" anchor="ctr"/>
-          <a:lstStyle/>
-          <a:p>
-            <a:pPr algn="ctr"/>
-            <a:endParaRPr lang="ja-JP" altLang="en-US" sz="800" dirty="0">
+          <p:cNvPr id="31" name="角丸四角形 30"/>
+          <p:cNvSpPr/>
+          <p:nvPr/>
+        </p:nvSpPr>
+        <p:spPr>
+          <a:xfrm>
+            <a:off x="6193441" y="3895694"/>
+            <a:ext cx="464588" cy="465380"/>
+          </a:xfrm>
+          <a:prstGeom prst="roundRect">
+            <a:avLst/>
+          </a:prstGeom>
+        </p:spPr>
+        <p:style>
+          <a:lnRef idx="2">
+            <a:schemeClr val="accent6"/>
+          </a:lnRef>
+          <a:fillRef idx="1">
+            <a:schemeClr val="lt1"/>
+          </a:fillRef>
+          <a:effectRef idx="0">
+            <a:schemeClr val="accent6"/>
+          </a:effectRef>
+          <a:fontRef idx="minor">
+            <a:schemeClr val="dk1"/>
+          </a:fontRef>
+        </p:style>
+        <p:txBody>
+          <a:bodyPr wrap="none" rtlCol="0" anchor="ctr"/>
+          <a:lstStyle/>
+          <a:p>
+            <a:pPr algn="ctr"/>
+            <a:endParaRPr kumimoji="1" lang="ja-JP" altLang="en-US" sz="800" dirty="0">
+              <a:latin typeface="+mn-ea"/>
+            </a:endParaRPr>
+          </a:p>
+        </p:txBody>
+      </p:sp>
+      <p:sp>
+        <p:nvSpPr>
+          <p:cNvPr id="32" name="角丸四角形 31"/>
+          <p:cNvSpPr/>
+          <p:nvPr/>
+        </p:nvSpPr>
+        <p:spPr>
+          <a:xfrm>
+            <a:off x="6730022" y="3895694"/>
+            <a:ext cx="464588" cy="465380"/>
+          </a:xfrm>
+          <a:prstGeom prst="roundRect">
+            <a:avLst/>
+          </a:prstGeom>
+        </p:spPr>
+        <p:style>
+          <a:lnRef idx="2">
+            <a:schemeClr val="accent6"/>
+          </a:lnRef>
+          <a:fillRef idx="1">
+            <a:schemeClr val="lt1"/>
+          </a:fillRef>
+          <a:effectRef idx="0">
+            <a:schemeClr val="accent6"/>
+          </a:effectRef>
+          <a:fontRef idx="minor">
+            <a:schemeClr val="dk1"/>
+          </a:fontRef>
+        </p:style>
+        <p:txBody>
+          <a:bodyPr wrap="none" rtlCol="0" anchor="ctr"/>
+          <a:lstStyle/>
+          <a:p>
+            <a:pPr algn="ctr"/>
+            <a:endParaRPr kumimoji="1" lang="ja-JP" altLang="en-US" sz="800" dirty="0">
+              <a:latin typeface="+mn-ea"/>
+            </a:endParaRPr>
+          </a:p>
+        </p:txBody>
+      </p:sp>
+      <p:sp>
+        <p:nvSpPr>
+          <p:cNvPr id="33" name="角丸四角形 32"/>
+          <p:cNvSpPr/>
+          <p:nvPr/>
+        </p:nvSpPr>
+        <p:spPr>
+          <a:xfrm>
+            <a:off x="7266603" y="3895694"/>
+            <a:ext cx="464588" cy="465380"/>
+          </a:xfrm>
+          <a:prstGeom prst="roundRect">
+            <a:avLst/>
+          </a:prstGeom>
+        </p:spPr>
+        <p:style>
+          <a:lnRef idx="2">
+            <a:schemeClr val="accent6"/>
+          </a:lnRef>
+          <a:fillRef idx="1">
+            <a:schemeClr val="lt1"/>
+          </a:fillRef>
+          <a:effectRef idx="0">
+            <a:schemeClr val="accent6"/>
+          </a:effectRef>
+          <a:fontRef idx="minor">
+            <a:schemeClr val="dk1"/>
+          </a:fontRef>
+        </p:style>
+        <p:txBody>
+          <a:bodyPr wrap="none" rtlCol="0" anchor="ctr"/>
+          <a:lstStyle/>
+          <a:p>
+            <a:pPr algn="ctr"/>
+            <a:endParaRPr kumimoji="1" lang="ja-JP" altLang="en-US" sz="800" dirty="0">
+              <a:latin typeface="+mn-ea"/>
+            </a:endParaRPr>
+          </a:p>
+        </p:txBody>
+      </p:sp>
+      <p:sp>
+        <p:nvSpPr>
+          <p:cNvPr id="34" name="角丸四角形 33"/>
+          <p:cNvSpPr/>
+          <p:nvPr/>
+        </p:nvSpPr>
+        <p:spPr>
+          <a:xfrm>
+            <a:off x="7803183" y="3895694"/>
+            <a:ext cx="749085" cy="465380"/>
+          </a:xfrm>
+          <a:prstGeom prst="roundRect">
+            <a:avLst/>
+          </a:prstGeom>
+        </p:spPr>
+        <p:style>
+          <a:lnRef idx="2">
+            <a:schemeClr val="accent6"/>
+          </a:lnRef>
+          <a:fillRef idx="1">
+            <a:schemeClr val="lt1"/>
+          </a:fillRef>
+          <a:effectRef idx="0">
+            <a:schemeClr val="accent6"/>
+          </a:effectRef>
+          <a:fontRef idx="minor">
+            <a:schemeClr val="dk1"/>
+          </a:fontRef>
+        </p:style>
+        <p:txBody>
+          <a:bodyPr wrap="none" rtlCol="0" anchor="ctr"/>
+          <a:lstStyle/>
+          <a:p>
+            <a:pPr algn="ctr"/>
+            <a:endParaRPr kumimoji="1" lang="ja-JP" altLang="en-US" sz="800" dirty="0">
+              <a:latin typeface="+mn-ea"/>
+            </a:endParaRPr>
+          </a:p>
+        </p:txBody>
+      </p:sp>
+      <p:sp>
+        <p:nvSpPr>
+          <p:cNvPr id="35" name="角丸四角形 34"/>
+          <p:cNvSpPr/>
+          <p:nvPr/>
+        </p:nvSpPr>
+        <p:spPr>
+          <a:xfrm>
+            <a:off x="569441" y="3895694"/>
+            <a:ext cx="722778" cy="465380"/>
+          </a:xfrm>
+          <a:prstGeom prst="roundRect">
+            <a:avLst/>
+          </a:prstGeom>
+        </p:spPr>
+        <p:style>
+          <a:lnRef idx="2">
+            <a:schemeClr val="accent6"/>
+          </a:lnRef>
+          <a:fillRef idx="1">
+            <a:schemeClr val="lt1"/>
+          </a:fillRef>
+          <a:effectRef idx="0">
+            <a:schemeClr val="accent6"/>
+          </a:effectRef>
+          <a:fontRef idx="minor">
+            <a:schemeClr val="dk1"/>
+          </a:fontRef>
+        </p:style>
+        <p:txBody>
+          <a:bodyPr wrap="none" rtlCol="0" anchor="ctr"/>
+          <a:lstStyle/>
+          <a:p>
+            <a:pPr algn="ctr"/>
+            <a:endParaRPr kumimoji="1" lang="ja-JP" altLang="en-US" sz="900" dirty="0">
+              <a:latin typeface="+mn-ea"/>
+            </a:endParaRPr>
+          </a:p>
+        </p:txBody>
+      </p:sp>
+      <p:sp>
+        <p:nvSpPr>
+          <p:cNvPr id="36" name="角丸四角形 35"/>
+          <p:cNvSpPr/>
+          <p:nvPr/>
+        </p:nvSpPr>
+        <p:spPr>
+          <a:xfrm>
+            <a:off x="1547092" y="4421474"/>
+            <a:ext cx="464588" cy="465380"/>
+          </a:xfrm>
+          <a:prstGeom prst="roundRect">
+            <a:avLst/>
+          </a:prstGeom>
+        </p:spPr>
+        <p:style>
+          <a:lnRef idx="2">
+            <a:schemeClr val="accent6"/>
+          </a:lnRef>
+          <a:fillRef idx="1">
+            <a:schemeClr val="lt1"/>
+          </a:fillRef>
+          <a:effectRef idx="0">
+            <a:schemeClr val="accent6"/>
+          </a:effectRef>
+          <a:fontRef idx="minor">
+            <a:schemeClr val="dk1"/>
+          </a:fontRef>
+        </p:style>
+        <p:txBody>
+          <a:bodyPr wrap="none" rtlCol="0" anchor="ctr"/>
+          <a:lstStyle/>
+          <a:p>
+            <a:pPr algn="ctr"/>
+            <a:endParaRPr lang="ja-JP" altLang="en-US" sz="1050" dirty="0">
               <a:solidFill>
-                <a:schemeClr val="accent5">
+                <a:schemeClr val="accent6">
                   <a:lumMod val="75000"/>
                 </a:schemeClr>
               </a:solidFill>
@@ -16944,13 +17176,213 @@
       </p:sp>
       <p:sp>
         <p:nvSpPr>
-          <p:cNvPr id="27" name="角丸四角形 26"/>
-          <p:cNvSpPr/>
-          <p:nvPr/>
-        </p:nvSpPr>
-        <p:spPr>
-          <a:xfrm>
-            <a:off x="4047117" y="3895694"/>
+          <p:cNvPr id="37" name="角丸四角形 36"/>
+          <p:cNvSpPr/>
+          <p:nvPr/>
+        </p:nvSpPr>
+        <p:spPr>
+          <a:xfrm>
+            <a:off x="2083673" y="4421474"/>
+            <a:ext cx="464588" cy="465380"/>
+          </a:xfrm>
+          <a:prstGeom prst="roundRect">
+            <a:avLst/>
+          </a:prstGeom>
+        </p:spPr>
+        <p:style>
+          <a:lnRef idx="2">
+            <a:schemeClr val="accent6"/>
+          </a:lnRef>
+          <a:fillRef idx="1">
+            <a:schemeClr val="lt1"/>
+          </a:fillRef>
+          <a:effectRef idx="0">
+            <a:schemeClr val="accent6"/>
+          </a:effectRef>
+          <a:fontRef idx="minor">
+            <a:schemeClr val="dk1"/>
+          </a:fontRef>
+        </p:style>
+        <p:txBody>
+          <a:bodyPr wrap="none" rtlCol="0" anchor="ctr"/>
+          <a:lstStyle/>
+          <a:p>
+            <a:pPr algn="ctr"/>
+            <a:endParaRPr lang="en-US" altLang="ja-JP" sz="700">
+              <a:solidFill>
+                <a:schemeClr val="accent6">
+                  <a:lumMod val="75000"/>
+                </a:schemeClr>
+              </a:solidFill>
+            </a:endParaRPr>
+          </a:p>
+        </p:txBody>
+      </p:sp>
+      <p:sp>
+        <p:nvSpPr>
+          <p:cNvPr id="38" name="角丸四角形 37"/>
+          <p:cNvSpPr/>
+          <p:nvPr/>
+        </p:nvSpPr>
+        <p:spPr>
+          <a:xfrm>
+            <a:off x="2620254" y="4421474"/>
+            <a:ext cx="464588" cy="465380"/>
+          </a:xfrm>
+          <a:prstGeom prst="roundRect">
+            <a:avLst/>
+          </a:prstGeom>
+        </p:spPr>
+        <p:style>
+          <a:lnRef idx="2">
+            <a:schemeClr val="accent6"/>
+          </a:lnRef>
+          <a:fillRef idx="1">
+            <a:schemeClr val="lt1"/>
+          </a:fillRef>
+          <a:effectRef idx="0">
+            <a:schemeClr val="accent6"/>
+          </a:effectRef>
+          <a:fontRef idx="minor">
+            <a:schemeClr val="dk1"/>
+          </a:fontRef>
+        </p:style>
+        <p:txBody>
+          <a:bodyPr wrap="none" rtlCol="0" anchor="ctr"/>
+          <a:lstStyle/>
+          <a:p>
+            <a:pPr algn="ctr"/>
+            <a:endParaRPr lang="en-US" altLang="ja-JP" sz="800"/>
+          </a:p>
+        </p:txBody>
+      </p:sp>
+      <p:sp>
+        <p:nvSpPr>
+          <p:cNvPr id="39" name="角丸四角形 38"/>
+          <p:cNvSpPr/>
+          <p:nvPr/>
+        </p:nvSpPr>
+        <p:spPr>
+          <a:xfrm>
+            <a:off x="3156835" y="4421474"/>
+            <a:ext cx="464588" cy="465380"/>
+          </a:xfrm>
+          <a:prstGeom prst="roundRect">
+            <a:avLst/>
+          </a:prstGeom>
+        </p:spPr>
+        <p:style>
+          <a:lnRef idx="2">
+            <a:schemeClr val="accent6"/>
+          </a:lnRef>
+          <a:fillRef idx="1">
+            <a:schemeClr val="lt1"/>
+          </a:fillRef>
+          <a:effectRef idx="0">
+            <a:schemeClr val="accent6"/>
+          </a:effectRef>
+          <a:fontRef idx="minor">
+            <a:schemeClr val="dk1"/>
+          </a:fontRef>
+        </p:style>
+        <p:txBody>
+          <a:bodyPr wrap="none" rtlCol="0" anchor="ctr"/>
+          <a:lstStyle/>
+          <a:p>
+            <a:pPr algn="ctr"/>
+            <a:endParaRPr lang="ja-JP" altLang="en-US" sz="700" u="sng" dirty="0">
+              <a:solidFill>
+                <a:schemeClr val="accent6">
+                  <a:lumMod val="75000"/>
+                </a:schemeClr>
+              </a:solidFill>
+            </a:endParaRPr>
+          </a:p>
+        </p:txBody>
+      </p:sp>
+      <p:sp>
+        <p:nvSpPr>
+          <p:cNvPr id="40" name="角丸四角形 39"/>
+          <p:cNvSpPr/>
+          <p:nvPr/>
+        </p:nvSpPr>
+        <p:spPr>
+          <a:xfrm>
+            <a:off x="3693416" y="4421474"/>
+            <a:ext cx="464588" cy="465380"/>
+          </a:xfrm>
+          <a:prstGeom prst="roundRect">
+            <a:avLst/>
+          </a:prstGeom>
+        </p:spPr>
+        <p:style>
+          <a:lnRef idx="2">
+            <a:schemeClr val="accent6"/>
+          </a:lnRef>
+          <a:fillRef idx="1">
+            <a:schemeClr val="lt1"/>
+          </a:fillRef>
+          <a:effectRef idx="0">
+            <a:schemeClr val="accent6"/>
+          </a:effectRef>
+          <a:fontRef idx="minor">
+            <a:schemeClr val="dk1"/>
+          </a:fontRef>
+        </p:style>
+        <p:txBody>
+          <a:bodyPr wrap="none" rtlCol="0" anchor="ctr"/>
+          <a:lstStyle/>
+          <a:p>
+            <a:pPr algn="ctr"/>
+            <a:r>
+              <a:rPr lang="ja-JP" altLang="en-US" sz="800" smtClean="0">
+                <a:solidFill>
+                  <a:schemeClr val="accent6">
+                    <a:lumMod val="75000"/>
+                  </a:schemeClr>
+                </a:solidFill>
+              </a:rPr>
+              <a:t>セル</a:t>
+            </a:r>
+            <a:endParaRPr lang="en-US" altLang="ja-JP" sz="800" smtClean="0">
+              <a:solidFill>
+                <a:schemeClr val="accent6">
+                  <a:lumMod val="75000"/>
+                </a:schemeClr>
+              </a:solidFill>
+            </a:endParaRPr>
+          </a:p>
+          <a:p>
+            <a:pPr algn="ctr"/>
+            <a:r>
+              <a:rPr lang="ja-JP" altLang="en-US" sz="800">
+                <a:solidFill>
+                  <a:schemeClr val="accent6">
+                    <a:lumMod val="75000"/>
+                  </a:schemeClr>
+                </a:solidFill>
+              </a:rPr>
+              <a:t>結合</a:t>
+            </a:r>
+            <a:endParaRPr lang="ja-JP" altLang="en-US" sz="800" dirty="0">
+              <a:solidFill>
+                <a:schemeClr val="accent6">
+                  <a:lumMod val="75000"/>
+                </a:schemeClr>
+              </a:solidFill>
+            </a:endParaRPr>
+          </a:p>
+        </p:txBody>
+      </p:sp>
+      <p:sp>
+        <p:nvSpPr>
+          <p:cNvPr id="41" name="角丸四角形 40"/>
+          <p:cNvSpPr/>
+          <p:nvPr/>
+        </p:nvSpPr>
+        <p:spPr>
+          <a:xfrm>
+            <a:off x="4229997" y="4421474"/>
             <a:ext cx="464588" cy="465380"/>
           </a:xfrm>
           <a:prstGeom prst="roundRect">
@@ -16984,13 +17416,97 @@
       </p:sp>
       <p:sp>
         <p:nvSpPr>
-          <p:cNvPr id="28" name="角丸四角形 27"/>
-          <p:cNvSpPr/>
-          <p:nvPr/>
-        </p:nvSpPr>
-        <p:spPr>
-          <a:xfrm>
-            <a:off x="4583698" y="3895694"/>
+          <p:cNvPr id="42" name="角丸四角形 41"/>
+          <p:cNvSpPr/>
+          <p:nvPr/>
+        </p:nvSpPr>
+        <p:spPr>
+          <a:xfrm>
+            <a:off x="4766578" y="4421474"/>
+            <a:ext cx="464588" cy="465380"/>
+          </a:xfrm>
+          <a:prstGeom prst="roundRect">
+            <a:avLst/>
+          </a:prstGeom>
+        </p:spPr>
+        <p:style>
+          <a:lnRef idx="2">
+            <a:schemeClr val="accent6"/>
+          </a:lnRef>
+          <a:fillRef idx="1">
+            <a:schemeClr val="lt1"/>
+          </a:fillRef>
+          <a:effectRef idx="0">
+            <a:schemeClr val="accent6"/>
+          </a:effectRef>
+          <a:fontRef idx="minor">
+            <a:schemeClr val="dk1"/>
+          </a:fontRef>
+        </p:style>
+        <p:txBody>
+          <a:bodyPr wrap="none" rtlCol="0" anchor="ctr"/>
+          <a:lstStyle/>
+          <a:p>
+            <a:pPr algn="ctr"/>
+            <a:endParaRPr lang="en-US" altLang="ja-JP" sz="700" u="sng">
+              <a:solidFill>
+                <a:schemeClr val="accent6">
+                  <a:lumMod val="75000"/>
+                </a:schemeClr>
+              </a:solidFill>
+            </a:endParaRPr>
+          </a:p>
+        </p:txBody>
+      </p:sp>
+      <p:sp>
+        <p:nvSpPr>
+          <p:cNvPr id="43" name="角丸四角形 42"/>
+          <p:cNvSpPr/>
+          <p:nvPr/>
+        </p:nvSpPr>
+        <p:spPr>
+          <a:xfrm>
+            <a:off x="5303159" y="4421474"/>
+            <a:ext cx="464588" cy="465380"/>
+          </a:xfrm>
+          <a:prstGeom prst="roundRect">
+            <a:avLst/>
+          </a:prstGeom>
+        </p:spPr>
+        <p:style>
+          <a:lnRef idx="2">
+            <a:schemeClr val="accent6"/>
+          </a:lnRef>
+          <a:fillRef idx="1">
+            <a:schemeClr val="lt1"/>
+          </a:fillRef>
+          <a:effectRef idx="0">
+            <a:schemeClr val="accent6"/>
+          </a:effectRef>
+          <a:fontRef idx="minor">
+            <a:schemeClr val="dk1"/>
+          </a:fontRef>
+        </p:style>
+        <p:txBody>
+          <a:bodyPr wrap="none" rtlCol="0" anchor="ctr"/>
+          <a:lstStyle/>
+          <a:p>
+            <a:pPr algn="ctr"/>
+            <a:endParaRPr kumimoji="1" lang="ja-JP" altLang="en-US" sz="800" dirty="0">
+              <a:latin typeface="+mn-ea"/>
+            </a:endParaRPr>
+          </a:p>
+        </p:txBody>
+      </p:sp>
+      <p:sp>
+        <p:nvSpPr>
+          <p:cNvPr id="44" name="角丸四角形 43"/>
+          <p:cNvSpPr/>
+          <p:nvPr/>
+        </p:nvSpPr>
+        <p:spPr>
+          <a:xfrm>
+            <a:off x="5839740" y="4421474"/>
             <a:ext cx="464588" cy="465380"/>
           </a:xfrm>
           <a:prstGeom prst="roundRect">
@@ -17028,13 +17544,13 @@
       </p:sp>
       <p:sp>
         <p:nvSpPr>
-          <p:cNvPr id="29" name="角丸四角形 28"/>
-          <p:cNvSpPr/>
-          <p:nvPr/>
-        </p:nvSpPr>
-        <p:spPr>
-          <a:xfrm>
-            <a:off x="5120279" y="3895694"/>
+          <p:cNvPr id="45" name="角丸四角形 44"/>
+          <p:cNvSpPr/>
+          <p:nvPr/>
+        </p:nvSpPr>
+        <p:spPr>
+          <a:xfrm>
+            <a:off x="6376321" y="4421474"/>
             <a:ext cx="464588" cy="465380"/>
           </a:xfrm>
           <a:prstGeom prst="roundRect">
@@ -17068,878 +17584,211 @@
       </p:sp>
       <p:sp>
         <p:nvSpPr>
-          <p:cNvPr id="30" name="角丸四角形 29"/>
-          <p:cNvSpPr/>
-          <p:nvPr/>
-        </p:nvSpPr>
-        <p:spPr>
-          <a:xfrm>
-            <a:off x="5656860" y="3895694"/>
-            <a:ext cx="464588" cy="465380"/>
-          </a:xfrm>
-          <a:prstGeom prst="roundRect">
-            <a:avLst/>
-          </a:prstGeom>
-        </p:spPr>
-        <p:style>
-          <a:lnRef idx="2">
-            <a:schemeClr val="accent6"/>
-          </a:lnRef>
-          <a:fillRef idx="1">
-            <a:schemeClr val="lt1"/>
-          </a:fillRef>
-          <a:effectRef idx="0">
-            <a:schemeClr val="accent6"/>
-          </a:effectRef>
-          <a:fontRef idx="minor">
-            <a:schemeClr val="dk1"/>
-          </a:fontRef>
-        </p:style>
-        <p:txBody>
-          <a:bodyPr wrap="none" rtlCol="0" anchor="ctr"/>
-          <a:lstStyle/>
-          <a:p>
-            <a:pPr algn="ctr"/>
-            <a:endParaRPr lang="en-US" altLang="ja-JP" sz="700">
+          <p:cNvPr id="46" name="角丸四角形 45"/>
+          <p:cNvSpPr/>
+          <p:nvPr/>
+        </p:nvSpPr>
+        <p:spPr>
+          <a:xfrm>
+            <a:off x="6912902" y="4421474"/>
+            <a:ext cx="464588" cy="465380"/>
+          </a:xfrm>
+          <a:prstGeom prst="roundRect">
+            <a:avLst/>
+          </a:prstGeom>
+        </p:spPr>
+        <p:style>
+          <a:lnRef idx="2">
+            <a:schemeClr val="accent6"/>
+          </a:lnRef>
+          <a:fillRef idx="1">
+            <a:schemeClr val="lt1"/>
+          </a:fillRef>
+          <a:effectRef idx="0">
+            <a:schemeClr val="accent6"/>
+          </a:effectRef>
+          <a:fontRef idx="minor">
+            <a:schemeClr val="dk1"/>
+          </a:fontRef>
+        </p:style>
+        <p:txBody>
+          <a:bodyPr wrap="none" rtlCol="0" anchor="ctr"/>
+          <a:lstStyle/>
+          <a:p>
+            <a:pPr algn="ctr"/>
+            <a:endParaRPr kumimoji="1" lang="ja-JP" altLang="en-US" sz="800" dirty="0">
+              <a:latin typeface="+mn-ea"/>
+            </a:endParaRPr>
+          </a:p>
+        </p:txBody>
+      </p:sp>
+      <p:sp>
+        <p:nvSpPr>
+          <p:cNvPr id="47" name="角丸四角形 46"/>
+          <p:cNvSpPr/>
+          <p:nvPr/>
+        </p:nvSpPr>
+        <p:spPr>
+          <a:xfrm>
+            <a:off x="7449483" y="4421474"/>
+            <a:ext cx="1102786" cy="465380"/>
+          </a:xfrm>
+          <a:prstGeom prst="roundRect">
+            <a:avLst/>
+          </a:prstGeom>
+        </p:spPr>
+        <p:style>
+          <a:lnRef idx="2">
+            <a:schemeClr val="accent6"/>
+          </a:lnRef>
+          <a:fillRef idx="1">
+            <a:schemeClr val="lt1"/>
+          </a:fillRef>
+          <a:effectRef idx="0">
+            <a:schemeClr val="accent6"/>
+          </a:effectRef>
+          <a:fontRef idx="minor">
+            <a:schemeClr val="dk1"/>
+          </a:fontRef>
+        </p:style>
+        <p:txBody>
+          <a:bodyPr wrap="none" rtlCol="0" anchor="ctr"/>
+          <a:lstStyle/>
+          <a:p>
+            <a:pPr algn="ctr"/>
+            <a:endParaRPr kumimoji="1" lang="ja-JP" altLang="en-US" sz="800" dirty="0">
+              <a:latin typeface="+mn-ea"/>
+            </a:endParaRPr>
+          </a:p>
+        </p:txBody>
+      </p:sp>
+      <p:sp>
+        <p:nvSpPr>
+          <p:cNvPr id="50" name="角丸四角形 49"/>
+          <p:cNvSpPr/>
+          <p:nvPr/>
+        </p:nvSpPr>
+        <p:spPr>
+          <a:xfrm>
+            <a:off x="1794537" y="4947254"/>
+            <a:ext cx="464588" cy="465380"/>
+          </a:xfrm>
+          <a:prstGeom prst="roundRect">
+            <a:avLst/>
+          </a:prstGeom>
+        </p:spPr>
+        <p:style>
+          <a:lnRef idx="2">
+            <a:schemeClr val="accent6"/>
+          </a:lnRef>
+          <a:fillRef idx="1">
+            <a:schemeClr val="lt1"/>
+          </a:fillRef>
+          <a:effectRef idx="0">
+            <a:schemeClr val="accent6"/>
+          </a:effectRef>
+          <a:fontRef idx="minor">
+            <a:schemeClr val="dk1"/>
+          </a:fontRef>
+        </p:style>
+        <p:txBody>
+          <a:bodyPr wrap="none" rtlCol="0" anchor="ctr"/>
+          <a:lstStyle/>
+          <a:p>
+            <a:pPr algn="ctr"/>
+            <a:endParaRPr lang="ja-JP" altLang="en-US" sz="900" dirty="0"/>
+          </a:p>
+        </p:txBody>
+      </p:sp>
+      <p:sp>
+        <p:nvSpPr>
+          <p:cNvPr id="51" name="角丸四角形 50"/>
+          <p:cNvSpPr/>
+          <p:nvPr/>
+        </p:nvSpPr>
+        <p:spPr>
+          <a:xfrm>
+            <a:off x="2331118" y="4947254"/>
+            <a:ext cx="464588" cy="465380"/>
+          </a:xfrm>
+          <a:prstGeom prst="roundRect">
+            <a:avLst/>
+          </a:prstGeom>
+        </p:spPr>
+        <p:style>
+          <a:lnRef idx="2">
+            <a:schemeClr val="accent6"/>
+          </a:lnRef>
+          <a:fillRef idx="1">
+            <a:schemeClr val="lt1"/>
+          </a:fillRef>
+          <a:effectRef idx="0">
+            <a:schemeClr val="accent6"/>
+          </a:effectRef>
+          <a:fontRef idx="minor">
+            <a:schemeClr val="dk1"/>
+          </a:fontRef>
+        </p:style>
+        <p:txBody>
+          <a:bodyPr wrap="none" rtlCol="0" anchor="ctr"/>
+          <a:lstStyle/>
+          <a:p>
+            <a:pPr algn="ctr"/>
+            <a:endParaRPr lang="ja-JP" altLang="en-US" sz="900" dirty="0"/>
+          </a:p>
+        </p:txBody>
+      </p:sp>
+      <p:sp>
+        <p:nvSpPr>
+          <p:cNvPr id="52" name="角丸四角形 51"/>
+          <p:cNvSpPr/>
+          <p:nvPr/>
+        </p:nvSpPr>
+        <p:spPr>
+          <a:xfrm>
+            <a:off x="2867699" y="4947254"/>
+            <a:ext cx="464588" cy="465380"/>
+          </a:xfrm>
+          <a:prstGeom prst="roundRect">
+            <a:avLst/>
+          </a:prstGeom>
+        </p:spPr>
+        <p:style>
+          <a:lnRef idx="2">
+            <a:schemeClr val="accent6"/>
+          </a:lnRef>
+          <a:fillRef idx="1">
+            <a:schemeClr val="lt1"/>
+          </a:fillRef>
+          <a:effectRef idx="0">
+            <a:schemeClr val="accent6"/>
+          </a:effectRef>
+          <a:fontRef idx="minor">
+            <a:schemeClr val="dk1"/>
+          </a:fontRef>
+        </p:style>
+        <p:txBody>
+          <a:bodyPr wrap="none" rtlCol="0" anchor="ctr"/>
+          <a:lstStyle/>
+          <a:p>
+            <a:pPr algn="ctr"/>
+            <a:r>
+              <a:rPr kumimoji="1" lang="ja-JP" altLang="en-US" sz="900" smtClean="0">
+                <a:solidFill>
+                  <a:schemeClr val="accent6">
+                    <a:lumMod val="75000"/>
+                  </a:schemeClr>
+                </a:solidFill>
+                <a:latin typeface="+mn-ea"/>
+              </a:rPr>
+              <a:t>印刷</a:t>
+            </a:r>
+            <a:endParaRPr kumimoji="1" lang="ja-JP" altLang="en-US" sz="900" dirty="0">
               <a:solidFill>
                 <a:schemeClr val="accent6">
                   <a:lumMod val="75000"/>
                 </a:schemeClr>
               </a:solidFill>
-            </a:endParaRPr>
-          </a:p>
-        </p:txBody>
-      </p:sp>
-      <p:sp>
-        <p:nvSpPr>
-          <p:cNvPr id="31" name="角丸四角形 30"/>
-          <p:cNvSpPr/>
-          <p:nvPr/>
-        </p:nvSpPr>
-        <p:spPr>
-          <a:xfrm>
-            <a:off x="6193441" y="3895694"/>
-            <a:ext cx="464588" cy="465380"/>
-          </a:xfrm>
-          <a:prstGeom prst="roundRect">
-            <a:avLst/>
-          </a:prstGeom>
-        </p:spPr>
-        <p:style>
-          <a:lnRef idx="2">
-            <a:schemeClr val="accent6"/>
-          </a:lnRef>
-          <a:fillRef idx="1">
-            <a:schemeClr val="lt1"/>
-          </a:fillRef>
-          <a:effectRef idx="0">
-            <a:schemeClr val="accent6"/>
-          </a:effectRef>
-          <a:fontRef idx="minor">
-            <a:schemeClr val="dk1"/>
-          </a:fontRef>
-        </p:style>
-        <p:txBody>
-          <a:bodyPr wrap="none" rtlCol="0" anchor="ctr"/>
-          <a:lstStyle/>
-          <a:p>
-            <a:pPr algn="ctr"/>
-            <a:endParaRPr kumimoji="1" lang="ja-JP" altLang="en-US" sz="800" dirty="0">
-              <a:latin typeface="+mn-ea"/>
-            </a:endParaRPr>
-          </a:p>
-        </p:txBody>
-      </p:sp>
-      <p:sp>
-        <p:nvSpPr>
-          <p:cNvPr id="32" name="角丸四角形 31"/>
-          <p:cNvSpPr/>
-          <p:nvPr/>
-        </p:nvSpPr>
-        <p:spPr>
-          <a:xfrm>
-            <a:off x="6730022" y="3895694"/>
-            <a:ext cx="464588" cy="465380"/>
-          </a:xfrm>
-          <a:prstGeom prst="roundRect">
-            <a:avLst/>
-          </a:prstGeom>
-        </p:spPr>
-        <p:style>
-          <a:lnRef idx="2">
-            <a:schemeClr val="accent6"/>
-          </a:lnRef>
-          <a:fillRef idx="1">
-            <a:schemeClr val="lt1"/>
-          </a:fillRef>
-          <a:effectRef idx="0">
-            <a:schemeClr val="accent6"/>
-          </a:effectRef>
-          <a:fontRef idx="minor">
-            <a:schemeClr val="dk1"/>
-          </a:fontRef>
-        </p:style>
-        <p:txBody>
-          <a:bodyPr wrap="none" rtlCol="0" anchor="ctr"/>
-          <a:lstStyle/>
-          <a:p>
-            <a:pPr algn="ctr"/>
-            <a:endParaRPr kumimoji="1" lang="ja-JP" altLang="en-US" sz="800" dirty="0">
-              <a:latin typeface="+mn-ea"/>
-            </a:endParaRPr>
-          </a:p>
-        </p:txBody>
-      </p:sp>
-      <p:sp>
-        <p:nvSpPr>
-          <p:cNvPr id="33" name="角丸四角形 32"/>
-          <p:cNvSpPr/>
-          <p:nvPr/>
-        </p:nvSpPr>
-        <p:spPr>
-          <a:xfrm>
-            <a:off x="7266603" y="3895694"/>
-            <a:ext cx="464588" cy="465380"/>
-          </a:xfrm>
-          <a:prstGeom prst="roundRect">
-            <a:avLst/>
-          </a:prstGeom>
-        </p:spPr>
-        <p:style>
-          <a:lnRef idx="2">
-            <a:schemeClr val="accent6"/>
-          </a:lnRef>
-          <a:fillRef idx="1">
-            <a:schemeClr val="lt1"/>
-          </a:fillRef>
-          <a:effectRef idx="0">
-            <a:schemeClr val="accent6"/>
-          </a:effectRef>
-          <a:fontRef idx="minor">
-            <a:schemeClr val="dk1"/>
-          </a:fontRef>
-        </p:style>
-        <p:txBody>
-          <a:bodyPr wrap="none" rtlCol="0" anchor="ctr"/>
-          <a:lstStyle/>
-          <a:p>
-            <a:pPr algn="ctr"/>
-            <a:endParaRPr kumimoji="1" lang="ja-JP" altLang="en-US" sz="800" dirty="0">
-              <a:latin typeface="+mn-ea"/>
-            </a:endParaRPr>
-          </a:p>
-        </p:txBody>
-      </p:sp>
-      <p:sp>
-        <p:nvSpPr>
-          <p:cNvPr id="34" name="角丸四角形 33"/>
-          <p:cNvSpPr/>
-          <p:nvPr/>
-        </p:nvSpPr>
-        <p:spPr>
-          <a:xfrm>
-            <a:off x="7803183" y="3895694"/>
-            <a:ext cx="749085" cy="465380"/>
-          </a:xfrm>
-          <a:prstGeom prst="roundRect">
-            <a:avLst/>
-          </a:prstGeom>
-        </p:spPr>
-        <p:style>
-          <a:lnRef idx="2">
-            <a:schemeClr val="accent6"/>
-          </a:lnRef>
-          <a:fillRef idx="1">
-            <a:schemeClr val="lt1"/>
-          </a:fillRef>
-          <a:effectRef idx="0">
-            <a:schemeClr val="accent6"/>
-          </a:effectRef>
-          <a:fontRef idx="minor">
-            <a:schemeClr val="dk1"/>
-          </a:fontRef>
-        </p:style>
-        <p:txBody>
-          <a:bodyPr wrap="none" rtlCol="0" anchor="ctr"/>
-          <a:lstStyle/>
-          <a:p>
-            <a:pPr algn="ctr"/>
-            <a:endParaRPr kumimoji="1" lang="ja-JP" altLang="en-US" sz="800" dirty="0">
-              <a:latin typeface="+mn-ea"/>
-            </a:endParaRPr>
-          </a:p>
-        </p:txBody>
-      </p:sp>
-      <p:sp>
-        <p:nvSpPr>
-          <p:cNvPr id="35" name="角丸四角形 34"/>
-          <p:cNvSpPr/>
-          <p:nvPr/>
-        </p:nvSpPr>
-        <p:spPr>
-          <a:xfrm>
-            <a:off x="569441" y="3895694"/>
-            <a:ext cx="722778" cy="465380"/>
-          </a:xfrm>
-          <a:prstGeom prst="roundRect">
-            <a:avLst/>
-          </a:prstGeom>
-        </p:spPr>
-        <p:style>
-          <a:lnRef idx="2">
-            <a:schemeClr val="accent6"/>
-          </a:lnRef>
-          <a:fillRef idx="1">
-            <a:schemeClr val="lt1"/>
-          </a:fillRef>
-          <a:effectRef idx="0">
-            <a:schemeClr val="accent6"/>
-          </a:effectRef>
-          <a:fontRef idx="minor">
-            <a:schemeClr val="dk1"/>
-          </a:fontRef>
-        </p:style>
-        <p:txBody>
-          <a:bodyPr wrap="none" rtlCol="0" anchor="ctr"/>
-          <a:lstStyle/>
-          <a:p>
-            <a:pPr algn="ctr"/>
-            <a:endParaRPr kumimoji="1" lang="ja-JP" altLang="en-US" sz="900" dirty="0">
-              <a:latin typeface="+mn-ea"/>
-            </a:endParaRPr>
-          </a:p>
-        </p:txBody>
-      </p:sp>
-      <p:sp>
-        <p:nvSpPr>
-          <p:cNvPr id="36" name="角丸四角形 35"/>
-          <p:cNvSpPr/>
-          <p:nvPr/>
-        </p:nvSpPr>
-        <p:spPr>
-          <a:xfrm>
-            <a:off x="1547092" y="4421474"/>
-            <a:ext cx="464588" cy="465380"/>
-          </a:xfrm>
-          <a:prstGeom prst="roundRect">
-            <a:avLst/>
-          </a:prstGeom>
-        </p:spPr>
-        <p:style>
-          <a:lnRef idx="2">
-            <a:schemeClr val="accent6"/>
-          </a:lnRef>
-          <a:fillRef idx="1">
-            <a:schemeClr val="lt1"/>
-          </a:fillRef>
-          <a:effectRef idx="0">
-            <a:schemeClr val="accent6"/>
-          </a:effectRef>
-          <a:fontRef idx="minor">
-            <a:schemeClr val="dk1"/>
-          </a:fontRef>
-        </p:style>
-        <p:txBody>
-          <a:bodyPr wrap="none" rtlCol="0" anchor="ctr"/>
-          <a:lstStyle/>
-          <a:p>
-            <a:pPr algn="ctr"/>
-            <a:r>
-              <a:rPr lang="en-US" altLang="ja-JP" sz="1050" smtClean="0">
-                <a:solidFill>
-                  <a:schemeClr val="accent6">
-                    <a:lumMod val="75000"/>
-                  </a:schemeClr>
-                </a:solidFill>
-              </a:rPr>
-              <a:t>Alias</a:t>
-            </a:r>
-          </a:p>
-          <a:p>
-            <a:pPr algn="ctr"/>
-            <a:r>
-              <a:rPr lang="ja-JP" altLang="en-US" sz="1050" smtClean="0">
-                <a:solidFill>
-                  <a:schemeClr val="accent6">
-                    <a:lumMod val="75000"/>
-                  </a:schemeClr>
-                </a:solidFill>
-              </a:rPr>
-              <a:t>作成</a:t>
-            </a:r>
-            <a:endParaRPr lang="ja-JP" altLang="en-US" sz="1050" dirty="0">
-              <a:solidFill>
-                <a:schemeClr val="accent6">
-                  <a:lumMod val="75000"/>
-                </a:schemeClr>
-              </a:solidFill>
-            </a:endParaRPr>
-          </a:p>
-        </p:txBody>
-      </p:sp>
-      <p:sp>
-        <p:nvSpPr>
-          <p:cNvPr id="37" name="角丸四角形 36"/>
-          <p:cNvSpPr/>
-          <p:nvPr/>
-        </p:nvSpPr>
-        <p:spPr>
-          <a:xfrm>
-            <a:off x="2083673" y="4421474"/>
-            <a:ext cx="464588" cy="465380"/>
-          </a:xfrm>
-          <a:prstGeom prst="roundRect">
-            <a:avLst/>
-          </a:prstGeom>
-        </p:spPr>
-        <p:style>
-          <a:lnRef idx="2">
-            <a:schemeClr val="accent6"/>
-          </a:lnRef>
-          <a:fillRef idx="1">
-            <a:schemeClr val="lt1"/>
-          </a:fillRef>
-          <a:effectRef idx="0">
-            <a:schemeClr val="accent6"/>
-          </a:effectRef>
-          <a:fontRef idx="minor">
-            <a:schemeClr val="dk1"/>
-          </a:fontRef>
-        </p:style>
-        <p:txBody>
-          <a:bodyPr wrap="none" rtlCol="0" anchor="ctr"/>
-          <a:lstStyle/>
-          <a:p>
-            <a:pPr algn="ctr"/>
-            <a:endParaRPr lang="en-US" altLang="ja-JP" sz="700">
-              <a:solidFill>
-                <a:schemeClr val="accent6">
-                  <a:lumMod val="75000"/>
-                </a:schemeClr>
-              </a:solidFill>
-            </a:endParaRPr>
-          </a:p>
-        </p:txBody>
-      </p:sp>
-      <p:sp>
-        <p:nvSpPr>
-          <p:cNvPr id="38" name="角丸四角形 37"/>
-          <p:cNvSpPr/>
-          <p:nvPr/>
-        </p:nvSpPr>
-        <p:spPr>
-          <a:xfrm>
-            <a:off x="2620254" y="4421474"/>
-            <a:ext cx="464588" cy="465380"/>
-          </a:xfrm>
-          <a:prstGeom prst="roundRect">
-            <a:avLst/>
-          </a:prstGeom>
-        </p:spPr>
-        <p:style>
-          <a:lnRef idx="2">
-            <a:schemeClr val="accent6"/>
-          </a:lnRef>
-          <a:fillRef idx="1">
-            <a:schemeClr val="lt1"/>
-          </a:fillRef>
-          <a:effectRef idx="0">
-            <a:schemeClr val="accent6"/>
-          </a:effectRef>
-          <a:fontRef idx="minor">
-            <a:schemeClr val="dk1"/>
-          </a:fontRef>
-        </p:style>
-        <p:txBody>
-          <a:bodyPr wrap="none" rtlCol="0" anchor="ctr"/>
-          <a:lstStyle/>
-          <a:p>
-            <a:pPr algn="ctr"/>
-            <a:endParaRPr lang="en-US" altLang="ja-JP" sz="800"/>
-          </a:p>
-        </p:txBody>
-      </p:sp>
-      <p:sp>
-        <p:nvSpPr>
-          <p:cNvPr id="39" name="角丸四角形 38"/>
-          <p:cNvSpPr/>
-          <p:nvPr/>
-        </p:nvSpPr>
-        <p:spPr>
-          <a:xfrm>
-            <a:off x="3156835" y="4421474"/>
-            <a:ext cx="464588" cy="465380"/>
-          </a:xfrm>
-          <a:prstGeom prst="roundRect">
-            <a:avLst/>
-          </a:prstGeom>
-        </p:spPr>
-        <p:style>
-          <a:lnRef idx="2">
-            <a:schemeClr val="accent6"/>
-          </a:lnRef>
-          <a:fillRef idx="1">
-            <a:schemeClr val="lt1"/>
-          </a:fillRef>
-          <a:effectRef idx="0">
-            <a:schemeClr val="accent6"/>
-          </a:effectRef>
-          <a:fontRef idx="minor">
-            <a:schemeClr val="dk1"/>
-          </a:fontRef>
-        </p:style>
-        <p:txBody>
-          <a:bodyPr wrap="none" rtlCol="0" anchor="ctr"/>
-          <a:lstStyle/>
-          <a:p>
-            <a:pPr algn="ctr"/>
-            <a:endParaRPr lang="ja-JP" altLang="en-US" sz="700" u="sng" dirty="0">
-              <a:solidFill>
-                <a:schemeClr val="accent6">
-                  <a:lumMod val="75000"/>
-                </a:schemeClr>
-              </a:solidFill>
-            </a:endParaRPr>
-          </a:p>
-        </p:txBody>
-      </p:sp>
-      <p:sp>
-        <p:nvSpPr>
-          <p:cNvPr id="40" name="角丸四角形 39"/>
-          <p:cNvSpPr/>
-          <p:nvPr/>
-        </p:nvSpPr>
-        <p:spPr>
-          <a:xfrm>
-            <a:off x="3693416" y="4421474"/>
-            <a:ext cx="464588" cy="465380"/>
-          </a:xfrm>
-          <a:prstGeom prst="roundRect">
-            <a:avLst/>
-          </a:prstGeom>
-        </p:spPr>
-        <p:style>
-          <a:lnRef idx="2">
-            <a:schemeClr val="accent6"/>
-          </a:lnRef>
-          <a:fillRef idx="1">
-            <a:schemeClr val="lt1"/>
-          </a:fillRef>
-          <a:effectRef idx="0">
-            <a:schemeClr val="accent6"/>
-          </a:effectRef>
-          <a:fontRef idx="minor">
-            <a:schemeClr val="dk1"/>
-          </a:fontRef>
-        </p:style>
-        <p:txBody>
-          <a:bodyPr wrap="none" rtlCol="0" anchor="ctr"/>
-          <a:lstStyle/>
-          <a:p>
-            <a:pPr algn="ctr"/>
-            <a:endParaRPr lang="ja-JP" altLang="en-US" sz="800" dirty="0"/>
-          </a:p>
-        </p:txBody>
-      </p:sp>
-      <p:sp>
-        <p:nvSpPr>
-          <p:cNvPr id="41" name="角丸四角形 40"/>
-          <p:cNvSpPr/>
-          <p:nvPr/>
-        </p:nvSpPr>
-        <p:spPr>
-          <a:xfrm>
-            <a:off x="4229997" y="4421474"/>
-            <a:ext cx="464588" cy="465380"/>
-          </a:xfrm>
-          <a:prstGeom prst="roundRect">
-            <a:avLst/>
-          </a:prstGeom>
-        </p:spPr>
-        <p:style>
-          <a:lnRef idx="2">
-            <a:schemeClr val="accent6"/>
-          </a:lnRef>
-          <a:fillRef idx="1">
-            <a:schemeClr val="lt1"/>
-          </a:fillRef>
-          <a:effectRef idx="0">
-            <a:schemeClr val="accent6"/>
-          </a:effectRef>
-          <a:fontRef idx="minor">
-            <a:schemeClr val="dk1"/>
-          </a:fontRef>
-        </p:style>
-        <p:txBody>
-          <a:bodyPr wrap="none" rtlCol="0" anchor="ctr"/>
-          <a:lstStyle/>
-          <a:p>
-            <a:pPr algn="ctr"/>
-            <a:endParaRPr kumimoji="1" lang="ja-JP" altLang="en-US" sz="800" dirty="0">
-              <a:latin typeface="+mn-ea"/>
-            </a:endParaRPr>
-          </a:p>
-        </p:txBody>
-      </p:sp>
-      <p:sp>
-        <p:nvSpPr>
-          <p:cNvPr id="42" name="角丸四角形 41"/>
-          <p:cNvSpPr/>
-          <p:nvPr/>
-        </p:nvSpPr>
-        <p:spPr>
-          <a:xfrm>
-            <a:off x="4766578" y="4421474"/>
-            <a:ext cx="464588" cy="465380"/>
-          </a:xfrm>
-          <a:prstGeom prst="roundRect">
-            <a:avLst/>
-          </a:prstGeom>
-        </p:spPr>
-        <p:style>
-          <a:lnRef idx="2">
-            <a:schemeClr val="accent6"/>
-          </a:lnRef>
-          <a:fillRef idx="1">
-            <a:schemeClr val="lt1"/>
-          </a:fillRef>
-          <a:effectRef idx="0">
-            <a:schemeClr val="accent6"/>
-          </a:effectRef>
-          <a:fontRef idx="minor">
-            <a:schemeClr val="dk1"/>
-          </a:fontRef>
-        </p:style>
-        <p:txBody>
-          <a:bodyPr wrap="none" rtlCol="0" anchor="ctr"/>
-          <a:lstStyle/>
-          <a:p>
-            <a:pPr algn="ctr"/>
-            <a:endParaRPr lang="en-US" altLang="ja-JP" sz="700" u="sng">
-              <a:solidFill>
-                <a:schemeClr val="accent6">
-                  <a:lumMod val="75000"/>
-                </a:schemeClr>
-              </a:solidFill>
-            </a:endParaRPr>
-          </a:p>
-        </p:txBody>
-      </p:sp>
-      <p:sp>
-        <p:nvSpPr>
-          <p:cNvPr id="43" name="角丸四角形 42"/>
-          <p:cNvSpPr/>
-          <p:nvPr/>
-        </p:nvSpPr>
-        <p:spPr>
-          <a:xfrm>
-            <a:off x="5303159" y="4421474"/>
-            <a:ext cx="464588" cy="465380"/>
-          </a:xfrm>
-          <a:prstGeom prst="roundRect">
-            <a:avLst/>
-          </a:prstGeom>
-        </p:spPr>
-        <p:style>
-          <a:lnRef idx="2">
-            <a:schemeClr val="accent6"/>
-          </a:lnRef>
-          <a:fillRef idx="1">
-            <a:schemeClr val="lt1"/>
-          </a:fillRef>
-          <a:effectRef idx="0">
-            <a:schemeClr val="accent6"/>
-          </a:effectRef>
-          <a:fontRef idx="minor">
-            <a:schemeClr val="dk1"/>
-          </a:fontRef>
-        </p:style>
-        <p:txBody>
-          <a:bodyPr wrap="none" rtlCol="0" anchor="ctr"/>
-          <a:lstStyle/>
-          <a:p>
-            <a:pPr algn="ctr"/>
-            <a:endParaRPr kumimoji="1" lang="ja-JP" altLang="en-US" sz="800" dirty="0">
-              <a:latin typeface="+mn-ea"/>
-            </a:endParaRPr>
-          </a:p>
-        </p:txBody>
-      </p:sp>
-      <p:sp>
-        <p:nvSpPr>
-          <p:cNvPr id="44" name="角丸四角形 43"/>
-          <p:cNvSpPr/>
-          <p:nvPr/>
-        </p:nvSpPr>
-        <p:spPr>
-          <a:xfrm>
-            <a:off x="5839740" y="4421474"/>
-            <a:ext cx="464588" cy="465380"/>
-          </a:xfrm>
-          <a:prstGeom prst="roundRect">
-            <a:avLst/>
-          </a:prstGeom>
-        </p:spPr>
-        <p:style>
-          <a:lnRef idx="2">
-            <a:schemeClr val="accent6"/>
-          </a:lnRef>
-          <a:fillRef idx="1">
-            <a:schemeClr val="lt1"/>
-          </a:fillRef>
-          <a:effectRef idx="0">
-            <a:schemeClr val="accent6"/>
-          </a:effectRef>
-          <a:fontRef idx="minor">
-            <a:schemeClr val="dk1"/>
-          </a:fontRef>
-        </p:style>
-        <p:txBody>
-          <a:bodyPr wrap="none" rtlCol="0" anchor="ctr"/>
-          <a:lstStyle/>
-          <a:p>
-            <a:pPr algn="ctr"/>
-            <a:endParaRPr lang="ja-JP" altLang="en-US" sz="700" dirty="0">
-              <a:solidFill>
-                <a:schemeClr val="accent6">
-                  <a:lumMod val="75000"/>
-                </a:schemeClr>
-              </a:solidFill>
-            </a:endParaRPr>
-          </a:p>
-        </p:txBody>
-      </p:sp>
-      <p:sp>
-        <p:nvSpPr>
-          <p:cNvPr id="45" name="角丸四角形 44"/>
-          <p:cNvSpPr/>
-          <p:nvPr/>
-        </p:nvSpPr>
-        <p:spPr>
-          <a:xfrm>
-            <a:off x="6376321" y="4421474"/>
-            <a:ext cx="464588" cy="465380"/>
-          </a:xfrm>
-          <a:prstGeom prst="roundRect">
-            <a:avLst/>
-          </a:prstGeom>
-        </p:spPr>
-        <p:style>
-          <a:lnRef idx="2">
-            <a:schemeClr val="accent6"/>
-          </a:lnRef>
-          <a:fillRef idx="1">
-            <a:schemeClr val="lt1"/>
-          </a:fillRef>
-          <a:effectRef idx="0">
-            <a:schemeClr val="accent6"/>
-          </a:effectRef>
-          <a:fontRef idx="minor">
-            <a:schemeClr val="dk1"/>
-          </a:fontRef>
-        </p:style>
-        <p:txBody>
-          <a:bodyPr wrap="none" rtlCol="0" anchor="ctr"/>
-          <a:lstStyle/>
-          <a:p>
-            <a:pPr algn="ctr"/>
-            <a:endParaRPr kumimoji="1" lang="ja-JP" altLang="en-US" sz="800" dirty="0">
-              <a:latin typeface="+mn-ea"/>
-            </a:endParaRPr>
-          </a:p>
-        </p:txBody>
-      </p:sp>
-      <p:sp>
-        <p:nvSpPr>
-          <p:cNvPr id="46" name="角丸四角形 45"/>
-          <p:cNvSpPr/>
-          <p:nvPr/>
-        </p:nvSpPr>
-        <p:spPr>
-          <a:xfrm>
-            <a:off x="6912902" y="4421474"/>
-            <a:ext cx="464588" cy="465380"/>
-          </a:xfrm>
-          <a:prstGeom prst="roundRect">
-            <a:avLst/>
-          </a:prstGeom>
-        </p:spPr>
-        <p:style>
-          <a:lnRef idx="2">
-            <a:schemeClr val="accent6"/>
-          </a:lnRef>
-          <a:fillRef idx="1">
-            <a:schemeClr val="lt1"/>
-          </a:fillRef>
-          <a:effectRef idx="0">
-            <a:schemeClr val="accent6"/>
-          </a:effectRef>
-          <a:fontRef idx="minor">
-            <a:schemeClr val="dk1"/>
-          </a:fontRef>
-        </p:style>
-        <p:txBody>
-          <a:bodyPr wrap="none" rtlCol="0" anchor="ctr"/>
-          <a:lstStyle/>
-          <a:p>
-            <a:pPr algn="ctr"/>
-            <a:endParaRPr kumimoji="1" lang="ja-JP" altLang="en-US" sz="800" dirty="0">
-              <a:latin typeface="+mn-ea"/>
-            </a:endParaRPr>
-          </a:p>
-        </p:txBody>
-      </p:sp>
-      <p:sp>
-        <p:nvSpPr>
-          <p:cNvPr id="47" name="角丸四角形 46"/>
-          <p:cNvSpPr/>
-          <p:nvPr/>
-        </p:nvSpPr>
-        <p:spPr>
-          <a:xfrm>
-            <a:off x="7449483" y="4421474"/>
-            <a:ext cx="1102786" cy="465380"/>
-          </a:xfrm>
-          <a:prstGeom prst="roundRect">
-            <a:avLst/>
-          </a:prstGeom>
-        </p:spPr>
-        <p:style>
-          <a:lnRef idx="2">
-            <a:schemeClr val="accent6"/>
-          </a:lnRef>
-          <a:fillRef idx="1">
-            <a:schemeClr val="lt1"/>
-          </a:fillRef>
-          <a:effectRef idx="0">
-            <a:schemeClr val="accent6"/>
-          </a:effectRef>
-          <a:fontRef idx="minor">
-            <a:schemeClr val="dk1"/>
-          </a:fontRef>
-        </p:style>
-        <p:txBody>
-          <a:bodyPr wrap="none" rtlCol="0" anchor="ctr"/>
-          <a:lstStyle/>
-          <a:p>
-            <a:pPr algn="ctr"/>
-            <a:endParaRPr kumimoji="1" lang="ja-JP" altLang="en-US" sz="800" dirty="0">
-              <a:latin typeface="+mn-ea"/>
-            </a:endParaRPr>
-          </a:p>
-        </p:txBody>
-      </p:sp>
-      <p:sp>
-        <p:nvSpPr>
-          <p:cNvPr id="50" name="角丸四角形 49"/>
-          <p:cNvSpPr/>
-          <p:nvPr/>
-        </p:nvSpPr>
-        <p:spPr>
-          <a:xfrm>
-            <a:off x="1794537" y="4947254"/>
-            <a:ext cx="464588" cy="465380"/>
-          </a:xfrm>
-          <a:prstGeom prst="roundRect">
-            <a:avLst/>
-          </a:prstGeom>
-        </p:spPr>
-        <p:style>
-          <a:lnRef idx="2">
-            <a:schemeClr val="accent6"/>
-          </a:lnRef>
-          <a:fillRef idx="1">
-            <a:schemeClr val="lt1"/>
-          </a:fillRef>
-          <a:effectRef idx="0">
-            <a:schemeClr val="accent6"/>
-          </a:effectRef>
-          <a:fontRef idx="minor">
-            <a:schemeClr val="dk1"/>
-          </a:fontRef>
-        </p:style>
-        <p:txBody>
-          <a:bodyPr wrap="none" rtlCol="0" anchor="ctr"/>
-          <a:lstStyle/>
-          <a:p>
-            <a:pPr algn="ctr"/>
-            <a:endParaRPr lang="ja-JP" altLang="en-US" sz="900" dirty="0"/>
-          </a:p>
-        </p:txBody>
-      </p:sp>
-      <p:sp>
-        <p:nvSpPr>
-          <p:cNvPr id="51" name="角丸四角形 50"/>
-          <p:cNvSpPr/>
-          <p:nvPr/>
-        </p:nvSpPr>
-        <p:spPr>
-          <a:xfrm>
-            <a:off x="2331118" y="4947254"/>
-            <a:ext cx="464588" cy="465380"/>
-          </a:xfrm>
-          <a:prstGeom prst="roundRect">
-            <a:avLst/>
-          </a:prstGeom>
-        </p:spPr>
-        <p:style>
-          <a:lnRef idx="2">
-            <a:schemeClr val="accent6"/>
-          </a:lnRef>
-          <a:fillRef idx="1">
-            <a:schemeClr val="lt1"/>
-          </a:fillRef>
-          <a:effectRef idx="0">
-            <a:schemeClr val="accent6"/>
-          </a:effectRef>
-          <a:fontRef idx="minor">
-            <a:schemeClr val="dk1"/>
-          </a:fontRef>
-        </p:style>
-        <p:txBody>
-          <a:bodyPr wrap="none" rtlCol="0" anchor="ctr"/>
-          <a:lstStyle/>
-          <a:p>
-            <a:pPr algn="ctr"/>
-            <a:endParaRPr lang="ja-JP" altLang="en-US" sz="900" dirty="0"/>
-          </a:p>
-        </p:txBody>
-      </p:sp>
-      <p:sp>
-        <p:nvSpPr>
-          <p:cNvPr id="52" name="角丸四角形 51"/>
-          <p:cNvSpPr/>
-          <p:nvPr/>
-        </p:nvSpPr>
-        <p:spPr>
-          <a:xfrm>
-            <a:off x="2867699" y="4947254"/>
-            <a:ext cx="464588" cy="465380"/>
-          </a:xfrm>
-          <a:prstGeom prst="roundRect">
-            <a:avLst/>
-          </a:prstGeom>
-        </p:spPr>
-        <p:style>
-          <a:lnRef idx="2">
-            <a:schemeClr val="accent6"/>
-          </a:lnRef>
-          <a:fillRef idx="1">
-            <a:schemeClr val="lt1"/>
-          </a:fillRef>
-          <a:effectRef idx="0">
-            <a:schemeClr val="accent6"/>
-          </a:effectRef>
-          <a:fontRef idx="minor">
-            <a:schemeClr val="dk1"/>
-          </a:fontRef>
-        </p:style>
-        <p:txBody>
-          <a:bodyPr wrap="none" rtlCol="0" anchor="ctr"/>
-          <a:lstStyle/>
-          <a:p>
-            <a:pPr algn="ctr"/>
-            <a:endParaRPr kumimoji="1" lang="ja-JP" altLang="en-US" sz="900" dirty="0">
               <a:latin typeface="+mn-ea"/>
             </a:endParaRPr>
           </a:p>
@@ -18355,7 +18204,7 @@
                 <a:latin typeface="+mj-lt"/>
                 <a:ea typeface="+mj-ea"/>
               </a:rPr>
-              <a:t>		 Windows Explorer </a:t>
+              <a:t>		 Excel</a:t>
             </a:r>
             <a:endParaRPr lang="en-US" altLang="ja-JP" sz="4000" dirty="0" smtClean="0">
               <a:solidFill>
@@ -18431,45 +18280,6 @@
           </a:p>
         </p:txBody>
       </p:sp>
-      <p:pic>
-        <p:nvPicPr>
-          <p:cNvPr id="2050" name="Picture 2" descr="http://livedoor.blogimg.jp/jdash/imgs/1/a/1a74bbad.png"/>
-          <p:cNvPicPr>
-            <a:picLocks noChangeAspect="1" noChangeArrowheads="1"/>
-          </p:cNvPicPr>
-          <p:nvPr/>
-        </p:nvPicPr>
-        <p:blipFill rotWithShape="1">
-          <a:blip r:embed="rId2" cstate="print">
-            <a:extLst>
-              <a:ext uri="{28A0092B-C50C-407E-A947-70E740481C1C}">
-                <a14:useLocalDpi xmlns:a14="http://schemas.microsoft.com/office/drawing/2010/main" val="0"/>
-              </a:ext>
-            </a:extLst>
-          </a:blip>
-          <a:srcRect b="7182"/>
-          <a:stretch/>
-        </p:blipFill>
-        <p:spPr bwMode="auto">
-          <a:xfrm>
-            <a:off x="1516111" y="1606291"/>
-            <a:ext cx="1047301" cy="951172"/>
-          </a:xfrm>
-          <a:prstGeom prst="rect">
-            <a:avLst/>
-          </a:prstGeom>
-          <a:noFill/>
-          <a:extLst>
-            <a:ext uri="{909E8E84-426E-40DD-AFC4-6F175D3DCCD1}">
-              <a14:hiddenFill xmlns:a14="http://schemas.microsoft.com/office/drawing/2010/main">
-                <a:solidFill>
-                  <a:srgbClr val="FFFFFF"/>
-                </a:solidFill>
-              </a14:hiddenFill>
-            </a:ext>
-          </a:extLst>
-        </p:spPr>
-      </p:pic>
       <p:sp>
         <p:nvSpPr>
           <p:cNvPr id="65" name="タイトル 1"/>
@@ -18523,7 +18333,7 @@
     </p:spTree>
     <p:extLst>
       <p:ext uri="{BB962C8B-B14F-4D97-AF65-F5344CB8AC3E}">
-        <p14:creationId xmlns:p14="http://schemas.microsoft.com/office/powerpoint/2010/main" val="2370953379"/>
+        <p14:creationId xmlns:p14="http://schemas.microsoft.com/office/powerpoint/2010/main" val="2043145239"/>
       </p:ext>
     </p:extLst>
   </p:cSld>
@@ -20804,7 +20614,7 @@
                 <a:latin typeface="+mj-lt"/>
                 <a:ea typeface="+mj-ea"/>
               </a:rPr>
-              <a:t>		 Excel</a:t>
+              <a:t>		 Word</a:t>
             </a:r>
             <a:endParaRPr lang="en-US" altLang="ja-JP" sz="4000" dirty="0" smtClean="0">
               <a:solidFill>
@@ -20933,7 +20743,7 @@
     </p:spTree>
     <p:extLst>
       <p:ext uri="{BB962C8B-B14F-4D97-AF65-F5344CB8AC3E}">
-        <p14:creationId xmlns:p14="http://schemas.microsoft.com/office/powerpoint/2010/main" val="2043145239"/>
+        <p14:creationId xmlns:p14="http://schemas.microsoft.com/office/powerpoint/2010/main" val="2854698219"/>
       </p:ext>
     </p:extLst>
   </p:cSld>
@@ -23214,17 +23024,7 @@
                 <a:latin typeface="+mj-lt"/>
                 <a:ea typeface="+mj-ea"/>
               </a:rPr>
-              <a:t>		 </a:t>
-            </a:r>
-            <a:r>
-              <a:rPr lang="en-US" altLang="ja-JP" sz="4000" smtClean="0">
-                <a:solidFill>
-                  <a:srgbClr val="C00000"/>
-                </a:solidFill>
-                <a:latin typeface="+mj-lt"/>
-                <a:ea typeface="+mj-ea"/>
-              </a:rPr>
-              <a:t>Word</a:t>
+              <a:t>		 Outlook</a:t>
             </a:r>
             <a:endParaRPr lang="en-US" altLang="ja-JP" sz="4000" dirty="0" smtClean="0">
               <a:solidFill>
@@ -23353,7 +23153,7 @@
     </p:spTree>
     <p:extLst>
       <p:ext uri="{BB962C8B-B14F-4D97-AF65-F5344CB8AC3E}">
-        <p14:creationId xmlns:p14="http://schemas.microsoft.com/office/powerpoint/2010/main" val="2854698219"/>
+        <p14:creationId xmlns:p14="http://schemas.microsoft.com/office/powerpoint/2010/main" val="578903446"/>
       </p:ext>
     </p:extLst>
   </p:cSld>
@@ -26091,11 +25891,11 @@
   <p:clrMapOvr>
     <a:masterClrMapping/>
   </p:clrMapOvr>
-  <mc:AlternateContent xmlns:mc="http://schemas.openxmlformats.org/markup-compatibility/2006">
-    <mc:Choice xmlns:p14="http://schemas.microsoft.com/office/powerpoint/2010/main" Requires="p14">
+  <mc:AlternateContent xmlns:mc="http://schemas.openxmlformats.org/markup-compatibility/2006" xmlns:p14="http://schemas.microsoft.com/office/powerpoint/2010/main">
+    <mc:Choice Requires="p14">
       <p:transition spd="slow" p14:dur="2000"/>
     </mc:Choice>
-    <mc:Fallback>
+    <mc:Fallback xmlns="">
       <p:transition spd="slow"/>
     </mc:Fallback>
   </mc:AlternateContent>
@@ -45603,8 +45403,299 @@
           <a:lstStyle/>
           <a:p>
             <a:pPr algn="ctr"/>
-            <a:r>
-              <a:rPr kumimoji="1" lang="ja-JP" altLang="en-US" sz="1050" smtClean="0">
+            <a:endParaRPr kumimoji="1" lang="ja-JP" altLang="en-US" sz="1050" dirty="0">
+              <a:solidFill>
+                <a:schemeClr val="accent5">
+                  <a:lumMod val="75000"/>
+                </a:schemeClr>
+              </a:solidFill>
+              <a:latin typeface="游ゴシック Light" panose="020B0300000000000000" pitchFamily="50" charset="-128"/>
+              <a:ea typeface="游ゴシック Light" panose="020B0300000000000000" pitchFamily="50" charset="-128"/>
+            </a:endParaRPr>
+          </a:p>
+        </p:txBody>
+      </p:sp>
+      <p:sp>
+        <p:nvSpPr>
+          <p:cNvPr id="23" name="角丸四角形 22"/>
+          <p:cNvSpPr/>
+          <p:nvPr/>
+        </p:nvSpPr>
+        <p:spPr>
+          <a:xfrm>
+            <a:off x="1900793" y="3895694"/>
+            <a:ext cx="464588" cy="465380"/>
+          </a:xfrm>
+          <a:prstGeom prst="roundRect">
+            <a:avLst/>
+          </a:prstGeom>
+          <a:ln>
+            <a:solidFill>
+              <a:schemeClr val="accent5">
+                <a:lumMod val="75000"/>
+              </a:schemeClr>
+            </a:solidFill>
+          </a:ln>
+        </p:spPr>
+        <p:style>
+          <a:lnRef idx="2">
+            <a:schemeClr val="accent6"/>
+          </a:lnRef>
+          <a:fillRef idx="1">
+            <a:schemeClr val="lt1"/>
+          </a:fillRef>
+          <a:effectRef idx="0">
+            <a:schemeClr val="accent6"/>
+          </a:effectRef>
+          <a:fontRef idx="minor">
+            <a:schemeClr val="dk1"/>
+          </a:fontRef>
+        </p:style>
+        <p:txBody>
+          <a:bodyPr rtlCol="0" anchor="ctr"/>
+          <a:lstStyle/>
+          <a:p>
+            <a:pPr algn="ctr"/>
+            <a:endParaRPr kumimoji="1" lang="ja-JP" altLang="en-US" sz="1200" dirty="0">
+              <a:solidFill>
+                <a:schemeClr val="accent5">
+                  <a:lumMod val="75000"/>
+                </a:schemeClr>
+              </a:solidFill>
+              <a:latin typeface="游ゴシック Light" panose="020B0300000000000000" pitchFamily="50" charset="-128"/>
+              <a:ea typeface="游ゴシック Light" panose="020B0300000000000000" pitchFamily="50" charset="-128"/>
+            </a:endParaRPr>
+          </a:p>
+        </p:txBody>
+      </p:sp>
+      <p:sp>
+        <p:nvSpPr>
+          <p:cNvPr id="24" name="角丸四角形 23"/>
+          <p:cNvSpPr/>
+          <p:nvPr/>
+        </p:nvSpPr>
+        <p:spPr>
+          <a:xfrm>
+            <a:off x="2437374" y="3895694"/>
+            <a:ext cx="464588" cy="465380"/>
+          </a:xfrm>
+          <a:prstGeom prst="roundRect">
+            <a:avLst/>
+          </a:prstGeom>
+          <a:ln>
+            <a:solidFill>
+              <a:schemeClr val="accent5">
+                <a:lumMod val="75000"/>
+              </a:schemeClr>
+            </a:solidFill>
+          </a:ln>
+        </p:spPr>
+        <p:style>
+          <a:lnRef idx="2">
+            <a:schemeClr val="accent6"/>
+          </a:lnRef>
+          <a:fillRef idx="1">
+            <a:schemeClr val="lt1"/>
+          </a:fillRef>
+          <a:effectRef idx="0">
+            <a:schemeClr val="accent6"/>
+          </a:effectRef>
+          <a:fontRef idx="minor">
+            <a:schemeClr val="dk1"/>
+          </a:fontRef>
+        </p:style>
+        <p:txBody>
+          <a:bodyPr rtlCol="0" anchor="ctr"/>
+          <a:lstStyle/>
+          <a:p>
+            <a:pPr algn="ctr"/>
+            <a:endParaRPr kumimoji="1" lang="ja-JP" altLang="en-US" sz="1200" dirty="0">
+              <a:solidFill>
+                <a:schemeClr val="accent5">
+                  <a:lumMod val="75000"/>
+                </a:schemeClr>
+              </a:solidFill>
+              <a:latin typeface="游ゴシック Light" panose="020B0300000000000000" pitchFamily="50" charset="-128"/>
+              <a:ea typeface="游ゴシック Light" panose="020B0300000000000000" pitchFamily="50" charset="-128"/>
+            </a:endParaRPr>
+          </a:p>
+        </p:txBody>
+      </p:sp>
+      <p:sp>
+        <p:nvSpPr>
+          <p:cNvPr id="25" name="角丸四角形 24"/>
+          <p:cNvSpPr/>
+          <p:nvPr/>
+        </p:nvSpPr>
+        <p:spPr>
+          <a:xfrm>
+            <a:off x="2973955" y="3895694"/>
+            <a:ext cx="464588" cy="465380"/>
+          </a:xfrm>
+          <a:prstGeom prst="roundRect">
+            <a:avLst/>
+          </a:prstGeom>
+          <a:ln>
+            <a:solidFill>
+              <a:schemeClr val="accent5">
+                <a:lumMod val="75000"/>
+              </a:schemeClr>
+            </a:solidFill>
+          </a:ln>
+        </p:spPr>
+        <p:style>
+          <a:lnRef idx="2">
+            <a:schemeClr val="accent6"/>
+          </a:lnRef>
+          <a:fillRef idx="1">
+            <a:schemeClr val="lt1"/>
+          </a:fillRef>
+          <a:effectRef idx="0">
+            <a:schemeClr val="accent6"/>
+          </a:effectRef>
+          <a:fontRef idx="minor">
+            <a:schemeClr val="dk1"/>
+          </a:fontRef>
+        </p:style>
+        <p:txBody>
+          <a:bodyPr rtlCol="0" anchor="ctr"/>
+          <a:lstStyle/>
+          <a:p>
+            <a:pPr algn="ctr"/>
+            <a:endParaRPr kumimoji="1" lang="ja-JP" altLang="en-US" sz="1200" dirty="0">
+              <a:solidFill>
+                <a:schemeClr val="accent5">
+                  <a:lumMod val="75000"/>
+                </a:schemeClr>
+              </a:solidFill>
+              <a:latin typeface="游ゴシック Light" panose="020B0300000000000000" pitchFamily="50" charset="-128"/>
+              <a:ea typeface="游ゴシック Light" panose="020B0300000000000000" pitchFamily="50" charset="-128"/>
+            </a:endParaRPr>
+          </a:p>
+        </p:txBody>
+      </p:sp>
+      <p:sp>
+        <p:nvSpPr>
+          <p:cNvPr id="26" name="角丸四角形 25"/>
+          <p:cNvSpPr/>
+          <p:nvPr/>
+        </p:nvSpPr>
+        <p:spPr>
+          <a:xfrm>
+            <a:off x="3510536" y="3895694"/>
+            <a:ext cx="464588" cy="465380"/>
+          </a:xfrm>
+          <a:prstGeom prst="roundRect">
+            <a:avLst/>
+          </a:prstGeom>
+          <a:ln>
+            <a:solidFill>
+              <a:srgbClr val="C00000"/>
+            </a:solidFill>
+          </a:ln>
+        </p:spPr>
+        <p:style>
+          <a:lnRef idx="2">
+            <a:schemeClr val="accent6"/>
+          </a:lnRef>
+          <a:fillRef idx="1">
+            <a:schemeClr val="lt1"/>
+          </a:fillRef>
+          <a:effectRef idx="0">
+            <a:schemeClr val="accent6"/>
+          </a:effectRef>
+          <a:fontRef idx="minor">
+            <a:schemeClr val="dk1"/>
+          </a:fontRef>
+        </p:style>
+        <p:txBody>
+          <a:bodyPr wrap="none" rtlCol="0" anchor="ctr"/>
+          <a:lstStyle/>
+          <a:p>
+            <a:pPr algn="ctr"/>
+            <a:r>
+              <a:rPr kumimoji="1" lang="ja-JP" altLang="en-US" sz="1200" b="1" smtClean="0">
+                <a:solidFill>
+                  <a:srgbClr val="C00000"/>
+                </a:solidFill>
+                <a:latin typeface="游ゴシック Light" panose="020B0300000000000000" pitchFamily="50" charset="-128"/>
+                <a:ea typeface="游ゴシック Light" panose="020B0300000000000000" pitchFamily="50" charset="-128"/>
+              </a:rPr>
+              <a:t>日付</a:t>
+            </a:r>
+            <a:endParaRPr kumimoji="1" lang="en-US" altLang="ja-JP" sz="1200" b="1" smtClean="0">
+              <a:solidFill>
+                <a:srgbClr val="C00000"/>
+              </a:solidFill>
+              <a:latin typeface="游ゴシック Light" panose="020B0300000000000000" pitchFamily="50" charset="-128"/>
+              <a:ea typeface="游ゴシック Light" panose="020B0300000000000000" pitchFamily="50" charset="-128"/>
+            </a:endParaRPr>
+          </a:p>
+          <a:p>
+            <a:pPr algn="ctr"/>
+            <a:r>
+              <a:rPr lang="ja-JP" altLang="en-US" sz="1200" b="1">
+                <a:solidFill>
+                  <a:srgbClr val="C00000"/>
+                </a:solidFill>
+                <a:latin typeface="游ゴシック Light" panose="020B0300000000000000" pitchFamily="50" charset="-128"/>
+                <a:ea typeface="游ゴシック Light" panose="020B0300000000000000" pitchFamily="50" charset="-128"/>
+              </a:rPr>
+              <a:t>入力</a:t>
+            </a:r>
+            <a:endParaRPr kumimoji="1" lang="ja-JP" altLang="en-US" sz="1200" b="1" dirty="0">
+              <a:solidFill>
+                <a:srgbClr val="C00000"/>
+              </a:solidFill>
+              <a:latin typeface="游ゴシック Light" panose="020B0300000000000000" pitchFamily="50" charset="-128"/>
+              <a:ea typeface="游ゴシック Light" panose="020B0300000000000000" pitchFamily="50" charset="-128"/>
+            </a:endParaRPr>
+          </a:p>
+        </p:txBody>
+      </p:sp>
+      <p:sp>
+        <p:nvSpPr>
+          <p:cNvPr id="27" name="角丸四角形 26"/>
+          <p:cNvSpPr/>
+          <p:nvPr/>
+        </p:nvSpPr>
+        <p:spPr>
+          <a:xfrm>
+            <a:off x="4047117" y="3895694"/>
+            <a:ext cx="464588" cy="465380"/>
+          </a:xfrm>
+          <a:prstGeom prst="roundRect">
+            <a:avLst/>
+          </a:prstGeom>
+          <a:ln>
+            <a:solidFill>
+              <a:schemeClr val="accent5">
+                <a:lumMod val="75000"/>
+              </a:schemeClr>
+            </a:solidFill>
+          </a:ln>
+        </p:spPr>
+        <p:style>
+          <a:lnRef idx="2">
+            <a:schemeClr val="accent6"/>
+          </a:lnRef>
+          <a:fillRef idx="1">
+            <a:schemeClr val="lt1"/>
+          </a:fillRef>
+          <a:effectRef idx="0">
+            <a:schemeClr val="accent6"/>
+          </a:effectRef>
+          <a:fontRef idx="minor">
+            <a:schemeClr val="dk1"/>
+          </a:fontRef>
+        </p:style>
+        <p:txBody>
+          <a:bodyPr rtlCol="0" anchor="ctr"/>
+          <a:lstStyle/>
+          <a:p>
+            <a:pPr algn="ctr"/>
+            <a:r>
+              <a:rPr kumimoji="1" lang="ja-JP" altLang="en-US" sz="800" smtClean="0">
                 <a:solidFill>
                   <a:schemeClr val="accent5">
                     <a:lumMod val="75000"/>
@@ -45613,9 +45704,9 @@
                 <a:latin typeface="游ゴシック Light" panose="020B0300000000000000" pitchFamily="50" charset="-128"/>
                 <a:ea typeface="游ゴシック Light" panose="020B0300000000000000" pitchFamily="50" charset="-128"/>
               </a:rPr>
-              <a:t>日時</a:t>
-            </a:r>
-            <a:endParaRPr kumimoji="1" lang="en-US" altLang="ja-JP" sz="1050" smtClean="0">
+              <a:t>よろしく</a:t>
+            </a:r>
+            <a:endParaRPr kumimoji="1" lang="ja-JP" altLang="en-US" sz="800" dirty="0">
               <a:solidFill>
                 <a:schemeClr val="accent5">
                   <a:lumMod val="75000"/>
@@ -45625,10 +45716,104 @@
               <a:ea typeface="游ゴシック Light" panose="020B0300000000000000" pitchFamily="50" charset="-128"/>
             </a:endParaRPr>
           </a:p>
-          <a:p>
-            <a:pPr algn="ctr"/>
-            <a:r>
-              <a:rPr lang="en-US" altLang="ja-JP" sz="1050">
+        </p:txBody>
+      </p:sp>
+      <p:sp>
+        <p:nvSpPr>
+          <p:cNvPr id="28" name="角丸四角形 27"/>
+          <p:cNvSpPr/>
+          <p:nvPr/>
+        </p:nvSpPr>
+        <p:spPr>
+          <a:xfrm>
+            <a:off x="4583698" y="3895694"/>
+            <a:ext cx="464588" cy="465380"/>
+          </a:xfrm>
+          <a:prstGeom prst="roundRect">
+            <a:avLst/>
+          </a:prstGeom>
+          <a:ln>
+            <a:solidFill>
+              <a:schemeClr val="accent5">
+                <a:lumMod val="75000"/>
+              </a:schemeClr>
+            </a:solidFill>
+          </a:ln>
+        </p:spPr>
+        <p:style>
+          <a:lnRef idx="2">
+            <a:schemeClr val="accent6"/>
+          </a:lnRef>
+          <a:fillRef idx="1">
+            <a:schemeClr val="lt1"/>
+          </a:fillRef>
+          <a:effectRef idx="0">
+            <a:schemeClr val="accent6"/>
+          </a:effectRef>
+          <a:fontRef idx="minor">
+            <a:schemeClr val="dk1"/>
+          </a:fontRef>
+        </p:style>
+        <p:txBody>
+          <a:bodyPr rtlCol="0" anchor="ctr"/>
+          <a:lstStyle/>
+          <a:p>
+            <a:pPr algn="ctr"/>
+            <a:endParaRPr kumimoji="1" lang="ja-JP" altLang="en-US" sz="1200" dirty="0">
+              <a:solidFill>
+                <a:schemeClr val="accent5">
+                  <a:lumMod val="75000"/>
+                </a:schemeClr>
+              </a:solidFill>
+              <a:latin typeface="游ゴシック Light" panose="020B0300000000000000" pitchFamily="50" charset="-128"/>
+              <a:ea typeface="游ゴシック Light" panose="020B0300000000000000" pitchFamily="50" charset="-128"/>
+            </a:endParaRPr>
+          </a:p>
+        </p:txBody>
+      </p:sp>
+      <p:sp>
+        <p:nvSpPr>
+          <p:cNvPr id="29" name="角丸四角形 28"/>
+          <p:cNvSpPr/>
+          <p:nvPr/>
+        </p:nvSpPr>
+        <p:spPr>
+          <a:xfrm>
+            <a:off x="5120279" y="3895694"/>
+            <a:ext cx="464588" cy="465380"/>
+          </a:xfrm>
+          <a:prstGeom prst="roundRect">
+            <a:avLst/>
+          </a:prstGeom>
+          <a:ln>
+            <a:solidFill>
+              <a:schemeClr val="accent5">
+                <a:lumMod val="75000"/>
+              </a:schemeClr>
+            </a:solidFill>
+          </a:ln>
+        </p:spPr>
+        <p:style>
+          <a:lnRef idx="2">
+            <a:schemeClr val="accent6"/>
+          </a:lnRef>
+          <a:fillRef idx="1">
+            <a:schemeClr val="lt1"/>
+          </a:fillRef>
+          <a:effectRef idx="0">
+            <a:schemeClr val="accent6"/>
+          </a:effectRef>
+          <a:fontRef idx="minor">
+            <a:schemeClr val="dk1"/>
+          </a:fontRef>
+        </p:style>
+        <p:txBody>
+          <a:bodyPr rtlCol="0" anchor="ctr"/>
+          <a:lstStyle/>
+          <a:p>
+            <a:pPr algn="ctr"/>
+            <a:r>
+              <a:rPr lang="ja-JP" altLang="en-US" sz="800">
                 <a:solidFill>
                   <a:schemeClr val="accent5">
                     <a:lumMod val="75000"/>
@@ -45637,9 +45822,9 @@
                 <a:latin typeface="游ゴシック Light" panose="020B0300000000000000" pitchFamily="50" charset="-128"/>
                 <a:ea typeface="游ゴシック Light" panose="020B0300000000000000" pitchFamily="50" charset="-128"/>
               </a:rPr>
-              <a:t>Format</a:t>
-            </a:r>
-            <a:endParaRPr kumimoji="1" lang="ja-JP" altLang="en-US" sz="1050" dirty="0">
+              <a:t>おつかれ</a:t>
+            </a:r>
+            <a:endParaRPr kumimoji="1" lang="ja-JP" altLang="en-US" sz="800" dirty="0">
               <a:solidFill>
                 <a:schemeClr val="accent5">
                   <a:lumMod val="75000"/>
@@ -45653,13 +45838,13 @@
       </p:sp>
       <p:sp>
         <p:nvSpPr>
-          <p:cNvPr id="23" name="角丸四角形 22"/>
-          <p:cNvSpPr/>
-          <p:nvPr/>
-        </p:nvSpPr>
-        <p:spPr>
-          <a:xfrm>
-            <a:off x="1900793" y="3895694"/>
+          <p:cNvPr id="30" name="角丸四角形 29"/>
+          <p:cNvSpPr/>
+          <p:nvPr/>
+        </p:nvSpPr>
+        <p:spPr>
+          <a:xfrm>
+            <a:off x="5656860" y="3895694"/>
             <a:ext cx="464588" cy="465380"/>
           </a:xfrm>
           <a:prstGeom prst="roundRect">
@@ -45706,13 +45891,13 @@
       </p:sp>
       <p:sp>
         <p:nvSpPr>
-          <p:cNvPr id="24" name="角丸四角形 23"/>
-          <p:cNvSpPr/>
-          <p:nvPr/>
-        </p:nvSpPr>
-        <p:spPr>
-          <a:xfrm>
-            <a:off x="2437374" y="3895694"/>
+          <p:cNvPr id="31" name="角丸四角形 30"/>
+          <p:cNvSpPr/>
+          <p:nvPr/>
+        </p:nvSpPr>
+        <p:spPr>
+          <a:xfrm>
+            <a:off x="6193441" y="3895694"/>
             <a:ext cx="464588" cy="465380"/>
           </a:xfrm>
           <a:prstGeom prst="roundRect">
@@ -45745,6 +45930,18 @@
           <a:lstStyle/>
           <a:p>
             <a:pPr algn="ctr"/>
+            <a:r>
+              <a:rPr kumimoji="1" lang="en-US" altLang="ja-JP" sz="1200" smtClean="0">
+                <a:solidFill>
+                  <a:schemeClr val="accent5">
+                    <a:lumMod val="75000"/>
+                  </a:schemeClr>
+                </a:solidFill>
+                <a:latin typeface="游ゴシック Light" panose="020B0300000000000000" pitchFamily="50" charset="-128"/>
+                <a:ea typeface="游ゴシック Light" panose="020B0300000000000000" pitchFamily="50" charset="-128"/>
+              </a:rPr>
+              <a:t>P</a:t>
+            </a:r>
             <a:endParaRPr kumimoji="1" lang="ja-JP" altLang="en-US" sz="1200" dirty="0">
               <a:solidFill>
                 <a:schemeClr val="accent5">
@@ -45759,13 +45956,13 @@
       </p:sp>
       <p:sp>
         <p:nvSpPr>
-          <p:cNvPr id="25" name="角丸四角形 24"/>
-          <p:cNvSpPr/>
-          <p:nvPr/>
-        </p:nvSpPr>
-        <p:spPr>
-          <a:xfrm>
-            <a:off x="2973955" y="3895694"/>
+          <p:cNvPr id="32" name="角丸四角形 31"/>
+          <p:cNvSpPr/>
+          <p:nvPr/>
+        </p:nvSpPr>
+        <p:spPr>
+          <a:xfrm>
+            <a:off x="6730022" y="3895694"/>
             <a:ext cx="464588" cy="465380"/>
           </a:xfrm>
           <a:prstGeom prst="roundRect">
@@ -45812,13 +46009,13 @@
       </p:sp>
       <p:sp>
         <p:nvSpPr>
-          <p:cNvPr id="26" name="角丸四角形 25"/>
-          <p:cNvSpPr/>
-          <p:nvPr/>
-        </p:nvSpPr>
-        <p:spPr>
-          <a:xfrm>
-            <a:off x="3510536" y="3895694"/>
+          <p:cNvPr id="33" name="角丸四角形 32"/>
+          <p:cNvSpPr/>
+          <p:nvPr/>
+        </p:nvSpPr>
+        <p:spPr>
+          <a:xfrm>
+            <a:off x="7266603" y="3895694"/>
             <a:ext cx="464588" cy="465380"/>
           </a:xfrm>
           <a:prstGeom prst="roundRect">
@@ -45865,14 +46062,14 @@
       </p:sp>
       <p:sp>
         <p:nvSpPr>
-          <p:cNvPr id="27" name="角丸四角形 26"/>
-          <p:cNvSpPr/>
-          <p:nvPr/>
-        </p:nvSpPr>
-        <p:spPr>
-          <a:xfrm>
-            <a:off x="4047117" y="3895694"/>
-            <a:ext cx="464588" cy="465380"/>
+          <p:cNvPr id="34" name="角丸四角形 33"/>
+          <p:cNvSpPr/>
+          <p:nvPr/>
+        </p:nvSpPr>
+        <p:spPr>
+          <a:xfrm>
+            <a:off x="7803183" y="3895694"/>
+            <a:ext cx="749085" cy="465380"/>
           </a:xfrm>
           <a:prstGeom prst="roundRect">
             <a:avLst/>
@@ -45918,13 +46115,13 @@
       </p:sp>
       <p:sp>
         <p:nvSpPr>
-          <p:cNvPr id="28" name="角丸四角形 27"/>
-          <p:cNvSpPr/>
-          <p:nvPr/>
-        </p:nvSpPr>
-        <p:spPr>
-          <a:xfrm>
-            <a:off x="4583698" y="3895694"/>
+          <p:cNvPr id="36" name="角丸四角形 35"/>
+          <p:cNvSpPr/>
+          <p:nvPr/>
+        </p:nvSpPr>
+        <p:spPr>
+          <a:xfrm>
+            <a:off x="1547092" y="4421474"/>
             <a:ext cx="464588" cy="465380"/>
           </a:xfrm>
           <a:prstGeom prst="roundRect">
@@ -45971,13 +46168,13 @@
       </p:sp>
       <p:sp>
         <p:nvSpPr>
-          <p:cNvPr id="29" name="角丸四角形 28"/>
-          <p:cNvSpPr/>
-          <p:nvPr/>
-        </p:nvSpPr>
-        <p:spPr>
-          <a:xfrm>
-            <a:off x="5120279" y="3895694"/>
+          <p:cNvPr id="37" name="角丸四角形 36"/>
+          <p:cNvSpPr/>
+          <p:nvPr/>
+        </p:nvSpPr>
+        <p:spPr>
+          <a:xfrm>
+            <a:off x="2083673" y="4421474"/>
             <a:ext cx="464588" cy="465380"/>
           </a:xfrm>
           <a:prstGeom prst="roundRect">
@@ -46010,377 +46207,18 @@
           <a:lstStyle/>
           <a:p>
             <a:pPr algn="ctr"/>
-            <a:endParaRPr kumimoji="1" lang="ja-JP" altLang="en-US" sz="1200" dirty="0">
-              <a:solidFill>
-                <a:schemeClr val="accent5">
-                  <a:lumMod val="75000"/>
-                </a:schemeClr>
-              </a:solidFill>
-              <a:latin typeface="游ゴシック Light" panose="020B0300000000000000" pitchFamily="50" charset="-128"/>
-              <a:ea typeface="游ゴシック Light" panose="020B0300000000000000" pitchFamily="50" charset="-128"/>
-            </a:endParaRPr>
-          </a:p>
-        </p:txBody>
-      </p:sp>
-      <p:sp>
-        <p:nvSpPr>
-          <p:cNvPr id="30" name="角丸四角形 29"/>
-          <p:cNvSpPr/>
-          <p:nvPr/>
-        </p:nvSpPr>
-        <p:spPr>
-          <a:xfrm>
-            <a:off x="5656860" y="3895694"/>
-            <a:ext cx="464588" cy="465380"/>
-          </a:xfrm>
-          <a:prstGeom prst="roundRect">
-            <a:avLst/>
-          </a:prstGeom>
-          <a:ln>
-            <a:solidFill>
-              <a:schemeClr val="accent5">
-                <a:lumMod val="75000"/>
-              </a:schemeClr>
-            </a:solidFill>
-          </a:ln>
-        </p:spPr>
-        <p:style>
-          <a:lnRef idx="2">
-            <a:schemeClr val="accent6"/>
-          </a:lnRef>
-          <a:fillRef idx="1">
-            <a:schemeClr val="lt1"/>
-          </a:fillRef>
-          <a:effectRef idx="0">
-            <a:schemeClr val="accent6"/>
-          </a:effectRef>
-          <a:fontRef idx="minor">
-            <a:schemeClr val="dk1"/>
-          </a:fontRef>
-        </p:style>
-        <p:txBody>
-          <a:bodyPr rtlCol="0" anchor="ctr"/>
-          <a:lstStyle/>
-          <a:p>
-            <a:pPr algn="ctr"/>
-            <a:endParaRPr kumimoji="1" lang="ja-JP" altLang="en-US" sz="1200" dirty="0">
-              <a:solidFill>
-                <a:schemeClr val="accent5">
-                  <a:lumMod val="75000"/>
-                </a:schemeClr>
-              </a:solidFill>
-              <a:latin typeface="游ゴシック Light" panose="020B0300000000000000" pitchFamily="50" charset="-128"/>
-              <a:ea typeface="游ゴシック Light" panose="020B0300000000000000" pitchFamily="50" charset="-128"/>
-            </a:endParaRPr>
-          </a:p>
-        </p:txBody>
-      </p:sp>
-      <p:sp>
-        <p:nvSpPr>
-          <p:cNvPr id="31" name="角丸四角形 30"/>
-          <p:cNvSpPr/>
-          <p:nvPr/>
-        </p:nvSpPr>
-        <p:spPr>
-          <a:xfrm>
-            <a:off x="6193441" y="3895694"/>
-            <a:ext cx="464588" cy="465380"/>
-          </a:xfrm>
-          <a:prstGeom prst="roundRect">
-            <a:avLst/>
-          </a:prstGeom>
-          <a:ln>
-            <a:solidFill>
-              <a:schemeClr val="accent5">
-                <a:lumMod val="75000"/>
-              </a:schemeClr>
-            </a:solidFill>
-          </a:ln>
-        </p:spPr>
-        <p:style>
-          <a:lnRef idx="2">
-            <a:schemeClr val="accent6"/>
-          </a:lnRef>
-          <a:fillRef idx="1">
-            <a:schemeClr val="lt1"/>
-          </a:fillRef>
-          <a:effectRef idx="0">
-            <a:schemeClr val="accent6"/>
-          </a:effectRef>
-          <a:fontRef idx="minor">
-            <a:schemeClr val="dk1"/>
-          </a:fontRef>
-        </p:style>
-        <p:txBody>
-          <a:bodyPr rtlCol="0" anchor="ctr"/>
-          <a:lstStyle/>
-          <a:p>
-            <a:pPr algn="ctr"/>
-            <a:endParaRPr kumimoji="1" lang="ja-JP" altLang="en-US" sz="1200" dirty="0">
-              <a:solidFill>
-                <a:schemeClr val="accent5">
-                  <a:lumMod val="75000"/>
-                </a:schemeClr>
-              </a:solidFill>
-              <a:latin typeface="游ゴシック Light" panose="020B0300000000000000" pitchFamily="50" charset="-128"/>
-              <a:ea typeface="游ゴシック Light" panose="020B0300000000000000" pitchFamily="50" charset="-128"/>
-            </a:endParaRPr>
-          </a:p>
-        </p:txBody>
-      </p:sp>
-      <p:sp>
-        <p:nvSpPr>
-          <p:cNvPr id="32" name="角丸四角形 31"/>
-          <p:cNvSpPr/>
-          <p:nvPr/>
-        </p:nvSpPr>
-        <p:spPr>
-          <a:xfrm>
-            <a:off x="6730022" y="3895694"/>
-            <a:ext cx="464588" cy="465380"/>
-          </a:xfrm>
-          <a:prstGeom prst="roundRect">
-            <a:avLst/>
-          </a:prstGeom>
-          <a:ln>
-            <a:solidFill>
-              <a:schemeClr val="accent5">
-                <a:lumMod val="75000"/>
-              </a:schemeClr>
-            </a:solidFill>
-          </a:ln>
-        </p:spPr>
-        <p:style>
-          <a:lnRef idx="2">
-            <a:schemeClr val="accent6"/>
-          </a:lnRef>
-          <a:fillRef idx="1">
-            <a:schemeClr val="lt1"/>
-          </a:fillRef>
-          <a:effectRef idx="0">
-            <a:schemeClr val="accent6"/>
-          </a:effectRef>
-          <a:fontRef idx="minor">
-            <a:schemeClr val="dk1"/>
-          </a:fontRef>
-        </p:style>
-        <p:txBody>
-          <a:bodyPr rtlCol="0" anchor="ctr"/>
-          <a:lstStyle/>
-          <a:p>
-            <a:pPr algn="ctr"/>
-            <a:endParaRPr kumimoji="1" lang="ja-JP" altLang="en-US" sz="1200" dirty="0">
-              <a:solidFill>
-                <a:schemeClr val="accent5">
-                  <a:lumMod val="75000"/>
-                </a:schemeClr>
-              </a:solidFill>
-              <a:latin typeface="游ゴシック Light" panose="020B0300000000000000" pitchFamily="50" charset="-128"/>
-              <a:ea typeface="游ゴシック Light" panose="020B0300000000000000" pitchFamily="50" charset="-128"/>
-            </a:endParaRPr>
-          </a:p>
-        </p:txBody>
-      </p:sp>
-      <p:sp>
-        <p:nvSpPr>
-          <p:cNvPr id="33" name="角丸四角形 32"/>
-          <p:cNvSpPr/>
-          <p:nvPr/>
-        </p:nvSpPr>
-        <p:spPr>
-          <a:xfrm>
-            <a:off x="7266603" y="3895694"/>
-            <a:ext cx="464588" cy="465380"/>
-          </a:xfrm>
-          <a:prstGeom prst="roundRect">
-            <a:avLst/>
-          </a:prstGeom>
-          <a:ln>
-            <a:solidFill>
-              <a:schemeClr val="accent5">
-                <a:lumMod val="75000"/>
-              </a:schemeClr>
-            </a:solidFill>
-          </a:ln>
-        </p:spPr>
-        <p:style>
-          <a:lnRef idx="2">
-            <a:schemeClr val="accent6"/>
-          </a:lnRef>
-          <a:fillRef idx="1">
-            <a:schemeClr val="lt1"/>
-          </a:fillRef>
-          <a:effectRef idx="0">
-            <a:schemeClr val="accent6"/>
-          </a:effectRef>
-          <a:fontRef idx="minor">
-            <a:schemeClr val="dk1"/>
-          </a:fontRef>
-        </p:style>
-        <p:txBody>
-          <a:bodyPr rtlCol="0" anchor="ctr"/>
-          <a:lstStyle/>
-          <a:p>
-            <a:pPr algn="ctr"/>
-            <a:endParaRPr kumimoji="1" lang="ja-JP" altLang="en-US" sz="1200" dirty="0">
-              <a:solidFill>
-                <a:schemeClr val="accent5">
-                  <a:lumMod val="75000"/>
-                </a:schemeClr>
-              </a:solidFill>
-              <a:latin typeface="游ゴシック Light" panose="020B0300000000000000" pitchFamily="50" charset="-128"/>
-              <a:ea typeface="游ゴシック Light" panose="020B0300000000000000" pitchFamily="50" charset="-128"/>
-            </a:endParaRPr>
-          </a:p>
-        </p:txBody>
-      </p:sp>
-      <p:sp>
-        <p:nvSpPr>
-          <p:cNvPr id="34" name="角丸四角形 33"/>
-          <p:cNvSpPr/>
-          <p:nvPr/>
-        </p:nvSpPr>
-        <p:spPr>
-          <a:xfrm>
-            <a:off x="7803183" y="3895694"/>
-            <a:ext cx="749085" cy="465380"/>
-          </a:xfrm>
-          <a:prstGeom prst="roundRect">
-            <a:avLst/>
-          </a:prstGeom>
-          <a:ln>
-            <a:solidFill>
-              <a:schemeClr val="accent5">
-                <a:lumMod val="75000"/>
-              </a:schemeClr>
-            </a:solidFill>
-          </a:ln>
-        </p:spPr>
-        <p:style>
-          <a:lnRef idx="2">
-            <a:schemeClr val="accent6"/>
-          </a:lnRef>
-          <a:fillRef idx="1">
-            <a:schemeClr val="lt1"/>
-          </a:fillRef>
-          <a:effectRef idx="0">
-            <a:schemeClr val="accent6"/>
-          </a:effectRef>
-          <a:fontRef idx="minor">
-            <a:schemeClr val="dk1"/>
-          </a:fontRef>
-        </p:style>
-        <p:txBody>
-          <a:bodyPr rtlCol="0" anchor="ctr"/>
-          <a:lstStyle/>
-          <a:p>
-            <a:pPr algn="ctr"/>
-            <a:endParaRPr kumimoji="1" lang="ja-JP" altLang="en-US" sz="1200" dirty="0">
-              <a:solidFill>
-                <a:schemeClr val="accent5">
-                  <a:lumMod val="75000"/>
-                </a:schemeClr>
-              </a:solidFill>
-              <a:latin typeface="游ゴシック Light" panose="020B0300000000000000" pitchFamily="50" charset="-128"/>
-              <a:ea typeface="游ゴシック Light" panose="020B0300000000000000" pitchFamily="50" charset="-128"/>
-            </a:endParaRPr>
-          </a:p>
-        </p:txBody>
-      </p:sp>
-      <p:sp>
-        <p:nvSpPr>
-          <p:cNvPr id="36" name="角丸四角形 35"/>
-          <p:cNvSpPr/>
-          <p:nvPr/>
-        </p:nvSpPr>
-        <p:spPr>
-          <a:xfrm>
-            <a:off x="1547092" y="4421474"/>
-            <a:ext cx="464588" cy="465380"/>
-          </a:xfrm>
-          <a:prstGeom prst="roundRect">
-            <a:avLst/>
-          </a:prstGeom>
-          <a:ln>
-            <a:solidFill>
-              <a:schemeClr val="accent5">
-                <a:lumMod val="75000"/>
-              </a:schemeClr>
-            </a:solidFill>
-          </a:ln>
-        </p:spPr>
-        <p:style>
-          <a:lnRef idx="2">
-            <a:schemeClr val="accent6"/>
-          </a:lnRef>
-          <a:fillRef idx="1">
-            <a:schemeClr val="lt1"/>
-          </a:fillRef>
-          <a:effectRef idx="0">
-            <a:schemeClr val="accent6"/>
-          </a:effectRef>
-          <a:fontRef idx="minor">
-            <a:schemeClr val="dk1"/>
-          </a:fontRef>
-        </p:style>
-        <p:txBody>
-          <a:bodyPr rtlCol="0" anchor="ctr"/>
-          <a:lstStyle/>
-          <a:p>
-            <a:pPr algn="ctr"/>
-            <a:endParaRPr kumimoji="1" lang="ja-JP" altLang="en-US" sz="1200" dirty="0">
-              <a:solidFill>
-                <a:schemeClr val="accent5">
-                  <a:lumMod val="75000"/>
-                </a:schemeClr>
-              </a:solidFill>
-              <a:latin typeface="游ゴシック Light" panose="020B0300000000000000" pitchFamily="50" charset="-128"/>
-              <a:ea typeface="游ゴシック Light" panose="020B0300000000000000" pitchFamily="50" charset="-128"/>
-            </a:endParaRPr>
-          </a:p>
-        </p:txBody>
-      </p:sp>
-      <p:sp>
-        <p:nvSpPr>
-          <p:cNvPr id="37" name="角丸四角形 36"/>
-          <p:cNvSpPr/>
-          <p:nvPr/>
-        </p:nvSpPr>
-        <p:spPr>
-          <a:xfrm>
-            <a:off x="2083673" y="4421474"/>
-            <a:ext cx="464588" cy="465380"/>
-          </a:xfrm>
-          <a:prstGeom prst="roundRect">
-            <a:avLst/>
-          </a:prstGeom>
-          <a:ln>
-            <a:solidFill>
-              <a:schemeClr val="accent5">
-                <a:lumMod val="75000"/>
-              </a:schemeClr>
-            </a:solidFill>
-          </a:ln>
-        </p:spPr>
-        <p:style>
-          <a:lnRef idx="2">
-            <a:schemeClr val="accent6"/>
-          </a:lnRef>
-          <a:fillRef idx="1">
-            <a:schemeClr val="lt1"/>
-          </a:fillRef>
-          <a:effectRef idx="0">
-            <a:schemeClr val="accent6"/>
-          </a:effectRef>
-          <a:fontRef idx="minor">
-            <a:schemeClr val="dk1"/>
-          </a:fontRef>
-        </p:style>
-        <p:txBody>
-          <a:bodyPr rtlCol="0" anchor="ctr"/>
-          <a:lstStyle/>
-          <a:p>
-            <a:pPr algn="ctr"/>
+            <a:r>
+              <a:rPr kumimoji="1" lang="en-US" altLang="ja-JP" sz="1200" smtClean="0">
+                <a:solidFill>
+                  <a:schemeClr val="accent5">
+                    <a:lumMod val="75000"/>
+                  </a:schemeClr>
+                </a:solidFill>
+                <a:latin typeface="游ゴシック Light" panose="020B0300000000000000" pitchFamily="50" charset="-128"/>
+                <a:ea typeface="游ゴシック Light" panose="020B0300000000000000" pitchFamily="50" charset="-128"/>
+              </a:rPr>
+              <a:t>P</a:t>
+            </a:r>
             <a:endParaRPr kumimoji="1" lang="ja-JP" altLang="en-US" sz="1200" dirty="0">
               <a:solidFill>
                 <a:schemeClr val="accent5">
@@ -47115,7 +46953,7 @@
           <a:p>
             <a:pPr algn="ctr"/>
             <a:r>
-              <a:rPr kumimoji="1" lang="en-US" altLang="ja-JP" sz="1200" smtClean="0">
+              <a:rPr lang="en-US" altLang="ja-JP" sz="1400" smtClean="0">
                 <a:solidFill>
                   <a:schemeClr val="accent5">
                     <a:lumMod val="75000"/>
@@ -47126,7 +46964,7 @@
               </a:rPr>
               <a:t>P</a:t>
             </a:r>
-            <a:endParaRPr kumimoji="1" lang="ja-JP" altLang="en-US" sz="1200" dirty="0">
+            <a:endParaRPr kumimoji="1" lang="ja-JP" altLang="en-US" sz="1100" dirty="0">
               <a:solidFill>
                 <a:schemeClr val="accent5">
                   <a:lumMod val="75000"/>
@@ -49094,6 +48932,16 @@
           <a:lstStyle/>
           <a:p>
             <a:pPr algn="ctr"/>
+            <a:r>
+              <a:rPr lang="en-US" altLang="ja-JP" sz="900">
+                <a:solidFill>
+                  <a:schemeClr val="accent6">
+                    <a:lumMod val="75000"/>
+                  </a:schemeClr>
+                </a:solidFill>
+              </a:rPr>
+              <a:t>RDC</a:t>
+            </a:r>
             <a:endParaRPr kumimoji="1" lang="ja-JP" altLang="en-US" sz="900" dirty="0">
               <a:solidFill>
                 <a:schemeClr val="accent6">
@@ -49220,35 +49068,28 @@
           <a:p>
             <a:pPr algn="ctr"/>
             <a:r>
-              <a:rPr kumimoji="1" lang="en-US" altLang="ja-JP" sz="900" dirty="0" smtClean="0">
+              <a:rPr kumimoji="1" lang="en-US" altLang="ja-JP" sz="900" smtClean="0">
                 <a:solidFill>
                   <a:schemeClr val="accent6">
                     <a:lumMod val="75000"/>
                   </a:schemeClr>
                 </a:solidFill>
               </a:rPr>
-              <a:t>MS</a:t>
-            </a:r>
-          </a:p>
-          <a:p>
-            <a:pPr algn="ctr"/>
-            <a:r>
-              <a:rPr kumimoji="1" lang="en-US" altLang="ja-JP" sz="900" dirty="0" smtClean="0">
+              <a:t>Fire</a:t>
+            </a:r>
+          </a:p>
+          <a:p>
+            <a:pPr algn="ctr"/>
+            <a:r>
+              <a:rPr lang="en-US" altLang="ja-JP" sz="900" smtClean="0">
                 <a:solidFill>
                   <a:schemeClr val="accent6">
                     <a:lumMod val="75000"/>
                   </a:schemeClr>
                 </a:solidFill>
               </a:rPr>
-              <a:t>Edge</a:t>
-            </a:r>
-            <a:endParaRPr kumimoji="1" lang="ja-JP" altLang="en-US" sz="900" dirty="0">
-              <a:solidFill>
-                <a:schemeClr val="accent6">
-                  <a:lumMod val="75000"/>
-                </a:schemeClr>
-              </a:solidFill>
-            </a:endParaRPr>
+              <a:t>Fox</a:t>
+            </a:r>
           </a:p>
         </p:txBody>
       </p:sp>
@@ -49405,16 +49246,6 @@
           <a:lstStyle/>
           <a:p>
             <a:pPr algn="ctr"/>
-            <a:r>
-              <a:rPr kumimoji="1" lang="en-US" altLang="ja-JP" sz="900" smtClean="0">
-                <a:solidFill>
-                  <a:schemeClr val="accent6">
-                    <a:lumMod val="75000"/>
-                  </a:schemeClr>
-                </a:solidFill>
-              </a:rPr>
-              <a:t>Outlook</a:t>
-            </a:r>
             <a:endParaRPr kumimoji="1" lang="ja-JP" altLang="en-US" sz="900" dirty="0">
               <a:solidFill>
                 <a:schemeClr val="accent6">
@@ -49466,16 +49297,6 @@
           <a:lstStyle/>
           <a:p>
             <a:pPr algn="ctr"/>
-            <a:r>
-              <a:rPr lang="en-US" altLang="ja-JP" sz="900" smtClean="0">
-                <a:solidFill>
-                  <a:schemeClr val="accent6">
-                    <a:lumMod val="75000"/>
-                  </a:schemeClr>
-                </a:solidFill>
-              </a:rPr>
-              <a:t>Word</a:t>
-            </a:r>
             <a:endParaRPr kumimoji="1" lang="ja-JP" altLang="en-US" sz="900" dirty="0">
               <a:solidFill>
                 <a:schemeClr val="accent6">
@@ -49527,16 +49348,6 @@
           <a:lstStyle/>
           <a:p>
             <a:pPr algn="ctr"/>
-            <a:r>
-              <a:rPr kumimoji="1" lang="en-US" altLang="ja-JP" sz="900" smtClean="0">
-                <a:solidFill>
-                  <a:schemeClr val="accent6">
-                    <a:lumMod val="75000"/>
-                  </a:schemeClr>
-                </a:solidFill>
-              </a:rPr>
-              <a:t>Excel</a:t>
-            </a:r>
             <a:endParaRPr kumimoji="1" lang="ja-JP" altLang="en-US" sz="900" dirty="0">
               <a:solidFill>
                 <a:schemeClr val="accent6">
@@ -49588,29 +49399,6 @@
           <a:lstStyle/>
           <a:p>
             <a:pPr algn="ctr"/>
-            <a:r>
-              <a:rPr lang="en-US" altLang="ja-JP" sz="900" smtClean="0">
-                <a:solidFill>
-                  <a:schemeClr val="accent6">
-                    <a:lumMod val="75000"/>
-                  </a:schemeClr>
-                </a:solidFill>
-              </a:rPr>
-              <a:t>Power</a:t>
-            </a:r>
-          </a:p>
-          <a:p>
-            <a:pPr algn="ctr"/>
-            <a:r>
-              <a:rPr lang="en-US" altLang="ja-JP" sz="900" smtClean="0">
-                <a:solidFill>
-                  <a:schemeClr val="accent6">
-                    <a:lumMod val="75000"/>
-                  </a:schemeClr>
-                </a:solidFill>
-              </a:rPr>
-              <a:t>Point</a:t>
-            </a:r>
             <a:endParaRPr kumimoji="1" lang="ja-JP" altLang="en-US" sz="900" dirty="0">
               <a:solidFill>
                 <a:schemeClr val="accent6">
@@ -49877,16 +49665,16 @@
           <a:p>
             <a:pPr algn="ctr"/>
             <a:r>
-              <a:rPr kumimoji="1" lang="en-US" altLang="ja-JP" sz="900" smtClean="0">
+              <a:rPr lang="en-US" altLang="ja-JP" sz="900" smtClean="0">
                 <a:solidFill>
                   <a:schemeClr val="accent6">
                     <a:lumMod val="75000"/>
                   </a:schemeClr>
                 </a:solidFill>
               </a:rPr>
-              <a:t>Skype</a:t>
-            </a:r>
-            <a:endParaRPr kumimoji="1" lang="ja-JP" altLang="en-US" sz="900" dirty="0">
+              <a:t>Outlook</a:t>
+            </a:r>
+            <a:endParaRPr lang="ja-JP" altLang="en-US" sz="900">
               <a:solidFill>
                 <a:schemeClr val="accent6">
                   <a:lumMod val="75000"/>
@@ -50216,9 +50004,7 @@
             <a:r>
               <a:rPr kumimoji="1" lang="en-US" altLang="ja-JP" sz="900" u="sng" smtClean="0">
                 <a:solidFill>
-                  <a:schemeClr val="accent6">
-                    <a:lumMod val="75000"/>
-                  </a:schemeClr>
+                  <a:schemeClr val="accent3"/>
                 </a:solidFill>
               </a:rPr>
               <a:t>Intelli</a:t>
@@ -50229,18 +50015,14 @@
             <a:r>
               <a:rPr lang="en-US" altLang="ja-JP" sz="900" u="sng">
                 <a:solidFill>
-                  <a:schemeClr val="accent6">
-                    <a:lumMod val="75000"/>
-                  </a:schemeClr>
+                  <a:schemeClr val="accent3"/>
                 </a:solidFill>
               </a:rPr>
               <a:t>J</a:t>
             </a:r>
             <a:endParaRPr kumimoji="1" lang="ja-JP" altLang="en-US" sz="900" u="sng" dirty="0">
               <a:solidFill>
-                <a:schemeClr val="accent6">
-                  <a:lumMod val="75000"/>
-                </a:schemeClr>
+                <a:schemeClr val="accent3"/>
               </a:solidFill>
             </a:endParaRPr>
           </a:p>
@@ -50290,14 +50072,14 @@
             <a:r>
               <a:rPr kumimoji="1" lang="en-US" altLang="ja-JP" sz="700" smtClean="0">
                 <a:solidFill>
-                  <a:schemeClr val="tx1"/>
+                  <a:schemeClr val="accent3"/>
                 </a:solidFill>
               </a:rPr>
               <a:t>Processing</a:t>
             </a:r>
             <a:endParaRPr kumimoji="1" lang="ja-JP" altLang="en-US" sz="700" dirty="0">
               <a:solidFill>
-                <a:schemeClr val="tx1"/>
+                <a:schemeClr val="accent3"/>
               </a:solidFill>
             </a:endParaRPr>
           </a:p>
@@ -50344,17 +50126,9 @@
           <a:lstStyle/>
           <a:p>
             <a:pPr algn="ctr"/>
-            <a:r>
-              <a:rPr kumimoji="1" lang="en-US" altLang="ja-JP" sz="900" smtClean="0">
-                <a:solidFill>
-                  <a:schemeClr val="tx1"/>
-                </a:solidFill>
-              </a:rPr>
-              <a:t>LoL</a:t>
-            </a:r>
             <a:endParaRPr kumimoji="1" lang="ja-JP" altLang="en-US" sz="900" dirty="0">
               <a:solidFill>
-                <a:schemeClr val="tx1"/>
+                <a:schemeClr val="accent3"/>
               </a:solidFill>
             </a:endParaRPr>
           </a:p>
@@ -50491,7 +50265,17 @@
           <a:lstStyle/>
           <a:p>
             <a:pPr algn="ctr"/>
-            <a:endParaRPr kumimoji="1" lang="ja-JP" altLang="en-US" sz="1000" dirty="0">
+            <a:r>
+              <a:rPr lang="en-US" altLang="ja-JP" sz="1000" smtClean="0">
+                <a:solidFill>
+                  <a:schemeClr val="accent6">
+                    <a:lumMod val="75000"/>
+                  </a:schemeClr>
+                </a:solidFill>
+              </a:rPr>
+              <a:t>Word</a:t>
+            </a:r>
+            <a:endParaRPr lang="ja-JP" altLang="en-US" sz="1000">
               <a:solidFill>
                 <a:schemeClr val="accent6">
                   <a:lumMod val="75000"/>
@@ -50542,6 +50326,16 @@
           <a:lstStyle/>
           <a:p>
             <a:pPr algn="ctr"/>
+            <a:r>
+              <a:rPr lang="en-US" altLang="ja-JP" sz="1000">
+                <a:solidFill>
+                  <a:schemeClr val="accent6">
+                    <a:lumMod val="75000"/>
+                  </a:schemeClr>
+                </a:solidFill>
+              </a:rPr>
+              <a:t>Excel</a:t>
+            </a:r>
             <a:endParaRPr kumimoji="1" lang="ja-JP" altLang="en-US" sz="1000" dirty="0">
               <a:solidFill>
                 <a:schemeClr val="accent6">
@@ -50593,7 +50387,30 @@
           <a:lstStyle/>
           <a:p>
             <a:pPr algn="ctr"/>
-            <a:endParaRPr kumimoji="1" lang="ja-JP" altLang="en-US" sz="1000" dirty="0">
+            <a:r>
+              <a:rPr lang="en-US" altLang="ja-JP" sz="1000">
+                <a:solidFill>
+                  <a:schemeClr val="accent6">
+                    <a:lumMod val="75000"/>
+                  </a:schemeClr>
+                </a:solidFill>
+              </a:rPr>
+              <a:t>Power</a:t>
+            </a:r>
+          </a:p>
+          <a:p>
+            <a:pPr algn="ctr"/>
+            <a:r>
+              <a:rPr lang="en-US" altLang="ja-JP" sz="1000" smtClean="0">
+                <a:solidFill>
+                  <a:schemeClr val="accent6">
+                    <a:lumMod val="75000"/>
+                  </a:schemeClr>
+                </a:solidFill>
+              </a:rPr>
+              <a:t>Point</a:t>
+            </a:r>
+            <a:endParaRPr lang="ja-JP" altLang="en-US" sz="1000">
               <a:solidFill>
                 <a:schemeClr val="accent6">
                   <a:lumMod val="75000"/>
@@ -50759,9 +50576,7 @@
             <a:r>
               <a:rPr lang="en-US" altLang="ja-JP" sz="900" smtClean="0">
                 <a:solidFill>
-                  <a:schemeClr val="accent6">
-                    <a:lumMod val="75000"/>
-                  </a:schemeClr>
+                  <a:schemeClr val="accent3"/>
                 </a:solidFill>
               </a:rPr>
               <a:t>Internet</a:t>
@@ -50772,18 +50587,14 @@
             <a:r>
               <a:rPr lang="en-US" altLang="ja-JP" sz="900">
                 <a:solidFill>
-                  <a:schemeClr val="accent6">
-                    <a:lumMod val="75000"/>
-                  </a:schemeClr>
+                  <a:schemeClr val="accent3"/>
                 </a:solidFill>
               </a:rPr>
               <a:t>Explorer</a:t>
             </a:r>
             <a:endParaRPr lang="ja-JP" altLang="en-US" sz="900" dirty="0">
               <a:solidFill>
-                <a:schemeClr val="accent6">
-                  <a:lumMod val="75000"/>
-                </a:schemeClr>
+                <a:schemeClr val="accent3"/>
               </a:solidFill>
             </a:endParaRPr>
           </a:p>
@@ -51359,6 +51170,219 @@
           </a:p>
         </p:txBody>
       </p:sp>
+      <p:sp>
+        <p:nvSpPr>
+          <p:cNvPr id="60" name="角丸四角形 59"/>
+          <p:cNvSpPr/>
+          <p:nvPr/>
+        </p:nvSpPr>
+        <p:spPr>
+          <a:xfrm>
+            <a:off x="1366997" y="5473034"/>
+            <a:ext cx="464588" cy="465380"/>
+          </a:xfrm>
+          <a:prstGeom prst="roundRect">
+            <a:avLst/>
+          </a:prstGeom>
+          <a:solidFill>
+            <a:schemeClr val="accent5"/>
+          </a:solidFill>
+          <a:ln>
+            <a:solidFill>
+              <a:schemeClr val="accent5">
+                <a:lumMod val="75000"/>
+              </a:schemeClr>
+            </a:solidFill>
+          </a:ln>
+        </p:spPr>
+        <p:style>
+          <a:lnRef idx="2">
+            <a:schemeClr val="accent6"/>
+          </a:lnRef>
+          <a:fillRef idx="1">
+            <a:schemeClr val="lt1"/>
+          </a:fillRef>
+          <a:effectRef idx="0">
+            <a:schemeClr val="accent6"/>
+          </a:effectRef>
+          <a:fontRef idx="minor">
+            <a:schemeClr val="dk1"/>
+          </a:fontRef>
+        </p:style>
+        <p:txBody>
+          <a:bodyPr wrap="none" rtlCol="0" anchor="ctr"/>
+          <a:lstStyle/>
+          <a:p>
+            <a:pPr algn="ctr"/>
+            <a:r>
+              <a:rPr kumimoji="1" lang="en-US" altLang="ja-JP" smtClean="0">
+                <a:solidFill>
+                  <a:schemeClr val="accent5">
+                    <a:lumMod val="75000"/>
+                  </a:schemeClr>
+                </a:solidFill>
+                <a:latin typeface="+mj-lt"/>
+              </a:rPr>
+              <a:t>Alt</a:t>
+            </a:r>
+            <a:endParaRPr kumimoji="1" lang="ja-JP" altLang="en-US" dirty="0">
+              <a:solidFill>
+                <a:schemeClr val="accent5">
+                  <a:lumMod val="75000"/>
+                </a:schemeClr>
+              </a:solidFill>
+              <a:latin typeface="+mj-lt"/>
+            </a:endParaRPr>
+          </a:p>
+        </p:txBody>
+      </p:sp>
+      <p:sp>
+        <p:nvSpPr>
+          <p:cNvPr id="61" name="角丸四角形 60"/>
+          <p:cNvSpPr/>
+          <p:nvPr/>
+        </p:nvSpPr>
+        <p:spPr>
+          <a:xfrm>
+            <a:off x="2727793" y="5473034"/>
+            <a:ext cx="3135639" cy="465380"/>
+          </a:xfrm>
+          <a:prstGeom prst="roundRect">
+            <a:avLst/>
+          </a:prstGeom>
+          <a:solidFill>
+            <a:schemeClr val="accent2">
+              <a:lumMod val="20000"/>
+              <a:lumOff val="80000"/>
+            </a:schemeClr>
+          </a:solidFill>
+          <a:ln>
+            <a:solidFill>
+              <a:schemeClr val="accent2">
+                <a:lumMod val="75000"/>
+              </a:schemeClr>
+            </a:solidFill>
+          </a:ln>
+        </p:spPr>
+        <p:style>
+          <a:lnRef idx="2">
+            <a:schemeClr val="accent6"/>
+          </a:lnRef>
+          <a:fillRef idx="1">
+            <a:schemeClr val="lt1"/>
+          </a:fillRef>
+          <a:effectRef idx="0">
+            <a:schemeClr val="accent6"/>
+          </a:effectRef>
+          <a:fontRef idx="minor">
+            <a:schemeClr val="dk1"/>
+          </a:fontRef>
+        </p:style>
+        <p:txBody>
+          <a:bodyPr wrap="none" rtlCol="0" anchor="ctr"/>
+          <a:lstStyle/>
+          <a:p>
+            <a:pPr algn="ctr"/>
+            <a:r>
+              <a:rPr kumimoji="1" lang="en-US" altLang="ja-JP" smtClean="0">
+                <a:solidFill>
+                  <a:schemeClr val="accent2">
+                    <a:lumMod val="75000"/>
+                  </a:schemeClr>
+                </a:solidFill>
+                <a:latin typeface="+mj-lt"/>
+              </a:rPr>
+              <a:t>SPACE</a:t>
+            </a:r>
+            <a:endParaRPr kumimoji="1" lang="ja-JP" altLang="en-US" dirty="0">
+              <a:solidFill>
+                <a:schemeClr val="accent2">
+                  <a:lumMod val="75000"/>
+                </a:schemeClr>
+              </a:solidFill>
+              <a:latin typeface="+mj-lt"/>
+            </a:endParaRPr>
+          </a:p>
+        </p:txBody>
+      </p:sp>
+      <p:cxnSp>
+        <p:nvCxnSpPr>
+          <p:cNvPr id="4" name="カギ線コネクタ 3"/>
+          <p:cNvCxnSpPr>
+            <a:stCxn id="60" idx="2"/>
+            <a:endCxn id="61" idx="2"/>
+          </p:cNvCxnSpPr>
+          <p:nvPr/>
+        </p:nvCxnSpPr>
+        <p:spPr>
+          <a:xfrm rot="16200000" flipH="1">
+            <a:off x="2947452" y="4590253"/>
+            <a:ext cx="12700" cy="2696322"/>
+          </a:xfrm>
+          <a:prstGeom prst="bentConnector3">
+            <a:avLst>
+              <a:gd name="adj1" fmla="val 1800000"/>
+            </a:avLst>
+          </a:prstGeom>
+          <a:ln>
+            <a:headEnd type="triangle"/>
+            <a:tailEnd type="triangle"/>
+          </a:ln>
+        </p:spPr>
+        <p:style>
+          <a:lnRef idx="1">
+            <a:schemeClr val="accent1"/>
+          </a:lnRef>
+          <a:fillRef idx="0">
+            <a:schemeClr val="accent1"/>
+          </a:fillRef>
+          <a:effectRef idx="0">
+            <a:schemeClr val="accent1"/>
+          </a:effectRef>
+          <a:fontRef idx="minor">
+            <a:schemeClr val="tx1"/>
+          </a:fontRef>
+        </p:style>
+      </p:cxnSp>
+      <p:cxnSp>
+        <p:nvCxnSpPr>
+          <p:cNvPr id="62" name="カギ線コネクタ 61"/>
+          <p:cNvCxnSpPr>
+            <a:stCxn id="65" idx="2"/>
+            <a:endCxn id="64" idx="2"/>
+          </p:cNvCxnSpPr>
+          <p:nvPr/>
+        </p:nvCxnSpPr>
+        <p:spPr>
+          <a:xfrm rot="16200000" flipH="1">
+            <a:off x="4282257" y="3931490"/>
+            <a:ext cx="12700" cy="4013847"/>
+          </a:xfrm>
+          <a:prstGeom prst="bentConnector3">
+            <a:avLst>
+              <a:gd name="adj1" fmla="val 3300016"/>
+            </a:avLst>
+          </a:prstGeom>
+          <a:ln>
+            <a:headEnd type="triangle"/>
+            <a:tailEnd type="triangle"/>
+          </a:ln>
+        </p:spPr>
+        <p:style>
+          <a:lnRef idx="1">
+            <a:schemeClr val="accent1"/>
+          </a:lnRef>
+          <a:fillRef idx="0">
+            <a:schemeClr val="accent1"/>
+          </a:fillRef>
+          <a:effectRef idx="0">
+            <a:schemeClr val="accent1"/>
+          </a:effectRef>
+          <a:fontRef idx="minor">
+            <a:schemeClr val="tx1"/>
+          </a:fontRef>
+        </p:style>
+      </p:cxnSp>
     </p:spTree>
     <p:extLst>
       <p:ext uri="{BB962C8B-B14F-4D97-AF65-F5344CB8AC3E}">

--- a/MANUAL.pptx
+++ b/MANUAL.pptx
@@ -258,7 +258,7 @@
           <a:p>
             <a:fld id="{98B15ECE-60C4-45D4-8ABC-DDA7D4F33EF9}" type="datetimeFigureOut">
               <a:rPr kumimoji="1" lang="ja-JP" altLang="en-US" smtClean="0"/>
-              <a:t>2016/11/27</a:t>
+              <a:t>2017/2/19</a:t>
             </a:fld>
             <a:endParaRPr kumimoji="1" lang="ja-JP" altLang="en-US"/>
           </a:p>
@@ -1361,7 +1361,7 @@
           <a:p>
             <a:fld id="{8FB4C7EE-3C5D-4F47-A8DE-21B759CA57C5}" type="datetimeFigureOut">
               <a:rPr kumimoji="1" lang="ja-JP" altLang="en-US" smtClean="0"/>
-              <a:t>2016/11/27</a:t>
+              <a:t>2017/2/19</a:t>
             </a:fld>
             <a:endParaRPr kumimoji="1" lang="ja-JP" altLang="en-US"/>
           </a:p>
@@ -1563,7 +1563,7 @@
           <a:p>
             <a:fld id="{8FB4C7EE-3C5D-4F47-A8DE-21B759CA57C5}" type="datetimeFigureOut">
               <a:rPr kumimoji="1" lang="ja-JP" altLang="en-US" smtClean="0"/>
-              <a:t>2016/11/27</a:t>
+              <a:t>2017/2/19</a:t>
             </a:fld>
             <a:endParaRPr kumimoji="1" lang="ja-JP" altLang="en-US"/>
           </a:p>
@@ -1775,7 +1775,7 @@
           <a:p>
             <a:fld id="{8FB4C7EE-3C5D-4F47-A8DE-21B759CA57C5}" type="datetimeFigureOut">
               <a:rPr kumimoji="1" lang="ja-JP" altLang="en-US" smtClean="0"/>
-              <a:t>2016/11/27</a:t>
+              <a:t>2017/2/19</a:t>
             </a:fld>
             <a:endParaRPr kumimoji="1" lang="ja-JP" altLang="en-US"/>
           </a:p>
@@ -1977,7 +1977,7 @@
           <a:p>
             <a:fld id="{8FB4C7EE-3C5D-4F47-A8DE-21B759CA57C5}" type="datetimeFigureOut">
               <a:rPr kumimoji="1" lang="ja-JP" altLang="en-US" smtClean="0"/>
-              <a:t>2016/11/27</a:t>
+              <a:t>2017/2/19</a:t>
             </a:fld>
             <a:endParaRPr kumimoji="1" lang="ja-JP" altLang="en-US"/>
           </a:p>
@@ -2221,7 +2221,7 @@
           <a:p>
             <a:fld id="{8FB4C7EE-3C5D-4F47-A8DE-21B759CA57C5}" type="datetimeFigureOut">
               <a:rPr kumimoji="1" lang="ja-JP" altLang="en-US" smtClean="0"/>
-              <a:t>2016/11/27</a:t>
+              <a:t>2017/2/19</a:t>
             </a:fld>
             <a:endParaRPr kumimoji="1" lang="ja-JP" altLang="en-US"/>
           </a:p>
@@ -2517,7 +2517,7 @@
           <a:p>
             <a:fld id="{8FB4C7EE-3C5D-4F47-A8DE-21B759CA57C5}" type="datetimeFigureOut">
               <a:rPr kumimoji="1" lang="ja-JP" altLang="en-US" smtClean="0"/>
-              <a:t>2016/11/27</a:t>
+              <a:t>2017/2/19</a:t>
             </a:fld>
             <a:endParaRPr kumimoji="1" lang="ja-JP" altLang="en-US"/>
           </a:p>
@@ -2948,7 +2948,7 @@
           <a:p>
             <a:fld id="{8FB4C7EE-3C5D-4F47-A8DE-21B759CA57C5}" type="datetimeFigureOut">
               <a:rPr kumimoji="1" lang="ja-JP" altLang="en-US" smtClean="0"/>
-              <a:t>2016/11/27</a:t>
+              <a:t>2017/2/19</a:t>
             </a:fld>
             <a:endParaRPr kumimoji="1" lang="ja-JP" altLang="en-US"/>
           </a:p>
@@ -3066,7 +3066,7 @@
           <a:p>
             <a:fld id="{8FB4C7EE-3C5D-4F47-A8DE-21B759CA57C5}" type="datetimeFigureOut">
               <a:rPr kumimoji="1" lang="ja-JP" altLang="en-US" smtClean="0"/>
-              <a:t>2016/11/27</a:t>
+              <a:t>2017/2/19</a:t>
             </a:fld>
             <a:endParaRPr kumimoji="1" lang="ja-JP" altLang="en-US"/>
           </a:p>
@@ -3161,7 +3161,7 @@
           <a:p>
             <a:fld id="{8FB4C7EE-3C5D-4F47-A8DE-21B759CA57C5}" type="datetimeFigureOut">
               <a:rPr kumimoji="1" lang="ja-JP" altLang="en-US" smtClean="0"/>
-              <a:t>2016/11/27</a:t>
+              <a:t>2017/2/19</a:t>
             </a:fld>
             <a:endParaRPr kumimoji="1" lang="ja-JP" altLang="en-US"/>
           </a:p>
@@ -3470,7 +3470,7 @@
           <a:p>
             <a:fld id="{8FB4C7EE-3C5D-4F47-A8DE-21B759CA57C5}" type="datetimeFigureOut">
               <a:rPr kumimoji="1" lang="ja-JP" altLang="en-US" smtClean="0"/>
-              <a:t>2016/11/27</a:t>
+              <a:t>2017/2/19</a:t>
             </a:fld>
             <a:endParaRPr kumimoji="1" lang="ja-JP" altLang="en-US"/>
           </a:p>
@@ -3727,7 +3727,7 @@
           <a:p>
             <a:fld id="{8FB4C7EE-3C5D-4F47-A8DE-21B759CA57C5}" type="datetimeFigureOut">
               <a:rPr kumimoji="1" lang="ja-JP" altLang="en-US" smtClean="0"/>
-              <a:t>2016/11/27</a:t>
+              <a:t>2017/2/19</a:t>
             </a:fld>
             <a:endParaRPr kumimoji="1" lang="ja-JP" altLang="en-US"/>
           </a:p>
@@ -3972,7 +3972,7 @@
           <a:p>
             <a:fld id="{8FB4C7EE-3C5D-4F47-A8DE-21B759CA57C5}" type="datetimeFigureOut">
               <a:rPr kumimoji="1" lang="ja-JP" altLang="en-US" smtClean="0"/>
-              <a:t>2016/11/27</a:t>
+              <a:t>2017/2/19</a:t>
             </a:fld>
             <a:endParaRPr kumimoji="1" lang="ja-JP" altLang="en-US"/>
           </a:p>
@@ -20791,6 +20791,13 @@
           <a:prstGeom prst="roundRect">
             <a:avLst/>
           </a:prstGeom>
+          <a:ln>
+            <a:solidFill>
+              <a:schemeClr val="accent6">
+                <a:lumMod val="75000"/>
+              </a:schemeClr>
+            </a:solidFill>
+          </a:ln>
         </p:spPr>
         <p:style>
           <a:lnRef idx="2">
@@ -20831,6 +20838,13 @@
           <a:prstGeom prst="roundRect">
             <a:avLst/>
           </a:prstGeom>
+          <a:ln>
+            <a:solidFill>
+              <a:schemeClr val="accent6">
+                <a:lumMod val="75000"/>
+              </a:schemeClr>
+            </a:solidFill>
+          </a:ln>
         </p:spPr>
         <p:style>
           <a:lnRef idx="2">
@@ -20876,6 +20890,13 @@
           <a:prstGeom prst="roundRect">
             <a:avLst/>
           </a:prstGeom>
+          <a:ln>
+            <a:solidFill>
+              <a:schemeClr val="accent6">
+                <a:lumMod val="75000"/>
+              </a:schemeClr>
+            </a:solidFill>
+          </a:ln>
         </p:spPr>
         <p:style>
           <a:lnRef idx="2">
@@ -20920,6 +20941,13 @@
           <a:prstGeom prst="roundRect">
             <a:avLst/>
           </a:prstGeom>
+          <a:ln>
+            <a:solidFill>
+              <a:schemeClr val="accent6">
+                <a:lumMod val="75000"/>
+              </a:schemeClr>
+            </a:solidFill>
+          </a:ln>
         </p:spPr>
         <p:style>
           <a:lnRef idx="2">
@@ -20964,6 +20992,13 @@
           <a:prstGeom prst="roundRect">
             <a:avLst/>
           </a:prstGeom>
+          <a:ln>
+            <a:solidFill>
+              <a:schemeClr val="accent6">
+                <a:lumMod val="75000"/>
+              </a:schemeClr>
+            </a:solidFill>
+          </a:ln>
         </p:spPr>
         <p:style>
           <a:lnRef idx="2">
@@ -21008,6 +21043,13 @@
           <a:prstGeom prst="roundRect">
             <a:avLst/>
           </a:prstGeom>
+          <a:ln>
+            <a:solidFill>
+              <a:schemeClr val="accent6">
+                <a:lumMod val="75000"/>
+              </a:schemeClr>
+            </a:solidFill>
+          </a:ln>
         </p:spPr>
         <p:style>
           <a:lnRef idx="2">
@@ -21052,6 +21094,13 @@
           <a:prstGeom prst="roundRect">
             <a:avLst/>
           </a:prstGeom>
+          <a:ln>
+            <a:solidFill>
+              <a:schemeClr val="accent6">
+                <a:lumMod val="75000"/>
+              </a:schemeClr>
+            </a:solidFill>
+          </a:ln>
         </p:spPr>
         <p:style>
           <a:lnRef idx="2">
@@ -21092,6 +21141,13 @@
           <a:prstGeom prst="roundRect">
             <a:avLst/>
           </a:prstGeom>
+          <a:ln>
+            <a:solidFill>
+              <a:schemeClr val="accent6">
+                <a:lumMod val="75000"/>
+              </a:schemeClr>
+            </a:solidFill>
+          </a:ln>
         </p:spPr>
         <p:style>
           <a:lnRef idx="2">
@@ -21132,6 +21188,13 @@
           <a:prstGeom prst="roundRect">
             <a:avLst/>
           </a:prstGeom>
+          <a:ln>
+            <a:solidFill>
+              <a:schemeClr val="accent6">
+                <a:lumMod val="75000"/>
+              </a:schemeClr>
+            </a:solidFill>
+          </a:ln>
         </p:spPr>
         <p:style>
           <a:lnRef idx="2">
@@ -21172,6 +21235,13 @@
           <a:prstGeom prst="roundRect">
             <a:avLst/>
           </a:prstGeom>
+          <a:ln>
+            <a:solidFill>
+              <a:schemeClr val="accent6">
+                <a:lumMod val="75000"/>
+              </a:schemeClr>
+            </a:solidFill>
+          </a:ln>
         </p:spPr>
         <p:style>
           <a:lnRef idx="2">
@@ -21212,6 +21282,13 @@
           <a:prstGeom prst="roundRect">
             <a:avLst/>
           </a:prstGeom>
+          <a:ln>
+            <a:solidFill>
+              <a:schemeClr val="accent6">
+                <a:lumMod val="75000"/>
+              </a:schemeClr>
+            </a:solidFill>
+          </a:ln>
         </p:spPr>
         <p:style>
           <a:lnRef idx="2">
@@ -21252,6 +21329,13 @@
           <a:prstGeom prst="roundRect">
             <a:avLst/>
           </a:prstGeom>
+          <a:ln>
+            <a:solidFill>
+              <a:schemeClr val="accent6">
+                <a:lumMod val="75000"/>
+              </a:schemeClr>
+            </a:solidFill>
+          </a:ln>
         </p:spPr>
         <p:style>
           <a:lnRef idx="2">
@@ -21292,6 +21376,13 @@
           <a:prstGeom prst="roundRect">
             <a:avLst/>
           </a:prstGeom>
+          <a:ln>
+            <a:solidFill>
+              <a:schemeClr val="accent6">
+                <a:lumMod val="75000"/>
+              </a:schemeClr>
+            </a:solidFill>
+          </a:ln>
         </p:spPr>
         <p:style>
           <a:lnRef idx="2">
@@ -21332,6 +21423,13 @@
           <a:prstGeom prst="roundRect">
             <a:avLst/>
           </a:prstGeom>
+          <a:ln>
+            <a:solidFill>
+              <a:schemeClr val="accent6">
+                <a:lumMod val="75000"/>
+              </a:schemeClr>
+            </a:solidFill>
+          </a:ln>
         </p:spPr>
         <p:style>
           <a:lnRef idx="2">
@@ -21372,6 +21470,13 @@
           <a:prstGeom prst="roundRect">
             <a:avLst/>
           </a:prstGeom>
+          <a:ln>
+            <a:solidFill>
+              <a:schemeClr val="accent6">
+                <a:lumMod val="75000"/>
+              </a:schemeClr>
+            </a:solidFill>
+          </a:ln>
         </p:spPr>
         <p:style>
           <a:lnRef idx="2">
@@ -21412,6 +21517,195 @@
           <a:prstGeom prst="roundRect">
             <a:avLst/>
           </a:prstGeom>
+          <a:ln>
+            <a:solidFill>
+              <a:schemeClr val="accent6">
+                <a:lumMod val="75000"/>
+              </a:schemeClr>
+            </a:solidFill>
+          </a:ln>
+        </p:spPr>
+        <p:style>
+          <a:lnRef idx="2">
+            <a:schemeClr val="accent6"/>
+          </a:lnRef>
+          <a:fillRef idx="1">
+            <a:schemeClr val="lt1"/>
+          </a:fillRef>
+          <a:effectRef idx="0">
+            <a:schemeClr val="accent6"/>
+          </a:effectRef>
+          <a:fontRef idx="minor">
+            <a:schemeClr val="dk1"/>
+          </a:fontRef>
+        </p:style>
+        <p:txBody>
+          <a:bodyPr wrap="none" rtlCol="0" anchor="ctr"/>
+          <a:lstStyle/>
+          <a:p>
+            <a:pPr algn="ctr"/>
+            <a:r>
+              <a:rPr lang="ja-JP" altLang="en-US" sz="800" dirty="0" smtClean="0">
+                <a:solidFill>
+                  <a:schemeClr val="accent6">
+                    <a:lumMod val="75000"/>
+                  </a:schemeClr>
+                </a:solidFill>
+              </a:rPr>
+              <a:t>予定表</a:t>
+            </a:r>
+            <a:endParaRPr lang="en-US" altLang="ja-JP" sz="800" dirty="0" smtClean="0">
+              <a:solidFill>
+                <a:schemeClr val="accent6">
+                  <a:lumMod val="75000"/>
+                </a:schemeClr>
+              </a:solidFill>
+            </a:endParaRPr>
+          </a:p>
+          <a:p>
+            <a:pPr algn="ctr"/>
+            <a:r>
+              <a:rPr lang="ja-JP" altLang="en-US" sz="800" dirty="0" smtClean="0">
+                <a:solidFill>
+                  <a:schemeClr val="accent6">
+                    <a:lumMod val="75000"/>
+                  </a:schemeClr>
+                </a:solidFill>
+              </a:rPr>
+              <a:t>（週</a:t>
+            </a:r>
+            <a:r>
+              <a:rPr lang="en-US" altLang="ja-JP" sz="800" dirty="0" smtClean="0">
+                <a:solidFill>
+                  <a:schemeClr val="accent6">
+                    <a:lumMod val="75000"/>
+                  </a:schemeClr>
+                </a:solidFill>
+              </a:rPr>
+              <a:t>	</a:t>
+            </a:r>
+            <a:r>
+              <a:rPr lang="ja-JP" altLang="en-US" sz="800" dirty="0" smtClean="0">
+                <a:solidFill>
+                  <a:schemeClr val="accent6">
+                    <a:lumMod val="75000"/>
+                  </a:schemeClr>
+                </a:solidFill>
+              </a:rPr>
+              <a:t>）</a:t>
+            </a:r>
+            <a:endParaRPr lang="ja-JP" altLang="en-US" sz="800" dirty="0">
+              <a:solidFill>
+                <a:schemeClr val="accent6">
+                  <a:lumMod val="75000"/>
+                </a:schemeClr>
+              </a:solidFill>
+            </a:endParaRPr>
+          </a:p>
+        </p:txBody>
+      </p:sp>
+      <p:sp>
+        <p:nvSpPr>
+          <p:cNvPr id="23" name="角丸四角形 22"/>
+          <p:cNvSpPr/>
+          <p:nvPr/>
+        </p:nvSpPr>
+        <p:spPr>
+          <a:xfrm>
+            <a:off x="1900793" y="3895694"/>
+            <a:ext cx="464588" cy="465380"/>
+          </a:xfrm>
+          <a:prstGeom prst="roundRect">
+            <a:avLst/>
+          </a:prstGeom>
+          <a:ln>
+            <a:solidFill>
+              <a:schemeClr val="accent6">
+                <a:lumMod val="75000"/>
+              </a:schemeClr>
+            </a:solidFill>
+          </a:ln>
+        </p:spPr>
+        <p:style>
+          <a:lnRef idx="2">
+            <a:schemeClr val="accent6"/>
+          </a:lnRef>
+          <a:fillRef idx="1">
+            <a:schemeClr val="lt1"/>
+          </a:fillRef>
+          <a:effectRef idx="0">
+            <a:schemeClr val="accent6"/>
+          </a:effectRef>
+          <a:fontRef idx="minor">
+            <a:schemeClr val="dk1"/>
+          </a:fontRef>
+        </p:style>
+        <p:txBody>
+          <a:bodyPr wrap="none" rtlCol="0" anchor="ctr"/>
+          <a:lstStyle/>
+          <a:p>
+            <a:pPr algn="ctr"/>
+            <a:r>
+              <a:rPr lang="ja-JP" altLang="en-US" sz="700" dirty="0" smtClean="0">
+                <a:solidFill>
+                  <a:schemeClr val="accent6">
+                    <a:lumMod val="75000"/>
+                  </a:schemeClr>
+                </a:solidFill>
+              </a:rPr>
+              <a:t>予定表</a:t>
+            </a:r>
+            <a:endParaRPr lang="en-US" altLang="ja-JP" sz="700" dirty="0" smtClean="0">
+              <a:solidFill>
+                <a:schemeClr val="accent6">
+                  <a:lumMod val="75000"/>
+                </a:schemeClr>
+              </a:solidFill>
+            </a:endParaRPr>
+          </a:p>
+          <a:p>
+            <a:pPr algn="ctr"/>
+            <a:r>
+              <a:rPr lang="ja-JP" altLang="en-US" sz="700" dirty="0" smtClean="0">
+                <a:solidFill>
+                  <a:schemeClr val="accent6">
+                    <a:lumMod val="75000"/>
+                  </a:schemeClr>
+                </a:solidFill>
+              </a:rPr>
+              <a:t>（日）</a:t>
+            </a:r>
+            <a:endParaRPr lang="ja-JP" altLang="en-US" sz="700" dirty="0">
+              <a:solidFill>
+                <a:schemeClr val="accent6">
+                  <a:lumMod val="75000"/>
+                </a:schemeClr>
+              </a:solidFill>
+            </a:endParaRPr>
+          </a:p>
+        </p:txBody>
+      </p:sp>
+      <p:sp>
+        <p:nvSpPr>
+          <p:cNvPr id="24" name="角丸四角形 23"/>
+          <p:cNvSpPr/>
+          <p:nvPr/>
+        </p:nvSpPr>
+        <p:spPr>
+          <a:xfrm>
+            <a:off x="2437374" y="3895694"/>
+            <a:ext cx="464588" cy="465380"/>
+          </a:xfrm>
+          <a:prstGeom prst="roundRect">
+            <a:avLst/>
+          </a:prstGeom>
+          <a:ln>
+            <a:solidFill>
+              <a:schemeClr val="accent6">
+                <a:lumMod val="75000"/>
+              </a:schemeClr>
+            </a:solidFill>
+          </a:ln>
         </p:spPr>
         <p:style>
           <a:lnRef idx="2">
@@ -21444,18 +21738,174 @@
       </p:sp>
       <p:sp>
         <p:nvSpPr>
-          <p:cNvPr id="23" name="角丸四角形 22"/>
-          <p:cNvSpPr/>
-          <p:nvPr/>
-        </p:nvSpPr>
-        <p:spPr>
-          <a:xfrm>
-            <a:off x="1900793" y="3895694"/>
-            <a:ext cx="464588" cy="465380"/>
-          </a:xfrm>
-          <a:prstGeom prst="roundRect">
-            <a:avLst/>
-          </a:prstGeom>
+          <p:cNvPr id="25" name="角丸四角形 24"/>
+          <p:cNvSpPr/>
+          <p:nvPr/>
+        </p:nvSpPr>
+        <p:spPr>
+          <a:xfrm>
+            <a:off x="2973955" y="3895694"/>
+            <a:ext cx="464588" cy="465380"/>
+          </a:xfrm>
+          <a:prstGeom prst="roundRect">
+            <a:avLst/>
+          </a:prstGeom>
+          <a:ln>
+            <a:solidFill>
+              <a:schemeClr val="accent6">
+                <a:lumMod val="75000"/>
+              </a:schemeClr>
+            </a:solidFill>
+          </a:ln>
+        </p:spPr>
+        <p:style>
+          <a:lnRef idx="2">
+            <a:schemeClr val="accent6"/>
+          </a:lnRef>
+          <a:fillRef idx="1">
+            <a:schemeClr val="lt1"/>
+          </a:fillRef>
+          <a:effectRef idx="0">
+            <a:schemeClr val="accent6"/>
+          </a:effectRef>
+          <a:fontRef idx="minor">
+            <a:schemeClr val="dk1"/>
+          </a:fontRef>
+        </p:style>
+        <p:txBody>
+          <a:bodyPr wrap="none" rtlCol="0" anchor="ctr"/>
+          <a:lstStyle/>
+          <a:p>
+            <a:pPr algn="ctr"/>
+            <a:endParaRPr lang="en-US" altLang="ja-JP" sz="700" smtClean="0">
+              <a:solidFill>
+                <a:schemeClr val="accent6">
+                  <a:lumMod val="75000"/>
+                </a:schemeClr>
+              </a:solidFill>
+            </a:endParaRPr>
+          </a:p>
+        </p:txBody>
+      </p:sp>
+      <p:sp>
+        <p:nvSpPr>
+          <p:cNvPr id="26" name="角丸四角形 25"/>
+          <p:cNvSpPr/>
+          <p:nvPr/>
+        </p:nvSpPr>
+        <p:spPr>
+          <a:xfrm>
+            <a:off x="3510536" y="3895694"/>
+            <a:ext cx="464588" cy="465380"/>
+          </a:xfrm>
+          <a:prstGeom prst="roundRect">
+            <a:avLst/>
+          </a:prstGeom>
+          <a:ln>
+            <a:solidFill>
+              <a:schemeClr val="accent6">
+                <a:lumMod val="75000"/>
+              </a:schemeClr>
+            </a:solidFill>
+          </a:ln>
+        </p:spPr>
+        <p:style>
+          <a:lnRef idx="2">
+            <a:schemeClr val="accent6"/>
+          </a:lnRef>
+          <a:fillRef idx="1">
+            <a:schemeClr val="lt1"/>
+          </a:fillRef>
+          <a:effectRef idx="0">
+            <a:schemeClr val="accent6"/>
+          </a:effectRef>
+          <a:fontRef idx="minor">
+            <a:schemeClr val="dk1"/>
+          </a:fontRef>
+        </p:style>
+        <p:txBody>
+          <a:bodyPr wrap="none" rtlCol="0" anchor="ctr"/>
+          <a:lstStyle/>
+          <a:p>
+            <a:pPr algn="ctr"/>
+            <a:endParaRPr lang="ja-JP" altLang="en-US" sz="800" dirty="0">
+              <a:solidFill>
+                <a:schemeClr val="accent5">
+                  <a:lumMod val="75000"/>
+                </a:schemeClr>
+              </a:solidFill>
+            </a:endParaRPr>
+          </a:p>
+        </p:txBody>
+      </p:sp>
+      <p:sp>
+        <p:nvSpPr>
+          <p:cNvPr id="27" name="角丸四角形 26"/>
+          <p:cNvSpPr/>
+          <p:nvPr/>
+        </p:nvSpPr>
+        <p:spPr>
+          <a:xfrm>
+            <a:off x="4047117" y="3895694"/>
+            <a:ext cx="464588" cy="465380"/>
+          </a:xfrm>
+          <a:prstGeom prst="roundRect">
+            <a:avLst/>
+          </a:prstGeom>
+          <a:ln>
+            <a:solidFill>
+              <a:schemeClr val="accent6">
+                <a:lumMod val="75000"/>
+              </a:schemeClr>
+            </a:solidFill>
+          </a:ln>
+        </p:spPr>
+        <p:style>
+          <a:lnRef idx="2">
+            <a:schemeClr val="accent6"/>
+          </a:lnRef>
+          <a:fillRef idx="1">
+            <a:schemeClr val="lt1"/>
+          </a:fillRef>
+          <a:effectRef idx="0">
+            <a:schemeClr val="accent6"/>
+          </a:effectRef>
+          <a:fontRef idx="minor">
+            <a:schemeClr val="dk1"/>
+          </a:fontRef>
+        </p:style>
+        <p:txBody>
+          <a:bodyPr wrap="none" rtlCol="0" anchor="ctr"/>
+          <a:lstStyle/>
+          <a:p>
+            <a:pPr algn="ctr"/>
+            <a:endParaRPr kumimoji="1" lang="ja-JP" altLang="en-US" sz="800" dirty="0">
+              <a:latin typeface="+mn-ea"/>
+            </a:endParaRPr>
+          </a:p>
+        </p:txBody>
+      </p:sp>
+      <p:sp>
+        <p:nvSpPr>
+          <p:cNvPr id="28" name="角丸四角形 27"/>
+          <p:cNvSpPr/>
+          <p:nvPr/>
+        </p:nvSpPr>
+        <p:spPr>
+          <a:xfrm>
+            <a:off x="4583698" y="3895694"/>
+            <a:ext cx="464588" cy="465380"/>
+          </a:xfrm>
+          <a:prstGeom prst="roundRect">
+            <a:avLst/>
+          </a:prstGeom>
+          <a:ln>
+            <a:solidFill>
+              <a:schemeClr val="accent6">
+                <a:lumMod val="75000"/>
+              </a:schemeClr>
+            </a:solidFill>
+          </a:ln>
         </p:spPr>
         <p:style>
           <a:lnRef idx="2">
@@ -21488,83 +21938,93 @@
       </p:sp>
       <p:sp>
         <p:nvSpPr>
-          <p:cNvPr id="24" name="角丸四角形 23"/>
-          <p:cNvSpPr/>
-          <p:nvPr/>
-        </p:nvSpPr>
-        <p:spPr>
-          <a:xfrm>
-            <a:off x="2437374" y="3895694"/>
-            <a:ext cx="464588" cy="465380"/>
-          </a:xfrm>
-          <a:prstGeom prst="roundRect">
-            <a:avLst/>
-          </a:prstGeom>
-        </p:spPr>
-        <p:style>
-          <a:lnRef idx="2">
-            <a:schemeClr val="accent6"/>
-          </a:lnRef>
-          <a:fillRef idx="1">
-            <a:schemeClr val="lt1"/>
-          </a:fillRef>
-          <a:effectRef idx="0">
-            <a:schemeClr val="accent6"/>
-          </a:effectRef>
-          <a:fontRef idx="minor">
-            <a:schemeClr val="dk1"/>
-          </a:fontRef>
-        </p:style>
-        <p:txBody>
-          <a:bodyPr wrap="none" rtlCol="0" anchor="ctr"/>
-          <a:lstStyle/>
-          <a:p>
-            <a:pPr algn="ctr"/>
-            <a:endParaRPr lang="ja-JP" altLang="en-US" sz="800" dirty="0">
-              <a:solidFill>
-                <a:schemeClr val="accent5">
-                  <a:lumMod val="75000"/>
-                </a:schemeClr>
-              </a:solidFill>
-            </a:endParaRPr>
-          </a:p>
-        </p:txBody>
-      </p:sp>
-      <p:sp>
-        <p:nvSpPr>
-          <p:cNvPr id="25" name="角丸四角形 24"/>
-          <p:cNvSpPr/>
-          <p:nvPr/>
-        </p:nvSpPr>
-        <p:spPr>
-          <a:xfrm>
-            <a:off x="2973955" y="3895694"/>
-            <a:ext cx="464588" cy="465380"/>
-          </a:xfrm>
-          <a:prstGeom prst="roundRect">
-            <a:avLst/>
-          </a:prstGeom>
-        </p:spPr>
-        <p:style>
-          <a:lnRef idx="2">
-            <a:schemeClr val="accent6"/>
-          </a:lnRef>
-          <a:fillRef idx="1">
-            <a:schemeClr val="lt1"/>
-          </a:fillRef>
-          <a:effectRef idx="0">
-            <a:schemeClr val="accent6"/>
-          </a:effectRef>
-          <a:fontRef idx="minor">
-            <a:schemeClr val="dk1"/>
-          </a:fontRef>
-        </p:style>
-        <p:txBody>
-          <a:bodyPr wrap="none" rtlCol="0" anchor="ctr"/>
-          <a:lstStyle/>
-          <a:p>
-            <a:pPr algn="ctr"/>
-            <a:endParaRPr lang="en-US" altLang="ja-JP" sz="700" smtClean="0">
+          <p:cNvPr id="29" name="角丸四角形 28"/>
+          <p:cNvSpPr/>
+          <p:nvPr/>
+        </p:nvSpPr>
+        <p:spPr>
+          <a:xfrm>
+            <a:off x="5120279" y="3895694"/>
+            <a:ext cx="464588" cy="465380"/>
+          </a:xfrm>
+          <a:prstGeom prst="roundRect">
+            <a:avLst/>
+          </a:prstGeom>
+          <a:ln>
+            <a:solidFill>
+              <a:schemeClr val="accent6">
+                <a:lumMod val="75000"/>
+              </a:schemeClr>
+            </a:solidFill>
+          </a:ln>
+        </p:spPr>
+        <p:style>
+          <a:lnRef idx="2">
+            <a:schemeClr val="accent6"/>
+          </a:lnRef>
+          <a:fillRef idx="1">
+            <a:schemeClr val="lt1"/>
+          </a:fillRef>
+          <a:effectRef idx="0">
+            <a:schemeClr val="accent6"/>
+          </a:effectRef>
+          <a:fontRef idx="minor">
+            <a:schemeClr val="dk1"/>
+          </a:fontRef>
+        </p:style>
+        <p:txBody>
+          <a:bodyPr wrap="none" rtlCol="0" anchor="ctr"/>
+          <a:lstStyle/>
+          <a:p>
+            <a:pPr algn="ctr"/>
+            <a:endParaRPr kumimoji="1" lang="ja-JP" altLang="en-US" sz="800" dirty="0">
+              <a:latin typeface="+mn-ea"/>
+            </a:endParaRPr>
+          </a:p>
+        </p:txBody>
+      </p:sp>
+      <p:sp>
+        <p:nvSpPr>
+          <p:cNvPr id="30" name="角丸四角形 29"/>
+          <p:cNvSpPr/>
+          <p:nvPr/>
+        </p:nvSpPr>
+        <p:spPr>
+          <a:xfrm>
+            <a:off x="5656860" y="3895694"/>
+            <a:ext cx="464588" cy="465380"/>
+          </a:xfrm>
+          <a:prstGeom prst="roundRect">
+            <a:avLst/>
+          </a:prstGeom>
+          <a:ln>
+            <a:solidFill>
+              <a:schemeClr val="accent6">
+                <a:lumMod val="75000"/>
+              </a:schemeClr>
+            </a:solidFill>
+          </a:ln>
+        </p:spPr>
+        <p:style>
+          <a:lnRef idx="2">
+            <a:schemeClr val="accent6"/>
+          </a:lnRef>
+          <a:fillRef idx="1">
+            <a:schemeClr val="lt1"/>
+          </a:fillRef>
+          <a:effectRef idx="0">
+            <a:schemeClr val="accent6"/>
+          </a:effectRef>
+          <a:fontRef idx="minor">
+            <a:schemeClr val="dk1"/>
+          </a:fontRef>
+        </p:style>
+        <p:txBody>
+          <a:bodyPr wrap="none" rtlCol="0" anchor="ctr"/>
+          <a:lstStyle/>
+          <a:p>
+            <a:pPr algn="ctr"/>
+            <a:endParaRPr lang="en-US" altLang="ja-JP" sz="700">
               <a:solidFill>
                 <a:schemeClr val="accent6">
                   <a:lumMod val="75000"/>
@@ -21576,62 +22036,599 @@
       </p:sp>
       <p:sp>
         <p:nvSpPr>
-          <p:cNvPr id="26" name="角丸四角形 25"/>
-          <p:cNvSpPr/>
-          <p:nvPr/>
-        </p:nvSpPr>
-        <p:spPr>
-          <a:xfrm>
-            <a:off x="3510536" y="3895694"/>
-            <a:ext cx="464588" cy="465380"/>
-          </a:xfrm>
-          <a:prstGeom prst="roundRect">
-            <a:avLst/>
-          </a:prstGeom>
-        </p:spPr>
-        <p:style>
-          <a:lnRef idx="2">
-            <a:schemeClr val="accent6"/>
-          </a:lnRef>
-          <a:fillRef idx="1">
-            <a:schemeClr val="lt1"/>
-          </a:fillRef>
-          <a:effectRef idx="0">
-            <a:schemeClr val="accent6"/>
-          </a:effectRef>
-          <a:fontRef idx="minor">
-            <a:schemeClr val="dk1"/>
-          </a:fontRef>
-        </p:style>
-        <p:txBody>
-          <a:bodyPr wrap="none" rtlCol="0" anchor="ctr"/>
-          <a:lstStyle/>
-          <a:p>
-            <a:pPr algn="ctr"/>
-            <a:endParaRPr lang="ja-JP" altLang="en-US" sz="800" dirty="0">
+          <p:cNvPr id="31" name="角丸四角形 30"/>
+          <p:cNvSpPr/>
+          <p:nvPr/>
+        </p:nvSpPr>
+        <p:spPr>
+          <a:xfrm>
+            <a:off x="6193441" y="3895694"/>
+            <a:ext cx="464588" cy="465380"/>
+          </a:xfrm>
+          <a:prstGeom prst="roundRect">
+            <a:avLst/>
+          </a:prstGeom>
+          <a:ln>
+            <a:solidFill>
+              <a:schemeClr val="accent6">
+                <a:lumMod val="75000"/>
+              </a:schemeClr>
+            </a:solidFill>
+          </a:ln>
+        </p:spPr>
+        <p:style>
+          <a:lnRef idx="2">
+            <a:schemeClr val="accent6"/>
+          </a:lnRef>
+          <a:fillRef idx="1">
+            <a:schemeClr val="lt1"/>
+          </a:fillRef>
+          <a:effectRef idx="0">
+            <a:schemeClr val="accent6"/>
+          </a:effectRef>
+          <a:fontRef idx="minor">
+            <a:schemeClr val="dk1"/>
+          </a:fontRef>
+        </p:style>
+        <p:txBody>
+          <a:bodyPr wrap="none" rtlCol="0" anchor="ctr"/>
+          <a:lstStyle/>
+          <a:p>
+            <a:pPr algn="ctr"/>
+            <a:endParaRPr kumimoji="1" lang="ja-JP" altLang="en-US" sz="800" dirty="0">
+              <a:latin typeface="+mn-ea"/>
+            </a:endParaRPr>
+          </a:p>
+        </p:txBody>
+      </p:sp>
+      <p:sp>
+        <p:nvSpPr>
+          <p:cNvPr id="32" name="角丸四角形 31"/>
+          <p:cNvSpPr/>
+          <p:nvPr/>
+        </p:nvSpPr>
+        <p:spPr>
+          <a:xfrm>
+            <a:off x="6730022" y="3895694"/>
+            <a:ext cx="464588" cy="465380"/>
+          </a:xfrm>
+          <a:prstGeom prst="roundRect">
+            <a:avLst/>
+          </a:prstGeom>
+          <a:ln>
+            <a:solidFill>
+              <a:schemeClr val="accent6">
+                <a:lumMod val="75000"/>
+              </a:schemeClr>
+            </a:solidFill>
+          </a:ln>
+        </p:spPr>
+        <p:style>
+          <a:lnRef idx="2">
+            <a:schemeClr val="accent6"/>
+          </a:lnRef>
+          <a:fillRef idx="1">
+            <a:schemeClr val="lt1"/>
+          </a:fillRef>
+          <a:effectRef idx="0">
+            <a:schemeClr val="accent6"/>
+          </a:effectRef>
+          <a:fontRef idx="minor">
+            <a:schemeClr val="dk1"/>
+          </a:fontRef>
+        </p:style>
+        <p:txBody>
+          <a:bodyPr wrap="none" rtlCol="0" anchor="ctr"/>
+          <a:lstStyle/>
+          <a:p>
+            <a:pPr algn="ctr"/>
+            <a:endParaRPr kumimoji="1" lang="ja-JP" altLang="en-US" sz="800" dirty="0">
+              <a:latin typeface="+mn-ea"/>
+            </a:endParaRPr>
+          </a:p>
+        </p:txBody>
+      </p:sp>
+      <p:sp>
+        <p:nvSpPr>
+          <p:cNvPr id="33" name="角丸四角形 32"/>
+          <p:cNvSpPr/>
+          <p:nvPr/>
+        </p:nvSpPr>
+        <p:spPr>
+          <a:xfrm>
+            <a:off x="7266603" y="3895694"/>
+            <a:ext cx="464588" cy="465380"/>
+          </a:xfrm>
+          <a:prstGeom prst="roundRect">
+            <a:avLst/>
+          </a:prstGeom>
+          <a:ln>
+            <a:solidFill>
+              <a:schemeClr val="accent6">
+                <a:lumMod val="75000"/>
+              </a:schemeClr>
+            </a:solidFill>
+          </a:ln>
+        </p:spPr>
+        <p:style>
+          <a:lnRef idx="2">
+            <a:schemeClr val="accent6"/>
+          </a:lnRef>
+          <a:fillRef idx="1">
+            <a:schemeClr val="lt1"/>
+          </a:fillRef>
+          <a:effectRef idx="0">
+            <a:schemeClr val="accent6"/>
+          </a:effectRef>
+          <a:fontRef idx="minor">
+            <a:schemeClr val="dk1"/>
+          </a:fontRef>
+        </p:style>
+        <p:txBody>
+          <a:bodyPr wrap="none" rtlCol="0" anchor="ctr"/>
+          <a:lstStyle/>
+          <a:p>
+            <a:pPr algn="ctr"/>
+            <a:endParaRPr kumimoji="1" lang="ja-JP" altLang="en-US" sz="800" dirty="0">
+              <a:latin typeface="+mn-ea"/>
+            </a:endParaRPr>
+          </a:p>
+        </p:txBody>
+      </p:sp>
+      <p:sp>
+        <p:nvSpPr>
+          <p:cNvPr id="34" name="角丸四角形 33"/>
+          <p:cNvSpPr/>
+          <p:nvPr/>
+        </p:nvSpPr>
+        <p:spPr>
+          <a:xfrm>
+            <a:off x="7803183" y="3895694"/>
+            <a:ext cx="749085" cy="465380"/>
+          </a:xfrm>
+          <a:prstGeom prst="roundRect">
+            <a:avLst/>
+          </a:prstGeom>
+          <a:ln>
+            <a:solidFill>
+              <a:schemeClr val="accent6">
+                <a:lumMod val="75000"/>
+              </a:schemeClr>
+            </a:solidFill>
+          </a:ln>
+        </p:spPr>
+        <p:style>
+          <a:lnRef idx="2">
+            <a:schemeClr val="accent6"/>
+          </a:lnRef>
+          <a:fillRef idx="1">
+            <a:schemeClr val="lt1"/>
+          </a:fillRef>
+          <a:effectRef idx="0">
+            <a:schemeClr val="accent6"/>
+          </a:effectRef>
+          <a:fontRef idx="minor">
+            <a:schemeClr val="dk1"/>
+          </a:fontRef>
+        </p:style>
+        <p:txBody>
+          <a:bodyPr wrap="none" rtlCol="0" anchor="ctr"/>
+          <a:lstStyle/>
+          <a:p>
+            <a:pPr algn="ctr"/>
+            <a:endParaRPr kumimoji="1" lang="ja-JP" altLang="en-US" sz="800" dirty="0">
+              <a:latin typeface="+mn-ea"/>
+            </a:endParaRPr>
+          </a:p>
+        </p:txBody>
+      </p:sp>
+      <p:sp>
+        <p:nvSpPr>
+          <p:cNvPr id="35" name="角丸四角形 34"/>
+          <p:cNvSpPr/>
+          <p:nvPr/>
+        </p:nvSpPr>
+        <p:spPr>
+          <a:xfrm>
+            <a:off x="569441" y="3895694"/>
+            <a:ext cx="722778" cy="465380"/>
+          </a:xfrm>
+          <a:prstGeom prst="roundRect">
+            <a:avLst/>
+          </a:prstGeom>
+          <a:ln>
+            <a:solidFill>
+              <a:schemeClr val="accent6">
+                <a:lumMod val="75000"/>
+              </a:schemeClr>
+            </a:solidFill>
+          </a:ln>
+        </p:spPr>
+        <p:style>
+          <a:lnRef idx="2">
+            <a:schemeClr val="accent6"/>
+          </a:lnRef>
+          <a:fillRef idx="1">
+            <a:schemeClr val="lt1"/>
+          </a:fillRef>
+          <a:effectRef idx="0">
+            <a:schemeClr val="accent6"/>
+          </a:effectRef>
+          <a:fontRef idx="minor">
+            <a:schemeClr val="dk1"/>
+          </a:fontRef>
+        </p:style>
+        <p:txBody>
+          <a:bodyPr wrap="none" rtlCol="0" anchor="ctr"/>
+          <a:lstStyle/>
+          <a:p>
+            <a:pPr algn="ctr"/>
+            <a:endParaRPr kumimoji="1" lang="ja-JP" altLang="en-US" sz="900" dirty="0">
+              <a:latin typeface="+mn-ea"/>
+            </a:endParaRPr>
+          </a:p>
+        </p:txBody>
+      </p:sp>
+      <p:sp>
+        <p:nvSpPr>
+          <p:cNvPr id="36" name="角丸四角形 35"/>
+          <p:cNvSpPr/>
+          <p:nvPr/>
+        </p:nvSpPr>
+        <p:spPr>
+          <a:xfrm>
+            <a:off x="1547092" y="4421474"/>
+            <a:ext cx="464588" cy="465380"/>
+          </a:xfrm>
+          <a:prstGeom prst="roundRect">
+            <a:avLst/>
+          </a:prstGeom>
+          <a:ln>
+            <a:solidFill>
+              <a:schemeClr val="accent6">
+                <a:lumMod val="75000"/>
+              </a:schemeClr>
+            </a:solidFill>
+          </a:ln>
+        </p:spPr>
+        <p:style>
+          <a:lnRef idx="2">
+            <a:schemeClr val="accent6"/>
+          </a:lnRef>
+          <a:fillRef idx="1">
+            <a:schemeClr val="lt1"/>
+          </a:fillRef>
+          <a:effectRef idx="0">
+            <a:schemeClr val="accent6"/>
+          </a:effectRef>
+          <a:fontRef idx="minor">
+            <a:schemeClr val="dk1"/>
+          </a:fontRef>
+        </p:style>
+        <p:txBody>
+          <a:bodyPr wrap="none" rtlCol="0" anchor="ctr"/>
+          <a:lstStyle/>
+          <a:p>
+            <a:pPr algn="ctr"/>
+            <a:r>
+              <a:rPr lang="en-US" altLang="ja-JP" sz="1050" dirty="0" err="1" smtClean="0">
+                <a:solidFill>
+                  <a:schemeClr val="accent6">
+                    <a:lumMod val="75000"/>
+                  </a:schemeClr>
+                </a:solidFill>
+              </a:rPr>
+              <a:t>Ics</a:t>
+            </a:r>
+            <a:endParaRPr lang="en-US" altLang="ja-JP" sz="1050" dirty="0" smtClean="0">
               <a:solidFill>
-                <a:schemeClr val="accent5">
+                <a:schemeClr val="accent6">
                   <a:lumMod val="75000"/>
                 </a:schemeClr>
               </a:solidFill>
             </a:endParaRPr>
           </a:p>
-        </p:txBody>
-      </p:sp>
-      <p:sp>
-        <p:nvSpPr>
-          <p:cNvPr id="27" name="角丸四角形 26"/>
-          <p:cNvSpPr/>
-          <p:nvPr/>
-        </p:nvSpPr>
-        <p:spPr>
-          <a:xfrm>
-            <a:off x="4047117" y="3895694"/>
-            <a:ext cx="464588" cy="465380"/>
-          </a:xfrm>
-          <a:prstGeom prst="roundRect">
-            <a:avLst/>
-          </a:prstGeom>
+          <a:p>
+            <a:pPr algn="ctr"/>
+            <a:r>
+              <a:rPr lang="ja-JP" altLang="en-US" sz="1050" dirty="0">
+                <a:solidFill>
+                  <a:schemeClr val="accent6">
+                    <a:lumMod val="75000"/>
+                  </a:schemeClr>
+                </a:solidFill>
+              </a:rPr>
+              <a:t>作成</a:t>
+            </a:r>
+            <a:endParaRPr lang="en-US" altLang="ja-JP" sz="1050" dirty="0" smtClean="0">
+              <a:solidFill>
+                <a:schemeClr val="accent6">
+                  <a:lumMod val="75000"/>
+                </a:schemeClr>
+              </a:solidFill>
+            </a:endParaRPr>
+          </a:p>
+        </p:txBody>
+      </p:sp>
+      <p:sp>
+        <p:nvSpPr>
+          <p:cNvPr id="37" name="角丸四角形 36"/>
+          <p:cNvSpPr/>
+          <p:nvPr/>
+        </p:nvSpPr>
+        <p:spPr>
+          <a:xfrm>
+            <a:off x="2083673" y="4421474"/>
+            <a:ext cx="464588" cy="465380"/>
+          </a:xfrm>
+          <a:prstGeom prst="roundRect">
+            <a:avLst/>
+          </a:prstGeom>
+          <a:ln>
+            <a:solidFill>
+              <a:schemeClr val="accent6">
+                <a:lumMod val="75000"/>
+              </a:schemeClr>
+            </a:solidFill>
+          </a:ln>
+        </p:spPr>
+        <p:style>
+          <a:lnRef idx="2">
+            <a:schemeClr val="accent6"/>
+          </a:lnRef>
+          <a:fillRef idx="1">
+            <a:schemeClr val="lt1"/>
+          </a:fillRef>
+          <a:effectRef idx="0">
+            <a:schemeClr val="accent6"/>
+          </a:effectRef>
+          <a:fontRef idx="minor">
+            <a:schemeClr val="dk1"/>
+          </a:fontRef>
+        </p:style>
+        <p:txBody>
+          <a:bodyPr wrap="none" rtlCol="0" anchor="ctr"/>
+          <a:lstStyle/>
+          <a:p>
+            <a:pPr algn="ctr"/>
+            <a:r>
+              <a:rPr lang="en-US" altLang="ja-JP" sz="700" dirty="0" err="1" smtClean="0">
+                <a:solidFill>
+                  <a:schemeClr val="accent6">
+                    <a:lumMod val="75000"/>
+                  </a:schemeClr>
+                </a:solidFill>
+              </a:rPr>
+              <a:t>Ics</a:t>
+            </a:r>
+            <a:endParaRPr lang="en-US" altLang="ja-JP" sz="700" dirty="0" smtClean="0">
+              <a:solidFill>
+                <a:schemeClr val="accent6">
+                  <a:lumMod val="75000"/>
+                </a:schemeClr>
+              </a:solidFill>
+            </a:endParaRPr>
+          </a:p>
+          <a:p>
+            <a:pPr algn="ctr"/>
+            <a:r>
+              <a:rPr lang="ja-JP" altLang="en-US" sz="700" dirty="0" smtClean="0">
+                <a:solidFill>
+                  <a:schemeClr val="accent6">
+                    <a:lumMod val="75000"/>
+                  </a:schemeClr>
+                </a:solidFill>
+              </a:rPr>
+              <a:t>作成</a:t>
+            </a:r>
+            <a:endParaRPr lang="en-US" altLang="ja-JP" sz="700" dirty="0">
+              <a:solidFill>
+                <a:schemeClr val="accent6">
+                  <a:lumMod val="75000"/>
+                </a:schemeClr>
+              </a:solidFill>
+            </a:endParaRPr>
+          </a:p>
+        </p:txBody>
+      </p:sp>
+      <p:sp>
+        <p:nvSpPr>
+          <p:cNvPr id="38" name="角丸四角形 37"/>
+          <p:cNvSpPr/>
+          <p:nvPr/>
+        </p:nvSpPr>
+        <p:spPr>
+          <a:xfrm>
+            <a:off x="2620254" y="4421474"/>
+            <a:ext cx="464588" cy="465380"/>
+          </a:xfrm>
+          <a:prstGeom prst="roundRect">
+            <a:avLst/>
+          </a:prstGeom>
+          <a:ln>
+            <a:solidFill>
+              <a:schemeClr val="accent6">
+                <a:lumMod val="75000"/>
+              </a:schemeClr>
+            </a:solidFill>
+          </a:ln>
+        </p:spPr>
+        <p:style>
+          <a:lnRef idx="2">
+            <a:schemeClr val="accent6"/>
+          </a:lnRef>
+          <a:fillRef idx="1">
+            <a:schemeClr val="lt1"/>
+          </a:fillRef>
+          <a:effectRef idx="0">
+            <a:schemeClr val="accent6"/>
+          </a:effectRef>
+          <a:fontRef idx="minor">
+            <a:schemeClr val="dk1"/>
+          </a:fontRef>
+        </p:style>
+        <p:txBody>
+          <a:bodyPr wrap="none" rtlCol="0" anchor="ctr"/>
+          <a:lstStyle/>
+          <a:p>
+            <a:pPr algn="ctr"/>
+            <a:r>
+              <a:rPr lang="en-US" altLang="ja-JP" sz="800" dirty="0" err="1" smtClean="0">
+                <a:solidFill>
+                  <a:schemeClr val="accent6">
+                    <a:lumMod val="75000"/>
+                  </a:schemeClr>
+                </a:solidFill>
+              </a:rPr>
+              <a:t>Ics</a:t>
+            </a:r>
+            <a:endParaRPr lang="en-US" altLang="ja-JP" sz="800" dirty="0" smtClean="0">
+              <a:solidFill>
+                <a:schemeClr val="accent6">
+                  <a:lumMod val="75000"/>
+                </a:schemeClr>
+              </a:solidFill>
+            </a:endParaRPr>
+          </a:p>
+          <a:p>
+            <a:pPr algn="ctr"/>
+            <a:r>
+              <a:rPr lang="ja-JP" altLang="en-US" sz="800" dirty="0" smtClean="0">
+                <a:solidFill>
+                  <a:schemeClr val="accent6">
+                    <a:lumMod val="75000"/>
+                  </a:schemeClr>
+                </a:solidFill>
+              </a:rPr>
+              <a:t>作成</a:t>
+            </a:r>
+            <a:endParaRPr lang="en-US" altLang="ja-JP" sz="800" dirty="0">
+              <a:solidFill>
+                <a:schemeClr val="accent6">
+                  <a:lumMod val="75000"/>
+                </a:schemeClr>
+              </a:solidFill>
+            </a:endParaRPr>
+          </a:p>
+        </p:txBody>
+      </p:sp>
+      <p:sp>
+        <p:nvSpPr>
+          <p:cNvPr id="39" name="角丸四角形 38"/>
+          <p:cNvSpPr/>
+          <p:nvPr/>
+        </p:nvSpPr>
+        <p:spPr>
+          <a:xfrm>
+            <a:off x="3156835" y="4421474"/>
+            <a:ext cx="464588" cy="465380"/>
+          </a:xfrm>
+          <a:prstGeom prst="roundRect">
+            <a:avLst/>
+          </a:prstGeom>
+          <a:ln>
+            <a:solidFill>
+              <a:schemeClr val="accent6">
+                <a:lumMod val="75000"/>
+              </a:schemeClr>
+            </a:solidFill>
+          </a:ln>
+        </p:spPr>
+        <p:style>
+          <a:lnRef idx="2">
+            <a:schemeClr val="accent6"/>
+          </a:lnRef>
+          <a:fillRef idx="1">
+            <a:schemeClr val="lt1"/>
+          </a:fillRef>
+          <a:effectRef idx="0">
+            <a:schemeClr val="accent6"/>
+          </a:effectRef>
+          <a:fontRef idx="minor">
+            <a:schemeClr val="dk1"/>
+          </a:fontRef>
+        </p:style>
+        <p:txBody>
+          <a:bodyPr wrap="none" rtlCol="0" anchor="ctr"/>
+          <a:lstStyle/>
+          <a:p>
+            <a:pPr algn="ctr"/>
+            <a:endParaRPr lang="ja-JP" altLang="en-US" sz="700" u="sng" dirty="0">
+              <a:solidFill>
+                <a:schemeClr val="accent6">
+                  <a:lumMod val="75000"/>
+                </a:schemeClr>
+              </a:solidFill>
+            </a:endParaRPr>
+          </a:p>
+        </p:txBody>
+      </p:sp>
+      <p:sp>
+        <p:nvSpPr>
+          <p:cNvPr id="40" name="角丸四角形 39"/>
+          <p:cNvSpPr/>
+          <p:nvPr/>
+        </p:nvSpPr>
+        <p:spPr>
+          <a:xfrm>
+            <a:off x="3693416" y="4421474"/>
+            <a:ext cx="464588" cy="465380"/>
+          </a:xfrm>
+          <a:prstGeom prst="roundRect">
+            <a:avLst/>
+          </a:prstGeom>
+          <a:ln>
+            <a:solidFill>
+              <a:schemeClr val="accent6">
+                <a:lumMod val="75000"/>
+              </a:schemeClr>
+            </a:solidFill>
+          </a:ln>
+        </p:spPr>
+        <p:style>
+          <a:lnRef idx="2">
+            <a:schemeClr val="accent6"/>
+          </a:lnRef>
+          <a:fillRef idx="1">
+            <a:schemeClr val="lt1"/>
+          </a:fillRef>
+          <a:effectRef idx="0">
+            <a:schemeClr val="accent6"/>
+          </a:effectRef>
+          <a:fontRef idx="minor">
+            <a:schemeClr val="dk1"/>
+          </a:fontRef>
+        </p:style>
+        <p:txBody>
+          <a:bodyPr wrap="none" rtlCol="0" anchor="ctr"/>
+          <a:lstStyle/>
+          <a:p>
+            <a:pPr algn="ctr"/>
+            <a:endParaRPr lang="ja-JP" altLang="en-US" sz="800" dirty="0"/>
+          </a:p>
+        </p:txBody>
+      </p:sp>
+      <p:sp>
+        <p:nvSpPr>
+          <p:cNvPr id="41" name="角丸四角形 40"/>
+          <p:cNvSpPr/>
+          <p:nvPr/>
+        </p:nvSpPr>
+        <p:spPr>
+          <a:xfrm>
+            <a:off x="4229997" y="4421474"/>
+            <a:ext cx="464588" cy="465380"/>
+          </a:xfrm>
+          <a:prstGeom prst="roundRect">
+            <a:avLst/>
+          </a:prstGeom>
+          <a:ln>
+            <a:solidFill>
+              <a:schemeClr val="accent6">
+                <a:lumMod val="75000"/>
+              </a:schemeClr>
+            </a:solidFill>
+          </a:ln>
         </p:spPr>
         <p:style>
           <a:lnRef idx="2">
@@ -21660,18 +22657,123 @@
       </p:sp>
       <p:sp>
         <p:nvSpPr>
-          <p:cNvPr id="28" name="角丸四角形 27"/>
-          <p:cNvSpPr/>
-          <p:nvPr/>
-        </p:nvSpPr>
-        <p:spPr>
-          <a:xfrm>
-            <a:off x="4583698" y="3895694"/>
-            <a:ext cx="464588" cy="465380"/>
-          </a:xfrm>
-          <a:prstGeom prst="roundRect">
-            <a:avLst/>
-          </a:prstGeom>
+          <p:cNvPr id="42" name="角丸四角形 41"/>
+          <p:cNvSpPr/>
+          <p:nvPr/>
+        </p:nvSpPr>
+        <p:spPr>
+          <a:xfrm>
+            <a:off x="4766578" y="4421474"/>
+            <a:ext cx="464588" cy="465380"/>
+          </a:xfrm>
+          <a:prstGeom prst="roundRect">
+            <a:avLst/>
+          </a:prstGeom>
+          <a:ln>
+            <a:solidFill>
+              <a:schemeClr val="accent6">
+                <a:lumMod val="75000"/>
+              </a:schemeClr>
+            </a:solidFill>
+          </a:ln>
+        </p:spPr>
+        <p:style>
+          <a:lnRef idx="2">
+            <a:schemeClr val="accent6"/>
+          </a:lnRef>
+          <a:fillRef idx="1">
+            <a:schemeClr val="lt1"/>
+          </a:fillRef>
+          <a:effectRef idx="0">
+            <a:schemeClr val="accent6"/>
+          </a:effectRef>
+          <a:fontRef idx="minor">
+            <a:schemeClr val="dk1"/>
+          </a:fontRef>
+        </p:style>
+        <p:txBody>
+          <a:bodyPr wrap="none" rtlCol="0" anchor="ctr"/>
+          <a:lstStyle/>
+          <a:p>
+            <a:pPr algn="ctr"/>
+            <a:endParaRPr lang="en-US" altLang="ja-JP" sz="700" u="sng">
+              <a:solidFill>
+                <a:schemeClr val="accent6">
+                  <a:lumMod val="75000"/>
+                </a:schemeClr>
+              </a:solidFill>
+            </a:endParaRPr>
+          </a:p>
+        </p:txBody>
+      </p:sp>
+      <p:sp>
+        <p:nvSpPr>
+          <p:cNvPr id="43" name="角丸四角形 42"/>
+          <p:cNvSpPr/>
+          <p:nvPr/>
+        </p:nvSpPr>
+        <p:spPr>
+          <a:xfrm>
+            <a:off x="5303159" y="4421474"/>
+            <a:ext cx="464588" cy="465380"/>
+          </a:xfrm>
+          <a:prstGeom prst="roundRect">
+            <a:avLst/>
+          </a:prstGeom>
+          <a:ln>
+            <a:solidFill>
+              <a:schemeClr val="accent6">
+                <a:lumMod val="75000"/>
+              </a:schemeClr>
+            </a:solidFill>
+          </a:ln>
+        </p:spPr>
+        <p:style>
+          <a:lnRef idx="2">
+            <a:schemeClr val="accent6"/>
+          </a:lnRef>
+          <a:fillRef idx="1">
+            <a:schemeClr val="lt1"/>
+          </a:fillRef>
+          <a:effectRef idx="0">
+            <a:schemeClr val="accent6"/>
+          </a:effectRef>
+          <a:fontRef idx="minor">
+            <a:schemeClr val="dk1"/>
+          </a:fontRef>
+        </p:style>
+        <p:txBody>
+          <a:bodyPr wrap="none" rtlCol="0" anchor="ctr"/>
+          <a:lstStyle/>
+          <a:p>
+            <a:pPr algn="ctr"/>
+            <a:endParaRPr kumimoji="1" lang="ja-JP" altLang="en-US" sz="800" dirty="0">
+              <a:latin typeface="+mn-ea"/>
+            </a:endParaRPr>
+          </a:p>
+        </p:txBody>
+      </p:sp>
+      <p:sp>
+        <p:nvSpPr>
+          <p:cNvPr id="44" name="角丸四角形 43"/>
+          <p:cNvSpPr/>
+          <p:nvPr/>
+        </p:nvSpPr>
+        <p:spPr>
+          <a:xfrm>
+            <a:off x="5839740" y="4421474"/>
+            <a:ext cx="464588" cy="465380"/>
+          </a:xfrm>
+          <a:prstGeom prst="roundRect">
+            <a:avLst/>
+          </a:prstGeom>
+          <a:ln>
+            <a:solidFill>
+              <a:schemeClr val="accent6">
+                <a:lumMod val="75000"/>
+              </a:schemeClr>
+            </a:solidFill>
+          </a:ln>
         </p:spPr>
         <p:style>
           <a:lnRef idx="2">
@@ -21704,18 +22806,25 @@
       </p:sp>
       <p:sp>
         <p:nvSpPr>
-          <p:cNvPr id="29" name="角丸四角形 28"/>
-          <p:cNvSpPr/>
-          <p:nvPr/>
-        </p:nvSpPr>
-        <p:spPr>
-          <a:xfrm>
-            <a:off x="5120279" y="3895694"/>
-            <a:ext cx="464588" cy="465380"/>
-          </a:xfrm>
-          <a:prstGeom prst="roundRect">
-            <a:avLst/>
-          </a:prstGeom>
+          <p:cNvPr id="45" name="角丸四角形 44"/>
+          <p:cNvSpPr/>
+          <p:nvPr/>
+        </p:nvSpPr>
+        <p:spPr>
+          <a:xfrm>
+            <a:off x="6376321" y="4421474"/>
+            <a:ext cx="464588" cy="465380"/>
+          </a:xfrm>
+          <a:prstGeom prst="roundRect">
+            <a:avLst/>
+          </a:prstGeom>
+          <a:ln>
+            <a:solidFill>
+              <a:schemeClr val="accent6">
+                <a:lumMod val="75000"/>
+              </a:schemeClr>
+            </a:solidFill>
+          </a:ln>
         </p:spPr>
         <p:style>
           <a:lnRef idx="2">
@@ -21744,62 +22853,25 @@
       </p:sp>
       <p:sp>
         <p:nvSpPr>
-          <p:cNvPr id="30" name="角丸四角形 29"/>
-          <p:cNvSpPr/>
-          <p:nvPr/>
-        </p:nvSpPr>
-        <p:spPr>
-          <a:xfrm>
-            <a:off x="5656860" y="3895694"/>
-            <a:ext cx="464588" cy="465380"/>
-          </a:xfrm>
-          <a:prstGeom prst="roundRect">
-            <a:avLst/>
-          </a:prstGeom>
-        </p:spPr>
-        <p:style>
-          <a:lnRef idx="2">
-            <a:schemeClr val="accent6"/>
-          </a:lnRef>
-          <a:fillRef idx="1">
-            <a:schemeClr val="lt1"/>
-          </a:fillRef>
-          <a:effectRef idx="0">
-            <a:schemeClr val="accent6"/>
-          </a:effectRef>
-          <a:fontRef idx="minor">
-            <a:schemeClr val="dk1"/>
-          </a:fontRef>
-        </p:style>
-        <p:txBody>
-          <a:bodyPr wrap="none" rtlCol="0" anchor="ctr"/>
-          <a:lstStyle/>
-          <a:p>
-            <a:pPr algn="ctr"/>
-            <a:endParaRPr lang="en-US" altLang="ja-JP" sz="700">
-              <a:solidFill>
-                <a:schemeClr val="accent6">
-                  <a:lumMod val="75000"/>
-                </a:schemeClr>
-              </a:solidFill>
-            </a:endParaRPr>
-          </a:p>
-        </p:txBody>
-      </p:sp>
-      <p:sp>
-        <p:nvSpPr>
-          <p:cNvPr id="31" name="角丸四角形 30"/>
-          <p:cNvSpPr/>
-          <p:nvPr/>
-        </p:nvSpPr>
-        <p:spPr>
-          <a:xfrm>
-            <a:off x="6193441" y="3895694"/>
-            <a:ext cx="464588" cy="465380"/>
-          </a:xfrm>
-          <a:prstGeom prst="roundRect">
-            <a:avLst/>
-          </a:prstGeom>
+          <p:cNvPr id="46" name="角丸四角形 45"/>
+          <p:cNvSpPr/>
+          <p:nvPr/>
+        </p:nvSpPr>
+        <p:spPr>
+          <a:xfrm>
+            <a:off x="6912902" y="4421474"/>
+            <a:ext cx="464588" cy="465380"/>
+          </a:xfrm>
+          <a:prstGeom prst="roundRect">
+            <a:avLst/>
+          </a:prstGeom>
+          <a:ln>
+            <a:solidFill>
+              <a:schemeClr val="accent6">
+                <a:lumMod val="75000"/>
+              </a:schemeClr>
+            </a:solidFill>
+          </a:ln>
         </p:spPr>
         <p:style>
           <a:lnRef idx="2">
@@ -21828,18 +22900,25 @@
       </p:sp>
       <p:sp>
         <p:nvSpPr>
-          <p:cNvPr id="32" name="角丸四角形 31"/>
-          <p:cNvSpPr/>
-          <p:nvPr/>
-        </p:nvSpPr>
-        <p:spPr>
-          <a:xfrm>
-            <a:off x="6730022" y="3895694"/>
-            <a:ext cx="464588" cy="465380"/>
-          </a:xfrm>
-          <a:prstGeom prst="roundRect">
-            <a:avLst/>
-          </a:prstGeom>
+          <p:cNvPr id="47" name="角丸四角形 46"/>
+          <p:cNvSpPr/>
+          <p:nvPr/>
+        </p:nvSpPr>
+        <p:spPr>
+          <a:xfrm>
+            <a:off x="7449483" y="4421474"/>
+            <a:ext cx="1102786" cy="465380"/>
+          </a:xfrm>
+          <a:prstGeom prst="roundRect">
+            <a:avLst/>
+          </a:prstGeom>
+          <a:ln>
+            <a:solidFill>
+              <a:schemeClr val="accent6">
+                <a:lumMod val="75000"/>
+              </a:schemeClr>
+            </a:solidFill>
+          </a:ln>
         </p:spPr>
         <p:style>
           <a:lnRef idx="2">
@@ -21868,622 +22947,6 @@
       </p:sp>
       <p:sp>
         <p:nvSpPr>
-          <p:cNvPr id="33" name="角丸四角形 32"/>
-          <p:cNvSpPr/>
-          <p:nvPr/>
-        </p:nvSpPr>
-        <p:spPr>
-          <a:xfrm>
-            <a:off x="7266603" y="3895694"/>
-            <a:ext cx="464588" cy="465380"/>
-          </a:xfrm>
-          <a:prstGeom prst="roundRect">
-            <a:avLst/>
-          </a:prstGeom>
-        </p:spPr>
-        <p:style>
-          <a:lnRef idx="2">
-            <a:schemeClr val="accent6"/>
-          </a:lnRef>
-          <a:fillRef idx="1">
-            <a:schemeClr val="lt1"/>
-          </a:fillRef>
-          <a:effectRef idx="0">
-            <a:schemeClr val="accent6"/>
-          </a:effectRef>
-          <a:fontRef idx="minor">
-            <a:schemeClr val="dk1"/>
-          </a:fontRef>
-        </p:style>
-        <p:txBody>
-          <a:bodyPr wrap="none" rtlCol="0" anchor="ctr"/>
-          <a:lstStyle/>
-          <a:p>
-            <a:pPr algn="ctr"/>
-            <a:endParaRPr kumimoji="1" lang="ja-JP" altLang="en-US" sz="800" dirty="0">
-              <a:latin typeface="+mn-ea"/>
-            </a:endParaRPr>
-          </a:p>
-        </p:txBody>
-      </p:sp>
-      <p:sp>
-        <p:nvSpPr>
-          <p:cNvPr id="34" name="角丸四角形 33"/>
-          <p:cNvSpPr/>
-          <p:nvPr/>
-        </p:nvSpPr>
-        <p:spPr>
-          <a:xfrm>
-            <a:off x="7803183" y="3895694"/>
-            <a:ext cx="749085" cy="465380"/>
-          </a:xfrm>
-          <a:prstGeom prst="roundRect">
-            <a:avLst/>
-          </a:prstGeom>
-        </p:spPr>
-        <p:style>
-          <a:lnRef idx="2">
-            <a:schemeClr val="accent6"/>
-          </a:lnRef>
-          <a:fillRef idx="1">
-            <a:schemeClr val="lt1"/>
-          </a:fillRef>
-          <a:effectRef idx="0">
-            <a:schemeClr val="accent6"/>
-          </a:effectRef>
-          <a:fontRef idx="minor">
-            <a:schemeClr val="dk1"/>
-          </a:fontRef>
-        </p:style>
-        <p:txBody>
-          <a:bodyPr wrap="none" rtlCol="0" anchor="ctr"/>
-          <a:lstStyle/>
-          <a:p>
-            <a:pPr algn="ctr"/>
-            <a:endParaRPr kumimoji="1" lang="ja-JP" altLang="en-US" sz="800" dirty="0">
-              <a:latin typeface="+mn-ea"/>
-            </a:endParaRPr>
-          </a:p>
-        </p:txBody>
-      </p:sp>
-      <p:sp>
-        <p:nvSpPr>
-          <p:cNvPr id="35" name="角丸四角形 34"/>
-          <p:cNvSpPr/>
-          <p:nvPr/>
-        </p:nvSpPr>
-        <p:spPr>
-          <a:xfrm>
-            <a:off x="569441" y="3895694"/>
-            <a:ext cx="722778" cy="465380"/>
-          </a:xfrm>
-          <a:prstGeom prst="roundRect">
-            <a:avLst/>
-          </a:prstGeom>
-        </p:spPr>
-        <p:style>
-          <a:lnRef idx="2">
-            <a:schemeClr val="accent6"/>
-          </a:lnRef>
-          <a:fillRef idx="1">
-            <a:schemeClr val="lt1"/>
-          </a:fillRef>
-          <a:effectRef idx="0">
-            <a:schemeClr val="accent6"/>
-          </a:effectRef>
-          <a:fontRef idx="minor">
-            <a:schemeClr val="dk1"/>
-          </a:fontRef>
-        </p:style>
-        <p:txBody>
-          <a:bodyPr wrap="none" rtlCol="0" anchor="ctr"/>
-          <a:lstStyle/>
-          <a:p>
-            <a:pPr algn="ctr"/>
-            <a:endParaRPr kumimoji="1" lang="ja-JP" altLang="en-US" sz="900" dirty="0">
-              <a:latin typeface="+mn-ea"/>
-            </a:endParaRPr>
-          </a:p>
-        </p:txBody>
-      </p:sp>
-      <p:sp>
-        <p:nvSpPr>
-          <p:cNvPr id="36" name="角丸四角形 35"/>
-          <p:cNvSpPr/>
-          <p:nvPr/>
-        </p:nvSpPr>
-        <p:spPr>
-          <a:xfrm>
-            <a:off x="1547092" y="4421474"/>
-            <a:ext cx="464588" cy="465380"/>
-          </a:xfrm>
-          <a:prstGeom prst="roundRect">
-            <a:avLst/>
-          </a:prstGeom>
-        </p:spPr>
-        <p:style>
-          <a:lnRef idx="2">
-            <a:schemeClr val="accent6"/>
-          </a:lnRef>
-          <a:fillRef idx="1">
-            <a:schemeClr val="lt1"/>
-          </a:fillRef>
-          <a:effectRef idx="0">
-            <a:schemeClr val="accent6"/>
-          </a:effectRef>
-          <a:fontRef idx="minor">
-            <a:schemeClr val="dk1"/>
-          </a:fontRef>
-        </p:style>
-        <p:txBody>
-          <a:bodyPr wrap="none" rtlCol="0" anchor="ctr"/>
-          <a:lstStyle/>
-          <a:p>
-            <a:pPr algn="ctr"/>
-            <a:endParaRPr lang="ja-JP" altLang="en-US" sz="1050" dirty="0">
-              <a:solidFill>
-                <a:schemeClr val="accent6">
-                  <a:lumMod val="75000"/>
-                </a:schemeClr>
-              </a:solidFill>
-            </a:endParaRPr>
-          </a:p>
-        </p:txBody>
-      </p:sp>
-      <p:sp>
-        <p:nvSpPr>
-          <p:cNvPr id="37" name="角丸四角形 36"/>
-          <p:cNvSpPr/>
-          <p:nvPr/>
-        </p:nvSpPr>
-        <p:spPr>
-          <a:xfrm>
-            <a:off x="2083673" y="4421474"/>
-            <a:ext cx="464588" cy="465380"/>
-          </a:xfrm>
-          <a:prstGeom prst="roundRect">
-            <a:avLst/>
-          </a:prstGeom>
-        </p:spPr>
-        <p:style>
-          <a:lnRef idx="2">
-            <a:schemeClr val="accent6"/>
-          </a:lnRef>
-          <a:fillRef idx="1">
-            <a:schemeClr val="lt1"/>
-          </a:fillRef>
-          <a:effectRef idx="0">
-            <a:schemeClr val="accent6"/>
-          </a:effectRef>
-          <a:fontRef idx="minor">
-            <a:schemeClr val="dk1"/>
-          </a:fontRef>
-        </p:style>
-        <p:txBody>
-          <a:bodyPr wrap="none" rtlCol="0" anchor="ctr"/>
-          <a:lstStyle/>
-          <a:p>
-            <a:pPr algn="ctr"/>
-            <a:endParaRPr lang="en-US" altLang="ja-JP" sz="700">
-              <a:solidFill>
-                <a:schemeClr val="accent6">
-                  <a:lumMod val="75000"/>
-                </a:schemeClr>
-              </a:solidFill>
-            </a:endParaRPr>
-          </a:p>
-        </p:txBody>
-      </p:sp>
-      <p:sp>
-        <p:nvSpPr>
-          <p:cNvPr id="38" name="角丸四角形 37"/>
-          <p:cNvSpPr/>
-          <p:nvPr/>
-        </p:nvSpPr>
-        <p:spPr>
-          <a:xfrm>
-            <a:off x="2620254" y="4421474"/>
-            <a:ext cx="464588" cy="465380"/>
-          </a:xfrm>
-          <a:prstGeom prst="roundRect">
-            <a:avLst/>
-          </a:prstGeom>
-        </p:spPr>
-        <p:style>
-          <a:lnRef idx="2">
-            <a:schemeClr val="accent6"/>
-          </a:lnRef>
-          <a:fillRef idx="1">
-            <a:schemeClr val="lt1"/>
-          </a:fillRef>
-          <a:effectRef idx="0">
-            <a:schemeClr val="accent6"/>
-          </a:effectRef>
-          <a:fontRef idx="minor">
-            <a:schemeClr val="dk1"/>
-          </a:fontRef>
-        </p:style>
-        <p:txBody>
-          <a:bodyPr wrap="none" rtlCol="0" anchor="ctr"/>
-          <a:lstStyle/>
-          <a:p>
-            <a:pPr algn="ctr"/>
-            <a:endParaRPr lang="en-US" altLang="ja-JP" sz="800"/>
-          </a:p>
-        </p:txBody>
-      </p:sp>
-      <p:sp>
-        <p:nvSpPr>
-          <p:cNvPr id="39" name="角丸四角形 38"/>
-          <p:cNvSpPr/>
-          <p:nvPr/>
-        </p:nvSpPr>
-        <p:spPr>
-          <a:xfrm>
-            <a:off x="3156835" y="4421474"/>
-            <a:ext cx="464588" cy="465380"/>
-          </a:xfrm>
-          <a:prstGeom prst="roundRect">
-            <a:avLst/>
-          </a:prstGeom>
-        </p:spPr>
-        <p:style>
-          <a:lnRef idx="2">
-            <a:schemeClr val="accent6"/>
-          </a:lnRef>
-          <a:fillRef idx="1">
-            <a:schemeClr val="lt1"/>
-          </a:fillRef>
-          <a:effectRef idx="0">
-            <a:schemeClr val="accent6"/>
-          </a:effectRef>
-          <a:fontRef idx="minor">
-            <a:schemeClr val="dk1"/>
-          </a:fontRef>
-        </p:style>
-        <p:txBody>
-          <a:bodyPr wrap="none" rtlCol="0" anchor="ctr"/>
-          <a:lstStyle/>
-          <a:p>
-            <a:pPr algn="ctr"/>
-            <a:endParaRPr lang="ja-JP" altLang="en-US" sz="700" u="sng" dirty="0">
-              <a:solidFill>
-                <a:schemeClr val="accent6">
-                  <a:lumMod val="75000"/>
-                </a:schemeClr>
-              </a:solidFill>
-            </a:endParaRPr>
-          </a:p>
-        </p:txBody>
-      </p:sp>
-      <p:sp>
-        <p:nvSpPr>
-          <p:cNvPr id="40" name="角丸四角形 39"/>
-          <p:cNvSpPr/>
-          <p:nvPr/>
-        </p:nvSpPr>
-        <p:spPr>
-          <a:xfrm>
-            <a:off x="3693416" y="4421474"/>
-            <a:ext cx="464588" cy="465380"/>
-          </a:xfrm>
-          <a:prstGeom prst="roundRect">
-            <a:avLst/>
-          </a:prstGeom>
-        </p:spPr>
-        <p:style>
-          <a:lnRef idx="2">
-            <a:schemeClr val="accent6"/>
-          </a:lnRef>
-          <a:fillRef idx="1">
-            <a:schemeClr val="lt1"/>
-          </a:fillRef>
-          <a:effectRef idx="0">
-            <a:schemeClr val="accent6"/>
-          </a:effectRef>
-          <a:fontRef idx="minor">
-            <a:schemeClr val="dk1"/>
-          </a:fontRef>
-        </p:style>
-        <p:txBody>
-          <a:bodyPr wrap="none" rtlCol="0" anchor="ctr"/>
-          <a:lstStyle/>
-          <a:p>
-            <a:pPr algn="ctr"/>
-            <a:endParaRPr lang="ja-JP" altLang="en-US" sz="800" dirty="0"/>
-          </a:p>
-        </p:txBody>
-      </p:sp>
-      <p:sp>
-        <p:nvSpPr>
-          <p:cNvPr id="41" name="角丸四角形 40"/>
-          <p:cNvSpPr/>
-          <p:nvPr/>
-        </p:nvSpPr>
-        <p:spPr>
-          <a:xfrm>
-            <a:off x="4229997" y="4421474"/>
-            <a:ext cx="464588" cy="465380"/>
-          </a:xfrm>
-          <a:prstGeom prst="roundRect">
-            <a:avLst/>
-          </a:prstGeom>
-        </p:spPr>
-        <p:style>
-          <a:lnRef idx="2">
-            <a:schemeClr val="accent6"/>
-          </a:lnRef>
-          <a:fillRef idx="1">
-            <a:schemeClr val="lt1"/>
-          </a:fillRef>
-          <a:effectRef idx="0">
-            <a:schemeClr val="accent6"/>
-          </a:effectRef>
-          <a:fontRef idx="minor">
-            <a:schemeClr val="dk1"/>
-          </a:fontRef>
-        </p:style>
-        <p:txBody>
-          <a:bodyPr wrap="none" rtlCol="0" anchor="ctr"/>
-          <a:lstStyle/>
-          <a:p>
-            <a:pPr algn="ctr"/>
-            <a:endParaRPr kumimoji="1" lang="ja-JP" altLang="en-US" sz="800" dirty="0">
-              <a:latin typeface="+mn-ea"/>
-            </a:endParaRPr>
-          </a:p>
-        </p:txBody>
-      </p:sp>
-      <p:sp>
-        <p:nvSpPr>
-          <p:cNvPr id="42" name="角丸四角形 41"/>
-          <p:cNvSpPr/>
-          <p:nvPr/>
-        </p:nvSpPr>
-        <p:spPr>
-          <a:xfrm>
-            <a:off x="4766578" y="4421474"/>
-            <a:ext cx="464588" cy="465380"/>
-          </a:xfrm>
-          <a:prstGeom prst="roundRect">
-            <a:avLst/>
-          </a:prstGeom>
-        </p:spPr>
-        <p:style>
-          <a:lnRef idx="2">
-            <a:schemeClr val="accent6"/>
-          </a:lnRef>
-          <a:fillRef idx="1">
-            <a:schemeClr val="lt1"/>
-          </a:fillRef>
-          <a:effectRef idx="0">
-            <a:schemeClr val="accent6"/>
-          </a:effectRef>
-          <a:fontRef idx="minor">
-            <a:schemeClr val="dk1"/>
-          </a:fontRef>
-        </p:style>
-        <p:txBody>
-          <a:bodyPr wrap="none" rtlCol="0" anchor="ctr"/>
-          <a:lstStyle/>
-          <a:p>
-            <a:pPr algn="ctr"/>
-            <a:endParaRPr lang="en-US" altLang="ja-JP" sz="700" u="sng">
-              <a:solidFill>
-                <a:schemeClr val="accent6">
-                  <a:lumMod val="75000"/>
-                </a:schemeClr>
-              </a:solidFill>
-            </a:endParaRPr>
-          </a:p>
-        </p:txBody>
-      </p:sp>
-      <p:sp>
-        <p:nvSpPr>
-          <p:cNvPr id="43" name="角丸四角形 42"/>
-          <p:cNvSpPr/>
-          <p:nvPr/>
-        </p:nvSpPr>
-        <p:spPr>
-          <a:xfrm>
-            <a:off x="5303159" y="4421474"/>
-            <a:ext cx="464588" cy="465380"/>
-          </a:xfrm>
-          <a:prstGeom prst="roundRect">
-            <a:avLst/>
-          </a:prstGeom>
-        </p:spPr>
-        <p:style>
-          <a:lnRef idx="2">
-            <a:schemeClr val="accent6"/>
-          </a:lnRef>
-          <a:fillRef idx="1">
-            <a:schemeClr val="lt1"/>
-          </a:fillRef>
-          <a:effectRef idx="0">
-            <a:schemeClr val="accent6"/>
-          </a:effectRef>
-          <a:fontRef idx="minor">
-            <a:schemeClr val="dk1"/>
-          </a:fontRef>
-        </p:style>
-        <p:txBody>
-          <a:bodyPr wrap="none" rtlCol="0" anchor="ctr"/>
-          <a:lstStyle/>
-          <a:p>
-            <a:pPr algn="ctr"/>
-            <a:endParaRPr kumimoji="1" lang="ja-JP" altLang="en-US" sz="800" dirty="0">
-              <a:latin typeface="+mn-ea"/>
-            </a:endParaRPr>
-          </a:p>
-        </p:txBody>
-      </p:sp>
-      <p:sp>
-        <p:nvSpPr>
-          <p:cNvPr id="44" name="角丸四角形 43"/>
-          <p:cNvSpPr/>
-          <p:nvPr/>
-        </p:nvSpPr>
-        <p:spPr>
-          <a:xfrm>
-            <a:off x="5839740" y="4421474"/>
-            <a:ext cx="464588" cy="465380"/>
-          </a:xfrm>
-          <a:prstGeom prst="roundRect">
-            <a:avLst/>
-          </a:prstGeom>
-        </p:spPr>
-        <p:style>
-          <a:lnRef idx="2">
-            <a:schemeClr val="accent6"/>
-          </a:lnRef>
-          <a:fillRef idx="1">
-            <a:schemeClr val="lt1"/>
-          </a:fillRef>
-          <a:effectRef idx="0">
-            <a:schemeClr val="accent6"/>
-          </a:effectRef>
-          <a:fontRef idx="minor">
-            <a:schemeClr val="dk1"/>
-          </a:fontRef>
-        </p:style>
-        <p:txBody>
-          <a:bodyPr wrap="none" rtlCol="0" anchor="ctr"/>
-          <a:lstStyle/>
-          <a:p>
-            <a:pPr algn="ctr"/>
-            <a:endParaRPr lang="ja-JP" altLang="en-US" sz="700" dirty="0">
-              <a:solidFill>
-                <a:schemeClr val="accent6">
-                  <a:lumMod val="75000"/>
-                </a:schemeClr>
-              </a:solidFill>
-            </a:endParaRPr>
-          </a:p>
-        </p:txBody>
-      </p:sp>
-      <p:sp>
-        <p:nvSpPr>
-          <p:cNvPr id="45" name="角丸四角形 44"/>
-          <p:cNvSpPr/>
-          <p:nvPr/>
-        </p:nvSpPr>
-        <p:spPr>
-          <a:xfrm>
-            <a:off x="6376321" y="4421474"/>
-            <a:ext cx="464588" cy="465380"/>
-          </a:xfrm>
-          <a:prstGeom prst="roundRect">
-            <a:avLst/>
-          </a:prstGeom>
-        </p:spPr>
-        <p:style>
-          <a:lnRef idx="2">
-            <a:schemeClr val="accent6"/>
-          </a:lnRef>
-          <a:fillRef idx="1">
-            <a:schemeClr val="lt1"/>
-          </a:fillRef>
-          <a:effectRef idx="0">
-            <a:schemeClr val="accent6"/>
-          </a:effectRef>
-          <a:fontRef idx="minor">
-            <a:schemeClr val="dk1"/>
-          </a:fontRef>
-        </p:style>
-        <p:txBody>
-          <a:bodyPr wrap="none" rtlCol="0" anchor="ctr"/>
-          <a:lstStyle/>
-          <a:p>
-            <a:pPr algn="ctr"/>
-            <a:endParaRPr kumimoji="1" lang="ja-JP" altLang="en-US" sz="800" dirty="0">
-              <a:latin typeface="+mn-ea"/>
-            </a:endParaRPr>
-          </a:p>
-        </p:txBody>
-      </p:sp>
-      <p:sp>
-        <p:nvSpPr>
-          <p:cNvPr id="46" name="角丸四角形 45"/>
-          <p:cNvSpPr/>
-          <p:nvPr/>
-        </p:nvSpPr>
-        <p:spPr>
-          <a:xfrm>
-            <a:off x="6912902" y="4421474"/>
-            <a:ext cx="464588" cy="465380"/>
-          </a:xfrm>
-          <a:prstGeom prst="roundRect">
-            <a:avLst/>
-          </a:prstGeom>
-        </p:spPr>
-        <p:style>
-          <a:lnRef idx="2">
-            <a:schemeClr val="accent6"/>
-          </a:lnRef>
-          <a:fillRef idx="1">
-            <a:schemeClr val="lt1"/>
-          </a:fillRef>
-          <a:effectRef idx="0">
-            <a:schemeClr val="accent6"/>
-          </a:effectRef>
-          <a:fontRef idx="minor">
-            <a:schemeClr val="dk1"/>
-          </a:fontRef>
-        </p:style>
-        <p:txBody>
-          <a:bodyPr wrap="none" rtlCol="0" anchor="ctr"/>
-          <a:lstStyle/>
-          <a:p>
-            <a:pPr algn="ctr"/>
-            <a:endParaRPr kumimoji="1" lang="ja-JP" altLang="en-US" sz="800" dirty="0">
-              <a:latin typeface="+mn-ea"/>
-            </a:endParaRPr>
-          </a:p>
-        </p:txBody>
-      </p:sp>
-      <p:sp>
-        <p:nvSpPr>
-          <p:cNvPr id="47" name="角丸四角形 46"/>
-          <p:cNvSpPr/>
-          <p:nvPr/>
-        </p:nvSpPr>
-        <p:spPr>
-          <a:xfrm>
-            <a:off x="7449483" y="4421474"/>
-            <a:ext cx="1102786" cy="465380"/>
-          </a:xfrm>
-          <a:prstGeom prst="roundRect">
-            <a:avLst/>
-          </a:prstGeom>
-        </p:spPr>
-        <p:style>
-          <a:lnRef idx="2">
-            <a:schemeClr val="accent6"/>
-          </a:lnRef>
-          <a:fillRef idx="1">
-            <a:schemeClr val="lt1"/>
-          </a:fillRef>
-          <a:effectRef idx="0">
-            <a:schemeClr val="accent6"/>
-          </a:effectRef>
-          <a:fontRef idx="minor">
-            <a:schemeClr val="dk1"/>
-          </a:fontRef>
-        </p:style>
-        <p:txBody>
-          <a:bodyPr wrap="none" rtlCol="0" anchor="ctr"/>
-          <a:lstStyle/>
-          <a:p>
-            <a:pPr algn="ctr"/>
-            <a:endParaRPr kumimoji="1" lang="ja-JP" altLang="en-US" sz="800" dirty="0">
-              <a:latin typeface="+mn-ea"/>
-            </a:endParaRPr>
-          </a:p>
-        </p:txBody>
-      </p:sp>
-      <p:sp>
-        <p:nvSpPr>
           <p:cNvPr id="50" name="角丸四角形 49"/>
           <p:cNvSpPr/>
           <p:nvPr/>
@@ -22496,6 +22959,13 @@
           <a:prstGeom prst="roundRect">
             <a:avLst/>
           </a:prstGeom>
+          <a:ln>
+            <a:solidFill>
+              <a:schemeClr val="accent6">
+                <a:lumMod val="75000"/>
+              </a:schemeClr>
+            </a:solidFill>
+          </a:ln>
         </p:spPr>
         <p:style>
           <a:lnRef idx="2">
@@ -22534,6 +23004,13 @@
           <a:prstGeom prst="roundRect">
             <a:avLst/>
           </a:prstGeom>
+          <a:ln>
+            <a:solidFill>
+              <a:schemeClr val="accent6">
+                <a:lumMod val="75000"/>
+              </a:schemeClr>
+            </a:solidFill>
+          </a:ln>
         </p:spPr>
         <p:style>
           <a:lnRef idx="2">
@@ -22572,6 +23049,13 @@
           <a:prstGeom prst="roundRect">
             <a:avLst/>
           </a:prstGeom>
+          <a:ln>
+            <a:solidFill>
+              <a:schemeClr val="accent6">
+                <a:lumMod val="75000"/>
+              </a:schemeClr>
+            </a:solidFill>
+          </a:ln>
         </p:spPr>
         <p:style>
           <a:lnRef idx="2">
@@ -22628,6 +23112,13 @@
           <a:prstGeom prst="roundRect">
             <a:avLst/>
           </a:prstGeom>
+          <a:ln>
+            <a:solidFill>
+              <a:schemeClr val="accent6">
+                <a:lumMod val="75000"/>
+              </a:schemeClr>
+            </a:solidFill>
+          </a:ln>
         </p:spPr>
         <p:style>
           <a:lnRef idx="2">
@@ -22666,6 +23157,13 @@
           <a:prstGeom prst="roundRect">
             <a:avLst/>
           </a:prstGeom>
+          <a:ln>
+            <a:solidFill>
+              <a:schemeClr val="accent6">
+                <a:lumMod val="75000"/>
+              </a:schemeClr>
+            </a:solidFill>
+          </a:ln>
         </p:spPr>
         <p:style>
           <a:lnRef idx="2">
@@ -22704,6 +23202,13 @@
           <a:prstGeom prst="roundRect">
             <a:avLst/>
           </a:prstGeom>
+          <a:ln>
+            <a:solidFill>
+              <a:schemeClr val="accent6">
+                <a:lumMod val="75000"/>
+              </a:schemeClr>
+            </a:solidFill>
+          </a:ln>
         </p:spPr>
         <p:style>
           <a:lnRef idx="2">
@@ -22744,6 +23249,13 @@
           <a:prstGeom prst="roundRect">
             <a:avLst/>
           </a:prstGeom>
+          <a:ln>
+            <a:solidFill>
+              <a:schemeClr val="accent6">
+                <a:lumMod val="75000"/>
+              </a:schemeClr>
+            </a:solidFill>
+          </a:ln>
         </p:spPr>
         <p:style>
           <a:lnRef idx="2">
@@ -22784,6 +23296,13 @@
           <a:prstGeom prst="roundRect">
             <a:avLst/>
           </a:prstGeom>
+          <a:ln>
+            <a:solidFill>
+              <a:schemeClr val="accent6">
+                <a:lumMod val="75000"/>
+              </a:schemeClr>
+            </a:solidFill>
+          </a:ln>
         </p:spPr>
         <p:style>
           <a:lnRef idx="2">
@@ -22824,6 +23343,13 @@
           <a:prstGeom prst="roundRect">
             <a:avLst/>
           </a:prstGeom>
+          <a:ln>
+            <a:solidFill>
+              <a:schemeClr val="accent6">
+                <a:lumMod val="75000"/>
+              </a:schemeClr>
+            </a:solidFill>
+          </a:ln>
         </p:spPr>
         <p:style>
           <a:lnRef idx="2">
@@ -22864,6 +23390,13 @@
           <a:prstGeom prst="roundRect">
             <a:avLst/>
           </a:prstGeom>
+          <a:ln>
+            <a:solidFill>
+              <a:schemeClr val="accent6">
+                <a:lumMod val="75000"/>
+              </a:schemeClr>
+            </a:solidFill>
+          </a:ln>
         </p:spPr>
         <p:style>
           <a:lnRef idx="2">
@@ -22907,6 +23440,13 @@
           <a:solidFill>
             <a:schemeClr val="accent6"/>
           </a:solidFill>
+          <a:ln>
+            <a:solidFill>
+              <a:schemeClr val="accent6">
+                <a:lumMod val="75000"/>
+              </a:schemeClr>
+            </a:solidFill>
+          </a:ln>
         </p:spPr>
         <p:style>
           <a:lnRef idx="2">
@@ -22945,6 +23485,13 @@
           <a:prstGeom prst="roundRect">
             <a:avLst/>
           </a:prstGeom>
+          <a:ln>
+            <a:solidFill>
+              <a:schemeClr val="accent6">
+                <a:lumMod val="75000"/>
+              </a:schemeClr>
+            </a:solidFill>
+          </a:ln>
         </p:spPr>
         <p:style>
           <a:lnRef idx="2">
@@ -37768,16 +38315,16 @@
           <a:p>
             <a:pPr algn="ctr"/>
             <a:r>
-              <a:rPr lang="en-US" altLang="ja-JP">
+              <a:rPr lang="en-US" altLang="ja-JP" dirty="0">
                 <a:solidFill>
                   <a:schemeClr val="accent6">
                     <a:lumMod val="75000"/>
                   </a:schemeClr>
                 </a:solidFill>
               </a:rPr>
-              <a:t>-</a:t>
-            </a:r>
-            <a:endParaRPr kumimoji="1" lang="en-US" altLang="ja-JP" smtClean="0">
+              <a:t>?</a:t>
+            </a:r>
+            <a:endParaRPr kumimoji="1" lang="en-US" altLang="ja-JP" dirty="0" smtClean="0">
               <a:solidFill>
                 <a:schemeClr val="accent6">
                   <a:lumMod val="75000"/>
@@ -37829,16 +38376,16 @@
           <a:p>
             <a:pPr algn="ctr"/>
             <a:r>
-              <a:rPr lang="en-US" altLang="ja-JP" smtClean="0">
+              <a:rPr lang="en-US" altLang="ja-JP" dirty="0" smtClean="0">
                 <a:solidFill>
                   <a:schemeClr val="accent6">
                     <a:lumMod val="75000"/>
                   </a:schemeClr>
                 </a:solidFill>
               </a:rPr>
-              <a:t>/</a:t>
-            </a:r>
-            <a:endParaRPr lang="en-US" altLang="ja-JP">
+              <a:t>?</a:t>
+            </a:r>
+            <a:endParaRPr lang="en-US" altLang="ja-JP" dirty="0">
               <a:solidFill>
                 <a:schemeClr val="accent6">
                   <a:lumMod val="75000"/>
@@ -37890,14 +38437,14 @@
           <a:p>
             <a:pPr algn="ctr"/>
             <a:r>
-              <a:rPr kumimoji="1" lang="en-US" altLang="ja-JP" smtClean="0">
+              <a:rPr lang="en-US" altLang="ja-JP" dirty="0">
                 <a:solidFill>
                   <a:schemeClr val="accent6">
                     <a:lumMod val="75000"/>
                   </a:schemeClr>
                 </a:solidFill>
               </a:rPr>
-              <a:t>=</a:t>
+              <a:t>?</a:t>
             </a:r>
             <a:endParaRPr kumimoji="1" lang="ja-JP" altLang="en-US" dirty="0">
               <a:solidFill>
@@ -39038,7 +39585,7 @@
           <a:lstStyle/>
           <a:p>
             <a:pPr algn="ctr"/>
-            <a:endParaRPr kumimoji="1" lang="ja-JP" altLang="en-US" sz="1200" dirty="0">
+            <a:endParaRPr lang="en-US" altLang="ja-JP" dirty="0">
               <a:solidFill>
                 <a:schemeClr val="accent6">
                   <a:lumMod val="75000"/>
@@ -39090,7 +39637,7 @@
           <a:p>
             <a:pPr algn="ctr"/>
             <a:r>
-              <a:rPr lang="en-US" altLang="ja-JP">
+              <a:rPr lang="en-US" altLang="ja-JP" dirty="0">
                 <a:solidFill>
                   <a:schemeClr val="accent6">
                     <a:lumMod val="75000"/>
@@ -39334,16 +39881,16 @@
           <a:p>
             <a:pPr algn="ctr"/>
             <a:r>
-              <a:rPr lang="en-US" altLang="ja-JP">
+              <a:rPr lang="en-US" altLang="ja-JP" dirty="0" smtClean="0">
                 <a:solidFill>
                   <a:schemeClr val="accent6">
                     <a:lumMod val="75000"/>
                   </a:schemeClr>
                 </a:solidFill>
               </a:rPr>
-              <a:t>.</a:t>
-            </a:r>
-            <a:endParaRPr kumimoji="1" lang="ja-JP" altLang="en-US" dirty="0">
+              <a:t>?</a:t>
+            </a:r>
+            <a:endParaRPr lang="en-US" altLang="ja-JP" dirty="0">
               <a:solidFill>
                 <a:schemeClr val="accent6">
                   <a:lumMod val="75000"/>
@@ -39792,7 +40339,7 @@
           <a:lstStyle/>
           <a:p>
             <a:r>
-              <a:rPr kumimoji="1" lang="ja-JP" altLang="en-US" smtClean="0">
+              <a:rPr kumimoji="1" lang="ja-JP" altLang="en-US" dirty="0" smtClean="0">
                 <a:solidFill>
                   <a:srgbClr val="C00000"/>
                 </a:solidFill>
@@ -49665,7 +50212,7 @@
           <a:p>
             <a:pPr algn="ctr"/>
             <a:r>
-              <a:rPr lang="en-US" altLang="ja-JP" sz="900" smtClean="0">
+              <a:rPr lang="en-US" altLang="ja-JP" sz="900" dirty="0" smtClean="0">
                 <a:solidFill>
                   <a:schemeClr val="accent6">
                     <a:lumMod val="75000"/>
@@ -49674,7 +50221,7 @@
               </a:rPr>
               <a:t>Outlook</a:t>
             </a:r>
-            <a:endParaRPr lang="ja-JP" altLang="en-US" sz="900">
+            <a:endParaRPr lang="ja-JP" altLang="en-US" sz="900" dirty="0">
               <a:solidFill>
                 <a:schemeClr val="accent6">
                   <a:lumMod val="75000"/>
@@ -49726,14 +50273,14 @@
           <a:p>
             <a:pPr algn="ctr"/>
             <a:r>
-              <a:rPr kumimoji="1" lang="en-US" altLang="ja-JP" sz="900" smtClean="0">
+              <a:rPr kumimoji="1" lang="en-US" altLang="ja-JP" sz="900" dirty="0" smtClean="0">
                 <a:solidFill>
                   <a:schemeClr val="accent6">
                     <a:lumMod val="75000"/>
                   </a:schemeClr>
                 </a:solidFill>
               </a:rPr>
-              <a:t>Desktop</a:t>
+              <a:t>Launch</a:t>
             </a:r>
             <a:endParaRPr kumimoji="1" lang="ja-JP" altLang="en-US" sz="900" dirty="0">
               <a:solidFill>

--- a/MANUAL.pptx
+++ b/MANUAL.pptx
@@ -258,7 +258,7 @@
           <a:p>
             <a:fld id="{98B15ECE-60C4-45D4-8ABC-DDA7D4F33EF9}" type="datetimeFigureOut">
               <a:rPr kumimoji="1" lang="ja-JP" altLang="en-US" smtClean="0"/>
-              <a:t>2017/2/19</a:t>
+              <a:t>2017/4/16</a:t>
             </a:fld>
             <a:endParaRPr kumimoji="1" lang="ja-JP" altLang="en-US"/>
           </a:p>
@@ -1361,7 +1361,7 @@
           <a:p>
             <a:fld id="{8FB4C7EE-3C5D-4F47-A8DE-21B759CA57C5}" type="datetimeFigureOut">
               <a:rPr kumimoji="1" lang="ja-JP" altLang="en-US" smtClean="0"/>
-              <a:t>2017/2/19</a:t>
+              <a:t>2017/4/16</a:t>
             </a:fld>
             <a:endParaRPr kumimoji="1" lang="ja-JP" altLang="en-US"/>
           </a:p>
@@ -1563,7 +1563,7 @@
           <a:p>
             <a:fld id="{8FB4C7EE-3C5D-4F47-A8DE-21B759CA57C5}" type="datetimeFigureOut">
               <a:rPr kumimoji="1" lang="ja-JP" altLang="en-US" smtClean="0"/>
-              <a:t>2017/2/19</a:t>
+              <a:t>2017/4/16</a:t>
             </a:fld>
             <a:endParaRPr kumimoji="1" lang="ja-JP" altLang="en-US"/>
           </a:p>
@@ -1775,7 +1775,7 @@
           <a:p>
             <a:fld id="{8FB4C7EE-3C5D-4F47-A8DE-21B759CA57C5}" type="datetimeFigureOut">
               <a:rPr kumimoji="1" lang="ja-JP" altLang="en-US" smtClean="0"/>
-              <a:t>2017/2/19</a:t>
+              <a:t>2017/4/16</a:t>
             </a:fld>
             <a:endParaRPr kumimoji="1" lang="ja-JP" altLang="en-US"/>
           </a:p>
@@ -1977,7 +1977,7 @@
           <a:p>
             <a:fld id="{8FB4C7EE-3C5D-4F47-A8DE-21B759CA57C5}" type="datetimeFigureOut">
               <a:rPr kumimoji="1" lang="ja-JP" altLang="en-US" smtClean="0"/>
-              <a:t>2017/2/19</a:t>
+              <a:t>2017/4/16</a:t>
             </a:fld>
             <a:endParaRPr kumimoji="1" lang="ja-JP" altLang="en-US"/>
           </a:p>
@@ -2221,7 +2221,7 @@
           <a:p>
             <a:fld id="{8FB4C7EE-3C5D-4F47-A8DE-21B759CA57C5}" type="datetimeFigureOut">
               <a:rPr kumimoji="1" lang="ja-JP" altLang="en-US" smtClean="0"/>
-              <a:t>2017/2/19</a:t>
+              <a:t>2017/4/16</a:t>
             </a:fld>
             <a:endParaRPr kumimoji="1" lang="ja-JP" altLang="en-US"/>
           </a:p>
@@ -2517,7 +2517,7 @@
           <a:p>
             <a:fld id="{8FB4C7EE-3C5D-4F47-A8DE-21B759CA57C5}" type="datetimeFigureOut">
               <a:rPr kumimoji="1" lang="ja-JP" altLang="en-US" smtClean="0"/>
-              <a:t>2017/2/19</a:t>
+              <a:t>2017/4/16</a:t>
             </a:fld>
             <a:endParaRPr kumimoji="1" lang="ja-JP" altLang="en-US"/>
           </a:p>
@@ -2948,7 +2948,7 @@
           <a:p>
             <a:fld id="{8FB4C7EE-3C5D-4F47-A8DE-21B759CA57C5}" type="datetimeFigureOut">
               <a:rPr kumimoji="1" lang="ja-JP" altLang="en-US" smtClean="0"/>
-              <a:t>2017/2/19</a:t>
+              <a:t>2017/4/16</a:t>
             </a:fld>
             <a:endParaRPr kumimoji="1" lang="ja-JP" altLang="en-US"/>
           </a:p>
@@ -3066,7 +3066,7 @@
           <a:p>
             <a:fld id="{8FB4C7EE-3C5D-4F47-A8DE-21B759CA57C5}" type="datetimeFigureOut">
               <a:rPr kumimoji="1" lang="ja-JP" altLang="en-US" smtClean="0"/>
-              <a:t>2017/2/19</a:t>
+              <a:t>2017/4/16</a:t>
             </a:fld>
             <a:endParaRPr kumimoji="1" lang="ja-JP" altLang="en-US"/>
           </a:p>
@@ -3161,7 +3161,7 @@
           <a:p>
             <a:fld id="{8FB4C7EE-3C5D-4F47-A8DE-21B759CA57C5}" type="datetimeFigureOut">
               <a:rPr kumimoji="1" lang="ja-JP" altLang="en-US" smtClean="0"/>
-              <a:t>2017/2/19</a:t>
+              <a:t>2017/4/16</a:t>
             </a:fld>
             <a:endParaRPr kumimoji="1" lang="ja-JP" altLang="en-US"/>
           </a:p>
@@ -3470,7 +3470,7 @@
           <a:p>
             <a:fld id="{8FB4C7EE-3C5D-4F47-A8DE-21B759CA57C5}" type="datetimeFigureOut">
               <a:rPr kumimoji="1" lang="ja-JP" altLang="en-US" smtClean="0"/>
-              <a:t>2017/2/19</a:t>
+              <a:t>2017/4/16</a:t>
             </a:fld>
             <a:endParaRPr kumimoji="1" lang="ja-JP" altLang="en-US"/>
           </a:p>
@@ -3727,7 +3727,7 @@
           <a:p>
             <a:fld id="{8FB4C7EE-3C5D-4F47-A8DE-21B759CA57C5}" type="datetimeFigureOut">
               <a:rPr kumimoji="1" lang="ja-JP" altLang="en-US" smtClean="0"/>
-              <a:t>2017/2/19</a:t>
+              <a:t>2017/4/16</a:t>
             </a:fld>
             <a:endParaRPr kumimoji="1" lang="ja-JP" altLang="en-US"/>
           </a:p>
@@ -3972,7 +3972,7 @@
           <a:p>
             <a:fld id="{8FB4C7EE-3C5D-4F47-A8DE-21B759CA57C5}" type="datetimeFigureOut">
               <a:rPr kumimoji="1" lang="ja-JP" altLang="en-US" smtClean="0"/>
-              <a:t>2017/2/19</a:t>
+              <a:t>2017/4/16</a:t>
             </a:fld>
             <a:endParaRPr kumimoji="1" lang="ja-JP" altLang="en-US"/>
           </a:p>
@@ -52965,29 +52965,6 @@
           <a:lstStyle/>
           <a:p>
             <a:pPr algn="ctr"/>
-            <a:r>
-              <a:rPr lang="en-US" altLang="ja-JP" sz="1100" smtClean="0">
-                <a:solidFill>
-                  <a:schemeClr val="accent6">
-                    <a:lumMod val="75000"/>
-                  </a:schemeClr>
-                </a:solidFill>
-              </a:rPr>
-              <a:t>App</a:t>
-            </a:r>
-          </a:p>
-          <a:p>
-            <a:pPr algn="ctr"/>
-            <a:r>
-              <a:rPr lang="ja-JP" altLang="en-US" sz="1100" smtClean="0">
-                <a:solidFill>
-                  <a:schemeClr val="accent6">
-                    <a:lumMod val="75000"/>
-                  </a:schemeClr>
-                </a:solidFill>
-              </a:rPr>
-              <a:t>選択</a:t>
-            </a:r>
             <a:endParaRPr kumimoji="1" lang="ja-JP" altLang="en-US" sz="1100" dirty="0">
               <a:solidFill>
                 <a:schemeClr val="accent6">
@@ -53700,36 +53677,6 @@
           <a:lstStyle/>
           <a:p>
             <a:pPr algn="ctr"/>
-            <a:r>
-              <a:rPr kumimoji="1" lang="ja-JP" altLang="en-US" sz="900" dirty="0" smtClean="0">
-                <a:solidFill>
-                  <a:schemeClr val="accent6">
-                    <a:lumMod val="75000"/>
-                  </a:schemeClr>
-                </a:solidFill>
-              </a:rPr>
-              <a:t>前の</a:t>
-            </a:r>
-            <a:endParaRPr kumimoji="1" lang="en-US" altLang="ja-JP" sz="900" dirty="0" smtClean="0">
-              <a:solidFill>
-                <a:schemeClr val="accent6">
-                  <a:lumMod val="75000"/>
-                </a:schemeClr>
-              </a:solidFill>
-            </a:endParaRPr>
-          </a:p>
-          <a:p>
-            <a:pPr algn="ctr"/>
-            <a:r>
-              <a:rPr lang="en-US" altLang="ja-JP" sz="900" dirty="0" smtClean="0">
-                <a:solidFill>
-                  <a:schemeClr val="accent6">
-                    <a:lumMod val="75000"/>
-                  </a:schemeClr>
-                </a:solidFill>
-              </a:rPr>
-              <a:t>Window</a:t>
-            </a:r>
             <a:endParaRPr kumimoji="1" lang="ja-JP" altLang="en-US" sz="900" dirty="0">
               <a:solidFill>
                 <a:schemeClr val="accent6">
@@ -53781,56 +53728,6 @@
           <a:lstStyle/>
           <a:p>
             <a:pPr algn="ctr"/>
-            <a:r>
-              <a:rPr kumimoji="1" lang="ja-JP" altLang="en-US" sz="900" u="sng" dirty="0" smtClean="0">
-                <a:solidFill>
-                  <a:schemeClr val="accent6">
-                    <a:lumMod val="75000"/>
-                  </a:schemeClr>
-                </a:solidFill>
-              </a:rPr>
-              <a:t>次</a:t>
-            </a:r>
-            <a:r>
-              <a:rPr lang="ja-JP" altLang="en-US" sz="900" u="sng" dirty="0" smtClean="0">
-                <a:solidFill>
-                  <a:schemeClr val="accent6">
-                    <a:lumMod val="75000"/>
-                  </a:schemeClr>
-                </a:solidFill>
-              </a:rPr>
-              <a:t>の</a:t>
-            </a:r>
-            <a:endParaRPr lang="en-US" altLang="ja-JP" sz="900" u="sng" dirty="0" smtClean="0">
-              <a:solidFill>
-                <a:schemeClr val="accent6">
-                  <a:lumMod val="75000"/>
-                </a:schemeClr>
-              </a:solidFill>
-            </a:endParaRPr>
-          </a:p>
-          <a:p>
-            <a:pPr algn="ctr"/>
-            <a:r>
-              <a:rPr kumimoji="1" lang="en-US" altLang="ja-JP" sz="900" u="sng" dirty="0" smtClean="0">
-                <a:solidFill>
-                  <a:schemeClr val="accent6">
-                    <a:lumMod val="75000"/>
-                  </a:schemeClr>
-                </a:solidFill>
-              </a:rPr>
-              <a:t>Windo</a:t>
-            </a:r>
-            <a:r>
-              <a:rPr kumimoji="1" lang="en-US" altLang="ja-JP" sz="900" u="sng" dirty="0">
-                <a:solidFill>
-                  <a:schemeClr val="accent6">
-                    <a:lumMod val="75000"/>
-                  </a:schemeClr>
-                </a:solidFill>
-              </a:rPr>
-              <a:t>w</a:t>
-            </a:r>
             <a:endParaRPr kumimoji="1" lang="ja-JP" altLang="en-US" sz="900" u="sng" dirty="0">
               <a:solidFill>
                 <a:schemeClr val="accent6">

--- a/MANUAL.pptx
+++ b/MANUAL.pptx
@@ -260,7 +260,7 @@
           <a:p>
             <a:fld id="{98B15ECE-60C4-45D4-8ABC-DDA7D4F33EF9}" type="datetimeFigureOut">
               <a:rPr kumimoji="1" lang="ja-JP" altLang="en-US" smtClean="0"/>
-              <a:t>2017/4/16</a:t>
+              <a:t>2017/5/1</a:t>
             </a:fld>
             <a:endParaRPr kumimoji="1" lang="ja-JP" altLang="en-US"/>
           </a:p>
@@ -1279,7 +1279,7 @@
           <a:p>
             <a:fld id="{8FB4C7EE-3C5D-4F47-A8DE-21B759CA57C5}" type="datetimeFigureOut">
               <a:rPr kumimoji="1" lang="ja-JP" altLang="en-US" smtClean="0"/>
-              <a:t>2017/4/16</a:t>
+              <a:t>2017/5/1</a:t>
             </a:fld>
             <a:endParaRPr kumimoji="1" lang="ja-JP" altLang="en-US"/>
           </a:p>
@@ -1481,7 +1481,7 @@
           <a:p>
             <a:fld id="{8FB4C7EE-3C5D-4F47-A8DE-21B759CA57C5}" type="datetimeFigureOut">
               <a:rPr kumimoji="1" lang="ja-JP" altLang="en-US" smtClean="0"/>
-              <a:t>2017/4/16</a:t>
+              <a:t>2017/5/1</a:t>
             </a:fld>
             <a:endParaRPr kumimoji="1" lang="ja-JP" altLang="en-US"/>
           </a:p>
@@ -1693,7 +1693,7 @@
           <a:p>
             <a:fld id="{8FB4C7EE-3C5D-4F47-A8DE-21B759CA57C5}" type="datetimeFigureOut">
               <a:rPr kumimoji="1" lang="ja-JP" altLang="en-US" smtClean="0"/>
-              <a:t>2017/4/16</a:t>
+              <a:t>2017/5/1</a:t>
             </a:fld>
             <a:endParaRPr kumimoji="1" lang="ja-JP" altLang="en-US"/>
           </a:p>
@@ -1895,7 +1895,7 @@
           <a:p>
             <a:fld id="{8FB4C7EE-3C5D-4F47-A8DE-21B759CA57C5}" type="datetimeFigureOut">
               <a:rPr kumimoji="1" lang="ja-JP" altLang="en-US" smtClean="0"/>
-              <a:t>2017/4/16</a:t>
+              <a:t>2017/5/1</a:t>
             </a:fld>
             <a:endParaRPr kumimoji="1" lang="ja-JP" altLang="en-US"/>
           </a:p>
@@ -2139,7 +2139,7 @@
           <a:p>
             <a:fld id="{8FB4C7EE-3C5D-4F47-A8DE-21B759CA57C5}" type="datetimeFigureOut">
               <a:rPr kumimoji="1" lang="ja-JP" altLang="en-US" smtClean="0"/>
-              <a:t>2017/4/16</a:t>
+              <a:t>2017/5/1</a:t>
             </a:fld>
             <a:endParaRPr kumimoji="1" lang="ja-JP" altLang="en-US"/>
           </a:p>
@@ -2435,7 +2435,7 @@
           <a:p>
             <a:fld id="{8FB4C7EE-3C5D-4F47-A8DE-21B759CA57C5}" type="datetimeFigureOut">
               <a:rPr kumimoji="1" lang="ja-JP" altLang="en-US" smtClean="0"/>
-              <a:t>2017/4/16</a:t>
+              <a:t>2017/5/1</a:t>
             </a:fld>
             <a:endParaRPr kumimoji="1" lang="ja-JP" altLang="en-US"/>
           </a:p>
@@ -2866,7 +2866,7 @@
           <a:p>
             <a:fld id="{8FB4C7EE-3C5D-4F47-A8DE-21B759CA57C5}" type="datetimeFigureOut">
               <a:rPr kumimoji="1" lang="ja-JP" altLang="en-US" smtClean="0"/>
-              <a:t>2017/4/16</a:t>
+              <a:t>2017/5/1</a:t>
             </a:fld>
             <a:endParaRPr kumimoji="1" lang="ja-JP" altLang="en-US"/>
           </a:p>
@@ -2984,7 +2984,7 @@
           <a:p>
             <a:fld id="{8FB4C7EE-3C5D-4F47-A8DE-21B759CA57C5}" type="datetimeFigureOut">
               <a:rPr kumimoji="1" lang="ja-JP" altLang="en-US" smtClean="0"/>
-              <a:t>2017/4/16</a:t>
+              <a:t>2017/5/1</a:t>
             </a:fld>
             <a:endParaRPr kumimoji="1" lang="ja-JP" altLang="en-US"/>
           </a:p>
@@ -3079,7 +3079,7 @@
           <a:p>
             <a:fld id="{8FB4C7EE-3C5D-4F47-A8DE-21B759CA57C5}" type="datetimeFigureOut">
               <a:rPr kumimoji="1" lang="ja-JP" altLang="en-US" smtClean="0"/>
-              <a:t>2017/4/16</a:t>
+              <a:t>2017/5/1</a:t>
             </a:fld>
             <a:endParaRPr kumimoji="1" lang="ja-JP" altLang="en-US"/>
           </a:p>
@@ -3388,7 +3388,7 @@
           <a:p>
             <a:fld id="{8FB4C7EE-3C5D-4F47-A8DE-21B759CA57C5}" type="datetimeFigureOut">
               <a:rPr kumimoji="1" lang="ja-JP" altLang="en-US" smtClean="0"/>
-              <a:t>2017/4/16</a:t>
+              <a:t>2017/5/1</a:t>
             </a:fld>
             <a:endParaRPr kumimoji="1" lang="ja-JP" altLang="en-US"/>
           </a:p>
@@ -3645,7 +3645,7 @@
           <a:p>
             <a:fld id="{8FB4C7EE-3C5D-4F47-A8DE-21B759CA57C5}" type="datetimeFigureOut">
               <a:rPr kumimoji="1" lang="ja-JP" altLang="en-US" smtClean="0"/>
-              <a:t>2017/4/16</a:t>
+              <a:t>2017/5/1</a:t>
             </a:fld>
             <a:endParaRPr kumimoji="1" lang="ja-JP" altLang="en-US"/>
           </a:p>
@@ -3890,7 +3890,7 @@
           <a:p>
             <a:fld id="{8FB4C7EE-3C5D-4F47-A8DE-21B759CA57C5}" type="datetimeFigureOut">
               <a:rPr kumimoji="1" lang="ja-JP" altLang="en-US" smtClean="0"/>
-              <a:t>2017/4/16</a:t>
+              <a:t>2017/5/1</a:t>
             </a:fld>
             <a:endParaRPr kumimoji="1" lang="ja-JP" altLang="en-US"/>
           </a:p>
@@ -55627,6 +55627,458 @@
           </a:prstGeom>
           <a:ln>
             <a:solidFill>
+              <a:schemeClr val="accent2">
+                <a:lumMod val="75000"/>
+              </a:schemeClr>
+            </a:solidFill>
+          </a:ln>
+        </p:spPr>
+        <p:style>
+          <a:lnRef idx="2">
+            <a:schemeClr val="accent6"/>
+          </a:lnRef>
+          <a:fillRef idx="1">
+            <a:schemeClr val="lt1"/>
+          </a:fillRef>
+          <a:effectRef idx="0">
+            <a:schemeClr val="accent6"/>
+          </a:effectRef>
+          <a:fontRef idx="minor">
+            <a:schemeClr val="dk1"/>
+          </a:fontRef>
+        </p:style>
+        <p:txBody>
+          <a:bodyPr wrap="none" rtlCol="0" anchor="ctr"/>
+          <a:lstStyle/>
+          <a:p>
+            <a:pPr algn="ctr"/>
+            <a:r>
+              <a:rPr kumimoji="1" lang="en-US" altLang="ja-JP" sz="1100" dirty="0" smtClean="0">
+                <a:solidFill>
+                  <a:schemeClr val="accent2">
+                    <a:lumMod val="75000"/>
+                  </a:schemeClr>
+                </a:solidFill>
+              </a:rPr>
+              <a:t>Vol</a:t>
+            </a:r>
+          </a:p>
+          <a:p>
+            <a:pPr algn="ctr"/>
+            <a:r>
+              <a:rPr kumimoji="1" lang="en-US" altLang="ja-JP" sz="1100" dirty="0" smtClean="0">
+                <a:solidFill>
+                  <a:schemeClr val="accent2">
+                    <a:lumMod val="75000"/>
+                  </a:schemeClr>
+                </a:solidFill>
+              </a:rPr>
+              <a:t>Up</a:t>
+            </a:r>
+            <a:endParaRPr kumimoji="1" lang="ja-JP" altLang="en-US" sz="1100" dirty="0">
+              <a:solidFill>
+                <a:schemeClr val="accent2">
+                  <a:lumMod val="75000"/>
+                </a:schemeClr>
+              </a:solidFill>
+            </a:endParaRPr>
+          </a:p>
+        </p:txBody>
+      </p:sp>
+      <p:sp>
+        <p:nvSpPr>
+          <p:cNvPr id="23" name="角丸四角形 22"/>
+          <p:cNvSpPr/>
+          <p:nvPr/>
+        </p:nvSpPr>
+        <p:spPr>
+          <a:xfrm>
+            <a:off x="1900793" y="3895694"/>
+            <a:ext cx="464588" cy="465380"/>
+          </a:xfrm>
+          <a:prstGeom prst="roundRect">
+            <a:avLst/>
+          </a:prstGeom>
+          <a:ln>
+            <a:solidFill>
+              <a:schemeClr val="accent5">
+                <a:lumMod val="75000"/>
+              </a:schemeClr>
+            </a:solidFill>
+          </a:ln>
+        </p:spPr>
+        <p:style>
+          <a:lnRef idx="2">
+            <a:schemeClr val="accent6"/>
+          </a:lnRef>
+          <a:fillRef idx="1">
+            <a:schemeClr val="lt1"/>
+          </a:fillRef>
+          <a:effectRef idx="0">
+            <a:schemeClr val="accent6"/>
+          </a:effectRef>
+          <a:fontRef idx="minor">
+            <a:schemeClr val="dk1"/>
+          </a:fontRef>
+        </p:style>
+        <p:txBody>
+          <a:bodyPr wrap="none" rtlCol="0" anchor="ctr"/>
+          <a:lstStyle/>
+          <a:p>
+            <a:pPr algn="ctr"/>
+            <a:r>
+              <a:rPr lang="ja-JP" altLang="en-US" sz="800" dirty="0" smtClean="0">
+                <a:solidFill>
+                  <a:schemeClr val="accent5">
+                    <a:lumMod val="75000"/>
+                  </a:schemeClr>
+                </a:solidFill>
+              </a:rPr>
+              <a:t>エアコン</a:t>
+            </a:r>
+            <a:endParaRPr lang="en-US" altLang="ja-JP" sz="800" dirty="0" smtClean="0">
+              <a:solidFill>
+                <a:schemeClr val="accent5">
+                  <a:lumMod val="75000"/>
+                </a:schemeClr>
+              </a:solidFill>
+            </a:endParaRPr>
+          </a:p>
+          <a:p>
+            <a:pPr algn="ctr"/>
+            <a:r>
+              <a:rPr lang="ja-JP" altLang="en-US" sz="800" dirty="0">
+                <a:solidFill>
+                  <a:schemeClr val="accent5">
+                    <a:lumMod val="75000"/>
+                  </a:schemeClr>
+                </a:solidFill>
+              </a:rPr>
+              <a:t>オフ</a:t>
+            </a:r>
+          </a:p>
+        </p:txBody>
+      </p:sp>
+      <p:sp>
+        <p:nvSpPr>
+          <p:cNvPr id="24" name="角丸四角形 23"/>
+          <p:cNvSpPr/>
+          <p:nvPr/>
+        </p:nvSpPr>
+        <p:spPr>
+          <a:xfrm>
+            <a:off x="2437374" y="3895694"/>
+            <a:ext cx="464588" cy="465380"/>
+          </a:xfrm>
+          <a:prstGeom prst="roundRect">
+            <a:avLst/>
+          </a:prstGeom>
+          <a:ln>
+            <a:solidFill>
+              <a:schemeClr val="accent5">
+                <a:lumMod val="75000"/>
+              </a:schemeClr>
+            </a:solidFill>
+          </a:ln>
+        </p:spPr>
+        <p:style>
+          <a:lnRef idx="2">
+            <a:schemeClr val="accent6"/>
+          </a:lnRef>
+          <a:fillRef idx="1">
+            <a:schemeClr val="lt1"/>
+          </a:fillRef>
+          <a:effectRef idx="0">
+            <a:schemeClr val="accent6"/>
+          </a:effectRef>
+          <a:fontRef idx="minor">
+            <a:schemeClr val="dk1"/>
+          </a:fontRef>
+        </p:style>
+        <p:txBody>
+          <a:bodyPr wrap="none" rtlCol="0" anchor="ctr"/>
+          <a:lstStyle/>
+          <a:p>
+            <a:pPr algn="ctr"/>
+            <a:r>
+              <a:rPr kumimoji="1" lang="ja-JP" altLang="en-US" sz="900" dirty="0" smtClean="0">
+                <a:solidFill>
+                  <a:schemeClr val="accent5">
+                    <a:lumMod val="75000"/>
+                  </a:schemeClr>
+                </a:solidFill>
+              </a:rPr>
+              <a:t>蛍光灯</a:t>
+            </a:r>
+            <a:endParaRPr kumimoji="1" lang="en-US" altLang="ja-JP" sz="900" dirty="0" smtClean="0">
+              <a:solidFill>
+                <a:schemeClr val="accent5">
+                  <a:lumMod val="75000"/>
+                </a:schemeClr>
+              </a:solidFill>
+            </a:endParaRPr>
+          </a:p>
+          <a:p>
+            <a:pPr algn="ctr"/>
+            <a:r>
+              <a:rPr lang="ja-JP" altLang="en-US" sz="900" dirty="0">
+                <a:solidFill>
+                  <a:schemeClr val="accent5">
+                    <a:lumMod val="75000"/>
+                  </a:schemeClr>
+                </a:solidFill>
+              </a:rPr>
+              <a:t>オン</a:t>
+            </a:r>
+            <a:endParaRPr kumimoji="1" lang="ja-JP" altLang="en-US" sz="900" dirty="0">
+              <a:solidFill>
+                <a:schemeClr val="accent5">
+                  <a:lumMod val="75000"/>
+                </a:schemeClr>
+              </a:solidFill>
+            </a:endParaRPr>
+          </a:p>
+        </p:txBody>
+      </p:sp>
+      <p:sp>
+        <p:nvSpPr>
+          <p:cNvPr id="25" name="角丸四角形 24"/>
+          <p:cNvSpPr/>
+          <p:nvPr/>
+        </p:nvSpPr>
+        <p:spPr>
+          <a:xfrm>
+            <a:off x="2973955" y="3895694"/>
+            <a:ext cx="464588" cy="465380"/>
+          </a:xfrm>
+          <a:prstGeom prst="roundRect">
+            <a:avLst/>
+          </a:prstGeom>
+          <a:ln>
+            <a:solidFill>
+              <a:schemeClr val="accent5">
+                <a:lumMod val="75000"/>
+              </a:schemeClr>
+            </a:solidFill>
+          </a:ln>
+        </p:spPr>
+        <p:style>
+          <a:lnRef idx="2">
+            <a:schemeClr val="accent6"/>
+          </a:lnRef>
+          <a:fillRef idx="1">
+            <a:schemeClr val="lt1"/>
+          </a:fillRef>
+          <a:effectRef idx="0">
+            <a:schemeClr val="accent6"/>
+          </a:effectRef>
+          <a:fontRef idx="minor">
+            <a:schemeClr val="dk1"/>
+          </a:fontRef>
+        </p:style>
+        <p:txBody>
+          <a:bodyPr wrap="none" rtlCol="0" anchor="ctr"/>
+          <a:lstStyle/>
+          <a:p>
+            <a:pPr algn="ctr"/>
+            <a:r>
+              <a:rPr lang="ja-JP" altLang="en-US" sz="800" dirty="0" smtClean="0">
+                <a:solidFill>
+                  <a:schemeClr val="accent5">
+                    <a:lumMod val="75000"/>
+                  </a:schemeClr>
+                </a:solidFill>
+              </a:rPr>
+              <a:t>エアコン</a:t>
+            </a:r>
+            <a:endParaRPr lang="en-US" altLang="ja-JP" sz="800" dirty="0" smtClean="0">
+              <a:solidFill>
+                <a:schemeClr val="accent5">
+                  <a:lumMod val="75000"/>
+                </a:schemeClr>
+              </a:solidFill>
+            </a:endParaRPr>
+          </a:p>
+          <a:p>
+            <a:pPr algn="ctr"/>
+            <a:r>
+              <a:rPr lang="ja-JP" altLang="en-US" sz="800" dirty="0" smtClean="0">
+                <a:solidFill>
+                  <a:schemeClr val="accent5">
+                    <a:lumMod val="75000"/>
+                  </a:schemeClr>
+                </a:solidFill>
+              </a:rPr>
+              <a:t>オン</a:t>
+            </a:r>
+            <a:endParaRPr lang="ja-JP" altLang="en-US" sz="800" dirty="0">
+              <a:solidFill>
+                <a:schemeClr val="accent5">
+                  <a:lumMod val="75000"/>
+                </a:schemeClr>
+              </a:solidFill>
+            </a:endParaRPr>
+          </a:p>
+        </p:txBody>
+      </p:sp>
+      <p:sp>
+        <p:nvSpPr>
+          <p:cNvPr id="26" name="角丸四角形 25"/>
+          <p:cNvSpPr/>
+          <p:nvPr/>
+        </p:nvSpPr>
+        <p:spPr>
+          <a:xfrm>
+            <a:off x="3510536" y="3895694"/>
+            <a:ext cx="464588" cy="465380"/>
+          </a:xfrm>
+          <a:prstGeom prst="roundRect">
+            <a:avLst/>
+          </a:prstGeom>
+          <a:ln>
+            <a:solidFill>
+              <a:schemeClr val="accent5">
+                <a:lumMod val="75000"/>
+              </a:schemeClr>
+            </a:solidFill>
+          </a:ln>
+        </p:spPr>
+        <p:style>
+          <a:lnRef idx="2">
+            <a:schemeClr val="accent6"/>
+          </a:lnRef>
+          <a:fillRef idx="1">
+            <a:schemeClr val="lt1"/>
+          </a:fillRef>
+          <a:effectRef idx="0">
+            <a:schemeClr val="accent6"/>
+          </a:effectRef>
+          <a:fontRef idx="minor">
+            <a:schemeClr val="dk1"/>
+          </a:fontRef>
+        </p:style>
+        <p:txBody>
+          <a:bodyPr wrap="none" rtlCol="0" anchor="ctr"/>
+          <a:lstStyle/>
+          <a:p>
+            <a:pPr algn="ctr"/>
+            <a:r>
+              <a:rPr kumimoji="1" lang="ja-JP" altLang="en-US" sz="700" dirty="0" smtClean="0">
+                <a:solidFill>
+                  <a:schemeClr val="accent5">
+                    <a:lumMod val="75000"/>
+                  </a:schemeClr>
+                </a:solidFill>
+              </a:rPr>
+              <a:t>蛍光灯</a:t>
+            </a:r>
+            <a:endParaRPr kumimoji="1" lang="en-US" altLang="ja-JP" sz="700" dirty="0" smtClean="0">
+              <a:solidFill>
+                <a:schemeClr val="accent5">
+                  <a:lumMod val="75000"/>
+                </a:schemeClr>
+              </a:solidFill>
+            </a:endParaRPr>
+          </a:p>
+          <a:p>
+            <a:pPr algn="ctr"/>
+            <a:r>
+              <a:rPr lang="ja-JP" altLang="en-US" sz="700" dirty="0" smtClean="0">
+                <a:solidFill>
+                  <a:schemeClr val="accent5">
+                    <a:lumMod val="75000"/>
+                  </a:schemeClr>
+                </a:solidFill>
+              </a:rPr>
+              <a:t>タイマ</a:t>
+            </a:r>
+            <a:r>
+              <a:rPr lang="en-US" altLang="ja-JP" sz="700" dirty="0" smtClean="0">
+                <a:solidFill>
+                  <a:schemeClr val="accent5">
+                    <a:lumMod val="75000"/>
+                  </a:schemeClr>
+                </a:solidFill>
+              </a:rPr>
+              <a:t>30</a:t>
+            </a:r>
+            <a:endParaRPr kumimoji="1" lang="ja-JP" altLang="en-US" sz="700" dirty="0">
+              <a:solidFill>
+                <a:schemeClr val="accent5">
+                  <a:lumMod val="75000"/>
+                </a:schemeClr>
+              </a:solidFill>
+            </a:endParaRPr>
+          </a:p>
+        </p:txBody>
+      </p:sp>
+      <p:sp>
+        <p:nvSpPr>
+          <p:cNvPr id="27" name="角丸四角形 26"/>
+          <p:cNvSpPr/>
+          <p:nvPr/>
+        </p:nvSpPr>
+        <p:spPr>
+          <a:xfrm>
+            <a:off x="4047117" y="3895694"/>
+            <a:ext cx="464588" cy="465380"/>
+          </a:xfrm>
+          <a:prstGeom prst="roundRect">
+            <a:avLst/>
+          </a:prstGeom>
+          <a:ln>
+            <a:solidFill>
+              <a:schemeClr val="accent6">
+                <a:lumMod val="75000"/>
+              </a:schemeClr>
+            </a:solidFill>
+          </a:ln>
+        </p:spPr>
+        <p:style>
+          <a:lnRef idx="2">
+            <a:schemeClr val="accent6"/>
+          </a:lnRef>
+          <a:fillRef idx="1">
+            <a:schemeClr val="lt1"/>
+          </a:fillRef>
+          <a:effectRef idx="0">
+            <a:schemeClr val="accent6"/>
+          </a:effectRef>
+          <a:fontRef idx="minor">
+            <a:schemeClr val="dk1"/>
+          </a:fontRef>
+        </p:style>
+        <p:txBody>
+          <a:bodyPr wrap="none" rtlCol="0" anchor="ctr"/>
+          <a:lstStyle/>
+          <a:p>
+            <a:pPr algn="ctr"/>
+            <a:endParaRPr kumimoji="1" lang="ja-JP" altLang="en-US" sz="800" dirty="0">
+              <a:solidFill>
+                <a:schemeClr val="accent6">
+                  <a:lumMod val="75000"/>
+                </a:schemeClr>
+              </a:solidFill>
+            </a:endParaRPr>
+          </a:p>
+        </p:txBody>
+      </p:sp>
+      <p:sp>
+        <p:nvSpPr>
+          <p:cNvPr id="28" name="角丸四角形 27"/>
+          <p:cNvSpPr/>
+          <p:nvPr/>
+        </p:nvSpPr>
+        <p:spPr>
+          <a:xfrm>
+            <a:off x="4583698" y="3895694"/>
+            <a:ext cx="464588" cy="465380"/>
+          </a:xfrm>
+          <a:prstGeom prst="roundRect">
+            <a:avLst/>
+          </a:prstGeom>
+          <a:ln>
+            <a:solidFill>
               <a:schemeClr val="accent6">
                 <a:lumMod val="75000"/>
               </a:schemeClr>
@@ -55664,13 +56116,13 @@
       </p:sp>
       <p:sp>
         <p:nvSpPr>
-          <p:cNvPr id="23" name="角丸四角形 22"/>
-          <p:cNvSpPr/>
-          <p:nvPr/>
-        </p:nvSpPr>
-        <p:spPr>
-          <a:xfrm>
-            <a:off x="1900793" y="3895694"/>
+          <p:cNvPr id="29" name="角丸四角形 28"/>
+          <p:cNvSpPr/>
+          <p:nvPr/>
+        </p:nvSpPr>
+        <p:spPr>
+          <a:xfrm>
+            <a:off x="5120279" y="3895694"/>
             <a:ext cx="464588" cy="465380"/>
           </a:xfrm>
           <a:prstGeom prst="roundRect">
@@ -55678,7 +56130,7 @@
           </a:prstGeom>
           <a:ln>
             <a:solidFill>
-              <a:schemeClr val="accent5">
+              <a:schemeClr val="accent2">
                 <a:lumMod val="75000"/>
               </a:schemeClr>
             </a:solidFill>
@@ -55704,18 +56156,18 @@
           <a:p>
             <a:pPr algn="ctr"/>
             <a:r>
-              <a:rPr lang="ja-JP" altLang="en-US" sz="800" dirty="0" smtClean="0">
+              <a:rPr kumimoji="1" lang="ja-JP" altLang="en-US" sz="700" smtClean="0">
                 <a:solidFill>
-                  <a:schemeClr val="accent5">
+                  <a:schemeClr val="accent2">
                     <a:lumMod val="75000"/>
                   </a:schemeClr>
                 </a:solidFill>
               </a:rPr>
-              <a:t>エアコン</a:t>
-            </a:r>
-            <a:endParaRPr lang="en-US" altLang="ja-JP" sz="800" dirty="0" smtClean="0">
+              <a:t>サウンド</a:t>
+            </a:r>
+            <a:endParaRPr kumimoji="1" lang="en-US" altLang="ja-JP" sz="700" smtClean="0">
               <a:solidFill>
-                <a:schemeClr val="accent5">
+                <a:schemeClr val="accent2">
                   <a:lumMod val="75000"/>
                 </a:schemeClr>
               </a:solidFill>
@@ -55724,153 +56176,119 @@
           <a:p>
             <a:pPr algn="ctr"/>
             <a:r>
-              <a:rPr lang="ja-JP" altLang="en-US" sz="800" dirty="0">
+              <a:rPr lang="ja-JP" altLang="en-US" sz="700" smtClean="0">
                 <a:solidFill>
-                  <a:schemeClr val="accent5">
+                  <a:schemeClr val="accent2">
                     <a:lumMod val="75000"/>
                   </a:schemeClr>
                 </a:solidFill>
               </a:rPr>
-              <a:t>オフ</a:t>
-            </a:r>
-          </a:p>
-        </p:txBody>
-      </p:sp>
-      <p:sp>
-        <p:nvSpPr>
-          <p:cNvPr id="24" name="角丸四角形 23"/>
-          <p:cNvSpPr/>
-          <p:nvPr/>
-        </p:nvSpPr>
-        <p:spPr>
-          <a:xfrm>
-            <a:off x="2437374" y="3895694"/>
-            <a:ext cx="464588" cy="465380"/>
-          </a:xfrm>
-          <a:prstGeom prst="roundRect">
-            <a:avLst/>
-          </a:prstGeom>
-          <a:ln>
-            <a:solidFill>
-              <a:schemeClr val="accent5">
-                <a:lumMod val="75000"/>
-              </a:schemeClr>
-            </a:solidFill>
-          </a:ln>
-        </p:spPr>
-        <p:style>
-          <a:lnRef idx="2">
-            <a:schemeClr val="accent6"/>
-          </a:lnRef>
-          <a:fillRef idx="1">
-            <a:schemeClr val="lt1"/>
-          </a:fillRef>
-          <a:effectRef idx="0">
-            <a:schemeClr val="accent6"/>
-          </a:effectRef>
-          <a:fontRef idx="minor">
-            <a:schemeClr val="dk1"/>
-          </a:fontRef>
-        </p:style>
-        <p:txBody>
-          <a:bodyPr wrap="none" rtlCol="0" anchor="ctr"/>
-          <a:lstStyle/>
-          <a:p>
-            <a:pPr algn="ctr"/>
-            <a:r>
-              <a:rPr kumimoji="1" lang="ja-JP" altLang="en-US" sz="900" dirty="0" smtClean="0">
+              <a:t>変更</a:t>
+            </a:r>
+            <a:endParaRPr lang="en-US" altLang="ja-JP" sz="700" smtClean="0">
+              <a:solidFill>
+                <a:schemeClr val="accent2">
+                  <a:lumMod val="75000"/>
+                </a:schemeClr>
+              </a:solidFill>
+            </a:endParaRPr>
+          </a:p>
+          <a:p>
+            <a:pPr algn="ctr"/>
+            <a:r>
+              <a:rPr kumimoji="1" lang="ja-JP" altLang="en-US" sz="700" smtClean="0">
                 <a:solidFill>
-                  <a:schemeClr val="accent5">
+                  <a:schemeClr val="accent2">
                     <a:lumMod val="75000"/>
                   </a:schemeClr>
                 </a:solidFill>
               </a:rPr>
-              <a:t>蛍光灯</a:t>
-            </a:r>
-            <a:endParaRPr kumimoji="1" lang="en-US" altLang="ja-JP" sz="900" dirty="0" smtClean="0">
+              <a:t>（イヤホン）</a:t>
+            </a:r>
+            <a:endParaRPr kumimoji="1" lang="ja-JP" altLang="en-US" sz="700" dirty="0">
               <a:solidFill>
-                <a:schemeClr val="accent5">
+                <a:schemeClr val="accent2">
                   <a:lumMod val="75000"/>
                 </a:schemeClr>
               </a:solidFill>
             </a:endParaRPr>
           </a:p>
-          <a:p>
-            <a:pPr algn="ctr"/>
-            <a:r>
-              <a:rPr lang="ja-JP" altLang="en-US" sz="900" dirty="0">
+        </p:txBody>
+      </p:sp>
+      <p:sp>
+        <p:nvSpPr>
+          <p:cNvPr id="30" name="角丸四角形 29"/>
+          <p:cNvSpPr/>
+          <p:nvPr/>
+        </p:nvSpPr>
+        <p:spPr>
+          <a:xfrm>
+            <a:off x="5656860" y="3895694"/>
+            <a:ext cx="464588" cy="465380"/>
+          </a:xfrm>
+          <a:prstGeom prst="roundRect">
+            <a:avLst/>
+          </a:prstGeom>
+          <a:ln>
+            <a:solidFill>
+              <a:schemeClr val="accent2">
+                <a:lumMod val="75000"/>
+              </a:schemeClr>
+            </a:solidFill>
+          </a:ln>
+        </p:spPr>
+        <p:style>
+          <a:lnRef idx="2">
+            <a:schemeClr val="accent6"/>
+          </a:lnRef>
+          <a:fillRef idx="1">
+            <a:schemeClr val="lt1"/>
+          </a:fillRef>
+          <a:effectRef idx="0">
+            <a:schemeClr val="accent6"/>
+          </a:effectRef>
+          <a:fontRef idx="minor">
+            <a:schemeClr val="dk1"/>
+          </a:fontRef>
+        </p:style>
+        <p:txBody>
+          <a:bodyPr wrap="none" rtlCol="0" anchor="ctr"/>
+          <a:lstStyle/>
+          <a:p>
+            <a:pPr algn="ctr"/>
+            <a:r>
+              <a:rPr lang="ja-JP" altLang="en-US" sz="700" dirty="0" smtClean="0">
                 <a:solidFill>
-                  <a:schemeClr val="accent5">
+                  <a:schemeClr val="accent2">
                     <a:lumMod val="75000"/>
                   </a:schemeClr>
                 </a:solidFill>
               </a:rPr>
-              <a:t>オン</a:t>
-            </a:r>
-            <a:endParaRPr kumimoji="1" lang="ja-JP" altLang="en-US" sz="900" dirty="0">
+              <a:t>サウンド</a:t>
+            </a:r>
+            <a:endParaRPr lang="en-US" altLang="ja-JP" sz="700" dirty="0" smtClean="0">
               <a:solidFill>
-                <a:schemeClr val="accent5">
+                <a:schemeClr val="accent2">
                   <a:lumMod val="75000"/>
                 </a:schemeClr>
               </a:solidFill>
             </a:endParaRPr>
           </a:p>
-        </p:txBody>
-      </p:sp>
-      <p:sp>
-        <p:nvSpPr>
-          <p:cNvPr id="25" name="角丸四角形 24"/>
-          <p:cNvSpPr/>
-          <p:nvPr/>
-        </p:nvSpPr>
-        <p:spPr>
-          <a:xfrm>
-            <a:off x="2973955" y="3895694"/>
-            <a:ext cx="464588" cy="465380"/>
-          </a:xfrm>
-          <a:prstGeom prst="roundRect">
-            <a:avLst/>
-          </a:prstGeom>
-          <a:ln>
-            <a:solidFill>
-              <a:schemeClr val="accent5">
-                <a:lumMod val="75000"/>
-              </a:schemeClr>
-            </a:solidFill>
-          </a:ln>
-        </p:spPr>
-        <p:style>
-          <a:lnRef idx="2">
-            <a:schemeClr val="accent6"/>
-          </a:lnRef>
-          <a:fillRef idx="1">
-            <a:schemeClr val="lt1"/>
-          </a:fillRef>
-          <a:effectRef idx="0">
-            <a:schemeClr val="accent6"/>
-          </a:effectRef>
-          <a:fontRef idx="minor">
-            <a:schemeClr val="dk1"/>
-          </a:fontRef>
-        </p:style>
-        <p:txBody>
-          <a:bodyPr wrap="none" rtlCol="0" anchor="ctr"/>
-          <a:lstStyle/>
-          <a:p>
-            <a:pPr algn="ctr"/>
-            <a:r>
-              <a:rPr lang="ja-JP" altLang="en-US" sz="800" dirty="0" smtClean="0">
+          <a:p>
+            <a:pPr algn="ctr"/>
+            <a:r>
+              <a:rPr lang="ja-JP" altLang="en-US" sz="700" dirty="0" smtClean="0">
                 <a:solidFill>
-                  <a:schemeClr val="accent5">
+                  <a:schemeClr val="accent2">
                     <a:lumMod val="75000"/>
                   </a:schemeClr>
                 </a:solidFill>
               </a:rPr>
-              <a:t>エアコン</a:t>
-            </a:r>
-            <a:endParaRPr lang="en-US" altLang="ja-JP" sz="800" dirty="0" smtClean="0">
+              <a:t>変更</a:t>
+            </a:r>
+            <a:endParaRPr lang="en-US" altLang="ja-JP" sz="700" dirty="0" smtClean="0">
               <a:solidFill>
-                <a:schemeClr val="accent5">
+                <a:schemeClr val="accent2">
                   <a:lumMod val="75000"/>
                 </a:schemeClr>
               </a:solidFill>
@@ -55879,18 +56297,18 @@
           <a:p>
             <a:pPr algn="ctr"/>
             <a:r>
-              <a:rPr lang="ja-JP" altLang="en-US" sz="800" dirty="0" smtClean="0">
+              <a:rPr lang="ja-JP" altLang="en-US" sz="700" dirty="0" smtClean="0">
                 <a:solidFill>
-                  <a:schemeClr val="accent5">
+                  <a:schemeClr val="accent2">
                     <a:lumMod val="75000"/>
                   </a:schemeClr>
                 </a:solidFill>
               </a:rPr>
-              <a:t>オン</a:t>
-            </a:r>
-            <a:endParaRPr lang="ja-JP" altLang="en-US" sz="800" dirty="0">
+              <a:t>（スピーカ）</a:t>
+            </a:r>
+            <a:endParaRPr lang="en-US" altLang="ja-JP" sz="700" dirty="0" smtClean="0">
               <a:solidFill>
-                <a:schemeClr val="accent5">
+                <a:schemeClr val="accent2">
                   <a:lumMod val="75000"/>
                 </a:schemeClr>
               </a:solidFill>
@@ -55900,104 +56318,13 @@
       </p:sp>
       <p:sp>
         <p:nvSpPr>
-          <p:cNvPr id="26" name="角丸四角形 25"/>
-          <p:cNvSpPr/>
-          <p:nvPr/>
-        </p:nvSpPr>
-        <p:spPr>
-          <a:xfrm>
-            <a:off x="3510536" y="3895694"/>
-            <a:ext cx="464588" cy="465380"/>
-          </a:xfrm>
-          <a:prstGeom prst="roundRect">
-            <a:avLst/>
-          </a:prstGeom>
-          <a:ln>
-            <a:solidFill>
-              <a:schemeClr val="accent5">
-                <a:lumMod val="75000"/>
-              </a:schemeClr>
-            </a:solidFill>
-          </a:ln>
-        </p:spPr>
-        <p:style>
-          <a:lnRef idx="2">
-            <a:schemeClr val="accent6"/>
-          </a:lnRef>
-          <a:fillRef idx="1">
-            <a:schemeClr val="lt1"/>
-          </a:fillRef>
-          <a:effectRef idx="0">
-            <a:schemeClr val="accent6"/>
-          </a:effectRef>
-          <a:fontRef idx="minor">
-            <a:schemeClr val="dk1"/>
-          </a:fontRef>
-        </p:style>
-        <p:txBody>
-          <a:bodyPr wrap="none" rtlCol="0" anchor="ctr"/>
-          <a:lstStyle/>
-          <a:p>
-            <a:pPr algn="ctr"/>
-            <a:r>
-              <a:rPr kumimoji="1" lang="ja-JP" altLang="en-US" sz="700" dirty="0" smtClean="0">
-                <a:solidFill>
-                  <a:schemeClr val="accent5">
-                    <a:lumMod val="75000"/>
-                  </a:schemeClr>
-                </a:solidFill>
-              </a:rPr>
-              <a:t>蛍光灯</a:t>
-            </a:r>
-            <a:endParaRPr kumimoji="1" lang="en-US" altLang="ja-JP" sz="700" dirty="0" smtClean="0">
-              <a:solidFill>
-                <a:schemeClr val="accent5">
-                  <a:lumMod val="75000"/>
-                </a:schemeClr>
-              </a:solidFill>
-            </a:endParaRPr>
-          </a:p>
-          <a:p>
-            <a:pPr algn="ctr"/>
-            <a:r>
-              <a:rPr lang="ja-JP" altLang="en-US" sz="700" dirty="0" smtClean="0">
-                <a:solidFill>
-                  <a:schemeClr val="accent5">
-                    <a:lumMod val="75000"/>
-                  </a:schemeClr>
-                </a:solidFill>
-              </a:rPr>
-              <a:t>タイマ</a:t>
-            </a:r>
-            <a:r>
-              <a:rPr lang="en-US" altLang="ja-JP" sz="700" dirty="0" smtClean="0">
-                <a:solidFill>
-                  <a:schemeClr val="accent5">
-                    <a:lumMod val="75000"/>
-                  </a:schemeClr>
-                </a:solidFill>
-              </a:rPr>
-              <a:t>30</a:t>
-            </a:r>
-            <a:endParaRPr kumimoji="1" lang="ja-JP" altLang="en-US" sz="700" dirty="0">
-              <a:solidFill>
-                <a:schemeClr val="accent5">
-                  <a:lumMod val="75000"/>
-                </a:schemeClr>
-              </a:solidFill>
-            </a:endParaRPr>
-          </a:p>
-        </p:txBody>
-      </p:sp>
-      <p:sp>
-        <p:nvSpPr>
-          <p:cNvPr id="27" name="角丸四角形 26"/>
-          <p:cNvSpPr/>
-          <p:nvPr/>
-        </p:nvSpPr>
-        <p:spPr>
-          <a:xfrm>
-            <a:off x="4047117" y="3895694"/>
+          <p:cNvPr id="31" name="角丸四角形 30"/>
+          <p:cNvSpPr/>
+          <p:nvPr/>
+        </p:nvSpPr>
+        <p:spPr>
+          <a:xfrm>
+            <a:off x="6193441" y="3895694"/>
             <a:ext cx="464588" cy="465380"/>
           </a:xfrm>
           <a:prstGeom prst="roundRect">
@@ -56030,7 +56357,7 @@
           <a:lstStyle/>
           <a:p>
             <a:pPr algn="ctr"/>
-            <a:endParaRPr kumimoji="1" lang="ja-JP" altLang="en-US" sz="800" dirty="0">
+            <a:endParaRPr kumimoji="1" lang="ja-JP" altLang="en-US" sz="1000" dirty="0">
               <a:solidFill>
                 <a:schemeClr val="accent6">
                   <a:lumMod val="75000"/>
@@ -56042,13 +56369,13 @@
       </p:sp>
       <p:sp>
         <p:nvSpPr>
-          <p:cNvPr id="28" name="角丸四角形 27"/>
-          <p:cNvSpPr/>
-          <p:nvPr/>
-        </p:nvSpPr>
-        <p:spPr>
-          <a:xfrm>
-            <a:off x="4583698" y="3895694"/>
+          <p:cNvPr id="32" name="角丸四角形 31"/>
+          <p:cNvSpPr/>
+          <p:nvPr/>
+        </p:nvSpPr>
+        <p:spPr>
+          <a:xfrm>
+            <a:off x="6730022" y="3895694"/>
             <a:ext cx="464588" cy="465380"/>
           </a:xfrm>
           <a:prstGeom prst="roundRect">
@@ -56093,266 +56420,13 @@
       </p:sp>
       <p:sp>
         <p:nvSpPr>
-          <p:cNvPr id="29" name="角丸四角形 28"/>
-          <p:cNvSpPr/>
-          <p:nvPr/>
-        </p:nvSpPr>
-        <p:spPr>
-          <a:xfrm>
-            <a:off x="5120279" y="3895694"/>
-            <a:ext cx="464588" cy="465380"/>
-          </a:xfrm>
-          <a:prstGeom prst="roundRect">
-            <a:avLst/>
-          </a:prstGeom>
-          <a:ln>
-            <a:solidFill>
-              <a:schemeClr val="accent6">
-                <a:lumMod val="75000"/>
-              </a:schemeClr>
-            </a:solidFill>
-          </a:ln>
-        </p:spPr>
-        <p:style>
-          <a:lnRef idx="2">
-            <a:schemeClr val="accent6"/>
-          </a:lnRef>
-          <a:fillRef idx="1">
-            <a:schemeClr val="lt1"/>
-          </a:fillRef>
-          <a:effectRef idx="0">
-            <a:schemeClr val="accent6"/>
-          </a:effectRef>
-          <a:fontRef idx="minor">
-            <a:schemeClr val="dk1"/>
-          </a:fontRef>
-        </p:style>
-        <p:txBody>
-          <a:bodyPr wrap="none" rtlCol="0" anchor="ctr"/>
-          <a:lstStyle/>
-          <a:p>
-            <a:pPr algn="ctr"/>
-            <a:r>
-              <a:rPr kumimoji="1" lang="ja-JP" altLang="en-US" sz="700" smtClean="0">
-                <a:solidFill>
-                  <a:schemeClr val="accent6">
-                    <a:lumMod val="75000"/>
-                  </a:schemeClr>
-                </a:solidFill>
-              </a:rPr>
-              <a:t>サウンド</a:t>
-            </a:r>
-            <a:endParaRPr kumimoji="1" lang="en-US" altLang="ja-JP" sz="700" smtClean="0">
-              <a:solidFill>
-                <a:schemeClr val="accent6">
-                  <a:lumMod val="75000"/>
-                </a:schemeClr>
-              </a:solidFill>
-            </a:endParaRPr>
-          </a:p>
-          <a:p>
-            <a:pPr algn="ctr"/>
-            <a:r>
-              <a:rPr lang="ja-JP" altLang="en-US" sz="700" smtClean="0">
-                <a:solidFill>
-                  <a:schemeClr val="accent6">
-                    <a:lumMod val="75000"/>
-                  </a:schemeClr>
-                </a:solidFill>
-              </a:rPr>
-              <a:t>変更</a:t>
-            </a:r>
-            <a:endParaRPr lang="en-US" altLang="ja-JP" sz="700" smtClean="0">
-              <a:solidFill>
-                <a:schemeClr val="accent6">
-                  <a:lumMod val="75000"/>
-                </a:schemeClr>
-              </a:solidFill>
-            </a:endParaRPr>
-          </a:p>
-          <a:p>
-            <a:pPr algn="ctr"/>
-            <a:r>
-              <a:rPr kumimoji="1" lang="ja-JP" altLang="en-US" sz="700" smtClean="0">
-                <a:solidFill>
-                  <a:schemeClr val="accent6">
-                    <a:lumMod val="75000"/>
-                  </a:schemeClr>
-                </a:solidFill>
-              </a:rPr>
-              <a:t>（イヤホン）</a:t>
-            </a:r>
-            <a:endParaRPr kumimoji="1" lang="ja-JP" altLang="en-US" sz="700" dirty="0">
-              <a:solidFill>
-                <a:schemeClr val="accent6">
-                  <a:lumMod val="75000"/>
-                </a:schemeClr>
-              </a:solidFill>
-            </a:endParaRPr>
-          </a:p>
-        </p:txBody>
-      </p:sp>
-      <p:sp>
-        <p:nvSpPr>
-          <p:cNvPr id="30" name="角丸四角形 29"/>
-          <p:cNvSpPr/>
-          <p:nvPr/>
-        </p:nvSpPr>
-        <p:spPr>
-          <a:xfrm>
-            <a:off x="5656860" y="3895694"/>
-            <a:ext cx="464588" cy="465380"/>
-          </a:xfrm>
-          <a:prstGeom prst="roundRect">
-            <a:avLst/>
-          </a:prstGeom>
-          <a:ln>
-            <a:solidFill>
-              <a:schemeClr val="accent6">
-                <a:lumMod val="75000"/>
-              </a:schemeClr>
-            </a:solidFill>
-          </a:ln>
-        </p:spPr>
-        <p:style>
-          <a:lnRef idx="2">
-            <a:schemeClr val="accent6"/>
-          </a:lnRef>
-          <a:fillRef idx="1">
-            <a:schemeClr val="lt1"/>
-          </a:fillRef>
-          <a:effectRef idx="0">
-            <a:schemeClr val="accent6"/>
-          </a:effectRef>
-          <a:fontRef idx="minor">
-            <a:schemeClr val="dk1"/>
-          </a:fontRef>
-        </p:style>
-        <p:txBody>
-          <a:bodyPr wrap="none" rtlCol="0" anchor="ctr"/>
-          <a:lstStyle/>
-          <a:p>
-            <a:pPr algn="ctr"/>
-            <a:r>
-              <a:rPr lang="ja-JP" altLang="en-US" sz="700" smtClean="0">
-                <a:solidFill>
-                  <a:schemeClr val="accent6">
-                    <a:lumMod val="75000"/>
-                  </a:schemeClr>
-                </a:solidFill>
-              </a:rPr>
-              <a:t>サウンド</a:t>
-            </a:r>
-            <a:endParaRPr lang="en-US" altLang="ja-JP" sz="700" smtClean="0">
-              <a:solidFill>
-                <a:schemeClr val="accent6">
-                  <a:lumMod val="75000"/>
-                </a:schemeClr>
-              </a:solidFill>
-            </a:endParaRPr>
-          </a:p>
-          <a:p>
-            <a:pPr algn="ctr"/>
-            <a:r>
-              <a:rPr lang="ja-JP" altLang="en-US" sz="700" smtClean="0">
-                <a:solidFill>
-                  <a:schemeClr val="accent6">
-                    <a:lumMod val="75000"/>
-                  </a:schemeClr>
-                </a:solidFill>
-              </a:rPr>
-              <a:t>変更</a:t>
-            </a:r>
-            <a:endParaRPr lang="en-US" altLang="ja-JP" sz="700" smtClean="0">
-              <a:solidFill>
-                <a:schemeClr val="accent6">
-                  <a:lumMod val="75000"/>
-                </a:schemeClr>
-              </a:solidFill>
-            </a:endParaRPr>
-          </a:p>
-          <a:p>
-            <a:pPr algn="ctr"/>
-            <a:r>
-              <a:rPr lang="ja-JP" altLang="en-US" sz="700" smtClean="0">
-                <a:solidFill>
-                  <a:schemeClr val="accent6">
-                    <a:lumMod val="75000"/>
-                  </a:schemeClr>
-                </a:solidFill>
-              </a:rPr>
-              <a:t>（スピーカ）</a:t>
-            </a:r>
-            <a:endParaRPr lang="en-US" altLang="ja-JP" sz="700" smtClean="0">
-              <a:solidFill>
-                <a:schemeClr val="accent6">
-                  <a:lumMod val="75000"/>
-                </a:schemeClr>
-              </a:solidFill>
-            </a:endParaRPr>
-          </a:p>
-        </p:txBody>
-      </p:sp>
-      <p:sp>
-        <p:nvSpPr>
-          <p:cNvPr id="31" name="角丸四角形 30"/>
-          <p:cNvSpPr/>
-          <p:nvPr/>
-        </p:nvSpPr>
-        <p:spPr>
-          <a:xfrm>
-            <a:off x="6193441" y="3895694"/>
-            <a:ext cx="464588" cy="465380"/>
-          </a:xfrm>
-          <a:prstGeom prst="roundRect">
-            <a:avLst/>
-          </a:prstGeom>
-          <a:ln>
-            <a:solidFill>
-              <a:schemeClr val="accent6">
-                <a:lumMod val="75000"/>
-              </a:schemeClr>
-            </a:solidFill>
-          </a:ln>
-        </p:spPr>
-        <p:style>
-          <a:lnRef idx="2">
-            <a:schemeClr val="accent6"/>
-          </a:lnRef>
-          <a:fillRef idx="1">
-            <a:schemeClr val="lt1"/>
-          </a:fillRef>
-          <a:effectRef idx="0">
-            <a:schemeClr val="accent6"/>
-          </a:effectRef>
-          <a:fontRef idx="minor">
-            <a:schemeClr val="dk1"/>
-          </a:fontRef>
-        </p:style>
-        <p:txBody>
-          <a:bodyPr wrap="none" rtlCol="0" anchor="ctr"/>
-          <a:lstStyle/>
-          <a:p>
-            <a:pPr algn="ctr"/>
-            <a:endParaRPr kumimoji="1" lang="ja-JP" altLang="en-US" sz="1000" dirty="0">
-              <a:solidFill>
-                <a:schemeClr val="accent6">
-                  <a:lumMod val="75000"/>
-                </a:schemeClr>
-              </a:solidFill>
-            </a:endParaRPr>
-          </a:p>
-        </p:txBody>
-      </p:sp>
-      <p:sp>
-        <p:nvSpPr>
-          <p:cNvPr id="32" name="角丸四角形 31"/>
-          <p:cNvSpPr/>
-          <p:nvPr/>
-        </p:nvSpPr>
-        <p:spPr>
-          <a:xfrm>
-            <a:off x="6730022" y="3895694"/>
+          <p:cNvPr id="33" name="角丸四角形 32"/>
+          <p:cNvSpPr/>
+          <p:nvPr/>
+        </p:nvSpPr>
+        <p:spPr>
+          <a:xfrm>
+            <a:off x="7266603" y="3895694"/>
             <a:ext cx="464588" cy="465380"/>
           </a:xfrm>
           <a:prstGeom prst="roundRect">
@@ -56397,14 +56471,14 @@
       </p:sp>
       <p:sp>
         <p:nvSpPr>
-          <p:cNvPr id="33" name="角丸四角形 32"/>
-          <p:cNvSpPr/>
-          <p:nvPr/>
-        </p:nvSpPr>
-        <p:spPr>
-          <a:xfrm>
-            <a:off x="7266603" y="3895694"/>
-            <a:ext cx="464588" cy="465380"/>
+          <p:cNvPr id="34" name="角丸四角形 33"/>
+          <p:cNvSpPr/>
+          <p:nvPr/>
+        </p:nvSpPr>
+        <p:spPr>
+          <a:xfrm>
+            <a:off x="7803183" y="3895694"/>
+            <a:ext cx="749085" cy="465380"/>
           </a:xfrm>
           <a:prstGeom prst="roundRect">
             <a:avLst/>
@@ -56448,21 +56522,21 @@
       </p:sp>
       <p:sp>
         <p:nvSpPr>
-          <p:cNvPr id="34" name="角丸四角形 33"/>
-          <p:cNvSpPr/>
-          <p:nvPr/>
-        </p:nvSpPr>
-        <p:spPr>
-          <a:xfrm>
-            <a:off x="7803183" y="3895694"/>
-            <a:ext cx="749085" cy="465380"/>
+          <p:cNvPr id="36" name="角丸四角形 35"/>
+          <p:cNvSpPr/>
+          <p:nvPr/>
+        </p:nvSpPr>
+        <p:spPr>
+          <a:xfrm>
+            <a:off x="1547092" y="4421474"/>
+            <a:ext cx="464588" cy="465380"/>
           </a:xfrm>
           <a:prstGeom prst="roundRect">
             <a:avLst/>
           </a:prstGeom>
           <a:ln>
             <a:solidFill>
-              <a:schemeClr val="accent6">
+              <a:schemeClr val="accent2">
                 <a:lumMod val="75000"/>
               </a:schemeClr>
             </a:solidFill>
@@ -56487,60 +56561,32 @@
           <a:lstStyle/>
           <a:p>
             <a:pPr algn="ctr"/>
-            <a:endParaRPr kumimoji="1" lang="ja-JP" altLang="en-US" sz="1400" dirty="0">
+            <a:r>
+              <a:rPr kumimoji="1" lang="en-US" altLang="ja-JP" sz="1100" dirty="0" smtClean="0">
+                <a:solidFill>
+                  <a:schemeClr val="accent2">
+                    <a:lumMod val="75000"/>
+                  </a:schemeClr>
+                </a:solidFill>
+              </a:rPr>
+              <a:t>Vol</a:t>
+            </a:r>
+          </a:p>
+          <a:p>
+            <a:pPr algn="ctr"/>
+            <a:r>
+              <a:rPr lang="en-US" altLang="ja-JP" sz="1100" dirty="0" smtClean="0">
+                <a:solidFill>
+                  <a:schemeClr val="accent2">
+                    <a:lumMod val="75000"/>
+                  </a:schemeClr>
+                </a:solidFill>
+              </a:rPr>
+              <a:t>Down</a:t>
+            </a:r>
+            <a:endParaRPr kumimoji="1" lang="ja-JP" altLang="en-US" sz="1100" dirty="0">
               <a:solidFill>
-                <a:schemeClr val="accent6">
-                  <a:lumMod val="75000"/>
-                </a:schemeClr>
-              </a:solidFill>
-            </a:endParaRPr>
-          </a:p>
-        </p:txBody>
-      </p:sp>
-      <p:sp>
-        <p:nvSpPr>
-          <p:cNvPr id="36" name="角丸四角形 35"/>
-          <p:cNvSpPr/>
-          <p:nvPr/>
-        </p:nvSpPr>
-        <p:spPr>
-          <a:xfrm>
-            <a:off x="1547092" y="4421474"/>
-            <a:ext cx="464588" cy="465380"/>
-          </a:xfrm>
-          <a:prstGeom prst="roundRect">
-            <a:avLst/>
-          </a:prstGeom>
-          <a:ln>
-            <a:solidFill>
-              <a:schemeClr val="accent6">
-                <a:lumMod val="75000"/>
-              </a:schemeClr>
-            </a:solidFill>
-          </a:ln>
-        </p:spPr>
-        <p:style>
-          <a:lnRef idx="2">
-            <a:schemeClr val="accent6"/>
-          </a:lnRef>
-          <a:fillRef idx="1">
-            <a:schemeClr val="lt1"/>
-          </a:fillRef>
-          <a:effectRef idx="0">
-            <a:schemeClr val="accent6"/>
-          </a:effectRef>
-          <a:fontRef idx="minor">
-            <a:schemeClr val="dk1"/>
-          </a:fontRef>
-        </p:style>
-        <p:txBody>
-          <a:bodyPr wrap="none" rtlCol="0" anchor="ctr"/>
-          <a:lstStyle/>
-          <a:p>
-            <a:pPr algn="ctr"/>
-            <a:endParaRPr kumimoji="1" lang="ja-JP" altLang="en-US" sz="1050" dirty="0">
-              <a:solidFill>
-                <a:schemeClr val="accent6">
+                <a:schemeClr val="accent2">
                   <a:lumMod val="75000"/>
                 </a:schemeClr>
               </a:solidFill>

--- a/MANUAL.pptx
+++ b/MANUAL.pptx
@@ -260,7 +260,7 @@
           <a:p>
             <a:fld id="{98B15ECE-60C4-45D4-8ABC-DDA7D4F33EF9}" type="datetimeFigureOut">
               <a:rPr kumimoji="1" lang="ja-JP" altLang="en-US" smtClean="0"/>
-              <a:t>2017/5/1</a:t>
+              <a:t>2018/2/12</a:t>
             </a:fld>
             <a:endParaRPr kumimoji="1" lang="ja-JP" altLang="en-US"/>
           </a:p>
@@ -1279,7 +1279,7 @@
           <a:p>
             <a:fld id="{8FB4C7EE-3C5D-4F47-A8DE-21B759CA57C5}" type="datetimeFigureOut">
               <a:rPr kumimoji="1" lang="ja-JP" altLang="en-US" smtClean="0"/>
-              <a:t>2017/5/1</a:t>
+              <a:t>2018/2/12</a:t>
             </a:fld>
             <a:endParaRPr kumimoji="1" lang="ja-JP" altLang="en-US"/>
           </a:p>
@@ -1481,7 +1481,7 @@
           <a:p>
             <a:fld id="{8FB4C7EE-3C5D-4F47-A8DE-21B759CA57C5}" type="datetimeFigureOut">
               <a:rPr kumimoji="1" lang="ja-JP" altLang="en-US" smtClean="0"/>
-              <a:t>2017/5/1</a:t>
+              <a:t>2018/2/12</a:t>
             </a:fld>
             <a:endParaRPr kumimoji="1" lang="ja-JP" altLang="en-US"/>
           </a:p>
@@ -1693,7 +1693,7 @@
           <a:p>
             <a:fld id="{8FB4C7EE-3C5D-4F47-A8DE-21B759CA57C5}" type="datetimeFigureOut">
               <a:rPr kumimoji="1" lang="ja-JP" altLang="en-US" smtClean="0"/>
-              <a:t>2017/5/1</a:t>
+              <a:t>2018/2/12</a:t>
             </a:fld>
             <a:endParaRPr kumimoji="1" lang="ja-JP" altLang="en-US"/>
           </a:p>
@@ -1895,7 +1895,7 @@
           <a:p>
             <a:fld id="{8FB4C7EE-3C5D-4F47-A8DE-21B759CA57C5}" type="datetimeFigureOut">
               <a:rPr kumimoji="1" lang="ja-JP" altLang="en-US" smtClean="0"/>
-              <a:t>2017/5/1</a:t>
+              <a:t>2018/2/12</a:t>
             </a:fld>
             <a:endParaRPr kumimoji="1" lang="ja-JP" altLang="en-US"/>
           </a:p>
@@ -2139,7 +2139,7 @@
           <a:p>
             <a:fld id="{8FB4C7EE-3C5D-4F47-A8DE-21B759CA57C5}" type="datetimeFigureOut">
               <a:rPr kumimoji="1" lang="ja-JP" altLang="en-US" smtClean="0"/>
-              <a:t>2017/5/1</a:t>
+              <a:t>2018/2/12</a:t>
             </a:fld>
             <a:endParaRPr kumimoji="1" lang="ja-JP" altLang="en-US"/>
           </a:p>
@@ -2435,7 +2435,7 @@
           <a:p>
             <a:fld id="{8FB4C7EE-3C5D-4F47-A8DE-21B759CA57C5}" type="datetimeFigureOut">
               <a:rPr kumimoji="1" lang="ja-JP" altLang="en-US" smtClean="0"/>
-              <a:t>2017/5/1</a:t>
+              <a:t>2018/2/12</a:t>
             </a:fld>
             <a:endParaRPr kumimoji="1" lang="ja-JP" altLang="en-US"/>
           </a:p>
@@ -2866,7 +2866,7 @@
           <a:p>
             <a:fld id="{8FB4C7EE-3C5D-4F47-A8DE-21B759CA57C5}" type="datetimeFigureOut">
               <a:rPr kumimoji="1" lang="ja-JP" altLang="en-US" smtClean="0"/>
-              <a:t>2017/5/1</a:t>
+              <a:t>2018/2/12</a:t>
             </a:fld>
             <a:endParaRPr kumimoji="1" lang="ja-JP" altLang="en-US"/>
           </a:p>
@@ -2984,7 +2984,7 @@
           <a:p>
             <a:fld id="{8FB4C7EE-3C5D-4F47-A8DE-21B759CA57C5}" type="datetimeFigureOut">
               <a:rPr kumimoji="1" lang="ja-JP" altLang="en-US" smtClean="0"/>
-              <a:t>2017/5/1</a:t>
+              <a:t>2018/2/12</a:t>
             </a:fld>
             <a:endParaRPr kumimoji="1" lang="ja-JP" altLang="en-US"/>
           </a:p>
@@ -3079,7 +3079,7 @@
           <a:p>
             <a:fld id="{8FB4C7EE-3C5D-4F47-A8DE-21B759CA57C5}" type="datetimeFigureOut">
               <a:rPr kumimoji="1" lang="ja-JP" altLang="en-US" smtClean="0"/>
-              <a:t>2017/5/1</a:t>
+              <a:t>2018/2/12</a:t>
             </a:fld>
             <a:endParaRPr kumimoji="1" lang="ja-JP" altLang="en-US"/>
           </a:p>
@@ -3388,7 +3388,7 @@
           <a:p>
             <a:fld id="{8FB4C7EE-3C5D-4F47-A8DE-21B759CA57C5}" type="datetimeFigureOut">
               <a:rPr kumimoji="1" lang="ja-JP" altLang="en-US" smtClean="0"/>
-              <a:t>2017/5/1</a:t>
+              <a:t>2018/2/12</a:t>
             </a:fld>
             <a:endParaRPr kumimoji="1" lang="ja-JP" altLang="en-US"/>
           </a:p>
@@ -3645,7 +3645,7 @@
           <a:p>
             <a:fld id="{8FB4C7EE-3C5D-4F47-A8DE-21B759CA57C5}" type="datetimeFigureOut">
               <a:rPr kumimoji="1" lang="ja-JP" altLang="en-US" smtClean="0"/>
-              <a:t>2017/5/1</a:t>
+              <a:t>2018/2/12</a:t>
             </a:fld>
             <a:endParaRPr kumimoji="1" lang="ja-JP" altLang="en-US"/>
           </a:p>
@@ -3890,7 +3890,7 @@
           <a:p>
             <a:fld id="{8FB4C7EE-3C5D-4F47-A8DE-21B759CA57C5}" type="datetimeFigureOut">
               <a:rPr kumimoji="1" lang="ja-JP" altLang="en-US" smtClean="0"/>
-              <a:t>2017/5/1</a:t>
+              <a:t>2018/2/12</a:t>
             </a:fld>
             <a:endParaRPr kumimoji="1" lang="ja-JP" altLang="en-US"/>
           </a:p>
@@ -6468,7 +6468,7 @@
           <a:p>
             <a:pPr algn="ctr"/>
             <a:r>
-              <a:rPr lang="en-US" altLang="ja-JP">
+              <a:rPr lang="en-US" altLang="ja-JP" dirty="0">
                 <a:solidFill>
                   <a:schemeClr val="accent6">
                     <a:lumMod val="75000"/>
@@ -6529,7 +6529,7 @@
           <a:p>
             <a:pPr algn="ctr"/>
             <a:r>
-              <a:rPr lang="en-US" altLang="ja-JP" sz="1100" smtClean="0">
+              <a:rPr lang="en-US" altLang="ja-JP" sz="1100" dirty="0" smtClean="0">
                 <a:solidFill>
                   <a:schemeClr val="accent6">
                     <a:lumMod val="75000"/>
@@ -6538,7 +6538,7 @@
               </a:rPr>
               <a:t>Wheel</a:t>
             </a:r>
-            <a:endParaRPr lang="en-US" altLang="ja-JP" sz="1100">
+            <a:endParaRPr lang="en-US" altLang="ja-JP" sz="1100" dirty="0">
               <a:solidFill>
                 <a:schemeClr val="accent6">
                   <a:lumMod val="75000"/>
@@ -6549,7 +6549,7 @@
           <a:p>
             <a:pPr algn="ctr"/>
             <a:r>
-              <a:rPr lang="en-US" altLang="ja-JP" sz="1100">
+              <a:rPr lang="en-US" altLang="ja-JP" sz="1100" dirty="0">
                 <a:solidFill>
                   <a:schemeClr val="accent6">
                     <a:lumMod val="75000"/>
@@ -6610,7 +6610,7 @@
           <a:p>
             <a:pPr algn="ctr"/>
             <a:r>
-              <a:rPr lang="en-US" altLang="ja-JP" sz="1100">
+              <a:rPr lang="en-US" altLang="ja-JP" sz="1100" dirty="0">
                 <a:solidFill>
                   <a:schemeClr val="accent6">
                     <a:lumMod val="75000"/>
@@ -6623,7 +6623,7 @@
           <a:p>
             <a:pPr algn="ctr"/>
             <a:r>
-              <a:rPr lang="en-US" altLang="ja-JP" sz="1100">
+              <a:rPr lang="en-US" altLang="ja-JP" sz="1100" dirty="0" err="1">
                 <a:solidFill>
                   <a:schemeClr val="accent6">
                     <a:lumMod val="75000"/>
@@ -16371,110 +16371,6 @@
           <a:p>
             <a:pPr algn="ctr"/>
             <a:r>
-              <a:rPr lang="ja-JP" altLang="en-US" sz="700" smtClean="0">
-                <a:solidFill>
-                  <a:schemeClr val="accent6">
-                    <a:lumMod val="75000"/>
-                  </a:schemeClr>
-                </a:solidFill>
-              </a:rPr>
-              <a:t>背景色</a:t>
-            </a:r>
-            <a:endParaRPr lang="en-US" altLang="ja-JP" sz="700" smtClean="0">
-              <a:solidFill>
-                <a:schemeClr val="accent6">
-                  <a:lumMod val="75000"/>
-                </a:schemeClr>
-              </a:solidFill>
-            </a:endParaRPr>
-          </a:p>
-          <a:p>
-            <a:pPr algn="ctr"/>
-            <a:r>
-              <a:rPr lang="ja-JP" altLang="en-US" sz="700" smtClean="0">
-                <a:solidFill>
-                  <a:schemeClr val="accent6">
-                    <a:lumMod val="75000"/>
-                  </a:schemeClr>
-                </a:solidFill>
-              </a:rPr>
-              <a:t>変更</a:t>
-            </a:r>
-            <a:r>
-              <a:rPr lang="en-US" altLang="ja-JP" sz="700" smtClean="0">
-                <a:solidFill>
-                  <a:schemeClr val="accent6">
-                    <a:lumMod val="75000"/>
-                  </a:schemeClr>
-                </a:solidFill>
-              </a:rPr>
-              <a:t>(</a:t>
-            </a:r>
-            <a:r>
-              <a:rPr lang="ja-JP" altLang="en-US" sz="700" smtClean="0">
-                <a:solidFill>
-                  <a:schemeClr val="accent6">
-                    <a:lumMod val="75000"/>
-                  </a:schemeClr>
-                </a:solidFill>
-              </a:rPr>
-              <a:t>白</a:t>
-            </a:r>
-            <a:r>
-              <a:rPr lang="en-US" altLang="ja-JP" sz="700" smtClean="0">
-                <a:solidFill>
-                  <a:schemeClr val="accent6">
-                    <a:lumMod val="75000"/>
-                  </a:schemeClr>
-                </a:solidFill>
-              </a:rPr>
-              <a:t>)</a:t>
-            </a:r>
-            <a:endParaRPr lang="ja-JP" altLang="en-US" sz="700" dirty="0">
-              <a:solidFill>
-                <a:schemeClr val="accent6">
-                  <a:lumMod val="75000"/>
-                </a:schemeClr>
-              </a:solidFill>
-            </a:endParaRPr>
-          </a:p>
-        </p:txBody>
-      </p:sp>
-      <p:sp>
-        <p:nvSpPr>
-          <p:cNvPr id="24" name="角丸四角形 23"/>
-          <p:cNvSpPr/>
-          <p:nvPr/>
-        </p:nvSpPr>
-        <p:spPr>
-          <a:xfrm>
-            <a:off x="2437374" y="3895694"/>
-            <a:ext cx="464588" cy="465380"/>
-          </a:xfrm>
-          <a:prstGeom prst="roundRect">
-            <a:avLst/>
-          </a:prstGeom>
-        </p:spPr>
-        <p:style>
-          <a:lnRef idx="2">
-            <a:schemeClr val="accent6"/>
-          </a:lnRef>
-          <a:fillRef idx="1">
-            <a:schemeClr val="lt1"/>
-          </a:fillRef>
-          <a:effectRef idx="0">
-            <a:schemeClr val="accent6"/>
-          </a:effectRef>
-          <a:fontRef idx="minor">
-            <a:schemeClr val="dk1"/>
-          </a:fontRef>
-        </p:style>
-        <p:txBody>
-          <a:bodyPr wrap="none" rtlCol="0" anchor="ctr"/>
-          <a:lstStyle/>
-          <a:p>
-            <a:pPr algn="ctr"/>
-            <a:r>
               <a:rPr lang="ja-JP" altLang="en-US" sz="800" smtClean="0">
                 <a:solidFill>
                   <a:schemeClr val="accent6">
@@ -16522,7 +16418,7 @@
                   </a:schemeClr>
                 </a:solidFill>
               </a:rPr>
-              <a:t>黄</a:t>
+              <a:t>白</a:t>
             </a:r>
             <a:r>
               <a:rPr lang="en-US" altLang="ja-JP" sz="800" smtClean="0">
@@ -16546,49 +16442,49 @@
       </p:sp>
       <p:sp>
         <p:nvSpPr>
-          <p:cNvPr id="25" name="角丸四角形 24"/>
-          <p:cNvSpPr/>
-          <p:nvPr/>
-        </p:nvSpPr>
-        <p:spPr>
-          <a:xfrm>
-            <a:off x="2973955" y="3895694"/>
-            <a:ext cx="464588" cy="465380"/>
-          </a:xfrm>
-          <a:prstGeom prst="roundRect">
-            <a:avLst/>
-          </a:prstGeom>
-        </p:spPr>
-        <p:style>
-          <a:lnRef idx="2">
-            <a:schemeClr val="accent6"/>
-          </a:lnRef>
-          <a:fillRef idx="1">
-            <a:schemeClr val="lt1"/>
-          </a:fillRef>
-          <a:effectRef idx="0">
-            <a:schemeClr val="accent6"/>
-          </a:effectRef>
-          <a:fontRef idx="minor">
-            <a:schemeClr val="dk1"/>
-          </a:fontRef>
-        </p:style>
-        <p:txBody>
-          <a:bodyPr wrap="none" rtlCol="0" anchor="ctr"/>
-          <a:lstStyle/>
-          <a:p>
-            <a:pPr algn="ctr"/>
-            <a:r>
-              <a:rPr lang="ja-JP" altLang="en-US" sz="700" smtClean="0">
+          <p:cNvPr id="24" name="角丸四角形 23"/>
+          <p:cNvSpPr/>
+          <p:nvPr/>
+        </p:nvSpPr>
+        <p:spPr>
+          <a:xfrm>
+            <a:off x="2437374" y="3895694"/>
+            <a:ext cx="464588" cy="465380"/>
+          </a:xfrm>
+          <a:prstGeom prst="roundRect">
+            <a:avLst/>
+          </a:prstGeom>
+        </p:spPr>
+        <p:style>
+          <a:lnRef idx="2">
+            <a:schemeClr val="accent6"/>
+          </a:lnRef>
+          <a:fillRef idx="1">
+            <a:schemeClr val="lt1"/>
+          </a:fillRef>
+          <a:effectRef idx="0">
+            <a:schemeClr val="accent6"/>
+          </a:effectRef>
+          <a:fontRef idx="minor">
+            <a:schemeClr val="dk1"/>
+          </a:fontRef>
+        </p:style>
+        <p:txBody>
+          <a:bodyPr wrap="none" rtlCol="0" anchor="ctr"/>
+          <a:lstStyle/>
+          <a:p>
+            <a:pPr algn="ctr"/>
+            <a:r>
+              <a:rPr lang="ja-JP" altLang="en-US" sz="800" smtClean="0">
                 <a:solidFill>
                   <a:schemeClr val="accent6">
                     <a:lumMod val="75000"/>
                   </a:schemeClr>
                 </a:solidFill>
               </a:rPr>
-              <a:t>文字色</a:t>
-            </a:r>
-            <a:endParaRPr lang="en-US" altLang="ja-JP" sz="700" smtClean="0">
+              <a:t>背景色</a:t>
+            </a:r>
+            <a:endParaRPr lang="en-US" altLang="ja-JP" sz="800" smtClean="0">
               <a:solidFill>
                 <a:schemeClr val="accent6">
                   <a:lumMod val="75000"/>
@@ -16599,7 +16495,7 @@
           <a:p>
             <a:pPr algn="ctr"/>
             <a:r>
-              <a:rPr lang="ja-JP" altLang="en-US" sz="700" smtClean="0">
+              <a:rPr lang="ja-JP" altLang="en-US" sz="800" smtClean="0">
                 <a:solidFill>
                   <a:schemeClr val="accent6">
                     <a:lumMod val="75000"/>
@@ -16609,7 +16505,7 @@
               <a:t>変更</a:t>
             </a:r>
             <a:r>
-              <a:rPr lang="en-US" altLang="ja-JP" sz="700" smtClean="0">
+              <a:rPr lang="en-US" altLang="ja-JP" sz="800" smtClean="0">
                 <a:solidFill>
                   <a:schemeClr val="accent6">
                     <a:lumMod val="75000"/>
@@ -16619,17 +16515,121 @@
               <a:t>(</a:t>
             </a:r>
             <a:r>
-              <a:rPr lang="ja-JP" altLang="en-US" sz="700" smtClean="0">
+              <a:rPr lang="ja-JP" altLang="en-US" sz="800" smtClean="0">
                 <a:solidFill>
                   <a:schemeClr val="accent6">
                     <a:lumMod val="75000"/>
                   </a:schemeClr>
                 </a:solidFill>
               </a:rPr>
+              <a:t>黄</a:t>
+            </a:r>
+            <a:r>
+              <a:rPr lang="en-US" altLang="ja-JP" sz="800" smtClean="0">
+                <a:solidFill>
+                  <a:schemeClr val="accent6">
+                    <a:lumMod val="75000"/>
+                  </a:schemeClr>
+                </a:solidFill>
+              </a:rPr>
+              <a:t>)</a:t>
+            </a:r>
+            <a:endParaRPr lang="ja-JP" altLang="en-US" sz="800" dirty="0">
+              <a:solidFill>
+                <a:schemeClr val="accent6">
+                  <a:lumMod val="75000"/>
+                </a:schemeClr>
+              </a:solidFill>
+            </a:endParaRPr>
+          </a:p>
+        </p:txBody>
+      </p:sp>
+      <p:sp>
+        <p:nvSpPr>
+          <p:cNvPr id="25" name="角丸四角形 24"/>
+          <p:cNvSpPr/>
+          <p:nvPr/>
+        </p:nvSpPr>
+        <p:spPr>
+          <a:xfrm>
+            <a:off x="2973955" y="3895694"/>
+            <a:ext cx="464588" cy="465380"/>
+          </a:xfrm>
+          <a:prstGeom prst="roundRect">
+            <a:avLst/>
+          </a:prstGeom>
+        </p:spPr>
+        <p:style>
+          <a:lnRef idx="2">
+            <a:schemeClr val="accent6"/>
+          </a:lnRef>
+          <a:fillRef idx="1">
+            <a:schemeClr val="lt1"/>
+          </a:fillRef>
+          <a:effectRef idx="0">
+            <a:schemeClr val="accent6"/>
+          </a:effectRef>
+          <a:fontRef idx="minor">
+            <a:schemeClr val="dk1"/>
+          </a:fontRef>
+        </p:style>
+        <p:txBody>
+          <a:bodyPr wrap="none" rtlCol="0" anchor="ctr"/>
+          <a:lstStyle/>
+          <a:p>
+            <a:pPr algn="ctr"/>
+            <a:r>
+              <a:rPr lang="ja-JP" altLang="en-US" sz="800" smtClean="0">
+                <a:solidFill>
+                  <a:schemeClr val="accent6">
+                    <a:lumMod val="75000"/>
+                  </a:schemeClr>
+                </a:solidFill>
+              </a:rPr>
+              <a:t>文字色</a:t>
+            </a:r>
+            <a:endParaRPr lang="en-US" altLang="ja-JP" sz="800" smtClean="0">
+              <a:solidFill>
+                <a:schemeClr val="accent6">
+                  <a:lumMod val="75000"/>
+                </a:schemeClr>
+              </a:solidFill>
+            </a:endParaRPr>
+          </a:p>
+          <a:p>
+            <a:pPr algn="ctr"/>
+            <a:r>
+              <a:rPr lang="ja-JP" altLang="en-US" sz="800" smtClean="0">
+                <a:solidFill>
+                  <a:schemeClr val="accent6">
+                    <a:lumMod val="75000"/>
+                  </a:schemeClr>
+                </a:solidFill>
+              </a:rPr>
+              <a:t>変更</a:t>
+            </a:r>
+            <a:r>
+              <a:rPr lang="en-US" altLang="ja-JP" sz="800" smtClean="0">
+                <a:solidFill>
+                  <a:schemeClr val="accent6">
+                    <a:lumMod val="75000"/>
+                  </a:schemeClr>
+                </a:solidFill>
+              </a:rPr>
+              <a:t>(</a:t>
+            </a:r>
+            <a:r>
+              <a:rPr lang="ja-JP" altLang="en-US" sz="800" smtClean="0">
+                <a:solidFill>
+                  <a:schemeClr val="accent6">
+                    <a:lumMod val="75000"/>
+                  </a:schemeClr>
+                </a:solidFill>
+              </a:rPr>
               <a:t>赤</a:t>
             </a:r>
             <a:r>
-              <a:rPr lang="en-US" altLang="ja-JP" sz="700" smtClean="0">
+              <a:rPr lang="en-US" altLang="ja-JP" sz="800" smtClean="0">
                 <a:solidFill>
                   <a:schemeClr val="accent6">
                     <a:lumMod val="75000"/>
@@ -16759,7 +16759,7 @@
           <a:lstStyle/>
           <a:p>
             <a:pPr algn="ctr"/>
-            <a:endParaRPr lang="ja-JP" altLang="en-US" sz="700" dirty="0">
+            <a:endParaRPr lang="ja-JP" altLang="en-US" sz="800" dirty="0">
               <a:solidFill>
                 <a:schemeClr val="accent6">
                   <a:lumMod val="75000"/>
@@ -16843,7 +16843,7 @@
           <a:lstStyle/>
           <a:p>
             <a:pPr algn="ctr"/>
-            <a:endParaRPr lang="en-US" altLang="ja-JP" sz="700">
+            <a:endParaRPr lang="en-US" altLang="ja-JP" sz="800">
               <a:solidFill>
                 <a:schemeClr val="accent6">
                   <a:lumMod val="75000"/>
@@ -17007,131 +17007,113 @@
           <a:lstStyle/>
           <a:p>
             <a:pPr algn="ctr"/>
+            <a:r>
+              <a:rPr kumimoji="1" lang="ja-JP" altLang="en-US" sz="800" dirty="0" smtClean="0">
+                <a:solidFill>
+                  <a:schemeClr val="accent6">
+                    <a:lumMod val="75000"/>
+                  </a:schemeClr>
+                </a:solidFill>
+                <a:latin typeface="+mn-ea"/>
+              </a:rPr>
+              <a:t>シート削除</a:t>
+            </a:r>
             <a:endParaRPr kumimoji="1" lang="ja-JP" altLang="en-US" sz="800" dirty="0">
-              <a:latin typeface="+mn-ea"/>
-            </a:endParaRPr>
-          </a:p>
-        </p:txBody>
-      </p:sp>
-      <p:sp>
-        <p:nvSpPr>
-          <p:cNvPr id="35" name="角丸四角形 34"/>
-          <p:cNvSpPr/>
-          <p:nvPr/>
-        </p:nvSpPr>
-        <p:spPr>
-          <a:xfrm>
-            <a:off x="569441" y="3895694"/>
-            <a:ext cx="722778" cy="465380"/>
-          </a:xfrm>
-          <a:prstGeom prst="roundRect">
-            <a:avLst/>
-          </a:prstGeom>
-        </p:spPr>
-        <p:style>
-          <a:lnRef idx="2">
-            <a:schemeClr val="accent6"/>
-          </a:lnRef>
-          <a:fillRef idx="1">
-            <a:schemeClr val="lt1"/>
-          </a:fillRef>
-          <a:effectRef idx="0">
-            <a:schemeClr val="accent6"/>
-          </a:effectRef>
-          <a:fontRef idx="minor">
-            <a:schemeClr val="dk1"/>
-          </a:fontRef>
-        </p:style>
-        <p:txBody>
-          <a:bodyPr wrap="none" rtlCol="0" anchor="ctr"/>
-          <a:lstStyle/>
-          <a:p>
-            <a:pPr algn="ctr"/>
-            <a:endParaRPr kumimoji="1" lang="ja-JP" altLang="en-US" sz="900" dirty="0">
-              <a:latin typeface="+mn-ea"/>
-            </a:endParaRPr>
-          </a:p>
-        </p:txBody>
-      </p:sp>
-      <p:sp>
-        <p:nvSpPr>
-          <p:cNvPr id="36" name="角丸四角形 35"/>
-          <p:cNvSpPr/>
-          <p:nvPr/>
-        </p:nvSpPr>
-        <p:spPr>
-          <a:xfrm>
-            <a:off x="1547092" y="4421474"/>
-            <a:ext cx="464588" cy="465380"/>
-          </a:xfrm>
-          <a:prstGeom prst="roundRect">
-            <a:avLst/>
-          </a:prstGeom>
-        </p:spPr>
-        <p:style>
-          <a:lnRef idx="2">
-            <a:schemeClr val="accent6"/>
-          </a:lnRef>
-          <a:fillRef idx="1">
-            <a:schemeClr val="lt1"/>
-          </a:fillRef>
-          <a:effectRef idx="0">
-            <a:schemeClr val="accent6"/>
-          </a:effectRef>
-          <a:fontRef idx="minor">
-            <a:schemeClr val="dk1"/>
-          </a:fontRef>
-        </p:style>
-        <p:txBody>
-          <a:bodyPr wrap="none" rtlCol="0" anchor="ctr"/>
-          <a:lstStyle/>
-          <a:p>
-            <a:pPr algn="ctr"/>
-            <a:endParaRPr lang="ja-JP" altLang="en-US" sz="1050" dirty="0">
               <a:solidFill>
                 <a:schemeClr val="accent6">
                   <a:lumMod val="75000"/>
                 </a:schemeClr>
               </a:solidFill>
-            </a:endParaRPr>
-          </a:p>
-        </p:txBody>
-      </p:sp>
-      <p:sp>
-        <p:nvSpPr>
-          <p:cNvPr id="37" name="角丸四角形 36"/>
-          <p:cNvSpPr/>
-          <p:nvPr/>
-        </p:nvSpPr>
-        <p:spPr>
-          <a:xfrm>
-            <a:off x="2083673" y="4421474"/>
-            <a:ext cx="464588" cy="465380"/>
-          </a:xfrm>
-          <a:prstGeom prst="roundRect">
-            <a:avLst/>
-          </a:prstGeom>
-        </p:spPr>
-        <p:style>
-          <a:lnRef idx="2">
-            <a:schemeClr val="accent6"/>
-          </a:lnRef>
-          <a:fillRef idx="1">
-            <a:schemeClr val="lt1"/>
-          </a:fillRef>
-          <a:effectRef idx="0">
-            <a:schemeClr val="accent6"/>
-          </a:effectRef>
-          <a:fontRef idx="minor">
-            <a:schemeClr val="dk1"/>
-          </a:fontRef>
-        </p:style>
-        <p:txBody>
-          <a:bodyPr wrap="none" rtlCol="0" anchor="ctr"/>
-          <a:lstStyle/>
-          <a:p>
-            <a:pPr algn="ctr"/>
-            <a:endParaRPr lang="en-US" altLang="ja-JP" sz="700">
+              <a:latin typeface="+mn-ea"/>
+            </a:endParaRPr>
+          </a:p>
+        </p:txBody>
+      </p:sp>
+      <p:sp>
+        <p:nvSpPr>
+          <p:cNvPr id="35" name="角丸四角形 34"/>
+          <p:cNvSpPr/>
+          <p:nvPr/>
+        </p:nvSpPr>
+        <p:spPr>
+          <a:xfrm>
+            <a:off x="569441" y="3895694"/>
+            <a:ext cx="722778" cy="465380"/>
+          </a:xfrm>
+          <a:prstGeom prst="roundRect">
+            <a:avLst/>
+          </a:prstGeom>
+        </p:spPr>
+        <p:style>
+          <a:lnRef idx="2">
+            <a:schemeClr val="accent6"/>
+          </a:lnRef>
+          <a:fillRef idx="1">
+            <a:schemeClr val="lt1"/>
+          </a:fillRef>
+          <a:effectRef idx="0">
+            <a:schemeClr val="accent6"/>
+          </a:effectRef>
+          <a:fontRef idx="minor">
+            <a:schemeClr val="dk1"/>
+          </a:fontRef>
+        </p:style>
+        <p:txBody>
+          <a:bodyPr wrap="none" rtlCol="0" anchor="ctr"/>
+          <a:lstStyle/>
+          <a:p>
+            <a:pPr algn="ctr"/>
+            <a:endParaRPr kumimoji="1" lang="ja-JP" altLang="en-US" sz="900" dirty="0">
+              <a:latin typeface="+mn-ea"/>
+            </a:endParaRPr>
+          </a:p>
+        </p:txBody>
+      </p:sp>
+      <p:sp>
+        <p:nvSpPr>
+          <p:cNvPr id="36" name="角丸四角形 35"/>
+          <p:cNvSpPr/>
+          <p:nvPr/>
+        </p:nvSpPr>
+        <p:spPr>
+          <a:xfrm>
+            <a:off x="1547092" y="4421474"/>
+            <a:ext cx="464588" cy="465380"/>
+          </a:xfrm>
+          <a:prstGeom prst="roundRect">
+            <a:avLst/>
+          </a:prstGeom>
+        </p:spPr>
+        <p:style>
+          <a:lnRef idx="2">
+            <a:schemeClr val="accent6"/>
+          </a:lnRef>
+          <a:fillRef idx="1">
+            <a:schemeClr val="lt1"/>
+          </a:fillRef>
+          <a:effectRef idx="0">
+            <a:schemeClr val="accent6"/>
+          </a:effectRef>
+          <a:fontRef idx="minor">
+            <a:schemeClr val="dk1"/>
+          </a:fontRef>
+        </p:style>
+        <p:txBody>
+          <a:bodyPr wrap="none" rtlCol="0" anchor="ctr"/>
+          <a:lstStyle/>
+          <a:p>
+            <a:pPr algn="ctr"/>
+            <a:r>
+              <a:rPr lang="ja-JP" altLang="en-US" sz="800" dirty="0" smtClean="0">
+                <a:solidFill>
+                  <a:schemeClr val="accent6">
+                    <a:lumMod val="75000"/>
+                  </a:schemeClr>
+                </a:solidFill>
+              </a:rPr>
+              <a:t>マクロ</a:t>
+            </a:r>
+            <a:endParaRPr lang="en-US" altLang="ja-JP" sz="800" dirty="0" smtClean="0">
               <a:solidFill>
                 <a:schemeClr val="accent6">
                   <a:lumMod val="75000"/>
@@ -17139,87 +17121,230 @@
               </a:solidFill>
             </a:endParaRPr>
           </a:p>
-        </p:txBody>
-      </p:sp>
-      <p:sp>
-        <p:nvSpPr>
-          <p:cNvPr id="38" name="角丸四角形 37"/>
-          <p:cNvSpPr/>
-          <p:nvPr/>
-        </p:nvSpPr>
-        <p:spPr>
-          <a:xfrm>
-            <a:off x="2620254" y="4421474"/>
-            <a:ext cx="464588" cy="465380"/>
-          </a:xfrm>
-          <a:prstGeom prst="roundRect">
-            <a:avLst/>
-          </a:prstGeom>
-        </p:spPr>
-        <p:style>
-          <a:lnRef idx="2">
-            <a:schemeClr val="accent6"/>
-          </a:lnRef>
-          <a:fillRef idx="1">
-            <a:schemeClr val="lt1"/>
-          </a:fillRef>
-          <a:effectRef idx="0">
-            <a:schemeClr val="accent6"/>
-          </a:effectRef>
-          <a:fontRef idx="minor">
-            <a:schemeClr val="dk1"/>
-          </a:fontRef>
-        </p:style>
-        <p:txBody>
-          <a:bodyPr wrap="none" rtlCol="0" anchor="ctr"/>
-          <a:lstStyle/>
-          <a:p>
-            <a:pPr algn="ctr"/>
-            <a:endParaRPr lang="en-US" altLang="ja-JP" sz="800"/>
-          </a:p>
-        </p:txBody>
-      </p:sp>
-      <p:sp>
-        <p:nvSpPr>
-          <p:cNvPr id="39" name="角丸四角形 38"/>
-          <p:cNvSpPr/>
-          <p:nvPr/>
-        </p:nvSpPr>
-        <p:spPr>
-          <a:xfrm>
-            <a:off x="3156835" y="4421474"/>
-            <a:ext cx="464588" cy="465380"/>
-          </a:xfrm>
-          <a:prstGeom prst="roundRect">
-            <a:avLst/>
-          </a:prstGeom>
-        </p:spPr>
-        <p:style>
-          <a:lnRef idx="2">
-            <a:schemeClr val="accent6"/>
-          </a:lnRef>
-          <a:fillRef idx="1">
-            <a:schemeClr val="lt1"/>
-          </a:fillRef>
-          <a:effectRef idx="0">
-            <a:schemeClr val="accent6"/>
-          </a:effectRef>
-          <a:fontRef idx="minor">
-            <a:schemeClr val="dk1"/>
-          </a:fontRef>
-        </p:style>
-        <p:txBody>
-          <a:bodyPr wrap="none" rtlCol="0" anchor="ctr"/>
-          <a:lstStyle/>
-          <a:p>
-            <a:pPr algn="ctr"/>
-            <a:endParaRPr lang="ja-JP" altLang="en-US" sz="700" u="sng" dirty="0">
+          <a:p>
+            <a:pPr algn="ctr"/>
+            <a:r>
+              <a:rPr lang="ja-JP" altLang="en-US" sz="800" dirty="0">
+                <a:solidFill>
+                  <a:schemeClr val="accent6">
+                    <a:lumMod val="75000"/>
+                  </a:schemeClr>
+                </a:solidFill>
+              </a:rPr>
+              <a:t>実行</a:t>
+            </a:r>
+          </a:p>
+        </p:txBody>
+      </p:sp>
+      <p:sp>
+        <p:nvSpPr>
+          <p:cNvPr id="37" name="角丸四角形 36"/>
+          <p:cNvSpPr/>
+          <p:nvPr/>
+        </p:nvSpPr>
+        <p:spPr>
+          <a:xfrm>
+            <a:off x="2083673" y="4421474"/>
+            <a:ext cx="464588" cy="465380"/>
+          </a:xfrm>
+          <a:prstGeom prst="roundRect">
+            <a:avLst/>
+          </a:prstGeom>
+        </p:spPr>
+        <p:style>
+          <a:lnRef idx="2">
+            <a:schemeClr val="accent6"/>
+          </a:lnRef>
+          <a:fillRef idx="1">
+            <a:schemeClr val="lt1"/>
+          </a:fillRef>
+          <a:effectRef idx="0">
+            <a:schemeClr val="accent6"/>
+          </a:effectRef>
+          <a:fontRef idx="minor">
+            <a:schemeClr val="dk1"/>
+          </a:fontRef>
+        </p:style>
+        <p:txBody>
+          <a:bodyPr wrap="none" rtlCol="0" anchor="ctr"/>
+          <a:lstStyle/>
+          <a:p>
+            <a:pPr algn="ctr"/>
+            <a:r>
+              <a:rPr lang="ja-JP" altLang="en-US" sz="800" dirty="0" smtClean="0">
+                <a:solidFill>
+                  <a:schemeClr val="accent6">
+                    <a:lumMod val="75000"/>
+                  </a:schemeClr>
+                </a:solidFill>
+              </a:rPr>
+              <a:t>シート</a:t>
+            </a:r>
+            <a:endParaRPr lang="en-US" altLang="ja-JP" sz="800" dirty="0" smtClean="0">
               <a:solidFill>
                 <a:schemeClr val="accent6">
                   <a:lumMod val="75000"/>
                 </a:schemeClr>
               </a:solidFill>
             </a:endParaRPr>
+          </a:p>
+          <a:p>
+            <a:pPr algn="ctr"/>
+            <a:r>
+              <a:rPr lang="ja-JP" altLang="en-US" sz="800" dirty="0" smtClean="0">
+                <a:solidFill>
+                  <a:schemeClr val="accent6">
+                    <a:lumMod val="75000"/>
+                  </a:schemeClr>
+                </a:solidFill>
+              </a:rPr>
+              <a:t>切り替え</a:t>
+            </a:r>
+            <a:endParaRPr lang="en-US" altLang="ja-JP" sz="800" dirty="0" smtClean="0">
+              <a:solidFill>
+                <a:schemeClr val="accent6">
+                  <a:lumMod val="75000"/>
+                </a:schemeClr>
+              </a:solidFill>
+            </a:endParaRPr>
+          </a:p>
+          <a:p>
+            <a:pPr algn="ctr"/>
+            <a:r>
+              <a:rPr lang="en-US" altLang="ja-JP" sz="800" dirty="0">
+                <a:solidFill>
+                  <a:schemeClr val="accent6">
+                    <a:lumMod val="75000"/>
+                  </a:schemeClr>
+                </a:solidFill>
+              </a:rPr>
+              <a:t>←</a:t>
+            </a:r>
+          </a:p>
+        </p:txBody>
+      </p:sp>
+      <p:sp>
+        <p:nvSpPr>
+          <p:cNvPr id="38" name="角丸四角形 37"/>
+          <p:cNvSpPr/>
+          <p:nvPr/>
+        </p:nvSpPr>
+        <p:spPr>
+          <a:xfrm>
+            <a:off x="2620254" y="4421474"/>
+            <a:ext cx="464588" cy="465380"/>
+          </a:xfrm>
+          <a:prstGeom prst="roundRect">
+            <a:avLst/>
+          </a:prstGeom>
+        </p:spPr>
+        <p:style>
+          <a:lnRef idx="2">
+            <a:schemeClr val="accent6"/>
+          </a:lnRef>
+          <a:fillRef idx="1">
+            <a:schemeClr val="lt1"/>
+          </a:fillRef>
+          <a:effectRef idx="0">
+            <a:schemeClr val="accent6"/>
+          </a:effectRef>
+          <a:fontRef idx="minor">
+            <a:schemeClr val="dk1"/>
+          </a:fontRef>
+        </p:style>
+        <p:txBody>
+          <a:bodyPr wrap="none" rtlCol="0" anchor="ctr"/>
+          <a:lstStyle/>
+          <a:p>
+            <a:pPr algn="ctr"/>
+            <a:endParaRPr lang="en-US" altLang="ja-JP" sz="800"/>
+          </a:p>
+        </p:txBody>
+      </p:sp>
+      <p:sp>
+        <p:nvSpPr>
+          <p:cNvPr id="39" name="角丸四角形 38"/>
+          <p:cNvSpPr/>
+          <p:nvPr/>
+        </p:nvSpPr>
+        <p:spPr>
+          <a:xfrm>
+            <a:off x="3156835" y="4421474"/>
+            <a:ext cx="464588" cy="465380"/>
+          </a:xfrm>
+          <a:prstGeom prst="roundRect">
+            <a:avLst/>
+          </a:prstGeom>
+        </p:spPr>
+        <p:style>
+          <a:lnRef idx="2">
+            <a:schemeClr val="accent6"/>
+          </a:lnRef>
+          <a:fillRef idx="1">
+            <a:schemeClr val="lt1"/>
+          </a:fillRef>
+          <a:effectRef idx="0">
+            <a:schemeClr val="accent6"/>
+          </a:effectRef>
+          <a:fontRef idx="minor">
+            <a:schemeClr val="dk1"/>
+          </a:fontRef>
+        </p:style>
+        <p:txBody>
+          <a:bodyPr wrap="none" rtlCol="0" anchor="ctr"/>
+          <a:lstStyle/>
+          <a:p>
+            <a:pPr algn="ctr"/>
+            <a:r>
+              <a:rPr lang="ja-JP" altLang="en-US" sz="800" u="sng" dirty="0" smtClean="0">
+                <a:solidFill>
+                  <a:schemeClr val="accent6">
+                    <a:lumMod val="75000"/>
+                  </a:schemeClr>
+                </a:solidFill>
+              </a:rPr>
+              <a:t>シート</a:t>
+            </a:r>
+            <a:endParaRPr lang="en-US" altLang="ja-JP" sz="800" u="sng" dirty="0" smtClean="0">
+              <a:solidFill>
+                <a:schemeClr val="accent6">
+                  <a:lumMod val="75000"/>
+                </a:schemeClr>
+              </a:solidFill>
+            </a:endParaRPr>
+          </a:p>
+          <a:p>
+            <a:pPr algn="ctr"/>
+            <a:r>
+              <a:rPr lang="ja-JP" altLang="en-US" sz="800" u="sng" dirty="0" smtClean="0">
+                <a:solidFill>
+                  <a:schemeClr val="accent6">
+                    <a:lumMod val="75000"/>
+                  </a:schemeClr>
+                </a:solidFill>
+              </a:rPr>
+              <a:t>切り替え</a:t>
+            </a:r>
+            <a:endParaRPr lang="en-US" altLang="ja-JP" sz="800" u="sng" dirty="0" smtClean="0">
+              <a:solidFill>
+                <a:schemeClr val="accent6">
+                  <a:lumMod val="75000"/>
+                </a:schemeClr>
+              </a:solidFill>
+            </a:endParaRPr>
+          </a:p>
+          <a:p>
+            <a:pPr algn="ctr"/>
+            <a:r>
+              <a:rPr lang="ja-JP" altLang="en-US" sz="800" u="sng" dirty="0">
+                <a:solidFill>
+                  <a:schemeClr val="accent6">
+                    <a:lumMod val="75000"/>
+                  </a:schemeClr>
+                </a:solidFill>
+              </a:rPr>
+              <a:t>→</a:t>
+            </a:r>
           </a:p>
         </p:txBody>
       </p:sp>
@@ -17371,7 +17496,7 @@
           <a:lstStyle/>
           <a:p>
             <a:pPr algn="ctr"/>
-            <a:endParaRPr lang="en-US" altLang="ja-JP" sz="700" u="sng">
+            <a:endParaRPr lang="en-US" altLang="ja-JP" sz="800" u="sng">
               <a:solidFill>
                 <a:schemeClr val="accent6">
                   <a:lumMod val="75000"/>
@@ -17455,7 +17580,7 @@
           <a:lstStyle/>
           <a:p>
             <a:pPr algn="ctr"/>
-            <a:endParaRPr lang="ja-JP" altLang="en-US" sz="700" dirty="0">
+            <a:endParaRPr lang="ja-JP" altLang="en-US" sz="800" dirty="0">
               <a:solidFill>
                 <a:schemeClr val="accent6">
                   <a:lumMod val="75000"/>
@@ -17619,7 +17744,7 @@
           <a:lstStyle/>
           <a:p>
             <a:pPr algn="ctr"/>
-            <a:endParaRPr lang="ja-JP" altLang="en-US" sz="900" dirty="0"/>
+            <a:endParaRPr lang="ja-JP" altLang="en-US" sz="800" dirty="0"/>
           </a:p>
         </p:txBody>
       </p:sp>
@@ -17657,7 +17782,7 @@
           <a:lstStyle/>
           <a:p>
             <a:pPr algn="ctr"/>
-            <a:endParaRPr lang="ja-JP" altLang="en-US" sz="900" dirty="0"/>
+            <a:endParaRPr lang="ja-JP" altLang="en-US" sz="800" dirty="0"/>
           </a:p>
         </p:txBody>
       </p:sp>
@@ -17695,7 +17820,7 @@
           <a:lstStyle/>
           <a:p>
             <a:pPr algn="ctr"/>
-            <a:endParaRPr kumimoji="1" lang="ja-JP" altLang="en-US" sz="900" dirty="0">
+            <a:endParaRPr kumimoji="1" lang="ja-JP" altLang="en-US" sz="800" dirty="0">
               <a:solidFill>
                 <a:schemeClr val="accent6">
                   <a:lumMod val="75000"/>
@@ -17740,7 +17865,7 @@
           <a:lstStyle/>
           <a:p>
             <a:pPr algn="ctr"/>
-            <a:endParaRPr lang="ja-JP" altLang="en-US" sz="900" dirty="0"/>
+            <a:endParaRPr lang="ja-JP" altLang="en-US" sz="800" dirty="0"/>
           </a:p>
         </p:txBody>
       </p:sp>
@@ -17778,7 +17903,7 @@
           <a:lstStyle/>
           <a:p>
             <a:pPr algn="ctr"/>
-            <a:endParaRPr lang="ja-JP" altLang="en-US" sz="900" dirty="0"/>
+            <a:endParaRPr lang="ja-JP" altLang="en-US" sz="800" dirty="0"/>
           </a:p>
         </p:txBody>
       </p:sp>
@@ -17816,10 +17941,48 @@
           <a:lstStyle/>
           <a:p>
             <a:pPr algn="ctr"/>
-            <a:endParaRPr kumimoji="1" lang="ja-JP" altLang="en-US" sz="900" dirty="0">
+            <a:r>
+              <a:rPr kumimoji="1" lang="ja-JP" altLang="en-US" sz="800" dirty="0" smtClean="0">
+                <a:solidFill>
+                  <a:schemeClr val="accent6">
+                    <a:lumMod val="75000"/>
+                  </a:schemeClr>
+                </a:solidFill>
+                <a:latin typeface="+mn-ea"/>
+              </a:rPr>
+              <a:t>シート</a:t>
+            </a:r>
+            <a:endParaRPr kumimoji="1" lang="en-US" altLang="ja-JP" sz="800" dirty="0" smtClean="0">
+              <a:solidFill>
+                <a:schemeClr val="accent6">
+                  <a:lumMod val="75000"/>
+                </a:schemeClr>
+              </a:solidFill>
               <a:latin typeface="+mn-ea"/>
             </a:endParaRPr>
           </a:p>
+          <a:p>
+            <a:pPr algn="ctr"/>
+            <a:r>
+              <a:rPr kumimoji="1" lang="ja-JP" altLang="en-US" sz="800" dirty="0" smtClean="0">
+                <a:solidFill>
+                  <a:schemeClr val="accent6">
+                    <a:lumMod val="75000"/>
+                  </a:schemeClr>
+                </a:solidFill>
+                <a:latin typeface="+mn-ea"/>
+              </a:rPr>
+              <a:t>追加</a:t>
+            </a:r>
+            <a:endParaRPr kumimoji="1" lang="ja-JP" altLang="en-US" sz="800" dirty="0">
+              <a:solidFill>
+                <a:schemeClr val="accent6">
+                  <a:lumMod val="75000"/>
+                </a:schemeClr>
+              </a:solidFill>
+              <a:latin typeface="+mn-ea"/>
+            </a:endParaRPr>
+          </a:p>
         </p:txBody>
       </p:sp>
       <p:sp>
@@ -17856,7 +18019,7 @@
           <a:lstStyle/>
           <a:p>
             <a:pPr algn="ctr"/>
-            <a:endParaRPr kumimoji="1" lang="ja-JP" altLang="en-US" sz="900" dirty="0">
+            <a:endParaRPr kumimoji="1" lang="ja-JP" altLang="en-US" sz="800" dirty="0">
               <a:latin typeface="+mn-ea"/>
             </a:endParaRPr>
           </a:p>
@@ -17896,7 +18059,7 @@
           <a:lstStyle/>
           <a:p>
             <a:pPr algn="ctr"/>
-            <a:endParaRPr kumimoji="1" lang="ja-JP" altLang="en-US" sz="900" dirty="0">
+            <a:endParaRPr kumimoji="1" lang="ja-JP" altLang="en-US" sz="800" dirty="0">
               <a:latin typeface="+mn-ea"/>
             </a:endParaRPr>
           </a:p>
@@ -17936,7 +18099,7 @@
           <a:lstStyle/>
           <a:p>
             <a:pPr algn="ctr"/>
-            <a:endParaRPr kumimoji="1" lang="ja-JP" altLang="en-US" sz="900" dirty="0">
+            <a:endParaRPr kumimoji="1" lang="ja-JP" altLang="en-US" sz="800" dirty="0">
               <a:latin typeface="+mn-ea"/>
             </a:endParaRPr>
           </a:p>
@@ -17976,7 +18139,7 @@
           <a:lstStyle/>
           <a:p>
             <a:pPr algn="ctr"/>
-            <a:endParaRPr kumimoji="1" lang="ja-JP" altLang="en-US" sz="900" dirty="0">
+            <a:endParaRPr kumimoji="1" lang="ja-JP" altLang="en-US" sz="800" dirty="0">
               <a:latin typeface="+mn-ea"/>
             </a:endParaRPr>
           </a:p>
@@ -25992,13 +26155,13 @@
         </p:nvSpPr>
         <p:spPr>
           <a:xfrm>
-            <a:off x="1813644" y="3835294"/>
+            <a:off x="1974411" y="3792495"/>
             <a:ext cx="2857780" cy="1440788"/>
           </a:xfrm>
           <a:prstGeom prst="wedgeRectCallout">
             <a:avLst>
-              <a:gd name="adj1" fmla="val -32624"/>
-              <a:gd name="adj2" fmla="val 63319"/>
+              <a:gd name="adj1" fmla="val -33444"/>
+              <a:gd name="adj2" fmla="val 65760"/>
             </a:avLst>
           </a:prstGeom>
           <a:solidFill>
@@ -26144,13 +26307,13 @@
         </p:nvSpPr>
         <p:spPr>
           <a:xfrm>
-            <a:off x="5033135" y="4416288"/>
+            <a:off x="5303158" y="4279579"/>
             <a:ext cx="2465762" cy="879270"/>
           </a:xfrm>
           <a:prstGeom prst="wedgeRectCallout">
             <a:avLst>
               <a:gd name="adj1" fmla="val -33194"/>
-              <a:gd name="adj2" fmla="val 65333"/>
+              <a:gd name="adj2" fmla="val 86665"/>
             </a:avLst>
           </a:prstGeom>
           <a:solidFill>
@@ -43077,10 +43240,10 @@
         </p:nvGrpSpPr>
         <p:grpSpPr>
           <a:xfrm>
-            <a:off x="3899605" y="3864738"/>
-            <a:ext cx="3865651" cy="1575943"/>
-            <a:chOff x="3899605" y="3864738"/>
-            <a:chExt cx="3865651" cy="1575943"/>
+            <a:off x="3895895" y="3864738"/>
+            <a:ext cx="3869361" cy="1575943"/>
+            <a:chOff x="3895895" y="3864738"/>
+            <a:chExt cx="3869361" cy="1575943"/>
           </a:xfrm>
         </p:grpSpPr>
         <p:cxnSp>
@@ -43336,8 +43499,8 @@
           </p:nvCxnSpPr>
           <p:spPr>
             <a:xfrm flipV="1">
-              <a:off x="3899605" y="4904921"/>
-              <a:ext cx="0" cy="535759"/>
+              <a:off x="3899605" y="4919208"/>
+              <a:ext cx="0" cy="521473"/>
             </a:xfrm>
             <a:prstGeom prst="line">
               <a:avLst/>
@@ -43371,7 +43534,7 @@
           </p:nvCxnSpPr>
           <p:spPr>
             <a:xfrm>
-              <a:off x="3899605" y="4904921"/>
+              <a:off x="3895895" y="4919208"/>
               <a:ext cx="296158" cy="0"/>
             </a:xfrm>
             <a:prstGeom prst="line">
@@ -43406,8 +43569,8 @@
           </p:nvCxnSpPr>
           <p:spPr>
             <a:xfrm flipV="1">
-              <a:off x="4196211" y="4397606"/>
-              <a:ext cx="0" cy="507769"/>
+              <a:off x="4196211" y="4397607"/>
+              <a:ext cx="0" cy="521601"/>
             </a:xfrm>
             <a:prstGeom prst="line">
               <a:avLst/>
@@ -47180,23 +47343,245 @@
           </a:p>
         </p:txBody>
       </p:sp>
+      <p:sp>
+        <p:nvSpPr>
+          <p:cNvPr id="76" name="角丸四角形 75"/>
+          <p:cNvSpPr/>
+          <p:nvPr/>
+        </p:nvSpPr>
+        <p:spPr>
+          <a:xfrm>
+            <a:off x="1794537" y="4947254"/>
+            <a:ext cx="464588" cy="465380"/>
+          </a:xfrm>
+          <a:prstGeom prst="roundRect">
+            <a:avLst/>
+          </a:prstGeom>
+          <a:ln>
+            <a:solidFill>
+              <a:schemeClr val="accent6">
+                <a:lumMod val="75000"/>
+              </a:schemeClr>
+            </a:solidFill>
+          </a:ln>
+        </p:spPr>
+        <p:style>
+          <a:lnRef idx="2">
+            <a:schemeClr val="accent6"/>
+          </a:lnRef>
+          <a:fillRef idx="1">
+            <a:schemeClr val="lt1"/>
+          </a:fillRef>
+          <a:effectRef idx="0">
+            <a:schemeClr val="accent6"/>
+          </a:effectRef>
+          <a:fontRef idx="minor">
+            <a:schemeClr val="dk1"/>
+          </a:fontRef>
+        </p:style>
+        <p:txBody>
+          <a:bodyPr wrap="none" rtlCol="0" anchor="ctr"/>
+          <a:lstStyle/>
+          <a:p>
+            <a:pPr algn="ctr"/>
+            <a:r>
+              <a:rPr lang="en-US" altLang="ja-JP" sz="1200" smtClean="0">
+                <a:solidFill>
+                  <a:schemeClr val="accent6">
+                    <a:lumMod val="75000"/>
+                  </a:schemeClr>
+                </a:solidFill>
+              </a:rPr>
+              <a:t>Macro</a:t>
+            </a:r>
+          </a:p>
+          <a:p>
+            <a:pPr algn="ctr"/>
+            <a:r>
+              <a:rPr lang="en-US" altLang="ja-JP" sz="1200" dirty="0">
+                <a:solidFill>
+                  <a:schemeClr val="accent6">
+                    <a:lumMod val="75000"/>
+                  </a:schemeClr>
+                </a:solidFill>
+              </a:rPr>
+              <a:t>Z</a:t>
+            </a:r>
+            <a:endParaRPr lang="en-US" altLang="ja-JP" sz="1200" smtClean="0">
+              <a:solidFill>
+                <a:schemeClr val="accent6">
+                  <a:lumMod val="75000"/>
+                </a:schemeClr>
+              </a:solidFill>
+            </a:endParaRPr>
+          </a:p>
+        </p:txBody>
+      </p:sp>
+      <p:sp>
+        <p:nvSpPr>
+          <p:cNvPr id="77" name="角丸四角形 76"/>
+          <p:cNvSpPr/>
+          <p:nvPr/>
+        </p:nvSpPr>
+        <p:spPr>
+          <a:xfrm>
+            <a:off x="2331118" y="4947254"/>
+            <a:ext cx="464588" cy="465380"/>
+          </a:xfrm>
+          <a:prstGeom prst="roundRect">
+            <a:avLst/>
+          </a:prstGeom>
+          <a:ln>
+            <a:solidFill>
+              <a:schemeClr val="accent6">
+                <a:lumMod val="75000"/>
+              </a:schemeClr>
+            </a:solidFill>
+          </a:ln>
+        </p:spPr>
+        <p:style>
+          <a:lnRef idx="2">
+            <a:schemeClr val="accent6"/>
+          </a:lnRef>
+          <a:fillRef idx="1">
+            <a:schemeClr val="lt1"/>
+          </a:fillRef>
+          <a:effectRef idx="0">
+            <a:schemeClr val="accent6"/>
+          </a:effectRef>
+          <a:fontRef idx="minor">
+            <a:schemeClr val="dk1"/>
+          </a:fontRef>
+        </p:style>
+        <p:txBody>
+          <a:bodyPr wrap="none" rtlCol="0" anchor="ctr"/>
+          <a:lstStyle/>
+          <a:p>
+            <a:pPr algn="ctr"/>
+            <a:r>
+              <a:rPr lang="en-US" altLang="ja-JP" sz="1200" smtClean="0">
+                <a:solidFill>
+                  <a:schemeClr val="accent6">
+                    <a:lumMod val="75000"/>
+                  </a:schemeClr>
+                </a:solidFill>
+              </a:rPr>
+              <a:t>Macro</a:t>
+            </a:r>
+          </a:p>
+          <a:p>
+            <a:pPr algn="ctr"/>
+            <a:r>
+              <a:rPr lang="en-US" altLang="ja-JP" sz="1200">
+                <a:solidFill>
+                  <a:schemeClr val="accent6">
+                    <a:lumMod val="75000"/>
+                  </a:schemeClr>
+                </a:solidFill>
+              </a:rPr>
+              <a:t>X</a:t>
+            </a:r>
+            <a:endParaRPr lang="ja-JP" altLang="en-US" sz="1200" dirty="0">
+              <a:solidFill>
+                <a:schemeClr val="accent6">
+                  <a:lumMod val="75000"/>
+                </a:schemeClr>
+              </a:solidFill>
+            </a:endParaRPr>
+          </a:p>
+        </p:txBody>
+      </p:sp>
+      <p:sp>
+        <p:nvSpPr>
+          <p:cNvPr id="80" name="角丸四角形 79"/>
+          <p:cNvSpPr/>
+          <p:nvPr/>
+        </p:nvSpPr>
+        <p:spPr>
+          <a:xfrm>
+            <a:off x="2867699" y="4947254"/>
+            <a:ext cx="464588" cy="465380"/>
+          </a:xfrm>
+          <a:prstGeom prst="roundRect">
+            <a:avLst/>
+          </a:prstGeom>
+          <a:ln>
+            <a:solidFill>
+              <a:schemeClr val="accent6">
+                <a:lumMod val="75000"/>
+              </a:schemeClr>
+            </a:solidFill>
+          </a:ln>
+        </p:spPr>
+        <p:style>
+          <a:lnRef idx="2">
+            <a:schemeClr val="accent6"/>
+          </a:lnRef>
+          <a:fillRef idx="1">
+            <a:schemeClr val="lt1"/>
+          </a:fillRef>
+          <a:effectRef idx="0">
+            <a:schemeClr val="accent6"/>
+          </a:effectRef>
+          <a:fontRef idx="minor">
+            <a:schemeClr val="dk1"/>
+          </a:fontRef>
+        </p:style>
+        <p:txBody>
+          <a:bodyPr wrap="none" rtlCol="0" anchor="ctr"/>
+          <a:lstStyle/>
+          <a:p>
+            <a:pPr algn="ctr"/>
+            <a:r>
+              <a:rPr lang="en-US" altLang="ja-JP" sz="1200" smtClean="0">
+                <a:solidFill>
+                  <a:schemeClr val="accent6">
+                    <a:lumMod val="75000"/>
+                  </a:schemeClr>
+                </a:solidFill>
+              </a:rPr>
+              <a:t>Macro</a:t>
+            </a:r>
+          </a:p>
+          <a:p>
+            <a:pPr algn="ctr"/>
+            <a:r>
+              <a:rPr lang="en-US" altLang="ja-JP" sz="1200">
+                <a:solidFill>
+                  <a:schemeClr val="accent6">
+                    <a:lumMod val="75000"/>
+                  </a:schemeClr>
+                </a:solidFill>
+              </a:rPr>
+              <a:t>C</a:t>
+            </a:r>
+            <a:endParaRPr lang="ja-JP" altLang="en-US" sz="1200" dirty="0">
+              <a:solidFill>
+                <a:schemeClr val="accent6">
+                  <a:lumMod val="75000"/>
+                </a:schemeClr>
+              </a:solidFill>
+            </a:endParaRPr>
+          </a:p>
+        </p:txBody>
+      </p:sp>
       <p:grpSp>
         <p:nvGrpSpPr>
-          <p:cNvPr id="119" name="グループ化 118"/>
+          <p:cNvPr id="82" name="グループ化 81"/>
           <p:cNvGrpSpPr/>
           <p:nvPr/>
         </p:nvGrpSpPr>
         <p:grpSpPr>
           <a:xfrm>
-            <a:off x="3899605" y="3864738"/>
-            <a:ext cx="3865651" cy="1575943"/>
-            <a:chOff x="3899605" y="3864738"/>
-            <a:chExt cx="3865651" cy="1575943"/>
+            <a:off x="3895895" y="3864738"/>
+            <a:ext cx="3869361" cy="1575943"/>
+            <a:chOff x="3895895" y="3864738"/>
+            <a:chExt cx="3869361" cy="1575943"/>
           </a:xfrm>
         </p:grpSpPr>
         <p:cxnSp>
           <p:nvCxnSpPr>
-            <p:cNvPr id="120" name="直線コネクタ 119"/>
+            <p:cNvPr id="83" name="直線コネクタ 82"/>
             <p:cNvCxnSpPr/>
             <p:nvPr/>
           </p:nvCxnSpPr>
@@ -47231,7 +47616,7 @@
         </p:cxnSp>
         <p:cxnSp>
           <p:nvCxnSpPr>
-            <p:cNvPr id="121" name="直線コネクタ 120"/>
+            <p:cNvPr id="89" name="直線コネクタ 88"/>
             <p:cNvCxnSpPr/>
             <p:nvPr/>
           </p:nvCxnSpPr>
@@ -47266,7 +47651,7 @@
         </p:cxnSp>
         <p:cxnSp>
           <p:nvCxnSpPr>
-            <p:cNvPr id="122" name="直線コネクタ 121"/>
+            <p:cNvPr id="90" name="直線コネクタ 89"/>
             <p:cNvCxnSpPr/>
             <p:nvPr/>
           </p:nvCxnSpPr>
@@ -47301,7 +47686,7 @@
         </p:cxnSp>
         <p:cxnSp>
           <p:nvCxnSpPr>
-            <p:cNvPr id="123" name="直線コネクタ 122"/>
+            <p:cNvPr id="91" name="直線コネクタ 90"/>
             <p:cNvCxnSpPr/>
             <p:nvPr/>
           </p:nvCxnSpPr>
@@ -47336,7 +47721,7 @@
         </p:cxnSp>
         <p:cxnSp>
           <p:nvCxnSpPr>
-            <p:cNvPr id="124" name="直線コネクタ 123"/>
+            <p:cNvPr id="92" name="直線コネクタ 91"/>
             <p:cNvCxnSpPr/>
             <p:nvPr/>
           </p:nvCxnSpPr>
@@ -47371,7 +47756,7 @@
         </p:cxnSp>
         <p:cxnSp>
           <p:nvCxnSpPr>
-            <p:cNvPr id="125" name="直線コネクタ 124"/>
+            <p:cNvPr id="93" name="直線コネクタ 92"/>
             <p:cNvCxnSpPr/>
             <p:nvPr/>
           </p:nvCxnSpPr>
@@ -47406,7 +47791,7 @@
         </p:cxnSp>
         <p:cxnSp>
           <p:nvCxnSpPr>
-            <p:cNvPr id="126" name="直線コネクタ 125"/>
+            <p:cNvPr id="94" name="直線コネクタ 93"/>
             <p:cNvCxnSpPr/>
             <p:nvPr/>
           </p:nvCxnSpPr>
@@ -47441,14 +47826,14 @@
         </p:cxnSp>
         <p:cxnSp>
           <p:nvCxnSpPr>
-            <p:cNvPr id="127" name="直線コネクタ 126"/>
+            <p:cNvPr id="95" name="直線コネクタ 94"/>
             <p:cNvCxnSpPr/>
             <p:nvPr/>
           </p:nvCxnSpPr>
           <p:spPr>
             <a:xfrm flipV="1">
-              <a:off x="3899605" y="4904921"/>
-              <a:ext cx="0" cy="535759"/>
+              <a:off x="3899605" y="4919208"/>
+              <a:ext cx="0" cy="521473"/>
             </a:xfrm>
             <a:prstGeom prst="line">
               <a:avLst/>
@@ -47476,13 +47861,13 @@
         </p:cxnSp>
         <p:cxnSp>
           <p:nvCxnSpPr>
-            <p:cNvPr id="128" name="直線コネクタ 127"/>
+            <p:cNvPr id="97" name="直線コネクタ 96"/>
             <p:cNvCxnSpPr/>
             <p:nvPr/>
           </p:nvCxnSpPr>
           <p:spPr>
             <a:xfrm>
-              <a:off x="3899605" y="4904921"/>
+              <a:off x="3895895" y="4919208"/>
               <a:ext cx="296158" cy="0"/>
             </a:xfrm>
             <a:prstGeom prst="line">
@@ -47511,14 +47896,14 @@
         </p:cxnSp>
         <p:cxnSp>
           <p:nvCxnSpPr>
-            <p:cNvPr id="129" name="直線コネクタ 128"/>
+            <p:cNvPr id="98" name="直線コネクタ 97"/>
             <p:cNvCxnSpPr/>
             <p:nvPr/>
           </p:nvCxnSpPr>
           <p:spPr>
             <a:xfrm flipV="1">
-              <a:off x="4196211" y="4397606"/>
-              <a:ext cx="0" cy="507769"/>
+              <a:off x="4196211" y="4397607"/>
+              <a:ext cx="0" cy="521601"/>
             </a:xfrm>
             <a:prstGeom prst="line">
               <a:avLst/>
@@ -47546,7 +47931,7 @@
         </p:cxnSp>
         <p:cxnSp>
           <p:nvCxnSpPr>
-            <p:cNvPr id="130" name="直線コネクタ 129"/>
+            <p:cNvPr id="99" name="直線コネクタ 98"/>
             <p:cNvCxnSpPr/>
             <p:nvPr/>
           </p:nvCxnSpPr>
@@ -47581,7 +47966,7 @@
         </p:cxnSp>
         <p:cxnSp>
           <p:nvCxnSpPr>
-            <p:cNvPr id="131" name="直線コネクタ 130"/>
+            <p:cNvPr id="106" name="直線コネクタ 105"/>
             <p:cNvCxnSpPr/>
             <p:nvPr/>
           </p:nvCxnSpPr>
@@ -47615,228 +48000,6 @@
           </p:style>
         </p:cxnSp>
       </p:grpSp>
-      <p:sp>
-        <p:nvSpPr>
-          <p:cNvPr id="76" name="角丸四角形 75"/>
-          <p:cNvSpPr/>
-          <p:nvPr/>
-        </p:nvSpPr>
-        <p:spPr>
-          <a:xfrm>
-            <a:off x="1794537" y="4947254"/>
-            <a:ext cx="464588" cy="465380"/>
-          </a:xfrm>
-          <a:prstGeom prst="roundRect">
-            <a:avLst/>
-          </a:prstGeom>
-          <a:ln>
-            <a:solidFill>
-              <a:schemeClr val="accent6">
-                <a:lumMod val="75000"/>
-              </a:schemeClr>
-            </a:solidFill>
-          </a:ln>
-        </p:spPr>
-        <p:style>
-          <a:lnRef idx="2">
-            <a:schemeClr val="accent6"/>
-          </a:lnRef>
-          <a:fillRef idx="1">
-            <a:schemeClr val="lt1"/>
-          </a:fillRef>
-          <a:effectRef idx="0">
-            <a:schemeClr val="accent6"/>
-          </a:effectRef>
-          <a:fontRef idx="minor">
-            <a:schemeClr val="dk1"/>
-          </a:fontRef>
-        </p:style>
-        <p:txBody>
-          <a:bodyPr wrap="none" rtlCol="0" anchor="ctr"/>
-          <a:lstStyle/>
-          <a:p>
-            <a:pPr algn="ctr"/>
-            <a:r>
-              <a:rPr lang="en-US" altLang="ja-JP" sz="1200" smtClean="0">
-                <a:solidFill>
-                  <a:schemeClr val="accent6">
-                    <a:lumMod val="75000"/>
-                  </a:schemeClr>
-                </a:solidFill>
-              </a:rPr>
-              <a:t>Macro</a:t>
-            </a:r>
-          </a:p>
-          <a:p>
-            <a:pPr algn="ctr"/>
-            <a:r>
-              <a:rPr lang="en-US" altLang="ja-JP" sz="1200" dirty="0">
-                <a:solidFill>
-                  <a:schemeClr val="accent6">
-                    <a:lumMod val="75000"/>
-                  </a:schemeClr>
-                </a:solidFill>
-              </a:rPr>
-              <a:t>Z</a:t>
-            </a:r>
-            <a:endParaRPr lang="en-US" altLang="ja-JP" sz="1200" smtClean="0">
-              <a:solidFill>
-                <a:schemeClr val="accent6">
-                  <a:lumMod val="75000"/>
-                </a:schemeClr>
-              </a:solidFill>
-            </a:endParaRPr>
-          </a:p>
-        </p:txBody>
-      </p:sp>
-      <p:sp>
-        <p:nvSpPr>
-          <p:cNvPr id="77" name="角丸四角形 76"/>
-          <p:cNvSpPr/>
-          <p:nvPr/>
-        </p:nvSpPr>
-        <p:spPr>
-          <a:xfrm>
-            <a:off x="2331118" y="4947254"/>
-            <a:ext cx="464588" cy="465380"/>
-          </a:xfrm>
-          <a:prstGeom prst="roundRect">
-            <a:avLst/>
-          </a:prstGeom>
-          <a:ln>
-            <a:solidFill>
-              <a:schemeClr val="accent6">
-                <a:lumMod val="75000"/>
-              </a:schemeClr>
-            </a:solidFill>
-          </a:ln>
-        </p:spPr>
-        <p:style>
-          <a:lnRef idx="2">
-            <a:schemeClr val="accent6"/>
-          </a:lnRef>
-          <a:fillRef idx="1">
-            <a:schemeClr val="lt1"/>
-          </a:fillRef>
-          <a:effectRef idx="0">
-            <a:schemeClr val="accent6"/>
-          </a:effectRef>
-          <a:fontRef idx="minor">
-            <a:schemeClr val="dk1"/>
-          </a:fontRef>
-        </p:style>
-        <p:txBody>
-          <a:bodyPr wrap="none" rtlCol="0" anchor="ctr"/>
-          <a:lstStyle/>
-          <a:p>
-            <a:pPr algn="ctr"/>
-            <a:r>
-              <a:rPr lang="en-US" altLang="ja-JP" sz="1200" smtClean="0">
-                <a:solidFill>
-                  <a:schemeClr val="accent6">
-                    <a:lumMod val="75000"/>
-                  </a:schemeClr>
-                </a:solidFill>
-              </a:rPr>
-              <a:t>Macro</a:t>
-            </a:r>
-          </a:p>
-          <a:p>
-            <a:pPr algn="ctr"/>
-            <a:r>
-              <a:rPr lang="en-US" altLang="ja-JP" sz="1200">
-                <a:solidFill>
-                  <a:schemeClr val="accent6">
-                    <a:lumMod val="75000"/>
-                  </a:schemeClr>
-                </a:solidFill>
-              </a:rPr>
-              <a:t>X</a:t>
-            </a:r>
-            <a:endParaRPr lang="ja-JP" altLang="en-US" sz="1200" dirty="0">
-              <a:solidFill>
-                <a:schemeClr val="accent6">
-                  <a:lumMod val="75000"/>
-                </a:schemeClr>
-              </a:solidFill>
-            </a:endParaRPr>
-          </a:p>
-        </p:txBody>
-      </p:sp>
-      <p:sp>
-        <p:nvSpPr>
-          <p:cNvPr id="80" name="角丸四角形 79"/>
-          <p:cNvSpPr/>
-          <p:nvPr/>
-        </p:nvSpPr>
-        <p:spPr>
-          <a:xfrm>
-            <a:off x="2867699" y="4947254"/>
-            <a:ext cx="464588" cy="465380"/>
-          </a:xfrm>
-          <a:prstGeom prst="roundRect">
-            <a:avLst/>
-          </a:prstGeom>
-          <a:ln>
-            <a:solidFill>
-              <a:schemeClr val="accent6">
-                <a:lumMod val="75000"/>
-              </a:schemeClr>
-            </a:solidFill>
-          </a:ln>
-        </p:spPr>
-        <p:style>
-          <a:lnRef idx="2">
-            <a:schemeClr val="accent6"/>
-          </a:lnRef>
-          <a:fillRef idx="1">
-            <a:schemeClr val="lt1"/>
-          </a:fillRef>
-          <a:effectRef idx="0">
-            <a:schemeClr val="accent6"/>
-          </a:effectRef>
-          <a:fontRef idx="minor">
-            <a:schemeClr val="dk1"/>
-          </a:fontRef>
-        </p:style>
-        <p:txBody>
-          <a:bodyPr wrap="none" rtlCol="0" anchor="ctr"/>
-          <a:lstStyle/>
-          <a:p>
-            <a:pPr algn="ctr"/>
-            <a:r>
-              <a:rPr lang="en-US" altLang="ja-JP" sz="1200" smtClean="0">
-                <a:solidFill>
-                  <a:schemeClr val="accent6">
-                    <a:lumMod val="75000"/>
-                  </a:schemeClr>
-                </a:solidFill>
-              </a:rPr>
-              <a:t>Macro</a:t>
-            </a:r>
-          </a:p>
-          <a:p>
-            <a:pPr algn="ctr"/>
-            <a:r>
-              <a:rPr lang="en-US" altLang="ja-JP" sz="1200">
-                <a:solidFill>
-                  <a:schemeClr val="accent6">
-                    <a:lumMod val="75000"/>
-                  </a:schemeClr>
-                </a:solidFill>
-              </a:rPr>
-              <a:t>C</a:t>
-            </a:r>
-            <a:endParaRPr lang="ja-JP" altLang="en-US" sz="1200" dirty="0">
-              <a:solidFill>
-                <a:schemeClr val="accent6">
-                  <a:lumMod val="75000"/>
-                </a:schemeClr>
-              </a:solidFill>
-            </a:endParaRPr>
-          </a:p>
-        </p:txBody>
-      </p:sp>
     </p:spTree>
     <p:extLst>
       <p:ext uri="{BB962C8B-B14F-4D97-AF65-F5344CB8AC3E}">
@@ -48852,62 +49015,32 @@
           </a:prstGeom>
           <a:ln>
             <a:solidFill>
-              <a:srgbClr val="C00000"/>
-            </a:solidFill>
-          </a:ln>
-        </p:spPr>
-        <p:style>
-          <a:lnRef idx="2">
-            <a:schemeClr val="accent6"/>
-          </a:lnRef>
-          <a:fillRef idx="1">
-            <a:schemeClr val="lt1"/>
-          </a:fillRef>
-          <a:effectRef idx="0">
-            <a:schemeClr val="accent6"/>
-          </a:effectRef>
-          <a:fontRef idx="minor">
-            <a:schemeClr val="dk1"/>
-          </a:fontRef>
-        </p:style>
-        <p:txBody>
-          <a:bodyPr wrap="none" rtlCol="0" anchor="ctr"/>
-          <a:lstStyle/>
-          <a:p>
-            <a:pPr algn="ctr"/>
-            <a:r>
-              <a:rPr kumimoji="1" lang="ja-JP" altLang="en-US" sz="1200" b="1" smtClean="0">
-                <a:solidFill>
-                  <a:srgbClr val="C00000"/>
-                </a:solidFill>
-                <a:latin typeface="游ゴシック Light" panose="020B0300000000000000" pitchFamily="50" charset="-128"/>
-                <a:ea typeface="游ゴシック Light" panose="020B0300000000000000" pitchFamily="50" charset="-128"/>
-              </a:rPr>
-              <a:t>日付</a:t>
-            </a:r>
-            <a:endParaRPr kumimoji="1" lang="en-US" altLang="ja-JP" sz="1200" b="1" smtClean="0">
-              <a:solidFill>
-                <a:srgbClr val="C00000"/>
-              </a:solidFill>
-              <a:latin typeface="游ゴシック Light" panose="020B0300000000000000" pitchFamily="50" charset="-128"/>
-              <a:ea typeface="游ゴシック Light" panose="020B0300000000000000" pitchFamily="50" charset="-128"/>
-            </a:endParaRPr>
-          </a:p>
-          <a:p>
-            <a:pPr algn="ctr"/>
-            <a:r>
-              <a:rPr lang="ja-JP" altLang="en-US" sz="1200" b="1">
-                <a:solidFill>
-                  <a:srgbClr val="C00000"/>
-                </a:solidFill>
-                <a:latin typeface="游ゴシック Light" panose="020B0300000000000000" pitchFamily="50" charset="-128"/>
-                <a:ea typeface="游ゴシック Light" panose="020B0300000000000000" pitchFamily="50" charset="-128"/>
-              </a:rPr>
-              <a:t>入力</a:t>
-            </a:r>
+              <a:schemeClr val="accent5"/>
+            </a:solidFill>
+          </a:ln>
+        </p:spPr>
+        <p:style>
+          <a:lnRef idx="2">
+            <a:schemeClr val="accent6"/>
+          </a:lnRef>
+          <a:fillRef idx="1">
+            <a:schemeClr val="lt1"/>
+          </a:fillRef>
+          <a:effectRef idx="0">
+            <a:schemeClr val="accent6"/>
+          </a:effectRef>
+          <a:fontRef idx="minor">
+            <a:schemeClr val="dk1"/>
+          </a:fontRef>
+        </p:style>
+        <p:txBody>
+          <a:bodyPr wrap="none" rtlCol="0" anchor="ctr"/>
+          <a:lstStyle/>
+          <a:p>
+            <a:pPr algn="ctr"/>
             <a:endParaRPr kumimoji="1" lang="ja-JP" altLang="en-US" sz="1200" b="1" dirty="0">
               <a:solidFill>
-                <a:srgbClr val="C00000"/>
+                <a:schemeClr val="accent5"/>
               </a:solidFill>
               <a:latin typeface="游ゴシック Light" panose="020B0300000000000000" pitchFamily="50" charset="-128"/>
               <a:ea typeface="游ゴシック Light" panose="020B0300000000000000" pitchFamily="50" charset="-128"/>
@@ -49139,7 +49272,19 @@
           <a:lstStyle/>
           <a:p>
             <a:pPr algn="ctr"/>
-            <a:endParaRPr kumimoji="1" lang="ja-JP" altLang="en-US" sz="1200" dirty="0">
+            <a:r>
+              <a:rPr kumimoji="1" lang="ja-JP" altLang="en-US" sz="800" dirty="0" smtClean="0">
+                <a:solidFill>
+                  <a:schemeClr val="accent5">
+                    <a:lumMod val="75000"/>
+                  </a:schemeClr>
+                </a:solidFill>
+                <a:latin typeface="游ゴシック Light" panose="020B0300000000000000" pitchFamily="50" charset="-128"/>
+                <a:ea typeface="游ゴシック Light" panose="020B0300000000000000" pitchFamily="50" charset="-128"/>
+              </a:rPr>
+              <a:t>おせわに</a:t>
+            </a:r>
+            <a:endParaRPr kumimoji="1" lang="ja-JP" altLang="en-US" sz="800" dirty="0">
               <a:solidFill>
                 <a:schemeClr val="accent5">
                   <a:lumMod val="75000"/>
@@ -50682,18 +50827,18 @@
           <a:p>
             <a:pPr marL="0" lvl="2"/>
             <a:r>
-              <a:rPr lang="ja-JP" altLang="en-US" sz="2800" smtClean="0"/>
+              <a:rPr lang="ja-JP" altLang="en-US" sz="2800" dirty="0" smtClean="0"/>
               <a:t>拡張クリップボード </a:t>
             </a:r>
             <a:r>
-              <a:rPr lang="en-US" altLang="ja-JP" sz="2800" smtClean="0"/>
+              <a:rPr lang="en-US" altLang="ja-JP" sz="2800" dirty="0" smtClean="0"/>
               <a:t>x50</a:t>
             </a:r>
           </a:p>
           <a:p>
             <a:pPr marL="0" lvl="2"/>
             <a:r>
-              <a:rPr lang="en-US" altLang="ja-JP" sz="1600">
+              <a:rPr lang="en-US" altLang="ja-JP" sz="1600" dirty="0">
                 <a:solidFill>
                   <a:schemeClr val="tx1">
                     <a:lumMod val="50000"/>
@@ -50702,10 +50847,10 @@
                 </a:solidFill>
                 <a:sym typeface="Wingdings" panose="05000000000000000000" pitchFamily="2" charset="2"/>
               </a:rPr>
-              <a:t>※pptObject</a:t>
-            </a:r>
-            <a:r>
-              <a:rPr lang="ja-JP" altLang="en-US" sz="1600">
+              <a:t>※</a:t>
+            </a:r>
+            <a:r>
+              <a:rPr lang="en-US" altLang="ja-JP" sz="1600" dirty="0" err="1">
                 <a:solidFill>
                   <a:schemeClr val="tx1">
                     <a:lumMod val="50000"/>
@@ -50714,10 +50859,10 @@
                 </a:solidFill>
                 <a:sym typeface="Wingdings" panose="05000000000000000000" pitchFamily="2" charset="2"/>
               </a:rPr>
-              <a:t>等も行けます（</a:t>
-            </a:r>
-            <a:r>
-              <a:rPr lang="en-US" altLang="ja-JP" sz="1600">
+              <a:t>pptObject</a:t>
+            </a:r>
+            <a:r>
+              <a:rPr lang="ja-JP" altLang="en-US" sz="1600" dirty="0">
                 <a:solidFill>
                   <a:schemeClr val="tx1">
                     <a:lumMod val="50000"/>
@@ -50726,10 +50871,10 @@
                 </a:solidFill>
                 <a:sym typeface="Wingdings" panose="05000000000000000000" pitchFamily="2" charset="2"/>
               </a:rPr>
-              <a:t>.dat</a:t>
-            </a:r>
-            <a:r>
-              <a:rPr lang="ja-JP" altLang="en-US" sz="1600">
+              <a:t>等も行けます（</a:t>
+            </a:r>
+            <a:r>
+              <a:rPr lang="en-US" altLang="ja-JP" sz="1600" dirty="0">
                 <a:solidFill>
                   <a:schemeClr val="tx1">
                     <a:lumMod val="50000"/>
@@ -50738,10 +50883,10 @@
                 </a:solidFill>
                 <a:sym typeface="Wingdings" panose="05000000000000000000" pitchFamily="2" charset="2"/>
               </a:rPr>
-              <a:t>管理</a:t>
-            </a:r>
-            <a:r>
-              <a:rPr lang="ja-JP" altLang="en-US" sz="1600" smtClean="0">
+              <a:t>.</a:t>
+            </a:r>
+            <a:r>
+              <a:rPr lang="en-US" altLang="ja-JP" sz="1600" dirty="0" err="1">
                 <a:solidFill>
                   <a:schemeClr val="tx1">
                     <a:lumMod val="50000"/>
@@ -50750,72 +50895,108 @@
                 </a:solidFill>
                 <a:sym typeface="Wingdings" panose="05000000000000000000" pitchFamily="2" charset="2"/>
               </a:rPr>
+              <a:t>dat</a:t>
+            </a:r>
+            <a:r>
+              <a:rPr lang="ja-JP" altLang="en-US" sz="1600" dirty="0">
+                <a:solidFill>
+                  <a:schemeClr val="tx1">
+                    <a:lumMod val="50000"/>
+                    <a:lumOff val="50000"/>
+                  </a:schemeClr>
+                </a:solidFill>
+                <a:sym typeface="Wingdings" panose="05000000000000000000" pitchFamily="2" charset="2"/>
+              </a:rPr>
+              <a:t>管理</a:t>
+            </a:r>
+            <a:r>
+              <a:rPr lang="ja-JP" altLang="en-US" sz="1600" dirty="0" smtClean="0">
+                <a:solidFill>
+                  <a:schemeClr val="tx1">
+                    <a:lumMod val="50000"/>
+                    <a:lumOff val="50000"/>
+                  </a:schemeClr>
+                </a:solidFill>
+                <a:sym typeface="Wingdings" panose="05000000000000000000" pitchFamily="2" charset="2"/>
+              </a:rPr>
               <a:t>）</a:t>
             </a:r>
-            <a:endParaRPr lang="en-US" altLang="ja-JP" sz="1600" smtClean="0"/>
+            <a:endParaRPr lang="en-US" altLang="ja-JP" sz="1600" dirty="0" smtClean="0"/>
           </a:p>
           <a:p>
             <a:pPr marL="457200" lvl="3"/>
             <a:r>
-              <a:rPr lang="en-US" altLang="ja-JP" smtClean="0">
+              <a:rPr lang="en-US" altLang="ja-JP" dirty="0" smtClean="0">
                 <a:sym typeface="Wingdings" panose="05000000000000000000" pitchFamily="2" charset="2"/>
               </a:rPr>
               <a:t>Space+</a:t>
             </a:r>
             <a:r>
-              <a:rPr lang="ja-JP" altLang="en-US" smtClean="0">
+              <a:rPr lang="ja-JP" altLang="en-US" dirty="0" smtClean="0">
                 <a:sym typeface="Wingdings" panose="05000000000000000000" pitchFamily="2" charset="2"/>
               </a:rPr>
               <a:t>各キー</a:t>
             </a:r>
             <a:r>
-              <a:rPr lang="en-US" altLang="ja-JP" smtClean="0">
+              <a:rPr lang="en-US" altLang="ja-JP" dirty="0" smtClean="0">
                 <a:sym typeface="Wingdings" panose="05000000000000000000" pitchFamily="2" charset="2"/>
               </a:rPr>
               <a:t>	</a:t>
             </a:r>
             <a:r>
-              <a:rPr lang="ja-JP" altLang="en-US" smtClean="0">
+              <a:rPr lang="ja-JP" altLang="en-US" dirty="0" smtClean="0">
                 <a:sym typeface="Wingdings" panose="05000000000000000000" pitchFamily="2" charset="2"/>
               </a:rPr>
               <a:t>で</a:t>
             </a:r>
             <a:r>
-              <a:rPr lang="en-US" altLang="ja-JP" smtClean="0">
+              <a:rPr lang="en-US" altLang="ja-JP" dirty="0" smtClean="0">
                 <a:sym typeface="Wingdings" panose="05000000000000000000" pitchFamily="2" charset="2"/>
               </a:rPr>
               <a:t>Paste</a:t>
             </a:r>
-            <a:endParaRPr lang="en-US" altLang="ja-JP" smtClean="0"/>
+            <a:endParaRPr lang="en-US" altLang="ja-JP" dirty="0" smtClean="0"/>
           </a:p>
           <a:p>
             <a:pPr marL="457200" lvl="3"/>
             <a:r>
-              <a:rPr lang="en-US" altLang="ja-JP" smtClean="0">
+              <a:rPr lang="en-US" altLang="ja-JP" dirty="0" smtClean="0">
                 <a:sym typeface="Wingdings" panose="05000000000000000000" pitchFamily="2" charset="2"/>
               </a:rPr>
-              <a:t>Space+Shift+</a:t>
-            </a:r>
-            <a:r>
-              <a:rPr lang="ja-JP" altLang="en-US" smtClean="0">
+              <a:t></a:t>
+            </a:r>
+            <a:r>
+              <a:rPr lang="en-US" altLang="ja-JP" dirty="0" err="1" smtClean="0">
                 <a:sym typeface="Wingdings" panose="05000000000000000000" pitchFamily="2" charset="2"/>
               </a:rPr>
+              <a:t>Space+Shift</a:t>
+            </a:r>
+            <a:r>
+              <a:rPr lang="en-US" altLang="ja-JP" dirty="0" smtClean="0">
+                <a:sym typeface="Wingdings" panose="05000000000000000000" pitchFamily="2" charset="2"/>
+              </a:rPr>
+              <a:t>+</a:t>
+            </a:r>
+            <a:r>
+              <a:rPr lang="ja-JP" altLang="en-US" dirty="0" smtClean="0">
+                <a:sym typeface="Wingdings" panose="05000000000000000000" pitchFamily="2" charset="2"/>
+              </a:rPr>
               <a:t>各キー</a:t>
             </a:r>
             <a:r>
-              <a:rPr lang="en-US" altLang="ja-JP" smtClean="0">
+              <a:rPr lang="en-US" altLang="ja-JP" dirty="0" smtClean="0">
                 <a:sym typeface="Wingdings" panose="05000000000000000000" pitchFamily="2" charset="2"/>
               </a:rPr>
               <a:t>	</a:t>
             </a:r>
             <a:r>
-              <a:rPr lang="ja-JP" altLang="en-US" smtClean="0">
+              <a:rPr lang="ja-JP" altLang="en-US" dirty="0" smtClean="0">
                 <a:sym typeface="Wingdings" panose="05000000000000000000" pitchFamily="2" charset="2"/>
               </a:rPr>
               <a:t>で</a:t>
             </a:r>
             <a:r>
-              <a:rPr lang="en-US" altLang="ja-JP" smtClean="0">
+              <a:rPr lang="en-US" altLang="ja-JP" dirty="0" smtClean="0">
                 <a:sym typeface="Wingdings" panose="05000000000000000000" pitchFamily="2" charset="2"/>
               </a:rPr>
               <a:t>Copy</a:t>
@@ -54938,6 +55119,249 @@
           <a:lstStyle/>
           <a:p>
             <a:pPr algn="ctr"/>
+            <a:r>
+              <a:rPr lang="ja-JP" altLang="en-US" sz="1000" dirty="0" smtClean="0">
+                <a:solidFill>
+                  <a:schemeClr val="accent6">
+                    <a:lumMod val="75000"/>
+                  </a:schemeClr>
+                </a:solidFill>
+              </a:rPr>
+              <a:t>光量</a:t>
+            </a:r>
+            <a:endParaRPr lang="en-US" altLang="ja-JP" sz="1000" dirty="0" smtClean="0">
+              <a:solidFill>
+                <a:schemeClr val="accent6">
+                  <a:lumMod val="75000"/>
+                </a:schemeClr>
+              </a:solidFill>
+            </a:endParaRPr>
+          </a:p>
+          <a:p>
+            <a:pPr algn="ctr"/>
+            <a:r>
+              <a:rPr kumimoji="1" lang="en-US" altLang="ja-JP" sz="1000" dirty="0">
+                <a:solidFill>
+                  <a:schemeClr val="accent6">
+                    <a:lumMod val="75000"/>
+                  </a:schemeClr>
+                </a:solidFill>
+              </a:rPr>
+              <a:t>Default</a:t>
+            </a:r>
+            <a:endParaRPr kumimoji="1" lang="ja-JP" altLang="en-US" sz="1000" dirty="0">
+              <a:solidFill>
+                <a:schemeClr val="accent6">
+                  <a:lumMod val="75000"/>
+                </a:schemeClr>
+              </a:solidFill>
+            </a:endParaRPr>
+          </a:p>
+        </p:txBody>
+      </p:sp>
+      <p:sp>
+        <p:nvSpPr>
+          <p:cNvPr id="8" name="角丸四角形 7"/>
+          <p:cNvSpPr/>
+          <p:nvPr/>
+        </p:nvSpPr>
+        <p:spPr>
+          <a:xfrm>
+            <a:off x="1648704" y="3369914"/>
+            <a:ext cx="464588" cy="465380"/>
+          </a:xfrm>
+          <a:prstGeom prst="roundRect">
+            <a:avLst/>
+          </a:prstGeom>
+          <a:ln>
+            <a:solidFill>
+              <a:schemeClr val="accent6">
+                <a:lumMod val="75000"/>
+              </a:schemeClr>
+            </a:solidFill>
+          </a:ln>
+        </p:spPr>
+        <p:style>
+          <a:lnRef idx="2">
+            <a:schemeClr val="accent6"/>
+          </a:lnRef>
+          <a:fillRef idx="1">
+            <a:schemeClr val="lt1"/>
+          </a:fillRef>
+          <a:effectRef idx="0">
+            <a:schemeClr val="accent6"/>
+          </a:effectRef>
+          <a:fontRef idx="minor">
+            <a:schemeClr val="dk1"/>
+          </a:fontRef>
+        </p:style>
+        <p:txBody>
+          <a:bodyPr wrap="none" rtlCol="0" anchor="ctr"/>
+          <a:lstStyle/>
+          <a:p>
+            <a:pPr algn="ctr"/>
+            <a:r>
+              <a:rPr kumimoji="1" lang="ja-JP" altLang="en-US" sz="1050" dirty="0" smtClean="0">
+                <a:solidFill>
+                  <a:schemeClr val="accent6">
+                    <a:lumMod val="75000"/>
+                  </a:schemeClr>
+                </a:solidFill>
+              </a:rPr>
+              <a:t>光量</a:t>
+            </a:r>
+            <a:endParaRPr kumimoji="1" lang="en-US" altLang="ja-JP" sz="1050" dirty="0" smtClean="0">
+              <a:solidFill>
+                <a:schemeClr val="accent6">
+                  <a:lumMod val="75000"/>
+                </a:schemeClr>
+              </a:solidFill>
+            </a:endParaRPr>
+          </a:p>
+          <a:p>
+            <a:pPr algn="ctr"/>
+            <a:r>
+              <a:rPr lang="en-US" altLang="ja-JP" sz="1050" dirty="0">
+                <a:solidFill>
+                  <a:schemeClr val="accent6">
+                    <a:lumMod val="75000"/>
+                  </a:schemeClr>
+                </a:solidFill>
+              </a:rPr>
+              <a:t>Down</a:t>
+            </a:r>
+            <a:endParaRPr kumimoji="1" lang="ja-JP" altLang="en-US" sz="1050" dirty="0">
+              <a:solidFill>
+                <a:schemeClr val="accent6">
+                  <a:lumMod val="75000"/>
+                </a:schemeClr>
+              </a:solidFill>
+            </a:endParaRPr>
+          </a:p>
+        </p:txBody>
+      </p:sp>
+      <p:sp>
+        <p:nvSpPr>
+          <p:cNvPr id="9" name="角丸四角形 8"/>
+          <p:cNvSpPr/>
+          <p:nvPr/>
+        </p:nvSpPr>
+        <p:spPr>
+          <a:xfrm>
+            <a:off x="2185285" y="3369914"/>
+            <a:ext cx="464588" cy="465380"/>
+          </a:xfrm>
+          <a:prstGeom prst="roundRect">
+            <a:avLst/>
+          </a:prstGeom>
+          <a:ln>
+            <a:solidFill>
+              <a:schemeClr val="accent6">
+                <a:lumMod val="75000"/>
+              </a:schemeClr>
+            </a:solidFill>
+          </a:ln>
+        </p:spPr>
+        <p:style>
+          <a:lnRef idx="2">
+            <a:schemeClr val="accent6"/>
+          </a:lnRef>
+          <a:fillRef idx="1">
+            <a:schemeClr val="lt1"/>
+          </a:fillRef>
+          <a:effectRef idx="0">
+            <a:schemeClr val="accent6"/>
+          </a:effectRef>
+          <a:fontRef idx="minor">
+            <a:schemeClr val="dk1"/>
+          </a:fontRef>
+        </p:style>
+        <p:txBody>
+          <a:bodyPr wrap="none" rtlCol="0" anchor="ctr"/>
+          <a:lstStyle/>
+          <a:p>
+            <a:pPr algn="ctr"/>
+            <a:r>
+              <a:rPr kumimoji="1" lang="ja-JP" altLang="en-US" sz="1050" dirty="0" smtClean="0">
+                <a:solidFill>
+                  <a:schemeClr val="accent6">
+                    <a:lumMod val="75000"/>
+                  </a:schemeClr>
+                </a:solidFill>
+              </a:rPr>
+              <a:t>光量</a:t>
+            </a:r>
+            <a:endParaRPr kumimoji="1" lang="en-US" altLang="ja-JP" sz="1050" dirty="0" smtClean="0">
+              <a:solidFill>
+                <a:schemeClr val="accent6">
+                  <a:lumMod val="75000"/>
+                </a:schemeClr>
+              </a:solidFill>
+            </a:endParaRPr>
+          </a:p>
+          <a:p>
+            <a:pPr algn="ctr"/>
+            <a:r>
+              <a:rPr lang="en-US" altLang="ja-JP" sz="1050" dirty="0">
+                <a:solidFill>
+                  <a:schemeClr val="accent6">
+                    <a:lumMod val="75000"/>
+                  </a:schemeClr>
+                </a:solidFill>
+              </a:rPr>
+              <a:t>OFF</a:t>
+            </a:r>
+            <a:endParaRPr kumimoji="1" lang="ja-JP" altLang="en-US" sz="1050" dirty="0">
+              <a:solidFill>
+                <a:schemeClr val="accent6">
+                  <a:lumMod val="75000"/>
+                </a:schemeClr>
+              </a:solidFill>
+            </a:endParaRPr>
+          </a:p>
+        </p:txBody>
+      </p:sp>
+      <p:sp>
+        <p:nvSpPr>
+          <p:cNvPr id="10" name="角丸四角形 9"/>
+          <p:cNvSpPr/>
+          <p:nvPr/>
+        </p:nvSpPr>
+        <p:spPr>
+          <a:xfrm>
+            <a:off x="2721866" y="3369914"/>
+            <a:ext cx="464588" cy="465380"/>
+          </a:xfrm>
+          <a:prstGeom prst="roundRect">
+            <a:avLst/>
+          </a:prstGeom>
+          <a:ln>
+            <a:solidFill>
+              <a:schemeClr val="accent6">
+                <a:lumMod val="75000"/>
+              </a:schemeClr>
+            </a:solidFill>
+          </a:ln>
+        </p:spPr>
+        <p:style>
+          <a:lnRef idx="2">
+            <a:schemeClr val="accent6"/>
+          </a:lnRef>
+          <a:fillRef idx="1">
+            <a:schemeClr val="lt1"/>
+          </a:fillRef>
+          <a:effectRef idx="0">
+            <a:schemeClr val="accent6"/>
+          </a:effectRef>
+          <a:fontRef idx="minor">
+            <a:schemeClr val="dk1"/>
+          </a:fontRef>
+        </p:style>
+        <p:txBody>
+          <a:bodyPr wrap="none" rtlCol="0" anchor="ctr"/>
+          <a:lstStyle/>
+          <a:p>
+            <a:pPr algn="ctr"/>
             <a:endParaRPr kumimoji="1" lang="ja-JP" altLang="en-US" sz="1400" dirty="0">
               <a:solidFill>
                 <a:schemeClr val="accent6">
@@ -54950,13 +55374,13 @@
       </p:sp>
       <p:sp>
         <p:nvSpPr>
-          <p:cNvPr id="8" name="角丸四角形 7"/>
-          <p:cNvSpPr/>
-          <p:nvPr/>
-        </p:nvSpPr>
-        <p:spPr>
-          <a:xfrm>
-            <a:off x="1648704" y="3369914"/>
+          <p:cNvPr id="11" name="角丸四角形 10"/>
+          <p:cNvSpPr/>
+          <p:nvPr/>
+        </p:nvSpPr>
+        <p:spPr>
+          <a:xfrm>
+            <a:off x="3258447" y="3369914"/>
             <a:ext cx="464588" cy="465380"/>
           </a:xfrm>
           <a:prstGeom prst="roundRect">
@@ -55001,13 +55425,13 @@
       </p:sp>
       <p:sp>
         <p:nvSpPr>
-          <p:cNvPr id="9" name="角丸四角形 8"/>
-          <p:cNvSpPr/>
-          <p:nvPr/>
-        </p:nvSpPr>
-        <p:spPr>
-          <a:xfrm>
-            <a:off x="2185285" y="3369914"/>
+          <p:cNvPr id="12" name="角丸四角形 11"/>
+          <p:cNvSpPr/>
+          <p:nvPr/>
+        </p:nvSpPr>
+        <p:spPr>
+          <a:xfrm>
+            <a:off x="3795028" y="3369914"/>
             <a:ext cx="464588" cy="465380"/>
           </a:xfrm>
           <a:prstGeom prst="roundRect">
@@ -55052,13 +55476,13 @@
       </p:sp>
       <p:sp>
         <p:nvSpPr>
-          <p:cNvPr id="10" name="角丸四角形 9"/>
-          <p:cNvSpPr/>
-          <p:nvPr/>
-        </p:nvSpPr>
-        <p:spPr>
-          <a:xfrm>
-            <a:off x="2721866" y="3369914"/>
+          <p:cNvPr id="13" name="角丸四角形 12"/>
+          <p:cNvSpPr/>
+          <p:nvPr/>
+        </p:nvSpPr>
+        <p:spPr>
+          <a:xfrm>
+            <a:off x="4331609" y="3369914"/>
             <a:ext cx="464588" cy="465380"/>
           </a:xfrm>
           <a:prstGeom prst="roundRect">
@@ -55103,13 +55527,13 @@
       </p:sp>
       <p:sp>
         <p:nvSpPr>
-          <p:cNvPr id="11" name="角丸四角形 10"/>
-          <p:cNvSpPr/>
-          <p:nvPr/>
-        </p:nvSpPr>
-        <p:spPr>
-          <a:xfrm>
-            <a:off x="3258447" y="3369914"/>
+          <p:cNvPr id="14" name="角丸四角形 13"/>
+          <p:cNvSpPr/>
+          <p:nvPr/>
+        </p:nvSpPr>
+        <p:spPr>
+          <a:xfrm>
+            <a:off x="4868190" y="3369914"/>
             <a:ext cx="464588" cy="465380"/>
           </a:xfrm>
           <a:prstGeom prst="roundRect">
@@ -55154,13 +55578,13 @@
       </p:sp>
       <p:sp>
         <p:nvSpPr>
-          <p:cNvPr id="12" name="角丸四角形 11"/>
-          <p:cNvSpPr/>
-          <p:nvPr/>
-        </p:nvSpPr>
-        <p:spPr>
-          <a:xfrm>
-            <a:off x="3795028" y="3369914"/>
+          <p:cNvPr id="15" name="角丸四角形 14"/>
+          <p:cNvSpPr/>
+          <p:nvPr/>
+        </p:nvSpPr>
+        <p:spPr>
+          <a:xfrm>
+            <a:off x="5404771" y="3369914"/>
             <a:ext cx="464588" cy="465380"/>
           </a:xfrm>
           <a:prstGeom prst="roundRect">
@@ -55205,13 +55629,13 @@
       </p:sp>
       <p:sp>
         <p:nvSpPr>
-          <p:cNvPr id="13" name="角丸四角形 12"/>
-          <p:cNvSpPr/>
-          <p:nvPr/>
-        </p:nvSpPr>
-        <p:spPr>
-          <a:xfrm>
-            <a:off x="4331609" y="3369914"/>
+          <p:cNvPr id="16" name="角丸四角形 15"/>
+          <p:cNvSpPr/>
+          <p:nvPr/>
+        </p:nvSpPr>
+        <p:spPr>
+          <a:xfrm>
+            <a:off x="5941352" y="3369914"/>
             <a:ext cx="464588" cy="465380"/>
           </a:xfrm>
           <a:prstGeom prst="roundRect">
@@ -55256,13 +55680,13 @@
       </p:sp>
       <p:sp>
         <p:nvSpPr>
-          <p:cNvPr id="14" name="角丸四角形 13"/>
-          <p:cNvSpPr/>
-          <p:nvPr/>
-        </p:nvSpPr>
-        <p:spPr>
-          <a:xfrm>
-            <a:off x="4868190" y="3369914"/>
+          <p:cNvPr id="17" name="角丸四角形 16"/>
+          <p:cNvSpPr/>
+          <p:nvPr/>
+        </p:nvSpPr>
+        <p:spPr>
+          <a:xfrm>
+            <a:off x="6477933" y="3369914"/>
             <a:ext cx="464588" cy="465380"/>
           </a:xfrm>
           <a:prstGeom prst="roundRect">
@@ -55307,13 +55731,13 @@
       </p:sp>
       <p:sp>
         <p:nvSpPr>
-          <p:cNvPr id="15" name="角丸四角形 14"/>
-          <p:cNvSpPr/>
-          <p:nvPr/>
-        </p:nvSpPr>
-        <p:spPr>
-          <a:xfrm>
-            <a:off x="5404771" y="3369914"/>
+          <p:cNvPr id="18" name="角丸四角形 17"/>
+          <p:cNvSpPr/>
+          <p:nvPr/>
+        </p:nvSpPr>
+        <p:spPr>
+          <a:xfrm>
+            <a:off x="7014514" y="3369914"/>
             <a:ext cx="464588" cy="465380"/>
           </a:xfrm>
           <a:prstGeom prst="roundRect">
@@ -55358,13 +55782,13 @@
       </p:sp>
       <p:sp>
         <p:nvSpPr>
-          <p:cNvPr id="16" name="角丸四角形 15"/>
-          <p:cNvSpPr/>
-          <p:nvPr/>
-        </p:nvSpPr>
-        <p:spPr>
-          <a:xfrm>
-            <a:off x="5941352" y="3369914"/>
+          <p:cNvPr id="19" name="角丸四角形 18"/>
+          <p:cNvSpPr/>
+          <p:nvPr/>
+        </p:nvSpPr>
+        <p:spPr>
+          <a:xfrm>
+            <a:off x="7551095" y="3369914"/>
             <a:ext cx="464588" cy="465380"/>
           </a:xfrm>
           <a:prstGeom prst="roundRect">
@@ -55409,13 +55833,13 @@
       </p:sp>
       <p:sp>
         <p:nvSpPr>
-          <p:cNvPr id="17" name="角丸四角形 16"/>
-          <p:cNvSpPr/>
-          <p:nvPr/>
-        </p:nvSpPr>
-        <p:spPr>
-          <a:xfrm>
-            <a:off x="6477933" y="3369914"/>
+          <p:cNvPr id="20" name="角丸四角形 19"/>
+          <p:cNvSpPr/>
+          <p:nvPr/>
+        </p:nvSpPr>
+        <p:spPr>
+          <a:xfrm>
+            <a:off x="8087682" y="3369914"/>
             <a:ext cx="464588" cy="465380"/>
           </a:xfrm>
           <a:prstGeom prst="roundRect">
@@ -55460,13 +55884,465 @@
       </p:sp>
       <p:sp>
         <p:nvSpPr>
-          <p:cNvPr id="18" name="角丸四角形 17"/>
-          <p:cNvSpPr/>
-          <p:nvPr/>
-        </p:nvSpPr>
-        <p:spPr>
-          <a:xfrm>
-            <a:off x="7014514" y="3369914"/>
+          <p:cNvPr id="22" name="角丸四角形 21"/>
+          <p:cNvSpPr/>
+          <p:nvPr/>
+        </p:nvSpPr>
+        <p:spPr>
+          <a:xfrm>
+            <a:off x="1364212" y="3895694"/>
+            <a:ext cx="464588" cy="465380"/>
+          </a:xfrm>
+          <a:prstGeom prst="roundRect">
+            <a:avLst/>
+          </a:prstGeom>
+          <a:ln>
+            <a:solidFill>
+              <a:schemeClr val="accent2">
+                <a:lumMod val="75000"/>
+              </a:schemeClr>
+            </a:solidFill>
+          </a:ln>
+        </p:spPr>
+        <p:style>
+          <a:lnRef idx="2">
+            <a:schemeClr val="accent6"/>
+          </a:lnRef>
+          <a:fillRef idx="1">
+            <a:schemeClr val="lt1"/>
+          </a:fillRef>
+          <a:effectRef idx="0">
+            <a:schemeClr val="accent6"/>
+          </a:effectRef>
+          <a:fontRef idx="minor">
+            <a:schemeClr val="dk1"/>
+          </a:fontRef>
+        </p:style>
+        <p:txBody>
+          <a:bodyPr wrap="none" rtlCol="0" anchor="ctr"/>
+          <a:lstStyle/>
+          <a:p>
+            <a:pPr algn="ctr"/>
+            <a:r>
+              <a:rPr kumimoji="1" lang="en-US" altLang="ja-JP" sz="1100" dirty="0" smtClean="0">
+                <a:solidFill>
+                  <a:schemeClr val="accent2">
+                    <a:lumMod val="75000"/>
+                  </a:schemeClr>
+                </a:solidFill>
+              </a:rPr>
+              <a:t>Vol</a:t>
+            </a:r>
+          </a:p>
+          <a:p>
+            <a:pPr algn="ctr"/>
+            <a:r>
+              <a:rPr kumimoji="1" lang="en-US" altLang="ja-JP" sz="1100" dirty="0" smtClean="0">
+                <a:solidFill>
+                  <a:schemeClr val="accent2">
+                    <a:lumMod val="75000"/>
+                  </a:schemeClr>
+                </a:solidFill>
+              </a:rPr>
+              <a:t>Up</a:t>
+            </a:r>
+            <a:endParaRPr kumimoji="1" lang="ja-JP" altLang="en-US" sz="1100" dirty="0">
+              <a:solidFill>
+                <a:schemeClr val="accent2">
+                  <a:lumMod val="75000"/>
+                </a:schemeClr>
+              </a:solidFill>
+            </a:endParaRPr>
+          </a:p>
+        </p:txBody>
+      </p:sp>
+      <p:sp>
+        <p:nvSpPr>
+          <p:cNvPr id="23" name="角丸四角形 22"/>
+          <p:cNvSpPr/>
+          <p:nvPr/>
+        </p:nvSpPr>
+        <p:spPr>
+          <a:xfrm>
+            <a:off x="1900793" y="3895694"/>
+            <a:ext cx="464588" cy="465380"/>
+          </a:xfrm>
+          <a:prstGeom prst="roundRect">
+            <a:avLst/>
+          </a:prstGeom>
+          <a:ln>
+            <a:solidFill>
+              <a:schemeClr val="accent5">
+                <a:lumMod val="75000"/>
+              </a:schemeClr>
+            </a:solidFill>
+          </a:ln>
+        </p:spPr>
+        <p:style>
+          <a:lnRef idx="2">
+            <a:schemeClr val="accent6"/>
+          </a:lnRef>
+          <a:fillRef idx="1">
+            <a:schemeClr val="lt1"/>
+          </a:fillRef>
+          <a:effectRef idx="0">
+            <a:schemeClr val="accent6"/>
+          </a:effectRef>
+          <a:fontRef idx="minor">
+            <a:schemeClr val="dk1"/>
+          </a:fontRef>
+        </p:style>
+        <p:txBody>
+          <a:bodyPr wrap="none" rtlCol="0" anchor="ctr"/>
+          <a:lstStyle/>
+          <a:p>
+            <a:pPr algn="ctr"/>
+            <a:r>
+              <a:rPr lang="ja-JP" altLang="en-US" sz="800" dirty="0" smtClean="0">
+                <a:solidFill>
+                  <a:schemeClr val="accent5">
+                    <a:lumMod val="75000"/>
+                  </a:schemeClr>
+                </a:solidFill>
+              </a:rPr>
+              <a:t>エアコン</a:t>
+            </a:r>
+            <a:endParaRPr lang="en-US" altLang="ja-JP" sz="800" dirty="0" smtClean="0">
+              <a:solidFill>
+                <a:schemeClr val="accent5">
+                  <a:lumMod val="75000"/>
+                </a:schemeClr>
+              </a:solidFill>
+            </a:endParaRPr>
+          </a:p>
+          <a:p>
+            <a:pPr algn="ctr"/>
+            <a:r>
+              <a:rPr lang="ja-JP" altLang="en-US" sz="800" dirty="0">
+                <a:solidFill>
+                  <a:schemeClr val="accent5">
+                    <a:lumMod val="75000"/>
+                  </a:schemeClr>
+                </a:solidFill>
+              </a:rPr>
+              <a:t>オフ</a:t>
+            </a:r>
+          </a:p>
+        </p:txBody>
+      </p:sp>
+      <p:sp>
+        <p:nvSpPr>
+          <p:cNvPr id="24" name="角丸四角形 23"/>
+          <p:cNvSpPr/>
+          <p:nvPr/>
+        </p:nvSpPr>
+        <p:spPr>
+          <a:xfrm>
+            <a:off x="2437374" y="3895694"/>
+            <a:ext cx="464588" cy="465380"/>
+          </a:xfrm>
+          <a:prstGeom prst="roundRect">
+            <a:avLst/>
+          </a:prstGeom>
+          <a:ln>
+            <a:solidFill>
+              <a:schemeClr val="accent5">
+                <a:lumMod val="75000"/>
+              </a:schemeClr>
+            </a:solidFill>
+          </a:ln>
+        </p:spPr>
+        <p:style>
+          <a:lnRef idx="2">
+            <a:schemeClr val="accent6"/>
+          </a:lnRef>
+          <a:fillRef idx="1">
+            <a:schemeClr val="lt1"/>
+          </a:fillRef>
+          <a:effectRef idx="0">
+            <a:schemeClr val="accent6"/>
+          </a:effectRef>
+          <a:fontRef idx="minor">
+            <a:schemeClr val="dk1"/>
+          </a:fontRef>
+        </p:style>
+        <p:txBody>
+          <a:bodyPr wrap="none" rtlCol="0" anchor="ctr"/>
+          <a:lstStyle/>
+          <a:p>
+            <a:pPr algn="ctr"/>
+            <a:r>
+              <a:rPr kumimoji="1" lang="ja-JP" altLang="en-US" sz="900" dirty="0" smtClean="0">
+                <a:solidFill>
+                  <a:schemeClr val="accent5">
+                    <a:lumMod val="75000"/>
+                  </a:schemeClr>
+                </a:solidFill>
+              </a:rPr>
+              <a:t>蛍光灯</a:t>
+            </a:r>
+            <a:endParaRPr kumimoji="1" lang="en-US" altLang="ja-JP" sz="900" dirty="0" smtClean="0">
+              <a:solidFill>
+                <a:schemeClr val="accent5">
+                  <a:lumMod val="75000"/>
+                </a:schemeClr>
+              </a:solidFill>
+            </a:endParaRPr>
+          </a:p>
+          <a:p>
+            <a:pPr algn="ctr"/>
+            <a:r>
+              <a:rPr lang="ja-JP" altLang="en-US" sz="900" dirty="0">
+                <a:solidFill>
+                  <a:schemeClr val="accent5">
+                    <a:lumMod val="75000"/>
+                  </a:schemeClr>
+                </a:solidFill>
+              </a:rPr>
+              <a:t>オン</a:t>
+            </a:r>
+            <a:endParaRPr kumimoji="1" lang="ja-JP" altLang="en-US" sz="900" dirty="0">
+              <a:solidFill>
+                <a:schemeClr val="accent5">
+                  <a:lumMod val="75000"/>
+                </a:schemeClr>
+              </a:solidFill>
+            </a:endParaRPr>
+          </a:p>
+        </p:txBody>
+      </p:sp>
+      <p:sp>
+        <p:nvSpPr>
+          <p:cNvPr id="25" name="角丸四角形 24"/>
+          <p:cNvSpPr/>
+          <p:nvPr/>
+        </p:nvSpPr>
+        <p:spPr>
+          <a:xfrm>
+            <a:off x="2973955" y="3895694"/>
+            <a:ext cx="464588" cy="465380"/>
+          </a:xfrm>
+          <a:prstGeom prst="roundRect">
+            <a:avLst/>
+          </a:prstGeom>
+          <a:ln>
+            <a:solidFill>
+              <a:schemeClr val="accent5">
+                <a:lumMod val="75000"/>
+              </a:schemeClr>
+            </a:solidFill>
+          </a:ln>
+        </p:spPr>
+        <p:style>
+          <a:lnRef idx="2">
+            <a:schemeClr val="accent6"/>
+          </a:lnRef>
+          <a:fillRef idx="1">
+            <a:schemeClr val="lt1"/>
+          </a:fillRef>
+          <a:effectRef idx="0">
+            <a:schemeClr val="accent6"/>
+          </a:effectRef>
+          <a:fontRef idx="minor">
+            <a:schemeClr val="dk1"/>
+          </a:fontRef>
+        </p:style>
+        <p:txBody>
+          <a:bodyPr wrap="none" rtlCol="0" anchor="ctr"/>
+          <a:lstStyle/>
+          <a:p>
+            <a:pPr algn="ctr"/>
+            <a:r>
+              <a:rPr lang="ja-JP" altLang="en-US" sz="800" dirty="0" smtClean="0">
+                <a:solidFill>
+                  <a:schemeClr val="accent5">
+                    <a:lumMod val="75000"/>
+                  </a:schemeClr>
+                </a:solidFill>
+              </a:rPr>
+              <a:t>エアコン</a:t>
+            </a:r>
+            <a:endParaRPr lang="en-US" altLang="ja-JP" sz="800" dirty="0" smtClean="0">
+              <a:solidFill>
+                <a:schemeClr val="accent5">
+                  <a:lumMod val="75000"/>
+                </a:schemeClr>
+              </a:solidFill>
+            </a:endParaRPr>
+          </a:p>
+          <a:p>
+            <a:pPr algn="ctr"/>
+            <a:r>
+              <a:rPr lang="ja-JP" altLang="en-US" sz="800" dirty="0" smtClean="0">
+                <a:solidFill>
+                  <a:schemeClr val="accent5">
+                    <a:lumMod val="75000"/>
+                  </a:schemeClr>
+                </a:solidFill>
+              </a:rPr>
+              <a:t>オン</a:t>
+            </a:r>
+            <a:endParaRPr lang="ja-JP" altLang="en-US" sz="800" dirty="0">
+              <a:solidFill>
+                <a:schemeClr val="accent5">
+                  <a:lumMod val="75000"/>
+                </a:schemeClr>
+              </a:solidFill>
+            </a:endParaRPr>
+          </a:p>
+        </p:txBody>
+      </p:sp>
+      <p:sp>
+        <p:nvSpPr>
+          <p:cNvPr id="26" name="角丸四角形 25"/>
+          <p:cNvSpPr/>
+          <p:nvPr/>
+        </p:nvSpPr>
+        <p:spPr>
+          <a:xfrm>
+            <a:off x="3510536" y="3895694"/>
+            <a:ext cx="464588" cy="465380"/>
+          </a:xfrm>
+          <a:prstGeom prst="roundRect">
+            <a:avLst/>
+          </a:prstGeom>
+          <a:ln>
+            <a:solidFill>
+              <a:schemeClr val="accent5">
+                <a:lumMod val="75000"/>
+              </a:schemeClr>
+            </a:solidFill>
+          </a:ln>
+        </p:spPr>
+        <p:style>
+          <a:lnRef idx="2">
+            <a:schemeClr val="accent6"/>
+          </a:lnRef>
+          <a:fillRef idx="1">
+            <a:schemeClr val="lt1"/>
+          </a:fillRef>
+          <a:effectRef idx="0">
+            <a:schemeClr val="accent6"/>
+          </a:effectRef>
+          <a:fontRef idx="minor">
+            <a:schemeClr val="dk1"/>
+          </a:fontRef>
+        </p:style>
+        <p:txBody>
+          <a:bodyPr wrap="none" rtlCol="0" anchor="ctr"/>
+          <a:lstStyle/>
+          <a:p>
+            <a:pPr algn="ctr"/>
+            <a:r>
+              <a:rPr kumimoji="1" lang="ja-JP" altLang="en-US" sz="700" dirty="0" smtClean="0">
+                <a:solidFill>
+                  <a:schemeClr val="accent5">
+                    <a:lumMod val="75000"/>
+                  </a:schemeClr>
+                </a:solidFill>
+              </a:rPr>
+              <a:t>蛍光灯</a:t>
+            </a:r>
+            <a:endParaRPr kumimoji="1" lang="en-US" altLang="ja-JP" sz="700" dirty="0" smtClean="0">
+              <a:solidFill>
+                <a:schemeClr val="accent5">
+                  <a:lumMod val="75000"/>
+                </a:schemeClr>
+              </a:solidFill>
+            </a:endParaRPr>
+          </a:p>
+          <a:p>
+            <a:pPr algn="ctr"/>
+            <a:r>
+              <a:rPr lang="ja-JP" altLang="en-US" sz="700" dirty="0" smtClean="0">
+                <a:solidFill>
+                  <a:schemeClr val="accent5">
+                    <a:lumMod val="75000"/>
+                  </a:schemeClr>
+                </a:solidFill>
+              </a:rPr>
+              <a:t>タイマ</a:t>
+            </a:r>
+            <a:r>
+              <a:rPr lang="en-US" altLang="ja-JP" sz="700" dirty="0" smtClean="0">
+                <a:solidFill>
+                  <a:schemeClr val="accent5">
+                    <a:lumMod val="75000"/>
+                  </a:schemeClr>
+                </a:solidFill>
+              </a:rPr>
+              <a:t>30</a:t>
+            </a:r>
+            <a:endParaRPr kumimoji="1" lang="ja-JP" altLang="en-US" sz="700" dirty="0">
+              <a:solidFill>
+                <a:schemeClr val="accent5">
+                  <a:lumMod val="75000"/>
+                </a:schemeClr>
+              </a:solidFill>
+            </a:endParaRPr>
+          </a:p>
+        </p:txBody>
+      </p:sp>
+      <p:sp>
+        <p:nvSpPr>
+          <p:cNvPr id="27" name="角丸四角形 26"/>
+          <p:cNvSpPr/>
+          <p:nvPr/>
+        </p:nvSpPr>
+        <p:spPr>
+          <a:xfrm>
+            <a:off x="4047117" y="3895694"/>
+            <a:ext cx="464588" cy="465380"/>
+          </a:xfrm>
+          <a:prstGeom prst="roundRect">
+            <a:avLst/>
+          </a:prstGeom>
+          <a:ln>
+            <a:solidFill>
+              <a:schemeClr val="accent6">
+                <a:lumMod val="75000"/>
+              </a:schemeClr>
+            </a:solidFill>
+          </a:ln>
+        </p:spPr>
+        <p:style>
+          <a:lnRef idx="2">
+            <a:schemeClr val="accent6"/>
+          </a:lnRef>
+          <a:fillRef idx="1">
+            <a:schemeClr val="lt1"/>
+          </a:fillRef>
+          <a:effectRef idx="0">
+            <a:schemeClr val="accent6"/>
+          </a:effectRef>
+          <a:fontRef idx="minor">
+            <a:schemeClr val="dk1"/>
+          </a:fontRef>
+        </p:style>
+        <p:txBody>
+          <a:bodyPr wrap="none" rtlCol="0" anchor="ctr"/>
+          <a:lstStyle/>
+          <a:p>
+            <a:pPr algn="ctr"/>
+            <a:endParaRPr kumimoji="1" lang="ja-JP" altLang="en-US" sz="800" dirty="0">
+              <a:solidFill>
+                <a:schemeClr val="accent6">
+                  <a:lumMod val="75000"/>
+                </a:schemeClr>
+              </a:solidFill>
+            </a:endParaRPr>
+          </a:p>
+        </p:txBody>
+      </p:sp>
+      <p:sp>
+        <p:nvSpPr>
+          <p:cNvPr id="28" name="角丸四角形 27"/>
+          <p:cNvSpPr/>
+          <p:nvPr/>
+        </p:nvSpPr>
+        <p:spPr>
+          <a:xfrm>
+            <a:off x="4583698" y="3895694"/>
             <a:ext cx="464588" cy="465380"/>
           </a:xfrm>
           <a:prstGeom prst="roundRect">
@@ -55511,13 +56387,266 @@
       </p:sp>
       <p:sp>
         <p:nvSpPr>
-          <p:cNvPr id="19" name="角丸四角形 18"/>
-          <p:cNvSpPr/>
-          <p:nvPr/>
-        </p:nvSpPr>
-        <p:spPr>
-          <a:xfrm>
-            <a:off x="7551095" y="3369914"/>
+          <p:cNvPr id="29" name="角丸四角形 28"/>
+          <p:cNvSpPr/>
+          <p:nvPr/>
+        </p:nvSpPr>
+        <p:spPr>
+          <a:xfrm>
+            <a:off x="5120279" y="3895694"/>
+            <a:ext cx="464588" cy="465380"/>
+          </a:xfrm>
+          <a:prstGeom prst="roundRect">
+            <a:avLst/>
+          </a:prstGeom>
+          <a:ln>
+            <a:solidFill>
+              <a:schemeClr val="accent2">
+                <a:lumMod val="75000"/>
+              </a:schemeClr>
+            </a:solidFill>
+          </a:ln>
+        </p:spPr>
+        <p:style>
+          <a:lnRef idx="2">
+            <a:schemeClr val="accent6"/>
+          </a:lnRef>
+          <a:fillRef idx="1">
+            <a:schemeClr val="lt1"/>
+          </a:fillRef>
+          <a:effectRef idx="0">
+            <a:schemeClr val="accent6"/>
+          </a:effectRef>
+          <a:fontRef idx="minor">
+            <a:schemeClr val="dk1"/>
+          </a:fontRef>
+        </p:style>
+        <p:txBody>
+          <a:bodyPr wrap="none" rtlCol="0" anchor="ctr"/>
+          <a:lstStyle/>
+          <a:p>
+            <a:pPr algn="ctr"/>
+            <a:r>
+              <a:rPr kumimoji="1" lang="ja-JP" altLang="en-US" sz="700" smtClean="0">
+                <a:solidFill>
+                  <a:schemeClr val="accent2">
+                    <a:lumMod val="75000"/>
+                  </a:schemeClr>
+                </a:solidFill>
+              </a:rPr>
+              <a:t>サウンド</a:t>
+            </a:r>
+            <a:endParaRPr kumimoji="1" lang="en-US" altLang="ja-JP" sz="700" smtClean="0">
+              <a:solidFill>
+                <a:schemeClr val="accent2">
+                  <a:lumMod val="75000"/>
+                </a:schemeClr>
+              </a:solidFill>
+            </a:endParaRPr>
+          </a:p>
+          <a:p>
+            <a:pPr algn="ctr"/>
+            <a:r>
+              <a:rPr lang="ja-JP" altLang="en-US" sz="700" smtClean="0">
+                <a:solidFill>
+                  <a:schemeClr val="accent2">
+                    <a:lumMod val="75000"/>
+                  </a:schemeClr>
+                </a:solidFill>
+              </a:rPr>
+              <a:t>変更</a:t>
+            </a:r>
+            <a:endParaRPr lang="en-US" altLang="ja-JP" sz="700" smtClean="0">
+              <a:solidFill>
+                <a:schemeClr val="accent2">
+                  <a:lumMod val="75000"/>
+                </a:schemeClr>
+              </a:solidFill>
+            </a:endParaRPr>
+          </a:p>
+          <a:p>
+            <a:pPr algn="ctr"/>
+            <a:r>
+              <a:rPr kumimoji="1" lang="ja-JP" altLang="en-US" sz="700" smtClean="0">
+                <a:solidFill>
+                  <a:schemeClr val="accent2">
+                    <a:lumMod val="75000"/>
+                  </a:schemeClr>
+                </a:solidFill>
+              </a:rPr>
+              <a:t>（イヤホン）</a:t>
+            </a:r>
+            <a:endParaRPr kumimoji="1" lang="ja-JP" altLang="en-US" sz="700" dirty="0">
+              <a:solidFill>
+                <a:schemeClr val="accent2">
+                  <a:lumMod val="75000"/>
+                </a:schemeClr>
+              </a:solidFill>
+            </a:endParaRPr>
+          </a:p>
+        </p:txBody>
+      </p:sp>
+      <p:sp>
+        <p:nvSpPr>
+          <p:cNvPr id="30" name="角丸四角形 29"/>
+          <p:cNvSpPr/>
+          <p:nvPr/>
+        </p:nvSpPr>
+        <p:spPr>
+          <a:xfrm>
+            <a:off x="5656860" y="3895694"/>
+            <a:ext cx="464588" cy="465380"/>
+          </a:xfrm>
+          <a:prstGeom prst="roundRect">
+            <a:avLst/>
+          </a:prstGeom>
+          <a:ln>
+            <a:solidFill>
+              <a:schemeClr val="accent2">
+                <a:lumMod val="75000"/>
+              </a:schemeClr>
+            </a:solidFill>
+          </a:ln>
+        </p:spPr>
+        <p:style>
+          <a:lnRef idx="2">
+            <a:schemeClr val="accent6"/>
+          </a:lnRef>
+          <a:fillRef idx="1">
+            <a:schemeClr val="lt1"/>
+          </a:fillRef>
+          <a:effectRef idx="0">
+            <a:schemeClr val="accent6"/>
+          </a:effectRef>
+          <a:fontRef idx="minor">
+            <a:schemeClr val="dk1"/>
+          </a:fontRef>
+        </p:style>
+        <p:txBody>
+          <a:bodyPr wrap="none" rtlCol="0" anchor="ctr"/>
+          <a:lstStyle/>
+          <a:p>
+            <a:pPr algn="ctr"/>
+            <a:r>
+              <a:rPr lang="ja-JP" altLang="en-US" sz="700" dirty="0" smtClean="0">
+                <a:solidFill>
+                  <a:schemeClr val="accent2">
+                    <a:lumMod val="75000"/>
+                  </a:schemeClr>
+                </a:solidFill>
+              </a:rPr>
+              <a:t>サウンド</a:t>
+            </a:r>
+            <a:endParaRPr lang="en-US" altLang="ja-JP" sz="700" dirty="0" smtClean="0">
+              <a:solidFill>
+                <a:schemeClr val="accent2">
+                  <a:lumMod val="75000"/>
+                </a:schemeClr>
+              </a:solidFill>
+            </a:endParaRPr>
+          </a:p>
+          <a:p>
+            <a:pPr algn="ctr"/>
+            <a:r>
+              <a:rPr lang="ja-JP" altLang="en-US" sz="700" dirty="0" smtClean="0">
+                <a:solidFill>
+                  <a:schemeClr val="accent2">
+                    <a:lumMod val="75000"/>
+                  </a:schemeClr>
+                </a:solidFill>
+              </a:rPr>
+              <a:t>変更</a:t>
+            </a:r>
+            <a:endParaRPr lang="en-US" altLang="ja-JP" sz="700" dirty="0" smtClean="0">
+              <a:solidFill>
+                <a:schemeClr val="accent2">
+                  <a:lumMod val="75000"/>
+                </a:schemeClr>
+              </a:solidFill>
+            </a:endParaRPr>
+          </a:p>
+          <a:p>
+            <a:pPr algn="ctr"/>
+            <a:r>
+              <a:rPr lang="ja-JP" altLang="en-US" sz="700" dirty="0" smtClean="0">
+                <a:solidFill>
+                  <a:schemeClr val="accent2">
+                    <a:lumMod val="75000"/>
+                  </a:schemeClr>
+                </a:solidFill>
+              </a:rPr>
+              <a:t>（スピーカ）</a:t>
+            </a:r>
+            <a:endParaRPr lang="en-US" altLang="ja-JP" sz="700" dirty="0" smtClean="0">
+              <a:solidFill>
+                <a:schemeClr val="accent2">
+                  <a:lumMod val="75000"/>
+                </a:schemeClr>
+              </a:solidFill>
+            </a:endParaRPr>
+          </a:p>
+        </p:txBody>
+      </p:sp>
+      <p:sp>
+        <p:nvSpPr>
+          <p:cNvPr id="31" name="角丸四角形 30"/>
+          <p:cNvSpPr/>
+          <p:nvPr/>
+        </p:nvSpPr>
+        <p:spPr>
+          <a:xfrm>
+            <a:off x="6193441" y="3895694"/>
+            <a:ext cx="464588" cy="465380"/>
+          </a:xfrm>
+          <a:prstGeom prst="roundRect">
+            <a:avLst/>
+          </a:prstGeom>
+          <a:ln>
+            <a:solidFill>
+              <a:schemeClr val="accent6">
+                <a:lumMod val="75000"/>
+              </a:schemeClr>
+            </a:solidFill>
+          </a:ln>
+        </p:spPr>
+        <p:style>
+          <a:lnRef idx="2">
+            <a:schemeClr val="accent6"/>
+          </a:lnRef>
+          <a:fillRef idx="1">
+            <a:schemeClr val="lt1"/>
+          </a:fillRef>
+          <a:effectRef idx="0">
+            <a:schemeClr val="accent6"/>
+          </a:effectRef>
+          <a:fontRef idx="minor">
+            <a:schemeClr val="dk1"/>
+          </a:fontRef>
+        </p:style>
+        <p:txBody>
+          <a:bodyPr wrap="none" rtlCol="0" anchor="ctr"/>
+          <a:lstStyle/>
+          <a:p>
+            <a:pPr algn="ctr"/>
+            <a:endParaRPr kumimoji="1" lang="ja-JP" altLang="en-US" sz="1000" dirty="0">
+              <a:solidFill>
+                <a:schemeClr val="accent6">
+                  <a:lumMod val="75000"/>
+                </a:schemeClr>
+              </a:solidFill>
+            </a:endParaRPr>
+          </a:p>
+        </p:txBody>
+      </p:sp>
+      <p:sp>
+        <p:nvSpPr>
+          <p:cNvPr id="32" name="角丸四角形 31"/>
+          <p:cNvSpPr/>
+          <p:nvPr/>
+        </p:nvSpPr>
+        <p:spPr>
+          <a:xfrm>
+            <a:off x="6730022" y="3895694"/>
             <a:ext cx="464588" cy="465380"/>
           </a:xfrm>
           <a:prstGeom prst="roundRect">
@@ -55562,13 +56691,13 @@
       </p:sp>
       <p:sp>
         <p:nvSpPr>
-          <p:cNvPr id="20" name="角丸四角形 19"/>
-          <p:cNvSpPr/>
-          <p:nvPr/>
-        </p:nvSpPr>
-        <p:spPr>
-          <a:xfrm>
-            <a:off x="8087682" y="3369914"/>
+          <p:cNvPr id="33" name="角丸四角形 32"/>
+          <p:cNvSpPr/>
+          <p:nvPr/>
+        </p:nvSpPr>
+        <p:spPr>
+          <a:xfrm>
+            <a:off x="7266603" y="3895694"/>
             <a:ext cx="464588" cy="465380"/>
           </a:xfrm>
           <a:prstGeom prst="roundRect">
@@ -55613,13 +56742,64 @@
       </p:sp>
       <p:sp>
         <p:nvSpPr>
-          <p:cNvPr id="22" name="角丸四角形 21"/>
-          <p:cNvSpPr/>
-          <p:nvPr/>
-        </p:nvSpPr>
-        <p:spPr>
-          <a:xfrm>
-            <a:off x="1364212" y="3895694"/>
+          <p:cNvPr id="34" name="角丸四角形 33"/>
+          <p:cNvSpPr/>
+          <p:nvPr/>
+        </p:nvSpPr>
+        <p:spPr>
+          <a:xfrm>
+            <a:off x="7803183" y="3895694"/>
+            <a:ext cx="749085" cy="465380"/>
+          </a:xfrm>
+          <a:prstGeom prst="roundRect">
+            <a:avLst/>
+          </a:prstGeom>
+          <a:ln>
+            <a:solidFill>
+              <a:schemeClr val="accent6">
+                <a:lumMod val="75000"/>
+              </a:schemeClr>
+            </a:solidFill>
+          </a:ln>
+        </p:spPr>
+        <p:style>
+          <a:lnRef idx="2">
+            <a:schemeClr val="accent6"/>
+          </a:lnRef>
+          <a:fillRef idx="1">
+            <a:schemeClr val="lt1"/>
+          </a:fillRef>
+          <a:effectRef idx="0">
+            <a:schemeClr val="accent6"/>
+          </a:effectRef>
+          <a:fontRef idx="minor">
+            <a:schemeClr val="dk1"/>
+          </a:fontRef>
+        </p:style>
+        <p:txBody>
+          <a:bodyPr wrap="none" rtlCol="0" anchor="ctr"/>
+          <a:lstStyle/>
+          <a:p>
+            <a:pPr algn="ctr"/>
+            <a:endParaRPr kumimoji="1" lang="ja-JP" altLang="en-US" sz="1400" dirty="0">
+              <a:solidFill>
+                <a:schemeClr val="accent6">
+                  <a:lumMod val="75000"/>
+                </a:schemeClr>
+              </a:solidFill>
+            </a:endParaRPr>
+          </a:p>
+        </p:txBody>
+      </p:sp>
+      <p:sp>
+        <p:nvSpPr>
+          <p:cNvPr id="36" name="角丸四角形 35"/>
+          <p:cNvSpPr/>
+          <p:nvPr/>
+        </p:nvSpPr>
+        <p:spPr>
+          <a:xfrm>
+            <a:off x="1547092" y="4421474"/>
             <a:ext cx="464588" cy="465380"/>
           </a:xfrm>
           <a:prstGeom prst="roundRect">
@@ -55666,14 +56846,14 @@
           <a:p>
             <a:pPr algn="ctr"/>
             <a:r>
-              <a:rPr kumimoji="1" lang="en-US" altLang="ja-JP" sz="1100" dirty="0" smtClean="0">
+              <a:rPr lang="en-US" altLang="ja-JP" sz="1100" dirty="0" smtClean="0">
                 <a:solidFill>
                   <a:schemeClr val="accent2">
                     <a:lumMod val="75000"/>
                   </a:schemeClr>
                 </a:solidFill>
               </a:rPr>
-              <a:t>Up</a:t>
+              <a:t>Down</a:t>
             </a:r>
             <a:endParaRPr kumimoji="1" lang="ja-JP" altLang="en-US" sz="1100" dirty="0">
               <a:solidFill>
@@ -55687,13 +56867,13 @@
       </p:sp>
       <p:sp>
         <p:nvSpPr>
-          <p:cNvPr id="23" name="角丸四角形 22"/>
-          <p:cNvSpPr/>
-          <p:nvPr/>
-        </p:nvSpPr>
-        <p:spPr>
-          <a:xfrm>
-            <a:off x="1900793" y="3895694"/>
+          <p:cNvPr id="37" name="角丸四角形 36"/>
+          <p:cNvSpPr/>
+          <p:nvPr/>
+        </p:nvSpPr>
+        <p:spPr>
+          <a:xfrm>
+            <a:off x="2083673" y="4421474"/>
             <a:ext cx="464588" cy="465380"/>
           </a:xfrm>
           <a:prstGeom prst="roundRect">
@@ -55727,90 +56907,16 @@
           <a:p>
             <a:pPr algn="ctr"/>
             <a:r>
-              <a:rPr lang="ja-JP" altLang="en-US" sz="800" dirty="0" smtClean="0">
+              <a:rPr lang="ja-JP" altLang="en-US" sz="900" dirty="0" smtClean="0">
                 <a:solidFill>
                   <a:schemeClr val="accent5">
                     <a:lumMod val="75000"/>
                   </a:schemeClr>
                 </a:solidFill>
               </a:rPr>
-              <a:t>エアコン</a:t>
-            </a:r>
-            <a:endParaRPr lang="en-US" altLang="ja-JP" sz="800" dirty="0" smtClean="0">
-              <a:solidFill>
-                <a:schemeClr val="accent5">
-                  <a:lumMod val="75000"/>
-                </a:schemeClr>
-              </a:solidFill>
-            </a:endParaRPr>
-          </a:p>
-          <a:p>
-            <a:pPr algn="ctr"/>
-            <a:r>
-              <a:rPr lang="ja-JP" altLang="en-US" sz="800" dirty="0">
-                <a:solidFill>
-                  <a:schemeClr val="accent5">
-                    <a:lumMod val="75000"/>
-                  </a:schemeClr>
-                </a:solidFill>
-              </a:rPr>
-              <a:t>オフ</a:t>
-            </a:r>
-          </a:p>
-        </p:txBody>
-      </p:sp>
-      <p:sp>
-        <p:nvSpPr>
-          <p:cNvPr id="24" name="角丸四角形 23"/>
-          <p:cNvSpPr/>
-          <p:nvPr/>
-        </p:nvSpPr>
-        <p:spPr>
-          <a:xfrm>
-            <a:off x="2437374" y="3895694"/>
-            <a:ext cx="464588" cy="465380"/>
-          </a:xfrm>
-          <a:prstGeom prst="roundRect">
-            <a:avLst/>
-          </a:prstGeom>
-          <a:ln>
-            <a:solidFill>
-              <a:schemeClr val="accent5">
-                <a:lumMod val="75000"/>
-              </a:schemeClr>
-            </a:solidFill>
-          </a:ln>
-        </p:spPr>
-        <p:style>
-          <a:lnRef idx="2">
-            <a:schemeClr val="accent6"/>
-          </a:lnRef>
-          <a:fillRef idx="1">
-            <a:schemeClr val="lt1"/>
-          </a:fillRef>
-          <a:effectRef idx="0">
-            <a:schemeClr val="accent6"/>
-          </a:effectRef>
-          <a:fontRef idx="minor">
-            <a:schemeClr val="dk1"/>
-          </a:fontRef>
-        </p:style>
-        <p:txBody>
-          <a:bodyPr wrap="none" rtlCol="0" anchor="ctr"/>
-          <a:lstStyle/>
-          <a:p>
-            <a:pPr algn="ctr"/>
-            <a:r>
-              <a:rPr kumimoji="1" lang="ja-JP" altLang="en-US" sz="900" dirty="0" smtClean="0">
-                <a:solidFill>
-                  <a:schemeClr val="accent5">
-                    <a:lumMod val="75000"/>
-                  </a:schemeClr>
-                </a:solidFill>
-              </a:rPr>
-              <a:t>蛍光灯</a:t>
-            </a:r>
-            <a:endParaRPr kumimoji="1" lang="en-US" altLang="ja-JP" sz="900" dirty="0" smtClean="0">
+              <a:t>常夜灯</a:t>
+            </a:r>
+            <a:endParaRPr lang="en-US" altLang="ja-JP" sz="900" dirty="0">
               <a:solidFill>
                 <a:schemeClr val="accent5">
                   <a:lumMod val="75000"/>
@@ -55830,7 +56936,61 @@
               </a:rPr>
               <a:t>オン</a:t>
             </a:r>
-            <a:endParaRPr kumimoji="1" lang="ja-JP" altLang="en-US" sz="900" dirty="0">
+          </a:p>
+        </p:txBody>
+      </p:sp>
+      <p:sp>
+        <p:nvSpPr>
+          <p:cNvPr id="39" name="角丸四角形 38"/>
+          <p:cNvSpPr/>
+          <p:nvPr/>
+        </p:nvSpPr>
+        <p:spPr>
+          <a:xfrm>
+            <a:off x="3156835" y="4421474"/>
+            <a:ext cx="464588" cy="465380"/>
+          </a:xfrm>
+          <a:prstGeom prst="roundRect">
+            <a:avLst/>
+          </a:prstGeom>
+          <a:ln>
+            <a:solidFill>
+              <a:schemeClr val="accent5">
+                <a:lumMod val="75000"/>
+              </a:schemeClr>
+            </a:solidFill>
+          </a:ln>
+        </p:spPr>
+        <p:style>
+          <a:lnRef idx="2">
+            <a:schemeClr val="accent6"/>
+          </a:lnRef>
+          <a:fillRef idx="1">
+            <a:schemeClr val="lt1"/>
+          </a:fillRef>
+          <a:effectRef idx="0">
+            <a:schemeClr val="accent6"/>
+          </a:effectRef>
+          <a:fontRef idx="minor">
+            <a:schemeClr val="dk1"/>
+          </a:fontRef>
+        </p:style>
+        <p:txBody>
+          <a:bodyPr wrap="none" rtlCol="0" anchor="ctr"/>
+          <a:lstStyle/>
+          <a:p>
+            <a:pPr algn="ctr"/>
+            <a:r>
+              <a:rPr lang="ja-JP" altLang="en-US" sz="900" dirty="0" smtClean="0">
+                <a:solidFill>
+                  <a:schemeClr val="accent5">
+                    <a:lumMod val="75000"/>
+                  </a:schemeClr>
+                </a:solidFill>
+              </a:rPr>
+              <a:t>調光</a:t>
+            </a:r>
+            <a:endParaRPr lang="ja-JP" altLang="en-US" sz="900" dirty="0">
               <a:solidFill>
                 <a:schemeClr val="accent5">
                   <a:lumMod val="75000"/>
@@ -55842,13 +57002,13 @@
       </p:sp>
       <p:sp>
         <p:nvSpPr>
-          <p:cNvPr id="25" name="角丸四角形 24"/>
-          <p:cNvSpPr/>
-          <p:nvPr/>
-        </p:nvSpPr>
-        <p:spPr>
-          <a:xfrm>
-            <a:off x="2973955" y="3895694"/>
+          <p:cNvPr id="40" name="角丸四角形 39"/>
+          <p:cNvSpPr/>
+          <p:nvPr/>
+        </p:nvSpPr>
+        <p:spPr>
+          <a:xfrm>
+            <a:off x="3693416" y="4421474"/>
             <a:ext cx="464588" cy="465380"/>
           </a:xfrm>
           <a:prstGeom prst="roundRect">
@@ -55856,7 +57016,7 @@
           </a:prstGeom>
           <a:ln>
             <a:solidFill>
-              <a:schemeClr val="accent5">
+              <a:schemeClr val="accent6">
                 <a:lumMod val="75000"/>
               </a:schemeClr>
             </a:solidFill>
@@ -55882,178 +57042,16 @@
           <a:p>
             <a:pPr algn="ctr"/>
             <a:r>
-              <a:rPr lang="ja-JP" altLang="en-US" sz="800" dirty="0" smtClean="0">
+              <a:rPr kumimoji="1" lang="ja-JP" altLang="en-US" sz="1200" dirty="0" smtClean="0">
                 <a:solidFill>
-                  <a:schemeClr val="accent5">
+                  <a:schemeClr val="accent6">
                     <a:lumMod val="75000"/>
                   </a:schemeClr>
                 </a:solidFill>
               </a:rPr>
-              <a:t>エアコン</a:t>
-            </a:r>
-            <a:endParaRPr lang="en-US" altLang="ja-JP" sz="800" dirty="0" smtClean="0">
-              <a:solidFill>
-                <a:schemeClr val="accent5">
-                  <a:lumMod val="75000"/>
-                </a:schemeClr>
-              </a:solidFill>
-            </a:endParaRPr>
-          </a:p>
-          <a:p>
-            <a:pPr algn="ctr"/>
-            <a:r>
-              <a:rPr lang="ja-JP" altLang="en-US" sz="800" dirty="0" smtClean="0">
-                <a:solidFill>
-                  <a:schemeClr val="accent5">
-                    <a:lumMod val="75000"/>
-                  </a:schemeClr>
-                </a:solidFill>
-              </a:rPr>
-              <a:t>オン</a:t>
-            </a:r>
-            <a:endParaRPr lang="ja-JP" altLang="en-US" sz="800" dirty="0">
-              <a:solidFill>
-                <a:schemeClr val="accent5">
-                  <a:lumMod val="75000"/>
-                </a:schemeClr>
-              </a:solidFill>
-            </a:endParaRPr>
-          </a:p>
-        </p:txBody>
-      </p:sp>
-      <p:sp>
-        <p:nvSpPr>
-          <p:cNvPr id="26" name="角丸四角形 25"/>
-          <p:cNvSpPr/>
-          <p:nvPr/>
-        </p:nvSpPr>
-        <p:spPr>
-          <a:xfrm>
-            <a:off x="3510536" y="3895694"/>
-            <a:ext cx="464588" cy="465380"/>
-          </a:xfrm>
-          <a:prstGeom prst="roundRect">
-            <a:avLst/>
-          </a:prstGeom>
-          <a:ln>
-            <a:solidFill>
-              <a:schemeClr val="accent5">
-                <a:lumMod val="75000"/>
-              </a:schemeClr>
-            </a:solidFill>
-          </a:ln>
-        </p:spPr>
-        <p:style>
-          <a:lnRef idx="2">
-            <a:schemeClr val="accent6"/>
-          </a:lnRef>
-          <a:fillRef idx="1">
-            <a:schemeClr val="lt1"/>
-          </a:fillRef>
-          <a:effectRef idx="0">
-            <a:schemeClr val="accent6"/>
-          </a:effectRef>
-          <a:fontRef idx="minor">
-            <a:schemeClr val="dk1"/>
-          </a:fontRef>
-        </p:style>
-        <p:txBody>
-          <a:bodyPr wrap="none" rtlCol="0" anchor="ctr"/>
-          <a:lstStyle/>
-          <a:p>
-            <a:pPr algn="ctr"/>
-            <a:r>
-              <a:rPr kumimoji="1" lang="ja-JP" altLang="en-US" sz="700" dirty="0" smtClean="0">
-                <a:solidFill>
-                  <a:schemeClr val="accent5">
-                    <a:lumMod val="75000"/>
-                  </a:schemeClr>
-                </a:solidFill>
-              </a:rPr>
-              <a:t>蛍光灯</a:t>
-            </a:r>
-            <a:endParaRPr kumimoji="1" lang="en-US" altLang="ja-JP" sz="700" dirty="0" smtClean="0">
-              <a:solidFill>
-                <a:schemeClr val="accent5">
-                  <a:lumMod val="75000"/>
-                </a:schemeClr>
-              </a:solidFill>
-            </a:endParaRPr>
-          </a:p>
-          <a:p>
-            <a:pPr algn="ctr"/>
-            <a:r>
-              <a:rPr lang="ja-JP" altLang="en-US" sz="700" dirty="0" smtClean="0">
-                <a:solidFill>
-                  <a:schemeClr val="accent5">
-                    <a:lumMod val="75000"/>
-                  </a:schemeClr>
-                </a:solidFill>
-              </a:rPr>
-              <a:t>タイマ</a:t>
-            </a:r>
-            <a:r>
-              <a:rPr lang="en-US" altLang="ja-JP" sz="700" dirty="0" smtClean="0">
-                <a:solidFill>
-                  <a:schemeClr val="accent5">
-                    <a:lumMod val="75000"/>
-                  </a:schemeClr>
-                </a:solidFill>
-              </a:rPr>
-              <a:t>30</a:t>
-            </a:r>
-            <a:endParaRPr kumimoji="1" lang="ja-JP" altLang="en-US" sz="700" dirty="0">
-              <a:solidFill>
-                <a:schemeClr val="accent5">
-                  <a:lumMod val="75000"/>
-                </a:schemeClr>
-              </a:solidFill>
-            </a:endParaRPr>
-          </a:p>
-        </p:txBody>
-      </p:sp>
-      <p:sp>
-        <p:nvSpPr>
-          <p:cNvPr id="27" name="角丸四角形 26"/>
-          <p:cNvSpPr/>
-          <p:nvPr/>
-        </p:nvSpPr>
-        <p:spPr>
-          <a:xfrm>
-            <a:off x="4047117" y="3895694"/>
-            <a:ext cx="464588" cy="465380"/>
-          </a:xfrm>
-          <a:prstGeom prst="roundRect">
-            <a:avLst/>
-          </a:prstGeom>
-          <a:ln>
-            <a:solidFill>
-              <a:schemeClr val="accent6">
-                <a:lumMod val="75000"/>
-              </a:schemeClr>
-            </a:solidFill>
-          </a:ln>
-        </p:spPr>
-        <p:style>
-          <a:lnRef idx="2">
-            <a:schemeClr val="accent6"/>
-          </a:lnRef>
-          <a:fillRef idx="1">
-            <a:schemeClr val="lt1"/>
-          </a:fillRef>
-          <a:effectRef idx="0">
-            <a:schemeClr val="accent6"/>
-          </a:effectRef>
-          <a:fontRef idx="minor">
-            <a:schemeClr val="dk1"/>
-          </a:fontRef>
-        </p:style>
-        <p:txBody>
-          <a:bodyPr wrap="none" rtlCol="0" anchor="ctr"/>
-          <a:lstStyle/>
-          <a:p>
-            <a:pPr algn="ctr"/>
-            <a:endParaRPr kumimoji="1" lang="ja-JP" altLang="en-US" sz="800" dirty="0">
+              <a:t>検索</a:t>
+            </a:r>
+            <a:endParaRPr kumimoji="1" lang="ja-JP" altLang="en-US" sz="1200" dirty="0">
               <a:solidFill>
                 <a:schemeClr val="accent6">
                   <a:lumMod val="75000"/>
@@ -56065,13 +57063,13 @@
       </p:sp>
       <p:sp>
         <p:nvSpPr>
-          <p:cNvPr id="28" name="角丸四角形 27"/>
-          <p:cNvSpPr/>
-          <p:nvPr/>
-        </p:nvSpPr>
-        <p:spPr>
-          <a:xfrm>
-            <a:off x="4583698" y="3895694"/>
+          <p:cNvPr id="41" name="角丸四角形 40"/>
+          <p:cNvSpPr/>
+          <p:nvPr/>
+        </p:nvSpPr>
+        <p:spPr>
+          <a:xfrm>
+            <a:off x="4229997" y="4421474"/>
             <a:ext cx="464588" cy="465380"/>
           </a:xfrm>
           <a:prstGeom prst="roundRect">
@@ -56116,13 +57114,13 @@
       </p:sp>
       <p:sp>
         <p:nvSpPr>
-          <p:cNvPr id="29" name="角丸四角形 28"/>
-          <p:cNvSpPr/>
-          <p:nvPr/>
-        </p:nvSpPr>
-        <p:spPr>
-          <a:xfrm>
-            <a:off x="5120279" y="3895694"/>
+          <p:cNvPr id="42" name="角丸四角形 41"/>
+          <p:cNvSpPr/>
+          <p:nvPr/>
+        </p:nvSpPr>
+        <p:spPr>
+          <a:xfrm>
+            <a:off x="4766578" y="4421474"/>
             <a:ext cx="464588" cy="465380"/>
           </a:xfrm>
           <a:prstGeom prst="roundRect">
@@ -56130,7 +57128,7 @@
           </a:prstGeom>
           <a:ln>
             <a:solidFill>
-              <a:schemeClr val="accent2">
+              <a:schemeClr val="accent6">
                 <a:lumMod val="75000"/>
               </a:schemeClr>
             </a:solidFill>
@@ -56156,175 +57154,27 @@
           <a:p>
             <a:pPr algn="ctr"/>
             <a:r>
-              <a:rPr kumimoji="1" lang="ja-JP" altLang="en-US" sz="700" smtClean="0">
+              <a:rPr lang="en-US" altLang="ja-JP" sz="1400" u="sng" dirty="0">
                 <a:solidFill>
-                  <a:schemeClr val="accent2">
+                  <a:schemeClr val="accent6">
                     <a:lumMod val="75000"/>
                   </a:schemeClr>
                 </a:solidFill>
               </a:rPr>
-              <a:t>サウンド</a:t>
-            </a:r>
-            <a:endParaRPr kumimoji="1" lang="en-US" altLang="ja-JP" sz="700" smtClean="0">
-              <a:solidFill>
-                <a:schemeClr val="accent2">
-                  <a:lumMod val="75000"/>
-                </a:schemeClr>
-              </a:solidFill>
-            </a:endParaRPr>
-          </a:p>
-          <a:p>
-            <a:pPr algn="ctr"/>
-            <a:r>
-              <a:rPr lang="ja-JP" altLang="en-US" sz="700" smtClean="0">
-                <a:solidFill>
-                  <a:schemeClr val="accent2">
-                    <a:lumMod val="75000"/>
-                  </a:schemeClr>
-                </a:solidFill>
-              </a:rPr>
-              <a:t>変更</a:t>
-            </a:r>
-            <a:endParaRPr lang="en-US" altLang="ja-JP" sz="700" smtClean="0">
-              <a:solidFill>
-                <a:schemeClr val="accent2">
-                  <a:lumMod val="75000"/>
-                </a:schemeClr>
-              </a:solidFill>
-            </a:endParaRPr>
-          </a:p>
-          <a:p>
-            <a:pPr algn="ctr"/>
-            <a:r>
-              <a:rPr kumimoji="1" lang="ja-JP" altLang="en-US" sz="700" smtClean="0">
-                <a:solidFill>
-                  <a:schemeClr val="accent2">
-                    <a:lumMod val="75000"/>
-                  </a:schemeClr>
-                </a:solidFill>
-              </a:rPr>
-              <a:t>（イヤホン）</a:t>
-            </a:r>
-            <a:endParaRPr kumimoji="1" lang="ja-JP" altLang="en-US" sz="700" dirty="0">
-              <a:solidFill>
-                <a:schemeClr val="accent2">
-                  <a:lumMod val="75000"/>
-                </a:schemeClr>
-              </a:solidFill>
-            </a:endParaRPr>
-          </a:p>
-        </p:txBody>
-      </p:sp>
-      <p:sp>
-        <p:nvSpPr>
-          <p:cNvPr id="30" name="角丸四角形 29"/>
-          <p:cNvSpPr/>
-          <p:nvPr/>
-        </p:nvSpPr>
-        <p:spPr>
-          <a:xfrm>
-            <a:off x="5656860" y="3895694"/>
-            <a:ext cx="464588" cy="465380"/>
-          </a:xfrm>
-          <a:prstGeom prst="roundRect">
-            <a:avLst/>
-          </a:prstGeom>
-          <a:ln>
-            <a:solidFill>
-              <a:schemeClr val="accent2">
-                <a:lumMod val="75000"/>
-              </a:schemeClr>
-            </a:solidFill>
-          </a:ln>
-        </p:spPr>
-        <p:style>
-          <a:lnRef idx="2">
-            <a:schemeClr val="accent6"/>
-          </a:lnRef>
-          <a:fillRef idx="1">
-            <a:schemeClr val="lt1"/>
-          </a:fillRef>
-          <a:effectRef idx="0">
-            <a:schemeClr val="accent6"/>
-          </a:effectRef>
-          <a:fontRef idx="minor">
-            <a:schemeClr val="dk1"/>
-          </a:fontRef>
-        </p:style>
-        <p:txBody>
-          <a:bodyPr wrap="none" rtlCol="0" anchor="ctr"/>
-          <a:lstStyle/>
-          <a:p>
-            <a:pPr algn="ctr"/>
-            <a:r>
-              <a:rPr lang="ja-JP" altLang="en-US" sz="700" dirty="0" smtClean="0">
-                <a:solidFill>
-                  <a:schemeClr val="accent2">
-                    <a:lumMod val="75000"/>
-                  </a:schemeClr>
-                </a:solidFill>
-              </a:rPr>
-              <a:t>サウンド</a:t>
-            </a:r>
-            <a:endParaRPr lang="en-US" altLang="ja-JP" sz="700" dirty="0" smtClean="0">
-              <a:solidFill>
-                <a:schemeClr val="accent2">
-                  <a:lumMod val="75000"/>
-                </a:schemeClr>
-              </a:solidFill>
-            </a:endParaRPr>
-          </a:p>
-          <a:p>
-            <a:pPr algn="ctr"/>
-            <a:r>
-              <a:rPr lang="ja-JP" altLang="en-US" sz="700" dirty="0" smtClean="0">
-                <a:solidFill>
-                  <a:schemeClr val="accent2">
-                    <a:lumMod val="75000"/>
-                  </a:schemeClr>
-                </a:solidFill>
-              </a:rPr>
-              <a:t>変更</a:t>
-            </a:r>
-            <a:endParaRPr lang="en-US" altLang="ja-JP" sz="700" dirty="0" smtClean="0">
-              <a:solidFill>
-                <a:schemeClr val="accent2">
-                  <a:lumMod val="75000"/>
-                </a:schemeClr>
-              </a:solidFill>
-            </a:endParaRPr>
-          </a:p>
-          <a:p>
-            <a:pPr algn="ctr"/>
-            <a:r>
-              <a:rPr lang="ja-JP" altLang="en-US" sz="700" dirty="0" smtClean="0">
-                <a:solidFill>
-                  <a:schemeClr val="accent2">
-                    <a:lumMod val="75000"/>
-                  </a:schemeClr>
-                </a:solidFill>
-              </a:rPr>
-              <a:t>（スピーカ）</a:t>
-            </a:r>
-            <a:endParaRPr lang="en-US" altLang="ja-JP" sz="700" dirty="0" smtClean="0">
-              <a:solidFill>
-                <a:schemeClr val="accent2">
-                  <a:lumMod val="75000"/>
-                </a:schemeClr>
-              </a:solidFill>
-            </a:endParaRPr>
-          </a:p>
-        </p:txBody>
-      </p:sp>
-      <p:sp>
-        <p:nvSpPr>
-          <p:cNvPr id="31" name="角丸四角形 30"/>
-          <p:cNvSpPr/>
-          <p:nvPr/>
-        </p:nvSpPr>
-        <p:spPr>
-          <a:xfrm>
-            <a:off x="6193441" y="3895694"/>
+              <a:t>DL</a:t>
+            </a:r>
+          </a:p>
+        </p:txBody>
+      </p:sp>
+      <p:sp>
+        <p:nvSpPr>
+          <p:cNvPr id="43" name="角丸四角形 42"/>
+          <p:cNvSpPr/>
+          <p:nvPr/>
+        </p:nvSpPr>
+        <p:spPr>
+          <a:xfrm>
+            <a:off x="5303159" y="4421474"/>
             <a:ext cx="464588" cy="465380"/>
           </a:xfrm>
           <a:prstGeom prst="roundRect">
@@ -56357,7 +57207,7 @@
           <a:lstStyle/>
           <a:p>
             <a:pPr algn="ctr"/>
-            <a:endParaRPr kumimoji="1" lang="ja-JP" altLang="en-US" sz="1000" dirty="0">
+            <a:endParaRPr kumimoji="1" lang="en-US" altLang="ja-JP" sz="1100" smtClean="0">
               <a:solidFill>
                 <a:schemeClr val="accent6">
                   <a:lumMod val="75000"/>
@@ -56369,13 +57219,64 @@
       </p:sp>
       <p:sp>
         <p:nvSpPr>
-          <p:cNvPr id="32" name="角丸四角形 31"/>
-          <p:cNvSpPr/>
-          <p:nvPr/>
-        </p:nvSpPr>
-        <p:spPr>
-          <a:xfrm>
-            <a:off x="6730022" y="3895694"/>
+          <p:cNvPr id="44" name="角丸四角形 43"/>
+          <p:cNvSpPr/>
+          <p:nvPr/>
+        </p:nvSpPr>
+        <p:spPr>
+          <a:xfrm>
+            <a:off x="5839740" y="4421474"/>
+            <a:ext cx="464588" cy="465380"/>
+          </a:xfrm>
+          <a:prstGeom prst="roundRect">
+            <a:avLst/>
+          </a:prstGeom>
+          <a:ln>
+            <a:solidFill>
+              <a:schemeClr val="accent6">
+                <a:lumMod val="75000"/>
+              </a:schemeClr>
+            </a:solidFill>
+          </a:ln>
+        </p:spPr>
+        <p:style>
+          <a:lnRef idx="2">
+            <a:schemeClr val="accent6"/>
+          </a:lnRef>
+          <a:fillRef idx="1">
+            <a:schemeClr val="lt1"/>
+          </a:fillRef>
+          <a:effectRef idx="0">
+            <a:schemeClr val="accent6"/>
+          </a:effectRef>
+          <a:fontRef idx="minor">
+            <a:schemeClr val="dk1"/>
+          </a:fontRef>
+        </p:style>
+        <p:txBody>
+          <a:bodyPr wrap="none" rtlCol="0" anchor="ctr"/>
+          <a:lstStyle/>
+          <a:p>
+            <a:pPr algn="ctr"/>
+            <a:endParaRPr kumimoji="1" lang="ja-JP" altLang="en-US" sz="1050" dirty="0">
+              <a:solidFill>
+                <a:schemeClr val="accent6">
+                  <a:lumMod val="75000"/>
+                </a:schemeClr>
+              </a:solidFill>
+            </a:endParaRPr>
+          </a:p>
+        </p:txBody>
+      </p:sp>
+      <p:sp>
+        <p:nvSpPr>
+          <p:cNvPr id="45" name="角丸四角形 44"/>
+          <p:cNvSpPr/>
+          <p:nvPr/>
+        </p:nvSpPr>
+        <p:spPr>
+          <a:xfrm>
+            <a:off x="6376321" y="4421474"/>
             <a:ext cx="464588" cy="465380"/>
           </a:xfrm>
           <a:prstGeom prst="roundRect">
@@ -56420,13 +57321,13 @@
       </p:sp>
       <p:sp>
         <p:nvSpPr>
-          <p:cNvPr id="33" name="角丸四角形 32"/>
-          <p:cNvSpPr/>
-          <p:nvPr/>
-        </p:nvSpPr>
-        <p:spPr>
-          <a:xfrm>
-            <a:off x="7266603" y="3895694"/>
+          <p:cNvPr id="46" name="角丸四角形 45"/>
+          <p:cNvSpPr/>
+          <p:nvPr/>
+        </p:nvSpPr>
+        <p:spPr>
+          <a:xfrm>
+            <a:off x="6912902" y="4421474"/>
             <a:ext cx="464588" cy="465380"/>
           </a:xfrm>
           <a:prstGeom prst="roundRect">
@@ -56471,14 +57372,14 @@
       </p:sp>
       <p:sp>
         <p:nvSpPr>
-          <p:cNvPr id="34" name="角丸四角形 33"/>
-          <p:cNvSpPr/>
-          <p:nvPr/>
-        </p:nvSpPr>
-        <p:spPr>
-          <a:xfrm>
-            <a:off x="7803183" y="3895694"/>
-            <a:ext cx="749085" cy="465380"/>
+          <p:cNvPr id="50" name="角丸四角形 49"/>
+          <p:cNvSpPr/>
+          <p:nvPr/>
+        </p:nvSpPr>
+        <p:spPr>
+          <a:xfrm>
+            <a:off x="1794537" y="4947254"/>
+            <a:ext cx="464588" cy="465380"/>
           </a:xfrm>
           <a:prstGeom prst="roundRect">
             <a:avLst/>
@@ -56522,283 +57423,13 @@
       </p:sp>
       <p:sp>
         <p:nvSpPr>
-          <p:cNvPr id="36" name="角丸四角形 35"/>
-          <p:cNvSpPr/>
-          <p:nvPr/>
-        </p:nvSpPr>
-        <p:spPr>
-          <a:xfrm>
-            <a:off x="1547092" y="4421474"/>
-            <a:ext cx="464588" cy="465380"/>
-          </a:xfrm>
-          <a:prstGeom prst="roundRect">
-            <a:avLst/>
-          </a:prstGeom>
-          <a:ln>
-            <a:solidFill>
-              <a:schemeClr val="accent2">
-                <a:lumMod val="75000"/>
-              </a:schemeClr>
-            </a:solidFill>
-          </a:ln>
-        </p:spPr>
-        <p:style>
-          <a:lnRef idx="2">
-            <a:schemeClr val="accent6"/>
-          </a:lnRef>
-          <a:fillRef idx="1">
-            <a:schemeClr val="lt1"/>
-          </a:fillRef>
-          <a:effectRef idx="0">
-            <a:schemeClr val="accent6"/>
-          </a:effectRef>
-          <a:fontRef idx="minor">
-            <a:schemeClr val="dk1"/>
-          </a:fontRef>
-        </p:style>
-        <p:txBody>
-          <a:bodyPr wrap="none" rtlCol="0" anchor="ctr"/>
-          <a:lstStyle/>
-          <a:p>
-            <a:pPr algn="ctr"/>
-            <a:r>
-              <a:rPr kumimoji="1" lang="en-US" altLang="ja-JP" sz="1100" dirty="0" smtClean="0">
-                <a:solidFill>
-                  <a:schemeClr val="accent2">
-                    <a:lumMod val="75000"/>
-                  </a:schemeClr>
-                </a:solidFill>
-              </a:rPr>
-              <a:t>Vol</a:t>
-            </a:r>
-          </a:p>
-          <a:p>
-            <a:pPr algn="ctr"/>
-            <a:r>
-              <a:rPr lang="en-US" altLang="ja-JP" sz="1100" dirty="0" smtClean="0">
-                <a:solidFill>
-                  <a:schemeClr val="accent2">
-                    <a:lumMod val="75000"/>
-                  </a:schemeClr>
-                </a:solidFill>
-              </a:rPr>
-              <a:t>Down</a:t>
-            </a:r>
-            <a:endParaRPr kumimoji="1" lang="ja-JP" altLang="en-US" sz="1100" dirty="0">
-              <a:solidFill>
-                <a:schemeClr val="accent2">
-                  <a:lumMod val="75000"/>
-                </a:schemeClr>
-              </a:solidFill>
-            </a:endParaRPr>
-          </a:p>
-        </p:txBody>
-      </p:sp>
-      <p:sp>
-        <p:nvSpPr>
-          <p:cNvPr id="37" name="角丸四角形 36"/>
-          <p:cNvSpPr/>
-          <p:nvPr/>
-        </p:nvSpPr>
-        <p:spPr>
-          <a:xfrm>
-            <a:off x="2083673" y="4421474"/>
-            <a:ext cx="464588" cy="465380"/>
-          </a:xfrm>
-          <a:prstGeom prst="roundRect">
-            <a:avLst/>
-          </a:prstGeom>
-          <a:ln>
-            <a:solidFill>
-              <a:schemeClr val="accent5">
-                <a:lumMod val="75000"/>
-              </a:schemeClr>
-            </a:solidFill>
-          </a:ln>
-        </p:spPr>
-        <p:style>
-          <a:lnRef idx="2">
-            <a:schemeClr val="accent6"/>
-          </a:lnRef>
-          <a:fillRef idx="1">
-            <a:schemeClr val="lt1"/>
-          </a:fillRef>
-          <a:effectRef idx="0">
-            <a:schemeClr val="accent6"/>
-          </a:effectRef>
-          <a:fontRef idx="minor">
-            <a:schemeClr val="dk1"/>
-          </a:fontRef>
-        </p:style>
-        <p:txBody>
-          <a:bodyPr wrap="none" rtlCol="0" anchor="ctr"/>
-          <a:lstStyle/>
-          <a:p>
-            <a:pPr algn="ctr"/>
-            <a:r>
-              <a:rPr lang="ja-JP" altLang="en-US" sz="900" dirty="0" smtClean="0">
-                <a:solidFill>
-                  <a:schemeClr val="accent5">
-                    <a:lumMod val="75000"/>
-                  </a:schemeClr>
-                </a:solidFill>
-              </a:rPr>
-              <a:t>常夜灯</a:t>
-            </a:r>
-            <a:endParaRPr lang="en-US" altLang="ja-JP" sz="900" dirty="0">
-              <a:solidFill>
-                <a:schemeClr val="accent5">
-                  <a:lumMod val="75000"/>
-                </a:schemeClr>
-              </a:solidFill>
-            </a:endParaRPr>
-          </a:p>
-          <a:p>
-            <a:pPr algn="ctr"/>
-            <a:r>
-              <a:rPr lang="ja-JP" altLang="en-US" sz="900" dirty="0">
-                <a:solidFill>
-                  <a:schemeClr val="accent5">
-                    <a:lumMod val="75000"/>
-                  </a:schemeClr>
-                </a:solidFill>
-              </a:rPr>
-              <a:t>オン</a:t>
-            </a:r>
-          </a:p>
-        </p:txBody>
-      </p:sp>
-      <p:sp>
-        <p:nvSpPr>
-          <p:cNvPr id="39" name="角丸四角形 38"/>
-          <p:cNvSpPr/>
-          <p:nvPr/>
-        </p:nvSpPr>
-        <p:spPr>
-          <a:xfrm>
-            <a:off x="3156835" y="4421474"/>
-            <a:ext cx="464588" cy="465380"/>
-          </a:xfrm>
-          <a:prstGeom prst="roundRect">
-            <a:avLst/>
-          </a:prstGeom>
-          <a:ln>
-            <a:solidFill>
-              <a:schemeClr val="accent5">
-                <a:lumMod val="75000"/>
-              </a:schemeClr>
-            </a:solidFill>
-          </a:ln>
-        </p:spPr>
-        <p:style>
-          <a:lnRef idx="2">
-            <a:schemeClr val="accent6"/>
-          </a:lnRef>
-          <a:fillRef idx="1">
-            <a:schemeClr val="lt1"/>
-          </a:fillRef>
-          <a:effectRef idx="0">
-            <a:schemeClr val="accent6"/>
-          </a:effectRef>
-          <a:fontRef idx="minor">
-            <a:schemeClr val="dk1"/>
-          </a:fontRef>
-        </p:style>
-        <p:txBody>
-          <a:bodyPr wrap="none" rtlCol="0" anchor="ctr"/>
-          <a:lstStyle/>
-          <a:p>
-            <a:pPr algn="ctr"/>
-            <a:r>
-              <a:rPr lang="ja-JP" altLang="en-US" sz="900" dirty="0" smtClean="0">
-                <a:solidFill>
-                  <a:schemeClr val="accent5">
-                    <a:lumMod val="75000"/>
-                  </a:schemeClr>
-                </a:solidFill>
-              </a:rPr>
-              <a:t>調光</a:t>
-            </a:r>
-            <a:endParaRPr lang="ja-JP" altLang="en-US" sz="900" dirty="0">
-              <a:solidFill>
-                <a:schemeClr val="accent5">
-                  <a:lumMod val="75000"/>
-                </a:schemeClr>
-              </a:solidFill>
-            </a:endParaRPr>
-          </a:p>
-        </p:txBody>
-      </p:sp>
-      <p:sp>
-        <p:nvSpPr>
-          <p:cNvPr id="40" name="角丸四角形 39"/>
-          <p:cNvSpPr/>
-          <p:nvPr/>
-        </p:nvSpPr>
-        <p:spPr>
-          <a:xfrm>
-            <a:off x="3693416" y="4421474"/>
-            <a:ext cx="464588" cy="465380"/>
-          </a:xfrm>
-          <a:prstGeom prst="roundRect">
-            <a:avLst/>
-          </a:prstGeom>
-          <a:ln>
-            <a:solidFill>
-              <a:schemeClr val="accent6">
-                <a:lumMod val="75000"/>
-              </a:schemeClr>
-            </a:solidFill>
-          </a:ln>
-        </p:spPr>
-        <p:style>
-          <a:lnRef idx="2">
-            <a:schemeClr val="accent6"/>
-          </a:lnRef>
-          <a:fillRef idx="1">
-            <a:schemeClr val="lt1"/>
-          </a:fillRef>
-          <a:effectRef idx="0">
-            <a:schemeClr val="accent6"/>
-          </a:effectRef>
-          <a:fontRef idx="minor">
-            <a:schemeClr val="dk1"/>
-          </a:fontRef>
-        </p:style>
-        <p:txBody>
-          <a:bodyPr wrap="none" rtlCol="0" anchor="ctr"/>
-          <a:lstStyle/>
-          <a:p>
-            <a:pPr algn="ctr"/>
-            <a:r>
-              <a:rPr kumimoji="1" lang="ja-JP" altLang="en-US" sz="1200" dirty="0" smtClean="0">
-                <a:solidFill>
-                  <a:schemeClr val="accent6">
-                    <a:lumMod val="75000"/>
-                  </a:schemeClr>
-                </a:solidFill>
-              </a:rPr>
-              <a:t>検索</a:t>
-            </a:r>
-            <a:endParaRPr kumimoji="1" lang="ja-JP" altLang="en-US" sz="1200" dirty="0">
-              <a:solidFill>
-                <a:schemeClr val="accent6">
-                  <a:lumMod val="75000"/>
-                </a:schemeClr>
-              </a:solidFill>
-            </a:endParaRPr>
-          </a:p>
-        </p:txBody>
-      </p:sp>
-      <p:sp>
-        <p:nvSpPr>
-          <p:cNvPr id="41" name="角丸四角形 40"/>
-          <p:cNvSpPr/>
-          <p:nvPr/>
-        </p:nvSpPr>
-        <p:spPr>
-          <a:xfrm>
-            <a:off x="4229997" y="4421474"/>
+          <p:cNvPr id="51" name="角丸四角形 50"/>
+          <p:cNvSpPr/>
+          <p:nvPr/>
+        </p:nvSpPr>
+        <p:spPr>
+          <a:xfrm>
+            <a:off x="2331118" y="4947254"/>
             <a:ext cx="464588" cy="465380"/>
           </a:xfrm>
           <a:prstGeom prst="roundRect">
@@ -56843,13 +57474,13 @@
       </p:sp>
       <p:sp>
         <p:nvSpPr>
-          <p:cNvPr id="42" name="角丸四角形 41"/>
-          <p:cNvSpPr/>
-          <p:nvPr/>
-        </p:nvSpPr>
-        <p:spPr>
-          <a:xfrm>
-            <a:off x="4766578" y="4421474"/>
+          <p:cNvPr id="52" name="角丸四角形 51"/>
+          <p:cNvSpPr/>
+          <p:nvPr/>
+        </p:nvSpPr>
+        <p:spPr>
+          <a:xfrm>
+            <a:off x="2867699" y="4947254"/>
             <a:ext cx="464588" cy="465380"/>
           </a:xfrm>
           <a:prstGeom prst="roundRect">
@@ -56883,365 +57514,15 @@
           <a:p>
             <a:pPr algn="ctr"/>
             <a:r>
-              <a:rPr lang="en-US" altLang="ja-JP" sz="1400" u="sng" dirty="0">
+              <a:rPr kumimoji="1" lang="ja-JP" altLang="en-US" sz="1400" dirty="0" smtClean="0">
                 <a:solidFill>
                   <a:schemeClr val="accent6">
                     <a:lumMod val="75000"/>
                   </a:schemeClr>
                 </a:solidFill>
               </a:rPr>
-              <a:t>DL</a:t>
-            </a:r>
-          </a:p>
-        </p:txBody>
-      </p:sp>
-      <p:sp>
-        <p:nvSpPr>
-          <p:cNvPr id="43" name="角丸四角形 42"/>
-          <p:cNvSpPr/>
-          <p:nvPr/>
-        </p:nvSpPr>
-        <p:spPr>
-          <a:xfrm>
-            <a:off x="5303159" y="4421474"/>
-            <a:ext cx="464588" cy="465380"/>
-          </a:xfrm>
-          <a:prstGeom prst="roundRect">
-            <a:avLst/>
-          </a:prstGeom>
-          <a:ln>
-            <a:solidFill>
-              <a:schemeClr val="accent6">
-                <a:lumMod val="75000"/>
-              </a:schemeClr>
-            </a:solidFill>
-          </a:ln>
-        </p:spPr>
-        <p:style>
-          <a:lnRef idx="2">
-            <a:schemeClr val="accent6"/>
-          </a:lnRef>
-          <a:fillRef idx="1">
-            <a:schemeClr val="lt1"/>
-          </a:fillRef>
-          <a:effectRef idx="0">
-            <a:schemeClr val="accent6"/>
-          </a:effectRef>
-          <a:fontRef idx="minor">
-            <a:schemeClr val="dk1"/>
-          </a:fontRef>
-        </p:style>
-        <p:txBody>
-          <a:bodyPr wrap="none" rtlCol="0" anchor="ctr"/>
-          <a:lstStyle/>
-          <a:p>
-            <a:pPr algn="ctr"/>
-            <a:endParaRPr kumimoji="1" lang="en-US" altLang="ja-JP" sz="1100" smtClean="0">
-              <a:solidFill>
-                <a:schemeClr val="accent6">
-                  <a:lumMod val="75000"/>
-                </a:schemeClr>
-              </a:solidFill>
-            </a:endParaRPr>
-          </a:p>
-        </p:txBody>
-      </p:sp>
-      <p:sp>
-        <p:nvSpPr>
-          <p:cNvPr id="44" name="角丸四角形 43"/>
-          <p:cNvSpPr/>
-          <p:nvPr/>
-        </p:nvSpPr>
-        <p:spPr>
-          <a:xfrm>
-            <a:off x="5839740" y="4421474"/>
-            <a:ext cx="464588" cy="465380"/>
-          </a:xfrm>
-          <a:prstGeom prst="roundRect">
-            <a:avLst/>
-          </a:prstGeom>
-          <a:ln>
-            <a:solidFill>
-              <a:schemeClr val="accent6">
-                <a:lumMod val="75000"/>
-              </a:schemeClr>
-            </a:solidFill>
-          </a:ln>
-        </p:spPr>
-        <p:style>
-          <a:lnRef idx="2">
-            <a:schemeClr val="accent6"/>
-          </a:lnRef>
-          <a:fillRef idx="1">
-            <a:schemeClr val="lt1"/>
-          </a:fillRef>
-          <a:effectRef idx="0">
-            <a:schemeClr val="accent6"/>
-          </a:effectRef>
-          <a:fontRef idx="minor">
-            <a:schemeClr val="dk1"/>
-          </a:fontRef>
-        </p:style>
-        <p:txBody>
-          <a:bodyPr wrap="none" rtlCol="0" anchor="ctr"/>
-          <a:lstStyle/>
-          <a:p>
-            <a:pPr algn="ctr"/>
-            <a:endParaRPr kumimoji="1" lang="ja-JP" altLang="en-US" sz="1050" dirty="0">
-              <a:solidFill>
-                <a:schemeClr val="accent6">
-                  <a:lumMod val="75000"/>
-                </a:schemeClr>
-              </a:solidFill>
-            </a:endParaRPr>
-          </a:p>
-        </p:txBody>
-      </p:sp>
-      <p:sp>
-        <p:nvSpPr>
-          <p:cNvPr id="45" name="角丸四角形 44"/>
-          <p:cNvSpPr/>
-          <p:nvPr/>
-        </p:nvSpPr>
-        <p:spPr>
-          <a:xfrm>
-            <a:off x="6376321" y="4421474"/>
-            <a:ext cx="464588" cy="465380"/>
-          </a:xfrm>
-          <a:prstGeom prst="roundRect">
-            <a:avLst/>
-          </a:prstGeom>
-          <a:ln>
-            <a:solidFill>
-              <a:schemeClr val="accent6">
-                <a:lumMod val="75000"/>
-              </a:schemeClr>
-            </a:solidFill>
-          </a:ln>
-        </p:spPr>
-        <p:style>
-          <a:lnRef idx="2">
-            <a:schemeClr val="accent6"/>
-          </a:lnRef>
-          <a:fillRef idx="1">
-            <a:schemeClr val="lt1"/>
-          </a:fillRef>
-          <a:effectRef idx="0">
-            <a:schemeClr val="accent6"/>
-          </a:effectRef>
-          <a:fontRef idx="minor">
-            <a:schemeClr val="dk1"/>
-          </a:fontRef>
-        </p:style>
-        <p:txBody>
-          <a:bodyPr wrap="none" rtlCol="0" anchor="ctr"/>
-          <a:lstStyle/>
-          <a:p>
-            <a:pPr algn="ctr"/>
-            <a:endParaRPr kumimoji="1" lang="ja-JP" altLang="en-US" sz="1400" dirty="0">
-              <a:solidFill>
-                <a:schemeClr val="accent6">
-                  <a:lumMod val="75000"/>
-                </a:schemeClr>
-              </a:solidFill>
-            </a:endParaRPr>
-          </a:p>
-        </p:txBody>
-      </p:sp>
-      <p:sp>
-        <p:nvSpPr>
-          <p:cNvPr id="46" name="角丸四角形 45"/>
-          <p:cNvSpPr/>
-          <p:nvPr/>
-        </p:nvSpPr>
-        <p:spPr>
-          <a:xfrm>
-            <a:off x="6912902" y="4421474"/>
-            <a:ext cx="464588" cy="465380"/>
-          </a:xfrm>
-          <a:prstGeom prst="roundRect">
-            <a:avLst/>
-          </a:prstGeom>
-          <a:ln>
-            <a:solidFill>
-              <a:schemeClr val="accent6">
-                <a:lumMod val="75000"/>
-              </a:schemeClr>
-            </a:solidFill>
-          </a:ln>
-        </p:spPr>
-        <p:style>
-          <a:lnRef idx="2">
-            <a:schemeClr val="accent6"/>
-          </a:lnRef>
-          <a:fillRef idx="1">
-            <a:schemeClr val="lt1"/>
-          </a:fillRef>
-          <a:effectRef idx="0">
-            <a:schemeClr val="accent6"/>
-          </a:effectRef>
-          <a:fontRef idx="minor">
-            <a:schemeClr val="dk1"/>
-          </a:fontRef>
-        </p:style>
-        <p:txBody>
-          <a:bodyPr wrap="none" rtlCol="0" anchor="ctr"/>
-          <a:lstStyle/>
-          <a:p>
-            <a:pPr algn="ctr"/>
-            <a:endParaRPr kumimoji="1" lang="ja-JP" altLang="en-US" sz="1400" dirty="0">
-              <a:solidFill>
-                <a:schemeClr val="accent6">
-                  <a:lumMod val="75000"/>
-                </a:schemeClr>
-              </a:solidFill>
-            </a:endParaRPr>
-          </a:p>
-        </p:txBody>
-      </p:sp>
-      <p:sp>
-        <p:nvSpPr>
-          <p:cNvPr id="50" name="角丸四角形 49"/>
-          <p:cNvSpPr/>
-          <p:nvPr/>
-        </p:nvSpPr>
-        <p:spPr>
-          <a:xfrm>
-            <a:off x="1794537" y="4947254"/>
-            <a:ext cx="464588" cy="465380"/>
-          </a:xfrm>
-          <a:prstGeom prst="roundRect">
-            <a:avLst/>
-          </a:prstGeom>
-          <a:ln>
-            <a:solidFill>
-              <a:schemeClr val="accent6">
-                <a:lumMod val="75000"/>
-              </a:schemeClr>
-            </a:solidFill>
-          </a:ln>
-        </p:spPr>
-        <p:style>
-          <a:lnRef idx="2">
-            <a:schemeClr val="accent6"/>
-          </a:lnRef>
-          <a:fillRef idx="1">
-            <a:schemeClr val="lt1"/>
-          </a:fillRef>
-          <a:effectRef idx="0">
-            <a:schemeClr val="accent6"/>
-          </a:effectRef>
-          <a:fontRef idx="minor">
-            <a:schemeClr val="dk1"/>
-          </a:fontRef>
-        </p:style>
-        <p:txBody>
-          <a:bodyPr wrap="none" rtlCol="0" anchor="ctr"/>
-          <a:lstStyle/>
-          <a:p>
-            <a:pPr algn="ctr"/>
-            <a:endParaRPr kumimoji="1" lang="ja-JP" altLang="en-US" sz="1400" dirty="0">
-              <a:solidFill>
-                <a:schemeClr val="accent6">
-                  <a:lumMod val="75000"/>
-                </a:schemeClr>
-              </a:solidFill>
-            </a:endParaRPr>
-          </a:p>
-        </p:txBody>
-      </p:sp>
-      <p:sp>
-        <p:nvSpPr>
-          <p:cNvPr id="51" name="角丸四角形 50"/>
-          <p:cNvSpPr/>
-          <p:nvPr/>
-        </p:nvSpPr>
-        <p:spPr>
-          <a:xfrm>
-            <a:off x="2331118" y="4947254"/>
-            <a:ext cx="464588" cy="465380"/>
-          </a:xfrm>
-          <a:prstGeom prst="roundRect">
-            <a:avLst/>
-          </a:prstGeom>
-          <a:ln>
-            <a:solidFill>
-              <a:schemeClr val="accent6">
-                <a:lumMod val="75000"/>
-              </a:schemeClr>
-            </a:solidFill>
-          </a:ln>
-        </p:spPr>
-        <p:style>
-          <a:lnRef idx="2">
-            <a:schemeClr val="accent6"/>
-          </a:lnRef>
-          <a:fillRef idx="1">
-            <a:schemeClr val="lt1"/>
-          </a:fillRef>
-          <a:effectRef idx="0">
-            <a:schemeClr val="accent6"/>
-          </a:effectRef>
-          <a:fontRef idx="minor">
-            <a:schemeClr val="dk1"/>
-          </a:fontRef>
-        </p:style>
-        <p:txBody>
-          <a:bodyPr wrap="none" rtlCol="0" anchor="ctr"/>
-          <a:lstStyle/>
-          <a:p>
-            <a:pPr algn="ctr"/>
-            <a:endParaRPr kumimoji="1" lang="ja-JP" altLang="en-US" sz="1400" dirty="0">
-              <a:solidFill>
-                <a:schemeClr val="accent6">
-                  <a:lumMod val="75000"/>
-                </a:schemeClr>
-              </a:solidFill>
-            </a:endParaRPr>
-          </a:p>
-        </p:txBody>
-      </p:sp>
-      <p:sp>
-        <p:nvSpPr>
-          <p:cNvPr id="52" name="角丸四角形 51"/>
-          <p:cNvSpPr/>
-          <p:nvPr/>
-        </p:nvSpPr>
-        <p:spPr>
-          <a:xfrm>
-            <a:off x="2867699" y="4947254"/>
-            <a:ext cx="464588" cy="465380"/>
-          </a:xfrm>
-          <a:prstGeom prst="roundRect">
-            <a:avLst/>
-          </a:prstGeom>
-          <a:ln>
-            <a:solidFill>
-              <a:schemeClr val="accent6">
-                <a:lumMod val="75000"/>
-              </a:schemeClr>
-            </a:solidFill>
-          </a:ln>
-        </p:spPr>
-        <p:style>
-          <a:lnRef idx="2">
-            <a:schemeClr val="accent6"/>
-          </a:lnRef>
-          <a:fillRef idx="1">
-            <a:schemeClr val="lt1"/>
-          </a:fillRef>
-          <a:effectRef idx="0">
-            <a:schemeClr val="accent6"/>
-          </a:effectRef>
-          <a:fontRef idx="minor">
-            <a:schemeClr val="dk1"/>
-          </a:fontRef>
-        </p:style>
-        <p:txBody>
-          <a:bodyPr wrap="none" rtlCol="0" anchor="ctr"/>
-          <a:lstStyle/>
-          <a:p>
-            <a:pPr algn="ctr"/>
+              <a:t>計算</a:t>
+            </a:r>
             <a:endParaRPr kumimoji="1" lang="ja-JP" altLang="en-US" sz="1400" dirty="0">
               <a:solidFill>
                 <a:schemeClr val="accent6">

--- a/MANUAL.pptx
+++ b/MANUAL.pptx
@@ -260,7 +260,7 @@
           <a:p>
             <a:fld id="{98B15ECE-60C4-45D4-8ABC-DDA7D4F33EF9}" type="datetimeFigureOut">
               <a:rPr kumimoji="1" lang="ja-JP" altLang="en-US" smtClean="0"/>
-              <a:t>2018/4/29</a:t>
+              <a:t>2018/5/1</a:t>
             </a:fld>
             <a:endParaRPr kumimoji="1" lang="ja-JP" altLang="en-US"/>
           </a:p>
@@ -1279,7 +1279,7 @@
           <a:p>
             <a:fld id="{8FB4C7EE-3C5D-4F47-A8DE-21B759CA57C5}" type="datetimeFigureOut">
               <a:rPr kumimoji="1" lang="ja-JP" altLang="en-US" smtClean="0"/>
-              <a:t>2018/4/29</a:t>
+              <a:t>2018/5/1</a:t>
             </a:fld>
             <a:endParaRPr kumimoji="1" lang="ja-JP" altLang="en-US"/>
           </a:p>
@@ -1481,7 +1481,7 @@
           <a:p>
             <a:fld id="{8FB4C7EE-3C5D-4F47-A8DE-21B759CA57C5}" type="datetimeFigureOut">
               <a:rPr kumimoji="1" lang="ja-JP" altLang="en-US" smtClean="0"/>
-              <a:t>2018/4/29</a:t>
+              <a:t>2018/5/1</a:t>
             </a:fld>
             <a:endParaRPr kumimoji="1" lang="ja-JP" altLang="en-US"/>
           </a:p>
@@ -1693,7 +1693,7 @@
           <a:p>
             <a:fld id="{8FB4C7EE-3C5D-4F47-A8DE-21B759CA57C5}" type="datetimeFigureOut">
               <a:rPr kumimoji="1" lang="ja-JP" altLang="en-US" smtClean="0"/>
-              <a:t>2018/4/29</a:t>
+              <a:t>2018/5/1</a:t>
             </a:fld>
             <a:endParaRPr kumimoji="1" lang="ja-JP" altLang="en-US"/>
           </a:p>
@@ -1895,7 +1895,7 @@
           <a:p>
             <a:fld id="{8FB4C7EE-3C5D-4F47-A8DE-21B759CA57C5}" type="datetimeFigureOut">
               <a:rPr kumimoji="1" lang="ja-JP" altLang="en-US" smtClean="0"/>
-              <a:t>2018/4/29</a:t>
+              <a:t>2018/5/1</a:t>
             </a:fld>
             <a:endParaRPr kumimoji="1" lang="ja-JP" altLang="en-US"/>
           </a:p>
@@ -2139,7 +2139,7 @@
           <a:p>
             <a:fld id="{8FB4C7EE-3C5D-4F47-A8DE-21B759CA57C5}" type="datetimeFigureOut">
               <a:rPr kumimoji="1" lang="ja-JP" altLang="en-US" smtClean="0"/>
-              <a:t>2018/4/29</a:t>
+              <a:t>2018/5/1</a:t>
             </a:fld>
             <a:endParaRPr kumimoji="1" lang="ja-JP" altLang="en-US"/>
           </a:p>
@@ -2435,7 +2435,7 @@
           <a:p>
             <a:fld id="{8FB4C7EE-3C5D-4F47-A8DE-21B759CA57C5}" type="datetimeFigureOut">
               <a:rPr kumimoji="1" lang="ja-JP" altLang="en-US" smtClean="0"/>
-              <a:t>2018/4/29</a:t>
+              <a:t>2018/5/1</a:t>
             </a:fld>
             <a:endParaRPr kumimoji="1" lang="ja-JP" altLang="en-US"/>
           </a:p>
@@ -2866,7 +2866,7 @@
           <a:p>
             <a:fld id="{8FB4C7EE-3C5D-4F47-A8DE-21B759CA57C5}" type="datetimeFigureOut">
               <a:rPr kumimoji="1" lang="ja-JP" altLang="en-US" smtClean="0"/>
-              <a:t>2018/4/29</a:t>
+              <a:t>2018/5/1</a:t>
             </a:fld>
             <a:endParaRPr kumimoji="1" lang="ja-JP" altLang="en-US"/>
           </a:p>
@@ -2984,7 +2984,7 @@
           <a:p>
             <a:fld id="{8FB4C7EE-3C5D-4F47-A8DE-21B759CA57C5}" type="datetimeFigureOut">
               <a:rPr kumimoji="1" lang="ja-JP" altLang="en-US" smtClean="0"/>
-              <a:t>2018/4/29</a:t>
+              <a:t>2018/5/1</a:t>
             </a:fld>
             <a:endParaRPr kumimoji="1" lang="ja-JP" altLang="en-US"/>
           </a:p>
@@ -3079,7 +3079,7 @@
           <a:p>
             <a:fld id="{8FB4C7EE-3C5D-4F47-A8DE-21B759CA57C5}" type="datetimeFigureOut">
               <a:rPr kumimoji="1" lang="ja-JP" altLang="en-US" smtClean="0"/>
-              <a:t>2018/4/29</a:t>
+              <a:t>2018/5/1</a:t>
             </a:fld>
             <a:endParaRPr kumimoji="1" lang="ja-JP" altLang="en-US"/>
           </a:p>
@@ -3388,7 +3388,7 @@
           <a:p>
             <a:fld id="{8FB4C7EE-3C5D-4F47-A8DE-21B759CA57C5}" type="datetimeFigureOut">
               <a:rPr kumimoji="1" lang="ja-JP" altLang="en-US" smtClean="0"/>
-              <a:t>2018/4/29</a:t>
+              <a:t>2018/5/1</a:t>
             </a:fld>
             <a:endParaRPr kumimoji="1" lang="ja-JP" altLang="en-US"/>
           </a:p>
@@ -3645,7 +3645,7 @@
           <a:p>
             <a:fld id="{8FB4C7EE-3C5D-4F47-A8DE-21B759CA57C5}" type="datetimeFigureOut">
               <a:rPr kumimoji="1" lang="ja-JP" altLang="en-US" smtClean="0"/>
-              <a:t>2018/4/29</a:t>
+              <a:t>2018/5/1</a:t>
             </a:fld>
             <a:endParaRPr kumimoji="1" lang="ja-JP" altLang="en-US"/>
           </a:p>
@@ -3890,7 +3890,7 @@
           <a:p>
             <a:fld id="{8FB4C7EE-3C5D-4F47-A8DE-21B759CA57C5}" type="datetimeFigureOut">
               <a:rPr kumimoji="1" lang="ja-JP" altLang="en-US" smtClean="0"/>
-              <a:t>2018/4/29</a:t>
+              <a:t>2018/5/1</a:t>
             </a:fld>
             <a:endParaRPr kumimoji="1" lang="ja-JP" altLang="en-US"/>
           </a:p>
@@ -5361,13 +5361,6 @@
               </a:rPr>
               <a:t>Cursor</a:t>
             </a:r>
-            <a:endParaRPr lang="en-US" altLang="ja-JP" sz="1200" dirty="0" smtClean="0">
-              <a:solidFill>
-                <a:schemeClr val="accent6">
-                  <a:lumMod val="75000"/>
-                </a:schemeClr>
-              </a:solidFill>
-            </a:endParaRPr>
           </a:p>
         </p:txBody>
       </p:sp>
@@ -5423,6 +5416,60 @@
               </a:rPr>
               <a:t>↑↑</a:t>
             </a:r>
+          </a:p>
+        </p:txBody>
+      </p:sp>
+      <p:sp>
+        <p:nvSpPr>
+          <p:cNvPr id="24" name="角丸四角形 23"/>
+          <p:cNvSpPr/>
+          <p:nvPr/>
+        </p:nvSpPr>
+        <p:spPr>
+          <a:xfrm>
+            <a:off x="2437374" y="3895694"/>
+            <a:ext cx="464588" cy="465380"/>
+          </a:xfrm>
+          <a:prstGeom prst="roundRect">
+            <a:avLst/>
+          </a:prstGeom>
+          <a:ln>
+            <a:solidFill>
+              <a:schemeClr val="accent6">
+                <a:lumMod val="75000"/>
+              </a:schemeClr>
+            </a:solidFill>
+          </a:ln>
+        </p:spPr>
+        <p:style>
+          <a:lnRef idx="2">
+            <a:schemeClr val="accent6"/>
+          </a:lnRef>
+          <a:fillRef idx="1">
+            <a:schemeClr val="lt1"/>
+          </a:fillRef>
+          <a:effectRef idx="0">
+            <a:schemeClr val="accent6"/>
+          </a:effectRef>
+          <a:fontRef idx="minor">
+            <a:schemeClr val="dk1"/>
+          </a:fontRef>
+        </p:style>
+        <p:txBody>
+          <a:bodyPr wrap="none" rtlCol="0" anchor="ctr"/>
+          <a:lstStyle/>
+          <a:p>
+            <a:pPr algn="ctr"/>
+            <a:r>
+              <a:rPr lang="ja-JP" altLang="en-US">
+                <a:solidFill>
+                  <a:schemeClr val="accent6">
+                    <a:lumMod val="75000"/>
+                  </a:schemeClr>
+                </a:solidFill>
+              </a:rPr>
+              <a:t>↑</a:t>
+            </a:r>
             <a:endParaRPr lang="ja-JP" altLang="en-US" dirty="0">
               <a:solidFill>
                 <a:schemeClr val="accent6">
@@ -5435,13 +5482,652 @@
       </p:sp>
       <p:sp>
         <p:nvSpPr>
-          <p:cNvPr id="24" name="角丸四角形 23"/>
-          <p:cNvSpPr/>
-          <p:nvPr/>
-        </p:nvSpPr>
-        <p:spPr>
-          <a:xfrm>
-            <a:off x="2437374" y="3895694"/>
+          <p:cNvPr id="25" name="角丸四角形 24"/>
+          <p:cNvSpPr/>
+          <p:nvPr/>
+        </p:nvSpPr>
+        <p:spPr>
+          <a:xfrm>
+            <a:off x="2973955" y="3895694"/>
+            <a:ext cx="464588" cy="465380"/>
+          </a:xfrm>
+          <a:prstGeom prst="roundRect">
+            <a:avLst/>
+          </a:prstGeom>
+          <a:noFill/>
+          <a:ln>
+            <a:solidFill>
+              <a:schemeClr val="accent6">
+                <a:lumMod val="75000"/>
+              </a:schemeClr>
+            </a:solidFill>
+          </a:ln>
+        </p:spPr>
+        <p:style>
+          <a:lnRef idx="2">
+            <a:schemeClr val="accent6"/>
+          </a:lnRef>
+          <a:fillRef idx="1">
+            <a:schemeClr val="lt1"/>
+          </a:fillRef>
+          <a:effectRef idx="0">
+            <a:schemeClr val="accent6"/>
+          </a:effectRef>
+          <a:fontRef idx="minor">
+            <a:schemeClr val="dk1"/>
+          </a:fontRef>
+        </p:style>
+        <p:txBody>
+          <a:bodyPr wrap="none" rtlCol="0" anchor="ctr"/>
+          <a:lstStyle/>
+          <a:p>
+            <a:pPr algn="ctr"/>
+            <a:r>
+              <a:rPr lang="ja-JP" altLang="en-US" dirty="0">
+                <a:solidFill>
+                  <a:schemeClr val="accent6">
+                    <a:lumMod val="75000"/>
+                  </a:schemeClr>
+                </a:solidFill>
+              </a:rPr>
+              <a:t>↓↓</a:t>
+            </a:r>
+          </a:p>
+        </p:txBody>
+      </p:sp>
+      <p:sp>
+        <p:nvSpPr>
+          <p:cNvPr id="26" name="角丸四角形 25"/>
+          <p:cNvSpPr/>
+          <p:nvPr/>
+        </p:nvSpPr>
+        <p:spPr>
+          <a:xfrm>
+            <a:off x="3510536" y="3895694"/>
+            <a:ext cx="464588" cy="465380"/>
+          </a:xfrm>
+          <a:prstGeom prst="roundRect">
+            <a:avLst/>
+          </a:prstGeom>
+          <a:noFill/>
+          <a:ln>
+            <a:solidFill>
+              <a:schemeClr val="accent6">
+                <a:lumMod val="75000"/>
+              </a:schemeClr>
+            </a:solidFill>
+          </a:ln>
+        </p:spPr>
+        <p:style>
+          <a:lnRef idx="2">
+            <a:schemeClr val="accent6"/>
+          </a:lnRef>
+          <a:fillRef idx="1">
+            <a:schemeClr val="lt1"/>
+          </a:fillRef>
+          <a:effectRef idx="0">
+            <a:schemeClr val="accent6"/>
+          </a:effectRef>
+          <a:fontRef idx="minor">
+            <a:schemeClr val="dk1"/>
+          </a:fontRef>
+        </p:style>
+        <p:txBody>
+          <a:bodyPr wrap="none" rtlCol="0" anchor="ctr"/>
+          <a:lstStyle/>
+          <a:p>
+            <a:pPr algn="ctr"/>
+            <a:endParaRPr lang="ja-JP" altLang="en-US" dirty="0">
+              <a:solidFill>
+                <a:schemeClr val="accent6">
+                  <a:lumMod val="75000"/>
+                </a:schemeClr>
+              </a:solidFill>
+            </a:endParaRPr>
+          </a:p>
+        </p:txBody>
+      </p:sp>
+      <p:sp>
+        <p:nvSpPr>
+          <p:cNvPr id="27" name="角丸四角形 26"/>
+          <p:cNvSpPr/>
+          <p:nvPr/>
+        </p:nvSpPr>
+        <p:spPr>
+          <a:xfrm>
+            <a:off x="4047117" y="3895694"/>
+            <a:ext cx="464588" cy="465380"/>
+          </a:xfrm>
+          <a:prstGeom prst="roundRect">
+            <a:avLst/>
+          </a:prstGeom>
+          <a:noFill/>
+          <a:ln>
+            <a:solidFill>
+              <a:schemeClr val="accent6">
+                <a:lumMod val="75000"/>
+              </a:schemeClr>
+            </a:solidFill>
+          </a:ln>
+        </p:spPr>
+        <p:style>
+          <a:lnRef idx="2">
+            <a:schemeClr val="accent6"/>
+          </a:lnRef>
+          <a:fillRef idx="1">
+            <a:schemeClr val="lt1"/>
+          </a:fillRef>
+          <a:effectRef idx="0">
+            <a:schemeClr val="accent6"/>
+          </a:effectRef>
+          <a:fontRef idx="minor">
+            <a:schemeClr val="dk1"/>
+          </a:fontRef>
+        </p:style>
+        <p:txBody>
+          <a:bodyPr wrap="none" rtlCol="0" anchor="ctr"/>
+          <a:lstStyle/>
+          <a:p>
+            <a:pPr algn="ctr"/>
+            <a:endParaRPr lang="ja-JP" altLang="en-US" dirty="0">
+              <a:solidFill>
+                <a:schemeClr val="accent6">
+                  <a:lumMod val="75000"/>
+                </a:schemeClr>
+              </a:solidFill>
+            </a:endParaRPr>
+          </a:p>
+        </p:txBody>
+      </p:sp>
+      <p:sp>
+        <p:nvSpPr>
+          <p:cNvPr id="28" name="角丸四角形 27"/>
+          <p:cNvSpPr/>
+          <p:nvPr/>
+        </p:nvSpPr>
+        <p:spPr>
+          <a:xfrm>
+            <a:off x="4583698" y="3895694"/>
+            <a:ext cx="464588" cy="465380"/>
+          </a:xfrm>
+          <a:prstGeom prst="roundRect">
+            <a:avLst/>
+          </a:prstGeom>
+          <a:noFill/>
+          <a:ln>
+            <a:solidFill>
+              <a:schemeClr val="accent6">
+                <a:lumMod val="75000"/>
+              </a:schemeClr>
+            </a:solidFill>
+          </a:ln>
+        </p:spPr>
+        <p:style>
+          <a:lnRef idx="2">
+            <a:schemeClr val="accent6"/>
+          </a:lnRef>
+          <a:fillRef idx="1">
+            <a:schemeClr val="lt1"/>
+          </a:fillRef>
+          <a:effectRef idx="0">
+            <a:schemeClr val="accent6"/>
+          </a:effectRef>
+          <a:fontRef idx="minor">
+            <a:schemeClr val="dk1"/>
+          </a:fontRef>
+        </p:style>
+        <p:txBody>
+          <a:bodyPr wrap="none" rtlCol="0" anchor="ctr"/>
+          <a:lstStyle/>
+          <a:p>
+            <a:pPr algn="ctr"/>
+            <a:endParaRPr lang="ja-JP" altLang="en-US" dirty="0">
+              <a:solidFill>
+                <a:schemeClr val="accent6">
+                  <a:lumMod val="75000"/>
+                </a:schemeClr>
+              </a:solidFill>
+            </a:endParaRPr>
+          </a:p>
+        </p:txBody>
+      </p:sp>
+      <p:sp>
+        <p:nvSpPr>
+          <p:cNvPr id="29" name="角丸四角形 28"/>
+          <p:cNvSpPr/>
+          <p:nvPr/>
+        </p:nvSpPr>
+        <p:spPr>
+          <a:xfrm>
+            <a:off x="5120279" y="3895694"/>
+            <a:ext cx="464588" cy="465380"/>
+          </a:xfrm>
+          <a:prstGeom prst="roundRect">
+            <a:avLst/>
+          </a:prstGeom>
+          <a:noFill/>
+          <a:ln>
+            <a:solidFill>
+              <a:schemeClr val="accent6">
+                <a:lumMod val="75000"/>
+              </a:schemeClr>
+            </a:solidFill>
+          </a:ln>
+        </p:spPr>
+        <p:style>
+          <a:lnRef idx="2">
+            <a:schemeClr val="accent6"/>
+          </a:lnRef>
+          <a:fillRef idx="1">
+            <a:schemeClr val="lt1"/>
+          </a:fillRef>
+          <a:effectRef idx="0">
+            <a:schemeClr val="accent6"/>
+          </a:effectRef>
+          <a:fontRef idx="minor">
+            <a:schemeClr val="dk1"/>
+          </a:fontRef>
+        </p:style>
+        <p:txBody>
+          <a:bodyPr wrap="none" rtlCol="0" anchor="ctr"/>
+          <a:lstStyle/>
+          <a:p>
+            <a:pPr algn="ctr"/>
+            <a:endParaRPr lang="ja-JP" altLang="en-US" dirty="0">
+              <a:solidFill>
+                <a:schemeClr val="accent6">
+                  <a:lumMod val="75000"/>
+                </a:schemeClr>
+              </a:solidFill>
+            </a:endParaRPr>
+          </a:p>
+        </p:txBody>
+      </p:sp>
+      <p:sp>
+        <p:nvSpPr>
+          <p:cNvPr id="30" name="角丸四角形 29"/>
+          <p:cNvSpPr/>
+          <p:nvPr/>
+        </p:nvSpPr>
+        <p:spPr>
+          <a:xfrm>
+            <a:off x="5656860" y="3895694"/>
+            <a:ext cx="464588" cy="465380"/>
+          </a:xfrm>
+          <a:prstGeom prst="roundRect">
+            <a:avLst/>
+          </a:prstGeom>
+          <a:ln>
+            <a:solidFill>
+              <a:schemeClr val="accent6">
+                <a:lumMod val="75000"/>
+              </a:schemeClr>
+            </a:solidFill>
+          </a:ln>
+        </p:spPr>
+        <p:style>
+          <a:lnRef idx="2">
+            <a:schemeClr val="accent6"/>
+          </a:lnRef>
+          <a:fillRef idx="1">
+            <a:schemeClr val="lt1"/>
+          </a:fillRef>
+          <a:effectRef idx="0">
+            <a:schemeClr val="accent6"/>
+          </a:effectRef>
+          <a:fontRef idx="minor">
+            <a:schemeClr val="dk1"/>
+          </a:fontRef>
+        </p:style>
+        <p:txBody>
+          <a:bodyPr wrap="none" rtlCol="0" anchor="ctr"/>
+          <a:lstStyle/>
+          <a:p>
+            <a:pPr algn="ctr"/>
+            <a:r>
+              <a:rPr lang="en-US" altLang="ja-JP" sz="1100" smtClean="0">
+                <a:solidFill>
+                  <a:schemeClr val="accent6">
+                    <a:lumMod val="75000"/>
+                  </a:schemeClr>
+                </a:solidFill>
+              </a:rPr>
+              <a:t>Wheel</a:t>
+            </a:r>
+          </a:p>
+          <a:p>
+            <a:pPr algn="ctr"/>
+            <a:r>
+              <a:rPr lang="en-US" altLang="ja-JP" sz="1100">
+                <a:solidFill>
+                  <a:schemeClr val="accent6">
+                    <a:lumMod val="75000"/>
+                  </a:schemeClr>
+                </a:solidFill>
+              </a:rPr>
+              <a:t>Left</a:t>
+            </a:r>
+            <a:endParaRPr lang="ja-JP" altLang="en-US" sz="1100" dirty="0">
+              <a:solidFill>
+                <a:schemeClr val="accent6">
+                  <a:lumMod val="75000"/>
+                </a:schemeClr>
+              </a:solidFill>
+            </a:endParaRPr>
+          </a:p>
+        </p:txBody>
+      </p:sp>
+      <p:sp>
+        <p:nvSpPr>
+          <p:cNvPr id="31" name="角丸四角形 30"/>
+          <p:cNvSpPr/>
+          <p:nvPr/>
+        </p:nvSpPr>
+        <p:spPr>
+          <a:xfrm>
+            <a:off x="6193441" y="3895694"/>
+            <a:ext cx="464588" cy="465380"/>
+          </a:xfrm>
+          <a:prstGeom prst="roundRect">
+            <a:avLst/>
+          </a:prstGeom>
+          <a:ln>
+            <a:solidFill>
+              <a:schemeClr val="accent6">
+                <a:lumMod val="75000"/>
+              </a:schemeClr>
+            </a:solidFill>
+          </a:ln>
+        </p:spPr>
+        <p:style>
+          <a:lnRef idx="2">
+            <a:schemeClr val="accent6"/>
+          </a:lnRef>
+          <a:fillRef idx="1">
+            <a:schemeClr val="lt1"/>
+          </a:fillRef>
+          <a:effectRef idx="0">
+            <a:schemeClr val="accent6"/>
+          </a:effectRef>
+          <a:fontRef idx="minor">
+            <a:schemeClr val="dk1"/>
+          </a:fontRef>
+        </p:style>
+        <p:txBody>
+          <a:bodyPr wrap="none" rtlCol="0" anchor="ctr"/>
+          <a:lstStyle/>
+          <a:p>
+            <a:pPr algn="ctr"/>
+            <a:r>
+              <a:rPr lang="en-US" altLang="ja-JP" sz="1100" smtClean="0">
+                <a:solidFill>
+                  <a:schemeClr val="accent6">
+                    <a:lumMod val="75000"/>
+                  </a:schemeClr>
+                </a:solidFill>
+              </a:rPr>
+              <a:t>Wheel</a:t>
+            </a:r>
+          </a:p>
+          <a:p>
+            <a:pPr algn="ctr"/>
+            <a:r>
+              <a:rPr lang="en-US" altLang="ja-JP" sz="1100" smtClean="0">
+                <a:solidFill>
+                  <a:schemeClr val="accent6">
+                    <a:lumMod val="75000"/>
+                  </a:schemeClr>
+                </a:solidFill>
+              </a:rPr>
+              <a:t>Right</a:t>
+            </a:r>
+            <a:endParaRPr lang="ja-JP" altLang="en-US" sz="1100" dirty="0">
+              <a:solidFill>
+                <a:schemeClr val="accent6">
+                  <a:lumMod val="75000"/>
+                </a:schemeClr>
+              </a:solidFill>
+            </a:endParaRPr>
+          </a:p>
+        </p:txBody>
+      </p:sp>
+      <p:sp>
+        <p:nvSpPr>
+          <p:cNvPr id="32" name="角丸四角形 31"/>
+          <p:cNvSpPr/>
+          <p:nvPr/>
+        </p:nvSpPr>
+        <p:spPr>
+          <a:xfrm>
+            <a:off x="6730022" y="3895694"/>
+            <a:ext cx="464588" cy="465380"/>
+          </a:xfrm>
+          <a:prstGeom prst="roundRect">
+            <a:avLst/>
+          </a:prstGeom>
+          <a:noFill/>
+          <a:ln>
+            <a:solidFill>
+              <a:schemeClr val="accent6">
+                <a:lumMod val="75000"/>
+              </a:schemeClr>
+            </a:solidFill>
+          </a:ln>
+        </p:spPr>
+        <p:style>
+          <a:lnRef idx="2">
+            <a:schemeClr val="accent6"/>
+          </a:lnRef>
+          <a:fillRef idx="1">
+            <a:schemeClr val="lt1"/>
+          </a:fillRef>
+          <a:effectRef idx="0">
+            <a:schemeClr val="accent6"/>
+          </a:effectRef>
+          <a:fontRef idx="minor">
+            <a:schemeClr val="dk1"/>
+          </a:fontRef>
+        </p:style>
+        <p:txBody>
+          <a:bodyPr wrap="none" rtlCol="0" anchor="ctr"/>
+          <a:lstStyle/>
+          <a:p>
+            <a:pPr algn="ctr"/>
+            <a:endParaRPr lang="ja-JP" altLang="en-US" dirty="0">
+              <a:solidFill>
+                <a:schemeClr val="accent6">
+                  <a:lumMod val="75000"/>
+                </a:schemeClr>
+              </a:solidFill>
+            </a:endParaRPr>
+          </a:p>
+        </p:txBody>
+      </p:sp>
+      <p:sp>
+        <p:nvSpPr>
+          <p:cNvPr id="33" name="角丸四角形 32"/>
+          <p:cNvSpPr/>
+          <p:nvPr/>
+        </p:nvSpPr>
+        <p:spPr>
+          <a:xfrm>
+            <a:off x="7266603" y="3895694"/>
+            <a:ext cx="464588" cy="465380"/>
+          </a:xfrm>
+          <a:prstGeom prst="roundRect">
+            <a:avLst/>
+          </a:prstGeom>
+          <a:noFill/>
+          <a:ln>
+            <a:solidFill>
+              <a:schemeClr val="accent6">
+                <a:lumMod val="75000"/>
+              </a:schemeClr>
+            </a:solidFill>
+          </a:ln>
+        </p:spPr>
+        <p:style>
+          <a:lnRef idx="2">
+            <a:schemeClr val="accent6"/>
+          </a:lnRef>
+          <a:fillRef idx="1">
+            <a:schemeClr val="lt1"/>
+          </a:fillRef>
+          <a:effectRef idx="0">
+            <a:schemeClr val="accent6"/>
+          </a:effectRef>
+          <a:fontRef idx="minor">
+            <a:schemeClr val="dk1"/>
+          </a:fontRef>
+        </p:style>
+        <p:txBody>
+          <a:bodyPr wrap="none" rtlCol="0" anchor="ctr"/>
+          <a:lstStyle/>
+          <a:p>
+            <a:pPr algn="ctr"/>
+            <a:endParaRPr lang="ja-JP" altLang="en-US" dirty="0">
+              <a:solidFill>
+                <a:schemeClr val="accent6">
+                  <a:lumMod val="75000"/>
+                </a:schemeClr>
+              </a:solidFill>
+            </a:endParaRPr>
+          </a:p>
+        </p:txBody>
+      </p:sp>
+      <p:sp>
+        <p:nvSpPr>
+          <p:cNvPr id="34" name="角丸四角形 33"/>
+          <p:cNvSpPr/>
+          <p:nvPr/>
+        </p:nvSpPr>
+        <p:spPr>
+          <a:xfrm>
+            <a:off x="7803183" y="3895694"/>
+            <a:ext cx="749085" cy="465380"/>
+          </a:xfrm>
+          <a:prstGeom prst="roundRect">
+            <a:avLst/>
+          </a:prstGeom>
+          <a:noFill/>
+          <a:ln>
+            <a:solidFill>
+              <a:schemeClr val="accent6">
+                <a:lumMod val="75000"/>
+              </a:schemeClr>
+            </a:solidFill>
+          </a:ln>
+        </p:spPr>
+        <p:style>
+          <a:lnRef idx="2">
+            <a:schemeClr val="accent6"/>
+          </a:lnRef>
+          <a:fillRef idx="1">
+            <a:schemeClr val="lt1"/>
+          </a:fillRef>
+          <a:effectRef idx="0">
+            <a:schemeClr val="accent6"/>
+          </a:effectRef>
+          <a:fontRef idx="minor">
+            <a:schemeClr val="dk1"/>
+          </a:fontRef>
+        </p:style>
+        <p:txBody>
+          <a:bodyPr wrap="none" rtlCol="0" anchor="ctr"/>
+          <a:lstStyle/>
+          <a:p>
+            <a:pPr algn="ctr"/>
+            <a:endParaRPr lang="ja-JP" altLang="en-US" dirty="0">
+              <a:solidFill>
+                <a:schemeClr val="accent6">
+                  <a:lumMod val="75000"/>
+                </a:schemeClr>
+              </a:solidFill>
+            </a:endParaRPr>
+          </a:p>
+        </p:txBody>
+      </p:sp>
+      <p:sp>
+        <p:nvSpPr>
+          <p:cNvPr id="36" name="角丸四角形 35"/>
+          <p:cNvSpPr/>
+          <p:nvPr/>
+        </p:nvSpPr>
+        <p:spPr>
+          <a:xfrm>
+            <a:off x="1547092" y="4421474"/>
+            <a:ext cx="464588" cy="465380"/>
+          </a:xfrm>
+          <a:prstGeom prst="roundRect">
+            <a:avLst/>
+          </a:prstGeom>
+          <a:noFill/>
+          <a:ln>
+            <a:solidFill>
+              <a:schemeClr val="accent6">
+                <a:lumMod val="75000"/>
+              </a:schemeClr>
+            </a:solidFill>
+          </a:ln>
+        </p:spPr>
+        <p:style>
+          <a:lnRef idx="2">
+            <a:schemeClr val="accent6"/>
+          </a:lnRef>
+          <a:fillRef idx="1">
+            <a:schemeClr val="lt1"/>
+          </a:fillRef>
+          <a:effectRef idx="0">
+            <a:schemeClr val="accent6"/>
+          </a:effectRef>
+          <a:fontRef idx="minor">
+            <a:schemeClr val="dk1"/>
+          </a:fontRef>
+        </p:style>
+        <p:txBody>
+          <a:bodyPr wrap="none" rtlCol="0" anchor="ctr"/>
+          <a:lstStyle/>
+          <a:p>
+            <a:pPr algn="ctr"/>
+            <a:r>
+              <a:rPr lang="ja-JP" altLang="en-US" dirty="0">
+                <a:solidFill>
+                  <a:schemeClr val="accent6">
+                    <a:lumMod val="75000"/>
+                  </a:schemeClr>
+                </a:solidFill>
+              </a:rPr>
+              <a:t>←</a:t>
+            </a:r>
+            <a:r>
+              <a:rPr lang="ja-JP" altLang="en-US" dirty="0" smtClean="0">
+                <a:solidFill>
+                  <a:schemeClr val="accent6">
+                    <a:lumMod val="75000"/>
+                  </a:schemeClr>
+                </a:solidFill>
+              </a:rPr>
+              <a:t>←</a:t>
+            </a:r>
+            <a:endParaRPr lang="ja-JP" altLang="en-US" dirty="0">
+              <a:solidFill>
+                <a:schemeClr val="accent6">
+                  <a:lumMod val="75000"/>
+                </a:schemeClr>
+              </a:solidFill>
+            </a:endParaRPr>
+          </a:p>
+        </p:txBody>
+      </p:sp>
+      <p:sp>
+        <p:nvSpPr>
+          <p:cNvPr id="37" name="角丸四角形 36"/>
+          <p:cNvSpPr/>
+          <p:nvPr/>
+        </p:nvSpPr>
+        <p:spPr>
+          <a:xfrm>
+            <a:off x="2083673" y="4421474"/>
             <a:ext cx="464588" cy="465380"/>
           </a:xfrm>
           <a:prstGeom prst="roundRect">
@@ -5482,7 +6168,7 @@
                   </a:schemeClr>
                 </a:solidFill>
               </a:rPr>
-              <a:t>↑</a:t>
+              <a:t>←</a:t>
             </a:r>
             <a:endParaRPr lang="ja-JP" altLang="en-US" dirty="0">
               <a:solidFill>
@@ -5496,13 +6182,136 @@
       </p:sp>
       <p:sp>
         <p:nvSpPr>
-          <p:cNvPr id="25" name="角丸四角形 24"/>
-          <p:cNvSpPr/>
-          <p:nvPr/>
-        </p:nvSpPr>
-        <p:spPr>
-          <a:xfrm>
-            <a:off x="2973955" y="3895694"/>
+          <p:cNvPr id="38" name="角丸四角形 37"/>
+          <p:cNvSpPr/>
+          <p:nvPr/>
+        </p:nvSpPr>
+        <p:spPr>
+          <a:xfrm>
+            <a:off x="2620254" y="4421474"/>
+            <a:ext cx="464588" cy="465380"/>
+          </a:xfrm>
+          <a:prstGeom prst="roundRect">
+            <a:avLst/>
+          </a:prstGeom>
+          <a:ln>
+            <a:solidFill>
+              <a:schemeClr val="accent6">
+                <a:lumMod val="75000"/>
+              </a:schemeClr>
+            </a:solidFill>
+          </a:ln>
+        </p:spPr>
+        <p:style>
+          <a:lnRef idx="2">
+            <a:schemeClr val="accent6"/>
+          </a:lnRef>
+          <a:fillRef idx="1">
+            <a:schemeClr val="lt1"/>
+          </a:fillRef>
+          <a:effectRef idx="0">
+            <a:schemeClr val="accent6"/>
+          </a:effectRef>
+          <a:fontRef idx="minor">
+            <a:schemeClr val="dk1"/>
+          </a:fontRef>
+        </p:style>
+        <p:txBody>
+          <a:bodyPr wrap="none" rtlCol="0" anchor="ctr"/>
+          <a:lstStyle/>
+          <a:p>
+            <a:pPr algn="ctr"/>
+            <a:r>
+              <a:rPr lang="ja-JP" altLang="en-US" dirty="0" smtClean="0">
+                <a:solidFill>
+                  <a:schemeClr val="accent6">
+                    <a:lumMod val="75000"/>
+                  </a:schemeClr>
+                </a:solidFill>
+              </a:rPr>
+              <a:t>↓</a:t>
+            </a:r>
+            <a:endParaRPr lang="ja-JP" altLang="en-US" dirty="0">
+              <a:solidFill>
+                <a:schemeClr val="accent6">
+                  <a:lumMod val="75000"/>
+                </a:schemeClr>
+              </a:solidFill>
+            </a:endParaRPr>
+          </a:p>
+        </p:txBody>
+      </p:sp>
+      <p:sp>
+        <p:nvSpPr>
+          <p:cNvPr id="39" name="角丸四角形 38"/>
+          <p:cNvSpPr/>
+          <p:nvPr/>
+        </p:nvSpPr>
+        <p:spPr>
+          <a:xfrm>
+            <a:off x="3156835" y="4421474"/>
+            <a:ext cx="464588" cy="465380"/>
+          </a:xfrm>
+          <a:prstGeom prst="roundRect">
+            <a:avLst/>
+          </a:prstGeom>
+          <a:noFill/>
+          <a:ln>
+            <a:solidFill>
+              <a:schemeClr val="accent6">
+                <a:lumMod val="75000"/>
+              </a:schemeClr>
+            </a:solidFill>
+          </a:ln>
+        </p:spPr>
+        <p:style>
+          <a:lnRef idx="2">
+            <a:schemeClr val="accent6"/>
+          </a:lnRef>
+          <a:fillRef idx="1">
+            <a:schemeClr val="lt1"/>
+          </a:fillRef>
+          <a:effectRef idx="0">
+            <a:schemeClr val="accent6"/>
+          </a:effectRef>
+          <a:fontRef idx="minor">
+            <a:schemeClr val="dk1"/>
+          </a:fontRef>
+        </p:style>
+        <p:txBody>
+          <a:bodyPr wrap="none" rtlCol="0" anchor="ctr"/>
+          <a:lstStyle/>
+          <a:p>
+            <a:pPr algn="ctr"/>
+            <a:r>
+              <a:rPr lang="ja-JP" altLang="en-US" u="sng">
+                <a:solidFill>
+                  <a:schemeClr val="accent6">
+                    <a:lumMod val="75000"/>
+                  </a:schemeClr>
+                </a:solidFill>
+              </a:rPr>
+              <a:t>→</a:t>
+            </a:r>
+            <a:endParaRPr lang="ja-JP" altLang="en-US" u="sng" dirty="0">
+              <a:solidFill>
+                <a:schemeClr val="accent6">
+                  <a:lumMod val="75000"/>
+                </a:schemeClr>
+              </a:solidFill>
+            </a:endParaRPr>
+          </a:p>
+        </p:txBody>
+      </p:sp>
+      <p:sp>
+        <p:nvSpPr>
+          <p:cNvPr id="40" name="角丸四角形 39"/>
+          <p:cNvSpPr/>
+          <p:nvPr/>
+        </p:nvSpPr>
+        <p:spPr>
+          <a:xfrm>
+            <a:off x="3693416" y="4421474"/>
             <a:ext cx="464588" cy="465380"/>
           </a:xfrm>
           <a:prstGeom prst="roundRect">
@@ -5544,845 +6353,8 @@
                   </a:schemeClr>
                 </a:solidFill>
               </a:rPr>
-              <a:t>↓↓</a:t>
-            </a:r>
-            <a:endParaRPr lang="ja-JP" altLang="en-US" dirty="0">
-              <a:solidFill>
-                <a:schemeClr val="accent6">
-                  <a:lumMod val="75000"/>
-                </a:schemeClr>
-              </a:solidFill>
-            </a:endParaRPr>
-          </a:p>
-        </p:txBody>
-      </p:sp>
-      <p:sp>
-        <p:nvSpPr>
-          <p:cNvPr id="26" name="角丸四角形 25"/>
-          <p:cNvSpPr/>
-          <p:nvPr/>
-        </p:nvSpPr>
-        <p:spPr>
-          <a:xfrm>
-            <a:off x="3510536" y="3895694"/>
-            <a:ext cx="464588" cy="465380"/>
-          </a:xfrm>
-          <a:prstGeom prst="roundRect">
-            <a:avLst/>
-          </a:prstGeom>
-          <a:noFill/>
-          <a:ln>
-            <a:solidFill>
-              <a:schemeClr val="accent6">
-                <a:lumMod val="75000"/>
-              </a:schemeClr>
-            </a:solidFill>
-          </a:ln>
-        </p:spPr>
-        <p:style>
-          <a:lnRef idx="2">
-            <a:schemeClr val="accent6"/>
-          </a:lnRef>
-          <a:fillRef idx="1">
-            <a:schemeClr val="lt1"/>
-          </a:fillRef>
-          <a:effectRef idx="0">
-            <a:schemeClr val="accent6"/>
-          </a:effectRef>
-          <a:fontRef idx="minor">
-            <a:schemeClr val="dk1"/>
-          </a:fontRef>
-        </p:style>
-        <p:txBody>
-          <a:bodyPr wrap="none" rtlCol="0" anchor="ctr"/>
-          <a:lstStyle/>
-          <a:p>
-            <a:pPr algn="ctr"/>
-            <a:endParaRPr lang="ja-JP" altLang="en-US" dirty="0">
-              <a:solidFill>
-                <a:schemeClr val="accent6">
-                  <a:lumMod val="75000"/>
-                </a:schemeClr>
-              </a:solidFill>
-            </a:endParaRPr>
-          </a:p>
-        </p:txBody>
-      </p:sp>
-      <p:sp>
-        <p:nvSpPr>
-          <p:cNvPr id="27" name="角丸四角形 26"/>
-          <p:cNvSpPr/>
-          <p:nvPr/>
-        </p:nvSpPr>
-        <p:spPr>
-          <a:xfrm>
-            <a:off x="4047117" y="3895694"/>
-            <a:ext cx="464588" cy="465380"/>
-          </a:xfrm>
-          <a:prstGeom prst="roundRect">
-            <a:avLst/>
-          </a:prstGeom>
-          <a:noFill/>
-          <a:ln>
-            <a:solidFill>
-              <a:schemeClr val="accent6">
-                <a:lumMod val="75000"/>
-              </a:schemeClr>
-            </a:solidFill>
-          </a:ln>
-        </p:spPr>
-        <p:style>
-          <a:lnRef idx="2">
-            <a:schemeClr val="accent6"/>
-          </a:lnRef>
-          <a:fillRef idx="1">
-            <a:schemeClr val="lt1"/>
-          </a:fillRef>
-          <a:effectRef idx="0">
-            <a:schemeClr val="accent6"/>
-          </a:effectRef>
-          <a:fontRef idx="minor">
-            <a:schemeClr val="dk1"/>
-          </a:fontRef>
-        </p:style>
-        <p:txBody>
-          <a:bodyPr wrap="none" rtlCol="0" anchor="ctr"/>
-          <a:lstStyle/>
-          <a:p>
-            <a:pPr algn="ctr"/>
-            <a:endParaRPr lang="ja-JP" altLang="en-US" dirty="0">
-              <a:solidFill>
-                <a:schemeClr val="accent6">
-                  <a:lumMod val="75000"/>
-                </a:schemeClr>
-              </a:solidFill>
-            </a:endParaRPr>
-          </a:p>
-        </p:txBody>
-      </p:sp>
-      <p:sp>
-        <p:nvSpPr>
-          <p:cNvPr id="28" name="角丸四角形 27"/>
-          <p:cNvSpPr/>
-          <p:nvPr/>
-        </p:nvSpPr>
-        <p:spPr>
-          <a:xfrm>
-            <a:off x="4583698" y="3895694"/>
-            <a:ext cx="464588" cy="465380"/>
-          </a:xfrm>
-          <a:prstGeom prst="roundRect">
-            <a:avLst/>
-          </a:prstGeom>
-          <a:noFill/>
-          <a:ln>
-            <a:solidFill>
-              <a:schemeClr val="accent6">
-                <a:lumMod val="75000"/>
-              </a:schemeClr>
-            </a:solidFill>
-          </a:ln>
-        </p:spPr>
-        <p:style>
-          <a:lnRef idx="2">
-            <a:schemeClr val="accent6"/>
-          </a:lnRef>
-          <a:fillRef idx="1">
-            <a:schemeClr val="lt1"/>
-          </a:fillRef>
-          <a:effectRef idx="0">
-            <a:schemeClr val="accent6"/>
-          </a:effectRef>
-          <a:fontRef idx="minor">
-            <a:schemeClr val="dk1"/>
-          </a:fontRef>
-        </p:style>
-        <p:txBody>
-          <a:bodyPr wrap="none" rtlCol="0" anchor="ctr"/>
-          <a:lstStyle/>
-          <a:p>
-            <a:pPr algn="ctr"/>
-            <a:endParaRPr lang="ja-JP" altLang="en-US" dirty="0">
-              <a:solidFill>
-                <a:schemeClr val="accent6">
-                  <a:lumMod val="75000"/>
-                </a:schemeClr>
-              </a:solidFill>
-            </a:endParaRPr>
-          </a:p>
-        </p:txBody>
-      </p:sp>
-      <p:sp>
-        <p:nvSpPr>
-          <p:cNvPr id="29" name="角丸四角形 28"/>
-          <p:cNvSpPr/>
-          <p:nvPr/>
-        </p:nvSpPr>
-        <p:spPr>
-          <a:xfrm>
-            <a:off x="5120279" y="3895694"/>
-            <a:ext cx="464588" cy="465380"/>
-          </a:xfrm>
-          <a:prstGeom prst="roundRect">
-            <a:avLst/>
-          </a:prstGeom>
-          <a:noFill/>
-          <a:ln>
-            <a:solidFill>
-              <a:schemeClr val="accent6">
-                <a:lumMod val="75000"/>
-              </a:schemeClr>
-            </a:solidFill>
-          </a:ln>
-        </p:spPr>
-        <p:style>
-          <a:lnRef idx="2">
-            <a:schemeClr val="accent6"/>
-          </a:lnRef>
-          <a:fillRef idx="1">
-            <a:schemeClr val="lt1"/>
-          </a:fillRef>
-          <a:effectRef idx="0">
-            <a:schemeClr val="accent6"/>
-          </a:effectRef>
-          <a:fontRef idx="minor">
-            <a:schemeClr val="dk1"/>
-          </a:fontRef>
-        </p:style>
-        <p:txBody>
-          <a:bodyPr wrap="none" rtlCol="0" anchor="ctr"/>
-          <a:lstStyle/>
-          <a:p>
-            <a:pPr algn="ctr"/>
-            <a:endParaRPr lang="ja-JP" altLang="en-US" dirty="0">
-              <a:solidFill>
-                <a:schemeClr val="accent6">
-                  <a:lumMod val="75000"/>
-                </a:schemeClr>
-              </a:solidFill>
-            </a:endParaRPr>
-          </a:p>
-        </p:txBody>
-      </p:sp>
-      <p:sp>
-        <p:nvSpPr>
-          <p:cNvPr id="30" name="角丸四角形 29"/>
-          <p:cNvSpPr/>
-          <p:nvPr/>
-        </p:nvSpPr>
-        <p:spPr>
-          <a:xfrm>
-            <a:off x="5656860" y="3895694"/>
-            <a:ext cx="464588" cy="465380"/>
-          </a:xfrm>
-          <a:prstGeom prst="roundRect">
-            <a:avLst/>
-          </a:prstGeom>
-          <a:ln>
-            <a:solidFill>
-              <a:schemeClr val="accent6">
-                <a:lumMod val="75000"/>
-              </a:schemeClr>
-            </a:solidFill>
-          </a:ln>
-        </p:spPr>
-        <p:style>
-          <a:lnRef idx="2">
-            <a:schemeClr val="accent6"/>
-          </a:lnRef>
-          <a:fillRef idx="1">
-            <a:schemeClr val="lt1"/>
-          </a:fillRef>
-          <a:effectRef idx="0">
-            <a:schemeClr val="accent6"/>
-          </a:effectRef>
-          <a:fontRef idx="minor">
-            <a:schemeClr val="dk1"/>
-          </a:fontRef>
-        </p:style>
-        <p:txBody>
-          <a:bodyPr wrap="none" rtlCol="0" anchor="ctr"/>
-          <a:lstStyle/>
-          <a:p>
-            <a:pPr algn="ctr"/>
-            <a:r>
-              <a:rPr lang="en-US" altLang="ja-JP" sz="1100" smtClean="0">
-                <a:solidFill>
-                  <a:schemeClr val="accent6">
-                    <a:lumMod val="75000"/>
-                  </a:schemeClr>
-                </a:solidFill>
-              </a:rPr>
-              <a:t>Wheel</a:t>
-            </a:r>
-          </a:p>
-          <a:p>
-            <a:pPr algn="ctr"/>
-            <a:r>
-              <a:rPr lang="en-US" altLang="ja-JP" sz="1100">
-                <a:solidFill>
-                  <a:schemeClr val="accent6">
-                    <a:lumMod val="75000"/>
-                  </a:schemeClr>
-                </a:solidFill>
-              </a:rPr>
-              <a:t>Left</a:t>
-            </a:r>
-            <a:endParaRPr lang="ja-JP" altLang="en-US" sz="1100" dirty="0">
-              <a:solidFill>
-                <a:schemeClr val="accent6">
-                  <a:lumMod val="75000"/>
-                </a:schemeClr>
-              </a:solidFill>
-            </a:endParaRPr>
-          </a:p>
-        </p:txBody>
-      </p:sp>
-      <p:sp>
-        <p:nvSpPr>
-          <p:cNvPr id="31" name="角丸四角形 30"/>
-          <p:cNvSpPr/>
-          <p:nvPr/>
-        </p:nvSpPr>
-        <p:spPr>
-          <a:xfrm>
-            <a:off x="6193441" y="3895694"/>
-            <a:ext cx="464588" cy="465380"/>
-          </a:xfrm>
-          <a:prstGeom prst="roundRect">
-            <a:avLst/>
-          </a:prstGeom>
-          <a:ln>
-            <a:solidFill>
-              <a:schemeClr val="accent6">
-                <a:lumMod val="75000"/>
-              </a:schemeClr>
-            </a:solidFill>
-          </a:ln>
-        </p:spPr>
-        <p:style>
-          <a:lnRef idx="2">
-            <a:schemeClr val="accent6"/>
-          </a:lnRef>
-          <a:fillRef idx="1">
-            <a:schemeClr val="lt1"/>
-          </a:fillRef>
-          <a:effectRef idx="0">
-            <a:schemeClr val="accent6"/>
-          </a:effectRef>
-          <a:fontRef idx="minor">
-            <a:schemeClr val="dk1"/>
-          </a:fontRef>
-        </p:style>
-        <p:txBody>
-          <a:bodyPr wrap="none" rtlCol="0" anchor="ctr"/>
-          <a:lstStyle/>
-          <a:p>
-            <a:pPr algn="ctr"/>
-            <a:r>
-              <a:rPr lang="en-US" altLang="ja-JP" sz="1100" smtClean="0">
-                <a:solidFill>
-                  <a:schemeClr val="accent6">
-                    <a:lumMod val="75000"/>
-                  </a:schemeClr>
-                </a:solidFill>
-              </a:rPr>
-              <a:t>Wheel</a:t>
-            </a:r>
-          </a:p>
-          <a:p>
-            <a:pPr algn="ctr"/>
-            <a:r>
-              <a:rPr lang="en-US" altLang="ja-JP" sz="1100" smtClean="0">
-                <a:solidFill>
-                  <a:schemeClr val="accent6">
-                    <a:lumMod val="75000"/>
-                  </a:schemeClr>
-                </a:solidFill>
-              </a:rPr>
-              <a:t>Right</a:t>
-            </a:r>
-            <a:endParaRPr lang="ja-JP" altLang="en-US" sz="1100" dirty="0">
-              <a:solidFill>
-                <a:schemeClr val="accent6">
-                  <a:lumMod val="75000"/>
-                </a:schemeClr>
-              </a:solidFill>
-            </a:endParaRPr>
-          </a:p>
-        </p:txBody>
-      </p:sp>
-      <p:sp>
-        <p:nvSpPr>
-          <p:cNvPr id="32" name="角丸四角形 31"/>
-          <p:cNvSpPr/>
-          <p:nvPr/>
-        </p:nvSpPr>
-        <p:spPr>
-          <a:xfrm>
-            <a:off x="6730022" y="3895694"/>
-            <a:ext cx="464588" cy="465380"/>
-          </a:xfrm>
-          <a:prstGeom prst="roundRect">
-            <a:avLst/>
-          </a:prstGeom>
-          <a:noFill/>
-          <a:ln>
-            <a:solidFill>
-              <a:schemeClr val="accent6">
-                <a:lumMod val="75000"/>
-              </a:schemeClr>
-            </a:solidFill>
-          </a:ln>
-        </p:spPr>
-        <p:style>
-          <a:lnRef idx="2">
-            <a:schemeClr val="accent6"/>
-          </a:lnRef>
-          <a:fillRef idx="1">
-            <a:schemeClr val="lt1"/>
-          </a:fillRef>
-          <a:effectRef idx="0">
-            <a:schemeClr val="accent6"/>
-          </a:effectRef>
-          <a:fontRef idx="minor">
-            <a:schemeClr val="dk1"/>
-          </a:fontRef>
-        </p:style>
-        <p:txBody>
-          <a:bodyPr wrap="none" rtlCol="0" anchor="ctr"/>
-          <a:lstStyle/>
-          <a:p>
-            <a:pPr algn="ctr"/>
-            <a:endParaRPr lang="ja-JP" altLang="en-US" dirty="0">
-              <a:solidFill>
-                <a:schemeClr val="accent6">
-                  <a:lumMod val="75000"/>
-                </a:schemeClr>
-              </a:solidFill>
-            </a:endParaRPr>
-          </a:p>
-        </p:txBody>
-      </p:sp>
-      <p:sp>
-        <p:nvSpPr>
-          <p:cNvPr id="33" name="角丸四角形 32"/>
-          <p:cNvSpPr/>
-          <p:nvPr/>
-        </p:nvSpPr>
-        <p:spPr>
-          <a:xfrm>
-            <a:off x="7266603" y="3895694"/>
-            <a:ext cx="464588" cy="465380"/>
-          </a:xfrm>
-          <a:prstGeom prst="roundRect">
-            <a:avLst/>
-          </a:prstGeom>
-          <a:noFill/>
-          <a:ln>
-            <a:solidFill>
-              <a:schemeClr val="accent6">
-                <a:lumMod val="75000"/>
-              </a:schemeClr>
-            </a:solidFill>
-          </a:ln>
-        </p:spPr>
-        <p:style>
-          <a:lnRef idx="2">
-            <a:schemeClr val="accent6"/>
-          </a:lnRef>
-          <a:fillRef idx="1">
-            <a:schemeClr val="lt1"/>
-          </a:fillRef>
-          <a:effectRef idx="0">
-            <a:schemeClr val="accent6"/>
-          </a:effectRef>
-          <a:fontRef idx="minor">
-            <a:schemeClr val="dk1"/>
-          </a:fontRef>
-        </p:style>
-        <p:txBody>
-          <a:bodyPr wrap="none" rtlCol="0" anchor="ctr"/>
-          <a:lstStyle/>
-          <a:p>
-            <a:pPr algn="ctr"/>
-            <a:endParaRPr lang="ja-JP" altLang="en-US" dirty="0">
-              <a:solidFill>
-                <a:schemeClr val="accent6">
-                  <a:lumMod val="75000"/>
-                </a:schemeClr>
-              </a:solidFill>
-            </a:endParaRPr>
-          </a:p>
-        </p:txBody>
-      </p:sp>
-      <p:sp>
-        <p:nvSpPr>
-          <p:cNvPr id="34" name="角丸四角形 33"/>
-          <p:cNvSpPr/>
-          <p:nvPr/>
-        </p:nvSpPr>
-        <p:spPr>
-          <a:xfrm>
-            <a:off x="7803183" y="3895694"/>
-            <a:ext cx="749085" cy="465380"/>
-          </a:xfrm>
-          <a:prstGeom prst="roundRect">
-            <a:avLst/>
-          </a:prstGeom>
-          <a:noFill/>
-          <a:ln>
-            <a:solidFill>
-              <a:schemeClr val="accent6">
-                <a:lumMod val="75000"/>
-              </a:schemeClr>
-            </a:solidFill>
-          </a:ln>
-        </p:spPr>
-        <p:style>
-          <a:lnRef idx="2">
-            <a:schemeClr val="accent6"/>
-          </a:lnRef>
-          <a:fillRef idx="1">
-            <a:schemeClr val="lt1"/>
-          </a:fillRef>
-          <a:effectRef idx="0">
-            <a:schemeClr val="accent6"/>
-          </a:effectRef>
-          <a:fontRef idx="minor">
-            <a:schemeClr val="dk1"/>
-          </a:fontRef>
-        </p:style>
-        <p:txBody>
-          <a:bodyPr wrap="none" rtlCol="0" anchor="ctr"/>
-          <a:lstStyle/>
-          <a:p>
-            <a:pPr algn="ctr"/>
-            <a:endParaRPr lang="ja-JP" altLang="en-US" dirty="0">
-              <a:solidFill>
-                <a:schemeClr val="accent6">
-                  <a:lumMod val="75000"/>
-                </a:schemeClr>
-              </a:solidFill>
-            </a:endParaRPr>
-          </a:p>
-        </p:txBody>
-      </p:sp>
-      <p:sp>
-        <p:nvSpPr>
-          <p:cNvPr id="36" name="角丸四角形 35"/>
-          <p:cNvSpPr/>
-          <p:nvPr/>
-        </p:nvSpPr>
-        <p:spPr>
-          <a:xfrm>
-            <a:off x="1547092" y="4421474"/>
-            <a:ext cx="464588" cy="465380"/>
-          </a:xfrm>
-          <a:prstGeom prst="roundRect">
-            <a:avLst/>
-          </a:prstGeom>
-          <a:noFill/>
-          <a:ln>
-            <a:solidFill>
-              <a:schemeClr val="accent6">
-                <a:lumMod val="75000"/>
-              </a:schemeClr>
-            </a:solidFill>
-          </a:ln>
-        </p:spPr>
-        <p:style>
-          <a:lnRef idx="2">
-            <a:schemeClr val="accent6"/>
-          </a:lnRef>
-          <a:fillRef idx="1">
-            <a:schemeClr val="lt1"/>
-          </a:fillRef>
-          <a:effectRef idx="0">
-            <a:schemeClr val="accent6"/>
-          </a:effectRef>
-          <a:fontRef idx="minor">
-            <a:schemeClr val="dk1"/>
-          </a:fontRef>
-        </p:style>
-        <p:txBody>
-          <a:bodyPr wrap="none" rtlCol="0" anchor="ctr"/>
-          <a:lstStyle/>
-          <a:p>
-            <a:pPr algn="ctr"/>
-            <a:r>
-              <a:rPr lang="ja-JP" altLang="en-US" dirty="0">
-                <a:solidFill>
-                  <a:schemeClr val="accent6">
-                    <a:lumMod val="75000"/>
-                  </a:schemeClr>
-                </a:solidFill>
-              </a:rPr>
-              <a:t>←</a:t>
-            </a:r>
-            <a:r>
-              <a:rPr lang="ja-JP" altLang="en-US" dirty="0" smtClean="0">
-                <a:solidFill>
-                  <a:schemeClr val="accent6">
-                    <a:lumMod val="75000"/>
-                  </a:schemeClr>
-                </a:solidFill>
-              </a:rPr>
-              <a:t>←</a:t>
-            </a:r>
-            <a:endParaRPr lang="ja-JP" altLang="en-US" dirty="0">
-              <a:solidFill>
-                <a:schemeClr val="accent6">
-                  <a:lumMod val="75000"/>
-                </a:schemeClr>
-              </a:solidFill>
-            </a:endParaRPr>
-          </a:p>
-        </p:txBody>
-      </p:sp>
-      <p:sp>
-        <p:nvSpPr>
-          <p:cNvPr id="37" name="角丸四角形 36"/>
-          <p:cNvSpPr/>
-          <p:nvPr/>
-        </p:nvSpPr>
-        <p:spPr>
-          <a:xfrm>
-            <a:off x="2083673" y="4421474"/>
-            <a:ext cx="464588" cy="465380"/>
-          </a:xfrm>
-          <a:prstGeom prst="roundRect">
-            <a:avLst/>
-          </a:prstGeom>
-          <a:ln>
-            <a:solidFill>
-              <a:schemeClr val="accent6">
-                <a:lumMod val="75000"/>
-              </a:schemeClr>
-            </a:solidFill>
-          </a:ln>
-        </p:spPr>
-        <p:style>
-          <a:lnRef idx="2">
-            <a:schemeClr val="accent6"/>
-          </a:lnRef>
-          <a:fillRef idx="1">
-            <a:schemeClr val="lt1"/>
-          </a:fillRef>
-          <a:effectRef idx="0">
-            <a:schemeClr val="accent6"/>
-          </a:effectRef>
-          <a:fontRef idx="minor">
-            <a:schemeClr val="dk1"/>
-          </a:fontRef>
-        </p:style>
-        <p:txBody>
-          <a:bodyPr wrap="none" rtlCol="0" anchor="ctr"/>
-          <a:lstStyle/>
-          <a:p>
-            <a:pPr algn="ctr"/>
-            <a:r>
-              <a:rPr lang="ja-JP" altLang="en-US">
-                <a:solidFill>
-                  <a:schemeClr val="accent6">
-                    <a:lumMod val="75000"/>
-                  </a:schemeClr>
-                </a:solidFill>
-              </a:rPr>
-              <a:t>←</a:t>
-            </a:r>
-            <a:endParaRPr lang="ja-JP" altLang="en-US" dirty="0">
-              <a:solidFill>
-                <a:schemeClr val="accent6">
-                  <a:lumMod val="75000"/>
-                </a:schemeClr>
-              </a:solidFill>
-            </a:endParaRPr>
-          </a:p>
-        </p:txBody>
-      </p:sp>
-      <p:sp>
-        <p:nvSpPr>
-          <p:cNvPr id="38" name="角丸四角形 37"/>
-          <p:cNvSpPr/>
-          <p:nvPr/>
-        </p:nvSpPr>
-        <p:spPr>
-          <a:xfrm>
-            <a:off x="2620254" y="4421474"/>
-            <a:ext cx="464588" cy="465380"/>
-          </a:xfrm>
-          <a:prstGeom prst="roundRect">
-            <a:avLst/>
-          </a:prstGeom>
-          <a:ln>
-            <a:solidFill>
-              <a:schemeClr val="accent6">
-                <a:lumMod val="75000"/>
-              </a:schemeClr>
-            </a:solidFill>
-          </a:ln>
-        </p:spPr>
-        <p:style>
-          <a:lnRef idx="2">
-            <a:schemeClr val="accent6"/>
-          </a:lnRef>
-          <a:fillRef idx="1">
-            <a:schemeClr val="lt1"/>
-          </a:fillRef>
-          <a:effectRef idx="0">
-            <a:schemeClr val="accent6"/>
-          </a:effectRef>
-          <a:fontRef idx="minor">
-            <a:schemeClr val="dk1"/>
-          </a:fontRef>
-        </p:style>
-        <p:txBody>
-          <a:bodyPr wrap="none" rtlCol="0" anchor="ctr"/>
-          <a:lstStyle/>
-          <a:p>
-            <a:pPr algn="ctr"/>
-            <a:r>
-              <a:rPr lang="ja-JP" altLang="en-US" dirty="0" smtClean="0">
-                <a:solidFill>
-                  <a:schemeClr val="accent6">
-                    <a:lumMod val="75000"/>
-                  </a:schemeClr>
-                </a:solidFill>
-              </a:rPr>
-              <a:t>↓</a:t>
-            </a:r>
-            <a:endParaRPr lang="ja-JP" altLang="en-US" dirty="0">
-              <a:solidFill>
-                <a:schemeClr val="accent6">
-                  <a:lumMod val="75000"/>
-                </a:schemeClr>
-              </a:solidFill>
-            </a:endParaRPr>
-          </a:p>
-        </p:txBody>
-      </p:sp>
-      <p:sp>
-        <p:nvSpPr>
-          <p:cNvPr id="39" name="角丸四角形 38"/>
-          <p:cNvSpPr/>
-          <p:nvPr/>
-        </p:nvSpPr>
-        <p:spPr>
-          <a:xfrm>
-            <a:off x="3156835" y="4421474"/>
-            <a:ext cx="464588" cy="465380"/>
-          </a:xfrm>
-          <a:prstGeom prst="roundRect">
-            <a:avLst/>
-          </a:prstGeom>
-          <a:noFill/>
-          <a:ln>
-            <a:solidFill>
-              <a:schemeClr val="accent6">
-                <a:lumMod val="75000"/>
-              </a:schemeClr>
-            </a:solidFill>
-          </a:ln>
-        </p:spPr>
-        <p:style>
-          <a:lnRef idx="2">
-            <a:schemeClr val="accent6"/>
-          </a:lnRef>
-          <a:fillRef idx="1">
-            <a:schemeClr val="lt1"/>
-          </a:fillRef>
-          <a:effectRef idx="0">
-            <a:schemeClr val="accent6"/>
-          </a:effectRef>
-          <a:fontRef idx="minor">
-            <a:schemeClr val="dk1"/>
-          </a:fontRef>
-        </p:style>
-        <p:txBody>
-          <a:bodyPr wrap="none" rtlCol="0" anchor="ctr"/>
-          <a:lstStyle/>
-          <a:p>
-            <a:pPr algn="ctr"/>
-            <a:r>
-              <a:rPr lang="ja-JP" altLang="en-US" u="sng">
-                <a:solidFill>
-                  <a:schemeClr val="accent6">
-                    <a:lumMod val="75000"/>
-                  </a:schemeClr>
-                </a:solidFill>
-              </a:rPr>
-              <a:t>→</a:t>
-            </a:r>
-            <a:endParaRPr lang="ja-JP" altLang="en-US" u="sng" dirty="0">
-              <a:solidFill>
-                <a:schemeClr val="accent6">
-                  <a:lumMod val="75000"/>
-                </a:schemeClr>
-              </a:solidFill>
-            </a:endParaRPr>
-          </a:p>
-        </p:txBody>
-      </p:sp>
-      <p:sp>
-        <p:nvSpPr>
-          <p:cNvPr id="40" name="角丸四角形 39"/>
-          <p:cNvSpPr/>
-          <p:nvPr/>
-        </p:nvSpPr>
-        <p:spPr>
-          <a:xfrm>
-            <a:off x="3693416" y="4421474"/>
-            <a:ext cx="464588" cy="465380"/>
-          </a:xfrm>
-          <a:prstGeom prst="roundRect">
-            <a:avLst/>
-          </a:prstGeom>
-          <a:noFill/>
-          <a:ln>
-            <a:solidFill>
-              <a:schemeClr val="accent6">
-                <a:lumMod val="75000"/>
-              </a:schemeClr>
-            </a:solidFill>
-          </a:ln>
-        </p:spPr>
-        <p:style>
-          <a:lnRef idx="2">
-            <a:schemeClr val="accent6"/>
-          </a:lnRef>
-          <a:fillRef idx="1">
-            <a:schemeClr val="lt1"/>
-          </a:fillRef>
-          <a:effectRef idx="0">
-            <a:schemeClr val="accent6"/>
-          </a:effectRef>
-          <a:fontRef idx="minor">
-            <a:schemeClr val="dk1"/>
-          </a:fontRef>
-        </p:style>
-        <p:txBody>
-          <a:bodyPr wrap="none" rtlCol="0" anchor="ctr"/>
-          <a:lstStyle/>
-          <a:p>
-            <a:pPr algn="ctr"/>
-            <a:r>
-              <a:rPr lang="ja-JP" altLang="en-US" dirty="0">
-                <a:solidFill>
-                  <a:schemeClr val="accent6">
-                    <a:lumMod val="75000"/>
-                  </a:schemeClr>
-                </a:solidFill>
-              </a:rPr>
               <a:t>→→</a:t>
             </a:r>
-            <a:endParaRPr lang="ja-JP" altLang="en-US" dirty="0">
-              <a:solidFill>
-                <a:schemeClr val="accent6">
-                  <a:lumMod val="75000"/>
-                </a:schemeClr>
-              </a:solidFill>
-            </a:endParaRPr>
           </a:p>
         </p:txBody>
       </p:sp>
@@ -13913,13 +13885,6 @@
               </a:rPr>
               <a:t>表示</a:t>
             </a:r>
-            <a:endParaRPr lang="ja-JP" altLang="en-US" sz="800" dirty="0">
-              <a:solidFill>
-                <a:schemeClr val="accent6">
-                  <a:lumMod val="75000"/>
-                </a:schemeClr>
-              </a:solidFill>
-            </a:endParaRPr>
           </a:p>
         </p:txBody>
       </p:sp>
@@ -35705,25 +35670,8 @@
                 <a:latin typeface="+mj-ea"/>
                 <a:ea typeface="+mj-ea"/>
               </a:rPr>
-              <a:t>Window </a:t>
-            </a:r>
-            <a:r>
-              <a:rPr lang="en-US" altLang="ja-JP" sz="1400" b="1" dirty="0" smtClean="0">
-                <a:solidFill>
-                  <a:srgbClr val="C00000"/>
-                </a:solidFill>
-                <a:latin typeface="+mj-ea"/>
-                <a:ea typeface="+mj-ea"/>
-              </a:rPr>
-              <a:t>Control</a:t>
-            </a:r>
-            <a:endParaRPr lang="en-US" altLang="ja-JP" sz="1400" b="1" dirty="0" smtClean="0">
-              <a:solidFill>
-                <a:srgbClr val="C00000"/>
-              </a:solidFill>
-              <a:latin typeface="+mj-ea"/>
-              <a:ea typeface="+mj-ea"/>
-            </a:endParaRPr>
+              <a:t>Window Control</a:t>
+            </a:r>
           </a:p>
         </p:txBody>
       </p:sp>
@@ -41312,13 +41260,29 @@
           <a:lstStyle/>
           <a:p>
             <a:pPr algn="ctr"/>
-            <a:endParaRPr kumimoji="1" lang="en-US" altLang="ja-JP" b="1" dirty="0" smtClean="0">
-              <a:solidFill>
-                <a:schemeClr val="accent6">
-                  <a:lumMod val="75000"/>
-                </a:schemeClr>
-              </a:solidFill>
-            </a:endParaRPr>
+            <a:r>
+              <a:rPr lang="en-US" altLang="ja-JP" sz="1100" dirty="0">
+                <a:solidFill>
+                  <a:schemeClr val="accent6">
+                    <a:lumMod val="75000"/>
+                  </a:schemeClr>
+                </a:solidFill>
+              </a:rPr>
+              <a:t>Print</a:t>
+            </a:r>
+          </a:p>
+          <a:p>
+            <a:pPr algn="ctr"/>
+            <a:r>
+              <a:rPr lang="en-US" altLang="ja-JP" sz="1100" dirty="0">
+                <a:solidFill>
+                  <a:schemeClr val="accent6">
+                    <a:lumMod val="75000"/>
+                  </a:schemeClr>
+                </a:solidFill>
+              </a:rPr>
+              <a:t>Screen</a:t>
+            </a:r>
           </a:p>
         </p:txBody>
       </p:sp>
@@ -42074,16 +42038,6 @@
           <a:lstStyle/>
           <a:p>
             <a:pPr algn="ctr"/>
-            <a:r>
-              <a:rPr lang="en-US" altLang="ja-JP">
-                <a:solidFill>
-                  <a:schemeClr val="accent6">
-                    <a:lumMod val="75000"/>
-                  </a:schemeClr>
-                </a:solidFill>
-              </a:rPr>
-              <a:t>+</a:t>
-            </a:r>
             <a:endParaRPr kumimoji="1" lang="ja-JP" altLang="en-US" dirty="0">
               <a:solidFill>
                 <a:schemeClr val="accent6">
@@ -46656,6 +46610,29 @@
           <a:lstStyle/>
           <a:p>
             <a:pPr algn="ctr"/>
+            <a:r>
+              <a:rPr kumimoji="1" lang="en-US" altLang="ja-JP" sz="1100" dirty="0" smtClean="0">
+                <a:solidFill>
+                  <a:schemeClr val="accent6">
+                    <a:lumMod val="75000"/>
+                  </a:schemeClr>
+                </a:solidFill>
+              </a:rPr>
+              <a:t>Print</a:t>
+            </a:r>
+          </a:p>
+          <a:p>
+            <a:pPr algn="ctr"/>
+            <a:r>
+              <a:rPr lang="en-US" altLang="ja-JP" sz="1100" dirty="0">
+                <a:solidFill>
+                  <a:schemeClr val="accent6">
+                    <a:lumMod val="75000"/>
+                  </a:schemeClr>
+                </a:solidFill>
+              </a:rPr>
+              <a:t>Screen</a:t>
+            </a:r>
             <a:endParaRPr kumimoji="1" lang="en-US" altLang="ja-JP" sz="1100" dirty="0" smtClean="0">
               <a:solidFill>
                 <a:schemeClr val="accent6">
@@ -46809,16 +46786,6 @@
           <a:lstStyle/>
           <a:p>
             <a:pPr algn="ctr"/>
-            <a:r>
-              <a:rPr lang="en-US" altLang="ja-JP">
-                <a:solidFill>
-                  <a:schemeClr val="accent6">
-                    <a:lumMod val="75000"/>
-                  </a:schemeClr>
-                </a:solidFill>
-              </a:rPr>
-              <a:t>+</a:t>
-            </a:r>
             <a:endParaRPr kumimoji="1" lang="ja-JP" altLang="en-US" dirty="0">
               <a:solidFill>
                 <a:schemeClr val="accent6">

--- a/MANUAL.pptx
+++ b/MANUAL.pptx
@@ -191,7 +191,7 @@
 <file path=ppt/revisionInfo.xml><?xml version="1.0" encoding="utf-8"?>
 <p1510:revInfo xmlns:a="http://schemas.openxmlformats.org/drawingml/2006/main" xmlns:r="http://schemas.openxmlformats.org/officeDocument/2006/relationships" xmlns:p1510="http://schemas.microsoft.com/office/powerpoint/2015/10/main">
   <p1510:revLst>
-    <p1510:client id="{FA9420A9-89D2-458D-95F7-783850939D54}" v="639" dt="2018-05-19T03:40:49.293"/>
+    <p1510:client id="{B43E204D-810D-4A88-BA32-B5485AC36F7A}" v="28" dt="2018-07-21T03:00:12.177"/>
   </p1510:revLst>
 </p1510:revInfo>
 </file>
@@ -199,9 +199,80 @@
 <file path=ppt/changesInfos/changesInfo1.xml><?xml version="1.0" encoding="utf-8"?>
 <pc:chgInfo xmlns:a="http://schemas.openxmlformats.org/drawingml/2006/main" xmlns:r="http://schemas.openxmlformats.org/officeDocument/2006/relationships" xmlns:ac="http://schemas.microsoft.com/office/drawing/2013/main/command" xmlns:pc="http://schemas.microsoft.com/office/powerpoint/2013/main/command">
   <pc:docChgLst>
+    <pc:chgData name="ito sh" userId="b72e1b45a6eb2453" providerId="LiveId" clId="{B43E204D-810D-4A88-BA32-B5485AC36F7A}"/>
+    <pc:docChg chg="undo custSel modSld">
+      <pc:chgData name="ito sh" userId="b72e1b45a6eb2453" providerId="LiveId" clId="{B43E204D-810D-4A88-BA32-B5485AC36F7A}" dt="2018-07-21T03:00:12.177" v="25"/>
+      <pc:docMkLst>
+        <pc:docMk/>
+      </pc:docMkLst>
+      <pc:sldChg chg="addSp delSp">
+        <pc:chgData name="ito sh" userId="b72e1b45a6eb2453" providerId="LiveId" clId="{B43E204D-810D-4A88-BA32-B5485AC36F7A}" dt="2018-07-21T03:00:12.177" v="25"/>
+        <pc:sldMkLst>
+          <pc:docMk/>
+          <pc:sldMk cId="1941651198" sldId="294"/>
+        </pc:sldMkLst>
+        <pc:spChg chg="del">
+          <ac:chgData name="ito sh" userId="b72e1b45a6eb2453" providerId="LiveId" clId="{B43E204D-810D-4A88-BA32-B5485AC36F7A}" dt="2018-07-21T03:00:11.727" v="24" actId="478"/>
+          <ac:spMkLst>
+            <pc:docMk/>
+            <pc:sldMk cId="1941651198" sldId="294"/>
+            <ac:spMk id="85" creationId="{00000000-0000-0000-0000-000000000000}"/>
+          </ac:spMkLst>
+        </pc:spChg>
+        <pc:spChg chg="del">
+          <ac:chgData name="ito sh" userId="b72e1b45a6eb2453" providerId="LiveId" clId="{B43E204D-810D-4A88-BA32-B5485AC36F7A}" dt="2018-07-21T03:00:11.727" v="24" actId="478"/>
+          <ac:spMkLst>
+            <pc:docMk/>
+            <pc:sldMk cId="1941651198" sldId="294"/>
+            <ac:spMk id="86" creationId="{00000000-0000-0000-0000-000000000000}"/>
+          </ac:spMkLst>
+        </pc:spChg>
+        <pc:spChg chg="add">
+          <ac:chgData name="ito sh" userId="b72e1b45a6eb2453" providerId="LiveId" clId="{B43E204D-810D-4A88-BA32-B5485AC36F7A}" dt="2018-07-21T03:00:12.177" v="25"/>
+          <ac:spMkLst>
+            <pc:docMk/>
+            <pc:sldMk cId="1941651198" sldId="294"/>
+            <ac:spMk id="107" creationId="{8841253F-2F88-4DC8-BCF9-A5629A811AD5}"/>
+          </ac:spMkLst>
+        </pc:spChg>
+        <pc:spChg chg="add">
+          <ac:chgData name="ito sh" userId="b72e1b45a6eb2453" providerId="LiveId" clId="{B43E204D-810D-4A88-BA32-B5485AC36F7A}" dt="2018-07-21T03:00:12.177" v="25"/>
+          <ac:spMkLst>
+            <pc:docMk/>
+            <pc:sldMk cId="1941651198" sldId="294"/>
+            <ac:spMk id="108" creationId="{25FFFD5F-77E5-4B41-8AD8-3054748596CA}"/>
+          </ac:spMkLst>
+        </pc:spChg>
+      </pc:sldChg>
+      <pc:sldChg chg="modSp">
+        <pc:chgData name="ito sh" userId="b72e1b45a6eb2453" providerId="LiveId" clId="{B43E204D-810D-4A88-BA32-B5485AC36F7A}" dt="2018-07-21T02:59:44.511" v="23" actId="20577"/>
+        <pc:sldMkLst>
+          <pc:docMk/>
+          <pc:sldMk cId="3292416738" sldId="301"/>
+        </pc:sldMkLst>
+        <pc:spChg chg="mod">
+          <ac:chgData name="ito sh" userId="b72e1b45a6eb2453" providerId="LiveId" clId="{B43E204D-810D-4A88-BA32-B5485AC36F7A}" dt="2018-07-21T02:59:35.022" v="13" actId="113"/>
+          <ac:spMkLst>
+            <pc:docMk/>
+            <pc:sldMk cId="3292416738" sldId="301"/>
+            <ac:spMk id="32" creationId="{00000000-0000-0000-0000-000000000000}"/>
+          </ac:spMkLst>
+        </pc:spChg>
+        <pc:spChg chg="mod">
+          <ac:chgData name="ito sh" userId="b72e1b45a6eb2453" providerId="LiveId" clId="{B43E204D-810D-4A88-BA32-B5485AC36F7A}" dt="2018-07-21T02:59:44.511" v="23" actId="20577"/>
+          <ac:spMkLst>
+            <pc:docMk/>
+            <pc:sldMk cId="3292416738" sldId="301"/>
+            <ac:spMk id="33" creationId="{00000000-0000-0000-0000-000000000000}"/>
+          </ac:spMkLst>
+        </pc:spChg>
+      </pc:sldChg>
+    </pc:docChg>
+  </pc:docChgLst>
+  <pc:docChgLst>
     <pc:chgData name="ito sh" userId="b72e1b45a6eb2453" providerId="LiveId" clId="{FA9420A9-89D2-458D-95F7-783850939D54}"/>
-    <pc:docChg chg="undo custSel addSld modSld">
-      <pc:chgData name="ito sh" userId="b72e1b45a6eb2453" providerId="LiveId" clId="{FA9420A9-89D2-458D-95F7-783850939D54}" dt="2018-05-19T03:40:49.293" v="636" actId="14100"/>
+    <pc:docChg chg="undo custSel addSld modSld sldOrd">
+      <pc:chgData name="ito sh" userId="b72e1b45a6eb2453" providerId="LiveId" clId="{FA9420A9-89D2-458D-95F7-783850939D54}" dt="2018-05-28T15:37:22.783" v="645" actId="403"/>
       <pc:docMkLst>
         <pc:docMk/>
       </pc:docMkLst>
@@ -427,6 +498,51 @@
             <ac:cxnSpMk id="44" creationId="{8A32EBC3-298A-46BA-B8FD-241652CE7CB4}"/>
           </ac:cxnSpMkLst>
         </pc:cxnChg>
+      </pc:sldChg>
+      <pc:sldChg chg="ord">
+        <pc:chgData name="ito sh" userId="b72e1b45a6eb2453" providerId="LiveId" clId="{FA9420A9-89D2-458D-95F7-783850939D54}" dt="2018-05-28T15:03:36.827" v="637"/>
+        <pc:sldMkLst>
+          <pc:docMk/>
+          <pc:sldMk cId="195070776" sldId="304"/>
+        </pc:sldMkLst>
+      </pc:sldChg>
+      <pc:sldChg chg="modSp">
+        <pc:chgData name="ito sh" userId="b72e1b45a6eb2453" providerId="LiveId" clId="{FA9420A9-89D2-458D-95F7-783850939D54}" dt="2018-05-28T15:37:22.783" v="645" actId="403"/>
+        <pc:sldMkLst>
+          <pc:docMk/>
+          <pc:sldMk cId="2370953379" sldId="313"/>
+        </pc:sldMkLst>
+        <pc:spChg chg="mod">
+          <ac:chgData name="ito sh" userId="b72e1b45a6eb2453" providerId="LiveId" clId="{FA9420A9-89D2-458D-95F7-783850939D54}" dt="2018-05-28T15:37:22.783" v="645" actId="403"/>
+          <ac:spMkLst>
+            <pc:docMk/>
+            <pc:sldMk cId="2370953379" sldId="313"/>
+            <ac:spMk id="22" creationId="{00000000-0000-0000-0000-000000000000}"/>
+          </ac:spMkLst>
+        </pc:spChg>
+      </pc:sldChg>
+      <pc:sldChg chg="modSp">
+        <pc:chgData name="ito sh" userId="b72e1b45a6eb2453" providerId="LiveId" clId="{FA9420A9-89D2-458D-95F7-783850939D54}" dt="2018-05-28T15:37:15.356" v="644"/>
+        <pc:sldMkLst>
+          <pc:docMk/>
+          <pc:sldMk cId="2043145239" sldId="315"/>
+        </pc:sldMkLst>
+        <pc:spChg chg="mod">
+          <ac:chgData name="ito sh" userId="b72e1b45a6eb2453" providerId="LiveId" clId="{FA9420A9-89D2-458D-95F7-783850939D54}" dt="2018-05-28T15:37:08.593" v="642"/>
+          <ac:spMkLst>
+            <pc:docMk/>
+            <pc:sldMk cId="2043145239" sldId="315"/>
+            <ac:spMk id="7" creationId="{00000000-0000-0000-0000-000000000000}"/>
+          </ac:spMkLst>
+        </pc:spChg>
+        <pc:spChg chg="mod">
+          <ac:chgData name="ito sh" userId="b72e1b45a6eb2453" providerId="LiveId" clId="{FA9420A9-89D2-458D-95F7-783850939D54}" dt="2018-05-28T15:37:15.356" v="644"/>
+          <ac:spMkLst>
+            <pc:docMk/>
+            <pc:sldMk cId="2043145239" sldId="315"/>
+            <ac:spMk id="22" creationId="{00000000-0000-0000-0000-000000000000}"/>
+          </ac:spMkLst>
+        </pc:spChg>
       </pc:sldChg>
       <pc:sldChg chg="addSp delSp">
         <pc:chgData name="ito sh" userId="b72e1b45a6eb2453" providerId="LiveId" clId="{FA9420A9-89D2-458D-95F7-783850939D54}" dt="2018-05-13T06:10:52.792" v="193" actId="207"/>
@@ -747,7 +863,7 @@
           <a:p>
             <a:fld id="{98B15ECE-60C4-45D4-8ABC-DDA7D4F33EF9}" type="datetimeFigureOut">
               <a:rPr kumimoji="1" lang="ja-JP" altLang="en-US" smtClean="0"/>
-              <a:t>2018/5/19</a:t>
+              <a:t>2018/7/21</a:t>
             </a:fld>
             <a:endParaRPr kumimoji="1" lang="ja-JP" altLang="en-US"/>
           </a:p>
@@ -1849,7 +1965,7 @@
           <a:p>
             <a:fld id="{8FB4C7EE-3C5D-4F47-A8DE-21B759CA57C5}" type="datetimeFigureOut">
               <a:rPr kumimoji="1" lang="ja-JP" altLang="en-US" smtClean="0"/>
-              <a:t>2018/5/19</a:t>
+              <a:t>2018/7/21</a:t>
             </a:fld>
             <a:endParaRPr kumimoji="1" lang="ja-JP" altLang="en-US"/>
           </a:p>
@@ -2051,7 +2167,7 @@
           <a:p>
             <a:fld id="{8FB4C7EE-3C5D-4F47-A8DE-21B759CA57C5}" type="datetimeFigureOut">
               <a:rPr kumimoji="1" lang="ja-JP" altLang="en-US" smtClean="0"/>
-              <a:t>2018/5/19</a:t>
+              <a:t>2018/7/21</a:t>
             </a:fld>
             <a:endParaRPr kumimoji="1" lang="ja-JP" altLang="en-US"/>
           </a:p>
@@ -2263,7 +2379,7 @@
           <a:p>
             <a:fld id="{8FB4C7EE-3C5D-4F47-A8DE-21B759CA57C5}" type="datetimeFigureOut">
               <a:rPr kumimoji="1" lang="ja-JP" altLang="en-US" smtClean="0"/>
-              <a:t>2018/5/19</a:t>
+              <a:t>2018/7/21</a:t>
             </a:fld>
             <a:endParaRPr kumimoji="1" lang="ja-JP" altLang="en-US"/>
           </a:p>
@@ -2465,7 +2581,7 @@
           <a:p>
             <a:fld id="{8FB4C7EE-3C5D-4F47-A8DE-21B759CA57C5}" type="datetimeFigureOut">
               <a:rPr kumimoji="1" lang="ja-JP" altLang="en-US" smtClean="0"/>
-              <a:t>2018/5/19</a:t>
+              <a:t>2018/7/21</a:t>
             </a:fld>
             <a:endParaRPr kumimoji="1" lang="ja-JP" altLang="en-US"/>
           </a:p>
@@ -2709,7 +2825,7 @@
           <a:p>
             <a:fld id="{8FB4C7EE-3C5D-4F47-A8DE-21B759CA57C5}" type="datetimeFigureOut">
               <a:rPr kumimoji="1" lang="ja-JP" altLang="en-US" smtClean="0"/>
-              <a:t>2018/5/19</a:t>
+              <a:t>2018/7/21</a:t>
             </a:fld>
             <a:endParaRPr kumimoji="1" lang="ja-JP" altLang="en-US"/>
           </a:p>
@@ -3005,7 +3121,7 @@
           <a:p>
             <a:fld id="{8FB4C7EE-3C5D-4F47-A8DE-21B759CA57C5}" type="datetimeFigureOut">
               <a:rPr kumimoji="1" lang="ja-JP" altLang="en-US" smtClean="0"/>
-              <a:t>2018/5/19</a:t>
+              <a:t>2018/7/21</a:t>
             </a:fld>
             <a:endParaRPr kumimoji="1" lang="ja-JP" altLang="en-US"/>
           </a:p>
@@ -3436,7 +3552,7 @@
           <a:p>
             <a:fld id="{8FB4C7EE-3C5D-4F47-A8DE-21B759CA57C5}" type="datetimeFigureOut">
               <a:rPr kumimoji="1" lang="ja-JP" altLang="en-US" smtClean="0"/>
-              <a:t>2018/5/19</a:t>
+              <a:t>2018/7/21</a:t>
             </a:fld>
             <a:endParaRPr kumimoji="1" lang="ja-JP" altLang="en-US"/>
           </a:p>
@@ -3554,7 +3670,7 @@
           <a:p>
             <a:fld id="{8FB4C7EE-3C5D-4F47-A8DE-21B759CA57C5}" type="datetimeFigureOut">
               <a:rPr kumimoji="1" lang="ja-JP" altLang="en-US" smtClean="0"/>
-              <a:t>2018/5/19</a:t>
+              <a:t>2018/7/21</a:t>
             </a:fld>
             <a:endParaRPr kumimoji="1" lang="ja-JP" altLang="en-US"/>
           </a:p>
@@ -3649,7 +3765,7 @@
           <a:p>
             <a:fld id="{8FB4C7EE-3C5D-4F47-A8DE-21B759CA57C5}" type="datetimeFigureOut">
               <a:rPr kumimoji="1" lang="ja-JP" altLang="en-US" smtClean="0"/>
-              <a:t>2018/5/19</a:t>
+              <a:t>2018/7/21</a:t>
             </a:fld>
             <a:endParaRPr kumimoji="1" lang="ja-JP" altLang="en-US"/>
           </a:p>
@@ -3958,7 +4074,7 @@
           <a:p>
             <a:fld id="{8FB4C7EE-3C5D-4F47-A8DE-21B759CA57C5}" type="datetimeFigureOut">
               <a:rPr kumimoji="1" lang="ja-JP" altLang="en-US" smtClean="0"/>
-              <a:t>2018/5/19</a:t>
+              <a:t>2018/7/21</a:t>
             </a:fld>
             <a:endParaRPr kumimoji="1" lang="ja-JP" altLang="en-US"/>
           </a:p>
@@ -4215,7 +4331,7 @@
           <a:p>
             <a:fld id="{8FB4C7EE-3C5D-4F47-A8DE-21B759CA57C5}" type="datetimeFigureOut">
               <a:rPr kumimoji="1" lang="ja-JP" altLang="en-US" smtClean="0"/>
-              <a:t>2018/5/19</a:t>
+              <a:t>2018/7/21</a:t>
             </a:fld>
             <a:endParaRPr kumimoji="1" lang="ja-JP" altLang="en-US"/>
           </a:p>
@@ -4460,7 +4576,7 @@
           <a:p>
             <a:fld id="{8FB4C7EE-3C5D-4F47-A8DE-21B759CA57C5}" type="datetimeFigureOut">
               <a:rPr kumimoji="1" lang="ja-JP" altLang="en-US" smtClean="0"/>
-              <a:t>2018/5/19</a:t>
+              <a:t>2018/7/21</a:t>
             </a:fld>
             <a:endParaRPr kumimoji="1" lang="ja-JP" altLang="en-US"/>
           </a:p>
@@ -14349,7 +14465,7 @@
           <a:p>
             <a:pPr algn="ctr"/>
             <a:r>
-              <a:rPr lang="ja-JP" altLang="en-US" sz="800" dirty="0">
+              <a:rPr lang="ja-JP" altLang="en-US" sz="900" dirty="0">
                 <a:solidFill>
                   <a:schemeClr val="accent6">
                     <a:lumMod val="75000"/>
@@ -14358,7 +14474,7 @@
               </a:rPr>
               <a:t>名前</a:t>
             </a:r>
-            <a:endParaRPr lang="en-US" altLang="ja-JP" sz="800" dirty="0">
+            <a:endParaRPr lang="en-US" altLang="ja-JP" sz="900" dirty="0">
               <a:solidFill>
                 <a:schemeClr val="accent6">
                   <a:lumMod val="75000"/>
@@ -14369,7 +14485,7 @@
           <a:p>
             <a:pPr algn="ctr"/>
             <a:r>
-              <a:rPr lang="ja-JP" altLang="en-US" sz="800" dirty="0">
+              <a:rPr lang="ja-JP" altLang="en-US" sz="900" dirty="0">
                 <a:solidFill>
                   <a:schemeClr val="accent6">
                     <a:lumMod val="75000"/>
@@ -16232,11 +16348,22 @@
           <a:lstStyle/>
           <a:p>
             <a:pPr algn="ctr"/>
+            <a:r>
+              <a:rPr lang="ja-JP" altLang="en-US" sz="900">
+                <a:solidFill>
+                  <a:schemeClr val="accent6">
+                    <a:lumMod val="75000"/>
+                  </a:schemeClr>
+                </a:solidFill>
+              </a:rPr>
+              <a:t>フィルタ</a:t>
+            </a:r>
             <a:endParaRPr lang="ja-JP" altLang="en-US" sz="900" dirty="0">
               <a:solidFill>
-                <a:srgbClr val="C00000"/>
+                <a:schemeClr val="accent6">
+                  <a:lumMod val="75000"/>
+                </a:schemeClr>
               </a:solidFill>
-              <a:latin typeface="+mn-ea"/>
             </a:endParaRPr>
           </a:p>
         </p:txBody>
@@ -16817,15 +16944,42 @@
           <a:p>
             <a:pPr algn="ctr"/>
             <a:r>
-              <a:rPr lang="ja-JP" altLang="en-US" sz="900" dirty="0">
+              <a:rPr lang="ja-JP" altLang="en-US" sz="900">
                 <a:solidFill>
                   <a:schemeClr val="accent6">
                     <a:lumMod val="75000"/>
                   </a:schemeClr>
                 </a:solidFill>
               </a:rPr>
-              <a:t>フィルタ</a:t>
-            </a:r>
+              <a:t>名前</a:t>
+            </a:r>
+            <a:endParaRPr lang="en-US" altLang="ja-JP" sz="900">
+              <a:solidFill>
+                <a:schemeClr val="accent6">
+                  <a:lumMod val="75000"/>
+                </a:schemeClr>
+              </a:solidFill>
+            </a:endParaRPr>
+          </a:p>
+          <a:p>
+            <a:pPr algn="ctr"/>
+            <a:r>
+              <a:rPr lang="ja-JP" altLang="en-US" sz="900">
+                <a:solidFill>
+                  <a:schemeClr val="accent6">
+                    <a:lumMod val="75000"/>
+                  </a:schemeClr>
+                </a:solidFill>
+              </a:rPr>
+              <a:t>表示</a:t>
+            </a:r>
+            <a:endParaRPr lang="ja-JP" altLang="en-US" sz="900" dirty="0">
+              <a:solidFill>
+                <a:schemeClr val="accent6">
+                  <a:lumMod val="75000"/>
+                </a:schemeClr>
+              </a:solidFill>
+            </a:endParaRPr>
           </a:p>
         </p:txBody>
       </p:sp>
@@ -45706,13 +45860,16 @@
           <a:lstStyle/>
           <a:p>
             <a:pPr algn="ctr"/>
-            <a:endParaRPr lang="en-US" altLang="ja-JP" b="1" dirty="0">
-              <a:solidFill>
-                <a:schemeClr val="accent6">
-                  <a:lumMod val="75000"/>
-                </a:schemeClr>
-              </a:solidFill>
-            </a:endParaRPr>
+            <a:r>
+              <a:rPr lang="en-US" altLang="ja-JP" sz="1200" dirty="0">
+                <a:solidFill>
+                  <a:schemeClr val="accent6">
+                    <a:lumMod val="75000"/>
+                  </a:schemeClr>
+                </a:solidFill>
+              </a:rPr>
+              <a:t>Ctrl+c</a:t>
+            </a:r>
           </a:p>
         </p:txBody>
       </p:sp>
@@ -45757,13 +45914,16 @@
           <a:lstStyle/>
           <a:p>
             <a:pPr algn="ctr"/>
-            <a:endParaRPr kumimoji="1" lang="ja-JP" altLang="en-US" b="1" dirty="0">
-              <a:solidFill>
-                <a:schemeClr val="accent6">
-                  <a:lumMod val="75000"/>
-                </a:schemeClr>
-              </a:solidFill>
-            </a:endParaRPr>
+            <a:r>
+              <a:rPr lang="en-US" altLang="ja-JP" sz="1200" dirty="0">
+                <a:solidFill>
+                  <a:schemeClr val="accent6">
+                    <a:lumMod val="75000"/>
+                  </a:schemeClr>
+                </a:solidFill>
+              </a:rPr>
+              <a:t>Ctrl+v</a:t>
+            </a:r>
           </a:p>
         </p:txBody>
       </p:sp>
@@ -51001,108 +51161,6 @@
       </p:sp>
       <p:sp>
         <p:nvSpPr>
-          <p:cNvPr id="85" name="角丸四角形 84"/>
-          <p:cNvSpPr/>
-          <p:nvPr/>
-        </p:nvSpPr>
-        <p:spPr>
-          <a:xfrm>
-            <a:off x="6730022" y="3895694"/>
-            <a:ext cx="464588" cy="465380"/>
-          </a:xfrm>
-          <a:prstGeom prst="roundRect">
-            <a:avLst/>
-          </a:prstGeom>
-          <a:ln>
-            <a:solidFill>
-              <a:schemeClr val="accent6">
-                <a:lumMod val="75000"/>
-              </a:schemeClr>
-            </a:solidFill>
-          </a:ln>
-        </p:spPr>
-        <p:style>
-          <a:lnRef idx="2">
-            <a:schemeClr val="accent6"/>
-          </a:lnRef>
-          <a:fillRef idx="1">
-            <a:schemeClr val="lt1"/>
-          </a:fillRef>
-          <a:effectRef idx="0">
-            <a:schemeClr val="accent6"/>
-          </a:effectRef>
-          <a:fontRef idx="minor">
-            <a:schemeClr val="dk1"/>
-          </a:fontRef>
-        </p:style>
-        <p:txBody>
-          <a:bodyPr wrap="none" rtlCol="0" anchor="ctr"/>
-          <a:lstStyle/>
-          <a:p>
-            <a:pPr algn="ctr"/>
-            <a:endParaRPr lang="en-US" altLang="ja-JP" dirty="0">
-              <a:solidFill>
-                <a:schemeClr val="accent6">
-                  <a:lumMod val="75000"/>
-                </a:schemeClr>
-              </a:solidFill>
-            </a:endParaRPr>
-          </a:p>
-        </p:txBody>
-      </p:sp>
-      <p:sp>
-        <p:nvSpPr>
-          <p:cNvPr id="86" name="角丸四角形 85"/>
-          <p:cNvSpPr/>
-          <p:nvPr/>
-        </p:nvSpPr>
-        <p:spPr>
-          <a:xfrm>
-            <a:off x="7266603" y="3895694"/>
-            <a:ext cx="464588" cy="465380"/>
-          </a:xfrm>
-          <a:prstGeom prst="roundRect">
-            <a:avLst/>
-          </a:prstGeom>
-          <a:ln>
-            <a:solidFill>
-              <a:schemeClr val="accent6">
-                <a:lumMod val="75000"/>
-              </a:schemeClr>
-            </a:solidFill>
-          </a:ln>
-        </p:spPr>
-        <p:style>
-          <a:lnRef idx="2">
-            <a:schemeClr val="accent6"/>
-          </a:lnRef>
-          <a:fillRef idx="1">
-            <a:schemeClr val="lt1"/>
-          </a:fillRef>
-          <a:effectRef idx="0">
-            <a:schemeClr val="accent6"/>
-          </a:effectRef>
-          <a:fontRef idx="minor">
-            <a:schemeClr val="dk1"/>
-          </a:fontRef>
-        </p:style>
-        <p:txBody>
-          <a:bodyPr wrap="none" rtlCol="0" anchor="ctr"/>
-          <a:lstStyle/>
-          <a:p>
-            <a:pPr algn="ctr"/>
-            <a:endParaRPr kumimoji="1" lang="ja-JP" altLang="en-US" dirty="0">
-              <a:solidFill>
-                <a:schemeClr val="accent6">
-                  <a:lumMod val="75000"/>
-                </a:schemeClr>
-              </a:solidFill>
-            </a:endParaRPr>
-          </a:p>
-        </p:txBody>
-      </p:sp>
-      <p:sp>
-        <p:nvSpPr>
           <p:cNvPr id="87" name="角丸四角形 86"/>
           <p:cNvSpPr/>
           <p:nvPr/>
@@ -52358,6 +52416,126 @@
           </p:style>
         </p:cxnSp>
       </p:grpSp>
+      <p:sp>
+        <p:nvSpPr>
+          <p:cNvPr id="107" name="角丸四角形 31">
+            <a:extLst>
+              <a:ext uri="{FF2B5EF4-FFF2-40B4-BE49-F238E27FC236}">
+                <a16:creationId xmlns:a16="http://schemas.microsoft.com/office/drawing/2014/main" id="{8841253F-2F88-4DC8-BCF9-A5629A811AD5}"/>
+              </a:ext>
+            </a:extLst>
+          </p:cNvPr>
+          <p:cNvSpPr/>
+          <p:nvPr/>
+        </p:nvSpPr>
+        <p:spPr>
+          <a:xfrm>
+            <a:off x="6730022" y="3895694"/>
+            <a:ext cx="464588" cy="465380"/>
+          </a:xfrm>
+          <a:prstGeom prst="roundRect">
+            <a:avLst/>
+          </a:prstGeom>
+          <a:ln>
+            <a:solidFill>
+              <a:schemeClr val="accent6">
+                <a:lumMod val="75000"/>
+              </a:schemeClr>
+            </a:solidFill>
+          </a:ln>
+        </p:spPr>
+        <p:style>
+          <a:lnRef idx="2">
+            <a:schemeClr val="accent6"/>
+          </a:lnRef>
+          <a:fillRef idx="1">
+            <a:schemeClr val="lt1"/>
+          </a:fillRef>
+          <a:effectRef idx="0">
+            <a:schemeClr val="accent6"/>
+          </a:effectRef>
+          <a:fontRef idx="minor">
+            <a:schemeClr val="dk1"/>
+          </a:fontRef>
+        </p:style>
+        <p:txBody>
+          <a:bodyPr wrap="none" rtlCol="0" anchor="ctr"/>
+          <a:lstStyle/>
+          <a:p>
+            <a:pPr algn="ctr"/>
+            <a:r>
+              <a:rPr lang="en-US" altLang="ja-JP" sz="1200" dirty="0">
+                <a:solidFill>
+                  <a:schemeClr val="accent6">
+                    <a:lumMod val="75000"/>
+                  </a:schemeClr>
+                </a:solidFill>
+              </a:rPr>
+              <a:t>Ctrl+c</a:t>
+            </a:r>
+          </a:p>
+        </p:txBody>
+      </p:sp>
+      <p:sp>
+        <p:nvSpPr>
+          <p:cNvPr id="108" name="角丸四角形 32">
+            <a:extLst>
+              <a:ext uri="{FF2B5EF4-FFF2-40B4-BE49-F238E27FC236}">
+                <a16:creationId xmlns:a16="http://schemas.microsoft.com/office/drawing/2014/main" id="{25FFFD5F-77E5-4B41-8AD8-3054748596CA}"/>
+              </a:ext>
+            </a:extLst>
+          </p:cNvPr>
+          <p:cNvSpPr/>
+          <p:nvPr/>
+        </p:nvSpPr>
+        <p:spPr>
+          <a:xfrm>
+            <a:off x="7266603" y="3895694"/>
+            <a:ext cx="464588" cy="465380"/>
+          </a:xfrm>
+          <a:prstGeom prst="roundRect">
+            <a:avLst/>
+          </a:prstGeom>
+          <a:ln>
+            <a:solidFill>
+              <a:schemeClr val="accent6">
+                <a:lumMod val="75000"/>
+              </a:schemeClr>
+            </a:solidFill>
+          </a:ln>
+        </p:spPr>
+        <p:style>
+          <a:lnRef idx="2">
+            <a:schemeClr val="accent6"/>
+          </a:lnRef>
+          <a:fillRef idx="1">
+            <a:schemeClr val="lt1"/>
+          </a:fillRef>
+          <a:effectRef idx="0">
+            <a:schemeClr val="accent6"/>
+          </a:effectRef>
+          <a:fontRef idx="minor">
+            <a:schemeClr val="dk1"/>
+          </a:fontRef>
+        </p:style>
+        <p:txBody>
+          <a:bodyPr wrap="none" rtlCol="0" anchor="ctr"/>
+          <a:lstStyle/>
+          <a:p>
+            <a:pPr algn="ctr"/>
+            <a:r>
+              <a:rPr lang="en-US" altLang="ja-JP" sz="1200" dirty="0">
+                <a:solidFill>
+                  <a:schemeClr val="accent6">
+                    <a:lumMod val="75000"/>
+                  </a:schemeClr>
+                </a:solidFill>
+              </a:rPr>
+              <a:t>Ctrl+v</a:t>
+            </a:r>
+          </a:p>
+        </p:txBody>
+      </p:sp>
     </p:spTree>
     <p:extLst>
       <p:ext uri="{BB962C8B-B14F-4D97-AF65-F5344CB8AC3E}">

--- a/MANUAL.pptx
+++ b/MANUAL.pptx
@@ -191,7 +191,7 @@
 <file path=ppt/revisionInfo.xml><?xml version="1.0" encoding="utf-8"?>
 <p1510:revInfo xmlns:a="http://schemas.openxmlformats.org/drawingml/2006/main" xmlns:r="http://schemas.openxmlformats.org/officeDocument/2006/relationships" xmlns:p1510="http://schemas.microsoft.com/office/powerpoint/2015/10/main">
   <p1510:revLst>
-    <p1510:client id="{B43E204D-810D-4A88-BA32-B5485AC36F7A}" v="28" dt="2018-07-21T03:00:12.177"/>
+    <p1510:client id="{B43E204D-810D-4A88-BA32-B5485AC36F7A}" v="34" dt="2018-07-21T03:08:20.007"/>
   </p1510:revLst>
 </p1510:revInfo>
 </file>
@@ -201,16 +201,24 @@
   <pc:docChgLst>
     <pc:chgData name="ito sh" userId="b72e1b45a6eb2453" providerId="LiveId" clId="{B43E204D-810D-4A88-BA32-B5485AC36F7A}"/>
     <pc:docChg chg="undo custSel modSld">
-      <pc:chgData name="ito sh" userId="b72e1b45a6eb2453" providerId="LiveId" clId="{B43E204D-810D-4A88-BA32-B5485AC36F7A}" dt="2018-07-21T03:00:12.177" v="25"/>
+      <pc:chgData name="ito sh" userId="b72e1b45a6eb2453" providerId="LiveId" clId="{B43E204D-810D-4A88-BA32-B5485AC36F7A}" dt="2018-07-21T03:08:20.007" v="31" actId="20577"/>
       <pc:docMkLst>
         <pc:docMk/>
       </pc:docMkLst>
-      <pc:sldChg chg="addSp delSp">
-        <pc:chgData name="ito sh" userId="b72e1b45a6eb2453" providerId="LiveId" clId="{B43E204D-810D-4A88-BA32-B5485AC36F7A}" dt="2018-07-21T03:00:12.177" v="25"/>
+      <pc:sldChg chg="addSp delSp modSp">
+        <pc:chgData name="ito sh" userId="b72e1b45a6eb2453" providerId="LiveId" clId="{B43E204D-810D-4A88-BA32-B5485AC36F7A}" dt="2018-07-21T03:08:15.992" v="28" actId="20577"/>
         <pc:sldMkLst>
           <pc:docMk/>
           <pc:sldMk cId="1941651198" sldId="294"/>
         </pc:sldMkLst>
+        <pc:spChg chg="mod">
+          <ac:chgData name="ito sh" userId="b72e1b45a6eb2453" providerId="LiveId" clId="{B43E204D-810D-4A88-BA32-B5485AC36F7A}" dt="2018-07-21T03:08:15.992" v="28" actId="20577"/>
+          <ac:spMkLst>
+            <pc:docMk/>
+            <pc:sldMk cId="1941651198" sldId="294"/>
+            <ac:spMk id="78" creationId="{00000000-0000-0000-0000-000000000000}"/>
+          </ac:spMkLst>
+        </pc:spChg>
         <pc:spChg chg="del">
           <ac:chgData name="ito sh" userId="b72e1b45a6eb2453" providerId="LiveId" clId="{B43E204D-810D-4A88-BA32-B5485AC36F7A}" dt="2018-07-21T03:00:11.727" v="24" actId="478"/>
           <ac:spMkLst>
@@ -245,7 +253,7 @@
         </pc:spChg>
       </pc:sldChg>
       <pc:sldChg chg="modSp">
-        <pc:chgData name="ito sh" userId="b72e1b45a6eb2453" providerId="LiveId" clId="{B43E204D-810D-4A88-BA32-B5485AC36F7A}" dt="2018-07-21T02:59:44.511" v="23" actId="20577"/>
+        <pc:chgData name="ito sh" userId="b72e1b45a6eb2453" providerId="LiveId" clId="{B43E204D-810D-4A88-BA32-B5485AC36F7A}" dt="2018-07-21T03:08:20.007" v="31" actId="20577"/>
         <pc:sldMkLst>
           <pc:docMk/>
           <pc:sldMk cId="3292416738" sldId="301"/>
@@ -264,6 +272,14 @@
             <pc:docMk/>
             <pc:sldMk cId="3292416738" sldId="301"/>
             <ac:spMk id="33" creationId="{00000000-0000-0000-0000-000000000000}"/>
+          </ac:spMkLst>
+        </pc:spChg>
+        <pc:spChg chg="mod">
+          <ac:chgData name="ito sh" userId="b72e1b45a6eb2453" providerId="LiveId" clId="{B43E204D-810D-4A88-BA32-B5485AC36F7A}" dt="2018-07-21T03:08:20.007" v="31" actId="20577"/>
+          <ac:spMkLst>
+            <pc:docMk/>
+            <pc:sldMk cId="3292416738" sldId="301"/>
+            <ac:spMk id="61" creationId="{00000000-0000-0000-0000-000000000000}"/>
           </ac:spMkLst>
         </pc:spChg>
       </pc:sldChg>
@@ -47442,16 +47458,6 @@
           <a:lstStyle/>
           <a:p>
             <a:pPr algn="ctr"/>
-            <a:r>
-              <a:rPr lang="en-US" altLang="ja-JP" sz="1200" dirty="0">
-                <a:solidFill>
-                  <a:schemeClr val="accent6">
-                    <a:lumMod val="75000"/>
-                  </a:schemeClr>
-                </a:solidFill>
-              </a:rPr>
-              <a:t>Tab</a:t>
-            </a:r>
             <a:endParaRPr kumimoji="1" lang="ja-JP" altLang="en-US" sz="1200" dirty="0">
               <a:solidFill>
                 <a:schemeClr val="accent6">
@@ -51386,16 +51392,6 @@
           <a:lstStyle/>
           <a:p>
             <a:pPr algn="ctr"/>
-            <a:r>
-              <a:rPr lang="en-US" altLang="ja-JP" sz="1200">
-                <a:solidFill>
-                  <a:schemeClr val="accent6">
-                    <a:lumMod val="75000"/>
-                  </a:schemeClr>
-                </a:solidFill>
-              </a:rPr>
-              <a:t>Tab</a:t>
-            </a:r>
             <a:endParaRPr kumimoji="1" lang="ja-JP" altLang="en-US" sz="1200" dirty="0">
               <a:solidFill>
                 <a:schemeClr val="accent6">

--- a/MANUAL.pptx
+++ b/MANUAL.pptx
@@ -186,16 +186,261 @@
 </p:presentation>
 </file>
 
-<file path=ppt/revisionInfo.xml><?xml version="1.0" encoding="utf-8"?>
-<p1510:revInfo xmlns:a="http://schemas.openxmlformats.org/drawingml/2006/main" xmlns:r="http://schemas.openxmlformats.org/officeDocument/2006/relationships" xmlns:p1510="http://schemas.microsoft.com/office/powerpoint/2015/10/main">
-  <p1510:revLst>
-    <p1510:client id="{B43E204D-810D-4A88-BA32-B5485AC36F7A}" v="94" dt="2018-07-21T03:20:51.065"/>
-  </p1510:revLst>
-</p1510:revInfo>
-</file>
-
 <file path=ppt/changesInfos/changesInfo1.xml><?xml version="1.0" encoding="utf-8"?>
 <pc:chgInfo xmlns:a="http://schemas.openxmlformats.org/drawingml/2006/main" xmlns:r="http://schemas.openxmlformats.org/officeDocument/2006/relationships" xmlns:ac="http://schemas.microsoft.com/office/drawing/2013/main/command" xmlns:pc="http://schemas.microsoft.com/office/powerpoint/2013/main/command">
+  <pc:docChgLst>
+    <pc:chgData name="ito sh" userId="b72e1b45a6eb2453" providerId="LiveId" clId="{82FCC622-97C9-4B7C-9260-08D6695D2560}"/>
+    <pc:docChg chg="undo custSel modSld">
+      <pc:chgData name="ito sh" userId="b72e1b45a6eb2453" providerId="LiveId" clId="{82FCC622-97C9-4B7C-9260-08D6695D2560}" dt="2018-09-07T10:31:09.471" v="30" actId="207"/>
+      <pc:docMkLst>
+        <pc:docMk/>
+      </pc:docMkLst>
+      <pc:sldChg chg="modSp">
+        <pc:chgData name="ito sh" userId="b72e1b45a6eb2453" providerId="LiveId" clId="{82FCC622-97C9-4B7C-9260-08D6695D2560}" dt="2018-09-07T10:28:21.388" v="27" actId="208"/>
+        <pc:sldMkLst>
+          <pc:docMk/>
+          <pc:sldMk cId="2173051432" sldId="298"/>
+        </pc:sldMkLst>
+        <pc:spChg chg="mod">
+          <ac:chgData name="ito sh" userId="b72e1b45a6eb2453" providerId="LiveId" clId="{82FCC622-97C9-4B7C-9260-08D6695D2560}" dt="2018-09-07T10:28:21.388" v="27" actId="208"/>
+          <ac:spMkLst>
+            <pc:docMk/>
+            <pc:sldMk cId="2173051432" sldId="298"/>
+            <ac:spMk id="23" creationId="{00000000-0000-0000-0000-000000000000}"/>
+          </ac:spMkLst>
+        </pc:spChg>
+        <pc:spChg chg="mod">
+          <ac:chgData name="ito sh" userId="b72e1b45a6eb2453" providerId="LiveId" clId="{82FCC622-97C9-4B7C-9260-08D6695D2560}" dt="2018-09-07T10:28:21.388" v="27" actId="208"/>
+          <ac:spMkLst>
+            <pc:docMk/>
+            <pc:sldMk cId="2173051432" sldId="298"/>
+            <ac:spMk id="25" creationId="{00000000-0000-0000-0000-000000000000}"/>
+          </ac:spMkLst>
+        </pc:spChg>
+        <pc:spChg chg="mod">
+          <ac:chgData name="ito sh" userId="b72e1b45a6eb2453" providerId="LiveId" clId="{82FCC622-97C9-4B7C-9260-08D6695D2560}" dt="2018-09-07T10:28:18.035" v="26" actId="208"/>
+          <ac:spMkLst>
+            <pc:docMk/>
+            <pc:sldMk cId="2173051432" sldId="298"/>
+            <ac:spMk id="26" creationId="{00000000-0000-0000-0000-000000000000}"/>
+          </ac:spMkLst>
+        </pc:spChg>
+        <pc:spChg chg="mod">
+          <ac:chgData name="ito sh" userId="b72e1b45a6eb2453" providerId="LiveId" clId="{82FCC622-97C9-4B7C-9260-08D6695D2560}" dt="2018-09-07T10:28:21.388" v="27" actId="208"/>
+          <ac:spMkLst>
+            <pc:docMk/>
+            <pc:sldMk cId="2173051432" sldId="298"/>
+            <ac:spMk id="37" creationId="{00000000-0000-0000-0000-000000000000}"/>
+          </ac:spMkLst>
+        </pc:spChg>
+        <pc:spChg chg="mod">
+          <ac:chgData name="ito sh" userId="b72e1b45a6eb2453" providerId="LiveId" clId="{82FCC622-97C9-4B7C-9260-08D6695D2560}" dt="2018-09-07T10:28:21.388" v="27" actId="208"/>
+          <ac:spMkLst>
+            <pc:docMk/>
+            <pc:sldMk cId="2173051432" sldId="298"/>
+            <ac:spMk id="39" creationId="{00000000-0000-0000-0000-000000000000}"/>
+          </ac:spMkLst>
+        </pc:spChg>
+      </pc:sldChg>
+      <pc:sldChg chg="delSp modSp">
+        <pc:chgData name="ito sh" userId="b72e1b45a6eb2453" providerId="LiveId" clId="{82FCC622-97C9-4B7C-9260-08D6695D2560}" dt="2018-09-07T10:27:26.579" v="24" actId="20577"/>
+        <pc:sldMkLst>
+          <pc:docMk/>
+          <pc:sldMk cId="2676337646" sldId="299"/>
+        </pc:sldMkLst>
+        <pc:spChg chg="mod">
+          <ac:chgData name="ito sh" userId="b72e1b45a6eb2453" providerId="LiveId" clId="{82FCC622-97C9-4B7C-9260-08D6695D2560}" dt="2018-09-07T10:24:15.004" v="5" actId="20577"/>
+          <ac:spMkLst>
+            <pc:docMk/>
+            <pc:sldMk cId="2676337646" sldId="299"/>
+            <ac:spMk id="7" creationId="{00000000-0000-0000-0000-000000000000}"/>
+          </ac:spMkLst>
+        </pc:spChg>
+        <pc:spChg chg="mod">
+          <ac:chgData name="ito sh" userId="b72e1b45a6eb2453" providerId="LiveId" clId="{82FCC622-97C9-4B7C-9260-08D6695D2560}" dt="2018-09-07T10:24:16.162" v="6" actId="20577"/>
+          <ac:spMkLst>
+            <pc:docMk/>
+            <pc:sldMk cId="2676337646" sldId="299"/>
+            <ac:spMk id="8" creationId="{00000000-0000-0000-0000-000000000000}"/>
+          </ac:spMkLst>
+        </pc:spChg>
+        <pc:spChg chg="mod">
+          <ac:chgData name="ito sh" userId="b72e1b45a6eb2453" providerId="LiveId" clId="{82FCC622-97C9-4B7C-9260-08D6695D2560}" dt="2018-09-07T10:24:17.277" v="7" actId="20577"/>
+          <ac:spMkLst>
+            <pc:docMk/>
+            <pc:sldMk cId="2676337646" sldId="299"/>
+            <ac:spMk id="9" creationId="{00000000-0000-0000-0000-000000000000}"/>
+          </ac:spMkLst>
+        </pc:spChg>
+        <pc:spChg chg="mod">
+          <ac:chgData name="ito sh" userId="b72e1b45a6eb2453" providerId="LiveId" clId="{82FCC622-97C9-4B7C-9260-08D6695D2560}" dt="2018-09-07T10:24:53.861" v="9" actId="20577"/>
+          <ac:spMkLst>
+            <pc:docMk/>
+            <pc:sldMk cId="2676337646" sldId="299"/>
+            <ac:spMk id="10" creationId="{00000000-0000-0000-0000-000000000000}"/>
+          </ac:spMkLst>
+        </pc:spChg>
+        <pc:spChg chg="mod">
+          <ac:chgData name="ito sh" userId="b72e1b45a6eb2453" providerId="LiveId" clId="{82FCC622-97C9-4B7C-9260-08D6695D2560}" dt="2018-09-07T10:24:59.121" v="13" actId="20577"/>
+          <ac:spMkLst>
+            <pc:docMk/>
+            <pc:sldMk cId="2676337646" sldId="299"/>
+            <ac:spMk id="11" creationId="{00000000-0000-0000-0000-000000000000}"/>
+          </ac:spMkLst>
+        </pc:spChg>
+        <pc:spChg chg="mod">
+          <ac:chgData name="ito sh" userId="b72e1b45a6eb2453" providerId="LiveId" clId="{82FCC622-97C9-4B7C-9260-08D6695D2560}" dt="2018-09-07T10:25:03.308" v="14" actId="20577"/>
+          <ac:spMkLst>
+            <pc:docMk/>
+            <pc:sldMk cId="2676337646" sldId="299"/>
+            <ac:spMk id="12" creationId="{00000000-0000-0000-0000-000000000000}"/>
+          </ac:spMkLst>
+        </pc:spChg>
+        <pc:spChg chg="mod">
+          <ac:chgData name="ito sh" userId="b72e1b45a6eb2453" providerId="LiveId" clId="{82FCC622-97C9-4B7C-9260-08D6695D2560}" dt="2018-09-07T10:25:04.390" v="15" actId="20577"/>
+          <ac:spMkLst>
+            <pc:docMk/>
+            <pc:sldMk cId="2676337646" sldId="299"/>
+            <ac:spMk id="13" creationId="{00000000-0000-0000-0000-000000000000}"/>
+          </ac:spMkLst>
+        </pc:spChg>
+        <pc:spChg chg="mod">
+          <ac:chgData name="ito sh" userId="b72e1b45a6eb2453" providerId="LiveId" clId="{82FCC622-97C9-4B7C-9260-08D6695D2560}" dt="2018-09-07T10:25:05.409" v="16" actId="20577"/>
+          <ac:spMkLst>
+            <pc:docMk/>
+            <pc:sldMk cId="2676337646" sldId="299"/>
+            <ac:spMk id="14" creationId="{00000000-0000-0000-0000-000000000000}"/>
+          </ac:spMkLst>
+        </pc:spChg>
+        <pc:spChg chg="mod">
+          <ac:chgData name="ito sh" userId="b72e1b45a6eb2453" providerId="LiveId" clId="{82FCC622-97C9-4B7C-9260-08D6695D2560}" dt="2018-09-07T10:25:06.444" v="17" actId="20577"/>
+          <ac:spMkLst>
+            <pc:docMk/>
+            <pc:sldMk cId="2676337646" sldId="299"/>
+            <ac:spMk id="15" creationId="{00000000-0000-0000-0000-000000000000}"/>
+          </ac:spMkLst>
+        </pc:spChg>
+        <pc:spChg chg="mod">
+          <ac:chgData name="ito sh" userId="b72e1b45a6eb2453" providerId="LiveId" clId="{82FCC622-97C9-4B7C-9260-08D6695D2560}" dt="2018-09-07T10:25:08.119" v="18" actId="20577"/>
+          <ac:spMkLst>
+            <pc:docMk/>
+            <pc:sldMk cId="2676337646" sldId="299"/>
+            <ac:spMk id="16" creationId="{00000000-0000-0000-0000-000000000000}"/>
+          </ac:spMkLst>
+        </pc:spChg>
+        <pc:spChg chg="mod">
+          <ac:chgData name="ito sh" userId="b72e1b45a6eb2453" providerId="LiveId" clId="{82FCC622-97C9-4B7C-9260-08D6695D2560}" dt="2018-09-07T10:27:26.579" v="24" actId="20577"/>
+          <ac:spMkLst>
+            <pc:docMk/>
+            <pc:sldMk cId="2676337646" sldId="299"/>
+            <ac:spMk id="66" creationId="{00000000-0000-0000-0000-000000000000}"/>
+          </ac:spMkLst>
+        </pc:spChg>
+        <pc:spChg chg="del">
+          <ac:chgData name="ito sh" userId="b72e1b45a6eb2453" providerId="LiveId" clId="{82FCC622-97C9-4B7C-9260-08D6695D2560}" dt="2018-09-07T10:24:57.867" v="12" actId="478"/>
+          <ac:spMkLst>
+            <pc:docMk/>
+            <pc:sldMk cId="2676337646" sldId="299"/>
+            <ac:spMk id="67" creationId="{00000000-0000-0000-0000-000000000000}"/>
+          </ac:spMkLst>
+        </pc:spChg>
+        <pc:spChg chg="del">
+          <ac:chgData name="ito sh" userId="b72e1b45a6eb2453" providerId="LiveId" clId="{82FCC622-97C9-4B7C-9260-08D6695D2560}" dt="2018-09-07T10:24:55.347" v="10" actId="478"/>
+          <ac:spMkLst>
+            <pc:docMk/>
+            <pc:sldMk cId="2676337646" sldId="299"/>
+            <ac:spMk id="69" creationId="{00000000-0000-0000-0000-000000000000}"/>
+          </ac:spMkLst>
+        </pc:spChg>
+        <pc:cxnChg chg="del mod">
+          <ac:chgData name="ito sh" userId="b72e1b45a6eb2453" providerId="LiveId" clId="{82FCC622-97C9-4B7C-9260-08D6695D2560}" dt="2018-09-07T10:24:56.814" v="11" actId="478"/>
+          <ac:cxnSpMkLst>
+            <pc:docMk/>
+            <pc:sldMk cId="2676337646" sldId="299"/>
+            <ac:cxnSpMk id="68" creationId="{00000000-0000-0000-0000-000000000000}"/>
+          </ac:cxnSpMkLst>
+        </pc:cxnChg>
+      </pc:sldChg>
+      <pc:sldChg chg="modSp">
+        <pc:chgData name="ito sh" userId="b72e1b45a6eb2453" providerId="LiveId" clId="{82FCC622-97C9-4B7C-9260-08D6695D2560}" dt="2018-09-07T10:30:05.876" v="29" actId="113"/>
+        <pc:sldMkLst>
+          <pc:docMk/>
+          <pc:sldMk cId="2043145239" sldId="315"/>
+        </pc:sldMkLst>
+        <pc:spChg chg="mod">
+          <ac:chgData name="ito sh" userId="b72e1b45a6eb2453" providerId="LiveId" clId="{82FCC622-97C9-4B7C-9260-08D6695D2560}" dt="2018-09-07T10:30:05.876" v="29" actId="113"/>
+          <ac:spMkLst>
+            <pc:docMk/>
+            <pc:sldMk cId="2043145239" sldId="315"/>
+            <ac:spMk id="26" creationId="{00000000-0000-0000-0000-000000000000}"/>
+          </ac:spMkLst>
+        </pc:spChg>
+        <pc:spChg chg="mod">
+          <ac:chgData name="ito sh" userId="b72e1b45a6eb2453" providerId="LiveId" clId="{82FCC622-97C9-4B7C-9260-08D6695D2560}" dt="2018-09-07T10:30:03.454" v="28" actId="113"/>
+          <ac:spMkLst>
+            <pc:docMk/>
+            <pc:sldMk cId="2043145239" sldId="315"/>
+            <ac:spMk id="36" creationId="{00000000-0000-0000-0000-000000000000}"/>
+          </ac:spMkLst>
+        </pc:spChg>
+        <pc:spChg chg="mod">
+          <ac:chgData name="ito sh" userId="b72e1b45a6eb2453" providerId="LiveId" clId="{82FCC622-97C9-4B7C-9260-08D6695D2560}" dt="2018-09-07T10:30:03.454" v="28" actId="113"/>
+          <ac:spMkLst>
+            <pc:docMk/>
+            <pc:sldMk cId="2043145239" sldId="315"/>
+            <ac:spMk id="37" creationId="{00000000-0000-0000-0000-000000000000}"/>
+          </ac:spMkLst>
+        </pc:spChg>
+        <pc:spChg chg="mod">
+          <ac:chgData name="ito sh" userId="b72e1b45a6eb2453" providerId="LiveId" clId="{82FCC622-97C9-4B7C-9260-08D6695D2560}" dt="2018-09-07T10:30:03.454" v="28" actId="113"/>
+          <ac:spMkLst>
+            <pc:docMk/>
+            <pc:sldMk cId="2043145239" sldId="315"/>
+            <ac:spMk id="38" creationId="{00000000-0000-0000-0000-000000000000}"/>
+          </ac:spMkLst>
+        </pc:spChg>
+        <pc:spChg chg="mod">
+          <ac:chgData name="ito sh" userId="b72e1b45a6eb2453" providerId="LiveId" clId="{82FCC622-97C9-4B7C-9260-08D6695D2560}" dt="2018-09-07T10:30:03.454" v="28" actId="113"/>
+          <ac:spMkLst>
+            <pc:docMk/>
+            <pc:sldMk cId="2043145239" sldId="315"/>
+            <ac:spMk id="39" creationId="{00000000-0000-0000-0000-000000000000}"/>
+          </ac:spMkLst>
+        </pc:spChg>
+        <pc:spChg chg="mod">
+          <ac:chgData name="ito sh" userId="b72e1b45a6eb2453" providerId="LiveId" clId="{82FCC622-97C9-4B7C-9260-08D6695D2560}" dt="2018-09-07T10:30:03.454" v="28" actId="113"/>
+          <ac:spMkLst>
+            <pc:docMk/>
+            <pc:sldMk cId="2043145239" sldId="315"/>
+            <ac:spMk id="40" creationId="{00000000-0000-0000-0000-000000000000}"/>
+          </ac:spMkLst>
+        </pc:spChg>
+      </pc:sldChg>
+      <pc:sldChg chg="modSp">
+        <pc:chgData name="ito sh" userId="b72e1b45a6eb2453" providerId="LiveId" clId="{82FCC622-97C9-4B7C-9260-08D6695D2560}" dt="2018-09-07T10:31:09.471" v="30" actId="207"/>
+        <pc:sldMkLst>
+          <pc:docMk/>
+          <pc:sldMk cId="813353234" sldId="317"/>
+        </pc:sldMkLst>
+        <pc:spChg chg="mod">
+          <ac:chgData name="ito sh" userId="b72e1b45a6eb2453" providerId="LiveId" clId="{82FCC622-97C9-4B7C-9260-08D6695D2560}" dt="2018-09-07T10:31:09.471" v="30" actId="207"/>
+          <ac:spMkLst>
+            <pc:docMk/>
+            <pc:sldMk cId="813353234" sldId="317"/>
+            <ac:spMk id="49" creationId="{00000000-0000-0000-0000-000000000000}"/>
+          </ac:spMkLst>
+        </pc:spChg>
+        <pc:spChg chg="mod">
+          <ac:chgData name="ito sh" userId="b72e1b45a6eb2453" providerId="LiveId" clId="{82FCC622-97C9-4B7C-9260-08D6695D2560}" dt="2018-09-07T10:31:09.471" v="30" actId="207"/>
+          <ac:spMkLst>
+            <pc:docMk/>
+            <pc:sldMk cId="813353234" sldId="317"/>
+            <ac:spMk id="61" creationId="{00000000-0000-0000-0000-000000000000}"/>
+          </ac:spMkLst>
+        </pc:spChg>
+      </pc:sldChg>
+    </pc:docChg>
+  </pc:docChgLst>
   <pc:docChgLst>
     <pc:chgData name="ito sh" userId="b72e1b45a6eb2453" providerId="LiveId" clId="{B43E204D-810D-4A88-BA32-B5485AC36F7A}"/>
     <pc:docChg chg="undo custSel delSld modSld modSection">
@@ -368,524 +613,10 @@
           </ac:spMkLst>
         </pc:spChg>
       </pc:sldChg>
-      <pc:sldChg chg="modSp del">
-        <pc:chgData name="ito sh" userId="b72e1b45a6eb2453" providerId="LiveId" clId="{B43E204D-810D-4A88-BA32-B5485AC36F7A}" dt="2018-07-21T03:16:57.277" v="81" actId="2696"/>
-        <pc:sldMkLst>
-          <pc:docMk/>
-          <pc:sldMk cId="195070776" sldId="304"/>
-        </pc:sldMkLst>
-        <pc:spChg chg="mod">
-          <ac:chgData name="ito sh" userId="b72e1b45a6eb2453" providerId="LiveId" clId="{B43E204D-810D-4A88-BA32-B5485AC36F7A}" dt="2018-07-21T03:10:00.960" v="58"/>
-          <ac:spMkLst>
-            <pc:docMk/>
-            <pc:sldMk cId="195070776" sldId="304"/>
-            <ac:spMk id="3" creationId="{00000000-0000-0000-0000-000000000000}"/>
-          </ac:spMkLst>
-        </pc:spChg>
-      </pc:sldChg>
     </pc:docChg>
   </pc:docChgLst>
   <pc:docChgLst>
     <pc:chgData name="ito sh" userId="b72e1b45a6eb2453" providerId="LiveId" clId="{FA9420A9-89D2-458D-95F7-783850939D54}"/>
-    <pc:docChg chg="undo custSel addSld modSld sldOrd">
-      <pc:chgData name="ito sh" userId="b72e1b45a6eb2453" providerId="LiveId" clId="{FA9420A9-89D2-458D-95F7-783850939D54}" dt="2018-05-28T15:37:22.783" v="645" actId="403"/>
-      <pc:docMkLst>
-        <pc:docMk/>
-      </pc:docMkLst>
-      <pc:sldChg chg="addSp delSp modSp add">
-        <pc:chgData name="ito sh" userId="b72e1b45a6eb2453" providerId="LiveId" clId="{FA9420A9-89D2-458D-95F7-783850939D54}" dt="2018-05-19T03:40:49.293" v="636" actId="14100"/>
-        <pc:sldMkLst>
-          <pc:docMk/>
-          <pc:sldMk cId="2080287932" sldId="257"/>
-        </pc:sldMkLst>
-        <pc:spChg chg="del">
-          <ac:chgData name="ito sh" userId="b72e1b45a6eb2453" providerId="LiveId" clId="{FA9420A9-89D2-458D-95F7-783850939D54}" dt="2018-05-19T03:11:25.605" v="454" actId="478"/>
-          <ac:spMkLst>
-            <pc:docMk/>
-            <pc:sldMk cId="2080287932" sldId="257"/>
-            <ac:spMk id="5" creationId="{1282288C-152A-48D6-A5B9-DD5CA1FFAA0E}"/>
-          </ac:spMkLst>
-        </pc:spChg>
-        <pc:spChg chg="mod">
-          <ac:chgData name="ito sh" userId="b72e1b45a6eb2453" providerId="LiveId" clId="{FA9420A9-89D2-458D-95F7-783850939D54}" dt="2018-05-19T03:11:42.877" v="458" actId="164"/>
-          <ac:spMkLst>
-            <pc:docMk/>
-            <pc:sldMk cId="2080287932" sldId="257"/>
-            <ac:spMk id="6" creationId="{02BCDFCA-92BE-4A7C-BE8F-DB294924713F}"/>
-          </ac:spMkLst>
-        </pc:spChg>
-        <pc:spChg chg="mod">
-          <ac:chgData name="ito sh" userId="b72e1b45a6eb2453" providerId="LiveId" clId="{FA9420A9-89D2-458D-95F7-783850939D54}" dt="2018-05-19T03:40:49.293" v="636" actId="14100"/>
-          <ac:spMkLst>
-            <pc:docMk/>
-            <pc:sldMk cId="2080287932" sldId="257"/>
-            <ac:spMk id="7" creationId="{96E2DA9A-4AFA-4361-82CE-35A6746C8E6F}"/>
-          </ac:spMkLst>
-        </pc:spChg>
-        <pc:spChg chg="mod">
-          <ac:chgData name="ito sh" userId="b72e1b45a6eb2453" providerId="LiveId" clId="{FA9420A9-89D2-458D-95F7-783850939D54}" dt="2018-05-19T03:11:42.877" v="458" actId="164"/>
-          <ac:spMkLst>
-            <pc:docMk/>
-            <pc:sldMk cId="2080287932" sldId="257"/>
-            <ac:spMk id="8" creationId="{B652FECC-865F-406C-8714-EAB578C952E4}"/>
-          </ac:spMkLst>
-        </pc:spChg>
-        <pc:spChg chg="mod">
-          <ac:chgData name="ito sh" userId="b72e1b45a6eb2453" providerId="LiveId" clId="{FA9420A9-89D2-458D-95F7-783850939D54}" dt="2018-05-19T03:11:42.877" v="458" actId="164"/>
-          <ac:spMkLst>
-            <pc:docMk/>
-            <pc:sldMk cId="2080287932" sldId="257"/>
-            <ac:spMk id="10" creationId="{F56B2184-E64E-4488-95A8-C3EC5CF5F6CB}"/>
-          </ac:spMkLst>
-        </pc:spChg>
-        <pc:spChg chg="mod">
-          <ac:chgData name="ito sh" userId="b72e1b45a6eb2453" providerId="LiveId" clId="{FA9420A9-89D2-458D-95F7-783850939D54}" dt="2018-05-19T03:40:45.095" v="635" actId="14100"/>
-          <ac:spMkLst>
-            <pc:docMk/>
-            <pc:sldMk cId="2080287932" sldId="257"/>
-            <ac:spMk id="11" creationId="{023D3CB5-6C6A-4115-BABD-E01CD3E86B39}"/>
-          </ac:spMkLst>
-        </pc:spChg>
-        <pc:spChg chg="mod">
-          <ac:chgData name="ito sh" userId="b72e1b45a6eb2453" providerId="LiveId" clId="{FA9420A9-89D2-458D-95F7-783850939D54}" dt="2018-05-19T03:11:42.877" v="458" actId="164"/>
-          <ac:spMkLst>
-            <pc:docMk/>
-            <pc:sldMk cId="2080287932" sldId="257"/>
-            <ac:spMk id="12" creationId="{8350B8C5-BA68-419B-8A61-4F4173A12339}"/>
-          </ac:spMkLst>
-        </pc:spChg>
-        <pc:spChg chg="mod">
-          <ac:chgData name="ito sh" userId="b72e1b45a6eb2453" providerId="LiveId" clId="{FA9420A9-89D2-458D-95F7-783850939D54}" dt="2018-05-19T03:13:40.351" v="621" actId="1076"/>
-          <ac:spMkLst>
-            <pc:docMk/>
-            <pc:sldMk cId="2080287932" sldId="257"/>
-            <ac:spMk id="13" creationId="{F2790E98-ACC3-495D-889A-377E34C2B010}"/>
-          </ac:spMkLst>
-        </pc:spChg>
-        <pc:spChg chg="mod">
-          <ac:chgData name="ito sh" userId="b72e1b45a6eb2453" providerId="LiveId" clId="{FA9420A9-89D2-458D-95F7-783850939D54}" dt="2018-05-19T03:11:42.877" v="458" actId="164"/>
-          <ac:spMkLst>
-            <pc:docMk/>
-            <pc:sldMk cId="2080287932" sldId="257"/>
-            <ac:spMk id="26" creationId="{08A9C4AC-9A19-48FC-B2E9-58C9EB3A677D}"/>
-          </ac:spMkLst>
-        </pc:spChg>
-        <pc:spChg chg="mod">
-          <ac:chgData name="ito sh" userId="b72e1b45a6eb2453" providerId="LiveId" clId="{FA9420A9-89D2-458D-95F7-783850939D54}" dt="2018-05-19T03:11:42.877" v="458" actId="164"/>
-          <ac:spMkLst>
-            <pc:docMk/>
-            <pc:sldMk cId="2080287932" sldId="257"/>
-            <ac:spMk id="27" creationId="{9E862BF7-935E-410A-8060-35647001A0C1}"/>
-          </ac:spMkLst>
-        </pc:spChg>
-        <pc:spChg chg="add mod">
-          <ac:chgData name="ito sh" userId="b72e1b45a6eb2453" providerId="LiveId" clId="{FA9420A9-89D2-458D-95F7-783850939D54}" dt="2018-05-19T03:13:36.856" v="619" actId="20577"/>
-          <ac:spMkLst>
-            <pc:docMk/>
-            <pc:sldMk cId="2080287932" sldId="257"/>
-            <ac:spMk id="33" creationId="{1439A925-93F0-4C51-81B5-AB628304488B}"/>
-          </ac:spMkLst>
-        </pc:spChg>
-        <pc:spChg chg="mod">
-          <ac:chgData name="ito sh" userId="b72e1b45a6eb2453" providerId="LiveId" clId="{FA9420A9-89D2-458D-95F7-783850939D54}" dt="2018-05-19T03:11:42.877" v="458" actId="164"/>
-          <ac:spMkLst>
-            <pc:docMk/>
-            <pc:sldMk cId="2080287932" sldId="257"/>
-            <ac:spMk id="49" creationId="{00E19DDE-BA50-4884-BD51-491BE0342E83}"/>
-          </ac:spMkLst>
-        </pc:spChg>
-        <pc:grpChg chg="add mod">
-          <ac:chgData name="ito sh" userId="b72e1b45a6eb2453" providerId="LiveId" clId="{FA9420A9-89D2-458D-95F7-783850939D54}" dt="2018-05-19T03:13:42.343" v="622" actId="1076"/>
-          <ac:grpSpMkLst>
-            <pc:docMk/>
-            <pc:sldMk cId="2080287932" sldId="257"/>
-            <ac:grpSpMk id="17" creationId="{3EA02ABE-776C-48A0-9798-C804131708AC}"/>
-          </ac:grpSpMkLst>
-        </pc:grpChg>
-        <pc:picChg chg="add del mod">
-          <ac:chgData name="ito sh" userId="b72e1b45a6eb2453" providerId="LiveId" clId="{FA9420A9-89D2-458D-95F7-783850939D54}" dt="2018-05-19T03:12:13.045" v="467" actId="478"/>
-          <ac:picMkLst>
-            <pc:docMk/>
-            <pc:sldMk cId="2080287932" sldId="257"/>
-            <ac:picMk id="21" creationId="{43CE394E-D886-4CC6-9A4D-F551B9CF0A68}"/>
-          </ac:picMkLst>
-        </pc:picChg>
-        <pc:picChg chg="add mod">
-          <ac:chgData name="ito sh" userId="b72e1b45a6eb2453" providerId="LiveId" clId="{FA9420A9-89D2-458D-95F7-783850939D54}" dt="2018-05-19T03:13:45.401" v="623" actId="1076"/>
-          <ac:picMkLst>
-            <pc:docMk/>
-            <pc:sldMk cId="2080287932" sldId="257"/>
-            <ac:picMk id="23" creationId="{7A06B734-F294-4BDC-A48D-054536006010}"/>
-          </ac:picMkLst>
-        </pc:picChg>
-        <pc:cxnChg chg="mod">
-          <ac:chgData name="ito sh" userId="b72e1b45a6eb2453" providerId="LiveId" clId="{FA9420A9-89D2-458D-95F7-783850939D54}" dt="2018-05-19T03:11:42.877" v="458" actId="164"/>
-          <ac:cxnSpMkLst>
-            <pc:docMk/>
-            <pc:sldMk cId="2080287932" sldId="257"/>
-            <ac:cxnSpMk id="18" creationId="{608C6072-4CA6-4E80-B0F9-17B3FAC092B3}"/>
-          </ac:cxnSpMkLst>
-        </pc:cxnChg>
-        <pc:cxnChg chg="mod">
-          <ac:chgData name="ito sh" userId="b72e1b45a6eb2453" providerId="LiveId" clId="{FA9420A9-89D2-458D-95F7-783850939D54}" dt="2018-05-19T03:40:49.293" v="636" actId="14100"/>
-          <ac:cxnSpMkLst>
-            <pc:docMk/>
-            <pc:sldMk cId="2080287932" sldId="257"/>
-            <ac:cxnSpMk id="19" creationId="{BF95DD2D-E3D8-43CB-BC06-1A41C20A06D0}"/>
-          </ac:cxnSpMkLst>
-        </pc:cxnChg>
-        <pc:cxnChg chg="mod">
-          <ac:chgData name="ito sh" userId="b72e1b45a6eb2453" providerId="LiveId" clId="{FA9420A9-89D2-458D-95F7-783850939D54}" dt="2018-05-19T03:11:42.877" v="458" actId="164"/>
-          <ac:cxnSpMkLst>
-            <pc:docMk/>
-            <pc:sldMk cId="2080287932" sldId="257"/>
-            <ac:cxnSpMk id="25" creationId="{4254F857-4F54-422C-A621-DBD385FB1FA1}"/>
-          </ac:cxnSpMkLst>
-        </pc:cxnChg>
-        <pc:cxnChg chg="mod">
-          <ac:chgData name="ito sh" userId="b72e1b45a6eb2453" providerId="LiveId" clId="{FA9420A9-89D2-458D-95F7-783850939D54}" dt="2018-05-19T03:11:42.877" v="458" actId="164"/>
-          <ac:cxnSpMkLst>
-            <pc:docMk/>
-            <pc:sldMk cId="2080287932" sldId="257"/>
-            <ac:cxnSpMk id="28" creationId="{F7432742-C527-4E85-9F04-739263FC10B6}"/>
-          </ac:cxnSpMkLst>
-        </pc:cxnChg>
-        <pc:cxnChg chg="mod">
-          <ac:chgData name="ito sh" userId="b72e1b45a6eb2453" providerId="LiveId" clId="{FA9420A9-89D2-458D-95F7-783850939D54}" dt="2018-05-19T03:11:42.877" v="458" actId="164"/>
-          <ac:cxnSpMkLst>
-            <pc:docMk/>
-            <pc:sldMk cId="2080287932" sldId="257"/>
-            <ac:cxnSpMk id="29" creationId="{E458F4EA-325A-4E60-AE86-54A032C8EBC8}"/>
-          </ac:cxnSpMkLst>
-        </pc:cxnChg>
-        <pc:cxnChg chg="add mod">
-          <ac:chgData name="ito sh" userId="b72e1b45a6eb2453" providerId="LiveId" clId="{FA9420A9-89D2-458D-95F7-783850939D54}" dt="2018-05-19T03:40:49.293" v="636" actId="14100"/>
-          <ac:cxnSpMkLst>
-            <pc:docMk/>
-            <pc:sldMk cId="2080287932" sldId="257"/>
-            <ac:cxnSpMk id="30" creationId="{406ACE9D-94AE-4054-A9CD-85E045C285B1}"/>
-          </ac:cxnSpMkLst>
-        </pc:cxnChg>
-        <pc:cxnChg chg="mod">
-          <ac:chgData name="ito sh" userId="b72e1b45a6eb2453" providerId="LiveId" clId="{FA9420A9-89D2-458D-95F7-783850939D54}" dt="2018-05-19T03:11:42.877" v="458" actId="164"/>
-          <ac:cxnSpMkLst>
-            <pc:docMk/>
-            <pc:sldMk cId="2080287932" sldId="257"/>
-            <ac:cxnSpMk id="32" creationId="{152B51CB-DE44-47CF-9422-5A9C72E79A22}"/>
-          </ac:cxnSpMkLst>
-        </pc:cxnChg>
-        <pc:cxnChg chg="mod">
-          <ac:chgData name="ito sh" userId="b72e1b45a6eb2453" providerId="LiveId" clId="{FA9420A9-89D2-458D-95F7-783850939D54}" dt="2018-05-19T03:11:42.877" v="458" actId="164"/>
-          <ac:cxnSpMkLst>
-            <pc:docMk/>
-            <pc:sldMk cId="2080287932" sldId="257"/>
-            <ac:cxnSpMk id="34" creationId="{F0A42A29-D20A-4402-91ED-5D3578E40D6D}"/>
-          </ac:cxnSpMkLst>
-        </pc:cxnChg>
-        <pc:cxnChg chg="mod">
-          <ac:chgData name="ito sh" userId="b72e1b45a6eb2453" providerId="LiveId" clId="{FA9420A9-89D2-458D-95F7-783850939D54}" dt="2018-05-19T03:11:42.877" v="458" actId="164"/>
-          <ac:cxnSpMkLst>
-            <pc:docMk/>
-            <pc:sldMk cId="2080287932" sldId="257"/>
-            <ac:cxnSpMk id="35" creationId="{AD03622D-F9D0-4492-9B8E-62C07AFB36C7}"/>
-          </ac:cxnSpMkLst>
-        </pc:cxnChg>
-        <pc:cxnChg chg="add mod">
-          <ac:chgData name="ito sh" userId="b72e1b45a6eb2453" providerId="LiveId" clId="{FA9420A9-89D2-458D-95F7-783850939D54}" dt="2018-05-19T03:13:30.550" v="617" actId="571"/>
-          <ac:cxnSpMkLst>
-            <pc:docMk/>
-            <pc:sldMk cId="2080287932" sldId="257"/>
-            <ac:cxnSpMk id="36" creationId="{6322491B-1165-44AE-AE04-593BE65FFF1F}"/>
-          </ac:cxnSpMkLst>
-        </pc:cxnChg>
-        <pc:cxnChg chg="add mod">
-          <ac:chgData name="ito sh" userId="b72e1b45a6eb2453" providerId="LiveId" clId="{FA9420A9-89D2-458D-95F7-783850939D54}" dt="2018-05-19T03:13:56.318" v="627" actId="14100"/>
-          <ac:cxnSpMkLst>
-            <pc:docMk/>
-            <pc:sldMk cId="2080287932" sldId="257"/>
-            <ac:cxnSpMk id="38" creationId="{31B06834-5C0F-403A-A6E4-585A5828D796}"/>
-          </ac:cxnSpMkLst>
-        </pc:cxnChg>
-        <pc:cxnChg chg="mod">
-          <ac:chgData name="ito sh" userId="b72e1b45a6eb2453" providerId="LiveId" clId="{FA9420A9-89D2-458D-95F7-783850939D54}" dt="2018-05-19T03:11:42.877" v="458" actId="164"/>
-          <ac:cxnSpMkLst>
-            <pc:docMk/>
-            <pc:sldMk cId="2080287932" sldId="257"/>
-            <ac:cxnSpMk id="44" creationId="{8A32EBC3-298A-46BA-B8FD-241652CE7CB4}"/>
-          </ac:cxnSpMkLst>
-        </pc:cxnChg>
-      </pc:sldChg>
-      <pc:sldChg chg="modSp">
-        <pc:chgData name="ito sh" userId="b72e1b45a6eb2453" providerId="LiveId" clId="{FA9420A9-89D2-458D-95F7-783850939D54}" dt="2018-05-28T15:37:22.783" v="645" actId="403"/>
-        <pc:sldMkLst>
-          <pc:docMk/>
-          <pc:sldMk cId="2370953379" sldId="313"/>
-        </pc:sldMkLst>
-        <pc:spChg chg="mod">
-          <ac:chgData name="ito sh" userId="b72e1b45a6eb2453" providerId="LiveId" clId="{FA9420A9-89D2-458D-95F7-783850939D54}" dt="2018-05-28T15:37:22.783" v="645" actId="403"/>
-          <ac:spMkLst>
-            <pc:docMk/>
-            <pc:sldMk cId="2370953379" sldId="313"/>
-            <ac:spMk id="22" creationId="{00000000-0000-0000-0000-000000000000}"/>
-          </ac:spMkLst>
-        </pc:spChg>
-      </pc:sldChg>
-      <pc:sldChg chg="modSp">
-        <pc:chgData name="ito sh" userId="b72e1b45a6eb2453" providerId="LiveId" clId="{FA9420A9-89D2-458D-95F7-783850939D54}" dt="2018-05-28T15:37:15.356" v="644"/>
-        <pc:sldMkLst>
-          <pc:docMk/>
-          <pc:sldMk cId="2043145239" sldId="315"/>
-        </pc:sldMkLst>
-        <pc:spChg chg="mod">
-          <ac:chgData name="ito sh" userId="b72e1b45a6eb2453" providerId="LiveId" clId="{FA9420A9-89D2-458D-95F7-783850939D54}" dt="2018-05-28T15:37:08.593" v="642"/>
-          <ac:spMkLst>
-            <pc:docMk/>
-            <pc:sldMk cId="2043145239" sldId="315"/>
-            <ac:spMk id="7" creationId="{00000000-0000-0000-0000-000000000000}"/>
-          </ac:spMkLst>
-        </pc:spChg>
-        <pc:spChg chg="mod">
-          <ac:chgData name="ito sh" userId="b72e1b45a6eb2453" providerId="LiveId" clId="{FA9420A9-89D2-458D-95F7-783850939D54}" dt="2018-05-28T15:37:15.356" v="644"/>
-          <ac:spMkLst>
-            <pc:docMk/>
-            <pc:sldMk cId="2043145239" sldId="315"/>
-            <ac:spMk id="22" creationId="{00000000-0000-0000-0000-000000000000}"/>
-          </ac:spMkLst>
-        </pc:spChg>
-      </pc:sldChg>
-      <pc:sldChg chg="addSp delSp">
-        <pc:chgData name="ito sh" userId="b72e1b45a6eb2453" providerId="LiveId" clId="{FA9420A9-89D2-458D-95F7-783850939D54}" dt="2018-05-13T06:10:52.792" v="193" actId="207"/>
-        <pc:sldMkLst>
-          <pc:docMk/>
-          <pc:sldMk cId="578903446" sldId="318"/>
-        </pc:sldMkLst>
-        <pc:spChg chg="add del">
-          <ac:chgData name="ito sh" userId="b72e1b45a6eb2453" providerId="LiveId" clId="{FA9420A9-89D2-458D-95F7-783850939D54}" dt="2018-05-13T06:10:52.792" v="193" actId="207"/>
-          <ac:spMkLst>
-            <pc:docMk/>
-            <pc:sldMk cId="578903446" sldId="318"/>
-            <ac:spMk id="2" creationId="{4B99E3B4-BEDE-43E4-ABA8-45232D8A77AE}"/>
-          </ac:spMkLst>
-        </pc:spChg>
-      </pc:sldChg>
-      <pc:sldChg chg="modSp">
-        <pc:chgData name="ito sh" userId="b72e1b45a6eb2453" providerId="LiveId" clId="{FA9420A9-89D2-458D-95F7-783850939D54}" dt="2018-05-04T19:53:49.643" v="35" actId="207"/>
-        <pc:sldMkLst>
-          <pc:docMk/>
-          <pc:sldMk cId="1071245660" sldId="319"/>
-        </pc:sldMkLst>
-        <pc:spChg chg="mod">
-          <ac:chgData name="ito sh" userId="b72e1b45a6eb2453" providerId="LiveId" clId="{FA9420A9-89D2-458D-95F7-783850939D54}" dt="2018-05-04T19:53:49.643" v="35" actId="207"/>
-          <ac:spMkLst>
-            <pc:docMk/>
-            <pc:sldMk cId="1071245660" sldId="319"/>
-            <ac:spMk id="45" creationId="{00000000-0000-0000-0000-000000000000}"/>
-          </ac:spMkLst>
-        </pc:spChg>
-      </pc:sldChg>
-      <pc:sldChg chg="modSp">
-        <pc:chgData name="ito sh" userId="b72e1b45a6eb2453" providerId="LiveId" clId="{FA9420A9-89D2-458D-95F7-783850939D54}" dt="2018-05-04T21:14:29.533" v="191" actId="20577"/>
-        <pc:sldMkLst>
-          <pc:docMk/>
-          <pc:sldMk cId="2670781408" sldId="320"/>
-        </pc:sldMkLst>
-        <pc:spChg chg="mod">
-          <ac:chgData name="ito sh" userId="b72e1b45a6eb2453" providerId="LiveId" clId="{FA9420A9-89D2-458D-95F7-783850939D54}" dt="2018-05-04T20:23:30.681" v="118" actId="20577"/>
-          <ac:spMkLst>
-            <pc:docMk/>
-            <pc:sldMk cId="2670781408" sldId="320"/>
-            <ac:spMk id="2" creationId="{00000000-0000-0000-0000-000000000000}"/>
-          </ac:spMkLst>
-        </pc:spChg>
-        <pc:spChg chg="mod">
-          <ac:chgData name="ito sh" userId="b72e1b45a6eb2453" providerId="LiveId" clId="{FA9420A9-89D2-458D-95F7-783850939D54}" dt="2018-05-04T21:14:29.533" v="191" actId="20577"/>
-          <ac:spMkLst>
-            <pc:docMk/>
-            <pc:sldMk cId="2670781408" sldId="320"/>
-            <ac:spMk id="102" creationId="{00000000-0000-0000-0000-000000000000}"/>
-          </ac:spMkLst>
-        </pc:spChg>
-      </pc:sldChg>
-      <pc:sldChg chg="modSp">
-        <pc:chgData name="ito sh" userId="b72e1b45a6eb2453" providerId="LiveId" clId="{FA9420A9-89D2-458D-95F7-783850939D54}" dt="2018-05-04T19:56:25.215" v="42" actId="207"/>
-        <pc:sldMkLst>
-          <pc:docMk/>
-          <pc:sldMk cId="980557971" sldId="321"/>
-        </pc:sldMkLst>
-        <pc:spChg chg="mod">
-          <ac:chgData name="ito sh" userId="b72e1b45a6eb2453" providerId="LiveId" clId="{FA9420A9-89D2-458D-95F7-783850939D54}" dt="2018-05-04T19:56:25.215" v="42" actId="207"/>
-          <ac:spMkLst>
-            <pc:docMk/>
-            <pc:sldMk cId="980557971" sldId="321"/>
-            <ac:spMk id="104" creationId="{00000000-0000-0000-0000-000000000000}"/>
-          </ac:spMkLst>
-        </pc:spChg>
-        <pc:spChg chg="mod">
-          <ac:chgData name="ito sh" userId="b72e1b45a6eb2453" providerId="LiveId" clId="{FA9420A9-89D2-458D-95F7-783850939D54}" dt="2018-05-04T19:56:24.220" v="41" actId="207"/>
-          <ac:spMkLst>
-            <pc:docMk/>
-            <pc:sldMk cId="980557971" sldId="321"/>
-            <ac:spMk id="105" creationId="{00000000-0000-0000-0000-000000000000}"/>
-          </ac:spMkLst>
-        </pc:spChg>
-        <pc:spChg chg="mod">
-          <ac:chgData name="ito sh" userId="b72e1b45a6eb2453" providerId="LiveId" clId="{FA9420A9-89D2-458D-95F7-783850939D54}" dt="2018-05-04T19:56:15.315" v="39" actId="207"/>
-          <ac:spMkLst>
-            <pc:docMk/>
-            <pc:sldMk cId="980557971" sldId="321"/>
-            <ac:spMk id="107" creationId="{00000000-0000-0000-0000-000000000000}"/>
-          </ac:spMkLst>
-        </pc:spChg>
-        <pc:spChg chg="mod">
-          <ac:chgData name="ito sh" userId="b72e1b45a6eb2453" providerId="LiveId" clId="{FA9420A9-89D2-458D-95F7-783850939D54}" dt="2018-05-04T19:56:16.392" v="40" actId="207"/>
-          <ac:spMkLst>
-            <pc:docMk/>
-            <pc:sldMk cId="980557971" sldId="321"/>
-            <ac:spMk id="108" creationId="{00000000-0000-0000-0000-000000000000}"/>
-          </ac:spMkLst>
-        </pc:spChg>
-      </pc:sldChg>
-      <pc:sldChg chg="modSp">
-        <pc:chgData name="ito sh" userId="b72e1b45a6eb2453" providerId="LiveId" clId="{FA9420A9-89D2-458D-95F7-783850939D54}" dt="2018-05-04T20:59:48.238" v="151" actId="207"/>
-        <pc:sldMkLst>
-          <pc:docMk/>
-          <pc:sldMk cId="327923610" sldId="322"/>
-        </pc:sldMkLst>
-        <pc:spChg chg="mod">
-          <ac:chgData name="ito sh" userId="b72e1b45a6eb2453" providerId="LiveId" clId="{FA9420A9-89D2-458D-95F7-783850939D54}" dt="2018-05-04T20:57:45.218" v="150" actId="208"/>
-          <ac:spMkLst>
-            <pc:docMk/>
-            <pc:sldMk cId="327923610" sldId="322"/>
-            <ac:spMk id="103" creationId="{00000000-0000-0000-0000-000000000000}"/>
-          </ac:spMkLst>
-        </pc:spChg>
-        <pc:spChg chg="mod">
-          <ac:chgData name="ito sh" userId="b72e1b45a6eb2453" providerId="LiveId" clId="{FA9420A9-89D2-458D-95F7-783850939D54}" dt="2018-05-04T20:59:48.238" v="151" actId="207"/>
-          <ac:spMkLst>
-            <pc:docMk/>
-            <pc:sldMk cId="327923610" sldId="322"/>
-            <ac:spMk id="108" creationId="{00000000-0000-0000-0000-000000000000}"/>
-          </ac:spMkLst>
-        </pc:spChg>
-      </pc:sldChg>
-      <pc:sldChg chg="addSp delSp modSp">
-        <pc:chgData name="ito sh" userId="b72e1b45a6eb2453" providerId="LiveId" clId="{FA9420A9-89D2-458D-95F7-783850939D54}" dt="2018-05-04T21:01:01.733" v="179" actId="20577"/>
-        <pc:sldMkLst>
-          <pc:docMk/>
-          <pc:sldMk cId="2048014161" sldId="323"/>
-        </pc:sldMkLst>
-        <pc:spChg chg="add mod">
-          <ac:chgData name="ito sh" userId="b72e1b45a6eb2453" providerId="LiveId" clId="{FA9420A9-89D2-458D-95F7-783850939D54}" dt="2018-05-04T21:00:14.940" v="154" actId="1076"/>
-          <ac:spMkLst>
-            <pc:docMk/>
-            <pc:sldMk cId="2048014161" sldId="323"/>
-            <ac:spMk id="19" creationId="{E482823F-B53E-427A-8B4C-513FC1CC4918}"/>
-          </ac:spMkLst>
-        </pc:spChg>
-        <pc:spChg chg="mod">
-          <ac:chgData name="ito sh" userId="b72e1b45a6eb2453" providerId="LiveId" clId="{FA9420A9-89D2-458D-95F7-783850939D54}" dt="2018-05-04T21:01:01.733" v="179" actId="20577"/>
-          <ac:spMkLst>
-            <pc:docMk/>
-            <pc:sldMk cId="2048014161" sldId="323"/>
-            <ac:spMk id="103" creationId="{00000000-0000-0000-0000-000000000000}"/>
-          </ac:spMkLst>
-        </pc:spChg>
-        <pc:spChg chg="del mod">
-          <ac:chgData name="ito sh" userId="b72e1b45a6eb2453" providerId="LiveId" clId="{FA9420A9-89D2-458D-95F7-783850939D54}" dt="2018-05-04T21:00:03.251" v="153" actId="478"/>
-          <ac:spMkLst>
-            <pc:docMk/>
-            <pc:sldMk cId="2048014161" sldId="323"/>
-            <ac:spMk id="107" creationId="{00000000-0000-0000-0000-000000000000}"/>
-          </ac:spMkLst>
-        </pc:spChg>
-      </pc:sldChg>
-      <pc:sldChg chg="addSp modSp add">
-        <pc:chgData name="ito sh" userId="b72e1b45a6eb2453" providerId="LiveId" clId="{FA9420A9-89D2-458D-95F7-783850939D54}" dt="2018-05-13T08:04:38.342" v="361" actId="207"/>
-        <pc:sldMkLst>
-          <pc:docMk/>
-          <pc:sldMk cId="1513459963" sldId="324"/>
-        </pc:sldMkLst>
-        <pc:spChg chg="mod">
-          <ac:chgData name="ito sh" userId="b72e1b45a6eb2453" providerId="LiveId" clId="{FA9420A9-89D2-458D-95F7-783850939D54}" dt="2018-05-13T06:13:22.755" v="299" actId="403"/>
-          <ac:spMkLst>
-            <pc:docMk/>
-            <pc:sldMk cId="1513459963" sldId="324"/>
-            <ac:spMk id="22" creationId="{00000000-0000-0000-0000-000000000000}"/>
-          </ac:spMkLst>
-        </pc:spChg>
-        <pc:spChg chg="mod">
-          <ac:chgData name="ito sh" userId="b72e1b45a6eb2453" providerId="LiveId" clId="{FA9420A9-89D2-458D-95F7-783850939D54}" dt="2018-05-13T06:13:32.183" v="325" actId="403"/>
-          <ac:spMkLst>
-            <pc:docMk/>
-            <pc:sldMk cId="1513459963" sldId="324"/>
-            <ac:spMk id="23" creationId="{00000000-0000-0000-0000-000000000000}"/>
-          </ac:spMkLst>
-        </pc:spChg>
-        <pc:spChg chg="mod">
-          <ac:chgData name="ito sh" userId="b72e1b45a6eb2453" providerId="LiveId" clId="{FA9420A9-89D2-458D-95F7-783850939D54}" dt="2018-05-13T08:04:38.342" v="361" actId="207"/>
-          <ac:spMkLst>
-            <pc:docMk/>
-            <pc:sldMk cId="1513459963" sldId="324"/>
-            <ac:spMk id="24" creationId="{00000000-0000-0000-0000-000000000000}"/>
-          </ac:spMkLst>
-        </pc:spChg>
-        <pc:spChg chg="mod">
-          <ac:chgData name="ito sh" userId="b72e1b45a6eb2453" providerId="LiveId" clId="{FA9420A9-89D2-458D-95F7-783850939D54}" dt="2018-05-13T06:11:15.412" v="259" actId="404"/>
-          <ac:spMkLst>
-            <pc:docMk/>
-            <pc:sldMk cId="1513459963" sldId="324"/>
-            <ac:spMk id="37" creationId="{00000000-0000-0000-0000-000000000000}"/>
-          </ac:spMkLst>
-        </pc:spChg>
-        <pc:spChg chg="mod">
-          <ac:chgData name="ito sh" userId="b72e1b45a6eb2453" providerId="LiveId" clId="{FA9420A9-89D2-458D-95F7-783850939D54}" dt="2018-05-13T06:11:23.673" v="280" actId="403"/>
-          <ac:spMkLst>
-            <pc:docMk/>
-            <pc:sldMk cId="1513459963" sldId="324"/>
-            <ac:spMk id="39" creationId="{00000000-0000-0000-0000-000000000000}"/>
-          </ac:spMkLst>
-        </pc:spChg>
-        <pc:spChg chg="mod">
-          <ac:chgData name="ito sh" userId="b72e1b45a6eb2453" providerId="LiveId" clId="{FA9420A9-89D2-458D-95F7-783850939D54}" dt="2018-05-13T06:11:00.046" v="208" actId="20577"/>
-          <ac:spMkLst>
-            <pc:docMk/>
-            <pc:sldMk cId="1513459963" sldId="324"/>
-            <ac:spMk id="63" creationId="{00000000-0000-0000-0000-000000000000}"/>
-          </ac:spMkLst>
-        </pc:spChg>
-        <pc:picChg chg="add mod">
-          <ac:chgData name="ito sh" userId="b72e1b45a6eb2453" providerId="LiveId" clId="{FA9420A9-89D2-458D-95F7-783850939D54}" dt="2018-05-13T06:14:24.417" v="331" actId="1076"/>
-          <ac:picMkLst>
-            <pc:docMk/>
-            <pc:sldMk cId="1513459963" sldId="324"/>
-            <ac:picMk id="1026" creationId="{92D58158-8004-40FF-AE0D-F97493838F1A}"/>
-          </ac:picMkLst>
-        </pc:picChg>
-      </pc:sldChg>
-      <pc:sldChg chg="modSp add">
-        <pc:chgData name="ito sh" userId="b72e1b45a6eb2453" providerId="LiveId" clId="{FA9420A9-89D2-458D-95F7-783850939D54}" dt="2018-05-19T03:11:17.801" v="453" actId="6549"/>
-        <pc:sldMkLst>
-          <pc:docMk/>
-          <pc:sldMk cId="4291978540" sldId="325"/>
-        </pc:sldMkLst>
-        <pc:spChg chg="mod">
-          <ac:chgData name="ito sh" userId="b72e1b45a6eb2453" providerId="LiveId" clId="{FA9420A9-89D2-458D-95F7-783850939D54}" dt="2018-05-19T03:10:39.430" v="378" actId="20577"/>
-          <ac:spMkLst>
-            <pc:docMk/>
-            <pc:sldMk cId="4291978540" sldId="325"/>
-            <ac:spMk id="2" creationId="{00000000-0000-0000-0000-000000000000}"/>
-          </ac:spMkLst>
-        </pc:spChg>
-        <pc:spChg chg="mod">
-          <ac:chgData name="ito sh" userId="b72e1b45a6eb2453" providerId="LiveId" clId="{FA9420A9-89D2-458D-95F7-783850939D54}" dt="2018-05-19T03:11:17.801" v="453" actId="6549"/>
-          <ac:spMkLst>
-            <pc:docMk/>
-            <pc:sldMk cId="4291978540" sldId="325"/>
-            <ac:spMk id="3" creationId="{00000000-0000-0000-0000-000000000000}"/>
-          </ac:spMkLst>
-        </pc:spChg>
-      </pc:sldChg>
-    </pc:docChg>
   </pc:docChgLst>
 </pc:chgInfo>
 </file>
@@ -972,7 +703,7 @@
           <a:p>
             <a:fld id="{98B15ECE-60C4-45D4-8ABC-DDA7D4F33EF9}" type="datetimeFigureOut">
               <a:rPr kumimoji="1" lang="ja-JP" altLang="en-US" smtClean="0"/>
-              <a:t>2018/7/21</a:t>
+              <a:t>2018/9/7</a:t>
             </a:fld>
             <a:endParaRPr kumimoji="1" lang="ja-JP" altLang="en-US"/>
           </a:p>
@@ -2074,7 +1805,7 @@
           <a:p>
             <a:fld id="{8FB4C7EE-3C5D-4F47-A8DE-21B759CA57C5}" type="datetimeFigureOut">
               <a:rPr kumimoji="1" lang="ja-JP" altLang="en-US" smtClean="0"/>
-              <a:t>2018/7/21</a:t>
+              <a:t>2018/9/7</a:t>
             </a:fld>
             <a:endParaRPr kumimoji="1" lang="ja-JP" altLang="en-US"/>
           </a:p>
@@ -2276,7 +2007,7 @@
           <a:p>
             <a:fld id="{8FB4C7EE-3C5D-4F47-A8DE-21B759CA57C5}" type="datetimeFigureOut">
               <a:rPr kumimoji="1" lang="ja-JP" altLang="en-US" smtClean="0"/>
-              <a:t>2018/7/21</a:t>
+              <a:t>2018/9/7</a:t>
             </a:fld>
             <a:endParaRPr kumimoji="1" lang="ja-JP" altLang="en-US"/>
           </a:p>
@@ -2488,7 +2219,7 @@
           <a:p>
             <a:fld id="{8FB4C7EE-3C5D-4F47-A8DE-21B759CA57C5}" type="datetimeFigureOut">
               <a:rPr kumimoji="1" lang="ja-JP" altLang="en-US" smtClean="0"/>
-              <a:t>2018/7/21</a:t>
+              <a:t>2018/9/7</a:t>
             </a:fld>
             <a:endParaRPr kumimoji="1" lang="ja-JP" altLang="en-US"/>
           </a:p>
@@ -2690,7 +2421,7 @@
           <a:p>
             <a:fld id="{8FB4C7EE-3C5D-4F47-A8DE-21B759CA57C5}" type="datetimeFigureOut">
               <a:rPr kumimoji="1" lang="ja-JP" altLang="en-US" smtClean="0"/>
-              <a:t>2018/7/21</a:t>
+              <a:t>2018/9/7</a:t>
             </a:fld>
             <a:endParaRPr kumimoji="1" lang="ja-JP" altLang="en-US"/>
           </a:p>
@@ -2934,7 +2665,7 @@
           <a:p>
             <a:fld id="{8FB4C7EE-3C5D-4F47-A8DE-21B759CA57C5}" type="datetimeFigureOut">
               <a:rPr kumimoji="1" lang="ja-JP" altLang="en-US" smtClean="0"/>
-              <a:t>2018/7/21</a:t>
+              <a:t>2018/9/7</a:t>
             </a:fld>
             <a:endParaRPr kumimoji="1" lang="ja-JP" altLang="en-US"/>
           </a:p>
@@ -3230,7 +2961,7 @@
           <a:p>
             <a:fld id="{8FB4C7EE-3C5D-4F47-A8DE-21B759CA57C5}" type="datetimeFigureOut">
               <a:rPr kumimoji="1" lang="ja-JP" altLang="en-US" smtClean="0"/>
-              <a:t>2018/7/21</a:t>
+              <a:t>2018/9/7</a:t>
             </a:fld>
             <a:endParaRPr kumimoji="1" lang="ja-JP" altLang="en-US"/>
           </a:p>
@@ -3661,7 +3392,7 @@
           <a:p>
             <a:fld id="{8FB4C7EE-3C5D-4F47-A8DE-21B759CA57C5}" type="datetimeFigureOut">
               <a:rPr kumimoji="1" lang="ja-JP" altLang="en-US" smtClean="0"/>
-              <a:t>2018/7/21</a:t>
+              <a:t>2018/9/7</a:t>
             </a:fld>
             <a:endParaRPr kumimoji="1" lang="ja-JP" altLang="en-US"/>
           </a:p>
@@ -3779,7 +3510,7 @@
           <a:p>
             <a:fld id="{8FB4C7EE-3C5D-4F47-A8DE-21B759CA57C5}" type="datetimeFigureOut">
               <a:rPr kumimoji="1" lang="ja-JP" altLang="en-US" smtClean="0"/>
-              <a:t>2018/7/21</a:t>
+              <a:t>2018/9/7</a:t>
             </a:fld>
             <a:endParaRPr kumimoji="1" lang="ja-JP" altLang="en-US"/>
           </a:p>
@@ -3874,7 +3605,7 @@
           <a:p>
             <a:fld id="{8FB4C7EE-3C5D-4F47-A8DE-21B759CA57C5}" type="datetimeFigureOut">
               <a:rPr kumimoji="1" lang="ja-JP" altLang="en-US" smtClean="0"/>
-              <a:t>2018/7/21</a:t>
+              <a:t>2018/9/7</a:t>
             </a:fld>
             <a:endParaRPr kumimoji="1" lang="ja-JP" altLang="en-US"/>
           </a:p>
@@ -4183,7 +3914,7 @@
           <a:p>
             <a:fld id="{8FB4C7EE-3C5D-4F47-A8DE-21B759CA57C5}" type="datetimeFigureOut">
               <a:rPr kumimoji="1" lang="ja-JP" altLang="en-US" smtClean="0"/>
-              <a:t>2018/7/21</a:t>
+              <a:t>2018/9/7</a:t>
             </a:fld>
             <a:endParaRPr kumimoji="1" lang="ja-JP" altLang="en-US"/>
           </a:p>
@@ -4440,7 +4171,7 @@
           <a:p>
             <a:fld id="{8FB4C7EE-3C5D-4F47-A8DE-21B759CA57C5}" type="datetimeFigureOut">
               <a:rPr kumimoji="1" lang="ja-JP" altLang="en-US" smtClean="0"/>
-              <a:t>2018/7/21</a:t>
+              <a:t>2018/9/7</a:t>
             </a:fld>
             <a:endParaRPr kumimoji="1" lang="ja-JP" altLang="en-US"/>
           </a:p>
@@ -4685,7 +4416,7 @@
           <a:p>
             <a:fld id="{8FB4C7EE-3C5D-4F47-A8DE-21B759CA57C5}" type="datetimeFigureOut">
               <a:rPr kumimoji="1" lang="ja-JP" altLang="en-US" smtClean="0"/>
-              <a:t>2018/7/21</a:t>
+              <a:t>2018/9/7</a:t>
             </a:fld>
             <a:endParaRPr kumimoji="1" lang="ja-JP" altLang="en-US"/>
           </a:p>
@@ -14263,7 +13994,7 @@
           <a:p>
             <a:pPr algn="ctr"/>
             <a:r>
-              <a:rPr lang="ja-JP" altLang="en-US" sz="900" b="1" dirty="0">
+              <a:rPr lang="ja-JP" altLang="en-US" sz="900" dirty="0">
                 <a:solidFill>
                   <a:schemeClr val="accent6">
                     <a:lumMod val="75000"/>
@@ -14272,7 +14003,7 @@
               </a:rPr>
               <a:t>文字色</a:t>
             </a:r>
-            <a:endParaRPr lang="en-US" altLang="ja-JP" sz="900" b="1" dirty="0">
+            <a:endParaRPr lang="en-US" altLang="ja-JP" sz="900" dirty="0">
               <a:solidFill>
                 <a:schemeClr val="accent6">
                   <a:lumMod val="75000"/>
@@ -14283,7 +14014,7 @@
           <a:p>
             <a:pPr algn="ctr"/>
             <a:r>
-              <a:rPr lang="ja-JP" altLang="en-US" sz="900" b="1" dirty="0">
+              <a:rPr lang="ja-JP" altLang="en-US" sz="900" dirty="0">
                 <a:solidFill>
                   <a:schemeClr val="accent6">
                     <a:lumMod val="75000"/>
@@ -14767,7 +14498,7 @@
           <a:p>
             <a:pPr algn="ctr"/>
             <a:r>
-              <a:rPr lang="ja-JP" altLang="en-US" sz="900" b="1" dirty="0">
+              <a:rPr lang="ja-JP" altLang="en-US" sz="900" dirty="0">
                 <a:solidFill>
                   <a:schemeClr val="accent6">
                     <a:lumMod val="75000"/>
@@ -14776,7 +14507,7 @@
               </a:rPr>
               <a:t>マクロ</a:t>
             </a:r>
-            <a:endParaRPr lang="en-US" altLang="ja-JP" sz="900" b="1" dirty="0">
+            <a:endParaRPr lang="en-US" altLang="ja-JP" sz="900" dirty="0">
               <a:solidFill>
                 <a:schemeClr val="accent6">
                   <a:lumMod val="75000"/>
@@ -14787,7 +14518,7 @@
           <a:p>
             <a:pPr algn="ctr"/>
             <a:r>
-              <a:rPr lang="ja-JP" altLang="en-US" sz="900" b="1" dirty="0">
+              <a:rPr lang="ja-JP" altLang="en-US" sz="900" dirty="0">
                 <a:solidFill>
                   <a:schemeClr val="accent6">
                     <a:lumMod val="75000"/>
@@ -14834,7 +14565,7 @@
           <a:p>
             <a:pPr algn="ctr"/>
             <a:r>
-              <a:rPr lang="ja-JP" altLang="en-US" sz="900" b="1" dirty="0">
+              <a:rPr lang="ja-JP" altLang="en-US" sz="900" dirty="0">
                 <a:solidFill>
                   <a:schemeClr val="accent6">
                     <a:lumMod val="75000"/>
@@ -14843,7 +14574,7 @@
               </a:rPr>
               <a:t>シート</a:t>
             </a:r>
-            <a:endParaRPr lang="en-US" altLang="ja-JP" sz="900" b="1" dirty="0">
+            <a:endParaRPr lang="en-US" altLang="ja-JP" sz="900" dirty="0">
               <a:solidFill>
                 <a:schemeClr val="accent6">
                   <a:lumMod val="75000"/>
@@ -14854,7 +14585,7 @@
           <a:p>
             <a:pPr algn="ctr"/>
             <a:r>
-              <a:rPr lang="ja-JP" altLang="en-US" sz="900" b="1" dirty="0">
+              <a:rPr lang="ja-JP" altLang="en-US" sz="900" dirty="0">
                 <a:solidFill>
                   <a:schemeClr val="accent6">
                     <a:lumMod val="75000"/>
@@ -14863,7 +14594,7 @@
               </a:rPr>
               <a:t>切り替え</a:t>
             </a:r>
-            <a:endParaRPr lang="en-US" altLang="ja-JP" sz="900" b="1" dirty="0">
+            <a:endParaRPr lang="en-US" altLang="ja-JP" sz="900" dirty="0">
               <a:solidFill>
                 <a:schemeClr val="accent6">
                   <a:lumMod val="75000"/>
@@ -14874,7 +14605,7 @@
           <a:p>
             <a:pPr algn="ctr"/>
             <a:r>
-              <a:rPr lang="en-US" altLang="ja-JP" sz="900" b="1" dirty="0">
+              <a:rPr lang="en-US" altLang="ja-JP" sz="900" dirty="0">
                 <a:solidFill>
                   <a:schemeClr val="accent6">
                     <a:lumMod val="75000"/>
@@ -14921,7 +14652,7 @@
           <a:p>
             <a:pPr algn="ctr"/>
             <a:r>
-              <a:rPr lang="ja-JP" altLang="en-US" sz="900" b="1" dirty="0">
+              <a:rPr lang="ja-JP" altLang="en-US" sz="900" dirty="0">
                 <a:solidFill>
                   <a:schemeClr val="accent6">
                     <a:lumMod val="75000"/>
@@ -14930,7 +14661,7 @@
               </a:rPr>
               <a:t>背景色</a:t>
             </a:r>
-            <a:endParaRPr lang="en-US" altLang="ja-JP" sz="900" b="1" dirty="0">
+            <a:endParaRPr lang="en-US" altLang="ja-JP" sz="900" dirty="0">
               <a:solidFill>
                 <a:schemeClr val="accent6">
                   <a:lumMod val="75000"/>
@@ -14941,7 +14672,7 @@
           <a:p>
             <a:pPr algn="ctr"/>
             <a:r>
-              <a:rPr lang="ja-JP" altLang="en-US" sz="900" b="1" dirty="0">
+              <a:rPr lang="ja-JP" altLang="en-US" sz="900" dirty="0">
                 <a:solidFill>
                   <a:schemeClr val="accent6">
                     <a:lumMod val="75000"/>
@@ -14950,7 +14681,7 @@
               </a:rPr>
               <a:t>変更</a:t>
             </a:r>
-            <a:endParaRPr lang="en-US" altLang="ja-JP" sz="900" b="1" dirty="0">
+            <a:endParaRPr lang="en-US" altLang="ja-JP" sz="900" dirty="0">
               <a:solidFill>
                 <a:schemeClr val="accent6">
                   <a:lumMod val="75000"/>
@@ -14995,7 +14726,7 @@
           <a:p>
             <a:pPr algn="ctr"/>
             <a:r>
-              <a:rPr lang="ja-JP" altLang="en-US" sz="900" b="1" u="sng" dirty="0">
+              <a:rPr lang="ja-JP" altLang="en-US" sz="900" u="sng" dirty="0">
                 <a:solidFill>
                   <a:schemeClr val="accent6">
                     <a:lumMod val="75000"/>
@@ -15004,7 +14735,7 @@
               </a:rPr>
               <a:t>シート</a:t>
             </a:r>
-            <a:endParaRPr lang="en-US" altLang="ja-JP" sz="900" b="1" u="sng" dirty="0">
+            <a:endParaRPr lang="en-US" altLang="ja-JP" sz="900" u="sng" dirty="0">
               <a:solidFill>
                 <a:schemeClr val="accent6">
                   <a:lumMod val="75000"/>
@@ -15015,7 +14746,7 @@
           <a:p>
             <a:pPr algn="ctr"/>
             <a:r>
-              <a:rPr lang="ja-JP" altLang="en-US" sz="900" b="1" u="sng" dirty="0">
+              <a:rPr lang="ja-JP" altLang="en-US" sz="900" u="sng" dirty="0">
                 <a:solidFill>
                   <a:schemeClr val="accent6">
                     <a:lumMod val="75000"/>
@@ -15024,7 +14755,7 @@
               </a:rPr>
               <a:t>切り替え</a:t>
             </a:r>
-            <a:endParaRPr lang="en-US" altLang="ja-JP" sz="900" b="1" u="sng" dirty="0">
+            <a:endParaRPr lang="en-US" altLang="ja-JP" sz="900" u="sng" dirty="0">
               <a:solidFill>
                 <a:schemeClr val="accent6">
                   <a:lumMod val="75000"/>
@@ -15035,7 +14766,7 @@
           <a:p>
             <a:pPr algn="ctr"/>
             <a:r>
-              <a:rPr lang="ja-JP" altLang="en-US" sz="900" b="1" u="sng" dirty="0">
+              <a:rPr lang="ja-JP" altLang="en-US" sz="900" u="sng" dirty="0">
                 <a:solidFill>
                   <a:schemeClr val="accent6">
                     <a:lumMod val="75000"/>
@@ -15082,7 +14813,7 @@
           <a:p>
             <a:pPr algn="ctr"/>
             <a:r>
-              <a:rPr lang="ja-JP" altLang="en-US" sz="900" b="1" dirty="0">
+              <a:rPr lang="ja-JP" altLang="en-US" sz="900" dirty="0">
                 <a:solidFill>
                   <a:schemeClr val="accent6">
                     <a:lumMod val="75000"/>
@@ -15091,7 +14822,7 @@
               </a:rPr>
               <a:t>セル</a:t>
             </a:r>
-            <a:endParaRPr lang="en-US" altLang="ja-JP" sz="900" b="1" dirty="0">
+            <a:endParaRPr lang="en-US" altLang="ja-JP" sz="900" dirty="0">
               <a:solidFill>
                 <a:schemeClr val="accent6">
                   <a:lumMod val="75000"/>
@@ -15102,7 +14833,7 @@
           <a:p>
             <a:pPr algn="ctr"/>
             <a:r>
-              <a:rPr lang="ja-JP" altLang="en-US" sz="900" b="1" dirty="0">
+              <a:rPr lang="ja-JP" altLang="en-US" sz="900" dirty="0">
                 <a:solidFill>
                   <a:schemeClr val="accent6">
                     <a:lumMod val="75000"/>
@@ -26033,11 +25764,7 @@
           <a:prstGeom prst="roundRect">
             <a:avLst/>
           </a:prstGeom>
-          <a:solidFill>
-            <a:schemeClr val="bg1">
-              <a:lumMod val="50000"/>
-            </a:schemeClr>
-          </a:solidFill>
+          <a:noFill/>
         </p:spPr>
         <p:style>
           <a:lnRef idx="2">
@@ -26494,12 +26221,7 @@
           <a:prstGeom prst="roundRect">
             <a:avLst/>
           </a:prstGeom>
-          <a:solidFill>
-            <a:schemeClr val="tx1">
-              <a:lumMod val="50000"/>
-              <a:lumOff val="50000"/>
-            </a:schemeClr>
-          </a:solidFill>
+          <a:noFill/>
         </p:spPr>
         <p:style>
           <a:lnRef idx="2">
@@ -52554,29 +52276,6 @@
           <a:lstStyle/>
           <a:p>
             <a:pPr algn="ctr"/>
-            <a:r>
-              <a:rPr kumimoji="1" lang="en-US" altLang="ja-JP" sz="900" dirty="0">
-                <a:solidFill>
-                  <a:schemeClr val="accent6">
-                    <a:lumMod val="75000"/>
-                  </a:schemeClr>
-                </a:solidFill>
-              </a:rPr>
-              <a:t>File Alias</a:t>
-            </a:r>
-          </a:p>
-          <a:p>
-            <a:pPr algn="ctr"/>
-            <a:r>
-              <a:rPr kumimoji="1" lang="en-US" altLang="ja-JP" sz="900" dirty="0">
-                <a:solidFill>
-                  <a:schemeClr val="accent6">
-                    <a:lumMod val="75000"/>
-                  </a:schemeClr>
-                </a:solidFill>
-              </a:rPr>
-              <a:t>1</a:t>
-            </a:r>
             <a:endParaRPr kumimoji="1" lang="ja-JP" altLang="en-US" sz="900" dirty="0">
               <a:solidFill>
                 <a:schemeClr val="accent6">
@@ -52628,29 +52327,13 @@
           <a:lstStyle/>
           <a:p>
             <a:pPr algn="ctr"/>
-            <a:r>
-              <a:rPr lang="en-US" altLang="ja-JP" sz="900">
-                <a:solidFill>
-                  <a:schemeClr val="accent6">
-                    <a:lumMod val="75000"/>
-                  </a:schemeClr>
-                </a:solidFill>
-              </a:rPr>
-              <a:t>File Alias</a:t>
-            </a:r>
-          </a:p>
-          <a:p>
-            <a:pPr algn="ctr"/>
-            <a:r>
-              <a:rPr lang="en-US" altLang="ja-JP" sz="900">
-                <a:solidFill>
-                  <a:schemeClr val="accent6">
-                    <a:lumMod val="75000"/>
-                  </a:schemeClr>
-                </a:solidFill>
-              </a:rPr>
-              <a:t>2</a:t>
-            </a:r>
+            <a:endParaRPr lang="en-US" altLang="ja-JP" sz="900" dirty="0">
+              <a:solidFill>
+                <a:schemeClr val="accent6">
+                  <a:lumMod val="75000"/>
+                </a:schemeClr>
+              </a:solidFill>
+            </a:endParaRPr>
           </a:p>
         </p:txBody>
       </p:sp>
@@ -52695,29 +52378,13 @@
           <a:lstStyle/>
           <a:p>
             <a:pPr algn="ctr"/>
-            <a:r>
-              <a:rPr lang="en-US" altLang="ja-JP" sz="900">
-                <a:solidFill>
-                  <a:schemeClr val="accent6">
-                    <a:lumMod val="75000"/>
-                  </a:schemeClr>
-                </a:solidFill>
-              </a:rPr>
-              <a:t>File Alias</a:t>
-            </a:r>
-          </a:p>
-          <a:p>
-            <a:pPr algn="ctr"/>
-            <a:r>
-              <a:rPr lang="en-US" altLang="ja-JP" sz="900">
-                <a:solidFill>
-                  <a:schemeClr val="accent6">
-                    <a:lumMod val="75000"/>
-                  </a:schemeClr>
-                </a:solidFill>
-              </a:rPr>
-              <a:t>3</a:t>
-            </a:r>
+            <a:endParaRPr lang="en-US" altLang="ja-JP" sz="900" dirty="0">
+              <a:solidFill>
+                <a:schemeClr val="accent6">
+                  <a:lumMod val="75000"/>
+                </a:schemeClr>
+              </a:solidFill>
+            </a:endParaRPr>
           </a:p>
         </p:txBody>
       </p:sp>
@@ -52762,29 +52429,13 @@
           <a:lstStyle/>
           <a:p>
             <a:pPr algn="ctr"/>
-            <a:r>
-              <a:rPr lang="en-US" altLang="ja-JP" sz="900">
-                <a:solidFill>
-                  <a:schemeClr val="accent6">
-                    <a:lumMod val="75000"/>
-                  </a:schemeClr>
-                </a:solidFill>
-              </a:rPr>
-              <a:t>File Alias</a:t>
-            </a:r>
-          </a:p>
-          <a:p>
-            <a:pPr algn="ctr"/>
-            <a:r>
-              <a:rPr lang="en-US" altLang="ja-JP" sz="900">
-                <a:solidFill>
-                  <a:schemeClr val="accent6">
-                    <a:lumMod val="75000"/>
-                  </a:schemeClr>
-                </a:solidFill>
-              </a:rPr>
-              <a:t>4</a:t>
-            </a:r>
+            <a:endParaRPr lang="en-US" altLang="ja-JP" sz="900" dirty="0">
+              <a:solidFill>
+                <a:schemeClr val="accent6">
+                  <a:lumMod val="75000"/>
+                </a:schemeClr>
+              </a:solidFill>
+            </a:endParaRPr>
           </a:p>
         </p:txBody>
       </p:sp>
@@ -52829,29 +52480,13 @@
           <a:lstStyle/>
           <a:p>
             <a:pPr algn="ctr"/>
-            <a:r>
-              <a:rPr lang="en-US" altLang="ja-JP" sz="900">
-                <a:solidFill>
-                  <a:schemeClr val="accent6">
-                    <a:lumMod val="75000"/>
-                  </a:schemeClr>
-                </a:solidFill>
-              </a:rPr>
-              <a:t>File Alias</a:t>
-            </a:r>
-          </a:p>
-          <a:p>
-            <a:pPr algn="ctr"/>
-            <a:r>
-              <a:rPr lang="en-US" altLang="ja-JP" sz="900">
-                <a:solidFill>
-                  <a:schemeClr val="accent6">
-                    <a:lumMod val="75000"/>
-                  </a:schemeClr>
-                </a:solidFill>
-              </a:rPr>
-              <a:t>5</a:t>
-            </a:r>
+            <a:endParaRPr lang="en-US" altLang="ja-JP" sz="900" dirty="0">
+              <a:solidFill>
+                <a:schemeClr val="accent6">
+                  <a:lumMod val="75000"/>
+                </a:schemeClr>
+              </a:solidFill>
+            </a:endParaRPr>
           </a:p>
         </p:txBody>
       </p:sp>
@@ -52896,29 +52531,13 @@
           <a:lstStyle/>
           <a:p>
             <a:pPr algn="ctr"/>
-            <a:r>
-              <a:rPr lang="en-US" altLang="ja-JP" sz="900">
-                <a:solidFill>
-                  <a:schemeClr val="accent6">
-                    <a:lumMod val="75000"/>
-                  </a:schemeClr>
-                </a:solidFill>
-              </a:rPr>
-              <a:t>File Alias</a:t>
-            </a:r>
-          </a:p>
-          <a:p>
-            <a:pPr algn="ctr"/>
-            <a:r>
-              <a:rPr lang="en-US" altLang="ja-JP" sz="900">
-                <a:solidFill>
-                  <a:schemeClr val="accent6">
-                    <a:lumMod val="75000"/>
-                  </a:schemeClr>
-                </a:solidFill>
-              </a:rPr>
-              <a:t>6</a:t>
-            </a:r>
+            <a:endParaRPr lang="en-US" altLang="ja-JP" sz="900" dirty="0">
+              <a:solidFill>
+                <a:schemeClr val="accent6">
+                  <a:lumMod val="75000"/>
+                </a:schemeClr>
+              </a:solidFill>
+            </a:endParaRPr>
           </a:p>
         </p:txBody>
       </p:sp>
@@ -52963,29 +52582,13 @@
           <a:lstStyle/>
           <a:p>
             <a:pPr algn="ctr"/>
-            <a:r>
-              <a:rPr lang="en-US" altLang="ja-JP" sz="900">
-                <a:solidFill>
-                  <a:schemeClr val="accent6">
-                    <a:lumMod val="75000"/>
-                  </a:schemeClr>
-                </a:solidFill>
-              </a:rPr>
-              <a:t>File Alias</a:t>
-            </a:r>
-          </a:p>
-          <a:p>
-            <a:pPr algn="ctr"/>
-            <a:r>
-              <a:rPr lang="en-US" altLang="ja-JP" sz="900">
-                <a:solidFill>
-                  <a:schemeClr val="accent6">
-                    <a:lumMod val="75000"/>
-                  </a:schemeClr>
-                </a:solidFill>
-              </a:rPr>
-              <a:t>7</a:t>
-            </a:r>
+            <a:endParaRPr lang="en-US" altLang="ja-JP" sz="900" dirty="0">
+              <a:solidFill>
+                <a:schemeClr val="accent6">
+                  <a:lumMod val="75000"/>
+                </a:schemeClr>
+              </a:solidFill>
+            </a:endParaRPr>
           </a:p>
         </p:txBody>
       </p:sp>
@@ -53030,29 +52633,13 @@
           <a:lstStyle/>
           <a:p>
             <a:pPr algn="ctr"/>
-            <a:r>
-              <a:rPr lang="en-US" altLang="ja-JP" sz="900" dirty="0">
-                <a:solidFill>
-                  <a:schemeClr val="accent6">
-                    <a:lumMod val="75000"/>
-                  </a:schemeClr>
-                </a:solidFill>
-              </a:rPr>
-              <a:t>File Alias</a:t>
-            </a:r>
-          </a:p>
-          <a:p>
-            <a:pPr algn="ctr"/>
-            <a:r>
-              <a:rPr lang="en-US" altLang="ja-JP" sz="900" dirty="0">
-                <a:solidFill>
-                  <a:schemeClr val="accent6">
-                    <a:lumMod val="75000"/>
-                  </a:schemeClr>
-                </a:solidFill>
-              </a:rPr>
-              <a:t>8</a:t>
-            </a:r>
+            <a:endParaRPr lang="en-US" altLang="ja-JP" sz="900" dirty="0">
+              <a:solidFill>
+                <a:schemeClr val="accent6">
+                  <a:lumMod val="75000"/>
+                </a:schemeClr>
+              </a:solidFill>
+            </a:endParaRPr>
           </a:p>
         </p:txBody>
       </p:sp>
@@ -53097,29 +52684,13 @@
           <a:lstStyle/>
           <a:p>
             <a:pPr algn="ctr"/>
-            <a:r>
-              <a:rPr lang="en-US" altLang="ja-JP" sz="900" dirty="0">
-                <a:solidFill>
-                  <a:schemeClr val="accent6">
-                    <a:lumMod val="75000"/>
-                  </a:schemeClr>
-                </a:solidFill>
-              </a:rPr>
-              <a:t>File Alias</a:t>
-            </a:r>
-          </a:p>
-          <a:p>
-            <a:pPr algn="ctr"/>
-            <a:r>
-              <a:rPr lang="en-US" altLang="ja-JP" sz="900" dirty="0">
-                <a:solidFill>
-                  <a:schemeClr val="accent6">
-                    <a:lumMod val="75000"/>
-                  </a:schemeClr>
-                </a:solidFill>
-              </a:rPr>
-              <a:t>9</a:t>
-            </a:r>
+            <a:endParaRPr lang="en-US" altLang="ja-JP" sz="900" dirty="0">
+              <a:solidFill>
+                <a:schemeClr val="accent6">
+                  <a:lumMod val="75000"/>
+                </a:schemeClr>
+              </a:solidFill>
+            </a:endParaRPr>
           </a:p>
         </p:txBody>
       </p:sp>
@@ -53164,29 +52735,13 @@
           <a:lstStyle/>
           <a:p>
             <a:pPr algn="ctr"/>
-            <a:r>
-              <a:rPr lang="en-US" altLang="ja-JP" sz="900" dirty="0">
-                <a:solidFill>
-                  <a:schemeClr val="accent6">
-                    <a:lumMod val="75000"/>
-                  </a:schemeClr>
-                </a:solidFill>
-              </a:rPr>
-              <a:t>File Alias</a:t>
-            </a:r>
-          </a:p>
-          <a:p>
-            <a:pPr algn="ctr"/>
-            <a:r>
-              <a:rPr lang="en-US" altLang="ja-JP" sz="900" dirty="0">
-                <a:solidFill>
-                  <a:schemeClr val="accent6">
-                    <a:lumMod val="75000"/>
-                  </a:schemeClr>
-                </a:solidFill>
-              </a:rPr>
-              <a:t>0</a:t>
-            </a:r>
+            <a:endParaRPr lang="en-US" altLang="ja-JP" sz="900" dirty="0">
+              <a:solidFill>
+                <a:schemeClr val="accent6">
+                  <a:lumMod val="75000"/>
+                </a:schemeClr>
+              </a:solidFill>
+            </a:endParaRPr>
           </a:p>
         </p:txBody>
       </p:sp>
@@ -55294,7 +54849,7 @@
         <p:spPr>
           <a:xfrm>
             <a:off x="874399" y="1408018"/>
-            <a:ext cx="4104009" cy="1354217"/>
+            <a:ext cx="2761910" cy="1077218"/>
           </a:xfrm>
           <a:prstGeom prst="rect">
             <a:avLst/>
@@ -55327,34 +54882,6 @@
                 <a:sym typeface="Wingdings" panose="05000000000000000000" pitchFamily="2" charset="2"/>
               </a:rPr>
               <a:t>起動</a:t>
-            </a:r>
-            <a:endParaRPr lang="en-US" altLang="ja-JP" dirty="0">
-              <a:sym typeface="Wingdings" panose="05000000000000000000" pitchFamily="2" charset="2"/>
-            </a:endParaRPr>
-          </a:p>
-          <a:p>
-            <a:pPr marL="457200" lvl="3"/>
-            <a:r>
-              <a:rPr lang="en-US" altLang="ja-JP" dirty="0">
-                <a:solidFill>
-                  <a:schemeClr val="accent5">
-                    <a:lumMod val="75000"/>
-                  </a:schemeClr>
-                </a:solidFill>
-                <a:sym typeface="Wingdings" panose="05000000000000000000" pitchFamily="2" charset="2"/>
-              </a:rPr>
-              <a:t></a:t>
-            </a:r>
-            <a:r>
-              <a:rPr lang="ja-JP" altLang="en-US" dirty="0">
-                <a:solidFill>
-                  <a:schemeClr val="accent5">
-                    <a:lumMod val="75000"/>
-                  </a:schemeClr>
-                </a:solidFill>
-                <a:sym typeface="Wingdings" panose="05000000000000000000" pitchFamily="2" charset="2"/>
-              </a:rPr>
-              <a:t>登録ファイルの起動（１～０）</a:t>
             </a:r>
             <a:endParaRPr lang="en-US" altLang="ja-JP" dirty="0">
               <a:solidFill>
@@ -55388,136 +54915,6 @@
             <a:endParaRPr lang="en-US" altLang="ja-JP" dirty="0">
               <a:sym typeface="Wingdings" panose="05000000000000000000" pitchFamily="2" charset="2"/>
             </a:endParaRPr>
-          </a:p>
-        </p:txBody>
-      </p:sp>
-      <p:sp>
-        <p:nvSpPr>
-          <p:cNvPr id="67" name="正方形/長方形 66"/>
-          <p:cNvSpPr/>
-          <p:nvPr/>
-        </p:nvSpPr>
-        <p:spPr>
-          <a:xfrm>
-            <a:off x="1080438" y="3348415"/>
-            <a:ext cx="5367987" cy="521472"/>
-          </a:xfrm>
-          <a:prstGeom prst="rect">
-            <a:avLst/>
-          </a:prstGeom>
-          <a:noFill/>
-          <a:ln>
-            <a:solidFill>
-              <a:srgbClr val="C00000"/>
-            </a:solidFill>
-          </a:ln>
-        </p:spPr>
-        <p:style>
-          <a:lnRef idx="2">
-            <a:schemeClr val="accent1">
-              <a:shade val="50000"/>
-            </a:schemeClr>
-          </a:lnRef>
-          <a:fillRef idx="1">
-            <a:schemeClr val="accent1"/>
-          </a:fillRef>
-          <a:effectRef idx="0">
-            <a:schemeClr val="accent1"/>
-          </a:effectRef>
-          <a:fontRef idx="minor">
-            <a:schemeClr val="lt1"/>
-          </a:fontRef>
-        </p:style>
-        <p:txBody>
-          <a:bodyPr rtlCol="0" anchor="ctr"/>
-          <a:lstStyle/>
-          <a:p>
-            <a:pPr algn="ctr"/>
-            <a:endParaRPr kumimoji="1" lang="ja-JP" altLang="en-US">
-              <a:solidFill>
-                <a:srgbClr val="C00000"/>
-              </a:solidFill>
-            </a:endParaRPr>
-          </a:p>
-        </p:txBody>
-      </p:sp>
-      <p:cxnSp>
-        <p:nvCxnSpPr>
-          <p:cNvPr id="68" name="直線矢印コネクタ 67"/>
-          <p:cNvCxnSpPr>
-            <a:stCxn id="69" idx="2"/>
-            <a:endCxn id="67" idx="0"/>
-          </p:cNvCxnSpPr>
-          <p:nvPr/>
-        </p:nvCxnSpPr>
-        <p:spPr>
-          <a:xfrm>
-            <a:off x="3759453" y="3193405"/>
-            <a:ext cx="4979" cy="155010"/>
-          </a:xfrm>
-          <a:prstGeom prst="straightConnector1">
-            <a:avLst/>
-          </a:prstGeom>
-          <a:ln w="12700">
-            <a:solidFill>
-              <a:srgbClr val="C00000"/>
-            </a:solidFill>
-            <a:tailEnd type="triangle"/>
-          </a:ln>
-        </p:spPr>
-        <p:style>
-          <a:lnRef idx="1">
-            <a:schemeClr val="accent1"/>
-          </a:lnRef>
-          <a:fillRef idx="0">
-            <a:schemeClr val="accent1"/>
-          </a:fillRef>
-          <a:effectRef idx="0">
-            <a:schemeClr val="accent1"/>
-          </a:effectRef>
-          <a:fontRef idx="minor">
-            <a:schemeClr val="tx1"/>
-          </a:fontRef>
-        </p:style>
-      </p:cxnSp>
-      <p:sp>
-        <p:nvSpPr>
-          <p:cNvPr id="69" name="テキスト ボックス 68"/>
-          <p:cNvSpPr txBox="1"/>
-          <p:nvPr/>
-        </p:nvSpPr>
-        <p:spPr>
-          <a:xfrm>
-            <a:off x="2702913" y="2824073"/>
-            <a:ext cx="2113079" cy="369332"/>
-          </a:xfrm>
-          <a:prstGeom prst="rect">
-            <a:avLst/>
-          </a:prstGeom>
-          <a:noFill/>
-        </p:spPr>
-        <p:txBody>
-          <a:bodyPr wrap="none" rtlCol="0">
-            <a:spAutoFit/>
-          </a:bodyPr>
-          <a:lstStyle/>
-          <a:p>
-            <a:r>
-              <a:rPr kumimoji="1" lang="en-US" altLang="ja-JP" dirty="0">
-                <a:solidFill>
-                  <a:srgbClr val="C00000"/>
-                </a:solidFill>
-              </a:rPr>
-              <a:t>+Shift</a:t>
-            </a:r>
-            <a:r>
-              <a:rPr kumimoji="1" lang="ja-JP" altLang="en-US" dirty="0">
-                <a:solidFill>
-                  <a:srgbClr val="C00000"/>
-                </a:solidFill>
-              </a:rPr>
-              <a:t>でマクロ編集</a:t>
-            </a:r>
           </a:p>
         </p:txBody>
       </p:sp>
@@ -56856,7 +56253,7 @@
           </a:prstGeom>
           <a:ln>
             <a:solidFill>
-              <a:schemeClr val="accent5">
+              <a:schemeClr val="accent6">
                 <a:lumMod val="75000"/>
               </a:schemeClr>
             </a:solidFill>
@@ -56881,36 +56278,13 @@
           <a:lstStyle/>
           <a:p>
             <a:pPr algn="ctr"/>
-            <a:r>
-              <a:rPr lang="ja-JP" altLang="en-US" sz="800" dirty="0">
-                <a:solidFill>
-                  <a:schemeClr val="accent5">
-                    <a:lumMod val="75000"/>
-                  </a:schemeClr>
-                </a:solidFill>
-              </a:rPr>
-              <a:t>エアコン</a:t>
-            </a:r>
-            <a:endParaRPr lang="en-US" altLang="ja-JP" sz="800" dirty="0">
+            <a:endParaRPr lang="ja-JP" altLang="en-US" sz="800" dirty="0">
               <a:solidFill>
                 <a:schemeClr val="accent5">
                   <a:lumMod val="75000"/>
                 </a:schemeClr>
               </a:solidFill>
             </a:endParaRPr>
-          </a:p>
-          <a:p>
-            <a:pPr algn="ctr"/>
-            <a:r>
-              <a:rPr lang="ja-JP" altLang="en-US" sz="800" dirty="0">
-                <a:solidFill>
-                  <a:schemeClr val="accent5">
-                    <a:lumMod val="75000"/>
-                  </a:schemeClr>
-                </a:solidFill>
-              </a:rPr>
-              <a:t>オフ</a:t>
-            </a:r>
           </a:p>
         </p:txBody>
       </p:sp>
@@ -57011,7 +56385,7 @@
           </a:prstGeom>
           <a:ln>
             <a:solidFill>
-              <a:schemeClr val="accent5">
+              <a:schemeClr val="accent6">
                 <a:lumMod val="75000"/>
               </a:schemeClr>
             </a:solidFill>
@@ -57036,17 +56410,7 @@
           <a:lstStyle/>
           <a:p>
             <a:pPr algn="ctr"/>
-            <a:r>
-              <a:rPr lang="ja-JP" altLang="en-US" sz="800" dirty="0">
-                <a:solidFill>
-                  <a:schemeClr val="accent5">
-                    <a:lumMod val="75000"/>
-                  </a:schemeClr>
-                </a:solidFill>
-              </a:rPr>
-              <a:t>エアコン</a:t>
-            </a:r>
-            <a:endParaRPr lang="en-US" altLang="ja-JP" sz="800" dirty="0">
+            <a:endParaRPr lang="ja-JP" altLang="en-US" sz="800" dirty="0">
               <a:solidFill>
                 <a:schemeClr val="accent5">
                   <a:lumMod val="75000"/>
@@ -57054,19 +56418,6 @@
               </a:solidFill>
             </a:endParaRPr>
           </a:p>
-          <a:p>
-            <a:pPr algn="ctr"/>
-            <a:r>
-              <a:rPr lang="ja-JP" altLang="en-US" sz="800" dirty="0">
-                <a:solidFill>
-                  <a:schemeClr val="accent5">
-                    <a:lumMod val="75000"/>
-                  </a:schemeClr>
-                </a:solidFill>
-              </a:rPr>
-              <a:t>オン</a:t>
-            </a:r>
-          </a:p>
         </p:txBody>
       </p:sp>
       <p:sp>
@@ -57085,7 +56436,7 @@
           </a:prstGeom>
           <a:ln>
             <a:solidFill>
-              <a:schemeClr val="accent5">
+              <a:schemeClr val="accent6">
                 <a:lumMod val="75000"/>
               </a:schemeClr>
             </a:solidFill>
@@ -57110,46 +56461,6 @@
           <a:lstStyle/>
           <a:p>
             <a:pPr algn="ctr"/>
-            <a:r>
-              <a:rPr kumimoji="1" lang="ja-JP" altLang="en-US" sz="700" dirty="0">
-                <a:solidFill>
-                  <a:schemeClr val="accent5">
-                    <a:lumMod val="75000"/>
-                  </a:schemeClr>
-                </a:solidFill>
-              </a:rPr>
-              <a:t>蛍光灯</a:t>
-            </a:r>
-            <a:endParaRPr kumimoji="1" lang="en-US" altLang="ja-JP" sz="700" dirty="0">
-              <a:solidFill>
-                <a:schemeClr val="accent5">
-                  <a:lumMod val="75000"/>
-                </a:schemeClr>
-              </a:solidFill>
-            </a:endParaRPr>
-          </a:p>
-          <a:p>
-            <a:pPr algn="ctr"/>
-            <a:r>
-              <a:rPr lang="ja-JP" altLang="en-US" sz="700" dirty="0">
-                <a:solidFill>
-                  <a:schemeClr val="accent5">
-                    <a:lumMod val="75000"/>
-                  </a:schemeClr>
-                </a:solidFill>
-              </a:rPr>
-              <a:t>タイマ</a:t>
-            </a:r>
-            <a:r>
-              <a:rPr lang="en-US" altLang="ja-JP" sz="700" dirty="0">
-                <a:solidFill>
-                  <a:schemeClr val="accent5">
-                    <a:lumMod val="75000"/>
-                  </a:schemeClr>
-                </a:solidFill>
-              </a:rPr>
-              <a:t>30</a:t>
-            </a:r>
             <a:endParaRPr kumimoji="1" lang="ja-JP" altLang="en-US" sz="700" dirty="0">
               <a:solidFill>
                 <a:schemeClr val="accent5">
@@ -57758,7 +57069,7 @@
           </a:prstGeom>
           <a:ln>
             <a:solidFill>
-              <a:schemeClr val="accent5">
+              <a:schemeClr val="accent6">
                 <a:lumMod val="75000"/>
               </a:schemeClr>
             </a:solidFill>
@@ -57783,17 +57094,7 @@
           <a:lstStyle/>
           <a:p>
             <a:pPr algn="ctr"/>
-            <a:r>
-              <a:rPr lang="ja-JP" altLang="en-US" sz="900" dirty="0">
-                <a:solidFill>
-                  <a:schemeClr val="accent5">
-                    <a:lumMod val="75000"/>
-                  </a:schemeClr>
-                </a:solidFill>
-              </a:rPr>
-              <a:t>常夜灯</a:t>
-            </a:r>
-            <a:endParaRPr lang="en-US" altLang="ja-JP" sz="900" dirty="0">
+            <a:endParaRPr lang="ja-JP" altLang="en-US" sz="900" dirty="0">
               <a:solidFill>
                 <a:schemeClr val="accent5">
                   <a:lumMod val="75000"/>
@@ -57801,19 +57102,6 @@
               </a:solidFill>
             </a:endParaRPr>
           </a:p>
-          <a:p>
-            <a:pPr algn="ctr"/>
-            <a:r>
-              <a:rPr lang="ja-JP" altLang="en-US" sz="900" dirty="0">
-                <a:solidFill>
-                  <a:schemeClr val="accent5">
-                    <a:lumMod val="75000"/>
-                  </a:schemeClr>
-                </a:solidFill>
-              </a:rPr>
-              <a:t>オン</a:t>
-            </a:r>
-          </a:p>
         </p:txBody>
       </p:sp>
       <p:sp>
@@ -57832,7 +57120,7 @@
           </a:prstGeom>
           <a:ln>
             <a:solidFill>
-              <a:schemeClr val="accent5">
+              <a:schemeClr val="accent6">
                 <a:lumMod val="75000"/>
               </a:schemeClr>
             </a:solidFill>
@@ -57857,16 +57145,13 @@
           <a:lstStyle/>
           <a:p>
             <a:pPr algn="ctr"/>
-            <a:r>
-              <a:rPr lang="ja-JP" altLang="en-US" sz="900" dirty="0">
-                <a:solidFill>
-                  <a:schemeClr val="accent5">
-                    <a:lumMod val="75000"/>
-                  </a:schemeClr>
-                </a:solidFill>
-              </a:rPr>
-              <a:t>調光</a:t>
-            </a:r>
+            <a:endParaRPr lang="ja-JP" altLang="en-US" sz="900" dirty="0">
+              <a:solidFill>
+                <a:schemeClr val="accent5">
+                  <a:lumMod val="75000"/>
+                </a:schemeClr>
+              </a:solidFill>
+            </a:endParaRPr>
           </a:p>
         </p:txBody>
       </p:sp>

--- a/MANUAL.pptx
+++ b/MANUAL.pptx
@@ -183,7 +183,7 @@
   <pc:docChgLst>
     <pc:chgData name="ito sh" userId="b72e1b45a6eb2453" providerId="LiveId" clId="{5DB3A279-52B4-49E0-BE74-E3F363D4CA0E}"/>
     <pc:docChg chg="undo custSel addSld delSld modSld modSection">
-      <pc:chgData name="ito sh" userId="b72e1b45a6eb2453" providerId="LiveId" clId="{5DB3A279-52B4-49E0-BE74-E3F363D4CA0E}" dt="2018-10-20T06:47:15.518" v="2131" actId="1076"/>
+      <pc:chgData name="ito sh" userId="b72e1b45a6eb2453" providerId="LiveId" clId="{5DB3A279-52B4-49E0-BE74-E3F363D4CA0E}" dt="2018-10-25T20:03:46.314" v="2217" actId="13822"/>
       <pc:docMkLst>
         <pc:docMk/>
       </pc:docMkLst>
@@ -234,7 +234,7 @@
         </pc:spChg>
       </pc:sldChg>
       <pc:sldChg chg="addSp delSp modSp">
-        <pc:chgData name="ito sh" userId="b72e1b45a6eb2453" providerId="LiveId" clId="{5DB3A279-52B4-49E0-BE74-E3F363D4CA0E}" dt="2018-10-20T06:47:15.518" v="2131" actId="1076"/>
+        <pc:chgData name="ito sh" userId="b72e1b45a6eb2453" providerId="LiveId" clId="{5DB3A279-52B4-49E0-BE74-E3F363D4CA0E}" dt="2018-10-25T20:03:46.314" v="2217" actId="13822"/>
         <pc:sldMkLst>
           <pc:docMk/>
           <pc:sldMk cId="2112611312" sldId="306"/>
@@ -245,6 +245,14 @@
             <pc:docMk/>
             <pc:sldMk cId="2112611312" sldId="306"/>
             <ac:spMk id="2" creationId="{00000000-0000-0000-0000-000000000000}"/>
+          </ac:spMkLst>
+        </pc:spChg>
+        <pc:spChg chg="add del mod">
+          <ac:chgData name="ito sh" userId="b72e1b45a6eb2453" providerId="LiveId" clId="{5DB3A279-52B4-49E0-BE74-E3F363D4CA0E}" dt="2018-10-25T20:01:54.405" v="2193" actId="478"/>
+          <ac:spMkLst>
+            <pc:docMk/>
+            <pc:sldMk cId="2112611312" sldId="306"/>
+            <ac:spMk id="3" creationId="{BAB623B7-5F46-4A92-A287-0BD2A3DB2DE4}"/>
           </ac:spMkLst>
         </pc:spChg>
         <pc:spChg chg="del">
@@ -279,12 +287,44 @@
             <ac:spMk id="8" creationId="{00000000-0000-0000-0000-000000000000}"/>
           </ac:spMkLst>
         </pc:spChg>
+        <pc:spChg chg="add mod">
+          <ac:chgData name="ito sh" userId="b72e1b45a6eb2453" providerId="LiveId" clId="{5DB3A279-52B4-49E0-BE74-E3F363D4CA0E}" dt="2018-10-25T20:03:46.314" v="2217" actId="13822"/>
+          <ac:spMkLst>
+            <pc:docMk/>
+            <pc:sldMk cId="2112611312" sldId="306"/>
+            <ac:spMk id="8" creationId="{107C4EAB-40A2-477F-8AAB-3514241B7D42}"/>
+          </ac:spMkLst>
+        </pc:spChg>
+        <pc:spChg chg="add del mod">
+          <ac:chgData name="ito sh" userId="b72e1b45a6eb2453" providerId="LiveId" clId="{5DB3A279-52B4-49E0-BE74-E3F363D4CA0E}" dt="2018-10-25T20:01:53.550" v="2192" actId="478"/>
+          <ac:spMkLst>
+            <pc:docMk/>
+            <pc:sldMk cId="2112611312" sldId="306"/>
+            <ac:spMk id="9" creationId="{433E73A7-3314-4A1C-9D5F-E20D2EBBCAA1}"/>
+          </ac:spMkLst>
+        </pc:spChg>
+        <pc:spChg chg="add mod">
+          <ac:chgData name="ito sh" userId="b72e1b45a6eb2453" providerId="LiveId" clId="{5DB3A279-52B4-49E0-BE74-E3F363D4CA0E}" dt="2018-10-25T20:03:46.314" v="2217" actId="13822"/>
+          <ac:spMkLst>
+            <pc:docMk/>
+            <pc:sldMk cId="2112611312" sldId="306"/>
+            <ac:spMk id="10" creationId="{C552718F-3B5E-42EA-BC8F-FE482A26D851}"/>
+          </ac:spMkLst>
+        </pc:spChg>
         <pc:spChg chg="del">
           <ac:chgData name="ito sh" userId="b72e1b45a6eb2453" providerId="LiveId" clId="{5DB3A279-52B4-49E0-BE74-E3F363D4CA0E}" dt="2018-10-20T05:40:45.281" v="306" actId="478"/>
           <ac:spMkLst>
             <pc:docMk/>
             <pc:sldMk cId="2112611312" sldId="306"/>
             <ac:spMk id="11" creationId="{00000000-0000-0000-0000-000000000000}"/>
+          </ac:spMkLst>
+        </pc:spChg>
+        <pc:spChg chg="add mod">
+          <ac:chgData name="ito sh" userId="b72e1b45a6eb2453" providerId="LiveId" clId="{5DB3A279-52B4-49E0-BE74-E3F363D4CA0E}" dt="2018-10-25T20:03:46.314" v="2217" actId="13822"/>
+          <ac:spMkLst>
+            <pc:docMk/>
+            <pc:sldMk cId="2112611312" sldId="306"/>
+            <ac:spMk id="11" creationId="{D634BDA4-FC96-4AC6-A7D1-90D5CEACF2F1}"/>
           </ac:spMkLst>
         </pc:spChg>
         <pc:spChg chg="del">
@@ -295,6 +335,14 @@
             <ac:spMk id="12" creationId="{00000000-0000-0000-0000-000000000000}"/>
           </ac:spMkLst>
         </pc:spChg>
+        <pc:spChg chg="add mod">
+          <ac:chgData name="ito sh" userId="b72e1b45a6eb2453" providerId="LiveId" clId="{5DB3A279-52B4-49E0-BE74-E3F363D4CA0E}" dt="2018-10-25T20:03:46.314" v="2217" actId="13822"/>
+          <ac:spMkLst>
+            <pc:docMk/>
+            <pc:sldMk cId="2112611312" sldId="306"/>
+            <ac:spMk id="12" creationId="{539358A3-A26B-4868-AB7C-299CCAA79440}"/>
+          </ac:spMkLst>
+        </pc:spChg>
         <pc:spChg chg="del">
           <ac:chgData name="ito sh" userId="b72e1b45a6eb2453" providerId="LiveId" clId="{5DB3A279-52B4-49E0-BE74-E3F363D4CA0E}" dt="2018-10-20T05:40:45.281" v="306" actId="478"/>
           <ac:spMkLst>
@@ -303,12 +351,76 @@
             <ac:spMk id="13" creationId="{00000000-0000-0000-0000-000000000000}"/>
           </ac:spMkLst>
         </pc:spChg>
+        <pc:spChg chg="add mod">
+          <ac:chgData name="ito sh" userId="b72e1b45a6eb2453" providerId="LiveId" clId="{5DB3A279-52B4-49E0-BE74-E3F363D4CA0E}" dt="2018-10-25T20:03:46.314" v="2217" actId="13822"/>
+          <ac:spMkLst>
+            <pc:docMk/>
+            <pc:sldMk cId="2112611312" sldId="306"/>
+            <ac:spMk id="13" creationId="{E3E02116-18EB-493D-AD14-58F1C7DDD686}"/>
+          </ac:spMkLst>
+        </pc:spChg>
         <pc:spChg chg="del mod">
           <ac:chgData name="ito sh" userId="b72e1b45a6eb2453" providerId="LiveId" clId="{5DB3A279-52B4-49E0-BE74-E3F363D4CA0E}" dt="2018-10-20T05:40:45.281" v="306" actId="478"/>
           <ac:spMkLst>
             <pc:docMk/>
             <pc:sldMk cId="2112611312" sldId="306"/>
             <ac:spMk id="14" creationId="{00000000-0000-0000-0000-000000000000}"/>
+          </ac:spMkLst>
+        </pc:spChg>
+        <pc:spChg chg="add mod">
+          <ac:chgData name="ito sh" userId="b72e1b45a6eb2453" providerId="LiveId" clId="{5DB3A279-52B4-49E0-BE74-E3F363D4CA0E}" dt="2018-10-25T20:03:46.314" v="2217" actId="13822"/>
+          <ac:spMkLst>
+            <pc:docMk/>
+            <pc:sldMk cId="2112611312" sldId="306"/>
+            <ac:spMk id="14" creationId="{E98D06E1-55E5-4906-B2FC-747903E212C7}"/>
+          </ac:spMkLst>
+        </pc:spChg>
+        <pc:spChg chg="add del mod">
+          <ac:chgData name="ito sh" userId="b72e1b45a6eb2453" providerId="LiveId" clId="{5DB3A279-52B4-49E0-BE74-E3F363D4CA0E}" dt="2018-10-25T20:03:27.696" v="2216" actId="478"/>
+          <ac:spMkLst>
+            <pc:docMk/>
+            <pc:sldMk cId="2112611312" sldId="306"/>
+            <ac:spMk id="15" creationId="{F1C6DD6C-B29B-493C-8F4B-10CABB275C75}"/>
+          </ac:spMkLst>
+        </pc:spChg>
+        <pc:spChg chg="add mod">
+          <ac:chgData name="ito sh" userId="b72e1b45a6eb2453" providerId="LiveId" clId="{5DB3A279-52B4-49E0-BE74-E3F363D4CA0E}" dt="2018-10-25T20:03:25.721" v="2213" actId="571"/>
+          <ac:spMkLst>
+            <pc:docMk/>
+            <pc:sldMk cId="2112611312" sldId="306"/>
+            <ac:spMk id="16" creationId="{C5368CC1-25A6-4509-910E-FB0522C35B85}"/>
+          </ac:spMkLst>
+        </pc:spChg>
+        <pc:spChg chg="add mod">
+          <ac:chgData name="ito sh" userId="b72e1b45a6eb2453" providerId="LiveId" clId="{5DB3A279-52B4-49E0-BE74-E3F363D4CA0E}" dt="2018-10-25T20:03:25.301" v="2212" actId="571"/>
+          <ac:spMkLst>
+            <pc:docMk/>
+            <pc:sldMk cId="2112611312" sldId="306"/>
+            <ac:spMk id="17" creationId="{0D1CAAA9-BF77-458B-AB54-12BE1D2AC7C7}"/>
+          </ac:spMkLst>
+        </pc:spChg>
+        <pc:spChg chg="add mod">
+          <ac:chgData name="ito sh" userId="b72e1b45a6eb2453" providerId="LiveId" clId="{5DB3A279-52B4-49E0-BE74-E3F363D4CA0E}" dt="2018-10-25T20:03:24.437" v="2210" actId="571"/>
+          <ac:spMkLst>
+            <pc:docMk/>
+            <pc:sldMk cId="2112611312" sldId="306"/>
+            <ac:spMk id="18" creationId="{EAD89906-4D08-47DC-9B6C-50E60D4E54C1}"/>
+          </ac:spMkLst>
+        </pc:spChg>
+        <pc:spChg chg="add mod">
+          <ac:chgData name="ito sh" userId="b72e1b45a6eb2453" providerId="LiveId" clId="{5DB3A279-52B4-49E0-BE74-E3F363D4CA0E}" dt="2018-10-25T20:03:24.437" v="2210" actId="571"/>
+          <ac:spMkLst>
+            <pc:docMk/>
+            <pc:sldMk cId="2112611312" sldId="306"/>
+            <ac:spMk id="19" creationId="{A1222300-975B-46A8-8115-CB602D068155}"/>
+          </ac:spMkLst>
+        </pc:spChg>
+        <pc:spChg chg="add mod">
+          <ac:chgData name="ito sh" userId="b72e1b45a6eb2453" providerId="LiveId" clId="{5DB3A279-52B4-49E0-BE74-E3F363D4CA0E}" dt="2018-10-25T20:03:24.437" v="2210" actId="571"/>
+          <ac:spMkLst>
+            <pc:docMk/>
+            <pc:sldMk cId="2112611312" sldId="306"/>
+            <ac:spMk id="20" creationId="{87C3B4C6-1E84-413B-A03E-1C17D455C48F}"/>
           </ac:spMkLst>
         </pc:spChg>
         <pc:spChg chg="mod">
@@ -837,179 +949,8 @@
           </ac:picMkLst>
         </pc:picChg>
       </pc:sldChg>
-      <pc:sldChg chg="addSp delSp modSp del">
-        <pc:chgData name="ito sh" userId="b72e1b45a6eb2453" providerId="LiveId" clId="{5DB3A279-52B4-49E0-BE74-E3F363D4CA0E}" dt="2018-10-20T06:10:54.507" v="1260" actId="2696"/>
-        <pc:sldMkLst>
-          <pc:docMk/>
-          <pc:sldMk cId="1071245660" sldId="319"/>
-        </pc:sldMkLst>
-        <pc:spChg chg="add del mod">
-          <ac:chgData name="ito sh" userId="b72e1b45a6eb2453" providerId="LiveId" clId="{5DB3A279-52B4-49E0-BE74-E3F363D4CA0E}" dt="2018-10-20T05:30:14.675" v="135" actId="478"/>
-          <ac:spMkLst>
-            <pc:docMk/>
-            <pc:sldMk cId="1071245660" sldId="319"/>
-            <ac:spMk id="21" creationId="{DB89BD20-578B-479E-A3E6-5970ABB34205}"/>
-          </ac:spMkLst>
-        </pc:spChg>
-        <pc:spChg chg="add del mod">
-          <ac:chgData name="ito sh" userId="b72e1b45a6eb2453" providerId="LiveId" clId="{5DB3A279-52B4-49E0-BE74-E3F363D4CA0E}" dt="2018-10-20T05:30:17.499" v="137" actId="478"/>
-          <ac:spMkLst>
-            <pc:docMk/>
-            <pc:sldMk cId="1071245660" sldId="319"/>
-            <ac:spMk id="22" creationId="{ECAC25A4-2664-4FFB-A2BD-2C7801DA1517}"/>
-          </ac:spMkLst>
-        </pc:spChg>
-        <pc:spChg chg="add mod">
-          <ac:chgData name="ito sh" userId="b72e1b45a6eb2453" providerId="LiveId" clId="{5DB3A279-52B4-49E0-BE74-E3F363D4CA0E}" dt="2018-10-20T05:29:30.367" v="122" actId="1076"/>
-          <ac:spMkLst>
-            <pc:docMk/>
-            <pc:sldMk cId="1071245660" sldId="319"/>
-            <ac:spMk id="23" creationId="{5C80089B-591F-452C-A3C3-72B1B72C7CBE}"/>
-          </ac:spMkLst>
-        </pc:spChg>
-        <pc:spChg chg="add mod">
-          <ac:chgData name="ito sh" userId="b72e1b45a6eb2453" providerId="LiveId" clId="{5DB3A279-52B4-49E0-BE74-E3F363D4CA0E}" dt="2018-10-20T05:29:30.367" v="122" actId="1076"/>
-          <ac:spMkLst>
-            <pc:docMk/>
-            <pc:sldMk cId="1071245660" sldId="319"/>
-            <ac:spMk id="24" creationId="{5D9B9F93-F4C7-469D-9BEE-85F015A79F25}"/>
-          </ac:spMkLst>
-        </pc:spChg>
-        <pc:spChg chg="add mod">
-          <ac:chgData name="ito sh" userId="b72e1b45a6eb2453" providerId="LiveId" clId="{5DB3A279-52B4-49E0-BE74-E3F363D4CA0E}" dt="2018-10-20T05:39:46.218" v="291" actId="14100"/>
-          <ac:spMkLst>
-            <pc:docMk/>
-            <pc:sldMk cId="1071245660" sldId="319"/>
-            <ac:spMk id="25" creationId="{6C5A29D0-4D60-4FF8-A6A5-85D5AE836A18}"/>
-          </ac:spMkLst>
-        </pc:spChg>
-        <pc:spChg chg="add mod">
-          <ac:chgData name="ito sh" userId="b72e1b45a6eb2453" providerId="LiveId" clId="{5DB3A279-52B4-49E0-BE74-E3F363D4CA0E}" dt="2018-10-20T05:39:42.643" v="290" actId="14100"/>
-          <ac:spMkLst>
-            <pc:docMk/>
-            <pc:sldMk cId="1071245660" sldId="319"/>
-            <ac:spMk id="26" creationId="{3B2C3B2F-5053-4548-BFD0-A658343CC948}"/>
-          </ac:spMkLst>
-        </pc:spChg>
-        <pc:spChg chg="add mod">
-          <ac:chgData name="ito sh" userId="b72e1b45a6eb2453" providerId="LiveId" clId="{5DB3A279-52B4-49E0-BE74-E3F363D4CA0E}" dt="2018-10-20T06:03:43.828" v="740" actId="1076"/>
-          <ac:spMkLst>
-            <pc:docMk/>
-            <pc:sldMk cId="1071245660" sldId="319"/>
-            <ac:spMk id="27" creationId="{7A6E7225-992B-4273-B8E7-EDC2D7A365FA}"/>
-          </ac:spMkLst>
-        </pc:spChg>
-        <pc:spChg chg="mod">
-          <ac:chgData name="ito sh" userId="b72e1b45a6eb2453" providerId="LiveId" clId="{5DB3A279-52B4-49E0-BE74-E3F363D4CA0E}" dt="2018-10-20T05:39:59.675" v="295" actId="14100"/>
-          <ac:spMkLst>
-            <pc:docMk/>
-            <pc:sldMk cId="1071245660" sldId="319"/>
-            <ac:spMk id="34" creationId="{00000000-0000-0000-0000-000000000000}"/>
-          </ac:spMkLst>
-        </pc:spChg>
-        <pc:spChg chg="mod">
-          <ac:chgData name="ito sh" userId="b72e1b45a6eb2453" providerId="LiveId" clId="{5DB3A279-52B4-49E0-BE74-E3F363D4CA0E}" dt="2018-10-20T05:39:49.101" v="292" actId="14100"/>
-          <ac:spMkLst>
-            <pc:docMk/>
-            <pc:sldMk cId="1071245660" sldId="319"/>
-            <ac:spMk id="35" creationId="{00000000-0000-0000-0000-000000000000}"/>
-          </ac:spMkLst>
-        </pc:spChg>
-        <pc:spChg chg="mod ord">
-          <ac:chgData name="ito sh" userId="b72e1b45a6eb2453" providerId="LiveId" clId="{5DB3A279-52B4-49E0-BE74-E3F363D4CA0E}" dt="2018-10-20T05:39:18.241" v="288" actId="1076"/>
-          <ac:spMkLst>
-            <pc:docMk/>
-            <pc:sldMk cId="1071245660" sldId="319"/>
-            <ac:spMk id="36" creationId="{00000000-0000-0000-0000-000000000000}"/>
-          </ac:spMkLst>
-        </pc:spChg>
-        <pc:spChg chg="mod">
-          <ac:chgData name="ito sh" userId="b72e1b45a6eb2453" providerId="LiveId" clId="{5DB3A279-52B4-49E0-BE74-E3F363D4CA0E}" dt="2018-10-20T05:30:34.874" v="142" actId="14100"/>
-          <ac:spMkLst>
-            <pc:docMk/>
-            <pc:sldMk cId="1071245660" sldId="319"/>
-            <ac:spMk id="41" creationId="{00000000-0000-0000-0000-000000000000}"/>
-          </ac:spMkLst>
-        </pc:spChg>
-        <pc:spChg chg="mod">
-          <ac:chgData name="ito sh" userId="b72e1b45a6eb2453" providerId="LiveId" clId="{5DB3A279-52B4-49E0-BE74-E3F363D4CA0E}" dt="2018-10-20T05:30:36.761" v="143" actId="14100"/>
-          <ac:spMkLst>
-            <pc:docMk/>
-            <pc:sldMk cId="1071245660" sldId="319"/>
-            <ac:spMk id="43" creationId="{00000000-0000-0000-0000-000000000000}"/>
-          </ac:spMkLst>
-        </pc:spChg>
-        <pc:spChg chg="mod">
-          <ac:chgData name="ito sh" userId="b72e1b45a6eb2453" providerId="LiveId" clId="{5DB3A279-52B4-49E0-BE74-E3F363D4CA0E}" dt="2018-10-20T05:30:38.548" v="144" actId="14100"/>
-          <ac:spMkLst>
-            <pc:docMk/>
-            <pc:sldMk cId="1071245660" sldId="319"/>
-            <ac:spMk id="44" creationId="{00000000-0000-0000-0000-000000000000}"/>
-          </ac:spMkLst>
-        </pc:spChg>
-        <pc:spChg chg="del mod">
-          <ac:chgData name="ito sh" userId="b72e1b45a6eb2453" providerId="LiveId" clId="{5DB3A279-52B4-49E0-BE74-E3F363D4CA0E}" dt="2018-10-20T05:29:56.515" v="126" actId="478"/>
-          <ac:spMkLst>
-            <pc:docMk/>
-            <pc:sldMk cId="1071245660" sldId="319"/>
-            <ac:spMk id="45" creationId="{00000000-0000-0000-0000-000000000000}"/>
-          </ac:spMkLst>
-        </pc:spChg>
-        <pc:spChg chg="add del mod">
-          <ac:chgData name="ito sh" userId="b72e1b45a6eb2453" providerId="LiveId" clId="{5DB3A279-52B4-49E0-BE74-E3F363D4CA0E}" dt="2018-10-20T05:39:53.908" v="294" actId="14100"/>
-          <ac:spMkLst>
-            <pc:docMk/>
-            <pc:sldMk cId="1071245660" sldId="319"/>
-            <ac:spMk id="46" creationId="{00000000-0000-0000-0000-000000000000}"/>
-          </ac:spMkLst>
-        </pc:spChg>
-        <pc:spChg chg="mod">
-          <ac:chgData name="ito sh" userId="b72e1b45a6eb2453" providerId="LiveId" clId="{5DB3A279-52B4-49E0-BE74-E3F363D4CA0E}" dt="2018-10-20T05:39:51.897" v="293" actId="14100"/>
-          <ac:spMkLst>
-            <pc:docMk/>
-            <pc:sldMk cId="1071245660" sldId="319"/>
-            <ac:spMk id="47" creationId="{00000000-0000-0000-0000-000000000000}"/>
-          </ac:spMkLst>
-        </pc:spChg>
-        <pc:spChg chg="mod ord">
-          <ac:chgData name="ito sh" userId="b72e1b45a6eb2453" providerId="LiveId" clId="{5DB3A279-52B4-49E0-BE74-E3F363D4CA0E}" dt="2018-10-20T05:39:23.093" v="289" actId="1076"/>
-          <ac:spMkLst>
-            <pc:docMk/>
-            <pc:sldMk cId="1071245660" sldId="319"/>
-            <ac:spMk id="48" creationId="{00000000-0000-0000-0000-000000000000}"/>
-          </ac:spMkLst>
-        </pc:spChg>
-      </pc:sldChg>
-      <pc:sldChg chg="del">
-        <pc:chgData name="ito sh" userId="b72e1b45a6eb2453" providerId="LiveId" clId="{5DB3A279-52B4-49E0-BE74-E3F363D4CA0E}" dt="2018-10-20T06:13:21.377" v="1268" actId="2696"/>
-        <pc:sldMkLst>
-          <pc:docMk/>
-          <pc:sldMk cId="2670781408" sldId="320"/>
-        </pc:sldMkLst>
-      </pc:sldChg>
-      <pc:sldChg chg="del">
-        <pc:chgData name="ito sh" userId="b72e1b45a6eb2453" providerId="LiveId" clId="{5DB3A279-52B4-49E0-BE74-E3F363D4CA0E}" dt="2018-10-20T06:13:19.968" v="1267" actId="2696"/>
-        <pc:sldMkLst>
-          <pc:docMk/>
-          <pc:sldMk cId="980557971" sldId="321"/>
-        </pc:sldMkLst>
-      </pc:sldChg>
-      <pc:sldChg chg="del">
-        <pc:chgData name="ito sh" userId="b72e1b45a6eb2453" providerId="LiveId" clId="{5DB3A279-52B4-49E0-BE74-E3F363D4CA0E}" dt="2018-10-20T06:32:06.003" v="2045" actId="2696"/>
-        <pc:sldMkLst>
-          <pc:docMk/>
-          <pc:sldMk cId="327923610" sldId="322"/>
-        </pc:sldMkLst>
-      </pc:sldChg>
-      <pc:sldChg chg="del">
-        <pc:chgData name="ito sh" userId="b72e1b45a6eb2453" providerId="LiveId" clId="{5DB3A279-52B4-49E0-BE74-E3F363D4CA0E}" dt="2018-10-20T06:32:06.015" v="2046" actId="2696"/>
-        <pc:sldMkLst>
-          <pc:docMk/>
-          <pc:sldMk cId="2048014161" sldId="323"/>
-        </pc:sldMkLst>
-      </pc:sldChg>
       <pc:sldChg chg="addSp delSp modSp add">
-        <pc:chgData name="ito sh" userId="b72e1b45a6eb2453" providerId="LiveId" clId="{5DB3A279-52B4-49E0-BE74-E3F363D4CA0E}" dt="2018-10-20T06:41:51.241" v="2110" actId="113"/>
+        <pc:chgData name="ito sh" userId="b72e1b45a6eb2453" providerId="LiveId" clId="{5DB3A279-52B4-49E0-BE74-E3F363D4CA0E}" dt="2018-10-25T19:59:55.275" v="2156" actId="1076"/>
         <pc:sldMkLst>
           <pc:docMk/>
           <pc:sldMk cId="625981191" sldId="326"/>
@@ -1047,7 +988,7 @@
           </ac:graphicFrameMkLst>
         </pc:graphicFrameChg>
         <pc:graphicFrameChg chg="add mod modGraphic">
-          <ac:chgData name="ito sh" userId="b72e1b45a6eb2453" providerId="LiveId" clId="{5DB3A279-52B4-49E0-BE74-E3F363D4CA0E}" dt="2018-10-20T06:41:51.241" v="2110" actId="113"/>
+          <ac:chgData name="ito sh" userId="b72e1b45a6eb2453" providerId="LiveId" clId="{5DB3A279-52B4-49E0-BE74-E3F363D4CA0E}" dt="2018-10-25T19:59:55.275" v="2156" actId="1076"/>
           <ac:graphicFrameMkLst>
             <pc:docMk/>
             <pc:sldMk cId="625981191" sldId="326"/>
@@ -1409,7 +1350,7 @@
           <a:p>
             <a:fld id="{98B15ECE-60C4-45D4-8ABC-DDA7D4F33EF9}" type="datetimeFigureOut">
               <a:rPr kumimoji="1" lang="ja-JP" altLang="en-US" smtClean="0"/>
-              <a:t>2018/10/20</a:t>
+              <a:t>2018/10/26</a:t>
             </a:fld>
             <a:endParaRPr kumimoji="1" lang="ja-JP" altLang="en-US"/>
           </a:p>
@@ -2511,7 +2452,7 @@
           <a:p>
             <a:fld id="{8FB4C7EE-3C5D-4F47-A8DE-21B759CA57C5}" type="datetimeFigureOut">
               <a:rPr kumimoji="1" lang="ja-JP" altLang="en-US" smtClean="0"/>
-              <a:t>2018/10/20</a:t>
+              <a:t>2018/10/26</a:t>
             </a:fld>
             <a:endParaRPr kumimoji="1" lang="ja-JP" altLang="en-US"/>
           </a:p>
@@ -2713,7 +2654,7 @@
           <a:p>
             <a:fld id="{8FB4C7EE-3C5D-4F47-A8DE-21B759CA57C5}" type="datetimeFigureOut">
               <a:rPr kumimoji="1" lang="ja-JP" altLang="en-US" smtClean="0"/>
-              <a:t>2018/10/20</a:t>
+              <a:t>2018/10/26</a:t>
             </a:fld>
             <a:endParaRPr kumimoji="1" lang="ja-JP" altLang="en-US"/>
           </a:p>
@@ -2925,7 +2866,7 @@
           <a:p>
             <a:fld id="{8FB4C7EE-3C5D-4F47-A8DE-21B759CA57C5}" type="datetimeFigureOut">
               <a:rPr kumimoji="1" lang="ja-JP" altLang="en-US" smtClean="0"/>
-              <a:t>2018/10/20</a:t>
+              <a:t>2018/10/26</a:t>
             </a:fld>
             <a:endParaRPr kumimoji="1" lang="ja-JP" altLang="en-US"/>
           </a:p>
@@ -3127,7 +3068,7 @@
           <a:p>
             <a:fld id="{8FB4C7EE-3C5D-4F47-A8DE-21B759CA57C5}" type="datetimeFigureOut">
               <a:rPr kumimoji="1" lang="ja-JP" altLang="en-US" smtClean="0"/>
-              <a:t>2018/10/20</a:t>
+              <a:t>2018/10/26</a:t>
             </a:fld>
             <a:endParaRPr kumimoji="1" lang="ja-JP" altLang="en-US"/>
           </a:p>
@@ -3371,7 +3312,7 @@
           <a:p>
             <a:fld id="{8FB4C7EE-3C5D-4F47-A8DE-21B759CA57C5}" type="datetimeFigureOut">
               <a:rPr kumimoji="1" lang="ja-JP" altLang="en-US" smtClean="0"/>
-              <a:t>2018/10/20</a:t>
+              <a:t>2018/10/26</a:t>
             </a:fld>
             <a:endParaRPr kumimoji="1" lang="ja-JP" altLang="en-US"/>
           </a:p>
@@ -3667,7 +3608,7 @@
           <a:p>
             <a:fld id="{8FB4C7EE-3C5D-4F47-A8DE-21B759CA57C5}" type="datetimeFigureOut">
               <a:rPr kumimoji="1" lang="ja-JP" altLang="en-US" smtClean="0"/>
-              <a:t>2018/10/20</a:t>
+              <a:t>2018/10/26</a:t>
             </a:fld>
             <a:endParaRPr kumimoji="1" lang="ja-JP" altLang="en-US"/>
           </a:p>
@@ -4098,7 +4039,7 @@
           <a:p>
             <a:fld id="{8FB4C7EE-3C5D-4F47-A8DE-21B759CA57C5}" type="datetimeFigureOut">
               <a:rPr kumimoji="1" lang="ja-JP" altLang="en-US" smtClean="0"/>
-              <a:t>2018/10/20</a:t>
+              <a:t>2018/10/26</a:t>
             </a:fld>
             <a:endParaRPr kumimoji="1" lang="ja-JP" altLang="en-US"/>
           </a:p>
@@ -4216,7 +4157,7 @@
           <a:p>
             <a:fld id="{8FB4C7EE-3C5D-4F47-A8DE-21B759CA57C5}" type="datetimeFigureOut">
               <a:rPr kumimoji="1" lang="ja-JP" altLang="en-US" smtClean="0"/>
-              <a:t>2018/10/20</a:t>
+              <a:t>2018/10/26</a:t>
             </a:fld>
             <a:endParaRPr kumimoji="1" lang="ja-JP" altLang="en-US"/>
           </a:p>
@@ -4311,7 +4252,7 @@
           <a:p>
             <a:fld id="{8FB4C7EE-3C5D-4F47-A8DE-21B759CA57C5}" type="datetimeFigureOut">
               <a:rPr kumimoji="1" lang="ja-JP" altLang="en-US" smtClean="0"/>
-              <a:t>2018/10/20</a:t>
+              <a:t>2018/10/26</a:t>
             </a:fld>
             <a:endParaRPr kumimoji="1" lang="ja-JP" altLang="en-US"/>
           </a:p>
@@ -4620,7 +4561,7 @@
           <a:p>
             <a:fld id="{8FB4C7EE-3C5D-4F47-A8DE-21B759CA57C5}" type="datetimeFigureOut">
               <a:rPr kumimoji="1" lang="ja-JP" altLang="en-US" smtClean="0"/>
-              <a:t>2018/10/20</a:t>
+              <a:t>2018/10/26</a:t>
             </a:fld>
             <a:endParaRPr kumimoji="1" lang="ja-JP" altLang="en-US"/>
           </a:p>
@@ -4877,7 +4818,7 @@
           <a:p>
             <a:fld id="{8FB4C7EE-3C5D-4F47-A8DE-21B759CA57C5}" type="datetimeFigureOut">
               <a:rPr kumimoji="1" lang="ja-JP" altLang="en-US" smtClean="0"/>
-              <a:t>2018/10/20</a:t>
+              <a:t>2018/10/26</a:t>
             </a:fld>
             <a:endParaRPr kumimoji="1" lang="ja-JP" altLang="en-US"/>
           </a:p>
@@ -5122,7 +5063,7 @@
           <a:p>
             <a:fld id="{8FB4C7EE-3C5D-4F47-A8DE-21B759CA57C5}" type="datetimeFigureOut">
               <a:rPr kumimoji="1" lang="ja-JP" altLang="en-US" smtClean="0"/>
-              <a:t>2018/10/20</a:t>
+              <a:t>2018/10/26</a:t>
             </a:fld>
             <a:endParaRPr kumimoji="1" lang="ja-JP" altLang="en-US"/>
           </a:p>
@@ -30280,6 +30221,282 @@
           </a:p>
         </p:txBody>
       </p:sp>
+      <p:sp>
+        <p:nvSpPr>
+          <p:cNvPr id="8" name="矢印: 下 7">
+            <a:extLst>
+              <a:ext uri="{FF2B5EF4-FFF2-40B4-BE49-F238E27FC236}">
+                <a16:creationId xmlns:a16="http://schemas.microsoft.com/office/drawing/2014/main" id="{107C4EAB-40A2-477F-8AAB-3514241B7D42}"/>
+              </a:ext>
+            </a:extLst>
+          </p:cNvPr>
+          <p:cNvSpPr/>
+          <p:nvPr/>
+        </p:nvSpPr>
+        <p:spPr>
+          <a:xfrm rot="17100000">
+            <a:off x="1400499" y="3376969"/>
+            <a:ext cx="296562" cy="531341"/>
+          </a:xfrm>
+          <a:prstGeom prst="downArrow">
+            <a:avLst/>
+          </a:prstGeom>
+        </p:spPr>
+        <p:style>
+          <a:lnRef idx="2">
+            <a:schemeClr val="accent2">
+              <a:shade val="50000"/>
+            </a:schemeClr>
+          </a:lnRef>
+          <a:fillRef idx="1">
+            <a:schemeClr val="accent2"/>
+          </a:fillRef>
+          <a:effectRef idx="0">
+            <a:schemeClr val="accent2"/>
+          </a:effectRef>
+          <a:fontRef idx="minor">
+            <a:schemeClr val="lt1"/>
+          </a:fontRef>
+        </p:style>
+        <p:txBody>
+          <a:bodyPr rtlCol="0" anchor="ctr"/>
+          <a:lstStyle/>
+          <a:p>
+            <a:pPr algn="ctr"/>
+            <a:endParaRPr kumimoji="1" lang="ja-JP" altLang="en-US"/>
+          </a:p>
+        </p:txBody>
+      </p:sp>
+      <p:sp>
+        <p:nvSpPr>
+          <p:cNvPr id="10" name="矢印: 下 9">
+            <a:extLst>
+              <a:ext uri="{FF2B5EF4-FFF2-40B4-BE49-F238E27FC236}">
+                <a16:creationId xmlns:a16="http://schemas.microsoft.com/office/drawing/2014/main" id="{C552718F-3B5E-42